--- a/Capstone.pptx
+++ b/Capstone.pptx
@@ -105,6 +105,11 @@
       </a:defRPr>
     </a:lvl9pPr>
   </p:defaultTextStyle>
+  <p:extLst>
+    <p:ext uri="{EFAFB233-063F-42B5-8137-9DF3F51BA10A}">
+      <p15:sldGuideLst xmlns:p15="http://schemas.microsoft.com/office/powerpoint/2012/main"/>
+    </p:ext>
+  </p:extLst>
 </p:presentation>
 </file>
 
@@ -3472,13 +3477,19 @@
           <a:p>
             <a:r>
               <a:rPr lang="en-US" dirty="0"/>
-              <a:t>Problem Statement</a:t>
+              <a:t>Literature Review</a:t>
             </a:r>
           </a:p>
           <a:p>
             <a:r>
               <a:rPr lang="en-US" dirty="0"/>
-              <a:t>Methodology</a:t>
+              <a:t>Requirement analysis</a:t>
+            </a:r>
+          </a:p>
+          <a:p>
+            <a:r>
+              <a:rPr lang="en-US" dirty="0"/>
+              <a:t>Future work</a:t>
             </a:r>
           </a:p>
           <a:p>

--- a/Capstone.pptx
+++ b/Capstone.pptx
@@ -2,11 +2,16 @@
 <file path=ppt/presentation.xml><?xml version="1.0" encoding="utf-8"?>
 <p:presentation xmlns:a="http://schemas.openxmlformats.org/drawingml/2006/main" xmlns:r="http://schemas.openxmlformats.org/officeDocument/2006/relationships" xmlns:p="http://schemas.openxmlformats.org/presentationml/2006/main" saveSubsetFonts="1">
   <p:sldMasterIdLst>
-    <p:sldMasterId id="2147483648" r:id="rId1"/>
+    <p:sldMasterId id="2147483660" r:id="rId1"/>
   </p:sldMasterIdLst>
   <p:sldIdLst>
     <p:sldId id="256" r:id="rId2"/>
     <p:sldId id="257" r:id="rId3"/>
+    <p:sldId id="258" r:id="rId4"/>
+    <p:sldId id="259" r:id="rId5"/>
+    <p:sldId id="260" r:id="rId6"/>
+    <p:sldId id="261" r:id="rId7"/>
+    <p:sldId id="262" r:id="rId8"/>
   </p:sldIdLst>
   <p:sldSz cx="12192000" cy="6858000"/>
   <p:notesSz cx="6858000" cy="9144000"/>
@@ -14,7 +19,7 @@
     <a:defPPr>
       <a:defRPr lang="en-US"/>
     </a:defPPr>
-    <a:lvl1pPr marL="0" algn="l" defTabSz="914400" rtl="0" eaLnBrk="1" latinLnBrk="0" hangingPunct="1">
+    <a:lvl1pPr marL="0" algn="l" defTabSz="457200" rtl="0" eaLnBrk="1" latinLnBrk="0" hangingPunct="1">
       <a:defRPr sz="1800" kern="1200">
         <a:solidFill>
           <a:schemeClr val="tx1"/>
@@ -24,7 +29,7 @@
         <a:cs typeface="+mn-cs"/>
       </a:defRPr>
     </a:lvl1pPr>
-    <a:lvl2pPr marL="457200" algn="l" defTabSz="914400" rtl="0" eaLnBrk="1" latinLnBrk="0" hangingPunct="1">
+    <a:lvl2pPr marL="457200" algn="l" defTabSz="457200" rtl="0" eaLnBrk="1" latinLnBrk="0" hangingPunct="1">
       <a:defRPr sz="1800" kern="1200">
         <a:solidFill>
           <a:schemeClr val="tx1"/>
@@ -34,7 +39,7 @@
         <a:cs typeface="+mn-cs"/>
       </a:defRPr>
     </a:lvl2pPr>
-    <a:lvl3pPr marL="914400" algn="l" defTabSz="914400" rtl="0" eaLnBrk="1" latinLnBrk="0" hangingPunct="1">
+    <a:lvl3pPr marL="914400" algn="l" defTabSz="457200" rtl="0" eaLnBrk="1" latinLnBrk="0" hangingPunct="1">
       <a:defRPr sz="1800" kern="1200">
         <a:solidFill>
           <a:schemeClr val="tx1"/>
@@ -44,7 +49,7 @@
         <a:cs typeface="+mn-cs"/>
       </a:defRPr>
     </a:lvl3pPr>
-    <a:lvl4pPr marL="1371600" algn="l" defTabSz="914400" rtl="0" eaLnBrk="1" latinLnBrk="0" hangingPunct="1">
+    <a:lvl4pPr marL="1371600" algn="l" defTabSz="457200" rtl="0" eaLnBrk="1" latinLnBrk="0" hangingPunct="1">
       <a:defRPr sz="1800" kern="1200">
         <a:solidFill>
           <a:schemeClr val="tx1"/>
@@ -54,7 +59,7 @@
         <a:cs typeface="+mn-cs"/>
       </a:defRPr>
     </a:lvl4pPr>
-    <a:lvl5pPr marL="1828800" algn="l" defTabSz="914400" rtl="0" eaLnBrk="1" latinLnBrk="0" hangingPunct="1">
+    <a:lvl5pPr marL="1828800" algn="l" defTabSz="457200" rtl="0" eaLnBrk="1" latinLnBrk="0" hangingPunct="1">
       <a:defRPr sz="1800" kern="1200">
         <a:solidFill>
           <a:schemeClr val="tx1"/>
@@ -64,7 +69,7 @@
         <a:cs typeface="+mn-cs"/>
       </a:defRPr>
     </a:lvl5pPr>
-    <a:lvl6pPr marL="2286000" algn="l" defTabSz="914400" rtl="0" eaLnBrk="1" latinLnBrk="0" hangingPunct="1">
+    <a:lvl6pPr marL="2286000" algn="l" defTabSz="457200" rtl="0" eaLnBrk="1" latinLnBrk="0" hangingPunct="1">
       <a:defRPr sz="1800" kern="1200">
         <a:solidFill>
           <a:schemeClr val="tx1"/>
@@ -74,7 +79,7 @@
         <a:cs typeface="+mn-cs"/>
       </a:defRPr>
     </a:lvl6pPr>
-    <a:lvl7pPr marL="2743200" algn="l" defTabSz="914400" rtl="0" eaLnBrk="1" latinLnBrk="0" hangingPunct="1">
+    <a:lvl7pPr marL="2743200" algn="l" defTabSz="457200" rtl="0" eaLnBrk="1" latinLnBrk="0" hangingPunct="1">
       <a:defRPr sz="1800" kern="1200">
         <a:solidFill>
           <a:schemeClr val="tx1"/>
@@ -84,7 +89,7 @@
         <a:cs typeface="+mn-cs"/>
       </a:defRPr>
     </a:lvl7pPr>
-    <a:lvl8pPr marL="3200400" algn="l" defTabSz="914400" rtl="0" eaLnBrk="1" latinLnBrk="0" hangingPunct="1">
+    <a:lvl8pPr marL="3200400" algn="l" defTabSz="457200" rtl="0" eaLnBrk="1" latinLnBrk="0" hangingPunct="1">
       <a:defRPr sz="1800" kern="1200">
         <a:solidFill>
           <a:schemeClr val="tx1"/>
@@ -94,7 +99,7 @@
         <a:cs typeface="+mn-cs"/>
       </a:defRPr>
     </a:lvl8pPr>
-    <a:lvl9pPr marL="3657600" algn="l" defTabSz="914400" rtl="0" eaLnBrk="1" latinLnBrk="0" hangingPunct="1">
+    <a:lvl9pPr marL="3657600" algn="l" defTabSz="457200" rtl="0" eaLnBrk="1" latinLnBrk="0" hangingPunct="1">
       <a:defRPr sz="1800" kern="1200">
         <a:solidFill>
           <a:schemeClr val="tx1"/>
@@ -114,7 +119,7 @@
 </file>
 
 <file path=ppt/slideLayouts/slideLayout1.xml><?xml version="1.0" encoding="utf-8"?>
-<p:sldLayout xmlns:a="http://schemas.openxmlformats.org/drawingml/2006/main" xmlns:r="http://schemas.openxmlformats.org/officeDocument/2006/relationships" xmlns:p="http://schemas.openxmlformats.org/presentationml/2006/main" type="title" preserve="1">
+<p:sldLayout xmlns:a="http://schemas.openxmlformats.org/drawingml/2006/main" xmlns:r="http://schemas.openxmlformats.org/officeDocument/2006/relationships" xmlns:p="http://schemas.openxmlformats.org/presentationml/2006/main" showMasterSp="0" type="title" preserve="1">
   <p:cSld name="Title Slide">
     <p:spTree>
       <p:nvGrpSpPr>
@@ -132,13 +137,7 @@
       </p:grpSpPr>
       <p:sp>
         <p:nvSpPr>
-          <p:cNvPr id="2" name="Title 1">
-            <a:extLst>
-              <a:ext uri="{FF2B5EF4-FFF2-40B4-BE49-F238E27FC236}">
-                <a16:creationId xmlns:a16="http://schemas.microsoft.com/office/drawing/2014/main" id="{B3319348-5D71-478E-B504-4C7A3A7EC8CB}"/>
-              </a:ext>
-            </a:extLst>
-          </p:cNvPr>
+          <p:cNvPr id="2" name="Title 1"/>
           <p:cNvSpPr>
             <a:spLocks noGrp="1"/>
           </p:cNvSpPr>
@@ -148,15 +147,21 @@
         </p:nvSpPr>
         <p:spPr>
           <a:xfrm>
-            <a:off x="1524000" y="1122363"/>
-            <a:ext cx="9144000" cy="2387600"/>
+            <a:off x="1915128" y="1788454"/>
+            <a:ext cx="8361229" cy="2098226"/>
           </a:xfrm>
         </p:spPr>
         <p:txBody>
-          <a:bodyPr anchor="b"/>
+          <a:bodyPr anchor="b">
+            <a:noAutofit/>
+          </a:bodyPr>
           <a:lstStyle>
             <a:lvl1pPr algn="ctr">
-              <a:defRPr sz="6000"/>
+              <a:defRPr sz="7200" cap="all" baseline="0">
+                <a:solidFill>
+                  <a:schemeClr val="tx2"/>
+                </a:solidFill>
+              </a:defRPr>
             </a:lvl1pPr>
           </a:lstStyle>
           <a:p>
@@ -164,18 +169,13 @@
               <a:rPr lang="en-US"/>
               <a:t>Click to edit Master title style</a:t>
             </a:r>
-          </a:p>
-        </p:txBody>
-      </p:sp>
-      <p:sp>
-        <p:nvSpPr>
-          <p:cNvPr id="3" name="Subtitle 2">
-            <a:extLst>
-              <a:ext uri="{FF2B5EF4-FFF2-40B4-BE49-F238E27FC236}">
-                <a16:creationId xmlns:a16="http://schemas.microsoft.com/office/drawing/2014/main" id="{2F9C9C65-F7A7-4932-A196-3BAEC7745CFE}"/>
-              </a:ext>
-            </a:extLst>
-          </p:cNvPr>
+            <a:endParaRPr lang="en-US" dirty="0"/>
+          </a:p>
+        </p:txBody>
+      </p:sp>
+      <p:sp>
+        <p:nvSpPr>
+          <p:cNvPr id="3" name="Subtitle 2"/>
           <p:cNvSpPr>
             <a:spLocks noGrp="1"/>
           </p:cNvSpPr>
@@ -185,16 +185,27 @@
         </p:nvSpPr>
         <p:spPr>
           <a:xfrm>
-            <a:off x="1524000" y="3602038"/>
-            <a:ext cx="9144000" cy="1655762"/>
+            <a:off x="2679906" y="3956279"/>
+            <a:ext cx="6831673" cy="1086237"/>
           </a:xfrm>
         </p:spPr>
         <p:txBody>
-          <a:bodyPr/>
+          <a:bodyPr>
+            <a:normAutofit/>
+          </a:bodyPr>
           <a:lstStyle>
             <a:lvl1pPr marL="0" indent="0" algn="ctr">
-              <a:buNone/>
-              <a:defRPr sz="2400"/>
+              <a:lnSpc>
+                <a:spcPct val="112000"/>
+              </a:lnSpc>
+              <a:spcBef>
+                <a:spcPts val="0"/>
+              </a:spcBef>
+              <a:spcAft>
+                <a:spcPts val="0"/>
+              </a:spcAft>
+              <a:buNone/>
+              <a:defRPr sz="2300"/>
             </a:lvl1pPr>
             <a:lvl2pPr marL="457200" indent="0" algn="ctr">
               <a:buNone/>
@@ -234,18 +245,13 @@
               <a:rPr lang="en-US"/>
               <a:t>Click to edit Master subtitle style</a:t>
             </a:r>
-          </a:p>
-        </p:txBody>
-      </p:sp>
-      <p:sp>
-        <p:nvSpPr>
-          <p:cNvPr id="4" name="Date Placeholder 3">
-            <a:extLst>
-              <a:ext uri="{FF2B5EF4-FFF2-40B4-BE49-F238E27FC236}">
-                <a16:creationId xmlns:a16="http://schemas.microsoft.com/office/drawing/2014/main" id="{2C71B254-B5F8-425A-8BA4-86E01F450B80}"/>
-              </a:ext>
-            </a:extLst>
-          </p:cNvPr>
+            <a:endParaRPr lang="en-US" dirty="0"/>
+          </a:p>
+        </p:txBody>
+      </p:sp>
+      <p:sp>
+        <p:nvSpPr>
+          <p:cNvPr id="4" name="Date Placeholder 3"/>
           <p:cNvSpPr>
             <a:spLocks noGrp="1"/>
           </p:cNvSpPr>
@@ -253,10 +259,23 @@
             <p:ph type="dt" sz="half" idx="10"/>
           </p:nvPr>
         </p:nvSpPr>
-        <p:spPr/>
-        <p:txBody>
-          <a:bodyPr/>
-          <a:lstStyle/>
+        <p:spPr>
+          <a:xfrm>
+            <a:off x="752858" y="6453386"/>
+            <a:ext cx="1607944" cy="404614"/>
+          </a:xfrm>
+        </p:spPr>
+        <p:txBody>
+          <a:bodyPr/>
+          <a:lstStyle>
+            <a:lvl1pPr>
+              <a:defRPr baseline="0">
+                <a:solidFill>
+                  <a:schemeClr val="tx2"/>
+                </a:solidFill>
+              </a:defRPr>
+            </a:lvl1pPr>
+          </a:lstStyle>
           <a:p>
             <a:fld id="{7ED82E05-B906-46D2-B7F0-95A00293E995}" type="datetimeFigureOut">
               <a:rPr lang="en-US" smtClean="0"/>
@@ -268,13 +287,7 @@
       </p:sp>
       <p:sp>
         <p:nvSpPr>
-          <p:cNvPr id="5" name="Footer Placeholder 4">
-            <a:extLst>
-              <a:ext uri="{FF2B5EF4-FFF2-40B4-BE49-F238E27FC236}">
-                <a16:creationId xmlns:a16="http://schemas.microsoft.com/office/drawing/2014/main" id="{B4ADEE34-BD90-41ED-889C-9BA4FDFE15F0}"/>
-              </a:ext>
-            </a:extLst>
-          </p:cNvPr>
+          <p:cNvPr id="5" name="Footer Placeholder 4"/>
           <p:cNvSpPr>
             <a:spLocks noGrp="1"/>
           </p:cNvSpPr>
@@ -282,10 +295,23 @@
             <p:ph type="ftr" sz="quarter" idx="11"/>
           </p:nvPr>
         </p:nvSpPr>
-        <p:spPr/>
-        <p:txBody>
-          <a:bodyPr/>
-          <a:lstStyle/>
+        <p:spPr>
+          <a:xfrm>
+            <a:off x="2584054" y="6453386"/>
+            <a:ext cx="7023377" cy="404614"/>
+          </a:xfrm>
+        </p:spPr>
+        <p:txBody>
+          <a:bodyPr/>
+          <a:lstStyle>
+            <a:lvl1pPr algn="ctr">
+              <a:defRPr baseline="0">
+                <a:solidFill>
+                  <a:schemeClr val="tx2"/>
+                </a:solidFill>
+              </a:defRPr>
+            </a:lvl1pPr>
+          </a:lstStyle>
           <a:p>
             <a:endParaRPr lang="en-US"/>
           </a:p>
@@ -293,13 +319,7 @@
       </p:sp>
       <p:sp>
         <p:nvSpPr>
-          <p:cNvPr id="6" name="Slide Number Placeholder 5">
-            <a:extLst>
-              <a:ext uri="{FF2B5EF4-FFF2-40B4-BE49-F238E27FC236}">
-                <a16:creationId xmlns:a16="http://schemas.microsoft.com/office/drawing/2014/main" id="{706D763F-4996-406F-8FFA-AFEA6AA24169}"/>
-              </a:ext>
-            </a:extLst>
-          </p:cNvPr>
+          <p:cNvPr id="6" name="Slide Number Placeholder 5"/>
           <p:cNvSpPr>
             <a:spLocks noGrp="1"/>
           </p:cNvSpPr>
@@ -307,10 +327,23 @@
             <p:ph type="sldNum" sz="quarter" idx="12"/>
           </p:nvPr>
         </p:nvSpPr>
-        <p:spPr/>
-        <p:txBody>
-          <a:bodyPr/>
-          <a:lstStyle/>
+        <p:spPr>
+          <a:xfrm>
+            <a:off x="9830683" y="6453386"/>
+            <a:ext cx="1596292" cy="404614"/>
+          </a:xfrm>
+        </p:spPr>
+        <p:txBody>
+          <a:bodyPr/>
+          <a:lstStyle>
+            <a:lvl1pPr>
+              <a:defRPr baseline="0">
+                <a:solidFill>
+                  <a:schemeClr val="tx2"/>
+                </a:solidFill>
+              </a:defRPr>
+            </a:lvl1pPr>
+          </a:lstStyle>
           <a:p>
             <a:fld id="{A8D7D4F6-2DF8-4D69-B05D-24304D43B04C}" type="slidenum">
               <a:rPr lang="en-US" smtClean="0"/>
@@ -320,10 +353,139 @@
           </a:p>
         </p:txBody>
       </p:sp>
+      <p:grpSp>
+        <p:nvGrpSpPr>
+          <p:cNvPr id="7" name="Group 6"/>
+          <p:cNvGrpSpPr/>
+          <p:nvPr/>
+        </p:nvGrpSpPr>
+        <p:grpSpPr>
+          <a:xfrm>
+            <a:off x="752858" y="744469"/>
+            <a:ext cx="10674117" cy="5349671"/>
+            <a:chOff x="752858" y="744469"/>
+            <a:chExt cx="10674117" cy="5349671"/>
+          </a:xfrm>
+        </p:grpSpPr>
+        <p:sp>
+          <p:nvSpPr>
+            <p:cNvPr id="11" name="Freeform 6"/>
+            <p:cNvSpPr/>
+            <p:nvPr/>
+          </p:nvSpPr>
+          <p:spPr bwMode="auto">
+            <a:xfrm>
+              <a:off x="8151962" y="1685652"/>
+              <a:ext cx="3275013" cy="4408488"/>
+            </a:xfrm>
+            <a:custGeom>
+              <a:avLst/>
+              <a:gdLst/>
+              <a:ahLst/>
+              <a:cxnLst/>
+              <a:rect l="l" t="t" r="r" b="b"/>
+              <a:pathLst>
+                <a:path w="10000" h="10000">
+                  <a:moveTo>
+                    <a:pt x="8761" y="0"/>
+                  </a:moveTo>
+                  <a:lnTo>
+                    <a:pt x="10000" y="0"/>
+                  </a:lnTo>
+                  <a:lnTo>
+                    <a:pt x="10000" y="10000"/>
+                  </a:lnTo>
+                  <a:lnTo>
+                    <a:pt x="0" y="10000"/>
+                  </a:lnTo>
+                  <a:lnTo>
+                    <a:pt x="0" y="9126"/>
+                  </a:lnTo>
+                  <a:lnTo>
+                    <a:pt x="8761" y="9127"/>
+                  </a:lnTo>
+                  <a:lnTo>
+                    <a:pt x="8761" y="0"/>
+                  </a:lnTo>
+                  <a:close/>
+                </a:path>
+              </a:pathLst>
+            </a:custGeom>
+            <a:solidFill>
+              <a:schemeClr val="tx2"/>
+            </a:solidFill>
+            <a:ln w="0">
+              <a:noFill/>
+              <a:prstDash val="solid"/>
+              <a:round/>
+              <a:headEnd/>
+              <a:tailEnd/>
+            </a:ln>
+          </p:spPr>
+        </p:sp>
+        <p:sp>
+          <p:nvSpPr>
+            <p:cNvPr id="14" name="Freeform 6"/>
+            <p:cNvSpPr/>
+            <p:nvPr/>
+          </p:nvSpPr>
+          <p:spPr bwMode="auto">
+            <a:xfrm flipH="1" flipV="1">
+              <a:off x="752858" y="744469"/>
+              <a:ext cx="3275668" cy="4408488"/>
+            </a:xfrm>
+            <a:custGeom>
+              <a:avLst/>
+              <a:gdLst/>
+              <a:ahLst/>
+              <a:cxnLst/>
+              <a:rect l="l" t="t" r="r" b="b"/>
+              <a:pathLst>
+                <a:path w="10002" h="10000">
+                  <a:moveTo>
+                    <a:pt x="8763" y="0"/>
+                  </a:moveTo>
+                  <a:lnTo>
+                    <a:pt x="10002" y="0"/>
+                  </a:lnTo>
+                  <a:lnTo>
+                    <a:pt x="10002" y="10000"/>
+                  </a:lnTo>
+                  <a:lnTo>
+                    <a:pt x="2" y="10000"/>
+                  </a:lnTo>
+                  <a:cubicBezTo>
+                    <a:pt x="-2" y="9698"/>
+                    <a:pt x="4" y="9427"/>
+                    <a:pt x="0" y="9125"/>
+                  </a:cubicBezTo>
+                  <a:lnTo>
+                    <a:pt x="8763" y="9128"/>
+                  </a:lnTo>
+                  <a:lnTo>
+                    <a:pt x="8763" y="0"/>
+                  </a:lnTo>
+                  <a:close/>
+                </a:path>
+              </a:pathLst>
+            </a:custGeom>
+            <a:solidFill>
+              <a:schemeClr val="tx2"/>
+            </a:solidFill>
+            <a:ln w="0">
+              <a:noFill/>
+              <a:prstDash val="solid"/>
+              <a:round/>
+              <a:headEnd/>
+              <a:tailEnd/>
+            </a:ln>
+          </p:spPr>
+        </p:sp>
+      </p:grpSp>
     </p:spTree>
     <p:extLst>
       <p:ext uri="{BB962C8B-B14F-4D97-AF65-F5344CB8AC3E}">
-        <p14:creationId xmlns:p14="http://schemas.microsoft.com/office/powerpoint/2010/main" val="3808223712"/>
+        <p14:creationId xmlns:p14="http://schemas.microsoft.com/office/powerpoint/2010/main" val="2639516394"/>
       </p:ext>
     </p:extLst>
   </p:cSld>
@@ -352,13 +514,7 @@
       </p:grpSpPr>
       <p:sp>
         <p:nvSpPr>
-          <p:cNvPr id="2" name="Title 1">
-            <a:extLst>
-              <a:ext uri="{FF2B5EF4-FFF2-40B4-BE49-F238E27FC236}">
-                <a16:creationId xmlns:a16="http://schemas.microsoft.com/office/drawing/2014/main" id="{6F6BABE6-7270-4987-9F9D-0C595D0A3970}"/>
-              </a:ext>
-            </a:extLst>
-          </p:cNvPr>
+          <p:cNvPr id="2" name="Title 1"/>
           <p:cNvSpPr>
             <a:spLocks noGrp="1"/>
           </p:cNvSpPr>
@@ -375,18 +531,13 @@
               <a:rPr lang="en-US"/>
               <a:t>Click to edit Master title style</a:t>
             </a:r>
-          </a:p>
-        </p:txBody>
-      </p:sp>
-      <p:sp>
-        <p:nvSpPr>
-          <p:cNvPr id="3" name="Vertical Text Placeholder 2">
-            <a:extLst>
-              <a:ext uri="{FF2B5EF4-FFF2-40B4-BE49-F238E27FC236}">
-                <a16:creationId xmlns:a16="http://schemas.microsoft.com/office/drawing/2014/main" id="{B3F05FC3-F103-465E-B4F1-C095A477F909}"/>
-              </a:ext>
-            </a:extLst>
-          </p:cNvPr>
+            <a:endParaRPr lang="en-US" dirty="0"/>
+          </a:p>
+        </p:txBody>
+      </p:sp>
+      <p:sp>
+        <p:nvSpPr>
+          <p:cNvPr id="3" name="Vertical Text Placeholder 2"/>
           <p:cNvSpPr>
             <a:spLocks noGrp="1"/>
           </p:cNvSpPr>
@@ -394,7 +545,12 @@
             <p:ph type="body" orient="vert" idx="1"/>
           </p:nvPr>
         </p:nvSpPr>
-        <p:spPr/>
+        <p:spPr>
+          <a:xfrm>
+            <a:off x="1371600" y="2295525"/>
+            <a:ext cx="9601200" cy="3571875"/>
+          </a:xfrm>
+        </p:spPr>
         <p:txBody>
           <a:bodyPr vert="eaVert"/>
           <a:lstStyle/>
@@ -432,18 +588,13 @@
               <a:rPr lang="en-US"/>
               <a:t>Fifth level</a:t>
             </a:r>
-          </a:p>
-        </p:txBody>
-      </p:sp>
-      <p:sp>
-        <p:nvSpPr>
-          <p:cNvPr id="4" name="Date Placeholder 3">
-            <a:extLst>
-              <a:ext uri="{FF2B5EF4-FFF2-40B4-BE49-F238E27FC236}">
-                <a16:creationId xmlns:a16="http://schemas.microsoft.com/office/drawing/2014/main" id="{10DCCB73-9ECF-44CE-9021-6E76A8AFE359}"/>
-              </a:ext>
-            </a:extLst>
-          </p:cNvPr>
+            <a:endParaRPr lang="en-US" dirty="0"/>
+          </a:p>
+        </p:txBody>
+      </p:sp>
+      <p:sp>
+        <p:nvSpPr>
+          <p:cNvPr id="4" name="Date Placeholder 3"/>
           <p:cNvSpPr>
             <a:spLocks noGrp="1"/>
           </p:cNvSpPr>
@@ -466,13 +617,7 @@
       </p:sp>
       <p:sp>
         <p:nvSpPr>
-          <p:cNvPr id="5" name="Footer Placeholder 4">
-            <a:extLst>
-              <a:ext uri="{FF2B5EF4-FFF2-40B4-BE49-F238E27FC236}">
-                <a16:creationId xmlns:a16="http://schemas.microsoft.com/office/drawing/2014/main" id="{564C565F-5C4F-494B-ADE7-5CFB06F0BCFB}"/>
-              </a:ext>
-            </a:extLst>
-          </p:cNvPr>
+          <p:cNvPr id="5" name="Footer Placeholder 4"/>
           <p:cNvSpPr>
             <a:spLocks noGrp="1"/>
           </p:cNvSpPr>
@@ -491,13 +636,7 @@
       </p:sp>
       <p:sp>
         <p:nvSpPr>
-          <p:cNvPr id="6" name="Slide Number Placeholder 5">
-            <a:extLst>
-              <a:ext uri="{FF2B5EF4-FFF2-40B4-BE49-F238E27FC236}">
-                <a16:creationId xmlns:a16="http://schemas.microsoft.com/office/drawing/2014/main" id="{DE8E12E4-6E57-44E7-AD1F-C5BB441A282D}"/>
-              </a:ext>
-            </a:extLst>
-          </p:cNvPr>
+          <p:cNvPr id="6" name="Slide Number Placeholder 5"/>
           <p:cNvSpPr>
             <a:spLocks noGrp="1"/>
           </p:cNvSpPr>
@@ -521,7 +660,7 @@
     </p:spTree>
     <p:extLst>
       <p:ext uri="{BB962C8B-B14F-4D97-AF65-F5344CB8AC3E}">
-        <p14:creationId xmlns:p14="http://schemas.microsoft.com/office/powerpoint/2010/main" val="3413862467"/>
+        <p14:creationId xmlns:p14="http://schemas.microsoft.com/office/powerpoint/2010/main" val="127830602"/>
       </p:ext>
     </p:extLst>
   </p:cSld>
@@ -550,13 +689,7 @@
       </p:grpSpPr>
       <p:sp>
         <p:nvSpPr>
-          <p:cNvPr id="2" name="Vertical Title 1">
-            <a:extLst>
-              <a:ext uri="{FF2B5EF4-FFF2-40B4-BE49-F238E27FC236}">
-                <a16:creationId xmlns:a16="http://schemas.microsoft.com/office/drawing/2014/main" id="{7AC07CBE-60BE-40AA-B59F-C85DA59B68E7}"/>
-              </a:ext>
-            </a:extLst>
-          </p:cNvPr>
+          <p:cNvPr id="2" name="Vertical Title 1"/>
           <p:cNvSpPr>
             <a:spLocks noGrp="1"/>
           </p:cNvSpPr>
@@ -566,8 +699,8 @@
         </p:nvSpPr>
         <p:spPr>
           <a:xfrm>
-            <a:off x="8724900" y="365125"/>
-            <a:ext cx="2628900" cy="5811838"/>
+            <a:off x="9596561" y="624156"/>
+            <a:ext cx="1565766" cy="5243244"/>
           </a:xfrm>
         </p:spPr>
         <p:txBody>
@@ -578,18 +711,13 @@
               <a:rPr lang="en-US"/>
               <a:t>Click to edit Master title style</a:t>
             </a:r>
-          </a:p>
-        </p:txBody>
-      </p:sp>
-      <p:sp>
-        <p:nvSpPr>
-          <p:cNvPr id="3" name="Vertical Text Placeholder 2">
-            <a:extLst>
-              <a:ext uri="{FF2B5EF4-FFF2-40B4-BE49-F238E27FC236}">
-                <a16:creationId xmlns:a16="http://schemas.microsoft.com/office/drawing/2014/main" id="{78337B17-2387-4441-8A10-99B7710F19E9}"/>
-              </a:ext>
-            </a:extLst>
-          </p:cNvPr>
+            <a:endParaRPr lang="en-US" dirty="0"/>
+          </a:p>
+        </p:txBody>
+      </p:sp>
+      <p:sp>
+        <p:nvSpPr>
+          <p:cNvPr id="3" name="Vertical Text Placeholder 2"/>
           <p:cNvSpPr>
             <a:spLocks noGrp="1"/>
           </p:cNvSpPr>
@@ -599,8 +727,8 @@
         </p:nvSpPr>
         <p:spPr>
           <a:xfrm>
-            <a:off x="838200" y="365125"/>
-            <a:ext cx="7734300" cy="5811838"/>
+            <a:off x="1371600" y="624156"/>
+            <a:ext cx="8179641" cy="5243244"/>
           </a:xfrm>
         </p:spPr>
         <p:txBody>
@@ -640,18 +768,13 @@
               <a:rPr lang="en-US"/>
               <a:t>Fifth level</a:t>
             </a:r>
-          </a:p>
-        </p:txBody>
-      </p:sp>
-      <p:sp>
-        <p:nvSpPr>
-          <p:cNvPr id="4" name="Date Placeholder 3">
-            <a:extLst>
-              <a:ext uri="{FF2B5EF4-FFF2-40B4-BE49-F238E27FC236}">
-                <a16:creationId xmlns:a16="http://schemas.microsoft.com/office/drawing/2014/main" id="{FED93E66-66DA-46F2-AD17-EDC7962E20A4}"/>
-              </a:ext>
-            </a:extLst>
-          </p:cNvPr>
+            <a:endParaRPr lang="en-US" dirty="0"/>
+          </a:p>
+        </p:txBody>
+      </p:sp>
+      <p:sp>
+        <p:nvSpPr>
+          <p:cNvPr id="4" name="Date Placeholder 3"/>
           <p:cNvSpPr>
             <a:spLocks noGrp="1"/>
           </p:cNvSpPr>
@@ -674,13 +797,7 @@
       </p:sp>
       <p:sp>
         <p:nvSpPr>
-          <p:cNvPr id="5" name="Footer Placeholder 4">
-            <a:extLst>
-              <a:ext uri="{FF2B5EF4-FFF2-40B4-BE49-F238E27FC236}">
-                <a16:creationId xmlns:a16="http://schemas.microsoft.com/office/drawing/2014/main" id="{F37CD9E8-F4D8-4AD1-99B8-C907BFAAA98C}"/>
-              </a:ext>
-            </a:extLst>
-          </p:cNvPr>
+          <p:cNvPr id="5" name="Footer Placeholder 4"/>
           <p:cNvSpPr>
             <a:spLocks noGrp="1"/>
           </p:cNvSpPr>
@@ -699,13 +816,7 @@
       </p:sp>
       <p:sp>
         <p:nvSpPr>
-          <p:cNvPr id="6" name="Slide Number Placeholder 5">
-            <a:extLst>
-              <a:ext uri="{FF2B5EF4-FFF2-40B4-BE49-F238E27FC236}">
-                <a16:creationId xmlns:a16="http://schemas.microsoft.com/office/drawing/2014/main" id="{10F0CA98-3E3F-4DAA-AA38-50B7F32ACFB3}"/>
-              </a:ext>
-            </a:extLst>
-          </p:cNvPr>
+          <p:cNvPr id="6" name="Slide Number Placeholder 5"/>
           <p:cNvSpPr>
             <a:spLocks noGrp="1"/>
           </p:cNvSpPr>
@@ -729,7 +840,7 @@
     </p:spTree>
     <p:extLst>
       <p:ext uri="{BB962C8B-B14F-4D97-AF65-F5344CB8AC3E}">
-        <p14:creationId xmlns:p14="http://schemas.microsoft.com/office/powerpoint/2010/main" val="1206931931"/>
+        <p14:creationId xmlns:p14="http://schemas.microsoft.com/office/powerpoint/2010/main" val="2352141542"/>
       </p:ext>
     </p:extLst>
   </p:cSld>
@@ -758,13 +869,7 @@
       </p:grpSpPr>
       <p:sp>
         <p:nvSpPr>
-          <p:cNvPr id="2" name="Title 1">
-            <a:extLst>
-              <a:ext uri="{FF2B5EF4-FFF2-40B4-BE49-F238E27FC236}">
-                <a16:creationId xmlns:a16="http://schemas.microsoft.com/office/drawing/2014/main" id="{5F41E4F7-6C7E-42ED-B3D0-7F0884E053FA}"/>
-              </a:ext>
-            </a:extLst>
-          </p:cNvPr>
+          <p:cNvPr id="2" name="Title 1"/>
           <p:cNvSpPr>
             <a:spLocks noGrp="1"/>
           </p:cNvSpPr>
@@ -781,18 +886,13 @@
               <a:rPr lang="en-US"/>
               <a:t>Click to edit Master title style</a:t>
             </a:r>
-          </a:p>
-        </p:txBody>
-      </p:sp>
-      <p:sp>
-        <p:nvSpPr>
-          <p:cNvPr id="3" name="Content Placeholder 2">
-            <a:extLst>
-              <a:ext uri="{FF2B5EF4-FFF2-40B4-BE49-F238E27FC236}">
-                <a16:creationId xmlns:a16="http://schemas.microsoft.com/office/drawing/2014/main" id="{383C43BD-F22B-4E5C-B054-BE46A1113D99}"/>
-              </a:ext>
-            </a:extLst>
-          </p:cNvPr>
+            <a:endParaRPr lang="en-US" dirty="0"/>
+          </a:p>
+        </p:txBody>
+      </p:sp>
+      <p:sp>
+        <p:nvSpPr>
+          <p:cNvPr id="3" name="Content Placeholder 2"/>
           <p:cNvSpPr>
             <a:spLocks noGrp="1"/>
           </p:cNvSpPr>
@@ -838,18 +938,13 @@
               <a:rPr lang="en-US"/>
               <a:t>Fifth level</a:t>
             </a:r>
-          </a:p>
-        </p:txBody>
-      </p:sp>
-      <p:sp>
-        <p:nvSpPr>
-          <p:cNvPr id="4" name="Date Placeholder 3">
-            <a:extLst>
-              <a:ext uri="{FF2B5EF4-FFF2-40B4-BE49-F238E27FC236}">
-                <a16:creationId xmlns:a16="http://schemas.microsoft.com/office/drawing/2014/main" id="{428C81EF-EC43-4D98-ADF1-58A3CDD93E99}"/>
-              </a:ext>
-            </a:extLst>
-          </p:cNvPr>
+            <a:endParaRPr lang="en-US" dirty="0"/>
+          </a:p>
+        </p:txBody>
+      </p:sp>
+      <p:sp>
+        <p:nvSpPr>
+          <p:cNvPr id="4" name="Date Placeholder 3"/>
           <p:cNvSpPr>
             <a:spLocks noGrp="1"/>
           </p:cNvSpPr>
@@ -872,13 +967,7 @@
       </p:sp>
       <p:sp>
         <p:nvSpPr>
-          <p:cNvPr id="5" name="Footer Placeholder 4">
-            <a:extLst>
-              <a:ext uri="{FF2B5EF4-FFF2-40B4-BE49-F238E27FC236}">
-                <a16:creationId xmlns:a16="http://schemas.microsoft.com/office/drawing/2014/main" id="{1373D54A-5322-47CB-8D15-BD2602FFC210}"/>
-              </a:ext>
-            </a:extLst>
-          </p:cNvPr>
+          <p:cNvPr id="5" name="Footer Placeholder 4"/>
           <p:cNvSpPr>
             <a:spLocks noGrp="1"/>
           </p:cNvSpPr>
@@ -897,13 +986,7 @@
       </p:sp>
       <p:sp>
         <p:nvSpPr>
-          <p:cNvPr id="6" name="Slide Number Placeholder 5">
-            <a:extLst>
-              <a:ext uri="{FF2B5EF4-FFF2-40B4-BE49-F238E27FC236}">
-                <a16:creationId xmlns:a16="http://schemas.microsoft.com/office/drawing/2014/main" id="{C642A8C6-2208-412B-8FAB-197DE5BAF995}"/>
-              </a:ext>
-            </a:extLst>
-          </p:cNvPr>
+          <p:cNvPr id="6" name="Slide Number Placeholder 5"/>
           <p:cNvSpPr>
             <a:spLocks noGrp="1"/>
           </p:cNvSpPr>
@@ -927,7 +1010,7 @@
     </p:spTree>
     <p:extLst>
       <p:ext uri="{BB962C8B-B14F-4D97-AF65-F5344CB8AC3E}">
-        <p14:creationId xmlns:p14="http://schemas.microsoft.com/office/powerpoint/2010/main" val="2377430330"/>
+        <p14:creationId xmlns:p14="http://schemas.microsoft.com/office/powerpoint/2010/main" val="1021291224"/>
       </p:ext>
     </p:extLst>
   </p:cSld>
@@ -938,7 +1021,7 @@
 </file>
 
 <file path=ppt/slideLayouts/slideLayout3.xml><?xml version="1.0" encoding="utf-8"?>
-<p:sldLayout xmlns:a="http://schemas.openxmlformats.org/drawingml/2006/main" xmlns:r="http://schemas.openxmlformats.org/officeDocument/2006/relationships" xmlns:p="http://schemas.openxmlformats.org/presentationml/2006/main" type="secHead" preserve="1">
+<p:sldLayout xmlns:a="http://schemas.openxmlformats.org/drawingml/2006/main" xmlns:r="http://schemas.openxmlformats.org/officeDocument/2006/relationships" xmlns:p="http://schemas.openxmlformats.org/presentationml/2006/main" showMasterSp="0" type="secHead" preserve="1">
   <p:cSld name="Section Header">
     <p:spTree>
       <p:nvGrpSpPr>
@@ -956,13 +1039,7 @@
       </p:grpSpPr>
       <p:sp>
         <p:nvSpPr>
-          <p:cNvPr id="2" name="Title 1">
-            <a:extLst>
-              <a:ext uri="{FF2B5EF4-FFF2-40B4-BE49-F238E27FC236}">
-                <a16:creationId xmlns:a16="http://schemas.microsoft.com/office/drawing/2014/main" id="{21C2260F-B04D-43C4-92D3-AEA7F996579D}"/>
-              </a:ext>
-            </a:extLst>
-          </p:cNvPr>
+          <p:cNvPr id="2" name="Title 1"/>
           <p:cNvSpPr>
             <a:spLocks noGrp="1"/>
           </p:cNvSpPr>
@@ -972,15 +1049,21 @@
         </p:nvSpPr>
         <p:spPr>
           <a:xfrm>
-            <a:off x="831850" y="1709738"/>
-            <a:ext cx="10515600" cy="2852737"/>
+            <a:off x="765025" y="1301360"/>
+            <a:ext cx="9612971" cy="2852737"/>
           </a:xfrm>
         </p:spPr>
         <p:txBody>
-          <a:bodyPr anchor="b"/>
+          <a:bodyPr anchor="b">
+            <a:normAutofit/>
+          </a:bodyPr>
           <a:lstStyle>
-            <a:lvl1pPr>
-              <a:defRPr sz="6000"/>
+            <a:lvl1pPr algn="r">
+              <a:defRPr sz="7200" cap="all" baseline="0">
+                <a:solidFill>
+                  <a:schemeClr val="tx2"/>
+                </a:solidFill>
+              </a:defRPr>
             </a:lvl1pPr>
           </a:lstStyle>
           <a:p>
@@ -988,18 +1071,13 @@
               <a:rPr lang="en-US"/>
               <a:t>Click to edit Master title style</a:t>
             </a:r>
-          </a:p>
-        </p:txBody>
-      </p:sp>
-      <p:sp>
-        <p:nvSpPr>
-          <p:cNvPr id="3" name="Text Placeholder 2">
-            <a:extLst>
-              <a:ext uri="{FF2B5EF4-FFF2-40B4-BE49-F238E27FC236}">
-                <a16:creationId xmlns:a16="http://schemas.microsoft.com/office/drawing/2014/main" id="{3C84B57C-AB23-476B-AA59-ED231D13D4CF}"/>
-              </a:ext>
-            </a:extLst>
-          </p:cNvPr>
+            <a:endParaRPr lang="en-US" dirty="0"/>
+          </a:p>
+        </p:txBody>
+      </p:sp>
+      <p:sp>
+        <p:nvSpPr>
+          <p:cNvPr id="3" name="Text Placeholder 2"/>
           <p:cNvSpPr>
             <a:spLocks noGrp="1"/>
           </p:cNvSpPr>
@@ -1009,44 +1087,61 @@
         </p:nvSpPr>
         <p:spPr>
           <a:xfrm>
-            <a:off x="831850" y="4589463"/>
-            <a:ext cx="10515600" cy="1500187"/>
+            <a:off x="765025" y="4216328"/>
+            <a:ext cx="9612971" cy="1143324"/>
           </a:xfrm>
         </p:spPr>
         <p:txBody>
           <a:bodyPr/>
           <a:lstStyle>
-            <a:lvl1pPr marL="0" indent="0">
+            <a:lvl1pPr marL="0" indent="0" algn="r">
+              <a:lnSpc>
+                <a:spcPct val="112000"/>
+              </a:lnSpc>
+              <a:spcBef>
+                <a:spcPts val="0"/>
+              </a:spcBef>
+              <a:spcAft>
+                <a:spcPts val="0"/>
+              </a:spcAft>
               <a:buNone/>
               <a:defRPr sz="2400">
+                <a:solidFill>
+                  <a:schemeClr val="tx2"/>
+                </a:solidFill>
+              </a:defRPr>
+            </a:lvl1pPr>
+            <a:lvl2pPr marL="457200" indent="0">
+              <a:buNone/>
+              <a:defRPr sz="2000">
                 <a:solidFill>
                   <a:schemeClr val="tx1">
                     <a:tint val="75000"/>
                   </a:schemeClr>
                 </a:solidFill>
               </a:defRPr>
-            </a:lvl1pPr>
-            <a:lvl2pPr marL="457200" indent="0">
-              <a:buNone/>
-              <a:defRPr sz="2000">
+            </a:lvl2pPr>
+            <a:lvl3pPr marL="914400" indent="0">
+              <a:buNone/>
+              <a:defRPr sz="1800">
                 <a:solidFill>
                   <a:schemeClr val="tx1">
                     <a:tint val="75000"/>
                   </a:schemeClr>
                 </a:solidFill>
               </a:defRPr>
-            </a:lvl2pPr>
-            <a:lvl3pPr marL="914400" indent="0">
-              <a:buNone/>
-              <a:defRPr sz="1800">
+            </a:lvl3pPr>
+            <a:lvl4pPr marL="1371600" indent="0">
+              <a:buNone/>
+              <a:defRPr sz="1600">
                 <a:solidFill>
                   <a:schemeClr val="tx1">
                     <a:tint val="75000"/>
                   </a:schemeClr>
                 </a:solidFill>
               </a:defRPr>
-            </a:lvl3pPr>
-            <a:lvl4pPr marL="1371600" indent="0">
+            </a:lvl4pPr>
+            <a:lvl5pPr marL="1828800" indent="0">
               <a:buNone/>
               <a:defRPr sz="1600">
                 <a:solidFill>
@@ -1055,8 +1150,8 @@
                   </a:schemeClr>
                 </a:solidFill>
               </a:defRPr>
-            </a:lvl4pPr>
-            <a:lvl5pPr marL="1828800" indent="0">
+            </a:lvl5pPr>
+            <a:lvl6pPr marL="2286000" indent="0">
               <a:buNone/>
               <a:defRPr sz="1600">
                 <a:solidFill>
@@ -1065,8 +1160,8 @@
                   </a:schemeClr>
                 </a:solidFill>
               </a:defRPr>
-            </a:lvl5pPr>
-            <a:lvl6pPr marL="2286000" indent="0">
+            </a:lvl6pPr>
+            <a:lvl7pPr marL="2743200" indent="0">
               <a:buNone/>
               <a:defRPr sz="1600">
                 <a:solidFill>
@@ -1075,8 +1170,8 @@
                   </a:schemeClr>
                 </a:solidFill>
               </a:defRPr>
-            </a:lvl6pPr>
-            <a:lvl7pPr marL="2743200" indent="0">
+            </a:lvl7pPr>
+            <a:lvl8pPr marL="3200400" indent="0">
               <a:buNone/>
               <a:defRPr sz="1600">
                 <a:solidFill>
@@ -1085,8 +1180,8 @@
                   </a:schemeClr>
                 </a:solidFill>
               </a:defRPr>
-            </a:lvl7pPr>
-            <a:lvl8pPr marL="3200400" indent="0">
+            </a:lvl8pPr>
+            <a:lvl9pPr marL="3657600" indent="0">
               <a:buNone/>
               <a:defRPr sz="1600">
                 <a:solidFill>
@@ -1095,16 +1190,6 @@
                   </a:schemeClr>
                 </a:solidFill>
               </a:defRPr>
-            </a:lvl8pPr>
-            <a:lvl9pPr marL="3657600" indent="0">
-              <a:buNone/>
-              <a:defRPr sz="1600">
-                <a:solidFill>
-                  <a:schemeClr val="tx1">
-                    <a:tint val="75000"/>
-                  </a:schemeClr>
-                </a:solidFill>
-              </a:defRPr>
             </a:lvl9pPr>
           </a:lstStyle>
           <a:p>
@@ -1118,13 +1203,7 @@
       </p:sp>
       <p:sp>
         <p:nvSpPr>
-          <p:cNvPr id="4" name="Date Placeholder 3">
-            <a:extLst>
-              <a:ext uri="{FF2B5EF4-FFF2-40B4-BE49-F238E27FC236}">
-                <a16:creationId xmlns:a16="http://schemas.microsoft.com/office/drawing/2014/main" id="{11B7BE71-FB16-4A76-B677-A9116F7DBB39}"/>
-              </a:ext>
-            </a:extLst>
-          </p:cNvPr>
+          <p:cNvPr id="4" name="Date Placeholder 3"/>
           <p:cNvSpPr>
             <a:spLocks noGrp="1"/>
           </p:cNvSpPr>
@@ -1132,10 +1211,23 @@
             <p:ph type="dt" sz="half" idx="10"/>
           </p:nvPr>
         </p:nvSpPr>
-        <p:spPr/>
-        <p:txBody>
-          <a:bodyPr/>
-          <a:lstStyle/>
+        <p:spPr>
+          <a:xfrm>
+            <a:off x="738908" y="6453386"/>
+            <a:ext cx="1622409" cy="404614"/>
+          </a:xfrm>
+        </p:spPr>
+        <p:txBody>
+          <a:bodyPr/>
+          <a:lstStyle>
+            <a:lvl1pPr>
+              <a:defRPr>
+                <a:solidFill>
+                  <a:schemeClr val="tx2"/>
+                </a:solidFill>
+              </a:defRPr>
+            </a:lvl1pPr>
+          </a:lstStyle>
           <a:p>
             <a:fld id="{7ED82E05-B906-46D2-B7F0-95A00293E995}" type="datetimeFigureOut">
               <a:rPr lang="en-US" smtClean="0"/>
@@ -1147,13 +1239,7 @@
       </p:sp>
       <p:sp>
         <p:nvSpPr>
-          <p:cNvPr id="5" name="Footer Placeholder 4">
-            <a:extLst>
-              <a:ext uri="{FF2B5EF4-FFF2-40B4-BE49-F238E27FC236}">
-                <a16:creationId xmlns:a16="http://schemas.microsoft.com/office/drawing/2014/main" id="{6F4D771F-E0DE-4DB7-9CCA-A54F52993ED2}"/>
-              </a:ext>
-            </a:extLst>
-          </p:cNvPr>
+          <p:cNvPr id="5" name="Footer Placeholder 4"/>
           <p:cNvSpPr>
             <a:spLocks noGrp="1"/>
           </p:cNvSpPr>
@@ -1161,10 +1247,23 @@
             <p:ph type="ftr" sz="quarter" idx="11"/>
           </p:nvPr>
         </p:nvSpPr>
-        <p:spPr/>
-        <p:txBody>
-          <a:bodyPr/>
-          <a:lstStyle/>
+        <p:spPr>
+          <a:xfrm>
+            <a:off x="2584312" y="6453386"/>
+            <a:ext cx="7023377" cy="404614"/>
+          </a:xfrm>
+        </p:spPr>
+        <p:txBody>
+          <a:bodyPr/>
+          <a:lstStyle>
+            <a:lvl1pPr algn="ctr">
+              <a:defRPr>
+                <a:solidFill>
+                  <a:schemeClr val="tx2"/>
+                </a:solidFill>
+              </a:defRPr>
+            </a:lvl1pPr>
+          </a:lstStyle>
           <a:p>
             <a:endParaRPr lang="en-US"/>
           </a:p>
@@ -1172,13 +1271,7 @@
       </p:sp>
       <p:sp>
         <p:nvSpPr>
-          <p:cNvPr id="6" name="Slide Number Placeholder 5">
-            <a:extLst>
-              <a:ext uri="{FF2B5EF4-FFF2-40B4-BE49-F238E27FC236}">
-                <a16:creationId xmlns:a16="http://schemas.microsoft.com/office/drawing/2014/main" id="{770AEBE6-E848-47EC-A6C0-32EFA9FF9D24}"/>
-              </a:ext>
-            </a:extLst>
-          </p:cNvPr>
+          <p:cNvPr id="6" name="Slide Number Placeholder 5"/>
           <p:cNvSpPr>
             <a:spLocks noGrp="1"/>
           </p:cNvSpPr>
@@ -1186,10 +1279,23 @@
             <p:ph type="sldNum" sz="quarter" idx="12"/>
           </p:nvPr>
         </p:nvSpPr>
-        <p:spPr/>
-        <p:txBody>
-          <a:bodyPr/>
-          <a:lstStyle/>
+        <p:spPr>
+          <a:xfrm>
+            <a:off x="9830683" y="6453386"/>
+            <a:ext cx="1596292" cy="404614"/>
+          </a:xfrm>
+        </p:spPr>
+        <p:txBody>
+          <a:bodyPr/>
+          <a:lstStyle>
+            <a:lvl1pPr>
+              <a:defRPr>
+                <a:solidFill>
+                  <a:schemeClr val="tx2"/>
+                </a:solidFill>
+              </a:defRPr>
+            </a:lvl1pPr>
+          </a:lstStyle>
           <a:p>
             <a:fld id="{A8D7D4F6-2DF8-4D69-B05D-24304D43B04C}" type="slidenum">
               <a:rPr lang="en-US" smtClean="0"/>
@@ -1199,10 +1305,66 @@
           </a:p>
         </p:txBody>
       </p:sp>
+      <p:sp>
+        <p:nvSpPr>
+          <p:cNvPr id="7" name="Freeform 6" title="Crop Mark"/>
+          <p:cNvSpPr/>
+          <p:nvPr/>
+        </p:nvSpPr>
+        <p:spPr bwMode="auto">
+          <a:xfrm>
+            <a:off x="8151962" y="1685652"/>
+            <a:ext cx="3275013" cy="4408488"/>
+          </a:xfrm>
+          <a:custGeom>
+            <a:avLst/>
+            <a:gdLst/>
+            <a:ahLst/>
+            <a:cxnLst/>
+            <a:rect l="0" t="0" r="r" b="b"/>
+            <a:pathLst>
+              <a:path w="4125" h="5554">
+                <a:moveTo>
+                  <a:pt x="3614" y="0"/>
+                </a:moveTo>
+                <a:lnTo>
+                  <a:pt x="4125" y="0"/>
+                </a:lnTo>
+                <a:lnTo>
+                  <a:pt x="4125" y="5554"/>
+                </a:lnTo>
+                <a:lnTo>
+                  <a:pt x="0" y="5554"/>
+                </a:lnTo>
+                <a:lnTo>
+                  <a:pt x="0" y="5074"/>
+                </a:lnTo>
+                <a:lnTo>
+                  <a:pt x="3614" y="5074"/>
+                </a:lnTo>
+                <a:lnTo>
+                  <a:pt x="3614" y="0"/>
+                </a:lnTo>
+                <a:close/>
+              </a:path>
+            </a:pathLst>
+          </a:custGeom>
+          <a:solidFill>
+            <a:schemeClr val="tx2"/>
+          </a:solidFill>
+          <a:ln w="0">
+            <a:noFill/>
+            <a:prstDash val="solid"/>
+            <a:round/>
+            <a:headEnd/>
+            <a:tailEnd/>
+          </a:ln>
+        </p:spPr>
+      </p:sp>
     </p:spTree>
     <p:extLst>
       <p:ext uri="{BB962C8B-B14F-4D97-AF65-F5344CB8AC3E}">
-        <p14:creationId xmlns:p14="http://schemas.microsoft.com/office/powerpoint/2010/main" val="4045147633"/>
+        <p14:creationId xmlns:p14="http://schemas.microsoft.com/office/powerpoint/2010/main" val="167884894"/>
       </p:ext>
     </p:extLst>
   </p:cSld>
@@ -1231,13 +1393,7 @@
       </p:grpSpPr>
       <p:sp>
         <p:nvSpPr>
-          <p:cNvPr id="2" name="Title 1">
-            <a:extLst>
-              <a:ext uri="{FF2B5EF4-FFF2-40B4-BE49-F238E27FC236}">
-                <a16:creationId xmlns:a16="http://schemas.microsoft.com/office/drawing/2014/main" id="{0A714AB6-E19E-4E02-AA91-6675F9EDC2C9}"/>
-              </a:ext>
-            </a:extLst>
-          </p:cNvPr>
+          <p:cNvPr id="2" name="Title 1"/>
           <p:cNvSpPr>
             <a:spLocks noGrp="1"/>
           </p:cNvSpPr>
@@ -1248,24 +1404,27 @@
         <p:spPr/>
         <p:txBody>
           <a:bodyPr/>
-          <a:lstStyle/>
+          <a:lstStyle>
+            <a:lvl1pPr>
+              <a:defRPr>
+                <a:solidFill>
+                  <a:schemeClr val="tx2"/>
+                </a:solidFill>
+              </a:defRPr>
+            </a:lvl1pPr>
+          </a:lstStyle>
           <a:p>
             <a:r>
               <a:rPr lang="en-US"/>
               <a:t>Click to edit Master title style</a:t>
             </a:r>
-          </a:p>
-        </p:txBody>
-      </p:sp>
-      <p:sp>
-        <p:nvSpPr>
-          <p:cNvPr id="3" name="Content Placeholder 2">
-            <a:extLst>
-              <a:ext uri="{FF2B5EF4-FFF2-40B4-BE49-F238E27FC236}">
-                <a16:creationId xmlns:a16="http://schemas.microsoft.com/office/drawing/2014/main" id="{D8089CAA-10A3-4AE2-B51A-114060A5A630}"/>
-              </a:ext>
-            </a:extLst>
-          </p:cNvPr>
+            <a:endParaRPr lang="en-US" dirty="0"/>
+          </a:p>
+        </p:txBody>
+      </p:sp>
+      <p:sp>
+        <p:nvSpPr>
+          <p:cNvPr id="3" name="Content Placeholder 2"/>
           <p:cNvSpPr>
             <a:spLocks noGrp="1"/>
           </p:cNvSpPr>
@@ -1275,13 +1434,49 @@
         </p:nvSpPr>
         <p:spPr>
           <a:xfrm>
-            <a:off x="838200" y="1825625"/>
-            <a:ext cx="5181600" cy="4351338"/>
+            <a:off x="1371600" y="2285999"/>
+            <a:ext cx="4447786" cy="3581401"/>
           </a:xfrm>
         </p:spPr>
         <p:txBody>
           <a:bodyPr/>
-          <a:lstStyle/>
+          <a:lstStyle>
+            <a:lvl1pPr>
+              <a:defRPr baseline="0">
+                <a:solidFill>
+                  <a:schemeClr val="tx2"/>
+                </a:solidFill>
+              </a:defRPr>
+            </a:lvl1pPr>
+            <a:lvl2pPr>
+              <a:defRPr baseline="0">
+                <a:solidFill>
+                  <a:schemeClr val="tx2"/>
+                </a:solidFill>
+              </a:defRPr>
+            </a:lvl2pPr>
+            <a:lvl3pPr>
+              <a:defRPr baseline="0">
+                <a:solidFill>
+                  <a:schemeClr val="tx2"/>
+                </a:solidFill>
+              </a:defRPr>
+            </a:lvl3pPr>
+            <a:lvl4pPr>
+              <a:defRPr baseline="0">
+                <a:solidFill>
+                  <a:schemeClr val="tx2"/>
+                </a:solidFill>
+              </a:defRPr>
+            </a:lvl4pPr>
+            <a:lvl5pPr>
+              <a:defRPr baseline="0">
+                <a:solidFill>
+                  <a:schemeClr val="tx2"/>
+                </a:solidFill>
+              </a:defRPr>
+            </a:lvl5pPr>
+          </a:lstStyle>
           <a:p>
             <a:pPr lvl="0"/>
             <a:r>
@@ -1316,18 +1511,13 @@
               <a:rPr lang="en-US"/>
               <a:t>Fifth level</a:t>
             </a:r>
-          </a:p>
-        </p:txBody>
-      </p:sp>
-      <p:sp>
-        <p:nvSpPr>
-          <p:cNvPr id="4" name="Content Placeholder 3">
-            <a:extLst>
-              <a:ext uri="{FF2B5EF4-FFF2-40B4-BE49-F238E27FC236}">
-                <a16:creationId xmlns:a16="http://schemas.microsoft.com/office/drawing/2014/main" id="{5A83A099-243C-4C18-9CA3-4A993358EA98}"/>
-              </a:ext>
-            </a:extLst>
-          </p:cNvPr>
+            <a:endParaRPr lang="en-US" dirty="0"/>
+          </a:p>
+        </p:txBody>
+      </p:sp>
+      <p:sp>
+        <p:nvSpPr>
+          <p:cNvPr id="4" name="Content Placeholder 3"/>
           <p:cNvSpPr>
             <a:spLocks noGrp="1"/>
           </p:cNvSpPr>
@@ -1337,13 +1527,49 @@
         </p:nvSpPr>
         <p:spPr>
           <a:xfrm>
-            <a:off x="6172200" y="1825625"/>
-            <a:ext cx="5181600" cy="4351338"/>
+            <a:off x="6525403" y="2285999"/>
+            <a:ext cx="4447786" cy="3581401"/>
           </a:xfrm>
         </p:spPr>
         <p:txBody>
           <a:bodyPr/>
-          <a:lstStyle/>
+          <a:lstStyle>
+            <a:lvl1pPr>
+              <a:defRPr>
+                <a:solidFill>
+                  <a:schemeClr val="tx2"/>
+                </a:solidFill>
+              </a:defRPr>
+            </a:lvl1pPr>
+            <a:lvl2pPr>
+              <a:defRPr>
+                <a:solidFill>
+                  <a:schemeClr val="tx2"/>
+                </a:solidFill>
+              </a:defRPr>
+            </a:lvl2pPr>
+            <a:lvl3pPr>
+              <a:defRPr>
+                <a:solidFill>
+                  <a:schemeClr val="tx2"/>
+                </a:solidFill>
+              </a:defRPr>
+            </a:lvl3pPr>
+            <a:lvl4pPr>
+              <a:defRPr>
+                <a:solidFill>
+                  <a:schemeClr val="tx2"/>
+                </a:solidFill>
+              </a:defRPr>
+            </a:lvl4pPr>
+            <a:lvl5pPr>
+              <a:defRPr>
+                <a:solidFill>
+                  <a:schemeClr val="tx2"/>
+                </a:solidFill>
+              </a:defRPr>
+            </a:lvl5pPr>
+          </a:lstStyle>
           <a:p>
             <a:pPr lvl="0"/>
             <a:r>
@@ -1378,18 +1604,13 @@
               <a:rPr lang="en-US"/>
               <a:t>Fifth level</a:t>
             </a:r>
-          </a:p>
-        </p:txBody>
-      </p:sp>
-      <p:sp>
-        <p:nvSpPr>
-          <p:cNvPr id="5" name="Date Placeholder 4">
-            <a:extLst>
-              <a:ext uri="{FF2B5EF4-FFF2-40B4-BE49-F238E27FC236}">
-                <a16:creationId xmlns:a16="http://schemas.microsoft.com/office/drawing/2014/main" id="{378282B0-D2F3-4F5B-807C-66071DC3EF96}"/>
-              </a:ext>
-            </a:extLst>
-          </p:cNvPr>
+            <a:endParaRPr lang="en-US" dirty="0"/>
+          </a:p>
+        </p:txBody>
+      </p:sp>
+      <p:sp>
+        <p:nvSpPr>
+          <p:cNvPr id="5" name="Date Placeholder 4"/>
           <p:cNvSpPr>
             <a:spLocks noGrp="1"/>
           </p:cNvSpPr>
@@ -1412,13 +1633,7 @@
       </p:sp>
       <p:sp>
         <p:nvSpPr>
-          <p:cNvPr id="6" name="Footer Placeholder 5">
-            <a:extLst>
-              <a:ext uri="{FF2B5EF4-FFF2-40B4-BE49-F238E27FC236}">
-                <a16:creationId xmlns:a16="http://schemas.microsoft.com/office/drawing/2014/main" id="{A4CD7B56-091C-4962-94E1-9725D05C0D70}"/>
-              </a:ext>
-            </a:extLst>
-          </p:cNvPr>
+          <p:cNvPr id="6" name="Footer Placeholder 5"/>
           <p:cNvSpPr>
             <a:spLocks noGrp="1"/>
           </p:cNvSpPr>
@@ -1437,13 +1652,7 @@
       </p:sp>
       <p:sp>
         <p:nvSpPr>
-          <p:cNvPr id="7" name="Slide Number Placeholder 6">
-            <a:extLst>
-              <a:ext uri="{FF2B5EF4-FFF2-40B4-BE49-F238E27FC236}">
-                <a16:creationId xmlns:a16="http://schemas.microsoft.com/office/drawing/2014/main" id="{D03D3855-A808-459D-8181-C3F4468AD0E5}"/>
-              </a:ext>
-            </a:extLst>
-          </p:cNvPr>
+          <p:cNvPr id="7" name="Slide Number Placeholder 6"/>
           <p:cNvSpPr>
             <a:spLocks noGrp="1"/>
           </p:cNvSpPr>
@@ -1467,7 +1676,7 @@
     </p:spTree>
     <p:extLst>
       <p:ext uri="{BB962C8B-B14F-4D97-AF65-F5344CB8AC3E}">
-        <p14:creationId xmlns:p14="http://schemas.microsoft.com/office/powerpoint/2010/main" val="2827969550"/>
+        <p14:creationId xmlns:p14="http://schemas.microsoft.com/office/powerpoint/2010/main" val="4078601516"/>
       </p:ext>
     </p:extLst>
   </p:cSld>
@@ -1496,13 +1705,7 @@
       </p:grpSpPr>
       <p:sp>
         <p:nvSpPr>
-          <p:cNvPr id="2" name="Title 1">
-            <a:extLst>
-              <a:ext uri="{FF2B5EF4-FFF2-40B4-BE49-F238E27FC236}">
-                <a16:creationId xmlns:a16="http://schemas.microsoft.com/office/drawing/2014/main" id="{B6066194-D63E-46E5-BB14-402AABC24E97}"/>
-              </a:ext>
-            </a:extLst>
-          </p:cNvPr>
+          <p:cNvPr id="2" name="Title 1"/>
           <p:cNvSpPr>
             <a:spLocks noGrp="1"/>
           </p:cNvSpPr>
@@ -1512,30 +1715,33 @@
         </p:nvSpPr>
         <p:spPr>
           <a:xfrm>
-            <a:off x="839788" y="365125"/>
-            <a:ext cx="10515600" cy="1325563"/>
+            <a:off x="1371600" y="685800"/>
+            <a:ext cx="9601200" cy="1485900"/>
           </a:xfrm>
         </p:spPr>
         <p:txBody>
           <a:bodyPr/>
-          <a:lstStyle/>
+          <a:lstStyle>
+            <a:lvl1pPr>
+              <a:defRPr>
+                <a:solidFill>
+                  <a:schemeClr val="tx2"/>
+                </a:solidFill>
+              </a:defRPr>
+            </a:lvl1pPr>
+          </a:lstStyle>
           <a:p>
             <a:r>
               <a:rPr lang="en-US"/>
               <a:t>Click to edit Master title style</a:t>
             </a:r>
-          </a:p>
-        </p:txBody>
-      </p:sp>
-      <p:sp>
-        <p:nvSpPr>
-          <p:cNvPr id="3" name="Text Placeholder 2">
-            <a:extLst>
-              <a:ext uri="{FF2B5EF4-FFF2-40B4-BE49-F238E27FC236}">
-                <a16:creationId xmlns:a16="http://schemas.microsoft.com/office/drawing/2014/main" id="{5F79CD41-127C-4D2D-A9B0-CAC2860B1906}"/>
-              </a:ext>
-            </a:extLst>
-          </p:cNvPr>
+            <a:endParaRPr lang="en-US" dirty="0"/>
+          </a:p>
+        </p:txBody>
+      </p:sp>
+      <p:sp>
+        <p:nvSpPr>
+          <p:cNvPr id="3" name="Text Placeholder 2"/>
           <p:cNvSpPr>
             <a:spLocks noGrp="1"/>
           </p:cNvSpPr>
@@ -1545,16 +1751,31 @@
         </p:nvSpPr>
         <p:spPr>
           <a:xfrm>
-            <a:off x="839788" y="1681163"/>
-            <a:ext cx="5157787" cy="823912"/>
+            <a:off x="1371600" y="2340864"/>
+            <a:ext cx="4443984" cy="823912"/>
           </a:xfrm>
         </p:spPr>
         <p:txBody>
-          <a:bodyPr anchor="b"/>
+          <a:bodyPr anchor="b">
+            <a:noAutofit/>
+          </a:bodyPr>
           <a:lstStyle>
             <a:lvl1pPr marL="0" indent="0">
-              <a:buNone/>
-              <a:defRPr sz="2400" b="1"/>
+              <a:lnSpc>
+                <a:spcPct val="84000"/>
+              </a:lnSpc>
+              <a:spcBef>
+                <a:spcPts val="0"/>
+              </a:spcBef>
+              <a:spcAft>
+                <a:spcPts val="0"/>
+              </a:spcAft>
+              <a:buNone/>
+              <a:defRPr sz="3000" b="0" baseline="0">
+                <a:solidFill>
+                  <a:schemeClr val="tx2"/>
+                </a:solidFill>
+              </a:defRPr>
             </a:lvl1pPr>
             <a:lvl2pPr marL="457200" indent="0">
               <a:buNone/>
@@ -1600,13 +1821,7 @@
       </p:sp>
       <p:sp>
         <p:nvSpPr>
-          <p:cNvPr id="4" name="Content Placeholder 3">
-            <a:extLst>
-              <a:ext uri="{FF2B5EF4-FFF2-40B4-BE49-F238E27FC236}">
-                <a16:creationId xmlns:a16="http://schemas.microsoft.com/office/drawing/2014/main" id="{4F5F8DEE-FE09-4975-B401-A5626B00EFCF}"/>
-              </a:ext>
-            </a:extLst>
-          </p:cNvPr>
+          <p:cNvPr id="4" name="Content Placeholder 3"/>
           <p:cNvSpPr>
             <a:spLocks noGrp="1"/>
           </p:cNvSpPr>
@@ -1616,13 +1831,49 @@
         </p:nvSpPr>
         <p:spPr>
           <a:xfrm>
-            <a:off x="839788" y="2505075"/>
-            <a:ext cx="5157787" cy="3684588"/>
+            <a:off x="1371600" y="3305207"/>
+            <a:ext cx="4443984" cy="2562193"/>
           </a:xfrm>
         </p:spPr>
         <p:txBody>
           <a:bodyPr/>
-          <a:lstStyle/>
+          <a:lstStyle>
+            <a:lvl1pPr>
+              <a:defRPr baseline="0">
+                <a:solidFill>
+                  <a:schemeClr val="tx2"/>
+                </a:solidFill>
+              </a:defRPr>
+            </a:lvl1pPr>
+            <a:lvl2pPr>
+              <a:defRPr baseline="0">
+                <a:solidFill>
+                  <a:schemeClr val="tx2"/>
+                </a:solidFill>
+              </a:defRPr>
+            </a:lvl2pPr>
+            <a:lvl3pPr>
+              <a:defRPr baseline="0">
+                <a:solidFill>
+                  <a:schemeClr val="tx2"/>
+                </a:solidFill>
+              </a:defRPr>
+            </a:lvl3pPr>
+            <a:lvl4pPr>
+              <a:defRPr baseline="0">
+                <a:solidFill>
+                  <a:schemeClr val="tx2"/>
+                </a:solidFill>
+              </a:defRPr>
+            </a:lvl4pPr>
+            <a:lvl5pPr>
+              <a:defRPr baseline="0">
+                <a:solidFill>
+                  <a:schemeClr val="tx2"/>
+                </a:solidFill>
+              </a:defRPr>
+            </a:lvl5pPr>
+          </a:lstStyle>
           <a:p>
             <a:pPr lvl="0"/>
             <a:r>
@@ -1657,18 +1908,13 @@
               <a:rPr lang="en-US"/>
               <a:t>Fifth level</a:t>
             </a:r>
-          </a:p>
-        </p:txBody>
-      </p:sp>
-      <p:sp>
-        <p:nvSpPr>
-          <p:cNvPr id="5" name="Text Placeholder 4">
-            <a:extLst>
-              <a:ext uri="{FF2B5EF4-FFF2-40B4-BE49-F238E27FC236}">
-                <a16:creationId xmlns:a16="http://schemas.microsoft.com/office/drawing/2014/main" id="{6B0AC9FC-2B18-4FA5-B45F-BBB908D81971}"/>
-              </a:ext>
-            </a:extLst>
-          </p:cNvPr>
+            <a:endParaRPr lang="en-US" dirty="0"/>
+          </a:p>
+        </p:txBody>
+      </p:sp>
+      <p:sp>
+        <p:nvSpPr>
+          <p:cNvPr id="5" name="Text Placeholder 4"/>
           <p:cNvSpPr>
             <a:spLocks noGrp="1"/>
           </p:cNvSpPr>
@@ -1678,16 +1924,31 @@
         </p:nvSpPr>
         <p:spPr>
           <a:xfrm>
-            <a:off x="6172200" y="1681163"/>
-            <a:ext cx="5183188" cy="823912"/>
+            <a:off x="6525014" y="2340864"/>
+            <a:ext cx="4443984" cy="823912"/>
           </a:xfrm>
         </p:spPr>
         <p:txBody>
-          <a:bodyPr anchor="b"/>
+          <a:bodyPr anchor="b">
+            <a:noAutofit/>
+          </a:bodyPr>
           <a:lstStyle>
             <a:lvl1pPr marL="0" indent="0">
-              <a:buNone/>
-              <a:defRPr sz="2400" b="1"/>
+              <a:lnSpc>
+                <a:spcPct val="84000"/>
+              </a:lnSpc>
+              <a:spcBef>
+                <a:spcPts val="0"/>
+              </a:spcBef>
+              <a:spcAft>
+                <a:spcPts val="0"/>
+              </a:spcAft>
+              <a:buNone/>
+              <a:defRPr sz="3000" b="0" baseline="0">
+                <a:solidFill>
+                  <a:schemeClr val="tx2"/>
+                </a:solidFill>
+              </a:defRPr>
             </a:lvl1pPr>
             <a:lvl2pPr marL="457200" indent="0">
               <a:buNone/>
@@ -1733,13 +1994,7 @@
       </p:sp>
       <p:sp>
         <p:nvSpPr>
-          <p:cNvPr id="6" name="Content Placeholder 5">
-            <a:extLst>
-              <a:ext uri="{FF2B5EF4-FFF2-40B4-BE49-F238E27FC236}">
-                <a16:creationId xmlns:a16="http://schemas.microsoft.com/office/drawing/2014/main" id="{C7345EE2-C0BC-4589-8382-97862EF07BAE}"/>
-              </a:ext>
-            </a:extLst>
-          </p:cNvPr>
+          <p:cNvPr id="6" name="Content Placeholder 5"/>
           <p:cNvSpPr>
             <a:spLocks noGrp="1"/>
           </p:cNvSpPr>
@@ -1749,13 +2004,49 @@
         </p:nvSpPr>
         <p:spPr>
           <a:xfrm>
-            <a:off x="6172200" y="2505075"/>
-            <a:ext cx="5183188" cy="3684588"/>
+            <a:off x="6525014" y="3305207"/>
+            <a:ext cx="4443984" cy="2562193"/>
           </a:xfrm>
         </p:spPr>
         <p:txBody>
           <a:bodyPr/>
-          <a:lstStyle/>
+          <a:lstStyle>
+            <a:lvl1pPr>
+              <a:defRPr baseline="0">
+                <a:solidFill>
+                  <a:schemeClr val="tx2"/>
+                </a:solidFill>
+              </a:defRPr>
+            </a:lvl1pPr>
+            <a:lvl2pPr>
+              <a:defRPr baseline="0">
+                <a:solidFill>
+                  <a:schemeClr val="tx2"/>
+                </a:solidFill>
+              </a:defRPr>
+            </a:lvl2pPr>
+            <a:lvl3pPr>
+              <a:defRPr baseline="0">
+                <a:solidFill>
+                  <a:schemeClr val="tx2"/>
+                </a:solidFill>
+              </a:defRPr>
+            </a:lvl3pPr>
+            <a:lvl4pPr>
+              <a:defRPr baseline="0">
+                <a:solidFill>
+                  <a:schemeClr val="tx2"/>
+                </a:solidFill>
+              </a:defRPr>
+            </a:lvl4pPr>
+            <a:lvl5pPr>
+              <a:defRPr baseline="0">
+                <a:solidFill>
+                  <a:schemeClr val="tx2"/>
+                </a:solidFill>
+              </a:defRPr>
+            </a:lvl5pPr>
+          </a:lstStyle>
           <a:p>
             <a:pPr lvl="0"/>
             <a:r>
@@ -1790,18 +2081,13 @@
               <a:rPr lang="en-US"/>
               <a:t>Fifth level</a:t>
             </a:r>
-          </a:p>
-        </p:txBody>
-      </p:sp>
-      <p:sp>
-        <p:nvSpPr>
-          <p:cNvPr id="7" name="Date Placeholder 6">
-            <a:extLst>
-              <a:ext uri="{FF2B5EF4-FFF2-40B4-BE49-F238E27FC236}">
-                <a16:creationId xmlns:a16="http://schemas.microsoft.com/office/drawing/2014/main" id="{02F17A70-BBBE-4717-B31B-FF0DE315C5DC}"/>
-              </a:ext>
-            </a:extLst>
-          </p:cNvPr>
+            <a:endParaRPr lang="en-US" dirty="0"/>
+          </a:p>
+        </p:txBody>
+      </p:sp>
+      <p:sp>
+        <p:nvSpPr>
+          <p:cNvPr id="7" name="Date Placeholder 6"/>
           <p:cNvSpPr>
             <a:spLocks noGrp="1"/>
           </p:cNvSpPr>
@@ -1824,13 +2110,7 @@
       </p:sp>
       <p:sp>
         <p:nvSpPr>
-          <p:cNvPr id="8" name="Footer Placeholder 7">
-            <a:extLst>
-              <a:ext uri="{FF2B5EF4-FFF2-40B4-BE49-F238E27FC236}">
-                <a16:creationId xmlns:a16="http://schemas.microsoft.com/office/drawing/2014/main" id="{85A72AE9-4570-423E-B2A4-E41CCF5C48E5}"/>
-              </a:ext>
-            </a:extLst>
-          </p:cNvPr>
+          <p:cNvPr id="8" name="Footer Placeholder 7"/>
           <p:cNvSpPr>
             <a:spLocks noGrp="1"/>
           </p:cNvSpPr>
@@ -1849,13 +2129,7 @@
       </p:sp>
       <p:sp>
         <p:nvSpPr>
-          <p:cNvPr id="9" name="Slide Number Placeholder 8">
-            <a:extLst>
-              <a:ext uri="{FF2B5EF4-FFF2-40B4-BE49-F238E27FC236}">
-                <a16:creationId xmlns:a16="http://schemas.microsoft.com/office/drawing/2014/main" id="{01F92B45-B37A-4F40-A3EF-E20D858712BE}"/>
-              </a:ext>
-            </a:extLst>
-          </p:cNvPr>
+          <p:cNvPr id="9" name="Slide Number Placeholder 8"/>
           <p:cNvSpPr>
             <a:spLocks noGrp="1"/>
           </p:cNvSpPr>
@@ -1879,7 +2153,7 @@
     </p:spTree>
     <p:extLst>
       <p:ext uri="{BB962C8B-B14F-4D97-AF65-F5344CB8AC3E}">
-        <p14:creationId xmlns:p14="http://schemas.microsoft.com/office/powerpoint/2010/main" val="1492427835"/>
+        <p14:creationId xmlns:p14="http://schemas.microsoft.com/office/powerpoint/2010/main" val="2514446039"/>
       </p:ext>
     </p:extLst>
   </p:cSld>
@@ -1908,13 +2182,7 @@
       </p:grpSpPr>
       <p:sp>
         <p:nvSpPr>
-          <p:cNvPr id="2" name="Title 1">
-            <a:extLst>
-              <a:ext uri="{FF2B5EF4-FFF2-40B4-BE49-F238E27FC236}">
-                <a16:creationId xmlns:a16="http://schemas.microsoft.com/office/drawing/2014/main" id="{0C6E4857-D295-4E72-87C9-819A88DB662C}"/>
-              </a:ext>
-            </a:extLst>
-          </p:cNvPr>
+          <p:cNvPr id="2" name="Title 1"/>
           <p:cNvSpPr>
             <a:spLocks noGrp="1"/>
           </p:cNvSpPr>
@@ -1931,18 +2199,13 @@
               <a:rPr lang="en-US"/>
               <a:t>Click to edit Master title style</a:t>
             </a:r>
-          </a:p>
-        </p:txBody>
-      </p:sp>
-      <p:sp>
-        <p:nvSpPr>
-          <p:cNvPr id="3" name="Date Placeholder 2">
-            <a:extLst>
-              <a:ext uri="{FF2B5EF4-FFF2-40B4-BE49-F238E27FC236}">
-                <a16:creationId xmlns:a16="http://schemas.microsoft.com/office/drawing/2014/main" id="{A4DC21DB-E079-49D0-8CD9-1F07086FB23F}"/>
-              </a:ext>
-            </a:extLst>
-          </p:cNvPr>
+            <a:endParaRPr lang="en-US" dirty="0"/>
+          </a:p>
+        </p:txBody>
+      </p:sp>
+      <p:sp>
+        <p:nvSpPr>
+          <p:cNvPr id="3" name="Date Placeholder 2"/>
           <p:cNvSpPr>
             <a:spLocks noGrp="1"/>
           </p:cNvSpPr>
@@ -1965,13 +2228,7 @@
       </p:sp>
       <p:sp>
         <p:nvSpPr>
-          <p:cNvPr id="4" name="Footer Placeholder 3">
-            <a:extLst>
-              <a:ext uri="{FF2B5EF4-FFF2-40B4-BE49-F238E27FC236}">
-                <a16:creationId xmlns:a16="http://schemas.microsoft.com/office/drawing/2014/main" id="{D8E82E61-5AE8-481B-A589-6FE1576A057E}"/>
-              </a:ext>
-            </a:extLst>
-          </p:cNvPr>
+          <p:cNvPr id="4" name="Footer Placeholder 3"/>
           <p:cNvSpPr>
             <a:spLocks noGrp="1"/>
           </p:cNvSpPr>
@@ -1990,13 +2247,7 @@
       </p:sp>
       <p:sp>
         <p:nvSpPr>
-          <p:cNvPr id="5" name="Slide Number Placeholder 4">
-            <a:extLst>
-              <a:ext uri="{FF2B5EF4-FFF2-40B4-BE49-F238E27FC236}">
-                <a16:creationId xmlns:a16="http://schemas.microsoft.com/office/drawing/2014/main" id="{643A3737-33C1-41E5-9322-3B0157DFA02B}"/>
-              </a:ext>
-            </a:extLst>
-          </p:cNvPr>
+          <p:cNvPr id="5" name="Slide Number Placeholder 4"/>
           <p:cNvSpPr>
             <a:spLocks noGrp="1"/>
           </p:cNvSpPr>
@@ -2020,7 +2271,7 @@
     </p:spTree>
     <p:extLst>
       <p:ext uri="{BB962C8B-B14F-4D97-AF65-F5344CB8AC3E}">
-        <p14:creationId xmlns:p14="http://schemas.microsoft.com/office/powerpoint/2010/main" val="2690008585"/>
+        <p14:creationId xmlns:p14="http://schemas.microsoft.com/office/powerpoint/2010/main" val="614057892"/>
       </p:ext>
     </p:extLst>
   </p:cSld>
@@ -2049,13 +2300,7 @@
       </p:grpSpPr>
       <p:sp>
         <p:nvSpPr>
-          <p:cNvPr id="2" name="Date Placeholder 1">
-            <a:extLst>
-              <a:ext uri="{FF2B5EF4-FFF2-40B4-BE49-F238E27FC236}">
-                <a16:creationId xmlns:a16="http://schemas.microsoft.com/office/drawing/2014/main" id="{69E144ED-011B-4577-A82F-99F0C0C823DB}"/>
-              </a:ext>
-            </a:extLst>
-          </p:cNvPr>
+          <p:cNvPr id="2" name="Date Placeholder 1"/>
           <p:cNvSpPr>
             <a:spLocks noGrp="1"/>
           </p:cNvSpPr>
@@ -2078,13 +2323,7 @@
       </p:sp>
       <p:sp>
         <p:nvSpPr>
-          <p:cNvPr id="3" name="Footer Placeholder 2">
-            <a:extLst>
-              <a:ext uri="{FF2B5EF4-FFF2-40B4-BE49-F238E27FC236}">
-                <a16:creationId xmlns:a16="http://schemas.microsoft.com/office/drawing/2014/main" id="{5640B948-3EBB-4AC0-8B57-4E2882B62C97}"/>
-              </a:ext>
-            </a:extLst>
-          </p:cNvPr>
+          <p:cNvPr id="3" name="Footer Placeholder 2"/>
           <p:cNvSpPr>
             <a:spLocks noGrp="1"/>
           </p:cNvSpPr>
@@ -2103,13 +2342,7 @@
       </p:sp>
       <p:sp>
         <p:nvSpPr>
-          <p:cNvPr id="4" name="Slide Number Placeholder 3">
-            <a:extLst>
-              <a:ext uri="{FF2B5EF4-FFF2-40B4-BE49-F238E27FC236}">
-                <a16:creationId xmlns:a16="http://schemas.microsoft.com/office/drawing/2014/main" id="{4DD325DC-9C4E-48AB-8F7C-31812FF2A98D}"/>
-              </a:ext>
-            </a:extLst>
-          </p:cNvPr>
+          <p:cNvPr id="4" name="Slide Number Placeholder 3"/>
           <p:cNvSpPr>
             <a:spLocks noGrp="1"/>
           </p:cNvSpPr>
@@ -2133,7 +2366,7 @@
     </p:spTree>
     <p:extLst>
       <p:ext uri="{BB962C8B-B14F-4D97-AF65-F5344CB8AC3E}">
-        <p14:creationId xmlns:p14="http://schemas.microsoft.com/office/powerpoint/2010/main" val="669458637"/>
+        <p14:creationId xmlns:p14="http://schemas.microsoft.com/office/powerpoint/2010/main" val="1600719376"/>
       </p:ext>
     </p:extLst>
   </p:cSld>
@@ -2144,7 +2377,7 @@
 </file>
 
 <file path=ppt/slideLayouts/slideLayout8.xml><?xml version="1.0" encoding="utf-8"?>
-<p:sldLayout xmlns:a="http://schemas.openxmlformats.org/drawingml/2006/main" xmlns:r="http://schemas.openxmlformats.org/officeDocument/2006/relationships" xmlns:p="http://schemas.openxmlformats.org/presentationml/2006/main" type="objTx" preserve="1">
+<p:sldLayout xmlns:a="http://schemas.openxmlformats.org/drawingml/2006/main" xmlns:r="http://schemas.openxmlformats.org/officeDocument/2006/relationships" xmlns:p="http://schemas.openxmlformats.org/presentationml/2006/main" showMasterSp="0" type="objTx" preserve="1">
   <p:cSld name="Content with Caption">
     <p:spTree>
       <p:nvGrpSpPr>
@@ -2162,31 +2395,72 @@
       </p:grpSpPr>
       <p:sp>
         <p:nvSpPr>
-          <p:cNvPr id="2" name="Title 1">
-            <a:extLst>
-              <a:ext uri="{FF2B5EF4-FFF2-40B4-BE49-F238E27FC236}">
-                <a16:creationId xmlns:a16="http://schemas.microsoft.com/office/drawing/2014/main" id="{DAF87C7B-569D-4E02-8C6E-484FE845D27C}"/>
-              </a:ext>
-            </a:extLst>
-          </p:cNvPr>
-          <p:cNvSpPr>
-            <a:spLocks noGrp="1"/>
-          </p:cNvSpPr>
-          <p:nvPr>
-            <p:ph type="title"/>
-          </p:nvPr>
+          <p:cNvPr id="8" name="Rectangle 7" title="Background Shape"/>
+          <p:cNvSpPr/>
+          <p:nvPr/>
         </p:nvSpPr>
         <p:spPr>
           <a:xfrm>
-            <a:off x="839788" y="457200"/>
-            <a:ext cx="3932237" cy="1600200"/>
+            <a:off x="0" y="376"/>
+            <a:ext cx="5303520" cy="6857624"/>
+          </a:xfrm>
+          <a:prstGeom prst="rect">
+            <a:avLst/>
+          </a:prstGeom>
+          <a:solidFill>
+            <a:schemeClr val="accent1"/>
+          </a:solidFill>
+          <a:ln>
+            <a:noFill/>
+          </a:ln>
+        </p:spPr>
+        <p:style>
+          <a:lnRef idx="2">
+            <a:schemeClr val="accent1">
+              <a:shade val="50000"/>
+            </a:schemeClr>
+          </a:lnRef>
+          <a:fillRef idx="1">
+            <a:schemeClr val="accent1"/>
+          </a:fillRef>
+          <a:effectRef idx="0">
+            <a:schemeClr val="accent1"/>
+          </a:effectRef>
+          <a:fontRef idx="minor">
+            <a:schemeClr val="lt1"/>
+          </a:fontRef>
+        </p:style>
+      </p:sp>
+      <p:sp>
+        <p:nvSpPr>
+          <p:cNvPr id="2" name="Title 1"/>
+          <p:cNvSpPr>
+            <a:spLocks noGrp="1"/>
+          </p:cNvSpPr>
+          <p:nvPr>
+            <p:ph type="title"/>
+          </p:nvPr>
+        </p:nvSpPr>
+        <p:spPr>
+          <a:xfrm>
+            <a:off x="723900" y="685800"/>
+            <a:ext cx="3855720" cy="2157884"/>
           </a:xfrm>
         </p:spPr>
         <p:txBody>
-          <a:bodyPr anchor="b"/>
+          <a:bodyPr anchor="t">
+            <a:noAutofit/>
+          </a:bodyPr>
           <a:lstStyle>
             <a:lvl1pPr>
-              <a:defRPr sz="3200"/>
+              <a:lnSpc>
+                <a:spcPct val="84000"/>
+              </a:lnSpc>
+              <a:defRPr sz="4800" baseline="0">
+                <a:solidFill>
+                  <a:schemeClr val="tx2"/>
+                </a:solidFill>
+              </a:defRPr>
             </a:lvl1pPr>
           </a:lstStyle>
           <a:p>
@@ -2194,18 +2468,13 @@
               <a:rPr lang="en-US"/>
               <a:t>Click to edit Master title style</a:t>
             </a:r>
-          </a:p>
-        </p:txBody>
-      </p:sp>
-      <p:sp>
-        <p:nvSpPr>
-          <p:cNvPr id="3" name="Content Placeholder 2">
-            <a:extLst>
-              <a:ext uri="{FF2B5EF4-FFF2-40B4-BE49-F238E27FC236}">
-                <a16:creationId xmlns:a16="http://schemas.microsoft.com/office/drawing/2014/main" id="{97B46D0F-7E6C-4367-A5D7-EDD8A9BA1BC8}"/>
-              </a:ext>
-            </a:extLst>
-          </p:cNvPr>
+            <a:endParaRPr lang="en-US" dirty="0"/>
+          </a:p>
+        </p:txBody>
+      </p:sp>
+      <p:sp>
+        <p:nvSpPr>
+          <p:cNvPr id="3" name="Content Placeholder 2"/>
           <p:cNvSpPr>
             <a:spLocks noGrp="1"/>
           </p:cNvSpPr>
@@ -2215,39 +2484,39 @@
         </p:nvSpPr>
         <p:spPr>
           <a:xfrm>
-            <a:off x="5183188" y="987425"/>
-            <a:ext cx="6172200" cy="4873625"/>
+            <a:off x="6256020" y="685801"/>
+            <a:ext cx="5212080" cy="5175250"/>
           </a:xfrm>
         </p:spPr>
         <p:txBody>
           <a:bodyPr/>
           <a:lstStyle>
             <a:lvl1pPr>
-              <a:defRPr sz="3200"/>
+              <a:defRPr sz="2000"/>
             </a:lvl1pPr>
             <a:lvl2pPr>
-              <a:defRPr sz="2800"/>
+              <a:defRPr sz="2000"/>
             </a:lvl2pPr>
             <a:lvl3pPr>
-              <a:defRPr sz="2400"/>
+              <a:defRPr sz="1800"/>
             </a:lvl3pPr>
             <a:lvl4pPr>
-              <a:defRPr sz="2000"/>
+              <a:defRPr sz="1800"/>
             </a:lvl4pPr>
             <a:lvl5pPr>
-              <a:defRPr sz="2000"/>
+              <a:defRPr sz="1600"/>
             </a:lvl5pPr>
             <a:lvl6pPr>
-              <a:defRPr sz="2000"/>
+              <a:defRPr sz="1600"/>
             </a:lvl6pPr>
             <a:lvl7pPr>
-              <a:defRPr sz="2000"/>
+              <a:defRPr sz="1600"/>
             </a:lvl7pPr>
             <a:lvl8pPr>
-              <a:defRPr sz="2000"/>
+              <a:defRPr sz="1600"/>
             </a:lvl8pPr>
             <a:lvl9pPr>
-              <a:defRPr sz="2000"/>
+              <a:defRPr sz="1600"/>
             </a:lvl9pPr>
           </a:lstStyle>
           <a:p>
@@ -2284,18 +2553,13 @@
               <a:rPr lang="en-US"/>
               <a:t>Fifth level</a:t>
             </a:r>
-          </a:p>
-        </p:txBody>
-      </p:sp>
-      <p:sp>
-        <p:nvSpPr>
-          <p:cNvPr id="4" name="Text Placeholder 3">
-            <a:extLst>
-              <a:ext uri="{FF2B5EF4-FFF2-40B4-BE49-F238E27FC236}">
-                <a16:creationId xmlns:a16="http://schemas.microsoft.com/office/drawing/2014/main" id="{753ACE0D-F067-4BAC-B3E1-9C8B532EAD8C}"/>
-              </a:ext>
-            </a:extLst>
-          </p:cNvPr>
+            <a:endParaRPr lang="en-US" dirty="0"/>
+          </a:p>
+        </p:txBody>
+      </p:sp>
+      <p:sp>
+        <p:nvSpPr>
+          <p:cNvPr id="4" name="Text Placeholder 3"/>
           <p:cNvSpPr>
             <a:spLocks noGrp="1"/>
           </p:cNvSpPr>
@@ -2305,14 +2569,23 @@
         </p:nvSpPr>
         <p:spPr>
           <a:xfrm>
-            <a:off x="839788" y="2057400"/>
-            <a:ext cx="3932237" cy="3811588"/>
+            <a:off x="723900" y="2856344"/>
+            <a:ext cx="3855720" cy="3011056"/>
           </a:xfrm>
         </p:spPr>
         <p:txBody>
           <a:bodyPr/>
           <a:lstStyle>
             <a:lvl1pPr marL="0" indent="0">
+              <a:lnSpc>
+                <a:spcPct val="113000"/>
+              </a:lnSpc>
+              <a:spcBef>
+                <a:spcPts val="0"/>
+              </a:spcBef>
+              <a:spcAft>
+                <a:spcPts val="1500"/>
+              </a:spcAft>
               <a:buNone/>
               <a:defRPr sz="1600"/>
             </a:lvl1pPr>
@@ -2360,13 +2633,7 @@
       </p:sp>
       <p:sp>
         <p:nvSpPr>
-          <p:cNvPr id="5" name="Date Placeholder 4">
-            <a:extLst>
-              <a:ext uri="{FF2B5EF4-FFF2-40B4-BE49-F238E27FC236}">
-                <a16:creationId xmlns:a16="http://schemas.microsoft.com/office/drawing/2014/main" id="{E58FDF3B-25DF-45AE-81E5-A6223B9C867D}"/>
-              </a:ext>
-            </a:extLst>
-          </p:cNvPr>
+          <p:cNvPr id="5" name="Date Placeholder 4"/>
           <p:cNvSpPr>
             <a:spLocks noGrp="1"/>
           </p:cNvSpPr>
@@ -2374,10 +2641,23 @@
             <p:ph type="dt" sz="half" idx="10"/>
           </p:nvPr>
         </p:nvSpPr>
-        <p:spPr/>
-        <p:txBody>
-          <a:bodyPr/>
-          <a:lstStyle/>
+        <p:spPr>
+          <a:xfrm>
+            <a:off x="723900" y="6453386"/>
+            <a:ext cx="1204572" cy="404614"/>
+          </a:xfrm>
+        </p:spPr>
+        <p:txBody>
+          <a:bodyPr/>
+          <a:lstStyle>
+            <a:lvl1pPr>
+              <a:defRPr>
+                <a:solidFill>
+                  <a:schemeClr val="tx2"/>
+                </a:solidFill>
+              </a:defRPr>
+            </a:lvl1pPr>
+          </a:lstStyle>
           <a:p>
             <a:fld id="{7ED82E05-B906-46D2-B7F0-95A00293E995}" type="datetimeFigureOut">
               <a:rPr lang="en-US" smtClean="0"/>
@@ -2389,13 +2669,7 @@
       </p:sp>
       <p:sp>
         <p:nvSpPr>
-          <p:cNvPr id="6" name="Footer Placeholder 5">
-            <a:extLst>
-              <a:ext uri="{FF2B5EF4-FFF2-40B4-BE49-F238E27FC236}">
-                <a16:creationId xmlns:a16="http://schemas.microsoft.com/office/drawing/2014/main" id="{39A606A5-5194-496D-A677-A264D195D348}"/>
-              </a:ext>
-            </a:extLst>
-          </p:cNvPr>
+          <p:cNvPr id="6" name="Footer Placeholder 5"/>
           <p:cNvSpPr>
             <a:spLocks noGrp="1"/>
           </p:cNvSpPr>
@@ -2403,10 +2677,23 @@
             <p:ph type="ftr" sz="quarter" idx="11"/>
           </p:nvPr>
         </p:nvSpPr>
-        <p:spPr/>
-        <p:txBody>
-          <a:bodyPr/>
-          <a:lstStyle/>
+        <p:spPr>
+          <a:xfrm>
+            <a:off x="2205945" y="6453386"/>
+            <a:ext cx="2373675" cy="404614"/>
+          </a:xfrm>
+        </p:spPr>
+        <p:txBody>
+          <a:bodyPr/>
+          <a:lstStyle>
+            <a:lvl1pPr>
+              <a:defRPr>
+                <a:solidFill>
+                  <a:schemeClr val="tx2"/>
+                </a:solidFill>
+              </a:defRPr>
+            </a:lvl1pPr>
+          </a:lstStyle>
           <a:p>
             <a:endParaRPr lang="en-US"/>
           </a:p>
@@ -2414,13 +2701,7 @@
       </p:sp>
       <p:sp>
         <p:nvSpPr>
-          <p:cNvPr id="7" name="Slide Number Placeholder 6">
-            <a:extLst>
-              <a:ext uri="{FF2B5EF4-FFF2-40B4-BE49-F238E27FC236}">
-                <a16:creationId xmlns:a16="http://schemas.microsoft.com/office/drawing/2014/main" id="{5E132AF5-7D35-46CF-8C99-592B045CE00D}"/>
-              </a:ext>
-            </a:extLst>
-          </p:cNvPr>
+          <p:cNvPr id="7" name="Slide Number Placeholder 6"/>
           <p:cNvSpPr>
             <a:spLocks noGrp="1"/>
           </p:cNvSpPr>
@@ -2428,10 +2709,23 @@
             <p:ph type="sldNum" sz="quarter" idx="12"/>
           </p:nvPr>
         </p:nvSpPr>
-        <p:spPr/>
-        <p:txBody>
-          <a:bodyPr/>
-          <a:lstStyle/>
+        <p:spPr>
+          <a:xfrm>
+            <a:off x="9883140" y="6453386"/>
+            <a:ext cx="1596292" cy="404614"/>
+          </a:xfrm>
+        </p:spPr>
+        <p:txBody>
+          <a:bodyPr/>
+          <a:lstStyle>
+            <a:lvl1pPr>
+              <a:defRPr>
+                <a:solidFill>
+                  <a:schemeClr val="tx2"/>
+                </a:solidFill>
+              </a:defRPr>
+            </a:lvl1pPr>
+          </a:lstStyle>
           <a:p>
             <a:fld id="{A8D7D4F6-2DF8-4D69-B05D-24304D43B04C}" type="slidenum">
               <a:rPr lang="en-US" smtClean="0"/>
@@ -2441,10 +2735,48 @@
           </a:p>
         </p:txBody>
       </p:sp>
+      <p:sp>
+        <p:nvSpPr>
+          <p:cNvPr id="9" name="Rectangle 8" title="Divider Bar"/>
+          <p:cNvSpPr/>
+          <p:nvPr/>
+        </p:nvSpPr>
+        <p:spPr>
+          <a:xfrm>
+            <a:off x="5303520" y="376"/>
+            <a:ext cx="228600" cy="6858000"/>
+          </a:xfrm>
+          <a:prstGeom prst="rect">
+            <a:avLst/>
+          </a:prstGeom>
+          <a:solidFill>
+            <a:schemeClr val="tx2"/>
+          </a:solidFill>
+          <a:ln>
+            <a:noFill/>
+          </a:ln>
+        </p:spPr>
+        <p:style>
+          <a:lnRef idx="2">
+            <a:schemeClr val="accent1">
+              <a:shade val="50000"/>
+            </a:schemeClr>
+          </a:lnRef>
+          <a:fillRef idx="1">
+            <a:schemeClr val="accent1"/>
+          </a:fillRef>
+          <a:effectRef idx="0">
+            <a:schemeClr val="accent1"/>
+          </a:effectRef>
+          <a:fontRef idx="minor">
+            <a:schemeClr val="lt1"/>
+          </a:fontRef>
+        </p:style>
+      </p:sp>
     </p:spTree>
     <p:extLst>
       <p:ext uri="{BB962C8B-B14F-4D97-AF65-F5344CB8AC3E}">
-        <p14:creationId xmlns:p14="http://schemas.microsoft.com/office/powerpoint/2010/main" val="2866282142"/>
+        <p14:creationId xmlns:p14="http://schemas.microsoft.com/office/powerpoint/2010/main" val="3068865985"/>
       </p:ext>
     </p:extLst>
   </p:cSld>
@@ -2455,7 +2787,7 @@
 </file>
 
 <file path=ppt/slideLayouts/slideLayout9.xml><?xml version="1.0" encoding="utf-8"?>
-<p:sldLayout xmlns:a="http://schemas.openxmlformats.org/drawingml/2006/main" xmlns:r="http://schemas.openxmlformats.org/officeDocument/2006/relationships" xmlns:p="http://schemas.openxmlformats.org/presentationml/2006/main" type="picTx" preserve="1">
+<p:sldLayout xmlns:a="http://schemas.openxmlformats.org/drawingml/2006/main" xmlns:r="http://schemas.openxmlformats.org/officeDocument/2006/relationships" xmlns:p="http://schemas.openxmlformats.org/presentationml/2006/main" showMasterSp="0" type="picTx" preserve="1">
   <p:cSld name="Picture with Caption">
     <p:spTree>
       <p:nvGrpSpPr>
@@ -2473,31 +2805,68 @@
       </p:grpSpPr>
       <p:sp>
         <p:nvSpPr>
-          <p:cNvPr id="2" name="Title 1">
-            <a:extLst>
-              <a:ext uri="{FF2B5EF4-FFF2-40B4-BE49-F238E27FC236}">
-                <a16:creationId xmlns:a16="http://schemas.microsoft.com/office/drawing/2014/main" id="{A17AAC0E-14D3-424F-85B0-764BFD1AF55B}"/>
-              </a:ext>
-            </a:extLst>
-          </p:cNvPr>
-          <p:cNvSpPr>
-            <a:spLocks noGrp="1"/>
-          </p:cNvSpPr>
-          <p:nvPr>
-            <p:ph type="title"/>
-          </p:nvPr>
+          <p:cNvPr id="8" name="Rectangle 7" title="Background Shape"/>
+          <p:cNvSpPr/>
+          <p:nvPr/>
         </p:nvSpPr>
         <p:spPr>
           <a:xfrm>
-            <a:off x="839788" y="457200"/>
-            <a:ext cx="3932237" cy="1600200"/>
+            <a:off x="0" y="376"/>
+            <a:ext cx="5303520" cy="6857624"/>
+          </a:xfrm>
+          <a:prstGeom prst="rect">
+            <a:avLst/>
+          </a:prstGeom>
+          <a:solidFill>
+            <a:schemeClr val="accent1"/>
+          </a:solidFill>
+          <a:ln>
+            <a:noFill/>
+          </a:ln>
+        </p:spPr>
+        <p:style>
+          <a:lnRef idx="2">
+            <a:schemeClr val="accent1">
+              <a:shade val="50000"/>
+            </a:schemeClr>
+          </a:lnRef>
+          <a:fillRef idx="1">
+            <a:schemeClr val="accent1"/>
+          </a:fillRef>
+          <a:effectRef idx="0">
+            <a:schemeClr val="accent1"/>
+          </a:effectRef>
+          <a:fontRef idx="minor">
+            <a:schemeClr val="lt1"/>
+          </a:fontRef>
+        </p:style>
+      </p:sp>
+      <p:sp>
+        <p:nvSpPr>
+          <p:cNvPr id="2" name="Title 1"/>
+          <p:cNvSpPr>
+            <a:spLocks noGrp="1"/>
+          </p:cNvSpPr>
+          <p:nvPr>
+            <p:ph type="title"/>
+          </p:nvPr>
+        </p:nvSpPr>
+        <p:spPr>
+          <a:xfrm>
+            <a:off x="723900" y="685800"/>
+            <a:ext cx="3855720" cy="2157884"/>
           </a:xfrm>
         </p:spPr>
         <p:txBody>
-          <a:bodyPr anchor="b"/>
+          <a:bodyPr anchor="t">
+            <a:normAutofit/>
+          </a:bodyPr>
           <a:lstStyle>
             <a:lvl1pPr>
-              <a:defRPr sz="3200"/>
+              <a:lnSpc>
+                <a:spcPct val="84000"/>
+              </a:lnSpc>
+              <a:defRPr sz="4800" baseline="0"/>
             </a:lvl1pPr>
           </a:lstStyle>
           <a:p>
@@ -2505,20 +2874,15 @@
               <a:rPr lang="en-US"/>
               <a:t>Click to edit Master title style</a:t>
             </a:r>
-          </a:p>
-        </p:txBody>
-      </p:sp>
-      <p:sp>
-        <p:nvSpPr>
-          <p:cNvPr id="3" name="Picture Placeholder 2">
-            <a:extLst>
-              <a:ext uri="{FF2B5EF4-FFF2-40B4-BE49-F238E27FC236}">
-                <a16:creationId xmlns:a16="http://schemas.microsoft.com/office/drawing/2014/main" id="{D0D1F1D8-DB59-4C7B-A149-28E2840A4A0D}"/>
-              </a:ext>
-            </a:extLst>
-          </p:cNvPr>
-          <p:cNvSpPr>
-            <a:spLocks noGrp="1"/>
+            <a:endParaRPr lang="en-US" dirty="0"/>
+          </a:p>
+        </p:txBody>
+      </p:sp>
+      <p:sp>
+        <p:nvSpPr>
+          <p:cNvPr id="3" name="Picture Placeholder 2"/>
+          <p:cNvSpPr>
+            <a:spLocks noGrp="1" noChangeAspect="1"/>
           </p:cNvSpPr>
           <p:nvPr>
             <p:ph type="pic" idx="1"/>
@@ -2526,24 +2890,26 @@
         </p:nvSpPr>
         <p:spPr>
           <a:xfrm>
-            <a:off x="5183188" y="987425"/>
-            <a:ext cx="6172200" cy="4873625"/>
+            <a:off x="5532120" y="0"/>
+            <a:ext cx="6659880" cy="6857999"/>
           </a:xfrm>
         </p:spPr>
         <p:txBody>
-          <a:bodyPr/>
+          <a:bodyPr anchor="t">
+            <a:normAutofit/>
+          </a:bodyPr>
           <a:lstStyle>
             <a:lvl1pPr marL="0" indent="0">
               <a:buNone/>
-              <a:defRPr sz="3200"/>
+              <a:defRPr sz="2000"/>
             </a:lvl1pPr>
             <a:lvl2pPr marL="457200" indent="0">
               <a:buNone/>
-              <a:defRPr sz="2800"/>
+              <a:defRPr sz="2000"/>
             </a:lvl2pPr>
             <a:lvl3pPr marL="914400" indent="0">
               <a:buNone/>
-              <a:defRPr sz="2400"/>
+              <a:defRPr sz="2000"/>
             </a:lvl3pPr>
             <a:lvl4pPr marL="1371600" indent="0">
               <a:buNone/>
@@ -2571,19 +2937,17 @@
             </a:lvl9pPr>
           </a:lstStyle>
           <a:p>
-            <a:endParaRPr lang="en-US"/>
-          </a:p>
-        </p:txBody>
-      </p:sp>
-      <p:sp>
-        <p:nvSpPr>
-          <p:cNvPr id="4" name="Text Placeholder 3">
-            <a:extLst>
-              <a:ext uri="{FF2B5EF4-FFF2-40B4-BE49-F238E27FC236}">
-                <a16:creationId xmlns:a16="http://schemas.microsoft.com/office/drawing/2014/main" id="{E904B6D2-2797-4567-8159-9C397DBBEF80}"/>
-              </a:ext>
-            </a:extLst>
-          </p:cNvPr>
+            <a:r>
+              <a:rPr lang="en-US"/>
+              <a:t>Click icon to add picture</a:t>
+            </a:r>
+            <a:endParaRPr lang="en-US" dirty="0"/>
+          </a:p>
+        </p:txBody>
+      </p:sp>
+      <p:sp>
+        <p:nvSpPr>
+          <p:cNvPr id="4" name="Text Placeholder 3"/>
           <p:cNvSpPr>
             <a:spLocks noGrp="1"/>
           </p:cNvSpPr>
@@ -2593,14 +2957,23 @@
         </p:nvSpPr>
         <p:spPr>
           <a:xfrm>
-            <a:off x="839788" y="2057400"/>
-            <a:ext cx="3932237" cy="3811588"/>
+            <a:off x="723900" y="2855968"/>
+            <a:ext cx="3855720" cy="3011432"/>
           </a:xfrm>
         </p:spPr>
         <p:txBody>
           <a:bodyPr/>
           <a:lstStyle>
             <a:lvl1pPr marL="0" indent="0">
+              <a:lnSpc>
+                <a:spcPct val="113000"/>
+              </a:lnSpc>
+              <a:spcBef>
+                <a:spcPts val="0"/>
+              </a:spcBef>
+              <a:spcAft>
+                <a:spcPts val="1500"/>
+              </a:spcAft>
               <a:buNone/>
               <a:defRPr sz="1600"/>
             </a:lvl1pPr>
@@ -2648,13 +3021,7 @@
       </p:sp>
       <p:sp>
         <p:nvSpPr>
-          <p:cNvPr id="5" name="Date Placeholder 4">
-            <a:extLst>
-              <a:ext uri="{FF2B5EF4-FFF2-40B4-BE49-F238E27FC236}">
-                <a16:creationId xmlns:a16="http://schemas.microsoft.com/office/drawing/2014/main" id="{4D1F3C15-216D-4D63-AA3F-18CE9C3D183E}"/>
-              </a:ext>
-            </a:extLst>
-          </p:cNvPr>
+          <p:cNvPr id="5" name="Date Placeholder 4"/>
           <p:cNvSpPr>
             <a:spLocks noGrp="1"/>
           </p:cNvSpPr>
@@ -2662,10 +3029,23 @@
             <p:ph type="dt" sz="half" idx="10"/>
           </p:nvPr>
         </p:nvSpPr>
-        <p:spPr/>
-        <p:txBody>
-          <a:bodyPr/>
-          <a:lstStyle/>
+        <p:spPr>
+          <a:xfrm>
+            <a:off x="723900" y="6453386"/>
+            <a:ext cx="1204572" cy="404614"/>
+          </a:xfrm>
+        </p:spPr>
+        <p:txBody>
+          <a:bodyPr/>
+          <a:lstStyle>
+            <a:lvl1pPr>
+              <a:defRPr>
+                <a:solidFill>
+                  <a:schemeClr val="tx2"/>
+                </a:solidFill>
+              </a:defRPr>
+            </a:lvl1pPr>
+          </a:lstStyle>
           <a:p>
             <a:fld id="{7ED82E05-B906-46D2-B7F0-95A00293E995}" type="datetimeFigureOut">
               <a:rPr lang="en-US" smtClean="0"/>
@@ -2677,13 +3057,7 @@
       </p:sp>
       <p:sp>
         <p:nvSpPr>
-          <p:cNvPr id="6" name="Footer Placeholder 5">
-            <a:extLst>
-              <a:ext uri="{FF2B5EF4-FFF2-40B4-BE49-F238E27FC236}">
-                <a16:creationId xmlns:a16="http://schemas.microsoft.com/office/drawing/2014/main" id="{0CBE4844-F983-443F-8B41-D235C9C35EEF}"/>
-              </a:ext>
-            </a:extLst>
-          </p:cNvPr>
+          <p:cNvPr id="6" name="Footer Placeholder 5"/>
           <p:cNvSpPr>
             <a:spLocks noGrp="1"/>
           </p:cNvSpPr>
@@ -2691,10 +3065,23 @@
             <p:ph type="ftr" sz="quarter" idx="11"/>
           </p:nvPr>
         </p:nvSpPr>
-        <p:spPr/>
-        <p:txBody>
-          <a:bodyPr/>
-          <a:lstStyle/>
+        <p:spPr>
+          <a:xfrm>
+            <a:off x="2205945" y="6453386"/>
+            <a:ext cx="2373675" cy="404614"/>
+          </a:xfrm>
+        </p:spPr>
+        <p:txBody>
+          <a:bodyPr/>
+          <a:lstStyle>
+            <a:lvl1pPr>
+              <a:defRPr>
+                <a:solidFill>
+                  <a:schemeClr val="tx2"/>
+                </a:solidFill>
+              </a:defRPr>
+            </a:lvl1pPr>
+          </a:lstStyle>
           <a:p>
             <a:endParaRPr lang="en-US"/>
           </a:p>
@@ -2702,13 +3089,7 @@
       </p:sp>
       <p:sp>
         <p:nvSpPr>
-          <p:cNvPr id="7" name="Slide Number Placeholder 6">
-            <a:extLst>
-              <a:ext uri="{FF2B5EF4-FFF2-40B4-BE49-F238E27FC236}">
-                <a16:creationId xmlns:a16="http://schemas.microsoft.com/office/drawing/2014/main" id="{22D8AFEB-1A03-4335-903A-EA071F23FDBB}"/>
-              </a:ext>
-            </a:extLst>
-          </p:cNvPr>
+          <p:cNvPr id="7" name="Slide Number Placeholder 6"/>
           <p:cNvSpPr>
             <a:spLocks noGrp="1"/>
           </p:cNvSpPr>
@@ -2716,10 +3097,23 @@
             <p:ph type="sldNum" sz="quarter" idx="12"/>
           </p:nvPr>
         </p:nvSpPr>
-        <p:spPr/>
-        <p:txBody>
-          <a:bodyPr/>
-          <a:lstStyle/>
+        <p:spPr>
+          <a:xfrm>
+            <a:off x="9883140" y="6453386"/>
+            <a:ext cx="1596292" cy="404614"/>
+          </a:xfrm>
+        </p:spPr>
+        <p:txBody>
+          <a:bodyPr/>
+          <a:lstStyle>
+            <a:lvl1pPr>
+              <a:defRPr>
+                <a:solidFill>
+                  <a:schemeClr val="tx2"/>
+                </a:solidFill>
+              </a:defRPr>
+            </a:lvl1pPr>
+          </a:lstStyle>
           <a:p>
             <a:fld id="{A8D7D4F6-2DF8-4D69-B05D-24304D43B04C}" type="slidenum">
               <a:rPr lang="en-US" smtClean="0"/>
@@ -2729,10 +3123,48 @@
           </a:p>
         </p:txBody>
       </p:sp>
+      <p:sp>
+        <p:nvSpPr>
+          <p:cNvPr id="9" name="Rectangle 8" title="Divider Bar"/>
+          <p:cNvSpPr/>
+          <p:nvPr/>
+        </p:nvSpPr>
+        <p:spPr>
+          <a:xfrm>
+            <a:off x="5303520" y="376"/>
+            <a:ext cx="228600" cy="6858000"/>
+          </a:xfrm>
+          <a:prstGeom prst="rect">
+            <a:avLst/>
+          </a:prstGeom>
+          <a:solidFill>
+            <a:schemeClr val="tx2"/>
+          </a:solidFill>
+          <a:ln>
+            <a:noFill/>
+          </a:ln>
+        </p:spPr>
+        <p:style>
+          <a:lnRef idx="2">
+            <a:schemeClr val="accent1">
+              <a:shade val="50000"/>
+            </a:schemeClr>
+          </a:lnRef>
+          <a:fillRef idx="1">
+            <a:schemeClr val="accent1"/>
+          </a:fillRef>
+          <a:effectRef idx="0">
+            <a:schemeClr val="accent1"/>
+          </a:effectRef>
+          <a:fontRef idx="minor">
+            <a:schemeClr val="lt1"/>
+          </a:fontRef>
+        </p:style>
+      </p:sp>
     </p:spTree>
     <p:extLst>
       <p:ext uri="{BB962C8B-B14F-4D97-AF65-F5344CB8AC3E}">
-        <p14:creationId xmlns:p14="http://schemas.microsoft.com/office/powerpoint/2010/main" val="1498050366"/>
+        <p14:creationId xmlns:p14="http://schemas.microsoft.com/office/powerpoint/2010/main" val="2166592949"/>
       </p:ext>
     </p:extLst>
   </p:cSld>
@@ -2746,8 +3178,8 @@
 <p:sldMaster xmlns:a="http://schemas.openxmlformats.org/drawingml/2006/main" xmlns:r="http://schemas.openxmlformats.org/officeDocument/2006/relationships" xmlns:p="http://schemas.openxmlformats.org/presentationml/2006/main">
   <p:cSld>
     <p:bg>
-      <p:bgRef idx="1001">
-        <a:schemeClr val="bg1"/>
+      <p:bgRef idx="1003">
+        <a:schemeClr val="bg2"/>
       </p:bgRef>
     </p:bg>
     <p:spTree>
@@ -2766,13 +3198,7 @@
       </p:grpSpPr>
       <p:sp>
         <p:nvSpPr>
-          <p:cNvPr id="2" name="Title Placeholder 1">
-            <a:extLst>
-              <a:ext uri="{FF2B5EF4-FFF2-40B4-BE49-F238E27FC236}">
-                <a16:creationId xmlns:a16="http://schemas.microsoft.com/office/drawing/2014/main" id="{34EFA776-0924-4B82-BA19-D17BBF2A3FD5}"/>
-              </a:ext>
-            </a:extLst>
-          </p:cNvPr>
+          <p:cNvPr id="2" name="Title Placeholder 1"/>
           <p:cNvSpPr>
             <a:spLocks noGrp="1"/>
           </p:cNvSpPr>
@@ -2782,15 +3208,15 @@
         </p:nvSpPr>
         <p:spPr>
           <a:xfrm>
-            <a:off x="838200" y="365125"/>
-            <a:ext cx="10515600" cy="1325563"/>
+            <a:off x="1371600" y="685800"/>
+            <a:ext cx="9601200" cy="1485900"/>
           </a:xfrm>
           <a:prstGeom prst="rect">
             <a:avLst/>
           </a:prstGeom>
         </p:spPr>
         <p:txBody>
-          <a:bodyPr vert="horz" lIns="91440" tIns="45720" rIns="91440" bIns="45720" rtlCol="0" anchor="ctr">
+          <a:bodyPr vert="horz" lIns="91440" tIns="45720" rIns="91440" bIns="45720" rtlCol="0" anchor="t">
             <a:normAutofit/>
           </a:bodyPr>
           <a:lstStyle/>
@@ -2799,18 +3225,13 @@
               <a:rPr lang="en-US"/>
               <a:t>Click to edit Master title style</a:t>
             </a:r>
-          </a:p>
-        </p:txBody>
-      </p:sp>
-      <p:sp>
-        <p:nvSpPr>
-          <p:cNvPr id="3" name="Text Placeholder 2">
-            <a:extLst>
-              <a:ext uri="{FF2B5EF4-FFF2-40B4-BE49-F238E27FC236}">
-                <a16:creationId xmlns:a16="http://schemas.microsoft.com/office/drawing/2014/main" id="{E6A26E84-221D-4AE0-942E-54E52A18CC48}"/>
-              </a:ext>
-            </a:extLst>
-          </p:cNvPr>
+            <a:endParaRPr lang="en-US" dirty="0"/>
+          </a:p>
+        </p:txBody>
+      </p:sp>
+      <p:sp>
+        <p:nvSpPr>
+          <p:cNvPr id="3" name="Text Placeholder 2"/>
           <p:cNvSpPr>
             <a:spLocks noGrp="1"/>
           </p:cNvSpPr>
@@ -2820,8 +3241,8 @@
         </p:nvSpPr>
         <p:spPr>
           <a:xfrm>
-            <a:off x="838200" y="1825625"/>
-            <a:ext cx="10515600" cy="4351338"/>
+            <a:off x="1371600" y="2286000"/>
+            <a:ext cx="9601200" cy="3581400"/>
           </a:xfrm>
           <a:prstGeom prst="rect">
             <a:avLst/>
@@ -2866,18 +3287,13 @@
               <a:rPr lang="en-US"/>
               <a:t>Fifth level</a:t>
             </a:r>
-          </a:p>
-        </p:txBody>
-      </p:sp>
-      <p:sp>
-        <p:nvSpPr>
-          <p:cNvPr id="4" name="Date Placeholder 3">
-            <a:extLst>
-              <a:ext uri="{FF2B5EF4-FFF2-40B4-BE49-F238E27FC236}">
-                <a16:creationId xmlns:a16="http://schemas.microsoft.com/office/drawing/2014/main" id="{616DEAB9-8543-43A0-B4EC-C8919C28899B}"/>
-              </a:ext>
-            </a:extLst>
-          </p:cNvPr>
+            <a:endParaRPr lang="en-US" dirty="0"/>
+          </a:p>
+        </p:txBody>
+      </p:sp>
+      <p:sp>
+        <p:nvSpPr>
+          <p:cNvPr id="4" name="Date Placeholder 3"/>
           <p:cNvSpPr>
             <a:spLocks noGrp="1"/>
           </p:cNvSpPr>
@@ -2887,8 +3303,8 @@
         </p:nvSpPr>
         <p:spPr>
           <a:xfrm>
-            <a:off x="838200" y="6356350"/>
-            <a:ext cx="2743200" cy="365125"/>
+            <a:off x="1390650" y="6453386"/>
+            <a:ext cx="1204572" cy="404614"/>
           </a:xfrm>
           <a:prstGeom prst="rect">
             <a:avLst/>
@@ -2898,11 +3314,9 @@
           <a:bodyPr vert="horz" lIns="91440" tIns="45720" rIns="91440" bIns="45720" rtlCol="0" anchor="ctr"/>
           <a:lstStyle>
             <a:lvl1pPr algn="l">
-              <a:defRPr sz="1200">
-                <a:solidFill>
-                  <a:schemeClr val="tx1">
-                    <a:tint val="75000"/>
-                  </a:schemeClr>
+              <a:defRPr sz="1200" baseline="0">
+                <a:solidFill>
+                  <a:schemeClr val="tx2"/>
                 </a:solidFill>
               </a:defRPr>
             </a:lvl1pPr>
@@ -2918,13 +3332,7 @@
       </p:sp>
       <p:sp>
         <p:nvSpPr>
-          <p:cNvPr id="5" name="Footer Placeholder 4">
-            <a:extLst>
-              <a:ext uri="{FF2B5EF4-FFF2-40B4-BE49-F238E27FC236}">
-                <a16:creationId xmlns:a16="http://schemas.microsoft.com/office/drawing/2014/main" id="{DABF2214-1C59-40EF-9154-EE5819822DC5}"/>
-              </a:ext>
-            </a:extLst>
-          </p:cNvPr>
+          <p:cNvPr id="5" name="Footer Placeholder 4"/>
           <p:cNvSpPr>
             <a:spLocks noGrp="1"/>
           </p:cNvSpPr>
@@ -2934,8 +3342,8 @@
         </p:nvSpPr>
         <p:spPr>
           <a:xfrm>
-            <a:off x="4038600" y="6356350"/>
-            <a:ext cx="4114800" cy="365125"/>
+            <a:off x="2893564" y="6453386"/>
+            <a:ext cx="6280830" cy="404614"/>
           </a:xfrm>
           <a:prstGeom prst="rect">
             <a:avLst/>
@@ -2944,12 +3352,10 @@
         <p:txBody>
           <a:bodyPr vert="horz" lIns="91440" tIns="45720" rIns="91440" bIns="45720" rtlCol="0" anchor="ctr"/>
           <a:lstStyle>
-            <a:lvl1pPr algn="ctr">
-              <a:defRPr sz="1200">
-                <a:solidFill>
-                  <a:schemeClr val="tx1">
-                    <a:tint val="75000"/>
-                  </a:schemeClr>
+            <a:lvl1pPr algn="l">
+              <a:defRPr sz="1200" baseline="0">
+                <a:solidFill>
+                  <a:schemeClr val="tx2"/>
                 </a:solidFill>
               </a:defRPr>
             </a:lvl1pPr>
@@ -2961,13 +3367,7 @@
       </p:sp>
       <p:sp>
         <p:nvSpPr>
-          <p:cNvPr id="6" name="Slide Number Placeholder 5">
-            <a:extLst>
-              <a:ext uri="{FF2B5EF4-FFF2-40B4-BE49-F238E27FC236}">
-                <a16:creationId xmlns:a16="http://schemas.microsoft.com/office/drawing/2014/main" id="{CCE7FA81-D1AB-4BE5-877D-D60086126B98}"/>
-              </a:ext>
-            </a:extLst>
-          </p:cNvPr>
+          <p:cNvPr id="6" name="Slide Number Placeholder 5"/>
           <p:cNvSpPr>
             <a:spLocks noGrp="1"/>
           </p:cNvSpPr>
@@ -2977,8 +3377,8 @@
         </p:nvSpPr>
         <p:spPr>
           <a:xfrm>
-            <a:off x="8610600" y="6356350"/>
-            <a:ext cx="2743200" cy="365125"/>
+            <a:off x="9472736" y="6453386"/>
+            <a:ext cx="1596292" cy="404614"/>
           </a:xfrm>
           <a:prstGeom prst="rect">
             <a:avLst/>
@@ -2988,11 +3388,9 @@
           <a:bodyPr vert="horz" lIns="91440" tIns="45720" rIns="91440" bIns="45720" rtlCol="0" anchor="ctr"/>
           <a:lstStyle>
             <a:lvl1pPr algn="r">
-              <a:defRPr sz="1200">
-                <a:solidFill>
-                  <a:schemeClr val="tx1">
-                    <a:tint val="75000"/>
-                  </a:schemeClr>
+              <a:defRPr sz="1200" baseline="0">
+                <a:solidFill>
+                  <a:schemeClr val="tx2"/>
                 </a:solidFill>
               </a:defRPr>
             </a:lvl1pPr>
@@ -3006,40 +3404,78 @@
           </a:p>
         </p:txBody>
       </p:sp>
+      <p:sp>
+        <p:nvSpPr>
+          <p:cNvPr id="9" name="Rectangle 8" title="Side bar"/>
+          <p:cNvSpPr/>
+          <p:nvPr/>
+        </p:nvSpPr>
+        <p:spPr>
+          <a:xfrm>
+            <a:off x="478095" y="376"/>
+            <a:ext cx="228600" cy="6858000"/>
+          </a:xfrm>
+          <a:prstGeom prst="rect">
+            <a:avLst/>
+          </a:prstGeom>
+          <a:solidFill>
+            <a:schemeClr val="tx2"/>
+          </a:solidFill>
+          <a:ln>
+            <a:noFill/>
+          </a:ln>
+        </p:spPr>
+        <p:style>
+          <a:lnRef idx="2">
+            <a:schemeClr val="accent1">
+              <a:shade val="50000"/>
+            </a:schemeClr>
+          </a:lnRef>
+          <a:fillRef idx="1">
+            <a:schemeClr val="accent1"/>
+          </a:fillRef>
+          <a:effectRef idx="0">
+            <a:schemeClr val="accent1"/>
+          </a:effectRef>
+          <a:fontRef idx="minor">
+            <a:schemeClr val="lt1"/>
+          </a:fontRef>
+        </p:style>
+      </p:sp>
     </p:spTree>
     <p:extLst>
       <p:ext uri="{BB962C8B-B14F-4D97-AF65-F5344CB8AC3E}">
-        <p14:creationId xmlns:p14="http://schemas.microsoft.com/office/powerpoint/2010/main" val="3385846693"/>
+        <p14:creationId xmlns:p14="http://schemas.microsoft.com/office/powerpoint/2010/main" val="1441809735"/>
       </p:ext>
     </p:extLst>
   </p:cSld>
   <p:clrMap bg1="lt1" tx1="dk1" bg2="lt2" tx2="dk2" accent1="accent1" accent2="accent2" accent3="accent3" accent4="accent4" accent5="accent5" accent6="accent6" hlink="hlink" folHlink="folHlink"/>
   <p:sldLayoutIdLst>
-    <p:sldLayoutId id="2147483649" r:id="rId1"/>
-    <p:sldLayoutId id="2147483650" r:id="rId2"/>
-    <p:sldLayoutId id="2147483651" r:id="rId3"/>
-    <p:sldLayoutId id="2147483652" r:id="rId4"/>
-    <p:sldLayoutId id="2147483653" r:id="rId5"/>
-    <p:sldLayoutId id="2147483654" r:id="rId6"/>
-    <p:sldLayoutId id="2147483655" r:id="rId7"/>
-    <p:sldLayoutId id="2147483656" r:id="rId8"/>
-    <p:sldLayoutId id="2147483657" r:id="rId9"/>
-    <p:sldLayoutId id="2147483658" r:id="rId10"/>
-    <p:sldLayoutId id="2147483659" r:id="rId11"/>
+    <p:sldLayoutId id="2147483661" r:id="rId1"/>
+    <p:sldLayoutId id="2147483662" r:id="rId2"/>
+    <p:sldLayoutId id="2147483663" r:id="rId3"/>
+    <p:sldLayoutId id="2147483664" r:id="rId4"/>
+    <p:sldLayoutId id="2147483665" r:id="rId5"/>
+    <p:sldLayoutId id="2147483666" r:id="rId6"/>
+    <p:sldLayoutId id="2147483667" r:id="rId7"/>
+    <p:sldLayoutId id="2147483668" r:id="rId8"/>
+    <p:sldLayoutId id="2147483669" r:id="rId9"/>
+    <p:sldLayoutId id="2147483670" r:id="rId10"/>
+    <p:sldLayoutId id="2147483671" r:id="rId11"/>
   </p:sldLayoutIdLst>
   <p:txStyles>
     <p:titleStyle>
       <a:lvl1pPr algn="l" defTabSz="914400" rtl="0" eaLnBrk="1" latinLnBrk="0" hangingPunct="1">
         <a:lnSpc>
-          <a:spcPct val="90000"/>
+          <a:spcPct val="89000"/>
         </a:lnSpc>
         <a:spcBef>
           <a:spcPct val="0"/>
         </a:spcBef>
         <a:buNone/>
-        <a:defRPr sz="4400" kern="1200">
+        <a:defRPr sz="4400" kern="1200" baseline="0">
           <a:solidFill>
-            <a:schemeClr val="tx1"/>
+            <a:schemeClr val="tx2"/>
           </a:solidFill>
           <a:latin typeface="+mj-lt"/>
           <a:ea typeface="+mj-ea"/>
@@ -3048,162 +3484,189 @@
       </a:lvl1pPr>
     </p:titleStyle>
     <p:bodyStyle>
-      <a:lvl1pPr marL="228600" indent="-228600" algn="l" defTabSz="914400" rtl="0" eaLnBrk="1" latinLnBrk="0" hangingPunct="1">
+      <a:lvl1pPr marL="384048" indent="-384048" algn="l" defTabSz="914400" rtl="0" eaLnBrk="1" latinLnBrk="0" hangingPunct="1">
         <a:lnSpc>
-          <a:spcPct val="90000"/>
+          <a:spcPct val="94000"/>
         </a:lnSpc>
         <a:spcBef>
           <a:spcPts val="1000"/>
         </a:spcBef>
-        <a:buFont typeface="Arial" panose="020B0604020202020204" pitchFamily="34" charset="0"/>
-        <a:buChar char="•"/>
-        <a:defRPr sz="2800" kern="1200">
+        <a:spcAft>
+          <a:spcPts val="200"/>
+        </a:spcAft>
+        <a:buFont typeface="Franklin Gothic Book" panose="020B0503020102020204" pitchFamily="34" charset="0"/>
+        <a:buChar char="■"/>
+        <a:defRPr sz="2000" kern="1200" baseline="0">
           <a:solidFill>
-            <a:schemeClr val="tx1"/>
+            <a:schemeClr val="tx2"/>
           </a:solidFill>
           <a:latin typeface="+mn-lt"/>
           <a:ea typeface="+mn-ea"/>
           <a:cs typeface="+mn-cs"/>
         </a:defRPr>
       </a:lvl1pPr>
-      <a:lvl2pPr marL="685800" indent="-228600" algn="l" defTabSz="914400" rtl="0" eaLnBrk="1" latinLnBrk="0" hangingPunct="1">
+      <a:lvl2pPr marL="914400" indent="-384048" algn="l" defTabSz="914400" rtl="0" eaLnBrk="1" latinLnBrk="0" hangingPunct="1">
         <a:lnSpc>
-          <a:spcPct val="90000"/>
+          <a:spcPct val="94000"/>
         </a:lnSpc>
         <a:spcBef>
           <a:spcPts val="500"/>
         </a:spcBef>
-        <a:buFont typeface="Arial" panose="020B0604020202020204" pitchFamily="34" charset="0"/>
-        <a:buChar char="•"/>
-        <a:defRPr sz="2400" kern="1200">
+        <a:spcAft>
+          <a:spcPts val="200"/>
+        </a:spcAft>
+        <a:buFont typeface="Franklin Gothic Book" panose="020B0503020102020204" pitchFamily="34" charset="0"/>
+        <a:buChar char="–"/>
+        <a:defRPr sz="2000" i="1" kern="1200" baseline="0">
           <a:solidFill>
-            <a:schemeClr val="tx1"/>
+            <a:schemeClr val="tx2"/>
           </a:solidFill>
           <a:latin typeface="+mn-lt"/>
           <a:ea typeface="+mn-ea"/>
           <a:cs typeface="+mn-cs"/>
         </a:defRPr>
       </a:lvl2pPr>
-      <a:lvl3pPr marL="1143000" indent="-228600" algn="l" defTabSz="914400" rtl="0" eaLnBrk="1" latinLnBrk="0" hangingPunct="1">
+      <a:lvl3pPr marL="1371600" indent="-384048" algn="l" defTabSz="914400" rtl="0" eaLnBrk="1" latinLnBrk="0" hangingPunct="1">
         <a:lnSpc>
-          <a:spcPct val="90000"/>
+          <a:spcPct val="94000"/>
         </a:lnSpc>
         <a:spcBef>
           <a:spcPts val="500"/>
         </a:spcBef>
-        <a:buFont typeface="Arial" panose="020B0604020202020204" pitchFamily="34" charset="0"/>
-        <a:buChar char="•"/>
-        <a:defRPr sz="2000" kern="1200">
+        <a:spcAft>
+          <a:spcPts val="200"/>
+        </a:spcAft>
+        <a:buFont typeface="Franklin Gothic Book" panose="020B0503020102020204" pitchFamily="34" charset="0"/>
+        <a:buChar char="■"/>
+        <a:defRPr sz="1800" kern="1200" baseline="0">
           <a:solidFill>
-            <a:schemeClr val="tx1"/>
+            <a:schemeClr val="tx2"/>
           </a:solidFill>
           <a:latin typeface="+mn-lt"/>
           <a:ea typeface="+mn-ea"/>
           <a:cs typeface="+mn-cs"/>
         </a:defRPr>
       </a:lvl3pPr>
-      <a:lvl4pPr marL="1600200" indent="-228600" algn="l" defTabSz="914400" rtl="0" eaLnBrk="1" latinLnBrk="0" hangingPunct="1">
+      <a:lvl4pPr marL="1828800" indent="-384048" algn="l" defTabSz="914400" rtl="0" eaLnBrk="1" latinLnBrk="0" hangingPunct="1">
         <a:lnSpc>
-          <a:spcPct val="90000"/>
+          <a:spcPct val="94000"/>
         </a:lnSpc>
         <a:spcBef>
           <a:spcPts val="500"/>
         </a:spcBef>
-        <a:buFont typeface="Arial" panose="020B0604020202020204" pitchFamily="34" charset="0"/>
-        <a:buChar char="•"/>
-        <a:defRPr sz="1800" kern="1200">
+        <a:spcAft>
+          <a:spcPts val="200"/>
+        </a:spcAft>
+        <a:buFont typeface="Franklin Gothic Book" panose="020B0503020102020204" pitchFamily="34" charset="0"/>
+        <a:buChar char="–"/>
+        <a:defRPr sz="1800" i="1" kern="1200" baseline="0">
           <a:solidFill>
-            <a:schemeClr val="tx1"/>
+            <a:schemeClr val="tx2"/>
           </a:solidFill>
           <a:latin typeface="+mn-lt"/>
           <a:ea typeface="+mn-ea"/>
           <a:cs typeface="+mn-cs"/>
         </a:defRPr>
       </a:lvl4pPr>
-      <a:lvl5pPr marL="2057400" indent="-228600" algn="l" defTabSz="914400" rtl="0" eaLnBrk="1" latinLnBrk="0" hangingPunct="1">
+      <a:lvl5pPr marL="2286000" indent="-384048" algn="l" defTabSz="914400" rtl="0" eaLnBrk="1" latinLnBrk="0" hangingPunct="1">
         <a:lnSpc>
-          <a:spcPct val="90000"/>
+          <a:spcPct val="94000"/>
         </a:lnSpc>
         <a:spcBef>
           <a:spcPts val="500"/>
         </a:spcBef>
-        <a:buFont typeface="Arial" panose="020B0604020202020204" pitchFamily="34" charset="0"/>
-        <a:buChar char="•"/>
-        <a:defRPr sz="1800" kern="1200">
+        <a:spcAft>
+          <a:spcPts val="200"/>
+        </a:spcAft>
+        <a:buFont typeface="Franklin Gothic Book" panose="020B0503020102020204" pitchFamily="34" charset="0"/>
+        <a:buChar char="■"/>
+        <a:defRPr sz="1600" kern="1200" baseline="0">
           <a:solidFill>
-            <a:schemeClr val="tx1"/>
+            <a:schemeClr val="tx2"/>
           </a:solidFill>
           <a:latin typeface="+mn-lt"/>
           <a:ea typeface="+mn-ea"/>
           <a:cs typeface="+mn-cs"/>
         </a:defRPr>
       </a:lvl5pPr>
-      <a:lvl6pPr marL="2514600" indent="-228600" algn="l" defTabSz="914400" rtl="0" eaLnBrk="1" latinLnBrk="0" hangingPunct="1">
+      <a:lvl6pPr marL="2743200" indent="-384048" algn="l" defTabSz="914400" rtl="0" eaLnBrk="1" latinLnBrk="0" hangingPunct="1">
         <a:lnSpc>
-          <a:spcPct val="90000"/>
+          <a:spcPct val="94000"/>
         </a:lnSpc>
         <a:spcBef>
           <a:spcPts val="500"/>
         </a:spcBef>
-        <a:buFont typeface="Arial" panose="020B0604020202020204" pitchFamily="34" charset="0"/>
-        <a:buChar char="•"/>
-        <a:defRPr sz="1800" kern="1200">
+        <a:spcAft>
+          <a:spcPts val="200"/>
+        </a:spcAft>
+        <a:buFont typeface="Franklin Gothic Book" panose="020B0503020102020204" pitchFamily="34" charset="0"/>
+        <a:buChar char="–"/>
+        <a:defRPr sz="1600" i="1" kern="1200" baseline="0">
           <a:solidFill>
-            <a:schemeClr val="tx1"/>
+            <a:schemeClr val="tx2"/>
           </a:solidFill>
           <a:latin typeface="+mn-lt"/>
           <a:ea typeface="+mn-ea"/>
           <a:cs typeface="+mn-cs"/>
         </a:defRPr>
       </a:lvl6pPr>
-      <a:lvl7pPr marL="2971800" indent="-228600" algn="l" defTabSz="914400" rtl="0" eaLnBrk="1" latinLnBrk="0" hangingPunct="1">
+      <a:lvl7pPr marL="3200400" indent="-384048" algn="l" defTabSz="914400" rtl="0" eaLnBrk="1" latinLnBrk="0" hangingPunct="1">
         <a:lnSpc>
-          <a:spcPct val="90000"/>
+          <a:spcPct val="94000"/>
         </a:lnSpc>
         <a:spcBef>
           <a:spcPts val="500"/>
         </a:spcBef>
-        <a:buFont typeface="Arial" panose="020B0604020202020204" pitchFamily="34" charset="0"/>
-        <a:buChar char="•"/>
-        <a:defRPr sz="1800" kern="1200">
+        <a:spcAft>
+          <a:spcPts val="200"/>
+        </a:spcAft>
+        <a:buFont typeface="Franklin Gothic Book" panose="020B0503020102020204" pitchFamily="34" charset="0"/>
+        <a:buChar char="■"/>
+        <a:defRPr sz="1400" kern="1200" baseline="0">
           <a:solidFill>
-            <a:schemeClr val="tx1"/>
+            <a:schemeClr val="tx2"/>
           </a:solidFill>
           <a:latin typeface="+mn-lt"/>
           <a:ea typeface="+mn-ea"/>
           <a:cs typeface="+mn-cs"/>
         </a:defRPr>
       </a:lvl7pPr>
-      <a:lvl8pPr marL="3429000" indent="-228600" algn="l" defTabSz="914400" rtl="0" eaLnBrk="1" latinLnBrk="0" hangingPunct="1">
+      <a:lvl8pPr marL="3657600" indent="-384048" algn="l" defTabSz="914400" rtl="0" eaLnBrk="1" latinLnBrk="0" hangingPunct="1">
         <a:lnSpc>
-          <a:spcPct val="90000"/>
+          <a:spcPct val="94000"/>
         </a:lnSpc>
         <a:spcBef>
           <a:spcPts val="500"/>
         </a:spcBef>
-        <a:buFont typeface="Arial" panose="020B0604020202020204" pitchFamily="34" charset="0"/>
-        <a:buChar char="•"/>
-        <a:defRPr sz="1800" kern="1200">
+        <a:spcAft>
+          <a:spcPts val="200"/>
+        </a:spcAft>
+        <a:buFont typeface="Franklin Gothic Book" panose="020B0503020102020204" pitchFamily="34" charset="0"/>
+        <a:buChar char="–"/>
+        <a:defRPr sz="1400" i="1" kern="1200" baseline="0">
           <a:solidFill>
-            <a:schemeClr val="tx1"/>
+            <a:schemeClr val="tx2"/>
           </a:solidFill>
           <a:latin typeface="+mn-lt"/>
           <a:ea typeface="+mn-ea"/>
           <a:cs typeface="+mn-cs"/>
         </a:defRPr>
       </a:lvl8pPr>
-      <a:lvl9pPr marL="3886200" indent="-228600" algn="l" defTabSz="914400" rtl="0" eaLnBrk="1" latinLnBrk="0" hangingPunct="1">
+      <a:lvl9pPr marL="4114800" indent="-384048" algn="l" defTabSz="914400" rtl="0" eaLnBrk="1" latinLnBrk="0" hangingPunct="1">
         <a:lnSpc>
-          <a:spcPct val="90000"/>
+          <a:spcPct val="94000"/>
         </a:lnSpc>
         <a:spcBef>
           <a:spcPts val="500"/>
         </a:spcBef>
-        <a:buFont typeface="Arial" panose="020B0604020202020204" pitchFamily="34" charset="0"/>
-        <a:buChar char="•"/>
-        <a:defRPr sz="1800" kern="1200">
+        <a:spcAft>
+          <a:spcPts val="200"/>
+        </a:spcAft>
+        <a:buFont typeface="Franklin Gothic Book" panose="020B0503020102020204" pitchFamily="34" charset="0"/>
+        <a:buChar char="■"/>
+        <a:defRPr sz="1400" kern="1200" baseline="0">
           <a:solidFill>
-            <a:schemeClr val="tx1"/>
+            <a:schemeClr val="tx2"/>
           </a:solidFill>
           <a:latin typeface="+mn-lt"/>
           <a:ea typeface="+mn-ea"/>
@@ -3307,6 +3770,52 @@
       </a:lvl9pPr>
     </p:otherStyle>
   </p:txStyles>
+  <p:extLst>
+    <p:ext uri="{27BBF7A9-308A-43DC-89C8-2F10F3537804}">
+      <p15:sldGuideLst xmlns:p15="http://schemas.microsoft.com/office/powerpoint/2012/main">
+        <p15:guide id="3" orient="horz" pos="1368">
+          <p15:clr>
+            <a:srgbClr val="F26B43"/>
+          </p15:clr>
+        </p15:guide>
+        <p15:guide id="4" orient="horz" pos="1440">
+          <p15:clr>
+            <a:srgbClr val="F26B43"/>
+          </p15:clr>
+        </p15:guide>
+        <p15:guide id="6" orient="horz" pos="3696">
+          <p15:clr>
+            <a:srgbClr val="F26B43"/>
+          </p15:clr>
+        </p15:guide>
+        <p15:guide id="7" orient="horz" pos="432">
+          <p15:clr>
+            <a:srgbClr val="F26B43"/>
+          </p15:clr>
+        </p15:guide>
+        <p15:guide id="8" orient="horz" pos="1512">
+          <p15:clr>
+            <a:srgbClr val="F26B43"/>
+          </p15:clr>
+        </p15:guide>
+        <p15:guide id="9" pos="6912">
+          <p15:clr>
+            <a:srgbClr val="F26B43"/>
+          </p15:clr>
+        </p15:guide>
+        <p15:guide id="10" pos="936">
+          <p15:clr>
+            <a:srgbClr val="F26B43"/>
+          </p15:clr>
+        </p15:guide>
+        <p15:guide id="11" pos="864">
+          <p15:clr>
+            <a:srgbClr val="F26B43"/>
+          </p15:clr>
+        </p15:guide>
+      </p15:sldGuideLst>
+    </p:ext>
+  </p:extLst>
 </p:sldMaster>
 </file>
 
@@ -3344,8 +3853,8 @@
           </p:nvPr>
         </p:nvSpPr>
         <p:spPr>
-          <a:xfrm>
-            <a:off x="1524000" y="1122363"/>
+          <a:xfrm rot="20258500">
+            <a:off x="1523998" y="1559814"/>
             <a:ext cx="9144000" cy="2387600"/>
           </a:xfrm>
         </p:spPr>
@@ -3353,9 +3862,27 @@
           <a:bodyPr/>
           <a:lstStyle/>
           <a:p>
+            <a:pPr algn="l"/>
             <a:r>
               <a:rPr lang="en-US" dirty="0"/>
-              <a:t>Water Cycle VR GUIDE </a:t>
+              <a:t>   </a:t>
+            </a:r>
+            <a:r>
+              <a:rPr lang="en-US" dirty="0">
+                <a:latin typeface="Stencil" panose="040409050D0802020404" pitchFamily="82" charset="0"/>
+              </a:rPr>
+              <a:t>Water Cycle   </a:t>
+            </a:r>
+            <a:br>
+              <a:rPr lang="en-US" dirty="0">
+                <a:latin typeface="Stencil" panose="040409050D0802020404" pitchFamily="82" charset="0"/>
+              </a:rPr>
+            </a:br>
+            <a:r>
+              <a:rPr lang="en-US" dirty="0">
+                <a:latin typeface="Stencil" panose="040409050D0802020404" pitchFamily="82" charset="0"/>
+              </a:rPr>
+              <a:t>               VR GUIDE        </a:t>
             </a:r>
           </a:p>
         </p:txBody>
@@ -3378,18 +3905,71 @@
         </p:nvSpPr>
         <p:spPr>
           <a:xfrm>
-            <a:off x="1524000" y="3602038"/>
-            <a:ext cx="9144000" cy="1655762"/>
+            <a:off x="5620054" y="4639175"/>
+            <a:ext cx="6450026" cy="1047291"/>
           </a:xfrm>
         </p:spPr>
         <p:txBody>
-          <a:bodyPr/>
+          <a:bodyPr>
+            <a:normAutofit fontScale="92500" lnSpcReduction="20000"/>
+          </a:bodyPr>
           <a:lstStyle/>
           <a:p>
-            <a:endParaRPr lang="en-US" dirty="0"/>
-          </a:p>
-        </p:txBody>
-      </p:sp>
+            <a:r>
+              <a:rPr lang="en-US" dirty="0"/>
+              <a:t>Done By </a:t>
+            </a:r>
+          </a:p>
+          <a:p>
+            <a:r>
+              <a:rPr lang="en-US" dirty="0"/>
+              <a:t>Adnan Ali 201520023</a:t>
+            </a:r>
+          </a:p>
+          <a:p>
+            <a:r>
+              <a:rPr lang="en-US" dirty="0"/>
+              <a:t>Zainab Shahid</a:t>
+            </a:r>
+          </a:p>
+        </p:txBody>
+      </p:sp>
+      <p:pic>
+        <p:nvPicPr>
+          <p:cNvPr id="5" name="Picture 4">
+            <a:extLst>
+              <a:ext uri="{FF2B5EF4-FFF2-40B4-BE49-F238E27FC236}">
+                <a16:creationId xmlns:a16="http://schemas.microsoft.com/office/drawing/2014/main" id="{71EE52B0-6832-49F3-B628-65D1CF408DB1}"/>
+              </a:ext>
+            </a:extLst>
+          </p:cNvPr>
+          <p:cNvPicPr>
+            <a:picLocks noChangeAspect="1"/>
+          </p:cNvPicPr>
+          <p:nvPr/>
+        </p:nvPicPr>
+        <p:blipFill>
+          <a:blip r:embed="rId2">
+            <a:extLst>
+              <a:ext uri="{28A0092B-C50C-407E-A947-70E740481C1C}">
+                <a14:useLocalDpi xmlns:a14="http://schemas.microsoft.com/office/drawing/2010/main" val="0"/>
+              </a:ext>
+            </a:extLst>
+          </a:blip>
+          <a:stretch>
+            <a:fillRect/>
+          </a:stretch>
+        </p:blipFill>
+        <p:spPr>
+          <a:xfrm>
+            <a:off x="9657036" y="0"/>
+            <a:ext cx="2242746" cy="1627710"/>
+          </a:xfrm>
+          <a:prstGeom prst="rect">
+            <a:avLst/>
+          </a:prstGeom>
+        </p:spPr>
+      </p:pic>
     </p:spTree>
     <p:extLst>
       <p:ext uri="{BB962C8B-B14F-4D97-AF65-F5344CB8AC3E}">
@@ -3442,9 +4022,10 @@
           <a:lstStyle/>
           <a:p>
             <a:r>
-              <a:rPr lang="en-US" dirty="0"/>
+              <a:rPr lang="en-US"/>
               <a:t>Content</a:t>
             </a:r>
+            <a:endParaRPr lang="en-US" dirty="0"/>
           </a:p>
         </p:txBody>
       </p:sp>
@@ -3470,25 +4051,25 @@
           <a:lstStyle/>
           <a:p>
             <a:r>
-              <a:rPr lang="en-US" dirty="0"/>
+              <a:rPr lang="en-US"/>
               <a:t>Introduction</a:t>
             </a:r>
           </a:p>
           <a:p>
             <a:r>
-              <a:rPr lang="en-US" dirty="0"/>
+              <a:rPr lang="en-US"/>
               <a:t>Literature Review</a:t>
             </a:r>
           </a:p>
           <a:p>
             <a:r>
-              <a:rPr lang="en-US" dirty="0"/>
+              <a:rPr lang="en-US"/>
               <a:t>Requirement analysis</a:t>
             </a:r>
           </a:p>
           <a:p>
             <a:r>
-              <a:rPr lang="en-US" dirty="0"/>
+              <a:rPr lang="en-US"/>
               <a:t>Future work</a:t>
             </a:r>
           </a:p>
@@ -3510,10 +4091,428 @@
 </p:sld>
 </file>
 
+<file path=ppt/slides/slide3.xml><?xml version="1.0" encoding="utf-8"?>
+<p:sld xmlns:a="http://schemas.openxmlformats.org/drawingml/2006/main" xmlns:r="http://schemas.openxmlformats.org/officeDocument/2006/relationships" xmlns:p="http://schemas.openxmlformats.org/presentationml/2006/main">
+  <p:cSld>
+    <p:spTree>
+      <p:nvGrpSpPr>
+        <p:cNvPr id="1" name=""/>
+        <p:cNvGrpSpPr/>
+        <p:nvPr/>
+      </p:nvGrpSpPr>
+      <p:grpSpPr>
+        <a:xfrm>
+          <a:off x="0" y="0"/>
+          <a:ext cx="0" cy="0"/>
+          <a:chOff x="0" y="0"/>
+          <a:chExt cx="0" cy="0"/>
+        </a:xfrm>
+      </p:grpSpPr>
+      <p:sp>
+        <p:nvSpPr>
+          <p:cNvPr id="2" name="Title 1">
+            <a:extLst>
+              <a:ext uri="{FF2B5EF4-FFF2-40B4-BE49-F238E27FC236}">
+                <a16:creationId xmlns:a16="http://schemas.microsoft.com/office/drawing/2014/main" id="{79D9E8BC-E551-427F-B5A3-C9F9F2C1CDA1}"/>
+              </a:ext>
+            </a:extLst>
+          </p:cNvPr>
+          <p:cNvSpPr>
+            <a:spLocks noGrp="1"/>
+          </p:cNvSpPr>
+          <p:nvPr>
+            <p:ph type="title"/>
+          </p:nvPr>
+        </p:nvSpPr>
+        <p:spPr/>
+        <p:txBody>
+          <a:bodyPr/>
+          <a:lstStyle/>
+          <a:p>
+            <a:r>
+              <a:rPr lang="en-US" dirty="0"/>
+              <a:t>Introduction</a:t>
+            </a:r>
+          </a:p>
+        </p:txBody>
+      </p:sp>
+      <p:sp>
+        <p:nvSpPr>
+          <p:cNvPr id="3" name="Content Placeholder 2">
+            <a:extLst>
+              <a:ext uri="{FF2B5EF4-FFF2-40B4-BE49-F238E27FC236}">
+                <a16:creationId xmlns:a16="http://schemas.microsoft.com/office/drawing/2014/main" id="{82980F63-12FE-4913-BB11-CA61837FA0C1}"/>
+              </a:ext>
+            </a:extLst>
+          </p:cNvPr>
+          <p:cNvSpPr>
+            <a:spLocks noGrp="1"/>
+          </p:cNvSpPr>
+          <p:nvPr>
+            <p:ph idx="1"/>
+          </p:nvPr>
+        </p:nvSpPr>
+        <p:spPr/>
+        <p:txBody>
+          <a:bodyPr/>
+          <a:lstStyle/>
+          <a:p>
+            <a:endParaRPr lang="en-US"/>
+          </a:p>
+        </p:txBody>
+      </p:sp>
+    </p:spTree>
+    <p:extLst>
+      <p:ext uri="{BB962C8B-B14F-4D97-AF65-F5344CB8AC3E}">
+        <p14:creationId xmlns:p14="http://schemas.microsoft.com/office/powerpoint/2010/main" val="397536508"/>
+      </p:ext>
+    </p:extLst>
+  </p:cSld>
+  <p:clrMapOvr>
+    <a:masterClrMapping/>
+  </p:clrMapOvr>
+</p:sld>
+</file>
+
+<file path=ppt/slides/slide4.xml><?xml version="1.0" encoding="utf-8"?>
+<p:sld xmlns:a="http://schemas.openxmlformats.org/drawingml/2006/main" xmlns:r="http://schemas.openxmlformats.org/officeDocument/2006/relationships" xmlns:p="http://schemas.openxmlformats.org/presentationml/2006/main">
+  <p:cSld>
+    <p:spTree>
+      <p:nvGrpSpPr>
+        <p:cNvPr id="1" name=""/>
+        <p:cNvGrpSpPr/>
+        <p:nvPr/>
+      </p:nvGrpSpPr>
+      <p:grpSpPr>
+        <a:xfrm>
+          <a:off x="0" y="0"/>
+          <a:ext cx="0" cy="0"/>
+          <a:chOff x="0" y="0"/>
+          <a:chExt cx="0" cy="0"/>
+        </a:xfrm>
+      </p:grpSpPr>
+      <p:sp>
+        <p:nvSpPr>
+          <p:cNvPr id="2" name="Title 1">
+            <a:extLst>
+              <a:ext uri="{FF2B5EF4-FFF2-40B4-BE49-F238E27FC236}">
+                <a16:creationId xmlns:a16="http://schemas.microsoft.com/office/drawing/2014/main" id="{E5CFE099-4597-4BD2-AC20-2C18228114F3}"/>
+              </a:ext>
+            </a:extLst>
+          </p:cNvPr>
+          <p:cNvSpPr>
+            <a:spLocks noGrp="1"/>
+          </p:cNvSpPr>
+          <p:nvPr>
+            <p:ph type="title"/>
+          </p:nvPr>
+        </p:nvSpPr>
+        <p:spPr/>
+        <p:txBody>
+          <a:bodyPr/>
+          <a:lstStyle/>
+          <a:p>
+            <a:r>
+              <a:rPr lang="en-US" dirty="0"/>
+              <a:t>Literature Review</a:t>
+            </a:r>
+          </a:p>
+        </p:txBody>
+      </p:sp>
+      <p:sp>
+        <p:nvSpPr>
+          <p:cNvPr id="3" name="Content Placeholder 2">
+            <a:extLst>
+              <a:ext uri="{FF2B5EF4-FFF2-40B4-BE49-F238E27FC236}">
+                <a16:creationId xmlns:a16="http://schemas.microsoft.com/office/drawing/2014/main" id="{3161AE2C-2D22-49D7-A572-CCB0753E3B50}"/>
+              </a:ext>
+            </a:extLst>
+          </p:cNvPr>
+          <p:cNvSpPr>
+            <a:spLocks noGrp="1"/>
+          </p:cNvSpPr>
+          <p:nvPr>
+            <p:ph idx="1"/>
+          </p:nvPr>
+        </p:nvSpPr>
+        <p:spPr/>
+        <p:txBody>
+          <a:bodyPr/>
+          <a:lstStyle/>
+          <a:p>
+            <a:endParaRPr lang="en-US"/>
+          </a:p>
+        </p:txBody>
+      </p:sp>
+    </p:spTree>
+    <p:extLst>
+      <p:ext uri="{BB962C8B-B14F-4D97-AF65-F5344CB8AC3E}">
+        <p14:creationId xmlns:p14="http://schemas.microsoft.com/office/powerpoint/2010/main" val="2887603988"/>
+      </p:ext>
+    </p:extLst>
+  </p:cSld>
+  <p:clrMapOvr>
+    <a:masterClrMapping/>
+  </p:clrMapOvr>
+</p:sld>
+</file>
+
+<file path=ppt/slides/slide5.xml><?xml version="1.0" encoding="utf-8"?>
+<p:sld xmlns:a="http://schemas.openxmlformats.org/drawingml/2006/main" xmlns:r="http://schemas.openxmlformats.org/officeDocument/2006/relationships" xmlns:p="http://schemas.openxmlformats.org/presentationml/2006/main">
+  <p:cSld>
+    <p:spTree>
+      <p:nvGrpSpPr>
+        <p:cNvPr id="1" name=""/>
+        <p:cNvGrpSpPr/>
+        <p:nvPr/>
+      </p:nvGrpSpPr>
+      <p:grpSpPr>
+        <a:xfrm>
+          <a:off x="0" y="0"/>
+          <a:ext cx="0" cy="0"/>
+          <a:chOff x="0" y="0"/>
+          <a:chExt cx="0" cy="0"/>
+        </a:xfrm>
+      </p:grpSpPr>
+      <p:sp>
+        <p:nvSpPr>
+          <p:cNvPr id="2" name="Title 1">
+            <a:extLst>
+              <a:ext uri="{FF2B5EF4-FFF2-40B4-BE49-F238E27FC236}">
+                <a16:creationId xmlns:a16="http://schemas.microsoft.com/office/drawing/2014/main" id="{987A2B9E-3B6D-4CDD-AB4C-21E3236C98BA}"/>
+              </a:ext>
+            </a:extLst>
+          </p:cNvPr>
+          <p:cNvSpPr>
+            <a:spLocks noGrp="1"/>
+          </p:cNvSpPr>
+          <p:nvPr>
+            <p:ph type="title"/>
+          </p:nvPr>
+        </p:nvSpPr>
+        <p:spPr/>
+        <p:txBody>
+          <a:bodyPr/>
+          <a:lstStyle/>
+          <a:p>
+            <a:r>
+              <a:rPr lang="en-US" dirty="0"/>
+              <a:t>Requirement Analysis</a:t>
+            </a:r>
+          </a:p>
+        </p:txBody>
+      </p:sp>
+      <p:sp>
+        <p:nvSpPr>
+          <p:cNvPr id="3" name="Content Placeholder 2">
+            <a:extLst>
+              <a:ext uri="{FF2B5EF4-FFF2-40B4-BE49-F238E27FC236}">
+                <a16:creationId xmlns:a16="http://schemas.microsoft.com/office/drawing/2014/main" id="{67DBD9DD-B1A5-41B6-8460-CB9575F4E501}"/>
+              </a:ext>
+            </a:extLst>
+          </p:cNvPr>
+          <p:cNvSpPr>
+            <a:spLocks noGrp="1"/>
+          </p:cNvSpPr>
+          <p:nvPr>
+            <p:ph idx="1"/>
+          </p:nvPr>
+        </p:nvSpPr>
+        <p:spPr/>
+        <p:txBody>
+          <a:bodyPr/>
+          <a:lstStyle/>
+          <a:p>
+            <a:endParaRPr lang="en-US"/>
+          </a:p>
+        </p:txBody>
+      </p:sp>
+    </p:spTree>
+    <p:extLst>
+      <p:ext uri="{BB962C8B-B14F-4D97-AF65-F5344CB8AC3E}">
+        <p14:creationId xmlns:p14="http://schemas.microsoft.com/office/powerpoint/2010/main" val="897558224"/>
+      </p:ext>
+    </p:extLst>
+  </p:cSld>
+  <p:clrMapOvr>
+    <a:masterClrMapping/>
+  </p:clrMapOvr>
+</p:sld>
+</file>
+
+<file path=ppt/slides/slide6.xml><?xml version="1.0" encoding="utf-8"?>
+<p:sld xmlns:a="http://schemas.openxmlformats.org/drawingml/2006/main" xmlns:r="http://schemas.openxmlformats.org/officeDocument/2006/relationships" xmlns:p="http://schemas.openxmlformats.org/presentationml/2006/main">
+  <p:cSld>
+    <p:spTree>
+      <p:nvGrpSpPr>
+        <p:cNvPr id="1" name=""/>
+        <p:cNvGrpSpPr/>
+        <p:nvPr/>
+      </p:nvGrpSpPr>
+      <p:grpSpPr>
+        <a:xfrm>
+          <a:off x="0" y="0"/>
+          <a:ext cx="0" cy="0"/>
+          <a:chOff x="0" y="0"/>
+          <a:chExt cx="0" cy="0"/>
+        </a:xfrm>
+      </p:grpSpPr>
+      <p:sp>
+        <p:nvSpPr>
+          <p:cNvPr id="2" name="Title 1">
+            <a:extLst>
+              <a:ext uri="{FF2B5EF4-FFF2-40B4-BE49-F238E27FC236}">
+                <a16:creationId xmlns:a16="http://schemas.microsoft.com/office/drawing/2014/main" id="{10532DA2-DA77-459D-901A-8AFDC5F1C4B0}"/>
+              </a:ext>
+            </a:extLst>
+          </p:cNvPr>
+          <p:cNvSpPr>
+            <a:spLocks noGrp="1"/>
+          </p:cNvSpPr>
+          <p:nvPr>
+            <p:ph type="title"/>
+          </p:nvPr>
+        </p:nvSpPr>
+        <p:spPr/>
+        <p:txBody>
+          <a:bodyPr/>
+          <a:lstStyle/>
+          <a:p>
+            <a:r>
+              <a:rPr lang="en-US" dirty="0"/>
+              <a:t>Future Work</a:t>
+            </a:r>
+          </a:p>
+        </p:txBody>
+      </p:sp>
+      <p:sp>
+        <p:nvSpPr>
+          <p:cNvPr id="3" name="Content Placeholder 2">
+            <a:extLst>
+              <a:ext uri="{FF2B5EF4-FFF2-40B4-BE49-F238E27FC236}">
+                <a16:creationId xmlns:a16="http://schemas.microsoft.com/office/drawing/2014/main" id="{DB586400-FCBB-4F9E-AEC9-79F70B4DCB66}"/>
+              </a:ext>
+            </a:extLst>
+          </p:cNvPr>
+          <p:cNvSpPr>
+            <a:spLocks noGrp="1"/>
+          </p:cNvSpPr>
+          <p:nvPr>
+            <p:ph idx="1"/>
+          </p:nvPr>
+        </p:nvSpPr>
+        <p:spPr/>
+        <p:txBody>
+          <a:bodyPr/>
+          <a:lstStyle/>
+          <a:p>
+            <a:endParaRPr lang="en-US"/>
+          </a:p>
+        </p:txBody>
+      </p:sp>
+    </p:spTree>
+    <p:extLst>
+      <p:ext uri="{BB962C8B-B14F-4D97-AF65-F5344CB8AC3E}">
+        <p14:creationId xmlns:p14="http://schemas.microsoft.com/office/powerpoint/2010/main" val="3296048341"/>
+      </p:ext>
+    </p:extLst>
+  </p:cSld>
+  <p:clrMapOvr>
+    <a:masterClrMapping/>
+  </p:clrMapOvr>
+</p:sld>
+</file>
+
+<file path=ppt/slides/slide7.xml><?xml version="1.0" encoding="utf-8"?>
+<p:sld xmlns:a="http://schemas.openxmlformats.org/drawingml/2006/main" xmlns:r="http://schemas.openxmlformats.org/officeDocument/2006/relationships" xmlns:p="http://schemas.openxmlformats.org/presentationml/2006/main">
+  <p:cSld>
+    <p:spTree>
+      <p:nvGrpSpPr>
+        <p:cNvPr id="1" name=""/>
+        <p:cNvGrpSpPr/>
+        <p:nvPr/>
+      </p:nvGrpSpPr>
+      <p:grpSpPr>
+        <a:xfrm>
+          <a:off x="0" y="0"/>
+          <a:ext cx="0" cy="0"/>
+          <a:chOff x="0" y="0"/>
+          <a:chExt cx="0" cy="0"/>
+        </a:xfrm>
+      </p:grpSpPr>
+      <p:sp>
+        <p:nvSpPr>
+          <p:cNvPr id="2" name="Title 1">
+            <a:extLst>
+              <a:ext uri="{FF2B5EF4-FFF2-40B4-BE49-F238E27FC236}">
+                <a16:creationId xmlns:a16="http://schemas.microsoft.com/office/drawing/2014/main" id="{5B27978F-BAD3-46C6-AC41-6D563D981774}"/>
+              </a:ext>
+            </a:extLst>
+          </p:cNvPr>
+          <p:cNvSpPr>
+            <a:spLocks noGrp="1"/>
+          </p:cNvSpPr>
+          <p:nvPr>
+            <p:ph type="ctrTitle"/>
+          </p:nvPr>
+        </p:nvSpPr>
+        <p:spPr/>
+        <p:txBody>
+          <a:bodyPr/>
+          <a:lstStyle/>
+          <a:p>
+            <a:r>
+              <a:rPr lang="en-US" dirty="0"/>
+              <a:t>Thank you</a:t>
+            </a:r>
+          </a:p>
+        </p:txBody>
+      </p:sp>
+      <p:sp>
+        <p:nvSpPr>
+          <p:cNvPr id="3" name="Subtitle 2">
+            <a:extLst>
+              <a:ext uri="{FF2B5EF4-FFF2-40B4-BE49-F238E27FC236}">
+                <a16:creationId xmlns:a16="http://schemas.microsoft.com/office/drawing/2014/main" id="{5649E251-AA3D-4977-8FA9-7B0ED7D0FA10}"/>
+              </a:ext>
+            </a:extLst>
+          </p:cNvPr>
+          <p:cNvSpPr>
+            <a:spLocks noGrp="1"/>
+          </p:cNvSpPr>
+          <p:nvPr>
+            <p:ph type="subTitle" idx="1"/>
+          </p:nvPr>
+        </p:nvSpPr>
+        <p:spPr/>
+        <p:txBody>
+          <a:bodyPr/>
+          <a:lstStyle/>
+          <a:p>
+            <a:r>
+              <a:rPr lang="en-US" dirty="0"/>
+              <a:t>Questions?</a:t>
+            </a:r>
+          </a:p>
+        </p:txBody>
+      </p:sp>
+    </p:spTree>
+    <p:extLst>
+      <p:ext uri="{BB962C8B-B14F-4D97-AF65-F5344CB8AC3E}">
+        <p14:creationId xmlns:p14="http://schemas.microsoft.com/office/powerpoint/2010/main" val="4204291281"/>
+      </p:ext>
+    </p:extLst>
+  </p:cSld>
+  <p:clrMapOvr>
+    <a:masterClrMapping/>
+  </p:clrMapOvr>
+</p:sld>
+</file>
+
 <file path=ppt/theme/theme1.xml><?xml version="1.0" encoding="utf-8"?>
-<a:theme xmlns:a="http://schemas.openxmlformats.org/drawingml/2006/main" name="Office Theme">
+<a:theme xmlns:a="http://schemas.openxmlformats.org/drawingml/2006/main" name="Crop">
   <a:themeElements>
-    <a:clrScheme name="Office">
+    <a:clrScheme name="Crop">
       <a:dk1>
         <a:sysClr val="windowText" lastClr="000000"/>
       </a:dk1>
@@ -3521,100 +4520,48 @@
         <a:sysClr val="window" lastClr="FFFFFF"/>
       </a:lt1>
       <a:dk2>
-        <a:srgbClr val="44546A"/>
+        <a:srgbClr val="191B0E"/>
       </a:dk2>
       <a:lt2>
-        <a:srgbClr val="E7E6E6"/>
+        <a:srgbClr val="EFEDE3"/>
       </a:lt2>
       <a:accent1>
-        <a:srgbClr val="4472C4"/>
+        <a:srgbClr val="8C8D86"/>
       </a:accent1>
       <a:accent2>
-        <a:srgbClr val="ED7D31"/>
+        <a:srgbClr val="E6C069"/>
       </a:accent2>
       <a:accent3>
-        <a:srgbClr val="A5A5A5"/>
+        <a:srgbClr val="897B61"/>
       </a:accent3>
       <a:accent4>
-        <a:srgbClr val="FFC000"/>
+        <a:srgbClr val="8DAB8E"/>
       </a:accent4>
       <a:accent5>
-        <a:srgbClr val="5B9BD5"/>
+        <a:srgbClr val="77A2BB"/>
       </a:accent5>
       <a:accent6>
-        <a:srgbClr val="70AD47"/>
+        <a:srgbClr val="E28394"/>
       </a:accent6>
       <a:hlink>
-        <a:srgbClr val="0563C1"/>
+        <a:srgbClr val="77A2BB"/>
       </a:hlink>
       <a:folHlink>
-        <a:srgbClr val="954F72"/>
+        <a:srgbClr val="957A99"/>
       </a:folHlink>
     </a:clrScheme>
-    <a:fontScheme name="Office">
+    <a:fontScheme name="Crop">
       <a:majorFont>
-        <a:latin typeface="Calibri Light" panose="020F0302020204030204"/>
+        <a:latin typeface="Franklin Gothic Book" panose="020B0503020102020204"/>
         <a:ea typeface=""/>
         <a:cs typeface=""/>
-        <a:font script="Jpan" typeface="游ゴシック Light"/>
-        <a:font script="Hang" typeface="맑은 고딕"/>
-        <a:font script="Hans" typeface="等线 Light"/>
-        <a:font script="Hant" typeface="新細明體"/>
-        <a:font script="Arab" typeface="Times New Roman"/>
-        <a:font script="Hebr" typeface="Times New Roman"/>
-        <a:font script="Thai" typeface="Angsana New"/>
-        <a:font script="Ethi" typeface="Nyala"/>
-        <a:font script="Beng" typeface="Vrinda"/>
-        <a:font script="Gujr" typeface="Shruti"/>
-        <a:font script="Khmr" typeface="MoolBoran"/>
-        <a:font script="Knda" typeface="Tunga"/>
-        <a:font script="Guru" typeface="Raavi"/>
-        <a:font script="Cans" typeface="Euphemia"/>
-        <a:font script="Cher" typeface="Plantagenet Cherokee"/>
-        <a:font script="Yiii" typeface="Microsoft Yi Baiti"/>
-        <a:font script="Tibt" typeface="Microsoft Himalaya"/>
-        <a:font script="Thaa" typeface="MV Boli"/>
-        <a:font script="Deva" typeface="Mangal"/>
-        <a:font script="Telu" typeface="Gautami"/>
-        <a:font script="Taml" typeface="Latha"/>
-        <a:font script="Syrc" typeface="Estrangelo Edessa"/>
-        <a:font script="Orya" typeface="Kalinga"/>
-        <a:font script="Mlym" typeface="Kartika"/>
-        <a:font script="Laoo" typeface="DokChampa"/>
-        <a:font script="Sinh" typeface="Iskoola Pota"/>
-        <a:font script="Mong" typeface="Mongolian Baiti"/>
-        <a:font script="Viet" typeface="Times New Roman"/>
-        <a:font script="Uigh" typeface="Microsoft Uighur"/>
-        <a:font script="Geor" typeface="Sylfaen"/>
-        <a:font script="Armn" typeface="Arial"/>
-        <a:font script="Bugi" typeface="Leelawadee UI"/>
-        <a:font script="Bopo" typeface="Microsoft JhengHei"/>
-        <a:font script="Java" typeface="Javanese Text"/>
-        <a:font script="Lisu" typeface="Segoe UI"/>
-        <a:font script="Mymr" typeface="Myanmar Text"/>
-        <a:font script="Nkoo" typeface="Ebrima"/>
-        <a:font script="Olck" typeface="Nirmala UI"/>
-        <a:font script="Osma" typeface="Ebrima"/>
-        <a:font script="Phag" typeface="Phagspa"/>
-        <a:font script="Syrn" typeface="Estrangelo Edessa"/>
-        <a:font script="Syrj" typeface="Estrangelo Edessa"/>
-        <a:font script="Syre" typeface="Estrangelo Edessa"/>
-        <a:font script="Sora" typeface="Nirmala UI"/>
-        <a:font script="Tale" typeface="Microsoft Tai Le"/>
-        <a:font script="Talu" typeface="Microsoft New Tai Lue"/>
-        <a:font script="Tfng" typeface="Ebrima"/>
-      </a:majorFont>
-      <a:minorFont>
-        <a:latin typeface="Calibri" panose="020F0502020204030204"/>
-        <a:ea typeface=""/>
-        <a:cs typeface=""/>
-        <a:font script="Jpan" typeface="游ゴシック"/>
-        <a:font script="Hang" typeface="맑은 고딕"/>
-        <a:font script="Hans" typeface="等线"/>
-        <a:font script="Hant" typeface="新細明體"/>
-        <a:font script="Arab" typeface="Arial"/>
-        <a:font script="Hebr" typeface="Arial"/>
-        <a:font script="Thai" typeface="Cordia New"/>
+        <a:font script="Jpan" typeface="メイリオ"/>
+        <a:font script="Hang" typeface="돋움"/>
+        <a:font script="Hans" typeface="华文楷体"/>
+        <a:font script="Hant" typeface="微軟正黑體"/>
+        <a:font script="Arab" typeface="Tahoma"/>
+        <a:font script="Hebr" typeface="Aharoni"/>
+        <a:font script="Thai" typeface="LilyUPC"/>
         <a:font script="Ethi" typeface="Nyala"/>
         <a:font script="Beng" typeface="Vrinda"/>
         <a:font script="Gujr" typeface="Shruti"/>
@@ -3635,29 +4582,47 @@
         <a:font script="Laoo" typeface="DokChampa"/>
         <a:font script="Sinh" typeface="Iskoola Pota"/>
         <a:font script="Mong" typeface="Mongolian Baiti"/>
-        <a:font script="Viet" typeface="Arial"/>
+        <a:font script="Viet" typeface="Tahoma"/>
         <a:font script="Uigh" typeface="Microsoft Uighur"/>
         <a:font script="Geor" typeface="Sylfaen"/>
-        <a:font script="Armn" typeface="Arial"/>
-        <a:font script="Bugi" typeface="Leelawadee UI"/>
-        <a:font script="Bopo" typeface="Microsoft JhengHei"/>
-        <a:font script="Java" typeface="Javanese Text"/>
-        <a:font script="Lisu" typeface="Segoe UI"/>
-        <a:font script="Mymr" typeface="Myanmar Text"/>
-        <a:font script="Nkoo" typeface="Ebrima"/>
-        <a:font script="Olck" typeface="Nirmala UI"/>
-        <a:font script="Osma" typeface="Ebrima"/>
-        <a:font script="Phag" typeface="Phagspa"/>
-        <a:font script="Syrn" typeface="Estrangelo Edessa"/>
-        <a:font script="Syrj" typeface="Estrangelo Edessa"/>
-        <a:font script="Syre" typeface="Estrangelo Edessa"/>
-        <a:font script="Sora" typeface="Nirmala UI"/>
-        <a:font script="Tale" typeface="Microsoft Tai Le"/>
-        <a:font script="Talu" typeface="Microsoft New Tai Lue"/>
-        <a:font script="Tfng" typeface="Ebrima"/>
+      </a:majorFont>
+      <a:minorFont>
+        <a:latin typeface="Franklin Gothic Book" panose="020B0503020102020204"/>
+        <a:ea typeface=""/>
+        <a:cs typeface=""/>
+        <a:font script="Jpan" typeface="メイリオ"/>
+        <a:font script="Hang" typeface="돋움"/>
+        <a:font script="Hans" typeface="华文楷体"/>
+        <a:font script="Hant" typeface="微軟正黑體"/>
+        <a:font script="Arab" typeface="Tahoma"/>
+        <a:font script="Hebr" typeface="Aharoni"/>
+        <a:font script="Thai" typeface="LilyUPC"/>
+        <a:font script="Ethi" typeface="Nyala"/>
+        <a:font script="Beng" typeface="Vrinda"/>
+        <a:font script="Gujr" typeface="Shruti"/>
+        <a:font script="Khmr" typeface="DaunPenh"/>
+        <a:font script="Knda" typeface="Tunga"/>
+        <a:font script="Guru" typeface="Raavi"/>
+        <a:font script="Cans" typeface="Euphemia"/>
+        <a:font script="Cher" typeface="Plantagenet Cherokee"/>
+        <a:font script="Yiii" typeface="Microsoft Yi Baiti"/>
+        <a:font script="Tibt" typeface="Microsoft Himalaya"/>
+        <a:font script="Thaa" typeface="MV Boli"/>
+        <a:font script="Deva" typeface="Mangal"/>
+        <a:font script="Telu" typeface="Gautami"/>
+        <a:font script="Taml" typeface="Latha"/>
+        <a:font script="Syrc" typeface="Estrangelo Edessa"/>
+        <a:font script="Orya" typeface="Kalinga"/>
+        <a:font script="Mlym" typeface="Kartika"/>
+        <a:font script="Laoo" typeface="DokChampa"/>
+        <a:font script="Sinh" typeface="Iskoola Pota"/>
+        <a:font script="Mong" typeface="Mongolian Baiti"/>
+        <a:font script="Viet" typeface="Tahoma"/>
+        <a:font script="Uigh" typeface="Microsoft Uighur"/>
+        <a:font script="Geor" typeface="Sylfaen"/>
       </a:minorFont>
     </a:fontScheme>
-    <a:fmtScheme name="Office">
+    <a:fmtScheme name="Crop">
       <a:fillStyleLst>
         <a:solidFill>
           <a:schemeClr val="phClr"/>
@@ -3666,23 +4631,23 @@
           <a:gsLst>
             <a:gs pos="0">
               <a:schemeClr val="phClr">
+                <a:tint val="67000"/>
+                <a:satMod val="105000"/>
                 <a:lumMod val="110000"/>
-                <a:satMod val="105000"/>
-                <a:tint val="67000"/>
               </a:schemeClr>
             </a:gs>
             <a:gs pos="50000">
               <a:schemeClr val="phClr">
+                <a:tint val="73000"/>
+                <a:satMod val="103000"/>
                 <a:lumMod val="105000"/>
-                <a:satMod val="103000"/>
-                <a:tint val="73000"/>
               </a:schemeClr>
             </a:gs>
             <a:gs pos="100000">
               <a:schemeClr val="phClr">
+                <a:tint val="81000"/>
+                <a:satMod val="109000"/>
                 <a:lumMod val="105000"/>
-                <a:satMod val="109000"/>
-                <a:tint val="81000"/>
               </a:schemeClr>
             </a:gs>
           </a:gsLst>
@@ -3692,23 +4657,23 @@
           <a:gsLst>
             <a:gs pos="0">
               <a:schemeClr val="phClr">
+                <a:tint val="94000"/>
                 <a:satMod val="103000"/>
                 <a:lumMod val="102000"/>
-                <a:tint val="94000"/>
               </a:schemeClr>
             </a:gs>
             <a:gs pos="50000">
               <a:schemeClr val="phClr">
+                <a:shade val="100000"/>
                 <a:satMod val="110000"/>
                 <a:lumMod val="100000"/>
-                <a:shade val="100000"/>
               </a:schemeClr>
             </a:gs>
             <a:gs pos="100000">
               <a:schemeClr val="phClr">
+                <a:shade val="78000"/>
+                <a:satMod val="120000"/>
                 <a:lumMod val="99000"/>
-                <a:satMod val="120000"/>
-                <a:shade val="78000"/>
               </a:schemeClr>
             </a:gs>
           </a:gsLst>
@@ -3716,26 +4681,23 @@
         </a:gradFill>
       </a:fillStyleLst>
       <a:lnStyleLst>
-        <a:ln w="6350" cap="flat" cmpd="sng" algn="ctr">
+        <a:ln w="6350" cap="flat" cmpd="sng" algn="in">
           <a:solidFill>
             <a:schemeClr val="phClr"/>
           </a:solidFill>
           <a:prstDash val="solid"/>
-          <a:miter lim="800000"/>
         </a:ln>
-        <a:ln w="12700" cap="flat" cmpd="sng" algn="ctr">
+        <a:ln w="34925" cap="flat" cmpd="sng" algn="in">
           <a:solidFill>
             <a:schemeClr val="phClr"/>
           </a:solidFill>
           <a:prstDash val="solid"/>
-          <a:miter lim="800000"/>
         </a:ln>
-        <a:ln w="19050" cap="flat" cmpd="sng" algn="ctr">
+        <a:ln w="19050" cap="flat" cmpd="sng" algn="in">
           <a:solidFill>
             <a:schemeClr val="phClr"/>
           </a:solidFill>
           <a:prstDash val="solid"/>
-          <a:miter lim="800000"/>
         </a:ln>
       </a:lnStyleLst>
       <a:effectStyleLst>
@@ -3749,7 +4711,7 @@
           <a:effectLst>
             <a:outerShdw blurRad="57150" dist="19050" dir="5400000" algn="ctr" rotWithShape="0">
               <a:srgbClr val="000000">
-                <a:alpha val="63000"/>
+                <a:alpha val="35000"/>
               </a:srgbClr>
             </a:outerShdw>
           </a:effectLst>
@@ -3770,16 +4732,16 @@
             <a:gs pos="0">
               <a:schemeClr val="phClr">
                 <a:tint val="93000"/>
+                <a:shade val="98000"/>
                 <a:satMod val="150000"/>
-                <a:shade val="98000"/>
                 <a:lumMod val="102000"/>
               </a:schemeClr>
             </a:gs>
             <a:gs pos="50000">
               <a:schemeClr val="phClr">
                 <a:tint val="98000"/>
+                <a:shade val="90000"/>
                 <a:satMod val="130000"/>
-                <a:shade val="90000"/>
                 <a:lumMod val="103000"/>
               </a:schemeClr>
             </a:gs>
@@ -3799,7 +4761,7 @@
   <a:extraClrSchemeLst/>
   <a:extLst>
     <a:ext uri="{05A4C25C-085E-4340-85A3-A5531E510DB2}">
-      <thm15:themeFamily xmlns:thm15="http://schemas.microsoft.com/office/thememl/2012/main" name="Office Theme" id="{62F939B6-93AF-4DB8-9C6B-D6C7DFDC589F}" vid="{4A3C46E8-61CC-4603-A589-7422A47A8E4A}"/>
+      <thm15:themeFamily xmlns:thm15="http://schemas.microsoft.com/office/thememl/2012/main" name="Crop" id="{EC9488ED-E761-4D60-9AC4-764D1FE2C171}" vid="{CE19780C-D67D-4C13-9DE9-A52BC3BA51B4}"/>
     </a:ext>
   </a:extLst>
 </a:theme>

--- a/Capstone.pptx
+++ b/Capstone.pptx
@@ -8,10 +8,11 @@
     <p:sldId id="256" r:id="rId2"/>
     <p:sldId id="257" r:id="rId3"/>
     <p:sldId id="258" r:id="rId4"/>
-    <p:sldId id="259" r:id="rId5"/>
-    <p:sldId id="260" r:id="rId6"/>
-    <p:sldId id="261" r:id="rId7"/>
-    <p:sldId id="262" r:id="rId8"/>
+    <p:sldId id="263" r:id="rId5"/>
+    <p:sldId id="259" r:id="rId6"/>
+    <p:sldId id="260" r:id="rId7"/>
+    <p:sldId id="261" r:id="rId8"/>
+    <p:sldId id="262" r:id="rId9"/>
   </p:sldIdLst>
   <p:sldSz cx="12192000" cy="6858000"/>
   <p:notesSz cx="6858000" cy="9144000"/>
@@ -4157,7 +4158,26 @@
           <a:bodyPr/>
           <a:lstStyle/>
           <a:p>
-            <a:endParaRPr lang="en-US"/>
+            <a:r>
+              <a:rPr lang="en-US" dirty="0"/>
+              <a:t>Virtual Reality (VR) allows the user to have a visual view of scenario that might not be easily accessible</a:t>
+            </a:r>
+          </a:p>
+          <a:p>
+            <a:r>
+              <a:rPr lang="en-US"/>
+              <a:t>Being </a:t>
+            </a:r>
+            <a:r>
+              <a:rPr lang="en-US" dirty="0"/>
+              <a:t>of the top trending technology it will help evolve the education sector as well</a:t>
+            </a:r>
+          </a:p>
+          <a:p>
+            <a:endParaRPr lang="en-US" dirty="0"/>
+          </a:p>
+          <a:p>
+            <a:endParaRPr lang="en-US" dirty="0"/>
           </a:p>
         </p:txBody>
       </p:sp>
@@ -4196,7 +4216,7 @@
           <p:cNvPr id="2" name="Title 1">
             <a:extLst>
               <a:ext uri="{FF2B5EF4-FFF2-40B4-BE49-F238E27FC236}">
-                <a16:creationId xmlns:a16="http://schemas.microsoft.com/office/drawing/2014/main" id="{E5CFE099-4597-4BD2-AC20-2C18228114F3}"/>
+                <a16:creationId xmlns:a16="http://schemas.microsoft.com/office/drawing/2014/main" id="{84D7991D-144A-4372-8BD2-616794586C45}"/>
               </a:ext>
             </a:extLst>
           </p:cNvPr>
@@ -4212,10 +4232,7 @@
           <a:bodyPr/>
           <a:lstStyle/>
           <a:p>
-            <a:r>
-              <a:rPr lang="en-US" dirty="0"/>
-              <a:t>Literature Review</a:t>
-            </a:r>
+            <a:endParaRPr lang="en-US"/>
           </a:p>
         </p:txBody>
       </p:sp>
@@ -4224,7 +4241,7 @@
           <p:cNvPr id="3" name="Content Placeholder 2">
             <a:extLst>
               <a:ext uri="{FF2B5EF4-FFF2-40B4-BE49-F238E27FC236}">
-                <a16:creationId xmlns:a16="http://schemas.microsoft.com/office/drawing/2014/main" id="{3161AE2C-2D22-49D7-A572-CCB0753E3B50}"/>
+                <a16:creationId xmlns:a16="http://schemas.microsoft.com/office/drawing/2014/main" id="{E33FCD32-6E96-4A50-BB29-FE8417622469}"/>
               </a:ext>
             </a:extLst>
           </p:cNvPr>
@@ -4247,7 +4264,7 @@
     </p:spTree>
     <p:extLst>
       <p:ext uri="{BB962C8B-B14F-4D97-AF65-F5344CB8AC3E}">
-        <p14:creationId xmlns:p14="http://schemas.microsoft.com/office/powerpoint/2010/main" val="2887603988"/>
+        <p14:creationId xmlns:p14="http://schemas.microsoft.com/office/powerpoint/2010/main" val="1542142762"/>
       </p:ext>
     </p:extLst>
   </p:cSld>
@@ -4279,7 +4296,7 @@
           <p:cNvPr id="2" name="Title 1">
             <a:extLst>
               <a:ext uri="{FF2B5EF4-FFF2-40B4-BE49-F238E27FC236}">
-                <a16:creationId xmlns:a16="http://schemas.microsoft.com/office/drawing/2014/main" id="{987A2B9E-3B6D-4CDD-AB4C-21E3236C98BA}"/>
+                <a16:creationId xmlns:a16="http://schemas.microsoft.com/office/drawing/2014/main" id="{E5CFE099-4597-4BD2-AC20-2C18228114F3}"/>
               </a:ext>
             </a:extLst>
           </p:cNvPr>
@@ -4297,7 +4314,7 @@
           <a:p>
             <a:r>
               <a:rPr lang="en-US" dirty="0"/>
-              <a:t>Requirement Analysis</a:t>
+              <a:t>Literature Review</a:t>
             </a:r>
           </a:p>
         </p:txBody>
@@ -4307,7 +4324,7 @@
           <p:cNvPr id="3" name="Content Placeholder 2">
             <a:extLst>
               <a:ext uri="{FF2B5EF4-FFF2-40B4-BE49-F238E27FC236}">
-                <a16:creationId xmlns:a16="http://schemas.microsoft.com/office/drawing/2014/main" id="{67DBD9DD-B1A5-41B6-8460-CB9575F4E501}"/>
+                <a16:creationId xmlns:a16="http://schemas.microsoft.com/office/drawing/2014/main" id="{3161AE2C-2D22-49D7-A572-CCB0753E3B50}"/>
               </a:ext>
             </a:extLst>
           </p:cNvPr>
@@ -4330,7 +4347,7 @@
     </p:spTree>
     <p:extLst>
       <p:ext uri="{BB962C8B-B14F-4D97-AF65-F5344CB8AC3E}">
-        <p14:creationId xmlns:p14="http://schemas.microsoft.com/office/powerpoint/2010/main" val="897558224"/>
+        <p14:creationId xmlns:p14="http://schemas.microsoft.com/office/powerpoint/2010/main" val="2887603988"/>
       </p:ext>
     </p:extLst>
   </p:cSld>
@@ -4362,6 +4379,89 @@
           <p:cNvPr id="2" name="Title 1">
             <a:extLst>
               <a:ext uri="{FF2B5EF4-FFF2-40B4-BE49-F238E27FC236}">
+                <a16:creationId xmlns:a16="http://schemas.microsoft.com/office/drawing/2014/main" id="{987A2B9E-3B6D-4CDD-AB4C-21E3236C98BA}"/>
+              </a:ext>
+            </a:extLst>
+          </p:cNvPr>
+          <p:cNvSpPr>
+            <a:spLocks noGrp="1"/>
+          </p:cNvSpPr>
+          <p:nvPr>
+            <p:ph type="title"/>
+          </p:nvPr>
+        </p:nvSpPr>
+        <p:spPr/>
+        <p:txBody>
+          <a:bodyPr/>
+          <a:lstStyle/>
+          <a:p>
+            <a:r>
+              <a:rPr lang="en-US" dirty="0"/>
+              <a:t>Requirement Analysis</a:t>
+            </a:r>
+          </a:p>
+        </p:txBody>
+      </p:sp>
+      <p:sp>
+        <p:nvSpPr>
+          <p:cNvPr id="3" name="Content Placeholder 2">
+            <a:extLst>
+              <a:ext uri="{FF2B5EF4-FFF2-40B4-BE49-F238E27FC236}">
+                <a16:creationId xmlns:a16="http://schemas.microsoft.com/office/drawing/2014/main" id="{67DBD9DD-B1A5-41B6-8460-CB9575F4E501}"/>
+              </a:ext>
+            </a:extLst>
+          </p:cNvPr>
+          <p:cNvSpPr>
+            <a:spLocks noGrp="1"/>
+          </p:cNvSpPr>
+          <p:nvPr>
+            <p:ph idx="1"/>
+          </p:nvPr>
+        </p:nvSpPr>
+        <p:spPr/>
+        <p:txBody>
+          <a:bodyPr/>
+          <a:lstStyle/>
+          <a:p>
+            <a:endParaRPr lang="en-US"/>
+          </a:p>
+        </p:txBody>
+      </p:sp>
+    </p:spTree>
+    <p:extLst>
+      <p:ext uri="{BB962C8B-B14F-4D97-AF65-F5344CB8AC3E}">
+        <p14:creationId xmlns:p14="http://schemas.microsoft.com/office/powerpoint/2010/main" val="897558224"/>
+      </p:ext>
+    </p:extLst>
+  </p:cSld>
+  <p:clrMapOvr>
+    <a:masterClrMapping/>
+  </p:clrMapOvr>
+</p:sld>
+</file>
+
+<file path=ppt/slides/slide7.xml><?xml version="1.0" encoding="utf-8"?>
+<p:sld xmlns:a="http://schemas.openxmlformats.org/drawingml/2006/main" xmlns:r="http://schemas.openxmlformats.org/officeDocument/2006/relationships" xmlns:p="http://schemas.openxmlformats.org/presentationml/2006/main">
+  <p:cSld>
+    <p:spTree>
+      <p:nvGrpSpPr>
+        <p:cNvPr id="1" name=""/>
+        <p:cNvGrpSpPr/>
+        <p:nvPr/>
+      </p:nvGrpSpPr>
+      <p:grpSpPr>
+        <a:xfrm>
+          <a:off x="0" y="0"/>
+          <a:ext cx="0" cy="0"/>
+          <a:chOff x="0" y="0"/>
+          <a:chExt cx="0" cy="0"/>
+        </a:xfrm>
+      </p:grpSpPr>
+      <p:sp>
+        <p:nvSpPr>
+          <p:cNvPr id="2" name="Title 1">
+            <a:extLst>
+              <a:ext uri="{FF2B5EF4-FFF2-40B4-BE49-F238E27FC236}">
                 <a16:creationId xmlns:a16="http://schemas.microsoft.com/office/drawing/2014/main" id="{10532DA2-DA77-459D-901A-8AFDC5F1C4B0}"/>
               </a:ext>
             </a:extLst>
@@ -4423,7 +4523,7 @@
 </p:sld>
 </file>
 
-<file path=ppt/slides/slide7.xml><?xml version="1.0" encoding="utf-8"?>
+<file path=ppt/slides/slide8.xml><?xml version="1.0" encoding="utf-8"?>
 <p:sld xmlns:a="http://schemas.openxmlformats.org/drawingml/2006/main" xmlns:r="http://schemas.openxmlformats.org/officeDocument/2006/relationships" xmlns:p="http://schemas.openxmlformats.org/presentationml/2006/main">
   <p:cSld>
     <p:spTree>

--- a/Capstone.pptx
+++ b/Capstone.pptx
@@ -280,7 +280,7 @@
           <a:p>
             <a:fld id="{7ED82E05-B906-46D2-B7F0-95A00293E995}" type="datetimeFigureOut">
               <a:rPr lang="en-US" smtClean="0"/>
-              <a:t>8/2/2019</a:t>
+              <a:t>8/3/2019</a:t>
             </a:fld>
             <a:endParaRPr lang="en-US"/>
           </a:p>
@@ -610,7 +610,7 @@
           <a:p>
             <a:fld id="{7ED82E05-B906-46D2-B7F0-95A00293E995}" type="datetimeFigureOut">
               <a:rPr lang="en-US" smtClean="0"/>
-              <a:t>8/2/2019</a:t>
+              <a:t>8/3/2019</a:t>
             </a:fld>
             <a:endParaRPr lang="en-US"/>
           </a:p>
@@ -790,7 +790,7 @@
           <a:p>
             <a:fld id="{7ED82E05-B906-46D2-B7F0-95A00293E995}" type="datetimeFigureOut">
               <a:rPr lang="en-US" smtClean="0"/>
-              <a:t>8/2/2019</a:t>
+              <a:t>8/3/2019</a:t>
             </a:fld>
             <a:endParaRPr lang="en-US"/>
           </a:p>
@@ -960,7 +960,7 @@
           <a:p>
             <a:fld id="{7ED82E05-B906-46D2-B7F0-95A00293E995}" type="datetimeFigureOut">
               <a:rPr lang="en-US" smtClean="0"/>
-              <a:t>8/2/2019</a:t>
+              <a:t>8/3/2019</a:t>
             </a:fld>
             <a:endParaRPr lang="en-US"/>
           </a:p>
@@ -1232,7 +1232,7 @@
           <a:p>
             <a:fld id="{7ED82E05-B906-46D2-B7F0-95A00293E995}" type="datetimeFigureOut">
               <a:rPr lang="en-US" smtClean="0"/>
-              <a:t>8/2/2019</a:t>
+              <a:t>8/3/2019</a:t>
             </a:fld>
             <a:endParaRPr lang="en-US"/>
           </a:p>
@@ -1626,7 +1626,7 @@
           <a:p>
             <a:fld id="{7ED82E05-B906-46D2-B7F0-95A00293E995}" type="datetimeFigureOut">
               <a:rPr lang="en-US" smtClean="0"/>
-              <a:t>8/2/2019</a:t>
+              <a:t>8/3/2019</a:t>
             </a:fld>
             <a:endParaRPr lang="en-US"/>
           </a:p>
@@ -2103,7 +2103,7 @@
           <a:p>
             <a:fld id="{7ED82E05-B906-46D2-B7F0-95A00293E995}" type="datetimeFigureOut">
               <a:rPr lang="en-US" smtClean="0"/>
-              <a:t>8/2/2019</a:t>
+              <a:t>8/3/2019</a:t>
             </a:fld>
             <a:endParaRPr lang="en-US"/>
           </a:p>
@@ -2221,7 +2221,7 @@
           <a:p>
             <a:fld id="{7ED82E05-B906-46D2-B7F0-95A00293E995}" type="datetimeFigureOut">
               <a:rPr lang="en-US" smtClean="0"/>
-              <a:t>8/2/2019</a:t>
+              <a:t>8/3/2019</a:t>
             </a:fld>
             <a:endParaRPr lang="en-US"/>
           </a:p>
@@ -2316,7 +2316,7 @@
           <a:p>
             <a:fld id="{7ED82E05-B906-46D2-B7F0-95A00293E995}" type="datetimeFigureOut">
               <a:rPr lang="en-US" smtClean="0"/>
-              <a:t>8/2/2019</a:t>
+              <a:t>8/3/2019</a:t>
             </a:fld>
             <a:endParaRPr lang="en-US"/>
           </a:p>
@@ -2662,7 +2662,7 @@
           <a:p>
             <a:fld id="{7ED82E05-B906-46D2-B7F0-95A00293E995}" type="datetimeFigureOut">
               <a:rPr lang="en-US" smtClean="0"/>
-              <a:t>8/2/2019</a:t>
+              <a:t>8/3/2019</a:t>
             </a:fld>
             <a:endParaRPr lang="en-US"/>
           </a:p>
@@ -3050,7 +3050,7 @@
           <a:p>
             <a:fld id="{7ED82E05-B906-46D2-B7F0-95A00293E995}" type="datetimeFigureOut">
               <a:rPr lang="en-US" smtClean="0"/>
-              <a:t>8/2/2019</a:t>
+              <a:t>8/3/2019</a:t>
             </a:fld>
             <a:endParaRPr lang="en-US"/>
           </a:p>
@@ -3325,7 +3325,7 @@
           <a:p>
             <a:fld id="{7ED82E05-B906-46D2-B7F0-95A00293E995}" type="datetimeFigureOut">
               <a:rPr lang="en-US" smtClean="0"/>
-              <a:t>8/2/2019</a:t>
+              <a:t>8/3/2019</a:t>
             </a:fld>
             <a:endParaRPr lang="en-US"/>
           </a:p>
@@ -4232,7 +4232,10 @@
           <a:bodyPr/>
           <a:lstStyle/>
           <a:p>
-            <a:endParaRPr lang="en-US"/>
+            <a:r>
+              <a:rPr lang="en-US"/>
+              <a:t>Changed slide 4</a:t>
+            </a:r>
           </a:p>
         </p:txBody>
       </p:sp>
@@ -4257,7 +4260,7 @@
           <a:bodyPr/>
           <a:lstStyle/>
           <a:p>
-            <a:endParaRPr lang="en-US"/>
+            <a:endParaRPr lang="en-US" dirty="0"/>
           </a:p>
         </p:txBody>
       </p:sp>

--- a/Capstone.pptx
+++ b/Capstone.pptx
@@ -8,11 +8,19 @@
     <p:sldId id="256" r:id="rId2"/>
     <p:sldId id="257" r:id="rId3"/>
     <p:sldId id="258" r:id="rId4"/>
-    <p:sldId id="263" r:id="rId5"/>
-    <p:sldId id="259" r:id="rId6"/>
-    <p:sldId id="260" r:id="rId7"/>
-    <p:sldId id="261" r:id="rId8"/>
-    <p:sldId id="262" r:id="rId9"/>
+    <p:sldId id="264" r:id="rId5"/>
+    <p:sldId id="266" r:id="rId6"/>
+    <p:sldId id="265" r:id="rId7"/>
+    <p:sldId id="263" r:id="rId8"/>
+    <p:sldId id="259" r:id="rId9"/>
+    <p:sldId id="267" r:id="rId10"/>
+    <p:sldId id="268" r:id="rId11"/>
+    <p:sldId id="260" r:id="rId12"/>
+    <p:sldId id="269" r:id="rId13"/>
+    <p:sldId id="271" r:id="rId14"/>
+    <p:sldId id="270" r:id="rId15"/>
+    <p:sldId id="261" r:id="rId16"/>
+    <p:sldId id="262" r:id="rId17"/>
   </p:sldIdLst>
   <p:sldSz cx="12192000" cy="6858000"/>
   <p:notesSz cx="6858000" cy="9144000"/>
@@ -280,7 +288,7 @@
           <a:p>
             <a:fld id="{7ED82E05-B906-46D2-B7F0-95A00293E995}" type="datetimeFigureOut">
               <a:rPr lang="en-US" smtClean="0"/>
-              <a:t>8/3/2019</a:t>
+              <a:t>8/4/2019</a:t>
             </a:fld>
             <a:endParaRPr lang="en-US"/>
           </a:p>
@@ -610,7 +618,7 @@
           <a:p>
             <a:fld id="{7ED82E05-B906-46D2-B7F0-95A00293E995}" type="datetimeFigureOut">
               <a:rPr lang="en-US" smtClean="0"/>
-              <a:t>8/3/2019</a:t>
+              <a:t>8/4/2019</a:t>
             </a:fld>
             <a:endParaRPr lang="en-US"/>
           </a:p>
@@ -790,7 +798,7 @@
           <a:p>
             <a:fld id="{7ED82E05-B906-46D2-B7F0-95A00293E995}" type="datetimeFigureOut">
               <a:rPr lang="en-US" smtClean="0"/>
-              <a:t>8/3/2019</a:t>
+              <a:t>8/4/2019</a:t>
             </a:fld>
             <a:endParaRPr lang="en-US"/>
           </a:p>
@@ -960,7 +968,7 @@
           <a:p>
             <a:fld id="{7ED82E05-B906-46D2-B7F0-95A00293E995}" type="datetimeFigureOut">
               <a:rPr lang="en-US" smtClean="0"/>
-              <a:t>8/3/2019</a:t>
+              <a:t>8/4/2019</a:t>
             </a:fld>
             <a:endParaRPr lang="en-US"/>
           </a:p>
@@ -1232,7 +1240,7 @@
           <a:p>
             <a:fld id="{7ED82E05-B906-46D2-B7F0-95A00293E995}" type="datetimeFigureOut">
               <a:rPr lang="en-US" smtClean="0"/>
-              <a:t>8/3/2019</a:t>
+              <a:t>8/4/2019</a:t>
             </a:fld>
             <a:endParaRPr lang="en-US"/>
           </a:p>
@@ -1626,7 +1634,7 @@
           <a:p>
             <a:fld id="{7ED82E05-B906-46D2-B7F0-95A00293E995}" type="datetimeFigureOut">
               <a:rPr lang="en-US" smtClean="0"/>
-              <a:t>8/3/2019</a:t>
+              <a:t>8/4/2019</a:t>
             </a:fld>
             <a:endParaRPr lang="en-US"/>
           </a:p>
@@ -2103,7 +2111,7 @@
           <a:p>
             <a:fld id="{7ED82E05-B906-46D2-B7F0-95A00293E995}" type="datetimeFigureOut">
               <a:rPr lang="en-US" smtClean="0"/>
-              <a:t>8/3/2019</a:t>
+              <a:t>8/4/2019</a:t>
             </a:fld>
             <a:endParaRPr lang="en-US"/>
           </a:p>
@@ -2221,7 +2229,7 @@
           <a:p>
             <a:fld id="{7ED82E05-B906-46D2-B7F0-95A00293E995}" type="datetimeFigureOut">
               <a:rPr lang="en-US" smtClean="0"/>
-              <a:t>8/3/2019</a:t>
+              <a:t>8/4/2019</a:t>
             </a:fld>
             <a:endParaRPr lang="en-US"/>
           </a:p>
@@ -2316,7 +2324,7 @@
           <a:p>
             <a:fld id="{7ED82E05-B906-46D2-B7F0-95A00293E995}" type="datetimeFigureOut">
               <a:rPr lang="en-US" smtClean="0"/>
-              <a:t>8/3/2019</a:t>
+              <a:t>8/4/2019</a:t>
             </a:fld>
             <a:endParaRPr lang="en-US"/>
           </a:p>
@@ -2662,7 +2670,7 @@
           <a:p>
             <a:fld id="{7ED82E05-B906-46D2-B7F0-95A00293E995}" type="datetimeFigureOut">
               <a:rPr lang="en-US" smtClean="0"/>
-              <a:t>8/3/2019</a:t>
+              <a:t>8/4/2019</a:t>
             </a:fld>
             <a:endParaRPr lang="en-US"/>
           </a:p>
@@ -3050,7 +3058,7 @@
           <a:p>
             <a:fld id="{7ED82E05-B906-46D2-B7F0-95A00293E995}" type="datetimeFigureOut">
               <a:rPr lang="en-US" smtClean="0"/>
-              <a:t>8/3/2019</a:t>
+              <a:t>8/4/2019</a:t>
             </a:fld>
             <a:endParaRPr lang="en-US"/>
           </a:p>
@@ -3325,7 +3333,7 @@
           <a:p>
             <a:fld id="{7ED82E05-B906-46D2-B7F0-95A00293E995}" type="datetimeFigureOut">
               <a:rPr lang="en-US" smtClean="0"/>
-              <a:t>8/3/2019</a:t>
+              <a:t>8/4/2019</a:t>
             </a:fld>
             <a:endParaRPr lang="en-US"/>
           </a:p>
@@ -3984,6 +3992,590 @@
 </p:sld>
 </file>
 
+<file path=ppt/slides/slide10.xml><?xml version="1.0" encoding="utf-8"?>
+<p:sld xmlns:a="http://schemas.openxmlformats.org/drawingml/2006/main" xmlns:r="http://schemas.openxmlformats.org/officeDocument/2006/relationships" xmlns:p="http://schemas.openxmlformats.org/presentationml/2006/main">
+  <p:cSld>
+    <p:spTree>
+      <p:nvGrpSpPr>
+        <p:cNvPr id="1" name=""/>
+        <p:cNvGrpSpPr/>
+        <p:nvPr/>
+      </p:nvGrpSpPr>
+      <p:grpSpPr>
+        <a:xfrm>
+          <a:off x="0" y="0"/>
+          <a:ext cx="0" cy="0"/>
+          <a:chOff x="0" y="0"/>
+          <a:chExt cx="0" cy="0"/>
+        </a:xfrm>
+      </p:grpSpPr>
+      <p:sp>
+        <p:nvSpPr>
+          <p:cNvPr id="2" name="Title 1">
+            <a:extLst>
+              <a:ext uri="{FF2B5EF4-FFF2-40B4-BE49-F238E27FC236}">
+                <a16:creationId xmlns:a16="http://schemas.microsoft.com/office/drawing/2014/main" id="{0B9848FB-072D-4F76-B987-E07018C544D7}"/>
+              </a:ext>
+            </a:extLst>
+          </p:cNvPr>
+          <p:cNvSpPr>
+            <a:spLocks noGrp="1"/>
+          </p:cNvSpPr>
+          <p:nvPr>
+            <p:ph type="title"/>
+          </p:nvPr>
+        </p:nvSpPr>
+        <p:spPr/>
+        <p:txBody>
+          <a:bodyPr/>
+          <a:lstStyle/>
+          <a:p>
+            <a:r>
+              <a:rPr lang="en-US" dirty="0"/>
+              <a:t>Comparison Table</a:t>
+            </a:r>
+          </a:p>
+        </p:txBody>
+      </p:sp>
+      <p:sp>
+        <p:nvSpPr>
+          <p:cNvPr id="3" name="Content Placeholder 2">
+            <a:extLst>
+              <a:ext uri="{FF2B5EF4-FFF2-40B4-BE49-F238E27FC236}">
+                <a16:creationId xmlns:a16="http://schemas.microsoft.com/office/drawing/2014/main" id="{2CB7AE19-A099-4BC9-A714-EF81A4D61DC9}"/>
+              </a:ext>
+            </a:extLst>
+          </p:cNvPr>
+          <p:cNvSpPr>
+            <a:spLocks noGrp="1"/>
+          </p:cNvSpPr>
+          <p:nvPr>
+            <p:ph idx="1"/>
+          </p:nvPr>
+        </p:nvSpPr>
+        <p:spPr/>
+        <p:txBody>
+          <a:bodyPr/>
+          <a:lstStyle/>
+          <a:p>
+            <a:endParaRPr lang="en-US"/>
+          </a:p>
+        </p:txBody>
+      </p:sp>
+    </p:spTree>
+    <p:extLst>
+      <p:ext uri="{BB962C8B-B14F-4D97-AF65-F5344CB8AC3E}">
+        <p14:creationId xmlns:p14="http://schemas.microsoft.com/office/powerpoint/2010/main" val="4150897009"/>
+      </p:ext>
+    </p:extLst>
+  </p:cSld>
+  <p:clrMapOvr>
+    <a:masterClrMapping/>
+  </p:clrMapOvr>
+</p:sld>
+</file>
+
+<file path=ppt/slides/slide11.xml><?xml version="1.0" encoding="utf-8"?>
+<p:sld xmlns:a="http://schemas.openxmlformats.org/drawingml/2006/main" xmlns:r="http://schemas.openxmlformats.org/officeDocument/2006/relationships" xmlns:p="http://schemas.openxmlformats.org/presentationml/2006/main">
+  <p:cSld>
+    <p:spTree>
+      <p:nvGrpSpPr>
+        <p:cNvPr id="1" name=""/>
+        <p:cNvGrpSpPr/>
+        <p:nvPr/>
+      </p:nvGrpSpPr>
+      <p:grpSpPr>
+        <a:xfrm>
+          <a:off x="0" y="0"/>
+          <a:ext cx="0" cy="0"/>
+          <a:chOff x="0" y="0"/>
+          <a:chExt cx="0" cy="0"/>
+        </a:xfrm>
+      </p:grpSpPr>
+      <p:sp>
+        <p:nvSpPr>
+          <p:cNvPr id="2" name="Title 1">
+            <a:extLst>
+              <a:ext uri="{FF2B5EF4-FFF2-40B4-BE49-F238E27FC236}">
+                <a16:creationId xmlns:a16="http://schemas.microsoft.com/office/drawing/2014/main" id="{987A2B9E-3B6D-4CDD-AB4C-21E3236C98BA}"/>
+              </a:ext>
+            </a:extLst>
+          </p:cNvPr>
+          <p:cNvSpPr>
+            <a:spLocks noGrp="1"/>
+          </p:cNvSpPr>
+          <p:nvPr>
+            <p:ph type="title"/>
+          </p:nvPr>
+        </p:nvSpPr>
+        <p:spPr/>
+        <p:txBody>
+          <a:bodyPr/>
+          <a:lstStyle/>
+          <a:p>
+            <a:r>
+              <a:rPr lang="en-US" dirty="0"/>
+              <a:t>Requirement Analysis</a:t>
+            </a:r>
+          </a:p>
+        </p:txBody>
+      </p:sp>
+      <p:sp>
+        <p:nvSpPr>
+          <p:cNvPr id="3" name="Content Placeholder 2">
+            <a:extLst>
+              <a:ext uri="{FF2B5EF4-FFF2-40B4-BE49-F238E27FC236}">
+                <a16:creationId xmlns:a16="http://schemas.microsoft.com/office/drawing/2014/main" id="{67DBD9DD-B1A5-41B6-8460-CB9575F4E501}"/>
+              </a:ext>
+            </a:extLst>
+          </p:cNvPr>
+          <p:cNvSpPr>
+            <a:spLocks noGrp="1"/>
+          </p:cNvSpPr>
+          <p:nvPr>
+            <p:ph idx="1"/>
+          </p:nvPr>
+        </p:nvSpPr>
+        <p:spPr/>
+        <p:txBody>
+          <a:bodyPr/>
+          <a:lstStyle/>
+          <a:p>
+            <a:endParaRPr lang="en-US"/>
+          </a:p>
+        </p:txBody>
+      </p:sp>
+    </p:spTree>
+    <p:extLst>
+      <p:ext uri="{BB962C8B-B14F-4D97-AF65-F5344CB8AC3E}">
+        <p14:creationId xmlns:p14="http://schemas.microsoft.com/office/powerpoint/2010/main" val="897558224"/>
+      </p:ext>
+    </p:extLst>
+  </p:cSld>
+  <p:clrMapOvr>
+    <a:masterClrMapping/>
+  </p:clrMapOvr>
+</p:sld>
+</file>
+
+<file path=ppt/slides/slide12.xml><?xml version="1.0" encoding="utf-8"?>
+<p:sld xmlns:a="http://schemas.openxmlformats.org/drawingml/2006/main" xmlns:r="http://schemas.openxmlformats.org/officeDocument/2006/relationships" xmlns:p="http://schemas.openxmlformats.org/presentationml/2006/main">
+  <p:cSld>
+    <p:spTree>
+      <p:nvGrpSpPr>
+        <p:cNvPr id="1" name=""/>
+        <p:cNvGrpSpPr/>
+        <p:nvPr/>
+      </p:nvGrpSpPr>
+      <p:grpSpPr>
+        <a:xfrm>
+          <a:off x="0" y="0"/>
+          <a:ext cx="0" cy="0"/>
+          <a:chOff x="0" y="0"/>
+          <a:chExt cx="0" cy="0"/>
+        </a:xfrm>
+      </p:grpSpPr>
+      <p:sp>
+        <p:nvSpPr>
+          <p:cNvPr id="2" name="Title 1">
+            <a:extLst>
+              <a:ext uri="{FF2B5EF4-FFF2-40B4-BE49-F238E27FC236}">
+                <a16:creationId xmlns:a16="http://schemas.microsoft.com/office/drawing/2014/main" id="{3AE0C9F6-F394-418D-96A4-49626E554771}"/>
+              </a:ext>
+            </a:extLst>
+          </p:cNvPr>
+          <p:cNvSpPr>
+            <a:spLocks noGrp="1"/>
+          </p:cNvSpPr>
+          <p:nvPr>
+            <p:ph type="title"/>
+          </p:nvPr>
+        </p:nvSpPr>
+        <p:spPr/>
+        <p:txBody>
+          <a:bodyPr/>
+          <a:lstStyle/>
+          <a:p>
+            <a:r>
+              <a:rPr lang="en-US" dirty="0"/>
+              <a:t>Use case Diagram</a:t>
+            </a:r>
+          </a:p>
+        </p:txBody>
+      </p:sp>
+      <p:sp>
+        <p:nvSpPr>
+          <p:cNvPr id="3" name="Content Placeholder 2">
+            <a:extLst>
+              <a:ext uri="{FF2B5EF4-FFF2-40B4-BE49-F238E27FC236}">
+                <a16:creationId xmlns:a16="http://schemas.microsoft.com/office/drawing/2014/main" id="{60780DC7-6E0C-499C-B432-5D3FAE7733F5}"/>
+              </a:ext>
+            </a:extLst>
+          </p:cNvPr>
+          <p:cNvSpPr>
+            <a:spLocks noGrp="1"/>
+          </p:cNvSpPr>
+          <p:nvPr>
+            <p:ph idx="1"/>
+          </p:nvPr>
+        </p:nvSpPr>
+        <p:spPr/>
+        <p:txBody>
+          <a:bodyPr/>
+          <a:lstStyle/>
+          <a:p>
+            <a:endParaRPr lang="en-US"/>
+          </a:p>
+        </p:txBody>
+      </p:sp>
+    </p:spTree>
+    <p:extLst>
+      <p:ext uri="{BB962C8B-B14F-4D97-AF65-F5344CB8AC3E}">
+        <p14:creationId xmlns:p14="http://schemas.microsoft.com/office/powerpoint/2010/main" val="2053961645"/>
+      </p:ext>
+    </p:extLst>
+  </p:cSld>
+  <p:clrMapOvr>
+    <a:masterClrMapping/>
+  </p:clrMapOvr>
+</p:sld>
+</file>
+
+<file path=ppt/slides/slide13.xml><?xml version="1.0" encoding="utf-8"?>
+<p:sld xmlns:a="http://schemas.openxmlformats.org/drawingml/2006/main" xmlns:r="http://schemas.openxmlformats.org/officeDocument/2006/relationships" xmlns:p="http://schemas.openxmlformats.org/presentationml/2006/main">
+  <p:cSld>
+    <p:spTree>
+      <p:nvGrpSpPr>
+        <p:cNvPr id="1" name=""/>
+        <p:cNvGrpSpPr/>
+        <p:nvPr/>
+      </p:nvGrpSpPr>
+      <p:grpSpPr>
+        <a:xfrm>
+          <a:off x="0" y="0"/>
+          <a:ext cx="0" cy="0"/>
+          <a:chOff x="0" y="0"/>
+          <a:chExt cx="0" cy="0"/>
+        </a:xfrm>
+      </p:grpSpPr>
+      <p:sp>
+        <p:nvSpPr>
+          <p:cNvPr id="2" name="Title 1">
+            <a:extLst>
+              <a:ext uri="{FF2B5EF4-FFF2-40B4-BE49-F238E27FC236}">
+                <a16:creationId xmlns:a16="http://schemas.microsoft.com/office/drawing/2014/main" id="{67423FAA-9D78-41BE-BEE2-6621D8D99B08}"/>
+              </a:ext>
+            </a:extLst>
+          </p:cNvPr>
+          <p:cNvSpPr>
+            <a:spLocks noGrp="1"/>
+          </p:cNvSpPr>
+          <p:nvPr>
+            <p:ph type="title"/>
+          </p:nvPr>
+        </p:nvSpPr>
+        <p:spPr/>
+        <p:txBody>
+          <a:bodyPr/>
+          <a:lstStyle/>
+          <a:p>
+            <a:r>
+              <a:rPr lang="en-US" dirty="0"/>
+              <a:t>Use Case Diagram</a:t>
+            </a:r>
+          </a:p>
+        </p:txBody>
+      </p:sp>
+      <p:sp>
+        <p:nvSpPr>
+          <p:cNvPr id="3" name="Content Placeholder 2">
+            <a:extLst>
+              <a:ext uri="{FF2B5EF4-FFF2-40B4-BE49-F238E27FC236}">
+                <a16:creationId xmlns:a16="http://schemas.microsoft.com/office/drawing/2014/main" id="{914A72A8-87B7-4A3E-8DAF-1E357F80BB47}"/>
+              </a:ext>
+            </a:extLst>
+          </p:cNvPr>
+          <p:cNvSpPr>
+            <a:spLocks noGrp="1"/>
+          </p:cNvSpPr>
+          <p:nvPr>
+            <p:ph idx="1"/>
+          </p:nvPr>
+        </p:nvSpPr>
+        <p:spPr/>
+        <p:txBody>
+          <a:bodyPr/>
+          <a:lstStyle/>
+          <a:p>
+            <a:endParaRPr lang="en-US"/>
+          </a:p>
+        </p:txBody>
+      </p:sp>
+    </p:spTree>
+    <p:extLst>
+      <p:ext uri="{BB962C8B-B14F-4D97-AF65-F5344CB8AC3E}">
+        <p14:creationId xmlns:p14="http://schemas.microsoft.com/office/powerpoint/2010/main" val="2694925301"/>
+      </p:ext>
+    </p:extLst>
+  </p:cSld>
+  <p:clrMapOvr>
+    <a:masterClrMapping/>
+  </p:clrMapOvr>
+</p:sld>
+</file>
+
+<file path=ppt/slides/slide14.xml><?xml version="1.0" encoding="utf-8"?>
+<p:sld xmlns:a="http://schemas.openxmlformats.org/drawingml/2006/main" xmlns:r="http://schemas.openxmlformats.org/officeDocument/2006/relationships" xmlns:p="http://schemas.openxmlformats.org/presentationml/2006/main">
+  <p:cSld>
+    <p:spTree>
+      <p:nvGrpSpPr>
+        <p:cNvPr id="1" name=""/>
+        <p:cNvGrpSpPr/>
+        <p:nvPr/>
+      </p:nvGrpSpPr>
+      <p:grpSpPr>
+        <a:xfrm>
+          <a:off x="0" y="0"/>
+          <a:ext cx="0" cy="0"/>
+          <a:chOff x="0" y="0"/>
+          <a:chExt cx="0" cy="0"/>
+        </a:xfrm>
+      </p:grpSpPr>
+      <p:sp>
+        <p:nvSpPr>
+          <p:cNvPr id="2" name="Title 1">
+            <a:extLst>
+              <a:ext uri="{FF2B5EF4-FFF2-40B4-BE49-F238E27FC236}">
+                <a16:creationId xmlns:a16="http://schemas.microsoft.com/office/drawing/2014/main" id="{638922BD-D6C8-4838-A26C-ABDA8AAF1130}"/>
+              </a:ext>
+            </a:extLst>
+          </p:cNvPr>
+          <p:cNvSpPr>
+            <a:spLocks noGrp="1"/>
+          </p:cNvSpPr>
+          <p:nvPr>
+            <p:ph type="title"/>
+          </p:nvPr>
+        </p:nvSpPr>
+        <p:spPr/>
+        <p:txBody>
+          <a:bodyPr/>
+          <a:lstStyle/>
+          <a:p>
+            <a:r>
+              <a:rPr lang="en-US" dirty="0"/>
+              <a:t>System Sequence Diagram</a:t>
+            </a:r>
+          </a:p>
+        </p:txBody>
+      </p:sp>
+      <p:sp>
+        <p:nvSpPr>
+          <p:cNvPr id="3" name="Content Placeholder 2">
+            <a:extLst>
+              <a:ext uri="{FF2B5EF4-FFF2-40B4-BE49-F238E27FC236}">
+                <a16:creationId xmlns:a16="http://schemas.microsoft.com/office/drawing/2014/main" id="{9DFF4C3E-86FA-4B7F-B010-8EE42A8D1C76}"/>
+              </a:ext>
+            </a:extLst>
+          </p:cNvPr>
+          <p:cNvSpPr>
+            <a:spLocks noGrp="1"/>
+          </p:cNvSpPr>
+          <p:nvPr>
+            <p:ph idx="1"/>
+          </p:nvPr>
+        </p:nvSpPr>
+        <p:spPr/>
+        <p:txBody>
+          <a:bodyPr/>
+          <a:lstStyle/>
+          <a:p>
+            <a:endParaRPr lang="en-US"/>
+          </a:p>
+        </p:txBody>
+      </p:sp>
+    </p:spTree>
+    <p:extLst>
+      <p:ext uri="{BB962C8B-B14F-4D97-AF65-F5344CB8AC3E}">
+        <p14:creationId xmlns:p14="http://schemas.microsoft.com/office/powerpoint/2010/main" val="3323198618"/>
+      </p:ext>
+    </p:extLst>
+  </p:cSld>
+  <p:clrMapOvr>
+    <a:masterClrMapping/>
+  </p:clrMapOvr>
+</p:sld>
+</file>
+
+<file path=ppt/slides/slide15.xml><?xml version="1.0" encoding="utf-8"?>
+<p:sld xmlns:a="http://schemas.openxmlformats.org/drawingml/2006/main" xmlns:r="http://schemas.openxmlformats.org/officeDocument/2006/relationships" xmlns:p="http://schemas.openxmlformats.org/presentationml/2006/main">
+  <p:cSld>
+    <p:spTree>
+      <p:nvGrpSpPr>
+        <p:cNvPr id="1" name=""/>
+        <p:cNvGrpSpPr/>
+        <p:nvPr/>
+      </p:nvGrpSpPr>
+      <p:grpSpPr>
+        <a:xfrm>
+          <a:off x="0" y="0"/>
+          <a:ext cx="0" cy="0"/>
+          <a:chOff x="0" y="0"/>
+          <a:chExt cx="0" cy="0"/>
+        </a:xfrm>
+      </p:grpSpPr>
+      <p:sp>
+        <p:nvSpPr>
+          <p:cNvPr id="2" name="Title 1">
+            <a:extLst>
+              <a:ext uri="{FF2B5EF4-FFF2-40B4-BE49-F238E27FC236}">
+                <a16:creationId xmlns:a16="http://schemas.microsoft.com/office/drawing/2014/main" id="{10532DA2-DA77-459D-901A-8AFDC5F1C4B0}"/>
+              </a:ext>
+            </a:extLst>
+          </p:cNvPr>
+          <p:cNvSpPr>
+            <a:spLocks noGrp="1"/>
+          </p:cNvSpPr>
+          <p:nvPr>
+            <p:ph type="title"/>
+          </p:nvPr>
+        </p:nvSpPr>
+        <p:spPr/>
+        <p:txBody>
+          <a:bodyPr/>
+          <a:lstStyle/>
+          <a:p>
+            <a:r>
+              <a:rPr lang="en-US" dirty="0"/>
+              <a:t>Conclusion</a:t>
+            </a:r>
+          </a:p>
+        </p:txBody>
+      </p:sp>
+      <p:sp>
+        <p:nvSpPr>
+          <p:cNvPr id="3" name="Content Placeholder 2">
+            <a:extLst>
+              <a:ext uri="{FF2B5EF4-FFF2-40B4-BE49-F238E27FC236}">
+                <a16:creationId xmlns:a16="http://schemas.microsoft.com/office/drawing/2014/main" id="{DB586400-FCBB-4F9E-AEC9-79F70B4DCB66}"/>
+              </a:ext>
+            </a:extLst>
+          </p:cNvPr>
+          <p:cNvSpPr>
+            <a:spLocks noGrp="1"/>
+          </p:cNvSpPr>
+          <p:nvPr>
+            <p:ph idx="1"/>
+          </p:nvPr>
+        </p:nvSpPr>
+        <p:spPr/>
+        <p:txBody>
+          <a:bodyPr/>
+          <a:lstStyle/>
+          <a:p>
+            <a:endParaRPr lang="en-US" dirty="0"/>
+          </a:p>
+        </p:txBody>
+      </p:sp>
+    </p:spTree>
+    <p:extLst>
+      <p:ext uri="{BB962C8B-B14F-4D97-AF65-F5344CB8AC3E}">
+        <p14:creationId xmlns:p14="http://schemas.microsoft.com/office/powerpoint/2010/main" val="3296048341"/>
+      </p:ext>
+    </p:extLst>
+  </p:cSld>
+  <p:clrMapOvr>
+    <a:masterClrMapping/>
+  </p:clrMapOvr>
+</p:sld>
+</file>
+
+<file path=ppt/slides/slide16.xml><?xml version="1.0" encoding="utf-8"?>
+<p:sld xmlns:a="http://schemas.openxmlformats.org/drawingml/2006/main" xmlns:r="http://schemas.openxmlformats.org/officeDocument/2006/relationships" xmlns:p="http://schemas.openxmlformats.org/presentationml/2006/main">
+  <p:cSld>
+    <p:spTree>
+      <p:nvGrpSpPr>
+        <p:cNvPr id="1" name=""/>
+        <p:cNvGrpSpPr/>
+        <p:nvPr/>
+      </p:nvGrpSpPr>
+      <p:grpSpPr>
+        <a:xfrm>
+          <a:off x="0" y="0"/>
+          <a:ext cx="0" cy="0"/>
+          <a:chOff x="0" y="0"/>
+          <a:chExt cx="0" cy="0"/>
+        </a:xfrm>
+      </p:grpSpPr>
+      <p:sp>
+        <p:nvSpPr>
+          <p:cNvPr id="2" name="Title 1">
+            <a:extLst>
+              <a:ext uri="{FF2B5EF4-FFF2-40B4-BE49-F238E27FC236}">
+                <a16:creationId xmlns:a16="http://schemas.microsoft.com/office/drawing/2014/main" id="{5B27978F-BAD3-46C6-AC41-6D563D981774}"/>
+              </a:ext>
+            </a:extLst>
+          </p:cNvPr>
+          <p:cNvSpPr>
+            <a:spLocks noGrp="1"/>
+          </p:cNvSpPr>
+          <p:nvPr>
+            <p:ph type="ctrTitle"/>
+          </p:nvPr>
+        </p:nvSpPr>
+        <p:spPr/>
+        <p:txBody>
+          <a:bodyPr/>
+          <a:lstStyle/>
+          <a:p>
+            <a:r>
+              <a:rPr lang="en-US" dirty="0"/>
+              <a:t>Thank you</a:t>
+            </a:r>
+          </a:p>
+        </p:txBody>
+      </p:sp>
+      <p:sp>
+        <p:nvSpPr>
+          <p:cNvPr id="3" name="Subtitle 2">
+            <a:extLst>
+              <a:ext uri="{FF2B5EF4-FFF2-40B4-BE49-F238E27FC236}">
+                <a16:creationId xmlns:a16="http://schemas.microsoft.com/office/drawing/2014/main" id="{5649E251-AA3D-4977-8FA9-7B0ED7D0FA10}"/>
+              </a:ext>
+            </a:extLst>
+          </p:cNvPr>
+          <p:cNvSpPr>
+            <a:spLocks noGrp="1"/>
+          </p:cNvSpPr>
+          <p:nvPr>
+            <p:ph type="subTitle" idx="1"/>
+          </p:nvPr>
+        </p:nvSpPr>
+        <p:spPr/>
+        <p:txBody>
+          <a:bodyPr/>
+          <a:lstStyle/>
+          <a:p>
+            <a:r>
+              <a:rPr lang="en-US" dirty="0"/>
+              <a:t>Questions?</a:t>
+            </a:r>
+          </a:p>
+        </p:txBody>
+      </p:sp>
+    </p:spTree>
+    <p:extLst>
+      <p:ext uri="{BB962C8B-B14F-4D97-AF65-F5344CB8AC3E}">
+        <p14:creationId xmlns:p14="http://schemas.microsoft.com/office/powerpoint/2010/main" val="4204291281"/>
+      </p:ext>
+    </p:extLst>
+  </p:cSld>
+  <p:clrMapOvr>
+    <a:masterClrMapping/>
+  </p:clrMapOvr>
+</p:sld>
+</file>
+
 <file path=ppt/slides/slide2.xml><?xml version="1.0" encoding="utf-8"?>
 <p:sld xmlns:a="http://schemas.openxmlformats.org/drawingml/2006/main" xmlns:r="http://schemas.openxmlformats.org/officeDocument/2006/relationships" xmlns:p="http://schemas.openxmlformats.org/presentationml/2006/main">
   <p:cSld>
@@ -4052,26 +4644,26 @@
           <a:lstStyle/>
           <a:p>
             <a:r>
-              <a:rPr lang="en-US"/>
+              <a:rPr lang="en-US" dirty="0"/>
               <a:t>Introduction</a:t>
             </a:r>
           </a:p>
           <a:p>
             <a:r>
-              <a:rPr lang="en-US"/>
+              <a:rPr lang="en-US" dirty="0"/>
               <a:t>Literature Review</a:t>
             </a:r>
           </a:p>
           <a:p>
             <a:r>
-              <a:rPr lang="en-US"/>
+              <a:rPr lang="en-US" dirty="0"/>
               <a:t>Requirement analysis</a:t>
             </a:r>
           </a:p>
           <a:p>
             <a:r>
               <a:rPr lang="en-US"/>
-              <a:t>Future work</a:t>
+              <a:t>Conclusion</a:t>
             </a:r>
           </a:p>
           <a:p>
@@ -4216,7 +4808,7 @@
           <p:cNvPr id="2" name="Title 1">
             <a:extLst>
               <a:ext uri="{FF2B5EF4-FFF2-40B4-BE49-F238E27FC236}">
-                <a16:creationId xmlns:a16="http://schemas.microsoft.com/office/drawing/2014/main" id="{84D7991D-144A-4372-8BD2-616794586C45}"/>
+                <a16:creationId xmlns:a16="http://schemas.microsoft.com/office/drawing/2014/main" id="{C40FFD64-548A-4A99-A870-CD3191FCE0C7}"/>
               </a:ext>
             </a:extLst>
           </p:cNvPr>
@@ -4233,8 +4825,8 @@
           <a:lstStyle/>
           <a:p>
             <a:r>
-              <a:rPr lang="en-US"/>
-              <a:t>Changed slide 4</a:t>
+              <a:rPr lang="en-US" dirty="0"/>
+              <a:t>Problem Statement	</a:t>
             </a:r>
           </a:p>
         </p:txBody>
@@ -4244,7 +4836,7 @@
           <p:cNvPr id="3" name="Content Placeholder 2">
             <a:extLst>
               <a:ext uri="{FF2B5EF4-FFF2-40B4-BE49-F238E27FC236}">
-                <a16:creationId xmlns:a16="http://schemas.microsoft.com/office/drawing/2014/main" id="{E33FCD32-6E96-4A50-BB29-FE8417622469}"/>
+                <a16:creationId xmlns:a16="http://schemas.microsoft.com/office/drawing/2014/main" id="{08B26BB4-6D06-4536-8124-710012F39B3A}"/>
               </a:ext>
             </a:extLst>
           </p:cNvPr>
@@ -4260,14 +4852,14 @@
           <a:bodyPr/>
           <a:lstStyle/>
           <a:p>
-            <a:endParaRPr lang="en-US" dirty="0"/>
+            <a:endParaRPr lang="en-US"/>
           </a:p>
         </p:txBody>
       </p:sp>
     </p:spTree>
     <p:extLst>
       <p:ext uri="{BB962C8B-B14F-4D97-AF65-F5344CB8AC3E}">
-        <p14:creationId xmlns:p14="http://schemas.microsoft.com/office/powerpoint/2010/main" val="1542142762"/>
+        <p14:creationId xmlns:p14="http://schemas.microsoft.com/office/powerpoint/2010/main" val="2042312141"/>
       </p:ext>
     </p:extLst>
   </p:cSld>
@@ -4299,7 +4891,7 @@
           <p:cNvPr id="2" name="Title 1">
             <a:extLst>
               <a:ext uri="{FF2B5EF4-FFF2-40B4-BE49-F238E27FC236}">
-                <a16:creationId xmlns:a16="http://schemas.microsoft.com/office/drawing/2014/main" id="{E5CFE099-4597-4BD2-AC20-2C18228114F3}"/>
+                <a16:creationId xmlns:a16="http://schemas.microsoft.com/office/drawing/2014/main" id="{8DC0FD8C-96A5-4323-8E47-435C90530937}"/>
               </a:ext>
             </a:extLst>
           </p:cNvPr>
@@ -4317,7 +4909,7 @@
           <a:p>
             <a:r>
               <a:rPr lang="en-US" dirty="0"/>
-              <a:t>Literature Review</a:t>
+              <a:t>objective</a:t>
             </a:r>
           </a:p>
         </p:txBody>
@@ -4327,7 +4919,7 @@
           <p:cNvPr id="3" name="Content Placeholder 2">
             <a:extLst>
               <a:ext uri="{FF2B5EF4-FFF2-40B4-BE49-F238E27FC236}">
-                <a16:creationId xmlns:a16="http://schemas.microsoft.com/office/drawing/2014/main" id="{3161AE2C-2D22-49D7-A572-CCB0753E3B50}"/>
+                <a16:creationId xmlns:a16="http://schemas.microsoft.com/office/drawing/2014/main" id="{CA5BD5CC-43FB-468C-B3DD-276E31247046}"/>
               </a:ext>
             </a:extLst>
           </p:cNvPr>
@@ -4350,7 +4942,7 @@
     </p:spTree>
     <p:extLst>
       <p:ext uri="{BB962C8B-B14F-4D97-AF65-F5344CB8AC3E}">
-        <p14:creationId xmlns:p14="http://schemas.microsoft.com/office/powerpoint/2010/main" val="2887603988"/>
+        <p14:creationId xmlns:p14="http://schemas.microsoft.com/office/powerpoint/2010/main" val="2984053545"/>
       </p:ext>
     </p:extLst>
   </p:cSld>
@@ -4382,7 +4974,7 @@
           <p:cNvPr id="2" name="Title 1">
             <a:extLst>
               <a:ext uri="{FF2B5EF4-FFF2-40B4-BE49-F238E27FC236}">
-                <a16:creationId xmlns:a16="http://schemas.microsoft.com/office/drawing/2014/main" id="{987A2B9E-3B6D-4CDD-AB4C-21E3236C98BA}"/>
+                <a16:creationId xmlns:a16="http://schemas.microsoft.com/office/drawing/2014/main" id="{C6F471E8-F97A-4840-8B15-4EB56FA2E1A4}"/>
               </a:ext>
             </a:extLst>
           </p:cNvPr>
@@ -4400,7 +4992,7 @@
           <a:p>
             <a:r>
               <a:rPr lang="en-US" dirty="0"/>
-              <a:t>Requirement Analysis</a:t>
+              <a:t>Expected outcome</a:t>
             </a:r>
           </a:p>
         </p:txBody>
@@ -4410,7 +5002,7 @@
           <p:cNvPr id="3" name="Content Placeholder 2">
             <a:extLst>
               <a:ext uri="{FF2B5EF4-FFF2-40B4-BE49-F238E27FC236}">
-                <a16:creationId xmlns:a16="http://schemas.microsoft.com/office/drawing/2014/main" id="{67DBD9DD-B1A5-41B6-8460-CB9575F4E501}"/>
+                <a16:creationId xmlns:a16="http://schemas.microsoft.com/office/drawing/2014/main" id="{CF2C1132-D263-4A0D-92DE-9FFEF6BB7789}"/>
               </a:ext>
             </a:extLst>
           </p:cNvPr>
@@ -4426,14 +5018,14 @@
           <a:bodyPr/>
           <a:lstStyle/>
           <a:p>
-            <a:endParaRPr lang="en-US"/>
+            <a:endParaRPr lang="en-US" dirty="0"/>
           </a:p>
         </p:txBody>
       </p:sp>
     </p:spTree>
     <p:extLst>
       <p:ext uri="{BB962C8B-B14F-4D97-AF65-F5344CB8AC3E}">
-        <p14:creationId xmlns:p14="http://schemas.microsoft.com/office/powerpoint/2010/main" val="897558224"/>
+        <p14:creationId xmlns:p14="http://schemas.microsoft.com/office/powerpoint/2010/main" val="1209583798"/>
       </p:ext>
     </p:extLst>
   </p:cSld>
@@ -4465,7 +5057,7 @@
           <p:cNvPr id="2" name="Title 1">
             <a:extLst>
               <a:ext uri="{FF2B5EF4-FFF2-40B4-BE49-F238E27FC236}">
-                <a16:creationId xmlns:a16="http://schemas.microsoft.com/office/drawing/2014/main" id="{10532DA2-DA77-459D-901A-8AFDC5F1C4B0}"/>
+                <a16:creationId xmlns:a16="http://schemas.microsoft.com/office/drawing/2014/main" id="{84D7991D-144A-4372-8BD2-616794586C45}"/>
               </a:ext>
             </a:extLst>
           </p:cNvPr>
@@ -4483,7 +5075,7 @@
           <a:p>
             <a:r>
               <a:rPr lang="en-US" dirty="0"/>
-              <a:t>Future Work</a:t>
+              <a:t>Gantt Chart</a:t>
             </a:r>
           </a:p>
         </p:txBody>
@@ -4493,7 +5085,7 @@
           <p:cNvPr id="3" name="Content Placeholder 2">
             <a:extLst>
               <a:ext uri="{FF2B5EF4-FFF2-40B4-BE49-F238E27FC236}">
-                <a16:creationId xmlns:a16="http://schemas.microsoft.com/office/drawing/2014/main" id="{DB586400-FCBB-4F9E-AEC9-79F70B4DCB66}"/>
+                <a16:creationId xmlns:a16="http://schemas.microsoft.com/office/drawing/2014/main" id="{E33FCD32-6E96-4A50-BB29-FE8417622469}"/>
               </a:ext>
             </a:extLst>
           </p:cNvPr>
@@ -4509,14 +5101,14 @@
           <a:bodyPr/>
           <a:lstStyle/>
           <a:p>
-            <a:endParaRPr lang="en-US"/>
+            <a:endParaRPr lang="en-US" dirty="0"/>
           </a:p>
         </p:txBody>
       </p:sp>
     </p:spTree>
     <p:extLst>
       <p:ext uri="{BB962C8B-B14F-4D97-AF65-F5344CB8AC3E}">
-        <p14:creationId xmlns:p14="http://schemas.microsoft.com/office/powerpoint/2010/main" val="3296048341"/>
+        <p14:creationId xmlns:p14="http://schemas.microsoft.com/office/powerpoint/2010/main" val="1542142762"/>
       </p:ext>
     </p:extLst>
   </p:cSld>
@@ -4548,7 +5140,7 @@
           <p:cNvPr id="2" name="Title 1">
             <a:extLst>
               <a:ext uri="{FF2B5EF4-FFF2-40B4-BE49-F238E27FC236}">
-                <a16:creationId xmlns:a16="http://schemas.microsoft.com/office/drawing/2014/main" id="{5B27978F-BAD3-46C6-AC41-6D563D981774}"/>
+                <a16:creationId xmlns:a16="http://schemas.microsoft.com/office/drawing/2014/main" id="{E5CFE099-4597-4BD2-AC20-2C18228114F3}"/>
               </a:ext>
             </a:extLst>
           </p:cNvPr>
@@ -4556,7 +5148,7 @@
             <a:spLocks noGrp="1"/>
           </p:cNvSpPr>
           <p:nvPr>
-            <p:ph type="ctrTitle"/>
+            <p:ph type="title"/>
           </p:nvPr>
         </p:nvSpPr>
         <p:spPr/>
@@ -4566,17 +5158,17 @@
           <a:p>
             <a:r>
               <a:rPr lang="en-US" dirty="0"/>
-              <a:t>Thank you</a:t>
-            </a:r>
-          </a:p>
-        </p:txBody>
-      </p:sp>
-      <p:sp>
-        <p:nvSpPr>
-          <p:cNvPr id="3" name="Subtitle 2">
+              <a:t>Literature Review</a:t>
+            </a:r>
+          </a:p>
+        </p:txBody>
+      </p:sp>
+      <p:sp>
+        <p:nvSpPr>
+          <p:cNvPr id="3" name="Content Placeholder 2">
             <a:extLst>
               <a:ext uri="{FF2B5EF4-FFF2-40B4-BE49-F238E27FC236}">
-                <a16:creationId xmlns:a16="http://schemas.microsoft.com/office/drawing/2014/main" id="{5649E251-AA3D-4977-8FA9-7B0ED7D0FA10}"/>
+                <a16:creationId xmlns:a16="http://schemas.microsoft.com/office/drawing/2014/main" id="{3161AE2C-2D22-49D7-A572-CCB0753E3B50}"/>
               </a:ext>
             </a:extLst>
           </p:cNvPr>
@@ -4584,7 +5176,7 @@
             <a:spLocks noGrp="1"/>
           </p:cNvSpPr>
           <p:nvPr>
-            <p:ph type="subTitle" idx="1"/>
+            <p:ph idx="1"/>
           </p:nvPr>
         </p:nvSpPr>
         <p:spPr/>
@@ -4592,17 +5184,97 @@
           <a:bodyPr/>
           <a:lstStyle/>
           <a:p>
-            <a:r>
-              <a:rPr lang="en-US" dirty="0"/>
-              <a:t>Questions?</a:t>
-            </a:r>
+            <a:endParaRPr lang="en-US"/>
           </a:p>
         </p:txBody>
       </p:sp>
     </p:spTree>
     <p:extLst>
       <p:ext uri="{BB962C8B-B14F-4D97-AF65-F5344CB8AC3E}">
-        <p14:creationId xmlns:p14="http://schemas.microsoft.com/office/powerpoint/2010/main" val="4204291281"/>
+        <p14:creationId xmlns:p14="http://schemas.microsoft.com/office/powerpoint/2010/main" val="2887603988"/>
+      </p:ext>
+    </p:extLst>
+  </p:cSld>
+  <p:clrMapOvr>
+    <a:masterClrMapping/>
+  </p:clrMapOvr>
+</p:sld>
+</file>
+
+<file path=ppt/slides/slide9.xml><?xml version="1.0" encoding="utf-8"?>
+<p:sld xmlns:a="http://schemas.openxmlformats.org/drawingml/2006/main" xmlns:r="http://schemas.openxmlformats.org/officeDocument/2006/relationships" xmlns:p="http://schemas.openxmlformats.org/presentationml/2006/main">
+  <p:cSld>
+    <p:spTree>
+      <p:nvGrpSpPr>
+        <p:cNvPr id="1" name=""/>
+        <p:cNvGrpSpPr/>
+        <p:nvPr/>
+      </p:nvGrpSpPr>
+      <p:grpSpPr>
+        <a:xfrm>
+          <a:off x="0" y="0"/>
+          <a:ext cx="0" cy="0"/>
+          <a:chOff x="0" y="0"/>
+          <a:chExt cx="0" cy="0"/>
+        </a:xfrm>
+      </p:grpSpPr>
+      <p:sp>
+        <p:nvSpPr>
+          <p:cNvPr id="2" name="Title 1">
+            <a:extLst>
+              <a:ext uri="{FF2B5EF4-FFF2-40B4-BE49-F238E27FC236}">
+                <a16:creationId xmlns:a16="http://schemas.microsoft.com/office/drawing/2014/main" id="{D4205F1D-BFE7-4BD5-8CD8-366232C62642}"/>
+              </a:ext>
+            </a:extLst>
+          </p:cNvPr>
+          <p:cNvSpPr>
+            <a:spLocks noGrp="1"/>
+          </p:cNvSpPr>
+          <p:nvPr>
+            <p:ph type="title"/>
+          </p:nvPr>
+        </p:nvSpPr>
+        <p:spPr/>
+        <p:txBody>
+          <a:bodyPr/>
+          <a:lstStyle/>
+          <a:p>
+            <a:r>
+              <a:rPr lang="en-US" dirty="0"/>
+              <a:t>Similar App</a:t>
+            </a:r>
+          </a:p>
+        </p:txBody>
+      </p:sp>
+      <p:sp>
+        <p:nvSpPr>
+          <p:cNvPr id="3" name="Content Placeholder 2">
+            <a:extLst>
+              <a:ext uri="{FF2B5EF4-FFF2-40B4-BE49-F238E27FC236}">
+                <a16:creationId xmlns:a16="http://schemas.microsoft.com/office/drawing/2014/main" id="{284154B4-27BB-4EA9-99CB-74254299DDA4}"/>
+              </a:ext>
+            </a:extLst>
+          </p:cNvPr>
+          <p:cNvSpPr>
+            <a:spLocks noGrp="1"/>
+          </p:cNvSpPr>
+          <p:nvPr>
+            <p:ph idx="1"/>
+          </p:nvPr>
+        </p:nvSpPr>
+        <p:spPr/>
+        <p:txBody>
+          <a:bodyPr/>
+          <a:lstStyle/>
+          <a:p>
+            <a:endParaRPr lang="en-US"/>
+          </a:p>
+        </p:txBody>
+      </p:sp>
+    </p:spTree>
+    <p:extLst>
+      <p:ext uri="{BB962C8B-B14F-4D97-AF65-F5344CB8AC3E}">
+        <p14:creationId xmlns:p14="http://schemas.microsoft.com/office/powerpoint/2010/main" val="1711244689"/>
       </p:ext>
     </p:extLst>
   </p:cSld>

--- a/Capstone.pptx
+++ b/Capstone.pptx
@@ -125,6 +125,428 @@
     </p:ext>
   </p:extLst>
 </p:presentation>
+</file>
+
+<file path=ppt/charts/chart1.xml><?xml version="1.0" encoding="utf-8"?>
+<c:chartSpace xmlns:c="http://schemas.openxmlformats.org/drawingml/2006/chart" xmlns:a="http://schemas.openxmlformats.org/drawingml/2006/main" xmlns:r="http://schemas.openxmlformats.org/officeDocument/2006/relationships" xmlns:c16r2="http://schemas.microsoft.com/office/drawing/2015/06/chart">
+  <c:date1904 val="0"/>
+  <c:lang val="en-US"/>
+  <c:roundedCorners val="1"/>
+  <mc:AlternateContent xmlns:mc="http://schemas.openxmlformats.org/markup-compatibility/2006">
+    <mc:Choice xmlns:c14="http://schemas.microsoft.com/office/drawing/2007/8/2/chart" Requires="c14">
+      <c14:style val="102"/>
+    </mc:Choice>
+    <mc:Fallback>
+      <c:style val="2"/>
+    </mc:Fallback>
+  </mc:AlternateContent>
+  <c:chart>
+    <c:autoTitleDeleted val="1"/>
+    <c:plotArea>
+      <c:layout/>
+      <c:barChart>
+        <c:barDir val="bar"/>
+        <c:grouping val="stacked"/>
+        <c:varyColors val="1"/>
+        <c:ser>
+          <c:idx val="0"/>
+          <c:order val="0"/>
+          <c:spPr>
+            <a:solidFill>
+              <a:srgbClr val="FFFFFF"/>
+            </a:solidFill>
+          </c:spPr>
+          <c:invertIfNegative val="1"/>
+          <c:cat>
+            <c:strRef>
+              <c:f>'Basic Gantt Chart'!$B$9:$B$23</c:f>
+              <c:strCache>
+                <c:ptCount val="15"/>
+                <c:pt idx="0">
+                  <c:v>Identification and Requirmement Analysis</c:v>
+                </c:pt>
+                <c:pt idx="1">
+                  <c:v>Problem and Possible Solution</c:v>
+                </c:pt>
+                <c:pt idx="2">
+                  <c:v>Objective</c:v>
+                </c:pt>
+                <c:pt idx="3">
+                  <c:v>Litrature Review(Domain/Similar App)</c:v>
+                </c:pt>
+                <c:pt idx="4">
+                  <c:v>Requirment Colllection</c:v>
+                </c:pt>
+                <c:pt idx="5">
+                  <c:v>Design Preperation</c:v>
+                </c:pt>
+                <c:pt idx="6">
+                  <c:v>Capstone I Presentation</c:v>
+                </c:pt>
+                <c:pt idx="7">
+                  <c:v>Design</c:v>
+                </c:pt>
+                <c:pt idx="8">
+                  <c:v>Implementation</c:v>
+                </c:pt>
+                <c:pt idx="9">
+                  <c:v>Unit Test</c:v>
+                </c:pt>
+                <c:pt idx="10">
+                  <c:v>System Test</c:v>
+                </c:pt>
+                <c:pt idx="11">
+                  <c:v>Fix Bugs/Error</c:v>
+                </c:pt>
+                <c:pt idx="12">
+                  <c:v>Final Testing</c:v>
+                </c:pt>
+                <c:pt idx="13">
+                  <c:v>Overall Review</c:v>
+                </c:pt>
+                <c:pt idx="14">
+                  <c:v>Release</c:v>
+                </c:pt>
+              </c:strCache>
+            </c:strRef>
+          </c:cat>
+          <c:val>
+            <c:numRef>
+              <c:f>'Basic Gantt Chart'!$C$9:$C$23</c:f>
+              <c:numCache>
+                <c:formatCode>m"/"d</c:formatCode>
+                <c:ptCount val="15"/>
+                <c:pt idx="0">
+                  <c:v>43506</c:v>
+                </c:pt>
+                <c:pt idx="1">
+                  <c:v>43557</c:v>
+                </c:pt>
+                <c:pt idx="2">
+                  <c:v>43599</c:v>
+                </c:pt>
+                <c:pt idx="3">
+                  <c:v>43621</c:v>
+                </c:pt>
+                <c:pt idx="4">
+                  <c:v>43648</c:v>
+                </c:pt>
+                <c:pt idx="5">
+                  <c:v>43682</c:v>
+                </c:pt>
+                <c:pt idx="6">
+                  <c:v>43711</c:v>
+                </c:pt>
+                <c:pt idx="7">
+                  <c:v>43718</c:v>
+                </c:pt>
+                <c:pt idx="8">
+                  <c:v>43733</c:v>
+                </c:pt>
+                <c:pt idx="9">
+                  <c:v>43743</c:v>
+                </c:pt>
+                <c:pt idx="10">
+                  <c:v>43761</c:v>
+                </c:pt>
+                <c:pt idx="11">
+                  <c:v>43772</c:v>
+                </c:pt>
+                <c:pt idx="12">
+                  <c:v>43791</c:v>
+                </c:pt>
+                <c:pt idx="13">
+                  <c:v>43798</c:v>
+                </c:pt>
+                <c:pt idx="14">
+                  <c:v>43800</c:v>
+                </c:pt>
+              </c:numCache>
+            </c:numRef>
+          </c:val>
+          <c:extLst>
+            <c:ext xmlns:c14="http://schemas.microsoft.com/office/drawing/2007/8/2/chart" uri="{6F2FDCE9-48DA-4B69-8628-5D25D57E5C99}">
+              <c14:invertSolidFillFmt>
+                <c14:spPr xmlns:c14="http://schemas.microsoft.com/office/drawing/2007/8/2/chart">
+                  <a:solidFill>
+                    <a:srgbClr val="FFFFFF"/>
+                  </a:solidFill>
+                </c14:spPr>
+              </c14:invertSolidFillFmt>
+            </c:ext>
+            <c:ext xmlns:c16="http://schemas.microsoft.com/office/drawing/2014/chart" uri="{C3380CC4-5D6E-409C-BE32-E72D297353CC}">
+              <c16:uniqueId val="{00000000-B8B6-4ACF-B66C-967991A384A5}"/>
+            </c:ext>
+          </c:extLst>
+        </c:ser>
+        <c:ser>
+          <c:idx val="1"/>
+          <c:order val="1"/>
+          <c:spPr>
+            <a:solidFill>
+              <a:srgbClr val="5CBCD6"/>
+            </a:solidFill>
+          </c:spPr>
+          <c:invertIfNegative val="1"/>
+          <c:cat>
+            <c:strRef>
+              <c:f>'Basic Gantt Chart'!$B$9:$B$23</c:f>
+              <c:strCache>
+                <c:ptCount val="15"/>
+                <c:pt idx="0">
+                  <c:v>Identification and Requirmement Analysis</c:v>
+                </c:pt>
+                <c:pt idx="1">
+                  <c:v>Problem and Possible Solution</c:v>
+                </c:pt>
+                <c:pt idx="2">
+                  <c:v>Objective</c:v>
+                </c:pt>
+                <c:pt idx="3">
+                  <c:v>Litrature Review(Domain/Similar App)</c:v>
+                </c:pt>
+                <c:pt idx="4">
+                  <c:v>Requirment Colllection</c:v>
+                </c:pt>
+                <c:pt idx="5">
+                  <c:v>Design Preperation</c:v>
+                </c:pt>
+                <c:pt idx="6">
+                  <c:v>Capstone I Presentation</c:v>
+                </c:pt>
+                <c:pt idx="7">
+                  <c:v>Design</c:v>
+                </c:pt>
+                <c:pt idx="8">
+                  <c:v>Implementation</c:v>
+                </c:pt>
+                <c:pt idx="9">
+                  <c:v>Unit Test</c:v>
+                </c:pt>
+                <c:pt idx="10">
+                  <c:v>System Test</c:v>
+                </c:pt>
+                <c:pt idx="11">
+                  <c:v>Fix Bugs/Error</c:v>
+                </c:pt>
+                <c:pt idx="12">
+                  <c:v>Final Testing</c:v>
+                </c:pt>
+                <c:pt idx="13">
+                  <c:v>Overall Review</c:v>
+                </c:pt>
+                <c:pt idx="14">
+                  <c:v>Release</c:v>
+                </c:pt>
+              </c:strCache>
+            </c:strRef>
+          </c:cat>
+          <c:val>
+            <c:numRef>
+              <c:f>'Basic Gantt Chart'!$F$9:$F$23</c:f>
+              <c:numCache>
+                <c:formatCode>General</c:formatCode>
+                <c:ptCount val="15"/>
+                <c:pt idx="0">
+                  <c:v>51</c:v>
+                </c:pt>
+                <c:pt idx="1">
+                  <c:v>43</c:v>
+                </c:pt>
+                <c:pt idx="2">
+                  <c:v>23</c:v>
+                </c:pt>
+                <c:pt idx="3">
+                  <c:v>28</c:v>
+                </c:pt>
+                <c:pt idx="4">
+                  <c:v>35</c:v>
+                </c:pt>
+                <c:pt idx="5">
+                  <c:v>30</c:v>
+                </c:pt>
+                <c:pt idx="6">
+                  <c:v>8</c:v>
+                </c:pt>
+                <c:pt idx="7">
+                  <c:v>16</c:v>
+                </c:pt>
+                <c:pt idx="8">
+                  <c:v>11</c:v>
+                </c:pt>
+                <c:pt idx="9">
+                  <c:v>19</c:v>
+                </c:pt>
+                <c:pt idx="10">
+                  <c:v>12</c:v>
+                </c:pt>
+                <c:pt idx="11">
+                  <c:v>20</c:v>
+                </c:pt>
+                <c:pt idx="12">
+                  <c:v>8</c:v>
+                </c:pt>
+                <c:pt idx="13">
+                  <c:v>3</c:v>
+                </c:pt>
+                <c:pt idx="14">
+                  <c:v>2</c:v>
+                </c:pt>
+              </c:numCache>
+            </c:numRef>
+          </c:val>
+          <c:extLst>
+            <c:ext xmlns:c14="http://schemas.microsoft.com/office/drawing/2007/8/2/chart" uri="{6F2FDCE9-48DA-4B69-8628-5D25D57E5C99}">
+              <c14:invertSolidFillFmt>
+                <c14:spPr xmlns:c14="http://schemas.microsoft.com/office/drawing/2007/8/2/chart">
+                  <a:solidFill>
+                    <a:srgbClr val="FFFFFF"/>
+                  </a:solidFill>
+                </c14:spPr>
+              </c14:invertSolidFillFmt>
+            </c:ext>
+            <c:ext xmlns:c16="http://schemas.microsoft.com/office/drawing/2014/chart" uri="{C3380CC4-5D6E-409C-BE32-E72D297353CC}">
+              <c16:uniqueId val="{00000001-B8B6-4ACF-B66C-967991A384A5}"/>
+            </c:ext>
+          </c:extLst>
+        </c:ser>
+        <c:dLbls>
+          <c:showLegendKey val="0"/>
+          <c:showVal val="0"/>
+          <c:showCatName val="0"/>
+          <c:showSerName val="0"/>
+          <c:showPercent val="0"/>
+          <c:showBubbleSize val="0"/>
+        </c:dLbls>
+        <c:gapWidth val="150"/>
+        <c:overlap val="100"/>
+        <c:axId val="1334299962"/>
+        <c:axId val="1797285475"/>
+      </c:barChart>
+      <c:catAx>
+        <c:axId val="1334299962"/>
+        <c:scaling>
+          <c:orientation val="maxMin"/>
+        </c:scaling>
+        <c:delete val="0"/>
+        <c:axPos val="l"/>
+        <c:title>
+          <c:tx>
+            <c:rich>
+              <a:bodyPr/>
+              <a:lstStyle/>
+              <a:p>
+                <a:pPr>
+                  <a:defRPr/>
+                </a:pPr>
+                <a:r>
+                  <a:rPr lang="en-US"/>
+                  <a:t>Task</a:t>
+                </a:r>
+              </a:p>
+            </c:rich>
+          </c:tx>
+          <c:overlay val="0"/>
+        </c:title>
+        <c:numFmt formatCode="General" sourceLinked="1"/>
+        <c:majorTickMark val="cross"/>
+        <c:minorTickMark val="cross"/>
+        <c:tickLblPos val="nextTo"/>
+        <c:txPr>
+          <a:bodyPr/>
+          <a:lstStyle/>
+          <a:p>
+            <a:pPr lvl="0">
+              <a:defRPr b="0"/>
+            </a:pPr>
+            <a:endParaRPr lang="en-US"/>
+          </a:p>
+        </c:txPr>
+        <c:crossAx val="1797285475"/>
+        <c:crosses val="autoZero"/>
+        <c:auto val="1"/>
+        <c:lblAlgn val="ctr"/>
+        <c:lblOffset val="100"/>
+        <c:noMultiLvlLbl val="1"/>
+      </c:catAx>
+      <c:valAx>
+        <c:axId val="1797285475"/>
+        <c:scaling>
+          <c:orientation val="minMax"/>
+          <c:max val="43811"/>
+          <c:min val="43501"/>
+        </c:scaling>
+        <c:delete val="0"/>
+        <c:axPos val="b"/>
+        <c:majorGridlines>
+          <c:spPr>
+            <a:ln>
+              <a:solidFill>
+                <a:srgbClr val="B7B7B7"/>
+              </a:solidFill>
+            </a:ln>
+          </c:spPr>
+        </c:majorGridlines>
+        <c:minorGridlines>
+          <c:spPr>
+            <a:ln>
+              <a:solidFill>
+                <a:srgbClr val="CCCCCC"/>
+              </a:solidFill>
+            </a:ln>
+          </c:spPr>
+        </c:minorGridlines>
+        <c:title>
+          <c:tx>
+            <c:rich>
+              <a:bodyPr/>
+              <a:lstStyle/>
+              <a:p>
+                <a:pPr lvl="0">
+                  <a:defRPr b="0"/>
+                </a:pPr>
+                <a:r>
+                  <a:rPr lang="en-US"/>
+                  <a:t>Date</a:t>
+                </a:r>
+              </a:p>
+            </c:rich>
+          </c:tx>
+          <c:overlay val="0"/>
+        </c:title>
+        <c:numFmt formatCode="m&quot;/&quot;d" sourceLinked="1"/>
+        <c:majorTickMark val="cross"/>
+        <c:minorTickMark val="cross"/>
+        <c:tickLblPos val="nextTo"/>
+        <c:spPr>
+          <a:ln w="47625">
+            <a:noFill/>
+          </a:ln>
+        </c:spPr>
+        <c:txPr>
+          <a:bodyPr/>
+          <a:lstStyle/>
+          <a:p>
+            <a:pPr lvl="0">
+              <a:defRPr b="0"/>
+            </a:pPr>
+            <a:endParaRPr lang="en-US"/>
+          </a:p>
+        </c:txPr>
+        <c:crossAx val="1334299962"/>
+        <c:crosses val="max"/>
+        <c:crossBetween val="between"/>
+        <c:majorUnit val="30"/>
+      </c:valAx>
+    </c:plotArea>
+    <c:plotVisOnly val="1"/>
+    <c:dispBlanksAs val="zero"/>
+    <c:showDLblsOverMax val="1"/>
+  </c:chart>
+  <c:externalData r:id="rId1">
+    <c:autoUpdate val="0"/>
+  </c:externalData>
+</c:chartSpace>
 </file>
 
 <file path=ppt/slideLayouts/slideLayout1.xml><?xml version="1.0" encoding="utf-8"?>
@@ -4662,7 +5084,7 @@
           </a:p>
           <a:p>
             <a:r>
-              <a:rPr lang="en-US"/>
+              <a:rPr lang="en-US" dirty="0"/>
               <a:t>Conclusion</a:t>
             </a:r>
           </a:p>
@@ -4909,7 +5331,7 @@
           <a:p>
             <a:r>
               <a:rPr lang="en-US" dirty="0"/>
-              <a:t>objective</a:t>
+              <a:t>Objective</a:t>
             </a:r>
           </a:p>
         </p:txBody>
@@ -5080,31 +5502,34 @@
           </a:p>
         </p:txBody>
       </p:sp>
-      <p:sp>
-        <p:nvSpPr>
-          <p:cNvPr id="3" name="Content Placeholder 2">
+      <p:graphicFrame>
+        <p:nvGraphicFramePr>
+          <p:cNvPr id="4" name="Chart 3" title="Chart">
             <a:extLst>
               <a:ext uri="{FF2B5EF4-FFF2-40B4-BE49-F238E27FC236}">
-                <a16:creationId xmlns:a16="http://schemas.microsoft.com/office/drawing/2014/main" id="{E33FCD32-6E96-4A50-BB29-FE8417622469}"/>
+                <a16:creationId xmlns:a16="http://schemas.microsoft.com/office/drawing/2014/main" id="{00000000-0008-0000-0100-000002000000}"/>
               </a:ext>
             </a:extLst>
           </p:cNvPr>
-          <p:cNvSpPr>
-            <a:spLocks noGrp="1"/>
-          </p:cNvSpPr>
-          <p:nvPr>
-            <p:ph idx="1"/>
-          </p:nvPr>
-        </p:nvSpPr>
-        <p:spPr/>
-        <p:txBody>
-          <a:bodyPr/>
-          <a:lstStyle/>
-          <a:p>
-            <a:endParaRPr lang="en-US" dirty="0"/>
-          </a:p>
-        </p:txBody>
-      </p:sp>
+          <p:cNvGraphicFramePr/>
+          <p:nvPr>
+            <p:extLst>
+              <p:ext uri="{D42A27DB-BD31-4B8C-83A1-F6EECF244321}">
+                <p14:modId xmlns:p14="http://schemas.microsoft.com/office/powerpoint/2010/main" val="426148625"/>
+              </p:ext>
+            </p:extLst>
+          </p:nvPr>
+        </p:nvGraphicFramePr>
+        <p:xfrm>
+          <a:off x="2301459" y="1751330"/>
+          <a:ext cx="8518941" cy="4635402"/>
+        </p:xfrm>
+        <a:graphic>
+          <a:graphicData uri="http://schemas.openxmlformats.org/drawingml/2006/chart">
+            <c:chart xmlns:c="http://schemas.openxmlformats.org/drawingml/2006/chart" xmlns:r="http://schemas.openxmlformats.org/officeDocument/2006/relationships" r:id="rId2"/>
+          </a:graphicData>
+        </a:graphic>
+      </p:graphicFrame>
     </p:spTree>
     <p:extLst>
       <p:ext uri="{BB962C8B-B14F-4D97-AF65-F5344CB8AC3E}">

--- a/Capstone.pptx
+++ b/Capstone.pptx
@@ -457,7 +457,7 @@
           <a:lstStyle/>
           <a:p>
             <a:pPr lvl="0">
-              <a:defRPr b="0"/>
+              <a:defRPr sz="1050" b="1"/>
             </a:pPr>
             <a:endParaRPr lang="en-US"/>
           </a:p>
@@ -5274,7 +5274,14 @@
           <a:bodyPr/>
           <a:lstStyle/>
           <a:p>
-            <a:endParaRPr lang="en-US"/>
+            <a:r>
+              <a:rPr lang="en-US" dirty="0"/>
+              <a:t>Few </a:t>
+            </a:r>
+            <a:r>
+              <a:rPr lang="en-US"/>
+              <a:t>VR applications</a:t>
+            </a:r>
           </a:p>
         </p:txBody>
       </p:sp>
@@ -5515,14 +5522,14 @@
           <p:nvPr>
             <p:extLst>
               <p:ext uri="{D42A27DB-BD31-4B8C-83A1-F6EECF244321}">
-                <p14:modId xmlns:p14="http://schemas.microsoft.com/office/powerpoint/2010/main" val="426148625"/>
+                <p14:modId xmlns:p14="http://schemas.microsoft.com/office/powerpoint/2010/main" val="1856524211"/>
               </p:ext>
             </p:extLst>
           </p:nvPr>
         </p:nvGraphicFramePr>
         <p:xfrm>
-          <a:off x="2301459" y="1751330"/>
-          <a:ext cx="8518941" cy="4635402"/>
+          <a:off x="2301459" y="1751329"/>
+          <a:ext cx="9487267" cy="4860485"/>
         </p:xfrm>
         <a:graphic>
           <a:graphicData uri="http://schemas.openxmlformats.org/drawingml/2006/chart">

--- a/Capstone.pptx
+++ b/Capstone.pptx
@@ -16,11 +16,14 @@
     <p:sldId id="267" r:id="rId10"/>
     <p:sldId id="268" r:id="rId11"/>
     <p:sldId id="260" r:id="rId12"/>
-    <p:sldId id="269" r:id="rId13"/>
-    <p:sldId id="271" r:id="rId14"/>
-    <p:sldId id="270" r:id="rId15"/>
-    <p:sldId id="261" r:id="rId16"/>
-    <p:sldId id="262" r:id="rId17"/>
+    <p:sldId id="272" r:id="rId13"/>
+    <p:sldId id="273" r:id="rId14"/>
+    <p:sldId id="269" r:id="rId15"/>
+    <p:sldId id="271" r:id="rId16"/>
+    <p:sldId id="274" r:id="rId17"/>
+    <p:sldId id="270" r:id="rId18"/>
+    <p:sldId id="261" r:id="rId19"/>
+    <p:sldId id="262" r:id="rId20"/>
   </p:sldIdLst>
   <p:sldSz cx="12192000" cy="6858000"/>
   <p:notesSz cx="6858000" cy="9144000"/>
@@ -710,7 +713,7 @@
           <a:p>
             <a:fld id="{7ED82E05-B906-46D2-B7F0-95A00293E995}" type="datetimeFigureOut">
               <a:rPr lang="en-US" smtClean="0"/>
-              <a:t>8/4/2019</a:t>
+              <a:t>8/26/2019</a:t>
             </a:fld>
             <a:endParaRPr lang="en-US"/>
           </a:p>
@@ -1040,7 +1043,7 @@
           <a:p>
             <a:fld id="{7ED82E05-B906-46D2-B7F0-95A00293E995}" type="datetimeFigureOut">
               <a:rPr lang="en-US" smtClean="0"/>
-              <a:t>8/4/2019</a:t>
+              <a:t>8/26/2019</a:t>
             </a:fld>
             <a:endParaRPr lang="en-US"/>
           </a:p>
@@ -1220,7 +1223,7 @@
           <a:p>
             <a:fld id="{7ED82E05-B906-46D2-B7F0-95A00293E995}" type="datetimeFigureOut">
               <a:rPr lang="en-US" smtClean="0"/>
-              <a:t>8/4/2019</a:t>
+              <a:t>8/26/2019</a:t>
             </a:fld>
             <a:endParaRPr lang="en-US"/>
           </a:p>
@@ -1390,7 +1393,7 @@
           <a:p>
             <a:fld id="{7ED82E05-B906-46D2-B7F0-95A00293E995}" type="datetimeFigureOut">
               <a:rPr lang="en-US" smtClean="0"/>
-              <a:t>8/4/2019</a:t>
+              <a:t>8/26/2019</a:t>
             </a:fld>
             <a:endParaRPr lang="en-US"/>
           </a:p>
@@ -1662,7 +1665,7 @@
           <a:p>
             <a:fld id="{7ED82E05-B906-46D2-B7F0-95A00293E995}" type="datetimeFigureOut">
               <a:rPr lang="en-US" smtClean="0"/>
-              <a:t>8/4/2019</a:t>
+              <a:t>8/26/2019</a:t>
             </a:fld>
             <a:endParaRPr lang="en-US"/>
           </a:p>
@@ -2056,7 +2059,7 @@
           <a:p>
             <a:fld id="{7ED82E05-B906-46D2-B7F0-95A00293E995}" type="datetimeFigureOut">
               <a:rPr lang="en-US" smtClean="0"/>
-              <a:t>8/4/2019</a:t>
+              <a:t>8/26/2019</a:t>
             </a:fld>
             <a:endParaRPr lang="en-US"/>
           </a:p>
@@ -2533,7 +2536,7 @@
           <a:p>
             <a:fld id="{7ED82E05-B906-46D2-B7F0-95A00293E995}" type="datetimeFigureOut">
               <a:rPr lang="en-US" smtClean="0"/>
-              <a:t>8/4/2019</a:t>
+              <a:t>8/26/2019</a:t>
             </a:fld>
             <a:endParaRPr lang="en-US"/>
           </a:p>
@@ -2651,7 +2654,7 @@
           <a:p>
             <a:fld id="{7ED82E05-B906-46D2-B7F0-95A00293E995}" type="datetimeFigureOut">
               <a:rPr lang="en-US" smtClean="0"/>
-              <a:t>8/4/2019</a:t>
+              <a:t>8/26/2019</a:t>
             </a:fld>
             <a:endParaRPr lang="en-US"/>
           </a:p>
@@ -2746,7 +2749,7 @@
           <a:p>
             <a:fld id="{7ED82E05-B906-46D2-B7F0-95A00293E995}" type="datetimeFigureOut">
               <a:rPr lang="en-US" smtClean="0"/>
-              <a:t>8/4/2019</a:t>
+              <a:t>8/26/2019</a:t>
             </a:fld>
             <a:endParaRPr lang="en-US"/>
           </a:p>
@@ -3092,7 +3095,7 @@
           <a:p>
             <a:fld id="{7ED82E05-B906-46D2-B7F0-95A00293E995}" type="datetimeFigureOut">
               <a:rPr lang="en-US" smtClean="0"/>
-              <a:t>8/4/2019</a:t>
+              <a:t>8/26/2019</a:t>
             </a:fld>
             <a:endParaRPr lang="en-US"/>
           </a:p>
@@ -3480,7 +3483,7 @@
           <a:p>
             <a:fld id="{7ED82E05-B906-46D2-B7F0-95A00293E995}" type="datetimeFigureOut">
               <a:rPr lang="en-US" smtClean="0"/>
-              <a:t>8/4/2019</a:t>
+              <a:t>8/26/2019</a:t>
             </a:fld>
             <a:endParaRPr lang="en-US"/>
           </a:p>
@@ -3755,7 +3758,7 @@
           <a:p>
             <a:fld id="{7ED82E05-B906-46D2-B7F0-95A00293E995}" type="datetimeFigureOut">
               <a:rPr lang="en-US" smtClean="0"/>
-              <a:t>8/4/2019</a:t>
+              <a:t>8/26/2019</a:t>
             </a:fld>
             <a:endParaRPr lang="en-US"/>
           </a:p>
@@ -4560,10 +4563,33 @@
         </p:nvSpPr>
         <p:spPr/>
         <p:txBody>
-          <a:bodyPr/>
-          <a:lstStyle/>
-          <a:p>
-            <a:endParaRPr lang="en-US"/>
+          <a:bodyPr>
+            <a:normAutofit/>
+          </a:bodyPr>
+          <a:lstStyle/>
+          <a:p>
+            <a:r>
+              <a:rPr lang="en-US" dirty="0"/>
+              <a:t>Our application includes Three main modules:</a:t>
+            </a:r>
+          </a:p>
+          <a:p>
+            <a:r>
+              <a:rPr lang="en-US" dirty="0"/>
+              <a:t>Main Menu</a:t>
+            </a:r>
+          </a:p>
+          <a:p>
+            <a:r>
+              <a:rPr lang="en-US" dirty="0"/>
+              <a:t>Tour Guide</a:t>
+            </a:r>
+          </a:p>
+          <a:p>
+            <a:r>
+              <a:rPr lang="en-US" dirty="0"/>
+              <a:t>Game Mode</a:t>
+            </a:r>
           </a:p>
         </p:txBody>
       </p:sp>
@@ -4599,10 +4625,10 @@
       </p:grpSpPr>
       <p:sp>
         <p:nvSpPr>
-          <p:cNvPr id="2" name="Title 1">
+          <p:cNvPr id="3" name="Content Placeholder 2">
             <a:extLst>
               <a:ext uri="{FF2B5EF4-FFF2-40B4-BE49-F238E27FC236}">
-                <a16:creationId xmlns:a16="http://schemas.microsoft.com/office/drawing/2014/main" id="{3AE0C9F6-F394-418D-96A4-49626E554771}"/>
+                <a16:creationId xmlns:a16="http://schemas.microsoft.com/office/drawing/2014/main" id="{379FBF68-DC88-4C2D-AED4-BD846653AB4B}"/>
               </a:ext>
             </a:extLst>
           </p:cNvPr>
@@ -4610,50 +4636,137 @@
             <a:spLocks noGrp="1"/>
           </p:cNvSpPr>
           <p:nvPr>
-            <p:ph type="title"/>
-          </p:nvPr>
-        </p:nvSpPr>
-        <p:spPr/>
-        <p:txBody>
-          <a:bodyPr/>
-          <a:lstStyle/>
-          <a:p>
+            <p:ph idx="1"/>
+          </p:nvPr>
+        </p:nvSpPr>
+        <p:spPr>
+          <a:xfrm>
+            <a:off x="1371600" y="590843"/>
+            <a:ext cx="9601200" cy="5753686"/>
+          </a:xfrm>
+        </p:spPr>
+        <p:txBody>
+          <a:bodyPr>
+            <a:normAutofit/>
+          </a:bodyPr>
+          <a:lstStyle/>
+          <a:p>
+            <a:pPr marL="0" indent="0">
+              <a:buNone/>
+            </a:pPr>
+            <a:r>
+              <a:rPr lang="en-US" sz="2400" b="1" dirty="0"/>
+              <a:t>Main Menu Module</a:t>
+            </a:r>
+          </a:p>
+          <a:p>
+            <a:pPr marL="0" indent="0">
+              <a:buNone/>
+            </a:pPr>
             <a:r>
               <a:rPr lang="en-US" dirty="0"/>
-              <a:t>Use case Diagram</a:t>
-            </a:r>
-          </a:p>
-        </p:txBody>
-      </p:sp>
-      <p:sp>
-        <p:nvSpPr>
-          <p:cNvPr id="3" name="Content Placeholder 2">
-            <a:extLst>
-              <a:ext uri="{FF2B5EF4-FFF2-40B4-BE49-F238E27FC236}">
-                <a16:creationId xmlns:a16="http://schemas.microsoft.com/office/drawing/2014/main" id="{60780DC7-6E0C-499C-B432-5D3FAE7733F5}"/>
-              </a:ext>
-            </a:extLst>
-          </p:cNvPr>
-          <p:cNvSpPr>
-            <a:spLocks noGrp="1"/>
-          </p:cNvSpPr>
-          <p:nvPr>
-            <p:ph idx="1"/>
-          </p:nvPr>
-        </p:nvSpPr>
-        <p:spPr/>
-        <p:txBody>
-          <a:bodyPr/>
-          <a:lstStyle/>
-          <a:p>
-            <a:endParaRPr lang="en-US"/>
+              <a:t>R1: The application shall allow user to select Tour Guide/Game or Exit the application</a:t>
+            </a:r>
+          </a:p>
+          <a:p>
+            <a:pPr marL="0" indent="0">
+              <a:buNone/>
+            </a:pPr>
+            <a:endParaRPr lang="en-US" dirty="0"/>
+          </a:p>
+          <a:p>
+            <a:pPr marL="0" indent="0">
+              <a:buNone/>
+            </a:pPr>
+            <a:r>
+              <a:rPr lang="en-US" sz="2400" b="1" dirty="0"/>
+              <a:t>Tour Guide</a:t>
+            </a:r>
+          </a:p>
+          <a:p>
+            <a:pPr marL="0" indent="0">
+              <a:buNone/>
+            </a:pPr>
+            <a:r>
+              <a:rPr lang="en-US" dirty="0"/>
+              <a:t>R2: The application shall guide the user with robot companion.</a:t>
+            </a:r>
+          </a:p>
+          <a:p>
+            <a:pPr marL="0" indent="0">
+              <a:buNone/>
+            </a:pPr>
+            <a:r>
+              <a:rPr lang="en-US" dirty="0"/>
+              <a:t>R3: The application shall pass the user through all the water cycle phases.</a:t>
+            </a:r>
+          </a:p>
+          <a:p>
+            <a:pPr marL="0" indent="0">
+              <a:buNone/>
+            </a:pPr>
+            <a:r>
+              <a:rPr lang="en-US" dirty="0"/>
+              <a:t>R4: The application shall allow user to look around. </a:t>
+            </a:r>
+          </a:p>
+          <a:p>
+            <a:pPr marL="0" indent="0">
+              <a:buNone/>
+            </a:pPr>
+            <a:r>
+              <a:rPr lang="en-US" dirty="0"/>
+              <a:t> </a:t>
+            </a:r>
+          </a:p>
+          <a:p>
+            <a:pPr marL="0" indent="0">
+              <a:buNone/>
+            </a:pPr>
+            <a:r>
+              <a:rPr lang="en-US" sz="2400" b="1" dirty="0"/>
+              <a:t>Mini Game:</a:t>
+            </a:r>
+          </a:p>
+          <a:p>
+            <a:pPr marL="0" indent="0">
+              <a:buNone/>
+            </a:pPr>
+            <a:r>
+              <a:rPr lang="en-US" dirty="0"/>
+              <a:t>R5: The application shall allow user to move player as needed.</a:t>
+            </a:r>
+          </a:p>
+          <a:p>
+            <a:pPr marL="0" indent="0">
+              <a:buNone/>
+            </a:pPr>
+            <a:r>
+              <a:rPr lang="en-US" dirty="0"/>
+              <a:t>R6: The application shall limit user gameplay time.</a:t>
+            </a:r>
+          </a:p>
+          <a:p>
+            <a:pPr marL="0" indent="0">
+              <a:buNone/>
+            </a:pPr>
+            <a:r>
+              <a:rPr lang="en-US" dirty="0"/>
+              <a:t>R7: The application must record user gameplay time for high score.</a:t>
+            </a:r>
+          </a:p>
+          <a:p>
+            <a:pPr marL="0" indent="0">
+              <a:buNone/>
+            </a:pPr>
+            <a:endParaRPr lang="en-US" dirty="0"/>
           </a:p>
         </p:txBody>
       </p:sp>
     </p:spTree>
     <p:extLst>
       <p:ext uri="{BB962C8B-B14F-4D97-AF65-F5344CB8AC3E}">
-        <p14:creationId xmlns:p14="http://schemas.microsoft.com/office/powerpoint/2010/main" val="2053961645"/>
+        <p14:creationId xmlns:p14="http://schemas.microsoft.com/office/powerpoint/2010/main" val="2689985128"/>
       </p:ext>
     </p:extLst>
   </p:cSld>
@@ -4685,7 +4798,7 @@
           <p:cNvPr id="2" name="Title 1">
             <a:extLst>
               <a:ext uri="{FF2B5EF4-FFF2-40B4-BE49-F238E27FC236}">
-                <a16:creationId xmlns:a16="http://schemas.microsoft.com/office/drawing/2014/main" id="{67423FAA-9D78-41BE-BEE2-6621D8D99B08}"/>
+                <a16:creationId xmlns:a16="http://schemas.microsoft.com/office/drawing/2014/main" id="{572B919B-7970-414F-944C-D7DCE41D5119}"/>
               </a:ext>
             </a:extLst>
           </p:cNvPr>
@@ -4703,7 +4816,7 @@
           <a:p>
             <a:r>
               <a:rPr lang="en-US" dirty="0"/>
-              <a:t>Use Case Diagram</a:t>
+              <a:t>Non-functional Requirements </a:t>
             </a:r>
           </a:p>
         </p:txBody>
@@ -4713,7 +4826,7 @@
           <p:cNvPr id="3" name="Content Placeholder 2">
             <a:extLst>
               <a:ext uri="{FF2B5EF4-FFF2-40B4-BE49-F238E27FC236}">
-                <a16:creationId xmlns:a16="http://schemas.microsoft.com/office/drawing/2014/main" id="{914A72A8-87B7-4A3E-8DAF-1E357F80BB47}"/>
+                <a16:creationId xmlns:a16="http://schemas.microsoft.com/office/drawing/2014/main" id="{57F44D35-13DB-4243-AAB8-F4DD4AA3E478}"/>
               </a:ext>
             </a:extLst>
           </p:cNvPr>
@@ -4729,14 +4842,23 @@
           <a:bodyPr/>
           <a:lstStyle/>
           <a:p>
-            <a:endParaRPr lang="en-US"/>
+            <a:r>
+              <a:rPr lang="en-US" dirty="0"/>
+              <a:t>The application must not lag for more than 0.002 seconds</a:t>
+            </a:r>
+          </a:p>
+          <a:p>
+            <a:pPr marL="0" indent="0">
+              <a:buNone/>
+            </a:pPr>
+            <a:endParaRPr lang="en-US" dirty="0"/>
           </a:p>
         </p:txBody>
       </p:sp>
     </p:spTree>
     <p:extLst>
       <p:ext uri="{BB962C8B-B14F-4D97-AF65-F5344CB8AC3E}">
-        <p14:creationId xmlns:p14="http://schemas.microsoft.com/office/powerpoint/2010/main" val="2694925301"/>
+        <p14:creationId xmlns:p14="http://schemas.microsoft.com/office/powerpoint/2010/main" val="110452088"/>
       </p:ext>
     </p:extLst>
   </p:cSld>
@@ -4768,7 +4890,7 @@
           <p:cNvPr id="2" name="Title 1">
             <a:extLst>
               <a:ext uri="{FF2B5EF4-FFF2-40B4-BE49-F238E27FC236}">
-                <a16:creationId xmlns:a16="http://schemas.microsoft.com/office/drawing/2014/main" id="{638922BD-D6C8-4838-A26C-ABDA8AAF1130}"/>
+                <a16:creationId xmlns:a16="http://schemas.microsoft.com/office/drawing/2014/main" id="{3AE0C9F6-F394-418D-96A4-49626E554771}"/>
               </a:ext>
             </a:extLst>
           </p:cNvPr>
@@ -4786,7 +4908,7 @@
           <a:p>
             <a:r>
               <a:rPr lang="en-US" dirty="0"/>
-              <a:t>System Sequence Diagram</a:t>
+              <a:t>Use case Diagram</a:t>
             </a:r>
           </a:p>
         </p:txBody>
@@ -4796,7 +4918,7 @@
           <p:cNvPr id="3" name="Content Placeholder 2">
             <a:extLst>
               <a:ext uri="{FF2B5EF4-FFF2-40B4-BE49-F238E27FC236}">
-                <a16:creationId xmlns:a16="http://schemas.microsoft.com/office/drawing/2014/main" id="{9DFF4C3E-86FA-4B7F-B010-8EE42A8D1C76}"/>
+                <a16:creationId xmlns:a16="http://schemas.microsoft.com/office/drawing/2014/main" id="{60780DC7-6E0C-499C-B432-5D3FAE7733F5}"/>
               </a:ext>
             </a:extLst>
           </p:cNvPr>
@@ -4812,14 +4934,65 @@
           <a:bodyPr/>
           <a:lstStyle/>
           <a:p>
-            <a:endParaRPr lang="en-US"/>
-          </a:p>
-        </p:txBody>
-      </p:sp>
+            <a:r>
+              <a:rPr lang="en-US" dirty="0"/>
+              <a:t>Main Menu</a:t>
+            </a:r>
+          </a:p>
+          <a:p>
+            <a:pPr marL="0" indent="0">
+              <a:buNone/>
+            </a:pPr>
+            <a:endParaRPr lang="en-US" dirty="0"/>
+          </a:p>
+        </p:txBody>
+      </p:sp>
+      <p:pic>
+        <p:nvPicPr>
+          <p:cNvPr id="4" name="Picture 3">
+            <a:extLst>
+              <a:ext uri="{FF2B5EF4-FFF2-40B4-BE49-F238E27FC236}">
+                <a16:creationId xmlns:a16="http://schemas.microsoft.com/office/drawing/2014/main" id="{C90B0524-6AAC-4739-8263-BBA3A39E4DA6}"/>
+              </a:ext>
+            </a:extLst>
+          </p:cNvPr>
+          <p:cNvPicPr/>
+          <p:nvPr/>
+        </p:nvPicPr>
+        <p:blipFill rotWithShape="1">
+          <a:blip r:embed="rId2">
+            <a:extLst>
+              <a:ext uri="{28A0092B-C50C-407E-A947-70E740481C1C}">
+                <a14:useLocalDpi xmlns:a14="http://schemas.microsoft.com/office/drawing/2010/main" val="0"/>
+              </a:ext>
+            </a:extLst>
+          </a:blip>
+          <a:srcRect l="19743" t="22857" r="24880" b="13429"/>
+          <a:stretch/>
+        </p:blipFill>
+        <p:spPr bwMode="auto">
+          <a:xfrm>
+            <a:off x="4700123" y="2171700"/>
+            <a:ext cx="6272677" cy="4118317"/>
+          </a:xfrm>
+          <a:prstGeom prst="rect">
+            <a:avLst/>
+          </a:prstGeom>
+          <a:noFill/>
+          <a:ln>
+            <a:noFill/>
+          </a:ln>
+          <a:extLst>
+            <a:ext uri="{53640926-AAD7-44D8-BBD7-CCE9431645EC}">
+              <a14:shadowObscured xmlns:a14="http://schemas.microsoft.com/office/drawing/2010/main"/>
+            </a:ext>
+          </a:extLst>
+        </p:spPr>
+      </p:pic>
     </p:spTree>
     <p:extLst>
       <p:ext uri="{BB962C8B-B14F-4D97-AF65-F5344CB8AC3E}">
-        <p14:creationId xmlns:p14="http://schemas.microsoft.com/office/powerpoint/2010/main" val="3323198618"/>
+        <p14:creationId xmlns:p14="http://schemas.microsoft.com/office/powerpoint/2010/main" val="2053961645"/>
       </p:ext>
     </p:extLst>
   </p:cSld>
@@ -4851,6 +5024,362 @@
           <p:cNvPr id="2" name="Title 1">
             <a:extLst>
               <a:ext uri="{FF2B5EF4-FFF2-40B4-BE49-F238E27FC236}">
+                <a16:creationId xmlns:a16="http://schemas.microsoft.com/office/drawing/2014/main" id="{67423FAA-9D78-41BE-BEE2-6621D8D99B08}"/>
+              </a:ext>
+            </a:extLst>
+          </p:cNvPr>
+          <p:cNvSpPr>
+            <a:spLocks noGrp="1"/>
+          </p:cNvSpPr>
+          <p:nvPr>
+            <p:ph type="title"/>
+          </p:nvPr>
+        </p:nvSpPr>
+        <p:spPr/>
+        <p:txBody>
+          <a:bodyPr/>
+          <a:lstStyle/>
+          <a:p>
+            <a:r>
+              <a:rPr lang="en-US" dirty="0"/>
+              <a:t>Use Case Diagram</a:t>
+            </a:r>
+          </a:p>
+        </p:txBody>
+      </p:sp>
+      <p:sp>
+        <p:nvSpPr>
+          <p:cNvPr id="3" name="Content Placeholder 2">
+            <a:extLst>
+              <a:ext uri="{FF2B5EF4-FFF2-40B4-BE49-F238E27FC236}">
+                <a16:creationId xmlns:a16="http://schemas.microsoft.com/office/drawing/2014/main" id="{914A72A8-87B7-4A3E-8DAF-1E357F80BB47}"/>
+              </a:ext>
+            </a:extLst>
+          </p:cNvPr>
+          <p:cNvSpPr>
+            <a:spLocks noGrp="1"/>
+          </p:cNvSpPr>
+          <p:nvPr>
+            <p:ph idx="1"/>
+          </p:nvPr>
+        </p:nvSpPr>
+        <p:spPr/>
+        <p:txBody>
+          <a:bodyPr/>
+          <a:lstStyle/>
+          <a:p>
+            <a:r>
+              <a:rPr lang="en-US" dirty="0"/>
+              <a:t>Game Mode</a:t>
+            </a:r>
+          </a:p>
+        </p:txBody>
+      </p:sp>
+      <p:pic>
+        <p:nvPicPr>
+          <p:cNvPr id="4" name="Picture 3">
+            <a:extLst>
+              <a:ext uri="{FF2B5EF4-FFF2-40B4-BE49-F238E27FC236}">
+                <a16:creationId xmlns:a16="http://schemas.microsoft.com/office/drawing/2014/main" id="{672F7595-69B9-4DAB-8322-2BABA7064F8B}"/>
+              </a:ext>
+            </a:extLst>
+          </p:cNvPr>
+          <p:cNvPicPr/>
+          <p:nvPr/>
+        </p:nvPicPr>
+        <p:blipFill rotWithShape="1">
+          <a:blip r:embed="rId2">
+            <a:extLst>
+              <a:ext uri="{28A0092B-C50C-407E-A947-70E740481C1C}">
+                <a14:useLocalDpi xmlns:a14="http://schemas.microsoft.com/office/drawing/2010/main" val="0"/>
+              </a:ext>
+            </a:extLst>
+          </a:blip>
+          <a:srcRect l="17978" t="23143" r="25682" b="12572"/>
+          <a:stretch/>
+        </p:blipFill>
+        <p:spPr bwMode="auto">
+          <a:xfrm>
+            <a:off x="4178104" y="2171700"/>
+            <a:ext cx="6794695" cy="4221479"/>
+          </a:xfrm>
+          <a:prstGeom prst="rect">
+            <a:avLst/>
+          </a:prstGeom>
+          <a:noFill/>
+          <a:ln>
+            <a:noFill/>
+          </a:ln>
+          <a:extLst>
+            <a:ext uri="{53640926-AAD7-44D8-BBD7-CCE9431645EC}">
+              <a14:shadowObscured xmlns:a14="http://schemas.microsoft.com/office/drawing/2010/main"/>
+            </a:ext>
+          </a:extLst>
+        </p:spPr>
+      </p:pic>
+    </p:spTree>
+    <p:extLst>
+      <p:ext uri="{BB962C8B-B14F-4D97-AF65-F5344CB8AC3E}">
+        <p14:creationId xmlns:p14="http://schemas.microsoft.com/office/powerpoint/2010/main" val="2694925301"/>
+      </p:ext>
+    </p:extLst>
+  </p:cSld>
+  <p:clrMapOvr>
+    <a:masterClrMapping/>
+  </p:clrMapOvr>
+</p:sld>
+</file>
+
+<file path=ppt/slides/slide16.xml><?xml version="1.0" encoding="utf-8"?>
+<p:sld xmlns:a="http://schemas.openxmlformats.org/drawingml/2006/main" xmlns:r="http://schemas.openxmlformats.org/officeDocument/2006/relationships" xmlns:p="http://schemas.openxmlformats.org/presentationml/2006/main">
+  <p:cSld>
+    <p:spTree>
+      <p:nvGrpSpPr>
+        <p:cNvPr id="1" name=""/>
+        <p:cNvGrpSpPr/>
+        <p:nvPr/>
+      </p:nvGrpSpPr>
+      <p:grpSpPr>
+        <a:xfrm>
+          <a:off x="0" y="0"/>
+          <a:ext cx="0" cy="0"/>
+          <a:chOff x="0" y="0"/>
+          <a:chExt cx="0" cy="0"/>
+        </a:xfrm>
+      </p:grpSpPr>
+      <p:sp>
+        <p:nvSpPr>
+          <p:cNvPr id="2" name="Title 1">
+            <a:extLst>
+              <a:ext uri="{FF2B5EF4-FFF2-40B4-BE49-F238E27FC236}">
+                <a16:creationId xmlns:a16="http://schemas.microsoft.com/office/drawing/2014/main" id="{AA652A55-4BBF-44C0-9483-296DC4886021}"/>
+              </a:ext>
+            </a:extLst>
+          </p:cNvPr>
+          <p:cNvSpPr>
+            <a:spLocks noGrp="1"/>
+          </p:cNvSpPr>
+          <p:nvPr>
+            <p:ph type="title"/>
+          </p:nvPr>
+        </p:nvSpPr>
+        <p:spPr/>
+        <p:txBody>
+          <a:bodyPr/>
+          <a:lstStyle/>
+          <a:p>
+            <a:r>
+              <a:rPr lang="en-US" dirty="0"/>
+              <a:t>Use Case Diagram</a:t>
+            </a:r>
+          </a:p>
+        </p:txBody>
+      </p:sp>
+      <p:sp>
+        <p:nvSpPr>
+          <p:cNvPr id="3" name="Content Placeholder 2">
+            <a:extLst>
+              <a:ext uri="{FF2B5EF4-FFF2-40B4-BE49-F238E27FC236}">
+                <a16:creationId xmlns:a16="http://schemas.microsoft.com/office/drawing/2014/main" id="{073B9CCF-CD4B-49EE-9419-06671F73F5B8}"/>
+              </a:ext>
+            </a:extLst>
+          </p:cNvPr>
+          <p:cNvSpPr>
+            <a:spLocks noGrp="1"/>
+          </p:cNvSpPr>
+          <p:nvPr>
+            <p:ph idx="1"/>
+          </p:nvPr>
+        </p:nvSpPr>
+        <p:spPr/>
+        <p:txBody>
+          <a:bodyPr/>
+          <a:lstStyle/>
+          <a:p>
+            <a:r>
+              <a:rPr lang="en-US" dirty="0"/>
+              <a:t>Tour Guide</a:t>
+            </a:r>
+          </a:p>
+        </p:txBody>
+      </p:sp>
+      <p:pic>
+        <p:nvPicPr>
+          <p:cNvPr id="4" name="Picture 3">
+            <a:extLst>
+              <a:ext uri="{FF2B5EF4-FFF2-40B4-BE49-F238E27FC236}">
+                <a16:creationId xmlns:a16="http://schemas.microsoft.com/office/drawing/2014/main" id="{57E421ED-8741-4E5A-9A62-E61BD04979A8}"/>
+              </a:ext>
+            </a:extLst>
+          </p:cNvPr>
+          <p:cNvPicPr/>
+          <p:nvPr/>
+        </p:nvPicPr>
+        <p:blipFill rotWithShape="1">
+          <a:blip r:embed="rId2">
+            <a:extLst>
+              <a:ext uri="{28A0092B-C50C-407E-A947-70E740481C1C}">
+                <a14:useLocalDpi xmlns:a14="http://schemas.microsoft.com/office/drawing/2010/main" val="0"/>
+              </a:ext>
+            </a:extLst>
+          </a:blip>
+          <a:srcRect l="23595" t="26000" r="23595" b="17143"/>
+          <a:stretch/>
+        </p:blipFill>
+        <p:spPr bwMode="auto">
+          <a:xfrm>
+            <a:off x="4758177" y="2286000"/>
+            <a:ext cx="6062223" cy="3996055"/>
+          </a:xfrm>
+          <a:prstGeom prst="rect">
+            <a:avLst/>
+          </a:prstGeom>
+          <a:noFill/>
+          <a:ln>
+            <a:noFill/>
+          </a:ln>
+          <a:extLst>
+            <a:ext uri="{53640926-AAD7-44D8-BBD7-CCE9431645EC}">
+              <a14:shadowObscured xmlns:a14="http://schemas.microsoft.com/office/drawing/2010/main"/>
+            </a:ext>
+          </a:extLst>
+        </p:spPr>
+      </p:pic>
+    </p:spTree>
+    <p:extLst>
+      <p:ext uri="{BB962C8B-B14F-4D97-AF65-F5344CB8AC3E}">
+        <p14:creationId xmlns:p14="http://schemas.microsoft.com/office/powerpoint/2010/main" val="2443139829"/>
+      </p:ext>
+    </p:extLst>
+  </p:cSld>
+  <p:clrMapOvr>
+    <a:masterClrMapping/>
+  </p:clrMapOvr>
+</p:sld>
+</file>
+
+<file path=ppt/slides/slide17.xml><?xml version="1.0" encoding="utf-8"?>
+<p:sld xmlns:a="http://schemas.openxmlformats.org/drawingml/2006/main" xmlns:r="http://schemas.openxmlformats.org/officeDocument/2006/relationships" xmlns:p="http://schemas.openxmlformats.org/presentationml/2006/main">
+  <p:cSld>
+    <p:spTree>
+      <p:nvGrpSpPr>
+        <p:cNvPr id="1" name=""/>
+        <p:cNvGrpSpPr/>
+        <p:nvPr/>
+      </p:nvGrpSpPr>
+      <p:grpSpPr>
+        <a:xfrm>
+          <a:off x="0" y="0"/>
+          <a:ext cx="0" cy="0"/>
+          <a:chOff x="0" y="0"/>
+          <a:chExt cx="0" cy="0"/>
+        </a:xfrm>
+      </p:grpSpPr>
+      <p:sp>
+        <p:nvSpPr>
+          <p:cNvPr id="2" name="Title 1">
+            <a:extLst>
+              <a:ext uri="{FF2B5EF4-FFF2-40B4-BE49-F238E27FC236}">
+                <a16:creationId xmlns:a16="http://schemas.microsoft.com/office/drawing/2014/main" id="{638922BD-D6C8-4838-A26C-ABDA8AAF1130}"/>
+              </a:ext>
+            </a:extLst>
+          </p:cNvPr>
+          <p:cNvSpPr>
+            <a:spLocks noGrp="1"/>
+          </p:cNvSpPr>
+          <p:nvPr>
+            <p:ph type="title"/>
+          </p:nvPr>
+        </p:nvSpPr>
+        <p:spPr/>
+        <p:txBody>
+          <a:bodyPr/>
+          <a:lstStyle/>
+          <a:p>
+            <a:r>
+              <a:rPr lang="en-US" dirty="0"/>
+              <a:t>System Sequence Diagram</a:t>
+            </a:r>
+          </a:p>
+        </p:txBody>
+      </p:sp>
+      <p:pic>
+        <p:nvPicPr>
+          <p:cNvPr id="4" name="Picture 3">
+            <a:extLst>
+              <a:ext uri="{FF2B5EF4-FFF2-40B4-BE49-F238E27FC236}">
+                <a16:creationId xmlns:a16="http://schemas.microsoft.com/office/drawing/2014/main" id="{28DE14FE-84BF-442E-9367-9DA52183980D}"/>
+              </a:ext>
+            </a:extLst>
+          </p:cNvPr>
+          <p:cNvPicPr/>
+          <p:nvPr/>
+        </p:nvPicPr>
+        <p:blipFill rotWithShape="1">
+          <a:blip r:embed="rId2">
+            <a:extLst>
+              <a:ext uri="{28A0092B-C50C-407E-A947-70E740481C1C}">
+                <a14:useLocalDpi xmlns:a14="http://schemas.microsoft.com/office/drawing/2010/main" val="0"/>
+              </a:ext>
+            </a:extLst>
+          </a:blip>
+          <a:srcRect r="6139" b="19380"/>
+          <a:stretch/>
+        </p:blipFill>
+        <p:spPr bwMode="auto">
+          <a:xfrm>
+            <a:off x="3151846" y="1288757"/>
+            <a:ext cx="7412991" cy="5421532"/>
+          </a:xfrm>
+          <a:prstGeom prst="rect">
+            <a:avLst/>
+          </a:prstGeom>
+          <a:noFill/>
+          <a:ln>
+            <a:noFill/>
+          </a:ln>
+          <a:extLst>
+            <a:ext uri="{53640926-AAD7-44D8-BBD7-CCE9431645EC}">
+              <a14:shadowObscured xmlns:a14="http://schemas.microsoft.com/office/drawing/2010/main"/>
+            </a:ext>
+          </a:extLst>
+        </p:spPr>
+      </p:pic>
+    </p:spTree>
+    <p:extLst>
+      <p:ext uri="{BB962C8B-B14F-4D97-AF65-F5344CB8AC3E}">
+        <p14:creationId xmlns:p14="http://schemas.microsoft.com/office/powerpoint/2010/main" val="3323198618"/>
+      </p:ext>
+    </p:extLst>
+  </p:cSld>
+  <p:clrMapOvr>
+    <a:masterClrMapping/>
+  </p:clrMapOvr>
+</p:sld>
+</file>
+
+<file path=ppt/slides/slide18.xml><?xml version="1.0" encoding="utf-8"?>
+<p:sld xmlns:a="http://schemas.openxmlformats.org/drawingml/2006/main" xmlns:r="http://schemas.openxmlformats.org/officeDocument/2006/relationships" xmlns:p="http://schemas.openxmlformats.org/presentationml/2006/main">
+  <p:cSld>
+    <p:spTree>
+      <p:nvGrpSpPr>
+        <p:cNvPr id="1" name=""/>
+        <p:cNvGrpSpPr/>
+        <p:nvPr/>
+      </p:nvGrpSpPr>
+      <p:grpSpPr>
+        <a:xfrm>
+          <a:off x="0" y="0"/>
+          <a:ext cx="0" cy="0"/>
+          <a:chOff x="0" y="0"/>
+          <a:chExt cx="0" cy="0"/>
+        </a:xfrm>
+      </p:grpSpPr>
+      <p:sp>
+        <p:nvSpPr>
+          <p:cNvPr id="2" name="Title 1">
+            <a:extLst>
+              <a:ext uri="{FF2B5EF4-FFF2-40B4-BE49-F238E27FC236}">
                 <a16:creationId xmlns:a16="http://schemas.microsoft.com/office/drawing/2014/main" id="{10532DA2-DA77-459D-901A-8AFDC5F1C4B0}"/>
               </a:ext>
             </a:extLst>
@@ -4912,7 +5441,7 @@
 </p:sld>
 </file>
 
-<file path=ppt/slides/slide16.xml><?xml version="1.0" encoding="utf-8"?>
+<file path=ppt/slides/slide19.xml><?xml version="1.0" encoding="utf-8"?>
 <p:sld xmlns:a="http://schemas.openxmlformats.org/drawingml/2006/main" xmlns:r="http://schemas.openxmlformats.org/officeDocument/2006/relationships" xmlns:p="http://schemas.openxmlformats.org/presentationml/2006/main">
   <p:cSld>
     <p:spTree>
@@ -5179,12 +5708,20 @@
           </a:p>
           <a:p>
             <a:r>
-              <a:rPr lang="en-US"/>
-              <a:t>Being </a:t>
-            </a:r>
-            <a:r>
               <a:rPr lang="en-US" dirty="0"/>
-              <a:t>of the top trending technology it will help evolve the education sector as well</a:t>
+              <a:t>Being one of the top trending technology it will help evolve the education sector as well</a:t>
+            </a:r>
+          </a:p>
+          <a:p>
+            <a:r>
+              <a:rPr lang="en-US" dirty="0"/>
+              <a:t>Developed application will allows kids to visualize Earths water cycle and easier for them to understand</a:t>
+            </a:r>
+          </a:p>
+          <a:p>
+            <a:r>
+              <a:rPr lang="en-US" dirty="0"/>
+              <a:t>As kids love to play games, we will include a mini game as it will make it easier to pass information to them.</a:t>
             </a:r>
           </a:p>
           <a:p>
@@ -5276,11 +5813,19 @@
           <a:p>
             <a:r>
               <a:rPr lang="en-US" dirty="0"/>
-              <a:t>Few </a:t>
-            </a:r>
-            <a:r>
-              <a:rPr lang="en-US"/>
-              <a:t>VR applications</a:t>
+              <a:t>Few VR applications</a:t>
+            </a:r>
+          </a:p>
+          <a:p>
+            <a:r>
+              <a:rPr lang="en-US" dirty="0"/>
+              <a:t>Lack of Guidance within the application</a:t>
+            </a:r>
+          </a:p>
+          <a:p>
+            <a:r>
+              <a:rPr lang="en-US" dirty="0"/>
+              <a:t>Lack of visualization</a:t>
             </a:r>
           </a:p>
         </p:txBody>
@@ -5364,7 +5909,31 @@
           <a:bodyPr/>
           <a:lstStyle/>
           <a:p>
-            <a:endParaRPr lang="en-US"/>
+            <a:r>
+              <a:rPr lang="en-US" dirty="0"/>
+              <a:t>to develop a virtual reality application for water cycle education.</a:t>
+            </a:r>
+          </a:p>
+          <a:p>
+            <a:r>
+              <a:rPr lang="en-US" dirty="0"/>
+              <a:t>to provide users with a game to understand water cycle.</a:t>
+            </a:r>
+          </a:p>
+          <a:p>
+            <a:r>
+              <a:rPr lang="en-US" dirty="0"/>
+              <a:t>to provide user with different mode of interaction.</a:t>
+            </a:r>
+          </a:p>
+          <a:p>
+            <a:r>
+              <a:rPr lang="en-US" dirty="0"/>
+              <a:t>to provide user with real model view of water cycle.</a:t>
+            </a:r>
+          </a:p>
+          <a:p>
+            <a:endParaRPr lang="en-US" dirty="0"/>
           </a:p>
         </p:txBody>
       </p:sp>
@@ -5447,7 +6016,22 @@
           <a:bodyPr/>
           <a:lstStyle/>
           <a:p>
-            <a:endParaRPr lang="en-US" dirty="0"/>
+            <a:r>
+              <a:rPr lang="en-US" dirty="0"/>
+              <a:t>The developed application will allow kids to have tour of different phases of water cycle</a:t>
+            </a:r>
+          </a:p>
+          <a:p>
+            <a:r>
+              <a:rPr lang="en-US" dirty="0"/>
+              <a:t>The developed application will guide kids through different phases with help of a robot companion</a:t>
+            </a:r>
+          </a:p>
+          <a:p>
+            <a:r>
+              <a:rPr lang="en-US" dirty="0"/>
+              <a:t>The developed application will have a mini game for kids as part of interaction.</a:t>
+            </a:r>
           </a:p>
         </p:txBody>
       </p:sp>

--- a/Capstone.pptx
+++ b/Capstone.pptx
@@ -1,6 +1,6 @@
 
 <file path=ppt/presentation.xml><?xml version="1.0" encoding="utf-8"?>
-<p:presentation xmlns:a="http://schemas.openxmlformats.org/drawingml/2006/main" xmlns:r="http://schemas.openxmlformats.org/officeDocument/2006/relationships" xmlns:p="http://schemas.openxmlformats.org/presentationml/2006/main" saveSubsetFonts="1">
+<p:presentation xmlns:a="http://schemas.openxmlformats.org/drawingml/2006/main" xmlns:r="http://schemas.openxmlformats.org/officeDocument/2006/relationships" xmlns:p="http://schemas.openxmlformats.org/presentationml/2006/main" saveSubsetFonts="1" bookmarkIdSeed="7">
   <p:sldMasterIdLst>
     <p:sldMasterId id="2147483660" r:id="rId1"/>
   </p:sldMasterIdLst>
@@ -14,16 +14,19 @@
     <p:sldId id="263" r:id="rId8"/>
     <p:sldId id="259" r:id="rId9"/>
     <p:sldId id="267" r:id="rId10"/>
-    <p:sldId id="268" r:id="rId11"/>
-    <p:sldId id="260" r:id="rId12"/>
-    <p:sldId id="272" r:id="rId13"/>
-    <p:sldId id="273" r:id="rId14"/>
-    <p:sldId id="269" r:id="rId15"/>
-    <p:sldId id="271" r:id="rId16"/>
-    <p:sldId id="274" r:id="rId17"/>
-    <p:sldId id="270" r:id="rId18"/>
-    <p:sldId id="261" r:id="rId19"/>
-    <p:sldId id="262" r:id="rId20"/>
+    <p:sldId id="275" r:id="rId11"/>
+    <p:sldId id="276" r:id="rId12"/>
+    <p:sldId id="277" r:id="rId13"/>
+    <p:sldId id="268" r:id="rId14"/>
+    <p:sldId id="260" r:id="rId15"/>
+    <p:sldId id="272" r:id="rId16"/>
+    <p:sldId id="273" r:id="rId17"/>
+    <p:sldId id="269" r:id="rId18"/>
+    <p:sldId id="271" r:id="rId19"/>
+    <p:sldId id="274" r:id="rId20"/>
+    <p:sldId id="270" r:id="rId21"/>
+    <p:sldId id="261" r:id="rId22"/>
+    <p:sldId id="262" r:id="rId23"/>
   </p:sldIdLst>
   <p:sldSz cx="12192000" cy="6858000"/>
   <p:notesSz cx="6858000" cy="9144000"/>
@@ -131,7 +134,7 @@
 </file>
 
 <file path=ppt/charts/chart1.xml><?xml version="1.0" encoding="utf-8"?>
-<c:chartSpace xmlns:c="http://schemas.openxmlformats.org/drawingml/2006/chart" xmlns:a="http://schemas.openxmlformats.org/drawingml/2006/main" xmlns:r="http://schemas.openxmlformats.org/officeDocument/2006/relationships" xmlns:c16r2="http://schemas.microsoft.com/office/drawing/2015/06/chart">
+<c:chartSpace xmlns:c="http://schemas.openxmlformats.org/drawingml/2006/chart" xmlns:a="http://schemas.openxmlformats.org/drawingml/2006/main" xmlns:r="http://schemas.openxmlformats.org/officeDocument/2006/relationships">
   <c:date1904 val="0"/>
   <c:lang val="en-US"/>
   <c:roundedCorners val="1"/>
@@ -267,7 +270,10 @@
               </c:numCache>
             </c:numRef>
           </c:val>
-          <c:extLst>
+          <c:extLst xmlns:c16r2="http://schemas.microsoft.com/office/drawing/2015/06/chart">
+            <c:ext xmlns:c16="http://schemas.microsoft.com/office/drawing/2014/chart" uri="{C3380CC4-5D6E-409C-BE32-E72D297353CC}">
+              <c16:uniqueId val="{00000000-B8B6-4ACF-B66C-967991A384A5}"/>
+            </c:ext>
             <c:ext xmlns:c14="http://schemas.microsoft.com/office/drawing/2007/8/2/chart" uri="{6F2FDCE9-48DA-4B69-8628-5D25D57E5C99}">
               <c14:invertSolidFillFmt>
                 <c14:spPr xmlns:c14="http://schemas.microsoft.com/office/drawing/2007/8/2/chart">
@@ -276,9 +282,6 @@
                   </a:solidFill>
                 </c14:spPr>
               </c14:invertSolidFillFmt>
-            </c:ext>
-            <c:ext xmlns:c16="http://schemas.microsoft.com/office/drawing/2014/chart" uri="{C3380CC4-5D6E-409C-BE32-E72D297353CC}">
-              <c16:uniqueId val="{00000000-B8B6-4ACF-B66C-967991A384A5}"/>
             </c:ext>
           </c:extLst>
         </c:ser>
@@ -398,7 +401,10 @@
               </c:numCache>
             </c:numRef>
           </c:val>
-          <c:extLst>
+          <c:extLst xmlns:c16r2="http://schemas.microsoft.com/office/drawing/2015/06/chart">
+            <c:ext xmlns:c16="http://schemas.microsoft.com/office/drawing/2014/chart" uri="{C3380CC4-5D6E-409C-BE32-E72D297353CC}">
+              <c16:uniqueId val="{00000001-B8B6-4ACF-B66C-967991A384A5}"/>
+            </c:ext>
             <c:ext xmlns:c14="http://schemas.microsoft.com/office/drawing/2007/8/2/chart" uri="{6F2FDCE9-48DA-4B69-8628-5D25D57E5C99}">
               <c14:invertSolidFillFmt>
                 <c14:spPr xmlns:c14="http://schemas.microsoft.com/office/drawing/2007/8/2/chart">
@@ -407,9 +413,6 @@
                   </a:solidFill>
                 </c14:spPr>
               </c14:invertSolidFillFmt>
-            </c:ext>
-            <c:ext xmlns:c16="http://schemas.microsoft.com/office/drawing/2014/chart" uri="{C3380CC4-5D6E-409C-BE32-E72D297353CC}">
-              <c16:uniqueId val="{00000001-B8B6-4ACF-B66C-967991A384A5}"/>
             </c:ext>
           </c:extLst>
         </c:ser>
@@ -423,11 +426,11 @@
         </c:dLbls>
         <c:gapWidth val="150"/>
         <c:overlap val="100"/>
-        <c:axId val="1334299962"/>
-        <c:axId val="1797285475"/>
+        <c:axId val="-280336528"/>
+        <c:axId val="-280338160"/>
       </c:barChart>
       <c:catAx>
-        <c:axId val="1334299962"/>
+        <c:axId val="-280336528"/>
         <c:scaling>
           <c:orientation val="maxMin"/>
         </c:scaling>
@@ -449,6 +452,7 @@
               </a:p>
             </c:rich>
           </c:tx>
+          <c:layout/>
           <c:overlay val="0"/>
         </c:title>
         <c:numFmt formatCode="General" sourceLinked="1"/>
@@ -465,7 +469,7 @@
             <a:endParaRPr lang="en-US"/>
           </a:p>
         </c:txPr>
-        <c:crossAx val="1797285475"/>
+        <c:crossAx val="-280338160"/>
         <c:crosses val="autoZero"/>
         <c:auto val="1"/>
         <c:lblAlgn val="ctr"/>
@@ -473,7 +477,7 @@
         <c:noMultiLvlLbl val="1"/>
       </c:catAx>
       <c:valAx>
-        <c:axId val="1797285475"/>
+        <c:axId val="-280338160"/>
         <c:scaling>
           <c:orientation val="minMax"/>
           <c:max val="43811"/>
@@ -515,6 +519,7 @@
               </a:p>
             </c:rich>
           </c:tx>
+          <c:layout/>
           <c:overlay val="0"/>
         </c:title>
         <c:numFmt formatCode="m&quot;/&quot;d" sourceLinked="1"/>
@@ -536,7 +541,7 @@
             <a:endParaRPr lang="en-US"/>
           </a:p>
         </c:txPr>
-        <c:crossAx val="1334299962"/>
+        <c:crossAx val="-280336528"/>
         <c:crosses val="max"/>
         <c:crossBetween val="between"/>
         <c:majorUnit val="30"/>
@@ -713,7 +718,7 @@
           <a:p>
             <a:fld id="{7ED82E05-B906-46D2-B7F0-95A00293E995}" type="datetimeFigureOut">
               <a:rPr lang="en-US" smtClean="0"/>
-              <a:t>8/26/2019</a:t>
+              <a:t>8/27/2019</a:t>
             </a:fld>
             <a:endParaRPr lang="en-US"/>
           </a:p>
@@ -1043,7 +1048,7 @@
           <a:p>
             <a:fld id="{7ED82E05-B906-46D2-B7F0-95A00293E995}" type="datetimeFigureOut">
               <a:rPr lang="en-US" smtClean="0"/>
-              <a:t>8/26/2019</a:t>
+              <a:t>8/27/2019</a:t>
             </a:fld>
             <a:endParaRPr lang="en-US"/>
           </a:p>
@@ -1223,7 +1228,7 @@
           <a:p>
             <a:fld id="{7ED82E05-B906-46D2-B7F0-95A00293E995}" type="datetimeFigureOut">
               <a:rPr lang="en-US" smtClean="0"/>
-              <a:t>8/26/2019</a:t>
+              <a:t>8/27/2019</a:t>
             </a:fld>
             <a:endParaRPr lang="en-US"/>
           </a:p>
@@ -1393,7 +1398,7 @@
           <a:p>
             <a:fld id="{7ED82E05-B906-46D2-B7F0-95A00293E995}" type="datetimeFigureOut">
               <a:rPr lang="en-US" smtClean="0"/>
-              <a:t>8/26/2019</a:t>
+              <a:t>8/27/2019</a:t>
             </a:fld>
             <a:endParaRPr lang="en-US"/>
           </a:p>
@@ -1665,7 +1670,7 @@
           <a:p>
             <a:fld id="{7ED82E05-B906-46D2-B7F0-95A00293E995}" type="datetimeFigureOut">
               <a:rPr lang="en-US" smtClean="0"/>
-              <a:t>8/26/2019</a:t>
+              <a:t>8/27/2019</a:t>
             </a:fld>
             <a:endParaRPr lang="en-US"/>
           </a:p>
@@ -2059,7 +2064,7 @@
           <a:p>
             <a:fld id="{7ED82E05-B906-46D2-B7F0-95A00293E995}" type="datetimeFigureOut">
               <a:rPr lang="en-US" smtClean="0"/>
-              <a:t>8/26/2019</a:t>
+              <a:t>8/27/2019</a:t>
             </a:fld>
             <a:endParaRPr lang="en-US"/>
           </a:p>
@@ -2536,7 +2541,7 @@
           <a:p>
             <a:fld id="{7ED82E05-B906-46D2-B7F0-95A00293E995}" type="datetimeFigureOut">
               <a:rPr lang="en-US" smtClean="0"/>
-              <a:t>8/26/2019</a:t>
+              <a:t>8/27/2019</a:t>
             </a:fld>
             <a:endParaRPr lang="en-US"/>
           </a:p>
@@ -2654,7 +2659,7 @@
           <a:p>
             <a:fld id="{7ED82E05-B906-46D2-B7F0-95A00293E995}" type="datetimeFigureOut">
               <a:rPr lang="en-US" smtClean="0"/>
-              <a:t>8/26/2019</a:t>
+              <a:t>8/27/2019</a:t>
             </a:fld>
             <a:endParaRPr lang="en-US"/>
           </a:p>
@@ -2749,7 +2754,7 @@
           <a:p>
             <a:fld id="{7ED82E05-B906-46D2-B7F0-95A00293E995}" type="datetimeFigureOut">
               <a:rPr lang="en-US" smtClean="0"/>
-              <a:t>8/26/2019</a:t>
+              <a:t>8/27/2019</a:t>
             </a:fld>
             <a:endParaRPr lang="en-US"/>
           </a:p>
@@ -3095,7 +3100,7 @@
           <a:p>
             <a:fld id="{7ED82E05-B906-46D2-B7F0-95A00293E995}" type="datetimeFigureOut">
               <a:rPr lang="en-US" smtClean="0"/>
-              <a:t>8/26/2019</a:t>
+              <a:t>8/27/2019</a:t>
             </a:fld>
             <a:endParaRPr lang="en-US"/>
           </a:p>
@@ -3483,7 +3488,7 @@
           <a:p>
             <a:fld id="{7ED82E05-B906-46D2-B7F0-95A00293E995}" type="datetimeFigureOut">
               <a:rPr lang="en-US" smtClean="0"/>
-              <a:t>8/26/2019</a:t>
+              <a:t>8/27/2019</a:t>
             </a:fld>
             <a:endParaRPr lang="en-US"/>
           </a:p>
@@ -3758,7 +3763,7 @@
           <a:p>
             <a:fld id="{7ED82E05-B906-46D2-B7F0-95A00293E995}" type="datetimeFigureOut">
               <a:rPr lang="en-US" smtClean="0"/>
-              <a:t>8/26/2019</a:t>
+              <a:t>8/27/2019</a:t>
             </a:fld>
             <a:endParaRPr lang="en-US"/>
           </a:p>
@@ -4275,7 +4280,7 @@
           <p:cNvPr id="2" name="Title 1">
             <a:extLst>
               <a:ext uri="{FF2B5EF4-FFF2-40B4-BE49-F238E27FC236}">
-                <a16:creationId xmlns:a16="http://schemas.microsoft.com/office/drawing/2014/main" id="{D4B74078-9B3D-42FA-9BDC-48CFB5C23CDF}"/>
+                <a16:creationId xmlns:a16="http://schemas.microsoft.com/office/drawing/2014/main" xmlns="" id="{D4B74078-9B3D-42FA-9BDC-48CFB5C23CDF}"/>
               </a:ext>
             </a:extLst>
           </p:cNvPr>
@@ -4326,7 +4331,7 @@
           <p:cNvPr id="3" name="Subtitle 2">
             <a:extLst>
               <a:ext uri="{FF2B5EF4-FFF2-40B4-BE49-F238E27FC236}">
-                <a16:creationId xmlns:a16="http://schemas.microsoft.com/office/drawing/2014/main" id="{95E8DEB2-5F0A-42C5-AB29-93D3EC351981}"/>
+                <a16:creationId xmlns:a16="http://schemas.microsoft.com/office/drawing/2014/main" xmlns="" id="{95E8DEB2-5F0A-42C5-AB29-93D3EC351981}"/>
               </a:ext>
             </a:extLst>
           </p:cNvPr>
@@ -4373,7 +4378,7 @@
           <p:cNvPr id="5" name="Picture 4">
             <a:extLst>
               <a:ext uri="{FF2B5EF4-FFF2-40B4-BE49-F238E27FC236}">
-                <a16:creationId xmlns:a16="http://schemas.microsoft.com/office/drawing/2014/main" id="{71EE52B0-6832-49F3-B628-65D1CF408DB1}"/>
+                <a16:creationId xmlns:a16="http://schemas.microsoft.com/office/drawing/2014/main" xmlns="" id="{71EE52B0-6832-49F3-B628-65D1CF408DB1}"/>
               </a:ext>
             </a:extLst>
           </p:cNvPr>
@@ -4383,7 +4388,7 @@
           <p:nvPr/>
         </p:nvPicPr>
         <p:blipFill>
-          <a:blip r:embed="rId2">
+          <a:blip r:embed="rId2" cstate="print">
             <a:extLst>
               <a:ext uri="{28A0092B-C50C-407E-A947-70E740481C1C}">
                 <a14:useLocalDpi xmlns:a14="http://schemas.microsoft.com/office/drawing/2010/main" val="0"/>
@@ -4436,67 +4441,316 @@
       </p:grpSpPr>
       <p:sp>
         <p:nvSpPr>
-          <p:cNvPr id="2" name="Title 1">
+          <p:cNvPr id="2" name="Title 1"/>
+          <p:cNvSpPr>
+            <a:spLocks noGrp="1"/>
+          </p:cNvSpPr>
+          <p:nvPr>
+            <p:ph type="title"/>
+          </p:nvPr>
+        </p:nvSpPr>
+        <p:spPr>
+          <a:xfrm>
+            <a:off x="1371600" y="658639"/>
+            <a:ext cx="9601200" cy="789915"/>
+          </a:xfrm>
+        </p:spPr>
+        <p:txBody>
+          <a:bodyPr/>
+          <a:lstStyle/>
+          <a:p>
+            <a:r>
+              <a:rPr lang="en-US" dirty="0"/>
+              <a:t>Similar Apps</a:t>
+            </a:r>
+          </a:p>
+        </p:txBody>
+      </p:sp>
+      <p:sp>
+        <p:nvSpPr>
+          <p:cNvPr id="3" name="Content Placeholder 2"/>
+          <p:cNvSpPr>
+            <a:spLocks noGrp="1"/>
+          </p:cNvSpPr>
+          <p:nvPr>
+            <p:ph idx="1"/>
+          </p:nvPr>
+        </p:nvSpPr>
+        <p:spPr>
+          <a:xfrm>
+            <a:off x="1371600" y="1448554"/>
+            <a:ext cx="5463766" cy="4839123"/>
+          </a:xfrm>
+        </p:spPr>
+        <p:txBody>
+          <a:bodyPr>
+            <a:normAutofit lnSpcReduction="10000"/>
+          </a:bodyPr>
+          <a:lstStyle/>
+          <a:p>
+            <a:pPr marL="0" indent="0">
+              <a:lnSpc>
+                <a:spcPct val="104000"/>
+              </a:lnSpc>
+              <a:buNone/>
+            </a:pPr>
+            <a:r>
+              <a:rPr lang="en-US" sz="2600" b="1" dirty="0" err="1">
+                <a:solidFill>
+                  <a:srgbClr val="0070C0"/>
+                </a:solidFill>
+              </a:rPr>
+              <a:t>Cicle</a:t>
+            </a:r>
+            <a:r>
+              <a:rPr lang="en-US" sz="2600" b="1" dirty="0">
+                <a:solidFill>
+                  <a:srgbClr val="0070C0"/>
+                </a:solidFill>
+              </a:rPr>
+              <a:t> de </a:t>
+            </a:r>
+            <a:r>
+              <a:rPr lang="en-US" sz="2600" b="1" dirty="0" err="1">
+                <a:solidFill>
+                  <a:srgbClr val="0070C0"/>
+                </a:solidFill>
+              </a:rPr>
+              <a:t>l’Aigue</a:t>
+            </a:r>
+            <a:r>
+              <a:rPr lang="en-US" sz="2600" b="1" dirty="0">
+                <a:solidFill>
+                  <a:srgbClr val="0070C0"/>
+                </a:solidFill>
+              </a:rPr>
+              <a:t> VR (Water cycle VR) </a:t>
+            </a:r>
+            <a:endParaRPr lang="en-US" sz="2600" b="1" dirty="0">
+              <a:solidFill>
+                <a:srgbClr val="0070C0"/>
+              </a:solidFill>
+            </a:endParaRPr>
+          </a:p>
+          <a:p>
+            <a:pPr marL="0" indent="0">
+              <a:lnSpc>
+                <a:spcPct val="104000"/>
+              </a:lnSpc>
+              <a:buNone/>
+            </a:pPr>
+            <a:r>
+              <a:rPr lang="en-US" sz="2200" b="1" dirty="0" smtClean="0">
+                <a:latin typeface="Calibri Light" panose="020F0302020204030204" pitchFamily="34" charset="0"/>
+                <a:cs typeface="Calibri Light" panose="020F0302020204030204" pitchFamily="34" charset="0"/>
+              </a:rPr>
+              <a:t>Features:</a:t>
+            </a:r>
+          </a:p>
+          <a:p>
+            <a:pPr>
+              <a:lnSpc>
+                <a:spcPct val="104000"/>
+              </a:lnSpc>
+              <a:buFont typeface="Arial" panose="020B0604020202020204" pitchFamily="34" charset="0"/>
+              <a:buChar char="•"/>
+            </a:pPr>
+            <a:r>
+              <a:rPr lang="en-US" sz="1500" dirty="0" smtClean="0">
+                <a:latin typeface="Calibri" panose="020F0502020204030204" pitchFamily="34" charset="0"/>
+                <a:cs typeface="Calibri" panose="020F0502020204030204" pitchFamily="34" charset="0"/>
+              </a:rPr>
+              <a:t>VR </a:t>
+            </a:r>
+            <a:r>
+              <a:rPr lang="en-US" sz="1500" dirty="0">
+                <a:latin typeface="Calibri" panose="020F0502020204030204" pitchFamily="34" charset="0"/>
+                <a:cs typeface="Calibri" panose="020F0502020204030204" pitchFamily="34" charset="0"/>
+              </a:rPr>
+              <a:t>app.</a:t>
+            </a:r>
+            <a:endParaRPr lang="en-US" sz="1500" dirty="0">
+              <a:latin typeface="Calibri" panose="020F0502020204030204" pitchFamily="34" charset="0"/>
+              <a:cs typeface="Calibri" panose="020F0502020204030204" pitchFamily="34" charset="0"/>
+            </a:endParaRPr>
+          </a:p>
+          <a:p>
+            <a:pPr>
+              <a:lnSpc>
+                <a:spcPct val="104000"/>
+              </a:lnSpc>
+              <a:buFont typeface="Arial" panose="020B0604020202020204" pitchFamily="34" charset="0"/>
+              <a:buChar char="•"/>
+            </a:pPr>
+            <a:r>
+              <a:rPr lang="en-US" sz="1500" i="0" dirty="0" smtClean="0">
+                <a:latin typeface="Calibri" panose="020F0502020204030204" pitchFamily="34" charset="0"/>
+                <a:cs typeface="Calibri" panose="020F0502020204030204" pitchFamily="34" charset="0"/>
+              </a:rPr>
+              <a:t>An </a:t>
+            </a:r>
+            <a:r>
+              <a:rPr lang="en-US" sz="1500" i="0" dirty="0">
+                <a:latin typeface="Calibri" panose="020F0502020204030204" pitchFamily="34" charset="0"/>
+                <a:cs typeface="Calibri" panose="020F0502020204030204" pitchFamily="34" charset="0"/>
+              </a:rPr>
+              <a:t>audio voice to explain user the water cycle.</a:t>
+            </a:r>
+          </a:p>
+          <a:p>
+            <a:pPr>
+              <a:lnSpc>
+                <a:spcPct val="104000"/>
+              </a:lnSpc>
+              <a:buFont typeface="Arial" panose="020B0604020202020204" pitchFamily="34" charset="0"/>
+              <a:buChar char="•"/>
+            </a:pPr>
+            <a:r>
+              <a:rPr lang="en-US" sz="1500" i="0" dirty="0">
+                <a:latin typeface="Calibri" panose="020F0502020204030204" pitchFamily="34" charset="0"/>
+                <a:cs typeface="Calibri" panose="020F0502020204030204" pitchFamily="34" charset="0"/>
+              </a:rPr>
+              <a:t>Audio effect for rain and wind.</a:t>
+            </a:r>
+          </a:p>
+          <a:p>
+            <a:pPr>
+              <a:lnSpc>
+                <a:spcPct val="104000"/>
+              </a:lnSpc>
+              <a:buFont typeface="Arial" panose="020B0604020202020204" pitchFamily="34" charset="0"/>
+              <a:buChar char="•"/>
+            </a:pPr>
+            <a:r>
+              <a:rPr lang="en-US" sz="1500" i="0" dirty="0">
+                <a:latin typeface="Calibri" panose="020F0502020204030204" pitchFamily="34" charset="0"/>
+                <a:cs typeface="Calibri" panose="020F0502020204030204" pitchFamily="34" charset="0"/>
+              </a:rPr>
+              <a:t>Main menu to allow user to choose the option they would like to go for. </a:t>
+            </a:r>
+          </a:p>
+          <a:p>
+            <a:pPr>
+              <a:lnSpc>
+                <a:spcPct val="104000"/>
+              </a:lnSpc>
+              <a:buFont typeface="Arial" panose="020B0604020202020204" pitchFamily="34" charset="0"/>
+              <a:buChar char="•"/>
+            </a:pPr>
+            <a:r>
+              <a:rPr lang="en-US" sz="1500" i="0" dirty="0">
+                <a:latin typeface="Calibri" panose="020F0502020204030204" pitchFamily="34" charset="0"/>
+                <a:cs typeface="Calibri" panose="020F0502020204030204" pitchFamily="34" charset="0"/>
+              </a:rPr>
+              <a:t>Bluetooth control.</a:t>
+            </a:r>
+          </a:p>
+          <a:p>
+            <a:pPr marL="0" indent="0">
+              <a:lnSpc>
+                <a:spcPct val="104000"/>
+              </a:lnSpc>
+              <a:buNone/>
+            </a:pPr>
+            <a:r>
+              <a:rPr lang="en-US" sz="2200" b="1" dirty="0">
+                <a:latin typeface="Calibri Light" panose="020F0302020204030204" pitchFamily="34" charset="0"/>
+                <a:cs typeface="Calibri Light" panose="020F0302020204030204" pitchFamily="34" charset="0"/>
+              </a:rPr>
+              <a:t>Weaknesses:</a:t>
+            </a:r>
+          </a:p>
+          <a:p>
+            <a:pPr marL="384048" lvl="1">
+              <a:lnSpc>
+                <a:spcPct val="104000"/>
+              </a:lnSpc>
+              <a:spcBef>
+                <a:spcPts val="1000"/>
+              </a:spcBef>
+              <a:buFont typeface="Arial" panose="020B0604020202020204" pitchFamily="34" charset="0"/>
+              <a:buChar char="•"/>
+            </a:pPr>
+            <a:r>
+              <a:rPr lang="en-US" sz="1500" i="0" dirty="0">
+                <a:latin typeface="Calibri" panose="020F0502020204030204" pitchFamily="34" charset="0"/>
+                <a:cs typeface="Calibri" panose="020F0502020204030204" pitchFamily="34" charset="0"/>
+              </a:rPr>
+              <a:t>Hanging occurs while the scene is viewed from different angles.</a:t>
+            </a:r>
+          </a:p>
+          <a:p>
+            <a:pPr marL="384048" lvl="1">
+              <a:lnSpc>
+                <a:spcPct val="104000"/>
+              </a:lnSpc>
+              <a:spcBef>
+                <a:spcPts val="1000"/>
+              </a:spcBef>
+              <a:buFont typeface="Arial" panose="020B0604020202020204" pitchFamily="34" charset="0"/>
+              <a:buChar char="•"/>
+            </a:pPr>
+            <a:r>
+              <a:rPr lang="en-US" sz="1500" i="0" dirty="0">
+                <a:latin typeface="Calibri" panose="020F0502020204030204" pitchFamily="34" charset="0"/>
+                <a:cs typeface="Calibri" panose="020F0502020204030204" pitchFamily="34" charset="0"/>
+              </a:rPr>
+              <a:t>The app has no other language support other than Catalan language.</a:t>
+            </a:r>
+          </a:p>
+          <a:p>
+            <a:pPr marL="0" indent="0" algn="ctr">
+              <a:buNone/>
+            </a:pPr>
+            <a:endParaRPr lang="en-US" dirty="0"/>
+          </a:p>
+        </p:txBody>
+      </p:sp>
+      <p:pic>
+        <p:nvPicPr>
+          <p:cNvPr id="4" name="Picture 3"/>
+          <p:cNvPicPr/>
+          <p:nvPr/>
+        </p:nvPicPr>
+        <p:blipFill>
+          <a:blip r:embed="rId2" cstate="print">
             <a:extLst>
-              <a:ext uri="{FF2B5EF4-FFF2-40B4-BE49-F238E27FC236}">
-                <a16:creationId xmlns:a16="http://schemas.microsoft.com/office/drawing/2014/main" id="{0B9848FB-072D-4F76-B987-E07018C544D7}"/>
+              <a:ext uri="{28A0092B-C50C-407E-A947-70E740481C1C}">
+                <a14:useLocalDpi xmlns:a14="http://schemas.microsoft.com/office/drawing/2010/main" val="0"/>
               </a:ext>
             </a:extLst>
-          </p:cNvPr>
-          <p:cNvSpPr>
-            <a:spLocks noGrp="1"/>
-          </p:cNvSpPr>
-          <p:nvPr>
-            <p:ph type="title"/>
-          </p:nvPr>
-        </p:nvSpPr>
-        <p:spPr/>
-        <p:txBody>
-          <a:bodyPr/>
-          <a:lstStyle/>
-          <a:p>
-            <a:r>
-              <a:rPr lang="en-US" dirty="0"/>
-              <a:t>Comparison Table</a:t>
-            </a:r>
-          </a:p>
-        </p:txBody>
-      </p:sp>
-      <p:sp>
-        <p:nvSpPr>
-          <p:cNvPr id="3" name="Content Placeholder 2">
-            <a:extLst>
-              <a:ext uri="{FF2B5EF4-FFF2-40B4-BE49-F238E27FC236}">
-                <a16:creationId xmlns:a16="http://schemas.microsoft.com/office/drawing/2014/main" id="{2CB7AE19-A099-4BC9-A714-EF81A4D61DC9}"/>
-              </a:ext>
-            </a:extLst>
-          </p:cNvPr>
-          <p:cNvSpPr>
-            <a:spLocks noGrp="1"/>
-          </p:cNvSpPr>
-          <p:nvPr>
-            <p:ph idx="1"/>
-          </p:nvPr>
-        </p:nvSpPr>
-        <p:spPr/>
-        <p:txBody>
-          <a:bodyPr/>
-          <a:lstStyle/>
-          <a:p>
-            <a:endParaRPr lang="en-US"/>
-          </a:p>
-        </p:txBody>
-      </p:sp>
+          </a:blip>
+          <a:stretch>
+            <a:fillRect/>
+          </a:stretch>
+        </p:blipFill>
+        <p:spPr>
+          <a:xfrm>
+            <a:off x="6928701" y="2171699"/>
+            <a:ext cx="5137063" cy="3418395"/>
+          </a:xfrm>
+          <a:prstGeom prst="rect">
+            <a:avLst/>
+          </a:prstGeom>
+        </p:spPr>
+      </p:pic>
     </p:spTree>
     <p:extLst>
       <p:ext uri="{BB962C8B-B14F-4D97-AF65-F5344CB8AC3E}">
-        <p14:creationId xmlns:p14="http://schemas.microsoft.com/office/powerpoint/2010/main" val="4150897009"/>
+        <p14:creationId xmlns:p14="http://schemas.microsoft.com/office/powerpoint/2010/main" val="1318654801"/>
       </p:ext>
     </p:extLst>
   </p:cSld>
   <p:clrMapOvr>
     <a:masterClrMapping/>
   </p:clrMapOvr>
+  <p:timing>
+    <p:tnLst>
+      <p:par>
+        <p:cTn id="1" dur="indefinite" restart="never" nodeType="tmRoot"/>
+      </p:par>
+    </p:tnLst>
+  </p:timing>
 </p:sld>
 </file>
 
@@ -4519,90 +4773,257 @@
       </p:grpSpPr>
       <p:sp>
         <p:nvSpPr>
-          <p:cNvPr id="2" name="Title 1">
+          <p:cNvPr id="2" name="Title 1"/>
+          <p:cNvSpPr>
+            <a:spLocks noGrp="1"/>
+          </p:cNvSpPr>
+          <p:nvPr>
+            <p:ph type="title"/>
+          </p:nvPr>
+        </p:nvSpPr>
+        <p:spPr/>
+        <p:txBody>
+          <a:bodyPr/>
+          <a:lstStyle/>
+          <a:p>
+            <a:r>
+              <a:rPr lang="en-US" dirty="0" smtClean="0"/>
+              <a:t>Similar Apps</a:t>
+            </a:r>
+            <a:endParaRPr lang="en-US" dirty="0"/>
+          </a:p>
+        </p:txBody>
+      </p:sp>
+      <p:sp>
+        <p:nvSpPr>
+          <p:cNvPr id="3" name="Content Placeholder 2"/>
+          <p:cNvSpPr>
+            <a:spLocks noGrp="1"/>
+          </p:cNvSpPr>
+          <p:nvPr>
+            <p:ph idx="1"/>
+          </p:nvPr>
+        </p:nvSpPr>
+        <p:spPr>
+          <a:xfrm>
+            <a:off x="1371600" y="1511929"/>
+            <a:ext cx="4947719" cy="4355471"/>
+          </a:xfrm>
+        </p:spPr>
+        <p:txBody>
+          <a:bodyPr>
+            <a:normAutofit fontScale="92500" lnSpcReduction="10000"/>
+          </a:bodyPr>
+          <a:lstStyle/>
+          <a:p>
+            <a:pPr marL="0" indent="0">
+              <a:lnSpc>
+                <a:spcPct val="114000"/>
+              </a:lnSpc>
+              <a:buNone/>
+            </a:pPr>
+            <a:r>
+              <a:rPr lang="en-US" sz="2600" b="1" dirty="0">
+                <a:solidFill>
+                  <a:srgbClr val="0070C0"/>
+                </a:solidFill>
+              </a:rPr>
+              <a:t>TABI the water </a:t>
+            </a:r>
+            <a:r>
+              <a:rPr lang="en-US" sz="2600" b="1" dirty="0">
+                <a:solidFill>
+                  <a:srgbClr val="0070C0"/>
+                </a:solidFill>
+              </a:rPr>
+              <a:t>cycle</a:t>
+            </a:r>
+          </a:p>
+          <a:p>
+            <a:pPr marL="0" indent="0">
+              <a:lnSpc>
+                <a:spcPct val="114000"/>
+              </a:lnSpc>
+              <a:buNone/>
+            </a:pPr>
+            <a:r>
+              <a:rPr lang="en-US" sz="2200" b="1" dirty="0">
+                <a:latin typeface="Calibri Light" panose="020F0302020204030204" pitchFamily="34" charset="0"/>
+                <a:cs typeface="Calibri Light" panose="020F0302020204030204" pitchFamily="34" charset="0"/>
+              </a:rPr>
+              <a:t>Features:</a:t>
+            </a:r>
+          </a:p>
+          <a:p>
+            <a:pPr lvl="0">
+              <a:lnSpc>
+                <a:spcPct val="114000"/>
+              </a:lnSpc>
+              <a:buFont typeface="Arial" panose="020B0604020202020204" pitchFamily="34" charset="0"/>
+              <a:buChar char="•"/>
+            </a:pPr>
+            <a:r>
+              <a:rPr lang="en-US" sz="1600" dirty="0">
+                <a:latin typeface="Calibri" panose="020F0502020204030204" pitchFamily="34" charset="0"/>
+                <a:cs typeface="Calibri" panose="020F0502020204030204" pitchFamily="34" charset="0"/>
+              </a:rPr>
+              <a:t>User plays a game to create evaporation, condensation and precipitation.</a:t>
+            </a:r>
+          </a:p>
+          <a:p>
+            <a:pPr lvl="0">
+              <a:lnSpc>
+                <a:spcPct val="114000"/>
+              </a:lnSpc>
+              <a:buFont typeface="Arial" panose="020B0604020202020204" pitchFamily="34" charset="0"/>
+              <a:buChar char="•"/>
+            </a:pPr>
+            <a:r>
+              <a:rPr lang="en-US" sz="1600" dirty="0">
+                <a:latin typeface="Calibri" panose="020F0502020204030204" pitchFamily="34" charset="0"/>
+                <a:cs typeface="Calibri" panose="020F0502020204030204" pitchFamily="34" charset="0"/>
+              </a:rPr>
+              <a:t>Text shown at the beginning to guide the user to play the game.</a:t>
+            </a:r>
+          </a:p>
+          <a:p>
+            <a:pPr marL="0" indent="0">
+              <a:lnSpc>
+                <a:spcPct val="114000"/>
+              </a:lnSpc>
+              <a:buNone/>
+            </a:pPr>
+            <a:r>
+              <a:rPr lang="en-US" sz="2400" b="1" dirty="0">
+                <a:latin typeface="Calibri Light" panose="020F0302020204030204" pitchFamily="34" charset="0"/>
+                <a:cs typeface="Calibri Light" panose="020F0302020204030204" pitchFamily="34" charset="0"/>
+              </a:rPr>
+              <a:t>Weaknesses:</a:t>
+            </a:r>
+          </a:p>
+          <a:p>
+            <a:pPr lvl="0">
+              <a:lnSpc>
+                <a:spcPct val="114000"/>
+              </a:lnSpc>
+              <a:buFont typeface="Arial" panose="020B0604020202020204" pitchFamily="34" charset="0"/>
+              <a:buChar char="•"/>
+            </a:pPr>
+            <a:r>
+              <a:rPr lang="en-US" sz="1600" dirty="0">
+                <a:latin typeface="Calibri" panose="020F0502020204030204" pitchFamily="34" charset="0"/>
+                <a:cs typeface="Calibri" panose="020F0502020204030204" pitchFamily="34" charset="0"/>
+              </a:rPr>
+              <a:t>Not a VR app</a:t>
+            </a:r>
+            <a:r>
+              <a:rPr lang="en-US" sz="1600" dirty="0">
+                <a:latin typeface="Calibri" panose="020F0502020204030204" pitchFamily="34" charset="0"/>
+                <a:cs typeface="Calibri" panose="020F0502020204030204" pitchFamily="34" charset="0"/>
+              </a:rPr>
+              <a:t>.</a:t>
+            </a:r>
+          </a:p>
+          <a:p>
+            <a:pPr lvl="0">
+              <a:lnSpc>
+                <a:spcPct val="114000"/>
+              </a:lnSpc>
+              <a:buFont typeface="Arial" panose="020B0604020202020204" pitchFamily="34" charset="0"/>
+              <a:buChar char="•"/>
+            </a:pPr>
+            <a:r>
+              <a:rPr lang="en-US" sz="1600" dirty="0">
+                <a:latin typeface="Calibri" panose="020F0502020204030204" pitchFamily="34" charset="0"/>
+                <a:cs typeface="Calibri" panose="020F0502020204030204" pitchFamily="34" charset="0"/>
+              </a:rPr>
+              <a:t>Not complete water cycle.</a:t>
+            </a:r>
+          </a:p>
+          <a:p>
+            <a:pPr lvl="0">
+              <a:lnSpc>
+                <a:spcPct val="114000"/>
+              </a:lnSpc>
+              <a:buFont typeface="Arial" panose="020B0604020202020204" pitchFamily="34" charset="0"/>
+              <a:buChar char="•"/>
+            </a:pPr>
+            <a:r>
+              <a:rPr lang="en-US" sz="1600" dirty="0">
+                <a:latin typeface="Calibri" panose="020F0502020204030204" pitchFamily="34" charset="0"/>
+                <a:cs typeface="Calibri" panose="020F0502020204030204" pitchFamily="34" charset="0"/>
+              </a:rPr>
+              <a:t>Lack of phase transformations.</a:t>
+            </a:r>
+            <a:endParaRPr lang="en-US" sz="1600" dirty="0">
+              <a:latin typeface="Calibri" panose="020F0502020204030204" pitchFamily="34" charset="0"/>
+              <a:cs typeface="Calibri" panose="020F0502020204030204" pitchFamily="34" charset="0"/>
+            </a:endParaRPr>
+          </a:p>
+          <a:p>
+            <a:pPr marL="0" indent="0">
+              <a:buNone/>
+            </a:pPr>
+            <a:r>
+              <a:rPr lang="en-US" dirty="0" smtClean="0"/>
+              <a:t> </a:t>
+            </a:r>
+            <a:endParaRPr lang="en-US" dirty="0"/>
+          </a:p>
+        </p:txBody>
+      </p:sp>
+      <p:pic>
+        <p:nvPicPr>
+          <p:cNvPr id="8" name="Picture 7"/>
+          <p:cNvPicPr/>
+          <p:nvPr/>
+        </p:nvPicPr>
+        <p:blipFill rotWithShape="1">
+          <a:blip r:embed="rId2" cstate="print">
             <a:extLst>
-              <a:ext uri="{FF2B5EF4-FFF2-40B4-BE49-F238E27FC236}">
-                <a16:creationId xmlns:a16="http://schemas.microsoft.com/office/drawing/2014/main" id="{987A2B9E-3B6D-4CDD-AB4C-21E3236C98BA}"/>
+              <a:ext uri="{28A0092B-C50C-407E-A947-70E740481C1C}">
+                <a14:useLocalDpi xmlns:a14="http://schemas.microsoft.com/office/drawing/2010/main" val="0"/>
               </a:ext>
             </a:extLst>
-          </p:cNvPr>
-          <p:cNvSpPr>
-            <a:spLocks noGrp="1"/>
-          </p:cNvSpPr>
-          <p:nvPr>
-            <p:ph type="title"/>
-          </p:nvPr>
-        </p:nvSpPr>
-        <p:spPr/>
-        <p:txBody>
-          <a:bodyPr/>
-          <a:lstStyle/>
-          <a:p>
-            <a:r>
-              <a:rPr lang="en-US" dirty="0"/>
-              <a:t>Requirement Analysis</a:t>
-            </a:r>
-          </a:p>
-        </p:txBody>
-      </p:sp>
-      <p:sp>
-        <p:nvSpPr>
-          <p:cNvPr id="3" name="Content Placeholder 2">
-            <a:extLst>
-              <a:ext uri="{FF2B5EF4-FFF2-40B4-BE49-F238E27FC236}">
-                <a16:creationId xmlns:a16="http://schemas.microsoft.com/office/drawing/2014/main" id="{67DBD9DD-B1A5-41B6-8460-CB9575F4E501}"/>
-              </a:ext>
-            </a:extLst>
-          </p:cNvPr>
-          <p:cNvSpPr>
-            <a:spLocks noGrp="1"/>
-          </p:cNvSpPr>
-          <p:nvPr>
-            <p:ph idx="1"/>
-          </p:nvPr>
-        </p:nvSpPr>
-        <p:spPr/>
-        <p:txBody>
-          <a:bodyPr>
-            <a:normAutofit/>
-          </a:bodyPr>
-          <a:lstStyle/>
-          <a:p>
-            <a:r>
-              <a:rPr lang="en-US" dirty="0"/>
-              <a:t>Our application includes Three main modules:</a:t>
-            </a:r>
-          </a:p>
-          <a:p>
-            <a:r>
-              <a:rPr lang="en-US" dirty="0"/>
-              <a:t>Main Menu</a:t>
-            </a:r>
-          </a:p>
-          <a:p>
-            <a:r>
-              <a:rPr lang="en-US" dirty="0"/>
-              <a:t>Tour Guide</a:t>
-            </a:r>
-          </a:p>
-          <a:p>
-            <a:r>
-              <a:rPr lang="en-US" dirty="0"/>
-              <a:t>Game Mode</a:t>
-            </a:r>
-          </a:p>
-        </p:txBody>
-      </p:sp>
+          </a:blip>
+          <a:srcRect l="22564" t="54929" r="40769" b="8148"/>
+          <a:stretch/>
+        </p:blipFill>
+        <p:spPr bwMode="auto">
+          <a:xfrm>
+            <a:off x="6413587" y="2171700"/>
+            <a:ext cx="5431658" cy="3616358"/>
+          </a:xfrm>
+          <a:prstGeom prst="rect">
+            <a:avLst/>
+          </a:prstGeom>
+          <a:ln>
+            <a:noFill/>
+          </a:ln>
+          <a:extLst>
+            <a:ext uri="{53640926-AAD7-44D8-BBD7-CCE9431645EC}">
+              <a14:shadowObscured xmlns:a14="http://schemas.microsoft.com/office/drawing/2010/main"/>
+            </a:ext>
+          </a:extLst>
+        </p:spPr>
+      </p:pic>
     </p:spTree>
     <p:extLst>
       <p:ext uri="{BB962C8B-B14F-4D97-AF65-F5344CB8AC3E}">
-        <p14:creationId xmlns:p14="http://schemas.microsoft.com/office/powerpoint/2010/main" val="897558224"/>
+        <p14:creationId xmlns:p14="http://schemas.microsoft.com/office/powerpoint/2010/main" val="3060472043"/>
       </p:ext>
     </p:extLst>
   </p:cSld>
   <p:clrMapOvr>
     <a:masterClrMapping/>
   </p:clrMapOvr>
+  <p:timing>
+    <p:tnLst>
+      <p:par>
+        <p:cTn id="1" dur="indefinite" restart="never" nodeType="tmRoot"/>
+      </p:par>
+    </p:tnLst>
+  </p:timing>
 </p:sld>
 </file>
 
@@ -4625,148 +5046,268 @@
       </p:grpSpPr>
       <p:sp>
         <p:nvSpPr>
-          <p:cNvPr id="3" name="Content Placeholder 2">
+          <p:cNvPr id="2" name="Title 1"/>
+          <p:cNvSpPr>
+            <a:spLocks noGrp="1"/>
+          </p:cNvSpPr>
+          <p:nvPr>
+            <p:ph type="title"/>
+          </p:nvPr>
+        </p:nvSpPr>
+        <p:spPr>
+          <a:xfrm>
+            <a:off x="1371600" y="685800"/>
+            <a:ext cx="9601200" cy="844236"/>
+          </a:xfrm>
+        </p:spPr>
+        <p:txBody>
+          <a:bodyPr/>
+          <a:lstStyle/>
+          <a:p>
+            <a:r>
+              <a:rPr lang="en-US" dirty="0" smtClean="0"/>
+              <a:t>Similar Apps</a:t>
+            </a:r>
+            <a:endParaRPr lang="en-US" dirty="0"/>
+          </a:p>
+        </p:txBody>
+      </p:sp>
+      <p:sp>
+        <p:nvSpPr>
+          <p:cNvPr id="3" name="Content Placeholder 2"/>
+          <p:cNvSpPr>
+            <a:spLocks noGrp="1"/>
+          </p:cNvSpPr>
+          <p:nvPr>
+            <p:ph idx="1"/>
+          </p:nvPr>
+        </p:nvSpPr>
+        <p:spPr>
+          <a:xfrm>
+            <a:off x="1371600" y="1530036"/>
+            <a:ext cx="5228376" cy="4798336"/>
+          </a:xfrm>
+        </p:spPr>
+        <p:txBody>
+          <a:bodyPr>
+            <a:normAutofit fontScale="55000" lnSpcReduction="20000"/>
+          </a:bodyPr>
+          <a:lstStyle/>
+          <a:p>
+            <a:pPr marL="0" indent="0">
+              <a:lnSpc>
+                <a:spcPct val="104000"/>
+              </a:lnSpc>
+              <a:buNone/>
+            </a:pPr>
+            <a:r>
+              <a:rPr lang="th-TH" sz="5100" b="1" dirty="0">
+                <a:solidFill>
+                  <a:srgbClr val="0070C0"/>
+                </a:solidFill>
+              </a:rPr>
+              <a:t>วัฏจักรน้ำ (</a:t>
+            </a:r>
+            <a:r>
+              <a:rPr lang="en-US" sz="5100" b="1" dirty="0">
+                <a:solidFill>
+                  <a:srgbClr val="0070C0"/>
+                </a:solidFill>
+              </a:rPr>
+              <a:t>Water Cycle</a:t>
+            </a:r>
+            <a:r>
+              <a:rPr lang="en-US" sz="5100" b="1" dirty="0" smtClean="0">
+                <a:solidFill>
+                  <a:srgbClr val="0070C0"/>
+                </a:solidFill>
+              </a:rPr>
+              <a:t>)</a:t>
+            </a:r>
+          </a:p>
+          <a:p>
+            <a:pPr marL="0" indent="0">
+              <a:lnSpc>
+                <a:spcPct val="124000"/>
+              </a:lnSpc>
+              <a:buNone/>
+            </a:pPr>
+            <a:r>
+              <a:rPr lang="en-US" sz="3600" b="1" dirty="0">
+                <a:latin typeface="Calibri Light" panose="020F0302020204030204" pitchFamily="34" charset="0"/>
+                <a:cs typeface="Calibri Light" panose="020F0302020204030204" pitchFamily="34" charset="0"/>
+              </a:rPr>
+              <a:t>Features:</a:t>
+            </a:r>
+          </a:p>
+          <a:p>
+            <a:pPr lvl="0">
+              <a:buFont typeface="Arial" panose="020B0604020202020204" pitchFamily="34" charset="0"/>
+              <a:buChar char="•"/>
+            </a:pPr>
+            <a:r>
+              <a:rPr lang="en-US" sz="2700" dirty="0">
+                <a:latin typeface="Calibri" panose="020F0502020204030204" pitchFamily="34" charset="0"/>
+                <a:cs typeface="Calibri" panose="020F0502020204030204" pitchFamily="34" charset="0"/>
+              </a:rPr>
+              <a:t>Main menu to allow user to choose where they want to go.</a:t>
+            </a:r>
+          </a:p>
+          <a:p>
+            <a:pPr lvl="0">
+              <a:buFont typeface="Arial" panose="020B0604020202020204" pitchFamily="34" charset="0"/>
+              <a:buChar char="•"/>
+            </a:pPr>
+            <a:r>
+              <a:rPr lang="en-US" sz="2700" dirty="0">
+                <a:latin typeface="Calibri" panose="020F0502020204030204" pitchFamily="34" charset="0"/>
+                <a:cs typeface="Calibri" panose="020F0502020204030204" pitchFamily="34" charset="0"/>
+              </a:rPr>
+              <a:t>Lessons about water cycle explaining the phases.</a:t>
+            </a:r>
+          </a:p>
+          <a:p>
+            <a:pPr lvl="0">
+              <a:buFont typeface="Arial" panose="020B0604020202020204" pitchFamily="34" charset="0"/>
+              <a:buChar char="•"/>
+            </a:pPr>
+            <a:r>
+              <a:rPr lang="en-US" sz="2700" dirty="0">
+                <a:latin typeface="Calibri" panose="020F0502020204030204" pitchFamily="34" charset="0"/>
+                <a:cs typeface="Calibri" panose="020F0502020204030204" pitchFamily="34" charset="0"/>
+              </a:rPr>
+              <a:t>Game to educate user more about water and to allow them to understand it more.</a:t>
+            </a:r>
+          </a:p>
+          <a:p>
+            <a:pPr lvl="0">
+              <a:buFont typeface="Arial" panose="020B0604020202020204" pitchFamily="34" charset="0"/>
+              <a:buChar char="•"/>
+            </a:pPr>
+            <a:r>
+              <a:rPr lang="en-US" sz="2700" dirty="0">
+                <a:latin typeface="Calibri" panose="020F0502020204030204" pitchFamily="34" charset="0"/>
+                <a:cs typeface="Calibri" panose="020F0502020204030204" pitchFamily="34" charset="0"/>
+              </a:rPr>
+              <a:t>Audio speech to engage then user more in the app and explain each step clearly.</a:t>
+            </a:r>
+          </a:p>
+          <a:p>
+            <a:pPr marL="0" indent="0">
+              <a:lnSpc>
+                <a:spcPct val="124000"/>
+              </a:lnSpc>
+              <a:buNone/>
+            </a:pPr>
+            <a:r>
+              <a:rPr lang="en-US" sz="3600" b="1" dirty="0">
+                <a:latin typeface="Calibri Light" panose="020F0302020204030204" pitchFamily="34" charset="0"/>
+                <a:cs typeface="Calibri Light" panose="020F0302020204030204" pitchFamily="34" charset="0"/>
+              </a:rPr>
+              <a:t>Weaknesses:</a:t>
+            </a:r>
+          </a:p>
+          <a:p>
+            <a:pPr lvl="0">
+              <a:buFont typeface="Arial" panose="020B0604020202020204" pitchFamily="34" charset="0"/>
+              <a:buChar char="•"/>
+            </a:pPr>
+            <a:r>
+              <a:rPr lang="en-US" sz="2700" dirty="0">
+                <a:latin typeface="Calibri" panose="020F0502020204030204" pitchFamily="34" charset="0"/>
+                <a:cs typeface="Calibri" panose="020F0502020204030204" pitchFamily="34" charset="0"/>
+              </a:rPr>
+              <a:t>No language support other than Thai language.</a:t>
+            </a:r>
+          </a:p>
+          <a:p>
+            <a:pPr lvl="0">
+              <a:buFont typeface="Arial" panose="020B0604020202020204" pitchFamily="34" charset="0"/>
+              <a:buChar char="•"/>
+            </a:pPr>
+            <a:r>
+              <a:rPr lang="en-US" sz="2700" dirty="0">
+                <a:latin typeface="Calibri" panose="020F0502020204030204" pitchFamily="34" charset="0"/>
+                <a:cs typeface="Calibri" panose="020F0502020204030204" pitchFamily="34" charset="0"/>
+              </a:rPr>
+              <a:t>Not a VR app.</a:t>
+            </a:r>
+          </a:p>
+          <a:p>
+            <a:pPr lvl="0">
+              <a:buFont typeface="Arial" panose="020B0604020202020204" pitchFamily="34" charset="0"/>
+              <a:buChar char="•"/>
+            </a:pPr>
+            <a:r>
+              <a:rPr lang="en-US" sz="2700" dirty="0">
+                <a:latin typeface="Calibri" panose="020F0502020204030204" pitchFamily="34" charset="0"/>
+                <a:cs typeface="Calibri" panose="020F0502020204030204" pitchFamily="34" charset="0"/>
+              </a:rPr>
+              <a:t>All phases are not shown continually to explain the transformation between them.</a:t>
+            </a:r>
+          </a:p>
+          <a:p>
+            <a:pPr marL="0" indent="0">
+              <a:lnSpc>
+                <a:spcPct val="104000"/>
+              </a:lnSpc>
+              <a:buNone/>
+            </a:pPr>
+            <a:r>
+              <a:rPr lang="en-US" sz="2600" b="1" dirty="0" smtClean="0">
+                <a:solidFill>
+                  <a:srgbClr val="0070C0"/>
+                </a:solidFill>
+              </a:rPr>
+              <a:t> </a:t>
+            </a:r>
+            <a:endParaRPr lang="en-US" sz="2600" b="1" dirty="0">
+              <a:solidFill>
+                <a:srgbClr val="0070C0"/>
+              </a:solidFill>
+            </a:endParaRPr>
+          </a:p>
+        </p:txBody>
+      </p:sp>
+      <p:pic>
+        <p:nvPicPr>
+          <p:cNvPr id="4" name="Picture 3"/>
+          <p:cNvPicPr/>
+          <p:nvPr/>
+        </p:nvPicPr>
+        <p:blipFill rotWithShape="1">
+          <a:blip r:embed="rId2" cstate="print">
             <a:extLst>
-              <a:ext uri="{FF2B5EF4-FFF2-40B4-BE49-F238E27FC236}">
-                <a16:creationId xmlns:a16="http://schemas.microsoft.com/office/drawing/2014/main" id="{379FBF68-DC88-4C2D-AED4-BD846653AB4B}"/>
+              <a:ext uri="{28A0092B-C50C-407E-A947-70E740481C1C}">
+                <a14:useLocalDpi xmlns:a14="http://schemas.microsoft.com/office/drawing/2010/main" val="0"/>
               </a:ext>
             </a:extLst>
-          </p:cNvPr>
-          <p:cNvSpPr>
-            <a:spLocks noGrp="1"/>
-          </p:cNvSpPr>
-          <p:nvPr>
-            <p:ph idx="1"/>
-          </p:nvPr>
-        </p:nvSpPr>
-        <p:spPr>
+          </a:blip>
+          <a:srcRect t="34537" r="576" b="34167"/>
+          <a:stretch/>
+        </p:blipFill>
+        <p:spPr bwMode="auto">
           <a:xfrm>
-            <a:off x="1371600" y="590843"/>
-            <a:ext cx="9601200" cy="5753686"/>
+            <a:off x="6759579" y="2187363"/>
+            <a:ext cx="5118263" cy="3483682"/>
           </a:xfrm>
+          <a:prstGeom prst="rect">
+            <a:avLst/>
+          </a:prstGeom>
+          <a:ln>
+            <a:noFill/>
+          </a:ln>
+          <a:extLst>
+            <a:ext uri="{53640926-AAD7-44D8-BBD7-CCE9431645EC}">
+              <a14:shadowObscured xmlns:a14="http://schemas.microsoft.com/office/drawing/2010/main"/>
+            </a:ext>
+          </a:extLst>
         </p:spPr>
-        <p:txBody>
-          <a:bodyPr>
-            <a:normAutofit/>
-          </a:bodyPr>
-          <a:lstStyle/>
-          <a:p>
-            <a:pPr marL="0" indent="0">
-              <a:buNone/>
-            </a:pPr>
-            <a:r>
-              <a:rPr lang="en-US" sz="2400" b="1" dirty="0"/>
-              <a:t>Main Menu Module</a:t>
-            </a:r>
-          </a:p>
-          <a:p>
-            <a:pPr marL="0" indent="0">
-              <a:buNone/>
-            </a:pPr>
-            <a:r>
-              <a:rPr lang="en-US" dirty="0"/>
-              <a:t>R1: The application shall allow user to select Tour Guide/Game or Exit the application</a:t>
-            </a:r>
-          </a:p>
-          <a:p>
-            <a:pPr marL="0" indent="0">
-              <a:buNone/>
-            </a:pPr>
-            <a:endParaRPr lang="en-US" dirty="0"/>
-          </a:p>
-          <a:p>
-            <a:pPr marL="0" indent="0">
-              <a:buNone/>
-            </a:pPr>
-            <a:r>
-              <a:rPr lang="en-US" sz="2400" b="1" dirty="0"/>
-              <a:t>Tour Guide</a:t>
-            </a:r>
-          </a:p>
-          <a:p>
-            <a:pPr marL="0" indent="0">
-              <a:buNone/>
-            </a:pPr>
-            <a:r>
-              <a:rPr lang="en-US" dirty="0"/>
-              <a:t>R2: The application shall guide the user with robot companion.</a:t>
-            </a:r>
-          </a:p>
-          <a:p>
-            <a:pPr marL="0" indent="0">
-              <a:buNone/>
-            </a:pPr>
-            <a:r>
-              <a:rPr lang="en-US" dirty="0"/>
-              <a:t>R3: The application shall pass the user through all the water cycle phases.</a:t>
-            </a:r>
-          </a:p>
-          <a:p>
-            <a:pPr marL="0" indent="0">
-              <a:buNone/>
-            </a:pPr>
-            <a:r>
-              <a:rPr lang="en-US" dirty="0"/>
-              <a:t>R4: The application shall allow user to look around. </a:t>
-            </a:r>
-          </a:p>
-          <a:p>
-            <a:pPr marL="0" indent="0">
-              <a:buNone/>
-            </a:pPr>
-            <a:r>
-              <a:rPr lang="en-US" dirty="0"/>
-              <a:t> </a:t>
-            </a:r>
-          </a:p>
-          <a:p>
-            <a:pPr marL="0" indent="0">
-              <a:buNone/>
-            </a:pPr>
-            <a:r>
-              <a:rPr lang="en-US" sz="2400" b="1" dirty="0"/>
-              <a:t>Mini Game:</a:t>
-            </a:r>
-          </a:p>
-          <a:p>
-            <a:pPr marL="0" indent="0">
-              <a:buNone/>
-            </a:pPr>
-            <a:r>
-              <a:rPr lang="en-US" dirty="0"/>
-              <a:t>R5: The application shall allow user to move player as needed.</a:t>
-            </a:r>
-          </a:p>
-          <a:p>
-            <a:pPr marL="0" indent="0">
-              <a:buNone/>
-            </a:pPr>
-            <a:r>
-              <a:rPr lang="en-US" dirty="0"/>
-              <a:t>R6: The application shall limit user gameplay time.</a:t>
-            </a:r>
-          </a:p>
-          <a:p>
-            <a:pPr marL="0" indent="0">
-              <a:buNone/>
-            </a:pPr>
-            <a:r>
-              <a:rPr lang="en-US" dirty="0"/>
-              <a:t>R7: The application must record user gameplay time for high score.</a:t>
-            </a:r>
-          </a:p>
-          <a:p>
-            <a:pPr marL="0" indent="0">
-              <a:buNone/>
-            </a:pPr>
-            <a:endParaRPr lang="en-US" dirty="0"/>
-          </a:p>
-        </p:txBody>
-      </p:sp>
+      </p:pic>
     </p:spTree>
     <p:extLst>
       <p:ext uri="{BB962C8B-B14F-4D97-AF65-F5344CB8AC3E}">
-        <p14:creationId xmlns:p14="http://schemas.microsoft.com/office/powerpoint/2010/main" val="2689985128"/>
+        <p14:creationId xmlns:p14="http://schemas.microsoft.com/office/powerpoint/2010/main" val="3359917152"/>
       </p:ext>
     </p:extLst>
   </p:cSld>
@@ -4798,7 +5339,7 @@
           <p:cNvPr id="2" name="Title 1">
             <a:extLst>
               <a:ext uri="{FF2B5EF4-FFF2-40B4-BE49-F238E27FC236}">
-                <a16:creationId xmlns:a16="http://schemas.microsoft.com/office/drawing/2014/main" id="{572B919B-7970-414F-944C-D7DCE41D5119}"/>
+                <a16:creationId xmlns:a16="http://schemas.microsoft.com/office/drawing/2014/main" xmlns="" id="{0B9848FB-072D-4F76-B987-E07018C544D7}"/>
               </a:ext>
             </a:extLst>
           </p:cNvPr>
@@ -4816,55 +5357,2097 @@
           <a:p>
             <a:r>
               <a:rPr lang="en-US" dirty="0"/>
-              <a:t>Non-functional Requirements </a:t>
-            </a:r>
-          </a:p>
-        </p:txBody>
-      </p:sp>
-      <p:sp>
-        <p:nvSpPr>
-          <p:cNvPr id="3" name="Content Placeholder 2">
-            <a:extLst>
-              <a:ext uri="{FF2B5EF4-FFF2-40B4-BE49-F238E27FC236}">
-                <a16:creationId xmlns:a16="http://schemas.microsoft.com/office/drawing/2014/main" id="{57F44D35-13DB-4243-AAB8-F4DD4AA3E478}"/>
-              </a:ext>
-            </a:extLst>
-          </p:cNvPr>
-          <p:cNvSpPr>
-            <a:spLocks noGrp="1"/>
-          </p:cNvSpPr>
+              <a:t>Comparison Table</a:t>
+            </a:r>
+          </a:p>
+        </p:txBody>
+      </p:sp>
+      <p:graphicFrame>
+        <p:nvGraphicFramePr>
+          <p:cNvPr id="4" name="Content Placeholder 3"/>
+          <p:cNvGraphicFramePr>
+            <a:graphicFrameLocks noGrp="1"/>
+          </p:cNvGraphicFramePr>
           <p:nvPr>
             <p:ph idx="1"/>
-          </p:nvPr>
-        </p:nvSpPr>
-        <p:spPr/>
-        <p:txBody>
-          <a:bodyPr/>
-          <a:lstStyle/>
-          <a:p>
-            <a:r>
-              <a:rPr lang="en-US" dirty="0"/>
-              <a:t>The application must not lag for more than 0.002 seconds</a:t>
-            </a:r>
-          </a:p>
-          <a:p>
-            <a:pPr marL="0" indent="0">
-              <a:buNone/>
-            </a:pPr>
-            <a:endParaRPr lang="en-US" dirty="0"/>
-          </a:p>
-        </p:txBody>
-      </p:sp>
+            <p:extLst>
+              <p:ext uri="{D42A27DB-BD31-4B8C-83A1-F6EECF244321}">
+                <p14:modId xmlns:p14="http://schemas.microsoft.com/office/powerpoint/2010/main" val="1261164639"/>
+              </p:ext>
+            </p:extLst>
+          </p:nvPr>
+        </p:nvGraphicFramePr>
+        <p:xfrm>
+          <a:off x="1093509" y="1574278"/>
+          <a:ext cx="10284645" cy="4930216"/>
+        </p:xfrm>
+        <a:graphic>
+          <a:graphicData uri="http://schemas.openxmlformats.org/drawingml/2006/table">
+            <a:tbl>
+              <a:tblPr firstRow="1" firstCol="1" bandRow="1">
+                <a:tableStyleId>{69CF1AB2-1976-4502-BF36-3FF5EA218861}</a:tableStyleId>
+              </a:tblPr>
+              <a:tblGrid>
+                <a:gridCol w="2697430"/>
+                <a:gridCol w="1398667"/>
+                <a:gridCol w="1257690"/>
+                <a:gridCol w="1140025"/>
+                <a:gridCol w="1298763"/>
+                <a:gridCol w="2492070"/>
+              </a:tblGrid>
+              <a:tr h="1426318">
+                <a:tc>
+                  <a:txBody>
+                    <a:bodyPr/>
+                    <a:lstStyle/>
+                    <a:p>
+                      <a:pPr marL="0" marR="0" algn="ctr">
+                        <a:lnSpc>
+                          <a:spcPct val="107000"/>
+                        </a:lnSpc>
+                        <a:spcBef>
+                          <a:spcPts val="0"/>
+                        </a:spcBef>
+                        <a:spcAft>
+                          <a:spcPts val="0"/>
+                        </a:spcAft>
+                      </a:pPr>
+                      <a:r>
+                        <a:rPr lang="en-US" sz="1400" dirty="0">
+                          <a:effectLst/>
+                        </a:rPr>
+                        <a:t>Features\ Apps</a:t>
+                      </a:r>
+                      <a:endParaRPr lang="en-US" sz="1400" b="1" dirty="0">
+                        <a:effectLst/>
+                        <a:latin typeface="Calibri" panose="020F0502020204030204" pitchFamily="34" charset="0"/>
+                        <a:ea typeface="Calibri" panose="020F0502020204030204" pitchFamily="34" charset="0"/>
+                        <a:cs typeface="Arial" panose="020B0604020202020204" pitchFamily="34" charset="0"/>
+                      </a:endParaRPr>
+                    </a:p>
+                  </a:txBody>
+                  <a:tcPr marL="68580" marR="68580" marT="0" marB="0" anchor="ctr"/>
+                </a:tc>
+                <a:tc>
+                  <a:txBody>
+                    <a:bodyPr/>
+                    <a:lstStyle/>
+                    <a:p>
+                      <a:pPr marL="0" marR="0" algn="ctr" defTabSz="914400" rtl="0" eaLnBrk="1" latinLnBrk="0" hangingPunct="1">
+                        <a:lnSpc>
+                          <a:spcPct val="107000"/>
+                        </a:lnSpc>
+                        <a:spcBef>
+                          <a:spcPts val="0"/>
+                        </a:spcBef>
+                        <a:spcAft>
+                          <a:spcPts val="0"/>
+                        </a:spcAft>
+                      </a:pPr>
+                      <a:r>
+                        <a:rPr lang="en-US" sz="1400" kern="1200" dirty="0">
+                          <a:effectLst/>
+                        </a:rPr>
+                        <a:t>Splash </a:t>
+                      </a:r>
+                      <a:r>
+                        <a:rPr lang="en-US" sz="1400" kern="1200" dirty="0" err="1">
+                          <a:effectLst/>
+                        </a:rPr>
+                        <a:t>Sim</a:t>
+                      </a:r>
+                      <a:endParaRPr lang="en-US" sz="1400" kern="1200" dirty="0">
+                        <a:solidFill>
+                          <a:schemeClr val="tx1"/>
+                        </a:solidFill>
+                        <a:effectLst/>
+                        <a:latin typeface="+mn-lt"/>
+                        <a:ea typeface="+mn-ea"/>
+                        <a:cs typeface="+mn-cs"/>
+                      </a:endParaRPr>
+                    </a:p>
+                  </a:txBody>
+                  <a:tcPr marL="68580" marR="68580" marT="0" marB="0" anchor="ctr"/>
+                </a:tc>
+                <a:tc>
+                  <a:txBody>
+                    <a:bodyPr/>
+                    <a:lstStyle/>
+                    <a:p>
+                      <a:pPr marL="0" marR="0" algn="ctr" defTabSz="914400" rtl="0" eaLnBrk="1" latinLnBrk="0" hangingPunct="1">
+                        <a:lnSpc>
+                          <a:spcPct val="107000"/>
+                        </a:lnSpc>
+                        <a:spcBef>
+                          <a:spcPts val="0"/>
+                        </a:spcBef>
+                        <a:spcAft>
+                          <a:spcPts val="0"/>
+                        </a:spcAft>
+                      </a:pPr>
+                      <a:r>
+                        <a:rPr lang="en-US" sz="1400" kern="1200" dirty="0" err="1">
+                          <a:effectLst/>
+                        </a:rPr>
+                        <a:t>Cicle</a:t>
+                      </a:r>
+                      <a:r>
+                        <a:rPr lang="en-US" sz="1400" kern="1200" dirty="0">
+                          <a:effectLst/>
+                        </a:rPr>
+                        <a:t> de </a:t>
+                      </a:r>
+                      <a:r>
+                        <a:rPr lang="en-US" sz="1400" kern="1200" dirty="0" err="1">
+                          <a:effectLst/>
+                        </a:rPr>
+                        <a:t>l’Aigue</a:t>
+                      </a:r>
+                      <a:r>
+                        <a:rPr lang="en-US" sz="1400" kern="1200" dirty="0">
+                          <a:effectLst/>
+                        </a:rPr>
+                        <a:t> VR</a:t>
+                      </a:r>
+                      <a:endParaRPr lang="en-US" sz="1400" kern="1200" dirty="0">
+                        <a:solidFill>
+                          <a:schemeClr val="tx1"/>
+                        </a:solidFill>
+                        <a:effectLst/>
+                        <a:latin typeface="+mn-lt"/>
+                        <a:ea typeface="+mn-ea"/>
+                        <a:cs typeface="+mn-cs"/>
+                      </a:endParaRPr>
+                    </a:p>
+                  </a:txBody>
+                  <a:tcPr marL="68580" marR="68580" marT="0" marB="0" anchor="ctr"/>
+                </a:tc>
+                <a:tc>
+                  <a:txBody>
+                    <a:bodyPr/>
+                    <a:lstStyle/>
+                    <a:p>
+                      <a:pPr marL="0" marR="0" algn="ctr" defTabSz="914400" rtl="0" eaLnBrk="1" latinLnBrk="0" hangingPunct="1">
+                        <a:lnSpc>
+                          <a:spcPct val="107000"/>
+                        </a:lnSpc>
+                        <a:spcBef>
+                          <a:spcPts val="0"/>
+                        </a:spcBef>
+                        <a:spcAft>
+                          <a:spcPts val="0"/>
+                        </a:spcAft>
+                      </a:pPr>
+                      <a:r>
+                        <a:rPr lang="en-US" sz="1400" kern="1200" dirty="0">
+                          <a:effectLst/>
+                        </a:rPr>
+                        <a:t>TABI the water cycle</a:t>
+                      </a:r>
+                    </a:p>
+                    <a:p>
+                      <a:pPr marL="0" marR="0" algn="ctr" defTabSz="914400" rtl="0" eaLnBrk="1" latinLnBrk="0" hangingPunct="1">
+                        <a:lnSpc>
+                          <a:spcPct val="107000"/>
+                        </a:lnSpc>
+                        <a:spcBef>
+                          <a:spcPts val="0"/>
+                        </a:spcBef>
+                        <a:spcAft>
+                          <a:spcPts val="0"/>
+                        </a:spcAft>
+                      </a:pPr>
+                      <a:r>
+                        <a:rPr lang="en-US" sz="1400" kern="1200" dirty="0">
+                          <a:effectLst/>
+                        </a:rPr>
+                        <a:t> </a:t>
+                      </a:r>
+                      <a:endParaRPr lang="en-US" sz="1400" kern="1200" dirty="0">
+                        <a:solidFill>
+                          <a:schemeClr val="tx1"/>
+                        </a:solidFill>
+                        <a:effectLst/>
+                        <a:latin typeface="+mn-lt"/>
+                        <a:ea typeface="+mn-ea"/>
+                        <a:cs typeface="+mn-cs"/>
+                      </a:endParaRPr>
+                    </a:p>
+                  </a:txBody>
+                  <a:tcPr marL="68580" marR="68580" marT="0" marB="0" anchor="ctr"/>
+                </a:tc>
+                <a:tc>
+                  <a:txBody>
+                    <a:bodyPr/>
+                    <a:lstStyle/>
+                    <a:p>
+                      <a:pPr marL="0" marR="0" algn="ctr" defTabSz="914400" rtl="0" eaLnBrk="1" latinLnBrk="0" hangingPunct="1">
+                        <a:lnSpc>
+                          <a:spcPct val="107000"/>
+                        </a:lnSpc>
+                        <a:spcBef>
+                          <a:spcPts val="0"/>
+                        </a:spcBef>
+                        <a:spcAft>
+                          <a:spcPts val="0"/>
+                        </a:spcAft>
+                      </a:pPr>
+                      <a:r>
+                        <a:rPr lang="th-TH" sz="1400" kern="1200" dirty="0">
+                          <a:effectLst/>
+                        </a:rPr>
+                        <a:t>วัฏจักรน้ำ (</a:t>
+                      </a:r>
+                      <a:r>
+                        <a:rPr lang="en-US" sz="1400" kern="1200" dirty="0">
+                          <a:effectLst/>
+                        </a:rPr>
+                        <a:t>Water Cycle )</a:t>
+                      </a:r>
+                      <a:endParaRPr lang="en-US" sz="1400" kern="1200" dirty="0">
+                        <a:solidFill>
+                          <a:schemeClr val="tx1"/>
+                        </a:solidFill>
+                        <a:effectLst/>
+                        <a:latin typeface="+mn-lt"/>
+                        <a:ea typeface="+mn-ea"/>
+                        <a:cs typeface="+mn-cs"/>
+                      </a:endParaRPr>
+                    </a:p>
+                  </a:txBody>
+                  <a:tcPr marL="68580" marR="68580" marT="0" marB="0" anchor="ctr"/>
+                </a:tc>
+                <a:tc>
+                  <a:txBody>
+                    <a:bodyPr/>
+                    <a:lstStyle/>
+                    <a:p>
+                      <a:pPr marL="0" marR="0" algn="ctr" defTabSz="914400" rtl="0" eaLnBrk="1" latinLnBrk="0" hangingPunct="1">
+                        <a:lnSpc>
+                          <a:spcPct val="107000"/>
+                        </a:lnSpc>
+                        <a:spcBef>
+                          <a:spcPts val="0"/>
+                        </a:spcBef>
+                        <a:spcAft>
+                          <a:spcPts val="0"/>
+                        </a:spcAft>
+                      </a:pPr>
+                      <a:r>
+                        <a:rPr lang="en-US" sz="1400" kern="1200" dirty="0">
+                          <a:effectLst/>
+                        </a:rPr>
+                        <a:t>VR Water Cycle tour and game (Our app)</a:t>
+                      </a:r>
+                      <a:endParaRPr lang="en-US" sz="1400" kern="1200" dirty="0">
+                        <a:solidFill>
+                          <a:schemeClr val="tx1"/>
+                        </a:solidFill>
+                        <a:effectLst/>
+                        <a:latin typeface="+mn-lt"/>
+                        <a:ea typeface="+mn-ea"/>
+                        <a:cs typeface="+mn-cs"/>
+                      </a:endParaRPr>
+                    </a:p>
+                  </a:txBody>
+                  <a:tcPr marL="68580" marR="68580" marT="0" marB="0" anchor="ctr"/>
+                </a:tc>
+              </a:tr>
+              <a:tr h="315522">
+                <a:tc>
+                  <a:txBody>
+                    <a:bodyPr/>
+                    <a:lstStyle/>
+                    <a:p>
+                      <a:pPr marL="0" marR="0" algn="ctr">
+                        <a:lnSpc>
+                          <a:spcPct val="107000"/>
+                        </a:lnSpc>
+                        <a:spcBef>
+                          <a:spcPts val="0"/>
+                        </a:spcBef>
+                        <a:spcAft>
+                          <a:spcPts val="0"/>
+                        </a:spcAft>
+                      </a:pPr>
+                      <a:r>
+                        <a:rPr lang="en-US" sz="1400">
+                          <a:effectLst/>
+                        </a:rPr>
+                        <a:t>VR app</a:t>
+                      </a:r>
+                      <a:endParaRPr lang="en-US" sz="1400">
+                        <a:effectLst/>
+                        <a:latin typeface="Calibri" panose="020F0502020204030204" pitchFamily="34" charset="0"/>
+                        <a:ea typeface="Calibri" panose="020F0502020204030204" pitchFamily="34" charset="0"/>
+                        <a:cs typeface="Arial" panose="020B0604020202020204" pitchFamily="34" charset="0"/>
+                      </a:endParaRPr>
+                    </a:p>
+                  </a:txBody>
+                  <a:tcPr marL="68580" marR="68580" marT="0" marB="0" anchor="ctr"/>
+                </a:tc>
+                <a:tc>
+                  <a:txBody>
+                    <a:bodyPr/>
+                    <a:lstStyle/>
+                    <a:p>
+                      <a:pPr marL="0" marR="0" algn="ctr">
+                        <a:lnSpc>
+                          <a:spcPct val="107000"/>
+                        </a:lnSpc>
+                        <a:spcBef>
+                          <a:spcPts val="0"/>
+                        </a:spcBef>
+                        <a:spcAft>
+                          <a:spcPts val="0"/>
+                        </a:spcAft>
+                      </a:pPr>
+                      <a:r>
+                        <a:rPr lang="en-US" sz="1100" dirty="0">
+                          <a:effectLst/>
+                          <a:sym typeface="Wingdings" panose="05000000000000000000" pitchFamily="2" charset="2"/>
+                        </a:rPr>
+                        <a:t></a:t>
+                      </a:r>
+                      <a:endParaRPr lang="en-US" sz="1100" b="1" dirty="0">
+                        <a:effectLst/>
+                        <a:latin typeface="Calibri" panose="020F0502020204030204" pitchFamily="34" charset="0"/>
+                        <a:ea typeface="Calibri" panose="020F0502020204030204" pitchFamily="34" charset="0"/>
+                        <a:cs typeface="Arial" panose="020B0604020202020204" pitchFamily="34" charset="0"/>
+                      </a:endParaRPr>
+                    </a:p>
+                  </a:txBody>
+                  <a:tcPr marL="68580" marR="68580" marT="0" marB="0" anchor="ctr"/>
+                </a:tc>
+                <a:tc>
+                  <a:txBody>
+                    <a:bodyPr/>
+                    <a:lstStyle/>
+                    <a:p>
+                      <a:pPr marL="0" marR="0" algn="ctr">
+                        <a:lnSpc>
+                          <a:spcPct val="107000"/>
+                        </a:lnSpc>
+                        <a:spcBef>
+                          <a:spcPts val="0"/>
+                        </a:spcBef>
+                        <a:spcAft>
+                          <a:spcPts val="0"/>
+                        </a:spcAft>
+                      </a:pPr>
+                      <a:r>
+                        <a:rPr lang="en-US" sz="1100">
+                          <a:effectLst/>
+                          <a:sym typeface="Wingdings" panose="05000000000000000000" pitchFamily="2" charset="2"/>
+                        </a:rPr>
+                        <a:t></a:t>
+                      </a:r>
+                      <a:endParaRPr lang="en-US" sz="1100" b="1">
+                        <a:effectLst/>
+                        <a:latin typeface="Calibri" panose="020F0502020204030204" pitchFamily="34" charset="0"/>
+                        <a:ea typeface="Calibri" panose="020F0502020204030204" pitchFamily="34" charset="0"/>
+                        <a:cs typeface="Arial" panose="020B0604020202020204" pitchFamily="34" charset="0"/>
+                      </a:endParaRPr>
+                    </a:p>
+                  </a:txBody>
+                  <a:tcPr marL="68580" marR="68580" marT="0" marB="0" anchor="ctr"/>
+                </a:tc>
+                <a:tc>
+                  <a:txBody>
+                    <a:bodyPr/>
+                    <a:lstStyle/>
+                    <a:p>
+                      <a:pPr marL="0" marR="0" algn="ctr">
+                        <a:lnSpc>
+                          <a:spcPct val="107000"/>
+                        </a:lnSpc>
+                        <a:spcBef>
+                          <a:spcPts val="0"/>
+                        </a:spcBef>
+                        <a:spcAft>
+                          <a:spcPts val="0"/>
+                        </a:spcAft>
+                      </a:pPr>
+                      <a:r>
+                        <a:rPr lang="en-US" sz="1100">
+                          <a:effectLst/>
+                        </a:rPr>
+                        <a:t> </a:t>
+                      </a:r>
+                      <a:endParaRPr lang="en-US" sz="1100" b="1">
+                        <a:effectLst/>
+                        <a:latin typeface="Calibri" panose="020F0502020204030204" pitchFamily="34" charset="0"/>
+                        <a:ea typeface="Calibri" panose="020F0502020204030204" pitchFamily="34" charset="0"/>
+                        <a:cs typeface="Arial" panose="020B0604020202020204" pitchFamily="34" charset="0"/>
+                      </a:endParaRPr>
+                    </a:p>
+                  </a:txBody>
+                  <a:tcPr marL="68580" marR="68580" marT="0" marB="0" anchor="ctr"/>
+                </a:tc>
+                <a:tc>
+                  <a:txBody>
+                    <a:bodyPr/>
+                    <a:lstStyle/>
+                    <a:p>
+                      <a:pPr marL="0" marR="0" algn="ctr">
+                        <a:lnSpc>
+                          <a:spcPct val="107000"/>
+                        </a:lnSpc>
+                        <a:spcBef>
+                          <a:spcPts val="0"/>
+                        </a:spcBef>
+                        <a:spcAft>
+                          <a:spcPts val="0"/>
+                        </a:spcAft>
+                      </a:pPr>
+                      <a:r>
+                        <a:rPr lang="en-US" sz="1100">
+                          <a:effectLst/>
+                        </a:rPr>
+                        <a:t> </a:t>
+                      </a:r>
+                      <a:endParaRPr lang="en-US" sz="1100" b="1">
+                        <a:effectLst/>
+                        <a:latin typeface="Calibri" panose="020F0502020204030204" pitchFamily="34" charset="0"/>
+                        <a:ea typeface="Calibri" panose="020F0502020204030204" pitchFamily="34" charset="0"/>
+                        <a:cs typeface="Arial" panose="020B0604020202020204" pitchFamily="34" charset="0"/>
+                      </a:endParaRPr>
+                    </a:p>
+                  </a:txBody>
+                  <a:tcPr marL="68580" marR="68580" marT="0" marB="0" anchor="ctr"/>
+                </a:tc>
+                <a:tc>
+                  <a:txBody>
+                    <a:bodyPr/>
+                    <a:lstStyle/>
+                    <a:p>
+                      <a:pPr marL="0" marR="0" algn="ctr">
+                        <a:lnSpc>
+                          <a:spcPct val="107000"/>
+                        </a:lnSpc>
+                        <a:spcBef>
+                          <a:spcPts val="0"/>
+                        </a:spcBef>
+                        <a:spcAft>
+                          <a:spcPts val="0"/>
+                        </a:spcAft>
+                      </a:pPr>
+                      <a:r>
+                        <a:rPr lang="en-US" sz="1100">
+                          <a:effectLst/>
+                          <a:sym typeface="Wingdings" panose="05000000000000000000" pitchFamily="2" charset="2"/>
+                        </a:rPr>
+                        <a:t></a:t>
+                      </a:r>
+                      <a:endParaRPr lang="en-US" sz="1100" b="1">
+                        <a:effectLst/>
+                        <a:latin typeface="Calibri" panose="020F0502020204030204" pitchFamily="34" charset="0"/>
+                        <a:ea typeface="Calibri" panose="020F0502020204030204" pitchFamily="34" charset="0"/>
+                        <a:cs typeface="Arial" panose="020B0604020202020204" pitchFamily="34" charset="0"/>
+                      </a:endParaRPr>
+                    </a:p>
+                  </a:txBody>
+                  <a:tcPr marL="68580" marR="68580" marT="0" marB="0" anchor="ctr"/>
+                </a:tc>
+              </a:tr>
+              <a:tr h="647622">
+                <a:tc>
+                  <a:txBody>
+                    <a:bodyPr/>
+                    <a:lstStyle/>
+                    <a:p>
+                      <a:pPr marL="0" marR="0" algn="ctr">
+                        <a:lnSpc>
+                          <a:spcPct val="107000"/>
+                        </a:lnSpc>
+                        <a:spcBef>
+                          <a:spcPts val="0"/>
+                        </a:spcBef>
+                        <a:spcAft>
+                          <a:spcPts val="0"/>
+                        </a:spcAft>
+                      </a:pPr>
+                      <a:r>
+                        <a:rPr lang="en-US" sz="1400" dirty="0">
+                          <a:effectLst/>
+                        </a:rPr>
+                        <a:t>Interactivity implementation</a:t>
+                      </a:r>
+                      <a:endParaRPr lang="en-US" sz="1400" dirty="0">
+                        <a:effectLst/>
+                        <a:latin typeface="Calibri" panose="020F0502020204030204" pitchFamily="34" charset="0"/>
+                        <a:ea typeface="Calibri" panose="020F0502020204030204" pitchFamily="34" charset="0"/>
+                        <a:cs typeface="Arial" panose="020B0604020202020204" pitchFamily="34" charset="0"/>
+                      </a:endParaRPr>
+                    </a:p>
+                  </a:txBody>
+                  <a:tcPr marL="68580" marR="68580" marT="0" marB="0" anchor="ctr"/>
+                </a:tc>
+                <a:tc>
+                  <a:txBody>
+                    <a:bodyPr/>
+                    <a:lstStyle/>
+                    <a:p>
+                      <a:pPr marL="0" marR="0" algn="ctr">
+                        <a:lnSpc>
+                          <a:spcPct val="107000"/>
+                        </a:lnSpc>
+                        <a:spcBef>
+                          <a:spcPts val="0"/>
+                        </a:spcBef>
+                        <a:spcAft>
+                          <a:spcPts val="0"/>
+                        </a:spcAft>
+                      </a:pPr>
+                      <a:r>
+                        <a:rPr lang="en-US" sz="1100">
+                          <a:effectLst/>
+                          <a:sym typeface="Wingdings" panose="05000000000000000000" pitchFamily="2" charset="2"/>
+                        </a:rPr>
+                        <a:t></a:t>
+                      </a:r>
+                      <a:endParaRPr lang="en-US" sz="1100" b="1">
+                        <a:effectLst/>
+                        <a:latin typeface="Calibri" panose="020F0502020204030204" pitchFamily="34" charset="0"/>
+                        <a:ea typeface="Calibri" panose="020F0502020204030204" pitchFamily="34" charset="0"/>
+                        <a:cs typeface="Arial" panose="020B0604020202020204" pitchFamily="34" charset="0"/>
+                      </a:endParaRPr>
+                    </a:p>
+                  </a:txBody>
+                  <a:tcPr marL="68580" marR="68580" marT="0" marB="0" anchor="ctr"/>
+                </a:tc>
+                <a:tc>
+                  <a:txBody>
+                    <a:bodyPr/>
+                    <a:lstStyle/>
+                    <a:p>
+                      <a:pPr marL="0" marR="0" algn="ctr">
+                        <a:lnSpc>
+                          <a:spcPct val="107000"/>
+                        </a:lnSpc>
+                        <a:spcBef>
+                          <a:spcPts val="0"/>
+                        </a:spcBef>
+                        <a:spcAft>
+                          <a:spcPts val="0"/>
+                        </a:spcAft>
+                      </a:pPr>
+                      <a:r>
+                        <a:rPr lang="en-US" sz="1100">
+                          <a:effectLst/>
+                          <a:sym typeface="Wingdings" panose="05000000000000000000" pitchFamily="2" charset="2"/>
+                        </a:rPr>
+                        <a:t></a:t>
+                      </a:r>
+                      <a:endParaRPr lang="en-US" sz="1100" b="1">
+                        <a:effectLst/>
+                        <a:latin typeface="Calibri" panose="020F0502020204030204" pitchFamily="34" charset="0"/>
+                        <a:ea typeface="Calibri" panose="020F0502020204030204" pitchFamily="34" charset="0"/>
+                        <a:cs typeface="Arial" panose="020B0604020202020204" pitchFamily="34" charset="0"/>
+                      </a:endParaRPr>
+                    </a:p>
+                  </a:txBody>
+                  <a:tcPr marL="68580" marR="68580" marT="0" marB="0" anchor="ctr"/>
+                </a:tc>
+                <a:tc>
+                  <a:txBody>
+                    <a:bodyPr/>
+                    <a:lstStyle/>
+                    <a:p>
+                      <a:pPr marL="0" marR="0" algn="ctr">
+                        <a:lnSpc>
+                          <a:spcPct val="107000"/>
+                        </a:lnSpc>
+                        <a:spcBef>
+                          <a:spcPts val="0"/>
+                        </a:spcBef>
+                        <a:spcAft>
+                          <a:spcPts val="0"/>
+                        </a:spcAft>
+                      </a:pPr>
+                      <a:r>
+                        <a:rPr lang="en-US" sz="1100">
+                          <a:effectLst/>
+                        </a:rPr>
+                        <a:t> </a:t>
+                      </a:r>
+                      <a:endParaRPr lang="en-US" sz="1100" b="1">
+                        <a:effectLst/>
+                        <a:latin typeface="Calibri" panose="020F0502020204030204" pitchFamily="34" charset="0"/>
+                        <a:ea typeface="Calibri" panose="020F0502020204030204" pitchFamily="34" charset="0"/>
+                        <a:cs typeface="Arial" panose="020B0604020202020204" pitchFamily="34" charset="0"/>
+                      </a:endParaRPr>
+                    </a:p>
+                  </a:txBody>
+                  <a:tcPr marL="68580" marR="68580" marT="0" marB="0" anchor="ctr"/>
+                </a:tc>
+                <a:tc>
+                  <a:txBody>
+                    <a:bodyPr/>
+                    <a:lstStyle/>
+                    <a:p>
+                      <a:pPr marL="0" marR="0" algn="ctr">
+                        <a:lnSpc>
+                          <a:spcPct val="107000"/>
+                        </a:lnSpc>
+                        <a:spcBef>
+                          <a:spcPts val="0"/>
+                        </a:spcBef>
+                        <a:spcAft>
+                          <a:spcPts val="0"/>
+                        </a:spcAft>
+                      </a:pPr>
+                      <a:r>
+                        <a:rPr lang="en-US" sz="1100">
+                          <a:effectLst/>
+                        </a:rPr>
+                        <a:t> </a:t>
+                      </a:r>
+                      <a:endParaRPr lang="en-US" sz="1100" b="1">
+                        <a:effectLst/>
+                        <a:latin typeface="Calibri" panose="020F0502020204030204" pitchFamily="34" charset="0"/>
+                        <a:ea typeface="Calibri" panose="020F0502020204030204" pitchFamily="34" charset="0"/>
+                        <a:cs typeface="Arial" panose="020B0604020202020204" pitchFamily="34" charset="0"/>
+                      </a:endParaRPr>
+                    </a:p>
+                  </a:txBody>
+                  <a:tcPr marL="68580" marR="68580" marT="0" marB="0" anchor="ctr"/>
+                </a:tc>
+                <a:tc>
+                  <a:txBody>
+                    <a:bodyPr/>
+                    <a:lstStyle/>
+                    <a:p>
+                      <a:pPr marL="0" marR="0" algn="ctr">
+                        <a:lnSpc>
+                          <a:spcPct val="107000"/>
+                        </a:lnSpc>
+                        <a:spcBef>
+                          <a:spcPts val="0"/>
+                        </a:spcBef>
+                        <a:spcAft>
+                          <a:spcPts val="0"/>
+                        </a:spcAft>
+                      </a:pPr>
+                      <a:r>
+                        <a:rPr lang="en-US" sz="1100">
+                          <a:effectLst/>
+                          <a:sym typeface="Wingdings" panose="05000000000000000000" pitchFamily="2" charset="2"/>
+                        </a:rPr>
+                        <a:t></a:t>
+                      </a:r>
+                      <a:endParaRPr lang="en-US" sz="1100" b="1">
+                        <a:effectLst/>
+                        <a:latin typeface="Calibri" panose="020F0502020204030204" pitchFamily="34" charset="0"/>
+                        <a:ea typeface="Calibri" panose="020F0502020204030204" pitchFamily="34" charset="0"/>
+                        <a:cs typeface="Arial" panose="020B0604020202020204" pitchFamily="34" charset="0"/>
+                      </a:endParaRPr>
+                    </a:p>
+                  </a:txBody>
+                  <a:tcPr marL="68580" marR="68580" marT="0" marB="0" anchor="ctr"/>
+                </a:tc>
+              </a:tr>
+              <a:tr h="315522">
+                <a:tc>
+                  <a:txBody>
+                    <a:bodyPr/>
+                    <a:lstStyle/>
+                    <a:p>
+                      <a:pPr marL="0" marR="0" algn="ctr">
+                        <a:lnSpc>
+                          <a:spcPct val="107000"/>
+                        </a:lnSpc>
+                        <a:spcBef>
+                          <a:spcPts val="0"/>
+                        </a:spcBef>
+                        <a:spcAft>
+                          <a:spcPts val="0"/>
+                        </a:spcAft>
+                      </a:pPr>
+                      <a:r>
+                        <a:rPr lang="en-US" sz="1400">
+                          <a:effectLst/>
+                        </a:rPr>
+                        <a:t>Main menu</a:t>
+                      </a:r>
+                      <a:endParaRPr lang="en-US" sz="1400">
+                        <a:effectLst/>
+                        <a:latin typeface="Calibri" panose="020F0502020204030204" pitchFamily="34" charset="0"/>
+                        <a:ea typeface="Calibri" panose="020F0502020204030204" pitchFamily="34" charset="0"/>
+                        <a:cs typeface="Arial" panose="020B0604020202020204" pitchFamily="34" charset="0"/>
+                      </a:endParaRPr>
+                    </a:p>
+                  </a:txBody>
+                  <a:tcPr marL="68580" marR="68580" marT="0" marB="0" anchor="ctr"/>
+                </a:tc>
+                <a:tc>
+                  <a:txBody>
+                    <a:bodyPr/>
+                    <a:lstStyle/>
+                    <a:p>
+                      <a:pPr marL="0" marR="0" algn="ctr">
+                        <a:lnSpc>
+                          <a:spcPct val="107000"/>
+                        </a:lnSpc>
+                        <a:spcBef>
+                          <a:spcPts val="0"/>
+                        </a:spcBef>
+                        <a:spcAft>
+                          <a:spcPts val="0"/>
+                        </a:spcAft>
+                      </a:pPr>
+                      <a:r>
+                        <a:rPr lang="en-US" sz="1100">
+                          <a:effectLst/>
+                        </a:rPr>
+                        <a:t> </a:t>
+                      </a:r>
+                      <a:endParaRPr lang="en-US" sz="1100" b="1">
+                        <a:effectLst/>
+                        <a:latin typeface="Calibri" panose="020F0502020204030204" pitchFamily="34" charset="0"/>
+                        <a:ea typeface="Calibri" panose="020F0502020204030204" pitchFamily="34" charset="0"/>
+                        <a:cs typeface="Arial" panose="020B0604020202020204" pitchFamily="34" charset="0"/>
+                      </a:endParaRPr>
+                    </a:p>
+                  </a:txBody>
+                  <a:tcPr marL="68580" marR="68580" marT="0" marB="0" anchor="ctr"/>
+                </a:tc>
+                <a:tc>
+                  <a:txBody>
+                    <a:bodyPr/>
+                    <a:lstStyle/>
+                    <a:p>
+                      <a:pPr marL="0" marR="0" algn="ctr">
+                        <a:lnSpc>
+                          <a:spcPct val="107000"/>
+                        </a:lnSpc>
+                        <a:spcBef>
+                          <a:spcPts val="0"/>
+                        </a:spcBef>
+                        <a:spcAft>
+                          <a:spcPts val="0"/>
+                        </a:spcAft>
+                      </a:pPr>
+                      <a:r>
+                        <a:rPr lang="en-US" sz="1100">
+                          <a:effectLst/>
+                          <a:sym typeface="Wingdings" panose="05000000000000000000" pitchFamily="2" charset="2"/>
+                        </a:rPr>
+                        <a:t></a:t>
+                      </a:r>
+                      <a:endParaRPr lang="en-US" sz="1100" b="1">
+                        <a:effectLst/>
+                        <a:latin typeface="Calibri" panose="020F0502020204030204" pitchFamily="34" charset="0"/>
+                        <a:ea typeface="Calibri" panose="020F0502020204030204" pitchFamily="34" charset="0"/>
+                        <a:cs typeface="Arial" panose="020B0604020202020204" pitchFamily="34" charset="0"/>
+                      </a:endParaRPr>
+                    </a:p>
+                  </a:txBody>
+                  <a:tcPr marL="68580" marR="68580" marT="0" marB="0" anchor="ctr"/>
+                </a:tc>
+                <a:tc>
+                  <a:txBody>
+                    <a:bodyPr/>
+                    <a:lstStyle/>
+                    <a:p>
+                      <a:pPr marL="0" marR="0" algn="ctr">
+                        <a:lnSpc>
+                          <a:spcPct val="107000"/>
+                        </a:lnSpc>
+                        <a:spcBef>
+                          <a:spcPts val="0"/>
+                        </a:spcBef>
+                        <a:spcAft>
+                          <a:spcPts val="0"/>
+                        </a:spcAft>
+                      </a:pPr>
+                      <a:r>
+                        <a:rPr lang="en-US" sz="1100">
+                          <a:effectLst/>
+                          <a:sym typeface="Wingdings" panose="05000000000000000000" pitchFamily="2" charset="2"/>
+                        </a:rPr>
+                        <a:t></a:t>
+                      </a:r>
+                      <a:endParaRPr lang="en-US" sz="1100" b="1">
+                        <a:effectLst/>
+                        <a:latin typeface="Calibri" panose="020F0502020204030204" pitchFamily="34" charset="0"/>
+                        <a:ea typeface="Calibri" panose="020F0502020204030204" pitchFamily="34" charset="0"/>
+                        <a:cs typeface="Arial" panose="020B0604020202020204" pitchFamily="34" charset="0"/>
+                      </a:endParaRPr>
+                    </a:p>
+                  </a:txBody>
+                  <a:tcPr marL="68580" marR="68580" marT="0" marB="0" anchor="ctr"/>
+                </a:tc>
+                <a:tc>
+                  <a:txBody>
+                    <a:bodyPr/>
+                    <a:lstStyle/>
+                    <a:p>
+                      <a:pPr marL="0" marR="0" algn="ctr">
+                        <a:lnSpc>
+                          <a:spcPct val="107000"/>
+                        </a:lnSpc>
+                        <a:spcBef>
+                          <a:spcPts val="0"/>
+                        </a:spcBef>
+                        <a:spcAft>
+                          <a:spcPts val="0"/>
+                        </a:spcAft>
+                      </a:pPr>
+                      <a:r>
+                        <a:rPr lang="en-US" sz="1100">
+                          <a:effectLst/>
+                          <a:sym typeface="Wingdings" panose="05000000000000000000" pitchFamily="2" charset="2"/>
+                        </a:rPr>
+                        <a:t></a:t>
+                      </a:r>
+                      <a:endParaRPr lang="en-US" sz="1100" b="1">
+                        <a:effectLst/>
+                        <a:latin typeface="Calibri" panose="020F0502020204030204" pitchFamily="34" charset="0"/>
+                        <a:ea typeface="Calibri" panose="020F0502020204030204" pitchFamily="34" charset="0"/>
+                        <a:cs typeface="Arial" panose="020B0604020202020204" pitchFamily="34" charset="0"/>
+                      </a:endParaRPr>
+                    </a:p>
+                  </a:txBody>
+                  <a:tcPr marL="68580" marR="68580" marT="0" marB="0" anchor="ctr"/>
+                </a:tc>
+                <a:tc>
+                  <a:txBody>
+                    <a:bodyPr/>
+                    <a:lstStyle/>
+                    <a:p>
+                      <a:pPr marL="0" marR="0" algn="ctr">
+                        <a:lnSpc>
+                          <a:spcPct val="107000"/>
+                        </a:lnSpc>
+                        <a:spcBef>
+                          <a:spcPts val="0"/>
+                        </a:spcBef>
+                        <a:spcAft>
+                          <a:spcPts val="0"/>
+                        </a:spcAft>
+                      </a:pPr>
+                      <a:r>
+                        <a:rPr lang="en-US" sz="1100">
+                          <a:effectLst/>
+                          <a:sym typeface="Wingdings" panose="05000000000000000000" pitchFamily="2" charset="2"/>
+                        </a:rPr>
+                        <a:t></a:t>
+                      </a:r>
+                      <a:endParaRPr lang="en-US" sz="1100" b="1">
+                        <a:effectLst/>
+                        <a:latin typeface="Calibri" panose="020F0502020204030204" pitchFamily="34" charset="0"/>
+                        <a:ea typeface="Calibri" panose="020F0502020204030204" pitchFamily="34" charset="0"/>
+                        <a:cs typeface="Arial" panose="020B0604020202020204" pitchFamily="34" charset="0"/>
+                      </a:endParaRPr>
+                    </a:p>
+                  </a:txBody>
+                  <a:tcPr marL="68580" marR="68580" marT="0" marB="0" anchor="ctr"/>
+                </a:tc>
+              </a:tr>
+              <a:tr h="315522">
+                <a:tc>
+                  <a:txBody>
+                    <a:bodyPr/>
+                    <a:lstStyle/>
+                    <a:p>
+                      <a:pPr marL="0" marR="0" algn="ctr">
+                        <a:lnSpc>
+                          <a:spcPct val="107000"/>
+                        </a:lnSpc>
+                        <a:spcBef>
+                          <a:spcPts val="0"/>
+                        </a:spcBef>
+                        <a:spcAft>
+                          <a:spcPts val="0"/>
+                        </a:spcAft>
+                      </a:pPr>
+                      <a:r>
+                        <a:rPr lang="en-US" sz="1400">
+                          <a:effectLst/>
+                        </a:rPr>
+                        <a:t>Phase Explanatory text</a:t>
+                      </a:r>
+                      <a:endParaRPr lang="en-US" sz="1400">
+                        <a:effectLst/>
+                        <a:latin typeface="Calibri" panose="020F0502020204030204" pitchFamily="34" charset="0"/>
+                        <a:ea typeface="Calibri" panose="020F0502020204030204" pitchFamily="34" charset="0"/>
+                        <a:cs typeface="Arial" panose="020B0604020202020204" pitchFamily="34" charset="0"/>
+                      </a:endParaRPr>
+                    </a:p>
+                  </a:txBody>
+                  <a:tcPr marL="68580" marR="68580" marT="0" marB="0" anchor="ctr"/>
+                </a:tc>
+                <a:tc>
+                  <a:txBody>
+                    <a:bodyPr/>
+                    <a:lstStyle/>
+                    <a:p>
+                      <a:pPr marL="0" marR="0" algn="ctr">
+                        <a:lnSpc>
+                          <a:spcPct val="107000"/>
+                        </a:lnSpc>
+                        <a:spcBef>
+                          <a:spcPts val="0"/>
+                        </a:spcBef>
+                        <a:spcAft>
+                          <a:spcPts val="0"/>
+                        </a:spcAft>
+                      </a:pPr>
+                      <a:r>
+                        <a:rPr lang="en-US" sz="1100">
+                          <a:effectLst/>
+                          <a:sym typeface="Wingdings" panose="05000000000000000000" pitchFamily="2" charset="2"/>
+                        </a:rPr>
+                        <a:t></a:t>
+                      </a:r>
+                      <a:endParaRPr lang="en-US" sz="1100" b="1">
+                        <a:effectLst/>
+                        <a:latin typeface="Calibri" panose="020F0502020204030204" pitchFamily="34" charset="0"/>
+                        <a:ea typeface="Calibri" panose="020F0502020204030204" pitchFamily="34" charset="0"/>
+                        <a:cs typeface="Arial" panose="020B0604020202020204" pitchFamily="34" charset="0"/>
+                      </a:endParaRPr>
+                    </a:p>
+                  </a:txBody>
+                  <a:tcPr marL="68580" marR="68580" marT="0" marB="0" anchor="ctr"/>
+                </a:tc>
+                <a:tc>
+                  <a:txBody>
+                    <a:bodyPr/>
+                    <a:lstStyle/>
+                    <a:p>
+                      <a:pPr marL="0" marR="0" algn="ctr">
+                        <a:lnSpc>
+                          <a:spcPct val="107000"/>
+                        </a:lnSpc>
+                        <a:spcBef>
+                          <a:spcPts val="0"/>
+                        </a:spcBef>
+                        <a:spcAft>
+                          <a:spcPts val="0"/>
+                        </a:spcAft>
+                      </a:pPr>
+                      <a:r>
+                        <a:rPr lang="en-US" sz="1100">
+                          <a:effectLst/>
+                        </a:rPr>
+                        <a:t> </a:t>
+                      </a:r>
+                      <a:endParaRPr lang="en-US" sz="1100" b="1">
+                        <a:effectLst/>
+                        <a:latin typeface="Calibri" panose="020F0502020204030204" pitchFamily="34" charset="0"/>
+                        <a:ea typeface="Calibri" panose="020F0502020204030204" pitchFamily="34" charset="0"/>
+                        <a:cs typeface="Arial" panose="020B0604020202020204" pitchFamily="34" charset="0"/>
+                      </a:endParaRPr>
+                    </a:p>
+                  </a:txBody>
+                  <a:tcPr marL="68580" marR="68580" marT="0" marB="0" anchor="ctr"/>
+                </a:tc>
+                <a:tc>
+                  <a:txBody>
+                    <a:bodyPr/>
+                    <a:lstStyle/>
+                    <a:p>
+                      <a:pPr marL="0" marR="0" algn="ctr">
+                        <a:lnSpc>
+                          <a:spcPct val="107000"/>
+                        </a:lnSpc>
+                        <a:spcBef>
+                          <a:spcPts val="0"/>
+                        </a:spcBef>
+                        <a:spcAft>
+                          <a:spcPts val="0"/>
+                        </a:spcAft>
+                      </a:pPr>
+                      <a:r>
+                        <a:rPr lang="en-US" sz="1100">
+                          <a:effectLst/>
+                          <a:sym typeface="Wingdings" panose="05000000000000000000" pitchFamily="2" charset="2"/>
+                        </a:rPr>
+                        <a:t></a:t>
+                      </a:r>
+                      <a:endParaRPr lang="en-US" sz="1100" b="1">
+                        <a:effectLst/>
+                        <a:latin typeface="Calibri" panose="020F0502020204030204" pitchFamily="34" charset="0"/>
+                        <a:ea typeface="Calibri" panose="020F0502020204030204" pitchFamily="34" charset="0"/>
+                        <a:cs typeface="Arial" panose="020B0604020202020204" pitchFamily="34" charset="0"/>
+                      </a:endParaRPr>
+                    </a:p>
+                  </a:txBody>
+                  <a:tcPr marL="68580" marR="68580" marT="0" marB="0" anchor="ctr"/>
+                </a:tc>
+                <a:tc>
+                  <a:txBody>
+                    <a:bodyPr/>
+                    <a:lstStyle/>
+                    <a:p>
+                      <a:pPr marL="0" marR="0" algn="ctr">
+                        <a:lnSpc>
+                          <a:spcPct val="107000"/>
+                        </a:lnSpc>
+                        <a:spcBef>
+                          <a:spcPts val="0"/>
+                        </a:spcBef>
+                        <a:spcAft>
+                          <a:spcPts val="0"/>
+                        </a:spcAft>
+                      </a:pPr>
+                      <a:r>
+                        <a:rPr lang="en-US" sz="1100">
+                          <a:effectLst/>
+                          <a:sym typeface="Wingdings" panose="05000000000000000000" pitchFamily="2" charset="2"/>
+                        </a:rPr>
+                        <a:t></a:t>
+                      </a:r>
+                      <a:endParaRPr lang="en-US" sz="1100" b="1">
+                        <a:effectLst/>
+                        <a:latin typeface="Calibri" panose="020F0502020204030204" pitchFamily="34" charset="0"/>
+                        <a:ea typeface="Calibri" panose="020F0502020204030204" pitchFamily="34" charset="0"/>
+                        <a:cs typeface="Arial" panose="020B0604020202020204" pitchFamily="34" charset="0"/>
+                      </a:endParaRPr>
+                    </a:p>
+                  </a:txBody>
+                  <a:tcPr marL="68580" marR="68580" marT="0" marB="0" anchor="ctr"/>
+                </a:tc>
+                <a:tc>
+                  <a:txBody>
+                    <a:bodyPr/>
+                    <a:lstStyle/>
+                    <a:p>
+                      <a:pPr marL="0" marR="0" algn="ctr">
+                        <a:lnSpc>
+                          <a:spcPct val="107000"/>
+                        </a:lnSpc>
+                        <a:spcBef>
+                          <a:spcPts val="0"/>
+                        </a:spcBef>
+                        <a:spcAft>
+                          <a:spcPts val="0"/>
+                        </a:spcAft>
+                      </a:pPr>
+                      <a:r>
+                        <a:rPr lang="en-US" sz="1100">
+                          <a:effectLst/>
+                          <a:sym typeface="Wingdings" panose="05000000000000000000" pitchFamily="2" charset="2"/>
+                        </a:rPr>
+                        <a:t></a:t>
+                      </a:r>
+                      <a:endParaRPr lang="en-US" sz="1100" b="1">
+                        <a:effectLst/>
+                        <a:latin typeface="Calibri" panose="020F0502020204030204" pitchFamily="34" charset="0"/>
+                        <a:ea typeface="Calibri" panose="020F0502020204030204" pitchFamily="34" charset="0"/>
+                        <a:cs typeface="Arial" panose="020B0604020202020204" pitchFamily="34" charset="0"/>
+                      </a:endParaRPr>
+                    </a:p>
+                  </a:txBody>
+                  <a:tcPr marL="68580" marR="68580" marT="0" marB="0" anchor="ctr"/>
+                </a:tc>
+              </a:tr>
+              <a:tr h="315522">
+                <a:tc>
+                  <a:txBody>
+                    <a:bodyPr/>
+                    <a:lstStyle/>
+                    <a:p>
+                      <a:pPr marL="0" marR="0" algn="ctr">
+                        <a:lnSpc>
+                          <a:spcPct val="107000"/>
+                        </a:lnSpc>
+                        <a:spcBef>
+                          <a:spcPts val="0"/>
+                        </a:spcBef>
+                        <a:spcAft>
+                          <a:spcPts val="0"/>
+                        </a:spcAft>
+                      </a:pPr>
+                      <a:r>
+                        <a:rPr lang="en-US" sz="1400">
+                          <a:effectLst/>
+                        </a:rPr>
+                        <a:t>Guided tour</a:t>
+                      </a:r>
+                      <a:endParaRPr lang="en-US" sz="1400">
+                        <a:effectLst/>
+                        <a:latin typeface="Calibri" panose="020F0502020204030204" pitchFamily="34" charset="0"/>
+                        <a:ea typeface="Calibri" panose="020F0502020204030204" pitchFamily="34" charset="0"/>
+                        <a:cs typeface="Arial" panose="020B0604020202020204" pitchFamily="34" charset="0"/>
+                      </a:endParaRPr>
+                    </a:p>
+                  </a:txBody>
+                  <a:tcPr marL="68580" marR="68580" marT="0" marB="0" anchor="ctr"/>
+                </a:tc>
+                <a:tc>
+                  <a:txBody>
+                    <a:bodyPr/>
+                    <a:lstStyle/>
+                    <a:p>
+                      <a:pPr marL="0" marR="0" algn="ctr">
+                        <a:lnSpc>
+                          <a:spcPct val="107000"/>
+                        </a:lnSpc>
+                        <a:spcBef>
+                          <a:spcPts val="0"/>
+                        </a:spcBef>
+                        <a:spcAft>
+                          <a:spcPts val="0"/>
+                        </a:spcAft>
+                      </a:pPr>
+                      <a:r>
+                        <a:rPr lang="en-US" sz="1100">
+                          <a:effectLst/>
+                          <a:sym typeface="Wingdings" panose="05000000000000000000" pitchFamily="2" charset="2"/>
+                        </a:rPr>
+                        <a:t></a:t>
+                      </a:r>
+                      <a:endParaRPr lang="en-US" sz="1100" b="1">
+                        <a:effectLst/>
+                        <a:latin typeface="Calibri" panose="020F0502020204030204" pitchFamily="34" charset="0"/>
+                        <a:ea typeface="Calibri" panose="020F0502020204030204" pitchFamily="34" charset="0"/>
+                        <a:cs typeface="Arial" panose="020B0604020202020204" pitchFamily="34" charset="0"/>
+                      </a:endParaRPr>
+                    </a:p>
+                  </a:txBody>
+                  <a:tcPr marL="68580" marR="68580" marT="0" marB="0" anchor="ctr"/>
+                </a:tc>
+                <a:tc>
+                  <a:txBody>
+                    <a:bodyPr/>
+                    <a:lstStyle/>
+                    <a:p>
+                      <a:pPr marL="0" marR="0" algn="ctr">
+                        <a:lnSpc>
+                          <a:spcPct val="107000"/>
+                        </a:lnSpc>
+                        <a:spcBef>
+                          <a:spcPts val="0"/>
+                        </a:spcBef>
+                        <a:spcAft>
+                          <a:spcPts val="0"/>
+                        </a:spcAft>
+                      </a:pPr>
+                      <a:r>
+                        <a:rPr lang="en-US" sz="1100">
+                          <a:effectLst/>
+                          <a:sym typeface="Wingdings" panose="05000000000000000000" pitchFamily="2" charset="2"/>
+                        </a:rPr>
+                        <a:t></a:t>
+                      </a:r>
+                      <a:endParaRPr lang="en-US" sz="1100" b="1">
+                        <a:effectLst/>
+                        <a:latin typeface="Calibri" panose="020F0502020204030204" pitchFamily="34" charset="0"/>
+                        <a:ea typeface="Calibri" panose="020F0502020204030204" pitchFamily="34" charset="0"/>
+                        <a:cs typeface="Arial" panose="020B0604020202020204" pitchFamily="34" charset="0"/>
+                      </a:endParaRPr>
+                    </a:p>
+                  </a:txBody>
+                  <a:tcPr marL="68580" marR="68580" marT="0" marB="0" anchor="ctr"/>
+                </a:tc>
+                <a:tc>
+                  <a:txBody>
+                    <a:bodyPr/>
+                    <a:lstStyle/>
+                    <a:p>
+                      <a:pPr marL="0" marR="0" algn="ctr">
+                        <a:lnSpc>
+                          <a:spcPct val="107000"/>
+                        </a:lnSpc>
+                        <a:spcBef>
+                          <a:spcPts val="0"/>
+                        </a:spcBef>
+                        <a:spcAft>
+                          <a:spcPts val="0"/>
+                        </a:spcAft>
+                      </a:pPr>
+                      <a:r>
+                        <a:rPr lang="en-US" sz="1100">
+                          <a:effectLst/>
+                        </a:rPr>
+                        <a:t> </a:t>
+                      </a:r>
+                      <a:endParaRPr lang="en-US" sz="1100" b="1">
+                        <a:effectLst/>
+                        <a:latin typeface="Calibri" panose="020F0502020204030204" pitchFamily="34" charset="0"/>
+                        <a:ea typeface="Calibri" panose="020F0502020204030204" pitchFamily="34" charset="0"/>
+                        <a:cs typeface="Arial" panose="020B0604020202020204" pitchFamily="34" charset="0"/>
+                      </a:endParaRPr>
+                    </a:p>
+                  </a:txBody>
+                  <a:tcPr marL="68580" marR="68580" marT="0" marB="0" anchor="ctr"/>
+                </a:tc>
+                <a:tc>
+                  <a:txBody>
+                    <a:bodyPr/>
+                    <a:lstStyle/>
+                    <a:p>
+                      <a:pPr marL="0" marR="0" algn="ctr">
+                        <a:lnSpc>
+                          <a:spcPct val="107000"/>
+                        </a:lnSpc>
+                        <a:spcBef>
+                          <a:spcPts val="0"/>
+                        </a:spcBef>
+                        <a:spcAft>
+                          <a:spcPts val="0"/>
+                        </a:spcAft>
+                      </a:pPr>
+                      <a:r>
+                        <a:rPr lang="en-US" sz="1100">
+                          <a:effectLst/>
+                        </a:rPr>
+                        <a:t> </a:t>
+                      </a:r>
+                      <a:endParaRPr lang="en-US" sz="1100" b="1">
+                        <a:effectLst/>
+                        <a:latin typeface="Calibri" panose="020F0502020204030204" pitchFamily="34" charset="0"/>
+                        <a:ea typeface="Calibri" panose="020F0502020204030204" pitchFamily="34" charset="0"/>
+                        <a:cs typeface="Arial" panose="020B0604020202020204" pitchFamily="34" charset="0"/>
+                      </a:endParaRPr>
+                    </a:p>
+                  </a:txBody>
+                  <a:tcPr marL="68580" marR="68580" marT="0" marB="0" anchor="ctr"/>
+                </a:tc>
+                <a:tc>
+                  <a:txBody>
+                    <a:bodyPr/>
+                    <a:lstStyle/>
+                    <a:p>
+                      <a:pPr marL="0" marR="0" algn="ctr">
+                        <a:lnSpc>
+                          <a:spcPct val="107000"/>
+                        </a:lnSpc>
+                        <a:spcBef>
+                          <a:spcPts val="0"/>
+                        </a:spcBef>
+                        <a:spcAft>
+                          <a:spcPts val="0"/>
+                        </a:spcAft>
+                      </a:pPr>
+                      <a:r>
+                        <a:rPr lang="en-US" sz="1100">
+                          <a:effectLst/>
+                          <a:sym typeface="Wingdings" panose="05000000000000000000" pitchFamily="2" charset="2"/>
+                        </a:rPr>
+                        <a:t></a:t>
+                      </a:r>
+                      <a:endParaRPr lang="en-US" sz="1100" b="1">
+                        <a:effectLst/>
+                        <a:latin typeface="Calibri" panose="020F0502020204030204" pitchFamily="34" charset="0"/>
+                        <a:ea typeface="Calibri" panose="020F0502020204030204" pitchFamily="34" charset="0"/>
+                        <a:cs typeface="Arial" panose="020B0604020202020204" pitchFamily="34" charset="0"/>
+                      </a:endParaRPr>
+                    </a:p>
+                  </a:txBody>
+                  <a:tcPr marL="68580" marR="68580" marT="0" marB="0" anchor="ctr"/>
+                </a:tc>
+              </a:tr>
+              <a:tr h="315522">
+                <a:tc>
+                  <a:txBody>
+                    <a:bodyPr/>
+                    <a:lstStyle/>
+                    <a:p>
+                      <a:pPr marL="0" marR="0" algn="ctr">
+                        <a:lnSpc>
+                          <a:spcPct val="107000"/>
+                        </a:lnSpc>
+                        <a:spcBef>
+                          <a:spcPts val="0"/>
+                        </a:spcBef>
+                        <a:spcAft>
+                          <a:spcPts val="0"/>
+                        </a:spcAft>
+                      </a:pPr>
+                      <a:r>
+                        <a:rPr lang="en-US" sz="1400">
+                          <a:effectLst/>
+                        </a:rPr>
+                        <a:t>Educative Game</a:t>
+                      </a:r>
+                      <a:endParaRPr lang="en-US" sz="1400">
+                        <a:effectLst/>
+                        <a:latin typeface="Calibri" panose="020F0502020204030204" pitchFamily="34" charset="0"/>
+                        <a:ea typeface="Calibri" panose="020F0502020204030204" pitchFamily="34" charset="0"/>
+                        <a:cs typeface="Arial" panose="020B0604020202020204" pitchFamily="34" charset="0"/>
+                      </a:endParaRPr>
+                    </a:p>
+                  </a:txBody>
+                  <a:tcPr marL="68580" marR="68580" marT="0" marB="0" anchor="ctr"/>
+                </a:tc>
+                <a:tc>
+                  <a:txBody>
+                    <a:bodyPr/>
+                    <a:lstStyle/>
+                    <a:p>
+                      <a:pPr marL="0" marR="0" algn="ctr">
+                        <a:lnSpc>
+                          <a:spcPct val="107000"/>
+                        </a:lnSpc>
+                        <a:spcBef>
+                          <a:spcPts val="0"/>
+                        </a:spcBef>
+                        <a:spcAft>
+                          <a:spcPts val="0"/>
+                        </a:spcAft>
+                      </a:pPr>
+                      <a:r>
+                        <a:rPr lang="en-US" sz="1100">
+                          <a:effectLst/>
+                        </a:rPr>
+                        <a:t> </a:t>
+                      </a:r>
+                      <a:endParaRPr lang="en-US" sz="1100" b="1">
+                        <a:effectLst/>
+                        <a:latin typeface="Calibri" panose="020F0502020204030204" pitchFamily="34" charset="0"/>
+                        <a:ea typeface="Calibri" panose="020F0502020204030204" pitchFamily="34" charset="0"/>
+                        <a:cs typeface="Arial" panose="020B0604020202020204" pitchFamily="34" charset="0"/>
+                      </a:endParaRPr>
+                    </a:p>
+                  </a:txBody>
+                  <a:tcPr marL="68580" marR="68580" marT="0" marB="0" anchor="ctr"/>
+                </a:tc>
+                <a:tc>
+                  <a:txBody>
+                    <a:bodyPr/>
+                    <a:lstStyle/>
+                    <a:p>
+                      <a:pPr marL="0" marR="0" algn="ctr">
+                        <a:lnSpc>
+                          <a:spcPct val="107000"/>
+                        </a:lnSpc>
+                        <a:spcBef>
+                          <a:spcPts val="0"/>
+                        </a:spcBef>
+                        <a:spcAft>
+                          <a:spcPts val="0"/>
+                        </a:spcAft>
+                      </a:pPr>
+                      <a:r>
+                        <a:rPr lang="en-US" sz="1100">
+                          <a:effectLst/>
+                        </a:rPr>
+                        <a:t> </a:t>
+                      </a:r>
+                      <a:endParaRPr lang="en-US" sz="1100" b="1">
+                        <a:effectLst/>
+                        <a:latin typeface="Calibri" panose="020F0502020204030204" pitchFamily="34" charset="0"/>
+                        <a:ea typeface="Calibri" panose="020F0502020204030204" pitchFamily="34" charset="0"/>
+                        <a:cs typeface="Arial" panose="020B0604020202020204" pitchFamily="34" charset="0"/>
+                      </a:endParaRPr>
+                    </a:p>
+                  </a:txBody>
+                  <a:tcPr marL="68580" marR="68580" marT="0" marB="0" anchor="ctr"/>
+                </a:tc>
+                <a:tc>
+                  <a:txBody>
+                    <a:bodyPr/>
+                    <a:lstStyle/>
+                    <a:p>
+                      <a:pPr marL="0" marR="0" algn="ctr">
+                        <a:lnSpc>
+                          <a:spcPct val="107000"/>
+                        </a:lnSpc>
+                        <a:spcBef>
+                          <a:spcPts val="0"/>
+                        </a:spcBef>
+                        <a:spcAft>
+                          <a:spcPts val="0"/>
+                        </a:spcAft>
+                      </a:pPr>
+                      <a:r>
+                        <a:rPr lang="en-US" sz="1100">
+                          <a:effectLst/>
+                          <a:sym typeface="Wingdings" panose="05000000000000000000" pitchFamily="2" charset="2"/>
+                        </a:rPr>
+                        <a:t></a:t>
+                      </a:r>
+                      <a:endParaRPr lang="en-US" sz="1100" b="1">
+                        <a:effectLst/>
+                        <a:latin typeface="Calibri" panose="020F0502020204030204" pitchFamily="34" charset="0"/>
+                        <a:ea typeface="Calibri" panose="020F0502020204030204" pitchFamily="34" charset="0"/>
+                        <a:cs typeface="Arial" panose="020B0604020202020204" pitchFamily="34" charset="0"/>
+                      </a:endParaRPr>
+                    </a:p>
+                  </a:txBody>
+                  <a:tcPr marL="68580" marR="68580" marT="0" marB="0" anchor="ctr"/>
+                </a:tc>
+                <a:tc>
+                  <a:txBody>
+                    <a:bodyPr/>
+                    <a:lstStyle/>
+                    <a:p>
+                      <a:pPr marL="0" marR="0" algn="ctr">
+                        <a:lnSpc>
+                          <a:spcPct val="107000"/>
+                        </a:lnSpc>
+                        <a:spcBef>
+                          <a:spcPts val="0"/>
+                        </a:spcBef>
+                        <a:spcAft>
+                          <a:spcPts val="0"/>
+                        </a:spcAft>
+                      </a:pPr>
+                      <a:r>
+                        <a:rPr lang="en-US" sz="1100">
+                          <a:effectLst/>
+                          <a:sym typeface="Wingdings" panose="05000000000000000000" pitchFamily="2" charset="2"/>
+                        </a:rPr>
+                        <a:t></a:t>
+                      </a:r>
+                      <a:endParaRPr lang="en-US" sz="1100" b="1">
+                        <a:effectLst/>
+                        <a:latin typeface="Calibri" panose="020F0502020204030204" pitchFamily="34" charset="0"/>
+                        <a:ea typeface="Calibri" panose="020F0502020204030204" pitchFamily="34" charset="0"/>
+                        <a:cs typeface="Arial" panose="020B0604020202020204" pitchFamily="34" charset="0"/>
+                      </a:endParaRPr>
+                    </a:p>
+                  </a:txBody>
+                  <a:tcPr marL="68580" marR="68580" marT="0" marB="0" anchor="ctr"/>
+                </a:tc>
+                <a:tc>
+                  <a:txBody>
+                    <a:bodyPr/>
+                    <a:lstStyle/>
+                    <a:p>
+                      <a:pPr marL="0" marR="0" algn="ctr">
+                        <a:lnSpc>
+                          <a:spcPct val="107000"/>
+                        </a:lnSpc>
+                        <a:spcBef>
+                          <a:spcPts val="0"/>
+                        </a:spcBef>
+                        <a:spcAft>
+                          <a:spcPts val="0"/>
+                        </a:spcAft>
+                      </a:pPr>
+                      <a:r>
+                        <a:rPr lang="en-US" sz="1100">
+                          <a:effectLst/>
+                          <a:sym typeface="Wingdings" panose="05000000000000000000" pitchFamily="2" charset="2"/>
+                        </a:rPr>
+                        <a:t></a:t>
+                      </a:r>
+                      <a:endParaRPr lang="en-US" sz="1100" b="1">
+                        <a:effectLst/>
+                        <a:latin typeface="Calibri" panose="020F0502020204030204" pitchFamily="34" charset="0"/>
+                        <a:ea typeface="Calibri" panose="020F0502020204030204" pitchFamily="34" charset="0"/>
+                        <a:cs typeface="Arial" panose="020B0604020202020204" pitchFamily="34" charset="0"/>
+                      </a:endParaRPr>
+                    </a:p>
+                  </a:txBody>
+                  <a:tcPr marL="68580" marR="68580" marT="0" marB="0" anchor="ctr"/>
+                </a:tc>
+              </a:tr>
+              <a:tr h="315522">
+                <a:tc>
+                  <a:txBody>
+                    <a:bodyPr/>
+                    <a:lstStyle/>
+                    <a:p>
+                      <a:pPr marL="0" marR="0" algn="ctr">
+                        <a:lnSpc>
+                          <a:spcPct val="107000"/>
+                        </a:lnSpc>
+                        <a:spcBef>
+                          <a:spcPts val="0"/>
+                        </a:spcBef>
+                        <a:spcAft>
+                          <a:spcPts val="0"/>
+                        </a:spcAft>
+                      </a:pPr>
+                      <a:r>
+                        <a:rPr lang="en-US" sz="1400">
+                          <a:effectLst/>
+                        </a:rPr>
+                        <a:t>Animation</a:t>
+                      </a:r>
+                      <a:endParaRPr lang="en-US" sz="1400">
+                        <a:effectLst/>
+                        <a:latin typeface="Calibri" panose="020F0502020204030204" pitchFamily="34" charset="0"/>
+                        <a:ea typeface="Calibri" panose="020F0502020204030204" pitchFamily="34" charset="0"/>
+                        <a:cs typeface="Arial" panose="020B0604020202020204" pitchFamily="34" charset="0"/>
+                      </a:endParaRPr>
+                    </a:p>
+                  </a:txBody>
+                  <a:tcPr marL="68580" marR="68580" marT="0" marB="0" anchor="ctr"/>
+                </a:tc>
+                <a:tc>
+                  <a:txBody>
+                    <a:bodyPr/>
+                    <a:lstStyle/>
+                    <a:p>
+                      <a:pPr marL="0" marR="0" algn="ctr">
+                        <a:lnSpc>
+                          <a:spcPct val="107000"/>
+                        </a:lnSpc>
+                        <a:spcBef>
+                          <a:spcPts val="0"/>
+                        </a:spcBef>
+                        <a:spcAft>
+                          <a:spcPts val="0"/>
+                        </a:spcAft>
+                      </a:pPr>
+                      <a:r>
+                        <a:rPr lang="en-US" sz="1100">
+                          <a:effectLst/>
+                          <a:sym typeface="Wingdings" panose="05000000000000000000" pitchFamily="2" charset="2"/>
+                        </a:rPr>
+                        <a:t></a:t>
+                      </a:r>
+                      <a:endParaRPr lang="en-US" sz="1100" b="1">
+                        <a:effectLst/>
+                        <a:latin typeface="Calibri" panose="020F0502020204030204" pitchFamily="34" charset="0"/>
+                        <a:ea typeface="Calibri" panose="020F0502020204030204" pitchFamily="34" charset="0"/>
+                        <a:cs typeface="Arial" panose="020B0604020202020204" pitchFamily="34" charset="0"/>
+                      </a:endParaRPr>
+                    </a:p>
+                  </a:txBody>
+                  <a:tcPr marL="68580" marR="68580" marT="0" marB="0" anchor="ctr"/>
+                </a:tc>
+                <a:tc>
+                  <a:txBody>
+                    <a:bodyPr/>
+                    <a:lstStyle/>
+                    <a:p>
+                      <a:pPr marL="0" marR="0" algn="ctr">
+                        <a:lnSpc>
+                          <a:spcPct val="107000"/>
+                        </a:lnSpc>
+                        <a:spcBef>
+                          <a:spcPts val="0"/>
+                        </a:spcBef>
+                        <a:spcAft>
+                          <a:spcPts val="0"/>
+                        </a:spcAft>
+                      </a:pPr>
+                      <a:r>
+                        <a:rPr lang="en-US" sz="1100">
+                          <a:effectLst/>
+                          <a:sym typeface="Wingdings" panose="05000000000000000000" pitchFamily="2" charset="2"/>
+                        </a:rPr>
+                        <a:t></a:t>
+                      </a:r>
+                      <a:endParaRPr lang="en-US" sz="1100" b="1">
+                        <a:effectLst/>
+                        <a:latin typeface="Calibri" panose="020F0502020204030204" pitchFamily="34" charset="0"/>
+                        <a:ea typeface="Calibri" panose="020F0502020204030204" pitchFamily="34" charset="0"/>
+                        <a:cs typeface="Arial" panose="020B0604020202020204" pitchFamily="34" charset="0"/>
+                      </a:endParaRPr>
+                    </a:p>
+                  </a:txBody>
+                  <a:tcPr marL="68580" marR="68580" marT="0" marB="0" anchor="ctr"/>
+                </a:tc>
+                <a:tc>
+                  <a:txBody>
+                    <a:bodyPr/>
+                    <a:lstStyle/>
+                    <a:p>
+                      <a:pPr marL="0" marR="0" algn="ctr">
+                        <a:lnSpc>
+                          <a:spcPct val="107000"/>
+                        </a:lnSpc>
+                        <a:spcBef>
+                          <a:spcPts val="0"/>
+                        </a:spcBef>
+                        <a:spcAft>
+                          <a:spcPts val="0"/>
+                        </a:spcAft>
+                      </a:pPr>
+                      <a:r>
+                        <a:rPr lang="en-US" sz="1100">
+                          <a:effectLst/>
+                          <a:sym typeface="Wingdings" panose="05000000000000000000" pitchFamily="2" charset="2"/>
+                        </a:rPr>
+                        <a:t></a:t>
+                      </a:r>
+                      <a:endParaRPr lang="en-US" sz="1100" b="1">
+                        <a:effectLst/>
+                        <a:latin typeface="Calibri" panose="020F0502020204030204" pitchFamily="34" charset="0"/>
+                        <a:ea typeface="Calibri" panose="020F0502020204030204" pitchFamily="34" charset="0"/>
+                        <a:cs typeface="Arial" panose="020B0604020202020204" pitchFamily="34" charset="0"/>
+                      </a:endParaRPr>
+                    </a:p>
+                  </a:txBody>
+                  <a:tcPr marL="68580" marR="68580" marT="0" marB="0" anchor="ctr"/>
+                </a:tc>
+                <a:tc>
+                  <a:txBody>
+                    <a:bodyPr/>
+                    <a:lstStyle/>
+                    <a:p>
+                      <a:pPr marL="0" marR="0" algn="ctr">
+                        <a:lnSpc>
+                          <a:spcPct val="107000"/>
+                        </a:lnSpc>
+                        <a:spcBef>
+                          <a:spcPts val="0"/>
+                        </a:spcBef>
+                        <a:spcAft>
+                          <a:spcPts val="0"/>
+                        </a:spcAft>
+                      </a:pPr>
+                      <a:r>
+                        <a:rPr lang="en-US" sz="1100">
+                          <a:effectLst/>
+                          <a:sym typeface="Wingdings" panose="05000000000000000000" pitchFamily="2" charset="2"/>
+                        </a:rPr>
+                        <a:t></a:t>
+                      </a:r>
+                      <a:endParaRPr lang="en-US" sz="1100" b="1">
+                        <a:effectLst/>
+                        <a:latin typeface="Calibri" panose="020F0502020204030204" pitchFamily="34" charset="0"/>
+                        <a:ea typeface="Calibri" panose="020F0502020204030204" pitchFamily="34" charset="0"/>
+                        <a:cs typeface="Arial" panose="020B0604020202020204" pitchFamily="34" charset="0"/>
+                      </a:endParaRPr>
+                    </a:p>
+                  </a:txBody>
+                  <a:tcPr marL="68580" marR="68580" marT="0" marB="0" anchor="ctr"/>
+                </a:tc>
+                <a:tc>
+                  <a:txBody>
+                    <a:bodyPr/>
+                    <a:lstStyle/>
+                    <a:p>
+                      <a:pPr marL="0" marR="0" algn="ctr">
+                        <a:lnSpc>
+                          <a:spcPct val="107000"/>
+                        </a:lnSpc>
+                        <a:spcBef>
+                          <a:spcPts val="0"/>
+                        </a:spcBef>
+                        <a:spcAft>
+                          <a:spcPts val="0"/>
+                        </a:spcAft>
+                      </a:pPr>
+                      <a:r>
+                        <a:rPr lang="en-US" sz="1100">
+                          <a:effectLst/>
+                          <a:sym typeface="Wingdings" panose="05000000000000000000" pitchFamily="2" charset="2"/>
+                        </a:rPr>
+                        <a:t></a:t>
+                      </a:r>
+                      <a:endParaRPr lang="en-US" sz="1100" b="1">
+                        <a:effectLst/>
+                        <a:latin typeface="Calibri" panose="020F0502020204030204" pitchFamily="34" charset="0"/>
+                        <a:ea typeface="Calibri" panose="020F0502020204030204" pitchFamily="34" charset="0"/>
+                        <a:cs typeface="Arial" panose="020B0604020202020204" pitchFamily="34" charset="0"/>
+                      </a:endParaRPr>
+                    </a:p>
+                  </a:txBody>
+                  <a:tcPr marL="68580" marR="68580" marT="0" marB="0" anchor="ctr"/>
+                </a:tc>
+              </a:tr>
+              <a:tr h="315522">
+                <a:tc>
+                  <a:txBody>
+                    <a:bodyPr/>
+                    <a:lstStyle/>
+                    <a:p>
+                      <a:pPr marL="0" marR="0" algn="ctr">
+                        <a:lnSpc>
+                          <a:spcPct val="107000"/>
+                        </a:lnSpc>
+                        <a:spcBef>
+                          <a:spcPts val="0"/>
+                        </a:spcBef>
+                        <a:spcAft>
+                          <a:spcPts val="0"/>
+                        </a:spcAft>
+                      </a:pPr>
+                      <a:r>
+                        <a:rPr lang="en-US" sz="1400">
+                          <a:effectLst/>
+                        </a:rPr>
+                        <a:t>Robot companion</a:t>
+                      </a:r>
+                      <a:endParaRPr lang="en-US" sz="1400">
+                        <a:effectLst/>
+                        <a:latin typeface="Calibri" panose="020F0502020204030204" pitchFamily="34" charset="0"/>
+                        <a:ea typeface="Calibri" panose="020F0502020204030204" pitchFamily="34" charset="0"/>
+                        <a:cs typeface="Arial" panose="020B0604020202020204" pitchFamily="34" charset="0"/>
+                      </a:endParaRPr>
+                    </a:p>
+                  </a:txBody>
+                  <a:tcPr marL="68580" marR="68580" marT="0" marB="0" anchor="ctr"/>
+                </a:tc>
+                <a:tc>
+                  <a:txBody>
+                    <a:bodyPr/>
+                    <a:lstStyle/>
+                    <a:p>
+                      <a:pPr marL="0" marR="0" algn="ctr">
+                        <a:lnSpc>
+                          <a:spcPct val="107000"/>
+                        </a:lnSpc>
+                        <a:spcBef>
+                          <a:spcPts val="0"/>
+                        </a:spcBef>
+                        <a:spcAft>
+                          <a:spcPts val="0"/>
+                        </a:spcAft>
+                      </a:pPr>
+                      <a:r>
+                        <a:rPr lang="en-US" sz="1100">
+                          <a:effectLst/>
+                        </a:rPr>
+                        <a:t> </a:t>
+                      </a:r>
+                      <a:endParaRPr lang="en-US" sz="1100" b="1">
+                        <a:effectLst/>
+                        <a:latin typeface="Calibri" panose="020F0502020204030204" pitchFamily="34" charset="0"/>
+                        <a:ea typeface="Calibri" panose="020F0502020204030204" pitchFamily="34" charset="0"/>
+                        <a:cs typeface="Arial" panose="020B0604020202020204" pitchFamily="34" charset="0"/>
+                      </a:endParaRPr>
+                    </a:p>
+                  </a:txBody>
+                  <a:tcPr marL="68580" marR="68580" marT="0" marB="0" anchor="ctr"/>
+                </a:tc>
+                <a:tc>
+                  <a:txBody>
+                    <a:bodyPr/>
+                    <a:lstStyle/>
+                    <a:p>
+                      <a:pPr marL="0" marR="0" algn="ctr">
+                        <a:lnSpc>
+                          <a:spcPct val="107000"/>
+                        </a:lnSpc>
+                        <a:spcBef>
+                          <a:spcPts val="0"/>
+                        </a:spcBef>
+                        <a:spcAft>
+                          <a:spcPts val="0"/>
+                        </a:spcAft>
+                      </a:pPr>
+                      <a:r>
+                        <a:rPr lang="en-US" sz="1100">
+                          <a:effectLst/>
+                        </a:rPr>
+                        <a:t> </a:t>
+                      </a:r>
+                      <a:endParaRPr lang="en-US" sz="1100" b="1">
+                        <a:effectLst/>
+                        <a:latin typeface="Calibri" panose="020F0502020204030204" pitchFamily="34" charset="0"/>
+                        <a:ea typeface="Calibri" panose="020F0502020204030204" pitchFamily="34" charset="0"/>
+                        <a:cs typeface="Arial" panose="020B0604020202020204" pitchFamily="34" charset="0"/>
+                      </a:endParaRPr>
+                    </a:p>
+                  </a:txBody>
+                  <a:tcPr marL="68580" marR="68580" marT="0" marB="0" anchor="ctr"/>
+                </a:tc>
+                <a:tc>
+                  <a:txBody>
+                    <a:bodyPr/>
+                    <a:lstStyle/>
+                    <a:p>
+                      <a:pPr marL="0" marR="0" algn="ctr">
+                        <a:lnSpc>
+                          <a:spcPct val="107000"/>
+                        </a:lnSpc>
+                        <a:spcBef>
+                          <a:spcPts val="0"/>
+                        </a:spcBef>
+                        <a:spcAft>
+                          <a:spcPts val="0"/>
+                        </a:spcAft>
+                      </a:pPr>
+                      <a:r>
+                        <a:rPr lang="en-US" sz="1100">
+                          <a:effectLst/>
+                        </a:rPr>
+                        <a:t> </a:t>
+                      </a:r>
+                      <a:endParaRPr lang="en-US" sz="1100" b="1">
+                        <a:effectLst/>
+                        <a:latin typeface="Calibri" panose="020F0502020204030204" pitchFamily="34" charset="0"/>
+                        <a:ea typeface="Calibri" panose="020F0502020204030204" pitchFamily="34" charset="0"/>
+                        <a:cs typeface="Arial" panose="020B0604020202020204" pitchFamily="34" charset="0"/>
+                      </a:endParaRPr>
+                    </a:p>
+                  </a:txBody>
+                  <a:tcPr marL="68580" marR="68580" marT="0" marB="0" anchor="ctr"/>
+                </a:tc>
+                <a:tc>
+                  <a:txBody>
+                    <a:bodyPr/>
+                    <a:lstStyle/>
+                    <a:p>
+                      <a:pPr marL="0" marR="0" algn="ctr">
+                        <a:lnSpc>
+                          <a:spcPct val="107000"/>
+                        </a:lnSpc>
+                        <a:spcBef>
+                          <a:spcPts val="0"/>
+                        </a:spcBef>
+                        <a:spcAft>
+                          <a:spcPts val="0"/>
+                        </a:spcAft>
+                      </a:pPr>
+                      <a:r>
+                        <a:rPr lang="en-US" sz="1100">
+                          <a:effectLst/>
+                        </a:rPr>
+                        <a:t> </a:t>
+                      </a:r>
+                      <a:endParaRPr lang="en-US" sz="1100" b="1">
+                        <a:effectLst/>
+                        <a:latin typeface="Calibri" panose="020F0502020204030204" pitchFamily="34" charset="0"/>
+                        <a:ea typeface="Calibri" panose="020F0502020204030204" pitchFamily="34" charset="0"/>
+                        <a:cs typeface="Arial" panose="020B0604020202020204" pitchFamily="34" charset="0"/>
+                      </a:endParaRPr>
+                    </a:p>
+                  </a:txBody>
+                  <a:tcPr marL="68580" marR="68580" marT="0" marB="0" anchor="ctr"/>
+                </a:tc>
+                <a:tc>
+                  <a:txBody>
+                    <a:bodyPr/>
+                    <a:lstStyle/>
+                    <a:p>
+                      <a:pPr marL="0" marR="0" algn="ctr">
+                        <a:lnSpc>
+                          <a:spcPct val="107000"/>
+                        </a:lnSpc>
+                        <a:spcBef>
+                          <a:spcPts val="0"/>
+                        </a:spcBef>
+                        <a:spcAft>
+                          <a:spcPts val="0"/>
+                        </a:spcAft>
+                      </a:pPr>
+                      <a:r>
+                        <a:rPr lang="en-US" sz="1100">
+                          <a:effectLst/>
+                          <a:sym typeface="Wingdings" panose="05000000000000000000" pitchFamily="2" charset="2"/>
+                        </a:rPr>
+                        <a:t></a:t>
+                      </a:r>
+                      <a:endParaRPr lang="en-US" sz="1100" b="1">
+                        <a:effectLst/>
+                        <a:latin typeface="Calibri" panose="020F0502020204030204" pitchFamily="34" charset="0"/>
+                        <a:ea typeface="Calibri" panose="020F0502020204030204" pitchFamily="34" charset="0"/>
+                        <a:cs typeface="Arial" panose="020B0604020202020204" pitchFamily="34" charset="0"/>
+                      </a:endParaRPr>
+                    </a:p>
+                  </a:txBody>
+                  <a:tcPr marL="68580" marR="68580" marT="0" marB="0" anchor="ctr"/>
+                </a:tc>
+              </a:tr>
+              <a:tr h="647622">
+                <a:tc>
+                  <a:txBody>
+                    <a:bodyPr/>
+                    <a:lstStyle/>
+                    <a:p>
+                      <a:pPr marL="0" marR="0" algn="ctr">
+                        <a:lnSpc>
+                          <a:spcPct val="107000"/>
+                        </a:lnSpc>
+                        <a:spcBef>
+                          <a:spcPts val="0"/>
+                        </a:spcBef>
+                        <a:spcAft>
+                          <a:spcPts val="0"/>
+                        </a:spcAft>
+                      </a:pPr>
+                      <a:r>
+                        <a:rPr lang="en-US" sz="1400" dirty="0">
+                          <a:effectLst/>
+                        </a:rPr>
+                        <a:t>Text to speech implementation</a:t>
+                      </a:r>
+                      <a:endParaRPr lang="en-US" sz="1400" dirty="0">
+                        <a:effectLst/>
+                        <a:latin typeface="Calibri" panose="020F0502020204030204" pitchFamily="34" charset="0"/>
+                        <a:ea typeface="Calibri" panose="020F0502020204030204" pitchFamily="34" charset="0"/>
+                        <a:cs typeface="Arial" panose="020B0604020202020204" pitchFamily="34" charset="0"/>
+                      </a:endParaRPr>
+                    </a:p>
+                  </a:txBody>
+                  <a:tcPr marL="68580" marR="68580" marT="0" marB="0" anchor="ctr"/>
+                </a:tc>
+                <a:tc>
+                  <a:txBody>
+                    <a:bodyPr/>
+                    <a:lstStyle/>
+                    <a:p>
+                      <a:pPr marL="0" marR="0" algn="ctr">
+                        <a:lnSpc>
+                          <a:spcPct val="107000"/>
+                        </a:lnSpc>
+                        <a:spcBef>
+                          <a:spcPts val="0"/>
+                        </a:spcBef>
+                        <a:spcAft>
+                          <a:spcPts val="0"/>
+                        </a:spcAft>
+                      </a:pPr>
+                      <a:r>
+                        <a:rPr lang="en-US" sz="1100">
+                          <a:effectLst/>
+                        </a:rPr>
+                        <a:t> </a:t>
+                      </a:r>
+                      <a:endParaRPr lang="en-US" sz="1100" b="1">
+                        <a:effectLst/>
+                        <a:latin typeface="Calibri" panose="020F0502020204030204" pitchFamily="34" charset="0"/>
+                        <a:ea typeface="Calibri" panose="020F0502020204030204" pitchFamily="34" charset="0"/>
+                        <a:cs typeface="Arial" panose="020B0604020202020204" pitchFamily="34" charset="0"/>
+                      </a:endParaRPr>
+                    </a:p>
+                  </a:txBody>
+                  <a:tcPr marL="68580" marR="68580" marT="0" marB="0" anchor="ctr"/>
+                </a:tc>
+                <a:tc>
+                  <a:txBody>
+                    <a:bodyPr/>
+                    <a:lstStyle/>
+                    <a:p>
+                      <a:pPr marL="0" marR="0" algn="ctr">
+                        <a:lnSpc>
+                          <a:spcPct val="107000"/>
+                        </a:lnSpc>
+                        <a:spcBef>
+                          <a:spcPts val="0"/>
+                        </a:spcBef>
+                        <a:spcAft>
+                          <a:spcPts val="0"/>
+                        </a:spcAft>
+                      </a:pPr>
+                      <a:r>
+                        <a:rPr lang="en-US" sz="1100">
+                          <a:effectLst/>
+                          <a:sym typeface="Wingdings" panose="05000000000000000000" pitchFamily="2" charset="2"/>
+                        </a:rPr>
+                        <a:t></a:t>
+                      </a:r>
+                      <a:endParaRPr lang="en-US" sz="1100" b="1">
+                        <a:effectLst/>
+                        <a:latin typeface="Calibri" panose="020F0502020204030204" pitchFamily="34" charset="0"/>
+                        <a:ea typeface="Calibri" panose="020F0502020204030204" pitchFamily="34" charset="0"/>
+                        <a:cs typeface="Arial" panose="020B0604020202020204" pitchFamily="34" charset="0"/>
+                      </a:endParaRPr>
+                    </a:p>
+                  </a:txBody>
+                  <a:tcPr marL="68580" marR="68580" marT="0" marB="0" anchor="ctr"/>
+                </a:tc>
+                <a:tc>
+                  <a:txBody>
+                    <a:bodyPr/>
+                    <a:lstStyle/>
+                    <a:p>
+                      <a:pPr marL="0" marR="0" algn="ctr">
+                        <a:lnSpc>
+                          <a:spcPct val="107000"/>
+                        </a:lnSpc>
+                        <a:spcBef>
+                          <a:spcPts val="0"/>
+                        </a:spcBef>
+                        <a:spcAft>
+                          <a:spcPts val="0"/>
+                        </a:spcAft>
+                      </a:pPr>
+                      <a:r>
+                        <a:rPr lang="en-US" sz="1100">
+                          <a:effectLst/>
+                        </a:rPr>
+                        <a:t> </a:t>
+                      </a:r>
+                      <a:endParaRPr lang="en-US" sz="1100" b="1">
+                        <a:effectLst/>
+                        <a:latin typeface="Calibri" panose="020F0502020204030204" pitchFamily="34" charset="0"/>
+                        <a:ea typeface="Calibri" panose="020F0502020204030204" pitchFamily="34" charset="0"/>
+                        <a:cs typeface="Arial" panose="020B0604020202020204" pitchFamily="34" charset="0"/>
+                      </a:endParaRPr>
+                    </a:p>
+                  </a:txBody>
+                  <a:tcPr marL="68580" marR="68580" marT="0" marB="0" anchor="ctr"/>
+                </a:tc>
+                <a:tc>
+                  <a:txBody>
+                    <a:bodyPr/>
+                    <a:lstStyle/>
+                    <a:p>
+                      <a:pPr marL="0" marR="0" algn="ctr">
+                        <a:lnSpc>
+                          <a:spcPct val="107000"/>
+                        </a:lnSpc>
+                        <a:spcBef>
+                          <a:spcPts val="0"/>
+                        </a:spcBef>
+                        <a:spcAft>
+                          <a:spcPts val="0"/>
+                        </a:spcAft>
+                      </a:pPr>
+                      <a:r>
+                        <a:rPr lang="en-US" sz="1100">
+                          <a:effectLst/>
+                          <a:sym typeface="Wingdings" panose="05000000000000000000" pitchFamily="2" charset="2"/>
+                        </a:rPr>
+                        <a:t></a:t>
+                      </a:r>
+                      <a:endParaRPr lang="en-US" sz="1100" b="1">
+                        <a:effectLst/>
+                        <a:latin typeface="Calibri" panose="020F0502020204030204" pitchFamily="34" charset="0"/>
+                        <a:ea typeface="Calibri" panose="020F0502020204030204" pitchFamily="34" charset="0"/>
+                        <a:cs typeface="Arial" panose="020B0604020202020204" pitchFamily="34" charset="0"/>
+                      </a:endParaRPr>
+                    </a:p>
+                  </a:txBody>
+                  <a:tcPr marL="68580" marR="68580" marT="0" marB="0" anchor="ctr"/>
+                </a:tc>
+                <a:tc>
+                  <a:txBody>
+                    <a:bodyPr/>
+                    <a:lstStyle/>
+                    <a:p>
+                      <a:pPr marL="0" marR="0" algn="ctr">
+                        <a:lnSpc>
+                          <a:spcPct val="107000"/>
+                        </a:lnSpc>
+                        <a:spcBef>
+                          <a:spcPts val="0"/>
+                        </a:spcBef>
+                        <a:spcAft>
+                          <a:spcPts val="0"/>
+                        </a:spcAft>
+                      </a:pPr>
+                      <a:r>
+                        <a:rPr lang="en-US" sz="1100" dirty="0">
+                          <a:effectLst/>
+                        </a:rPr>
+                        <a:t> </a:t>
+                      </a:r>
+                      <a:endParaRPr lang="en-US" sz="1100" b="1" dirty="0">
+                        <a:effectLst/>
+                        <a:latin typeface="Calibri" panose="020F0502020204030204" pitchFamily="34" charset="0"/>
+                        <a:ea typeface="Calibri" panose="020F0502020204030204" pitchFamily="34" charset="0"/>
+                        <a:cs typeface="Arial" panose="020B0604020202020204" pitchFamily="34" charset="0"/>
+                      </a:endParaRPr>
+                    </a:p>
+                  </a:txBody>
+                  <a:tcPr marL="68580" marR="68580" marT="0" marB="0" anchor="ctr"/>
+                </a:tc>
+              </a:tr>
+            </a:tbl>
+          </a:graphicData>
+        </a:graphic>
+      </p:graphicFrame>
     </p:spTree>
     <p:extLst>
       <p:ext uri="{BB962C8B-B14F-4D97-AF65-F5344CB8AC3E}">
-        <p14:creationId xmlns:p14="http://schemas.microsoft.com/office/powerpoint/2010/main" val="110452088"/>
+        <p14:creationId xmlns:p14="http://schemas.microsoft.com/office/powerpoint/2010/main" val="4150897009"/>
       </p:ext>
     </p:extLst>
   </p:cSld>
   <p:clrMapOvr>
     <a:masterClrMapping/>
   </p:clrMapOvr>
+  <p:timing>
+    <p:tnLst>
+      <p:par>
+        <p:cTn id="1" dur="indefinite" restart="never" nodeType="tmRoot"/>
+      </p:par>
+    </p:tnLst>
+  </p:timing>
 </p:sld>
 </file>
 
@@ -4890,7 +7473,7 @@
           <p:cNvPr id="2" name="Title 1">
             <a:extLst>
               <a:ext uri="{FF2B5EF4-FFF2-40B4-BE49-F238E27FC236}">
-                <a16:creationId xmlns:a16="http://schemas.microsoft.com/office/drawing/2014/main" id="{3AE0C9F6-F394-418D-96A4-49626E554771}"/>
+                <a16:creationId xmlns:a16="http://schemas.microsoft.com/office/drawing/2014/main" xmlns="" id="{987A2B9E-3B6D-4CDD-AB4C-21E3236C98BA}"/>
               </a:ext>
             </a:extLst>
           </p:cNvPr>
@@ -4908,7 +7491,7 @@
           <a:p>
             <a:r>
               <a:rPr lang="en-US" dirty="0"/>
-              <a:t>Use case Diagram</a:t>
+              <a:t>Requirement Analysis</a:t>
             </a:r>
           </a:p>
         </p:txBody>
@@ -4918,7 +7501,375 @@
           <p:cNvPr id="3" name="Content Placeholder 2">
             <a:extLst>
               <a:ext uri="{FF2B5EF4-FFF2-40B4-BE49-F238E27FC236}">
-                <a16:creationId xmlns:a16="http://schemas.microsoft.com/office/drawing/2014/main" id="{60780DC7-6E0C-499C-B432-5D3FAE7733F5}"/>
+                <a16:creationId xmlns:a16="http://schemas.microsoft.com/office/drawing/2014/main" xmlns="" id="{67DBD9DD-B1A5-41B6-8460-CB9575F4E501}"/>
+              </a:ext>
+            </a:extLst>
+          </p:cNvPr>
+          <p:cNvSpPr>
+            <a:spLocks noGrp="1"/>
+          </p:cNvSpPr>
+          <p:nvPr>
+            <p:ph idx="1"/>
+          </p:nvPr>
+        </p:nvSpPr>
+        <p:spPr/>
+        <p:txBody>
+          <a:bodyPr>
+            <a:normAutofit/>
+          </a:bodyPr>
+          <a:lstStyle/>
+          <a:p>
+            <a:r>
+              <a:rPr lang="en-US" dirty="0"/>
+              <a:t>Our application includes Three main modules:</a:t>
+            </a:r>
+          </a:p>
+          <a:p>
+            <a:r>
+              <a:rPr lang="en-US" dirty="0"/>
+              <a:t>Main Menu</a:t>
+            </a:r>
+          </a:p>
+          <a:p>
+            <a:r>
+              <a:rPr lang="en-US" dirty="0"/>
+              <a:t>Tour Guide</a:t>
+            </a:r>
+          </a:p>
+          <a:p>
+            <a:r>
+              <a:rPr lang="en-US" dirty="0"/>
+              <a:t>Game Mode</a:t>
+            </a:r>
+          </a:p>
+        </p:txBody>
+      </p:sp>
+    </p:spTree>
+    <p:extLst>
+      <p:ext uri="{BB962C8B-B14F-4D97-AF65-F5344CB8AC3E}">
+        <p14:creationId xmlns:p14="http://schemas.microsoft.com/office/powerpoint/2010/main" val="897558224"/>
+      </p:ext>
+    </p:extLst>
+  </p:cSld>
+  <p:clrMapOvr>
+    <a:masterClrMapping/>
+  </p:clrMapOvr>
+</p:sld>
+</file>
+
+<file path=ppt/slides/slide15.xml><?xml version="1.0" encoding="utf-8"?>
+<p:sld xmlns:a="http://schemas.openxmlformats.org/drawingml/2006/main" xmlns:r="http://schemas.openxmlformats.org/officeDocument/2006/relationships" xmlns:p="http://schemas.openxmlformats.org/presentationml/2006/main">
+  <p:cSld>
+    <p:spTree>
+      <p:nvGrpSpPr>
+        <p:cNvPr id="1" name=""/>
+        <p:cNvGrpSpPr/>
+        <p:nvPr/>
+      </p:nvGrpSpPr>
+      <p:grpSpPr>
+        <a:xfrm>
+          <a:off x="0" y="0"/>
+          <a:ext cx="0" cy="0"/>
+          <a:chOff x="0" y="0"/>
+          <a:chExt cx="0" cy="0"/>
+        </a:xfrm>
+      </p:grpSpPr>
+      <p:sp>
+        <p:nvSpPr>
+          <p:cNvPr id="3" name="Content Placeholder 2">
+            <a:extLst>
+              <a:ext uri="{FF2B5EF4-FFF2-40B4-BE49-F238E27FC236}">
+                <a16:creationId xmlns:a16="http://schemas.microsoft.com/office/drawing/2014/main" xmlns="" id="{379FBF68-DC88-4C2D-AED4-BD846653AB4B}"/>
+              </a:ext>
+            </a:extLst>
+          </p:cNvPr>
+          <p:cNvSpPr>
+            <a:spLocks noGrp="1"/>
+          </p:cNvSpPr>
+          <p:nvPr>
+            <p:ph idx="1"/>
+          </p:nvPr>
+        </p:nvSpPr>
+        <p:spPr>
+          <a:xfrm>
+            <a:off x="1371600" y="590843"/>
+            <a:ext cx="9601200" cy="5753686"/>
+          </a:xfrm>
+        </p:spPr>
+        <p:txBody>
+          <a:bodyPr>
+            <a:normAutofit/>
+          </a:bodyPr>
+          <a:lstStyle/>
+          <a:p>
+            <a:pPr marL="0" indent="0">
+              <a:buNone/>
+            </a:pPr>
+            <a:r>
+              <a:rPr lang="en-US" sz="2400" b="1" dirty="0"/>
+              <a:t>Main Menu Module</a:t>
+            </a:r>
+          </a:p>
+          <a:p>
+            <a:pPr marL="0" indent="0">
+              <a:buNone/>
+            </a:pPr>
+            <a:r>
+              <a:rPr lang="en-US" dirty="0"/>
+              <a:t>R1: The application shall allow user to select Tour Guide/Game or Exit the application</a:t>
+            </a:r>
+          </a:p>
+          <a:p>
+            <a:pPr marL="0" indent="0">
+              <a:buNone/>
+            </a:pPr>
+            <a:endParaRPr lang="en-US" dirty="0"/>
+          </a:p>
+          <a:p>
+            <a:pPr marL="0" indent="0">
+              <a:buNone/>
+            </a:pPr>
+            <a:r>
+              <a:rPr lang="en-US" sz="2400" b="1" dirty="0"/>
+              <a:t>Tour Guide</a:t>
+            </a:r>
+          </a:p>
+          <a:p>
+            <a:pPr marL="0" indent="0">
+              <a:buNone/>
+            </a:pPr>
+            <a:r>
+              <a:rPr lang="en-US" dirty="0"/>
+              <a:t>R2: The application shall guide the user with robot companion.</a:t>
+            </a:r>
+          </a:p>
+          <a:p>
+            <a:pPr marL="0" indent="0">
+              <a:buNone/>
+            </a:pPr>
+            <a:r>
+              <a:rPr lang="en-US" dirty="0"/>
+              <a:t>R3: The application shall pass the user through all the water cycle phases.</a:t>
+            </a:r>
+          </a:p>
+          <a:p>
+            <a:pPr marL="0" indent="0">
+              <a:buNone/>
+            </a:pPr>
+            <a:r>
+              <a:rPr lang="en-US" dirty="0"/>
+              <a:t>R4: The application shall allow user to look around. </a:t>
+            </a:r>
+          </a:p>
+          <a:p>
+            <a:pPr marL="0" indent="0">
+              <a:buNone/>
+            </a:pPr>
+            <a:r>
+              <a:rPr lang="en-US" dirty="0"/>
+              <a:t> </a:t>
+            </a:r>
+          </a:p>
+          <a:p>
+            <a:pPr marL="0" indent="0">
+              <a:buNone/>
+            </a:pPr>
+            <a:r>
+              <a:rPr lang="en-US" sz="2400" b="1" dirty="0"/>
+              <a:t>Mini Game:</a:t>
+            </a:r>
+          </a:p>
+          <a:p>
+            <a:pPr marL="0" indent="0">
+              <a:buNone/>
+            </a:pPr>
+            <a:r>
+              <a:rPr lang="en-US" dirty="0"/>
+              <a:t>R5: The application shall allow user to move player as needed.</a:t>
+            </a:r>
+          </a:p>
+          <a:p>
+            <a:pPr marL="0" indent="0">
+              <a:buNone/>
+            </a:pPr>
+            <a:r>
+              <a:rPr lang="en-US" dirty="0"/>
+              <a:t>R6: The application shall limit user gameplay time.</a:t>
+            </a:r>
+          </a:p>
+          <a:p>
+            <a:pPr marL="0" indent="0">
+              <a:buNone/>
+            </a:pPr>
+            <a:r>
+              <a:rPr lang="en-US" dirty="0"/>
+              <a:t>R7: The application must record user gameplay time for high score.</a:t>
+            </a:r>
+          </a:p>
+          <a:p>
+            <a:pPr marL="0" indent="0">
+              <a:buNone/>
+            </a:pPr>
+            <a:endParaRPr lang="en-US" dirty="0"/>
+          </a:p>
+        </p:txBody>
+      </p:sp>
+    </p:spTree>
+    <p:extLst>
+      <p:ext uri="{BB962C8B-B14F-4D97-AF65-F5344CB8AC3E}">
+        <p14:creationId xmlns:p14="http://schemas.microsoft.com/office/powerpoint/2010/main" val="2689985128"/>
+      </p:ext>
+    </p:extLst>
+  </p:cSld>
+  <p:clrMapOvr>
+    <a:masterClrMapping/>
+  </p:clrMapOvr>
+</p:sld>
+</file>
+
+<file path=ppt/slides/slide16.xml><?xml version="1.0" encoding="utf-8"?>
+<p:sld xmlns:a="http://schemas.openxmlformats.org/drawingml/2006/main" xmlns:r="http://schemas.openxmlformats.org/officeDocument/2006/relationships" xmlns:p="http://schemas.openxmlformats.org/presentationml/2006/main">
+  <p:cSld>
+    <p:spTree>
+      <p:nvGrpSpPr>
+        <p:cNvPr id="1" name=""/>
+        <p:cNvGrpSpPr/>
+        <p:nvPr/>
+      </p:nvGrpSpPr>
+      <p:grpSpPr>
+        <a:xfrm>
+          <a:off x="0" y="0"/>
+          <a:ext cx="0" cy="0"/>
+          <a:chOff x="0" y="0"/>
+          <a:chExt cx="0" cy="0"/>
+        </a:xfrm>
+      </p:grpSpPr>
+      <p:sp>
+        <p:nvSpPr>
+          <p:cNvPr id="2" name="Title 1">
+            <a:extLst>
+              <a:ext uri="{FF2B5EF4-FFF2-40B4-BE49-F238E27FC236}">
+                <a16:creationId xmlns:a16="http://schemas.microsoft.com/office/drawing/2014/main" xmlns="" id="{572B919B-7970-414F-944C-D7DCE41D5119}"/>
+              </a:ext>
+            </a:extLst>
+          </p:cNvPr>
+          <p:cNvSpPr>
+            <a:spLocks noGrp="1"/>
+          </p:cNvSpPr>
+          <p:nvPr>
+            <p:ph type="title"/>
+          </p:nvPr>
+        </p:nvSpPr>
+        <p:spPr/>
+        <p:txBody>
+          <a:bodyPr/>
+          <a:lstStyle/>
+          <a:p>
+            <a:r>
+              <a:rPr lang="en-US" dirty="0"/>
+              <a:t>Non-functional Requirements </a:t>
+            </a:r>
+          </a:p>
+        </p:txBody>
+      </p:sp>
+      <p:sp>
+        <p:nvSpPr>
+          <p:cNvPr id="3" name="Content Placeholder 2">
+            <a:extLst>
+              <a:ext uri="{FF2B5EF4-FFF2-40B4-BE49-F238E27FC236}">
+                <a16:creationId xmlns:a16="http://schemas.microsoft.com/office/drawing/2014/main" xmlns="" id="{57F44D35-13DB-4243-AAB8-F4DD4AA3E478}"/>
+              </a:ext>
+            </a:extLst>
+          </p:cNvPr>
+          <p:cNvSpPr>
+            <a:spLocks noGrp="1"/>
+          </p:cNvSpPr>
+          <p:nvPr>
+            <p:ph idx="1"/>
+          </p:nvPr>
+        </p:nvSpPr>
+        <p:spPr/>
+        <p:txBody>
+          <a:bodyPr/>
+          <a:lstStyle/>
+          <a:p>
+            <a:r>
+              <a:rPr lang="en-US" dirty="0"/>
+              <a:t>The application must not lag for more than 0.002 seconds</a:t>
+            </a:r>
+          </a:p>
+          <a:p>
+            <a:pPr marL="0" indent="0">
+              <a:buNone/>
+            </a:pPr>
+            <a:endParaRPr lang="en-US" dirty="0"/>
+          </a:p>
+        </p:txBody>
+      </p:sp>
+    </p:spTree>
+    <p:extLst>
+      <p:ext uri="{BB962C8B-B14F-4D97-AF65-F5344CB8AC3E}">
+        <p14:creationId xmlns:p14="http://schemas.microsoft.com/office/powerpoint/2010/main" val="110452088"/>
+      </p:ext>
+    </p:extLst>
+  </p:cSld>
+  <p:clrMapOvr>
+    <a:masterClrMapping/>
+  </p:clrMapOvr>
+</p:sld>
+</file>
+
+<file path=ppt/slides/slide17.xml><?xml version="1.0" encoding="utf-8"?>
+<p:sld xmlns:a="http://schemas.openxmlformats.org/drawingml/2006/main" xmlns:r="http://schemas.openxmlformats.org/officeDocument/2006/relationships" xmlns:p="http://schemas.openxmlformats.org/presentationml/2006/main">
+  <p:cSld>
+    <p:spTree>
+      <p:nvGrpSpPr>
+        <p:cNvPr id="1" name=""/>
+        <p:cNvGrpSpPr/>
+        <p:nvPr/>
+      </p:nvGrpSpPr>
+      <p:grpSpPr>
+        <a:xfrm>
+          <a:off x="0" y="0"/>
+          <a:ext cx="0" cy="0"/>
+          <a:chOff x="0" y="0"/>
+          <a:chExt cx="0" cy="0"/>
+        </a:xfrm>
+      </p:grpSpPr>
+      <p:sp>
+        <p:nvSpPr>
+          <p:cNvPr id="2" name="Title 1">
+            <a:extLst>
+              <a:ext uri="{FF2B5EF4-FFF2-40B4-BE49-F238E27FC236}">
+                <a16:creationId xmlns:a16="http://schemas.microsoft.com/office/drawing/2014/main" xmlns="" id="{3AE0C9F6-F394-418D-96A4-49626E554771}"/>
+              </a:ext>
+            </a:extLst>
+          </p:cNvPr>
+          <p:cNvSpPr>
+            <a:spLocks noGrp="1"/>
+          </p:cNvSpPr>
+          <p:nvPr>
+            <p:ph type="title"/>
+          </p:nvPr>
+        </p:nvSpPr>
+        <p:spPr/>
+        <p:txBody>
+          <a:bodyPr/>
+          <a:lstStyle/>
+          <a:p>
+            <a:r>
+              <a:rPr lang="en-US" dirty="0"/>
+              <a:t>Use case Diagram</a:t>
+            </a:r>
+          </a:p>
+        </p:txBody>
+      </p:sp>
+      <p:sp>
+        <p:nvSpPr>
+          <p:cNvPr id="3" name="Content Placeholder 2">
+            <a:extLst>
+              <a:ext uri="{FF2B5EF4-FFF2-40B4-BE49-F238E27FC236}">
+                <a16:creationId xmlns:a16="http://schemas.microsoft.com/office/drawing/2014/main" xmlns="" id="{60780DC7-6E0C-499C-B432-5D3FAE7733F5}"/>
               </a:ext>
             </a:extLst>
           </p:cNvPr>
@@ -4952,7 +7903,7 @@
           <p:cNvPr id="4" name="Picture 3">
             <a:extLst>
               <a:ext uri="{FF2B5EF4-FFF2-40B4-BE49-F238E27FC236}">
-                <a16:creationId xmlns:a16="http://schemas.microsoft.com/office/drawing/2014/main" id="{C90B0524-6AAC-4739-8263-BBA3A39E4DA6}"/>
+                <a16:creationId xmlns:a16="http://schemas.microsoft.com/office/drawing/2014/main" xmlns="" id="{C90B0524-6AAC-4739-8263-BBA3A39E4DA6}"/>
               </a:ext>
             </a:extLst>
           </p:cNvPr>
@@ -5002,7 +7953,7 @@
 </p:sld>
 </file>
 
-<file path=ppt/slides/slide15.xml><?xml version="1.0" encoding="utf-8"?>
+<file path=ppt/slides/slide18.xml><?xml version="1.0" encoding="utf-8"?>
 <p:sld xmlns:a="http://schemas.openxmlformats.org/drawingml/2006/main" xmlns:r="http://schemas.openxmlformats.org/officeDocument/2006/relationships" xmlns:p="http://schemas.openxmlformats.org/presentationml/2006/main">
   <p:cSld>
     <p:spTree>
@@ -5024,7 +7975,7 @@
           <p:cNvPr id="2" name="Title 1">
             <a:extLst>
               <a:ext uri="{FF2B5EF4-FFF2-40B4-BE49-F238E27FC236}">
-                <a16:creationId xmlns:a16="http://schemas.microsoft.com/office/drawing/2014/main" id="{67423FAA-9D78-41BE-BEE2-6621D8D99B08}"/>
+                <a16:creationId xmlns:a16="http://schemas.microsoft.com/office/drawing/2014/main" xmlns="" id="{67423FAA-9D78-41BE-BEE2-6621D8D99B08}"/>
               </a:ext>
             </a:extLst>
           </p:cNvPr>
@@ -5052,7 +8003,7 @@
           <p:cNvPr id="3" name="Content Placeholder 2">
             <a:extLst>
               <a:ext uri="{FF2B5EF4-FFF2-40B4-BE49-F238E27FC236}">
-                <a16:creationId xmlns:a16="http://schemas.microsoft.com/office/drawing/2014/main" id="{914A72A8-87B7-4A3E-8DAF-1E357F80BB47}"/>
+                <a16:creationId xmlns:a16="http://schemas.microsoft.com/office/drawing/2014/main" xmlns="" id="{914A72A8-87B7-4A3E-8DAF-1E357F80BB47}"/>
               </a:ext>
             </a:extLst>
           </p:cNvPr>
@@ -5080,7 +8031,7 @@
           <p:cNvPr id="4" name="Picture 3">
             <a:extLst>
               <a:ext uri="{FF2B5EF4-FFF2-40B4-BE49-F238E27FC236}">
-                <a16:creationId xmlns:a16="http://schemas.microsoft.com/office/drawing/2014/main" id="{672F7595-69B9-4DAB-8322-2BABA7064F8B}"/>
+                <a16:creationId xmlns:a16="http://schemas.microsoft.com/office/drawing/2014/main" xmlns="" id="{672F7595-69B9-4DAB-8322-2BABA7064F8B}"/>
               </a:ext>
             </a:extLst>
           </p:cNvPr>
@@ -5130,7 +8081,7 @@
 </p:sld>
 </file>
 
-<file path=ppt/slides/slide16.xml><?xml version="1.0" encoding="utf-8"?>
+<file path=ppt/slides/slide19.xml><?xml version="1.0" encoding="utf-8"?>
 <p:sld xmlns:a="http://schemas.openxmlformats.org/drawingml/2006/main" xmlns:r="http://schemas.openxmlformats.org/officeDocument/2006/relationships" xmlns:p="http://schemas.openxmlformats.org/presentationml/2006/main">
   <p:cSld>
     <p:spTree>
@@ -5152,7 +8103,7 @@
           <p:cNvPr id="2" name="Title 1">
             <a:extLst>
               <a:ext uri="{FF2B5EF4-FFF2-40B4-BE49-F238E27FC236}">
-                <a16:creationId xmlns:a16="http://schemas.microsoft.com/office/drawing/2014/main" id="{AA652A55-4BBF-44C0-9483-296DC4886021}"/>
+                <a16:creationId xmlns:a16="http://schemas.microsoft.com/office/drawing/2014/main" xmlns="" id="{AA652A55-4BBF-44C0-9483-296DC4886021}"/>
               </a:ext>
             </a:extLst>
           </p:cNvPr>
@@ -5180,7 +8131,7 @@
           <p:cNvPr id="3" name="Content Placeholder 2">
             <a:extLst>
               <a:ext uri="{FF2B5EF4-FFF2-40B4-BE49-F238E27FC236}">
-                <a16:creationId xmlns:a16="http://schemas.microsoft.com/office/drawing/2014/main" id="{073B9CCF-CD4B-49EE-9419-06671F73F5B8}"/>
+                <a16:creationId xmlns:a16="http://schemas.microsoft.com/office/drawing/2014/main" xmlns="" id="{073B9CCF-CD4B-49EE-9419-06671F73F5B8}"/>
               </a:ext>
             </a:extLst>
           </p:cNvPr>
@@ -5208,7 +8159,7 @@
           <p:cNvPr id="4" name="Picture 3">
             <a:extLst>
               <a:ext uri="{FF2B5EF4-FFF2-40B4-BE49-F238E27FC236}">
-                <a16:creationId xmlns:a16="http://schemas.microsoft.com/office/drawing/2014/main" id="{57E421ED-8741-4E5A-9A62-E61BD04979A8}"/>
+                <a16:creationId xmlns:a16="http://schemas.microsoft.com/office/drawing/2014/main" xmlns="" id="{57E421ED-8741-4E5A-9A62-E61BD04979A8}"/>
               </a:ext>
             </a:extLst>
           </p:cNvPr>
@@ -5258,7 +8209,7 @@
 </p:sld>
 </file>
 
-<file path=ppt/slides/slide17.xml><?xml version="1.0" encoding="utf-8"?>
+<file path=ppt/slides/slide2.xml><?xml version="1.0" encoding="utf-8"?>
 <p:sld xmlns:a="http://schemas.openxmlformats.org/drawingml/2006/main" xmlns:r="http://schemas.openxmlformats.org/officeDocument/2006/relationships" xmlns:p="http://schemas.openxmlformats.org/presentationml/2006/main">
   <p:cSld>
     <p:spTree>
@@ -5280,7 +8231,115 @@
           <p:cNvPr id="2" name="Title 1">
             <a:extLst>
               <a:ext uri="{FF2B5EF4-FFF2-40B4-BE49-F238E27FC236}">
-                <a16:creationId xmlns:a16="http://schemas.microsoft.com/office/drawing/2014/main" id="{638922BD-D6C8-4838-A26C-ABDA8AAF1130}"/>
+                <a16:creationId xmlns:a16="http://schemas.microsoft.com/office/drawing/2014/main" xmlns="" id="{99F1A885-3075-40C9-B832-9F6A5CA4446F}"/>
+              </a:ext>
+            </a:extLst>
+          </p:cNvPr>
+          <p:cNvSpPr>
+            <a:spLocks noGrp="1"/>
+          </p:cNvSpPr>
+          <p:nvPr>
+            <p:ph type="title"/>
+          </p:nvPr>
+        </p:nvSpPr>
+        <p:spPr/>
+        <p:txBody>
+          <a:bodyPr/>
+          <a:lstStyle/>
+          <a:p>
+            <a:r>
+              <a:rPr lang="en-US"/>
+              <a:t>Content</a:t>
+            </a:r>
+            <a:endParaRPr lang="en-US" dirty="0"/>
+          </a:p>
+        </p:txBody>
+      </p:sp>
+      <p:sp>
+        <p:nvSpPr>
+          <p:cNvPr id="3" name="Content Placeholder 2">
+            <a:extLst>
+              <a:ext uri="{FF2B5EF4-FFF2-40B4-BE49-F238E27FC236}">
+                <a16:creationId xmlns:a16="http://schemas.microsoft.com/office/drawing/2014/main" xmlns="" id="{2F2E208E-4B1D-498B-9E74-D5D162EA1EAF}"/>
+              </a:ext>
+            </a:extLst>
+          </p:cNvPr>
+          <p:cNvSpPr>
+            <a:spLocks noGrp="1"/>
+          </p:cNvSpPr>
+          <p:nvPr>
+            <p:ph idx="1"/>
+          </p:nvPr>
+        </p:nvSpPr>
+        <p:spPr/>
+        <p:txBody>
+          <a:bodyPr/>
+          <a:lstStyle/>
+          <a:p>
+            <a:r>
+              <a:rPr lang="en-US" dirty="0"/>
+              <a:t>Introduction</a:t>
+            </a:r>
+          </a:p>
+          <a:p>
+            <a:r>
+              <a:rPr lang="en-US" dirty="0"/>
+              <a:t>Literature Review</a:t>
+            </a:r>
+          </a:p>
+          <a:p>
+            <a:r>
+              <a:rPr lang="en-US" dirty="0"/>
+              <a:t>Requirement analysis</a:t>
+            </a:r>
+          </a:p>
+          <a:p>
+            <a:r>
+              <a:rPr lang="en-US" dirty="0"/>
+              <a:t>Conclusion</a:t>
+            </a:r>
+          </a:p>
+          <a:p>
+            <a:endParaRPr lang="en-US" dirty="0"/>
+          </a:p>
+        </p:txBody>
+      </p:sp>
+    </p:spTree>
+    <p:extLst>
+      <p:ext uri="{BB962C8B-B14F-4D97-AF65-F5344CB8AC3E}">
+        <p14:creationId xmlns:p14="http://schemas.microsoft.com/office/powerpoint/2010/main" val="2816489390"/>
+      </p:ext>
+    </p:extLst>
+  </p:cSld>
+  <p:clrMapOvr>
+    <a:masterClrMapping/>
+  </p:clrMapOvr>
+</p:sld>
+</file>
+
+<file path=ppt/slides/slide20.xml><?xml version="1.0" encoding="utf-8"?>
+<p:sld xmlns:a="http://schemas.openxmlformats.org/drawingml/2006/main" xmlns:r="http://schemas.openxmlformats.org/officeDocument/2006/relationships" xmlns:p="http://schemas.openxmlformats.org/presentationml/2006/main">
+  <p:cSld>
+    <p:spTree>
+      <p:nvGrpSpPr>
+        <p:cNvPr id="1" name=""/>
+        <p:cNvGrpSpPr/>
+        <p:nvPr/>
+      </p:nvGrpSpPr>
+      <p:grpSpPr>
+        <a:xfrm>
+          <a:off x="0" y="0"/>
+          <a:ext cx="0" cy="0"/>
+          <a:chOff x="0" y="0"/>
+          <a:chExt cx="0" cy="0"/>
+        </a:xfrm>
+      </p:grpSpPr>
+      <p:sp>
+        <p:nvSpPr>
+          <p:cNvPr id="2" name="Title 1">
+            <a:extLst>
+              <a:ext uri="{FF2B5EF4-FFF2-40B4-BE49-F238E27FC236}">
+                <a16:creationId xmlns:a16="http://schemas.microsoft.com/office/drawing/2014/main" xmlns="" id="{638922BD-D6C8-4838-A26C-ABDA8AAF1130}"/>
               </a:ext>
             </a:extLst>
           </p:cNvPr>
@@ -5308,7 +8367,7 @@
           <p:cNvPr id="4" name="Picture 3">
             <a:extLst>
               <a:ext uri="{FF2B5EF4-FFF2-40B4-BE49-F238E27FC236}">
-                <a16:creationId xmlns:a16="http://schemas.microsoft.com/office/drawing/2014/main" id="{28DE14FE-84BF-442E-9367-9DA52183980D}"/>
+                <a16:creationId xmlns:a16="http://schemas.microsoft.com/office/drawing/2014/main" xmlns="" id="{28DE14FE-84BF-442E-9367-9DA52183980D}"/>
               </a:ext>
             </a:extLst>
           </p:cNvPr>
@@ -5358,7 +8417,7 @@
 </p:sld>
 </file>
 
-<file path=ppt/slides/slide18.xml><?xml version="1.0" encoding="utf-8"?>
+<file path=ppt/slides/slide21.xml><?xml version="1.0" encoding="utf-8"?>
 <p:sld xmlns:a="http://schemas.openxmlformats.org/drawingml/2006/main" xmlns:r="http://schemas.openxmlformats.org/officeDocument/2006/relationships" xmlns:p="http://schemas.openxmlformats.org/presentationml/2006/main">
   <p:cSld>
     <p:spTree>
@@ -5380,7 +8439,7 @@
           <p:cNvPr id="2" name="Title 1">
             <a:extLst>
               <a:ext uri="{FF2B5EF4-FFF2-40B4-BE49-F238E27FC236}">
-                <a16:creationId xmlns:a16="http://schemas.microsoft.com/office/drawing/2014/main" id="{10532DA2-DA77-459D-901A-8AFDC5F1C4B0}"/>
+                <a16:creationId xmlns:a16="http://schemas.microsoft.com/office/drawing/2014/main" xmlns="" id="{10532DA2-DA77-459D-901A-8AFDC5F1C4B0}"/>
               </a:ext>
             </a:extLst>
           </p:cNvPr>
@@ -5408,7 +8467,7 @@
           <p:cNvPr id="3" name="Content Placeholder 2">
             <a:extLst>
               <a:ext uri="{FF2B5EF4-FFF2-40B4-BE49-F238E27FC236}">
-                <a16:creationId xmlns:a16="http://schemas.microsoft.com/office/drawing/2014/main" id="{DB586400-FCBB-4F9E-AEC9-79F70B4DCB66}"/>
+                <a16:creationId xmlns:a16="http://schemas.microsoft.com/office/drawing/2014/main" xmlns="" id="{DB586400-FCBB-4F9E-AEC9-79F70B4DCB66}"/>
               </a:ext>
             </a:extLst>
           </p:cNvPr>
@@ -5419,15 +8478,91 @@
             <p:ph idx="1"/>
           </p:nvPr>
         </p:nvSpPr>
-        <p:spPr/>
+        <p:spPr>
+          <a:xfrm>
+            <a:off x="1371600" y="2286000"/>
+            <a:ext cx="5312004" cy="3581400"/>
+          </a:xfrm>
+        </p:spPr>
         <p:txBody>
           <a:bodyPr/>
           <a:lstStyle/>
           <a:p>
+            <a:r>
+              <a:rPr lang="en-US" dirty="0" smtClean="0"/>
+              <a:t>This app is being made to benefit students and enhance their knowledge.</a:t>
+            </a:r>
+          </a:p>
+          <a:p>
+            <a:pPr marL="0" indent="0">
+              <a:buNone/>
+            </a:pPr>
+            <a:endParaRPr lang="en-US" dirty="0" smtClean="0"/>
+          </a:p>
+          <a:p>
+            <a:r>
+              <a:rPr lang="en-US" dirty="0" smtClean="0"/>
+              <a:t>Not many VR apps in this domain are launched yet.</a:t>
+            </a:r>
+          </a:p>
+          <a:p>
+            <a:pPr marL="0" indent="0">
+              <a:buNone/>
+            </a:pPr>
+            <a:endParaRPr lang="en-US" dirty="0" smtClean="0"/>
+          </a:p>
+          <a:p>
+            <a:r>
+              <a:rPr lang="en-US" dirty="0" smtClean="0"/>
+              <a:t>Most suitable programming language and technology will be used to implement this VR app.</a:t>
+            </a:r>
+          </a:p>
+          <a:p>
             <a:endParaRPr lang="en-US" dirty="0"/>
           </a:p>
         </p:txBody>
       </p:sp>
+      <p:pic>
+        <p:nvPicPr>
+          <p:cNvPr id="4098" name="Picture 2" descr="Image result for conclusion"/>
+          <p:cNvPicPr>
+            <a:picLocks noChangeAspect="1" noChangeArrowheads="1"/>
+          </p:cNvPicPr>
+          <p:nvPr/>
+        </p:nvPicPr>
+        <p:blipFill>
+          <a:blip r:embed="rId2">
+            <a:extLst>
+              <a:ext uri="{28A0092B-C50C-407E-A947-70E740481C1C}">
+                <a14:useLocalDpi xmlns:a14="http://schemas.microsoft.com/office/drawing/2010/main" val="0"/>
+              </a:ext>
+            </a:extLst>
+          </a:blip>
+          <a:srcRect/>
+          <a:stretch>
+            <a:fillRect/>
+          </a:stretch>
+        </p:blipFill>
+        <p:spPr bwMode="auto">
+          <a:xfrm>
+            <a:off x="7055996" y="990599"/>
+            <a:ext cx="4876800" cy="4876801"/>
+          </a:xfrm>
+          <a:prstGeom prst="rect">
+            <a:avLst/>
+          </a:prstGeom>
+          <a:noFill/>
+          <a:extLst>
+            <a:ext uri="{909E8E84-426E-40DD-AFC4-6F175D3DCCD1}">
+              <a14:hiddenFill xmlns:a14="http://schemas.microsoft.com/office/drawing/2010/main">
+                <a:solidFill>
+                  <a:srgbClr val="FFFFFF"/>
+                </a:solidFill>
+              </a14:hiddenFill>
+            </a:ext>
+          </a:extLst>
+        </p:spPr>
+      </p:pic>
     </p:spTree>
     <p:extLst>
       <p:ext uri="{BB962C8B-B14F-4D97-AF65-F5344CB8AC3E}">
@@ -5441,7 +8576,7 @@
 </p:sld>
 </file>
 
-<file path=ppt/slides/slide19.xml><?xml version="1.0" encoding="utf-8"?>
+<file path=ppt/slides/slide22.xml><?xml version="1.0" encoding="utf-8"?>
 <p:sld xmlns:a="http://schemas.openxmlformats.org/drawingml/2006/main" xmlns:r="http://schemas.openxmlformats.org/officeDocument/2006/relationships" xmlns:p="http://schemas.openxmlformats.org/presentationml/2006/main">
   <p:cSld>
     <p:spTree>
@@ -5463,7 +8598,7 @@
           <p:cNvPr id="2" name="Title 1">
             <a:extLst>
               <a:ext uri="{FF2B5EF4-FFF2-40B4-BE49-F238E27FC236}">
-                <a16:creationId xmlns:a16="http://schemas.microsoft.com/office/drawing/2014/main" id="{5B27978F-BAD3-46C6-AC41-6D563D981774}"/>
+                <a16:creationId xmlns:a16="http://schemas.microsoft.com/office/drawing/2014/main" xmlns="" id="{5B27978F-BAD3-46C6-AC41-6D563D981774}"/>
               </a:ext>
             </a:extLst>
           </p:cNvPr>
@@ -5491,7 +8626,7 @@
           <p:cNvPr id="3" name="Subtitle 2">
             <a:extLst>
               <a:ext uri="{FF2B5EF4-FFF2-40B4-BE49-F238E27FC236}">
-                <a16:creationId xmlns:a16="http://schemas.microsoft.com/office/drawing/2014/main" id="{5649E251-AA3D-4977-8FA9-7B0ED7D0FA10}"/>
+                <a16:creationId xmlns:a16="http://schemas.microsoft.com/office/drawing/2014/main" xmlns="" id="{5649E251-AA3D-4977-8FA9-7B0ED7D0FA10}"/>
               </a:ext>
             </a:extLst>
           </p:cNvPr>
@@ -5518,114 +8653,6 @@
     <p:extLst>
       <p:ext uri="{BB962C8B-B14F-4D97-AF65-F5344CB8AC3E}">
         <p14:creationId xmlns:p14="http://schemas.microsoft.com/office/powerpoint/2010/main" val="4204291281"/>
-      </p:ext>
-    </p:extLst>
-  </p:cSld>
-  <p:clrMapOvr>
-    <a:masterClrMapping/>
-  </p:clrMapOvr>
-</p:sld>
-</file>
-
-<file path=ppt/slides/slide2.xml><?xml version="1.0" encoding="utf-8"?>
-<p:sld xmlns:a="http://schemas.openxmlformats.org/drawingml/2006/main" xmlns:r="http://schemas.openxmlformats.org/officeDocument/2006/relationships" xmlns:p="http://schemas.openxmlformats.org/presentationml/2006/main">
-  <p:cSld>
-    <p:spTree>
-      <p:nvGrpSpPr>
-        <p:cNvPr id="1" name=""/>
-        <p:cNvGrpSpPr/>
-        <p:nvPr/>
-      </p:nvGrpSpPr>
-      <p:grpSpPr>
-        <a:xfrm>
-          <a:off x="0" y="0"/>
-          <a:ext cx="0" cy="0"/>
-          <a:chOff x="0" y="0"/>
-          <a:chExt cx="0" cy="0"/>
-        </a:xfrm>
-      </p:grpSpPr>
-      <p:sp>
-        <p:nvSpPr>
-          <p:cNvPr id="2" name="Title 1">
-            <a:extLst>
-              <a:ext uri="{FF2B5EF4-FFF2-40B4-BE49-F238E27FC236}">
-                <a16:creationId xmlns:a16="http://schemas.microsoft.com/office/drawing/2014/main" id="{99F1A885-3075-40C9-B832-9F6A5CA4446F}"/>
-              </a:ext>
-            </a:extLst>
-          </p:cNvPr>
-          <p:cNvSpPr>
-            <a:spLocks noGrp="1"/>
-          </p:cNvSpPr>
-          <p:nvPr>
-            <p:ph type="title"/>
-          </p:nvPr>
-        </p:nvSpPr>
-        <p:spPr/>
-        <p:txBody>
-          <a:bodyPr/>
-          <a:lstStyle/>
-          <a:p>
-            <a:r>
-              <a:rPr lang="en-US"/>
-              <a:t>Content</a:t>
-            </a:r>
-            <a:endParaRPr lang="en-US" dirty="0"/>
-          </a:p>
-        </p:txBody>
-      </p:sp>
-      <p:sp>
-        <p:nvSpPr>
-          <p:cNvPr id="3" name="Content Placeholder 2">
-            <a:extLst>
-              <a:ext uri="{FF2B5EF4-FFF2-40B4-BE49-F238E27FC236}">
-                <a16:creationId xmlns:a16="http://schemas.microsoft.com/office/drawing/2014/main" id="{2F2E208E-4B1D-498B-9E74-D5D162EA1EAF}"/>
-              </a:ext>
-            </a:extLst>
-          </p:cNvPr>
-          <p:cNvSpPr>
-            <a:spLocks noGrp="1"/>
-          </p:cNvSpPr>
-          <p:nvPr>
-            <p:ph idx="1"/>
-          </p:nvPr>
-        </p:nvSpPr>
-        <p:spPr/>
-        <p:txBody>
-          <a:bodyPr/>
-          <a:lstStyle/>
-          <a:p>
-            <a:r>
-              <a:rPr lang="en-US" dirty="0"/>
-              <a:t>Introduction</a:t>
-            </a:r>
-          </a:p>
-          <a:p>
-            <a:r>
-              <a:rPr lang="en-US" dirty="0"/>
-              <a:t>Literature Review</a:t>
-            </a:r>
-          </a:p>
-          <a:p>
-            <a:r>
-              <a:rPr lang="en-US" dirty="0"/>
-              <a:t>Requirement analysis</a:t>
-            </a:r>
-          </a:p>
-          <a:p>
-            <a:r>
-              <a:rPr lang="en-US" dirty="0"/>
-              <a:t>Conclusion</a:t>
-            </a:r>
-          </a:p>
-          <a:p>
-            <a:endParaRPr lang="en-US" dirty="0"/>
-          </a:p>
-        </p:txBody>
-      </p:sp>
-    </p:spTree>
-    <p:extLst>
-      <p:ext uri="{BB962C8B-B14F-4D97-AF65-F5344CB8AC3E}">
-        <p14:creationId xmlns:p14="http://schemas.microsoft.com/office/powerpoint/2010/main" val="2816489390"/>
       </p:ext>
     </p:extLst>
   </p:cSld>
@@ -5657,7 +8684,7 @@
           <p:cNvPr id="2" name="Title 1">
             <a:extLst>
               <a:ext uri="{FF2B5EF4-FFF2-40B4-BE49-F238E27FC236}">
-                <a16:creationId xmlns:a16="http://schemas.microsoft.com/office/drawing/2014/main" id="{79D9E8BC-E551-427F-B5A3-C9F9F2C1CDA1}"/>
+                <a16:creationId xmlns:a16="http://schemas.microsoft.com/office/drawing/2014/main" xmlns="" id="{79D9E8BC-E551-427F-B5A3-C9F9F2C1CDA1}"/>
               </a:ext>
             </a:extLst>
           </p:cNvPr>
@@ -5685,7 +8712,7 @@
           <p:cNvPr id="3" name="Content Placeholder 2">
             <a:extLst>
               <a:ext uri="{FF2B5EF4-FFF2-40B4-BE49-F238E27FC236}">
-                <a16:creationId xmlns:a16="http://schemas.microsoft.com/office/drawing/2014/main" id="{82980F63-12FE-4913-BB11-CA61837FA0C1}"/>
+                <a16:creationId xmlns:a16="http://schemas.microsoft.com/office/drawing/2014/main" xmlns="" id="{82980F63-12FE-4913-BB11-CA61837FA0C1}"/>
               </a:ext>
             </a:extLst>
           </p:cNvPr>
@@ -5767,7 +8794,7 @@
           <p:cNvPr id="2" name="Title 1">
             <a:extLst>
               <a:ext uri="{FF2B5EF4-FFF2-40B4-BE49-F238E27FC236}">
-                <a16:creationId xmlns:a16="http://schemas.microsoft.com/office/drawing/2014/main" id="{C40FFD64-548A-4A99-A870-CD3191FCE0C7}"/>
+                <a16:creationId xmlns:a16="http://schemas.microsoft.com/office/drawing/2014/main" xmlns="" id="{C40FFD64-548A-4A99-A870-CD3191FCE0C7}"/>
               </a:ext>
             </a:extLst>
           </p:cNvPr>
@@ -5795,7 +8822,7 @@
           <p:cNvPr id="3" name="Content Placeholder 2">
             <a:extLst>
               <a:ext uri="{FF2B5EF4-FFF2-40B4-BE49-F238E27FC236}">
-                <a16:creationId xmlns:a16="http://schemas.microsoft.com/office/drawing/2014/main" id="{08B26BB4-6D06-4536-8124-710012F39B3A}"/>
+                <a16:creationId xmlns:a16="http://schemas.microsoft.com/office/drawing/2014/main" xmlns="" id="{08B26BB4-6D06-4536-8124-710012F39B3A}"/>
               </a:ext>
             </a:extLst>
           </p:cNvPr>
@@ -5865,7 +8892,7 @@
           <p:cNvPr id="2" name="Title 1">
             <a:extLst>
               <a:ext uri="{FF2B5EF4-FFF2-40B4-BE49-F238E27FC236}">
-                <a16:creationId xmlns:a16="http://schemas.microsoft.com/office/drawing/2014/main" id="{8DC0FD8C-96A5-4323-8E47-435C90530937}"/>
+                <a16:creationId xmlns:a16="http://schemas.microsoft.com/office/drawing/2014/main" xmlns="" id="{8DC0FD8C-96A5-4323-8E47-435C90530937}"/>
               </a:ext>
             </a:extLst>
           </p:cNvPr>
@@ -5893,7 +8920,7 @@
           <p:cNvPr id="3" name="Content Placeholder 2">
             <a:extLst>
               <a:ext uri="{FF2B5EF4-FFF2-40B4-BE49-F238E27FC236}">
-                <a16:creationId xmlns:a16="http://schemas.microsoft.com/office/drawing/2014/main" id="{CA5BD5CC-43FB-468C-B3DD-276E31247046}"/>
+                <a16:creationId xmlns:a16="http://schemas.microsoft.com/office/drawing/2014/main" xmlns="" id="{CA5BD5CC-43FB-468C-B3DD-276E31247046}"/>
               </a:ext>
             </a:extLst>
           </p:cNvPr>
@@ -5972,7 +8999,7 @@
           <p:cNvPr id="2" name="Title 1">
             <a:extLst>
               <a:ext uri="{FF2B5EF4-FFF2-40B4-BE49-F238E27FC236}">
-                <a16:creationId xmlns:a16="http://schemas.microsoft.com/office/drawing/2014/main" id="{C6F471E8-F97A-4840-8B15-4EB56FA2E1A4}"/>
+                <a16:creationId xmlns:a16="http://schemas.microsoft.com/office/drawing/2014/main" xmlns="" id="{C6F471E8-F97A-4840-8B15-4EB56FA2E1A4}"/>
               </a:ext>
             </a:extLst>
           </p:cNvPr>
@@ -6000,7 +9027,7 @@
           <p:cNvPr id="3" name="Content Placeholder 2">
             <a:extLst>
               <a:ext uri="{FF2B5EF4-FFF2-40B4-BE49-F238E27FC236}">
-                <a16:creationId xmlns:a16="http://schemas.microsoft.com/office/drawing/2014/main" id="{CF2C1132-D263-4A0D-92DE-9FFEF6BB7789}"/>
+                <a16:creationId xmlns:a16="http://schemas.microsoft.com/office/drawing/2014/main" xmlns="" id="{CF2C1132-D263-4A0D-92DE-9FFEF6BB7789}"/>
               </a:ext>
             </a:extLst>
           </p:cNvPr>
@@ -6070,7 +9097,7 @@
           <p:cNvPr id="2" name="Title 1">
             <a:extLst>
               <a:ext uri="{FF2B5EF4-FFF2-40B4-BE49-F238E27FC236}">
-                <a16:creationId xmlns:a16="http://schemas.microsoft.com/office/drawing/2014/main" id="{84D7991D-144A-4372-8BD2-616794586C45}"/>
+                <a16:creationId xmlns:a16="http://schemas.microsoft.com/office/drawing/2014/main" xmlns="" id="{84D7991D-144A-4372-8BD2-616794586C45}"/>
               </a:ext>
             </a:extLst>
           </p:cNvPr>
@@ -6098,7 +9125,7 @@
           <p:cNvPr id="4" name="Chart 3" title="Chart">
             <a:extLst>
               <a:ext uri="{FF2B5EF4-FFF2-40B4-BE49-F238E27FC236}">
-                <a16:creationId xmlns:a16="http://schemas.microsoft.com/office/drawing/2014/main" id="{00000000-0008-0000-0100-000002000000}"/>
+                <a16:creationId xmlns:a16="http://schemas.microsoft.com/office/drawing/2014/main" xmlns="" id="{00000000-0008-0000-0100-000002000000}"/>
               </a:ext>
             </a:extLst>
           </p:cNvPr>
@@ -6156,7 +9183,7 @@
           <p:cNvPr id="2" name="Title 1">
             <a:extLst>
               <a:ext uri="{FF2B5EF4-FFF2-40B4-BE49-F238E27FC236}">
-                <a16:creationId xmlns:a16="http://schemas.microsoft.com/office/drawing/2014/main" id="{E5CFE099-4597-4BD2-AC20-2C18228114F3}"/>
+                <a16:creationId xmlns:a16="http://schemas.microsoft.com/office/drawing/2014/main" xmlns="" id="{E5CFE099-4597-4BD2-AC20-2C18228114F3}"/>
               </a:ext>
             </a:extLst>
           </p:cNvPr>
@@ -6167,7 +9194,12 @@
             <p:ph type="title"/>
           </p:nvPr>
         </p:nvSpPr>
-        <p:spPr/>
+        <p:spPr>
+          <a:xfrm>
+            <a:off x="1371600" y="685800"/>
+            <a:ext cx="5425126" cy="1485900"/>
+          </a:xfrm>
+        </p:spPr>
         <p:txBody>
           <a:bodyPr/>
           <a:lstStyle/>
@@ -6184,7 +9216,7 @@
           <p:cNvPr id="3" name="Content Placeholder 2">
             <a:extLst>
               <a:ext uri="{FF2B5EF4-FFF2-40B4-BE49-F238E27FC236}">
-                <a16:creationId xmlns:a16="http://schemas.microsoft.com/office/drawing/2014/main" id="{3161AE2C-2D22-49D7-A572-CCB0753E3B50}"/>
+                <a16:creationId xmlns:a16="http://schemas.microsoft.com/office/drawing/2014/main" xmlns="" id="{3161AE2C-2D22-49D7-A572-CCB0753E3B50}"/>
               </a:ext>
             </a:extLst>
           </p:cNvPr>
@@ -6195,15 +9227,102 @@
             <p:ph idx="1"/>
           </p:nvPr>
         </p:nvSpPr>
-        <p:spPr/>
+        <p:spPr>
+          <a:xfrm>
+            <a:off x="1371600" y="1611984"/>
+            <a:ext cx="7678132" cy="4255416"/>
+          </a:xfrm>
+        </p:spPr>
         <p:txBody>
           <a:bodyPr/>
           <a:lstStyle/>
           <a:p>
-            <a:endParaRPr lang="en-US"/>
-          </a:p>
-        </p:txBody>
-      </p:sp>
+            <a:r>
+              <a:rPr lang="en-US" sz="2400" dirty="0" smtClean="0"/>
+              <a:t>Very few apps </a:t>
+            </a:r>
+            <a:r>
+              <a:rPr lang="en-US" sz="2400" dirty="0" smtClean="0"/>
+              <a:t>have been created in this domain.</a:t>
+            </a:r>
+          </a:p>
+          <a:p>
+            <a:pPr marL="0" indent="0">
+              <a:buNone/>
+            </a:pPr>
+            <a:endParaRPr lang="en-US" sz="2400" dirty="0" smtClean="0"/>
+          </a:p>
+          <a:p>
+            <a:r>
+              <a:rPr lang="en-US" sz="2400" dirty="0" smtClean="0"/>
+              <a:t>Much apps were focused on water cycle lessons rather than visualization of the water cycle.</a:t>
+            </a:r>
+          </a:p>
+          <a:p>
+            <a:pPr marL="0" indent="0">
+              <a:buNone/>
+            </a:pPr>
+            <a:endParaRPr lang="en-US" sz="2400" dirty="0" smtClean="0"/>
+          </a:p>
+          <a:p>
+            <a:r>
+              <a:rPr lang="en-US" sz="2400" dirty="0" smtClean="0"/>
+              <a:t>Teachers are looking forward to such applications</a:t>
+            </a:r>
+          </a:p>
+          <a:p>
+            <a:pPr marL="0" indent="0">
+              <a:buNone/>
+            </a:pPr>
+            <a:r>
+              <a:rPr lang="en-US" sz="2400" dirty="0" smtClean="0"/>
+              <a:t> to ease the teaching.</a:t>
+            </a:r>
+          </a:p>
+          <a:p>
+            <a:endParaRPr lang="en-US" dirty="0"/>
+          </a:p>
+        </p:txBody>
+      </p:sp>
+      <p:pic>
+        <p:nvPicPr>
+          <p:cNvPr id="5" name="Picture 4"/>
+          <p:cNvPicPr>
+            <a:picLocks noChangeAspect="1"/>
+          </p:cNvPicPr>
+          <p:nvPr/>
+        </p:nvPicPr>
+        <p:blipFill>
+          <a:blip r:embed="rId2">
+            <a:extLst>
+              <a:ext uri="{BEBA8EAE-BF5A-486C-A8C5-ECC9F3942E4B}">
+                <a14:imgProps xmlns:a14="http://schemas.microsoft.com/office/drawing/2010/main">
+                  <a14:imgLayer r:embed="rId3">
+                    <a14:imgEffect>
+                      <a14:backgroundRemoval t="10000" b="90000" l="10000" r="90000"/>
+                    </a14:imgEffect>
+                  </a14:imgLayer>
+                </a14:imgProps>
+              </a:ext>
+              <a:ext uri="{28A0092B-C50C-407E-A947-70E740481C1C}">
+                <a14:useLocalDpi xmlns:a14="http://schemas.microsoft.com/office/drawing/2010/main" val="0"/>
+              </a:ext>
+            </a:extLst>
+          </a:blip>
+          <a:stretch>
+            <a:fillRect/>
+          </a:stretch>
+        </p:blipFill>
+        <p:spPr>
+          <a:xfrm>
+            <a:off x="8382267" y="2582943"/>
+            <a:ext cx="4167363" cy="3840049"/>
+          </a:xfrm>
+          <a:prstGeom prst="rect">
+            <a:avLst/>
+          </a:prstGeom>
+        </p:spPr>
+      </p:pic>
     </p:spTree>
     <p:extLst>
       <p:ext uri="{BB962C8B-B14F-4D97-AF65-F5344CB8AC3E}">
@@ -6239,7 +9358,7 @@
           <p:cNvPr id="2" name="Title 1">
             <a:extLst>
               <a:ext uri="{FF2B5EF4-FFF2-40B4-BE49-F238E27FC236}">
-                <a16:creationId xmlns:a16="http://schemas.microsoft.com/office/drawing/2014/main" id="{D4205F1D-BFE7-4BD5-8CD8-366232C62642}"/>
+                <a16:creationId xmlns:a16="http://schemas.microsoft.com/office/drawing/2014/main" xmlns="" id="{D4205F1D-BFE7-4BD5-8CD8-366232C62642}"/>
               </a:ext>
             </a:extLst>
           </p:cNvPr>
@@ -6250,15 +9369,21 @@
             <p:ph type="title"/>
           </p:nvPr>
         </p:nvSpPr>
-        <p:spPr/>
+        <p:spPr>
+          <a:xfrm>
+            <a:off x="1371600" y="685800"/>
+            <a:ext cx="9601200" cy="744648"/>
+          </a:xfrm>
+        </p:spPr>
         <p:txBody>
           <a:bodyPr/>
           <a:lstStyle/>
           <a:p>
             <a:r>
-              <a:rPr lang="en-US" dirty="0"/>
-              <a:t>Similar App</a:t>
-            </a:r>
+              <a:rPr lang="en-US" dirty="0" smtClean="0"/>
+              <a:t>Similar Apps</a:t>
+            </a:r>
+            <a:endParaRPr lang="en-US" dirty="0"/>
           </a:p>
         </p:txBody>
       </p:sp>
@@ -6267,7 +9392,7 @@
           <p:cNvPr id="3" name="Content Placeholder 2">
             <a:extLst>
               <a:ext uri="{FF2B5EF4-FFF2-40B4-BE49-F238E27FC236}">
-                <a16:creationId xmlns:a16="http://schemas.microsoft.com/office/drawing/2014/main" id="{284154B4-27BB-4EA9-99CB-74254299DDA4}"/>
+                <a16:creationId xmlns:a16="http://schemas.microsoft.com/office/drawing/2014/main" xmlns="" id="{284154B4-27BB-4EA9-99CB-74254299DDA4}"/>
               </a:ext>
             </a:extLst>
           </p:cNvPr>
@@ -6278,15 +9403,245 @@
             <p:ph idx="1"/>
           </p:nvPr>
         </p:nvSpPr>
-        <p:spPr/>
-        <p:txBody>
-          <a:bodyPr/>
+        <p:spPr>
+          <a:xfrm>
+            <a:off x="1371600" y="1584356"/>
+            <a:ext cx="5337017" cy="4283044"/>
+          </a:xfrm>
+        </p:spPr>
+        <p:txBody>
+          <a:bodyPr>
+            <a:normAutofit fontScale="85000" lnSpcReduction="10000"/>
+          </a:bodyPr>
           <a:lstStyle/>
           <a:p>
-            <a:endParaRPr lang="en-US"/>
-          </a:p>
-        </p:txBody>
-      </p:sp>
+            <a:pPr marL="0" indent="0">
+              <a:buNone/>
+            </a:pPr>
+            <a:r>
+              <a:rPr lang="en-US" sz="2400" b="1" dirty="0" smtClean="0">
+                <a:solidFill>
+                  <a:srgbClr val="0070C0"/>
+                </a:solidFill>
+              </a:rPr>
+              <a:t>Splash </a:t>
+            </a:r>
+            <a:r>
+              <a:rPr lang="en-US" sz="2400" b="1" dirty="0" err="1" smtClean="0">
+                <a:solidFill>
+                  <a:srgbClr val="0070C0"/>
+                </a:solidFill>
+              </a:rPr>
+              <a:t>Sim</a:t>
+            </a:r>
+            <a:r>
+              <a:rPr lang="en-US" sz="2400" b="1" dirty="0" smtClean="0">
+                <a:solidFill>
+                  <a:srgbClr val="0070C0"/>
+                </a:solidFill>
+              </a:rPr>
+              <a:t>: A VR Experience in the Water Cycle</a:t>
+            </a:r>
+            <a:endParaRPr lang="en-US" b="1" dirty="0" smtClean="0">
+              <a:solidFill>
+                <a:srgbClr val="0070C0"/>
+              </a:solidFill>
+            </a:endParaRPr>
+          </a:p>
+          <a:p>
+            <a:pPr marL="0" indent="0">
+              <a:buNone/>
+            </a:pPr>
+            <a:r>
+              <a:rPr lang="en-US" b="1" dirty="0">
+                <a:latin typeface="Calibri Light" panose="020F0302020204030204" pitchFamily="34" charset="0"/>
+                <a:cs typeface="Calibri Light" panose="020F0302020204030204" pitchFamily="34" charset="0"/>
+              </a:rPr>
+              <a:t>Features</a:t>
+            </a:r>
+            <a:r>
+              <a:rPr lang="en-US" b="1" dirty="0" smtClean="0">
+                <a:latin typeface="Calibri Light" panose="020F0302020204030204" pitchFamily="34" charset="0"/>
+                <a:cs typeface="Calibri Light" panose="020F0302020204030204" pitchFamily="34" charset="0"/>
+              </a:rPr>
+              <a:t>:</a:t>
+            </a:r>
+          </a:p>
+          <a:p>
+            <a:pPr>
+              <a:buFont typeface="Arial" panose="020B0604020202020204" pitchFamily="34" charset="0"/>
+              <a:buChar char="•"/>
+            </a:pPr>
+            <a:r>
+              <a:rPr lang="en-US" sz="1800" dirty="0" smtClean="0">
+                <a:latin typeface="Calibri" panose="020F0502020204030204" pitchFamily="34" charset="0"/>
+                <a:cs typeface="Calibri" panose="020F0502020204030204" pitchFamily="34" charset="0"/>
+              </a:rPr>
+              <a:t>VR app.</a:t>
+            </a:r>
+            <a:endParaRPr lang="en-US" sz="1800" dirty="0">
+              <a:latin typeface="Calibri" panose="020F0502020204030204" pitchFamily="34" charset="0"/>
+              <a:cs typeface="Calibri" panose="020F0502020204030204" pitchFamily="34" charset="0"/>
+            </a:endParaRPr>
+          </a:p>
+          <a:p>
+            <a:pPr>
+              <a:buFont typeface="Arial" panose="020B0604020202020204" pitchFamily="34" charset="0"/>
+              <a:buChar char="•"/>
+            </a:pPr>
+            <a:r>
+              <a:rPr lang="en-US" sz="1800" dirty="0">
+                <a:latin typeface="Calibri" panose="020F0502020204030204" pitchFamily="34" charset="0"/>
+                <a:cs typeface="Calibri" panose="020F0502020204030204" pitchFamily="34" charset="0"/>
+              </a:rPr>
+              <a:t>User is taken to a tour to see different phases of water cycle.</a:t>
+            </a:r>
+          </a:p>
+          <a:p>
+            <a:pPr>
+              <a:buFont typeface="Arial" panose="020B0604020202020204" pitchFamily="34" charset="0"/>
+              <a:buChar char="•"/>
+            </a:pPr>
+            <a:r>
+              <a:rPr lang="en-US" sz="1800" dirty="0">
+                <a:latin typeface="Calibri" panose="020F0502020204030204" pitchFamily="34" charset="0"/>
+                <a:cs typeface="Calibri" panose="020F0502020204030204" pitchFamily="34" charset="0"/>
+              </a:rPr>
+              <a:t>Text is appeared to explain user about the phases.</a:t>
+            </a:r>
+          </a:p>
+          <a:p>
+            <a:pPr>
+              <a:buFont typeface="Arial" panose="020B0604020202020204" pitchFamily="34" charset="0"/>
+              <a:buChar char="•"/>
+            </a:pPr>
+            <a:r>
+              <a:rPr lang="en-US" sz="1800" dirty="0">
+                <a:latin typeface="Calibri" panose="020F0502020204030204" pitchFamily="34" charset="0"/>
+                <a:cs typeface="Calibri" panose="020F0502020204030204" pitchFamily="34" charset="0"/>
+              </a:rPr>
+              <a:t>Audio effect of rain, wind and birds</a:t>
+            </a:r>
+            <a:r>
+              <a:rPr lang="en-US" sz="1800" dirty="0" smtClean="0">
+                <a:latin typeface="Calibri" panose="020F0502020204030204" pitchFamily="34" charset="0"/>
+                <a:cs typeface="Calibri" panose="020F0502020204030204" pitchFamily="34" charset="0"/>
+              </a:rPr>
+              <a:t>.</a:t>
+            </a:r>
+          </a:p>
+          <a:p>
+            <a:pPr marL="0" indent="0">
+              <a:buNone/>
+            </a:pPr>
+            <a:endParaRPr lang="en-US" sz="1800" dirty="0">
+              <a:latin typeface="Calibri" panose="020F0502020204030204" pitchFamily="34" charset="0"/>
+              <a:cs typeface="Calibri" panose="020F0502020204030204" pitchFamily="34" charset="0"/>
+            </a:endParaRPr>
+          </a:p>
+          <a:p>
+            <a:pPr marL="0" indent="0">
+              <a:buNone/>
+            </a:pPr>
+            <a:r>
+              <a:rPr lang="en-US" b="1" dirty="0">
+                <a:latin typeface="Calibri Light" panose="020F0302020204030204" pitchFamily="34" charset="0"/>
+                <a:cs typeface="Calibri Light" panose="020F0302020204030204" pitchFamily="34" charset="0"/>
+              </a:rPr>
+              <a:t>Weaknesses:</a:t>
+            </a:r>
+          </a:p>
+          <a:p>
+            <a:pPr>
+              <a:buFont typeface="Arial" panose="020B0604020202020204" pitchFamily="34" charset="0"/>
+              <a:buChar char="•"/>
+            </a:pPr>
+            <a:r>
+              <a:rPr lang="en-US" sz="1800" dirty="0">
+                <a:latin typeface="Calibri" panose="020F0502020204030204" pitchFamily="34" charset="0"/>
+                <a:cs typeface="Calibri" panose="020F0502020204030204" pitchFamily="34" charset="0"/>
+              </a:rPr>
+              <a:t>Lack of animation in evaporation stage.</a:t>
+            </a:r>
+          </a:p>
+          <a:p>
+            <a:pPr>
+              <a:buFont typeface="Arial" panose="020B0604020202020204" pitchFamily="34" charset="0"/>
+              <a:buChar char="•"/>
+            </a:pPr>
+            <a:r>
+              <a:rPr lang="en-US" sz="1800" dirty="0">
+                <a:latin typeface="Calibri" panose="020F0502020204030204" pitchFamily="34" charset="0"/>
+                <a:cs typeface="Calibri" panose="020F0502020204030204" pitchFamily="34" charset="0"/>
+              </a:rPr>
+              <a:t>No text to speech implementation.</a:t>
+            </a:r>
+          </a:p>
+          <a:p>
+            <a:pPr>
+              <a:buFont typeface="Arial" panose="020B0604020202020204" pitchFamily="34" charset="0"/>
+              <a:buChar char="•"/>
+            </a:pPr>
+            <a:r>
+              <a:rPr lang="en-US" sz="1800" dirty="0">
+                <a:latin typeface="Calibri" panose="020F0502020204030204" pitchFamily="34" charset="0"/>
+                <a:cs typeface="Calibri" panose="020F0502020204030204" pitchFamily="34" charset="0"/>
+              </a:rPr>
+              <a:t>The tour gets on repeated by itself.</a:t>
+            </a:r>
+          </a:p>
+          <a:p>
+            <a:pPr marL="0" indent="0">
+              <a:buNone/>
+            </a:pPr>
+            <a:endParaRPr lang="en-US" dirty="0"/>
+          </a:p>
+        </p:txBody>
+      </p:sp>
+      <p:pic>
+        <p:nvPicPr>
+          <p:cNvPr id="4" name="Picture 3"/>
+          <p:cNvPicPr/>
+          <p:nvPr/>
+        </p:nvPicPr>
+        <p:blipFill rotWithShape="1">
+          <a:blip r:embed="rId2">
+            <a:extLst>
+              <a:ext uri="{BEBA8EAE-BF5A-486C-A8C5-ECC9F3942E4B}">
+                <a14:imgProps xmlns:a14="http://schemas.microsoft.com/office/drawing/2010/main">
+                  <a14:imgLayer r:embed="rId3">
+                    <a14:imgEffect>
+                      <a14:brightnessContrast bright="40000"/>
+                    </a14:imgEffect>
+                  </a14:imgLayer>
+                </a14:imgProps>
+              </a:ext>
+              <a:ext uri="{28A0092B-C50C-407E-A947-70E740481C1C}">
+                <a14:useLocalDpi xmlns:a14="http://schemas.microsoft.com/office/drawing/2010/main" val="0"/>
+              </a:ext>
+            </a:extLst>
+          </a:blip>
+          <a:srcRect l="24358" t="34644" r="39745" b="28661"/>
+          <a:stretch/>
+        </p:blipFill>
+        <p:spPr bwMode="auto">
+          <a:xfrm>
+            <a:off x="6872140" y="2171700"/>
+            <a:ext cx="5003300" cy="3342980"/>
+          </a:xfrm>
+          <a:prstGeom prst="rect">
+            <a:avLst/>
+          </a:prstGeom>
+          <a:ln>
+            <a:noFill/>
+          </a:ln>
+          <a:extLst>
+            <a:ext uri="{53640926-AAD7-44D8-BBD7-CCE9431645EC}">
+              <a14:shadowObscured xmlns:a14="http://schemas.microsoft.com/office/drawing/2010/main"/>
+            </a:ext>
+          </a:extLst>
+        </p:spPr>
+      </p:pic>
     </p:spTree>
     <p:extLst>
       <p:ext uri="{BB962C8B-B14F-4D97-AF65-F5344CB8AC3E}">
@@ -6297,6 +9652,13 @@
   <p:clrMapOvr>
     <a:masterClrMapping/>
   </p:clrMapOvr>
+  <p:timing>
+    <p:tnLst>
+      <p:par>
+        <p:cTn id="1" dur="indefinite" restart="never" nodeType="tmRoot"/>
+      </p:par>
+    </p:tnLst>
+  </p:timing>
 </p:sld>
 </file>
 

--- a/Capstone.pptx
+++ b/Capstone.pptx
@@ -1,6 +1,6 @@
 
 <file path=ppt/presentation.xml><?xml version="1.0" encoding="utf-8"?>
-<p:presentation xmlns:a="http://schemas.openxmlformats.org/drawingml/2006/main" xmlns:r="http://schemas.openxmlformats.org/officeDocument/2006/relationships" xmlns:p="http://schemas.openxmlformats.org/presentationml/2006/main" saveSubsetFonts="1" bookmarkIdSeed="7">
+<p:presentation xmlns:a="http://schemas.openxmlformats.org/drawingml/2006/main" xmlns:r="http://schemas.openxmlformats.org/officeDocument/2006/relationships" xmlns:p="http://schemas.openxmlformats.org/presentationml/2006/main" saveSubsetFonts="1" bookmarkIdSeed="8">
   <p:sldMasterIdLst>
     <p:sldMasterId id="2147483660" r:id="rId1"/>
   </p:sldMasterIdLst>
@@ -26,7 +26,8 @@
     <p:sldId id="274" r:id="rId20"/>
     <p:sldId id="270" r:id="rId21"/>
     <p:sldId id="261" r:id="rId22"/>
-    <p:sldId id="262" r:id="rId23"/>
+    <p:sldId id="278" r:id="rId23"/>
+    <p:sldId id="262" r:id="rId24"/>
   </p:sldIdLst>
   <p:sldSz cx="12192000" cy="6858000"/>
   <p:notesSz cx="6858000" cy="9144000"/>
@@ -134,7 +135,7 @@
 </file>
 
 <file path=ppt/charts/chart1.xml><?xml version="1.0" encoding="utf-8"?>
-<c:chartSpace xmlns:c="http://schemas.openxmlformats.org/drawingml/2006/chart" xmlns:a="http://schemas.openxmlformats.org/drawingml/2006/main" xmlns:r="http://schemas.openxmlformats.org/officeDocument/2006/relationships">
+<c:chartSpace xmlns:c="http://schemas.openxmlformats.org/drawingml/2006/chart" xmlns:a="http://schemas.openxmlformats.org/drawingml/2006/main" xmlns:r="http://schemas.openxmlformats.org/officeDocument/2006/relationships" xmlns:c16r2="http://schemas.microsoft.com/office/drawing/2015/06/chart">
   <c:date1904 val="0"/>
   <c:lang val="en-US"/>
   <c:roundedCorners val="1"/>
@@ -270,10 +271,7 @@
               </c:numCache>
             </c:numRef>
           </c:val>
-          <c:extLst xmlns:c16r2="http://schemas.microsoft.com/office/drawing/2015/06/chart">
-            <c:ext xmlns:c16="http://schemas.microsoft.com/office/drawing/2014/chart" uri="{C3380CC4-5D6E-409C-BE32-E72D297353CC}">
-              <c16:uniqueId val="{00000000-B8B6-4ACF-B66C-967991A384A5}"/>
-            </c:ext>
+          <c:extLst>
             <c:ext xmlns:c14="http://schemas.microsoft.com/office/drawing/2007/8/2/chart" uri="{6F2FDCE9-48DA-4B69-8628-5D25D57E5C99}">
               <c14:invertSolidFillFmt>
                 <c14:spPr xmlns:c14="http://schemas.microsoft.com/office/drawing/2007/8/2/chart">
@@ -282,6 +280,9 @@
                   </a:solidFill>
                 </c14:spPr>
               </c14:invertSolidFillFmt>
+            </c:ext>
+            <c:ext xmlns:c16="http://schemas.microsoft.com/office/drawing/2014/chart" uri="{C3380CC4-5D6E-409C-BE32-E72D297353CC}">
+              <c16:uniqueId val="{00000000-B8B6-4ACF-B66C-967991A384A5}"/>
             </c:ext>
           </c:extLst>
         </c:ser>
@@ -401,10 +402,7 @@
               </c:numCache>
             </c:numRef>
           </c:val>
-          <c:extLst xmlns:c16r2="http://schemas.microsoft.com/office/drawing/2015/06/chart">
-            <c:ext xmlns:c16="http://schemas.microsoft.com/office/drawing/2014/chart" uri="{C3380CC4-5D6E-409C-BE32-E72D297353CC}">
-              <c16:uniqueId val="{00000001-B8B6-4ACF-B66C-967991A384A5}"/>
-            </c:ext>
+          <c:extLst>
             <c:ext xmlns:c14="http://schemas.microsoft.com/office/drawing/2007/8/2/chart" uri="{6F2FDCE9-48DA-4B69-8628-5D25D57E5C99}">
               <c14:invertSolidFillFmt>
                 <c14:spPr xmlns:c14="http://schemas.microsoft.com/office/drawing/2007/8/2/chart">
@@ -413,6 +411,9 @@
                   </a:solidFill>
                 </c14:spPr>
               </c14:invertSolidFillFmt>
+            </c:ext>
+            <c:ext xmlns:c16="http://schemas.microsoft.com/office/drawing/2014/chart" uri="{C3380CC4-5D6E-409C-BE32-E72D297353CC}">
+              <c16:uniqueId val="{00000001-B8B6-4ACF-B66C-967991A384A5}"/>
             </c:ext>
           </c:extLst>
         </c:ser>
@@ -452,7 +453,6 @@
               </a:p>
             </c:rich>
           </c:tx>
-          <c:layout/>
           <c:overlay val="0"/>
         </c:title>
         <c:numFmt formatCode="General" sourceLinked="1"/>
@@ -519,7 +519,6 @@
               </a:p>
             </c:rich>
           </c:tx>
-          <c:layout/>
           <c:overlay val="0"/>
         </c:title>
         <c:numFmt formatCode="m&quot;/&quot;d" sourceLinked="1"/>
@@ -718,7 +717,7 @@
           <a:p>
             <a:fld id="{7ED82E05-B906-46D2-B7F0-95A00293E995}" type="datetimeFigureOut">
               <a:rPr lang="en-US" smtClean="0"/>
-              <a:t>8/27/2019</a:t>
+              <a:t>8/28/2019</a:t>
             </a:fld>
             <a:endParaRPr lang="en-US"/>
           </a:p>
@@ -1048,7 +1047,7 @@
           <a:p>
             <a:fld id="{7ED82E05-B906-46D2-B7F0-95A00293E995}" type="datetimeFigureOut">
               <a:rPr lang="en-US" smtClean="0"/>
-              <a:t>8/27/2019</a:t>
+              <a:t>8/28/2019</a:t>
             </a:fld>
             <a:endParaRPr lang="en-US"/>
           </a:p>
@@ -1228,7 +1227,7 @@
           <a:p>
             <a:fld id="{7ED82E05-B906-46D2-B7F0-95A00293E995}" type="datetimeFigureOut">
               <a:rPr lang="en-US" smtClean="0"/>
-              <a:t>8/27/2019</a:t>
+              <a:t>8/28/2019</a:t>
             </a:fld>
             <a:endParaRPr lang="en-US"/>
           </a:p>
@@ -1398,7 +1397,7 @@
           <a:p>
             <a:fld id="{7ED82E05-B906-46D2-B7F0-95A00293E995}" type="datetimeFigureOut">
               <a:rPr lang="en-US" smtClean="0"/>
-              <a:t>8/27/2019</a:t>
+              <a:t>8/28/2019</a:t>
             </a:fld>
             <a:endParaRPr lang="en-US"/>
           </a:p>
@@ -1670,7 +1669,7 @@
           <a:p>
             <a:fld id="{7ED82E05-B906-46D2-B7F0-95A00293E995}" type="datetimeFigureOut">
               <a:rPr lang="en-US" smtClean="0"/>
-              <a:t>8/27/2019</a:t>
+              <a:t>8/28/2019</a:t>
             </a:fld>
             <a:endParaRPr lang="en-US"/>
           </a:p>
@@ -2064,7 +2063,7 @@
           <a:p>
             <a:fld id="{7ED82E05-B906-46D2-B7F0-95A00293E995}" type="datetimeFigureOut">
               <a:rPr lang="en-US" smtClean="0"/>
-              <a:t>8/27/2019</a:t>
+              <a:t>8/28/2019</a:t>
             </a:fld>
             <a:endParaRPr lang="en-US"/>
           </a:p>
@@ -2541,7 +2540,7 @@
           <a:p>
             <a:fld id="{7ED82E05-B906-46D2-B7F0-95A00293E995}" type="datetimeFigureOut">
               <a:rPr lang="en-US" smtClean="0"/>
-              <a:t>8/27/2019</a:t>
+              <a:t>8/28/2019</a:t>
             </a:fld>
             <a:endParaRPr lang="en-US"/>
           </a:p>
@@ -2659,7 +2658,7 @@
           <a:p>
             <a:fld id="{7ED82E05-B906-46D2-B7F0-95A00293E995}" type="datetimeFigureOut">
               <a:rPr lang="en-US" smtClean="0"/>
-              <a:t>8/27/2019</a:t>
+              <a:t>8/28/2019</a:t>
             </a:fld>
             <a:endParaRPr lang="en-US"/>
           </a:p>
@@ -2754,7 +2753,7 @@
           <a:p>
             <a:fld id="{7ED82E05-B906-46D2-B7F0-95A00293E995}" type="datetimeFigureOut">
               <a:rPr lang="en-US" smtClean="0"/>
-              <a:t>8/27/2019</a:t>
+              <a:t>8/28/2019</a:t>
             </a:fld>
             <a:endParaRPr lang="en-US"/>
           </a:p>
@@ -3100,7 +3099,7 @@
           <a:p>
             <a:fld id="{7ED82E05-B906-46D2-B7F0-95A00293E995}" type="datetimeFigureOut">
               <a:rPr lang="en-US" smtClean="0"/>
-              <a:t>8/27/2019</a:t>
+              <a:t>8/28/2019</a:t>
             </a:fld>
             <a:endParaRPr lang="en-US"/>
           </a:p>
@@ -3488,7 +3487,7 @@
           <a:p>
             <a:fld id="{7ED82E05-B906-46D2-B7F0-95A00293E995}" type="datetimeFigureOut">
               <a:rPr lang="en-US" smtClean="0"/>
-              <a:t>8/27/2019</a:t>
+              <a:t>8/28/2019</a:t>
             </a:fld>
             <a:endParaRPr lang="en-US"/>
           </a:p>
@@ -3763,7 +3762,7 @@
           <a:p>
             <a:fld id="{7ED82E05-B906-46D2-B7F0-95A00293E995}" type="datetimeFigureOut">
               <a:rPr lang="en-US" smtClean="0"/>
-              <a:t>8/27/2019</a:t>
+              <a:t>8/28/2019</a:t>
             </a:fld>
             <a:endParaRPr lang="en-US"/>
           </a:p>
@@ -4280,7 +4279,7 @@
           <p:cNvPr id="2" name="Title 1">
             <a:extLst>
               <a:ext uri="{FF2B5EF4-FFF2-40B4-BE49-F238E27FC236}">
-                <a16:creationId xmlns:a16="http://schemas.microsoft.com/office/drawing/2014/main" xmlns="" id="{D4B74078-9B3D-42FA-9BDC-48CFB5C23CDF}"/>
+                <a16:creationId xmlns:a16="http://schemas.microsoft.com/office/drawing/2014/main" id="{D4B74078-9B3D-42FA-9BDC-48CFB5C23CDF}"/>
               </a:ext>
             </a:extLst>
           </p:cNvPr>
@@ -4331,7 +4330,7 @@
           <p:cNvPr id="3" name="Subtitle 2">
             <a:extLst>
               <a:ext uri="{FF2B5EF4-FFF2-40B4-BE49-F238E27FC236}">
-                <a16:creationId xmlns:a16="http://schemas.microsoft.com/office/drawing/2014/main" xmlns="" id="{95E8DEB2-5F0A-42C5-AB29-93D3EC351981}"/>
+                <a16:creationId xmlns:a16="http://schemas.microsoft.com/office/drawing/2014/main" id="{95E8DEB2-5F0A-42C5-AB29-93D3EC351981}"/>
               </a:ext>
             </a:extLst>
           </p:cNvPr>
@@ -4378,7 +4377,7 @@
           <p:cNvPr id="5" name="Picture 4">
             <a:extLst>
               <a:ext uri="{FF2B5EF4-FFF2-40B4-BE49-F238E27FC236}">
-                <a16:creationId xmlns:a16="http://schemas.microsoft.com/office/drawing/2014/main" xmlns="" id="{71EE52B0-6832-49F3-B628-65D1CF408DB1}"/>
+                <a16:creationId xmlns:a16="http://schemas.microsoft.com/office/drawing/2014/main" id="{71EE52B0-6832-49F3-B628-65D1CF408DB1}"/>
               </a:ext>
             </a:extLst>
           </p:cNvPr>
@@ -4526,11 +4525,6 @@
               </a:rPr>
               <a:t> VR (Water cycle VR) </a:t>
             </a:r>
-            <a:endParaRPr lang="en-US" sz="2600" b="1" dirty="0">
-              <a:solidFill>
-                <a:srgbClr val="0070C0"/>
-              </a:solidFill>
-            </a:endParaRPr>
           </a:p>
           <a:p>
             <a:pPr marL="0" indent="0">
@@ -4540,7 +4534,7 @@
               <a:buNone/>
             </a:pPr>
             <a:r>
-              <a:rPr lang="en-US" sz="2200" b="1" dirty="0" smtClean="0">
+              <a:rPr lang="en-US" sz="2200" b="1" dirty="0">
                 <a:latin typeface="Calibri Light" panose="020F0302020204030204" pitchFamily="34" charset="0"/>
                 <a:cs typeface="Calibri Light" panose="020F0302020204030204" pitchFamily="34" charset="0"/>
               </a:rPr>
@@ -4556,23 +4550,12 @@
               <a:buChar char="•"/>
             </a:pPr>
             <a:r>
-              <a:rPr lang="en-US" sz="1500" dirty="0" smtClean="0">
-                <a:latin typeface="Calibri" panose="020F0502020204030204" pitchFamily="34" charset="0"/>
-                <a:cs typeface="Calibri" panose="020F0502020204030204" pitchFamily="34" charset="0"/>
-              </a:rPr>
-              <a:t>VR </a:t>
-            </a:r>
-            <a:r>
               <a:rPr lang="en-US" sz="1500" dirty="0">
                 <a:latin typeface="Calibri" panose="020F0502020204030204" pitchFamily="34" charset="0"/>
                 <a:cs typeface="Calibri" panose="020F0502020204030204" pitchFamily="34" charset="0"/>
               </a:rPr>
-              <a:t>app.</a:t>
-            </a:r>
-            <a:endParaRPr lang="en-US" sz="1500" dirty="0">
-              <a:latin typeface="Calibri" panose="020F0502020204030204" pitchFamily="34" charset="0"/>
-              <a:cs typeface="Calibri" panose="020F0502020204030204" pitchFamily="34" charset="0"/>
-            </a:endParaRPr>
+              <a:t>VR app.</a:t>
+            </a:r>
           </a:p>
           <a:p>
             <a:pPr>
@@ -4583,18 +4566,11 @@
               <a:buChar char="•"/>
             </a:pPr>
             <a:r>
-              <a:rPr lang="en-US" sz="1500" i="0" dirty="0" smtClean="0">
-                <a:latin typeface="Calibri" panose="020F0502020204030204" pitchFamily="34" charset="0"/>
-                <a:cs typeface="Calibri" panose="020F0502020204030204" pitchFamily="34" charset="0"/>
-              </a:rPr>
-              <a:t>An </a:t>
-            </a:r>
-            <a:r>
               <a:rPr lang="en-US" sz="1500" i="0" dirty="0">
                 <a:latin typeface="Calibri" panose="020F0502020204030204" pitchFamily="34" charset="0"/>
                 <a:cs typeface="Calibri" panose="020F0502020204030204" pitchFamily="34" charset="0"/>
               </a:rPr>
-              <a:t>audio voice to explain user the water cycle.</a:t>
+              <a:t>An audio voice to explain user the water cycle.</a:t>
             </a:r>
           </a:p>
           <a:p>
@@ -4744,13 +4720,6 @@
   <p:clrMapOvr>
     <a:masterClrMapping/>
   </p:clrMapOvr>
-  <p:timing>
-    <p:tnLst>
-      <p:par>
-        <p:cTn id="1" dur="indefinite" restart="never" nodeType="tmRoot"/>
-      </p:par>
-    </p:tnLst>
-  </p:timing>
 </p:sld>
 </file>
 
@@ -4787,10 +4756,9 @@
           <a:lstStyle/>
           <a:p>
             <a:r>
-              <a:rPr lang="en-US" dirty="0" smtClean="0"/>
+              <a:rPr lang="en-US" dirty="0"/>
               <a:t>Similar Apps</a:t>
             </a:r>
-            <a:endParaRPr lang="en-US" dirty="0"/>
           </a:p>
         </p:txBody>
       </p:sp>
@@ -4828,15 +4796,7 @@
                   <a:srgbClr val="0070C0"/>
                 </a:solidFill>
               </a:rPr>
-              <a:t>TABI the water </a:t>
-            </a:r>
-            <a:r>
-              <a:rPr lang="en-US" sz="2600" b="1" dirty="0">
-                <a:solidFill>
-                  <a:srgbClr val="0070C0"/>
-                </a:solidFill>
-              </a:rPr>
-              <a:t>cycle</a:t>
+              <a:t>TABI the water cycle</a:t>
             </a:r>
           </a:p>
           <a:p>
@@ -4914,14 +4874,7 @@
                 <a:latin typeface="Calibri" panose="020F0502020204030204" pitchFamily="34" charset="0"/>
                 <a:cs typeface="Calibri" panose="020F0502020204030204" pitchFamily="34" charset="0"/>
               </a:rPr>
-              <a:t>Not a VR app</a:t>
-            </a:r>
-            <a:r>
-              <a:rPr lang="en-US" sz="1600" dirty="0">
-                <a:latin typeface="Calibri" panose="020F0502020204030204" pitchFamily="34" charset="0"/>
-                <a:cs typeface="Calibri" panose="020F0502020204030204" pitchFamily="34" charset="0"/>
-              </a:rPr>
-              <a:t>.</a:t>
+              <a:t>Not a VR app.</a:t>
             </a:r>
           </a:p>
           <a:p>
@@ -4955,20 +4908,15 @@
               </a:rPr>
               <a:t>Lack of phase transformations.</a:t>
             </a:r>
-            <a:endParaRPr lang="en-US" sz="1600" dirty="0">
-              <a:latin typeface="Calibri" panose="020F0502020204030204" pitchFamily="34" charset="0"/>
-              <a:cs typeface="Calibri" panose="020F0502020204030204" pitchFamily="34" charset="0"/>
-            </a:endParaRPr>
           </a:p>
           <a:p>
             <a:pPr marL="0" indent="0">
               <a:buNone/>
             </a:pPr>
             <a:r>
-              <a:rPr lang="en-US" dirty="0" smtClean="0"/>
+              <a:rPr lang="en-US" dirty="0"/>
               <a:t> </a:t>
             </a:r>
-            <a:endParaRPr lang="en-US" dirty="0"/>
           </a:p>
         </p:txBody>
       </p:sp>
@@ -5017,13 +4965,6 @@
   <p:clrMapOvr>
     <a:masterClrMapping/>
   </p:clrMapOvr>
-  <p:timing>
-    <p:tnLst>
-      <p:par>
-        <p:cTn id="1" dur="indefinite" restart="never" nodeType="tmRoot"/>
-      </p:par>
-    </p:tnLst>
-  </p:timing>
 </p:sld>
 </file>
 
@@ -5065,10 +5006,9 @@
           <a:lstStyle/>
           <a:p>
             <a:r>
-              <a:rPr lang="en-US" dirty="0" smtClean="0"/>
+              <a:rPr lang="en-US" dirty="0"/>
               <a:t>Similar Apps</a:t>
             </a:r>
-            <a:endParaRPr lang="en-US" dirty="0"/>
           </a:p>
         </p:txBody>
       </p:sp>
@@ -5114,15 +5054,7 @@
                   <a:srgbClr val="0070C0"/>
                 </a:solidFill>
               </a:rPr>
-              <a:t>Water Cycle</a:t>
-            </a:r>
-            <a:r>
-              <a:rPr lang="en-US" sz="5100" b="1" dirty="0" smtClean="0">
-                <a:solidFill>
-                  <a:srgbClr val="0070C0"/>
-                </a:solidFill>
-              </a:rPr>
-              <a:t>)</a:t>
+              <a:t>Water Cycle)</a:t>
             </a:r>
           </a:p>
           <a:p>
@@ -5254,18 +5186,13 @@
               <a:buNone/>
             </a:pPr>
             <a:r>
-              <a:rPr lang="en-US" sz="2600" b="1" dirty="0" smtClean="0">
+              <a:rPr lang="en-US" sz="2600" b="1" dirty="0">
                 <a:solidFill>
                   <a:srgbClr val="0070C0"/>
                 </a:solidFill>
               </a:rPr>
               <a:t> </a:t>
             </a:r>
-            <a:endParaRPr lang="en-US" sz="2600" b="1" dirty="0">
-              <a:solidFill>
-                <a:srgbClr val="0070C0"/>
-              </a:solidFill>
-            </a:endParaRPr>
           </a:p>
         </p:txBody>
       </p:sp>
@@ -5339,7 +5266,7 @@
           <p:cNvPr id="2" name="Title 1">
             <a:extLst>
               <a:ext uri="{FF2B5EF4-FFF2-40B4-BE49-F238E27FC236}">
-                <a16:creationId xmlns:a16="http://schemas.microsoft.com/office/drawing/2014/main" xmlns="" id="{0B9848FB-072D-4F76-B987-E07018C544D7}"/>
+                <a16:creationId xmlns:a16="http://schemas.microsoft.com/office/drawing/2014/main" id="{0B9848FB-072D-4F76-B987-E07018C544D7}"/>
               </a:ext>
             </a:extLst>
           </p:cNvPr>
@@ -5388,12 +5315,48 @@
                 <a:tableStyleId>{69CF1AB2-1976-4502-BF36-3FF5EA218861}</a:tableStyleId>
               </a:tblPr>
               <a:tblGrid>
-                <a:gridCol w="2697430"/>
-                <a:gridCol w="1398667"/>
-                <a:gridCol w="1257690"/>
-                <a:gridCol w="1140025"/>
-                <a:gridCol w="1298763"/>
-                <a:gridCol w="2492070"/>
+                <a:gridCol w="2697430">
+                  <a:extLst>
+                    <a:ext uri="{9D8B030D-6E8A-4147-A177-3AD203B41FA5}">
+                      <a16:colId xmlns:a16="http://schemas.microsoft.com/office/drawing/2014/main" val="20000"/>
+                    </a:ext>
+                  </a:extLst>
+                </a:gridCol>
+                <a:gridCol w="1398667">
+                  <a:extLst>
+                    <a:ext uri="{9D8B030D-6E8A-4147-A177-3AD203B41FA5}">
+                      <a16:colId xmlns:a16="http://schemas.microsoft.com/office/drawing/2014/main" val="20001"/>
+                    </a:ext>
+                  </a:extLst>
+                </a:gridCol>
+                <a:gridCol w="1257690">
+                  <a:extLst>
+                    <a:ext uri="{9D8B030D-6E8A-4147-A177-3AD203B41FA5}">
+                      <a16:colId xmlns:a16="http://schemas.microsoft.com/office/drawing/2014/main" val="20002"/>
+                    </a:ext>
+                  </a:extLst>
+                </a:gridCol>
+                <a:gridCol w="1140025">
+                  <a:extLst>
+                    <a:ext uri="{9D8B030D-6E8A-4147-A177-3AD203B41FA5}">
+                      <a16:colId xmlns:a16="http://schemas.microsoft.com/office/drawing/2014/main" val="20003"/>
+                    </a:ext>
+                  </a:extLst>
+                </a:gridCol>
+                <a:gridCol w="1298763">
+                  <a:extLst>
+                    <a:ext uri="{9D8B030D-6E8A-4147-A177-3AD203B41FA5}">
+                      <a16:colId xmlns:a16="http://schemas.microsoft.com/office/drawing/2014/main" val="20004"/>
+                    </a:ext>
+                  </a:extLst>
+                </a:gridCol>
+                <a:gridCol w="2492070">
+                  <a:extLst>
+                    <a:ext uri="{9D8B030D-6E8A-4147-A177-3AD203B41FA5}">
+                      <a16:colId xmlns:a16="http://schemas.microsoft.com/office/drawing/2014/main" val="20005"/>
+                    </a:ext>
+                  </a:extLst>
+                </a:gridCol>
               </a:tblGrid>
               <a:tr h="1426318">
                 <a:tc>
@@ -5652,6 +5615,11 @@
                   </a:txBody>
                   <a:tcPr marL="68580" marR="68580" marT="0" marB="0" anchor="ctr"/>
                 </a:tc>
+                <a:extLst>
+                  <a:ext uri="{0D108BD9-81ED-4DB2-BD59-A6C34878D82A}">
+                    <a16:rowId xmlns:a16="http://schemas.microsoft.com/office/drawing/2014/main" val="10000"/>
+                  </a:ext>
+                </a:extLst>
               </a:tr>
               <a:tr h="315522">
                 <a:tc>
@@ -5849,6 +5817,11 @@
                   </a:txBody>
                   <a:tcPr marL="68580" marR="68580" marT="0" marB="0" anchor="ctr"/>
                 </a:tc>
+                <a:extLst>
+                  <a:ext uri="{0D108BD9-81ED-4DB2-BD59-A6C34878D82A}">
+                    <a16:rowId xmlns:a16="http://schemas.microsoft.com/office/drawing/2014/main" val="10001"/>
+                  </a:ext>
+                </a:extLst>
               </a:tr>
               <a:tr h="647622">
                 <a:tc>
@@ -6046,6 +6019,11 @@
                   </a:txBody>
                   <a:tcPr marL="68580" marR="68580" marT="0" marB="0" anchor="ctr"/>
                 </a:tc>
+                <a:extLst>
+                  <a:ext uri="{0D108BD9-81ED-4DB2-BD59-A6C34878D82A}">
+                    <a16:rowId xmlns:a16="http://schemas.microsoft.com/office/drawing/2014/main" val="10002"/>
+                  </a:ext>
+                </a:extLst>
               </a:tr>
               <a:tr h="315522">
                 <a:tc>
@@ -6244,6 +6222,11 @@
                   </a:txBody>
                   <a:tcPr marL="68580" marR="68580" marT="0" marB="0" anchor="ctr"/>
                 </a:tc>
+                <a:extLst>
+                  <a:ext uri="{0D108BD9-81ED-4DB2-BD59-A6C34878D82A}">
+                    <a16:rowId xmlns:a16="http://schemas.microsoft.com/office/drawing/2014/main" val="10003"/>
+                  </a:ext>
+                </a:extLst>
               </a:tr>
               <a:tr h="315522">
                 <a:tc>
@@ -6442,6 +6425,11 @@
                   </a:txBody>
                   <a:tcPr marL="68580" marR="68580" marT="0" marB="0" anchor="ctr"/>
                 </a:tc>
+                <a:extLst>
+                  <a:ext uri="{0D108BD9-81ED-4DB2-BD59-A6C34878D82A}">
+                    <a16:rowId xmlns:a16="http://schemas.microsoft.com/office/drawing/2014/main" val="10004"/>
+                  </a:ext>
+                </a:extLst>
               </a:tr>
               <a:tr h="315522">
                 <a:tc>
@@ -6639,6 +6627,11 @@
                   </a:txBody>
                   <a:tcPr marL="68580" marR="68580" marT="0" marB="0" anchor="ctr"/>
                 </a:tc>
+                <a:extLst>
+                  <a:ext uri="{0D108BD9-81ED-4DB2-BD59-A6C34878D82A}">
+                    <a16:rowId xmlns:a16="http://schemas.microsoft.com/office/drawing/2014/main" val="10005"/>
+                  </a:ext>
+                </a:extLst>
               </a:tr>
               <a:tr h="315522">
                 <a:tc>
@@ -6836,6 +6829,11 @@
                   </a:txBody>
                   <a:tcPr marL="68580" marR="68580" marT="0" marB="0" anchor="ctr"/>
                 </a:tc>
+                <a:extLst>
+                  <a:ext uri="{0D108BD9-81ED-4DB2-BD59-A6C34878D82A}">
+                    <a16:rowId xmlns:a16="http://schemas.microsoft.com/office/drawing/2014/main" val="10006"/>
+                  </a:ext>
+                </a:extLst>
               </a:tr>
               <a:tr h="315522">
                 <a:tc>
@@ -7035,6 +7033,11 @@
                   </a:txBody>
                   <a:tcPr marL="68580" marR="68580" marT="0" marB="0" anchor="ctr"/>
                 </a:tc>
+                <a:extLst>
+                  <a:ext uri="{0D108BD9-81ED-4DB2-BD59-A6C34878D82A}">
+                    <a16:rowId xmlns:a16="http://schemas.microsoft.com/office/drawing/2014/main" val="10007"/>
+                  </a:ext>
+                </a:extLst>
               </a:tr>
               <a:tr h="315522">
                 <a:tc>
@@ -7230,6 +7233,11 @@
                   </a:txBody>
                   <a:tcPr marL="68580" marR="68580" marT="0" marB="0" anchor="ctr"/>
                 </a:tc>
+                <a:extLst>
+                  <a:ext uri="{0D108BD9-81ED-4DB2-BD59-A6C34878D82A}">
+                    <a16:rowId xmlns:a16="http://schemas.microsoft.com/office/drawing/2014/main" val="10008"/>
+                  </a:ext>
+                </a:extLst>
               </a:tr>
               <a:tr h="647622">
                 <a:tc>
@@ -7426,6 +7434,11 @@
                   </a:txBody>
                   <a:tcPr marL="68580" marR="68580" marT="0" marB="0" anchor="ctr"/>
                 </a:tc>
+                <a:extLst>
+                  <a:ext uri="{0D108BD9-81ED-4DB2-BD59-A6C34878D82A}">
+                    <a16:rowId xmlns:a16="http://schemas.microsoft.com/office/drawing/2014/main" val="10009"/>
+                  </a:ext>
+                </a:extLst>
               </a:tr>
             </a:tbl>
           </a:graphicData>
@@ -7441,13 +7454,6 @@
   <p:clrMapOvr>
     <a:masterClrMapping/>
   </p:clrMapOvr>
-  <p:timing>
-    <p:tnLst>
-      <p:par>
-        <p:cTn id="1" dur="indefinite" restart="never" nodeType="tmRoot"/>
-      </p:par>
-    </p:tnLst>
-  </p:timing>
 </p:sld>
 </file>
 
@@ -7473,7 +7479,7 @@
           <p:cNvPr id="2" name="Title 1">
             <a:extLst>
               <a:ext uri="{FF2B5EF4-FFF2-40B4-BE49-F238E27FC236}">
-                <a16:creationId xmlns:a16="http://schemas.microsoft.com/office/drawing/2014/main" xmlns="" id="{987A2B9E-3B6D-4CDD-AB4C-21E3236C98BA}"/>
+                <a16:creationId xmlns:a16="http://schemas.microsoft.com/office/drawing/2014/main" id="{987A2B9E-3B6D-4CDD-AB4C-21E3236C98BA}"/>
               </a:ext>
             </a:extLst>
           </p:cNvPr>
@@ -7501,7 +7507,7 @@
           <p:cNvPr id="3" name="Content Placeholder 2">
             <a:extLst>
               <a:ext uri="{FF2B5EF4-FFF2-40B4-BE49-F238E27FC236}">
-                <a16:creationId xmlns:a16="http://schemas.microsoft.com/office/drawing/2014/main" xmlns="" id="{67DBD9DD-B1A5-41B6-8460-CB9575F4E501}"/>
+                <a16:creationId xmlns:a16="http://schemas.microsoft.com/office/drawing/2014/main" id="{67DBD9DD-B1A5-41B6-8460-CB9575F4E501}"/>
               </a:ext>
             </a:extLst>
           </p:cNvPr>
@@ -7579,7 +7585,7 @@
           <p:cNvPr id="3" name="Content Placeholder 2">
             <a:extLst>
               <a:ext uri="{FF2B5EF4-FFF2-40B4-BE49-F238E27FC236}">
-                <a16:creationId xmlns:a16="http://schemas.microsoft.com/office/drawing/2014/main" xmlns="" id="{379FBF68-DC88-4C2D-AED4-BD846653AB4B}"/>
+                <a16:creationId xmlns:a16="http://schemas.microsoft.com/office/drawing/2014/main" id="{379FBF68-DC88-4C2D-AED4-BD846653AB4B}"/>
               </a:ext>
             </a:extLst>
           </p:cNvPr>
@@ -7749,7 +7755,7 @@
           <p:cNvPr id="2" name="Title 1">
             <a:extLst>
               <a:ext uri="{FF2B5EF4-FFF2-40B4-BE49-F238E27FC236}">
-                <a16:creationId xmlns:a16="http://schemas.microsoft.com/office/drawing/2014/main" xmlns="" id="{572B919B-7970-414F-944C-D7DCE41D5119}"/>
+                <a16:creationId xmlns:a16="http://schemas.microsoft.com/office/drawing/2014/main" id="{572B919B-7970-414F-944C-D7DCE41D5119}"/>
               </a:ext>
             </a:extLst>
           </p:cNvPr>
@@ -7777,7 +7783,7 @@
           <p:cNvPr id="3" name="Content Placeholder 2">
             <a:extLst>
               <a:ext uri="{FF2B5EF4-FFF2-40B4-BE49-F238E27FC236}">
-                <a16:creationId xmlns:a16="http://schemas.microsoft.com/office/drawing/2014/main" xmlns="" id="{57F44D35-13DB-4243-AAB8-F4DD4AA3E478}"/>
+                <a16:creationId xmlns:a16="http://schemas.microsoft.com/office/drawing/2014/main" id="{57F44D35-13DB-4243-AAB8-F4DD4AA3E478}"/>
               </a:ext>
             </a:extLst>
           </p:cNvPr>
@@ -7841,7 +7847,7 @@
           <p:cNvPr id="2" name="Title 1">
             <a:extLst>
               <a:ext uri="{FF2B5EF4-FFF2-40B4-BE49-F238E27FC236}">
-                <a16:creationId xmlns:a16="http://schemas.microsoft.com/office/drawing/2014/main" xmlns="" id="{3AE0C9F6-F394-418D-96A4-49626E554771}"/>
+                <a16:creationId xmlns:a16="http://schemas.microsoft.com/office/drawing/2014/main" id="{3AE0C9F6-F394-418D-96A4-49626E554771}"/>
               </a:ext>
             </a:extLst>
           </p:cNvPr>
@@ -7869,7 +7875,7 @@
           <p:cNvPr id="3" name="Content Placeholder 2">
             <a:extLst>
               <a:ext uri="{FF2B5EF4-FFF2-40B4-BE49-F238E27FC236}">
-                <a16:creationId xmlns:a16="http://schemas.microsoft.com/office/drawing/2014/main" xmlns="" id="{60780DC7-6E0C-499C-B432-5D3FAE7733F5}"/>
+                <a16:creationId xmlns:a16="http://schemas.microsoft.com/office/drawing/2014/main" id="{60780DC7-6E0C-499C-B432-5D3FAE7733F5}"/>
               </a:ext>
             </a:extLst>
           </p:cNvPr>
@@ -7903,7 +7909,7 @@
           <p:cNvPr id="4" name="Picture 3">
             <a:extLst>
               <a:ext uri="{FF2B5EF4-FFF2-40B4-BE49-F238E27FC236}">
-                <a16:creationId xmlns:a16="http://schemas.microsoft.com/office/drawing/2014/main" xmlns="" id="{C90B0524-6AAC-4739-8263-BBA3A39E4DA6}"/>
+                <a16:creationId xmlns:a16="http://schemas.microsoft.com/office/drawing/2014/main" id="{C90B0524-6AAC-4739-8263-BBA3A39E4DA6}"/>
               </a:ext>
             </a:extLst>
           </p:cNvPr>
@@ -7975,7 +7981,7 @@
           <p:cNvPr id="2" name="Title 1">
             <a:extLst>
               <a:ext uri="{FF2B5EF4-FFF2-40B4-BE49-F238E27FC236}">
-                <a16:creationId xmlns:a16="http://schemas.microsoft.com/office/drawing/2014/main" xmlns="" id="{67423FAA-9D78-41BE-BEE2-6621D8D99B08}"/>
+                <a16:creationId xmlns:a16="http://schemas.microsoft.com/office/drawing/2014/main" id="{67423FAA-9D78-41BE-BEE2-6621D8D99B08}"/>
               </a:ext>
             </a:extLst>
           </p:cNvPr>
@@ -8003,7 +8009,7 @@
           <p:cNvPr id="3" name="Content Placeholder 2">
             <a:extLst>
               <a:ext uri="{FF2B5EF4-FFF2-40B4-BE49-F238E27FC236}">
-                <a16:creationId xmlns:a16="http://schemas.microsoft.com/office/drawing/2014/main" xmlns="" id="{914A72A8-87B7-4A3E-8DAF-1E357F80BB47}"/>
+                <a16:creationId xmlns:a16="http://schemas.microsoft.com/office/drawing/2014/main" id="{914A72A8-87B7-4A3E-8DAF-1E357F80BB47}"/>
               </a:ext>
             </a:extLst>
           </p:cNvPr>
@@ -8031,7 +8037,7 @@
           <p:cNvPr id="4" name="Picture 3">
             <a:extLst>
               <a:ext uri="{FF2B5EF4-FFF2-40B4-BE49-F238E27FC236}">
-                <a16:creationId xmlns:a16="http://schemas.microsoft.com/office/drawing/2014/main" xmlns="" id="{672F7595-69B9-4DAB-8322-2BABA7064F8B}"/>
+                <a16:creationId xmlns:a16="http://schemas.microsoft.com/office/drawing/2014/main" id="{672F7595-69B9-4DAB-8322-2BABA7064F8B}"/>
               </a:ext>
             </a:extLst>
           </p:cNvPr>
@@ -8103,7 +8109,7 @@
           <p:cNvPr id="2" name="Title 1">
             <a:extLst>
               <a:ext uri="{FF2B5EF4-FFF2-40B4-BE49-F238E27FC236}">
-                <a16:creationId xmlns:a16="http://schemas.microsoft.com/office/drawing/2014/main" xmlns="" id="{AA652A55-4BBF-44C0-9483-296DC4886021}"/>
+                <a16:creationId xmlns:a16="http://schemas.microsoft.com/office/drawing/2014/main" id="{AA652A55-4BBF-44C0-9483-296DC4886021}"/>
               </a:ext>
             </a:extLst>
           </p:cNvPr>
@@ -8131,7 +8137,7 @@
           <p:cNvPr id="3" name="Content Placeholder 2">
             <a:extLst>
               <a:ext uri="{FF2B5EF4-FFF2-40B4-BE49-F238E27FC236}">
-                <a16:creationId xmlns:a16="http://schemas.microsoft.com/office/drawing/2014/main" xmlns="" id="{073B9CCF-CD4B-49EE-9419-06671F73F5B8}"/>
+                <a16:creationId xmlns:a16="http://schemas.microsoft.com/office/drawing/2014/main" id="{073B9CCF-CD4B-49EE-9419-06671F73F5B8}"/>
               </a:ext>
             </a:extLst>
           </p:cNvPr>
@@ -8159,7 +8165,7 @@
           <p:cNvPr id="4" name="Picture 3">
             <a:extLst>
               <a:ext uri="{FF2B5EF4-FFF2-40B4-BE49-F238E27FC236}">
-                <a16:creationId xmlns:a16="http://schemas.microsoft.com/office/drawing/2014/main" xmlns="" id="{57E421ED-8741-4E5A-9A62-E61BD04979A8}"/>
+                <a16:creationId xmlns:a16="http://schemas.microsoft.com/office/drawing/2014/main" id="{57E421ED-8741-4E5A-9A62-E61BD04979A8}"/>
               </a:ext>
             </a:extLst>
           </p:cNvPr>
@@ -8231,7 +8237,7 @@
           <p:cNvPr id="2" name="Title 1">
             <a:extLst>
               <a:ext uri="{FF2B5EF4-FFF2-40B4-BE49-F238E27FC236}">
-                <a16:creationId xmlns:a16="http://schemas.microsoft.com/office/drawing/2014/main" xmlns="" id="{99F1A885-3075-40C9-B832-9F6A5CA4446F}"/>
+                <a16:creationId xmlns:a16="http://schemas.microsoft.com/office/drawing/2014/main" id="{99F1A885-3075-40C9-B832-9F6A5CA4446F}"/>
               </a:ext>
             </a:extLst>
           </p:cNvPr>
@@ -8248,10 +8254,9 @@
           <a:lstStyle/>
           <a:p>
             <a:r>
-              <a:rPr lang="en-US"/>
+              <a:rPr lang="en-US" dirty="0"/>
               <a:t>Content</a:t>
             </a:r>
-            <a:endParaRPr lang="en-US" dirty="0"/>
           </a:p>
         </p:txBody>
       </p:sp>
@@ -8260,7 +8265,7 @@
           <p:cNvPr id="3" name="Content Placeholder 2">
             <a:extLst>
               <a:ext uri="{FF2B5EF4-FFF2-40B4-BE49-F238E27FC236}">
-                <a16:creationId xmlns:a16="http://schemas.microsoft.com/office/drawing/2014/main" xmlns="" id="{2F2E208E-4B1D-498B-9E74-D5D162EA1EAF}"/>
+                <a16:creationId xmlns:a16="http://schemas.microsoft.com/office/drawing/2014/main" id="{2F2E208E-4B1D-498B-9E74-D5D162EA1EAF}"/>
               </a:ext>
             </a:extLst>
           </p:cNvPr>
@@ -8298,6 +8303,13 @@
               <a:rPr lang="en-US" dirty="0"/>
               <a:t>Conclusion</a:t>
             </a:r>
+          </a:p>
+          <a:p>
+            <a:r>
+              <a:rPr lang="en-US"/>
+              <a:t>Reference</a:t>
+            </a:r>
+            <a:endParaRPr lang="en-US" dirty="0"/>
           </a:p>
           <a:p>
             <a:endParaRPr lang="en-US" dirty="0"/>
@@ -8339,7 +8351,7 @@
           <p:cNvPr id="2" name="Title 1">
             <a:extLst>
               <a:ext uri="{FF2B5EF4-FFF2-40B4-BE49-F238E27FC236}">
-                <a16:creationId xmlns:a16="http://schemas.microsoft.com/office/drawing/2014/main" xmlns="" id="{638922BD-D6C8-4838-A26C-ABDA8AAF1130}"/>
+                <a16:creationId xmlns:a16="http://schemas.microsoft.com/office/drawing/2014/main" id="{638922BD-D6C8-4838-A26C-ABDA8AAF1130}"/>
               </a:ext>
             </a:extLst>
           </p:cNvPr>
@@ -8367,7 +8379,7 @@
           <p:cNvPr id="4" name="Picture 3">
             <a:extLst>
               <a:ext uri="{FF2B5EF4-FFF2-40B4-BE49-F238E27FC236}">
-                <a16:creationId xmlns:a16="http://schemas.microsoft.com/office/drawing/2014/main" xmlns="" id="{28DE14FE-84BF-442E-9367-9DA52183980D}"/>
+                <a16:creationId xmlns:a16="http://schemas.microsoft.com/office/drawing/2014/main" id="{28DE14FE-84BF-442E-9367-9DA52183980D}"/>
               </a:ext>
             </a:extLst>
           </p:cNvPr>
@@ -8439,7 +8451,7 @@
           <p:cNvPr id="2" name="Title 1">
             <a:extLst>
               <a:ext uri="{FF2B5EF4-FFF2-40B4-BE49-F238E27FC236}">
-                <a16:creationId xmlns:a16="http://schemas.microsoft.com/office/drawing/2014/main" xmlns="" id="{10532DA2-DA77-459D-901A-8AFDC5F1C4B0}"/>
+                <a16:creationId xmlns:a16="http://schemas.microsoft.com/office/drawing/2014/main" id="{10532DA2-DA77-459D-901A-8AFDC5F1C4B0}"/>
               </a:ext>
             </a:extLst>
           </p:cNvPr>
@@ -8467,7 +8479,7 @@
           <p:cNvPr id="3" name="Content Placeholder 2">
             <a:extLst>
               <a:ext uri="{FF2B5EF4-FFF2-40B4-BE49-F238E27FC236}">
-                <a16:creationId xmlns:a16="http://schemas.microsoft.com/office/drawing/2014/main" xmlns="" id="{DB586400-FCBB-4F9E-AEC9-79F70B4DCB66}"/>
+                <a16:creationId xmlns:a16="http://schemas.microsoft.com/office/drawing/2014/main" id="{DB586400-FCBB-4F9E-AEC9-79F70B4DCB66}"/>
               </a:ext>
             </a:extLst>
           </p:cNvPr>
@@ -8489,7 +8501,7 @@
           <a:lstStyle/>
           <a:p>
             <a:r>
-              <a:rPr lang="en-US" dirty="0" smtClean="0"/>
+              <a:rPr lang="en-US" dirty="0"/>
               <a:t>This app is being made to benefit students and enhance their knowledge.</a:t>
             </a:r>
           </a:p>
@@ -8497,11 +8509,11 @@
             <a:pPr marL="0" indent="0">
               <a:buNone/>
             </a:pPr>
-            <a:endParaRPr lang="en-US" dirty="0" smtClean="0"/>
-          </a:p>
-          <a:p>
-            <a:r>
-              <a:rPr lang="en-US" dirty="0" smtClean="0"/>
+            <a:endParaRPr lang="en-US" dirty="0"/>
+          </a:p>
+          <a:p>
+            <a:r>
+              <a:rPr lang="en-US" dirty="0"/>
               <a:t>Not many VR apps in this domain are launched yet.</a:t>
             </a:r>
           </a:p>
@@ -8509,11 +8521,11 @@
             <a:pPr marL="0" indent="0">
               <a:buNone/>
             </a:pPr>
-            <a:endParaRPr lang="en-US" dirty="0" smtClean="0"/>
-          </a:p>
-          <a:p>
-            <a:r>
-              <a:rPr lang="en-US" dirty="0" smtClean="0"/>
+            <a:endParaRPr lang="en-US" dirty="0"/>
+          </a:p>
+          <a:p>
+            <a:r>
+              <a:rPr lang="en-US" dirty="0"/>
               <a:t>Most suitable programming language and technology will be used to implement this VR app.</a:t>
             </a:r>
           </a:p>
@@ -8598,7 +8610,7 @@
           <p:cNvPr id="2" name="Title 1">
             <a:extLst>
               <a:ext uri="{FF2B5EF4-FFF2-40B4-BE49-F238E27FC236}">
-                <a16:creationId xmlns:a16="http://schemas.microsoft.com/office/drawing/2014/main" xmlns="" id="{5B27978F-BAD3-46C6-AC41-6D563D981774}"/>
+                <a16:creationId xmlns:a16="http://schemas.microsoft.com/office/drawing/2014/main" id="{D408AD68-9159-44D9-8EC8-48CC16829A49}"/>
               </a:ext>
             </a:extLst>
           </p:cNvPr>
@@ -8606,6 +8618,212 @@
             <a:spLocks noGrp="1"/>
           </p:cNvSpPr>
           <p:nvPr>
+            <p:ph type="title"/>
+          </p:nvPr>
+        </p:nvSpPr>
+        <p:spPr/>
+        <p:txBody>
+          <a:bodyPr/>
+          <a:lstStyle/>
+          <a:p>
+            <a:r>
+              <a:rPr lang="en-US" dirty="0"/>
+              <a:t>References</a:t>
+            </a:r>
+          </a:p>
+        </p:txBody>
+      </p:sp>
+      <p:sp>
+        <p:nvSpPr>
+          <p:cNvPr id="3" name="Content Placeholder 2">
+            <a:extLst>
+              <a:ext uri="{FF2B5EF4-FFF2-40B4-BE49-F238E27FC236}">
+                <a16:creationId xmlns:a16="http://schemas.microsoft.com/office/drawing/2014/main" id="{1C557612-1B58-488F-8A2F-8DB37FFC9B63}"/>
+              </a:ext>
+            </a:extLst>
+          </p:cNvPr>
+          <p:cNvSpPr>
+            <a:spLocks noGrp="1"/>
+          </p:cNvSpPr>
+          <p:nvPr>
+            <p:ph idx="1"/>
+          </p:nvPr>
+        </p:nvSpPr>
+        <p:spPr>
+          <a:xfrm>
+            <a:off x="1371600" y="1575582"/>
+            <a:ext cx="9601200" cy="4596618"/>
+          </a:xfrm>
+        </p:spPr>
+        <p:txBody>
+          <a:bodyPr>
+            <a:normAutofit fontScale="70000" lnSpcReduction="20000"/>
+          </a:bodyPr>
+          <a:lstStyle/>
+          <a:p>
+            <a:endParaRPr lang="en-US" dirty="0"/>
+          </a:p>
+          <a:p>
+            <a:pPr marL="0" indent="0">
+              <a:buNone/>
+            </a:pPr>
+            <a:endParaRPr lang="en-US" sz="1400" dirty="0">
+              <a:latin typeface="Calibri" panose="020F0502020204030204" pitchFamily="34" charset="0"/>
+              <a:cs typeface="Calibri" panose="020F0502020204030204" pitchFamily="34" charset="0"/>
+            </a:endParaRPr>
+          </a:p>
+          <a:p>
+            <a:r>
+              <a:rPr lang="en-US" sz="2600" dirty="0">
+                <a:cs typeface="Calibri" panose="020F0502020204030204" pitchFamily="34" charset="0"/>
+              </a:rPr>
+              <a:t>[1] 	S. </a:t>
+            </a:r>
+            <a:r>
+              <a:rPr lang="en-US" sz="2600" dirty="0" err="1">
+                <a:cs typeface="Calibri" panose="020F0502020204030204" pitchFamily="34" charset="0"/>
+              </a:rPr>
+              <a:t>Sukhin</a:t>
+            </a:r>
+            <a:r>
+              <a:rPr lang="en-US" sz="2600" dirty="0">
+                <a:cs typeface="Calibri" panose="020F0502020204030204" pitchFamily="34" charset="0"/>
+              </a:rPr>
+              <a:t>, "Splash Sim: A VR Experience in the Water Cycle - Apps on Google Play," Google, 10 2017. [Online]. Available: https://play.google.com/store/apps/details?id=com.splashsim.splashsim&amp;hl=en_US. [Accessed 28 7 2019].</a:t>
+            </a:r>
+          </a:p>
+          <a:p>
+            <a:r>
+              <a:rPr lang="en-US" sz="2600" dirty="0">
+                <a:cs typeface="Calibri" panose="020F0502020204030204" pitchFamily="34" charset="0"/>
+              </a:rPr>
+              <a:t>[2] 	A. V. Education, "</a:t>
+            </a:r>
+            <a:r>
+              <a:rPr lang="en-US" sz="2600" dirty="0" err="1">
+                <a:cs typeface="Calibri" panose="020F0502020204030204" pitchFamily="34" charset="0"/>
+              </a:rPr>
+              <a:t>Cicle</a:t>
+            </a:r>
+            <a:r>
+              <a:rPr lang="en-US" sz="2600" dirty="0">
+                <a:cs typeface="Calibri" panose="020F0502020204030204" pitchFamily="34" charset="0"/>
+              </a:rPr>
+              <a:t> de </a:t>
+            </a:r>
+            <a:r>
+              <a:rPr lang="en-US" sz="2600" dirty="0" err="1">
+                <a:cs typeface="Calibri" panose="020F0502020204030204" pitchFamily="34" charset="0"/>
+              </a:rPr>
+              <a:t>l'Aigua</a:t>
+            </a:r>
+            <a:r>
+              <a:rPr lang="en-US" sz="2600" dirty="0">
+                <a:cs typeface="Calibri" panose="020F0502020204030204" pitchFamily="34" charset="0"/>
+              </a:rPr>
+              <a:t> VR - Apps on Google Play," Google, 1 2016. [Online]. Available: https://play.google.com/store/apps/details?id=com.allvreducation.cicledelaigua&amp;hl=en. [Accessed 28 7 2019].</a:t>
+            </a:r>
+          </a:p>
+          <a:p>
+            <a:r>
+              <a:rPr lang="en-US" sz="2600" dirty="0">
+                <a:cs typeface="Calibri" panose="020F0502020204030204" pitchFamily="34" charset="0"/>
+              </a:rPr>
+              <a:t>[3] 	EUROCASE, "TABI The Water Cycle - Apps on Google Play," Google, 1 2016. [Online]. Available: https://play.google.com/store/apps/details?id=com.eurocase.hydrologic_cycle&amp;hl=en. [Accessed 28 7 2019].</a:t>
+            </a:r>
+          </a:p>
+          <a:p>
+            <a:r>
+              <a:rPr lang="en-US" sz="2600" dirty="0">
+                <a:cs typeface="Calibri" panose="020F0502020204030204" pitchFamily="34" charset="0"/>
+              </a:rPr>
+              <a:t>[4] 	S. </a:t>
+            </a:r>
+            <a:r>
+              <a:rPr lang="en-US" sz="2600" dirty="0" err="1">
+                <a:cs typeface="Calibri" panose="020F0502020204030204" pitchFamily="34" charset="0"/>
+              </a:rPr>
+              <a:t>Xpert</a:t>
+            </a:r>
+            <a:r>
+              <a:rPr lang="en-US" sz="2600" dirty="0">
+                <a:cs typeface="Calibri" panose="020F0502020204030204" pitchFamily="34" charset="0"/>
+              </a:rPr>
+              <a:t>, "</a:t>
+            </a:r>
+            <a:r>
+              <a:rPr lang="th-TH" sz="2600" dirty="0">
+                <a:cs typeface="Calibri" panose="020F0502020204030204" pitchFamily="34" charset="0"/>
+              </a:rPr>
+              <a:t>วัฏจักรน้ำ (</a:t>
+            </a:r>
+            <a:r>
+              <a:rPr lang="en-US" sz="2600" dirty="0">
+                <a:cs typeface="Calibri" panose="020F0502020204030204" pitchFamily="34" charset="0"/>
+              </a:rPr>
+              <a:t>Water Cycle) - Apps on Google Play," Google, 10 2018. [Online]. Available: https://play.google.com/store/apps/details?id=com.studioxpert.watercycle. [Accessed 28 7 2019].</a:t>
+            </a:r>
+          </a:p>
+          <a:p>
+            <a:endParaRPr lang="en-US" sz="1400" dirty="0">
+              <a:latin typeface="Calibri" panose="020F0502020204030204" pitchFamily="34" charset="0"/>
+              <a:cs typeface="Calibri" panose="020F0502020204030204" pitchFamily="34" charset="0"/>
+            </a:endParaRPr>
+          </a:p>
+          <a:p>
+            <a:endParaRPr lang="en-US" dirty="0"/>
+          </a:p>
+          <a:p>
+            <a:endParaRPr lang="en-US" dirty="0"/>
+          </a:p>
+          <a:p>
+            <a:endParaRPr lang="en-US" dirty="0"/>
+          </a:p>
+        </p:txBody>
+      </p:sp>
+    </p:spTree>
+    <p:extLst>
+      <p:ext uri="{BB962C8B-B14F-4D97-AF65-F5344CB8AC3E}">
+        <p14:creationId xmlns:p14="http://schemas.microsoft.com/office/powerpoint/2010/main" val="1939872356"/>
+      </p:ext>
+    </p:extLst>
+  </p:cSld>
+  <p:clrMapOvr>
+    <a:masterClrMapping/>
+  </p:clrMapOvr>
+</p:sld>
+</file>
+
+<file path=ppt/slides/slide23.xml><?xml version="1.0" encoding="utf-8"?>
+<p:sld xmlns:a="http://schemas.openxmlformats.org/drawingml/2006/main" xmlns:r="http://schemas.openxmlformats.org/officeDocument/2006/relationships" xmlns:p="http://schemas.openxmlformats.org/presentationml/2006/main">
+  <p:cSld>
+    <p:spTree>
+      <p:nvGrpSpPr>
+        <p:cNvPr id="1" name=""/>
+        <p:cNvGrpSpPr/>
+        <p:nvPr/>
+      </p:nvGrpSpPr>
+      <p:grpSpPr>
+        <a:xfrm>
+          <a:off x="0" y="0"/>
+          <a:ext cx="0" cy="0"/>
+          <a:chOff x="0" y="0"/>
+          <a:chExt cx="0" cy="0"/>
+        </a:xfrm>
+      </p:grpSpPr>
+      <p:sp>
+        <p:nvSpPr>
+          <p:cNvPr id="2" name="Title 1">
+            <a:extLst>
+              <a:ext uri="{FF2B5EF4-FFF2-40B4-BE49-F238E27FC236}">
+                <a16:creationId xmlns:a16="http://schemas.microsoft.com/office/drawing/2014/main" id="{5B27978F-BAD3-46C6-AC41-6D563D981774}"/>
+              </a:ext>
+            </a:extLst>
+          </p:cNvPr>
+          <p:cNvSpPr>
+            <a:spLocks noGrp="1"/>
+          </p:cNvSpPr>
+          <p:nvPr>
             <p:ph type="ctrTitle"/>
           </p:nvPr>
         </p:nvSpPr>
@@ -8626,7 +8844,7 @@
           <p:cNvPr id="3" name="Subtitle 2">
             <a:extLst>
               <a:ext uri="{FF2B5EF4-FFF2-40B4-BE49-F238E27FC236}">
-                <a16:creationId xmlns:a16="http://schemas.microsoft.com/office/drawing/2014/main" xmlns="" id="{5649E251-AA3D-4977-8FA9-7B0ED7D0FA10}"/>
+                <a16:creationId xmlns:a16="http://schemas.microsoft.com/office/drawing/2014/main" id="{5649E251-AA3D-4977-8FA9-7B0ED7D0FA10}"/>
               </a:ext>
             </a:extLst>
           </p:cNvPr>
@@ -8684,7 +8902,7 @@
           <p:cNvPr id="2" name="Title 1">
             <a:extLst>
               <a:ext uri="{FF2B5EF4-FFF2-40B4-BE49-F238E27FC236}">
-                <a16:creationId xmlns:a16="http://schemas.microsoft.com/office/drawing/2014/main" xmlns="" id="{79D9E8BC-E551-427F-B5A3-C9F9F2C1CDA1}"/>
+                <a16:creationId xmlns:a16="http://schemas.microsoft.com/office/drawing/2014/main" id="{79D9E8BC-E551-427F-B5A3-C9F9F2C1CDA1}"/>
               </a:ext>
             </a:extLst>
           </p:cNvPr>
@@ -8712,7 +8930,7 @@
           <p:cNvPr id="3" name="Content Placeholder 2">
             <a:extLst>
               <a:ext uri="{FF2B5EF4-FFF2-40B4-BE49-F238E27FC236}">
-                <a16:creationId xmlns:a16="http://schemas.microsoft.com/office/drawing/2014/main" xmlns="" id="{82980F63-12FE-4913-BB11-CA61837FA0C1}"/>
+                <a16:creationId xmlns:a16="http://schemas.microsoft.com/office/drawing/2014/main" id="{82980F63-12FE-4913-BB11-CA61837FA0C1}"/>
               </a:ext>
             </a:extLst>
           </p:cNvPr>
@@ -8794,7 +9012,7 @@
           <p:cNvPr id="2" name="Title 1">
             <a:extLst>
               <a:ext uri="{FF2B5EF4-FFF2-40B4-BE49-F238E27FC236}">
-                <a16:creationId xmlns:a16="http://schemas.microsoft.com/office/drawing/2014/main" xmlns="" id="{C40FFD64-548A-4A99-A870-CD3191FCE0C7}"/>
+                <a16:creationId xmlns:a16="http://schemas.microsoft.com/office/drawing/2014/main" id="{C40FFD64-548A-4A99-A870-CD3191FCE0C7}"/>
               </a:ext>
             </a:extLst>
           </p:cNvPr>
@@ -8822,7 +9040,7 @@
           <p:cNvPr id="3" name="Content Placeholder 2">
             <a:extLst>
               <a:ext uri="{FF2B5EF4-FFF2-40B4-BE49-F238E27FC236}">
-                <a16:creationId xmlns:a16="http://schemas.microsoft.com/office/drawing/2014/main" xmlns="" id="{08B26BB4-6D06-4536-8124-710012F39B3A}"/>
+                <a16:creationId xmlns:a16="http://schemas.microsoft.com/office/drawing/2014/main" id="{08B26BB4-6D06-4536-8124-710012F39B3A}"/>
               </a:ext>
             </a:extLst>
           </p:cNvPr>
@@ -8892,7 +9110,7 @@
           <p:cNvPr id="2" name="Title 1">
             <a:extLst>
               <a:ext uri="{FF2B5EF4-FFF2-40B4-BE49-F238E27FC236}">
-                <a16:creationId xmlns:a16="http://schemas.microsoft.com/office/drawing/2014/main" xmlns="" id="{8DC0FD8C-96A5-4323-8E47-435C90530937}"/>
+                <a16:creationId xmlns:a16="http://schemas.microsoft.com/office/drawing/2014/main" id="{8DC0FD8C-96A5-4323-8E47-435C90530937}"/>
               </a:ext>
             </a:extLst>
           </p:cNvPr>
@@ -8920,7 +9138,7 @@
           <p:cNvPr id="3" name="Content Placeholder 2">
             <a:extLst>
               <a:ext uri="{FF2B5EF4-FFF2-40B4-BE49-F238E27FC236}">
-                <a16:creationId xmlns:a16="http://schemas.microsoft.com/office/drawing/2014/main" xmlns="" id="{CA5BD5CC-43FB-468C-B3DD-276E31247046}"/>
+                <a16:creationId xmlns:a16="http://schemas.microsoft.com/office/drawing/2014/main" id="{CA5BD5CC-43FB-468C-B3DD-276E31247046}"/>
               </a:ext>
             </a:extLst>
           </p:cNvPr>
@@ -8999,7 +9217,7 @@
           <p:cNvPr id="2" name="Title 1">
             <a:extLst>
               <a:ext uri="{FF2B5EF4-FFF2-40B4-BE49-F238E27FC236}">
-                <a16:creationId xmlns:a16="http://schemas.microsoft.com/office/drawing/2014/main" xmlns="" id="{C6F471E8-F97A-4840-8B15-4EB56FA2E1A4}"/>
+                <a16:creationId xmlns:a16="http://schemas.microsoft.com/office/drawing/2014/main" id="{C6F471E8-F97A-4840-8B15-4EB56FA2E1A4}"/>
               </a:ext>
             </a:extLst>
           </p:cNvPr>
@@ -9027,7 +9245,7 @@
           <p:cNvPr id="3" name="Content Placeholder 2">
             <a:extLst>
               <a:ext uri="{FF2B5EF4-FFF2-40B4-BE49-F238E27FC236}">
-                <a16:creationId xmlns:a16="http://schemas.microsoft.com/office/drawing/2014/main" xmlns="" id="{CF2C1132-D263-4A0D-92DE-9FFEF6BB7789}"/>
+                <a16:creationId xmlns:a16="http://schemas.microsoft.com/office/drawing/2014/main" id="{CF2C1132-D263-4A0D-92DE-9FFEF6BB7789}"/>
               </a:ext>
             </a:extLst>
           </p:cNvPr>
@@ -9097,7 +9315,7 @@
           <p:cNvPr id="2" name="Title 1">
             <a:extLst>
               <a:ext uri="{FF2B5EF4-FFF2-40B4-BE49-F238E27FC236}">
-                <a16:creationId xmlns:a16="http://schemas.microsoft.com/office/drawing/2014/main" xmlns="" id="{84D7991D-144A-4372-8BD2-616794586C45}"/>
+                <a16:creationId xmlns:a16="http://schemas.microsoft.com/office/drawing/2014/main" id="{84D7991D-144A-4372-8BD2-616794586C45}"/>
               </a:ext>
             </a:extLst>
           </p:cNvPr>
@@ -9125,7 +9343,7 @@
           <p:cNvPr id="4" name="Chart 3" title="Chart">
             <a:extLst>
               <a:ext uri="{FF2B5EF4-FFF2-40B4-BE49-F238E27FC236}">
-                <a16:creationId xmlns:a16="http://schemas.microsoft.com/office/drawing/2014/main" xmlns="" id="{00000000-0008-0000-0100-000002000000}"/>
+                <a16:creationId xmlns:a16="http://schemas.microsoft.com/office/drawing/2014/main" id="{00000000-0008-0000-0100-000002000000}"/>
               </a:ext>
             </a:extLst>
           </p:cNvPr>
@@ -9183,7 +9401,7 @@
           <p:cNvPr id="2" name="Title 1">
             <a:extLst>
               <a:ext uri="{FF2B5EF4-FFF2-40B4-BE49-F238E27FC236}">
-                <a16:creationId xmlns:a16="http://schemas.microsoft.com/office/drawing/2014/main" xmlns="" id="{E5CFE099-4597-4BD2-AC20-2C18228114F3}"/>
+                <a16:creationId xmlns:a16="http://schemas.microsoft.com/office/drawing/2014/main" id="{E5CFE099-4597-4BD2-AC20-2C18228114F3}"/>
               </a:ext>
             </a:extLst>
           </p:cNvPr>
@@ -9216,7 +9434,7 @@
           <p:cNvPr id="3" name="Content Placeholder 2">
             <a:extLst>
               <a:ext uri="{FF2B5EF4-FFF2-40B4-BE49-F238E27FC236}">
-                <a16:creationId xmlns:a16="http://schemas.microsoft.com/office/drawing/2014/main" xmlns="" id="{3161AE2C-2D22-49D7-A572-CCB0753E3B50}"/>
+                <a16:creationId xmlns:a16="http://schemas.microsoft.com/office/drawing/2014/main" id="{3161AE2C-2D22-49D7-A572-CCB0753E3B50}"/>
               </a:ext>
             </a:extLst>
           </p:cNvPr>
@@ -9238,23 +9456,19 @@
           <a:lstStyle/>
           <a:p>
             <a:r>
-              <a:rPr lang="en-US" sz="2400" dirty="0" smtClean="0"/>
-              <a:t>Very few apps </a:t>
-            </a:r>
-            <a:r>
-              <a:rPr lang="en-US" sz="2400" dirty="0" smtClean="0"/>
-              <a:t>have been created in this domain.</a:t>
+              <a:rPr lang="en-US" sz="2400" dirty="0"/>
+              <a:t>Very few apps have been created in this domain.</a:t>
             </a:r>
           </a:p>
           <a:p>
             <a:pPr marL="0" indent="0">
               <a:buNone/>
             </a:pPr>
-            <a:endParaRPr lang="en-US" sz="2400" dirty="0" smtClean="0"/>
-          </a:p>
-          <a:p>
-            <a:r>
-              <a:rPr lang="en-US" sz="2400" dirty="0" smtClean="0"/>
+            <a:endParaRPr lang="en-US" sz="2400" dirty="0"/>
+          </a:p>
+          <a:p>
+            <a:r>
+              <a:rPr lang="en-US" sz="2400" dirty="0"/>
               <a:t>Much apps were focused on water cycle lessons rather than visualization of the water cycle.</a:t>
             </a:r>
           </a:p>
@@ -9262,11 +9476,11 @@
             <a:pPr marL="0" indent="0">
               <a:buNone/>
             </a:pPr>
-            <a:endParaRPr lang="en-US" sz="2400" dirty="0" smtClean="0"/>
-          </a:p>
-          <a:p>
-            <a:r>
-              <a:rPr lang="en-US" sz="2400" dirty="0" smtClean="0"/>
+            <a:endParaRPr lang="en-US" sz="2400" dirty="0"/>
+          </a:p>
+          <a:p>
+            <a:r>
+              <a:rPr lang="en-US" sz="2400" dirty="0"/>
               <a:t>Teachers are looking forward to such applications</a:t>
             </a:r>
           </a:p>
@@ -9275,7 +9489,7 @@
               <a:buNone/>
             </a:pPr>
             <a:r>
-              <a:rPr lang="en-US" sz="2400" dirty="0" smtClean="0"/>
+              <a:rPr lang="en-US" sz="2400" dirty="0"/>
               <a:t> to ease the teaching.</a:t>
             </a:r>
           </a:p>
@@ -9358,7 +9572,7 @@
           <p:cNvPr id="2" name="Title 1">
             <a:extLst>
               <a:ext uri="{FF2B5EF4-FFF2-40B4-BE49-F238E27FC236}">
-                <a16:creationId xmlns:a16="http://schemas.microsoft.com/office/drawing/2014/main" xmlns="" id="{D4205F1D-BFE7-4BD5-8CD8-366232C62642}"/>
+                <a16:creationId xmlns:a16="http://schemas.microsoft.com/office/drawing/2014/main" id="{D4205F1D-BFE7-4BD5-8CD8-366232C62642}"/>
               </a:ext>
             </a:extLst>
           </p:cNvPr>
@@ -9380,10 +9594,9 @@
           <a:lstStyle/>
           <a:p>
             <a:r>
-              <a:rPr lang="en-US" dirty="0" smtClean="0"/>
+              <a:rPr lang="en-US" dirty="0"/>
               <a:t>Similar Apps</a:t>
             </a:r>
-            <a:endParaRPr lang="en-US" dirty="0"/>
           </a:p>
         </p:txBody>
       </p:sp>
@@ -9392,7 +9605,7 @@
           <p:cNvPr id="3" name="Content Placeholder 2">
             <a:extLst>
               <a:ext uri="{FF2B5EF4-FFF2-40B4-BE49-F238E27FC236}">
-                <a16:creationId xmlns:a16="http://schemas.microsoft.com/office/drawing/2014/main" xmlns="" id="{284154B4-27BB-4EA9-99CB-74254299DDA4}"/>
+                <a16:creationId xmlns:a16="http://schemas.microsoft.com/office/drawing/2014/main" id="{284154B4-27BB-4EA9-99CB-74254299DDA4}"/>
               </a:ext>
             </a:extLst>
           </p:cNvPr>
@@ -9419,7 +9632,7 @@
               <a:buNone/>
             </a:pPr>
             <a:r>
-              <a:rPr lang="en-US" sz="2400" b="1" dirty="0" smtClean="0">
+              <a:rPr lang="en-US" sz="2400" b="1" dirty="0">
                 <a:solidFill>
                   <a:srgbClr val="0070C0"/>
                 </a:solidFill>
@@ -9427,7 +9640,7 @@
               <a:t>Splash </a:t>
             </a:r>
             <a:r>
-              <a:rPr lang="en-US" sz="2400" b="1" dirty="0" err="1" smtClean="0">
+              <a:rPr lang="en-US" sz="2400" b="1" dirty="0" err="1">
                 <a:solidFill>
                   <a:srgbClr val="0070C0"/>
                 </a:solidFill>
@@ -9435,14 +9648,14 @@
               <a:t>Sim</a:t>
             </a:r>
             <a:r>
-              <a:rPr lang="en-US" sz="2400" b="1" dirty="0" smtClean="0">
+              <a:rPr lang="en-US" sz="2400" b="1" dirty="0">
                 <a:solidFill>
                   <a:srgbClr val="0070C0"/>
                 </a:solidFill>
               </a:rPr>
               <a:t>: A VR Experience in the Water Cycle</a:t>
             </a:r>
-            <a:endParaRPr lang="en-US" b="1" dirty="0" smtClean="0">
+            <a:endParaRPr lang="en-US" b="1" dirty="0">
               <a:solidFill>
                 <a:srgbClr val="0070C0"/>
               </a:solidFill>
@@ -9457,14 +9670,7 @@
                 <a:latin typeface="Calibri Light" panose="020F0302020204030204" pitchFamily="34" charset="0"/>
                 <a:cs typeface="Calibri Light" panose="020F0302020204030204" pitchFamily="34" charset="0"/>
               </a:rPr>
-              <a:t>Features</a:t>
-            </a:r>
-            <a:r>
-              <a:rPr lang="en-US" b="1" dirty="0" smtClean="0">
-                <a:latin typeface="Calibri Light" panose="020F0302020204030204" pitchFamily="34" charset="0"/>
-                <a:cs typeface="Calibri Light" panose="020F0302020204030204" pitchFamily="34" charset="0"/>
-              </a:rPr>
-              <a:t>:</a:t>
+              <a:t>Features:</a:t>
             </a:r>
           </a:p>
           <a:p>
@@ -9473,16 +9679,12 @@
               <a:buChar char="•"/>
             </a:pPr>
             <a:r>
-              <a:rPr lang="en-US" sz="1800" dirty="0" smtClean="0">
+              <a:rPr lang="en-US" sz="1800" dirty="0">
                 <a:latin typeface="Calibri" panose="020F0502020204030204" pitchFamily="34" charset="0"/>
                 <a:cs typeface="Calibri" panose="020F0502020204030204" pitchFamily="34" charset="0"/>
               </a:rPr>
               <a:t>VR app.</a:t>
             </a:r>
-            <a:endParaRPr lang="en-US" sz="1800" dirty="0">
-              <a:latin typeface="Calibri" panose="020F0502020204030204" pitchFamily="34" charset="0"/>
-              <a:cs typeface="Calibri" panose="020F0502020204030204" pitchFamily="34" charset="0"/>
-            </a:endParaRPr>
           </a:p>
           <a:p>
             <a:pPr>
@@ -9520,14 +9722,7 @@
                 <a:latin typeface="Calibri" panose="020F0502020204030204" pitchFamily="34" charset="0"/>
                 <a:cs typeface="Calibri" panose="020F0502020204030204" pitchFamily="34" charset="0"/>
               </a:rPr>
-              <a:t>Audio effect of rain, wind and birds</a:t>
-            </a:r>
-            <a:r>
-              <a:rPr lang="en-US" sz="1800" dirty="0" smtClean="0">
-                <a:latin typeface="Calibri" panose="020F0502020204030204" pitchFamily="34" charset="0"/>
-                <a:cs typeface="Calibri" panose="020F0502020204030204" pitchFamily="34" charset="0"/>
-              </a:rPr>
-              <a:t>.</a:t>
+              <a:t>Audio effect of rain, wind and birds.</a:t>
             </a:r>
           </a:p>
           <a:p>
@@ -9652,13 +9847,6 @@
   <p:clrMapOvr>
     <a:masterClrMapping/>
   </p:clrMapOvr>
-  <p:timing>
-    <p:tnLst>
-      <p:par>
-        <p:cTn id="1" dur="indefinite" restart="never" nodeType="tmRoot"/>
-      </p:par>
-    </p:tnLst>
-  </p:timing>
 </p:sld>
 </file>
 

--- a/Capstone.pptx
+++ b/Capstone.pptx
@@ -4,6 +4,9 @@
   <p:sldMasterIdLst>
     <p:sldMasterId id="2147483660" r:id="rId1"/>
   </p:sldMasterIdLst>
+  <p:notesMasterIdLst>
+    <p:notesMasterId r:id="rId26"/>
+  </p:notesMasterIdLst>
   <p:sldIdLst>
     <p:sldId id="256" r:id="rId2"/>
     <p:sldId id="257" r:id="rId3"/>
@@ -25,9 +28,10 @@
     <p:sldId id="271" r:id="rId19"/>
     <p:sldId id="274" r:id="rId20"/>
     <p:sldId id="270" r:id="rId21"/>
-    <p:sldId id="261" r:id="rId22"/>
-    <p:sldId id="278" r:id="rId23"/>
-    <p:sldId id="262" r:id="rId24"/>
+    <p:sldId id="279" r:id="rId22"/>
+    <p:sldId id="261" r:id="rId23"/>
+    <p:sldId id="278" r:id="rId24"/>
+    <p:sldId id="262" r:id="rId25"/>
   </p:sldIdLst>
   <p:sldSz cx="12192000" cy="6858000"/>
   <p:notesSz cx="6858000" cy="9144000"/>
@@ -135,7 +139,7 @@
 </file>
 
 <file path=ppt/charts/chart1.xml><?xml version="1.0" encoding="utf-8"?>
-<c:chartSpace xmlns:c="http://schemas.openxmlformats.org/drawingml/2006/chart" xmlns:a="http://schemas.openxmlformats.org/drawingml/2006/main" xmlns:r="http://schemas.openxmlformats.org/officeDocument/2006/relationships" xmlns:c16r2="http://schemas.microsoft.com/office/drawing/2015/06/chart">
+<c:chartSpace xmlns:c="http://schemas.openxmlformats.org/drawingml/2006/chart" xmlns:a="http://schemas.openxmlformats.org/drawingml/2006/main" xmlns:r="http://schemas.openxmlformats.org/officeDocument/2006/relationships">
   <c:date1904 val="0"/>
   <c:lang val="en-US"/>
   <c:roundedCorners val="1"/>
@@ -271,7 +275,10 @@
               </c:numCache>
             </c:numRef>
           </c:val>
-          <c:extLst>
+          <c:extLst xmlns:c16r2="http://schemas.microsoft.com/office/drawing/2015/06/chart">
+            <c:ext xmlns:c16="http://schemas.microsoft.com/office/drawing/2014/chart" uri="{C3380CC4-5D6E-409C-BE32-E72D297353CC}">
+              <c16:uniqueId val="{00000000-B8B6-4ACF-B66C-967991A384A5}"/>
+            </c:ext>
             <c:ext xmlns:c14="http://schemas.microsoft.com/office/drawing/2007/8/2/chart" uri="{6F2FDCE9-48DA-4B69-8628-5D25D57E5C99}">
               <c14:invertSolidFillFmt>
                 <c14:spPr xmlns:c14="http://schemas.microsoft.com/office/drawing/2007/8/2/chart">
@@ -280,9 +287,6 @@
                   </a:solidFill>
                 </c14:spPr>
               </c14:invertSolidFillFmt>
-            </c:ext>
-            <c:ext xmlns:c16="http://schemas.microsoft.com/office/drawing/2014/chart" uri="{C3380CC4-5D6E-409C-BE32-E72D297353CC}">
-              <c16:uniqueId val="{00000000-B8B6-4ACF-B66C-967991A384A5}"/>
             </c:ext>
           </c:extLst>
         </c:ser>
@@ -402,7 +406,10 @@
               </c:numCache>
             </c:numRef>
           </c:val>
-          <c:extLst>
+          <c:extLst xmlns:c16r2="http://schemas.microsoft.com/office/drawing/2015/06/chart">
+            <c:ext xmlns:c16="http://schemas.microsoft.com/office/drawing/2014/chart" uri="{C3380CC4-5D6E-409C-BE32-E72D297353CC}">
+              <c16:uniqueId val="{00000001-B8B6-4ACF-B66C-967991A384A5}"/>
+            </c:ext>
             <c:ext xmlns:c14="http://schemas.microsoft.com/office/drawing/2007/8/2/chart" uri="{6F2FDCE9-48DA-4B69-8628-5D25D57E5C99}">
               <c14:invertSolidFillFmt>
                 <c14:spPr xmlns:c14="http://schemas.microsoft.com/office/drawing/2007/8/2/chart">
@@ -411,9 +418,6 @@
                   </a:solidFill>
                 </c14:spPr>
               </c14:invertSolidFillFmt>
-            </c:ext>
-            <c:ext xmlns:c16="http://schemas.microsoft.com/office/drawing/2014/chart" uri="{C3380CC4-5D6E-409C-BE32-E72D297353CC}">
-              <c16:uniqueId val="{00000001-B8B6-4ACF-B66C-967991A384A5}"/>
             </c:ext>
           </c:extLst>
         </c:ser>
@@ -427,11 +431,11 @@
         </c:dLbls>
         <c:gapWidth val="150"/>
         <c:overlap val="100"/>
-        <c:axId val="-280336528"/>
-        <c:axId val="-280338160"/>
+        <c:axId val="242767184"/>
+        <c:axId val="242768272"/>
       </c:barChart>
       <c:catAx>
-        <c:axId val="-280336528"/>
+        <c:axId val="242767184"/>
         <c:scaling>
           <c:orientation val="maxMin"/>
         </c:scaling>
@@ -453,6 +457,7 @@
               </a:p>
             </c:rich>
           </c:tx>
+          <c:layout/>
           <c:overlay val="0"/>
         </c:title>
         <c:numFmt formatCode="General" sourceLinked="1"/>
@@ -469,7 +474,7 @@
             <a:endParaRPr lang="en-US"/>
           </a:p>
         </c:txPr>
-        <c:crossAx val="-280338160"/>
+        <c:crossAx val="242768272"/>
         <c:crosses val="autoZero"/>
         <c:auto val="1"/>
         <c:lblAlgn val="ctr"/>
@@ -477,7 +482,7 @@
         <c:noMultiLvlLbl val="1"/>
       </c:catAx>
       <c:valAx>
-        <c:axId val="-280338160"/>
+        <c:axId val="242768272"/>
         <c:scaling>
           <c:orientation val="minMax"/>
           <c:max val="43811"/>
@@ -519,6 +524,7 @@
               </a:p>
             </c:rich>
           </c:tx>
+          <c:layout/>
           <c:overlay val="0"/>
         </c:title>
         <c:numFmt formatCode="m&quot;/&quot;d" sourceLinked="1"/>
@@ -540,7 +546,7 @@
             <a:endParaRPr lang="en-US"/>
           </a:p>
         </c:txPr>
-        <c:crossAx val="-280336528"/>
+        <c:crossAx val="242767184"/>
         <c:crosses val="max"/>
         <c:crossBetween val="between"/>
         <c:majorUnit val="30"/>
@@ -554,6 +560,440 @@
     <c:autoUpdate val="0"/>
   </c:externalData>
 </c:chartSpace>
+</file>
+
+<file path=ppt/notesMasters/notesMaster1.xml><?xml version="1.0" encoding="utf-8"?>
+<p:notesMaster xmlns:a="http://schemas.openxmlformats.org/drawingml/2006/main" xmlns:r="http://schemas.openxmlformats.org/officeDocument/2006/relationships" xmlns:p="http://schemas.openxmlformats.org/presentationml/2006/main">
+  <p:cSld>
+    <p:bg>
+      <p:bgRef idx="1001">
+        <a:schemeClr val="bg1"/>
+      </p:bgRef>
+    </p:bg>
+    <p:spTree>
+      <p:nvGrpSpPr>
+        <p:cNvPr id="1" name=""/>
+        <p:cNvGrpSpPr/>
+        <p:nvPr/>
+      </p:nvGrpSpPr>
+      <p:grpSpPr>
+        <a:xfrm>
+          <a:off x="0" y="0"/>
+          <a:ext cx="0" cy="0"/>
+          <a:chOff x="0" y="0"/>
+          <a:chExt cx="0" cy="0"/>
+        </a:xfrm>
+      </p:grpSpPr>
+      <p:sp>
+        <p:nvSpPr>
+          <p:cNvPr id="2" name="Header Placeholder 1"/>
+          <p:cNvSpPr>
+            <a:spLocks noGrp="1"/>
+          </p:cNvSpPr>
+          <p:nvPr>
+            <p:ph type="hdr" sz="quarter"/>
+          </p:nvPr>
+        </p:nvSpPr>
+        <p:spPr>
+          <a:xfrm>
+            <a:off x="0" y="0"/>
+            <a:ext cx="2971800" cy="458788"/>
+          </a:xfrm>
+          <a:prstGeom prst="rect">
+            <a:avLst/>
+          </a:prstGeom>
+        </p:spPr>
+        <p:txBody>
+          <a:bodyPr vert="horz" lIns="91440" tIns="45720" rIns="91440" bIns="45720" rtlCol="0"/>
+          <a:lstStyle>
+            <a:lvl1pPr algn="l">
+              <a:defRPr sz="1200"/>
+            </a:lvl1pPr>
+          </a:lstStyle>
+          <a:p>
+            <a:endParaRPr lang="en-US"/>
+          </a:p>
+        </p:txBody>
+      </p:sp>
+      <p:sp>
+        <p:nvSpPr>
+          <p:cNvPr id="3" name="Date Placeholder 2"/>
+          <p:cNvSpPr>
+            <a:spLocks noGrp="1"/>
+          </p:cNvSpPr>
+          <p:nvPr>
+            <p:ph type="dt" idx="1"/>
+          </p:nvPr>
+        </p:nvSpPr>
+        <p:spPr>
+          <a:xfrm>
+            <a:off x="3884613" y="0"/>
+            <a:ext cx="2971800" cy="458788"/>
+          </a:xfrm>
+          <a:prstGeom prst="rect">
+            <a:avLst/>
+          </a:prstGeom>
+        </p:spPr>
+        <p:txBody>
+          <a:bodyPr vert="horz" lIns="91440" tIns="45720" rIns="91440" bIns="45720" rtlCol="0"/>
+          <a:lstStyle>
+            <a:lvl1pPr algn="r">
+              <a:defRPr sz="1200"/>
+            </a:lvl1pPr>
+          </a:lstStyle>
+          <a:p>
+            <a:fld id="{69F75836-DCE1-46D1-902E-93AB39588390}" type="datetimeFigureOut">
+              <a:rPr lang="en-US" smtClean="0"/>
+              <a:t>9/9/2019</a:t>
+            </a:fld>
+            <a:endParaRPr lang="en-US"/>
+          </a:p>
+        </p:txBody>
+      </p:sp>
+      <p:sp>
+        <p:nvSpPr>
+          <p:cNvPr id="4" name="Slide Image Placeholder 3"/>
+          <p:cNvSpPr>
+            <a:spLocks noGrp="1" noRot="1" noChangeAspect="1"/>
+          </p:cNvSpPr>
+          <p:nvPr>
+            <p:ph type="sldImg" idx="2"/>
+          </p:nvPr>
+        </p:nvSpPr>
+        <p:spPr>
+          <a:xfrm>
+            <a:off x="685800" y="1143000"/>
+            <a:ext cx="5486400" cy="3086100"/>
+          </a:xfrm>
+          <a:prstGeom prst="rect">
+            <a:avLst/>
+          </a:prstGeom>
+          <a:noFill/>
+          <a:ln w="12700">
+            <a:solidFill>
+              <a:prstClr val="black"/>
+            </a:solidFill>
+          </a:ln>
+        </p:spPr>
+        <p:txBody>
+          <a:bodyPr vert="horz" lIns="91440" tIns="45720" rIns="91440" bIns="45720" rtlCol="0" anchor="ctr"/>
+          <a:lstStyle/>
+          <a:p>
+            <a:endParaRPr lang="en-US"/>
+          </a:p>
+        </p:txBody>
+      </p:sp>
+      <p:sp>
+        <p:nvSpPr>
+          <p:cNvPr id="5" name="Notes Placeholder 4"/>
+          <p:cNvSpPr>
+            <a:spLocks noGrp="1"/>
+          </p:cNvSpPr>
+          <p:nvPr>
+            <p:ph type="body" sz="quarter" idx="3"/>
+          </p:nvPr>
+        </p:nvSpPr>
+        <p:spPr>
+          <a:xfrm>
+            <a:off x="685800" y="4400550"/>
+            <a:ext cx="5486400" cy="3600450"/>
+          </a:xfrm>
+          <a:prstGeom prst="rect">
+            <a:avLst/>
+          </a:prstGeom>
+        </p:spPr>
+        <p:txBody>
+          <a:bodyPr vert="horz" lIns="91440" tIns="45720" rIns="91440" bIns="45720" rtlCol="0"/>
+          <a:lstStyle/>
+          <a:p>
+            <a:pPr lvl="0"/>
+            <a:r>
+              <a:rPr lang="en-US" smtClean="0"/>
+              <a:t>Click to edit Master text styles</a:t>
+            </a:r>
+          </a:p>
+          <a:p>
+            <a:pPr lvl="1"/>
+            <a:r>
+              <a:rPr lang="en-US" smtClean="0"/>
+              <a:t>Second level</a:t>
+            </a:r>
+          </a:p>
+          <a:p>
+            <a:pPr lvl="2"/>
+            <a:r>
+              <a:rPr lang="en-US" smtClean="0"/>
+              <a:t>Third level</a:t>
+            </a:r>
+          </a:p>
+          <a:p>
+            <a:pPr lvl="3"/>
+            <a:r>
+              <a:rPr lang="en-US" smtClean="0"/>
+              <a:t>Fourth level</a:t>
+            </a:r>
+          </a:p>
+          <a:p>
+            <a:pPr lvl="4"/>
+            <a:r>
+              <a:rPr lang="en-US" smtClean="0"/>
+              <a:t>Fifth level</a:t>
+            </a:r>
+            <a:endParaRPr lang="en-US"/>
+          </a:p>
+        </p:txBody>
+      </p:sp>
+      <p:sp>
+        <p:nvSpPr>
+          <p:cNvPr id="6" name="Footer Placeholder 5"/>
+          <p:cNvSpPr>
+            <a:spLocks noGrp="1"/>
+          </p:cNvSpPr>
+          <p:nvPr>
+            <p:ph type="ftr" sz="quarter" idx="4"/>
+          </p:nvPr>
+        </p:nvSpPr>
+        <p:spPr>
+          <a:xfrm>
+            <a:off x="0" y="8685213"/>
+            <a:ext cx="2971800" cy="458787"/>
+          </a:xfrm>
+          <a:prstGeom prst="rect">
+            <a:avLst/>
+          </a:prstGeom>
+        </p:spPr>
+        <p:txBody>
+          <a:bodyPr vert="horz" lIns="91440" tIns="45720" rIns="91440" bIns="45720" rtlCol="0" anchor="b"/>
+          <a:lstStyle>
+            <a:lvl1pPr algn="l">
+              <a:defRPr sz="1200"/>
+            </a:lvl1pPr>
+          </a:lstStyle>
+          <a:p>
+            <a:endParaRPr lang="en-US"/>
+          </a:p>
+        </p:txBody>
+      </p:sp>
+      <p:sp>
+        <p:nvSpPr>
+          <p:cNvPr id="7" name="Slide Number Placeholder 6"/>
+          <p:cNvSpPr>
+            <a:spLocks noGrp="1"/>
+          </p:cNvSpPr>
+          <p:nvPr>
+            <p:ph type="sldNum" sz="quarter" idx="5"/>
+          </p:nvPr>
+        </p:nvSpPr>
+        <p:spPr>
+          <a:xfrm>
+            <a:off x="3884613" y="8685213"/>
+            <a:ext cx="2971800" cy="458787"/>
+          </a:xfrm>
+          <a:prstGeom prst="rect">
+            <a:avLst/>
+          </a:prstGeom>
+        </p:spPr>
+        <p:txBody>
+          <a:bodyPr vert="horz" lIns="91440" tIns="45720" rIns="91440" bIns="45720" rtlCol="0" anchor="b"/>
+          <a:lstStyle>
+            <a:lvl1pPr algn="r">
+              <a:defRPr sz="1200"/>
+            </a:lvl1pPr>
+          </a:lstStyle>
+          <a:p>
+            <a:fld id="{10130461-C8CE-42B4-8292-7F159EA8E8B8}" type="slidenum">
+              <a:rPr lang="en-US" smtClean="0"/>
+              <a:t>‹#›</a:t>
+            </a:fld>
+            <a:endParaRPr lang="en-US"/>
+          </a:p>
+        </p:txBody>
+      </p:sp>
+    </p:spTree>
+    <p:extLst>
+      <p:ext uri="{BB962C8B-B14F-4D97-AF65-F5344CB8AC3E}">
+        <p14:creationId xmlns:p14="http://schemas.microsoft.com/office/powerpoint/2010/main" val="1032922970"/>
+      </p:ext>
+    </p:extLst>
+  </p:cSld>
+  <p:clrMap bg1="lt1" tx1="dk1" bg2="lt2" tx2="dk2" accent1="accent1" accent2="accent2" accent3="accent3" accent4="accent4" accent5="accent5" accent6="accent6" hlink="hlink" folHlink="folHlink"/>
+  <p:notesStyle>
+    <a:lvl1pPr marL="0" algn="l" defTabSz="914400" rtl="0" eaLnBrk="1" latinLnBrk="0" hangingPunct="1">
+      <a:defRPr sz="1200" kern="1200">
+        <a:solidFill>
+          <a:schemeClr val="tx1"/>
+        </a:solidFill>
+        <a:latin typeface="+mn-lt"/>
+        <a:ea typeface="+mn-ea"/>
+        <a:cs typeface="+mn-cs"/>
+      </a:defRPr>
+    </a:lvl1pPr>
+    <a:lvl2pPr marL="457200" algn="l" defTabSz="914400" rtl="0" eaLnBrk="1" latinLnBrk="0" hangingPunct="1">
+      <a:defRPr sz="1200" kern="1200">
+        <a:solidFill>
+          <a:schemeClr val="tx1"/>
+        </a:solidFill>
+        <a:latin typeface="+mn-lt"/>
+        <a:ea typeface="+mn-ea"/>
+        <a:cs typeface="+mn-cs"/>
+      </a:defRPr>
+    </a:lvl2pPr>
+    <a:lvl3pPr marL="914400" algn="l" defTabSz="914400" rtl="0" eaLnBrk="1" latinLnBrk="0" hangingPunct="1">
+      <a:defRPr sz="1200" kern="1200">
+        <a:solidFill>
+          <a:schemeClr val="tx1"/>
+        </a:solidFill>
+        <a:latin typeface="+mn-lt"/>
+        <a:ea typeface="+mn-ea"/>
+        <a:cs typeface="+mn-cs"/>
+      </a:defRPr>
+    </a:lvl3pPr>
+    <a:lvl4pPr marL="1371600" algn="l" defTabSz="914400" rtl="0" eaLnBrk="1" latinLnBrk="0" hangingPunct="1">
+      <a:defRPr sz="1200" kern="1200">
+        <a:solidFill>
+          <a:schemeClr val="tx1"/>
+        </a:solidFill>
+        <a:latin typeface="+mn-lt"/>
+        <a:ea typeface="+mn-ea"/>
+        <a:cs typeface="+mn-cs"/>
+      </a:defRPr>
+    </a:lvl4pPr>
+    <a:lvl5pPr marL="1828800" algn="l" defTabSz="914400" rtl="0" eaLnBrk="1" latinLnBrk="0" hangingPunct="1">
+      <a:defRPr sz="1200" kern="1200">
+        <a:solidFill>
+          <a:schemeClr val="tx1"/>
+        </a:solidFill>
+        <a:latin typeface="+mn-lt"/>
+        <a:ea typeface="+mn-ea"/>
+        <a:cs typeface="+mn-cs"/>
+      </a:defRPr>
+    </a:lvl5pPr>
+    <a:lvl6pPr marL="2286000" algn="l" defTabSz="914400" rtl="0" eaLnBrk="1" latinLnBrk="0" hangingPunct="1">
+      <a:defRPr sz="1200" kern="1200">
+        <a:solidFill>
+          <a:schemeClr val="tx1"/>
+        </a:solidFill>
+        <a:latin typeface="+mn-lt"/>
+        <a:ea typeface="+mn-ea"/>
+        <a:cs typeface="+mn-cs"/>
+      </a:defRPr>
+    </a:lvl6pPr>
+    <a:lvl7pPr marL="2743200" algn="l" defTabSz="914400" rtl="0" eaLnBrk="1" latinLnBrk="0" hangingPunct="1">
+      <a:defRPr sz="1200" kern="1200">
+        <a:solidFill>
+          <a:schemeClr val="tx1"/>
+        </a:solidFill>
+        <a:latin typeface="+mn-lt"/>
+        <a:ea typeface="+mn-ea"/>
+        <a:cs typeface="+mn-cs"/>
+      </a:defRPr>
+    </a:lvl7pPr>
+    <a:lvl8pPr marL="3200400" algn="l" defTabSz="914400" rtl="0" eaLnBrk="1" latinLnBrk="0" hangingPunct="1">
+      <a:defRPr sz="1200" kern="1200">
+        <a:solidFill>
+          <a:schemeClr val="tx1"/>
+        </a:solidFill>
+        <a:latin typeface="+mn-lt"/>
+        <a:ea typeface="+mn-ea"/>
+        <a:cs typeface="+mn-cs"/>
+      </a:defRPr>
+    </a:lvl8pPr>
+    <a:lvl9pPr marL="3657600" algn="l" defTabSz="914400" rtl="0" eaLnBrk="1" latinLnBrk="0" hangingPunct="1">
+      <a:defRPr sz="1200" kern="1200">
+        <a:solidFill>
+          <a:schemeClr val="tx1"/>
+        </a:solidFill>
+        <a:latin typeface="+mn-lt"/>
+        <a:ea typeface="+mn-ea"/>
+        <a:cs typeface="+mn-cs"/>
+      </a:defRPr>
+    </a:lvl9pPr>
+  </p:notesStyle>
+</p:notesMaster>
+</file>
+
+<file path=ppt/notesSlides/notesSlide1.xml><?xml version="1.0" encoding="utf-8"?>
+<p:notes xmlns:a="http://schemas.openxmlformats.org/drawingml/2006/main" xmlns:r="http://schemas.openxmlformats.org/officeDocument/2006/relationships" xmlns:p="http://schemas.openxmlformats.org/presentationml/2006/main">
+  <p:cSld>
+    <p:spTree>
+      <p:nvGrpSpPr>
+        <p:cNvPr id="1" name=""/>
+        <p:cNvGrpSpPr/>
+        <p:nvPr/>
+      </p:nvGrpSpPr>
+      <p:grpSpPr>
+        <a:xfrm>
+          <a:off x="0" y="0"/>
+          <a:ext cx="0" cy="0"/>
+          <a:chOff x="0" y="0"/>
+          <a:chExt cx="0" cy="0"/>
+        </a:xfrm>
+      </p:grpSpPr>
+      <p:sp>
+        <p:nvSpPr>
+          <p:cNvPr id="2" name="Slide Image Placeholder 1"/>
+          <p:cNvSpPr>
+            <a:spLocks noGrp="1" noRot="1" noChangeAspect="1"/>
+          </p:cNvSpPr>
+          <p:nvPr>
+            <p:ph type="sldImg"/>
+          </p:nvPr>
+        </p:nvSpPr>
+        <p:spPr/>
+      </p:sp>
+      <p:sp>
+        <p:nvSpPr>
+          <p:cNvPr id="3" name="Notes Placeholder 2"/>
+          <p:cNvSpPr>
+            <a:spLocks noGrp="1"/>
+          </p:cNvSpPr>
+          <p:nvPr>
+            <p:ph type="body" idx="1"/>
+          </p:nvPr>
+        </p:nvSpPr>
+        <p:spPr/>
+        <p:txBody>
+          <a:bodyPr/>
+          <a:lstStyle/>
+          <a:p>
+            <a:endParaRPr lang="en-US"/>
+          </a:p>
+        </p:txBody>
+      </p:sp>
+      <p:sp>
+        <p:nvSpPr>
+          <p:cNvPr id="4" name="Slide Number Placeholder 3"/>
+          <p:cNvSpPr>
+            <a:spLocks noGrp="1"/>
+          </p:cNvSpPr>
+          <p:nvPr>
+            <p:ph type="sldNum" sz="quarter" idx="10"/>
+          </p:nvPr>
+        </p:nvSpPr>
+        <p:spPr/>
+        <p:txBody>
+          <a:bodyPr/>
+          <a:lstStyle/>
+          <a:p>
+            <a:fld id="{10130461-C8CE-42B4-8292-7F159EA8E8B8}" type="slidenum">
+              <a:rPr lang="en-US" smtClean="0"/>
+              <a:t>1</a:t>
+            </a:fld>
+            <a:endParaRPr lang="en-US"/>
+          </a:p>
+        </p:txBody>
+      </p:sp>
+    </p:spTree>
+    <p:extLst>
+      <p:ext uri="{BB962C8B-B14F-4D97-AF65-F5344CB8AC3E}">
+        <p14:creationId xmlns:p14="http://schemas.microsoft.com/office/powerpoint/2010/main" val="3477318497"/>
+      </p:ext>
+    </p:extLst>
+  </p:cSld>
+  <p:clrMapOvr>
+    <a:masterClrMapping/>
+  </p:clrMapOvr>
+</p:notes>
 </file>
 
 <file path=ppt/slideLayouts/slideLayout1.xml><?xml version="1.0" encoding="utf-8"?>
@@ -715,9 +1155,9 @@
             </a:lvl1pPr>
           </a:lstStyle>
           <a:p>
-            <a:fld id="{7ED82E05-B906-46D2-B7F0-95A00293E995}" type="datetimeFigureOut">
+            <a:fld id="{F9F307D2-90C1-4E23-8B8A-520BEDB07469}" type="datetime1">
               <a:rPr lang="en-US" smtClean="0"/>
-              <a:t>8/28/2019</a:t>
+              <a:t>9/9/2019</a:t>
             </a:fld>
             <a:endParaRPr lang="en-US"/>
           </a:p>
@@ -1045,9 +1485,9 @@
           <a:bodyPr/>
           <a:lstStyle/>
           <a:p>
-            <a:fld id="{7ED82E05-B906-46D2-B7F0-95A00293E995}" type="datetimeFigureOut">
+            <a:fld id="{082D9573-D924-4968-91DF-1511F3D8F339}" type="datetime1">
               <a:rPr lang="en-US" smtClean="0"/>
-              <a:t>8/28/2019</a:t>
+              <a:t>9/9/2019</a:t>
             </a:fld>
             <a:endParaRPr lang="en-US"/>
           </a:p>
@@ -1225,9 +1665,9 @@
           <a:bodyPr/>
           <a:lstStyle/>
           <a:p>
-            <a:fld id="{7ED82E05-B906-46D2-B7F0-95A00293E995}" type="datetimeFigureOut">
+            <a:fld id="{A5482E13-04E3-4B1F-8C1C-4EACDDD951DF}" type="datetime1">
               <a:rPr lang="en-US" smtClean="0"/>
-              <a:t>8/28/2019</a:t>
+              <a:t>9/9/2019</a:t>
             </a:fld>
             <a:endParaRPr lang="en-US"/>
           </a:p>
@@ -1395,9 +1835,9 @@
           <a:bodyPr/>
           <a:lstStyle/>
           <a:p>
-            <a:fld id="{7ED82E05-B906-46D2-B7F0-95A00293E995}" type="datetimeFigureOut">
+            <a:fld id="{CC3776A8-1019-458A-9908-18A8BF9A2B88}" type="datetime1">
               <a:rPr lang="en-US" smtClean="0"/>
-              <a:t>8/28/2019</a:t>
+              <a:t>9/9/2019</a:t>
             </a:fld>
             <a:endParaRPr lang="en-US"/>
           </a:p>
@@ -1667,9 +2107,9 @@
             </a:lvl1pPr>
           </a:lstStyle>
           <a:p>
-            <a:fld id="{7ED82E05-B906-46D2-B7F0-95A00293E995}" type="datetimeFigureOut">
+            <a:fld id="{A67FBD05-3847-4D00-A2A0-238FE909E299}" type="datetime1">
               <a:rPr lang="en-US" smtClean="0"/>
-              <a:t>8/28/2019</a:t>
+              <a:t>9/9/2019</a:t>
             </a:fld>
             <a:endParaRPr lang="en-US"/>
           </a:p>
@@ -2061,9 +2501,9 @@
           <a:bodyPr/>
           <a:lstStyle/>
           <a:p>
-            <a:fld id="{7ED82E05-B906-46D2-B7F0-95A00293E995}" type="datetimeFigureOut">
+            <a:fld id="{F52A8C4B-94F1-4DD8-9BCA-621F1C82D383}" type="datetime1">
               <a:rPr lang="en-US" smtClean="0"/>
-              <a:t>8/28/2019</a:t>
+              <a:t>9/9/2019</a:t>
             </a:fld>
             <a:endParaRPr lang="en-US"/>
           </a:p>
@@ -2538,9 +2978,9 @@
           <a:bodyPr/>
           <a:lstStyle/>
           <a:p>
-            <a:fld id="{7ED82E05-B906-46D2-B7F0-95A00293E995}" type="datetimeFigureOut">
+            <a:fld id="{B476B302-D825-4A26-8C23-D72B15EBA140}" type="datetime1">
               <a:rPr lang="en-US" smtClean="0"/>
-              <a:t>8/28/2019</a:t>
+              <a:t>9/9/2019</a:t>
             </a:fld>
             <a:endParaRPr lang="en-US"/>
           </a:p>
@@ -2656,9 +3096,9 @@
           <a:bodyPr/>
           <a:lstStyle/>
           <a:p>
-            <a:fld id="{7ED82E05-B906-46D2-B7F0-95A00293E995}" type="datetimeFigureOut">
+            <a:fld id="{350D69DD-CD67-4010-8565-CFE3DC5A1F61}" type="datetime1">
               <a:rPr lang="en-US" smtClean="0"/>
-              <a:t>8/28/2019</a:t>
+              <a:t>9/9/2019</a:t>
             </a:fld>
             <a:endParaRPr lang="en-US"/>
           </a:p>
@@ -2751,9 +3191,9 @@
           <a:bodyPr/>
           <a:lstStyle/>
           <a:p>
-            <a:fld id="{7ED82E05-B906-46D2-B7F0-95A00293E995}" type="datetimeFigureOut">
+            <a:fld id="{3715B116-7A61-4F14-AB59-ED20C7FFE983}" type="datetime1">
               <a:rPr lang="en-US" smtClean="0"/>
-              <a:t>8/28/2019</a:t>
+              <a:t>9/9/2019</a:t>
             </a:fld>
             <a:endParaRPr lang="en-US"/>
           </a:p>
@@ -3097,9 +3537,9 @@
             </a:lvl1pPr>
           </a:lstStyle>
           <a:p>
-            <a:fld id="{7ED82E05-B906-46D2-B7F0-95A00293E995}" type="datetimeFigureOut">
+            <a:fld id="{6EECFA20-7E60-4114-A895-BE3FE0B8136F}" type="datetime1">
               <a:rPr lang="en-US" smtClean="0"/>
-              <a:t>8/28/2019</a:t>
+              <a:t>9/9/2019</a:t>
             </a:fld>
             <a:endParaRPr lang="en-US"/>
           </a:p>
@@ -3485,9 +3925,9 @@
             </a:lvl1pPr>
           </a:lstStyle>
           <a:p>
-            <a:fld id="{7ED82E05-B906-46D2-B7F0-95A00293E995}" type="datetimeFigureOut">
+            <a:fld id="{F637EDD4-E228-43AC-BA38-1816B75EE4A1}" type="datetime1">
               <a:rPr lang="en-US" smtClean="0"/>
-              <a:t>8/28/2019</a:t>
+              <a:t>9/9/2019</a:t>
             </a:fld>
             <a:endParaRPr lang="en-US"/>
           </a:p>
@@ -3760,9 +4200,9 @@
             </a:lvl1pPr>
           </a:lstStyle>
           <a:p>
-            <a:fld id="{7ED82E05-B906-46D2-B7F0-95A00293E995}" type="datetimeFigureOut">
+            <a:fld id="{112D16B1-A4EE-44BE-84BC-7AFB4DBEDE31}" type="datetime1">
               <a:rPr lang="en-US" smtClean="0"/>
-              <a:t>8/28/2019</a:t>
+              <a:t>9/9/2019</a:t>
             </a:fld>
             <a:endParaRPr lang="en-US"/>
           </a:p>
@@ -3901,6 +4341,7 @@
     <p:sldLayoutId id="2147483670" r:id="rId10"/>
     <p:sldLayoutId id="2147483671" r:id="rId11"/>
   </p:sldLayoutIdLst>
+  <p:hf hdr="0" ftr="0" dt="0"/>
   <p:txStyles>
     <p:titleStyle>
       <a:lvl1pPr algn="l" defTabSz="914400" rtl="0" eaLnBrk="1" latinLnBrk="0" hangingPunct="1">
@@ -4208,7 +4649,7 @@
       </a:lvl9pPr>
     </p:otherStyle>
   </p:txStyles>
-  <p:extLst>
+  <p:extLst mod="1">
     <p:ext uri="{27BBF7A9-308A-43DC-89C8-2F10F3537804}">
       <p15:sldGuideLst xmlns:p15="http://schemas.microsoft.com/office/powerpoint/2012/main">
         <p15:guide id="3" orient="horz" pos="1368">
@@ -4279,7 +4720,7 @@
           <p:cNvPr id="2" name="Title 1">
             <a:extLst>
               <a:ext uri="{FF2B5EF4-FFF2-40B4-BE49-F238E27FC236}">
-                <a16:creationId xmlns:a16="http://schemas.microsoft.com/office/drawing/2014/main" id="{D4B74078-9B3D-42FA-9BDC-48CFB5C23CDF}"/>
+                <a16:creationId xmlns:a16="http://schemas.microsoft.com/office/drawing/2014/main" xmlns="" id="{D4B74078-9B3D-42FA-9BDC-48CFB5C23CDF}"/>
               </a:ext>
             </a:extLst>
           </p:cNvPr>
@@ -4292,8 +4733,8 @@
         </p:nvSpPr>
         <p:spPr>
           <a:xfrm rot="20258500">
-            <a:off x="1523998" y="1559814"/>
-            <a:ext cx="9144000" cy="2387600"/>
+            <a:off x="2117709" y="7624980"/>
+            <a:ext cx="9279714" cy="2395205"/>
           </a:xfrm>
         </p:spPr>
         <p:txBody>
@@ -4330,7 +4771,7 @@
           <p:cNvPr id="3" name="Subtitle 2">
             <a:extLst>
               <a:ext uri="{FF2B5EF4-FFF2-40B4-BE49-F238E27FC236}">
-                <a16:creationId xmlns:a16="http://schemas.microsoft.com/office/drawing/2014/main" id="{95E8DEB2-5F0A-42C5-AB29-93D3EC351981}"/>
+                <a16:creationId xmlns:a16="http://schemas.microsoft.com/office/drawing/2014/main" xmlns="" id="{95E8DEB2-5F0A-42C5-AB29-93D3EC351981}"/>
               </a:ext>
             </a:extLst>
           </p:cNvPr>
@@ -4343,19 +4784,48 @@
         </p:nvSpPr>
         <p:spPr>
           <a:xfrm>
-            <a:off x="5620054" y="4639175"/>
-            <a:ext cx="6450026" cy="1047291"/>
+            <a:off x="1029201" y="4638161"/>
+            <a:ext cx="4023567" cy="1985194"/>
           </a:xfrm>
         </p:spPr>
         <p:txBody>
           <a:bodyPr>
-            <a:normAutofit fontScale="92500" lnSpcReduction="20000"/>
+            <a:normAutofit/>
           </a:bodyPr>
           <a:lstStyle/>
           <a:p>
             <a:r>
-              <a:rPr lang="en-US" dirty="0"/>
-              <a:t>Done By </a:t>
+              <a:rPr lang="en-US" b="1" dirty="0" smtClean="0">
+                <a:solidFill>
+                  <a:schemeClr val="tx1">
+                    <a:lumMod val="95000"/>
+                    <a:lumOff val="5000"/>
+                  </a:schemeClr>
+                </a:solidFill>
+              </a:rPr>
+              <a:t>Presented</a:t>
+            </a:r>
+            <a:r>
+              <a:rPr lang="en-US" b="1" dirty="0" smtClean="0">
+                <a:solidFill>
+                  <a:schemeClr val="tx1">
+                    <a:lumMod val="95000"/>
+                    <a:lumOff val="5000"/>
+                  </a:schemeClr>
+                </a:solidFill>
+              </a:rPr>
+              <a:t> </a:t>
+            </a:r>
+            <a:r>
+              <a:rPr lang="en-US" b="1" dirty="0">
+                <a:solidFill>
+                  <a:schemeClr val="tx1">
+                    <a:lumMod val="95000"/>
+                    <a:lumOff val="5000"/>
+                  </a:schemeClr>
+                </a:solidFill>
+              </a:rPr>
+              <a:t>By </a:t>
             </a:r>
           </a:p>
           <a:p>
@@ -4367,7 +4837,11 @@
           <a:p>
             <a:r>
               <a:rPr lang="en-US" dirty="0"/>
-              <a:t>Zainab Shahid</a:t>
+              <a:t>Zainab </a:t>
+            </a:r>
+            <a:r>
+              <a:rPr lang="en-US" dirty="0" smtClean="0"/>
+              <a:t>Shahid 201520629</a:t>
             </a:r>
           </a:p>
         </p:txBody>
@@ -4377,7 +4851,7 @@
           <p:cNvPr id="5" name="Picture 4">
             <a:extLst>
               <a:ext uri="{FF2B5EF4-FFF2-40B4-BE49-F238E27FC236}">
-                <a16:creationId xmlns:a16="http://schemas.microsoft.com/office/drawing/2014/main" id="{71EE52B0-6832-49F3-B628-65D1CF408DB1}"/>
+                <a16:creationId xmlns:a16="http://schemas.microsoft.com/office/drawing/2014/main" xmlns="" id="{71EE52B0-6832-49F3-B628-65D1CF408DB1}"/>
               </a:ext>
             </a:extLst>
           </p:cNvPr>
@@ -4387,7 +4861,7 @@
           <p:nvPr/>
         </p:nvPicPr>
         <p:blipFill>
-          <a:blip r:embed="rId2" cstate="print">
+          <a:blip r:embed="rId3" cstate="print">
             <a:extLst>
               <a:ext uri="{28A0092B-C50C-407E-A947-70E740481C1C}">
                 <a14:useLocalDpi xmlns:a14="http://schemas.microsoft.com/office/drawing/2010/main" val="0"/>
@@ -4400,14 +4874,136 @@
         </p:blipFill>
         <p:spPr>
           <a:xfrm>
-            <a:off x="9657036" y="0"/>
-            <a:ext cx="2242746" cy="1627710"/>
+            <a:off x="9647609" y="194064"/>
+            <a:ext cx="1856569" cy="1347436"/>
           </a:xfrm>
           <a:prstGeom prst="rect">
             <a:avLst/>
           </a:prstGeom>
         </p:spPr>
       </p:pic>
+      <p:sp>
+        <p:nvSpPr>
+          <p:cNvPr id="4" name="TextBox 3"/>
+          <p:cNvSpPr txBox="1"/>
+          <p:nvPr/>
+        </p:nvSpPr>
+        <p:spPr>
+          <a:xfrm>
+            <a:off x="496466" y="1792420"/>
+            <a:ext cx="10570602" cy="2308324"/>
+          </a:xfrm>
+          <a:prstGeom prst="rect">
+            <a:avLst/>
+          </a:prstGeom>
+          <a:noFill/>
+        </p:spPr>
+        <p:txBody>
+          <a:bodyPr wrap="square" rtlCol="0">
+            <a:spAutoFit/>
+          </a:bodyPr>
+          <a:lstStyle/>
+          <a:p>
+            <a:pPr algn="ctr"/>
+            <a:r>
+              <a:rPr lang="en-US" sz="7200" dirty="0" smtClean="0">
+                <a:solidFill>
+                  <a:srgbClr val="C00000"/>
+                </a:solidFill>
+                <a:latin typeface="Stencil" panose="040409050D0802020404" pitchFamily="82" charset="0"/>
+              </a:rPr>
+              <a:t>Water Cycle </a:t>
+            </a:r>
+          </a:p>
+          <a:p>
+            <a:pPr algn="ctr"/>
+            <a:r>
+              <a:rPr lang="en-US" sz="7200" dirty="0" smtClean="0">
+                <a:solidFill>
+                  <a:srgbClr val="C00000"/>
+                </a:solidFill>
+                <a:latin typeface="Stencil" panose="040409050D0802020404" pitchFamily="82" charset="0"/>
+              </a:rPr>
+              <a:t>VR Guide</a:t>
+            </a:r>
+            <a:endParaRPr lang="en-US" sz="7200" dirty="0">
+              <a:solidFill>
+                <a:srgbClr val="C00000"/>
+              </a:solidFill>
+              <a:latin typeface="Stencil" panose="040409050D0802020404" pitchFamily="82" charset="0"/>
+            </a:endParaRPr>
+          </a:p>
+        </p:txBody>
+      </p:sp>
+      <p:sp>
+        <p:nvSpPr>
+          <p:cNvPr id="6" name="TextBox 5"/>
+          <p:cNvSpPr txBox="1"/>
+          <p:nvPr/>
+        </p:nvSpPr>
+        <p:spPr>
+          <a:xfrm>
+            <a:off x="6543941" y="4638161"/>
+            <a:ext cx="3469063" cy="1077218"/>
+          </a:xfrm>
+          <a:prstGeom prst="rect">
+            <a:avLst/>
+          </a:prstGeom>
+          <a:noFill/>
+        </p:spPr>
+        <p:txBody>
+          <a:bodyPr wrap="square" rtlCol="0">
+            <a:spAutoFit/>
+          </a:bodyPr>
+          <a:lstStyle/>
+          <a:p>
+            <a:r>
+              <a:rPr lang="en-US" sz="2300" b="1" dirty="0"/>
+              <a:t>Supervised by </a:t>
+            </a:r>
+          </a:p>
+          <a:p>
+            <a:r>
+              <a:rPr lang="en-US" sz="2300" dirty="0"/>
+              <a:t>Dr. </a:t>
+            </a:r>
+            <a:r>
+              <a:rPr lang="en-US" sz="2300" dirty="0" err="1"/>
+              <a:t>Saqib</a:t>
+            </a:r>
+            <a:r>
+              <a:rPr lang="en-US" sz="2300" dirty="0"/>
+              <a:t> Iqbal</a:t>
+            </a:r>
+          </a:p>
+          <a:p>
+            <a:endParaRPr lang="en-US" dirty="0"/>
+          </a:p>
+        </p:txBody>
+      </p:sp>
+      <p:sp>
+        <p:nvSpPr>
+          <p:cNvPr id="7" name="Slide Number Placeholder 6"/>
+          <p:cNvSpPr>
+            <a:spLocks noGrp="1"/>
+          </p:cNvSpPr>
+          <p:nvPr>
+            <p:ph type="sldNum" sz="quarter" idx="12"/>
+          </p:nvPr>
+        </p:nvSpPr>
+        <p:spPr/>
+        <p:txBody>
+          <a:bodyPr/>
+          <a:lstStyle/>
+          <a:p>
+            <a:fld id="{A8D7D4F6-2DF8-4D69-B05D-24304D43B04C}" type="slidenum">
+              <a:rPr lang="en-US" smtClean="0"/>
+              <a:t>1</a:t>
+            </a:fld>
+            <a:endParaRPr lang="en-US" dirty="0"/>
+          </a:p>
+        </p:txBody>
+      </p:sp>
     </p:spTree>
     <p:extLst>
       <p:ext uri="{BB962C8B-B14F-4D97-AF65-F5344CB8AC3E}">
@@ -4418,6 +5014,13 @@
   <p:clrMapOvr>
     <a:masterClrMapping/>
   </p:clrMapOvr>
+  <p:timing>
+    <p:tnLst>
+      <p:par>
+        <p:cTn id="1" dur="indefinite" restart="never" nodeType="tmRoot"/>
+      </p:par>
+    </p:tnLst>
+  </p:timing>
 </p:sld>
 </file>
 
@@ -4710,6 +5313,29 @@
           </a:prstGeom>
         </p:spPr>
       </p:pic>
+      <p:sp>
+        <p:nvSpPr>
+          <p:cNvPr id="5" name="Slide Number Placeholder 4"/>
+          <p:cNvSpPr>
+            <a:spLocks noGrp="1"/>
+          </p:cNvSpPr>
+          <p:nvPr>
+            <p:ph type="sldNum" sz="quarter" idx="12"/>
+          </p:nvPr>
+        </p:nvSpPr>
+        <p:spPr/>
+        <p:txBody>
+          <a:bodyPr/>
+          <a:lstStyle/>
+          <a:p>
+            <a:fld id="{A8D7D4F6-2DF8-4D69-B05D-24304D43B04C}" type="slidenum">
+              <a:rPr lang="en-US" smtClean="0"/>
+              <a:t>10</a:t>
+            </a:fld>
+            <a:endParaRPr lang="en-US"/>
+          </a:p>
+        </p:txBody>
+      </p:sp>
     </p:spTree>
     <p:extLst>
       <p:ext uri="{BB962C8B-B14F-4D97-AF65-F5344CB8AC3E}">
@@ -4720,6 +5346,13 @@
   <p:clrMapOvr>
     <a:masterClrMapping/>
   </p:clrMapOvr>
+  <p:timing>
+    <p:tnLst>
+      <p:par>
+        <p:cTn id="1" dur="indefinite" restart="never" nodeType="tmRoot"/>
+      </p:par>
+    </p:tnLst>
+  </p:timing>
 </p:sld>
 </file>
 
@@ -4955,6 +5588,29 @@
           </a:extLst>
         </p:spPr>
       </p:pic>
+      <p:sp>
+        <p:nvSpPr>
+          <p:cNvPr id="4" name="Slide Number Placeholder 3"/>
+          <p:cNvSpPr>
+            <a:spLocks noGrp="1"/>
+          </p:cNvSpPr>
+          <p:nvPr>
+            <p:ph type="sldNum" sz="quarter" idx="12"/>
+          </p:nvPr>
+        </p:nvSpPr>
+        <p:spPr/>
+        <p:txBody>
+          <a:bodyPr/>
+          <a:lstStyle/>
+          <a:p>
+            <a:fld id="{A8D7D4F6-2DF8-4D69-B05D-24304D43B04C}" type="slidenum">
+              <a:rPr lang="en-US" smtClean="0"/>
+              <a:t>11</a:t>
+            </a:fld>
+            <a:endParaRPr lang="en-US"/>
+          </a:p>
+        </p:txBody>
+      </p:sp>
     </p:spTree>
     <p:extLst>
       <p:ext uri="{BB962C8B-B14F-4D97-AF65-F5344CB8AC3E}">
@@ -4965,6 +5621,13 @@
   <p:clrMapOvr>
     <a:masterClrMapping/>
   </p:clrMapOvr>
+  <p:timing>
+    <p:tnLst>
+      <p:par>
+        <p:cTn id="1" dur="indefinite" restart="never" nodeType="tmRoot"/>
+      </p:par>
+    </p:tnLst>
+  </p:timing>
 </p:sld>
 </file>
 
@@ -5231,6 +5894,29 @@
           </a:extLst>
         </p:spPr>
       </p:pic>
+      <p:sp>
+        <p:nvSpPr>
+          <p:cNvPr id="5" name="Slide Number Placeholder 4"/>
+          <p:cNvSpPr>
+            <a:spLocks noGrp="1"/>
+          </p:cNvSpPr>
+          <p:nvPr>
+            <p:ph type="sldNum" sz="quarter" idx="12"/>
+          </p:nvPr>
+        </p:nvSpPr>
+        <p:spPr/>
+        <p:txBody>
+          <a:bodyPr/>
+          <a:lstStyle/>
+          <a:p>
+            <a:fld id="{A8D7D4F6-2DF8-4D69-B05D-24304D43B04C}" type="slidenum">
+              <a:rPr lang="en-US" smtClean="0"/>
+              <a:t>12</a:t>
+            </a:fld>
+            <a:endParaRPr lang="en-US"/>
+          </a:p>
+        </p:txBody>
+      </p:sp>
     </p:spTree>
     <p:extLst>
       <p:ext uri="{BB962C8B-B14F-4D97-AF65-F5344CB8AC3E}">
@@ -5241,6 +5927,13 @@
   <p:clrMapOvr>
     <a:masterClrMapping/>
   </p:clrMapOvr>
+  <p:timing>
+    <p:tnLst>
+      <p:par>
+        <p:cTn id="1" dur="indefinite" restart="never" nodeType="tmRoot"/>
+      </p:par>
+    </p:tnLst>
+  </p:timing>
 </p:sld>
 </file>
 
@@ -5266,7 +5959,7 @@
           <p:cNvPr id="2" name="Title 1">
             <a:extLst>
               <a:ext uri="{FF2B5EF4-FFF2-40B4-BE49-F238E27FC236}">
-                <a16:creationId xmlns:a16="http://schemas.microsoft.com/office/drawing/2014/main" id="{0B9848FB-072D-4F76-B987-E07018C544D7}"/>
+                <a16:creationId xmlns:a16="http://schemas.microsoft.com/office/drawing/2014/main" xmlns="" id="{0B9848FB-072D-4F76-B987-E07018C544D7}"/>
               </a:ext>
             </a:extLst>
           </p:cNvPr>
@@ -5318,42 +6011,42 @@
                 <a:gridCol w="2697430">
                   <a:extLst>
                     <a:ext uri="{9D8B030D-6E8A-4147-A177-3AD203B41FA5}">
-                      <a16:colId xmlns:a16="http://schemas.microsoft.com/office/drawing/2014/main" val="20000"/>
+                      <a16:colId xmlns:a16="http://schemas.microsoft.com/office/drawing/2014/main" xmlns="" val="20000"/>
                     </a:ext>
                   </a:extLst>
                 </a:gridCol>
                 <a:gridCol w="1398667">
                   <a:extLst>
                     <a:ext uri="{9D8B030D-6E8A-4147-A177-3AD203B41FA5}">
-                      <a16:colId xmlns:a16="http://schemas.microsoft.com/office/drawing/2014/main" val="20001"/>
+                      <a16:colId xmlns:a16="http://schemas.microsoft.com/office/drawing/2014/main" xmlns="" val="20001"/>
                     </a:ext>
                   </a:extLst>
                 </a:gridCol>
                 <a:gridCol w="1257690">
                   <a:extLst>
                     <a:ext uri="{9D8B030D-6E8A-4147-A177-3AD203B41FA5}">
-                      <a16:colId xmlns:a16="http://schemas.microsoft.com/office/drawing/2014/main" val="20002"/>
+                      <a16:colId xmlns:a16="http://schemas.microsoft.com/office/drawing/2014/main" xmlns="" val="20002"/>
                     </a:ext>
                   </a:extLst>
                 </a:gridCol>
                 <a:gridCol w="1140025">
                   <a:extLst>
                     <a:ext uri="{9D8B030D-6E8A-4147-A177-3AD203B41FA5}">
-                      <a16:colId xmlns:a16="http://schemas.microsoft.com/office/drawing/2014/main" val="20003"/>
+                      <a16:colId xmlns:a16="http://schemas.microsoft.com/office/drawing/2014/main" xmlns="" val="20003"/>
                     </a:ext>
                   </a:extLst>
                 </a:gridCol>
                 <a:gridCol w="1298763">
                   <a:extLst>
                     <a:ext uri="{9D8B030D-6E8A-4147-A177-3AD203B41FA5}">
-                      <a16:colId xmlns:a16="http://schemas.microsoft.com/office/drawing/2014/main" val="20004"/>
+                      <a16:colId xmlns:a16="http://schemas.microsoft.com/office/drawing/2014/main" xmlns="" val="20004"/>
                     </a:ext>
                   </a:extLst>
                 </a:gridCol>
                 <a:gridCol w="2492070">
                   <a:extLst>
                     <a:ext uri="{9D8B030D-6E8A-4147-A177-3AD203B41FA5}">
-                      <a16:colId xmlns:a16="http://schemas.microsoft.com/office/drawing/2014/main" val="20005"/>
+                      <a16:colId xmlns:a16="http://schemas.microsoft.com/office/drawing/2014/main" xmlns="" val="20005"/>
                     </a:ext>
                   </a:extLst>
                 </a:gridCol>
@@ -5617,7 +6310,7 @@
                 </a:tc>
                 <a:extLst>
                   <a:ext uri="{0D108BD9-81ED-4DB2-BD59-A6C34878D82A}">
-                    <a16:rowId xmlns:a16="http://schemas.microsoft.com/office/drawing/2014/main" val="10000"/>
+                    <a16:rowId xmlns:a16="http://schemas.microsoft.com/office/drawing/2014/main" xmlns="" val="10000"/>
                   </a:ext>
                 </a:extLst>
               </a:tr>
@@ -5819,7 +6512,7 @@
                 </a:tc>
                 <a:extLst>
                   <a:ext uri="{0D108BD9-81ED-4DB2-BD59-A6C34878D82A}">
-                    <a16:rowId xmlns:a16="http://schemas.microsoft.com/office/drawing/2014/main" val="10001"/>
+                    <a16:rowId xmlns:a16="http://schemas.microsoft.com/office/drawing/2014/main" xmlns="" val="10001"/>
                   </a:ext>
                 </a:extLst>
               </a:tr>
@@ -6021,7 +6714,7 @@
                 </a:tc>
                 <a:extLst>
                   <a:ext uri="{0D108BD9-81ED-4DB2-BD59-A6C34878D82A}">
-                    <a16:rowId xmlns:a16="http://schemas.microsoft.com/office/drawing/2014/main" val="10002"/>
+                    <a16:rowId xmlns:a16="http://schemas.microsoft.com/office/drawing/2014/main" xmlns="" val="10002"/>
                   </a:ext>
                 </a:extLst>
               </a:tr>
@@ -6224,7 +6917,7 @@
                 </a:tc>
                 <a:extLst>
                   <a:ext uri="{0D108BD9-81ED-4DB2-BD59-A6C34878D82A}">
-                    <a16:rowId xmlns:a16="http://schemas.microsoft.com/office/drawing/2014/main" val="10003"/>
+                    <a16:rowId xmlns:a16="http://schemas.microsoft.com/office/drawing/2014/main" xmlns="" val="10003"/>
                   </a:ext>
                 </a:extLst>
               </a:tr>
@@ -6427,7 +7120,7 @@
                 </a:tc>
                 <a:extLst>
                   <a:ext uri="{0D108BD9-81ED-4DB2-BD59-A6C34878D82A}">
-                    <a16:rowId xmlns:a16="http://schemas.microsoft.com/office/drawing/2014/main" val="10004"/>
+                    <a16:rowId xmlns:a16="http://schemas.microsoft.com/office/drawing/2014/main" xmlns="" val="10004"/>
                   </a:ext>
                 </a:extLst>
               </a:tr>
@@ -6629,7 +7322,7 @@
                 </a:tc>
                 <a:extLst>
                   <a:ext uri="{0D108BD9-81ED-4DB2-BD59-A6C34878D82A}">
-                    <a16:rowId xmlns:a16="http://schemas.microsoft.com/office/drawing/2014/main" val="10005"/>
+                    <a16:rowId xmlns:a16="http://schemas.microsoft.com/office/drawing/2014/main" xmlns="" val="10005"/>
                   </a:ext>
                 </a:extLst>
               </a:tr>
@@ -6831,7 +7524,7 @@
                 </a:tc>
                 <a:extLst>
                   <a:ext uri="{0D108BD9-81ED-4DB2-BD59-A6C34878D82A}">
-                    <a16:rowId xmlns:a16="http://schemas.microsoft.com/office/drawing/2014/main" val="10006"/>
+                    <a16:rowId xmlns:a16="http://schemas.microsoft.com/office/drawing/2014/main" xmlns="" val="10006"/>
                   </a:ext>
                 </a:extLst>
               </a:tr>
@@ -7035,7 +7728,7 @@
                 </a:tc>
                 <a:extLst>
                   <a:ext uri="{0D108BD9-81ED-4DB2-BD59-A6C34878D82A}">
-                    <a16:rowId xmlns:a16="http://schemas.microsoft.com/office/drawing/2014/main" val="10007"/>
+                    <a16:rowId xmlns:a16="http://schemas.microsoft.com/office/drawing/2014/main" xmlns="" val="10007"/>
                   </a:ext>
                 </a:extLst>
               </a:tr>
@@ -7235,7 +7928,7 @@
                 </a:tc>
                 <a:extLst>
                   <a:ext uri="{0D108BD9-81ED-4DB2-BD59-A6C34878D82A}">
-                    <a16:rowId xmlns:a16="http://schemas.microsoft.com/office/drawing/2014/main" val="10008"/>
+                    <a16:rowId xmlns:a16="http://schemas.microsoft.com/office/drawing/2014/main" xmlns="" val="10008"/>
                   </a:ext>
                 </a:extLst>
               </a:tr>
@@ -7436,7 +8129,7 @@
                 </a:tc>
                 <a:extLst>
                   <a:ext uri="{0D108BD9-81ED-4DB2-BD59-A6C34878D82A}">
-                    <a16:rowId xmlns:a16="http://schemas.microsoft.com/office/drawing/2014/main" val="10009"/>
+                    <a16:rowId xmlns:a16="http://schemas.microsoft.com/office/drawing/2014/main" xmlns="" val="10009"/>
                   </a:ext>
                 </a:extLst>
               </a:tr>
@@ -7444,6 +8137,29 @@
           </a:graphicData>
         </a:graphic>
       </p:graphicFrame>
+      <p:sp>
+        <p:nvSpPr>
+          <p:cNvPr id="3" name="Slide Number Placeholder 2"/>
+          <p:cNvSpPr>
+            <a:spLocks noGrp="1"/>
+          </p:cNvSpPr>
+          <p:nvPr>
+            <p:ph type="sldNum" sz="quarter" idx="12"/>
+          </p:nvPr>
+        </p:nvSpPr>
+        <p:spPr/>
+        <p:txBody>
+          <a:bodyPr/>
+          <a:lstStyle/>
+          <a:p>
+            <a:fld id="{A8D7D4F6-2DF8-4D69-B05D-24304D43B04C}" type="slidenum">
+              <a:rPr lang="en-US" smtClean="0"/>
+              <a:t>13</a:t>
+            </a:fld>
+            <a:endParaRPr lang="en-US"/>
+          </a:p>
+        </p:txBody>
+      </p:sp>
     </p:spTree>
     <p:extLst>
       <p:ext uri="{BB962C8B-B14F-4D97-AF65-F5344CB8AC3E}">
@@ -7454,6 +8170,13 @@
   <p:clrMapOvr>
     <a:masterClrMapping/>
   </p:clrMapOvr>
+  <p:timing>
+    <p:tnLst>
+      <p:par>
+        <p:cTn id="1" dur="indefinite" restart="never" nodeType="tmRoot"/>
+      </p:par>
+    </p:tnLst>
+  </p:timing>
 </p:sld>
 </file>
 
@@ -7479,7 +8202,7 @@
           <p:cNvPr id="2" name="Title 1">
             <a:extLst>
               <a:ext uri="{FF2B5EF4-FFF2-40B4-BE49-F238E27FC236}">
-                <a16:creationId xmlns:a16="http://schemas.microsoft.com/office/drawing/2014/main" id="{987A2B9E-3B6D-4CDD-AB4C-21E3236C98BA}"/>
+                <a16:creationId xmlns:a16="http://schemas.microsoft.com/office/drawing/2014/main" xmlns="" id="{987A2B9E-3B6D-4CDD-AB4C-21E3236C98BA}"/>
               </a:ext>
             </a:extLst>
           </p:cNvPr>
@@ -7507,7 +8230,7 @@
           <p:cNvPr id="3" name="Content Placeholder 2">
             <a:extLst>
               <a:ext uri="{FF2B5EF4-FFF2-40B4-BE49-F238E27FC236}">
-                <a16:creationId xmlns:a16="http://schemas.microsoft.com/office/drawing/2014/main" id="{67DBD9DD-B1A5-41B6-8460-CB9575F4E501}"/>
+                <a16:creationId xmlns:a16="http://schemas.microsoft.com/office/drawing/2014/main" xmlns="" id="{67DBD9DD-B1A5-41B6-8460-CB9575F4E501}"/>
               </a:ext>
             </a:extLst>
           </p:cNvPr>
@@ -7525,28 +8248,80 @@
           </a:bodyPr>
           <a:lstStyle/>
           <a:p>
-            <a:r>
-              <a:rPr lang="en-US" dirty="0"/>
-              <a:t>Our application includes Three main modules:</a:t>
-            </a:r>
-          </a:p>
-          <a:p>
-            <a:r>
-              <a:rPr lang="en-US" dirty="0"/>
+            <a:pPr marL="0" indent="0">
+              <a:lnSpc>
+                <a:spcPct val="150000"/>
+              </a:lnSpc>
+              <a:buNone/>
+            </a:pPr>
+            <a:r>
+              <a:rPr lang="en-US" sz="2400" dirty="0"/>
+              <a:t>Our application includes </a:t>
+            </a:r>
+            <a:r>
+              <a:rPr lang="en-US" sz="2400" dirty="0" smtClean="0"/>
+              <a:t>three </a:t>
+            </a:r>
+            <a:r>
+              <a:rPr lang="en-US" sz="2400" dirty="0"/>
+              <a:t>main modules:</a:t>
+            </a:r>
+          </a:p>
+          <a:p>
+            <a:pPr>
+              <a:lnSpc>
+                <a:spcPct val="150000"/>
+              </a:lnSpc>
+            </a:pPr>
+            <a:r>
+              <a:rPr lang="en-US" sz="2400" dirty="0"/>
               <a:t>Main Menu</a:t>
             </a:r>
           </a:p>
           <a:p>
-            <a:r>
-              <a:rPr lang="en-US" dirty="0"/>
+            <a:pPr>
+              <a:lnSpc>
+                <a:spcPct val="150000"/>
+              </a:lnSpc>
+            </a:pPr>
+            <a:r>
+              <a:rPr lang="en-US" sz="2400" dirty="0"/>
               <a:t>Tour Guide</a:t>
             </a:r>
           </a:p>
           <a:p>
-            <a:r>
-              <a:rPr lang="en-US" dirty="0"/>
+            <a:pPr>
+              <a:lnSpc>
+                <a:spcPct val="150000"/>
+              </a:lnSpc>
+            </a:pPr>
+            <a:r>
+              <a:rPr lang="en-US" sz="2400" dirty="0"/>
               <a:t>Game Mode</a:t>
             </a:r>
+          </a:p>
+        </p:txBody>
+      </p:sp>
+      <p:sp>
+        <p:nvSpPr>
+          <p:cNvPr id="4" name="Slide Number Placeholder 3"/>
+          <p:cNvSpPr>
+            <a:spLocks noGrp="1"/>
+          </p:cNvSpPr>
+          <p:nvPr>
+            <p:ph type="sldNum" sz="quarter" idx="12"/>
+          </p:nvPr>
+        </p:nvSpPr>
+        <p:spPr/>
+        <p:txBody>
+          <a:bodyPr/>
+          <a:lstStyle/>
+          <a:p>
+            <a:fld id="{A8D7D4F6-2DF8-4D69-B05D-24304D43B04C}" type="slidenum">
+              <a:rPr lang="en-US" smtClean="0"/>
+              <a:t>14</a:t>
+            </a:fld>
+            <a:endParaRPr lang="en-US"/>
           </a:p>
         </p:txBody>
       </p:sp>
@@ -7560,6 +8335,13 @@
   <p:clrMapOvr>
     <a:masterClrMapping/>
   </p:clrMapOvr>
+  <p:timing>
+    <p:tnLst>
+      <p:par>
+        <p:cTn id="1" dur="indefinite" restart="never" nodeType="tmRoot"/>
+      </p:par>
+    </p:tnLst>
+  </p:timing>
 </p:sld>
 </file>
 
@@ -7585,7 +8367,7 @@
           <p:cNvPr id="3" name="Content Placeholder 2">
             <a:extLst>
               <a:ext uri="{FF2B5EF4-FFF2-40B4-BE49-F238E27FC236}">
-                <a16:creationId xmlns:a16="http://schemas.microsoft.com/office/drawing/2014/main" id="{379FBF68-DC88-4C2D-AED4-BD846653AB4B}"/>
+                <a16:creationId xmlns:a16="http://schemas.microsoft.com/office/drawing/2014/main" xmlns="" id="{379FBF68-DC88-4C2D-AED4-BD846653AB4B}"/>
               </a:ext>
             </a:extLst>
           </p:cNvPr>
@@ -7717,6 +8499,29 @@
               <a:buNone/>
             </a:pPr>
             <a:endParaRPr lang="en-US" dirty="0"/>
+          </a:p>
+        </p:txBody>
+      </p:sp>
+      <p:sp>
+        <p:nvSpPr>
+          <p:cNvPr id="2" name="Slide Number Placeholder 1"/>
+          <p:cNvSpPr>
+            <a:spLocks noGrp="1"/>
+          </p:cNvSpPr>
+          <p:nvPr>
+            <p:ph type="sldNum" sz="quarter" idx="12"/>
+          </p:nvPr>
+        </p:nvSpPr>
+        <p:spPr/>
+        <p:txBody>
+          <a:bodyPr/>
+          <a:lstStyle/>
+          <a:p>
+            <a:fld id="{A8D7D4F6-2DF8-4D69-B05D-24304D43B04C}" type="slidenum">
+              <a:rPr lang="en-US" smtClean="0"/>
+              <a:t>15</a:t>
+            </a:fld>
+            <a:endParaRPr lang="en-US"/>
           </a:p>
         </p:txBody>
       </p:sp>
@@ -7730,6 +8535,13 @@
   <p:clrMapOvr>
     <a:masterClrMapping/>
   </p:clrMapOvr>
+  <p:timing>
+    <p:tnLst>
+      <p:par>
+        <p:cTn id="1" dur="indefinite" restart="never" nodeType="tmRoot"/>
+      </p:par>
+    </p:tnLst>
+  </p:timing>
 </p:sld>
 </file>
 
@@ -7755,7 +8567,7 @@
           <p:cNvPr id="2" name="Title 1">
             <a:extLst>
               <a:ext uri="{FF2B5EF4-FFF2-40B4-BE49-F238E27FC236}">
-                <a16:creationId xmlns:a16="http://schemas.microsoft.com/office/drawing/2014/main" id="{572B919B-7970-414F-944C-D7DCE41D5119}"/>
+                <a16:creationId xmlns:a16="http://schemas.microsoft.com/office/drawing/2014/main" xmlns="" id="{572B919B-7970-414F-944C-D7DCE41D5119}"/>
               </a:ext>
             </a:extLst>
           </p:cNvPr>
@@ -7783,7 +8595,7 @@
           <p:cNvPr id="3" name="Content Placeholder 2">
             <a:extLst>
               <a:ext uri="{FF2B5EF4-FFF2-40B4-BE49-F238E27FC236}">
-                <a16:creationId xmlns:a16="http://schemas.microsoft.com/office/drawing/2014/main" id="{57F44D35-13DB-4243-AAB8-F4DD4AA3E478}"/>
+                <a16:creationId xmlns:a16="http://schemas.microsoft.com/office/drawing/2014/main" xmlns="" id="{57F44D35-13DB-4243-AAB8-F4DD4AA3E478}"/>
               </a:ext>
             </a:extLst>
           </p:cNvPr>
@@ -7809,6 +8621,29 @@
               <a:buNone/>
             </a:pPr>
             <a:endParaRPr lang="en-US" dirty="0"/>
+          </a:p>
+        </p:txBody>
+      </p:sp>
+      <p:sp>
+        <p:nvSpPr>
+          <p:cNvPr id="4" name="Slide Number Placeholder 3"/>
+          <p:cNvSpPr>
+            <a:spLocks noGrp="1"/>
+          </p:cNvSpPr>
+          <p:nvPr>
+            <p:ph type="sldNum" sz="quarter" idx="12"/>
+          </p:nvPr>
+        </p:nvSpPr>
+        <p:spPr/>
+        <p:txBody>
+          <a:bodyPr/>
+          <a:lstStyle/>
+          <a:p>
+            <a:fld id="{A8D7D4F6-2DF8-4D69-B05D-24304D43B04C}" type="slidenum">
+              <a:rPr lang="en-US" smtClean="0"/>
+              <a:t>16</a:t>
+            </a:fld>
+            <a:endParaRPr lang="en-US"/>
           </a:p>
         </p:txBody>
       </p:sp>
@@ -7822,6 +8657,13 @@
   <p:clrMapOvr>
     <a:masterClrMapping/>
   </p:clrMapOvr>
+  <p:timing>
+    <p:tnLst>
+      <p:par>
+        <p:cTn id="1" dur="indefinite" restart="never" nodeType="tmRoot"/>
+      </p:par>
+    </p:tnLst>
+  </p:timing>
 </p:sld>
 </file>
 
@@ -7847,7 +8689,7 @@
           <p:cNvPr id="2" name="Title 1">
             <a:extLst>
               <a:ext uri="{FF2B5EF4-FFF2-40B4-BE49-F238E27FC236}">
-                <a16:creationId xmlns:a16="http://schemas.microsoft.com/office/drawing/2014/main" id="{3AE0C9F6-F394-418D-96A4-49626E554771}"/>
+                <a16:creationId xmlns:a16="http://schemas.microsoft.com/office/drawing/2014/main" xmlns="" id="{3AE0C9F6-F394-418D-96A4-49626E554771}"/>
               </a:ext>
             </a:extLst>
           </p:cNvPr>
@@ -7875,7 +8717,7 @@
           <p:cNvPr id="3" name="Content Placeholder 2">
             <a:extLst>
               <a:ext uri="{FF2B5EF4-FFF2-40B4-BE49-F238E27FC236}">
-                <a16:creationId xmlns:a16="http://schemas.microsoft.com/office/drawing/2014/main" id="{60780DC7-6E0C-499C-B432-5D3FAE7733F5}"/>
+                <a16:creationId xmlns:a16="http://schemas.microsoft.com/office/drawing/2014/main" xmlns="" id="{60780DC7-6E0C-499C-B432-5D3FAE7733F5}"/>
               </a:ext>
             </a:extLst>
           </p:cNvPr>
@@ -7909,7 +8751,7 @@
           <p:cNvPr id="4" name="Picture 3">
             <a:extLst>
               <a:ext uri="{FF2B5EF4-FFF2-40B4-BE49-F238E27FC236}">
-                <a16:creationId xmlns:a16="http://schemas.microsoft.com/office/drawing/2014/main" id="{C90B0524-6AAC-4739-8263-BBA3A39E4DA6}"/>
+                <a16:creationId xmlns:a16="http://schemas.microsoft.com/office/drawing/2014/main" xmlns="" id="{C90B0524-6AAC-4739-8263-BBA3A39E4DA6}"/>
               </a:ext>
             </a:extLst>
           </p:cNvPr>
@@ -7946,6 +8788,29 @@
           </a:extLst>
         </p:spPr>
       </p:pic>
+      <p:sp>
+        <p:nvSpPr>
+          <p:cNvPr id="5" name="Slide Number Placeholder 4"/>
+          <p:cNvSpPr>
+            <a:spLocks noGrp="1"/>
+          </p:cNvSpPr>
+          <p:nvPr>
+            <p:ph type="sldNum" sz="quarter" idx="12"/>
+          </p:nvPr>
+        </p:nvSpPr>
+        <p:spPr/>
+        <p:txBody>
+          <a:bodyPr/>
+          <a:lstStyle/>
+          <a:p>
+            <a:fld id="{A8D7D4F6-2DF8-4D69-B05D-24304D43B04C}" type="slidenum">
+              <a:rPr lang="en-US" smtClean="0"/>
+              <a:t>17</a:t>
+            </a:fld>
+            <a:endParaRPr lang="en-US"/>
+          </a:p>
+        </p:txBody>
+      </p:sp>
     </p:spTree>
     <p:extLst>
       <p:ext uri="{BB962C8B-B14F-4D97-AF65-F5344CB8AC3E}">
@@ -7956,6 +8821,13 @@
   <p:clrMapOvr>
     <a:masterClrMapping/>
   </p:clrMapOvr>
+  <p:timing>
+    <p:tnLst>
+      <p:par>
+        <p:cTn id="1" dur="indefinite" restart="never" nodeType="tmRoot"/>
+      </p:par>
+    </p:tnLst>
+  </p:timing>
 </p:sld>
 </file>
 
@@ -7981,7 +8853,7 @@
           <p:cNvPr id="2" name="Title 1">
             <a:extLst>
               <a:ext uri="{FF2B5EF4-FFF2-40B4-BE49-F238E27FC236}">
-                <a16:creationId xmlns:a16="http://schemas.microsoft.com/office/drawing/2014/main" id="{67423FAA-9D78-41BE-BEE2-6621D8D99B08}"/>
+                <a16:creationId xmlns:a16="http://schemas.microsoft.com/office/drawing/2014/main" xmlns="" id="{67423FAA-9D78-41BE-BEE2-6621D8D99B08}"/>
               </a:ext>
             </a:extLst>
           </p:cNvPr>
@@ -8009,7 +8881,7 @@
           <p:cNvPr id="3" name="Content Placeholder 2">
             <a:extLst>
               <a:ext uri="{FF2B5EF4-FFF2-40B4-BE49-F238E27FC236}">
-                <a16:creationId xmlns:a16="http://schemas.microsoft.com/office/drawing/2014/main" id="{914A72A8-87B7-4A3E-8DAF-1E357F80BB47}"/>
+                <a16:creationId xmlns:a16="http://schemas.microsoft.com/office/drawing/2014/main" xmlns="" id="{914A72A8-87B7-4A3E-8DAF-1E357F80BB47}"/>
               </a:ext>
             </a:extLst>
           </p:cNvPr>
@@ -8037,7 +8909,7 @@
           <p:cNvPr id="4" name="Picture 3">
             <a:extLst>
               <a:ext uri="{FF2B5EF4-FFF2-40B4-BE49-F238E27FC236}">
-                <a16:creationId xmlns:a16="http://schemas.microsoft.com/office/drawing/2014/main" id="{672F7595-69B9-4DAB-8322-2BABA7064F8B}"/>
+                <a16:creationId xmlns:a16="http://schemas.microsoft.com/office/drawing/2014/main" xmlns="" id="{672F7595-69B9-4DAB-8322-2BABA7064F8B}"/>
               </a:ext>
             </a:extLst>
           </p:cNvPr>
@@ -8074,6 +8946,29 @@
           </a:extLst>
         </p:spPr>
       </p:pic>
+      <p:sp>
+        <p:nvSpPr>
+          <p:cNvPr id="5" name="Slide Number Placeholder 4"/>
+          <p:cNvSpPr>
+            <a:spLocks noGrp="1"/>
+          </p:cNvSpPr>
+          <p:nvPr>
+            <p:ph type="sldNum" sz="quarter" idx="12"/>
+          </p:nvPr>
+        </p:nvSpPr>
+        <p:spPr/>
+        <p:txBody>
+          <a:bodyPr/>
+          <a:lstStyle/>
+          <a:p>
+            <a:fld id="{A8D7D4F6-2DF8-4D69-B05D-24304D43B04C}" type="slidenum">
+              <a:rPr lang="en-US" smtClean="0"/>
+              <a:t>18</a:t>
+            </a:fld>
+            <a:endParaRPr lang="en-US"/>
+          </a:p>
+        </p:txBody>
+      </p:sp>
     </p:spTree>
     <p:extLst>
       <p:ext uri="{BB962C8B-B14F-4D97-AF65-F5344CB8AC3E}">
@@ -8084,6 +8979,13 @@
   <p:clrMapOvr>
     <a:masterClrMapping/>
   </p:clrMapOvr>
+  <p:timing>
+    <p:tnLst>
+      <p:par>
+        <p:cTn id="1" dur="indefinite" restart="never" nodeType="tmRoot"/>
+      </p:par>
+    </p:tnLst>
+  </p:timing>
 </p:sld>
 </file>
 
@@ -8109,7 +9011,7 @@
           <p:cNvPr id="2" name="Title 1">
             <a:extLst>
               <a:ext uri="{FF2B5EF4-FFF2-40B4-BE49-F238E27FC236}">
-                <a16:creationId xmlns:a16="http://schemas.microsoft.com/office/drawing/2014/main" id="{AA652A55-4BBF-44C0-9483-296DC4886021}"/>
+                <a16:creationId xmlns:a16="http://schemas.microsoft.com/office/drawing/2014/main" xmlns="" id="{AA652A55-4BBF-44C0-9483-296DC4886021}"/>
               </a:ext>
             </a:extLst>
           </p:cNvPr>
@@ -8137,7 +9039,7 @@
           <p:cNvPr id="3" name="Content Placeholder 2">
             <a:extLst>
               <a:ext uri="{FF2B5EF4-FFF2-40B4-BE49-F238E27FC236}">
-                <a16:creationId xmlns:a16="http://schemas.microsoft.com/office/drawing/2014/main" id="{073B9CCF-CD4B-49EE-9419-06671F73F5B8}"/>
+                <a16:creationId xmlns:a16="http://schemas.microsoft.com/office/drawing/2014/main" xmlns="" id="{073B9CCF-CD4B-49EE-9419-06671F73F5B8}"/>
               </a:ext>
             </a:extLst>
           </p:cNvPr>
@@ -8165,7 +9067,7 @@
           <p:cNvPr id="4" name="Picture 3">
             <a:extLst>
               <a:ext uri="{FF2B5EF4-FFF2-40B4-BE49-F238E27FC236}">
-                <a16:creationId xmlns:a16="http://schemas.microsoft.com/office/drawing/2014/main" id="{57E421ED-8741-4E5A-9A62-E61BD04979A8}"/>
+                <a16:creationId xmlns:a16="http://schemas.microsoft.com/office/drawing/2014/main" xmlns="" id="{57E421ED-8741-4E5A-9A62-E61BD04979A8}"/>
               </a:ext>
             </a:extLst>
           </p:cNvPr>
@@ -8202,6 +9104,29 @@
           </a:extLst>
         </p:spPr>
       </p:pic>
+      <p:sp>
+        <p:nvSpPr>
+          <p:cNvPr id="5" name="Slide Number Placeholder 4"/>
+          <p:cNvSpPr>
+            <a:spLocks noGrp="1"/>
+          </p:cNvSpPr>
+          <p:nvPr>
+            <p:ph type="sldNum" sz="quarter" idx="12"/>
+          </p:nvPr>
+        </p:nvSpPr>
+        <p:spPr/>
+        <p:txBody>
+          <a:bodyPr/>
+          <a:lstStyle/>
+          <a:p>
+            <a:fld id="{A8D7D4F6-2DF8-4D69-B05D-24304D43B04C}" type="slidenum">
+              <a:rPr lang="en-US" smtClean="0"/>
+              <a:t>19</a:t>
+            </a:fld>
+            <a:endParaRPr lang="en-US"/>
+          </a:p>
+        </p:txBody>
+      </p:sp>
     </p:spTree>
     <p:extLst>
       <p:ext uri="{BB962C8B-B14F-4D97-AF65-F5344CB8AC3E}">
@@ -8212,6 +9137,13 @@
   <p:clrMapOvr>
     <a:masterClrMapping/>
   </p:clrMapOvr>
+  <p:timing>
+    <p:tnLst>
+      <p:par>
+        <p:cTn id="1" dur="indefinite" restart="never" nodeType="tmRoot"/>
+      </p:par>
+    </p:tnLst>
+  </p:timing>
 </p:sld>
 </file>
 
@@ -8237,7 +9169,7 @@
           <p:cNvPr id="2" name="Title 1">
             <a:extLst>
               <a:ext uri="{FF2B5EF4-FFF2-40B4-BE49-F238E27FC236}">
-                <a16:creationId xmlns:a16="http://schemas.microsoft.com/office/drawing/2014/main" id="{99F1A885-3075-40C9-B832-9F6A5CA4446F}"/>
+                <a16:creationId xmlns:a16="http://schemas.microsoft.com/office/drawing/2014/main" xmlns="" id="{99F1A885-3075-40C9-B832-9F6A5CA4446F}"/>
               </a:ext>
             </a:extLst>
           </p:cNvPr>
@@ -8265,7 +9197,7 @@
           <p:cNvPr id="3" name="Content Placeholder 2">
             <a:extLst>
               <a:ext uri="{FF2B5EF4-FFF2-40B4-BE49-F238E27FC236}">
-                <a16:creationId xmlns:a16="http://schemas.microsoft.com/office/drawing/2014/main" id="{2F2E208E-4B1D-498B-9E74-D5D162EA1EAF}"/>
+                <a16:creationId xmlns:a16="http://schemas.microsoft.com/office/drawing/2014/main" xmlns="" id="{2F2E208E-4B1D-498B-9E74-D5D162EA1EAF}"/>
               </a:ext>
             </a:extLst>
           </p:cNvPr>
@@ -8313,6 +9245,29 @@
           </a:p>
           <a:p>
             <a:endParaRPr lang="en-US" dirty="0"/>
+          </a:p>
+        </p:txBody>
+      </p:sp>
+      <p:sp>
+        <p:nvSpPr>
+          <p:cNvPr id="4" name="Slide Number Placeholder 3"/>
+          <p:cNvSpPr>
+            <a:spLocks noGrp="1"/>
+          </p:cNvSpPr>
+          <p:nvPr>
+            <p:ph type="sldNum" sz="quarter" idx="12"/>
+          </p:nvPr>
+        </p:nvSpPr>
+        <p:spPr/>
+        <p:txBody>
+          <a:bodyPr/>
+          <a:lstStyle/>
+          <a:p>
+            <a:fld id="{A8D7D4F6-2DF8-4D69-B05D-24304D43B04C}" type="slidenum">
+              <a:rPr lang="en-US" smtClean="0"/>
+              <a:t>2</a:t>
+            </a:fld>
+            <a:endParaRPr lang="en-US"/>
           </a:p>
         </p:txBody>
       </p:sp>
@@ -8326,6 +9281,13 @@
   <p:clrMapOvr>
     <a:masterClrMapping/>
   </p:clrMapOvr>
+  <p:timing>
+    <p:tnLst>
+      <p:par>
+        <p:cTn id="1" dur="indefinite" restart="never" nodeType="tmRoot"/>
+      </p:par>
+    </p:tnLst>
+  </p:timing>
 </p:sld>
 </file>
 
@@ -8351,7 +9313,7 @@
           <p:cNvPr id="2" name="Title 1">
             <a:extLst>
               <a:ext uri="{FF2B5EF4-FFF2-40B4-BE49-F238E27FC236}">
-                <a16:creationId xmlns:a16="http://schemas.microsoft.com/office/drawing/2014/main" id="{638922BD-D6C8-4838-A26C-ABDA8AAF1130}"/>
+                <a16:creationId xmlns:a16="http://schemas.microsoft.com/office/drawing/2014/main" xmlns="" id="{638922BD-D6C8-4838-A26C-ABDA8AAF1130}"/>
               </a:ext>
             </a:extLst>
           </p:cNvPr>
@@ -8379,7 +9341,7 @@
           <p:cNvPr id="4" name="Picture 3">
             <a:extLst>
               <a:ext uri="{FF2B5EF4-FFF2-40B4-BE49-F238E27FC236}">
-                <a16:creationId xmlns:a16="http://schemas.microsoft.com/office/drawing/2014/main" id="{28DE14FE-84BF-442E-9367-9DA52183980D}"/>
+                <a16:creationId xmlns:a16="http://schemas.microsoft.com/office/drawing/2014/main" xmlns="" id="{28DE14FE-84BF-442E-9367-9DA52183980D}"/>
               </a:ext>
             </a:extLst>
           </p:cNvPr>
@@ -8416,6 +9378,29 @@
           </a:extLst>
         </p:spPr>
       </p:pic>
+      <p:sp>
+        <p:nvSpPr>
+          <p:cNvPr id="3" name="Slide Number Placeholder 2"/>
+          <p:cNvSpPr>
+            <a:spLocks noGrp="1"/>
+          </p:cNvSpPr>
+          <p:nvPr>
+            <p:ph type="sldNum" sz="quarter" idx="12"/>
+          </p:nvPr>
+        </p:nvSpPr>
+        <p:spPr/>
+        <p:txBody>
+          <a:bodyPr/>
+          <a:lstStyle/>
+          <a:p>
+            <a:fld id="{A8D7D4F6-2DF8-4D69-B05D-24304D43B04C}" type="slidenum">
+              <a:rPr lang="en-US" smtClean="0"/>
+              <a:t>20</a:t>
+            </a:fld>
+            <a:endParaRPr lang="en-US"/>
+          </a:p>
+        </p:txBody>
+      </p:sp>
     </p:spTree>
     <p:extLst>
       <p:ext uri="{BB962C8B-B14F-4D97-AF65-F5344CB8AC3E}">
@@ -8426,6 +9411,13 @@
   <p:clrMapOvr>
     <a:masterClrMapping/>
   </p:clrMapOvr>
+  <p:timing>
+    <p:tnLst>
+      <p:par>
+        <p:cTn id="1" dur="indefinite" restart="never" nodeType="tmRoot"/>
+      </p:par>
+    </p:tnLst>
+  </p:timing>
 </p:sld>
 </file>
 
@@ -8448,10 +9440,160 @@
       </p:grpSpPr>
       <p:sp>
         <p:nvSpPr>
+          <p:cNvPr id="2" name="Title 1"/>
+          <p:cNvSpPr>
+            <a:spLocks noGrp="1"/>
+          </p:cNvSpPr>
+          <p:nvPr>
+            <p:ph type="title"/>
+          </p:nvPr>
+        </p:nvSpPr>
+        <p:spPr/>
+        <p:txBody>
+          <a:bodyPr/>
+          <a:lstStyle/>
+          <a:p>
+            <a:r>
+              <a:rPr lang="en-US" dirty="0" smtClean="0"/>
+              <a:t>Future Work</a:t>
+            </a:r>
+            <a:endParaRPr lang="en-US" dirty="0"/>
+          </a:p>
+        </p:txBody>
+      </p:sp>
+      <p:sp>
+        <p:nvSpPr>
+          <p:cNvPr id="3" name="Content Placeholder 2"/>
+          <p:cNvSpPr>
+            <a:spLocks noGrp="1"/>
+          </p:cNvSpPr>
+          <p:nvPr>
+            <p:ph idx="1"/>
+          </p:nvPr>
+        </p:nvSpPr>
+        <p:spPr>
+          <a:xfrm>
+            <a:off x="1371600" y="1960775"/>
+            <a:ext cx="9601200" cy="3906625"/>
+          </a:xfrm>
+        </p:spPr>
+        <p:txBody>
+          <a:bodyPr>
+            <a:normAutofit/>
+          </a:bodyPr>
+          <a:lstStyle/>
+          <a:p>
+            <a:pPr algn="just">
+              <a:lnSpc>
+                <a:spcPct val="150000"/>
+              </a:lnSpc>
+            </a:pPr>
+            <a:r>
+              <a:rPr lang="en-US" sz="2800" dirty="0" smtClean="0"/>
+              <a:t>Designing of the system.</a:t>
+            </a:r>
+          </a:p>
+          <a:p>
+            <a:pPr algn="just">
+              <a:lnSpc>
+                <a:spcPct val="150000"/>
+              </a:lnSpc>
+            </a:pPr>
+            <a:r>
+              <a:rPr lang="en-US" sz="2800" dirty="0" smtClean="0"/>
+              <a:t>Implementation of the system.</a:t>
+            </a:r>
+          </a:p>
+          <a:p>
+            <a:pPr algn="just">
+              <a:lnSpc>
+                <a:spcPct val="150000"/>
+              </a:lnSpc>
+            </a:pPr>
+            <a:r>
+              <a:rPr lang="en-US" sz="2800" dirty="0" smtClean="0"/>
+              <a:t>Testing of the system.</a:t>
+            </a:r>
+          </a:p>
+          <a:p>
+            <a:pPr algn="just">
+              <a:lnSpc>
+                <a:spcPct val="150000"/>
+              </a:lnSpc>
+            </a:pPr>
+            <a:r>
+              <a:rPr lang="en-US" sz="2800" dirty="0" smtClean="0"/>
+              <a:t>Final report.</a:t>
+            </a:r>
+          </a:p>
+        </p:txBody>
+      </p:sp>
+      <p:sp>
+        <p:nvSpPr>
+          <p:cNvPr id="4" name="Slide Number Placeholder 3"/>
+          <p:cNvSpPr>
+            <a:spLocks noGrp="1"/>
+          </p:cNvSpPr>
+          <p:nvPr>
+            <p:ph type="sldNum" sz="quarter" idx="12"/>
+          </p:nvPr>
+        </p:nvSpPr>
+        <p:spPr/>
+        <p:txBody>
+          <a:bodyPr/>
+          <a:lstStyle/>
+          <a:p>
+            <a:fld id="{A8D7D4F6-2DF8-4D69-B05D-24304D43B04C}" type="slidenum">
+              <a:rPr lang="en-US" smtClean="0"/>
+              <a:t>21</a:t>
+            </a:fld>
+            <a:endParaRPr lang="en-US"/>
+          </a:p>
+        </p:txBody>
+      </p:sp>
+    </p:spTree>
+    <p:extLst>
+      <p:ext uri="{BB962C8B-B14F-4D97-AF65-F5344CB8AC3E}">
+        <p14:creationId xmlns:p14="http://schemas.microsoft.com/office/powerpoint/2010/main" val="1964029065"/>
+      </p:ext>
+    </p:extLst>
+  </p:cSld>
+  <p:clrMapOvr>
+    <a:masterClrMapping/>
+  </p:clrMapOvr>
+  <p:timing>
+    <p:tnLst>
+      <p:par>
+        <p:cTn id="1" dur="indefinite" restart="never" nodeType="tmRoot"/>
+      </p:par>
+    </p:tnLst>
+  </p:timing>
+</p:sld>
+</file>
+
+<file path=ppt/slides/slide22.xml><?xml version="1.0" encoding="utf-8"?>
+<p:sld xmlns:a="http://schemas.openxmlformats.org/drawingml/2006/main" xmlns:r="http://schemas.openxmlformats.org/officeDocument/2006/relationships" xmlns:p="http://schemas.openxmlformats.org/presentationml/2006/main">
+  <p:cSld>
+    <p:spTree>
+      <p:nvGrpSpPr>
+        <p:cNvPr id="1" name=""/>
+        <p:cNvGrpSpPr/>
+        <p:nvPr/>
+      </p:nvGrpSpPr>
+      <p:grpSpPr>
+        <a:xfrm>
+          <a:off x="0" y="0"/>
+          <a:ext cx="0" cy="0"/>
+          <a:chOff x="0" y="0"/>
+          <a:chExt cx="0" cy="0"/>
+        </a:xfrm>
+      </p:grpSpPr>
+      <p:sp>
+        <p:nvSpPr>
           <p:cNvPr id="2" name="Title 1">
             <a:extLst>
               <a:ext uri="{FF2B5EF4-FFF2-40B4-BE49-F238E27FC236}">
-                <a16:creationId xmlns:a16="http://schemas.microsoft.com/office/drawing/2014/main" id="{10532DA2-DA77-459D-901A-8AFDC5F1C4B0}"/>
+                <a16:creationId xmlns:a16="http://schemas.microsoft.com/office/drawing/2014/main" xmlns="" id="{10532DA2-DA77-459D-901A-8AFDC5F1C4B0}"/>
               </a:ext>
             </a:extLst>
           </p:cNvPr>
@@ -8479,7 +9621,7 @@
           <p:cNvPr id="3" name="Content Placeholder 2">
             <a:extLst>
               <a:ext uri="{FF2B5EF4-FFF2-40B4-BE49-F238E27FC236}">
-                <a16:creationId xmlns:a16="http://schemas.microsoft.com/office/drawing/2014/main" id="{DB586400-FCBB-4F9E-AEC9-79F70B4DCB66}"/>
+                <a16:creationId xmlns:a16="http://schemas.microsoft.com/office/drawing/2014/main" xmlns="" id="{DB586400-FCBB-4F9E-AEC9-79F70B4DCB66}"/>
               </a:ext>
             </a:extLst>
           </p:cNvPr>
@@ -8575,6 +9717,29 @@
           </a:extLst>
         </p:spPr>
       </p:pic>
+      <p:sp>
+        <p:nvSpPr>
+          <p:cNvPr id="4" name="Slide Number Placeholder 3"/>
+          <p:cNvSpPr>
+            <a:spLocks noGrp="1"/>
+          </p:cNvSpPr>
+          <p:nvPr>
+            <p:ph type="sldNum" sz="quarter" idx="12"/>
+          </p:nvPr>
+        </p:nvSpPr>
+        <p:spPr/>
+        <p:txBody>
+          <a:bodyPr/>
+          <a:lstStyle/>
+          <a:p>
+            <a:fld id="{A8D7D4F6-2DF8-4D69-B05D-24304D43B04C}" type="slidenum">
+              <a:rPr lang="en-US" smtClean="0"/>
+              <a:t>22</a:t>
+            </a:fld>
+            <a:endParaRPr lang="en-US"/>
+          </a:p>
+        </p:txBody>
+      </p:sp>
     </p:spTree>
     <p:extLst>
       <p:ext uri="{BB962C8B-B14F-4D97-AF65-F5344CB8AC3E}">
@@ -8585,212 +9750,13 @@
   <p:clrMapOvr>
     <a:masterClrMapping/>
   </p:clrMapOvr>
-</p:sld>
-</file>
-
-<file path=ppt/slides/slide22.xml><?xml version="1.0" encoding="utf-8"?>
-<p:sld xmlns:a="http://schemas.openxmlformats.org/drawingml/2006/main" xmlns:r="http://schemas.openxmlformats.org/officeDocument/2006/relationships" xmlns:p="http://schemas.openxmlformats.org/presentationml/2006/main">
-  <p:cSld>
-    <p:spTree>
-      <p:nvGrpSpPr>
-        <p:cNvPr id="1" name=""/>
-        <p:cNvGrpSpPr/>
-        <p:nvPr/>
-      </p:nvGrpSpPr>
-      <p:grpSpPr>
-        <a:xfrm>
-          <a:off x="0" y="0"/>
-          <a:ext cx="0" cy="0"/>
-          <a:chOff x="0" y="0"/>
-          <a:chExt cx="0" cy="0"/>
-        </a:xfrm>
-      </p:grpSpPr>
-      <p:sp>
-        <p:nvSpPr>
-          <p:cNvPr id="2" name="Title 1">
-            <a:extLst>
-              <a:ext uri="{FF2B5EF4-FFF2-40B4-BE49-F238E27FC236}">
-                <a16:creationId xmlns:a16="http://schemas.microsoft.com/office/drawing/2014/main" id="{D408AD68-9159-44D9-8EC8-48CC16829A49}"/>
-              </a:ext>
-            </a:extLst>
-          </p:cNvPr>
-          <p:cNvSpPr>
-            <a:spLocks noGrp="1"/>
-          </p:cNvSpPr>
-          <p:nvPr>
-            <p:ph type="title"/>
-          </p:nvPr>
-        </p:nvSpPr>
-        <p:spPr/>
-        <p:txBody>
-          <a:bodyPr/>
-          <a:lstStyle/>
-          <a:p>
-            <a:r>
-              <a:rPr lang="en-US" dirty="0"/>
-              <a:t>References</a:t>
-            </a:r>
-          </a:p>
-        </p:txBody>
-      </p:sp>
-      <p:sp>
-        <p:nvSpPr>
-          <p:cNvPr id="3" name="Content Placeholder 2">
-            <a:extLst>
-              <a:ext uri="{FF2B5EF4-FFF2-40B4-BE49-F238E27FC236}">
-                <a16:creationId xmlns:a16="http://schemas.microsoft.com/office/drawing/2014/main" id="{1C557612-1B58-488F-8A2F-8DB37FFC9B63}"/>
-              </a:ext>
-            </a:extLst>
-          </p:cNvPr>
-          <p:cNvSpPr>
-            <a:spLocks noGrp="1"/>
-          </p:cNvSpPr>
-          <p:nvPr>
-            <p:ph idx="1"/>
-          </p:nvPr>
-        </p:nvSpPr>
-        <p:spPr>
-          <a:xfrm>
-            <a:off x="1371600" y="1575582"/>
-            <a:ext cx="9601200" cy="4596618"/>
-          </a:xfrm>
-        </p:spPr>
-        <p:txBody>
-          <a:bodyPr>
-            <a:normAutofit fontScale="70000" lnSpcReduction="20000"/>
-          </a:bodyPr>
-          <a:lstStyle/>
-          <a:p>
-            <a:endParaRPr lang="en-US" dirty="0"/>
-          </a:p>
-          <a:p>
-            <a:pPr marL="0" indent="0">
-              <a:buNone/>
-            </a:pPr>
-            <a:endParaRPr lang="en-US" sz="1400" dirty="0">
-              <a:latin typeface="Calibri" panose="020F0502020204030204" pitchFamily="34" charset="0"/>
-              <a:cs typeface="Calibri" panose="020F0502020204030204" pitchFamily="34" charset="0"/>
-            </a:endParaRPr>
-          </a:p>
-          <a:p>
-            <a:r>
-              <a:rPr lang="en-US" sz="2600" dirty="0">
-                <a:cs typeface="Calibri" panose="020F0502020204030204" pitchFamily="34" charset="0"/>
-              </a:rPr>
-              <a:t>[1] 	S. </a:t>
-            </a:r>
-            <a:r>
-              <a:rPr lang="en-US" sz="2600" dirty="0" err="1">
-                <a:cs typeface="Calibri" panose="020F0502020204030204" pitchFamily="34" charset="0"/>
-              </a:rPr>
-              <a:t>Sukhin</a:t>
-            </a:r>
-            <a:r>
-              <a:rPr lang="en-US" sz="2600" dirty="0">
-                <a:cs typeface="Calibri" panose="020F0502020204030204" pitchFamily="34" charset="0"/>
-              </a:rPr>
-              <a:t>, "Splash Sim: A VR Experience in the Water Cycle - Apps on Google Play," Google, 10 2017. [Online]. Available: https://play.google.com/store/apps/details?id=com.splashsim.splashsim&amp;hl=en_US. [Accessed 28 7 2019].</a:t>
-            </a:r>
-          </a:p>
-          <a:p>
-            <a:r>
-              <a:rPr lang="en-US" sz="2600" dirty="0">
-                <a:cs typeface="Calibri" panose="020F0502020204030204" pitchFamily="34" charset="0"/>
-              </a:rPr>
-              <a:t>[2] 	A. V. Education, "</a:t>
-            </a:r>
-            <a:r>
-              <a:rPr lang="en-US" sz="2600" dirty="0" err="1">
-                <a:cs typeface="Calibri" panose="020F0502020204030204" pitchFamily="34" charset="0"/>
-              </a:rPr>
-              <a:t>Cicle</a:t>
-            </a:r>
-            <a:r>
-              <a:rPr lang="en-US" sz="2600" dirty="0">
-                <a:cs typeface="Calibri" panose="020F0502020204030204" pitchFamily="34" charset="0"/>
-              </a:rPr>
-              <a:t> de </a:t>
-            </a:r>
-            <a:r>
-              <a:rPr lang="en-US" sz="2600" dirty="0" err="1">
-                <a:cs typeface="Calibri" panose="020F0502020204030204" pitchFamily="34" charset="0"/>
-              </a:rPr>
-              <a:t>l'Aigua</a:t>
-            </a:r>
-            <a:r>
-              <a:rPr lang="en-US" sz="2600" dirty="0">
-                <a:cs typeface="Calibri" panose="020F0502020204030204" pitchFamily="34" charset="0"/>
-              </a:rPr>
-              <a:t> VR - Apps on Google Play," Google, 1 2016. [Online]. Available: https://play.google.com/store/apps/details?id=com.allvreducation.cicledelaigua&amp;hl=en. [Accessed 28 7 2019].</a:t>
-            </a:r>
-          </a:p>
-          <a:p>
-            <a:r>
-              <a:rPr lang="en-US" sz="2600" dirty="0">
-                <a:cs typeface="Calibri" panose="020F0502020204030204" pitchFamily="34" charset="0"/>
-              </a:rPr>
-              <a:t>[3] 	EUROCASE, "TABI The Water Cycle - Apps on Google Play," Google, 1 2016. [Online]. Available: https://play.google.com/store/apps/details?id=com.eurocase.hydrologic_cycle&amp;hl=en. [Accessed 28 7 2019].</a:t>
-            </a:r>
-          </a:p>
-          <a:p>
-            <a:r>
-              <a:rPr lang="en-US" sz="2600" dirty="0">
-                <a:cs typeface="Calibri" panose="020F0502020204030204" pitchFamily="34" charset="0"/>
-              </a:rPr>
-              <a:t>[4] 	S. </a:t>
-            </a:r>
-            <a:r>
-              <a:rPr lang="en-US" sz="2600" dirty="0" err="1">
-                <a:cs typeface="Calibri" panose="020F0502020204030204" pitchFamily="34" charset="0"/>
-              </a:rPr>
-              <a:t>Xpert</a:t>
-            </a:r>
-            <a:r>
-              <a:rPr lang="en-US" sz="2600" dirty="0">
-                <a:cs typeface="Calibri" panose="020F0502020204030204" pitchFamily="34" charset="0"/>
-              </a:rPr>
-              <a:t>, "</a:t>
-            </a:r>
-            <a:r>
-              <a:rPr lang="th-TH" sz="2600" dirty="0">
-                <a:cs typeface="Calibri" panose="020F0502020204030204" pitchFamily="34" charset="0"/>
-              </a:rPr>
-              <a:t>วัฏจักรน้ำ (</a:t>
-            </a:r>
-            <a:r>
-              <a:rPr lang="en-US" sz="2600" dirty="0">
-                <a:cs typeface="Calibri" panose="020F0502020204030204" pitchFamily="34" charset="0"/>
-              </a:rPr>
-              <a:t>Water Cycle) - Apps on Google Play," Google, 10 2018. [Online]. Available: https://play.google.com/store/apps/details?id=com.studioxpert.watercycle. [Accessed 28 7 2019].</a:t>
-            </a:r>
-          </a:p>
-          <a:p>
-            <a:endParaRPr lang="en-US" sz="1400" dirty="0">
-              <a:latin typeface="Calibri" panose="020F0502020204030204" pitchFamily="34" charset="0"/>
-              <a:cs typeface="Calibri" panose="020F0502020204030204" pitchFamily="34" charset="0"/>
-            </a:endParaRPr>
-          </a:p>
-          <a:p>
-            <a:endParaRPr lang="en-US" dirty="0"/>
-          </a:p>
-          <a:p>
-            <a:endParaRPr lang="en-US" dirty="0"/>
-          </a:p>
-          <a:p>
-            <a:endParaRPr lang="en-US" dirty="0"/>
-          </a:p>
-        </p:txBody>
-      </p:sp>
-    </p:spTree>
-    <p:extLst>
-      <p:ext uri="{BB962C8B-B14F-4D97-AF65-F5344CB8AC3E}">
-        <p14:creationId xmlns:p14="http://schemas.microsoft.com/office/powerpoint/2010/main" val="1939872356"/>
-      </p:ext>
-    </p:extLst>
-  </p:cSld>
-  <p:clrMapOvr>
-    <a:masterClrMapping/>
-  </p:clrMapOvr>
+  <p:timing>
+    <p:tnLst>
+      <p:par>
+        <p:cTn id="1" dur="indefinite" restart="never" nodeType="tmRoot"/>
+      </p:par>
+    </p:tnLst>
+  </p:timing>
 </p:sld>
 </file>
 
@@ -8816,7 +9782,7 @@
           <p:cNvPr id="2" name="Title 1">
             <a:extLst>
               <a:ext uri="{FF2B5EF4-FFF2-40B4-BE49-F238E27FC236}">
-                <a16:creationId xmlns:a16="http://schemas.microsoft.com/office/drawing/2014/main" id="{5B27978F-BAD3-46C6-AC41-6D563D981774}"/>
+                <a16:creationId xmlns:a16="http://schemas.microsoft.com/office/drawing/2014/main" xmlns="" id="{D408AD68-9159-44D9-8EC8-48CC16829A49}"/>
               </a:ext>
             </a:extLst>
           </p:cNvPr>
@@ -8824,6 +9790,242 @@
             <a:spLocks noGrp="1"/>
           </p:cNvSpPr>
           <p:nvPr>
+            <p:ph type="title"/>
+          </p:nvPr>
+        </p:nvSpPr>
+        <p:spPr/>
+        <p:txBody>
+          <a:bodyPr/>
+          <a:lstStyle/>
+          <a:p>
+            <a:r>
+              <a:rPr lang="en-US" dirty="0"/>
+              <a:t>References</a:t>
+            </a:r>
+          </a:p>
+        </p:txBody>
+      </p:sp>
+      <p:sp>
+        <p:nvSpPr>
+          <p:cNvPr id="3" name="Content Placeholder 2">
+            <a:extLst>
+              <a:ext uri="{FF2B5EF4-FFF2-40B4-BE49-F238E27FC236}">
+                <a16:creationId xmlns:a16="http://schemas.microsoft.com/office/drawing/2014/main" xmlns="" id="{1C557612-1B58-488F-8A2F-8DB37FFC9B63}"/>
+              </a:ext>
+            </a:extLst>
+          </p:cNvPr>
+          <p:cNvSpPr>
+            <a:spLocks noGrp="1"/>
+          </p:cNvSpPr>
+          <p:nvPr>
+            <p:ph idx="1"/>
+          </p:nvPr>
+        </p:nvSpPr>
+        <p:spPr>
+          <a:xfrm>
+            <a:off x="1371600" y="1575582"/>
+            <a:ext cx="9601200" cy="4596618"/>
+          </a:xfrm>
+        </p:spPr>
+        <p:txBody>
+          <a:bodyPr>
+            <a:normAutofit fontScale="70000" lnSpcReduction="20000"/>
+          </a:bodyPr>
+          <a:lstStyle/>
+          <a:p>
+            <a:endParaRPr lang="en-US" dirty="0"/>
+          </a:p>
+          <a:p>
+            <a:pPr marL="0" indent="0">
+              <a:buNone/>
+            </a:pPr>
+            <a:endParaRPr lang="en-US" sz="1400" dirty="0">
+              <a:latin typeface="Calibri" panose="020F0502020204030204" pitchFamily="34" charset="0"/>
+              <a:cs typeface="Calibri" panose="020F0502020204030204" pitchFamily="34" charset="0"/>
+            </a:endParaRPr>
+          </a:p>
+          <a:p>
+            <a:r>
+              <a:rPr lang="en-US" sz="2600" dirty="0">
+                <a:cs typeface="Calibri" panose="020F0502020204030204" pitchFamily="34" charset="0"/>
+              </a:rPr>
+              <a:t>[1] 	S. </a:t>
+            </a:r>
+            <a:r>
+              <a:rPr lang="en-US" sz="2600" dirty="0" err="1">
+                <a:cs typeface="Calibri" panose="020F0502020204030204" pitchFamily="34" charset="0"/>
+              </a:rPr>
+              <a:t>Sukhin</a:t>
+            </a:r>
+            <a:r>
+              <a:rPr lang="en-US" sz="2600" dirty="0">
+                <a:cs typeface="Calibri" panose="020F0502020204030204" pitchFamily="34" charset="0"/>
+              </a:rPr>
+              <a:t>, "Splash Sim: A VR Experience in the Water Cycle - Apps on Google Play," Google, 10 2017. [Online]. Available: https://play.google.com/store/apps/details?id=com.splashsim.splashsim&amp;hl=en_US. [Accessed 28 7 2019].</a:t>
+            </a:r>
+          </a:p>
+          <a:p>
+            <a:r>
+              <a:rPr lang="en-US" sz="2600" dirty="0">
+                <a:cs typeface="Calibri" panose="020F0502020204030204" pitchFamily="34" charset="0"/>
+              </a:rPr>
+              <a:t>[2] 	A. V. Education, "</a:t>
+            </a:r>
+            <a:r>
+              <a:rPr lang="en-US" sz="2600" dirty="0" err="1">
+                <a:cs typeface="Calibri" panose="020F0502020204030204" pitchFamily="34" charset="0"/>
+              </a:rPr>
+              <a:t>Cicle</a:t>
+            </a:r>
+            <a:r>
+              <a:rPr lang="en-US" sz="2600" dirty="0">
+                <a:cs typeface="Calibri" panose="020F0502020204030204" pitchFamily="34" charset="0"/>
+              </a:rPr>
+              <a:t> de </a:t>
+            </a:r>
+            <a:r>
+              <a:rPr lang="en-US" sz="2600" dirty="0" err="1">
+                <a:cs typeface="Calibri" panose="020F0502020204030204" pitchFamily="34" charset="0"/>
+              </a:rPr>
+              <a:t>l'Aigua</a:t>
+            </a:r>
+            <a:r>
+              <a:rPr lang="en-US" sz="2600" dirty="0">
+                <a:cs typeface="Calibri" panose="020F0502020204030204" pitchFamily="34" charset="0"/>
+              </a:rPr>
+              <a:t> VR - Apps on Google Play," Google, 1 2016. [Online]. Available: https://play.google.com/store/apps/details?id=com.allvreducation.cicledelaigua&amp;hl=en. [Accessed 28 7 2019].</a:t>
+            </a:r>
+          </a:p>
+          <a:p>
+            <a:r>
+              <a:rPr lang="en-US" sz="2600" dirty="0">
+                <a:cs typeface="Calibri" panose="020F0502020204030204" pitchFamily="34" charset="0"/>
+              </a:rPr>
+              <a:t>[3] 	EUROCASE, "TABI The Water Cycle - Apps on Google Play," Google, 1 2016. [Online]. Available: https://play.google.com/store/apps/details?id=com.eurocase.hydrologic_cycle&amp;hl=en. [Accessed 28 7 2019].</a:t>
+            </a:r>
+          </a:p>
+          <a:p>
+            <a:r>
+              <a:rPr lang="en-US" sz="2600" dirty="0">
+                <a:cs typeface="Calibri" panose="020F0502020204030204" pitchFamily="34" charset="0"/>
+              </a:rPr>
+              <a:t>[4] 	S. </a:t>
+            </a:r>
+            <a:r>
+              <a:rPr lang="en-US" sz="2600" dirty="0" err="1">
+                <a:cs typeface="Calibri" panose="020F0502020204030204" pitchFamily="34" charset="0"/>
+              </a:rPr>
+              <a:t>Xpert</a:t>
+            </a:r>
+            <a:r>
+              <a:rPr lang="en-US" sz="2600" dirty="0">
+                <a:cs typeface="Calibri" panose="020F0502020204030204" pitchFamily="34" charset="0"/>
+              </a:rPr>
+              <a:t>, "</a:t>
+            </a:r>
+            <a:r>
+              <a:rPr lang="th-TH" sz="2600" dirty="0">
+                <a:cs typeface="Calibri" panose="020F0502020204030204" pitchFamily="34" charset="0"/>
+              </a:rPr>
+              <a:t>วัฏจักรน้ำ (</a:t>
+            </a:r>
+            <a:r>
+              <a:rPr lang="en-US" sz="2600" dirty="0">
+                <a:cs typeface="Calibri" panose="020F0502020204030204" pitchFamily="34" charset="0"/>
+              </a:rPr>
+              <a:t>Water Cycle) - Apps on Google Play," Google, 10 2018. [Online]. Available: https://play.google.com/store/apps/details?id=com.studioxpert.watercycle. [Accessed 28 7 2019].</a:t>
+            </a:r>
+          </a:p>
+          <a:p>
+            <a:endParaRPr lang="en-US" sz="1400" dirty="0">
+              <a:latin typeface="Calibri" panose="020F0502020204030204" pitchFamily="34" charset="0"/>
+              <a:cs typeface="Calibri" panose="020F0502020204030204" pitchFamily="34" charset="0"/>
+            </a:endParaRPr>
+          </a:p>
+          <a:p>
+            <a:endParaRPr lang="en-US" dirty="0"/>
+          </a:p>
+          <a:p>
+            <a:endParaRPr lang="en-US" dirty="0"/>
+          </a:p>
+          <a:p>
+            <a:endParaRPr lang="en-US" dirty="0"/>
+          </a:p>
+        </p:txBody>
+      </p:sp>
+      <p:sp>
+        <p:nvSpPr>
+          <p:cNvPr id="4" name="Slide Number Placeholder 3"/>
+          <p:cNvSpPr>
+            <a:spLocks noGrp="1"/>
+          </p:cNvSpPr>
+          <p:nvPr>
+            <p:ph type="sldNum" sz="quarter" idx="12"/>
+          </p:nvPr>
+        </p:nvSpPr>
+        <p:spPr/>
+        <p:txBody>
+          <a:bodyPr/>
+          <a:lstStyle/>
+          <a:p>
+            <a:fld id="{A8D7D4F6-2DF8-4D69-B05D-24304D43B04C}" type="slidenum">
+              <a:rPr lang="en-US" smtClean="0"/>
+              <a:t>23</a:t>
+            </a:fld>
+            <a:endParaRPr lang="en-US"/>
+          </a:p>
+        </p:txBody>
+      </p:sp>
+    </p:spTree>
+    <p:extLst>
+      <p:ext uri="{BB962C8B-B14F-4D97-AF65-F5344CB8AC3E}">
+        <p14:creationId xmlns:p14="http://schemas.microsoft.com/office/powerpoint/2010/main" val="1939872356"/>
+      </p:ext>
+    </p:extLst>
+  </p:cSld>
+  <p:clrMapOvr>
+    <a:masterClrMapping/>
+  </p:clrMapOvr>
+  <p:timing>
+    <p:tnLst>
+      <p:par>
+        <p:cTn id="1" dur="indefinite" restart="never" nodeType="tmRoot"/>
+      </p:par>
+    </p:tnLst>
+  </p:timing>
+</p:sld>
+</file>
+
+<file path=ppt/slides/slide24.xml><?xml version="1.0" encoding="utf-8"?>
+<p:sld xmlns:a="http://schemas.openxmlformats.org/drawingml/2006/main" xmlns:r="http://schemas.openxmlformats.org/officeDocument/2006/relationships" xmlns:p="http://schemas.openxmlformats.org/presentationml/2006/main">
+  <p:cSld>
+    <p:spTree>
+      <p:nvGrpSpPr>
+        <p:cNvPr id="1" name=""/>
+        <p:cNvGrpSpPr/>
+        <p:nvPr/>
+      </p:nvGrpSpPr>
+      <p:grpSpPr>
+        <a:xfrm>
+          <a:off x="0" y="0"/>
+          <a:ext cx="0" cy="0"/>
+          <a:chOff x="0" y="0"/>
+          <a:chExt cx="0" cy="0"/>
+        </a:xfrm>
+      </p:grpSpPr>
+      <p:sp>
+        <p:nvSpPr>
+          <p:cNvPr id="2" name="Title 1">
+            <a:extLst>
+              <a:ext uri="{FF2B5EF4-FFF2-40B4-BE49-F238E27FC236}">
+                <a16:creationId xmlns:a16="http://schemas.microsoft.com/office/drawing/2014/main" xmlns="" id="{5B27978F-BAD3-46C6-AC41-6D563D981774}"/>
+              </a:ext>
+            </a:extLst>
+          </p:cNvPr>
+          <p:cNvSpPr>
+            <a:spLocks noGrp="1"/>
+          </p:cNvSpPr>
+          <p:nvPr>
             <p:ph type="ctrTitle"/>
           </p:nvPr>
         </p:nvSpPr>
@@ -8844,7 +10046,7 @@
           <p:cNvPr id="3" name="Subtitle 2">
             <a:extLst>
               <a:ext uri="{FF2B5EF4-FFF2-40B4-BE49-F238E27FC236}">
-                <a16:creationId xmlns:a16="http://schemas.microsoft.com/office/drawing/2014/main" id="{5649E251-AA3D-4977-8FA9-7B0ED7D0FA10}"/>
+                <a16:creationId xmlns:a16="http://schemas.microsoft.com/office/drawing/2014/main" xmlns="" id="{5649E251-AA3D-4977-8FA9-7B0ED7D0FA10}"/>
               </a:ext>
             </a:extLst>
           </p:cNvPr>
@@ -8864,6 +10066,29 @@
               <a:rPr lang="en-US" dirty="0"/>
               <a:t>Questions?</a:t>
             </a:r>
+          </a:p>
+        </p:txBody>
+      </p:sp>
+      <p:sp>
+        <p:nvSpPr>
+          <p:cNvPr id="4" name="Slide Number Placeholder 3"/>
+          <p:cNvSpPr>
+            <a:spLocks noGrp="1"/>
+          </p:cNvSpPr>
+          <p:nvPr>
+            <p:ph type="sldNum" sz="quarter" idx="12"/>
+          </p:nvPr>
+        </p:nvSpPr>
+        <p:spPr/>
+        <p:txBody>
+          <a:bodyPr/>
+          <a:lstStyle/>
+          <a:p>
+            <a:fld id="{A8D7D4F6-2DF8-4D69-B05D-24304D43B04C}" type="slidenum">
+              <a:rPr lang="en-US" smtClean="0"/>
+              <a:t>24</a:t>
+            </a:fld>
+            <a:endParaRPr lang="en-US"/>
           </a:p>
         </p:txBody>
       </p:sp>
@@ -8877,6 +10102,13 @@
   <p:clrMapOvr>
     <a:masterClrMapping/>
   </p:clrMapOvr>
+  <p:timing>
+    <p:tnLst>
+      <p:par>
+        <p:cTn id="1" dur="indefinite" restart="never" nodeType="tmRoot"/>
+      </p:par>
+    </p:tnLst>
+  </p:timing>
 </p:sld>
 </file>
 
@@ -8902,7 +10134,7 @@
           <p:cNvPr id="2" name="Title 1">
             <a:extLst>
               <a:ext uri="{FF2B5EF4-FFF2-40B4-BE49-F238E27FC236}">
-                <a16:creationId xmlns:a16="http://schemas.microsoft.com/office/drawing/2014/main" id="{79D9E8BC-E551-427F-B5A3-C9F9F2C1CDA1}"/>
+                <a16:creationId xmlns:a16="http://schemas.microsoft.com/office/drawing/2014/main" xmlns="" id="{79D9E8BC-E551-427F-B5A3-C9F9F2C1CDA1}"/>
               </a:ext>
             </a:extLst>
           </p:cNvPr>
@@ -8930,7 +10162,7 @@
           <p:cNvPr id="3" name="Content Placeholder 2">
             <a:extLst>
               <a:ext uri="{FF2B5EF4-FFF2-40B4-BE49-F238E27FC236}">
-                <a16:creationId xmlns:a16="http://schemas.microsoft.com/office/drawing/2014/main" id="{82980F63-12FE-4913-BB11-CA61837FA0C1}"/>
+                <a16:creationId xmlns:a16="http://schemas.microsoft.com/office/drawing/2014/main" xmlns="" id="{82980F63-12FE-4913-BB11-CA61837FA0C1}"/>
               </a:ext>
             </a:extLst>
           </p:cNvPr>
@@ -8974,6 +10206,29 @@
           </a:p>
           <a:p>
             <a:endParaRPr lang="en-US" dirty="0"/>
+          </a:p>
+        </p:txBody>
+      </p:sp>
+      <p:sp>
+        <p:nvSpPr>
+          <p:cNvPr id="4" name="Slide Number Placeholder 3"/>
+          <p:cNvSpPr>
+            <a:spLocks noGrp="1"/>
+          </p:cNvSpPr>
+          <p:nvPr>
+            <p:ph type="sldNum" sz="quarter" idx="12"/>
+          </p:nvPr>
+        </p:nvSpPr>
+        <p:spPr/>
+        <p:txBody>
+          <a:bodyPr/>
+          <a:lstStyle/>
+          <a:p>
+            <a:fld id="{A8D7D4F6-2DF8-4D69-B05D-24304D43B04C}" type="slidenum">
+              <a:rPr lang="en-US" smtClean="0"/>
+              <a:t>3</a:t>
+            </a:fld>
+            <a:endParaRPr lang="en-US"/>
           </a:p>
         </p:txBody>
       </p:sp>
@@ -8987,6 +10242,13 @@
   <p:clrMapOvr>
     <a:masterClrMapping/>
   </p:clrMapOvr>
+  <p:timing>
+    <p:tnLst>
+      <p:par>
+        <p:cTn id="1" dur="indefinite" restart="never" nodeType="tmRoot"/>
+      </p:par>
+    </p:tnLst>
+  </p:timing>
 </p:sld>
 </file>
 
@@ -9012,7 +10274,7 @@
           <p:cNvPr id="2" name="Title 1">
             <a:extLst>
               <a:ext uri="{FF2B5EF4-FFF2-40B4-BE49-F238E27FC236}">
-                <a16:creationId xmlns:a16="http://schemas.microsoft.com/office/drawing/2014/main" id="{C40FFD64-548A-4A99-A870-CD3191FCE0C7}"/>
+                <a16:creationId xmlns:a16="http://schemas.microsoft.com/office/drawing/2014/main" xmlns="" id="{C40FFD64-548A-4A99-A870-CD3191FCE0C7}"/>
               </a:ext>
             </a:extLst>
           </p:cNvPr>
@@ -9040,7 +10302,7 @@
           <p:cNvPr id="3" name="Content Placeholder 2">
             <a:extLst>
               <a:ext uri="{FF2B5EF4-FFF2-40B4-BE49-F238E27FC236}">
-                <a16:creationId xmlns:a16="http://schemas.microsoft.com/office/drawing/2014/main" id="{08B26BB4-6D06-4536-8124-710012F39B3A}"/>
+                <a16:creationId xmlns:a16="http://schemas.microsoft.com/office/drawing/2014/main" xmlns="" id="{08B26BB4-6D06-4536-8124-710012F39B3A}"/>
               </a:ext>
             </a:extLst>
           </p:cNvPr>
@@ -9053,25 +10315,65 @@
         </p:nvSpPr>
         <p:spPr/>
         <p:txBody>
+          <a:bodyPr>
+            <a:normAutofit/>
+          </a:bodyPr>
+          <a:lstStyle/>
+          <a:p>
+            <a:pPr>
+              <a:lnSpc>
+                <a:spcPct val="150000"/>
+              </a:lnSpc>
+            </a:pPr>
+            <a:r>
+              <a:rPr lang="en-US" sz="2400" dirty="0"/>
+              <a:t>Few VR applications</a:t>
+            </a:r>
+          </a:p>
+          <a:p>
+            <a:pPr>
+              <a:lnSpc>
+                <a:spcPct val="150000"/>
+              </a:lnSpc>
+            </a:pPr>
+            <a:r>
+              <a:rPr lang="en-US" sz="2400" dirty="0"/>
+              <a:t>Lack of Guidance within the application</a:t>
+            </a:r>
+          </a:p>
+          <a:p>
+            <a:pPr>
+              <a:lnSpc>
+                <a:spcPct val="150000"/>
+              </a:lnSpc>
+            </a:pPr>
+            <a:r>
+              <a:rPr lang="en-US" sz="2400" dirty="0"/>
+              <a:t>Lack of visualization</a:t>
+            </a:r>
+          </a:p>
+        </p:txBody>
+      </p:sp>
+      <p:sp>
+        <p:nvSpPr>
+          <p:cNvPr id="4" name="Slide Number Placeholder 3"/>
+          <p:cNvSpPr>
+            <a:spLocks noGrp="1"/>
+          </p:cNvSpPr>
+          <p:nvPr>
+            <p:ph type="sldNum" sz="quarter" idx="12"/>
+          </p:nvPr>
+        </p:nvSpPr>
+        <p:spPr/>
+        <p:txBody>
           <a:bodyPr/>
           <a:lstStyle/>
           <a:p>
-            <a:r>
-              <a:rPr lang="en-US" dirty="0"/>
-              <a:t>Few VR applications</a:t>
-            </a:r>
-          </a:p>
-          <a:p>
-            <a:r>
-              <a:rPr lang="en-US" dirty="0"/>
-              <a:t>Lack of Guidance within the application</a:t>
-            </a:r>
-          </a:p>
-          <a:p>
-            <a:r>
-              <a:rPr lang="en-US" dirty="0"/>
-              <a:t>Lack of visualization</a:t>
-            </a:r>
+            <a:fld id="{A8D7D4F6-2DF8-4D69-B05D-24304D43B04C}" type="slidenum">
+              <a:rPr lang="en-US" smtClean="0"/>
+              <a:t>4</a:t>
+            </a:fld>
+            <a:endParaRPr lang="en-US"/>
           </a:p>
         </p:txBody>
       </p:sp>
@@ -9085,6 +10387,13 @@
   <p:clrMapOvr>
     <a:masterClrMapping/>
   </p:clrMapOvr>
+  <p:timing>
+    <p:tnLst>
+      <p:par>
+        <p:cTn id="1" dur="indefinite" restart="never" nodeType="tmRoot"/>
+      </p:par>
+    </p:tnLst>
+  </p:timing>
 </p:sld>
 </file>
 
@@ -9110,7 +10419,7 @@
           <p:cNvPr id="2" name="Title 1">
             <a:extLst>
               <a:ext uri="{FF2B5EF4-FFF2-40B4-BE49-F238E27FC236}">
-                <a16:creationId xmlns:a16="http://schemas.microsoft.com/office/drawing/2014/main" id="{8DC0FD8C-96A5-4323-8E47-435C90530937}"/>
+                <a16:creationId xmlns:a16="http://schemas.microsoft.com/office/drawing/2014/main" xmlns="" id="{8DC0FD8C-96A5-4323-8E47-435C90530937}"/>
               </a:ext>
             </a:extLst>
           </p:cNvPr>
@@ -9138,7 +10447,7 @@
           <p:cNvPr id="3" name="Content Placeholder 2">
             <a:extLst>
               <a:ext uri="{FF2B5EF4-FFF2-40B4-BE49-F238E27FC236}">
-                <a16:creationId xmlns:a16="http://schemas.microsoft.com/office/drawing/2014/main" id="{CA5BD5CC-43FB-468C-B3DD-276E31247046}"/>
+                <a16:creationId xmlns:a16="http://schemas.microsoft.com/office/drawing/2014/main" xmlns="" id="{CA5BD5CC-43FB-468C-B3DD-276E31247046}"/>
               </a:ext>
             </a:extLst>
           </p:cNvPr>
@@ -9154,31 +10463,74 @@
           <a:bodyPr/>
           <a:lstStyle/>
           <a:p>
-            <a:r>
-              <a:rPr lang="en-US" dirty="0"/>
+            <a:pPr>
+              <a:lnSpc>
+                <a:spcPct val="150000"/>
+              </a:lnSpc>
+            </a:pPr>
+            <a:r>
+              <a:rPr lang="en-US" sz="2400" dirty="0"/>
               <a:t>to develop a virtual reality application for water cycle education.</a:t>
             </a:r>
           </a:p>
           <a:p>
-            <a:r>
-              <a:rPr lang="en-US" dirty="0"/>
+            <a:pPr>
+              <a:lnSpc>
+                <a:spcPct val="150000"/>
+              </a:lnSpc>
+            </a:pPr>
+            <a:r>
+              <a:rPr lang="en-US" sz="2400" dirty="0"/>
               <a:t>to provide users with a game to understand water cycle.</a:t>
             </a:r>
           </a:p>
           <a:p>
-            <a:r>
-              <a:rPr lang="en-US" dirty="0"/>
+            <a:pPr>
+              <a:lnSpc>
+                <a:spcPct val="150000"/>
+              </a:lnSpc>
+            </a:pPr>
+            <a:r>
+              <a:rPr lang="en-US" sz="2400" dirty="0"/>
               <a:t>to provide user with different mode of interaction.</a:t>
             </a:r>
           </a:p>
           <a:p>
-            <a:r>
-              <a:rPr lang="en-US" dirty="0"/>
+            <a:pPr>
+              <a:lnSpc>
+                <a:spcPct val="150000"/>
+              </a:lnSpc>
+            </a:pPr>
+            <a:r>
+              <a:rPr lang="en-US" sz="2400" dirty="0"/>
               <a:t>to provide user with real model view of water cycle.</a:t>
             </a:r>
           </a:p>
           <a:p>
             <a:endParaRPr lang="en-US" dirty="0"/>
+          </a:p>
+        </p:txBody>
+      </p:sp>
+      <p:sp>
+        <p:nvSpPr>
+          <p:cNvPr id="4" name="Slide Number Placeholder 3"/>
+          <p:cNvSpPr>
+            <a:spLocks noGrp="1"/>
+          </p:cNvSpPr>
+          <p:nvPr>
+            <p:ph type="sldNum" sz="quarter" idx="12"/>
+          </p:nvPr>
+        </p:nvSpPr>
+        <p:spPr/>
+        <p:txBody>
+          <a:bodyPr/>
+          <a:lstStyle/>
+          <a:p>
+            <a:fld id="{A8D7D4F6-2DF8-4D69-B05D-24304D43B04C}" type="slidenum">
+              <a:rPr lang="en-US" smtClean="0"/>
+              <a:t>5</a:t>
+            </a:fld>
+            <a:endParaRPr lang="en-US"/>
           </a:p>
         </p:txBody>
       </p:sp>
@@ -9192,6 +10544,13 @@
   <p:clrMapOvr>
     <a:masterClrMapping/>
   </p:clrMapOvr>
+  <p:timing>
+    <p:tnLst>
+      <p:par>
+        <p:cTn id="1" dur="indefinite" restart="never" nodeType="tmRoot"/>
+      </p:par>
+    </p:tnLst>
+  </p:timing>
 </p:sld>
 </file>
 
@@ -9217,7 +10576,7 @@
           <p:cNvPr id="2" name="Title 1">
             <a:extLst>
               <a:ext uri="{FF2B5EF4-FFF2-40B4-BE49-F238E27FC236}">
-                <a16:creationId xmlns:a16="http://schemas.microsoft.com/office/drawing/2014/main" id="{C6F471E8-F97A-4840-8B15-4EB56FA2E1A4}"/>
+                <a16:creationId xmlns:a16="http://schemas.microsoft.com/office/drawing/2014/main" xmlns="" id="{C6F471E8-F97A-4840-8B15-4EB56FA2E1A4}"/>
               </a:ext>
             </a:extLst>
           </p:cNvPr>
@@ -9245,7 +10604,7 @@
           <p:cNvPr id="3" name="Content Placeholder 2">
             <a:extLst>
               <a:ext uri="{FF2B5EF4-FFF2-40B4-BE49-F238E27FC236}">
-                <a16:creationId xmlns:a16="http://schemas.microsoft.com/office/drawing/2014/main" id="{CF2C1132-D263-4A0D-92DE-9FFEF6BB7789}"/>
+                <a16:creationId xmlns:a16="http://schemas.microsoft.com/office/drawing/2014/main" xmlns="" id="{CF2C1132-D263-4A0D-92DE-9FFEF6BB7789}"/>
               </a:ext>
             </a:extLst>
           </p:cNvPr>
@@ -9277,6 +10636,29 @@
               <a:rPr lang="en-US" dirty="0"/>
               <a:t>The developed application will have a mini game for kids as part of interaction.</a:t>
             </a:r>
+          </a:p>
+        </p:txBody>
+      </p:sp>
+      <p:sp>
+        <p:nvSpPr>
+          <p:cNvPr id="4" name="Slide Number Placeholder 3"/>
+          <p:cNvSpPr>
+            <a:spLocks noGrp="1"/>
+          </p:cNvSpPr>
+          <p:nvPr>
+            <p:ph type="sldNum" sz="quarter" idx="12"/>
+          </p:nvPr>
+        </p:nvSpPr>
+        <p:spPr/>
+        <p:txBody>
+          <a:bodyPr/>
+          <a:lstStyle/>
+          <a:p>
+            <a:fld id="{A8D7D4F6-2DF8-4D69-B05D-24304D43B04C}" type="slidenum">
+              <a:rPr lang="en-US" smtClean="0"/>
+              <a:t>6</a:t>
+            </a:fld>
+            <a:endParaRPr lang="en-US"/>
           </a:p>
         </p:txBody>
       </p:sp>
@@ -9290,6 +10672,13 @@
   <p:clrMapOvr>
     <a:masterClrMapping/>
   </p:clrMapOvr>
+  <p:timing>
+    <p:tnLst>
+      <p:par>
+        <p:cTn id="1" dur="indefinite" restart="never" nodeType="tmRoot"/>
+      </p:par>
+    </p:tnLst>
+  </p:timing>
 </p:sld>
 </file>
 
@@ -9315,7 +10704,7 @@
           <p:cNvPr id="2" name="Title 1">
             <a:extLst>
               <a:ext uri="{FF2B5EF4-FFF2-40B4-BE49-F238E27FC236}">
-                <a16:creationId xmlns:a16="http://schemas.microsoft.com/office/drawing/2014/main" id="{84D7991D-144A-4372-8BD2-616794586C45}"/>
+                <a16:creationId xmlns:a16="http://schemas.microsoft.com/office/drawing/2014/main" xmlns="" id="{84D7991D-144A-4372-8BD2-616794586C45}"/>
               </a:ext>
             </a:extLst>
           </p:cNvPr>
@@ -9343,7 +10732,7 @@
           <p:cNvPr id="4" name="Chart 3" title="Chart">
             <a:extLst>
               <a:ext uri="{FF2B5EF4-FFF2-40B4-BE49-F238E27FC236}">
-                <a16:creationId xmlns:a16="http://schemas.microsoft.com/office/drawing/2014/main" id="{00000000-0008-0000-0100-000002000000}"/>
+                <a16:creationId xmlns:a16="http://schemas.microsoft.com/office/drawing/2014/main" xmlns="" id="{00000000-0008-0000-0100-000002000000}"/>
               </a:ext>
             </a:extLst>
           </p:cNvPr>
@@ -9366,6 +10755,29 @@
           </a:graphicData>
         </a:graphic>
       </p:graphicFrame>
+      <p:sp>
+        <p:nvSpPr>
+          <p:cNvPr id="3" name="Slide Number Placeholder 2"/>
+          <p:cNvSpPr>
+            <a:spLocks noGrp="1"/>
+          </p:cNvSpPr>
+          <p:nvPr>
+            <p:ph type="sldNum" sz="quarter" idx="12"/>
+          </p:nvPr>
+        </p:nvSpPr>
+        <p:spPr/>
+        <p:txBody>
+          <a:bodyPr/>
+          <a:lstStyle/>
+          <a:p>
+            <a:fld id="{A8D7D4F6-2DF8-4D69-B05D-24304D43B04C}" type="slidenum">
+              <a:rPr lang="en-US" smtClean="0"/>
+              <a:t>7</a:t>
+            </a:fld>
+            <a:endParaRPr lang="en-US"/>
+          </a:p>
+        </p:txBody>
+      </p:sp>
     </p:spTree>
     <p:extLst>
       <p:ext uri="{BB962C8B-B14F-4D97-AF65-F5344CB8AC3E}">
@@ -9376,6 +10788,13 @@
   <p:clrMapOvr>
     <a:masterClrMapping/>
   </p:clrMapOvr>
+  <p:timing>
+    <p:tnLst>
+      <p:par>
+        <p:cTn id="1" dur="indefinite" restart="never" nodeType="tmRoot"/>
+      </p:par>
+    </p:tnLst>
+  </p:timing>
 </p:sld>
 </file>
 
@@ -9401,7 +10820,7 @@
           <p:cNvPr id="2" name="Title 1">
             <a:extLst>
               <a:ext uri="{FF2B5EF4-FFF2-40B4-BE49-F238E27FC236}">
-                <a16:creationId xmlns:a16="http://schemas.microsoft.com/office/drawing/2014/main" id="{E5CFE099-4597-4BD2-AC20-2C18228114F3}"/>
+                <a16:creationId xmlns:a16="http://schemas.microsoft.com/office/drawing/2014/main" xmlns="" id="{E5CFE099-4597-4BD2-AC20-2C18228114F3}"/>
               </a:ext>
             </a:extLst>
           </p:cNvPr>
@@ -9434,7 +10853,7 @@
           <p:cNvPr id="3" name="Content Placeholder 2">
             <a:extLst>
               <a:ext uri="{FF2B5EF4-FFF2-40B4-BE49-F238E27FC236}">
-                <a16:creationId xmlns:a16="http://schemas.microsoft.com/office/drawing/2014/main" id="{3161AE2C-2D22-49D7-A572-CCB0753E3B50}"/>
+                <a16:creationId xmlns:a16="http://schemas.microsoft.com/office/drawing/2014/main" xmlns="" id="{3161AE2C-2D22-49D7-A572-CCB0753E3B50}"/>
               </a:ext>
             </a:extLst>
           </p:cNvPr>
@@ -9537,6 +10956,29 @@
           </a:prstGeom>
         </p:spPr>
       </p:pic>
+      <p:sp>
+        <p:nvSpPr>
+          <p:cNvPr id="4" name="Slide Number Placeholder 3"/>
+          <p:cNvSpPr>
+            <a:spLocks noGrp="1"/>
+          </p:cNvSpPr>
+          <p:nvPr>
+            <p:ph type="sldNum" sz="quarter" idx="12"/>
+          </p:nvPr>
+        </p:nvSpPr>
+        <p:spPr/>
+        <p:txBody>
+          <a:bodyPr/>
+          <a:lstStyle/>
+          <a:p>
+            <a:fld id="{A8D7D4F6-2DF8-4D69-B05D-24304D43B04C}" type="slidenum">
+              <a:rPr lang="en-US" smtClean="0"/>
+              <a:t>8</a:t>
+            </a:fld>
+            <a:endParaRPr lang="en-US"/>
+          </a:p>
+        </p:txBody>
+      </p:sp>
     </p:spTree>
     <p:extLst>
       <p:ext uri="{BB962C8B-B14F-4D97-AF65-F5344CB8AC3E}">
@@ -9547,6 +10989,13 @@
   <p:clrMapOvr>
     <a:masterClrMapping/>
   </p:clrMapOvr>
+  <p:timing>
+    <p:tnLst>
+      <p:par>
+        <p:cTn id="1" dur="indefinite" restart="never" nodeType="tmRoot"/>
+      </p:par>
+    </p:tnLst>
+  </p:timing>
 </p:sld>
 </file>
 
@@ -9572,7 +11021,7 @@
           <p:cNvPr id="2" name="Title 1">
             <a:extLst>
               <a:ext uri="{FF2B5EF4-FFF2-40B4-BE49-F238E27FC236}">
-                <a16:creationId xmlns:a16="http://schemas.microsoft.com/office/drawing/2014/main" id="{D4205F1D-BFE7-4BD5-8CD8-366232C62642}"/>
+                <a16:creationId xmlns:a16="http://schemas.microsoft.com/office/drawing/2014/main" xmlns="" id="{D4205F1D-BFE7-4BD5-8CD8-366232C62642}"/>
               </a:ext>
             </a:extLst>
           </p:cNvPr>
@@ -9605,7 +11054,7 @@
           <p:cNvPr id="3" name="Content Placeholder 2">
             <a:extLst>
               <a:ext uri="{FF2B5EF4-FFF2-40B4-BE49-F238E27FC236}">
-                <a16:creationId xmlns:a16="http://schemas.microsoft.com/office/drawing/2014/main" id="{284154B4-27BB-4EA9-99CB-74254299DDA4}"/>
+                <a16:creationId xmlns:a16="http://schemas.microsoft.com/office/drawing/2014/main" xmlns="" id="{284154B4-27BB-4EA9-99CB-74254299DDA4}"/>
               </a:ext>
             </a:extLst>
           </p:cNvPr>
@@ -9837,6 +11286,29 @@
           </a:extLst>
         </p:spPr>
       </p:pic>
+      <p:sp>
+        <p:nvSpPr>
+          <p:cNvPr id="5" name="Slide Number Placeholder 4"/>
+          <p:cNvSpPr>
+            <a:spLocks noGrp="1"/>
+          </p:cNvSpPr>
+          <p:nvPr>
+            <p:ph type="sldNum" sz="quarter" idx="12"/>
+          </p:nvPr>
+        </p:nvSpPr>
+        <p:spPr/>
+        <p:txBody>
+          <a:bodyPr/>
+          <a:lstStyle/>
+          <a:p>
+            <a:fld id="{A8D7D4F6-2DF8-4D69-B05D-24304D43B04C}" type="slidenum">
+              <a:rPr lang="en-US" smtClean="0"/>
+              <a:t>9</a:t>
+            </a:fld>
+            <a:endParaRPr lang="en-US"/>
+          </a:p>
+        </p:txBody>
+      </p:sp>
     </p:spTree>
     <p:extLst>
       <p:ext uri="{BB962C8B-B14F-4D97-AF65-F5344CB8AC3E}">
@@ -9847,6 +11319,13 @@
   <p:clrMapOvr>
     <a:masterClrMapping/>
   </p:clrMapOvr>
+  <p:timing>
+    <p:tnLst>
+      <p:par>
+        <p:cTn id="1" dur="indefinite" restart="never" nodeType="tmRoot"/>
+      </p:par>
+    </p:tnLst>
+  </p:timing>
 </p:sld>
 </file>
 
@@ -10106,4 +11585,265 @@
     </a:ext>
   </a:extLst>
 </a:theme>
+</file>
+
+<file path=ppt/theme/theme2.xml><?xml version="1.0" encoding="utf-8"?>
+<a:theme xmlns:a="http://schemas.openxmlformats.org/drawingml/2006/main" name="Office Theme">
+  <a:themeElements>
+    <a:clrScheme name="Office">
+      <a:dk1>
+        <a:sysClr val="windowText" lastClr="000000"/>
+      </a:dk1>
+      <a:lt1>
+        <a:sysClr val="window" lastClr="FFFFFF"/>
+      </a:lt1>
+      <a:dk2>
+        <a:srgbClr val="44546A"/>
+      </a:dk2>
+      <a:lt2>
+        <a:srgbClr val="E7E6E6"/>
+      </a:lt2>
+      <a:accent1>
+        <a:srgbClr val="5B9BD5"/>
+      </a:accent1>
+      <a:accent2>
+        <a:srgbClr val="ED7D31"/>
+      </a:accent2>
+      <a:accent3>
+        <a:srgbClr val="A5A5A5"/>
+      </a:accent3>
+      <a:accent4>
+        <a:srgbClr val="FFC000"/>
+      </a:accent4>
+      <a:accent5>
+        <a:srgbClr val="4472C4"/>
+      </a:accent5>
+      <a:accent6>
+        <a:srgbClr val="70AD47"/>
+      </a:accent6>
+      <a:hlink>
+        <a:srgbClr val="0563C1"/>
+      </a:hlink>
+      <a:folHlink>
+        <a:srgbClr val="954F72"/>
+      </a:folHlink>
+    </a:clrScheme>
+    <a:fontScheme name="Office">
+      <a:majorFont>
+        <a:latin typeface="Calibri Light" panose="020F0302020204030204"/>
+        <a:ea typeface=""/>
+        <a:cs typeface=""/>
+        <a:font script="Jpan" typeface="ＭＳ Ｐゴシック"/>
+        <a:font script="Hang" typeface="맑은 고딕"/>
+        <a:font script="Hans" typeface="宋体"/>
+        <a:font script="Hant" typeface="新細明體"/>
+        <a:font script="Arab" typeface="Times New Roman"/>
+        <a:font script="Hebr" typeface="Times New Roman"/>
+        <a:font script="Thai" typeface="Angsana New"/>
+        <a:font script="Ethi" typeface="Nyala"/>
+        <a:font script="Beng" typeface="Vrinda"/>
+        <a:font script="Gujr" typeface="Shruti"/>
+        <a:font script="Khmr" typeface="MoolBoran"/>
+        <a:font script="Knda" typeface="Tunga"/>
+        <a:font script="Guru" typeface="Raavi"/>
+        <a:font script="Cans" typeface="Euphemia"/>
+        <a:font script="Cher" typeface="Plantagenet Cherokee"/>
+        <a:font script="Yiii" typeface="Microsoft Yi Baiti"/>
+        <a:font script="Tibt" typeface="Microsoft Himalaya"/>
+        <a:font script="Thaa" typeface="MV Boli"/>
+        <a:font script="Deva" typeface="Mangal"/>
+        <a:font script="Telu" typeface="Gautami"/>
+        <a:font script="Taml" typeface="Latha"/>
+        <a:font script="Syrc" typeface="Estrangelo Edessa"/>
+        <a:font script="Orya" typeface="Kalinga"/>
+        <a:font script="Mlym" typeface="Kartika"/>
+        <a:font script="Laoo" typeface="DokChampa"/>
+        <a:font script="Sinh" typeface="Iskoola Pota"/>
+        <a:font script="Mong" typeface="Mongolian Baiti"/>
+        <a:font script="Viet" typeface="Times New Roman"/>
+        <a:font script="Uigh" typeface="Microsoft Uighur"/>
+        <a:font script="Geor" typeface="Sylfaen"/>
+      </a:majorFont>
+      <a:minorFont>
+        <a:latin typeface="Calibri" panose="020F0502020204030204"/>
+        <a:ea typeface=""/>
+        <a:cs typeface=""/>
+        <a:font script="Jpan" typeface="ＭＳ Ｐゴシック"/>
+        <a:font script="Hang" typeface="맑은 고딕"/>
+        <a:font script="Hans" typeface="宋体"/>
+        <a:font script="Hant" typeface="新細明體"/>
+        <a:font script="Arab" typeface="Arial"/>
+        <a:font script="Hebr" typeface="Arial"/>
+        <a:font script="Thai" typeface="Cordia New"/>
+        <a:font script="Ethi" typeface="Nyala"/>
+        <a:font script="Beng" typeface="Vrinda"/>
+        <a:font script="Gujr" typeface="Shruti"/>
+        <a:font script="Khmr" typeface="DaunPenh"/>
+        <a:font script="Knda" typeface="Tunga"/>
+        <a:font script="Guru" typeface="Raavi"/>
+        <a:font script="Cans" typeface="Euphemia"/>
+        <a:font script="Cher" typeface="Plantagenet Cherokee"/>
+        <a:font script="Yiii" typeface="Microsoft Yi Baiti"/>
+        <a:font script="Tibt" typeface="Microsoft Himalaya"/>
+        <a:font script="Thaa" typeface="MV Boli"/>
+        <a:font script="Deva" typeface="Mangal"/>
+        <a:font script="Telu" typeface="Gautami"/>
+        <a:font script="Taml" typeface="Latha"/>
+        <a:font script="Syrc" typeface="Estrangelo Edessa"/>
+        <a:font script="Orya" typeface="Kalinga"/>
+        <a:font script="Mlym" typeface="Kartika"/>
+        <a:font script="Laoo" typeface="DokChampa"/>
+        <a:font script="Sinh" typeface="Iskoola Pota"/>
+        <a:font script="Mong" typeface="Mongolian Baiti"/>
+        <a:font script="Viet" typeface="Arial"/>
+        <a:font script="Uigh" typeface="Microsoft Uighur"/>
+        <a:font script="Geor" typeface="Sylfaen"/>
+      </a:minorFont>
+    </a:fontScheme>
+    <a:fmtScheme name="Office">
+      <a:fillStyleLst>
+        <a:solidFill>
+          <a:schemeClr val="phClr"/>
+        </a:solidFill>
+        <a:gradFill rotWithShape="1">
+          <a:gsLst>
+            <a:gs pos="0">
+              <a:schemeClr val="phClr">
+                <a:lumMod val="110000"/>
+                <a:satMod val="105000"/>
+                <a:tint val="67000"/>
+              </a:schemeClr>
+            </a:gs>
+            <a:gs pos="50000">
+              <a:schemeClr val="phClr">
+                <a:lumMod val="105000"/>
+                <a:satMod val="103000"/>
+                <a:tint val="73000"/>
+              </a:schemeClr>
+            </a:gs>
+            <a:gs pos="100000">
+              <a:schemeClr val="phClr">
+                <a:lumMod val="105000"/>
+                <a:satMod val="109000"/>
+                <a:tint val="81000"/>
+              </a:schemeClr>
+            </a:gs>
+          </a:gsLst>
+          <a:lin ang="5400000" scaled="0"/>
+        </a:gradFill>
+        <a:gradFill rotWithShape="1">
+          <a:gsLst>
+            <a:gs pos="0">
+              <a:schemeClr val="phClr">
+                <a:satMod val="103000"/>
+                <a:lumMod val="102000"/>
+                <a:tint val="94000"/>
+              </a:schemeClr>
+            </a:gs>
+            <a:gs pos="50000">
+              <a:schemeClr val="phClr">
+                <a:satMod val="110000"/>
+                <a:lumMod val="100000"/>
+                <a:shade val="100000"/>
+              </a:schemeClr>
+            </a:gs>
+            <a:gs pos="100000">
+              <a:schemeClr val="phClr">
+                <a:lumMod val="99000"/>
+                <a:satMod val="120000"/>
+                <a:shade val="78000"/>
+              </a:schemeClr>
+            </a:gs>
+          </a:gsLst>
+          <a:lin ang="5400000" scaled="0"/>
+        </a:gradFill>
+      </a:fillStyleLst>
+      <a:lnStyleLst>
+        <a:ln w="6350" cap="flat" cmpd="sng" algn="ctr">
+          <a:solidFill>
+            <a:schemeClr val="phClr"/>
+          </a:solidFill>
+          <a:prstDash val="solid"/>
+          <a:miter lim="800000"/>
+        </a:ln>
+        <a:ln w="12700" cap="flat" cmpd="sng" algn="ctr">
+          <a:solidFill>
+            <a:schemeClr val="phClr"/>
+          </a:solidFill>
+          <a:prstDash val="solid"/>
+          <a:miter lim="800000"/>
+        </a:ln>
+        <a:ln w="19050" cap="flat" cmpd="sng" algn="ctr">
+          <a:solidFill>
+            <a:schemeClr val="phClr"/>
+          </a:solidFill>
+          <a:prstDash val="solid"/>
+          <a:miter lim="800000"/>
+        </a:ln>
+      </a:lnStyleLst>
+      <a:effectStyleLst>
+        <a:effectStyle>
+          <a:effectLst/>
+        </a:effectStyle>
+        <a:effectStyle>
+          <a:effectLst/>
+        </a:effectStyle>
+        <a:effectStyle>
+          <a:effectLst>
+            <a:outerShdw blurRad="57150" dist="19050" dir="5400000" algn="ctr" rotWithShape="0">
+              <a:srgbClr val="000000">
+                <a:alpha val="63000"/>
+              </a:srgbClr>
+            </a:outerShdw>
+          </a:effectLst>
+        </a:effectStyle>
+      </a:effectStyleLst>
+      <a:bgFillStyleLst>
+        <a:solidFill>
+          <a:schemeClr val="phClr"/>
+        </a:solidFill>
+        <a:solidFill>
+          <a:schemeClr val="phClr">
+            <a:tint val="95000"/>
+            <a:satMod val="170000"/>
+          </a:schemeClr>
+        </a:solidFill>
+        <a:gradFill rotWithShape="1">
+          <a:gsLst>
+            <a:gs pos="0">
+              <a:schemeClr val="phClr">
+                <a:tint val="93000"/>
+                <a:satMod val="150000"/>
+                <a:shade val="98000"/>
+                <a:lumMod val="102000"/>
+              </a:schemeClr>
+            </a:gs>
+            <a:gs pos="50000">
+              <a:schemeClr val="phClr">
+                <a:tint val="98000"/>
+                <a:satMod val="130000"/>
+                <a:shade val="90000"/>
+                <a:lumMod val="103000"/>
+              </a:schemeClr>
+            </a:gs>
+            <a:gs pos="100000">
+              <a:schemeClr val="phClr">
+                <a:shade val="63000"/>
+                <a:satMod val="120000"/>
+              </a:schemeClr>
+            </a:gs>
+          </a:gsLst>
+          <a:lin ang="5400000" scaled="0"/>
+        </a:gradFill>
+      </a:bgFillStyleLst>
+    </a:fmtScheme>
+  </a:themeElements>
+  <a:objectDefaults/>
+  <a:extraClrSchemeLst/>
+  <a:extLst>
+    <a:ext uri="{05A4C25C-085E-4340-85A3-A5531E510DB2}">
+      <thm15:themeFamily xmlns:thm15="http://schemas.microsoft.com/office/thememl/2012/main" name="Office Theme" id="{62F939B6-93AF-4DB8-9C6B-D6C7DFDC589F}" vid="{4A3C46E8-61CC-4603-A589-7422A47A8E4A}"/>
+    </a:ext>
+  </a:extLst>
+</a:theme>
 </file>
--- a/Capstone.pptx
+++ b/Capstone.pptx
@@ -4784,7 +4784,7 @@
         </p:nvSpPr>
         <p:spPr>
           <a:xfrm>
-            <a:off x="1029201" y="4638161"/>
+            <a:off x="1029201" y="4840103"/>
             <a:ext cx="4023567" cy="1985194"/>
           </a:xfrm>
         </p:spPr>
@@ -4943,7 +4943,7 @@
         </p:nvSpPr>
         <p:spPr>
           <a:xfrm>
-            <a:off x="6543941" y="4638161"/>
+            <a:off x="5781767" y="4840103"/>
             <a:ext cx="3469063" cy="1077218"/>
           </a:xfrm>
           <a:prstGeom prst="rect">

--- a/Capstone.pptx
+++ b/Capstone.pptx
@@ -431,11 +431,11 @@
         </c:dLbls>
         <c:gapWidth val="150"/>
         <c:overlap val="100"/>
-        <c:axId val="242767184"/>
-        <c:axId val="242768272"/>
+        <c:axId val="-282186128"/>
+        <c:axId val="-282185040"/>
       </c:barChart>
       <c:catAx>
-        <c:axId val="242767184"/>
+        <c:axId val="-282186128"/>
         <c:scaling>
           <c:orientation val="maxMin"/>
         </c:scaling>
@@ -474,7 +474,7 @@
             <a:endParaRPr lang="en-US"/>
           </a:p>
         </c:txPr>
-        <c:crossAx val="242768272"/>
+        <c:crossAx val="-282185040"/>
         <c:crosses val="autoZero"/>
         <c:auto val="1"/>
         <c:lblAlgn val="ctr"/>
@@ -482,7 +482,7 @@
         <c:noMultiLvlLbl val="1"/>
       </c:catAx>
       <c:valAx>
-        <c:axId val="242768272"/>
+        <c:axId val="-282185040"/>
         <c:scaling>
           <c:orientation val="minMax"/>
           <c:max val="43811"/>
@@ -546,7 +546,7 @@
             <a:endParaRPr lang="en-US"/>
           </a:p>
         </c:txPr>
-        <c:crossAx val="242767184"/>
+        <c:crossAx val="-282186128"/>
         <c:crosses val="max"/>
         <c:crossBetween val="between"/>
         <c:majorUnit val="30"/>
@@ -1155,7 +1155,7 @@
             </a:lvl1pPr>
           </a:lstStyle>
           <a:p>
-            <a:fld id="{F9F307D2-90C1-4E23-8B8A-520BEDB07469}" type="datetime1">
+            <a:fld id="{AB74F416-60AC-47B8-B7A4-8E59A1593C56}" type="datetime1">
               <a:rPr lang="en-US" smtClean="0"/>
               <a:t>9/9/2019</a:t>
             </a:fld>
@@ -1191,42 +1191,6 @@
             </a:lvl1pPr>
           </a:lstStyle>
           <a:p>
-            <a:endParaRPr lang="en-US"/>
-          </a:p>
-        </p:txBody>
-      </p:sp>
-      <p:sp>
-        <p:nvSpPr>
-          <p:cNvPr id="6" name="Slide Number Placeholder 5"/>
-          <p:cNvSpPr>
-            <a:spLocks noGrp="1"/>
-          </p:cNvSpPr>
-          <p:nvPr>
-            <p:ph type="sldNum" sz="quarter" idx="12"/>
-          </p:nvPr>
-        </p:nvSpPr>
-        <p:spPr>
-          <a:xfrm>
-            <a:off x="9830683" y="6453386"/>
-            <a:ext cx="1596292" cy="404614"/>
-          </a:xfrm>
-        </p:spPr>
-        <p:txBody>
-          <a:bodyPr/>
-          <a:lstStyle>
-            <a:lvl1pPr>
-              <a:defRPr baseline="0">
-                <a:solidFill>
-                  <a:schemeClr val="tx2"/>
-                </a:solidFill>
-              </a:defRPr>
-            </a:lvl1pPr>
-          </a:lstStyle>
-          <a:p>
-            <a:fld id="{A8D7D4F6-2DF8-4D69-B05D-24304D43B04C}" type="slidenum">
-              <a:rPr lang="en-US" smtClean="0"/>
-              <a:t>‹#›</a:t>
-            </a:fld>
             <a:endParaRPr lang="en-US"/>
           </a:p>
         </p:txBody>
@@ -1485,7 +1449,7 @@
           <a:bodyPr/>
           <a:lstStyle/>
           <a:p>
-            <a:fld id="{082D9573-D924-4968-91DF-1511F3D8F339}" type="datetime1">
+            <a:fld id="{BB53C6D8-AA99-4DA3-ABE8-6564F3774B9A}" type="datetime1">
               <a:rPr lang="en-US" smtClean="0"/>
               <a:t>9/9/2019</a:t>
             </a:fld>
@@ -1522,7 +1486,15 @@
             <p:ph type="sldNum" sz="quarter" idx="12"/>
           </p:nvPr>
         </p:nvSpPr>
-        <p:spPr/>
+        <p:spPr>
+          <a:xfrm>
+            <a:off x="9472736" y="6462263"/>
+            <a:ext cx="1596292" cy="404614"/>
+          </a:xfrm>
+          <a:prstGeom prst="rect">
+            <a:avLst/>
+          </a:prstGeom>
+        </p:spPr>
         <p:txBody>
           <a:bodyPr/>
           <a:lstStyle/>
@@ -1665,7 +1637,7 @@
           <a:bodyPr/>
           <a:lstStyle/>
           <a:p>
-            <a:fld id="{A5482E13-04E3-4B1F-8C1C-4EACDDD951DF}" type="datetime1">
+            <a:fld id="{FAFFD409-992B-4396-831E-400331BF155E}" type="datetime1">
               <a:rPr lang="en-US" smtClean="0"/>
               <a:t>9/9/2019</a:t>
             </a:fld>
@@ -1702,7 +1674,15 @@
             <p:ph type="sldNum" sz="quarter" idx="12"/>
           </p:nvPr>
         </p:nvSpPr>
-        <p:spPr/>
+        <p:spPr>
+          <a:xfrm>
+            <a:off x="9472736" y="6462263"/>
+            <a:ext cx="1596292" cy="404614"/>
+          </a:xfrm>
+          <a:prstGeom prst="rect">
+            <a:avLst/>
+          </a:prstGeom>
+        </p:spPr>
         <p:txBody>
           <a:bodyPr/>
           <a:lstStyle/>
@@ -1835,7 +1815,7 @@
           <a:bodyPr/>
           <a:lstStyle/>
           <a:p>
-            <a:fld id="{CC3776A8-1019-458A-9908-18A8BF9A2B88}" type="datetime1">
+            <a:fld id="{A58A56B9-9364-44BD-B6D4-BF1545A1D032}" type="datetime1">
               <a:rPr lang="en-US" smtClean="0"/>
               <a:t>9/9/2019</a:t>
             </a:fld>
@@ -1872,7 +1852,15 @@
             <p:ph type="sldNum" sz="quarter" idx="12"/>
           </p:nvPr>
         </p:nvSpPr>
-        <p:spPr/>
+        <p:spPr>
+          <a:xfrm>
+            <a:off x="9472736" y="6462263"/>
+            <a:ext cx="1596292" cy="404614"/>
+          </a:xfrm>
+          <a:prstGeom prst="rect">
+            <a:avLst/>
+          </a:prstGeom>
+        </p:spPr>
         <p:txBody>
           <a:bodyPr/>
           <a:lstStyle/>
@@ -2107,7 +2095,7 @@
             </a:lvl1pPr>
           </a:lstStyle>
           <a:p>
-            <a:fld id="{A67FBD05-3847-4D00-A2A0-238FE909E299}" type="datetime1">
+            <a:fld id="{08107730-E7E0-4034-9139-F86131BC67E9}" type="datetime1">
               <a:rPr lang="en-US" smtClean="0"/>
               <a:t>9/9/2019</a:t>
             </a:fld>
@@ -2143,42 +2131,6 @@
             </a:lvl1pPr>
           </a:lstStyle>
           <a:p>
-            <a:endParaRPr lang="en-US"/>
-          </a:p>
-        </p:txBody>
-      </p:sp>
-      <p:sp>
-        <p:nvSpPr>
-          <p:cNvPr id="6" name="Slide Number Placeholder 5"/>
-          <p:cNvSpPr>
-            <a:spLocks noGrp="1"/>
-          </p:cNvSpPr>
-          <p:nvPr>
-            <p:ph type="sldNum" sz="quarter" idx="12"/>
-          </p:nvPr>
-        </p:nvSpPr>
-        <p:spPr>
-          <a:xfrm>
-            <a:off x="9830683" y="6453386"/>
-            <a:ext cx="1596292" cy="404614"/>
-          </a:xfrm>
-        </p:spPr>
-        <p:txBody>
-          <a:bodyPr/>
-          <a:lstStyle>
-            <a:lvl1pPr>
-              <a:defRPr>
-                <a:solidFill>
-                  <a:schemeClr val="tx2"/>
-                </a:solidFill>
-              </a:defRPr>
-            </a:lvl1pPr>
-          </a:lstStyle>
-          <a:p>
-            <a:fld id="{A8D7D4F6-2DF8-4D69-B05D-24304D43B04C}" type="slidenum">
-              <a:rPr lang="en-US" smtClean="0"/>
-              <a:t>‹#›</a:t>
-            </a:fld>
             <a:endParaRPr lang="en-US"/>
           </a:p>
         </p:txBody>
@@ -2501,7 +2453,7 @@
           <a:bodyPr/>
           <a:lstStyle/>
           <a:p>
-            <a:fld id="{F52A8C4B-94F1-4DD8-9BCA-621F1C82D383}" type="datetime1">
+            <a:fld id="{2128C74C-6B0A-4BE2-AEB5-ADDA4577555B}" type="datetime1">
               <a:rPr lang="en-US" smtClean="0"/>
               <a:t>9/9/2019</a:t>
             </a:fld>
@@ -2538,7 +2490,15 @@
             <p:ph type="sldNum" sz="quarter" idx="12"/>
           </p:nvPr>
         </p:nvSpPr>
-        <p:spPr/>
+        <p:spPr>
+          <a:xfrm>
+            <a:off x="9472736" y="6462263"/>
+            <a:ext cx="1596292" cy="404614"/>
+          </a:xfrm>
+          <a:prstGeom prst="rect">
+            <a:avLst/>
+          </a:prstGeom>
+        </p:spPr>
         <p:txBody>
           <a:bodyPr/>
           <a:lstStyle/>
@@ -2978,7 +2938,7 @@
           <a:bodyPr/>
           <a:lstStyle/>
           <a:p>
-            <a:fld id="{B476B302-D825-4A26-8C23-D72B15EBA140}" type="datetime1">
+            <a:fld id="{96ED5E1F-5CA0-44A8-9FAF-8E0C8C93E227}" type="datetime1">
               <a:rPr lang="en-US" smtClean="0"/>
               <a:t>9/9/2019</a:t>
             </a:fld>
@@ -3015,7 +2975,15 @@
             <p:ph type="sldNum" sz="quarter" idx="12"/>
           </p:nvPr>
         </p:nvSpPr>
-        <p:spPr/>
+        <p:spPr>
+          <a:xfrm>
+            <a:off x="9472736" y="6462263"/>
+            <a:ext cx="1596292" cy="404614"/>
+          </a:xfrm>
+          <a:prstGeom prst="rect">
+            <a:avLst/>
+          </a:prstGeom>
+        </p:spPr>
         <p:txBody>
           <a:bodyPr/>
           <a:lstStyle/>
@@ -3096,7 +3064,7 @@
           <a:bodyPr/>
           <a:lstStyle/>
           <a:p>
-            <a:fld id="{350D69DD-CD67-4010-8565-CFE3DC5A1F61}" type="datetime1">
+            <a:fld id="{9F749C11-8001-49CF-9B59-56FDE52B5F69}" type="datetime1">
               <a:rPr lang="en-US" smtClean="0"/>
               <a:t>9/9/2019</a:t>
             </a:fld>
@@ -3133,7 +3101,15 @@
             <p:ph type="sldNum" sz="quarter" idx="12"/>
           </p:nvPr>
         </p:nvSpPr>
-        <p:spPr/>
+        <p:spPr>
+          <a:xfrm>
+            <a:off x="9472736" y="6462263"/>
+            <a:ext cx="1596292" cy="404614"/>
+          </a:xfrm>
+          <a:prstGeom prst="rect">
+            <a:avLst/>
+          </a:prstGeom>
+        </p:spPr>
         <p:txBody>
           <a:bodyPr/>
           <a:lstStyle/>
@@ -3191,7 +3167,7 @@
           <a:bodyPr/>
           <a:lstStyle/>
           <a:p>
-            <a:fld id="{3715B116-7A61-4F14-AB59-ED20C7FFE983}" type="datetime1">
+            <a:fld id="{5EC0E55E-AF34-4E2E-A4E8-BDA3BCCD8B12}" type="datetime1">
               <a:rPr lang="en-US" smtClean="0"/>
               <a:t>9/9/2019</a:t>
             </a:fld>
@@ -3228,7 +3204,15 @@
             <p:ph type="sldNum" sz="quarter" idx="12"/>
           </p:nvPr>
         </p:nvSpPr>
-        <p:spPr/>
+        <p:spPr>
+          <a:xfrm>
+            <a:off x="9472736" y="6462263"/>
+            <a:ext cx="1596292" cy="404614"/>
+          </a:xfrm>
+          <a:prstGeom prst="rect">
+            <a:avLst/>
+          </a:prstGeom>
+        </p:spPr>
         <p:txBody>
           <a:bodyPr/>
           <a:lstStyle/>
@@ -3537,7 +3521,7 @@
             </a:lvl1pPr>
           </a:lstStyle>
           <a:p>
-            <a:fld id="{6EECFA20-7E60-4114-A895-BE3FE0B8136F}" type="datetime1">
+            <a:fld id="{C85C3791-D12F-464C-8CBC-469E089CC249}" type="datetime1">
               <a:rPr lang="en-US" smtClean="0"/>
               <a:t>9/9/2019</a:t>
             </a:fld>
@@ -3592,6 +3576,9 @@
             <a:off x="9883140" y="6453386"/>
             <a:ext cx="1596292" cy="404614"/>
           </a:xfrm>
+          <a:prstGeom prst="rect">
+            <a:avLst/>
+          </a:prstGeom>
         </p:spPr>
         <p:txBody>
           <a:bodyPr/>
@@ -3925,7 +3912,7 @@
             </a:lvl1pPr>
           </a:lstStyle>
           <a:p>
-            <a:fld id="{F637EDD4-E228-43AC-BA38-1816B75EE4A1}" type="datetime1">
+            <a:fld id="{3901A8D7-7DE1-49C0-A859-BA2154FD532A}" type="datetime1">
               <a:rPr lang="en-US" smtClean="0"/>
               <a:t>9/9/2019</a:t>
             </a:fld>
@@ -3980,6 +3967,9 @@
             <a:off x="9883140" y="6453386"/>
             <a:ext cx="1596292" cy="404614"/>
           </a:xfrm>
+          <a:prstGeom prst="rect">
+            <a:avLst/>
+          </a:prstGeom>
         </p:spPr>
         <p:txBody>
           <a:bodyPr/>
@@ -4200,7 +4190,7 @@
             </a:lvl1pPr>
           </a:lstStyle>
           <a:p>
-            <a:fld id="{112D16B1-A4EE-44BE-84BC-7AFB4DBEDE31}" type="datetime1">
+            <a:fld id="{C3381DA6-54E6-48A3-B70A-BA200C1D04A7}" type="datetime1">
               <a:rPr lang="en-US" smtClean="0"/>
               <a:t>9/9/2019</a:t>
             </a:fld>
@@ -4239,45 +4229,6 @@
             </a:lvl1pPr>
           </a:lstStyle>
           <a:p>
-            <a:endParaRPr lang="en-US"/>
-          </a:p>
-        </p:txBody>
-      </p:sp>
-      <p:sp>
-        <p:nvSpPr>
-          <p:cNvPr id="6" name="Slide Number Placeholder 5"/>
-          <p:cNvSpPr>
-            <a:spLocks noGrp="1"/>
-          </p:cNvSpPr>
-          <p:nvPr>
-            <p:ph type="sldNum" sz="quarter" idx="4"/>
-          </p:nvPr>
-        </p:nvSpPr>
-        <p:spPr>
-          <a:xfrm>
-            <a:off x="9472736" y="6453386"/>
-            <a:ext cx="1596292" cy="404614"/>
-          </a:xfrm>
-          <a:prstGeom prst="rect">
-            <a:avLst/>
-          </a:prstGeom>
-        </p:spPr>
-        <p:txBody>
-          <a:bodyPr vert="horz" lIns="91440" tIns="45720" rIns="91440" bIns="45720" rtlCol="0" anchor="ctr"/>
-          <a:lstStyle>
-            <a:lvl1pPr algn="r">
-              <a:defRPr sz="1200" baseline="0">
-                <a:solidFill>
-                  <a:schemeClr val="tx2"/>
-                </a:solidFill>
-              </a:defRPr>
-            </a:lvl1pPr>
-          </a:lstStyle>
-          <a:p>
-            <a:fld id="{A8D7D4F6-2DF8-4D69-B05D-24304D43B04C}" type="slidenum">
-              <a:rPr lang="en-US" smtClean="0"/>
-              <a:t>‹#›</a:t>
-            </a:fld>
             <a:endParaRPr lang="en-US"/>
           </a:p>
         </p:txBody>
@@ -4320,6 +4271,39 @@
           </a:fontRef>
         </p:style>
       </p:sp>
+      <p:sp>
+        <p:nvSpPr>
+          <p:cNvPr id="7" name="TextBox 6"/>
+          <p:cNvSpPr txBox="1"/>
+          <p:nvPr userDrawn="1"/>
+        </p:nvSpPr>
+        <p:spPr>
+          <a:xfrm>
+            <a:off x="10972800" y="6453386"/>
+            <a:ext cx="878890" cy="338554"/>
+          </a:xfrm>
+          <a:prstGeom prst="rect">
+            <a:avLst/>
+          </a:prstGeom>
+          <a:noFill/>
+        </p:spPr>
+        <p:txBody>
+          <a:bodyPr wrap="square" rtlCol="0">
+            <a:spAutoFit/>
+          </a:bodyPr>
+          <a:lstStyle/>
+          <a:p>
+            <a:fld id="{9B7FE0D9-9F41-481F-A378-F847DF90F3DA}" type="slidenum">
+              <a:rPr lang="en-US" sz="1600" smtClean="0"/>
+              <a:t>‹#›</a:t>
+            </a:fld>
+            <a:r>
+              <a:rPr lang="en-US" sz="1600" dirty="0" smtClean="0"/>
+              <a:t>/24</a:t>
+            </a:r>
+          </a:p>
+        </p:txBody>
+      </p:sp>
     </p:spTree>
     <p:extLst>
       <p:ext uri="{BB962C8B-B14F-4D97-AF65-F5344CB8AC3E}">
@@ -4341,7 +4325,7 @@
     <p:sldLayoutId id="2147483670" r:id="rId10"/>
     <p:sldLayoutId id="2147483671" r:id="rId11"/>
   </p:sldLayoutIdLst>
-  <p:hf hdr="0" ftr="0" dt="0"/>
+  <p:hf sldNum="0" hdr="0" ftr="0" dt="0"/>
   <p:txStyles>
     <p:titleStyle>
       <a:lvl1pPr algn="l" defTabSz="914400" rtl="0" eaLnBrk="1" latinLnBrk="0" hangingPunct="1">
@@ -4720,7 +4704,7 @@
           <p:cNvPr id="2" name="Title 1">
             <a:extLst>
               <a:ext uri="{FF2B5EF4-FFF2-40B4-BE49-F238E27FC236}">
-                <a16:creationId xmlns:a16="http://schemas.microsoft.com/office/drawing/2014/main" xmlns="" id="{D4B74078-9B3D-42FA-9BDC-48CFB5C23CDF}"/>
+                <a16:creationId xmlns="" xmlns:a16="http://schemas.microsoft.com/office/drawing/2014/main" id="{D4B74078-9B3D-42FA-9BDC-48CFB5C23CDF}"/>
               </a:ext>
             </a:extLst>
           </p:cNvPr>
@@ -4771,7 +4755,7 @@
           <p:cNvPr id="3" name="Subtitle 2">
             <a:extLst>
               <a:ext uri="{FF2B5EF4-FFF2-40B4-BE49-F238E27FC236}">
-                <a16:creationId xmlns:a16="http://schemas.microsoft.com/office/drawing/2014/main" xmlns="" id="{95E8DEB2-5F0A-42C5-AB29-93D3EC351981}"/>
+                <a16:creationId xmlns="" xmlns:a16="http://schemas.microsoft.com/office/drawing/2014/main" id="{95E8DEB2-5F0A-42C5-AB29-93D3EC351981}"/>
               </a:ext>
             </a:extLst>
           </p:cNvPr>
@@ -4803,18 +4787,7 @@
                   </a:schemeClr>
                 </a:solidFill>
               </a:rPr>
-              <a:t>Presented</a:t>
-            </a:r>
-            <a:r>
-              <a:rPr lang="en-US" b="1" dirty="0" smtClean="0">
-                <a:solidFill>
-                  <a:schemeClr val="tx1">
-                    <a:lumMod val="95000"/>
-                    <a:lumOff val="5000"/>
-                  </a:schemeClr>
-                </a:solidFill>
-              </a:rPr>
-              <a:t> </a:t>
+              <a:t>Presented </a:t>
             </a:r>
             <a:r>
               <a:rPr lang="en-US" b="1" dirty="0">
@@ -4851,7 +4824,7 @@
           <p:cNvPr id="5" name="Picture 4">
             <a:extLst>
               <a:ext uri="{FF2B5EF4-FFF2-40B4-BE49-F238E27FC236}">
-                <a16:creationId xmlns:a16="http://schemas.microsoft.com/office/drawing/2014/main" xmlns="" id="{71EE52B0-6832-49F3-B628-65D1CF408DB1}"/>
+                <a16:creationId xmlns="" xmlns:a16="http://schemas.microsoft.com/office/drawing/2014/main" id="{71EE52B0-6832-49F3-B628-65D1CF408DB1}"/>
               </a:ext>
             </a:extLst>
           </p:cNvPr>
@@ -4977,29 +4950,6 @@
             </a:r>
           </a:p>
           <a:p>
-            <a:endParaRPr lang="en-US" dirty="0"/>
-          </a:p>
-        </p:txBody>
-      </p:sp>
-      <p:sp>
-        <p:nvSpPr>
-          <p:cNvPr id="7" name="Slide Number Placeholder 6"/>
-          <p:cNvSpPr>
-            <a:spLocks noGrp="1"/>
-          </p:cNvSpPr>
-          <p:nvPr>
-            <p:ph type="sldNum" sz="quarter" idx="12"/>
-          </p:nvPr>
-        </p:nvSpPr>
-        <p:spPr/>
-        <p:txBody>
-          <a:bodyPr/>
-          <a:lstStyle/>
-          <a:p>
-            <a:fld id="{A8D7D4F6-2DF8-4D69-B05D-24304D43B04C}" type="slidenum">
-              <a:rPr lang="en-US" smtClean="0"/>
-              <a:t>1</a:t>
-            </a:fld>
             <a:endParaRPr lang="en-US" dirty="0"/>
           </a:p>
         </p:txBody>
@@ -5313,29 +5263,6 @@
           </a:prstGeom>
         </p:spPr>
       </p:pic>
-      <p:sp>
-        <p:nvSpPr>
-          <p:cNvPr id="5" name="Slide Number Placeholder 4"/>
-          <p:cNvSpPr>
-            <a:spLocks noGrp="1"/>
-          </p:cNvSpPr>
-          <p:nvPr>
-            <p:ph type="sldNum" sz="quarter" idx="12"/>
-          </p:nvPr>
-        </p:nvSpPr>
-        <p:spPr/>
-        <p:txBody>
-          <a:bodyPr/>
-          <a:lstStyle/>
-          <a:p>
-            <a:fld id="{A8D7D4F6-2DF8-4D69-B05D-24304D43B04C}" type="slidenum">
-              <a:rPr lang="en-US" smtClean="0"/>
-              <a:t>10</a:t>
-            </a:fld>
-            <a:endParaRPr lang="en-US"/>
-          </a:p>
-        </p:txBody>
-      </p:sp>
     </p:spTree>
     <p:extLst>
       <p:ext uri="{BB962C8B-B14F-4D97-AF65-F5344CB8AC3E}">
@@ -5588,29 +5515,6 @@
           </a:extLst>
         </p:spPr>
       </p:pic>
-      <p:sp>
-        <p:nvSpPr>
-          <p:cNvPr id="4" name="Slide Number Placeholder 3"/>
-          <p:cNvSpPr>
-            <a:spLocks noGrp="1"/>
-          </p:cNvSpPr>
-          <p:nvPr>
-            <p:ph type="sldNum" sz="quarter" idx="12"/>
-          </p:nvPr>
-        </p:nvSpPr>
-        <p:spPr/>
-        <p:txBody>
-          <a:bodyPr/>
-          <a:lstStyle/>
-          <a:p>
-            <a:fld id="{A8D7D4F6-2DF8-4D69-B05D-24304D43B04C}" type="slidenum">
-              <a:rPr lang="en-US" smtClean="0"/>
-              <a:t>11</a:t>
-            </a:fld>
-            <a:endParaRPr lang="en-US"/>
-          </a:p>
-        </p:txBody>
-      </p:sp>
     </p:spTree>
     <p:extLst>
       <p:ext uri="{BB962C8B-B14F-4D97-AF65-F5344CB8AC3E}">
@@ -5894,29 +5798,6 @@
           </a:extLst>
         </p:spPr>
       </p:pic>
-      <p:sp>
-        <p:nvSpPr>
-          <p:cNvPr id="5" name="Slide Number Placeholder 4"/>
-          <p:cNvSpPr>
-            <a:spLocks noGrp="1"/>
-          </p:cNvSpPr>
-          <p:nvPr>
-            <p:ph type="sldNum" sz="quarter" idx="12"/>
-          </p:nvPr>
-        </p:nvSpPr>
-        <p:spPr/>
-        <p:txBody>
-          <a:bodyPr/>
-          <a:lstStyle/>
-          <a:p>
-            <a:fld id="{A8D7D4F6-2DF8-4D69-B05D-24304D43B04C}" type="slidenum">
-              <a:rPr lang="en-US" smtClean="0"/>
-              <a:t>12</a:t>
-            </a:fld>
-            <a:endParaRPr lang="en-US"/>
-          </a:p>
-        </p:txBody>
-      </p:sp>
     </p:spTree>
     <p:extLst>
       <p:ext uri="{BB962C8B-B14F-4D97-AF65-F5344CB8AC3E}">
@@ -5959,7 +5840,7 @@
           <p:cNvPr id="2" name="Title 1">
             <a:extLst>
               <a:ext uri="{FF2B5EF4-FFF2-40B4-BE49-F238E27FC236}">
-                <a16:creationId xmlns:a16="http://schemas.microsoft.com/office/drawing/2014/main" xmlns="" id="{0B9848FB-072D-4F76-B987-E07018C544D7}"/>
+                <a16:creationId xmlns="" xmlns:a16="http://schemas.microsoft.com/office/drawing/2014/main" id="{0B9848FB-072D-4F76-B987-E07018C544D7}"/>
               </a:ext>
             </a:extLst>
           </p:cNvPr>
@@ -6011,42 +5892,42 @@
                 <a:gridCol w="2697430">
                   <a:extLst>
                     <a:ext uri="{9D8B030D-6E8A-4147-A177-3AD203B41FA5}">
-                      <a16:colId xmlns:a16="http://schemas.microsoft.com/office/drawing/2014/main" xmlns="" val="20000"/>
+                      <a16:colId xmlns="" xmlns:a16="http://schemas.microsoft.com/office/drawing/2014/main" val="20000"/>
                     </a:ext>
                   </a:extLst>
                 </a:gridCol>
                 <a:gridCol w="1398667">
                   <a:extLst>
                     <a:ext uri="{9D8B030D-6E8A-4147-A177-3AD203B41FA5}">
-                      <a16:colId xmlns:a16="http://schemas.microsoft.com/office/drawing/2014/main" xmlns="" val="20001"/>
+                      <a16:colId xmlns="" xmlns:a16="http://schemas.microsoft.com/office/drawing/2014/main" val="20001"/>
                     </a:ext>
                   </a:extLst>
                 </a:gridCol>
                 <a:gridCol w="1257690">
                   <a:extLst>
                     <a:ext uri="{9D8B030D-6E8A-4147-A177-3AD203B41FA5}">
-                      <a16:colId xmlns:a16="http://schemas.microsoft.com/office/drawing/2014/main" xmlns="" val="20002"/>
+                      <a16:colId xmlns="" xmlns:a16="http://schemas.microsoft.com/office/drawing/2014/main" val="20002"/>
                     </a:ext>
                   </a:extLst>
                 </a:gridCol>
                 <a:gridCol w="1140025">
                   <a:extLst>
                     <a:ext uri="{9D8B030D-6E8A-4147-A177-3AD203B41FA5}">
-                      <a16:colId xmlns:a16="http://schemas.microsoft.com/office/drawing/2014/main" xmlns="" val="20003"/>
+                      <a16:colId xmlns="" xmlns:a16="http://schemas.microsoft.com/office/drawing/2014/main" val="20003"/>
                     </a:ext>
                   </a:extLst>
                 </a:gridCol>
                 <a:gridCol w="1298763">
                   <a:extLst>
                     <a:ext uri="{9D8B030D-6E8A-4147-A177-3AD203B41FA5}">
-                      <a16:colId xmlns:a16="http://schemas.microsoft.com/office/drawing/2014/main" xmlns="" val="20004"/>
+                      <a16:colId xmlns="" xmlns:a16="http://schemas.microsoft.com/office/drawing/2014/main" val="20004"/>
                     </a:ext>
                   </a:extLst>
                 </a:gridCol>
                 <a:gridCol w="2492070">
                   <a:extLst>
                     <a:ext uri="{9D8B030D-6E8A-4147-A177-3AD203B41FA5}">
-                      <a16:colId xmlns:a16="http://schemas.microsoft.com/office/drawing/2014/main" xmlns="" val="20005"/>
+                      <a16:colId xmlns="" xmlns:a16="http://schemas.microsoft.com/office/drawing/2014/main" val="20005"/>
                     </a:ext>
                   </a:extLst>
                 </a:gridCol>
@@ -6310,7 +6191,7 @@
                 </a:tc>
                 <a:extLst>
                   <a:ext uri="{0D108BD9-81ED-4DB2-BD59-A6C34878D82A}">
-                    <a16:rowId xmlns:a16="http://schemas.microsoft.com/office/drawing/2014/main" xmlns="" val="10000"/>
+                    <a16:rowId xmlns="" xmlns:a16="http://schemas.microsoft.com/office/drawing/2014/main" val="10000"/>
                   </a:ext>
                 </a:extLst>
               </a:tr>
@@ -6512,7 +6393,7 @@
                 </a:tc>
                 <a:extLst>
                   <a:ext uri="{0D108BD9-81ED-4DB2-BD59-A6C34878D82A}">
-                    <a16:rowId xmlns:a16="http://schemas.microsoft.com/office/drawing/2014/main" xmlns="" val="10001"/>
+                    <a16:rowId xmlns="" xmlns:a16="http://schemas.microsoft.com/office/drawing/2014/main" val="10001"/>
                   </a:ext>
                 </a:extLst>
               </a:tr>
@@ -6714,7 +6595,7 @@
                 </a:tc>
                 <a:extLst>
                   <a:ext uri="{0D108BD9-81ED-4DB2-BD59-A6C34878D82A}">
-                    <a16:rowId xmlns:a16="http://schemas.microsoft.com/office/drawing/2014/main" xmlns="" val="10002"/>
+                    <a16:rowId xmlns="" xmlns:a16="http://schemas.microsoft.com/office/drawing/2014/main" val="10002"/>
                   </a:ext>
                 </a:extLst>
               </a:tr>
@@ -6917,7 +6798,7 @@
                 </a:tc>
                 <a:extLst>
                   <a:ext uri="{0D108BD9-81ED-4DB2-BD59-A6C34878D82A}">
-                    <a16:rowId xmlns:a16="http://schemas.microsoft.com/office/drawing/2014/main" xmlns="" val="10003"/>
+                    <a16:rowId xmlns="" xmlns:a16="http://schemas.microsoft.com/office/drawing/2014/main" val="10003"/>
                   </a:ext>
                 </a:extLst>
               </a:tr>
@@ -7120,7 +7001,7 @@
                 </a:tc>
                 <a:extLst>
                   <a:ext uri="{0D108BD9-81ED-4DB2-BD59-A6C34878D82A}">
-                    <a16:rowId xmlns:a16="http://schemas.microsoft.com/office/drawing/2014/main" xmlns="" val="10004"/>
+                    <a16:rowId xmlns="" xmlns:a16="http://schemas.microsoft.com/office/drawing/2014/main" val="10004"/>
                   </a:ext>
                 </a:extLst>
               </a:tr>
@@ -7322,7 +7203,7 @@
                 </a:tc>
                 <a:extLst>
                   <a:ext uri="{0D108BD9-81ED-4DB2-BD59-A6C34878D82A}">
-                    <a16:rowId xmlns:a16="http://schemas.microsoft.com/office/drawing/2014/main" xmlns="" val="10005"/>
+                    <a16:rowId xmlns="" xmlns:a16="http://schemas.microsoft.com/office/drawing/2014/main" val="10005"/>
                   </a:ext>
                 </a:extLst>
               </a:tr>
@@ -7524,7 +7405,7 @@
                 </a:tc>
                 <a:extLst>
                   <a:ext uri="{0D108BD9-81ED-4DB2-BD59-A6C34878D82A}">
-                    <a16:rowId xmlns:a16="http://schemas.microsoft.com/office/drawing/2014/main" xmlns="" val="10006"/>
+                    <a16:rowId xmlns="" xmlns:a16="http://schemas.microsoft.com/office/drawing/2014/main" val="10006"/>
                   </a:ext>
                 </a:extLst>
               </a:tr>
@@ -7728,7 +7609,7 @@
                 </a:tc>
                 <a:extLst>
                   <a:ext uri="{0D108BD9-81ED-4DB2-BD59-A6C34878D82A}">
-                    <a16:rowId xmlns:a16="http://schemas.microsoft.com/office/drawing/2014/main" xmlns="" val="10007"/>
+                    <a16:rowId xmlns="" xmlns:a16="http://schemas.microsoft.com/office/drawing/2014/main" val="10007"/>
                   </a:ext>
                 </a:extLst>
               </a:tr>
@@ -7928,7 +7809,7 @@
                 </a:tc>
                 <a:extLst>
                   <a:ext uri="{0D108BD9-81ED-4DB2-BD59-A6C34878D82A}">
-                    <a16:rowId xmlns:a16="http://schemas.microsoft.com/office/drawing/2014/main" xmlns="" val="10008"/>
+                    <a16:rowId xmlns="" xmlns:a16="http://schemas.microsoft.com/office/drawing/2014/main" val="10008"/>
                   </a:ext>
                 </a:extLst>
               </a:tr>
@@ -8129,7 +8010,7 @@
                 </a:tc>
                 <a:extLst>
                   <a:ext uri="{0D108BD9-81ED-4DB2-BD59-A6C34878D82A}">
-                    <a16:rowId xmlns:a16="http://schemas.microsoft.com/office/drawing/2014/main" xmlns="" val="10009"/>
+                    <a16:rowId xmlns="" xmlns:a16="http://schemas.microsoft.com/office/drawing/2014/main" val="10009"/>
                   </a:ext>
                 </a:extLst>
               </a:tr>
@@ -8137,29 +8018,6 @@
           </a:graphicData>
         </a:graphic>
       </p:graphicFrame>
-      <p:sp>
-        <p:nvSpPr>
-          <p:cNvPr id="3" name="Slide Number Placeholder 2"/>
-          <p:cNvSpPr>
-            <a:spLocks noGrp="1"/>
-          </p:cNvSpPr>
-          <p:nvPr>
-            <p:ph type="sldNum" sz="quarter" idx="12"/>
-          </p:nvPr>
-        </p:nvSpPr>
-        <p:spPr/>
-        <p:txBody>
-          <a:bodyPr/>
-          <a:lstStyle/>
-          <a:p>
-            <a:fld id="{A8D7D4F6-2DF8-4D69-B05D-24304D43B04C}" type="slidenum">
-              <a:rPr lang="en-US" smtClean="0"/>
-              <a:t>13</a:t>
-            </a:fld>
-            <a:endParaRPr lang="en-US"/>
-          </a:p>
-        </p:txBody>
-      </p:sp>
     </p:spTree>
     <p:extLst>
       <p:ext uri="{BB962C8B-B14F-4D97-AF65-F5344CB8AC3E}">
@@ -8202,7 +8060,7 @@
           <p:cNvPr id="2" name="Title 1">
             <a:extLst>
               <a:ext uri="{FF2B5EF4-FFF2-40B4-BE49-F238E27FC236}">
-                <a16:creationId xmlns:a16="http://schemas.microsoft.com/office/drawing/2014/main" xmlns="" id="{987A2B9E-3B6D-4CDD-AB4C-21E3236C98BA}"/>
+                <a16:creationId xmlns="" xmlns:a16="http://schemas.microsoft.com/office/drawing/2014/main" id="{987A2B9E-3B6D-4CDD-AB4C-21E3236C98BA}"/>
               </a:ext>
             </a:extLst>
           </p:cNvPr>
@@ -8230,7 +8088,7 @@
           <p:cNvPr id="3" name="Content Placeholder 2">
             <a:extLst>
               <a:ext uri="{FF2B5EF4-FFF2-40B4-BE49-F238E27FC236}">
-                <a16:creationId xmlns:a16="http://schemas.microsoft.com/office/drawing/2014/main" xmlns="" id="{67DBD9DD-B1A5-41B6-8460-CB9575F4E501}"/>
+                <a16:creationId xmlns="" xmlns:a16="http://schemas.microsoft.com/office/drawing/2014/main" id="{67DBD9DD-B1A5-41B6-8460-CB9575F4E501}"/>
               </a:ext>
             </a:extLst>
           </p:cNvPr>
@@ -8299,29 +8157,6 @@
               <a:rPr lang="en-US" sz="2400" dirty="0"/>
               <a:t>Game Mode</a:t>
             </a:r>
-          </a:p>
-        </p:txBody>
-      </p:sp>
-      <p:sp>
-        <p:nvSpPr>
-          <p:cNvPr id="4" name="Slide Number Placeholder 3"/>
-          <p:cNvSpPr>
-            <a:spLocks noGrp="1"/>
-          </p:cNvSpPr>
-          <p:nvPr>
-            <p:ph type="sldNum" sz="quarter" idx="12"/>
-          </p:nvPr>
-        </p:nvSpPr>
-        <p:spPr/>
-        <p:txBody>
-          <a:bodyPr/>
-          <a:lstStyle/>
-          <a:p>
-            <a:fld id="{A8D7D4F6-2DF8-4D69-B05D-24304D43B04C}" type="slidenum">
-              <a:rPr lang="en-US" smtClean="0"/>
-              <a:t>14</a:t>
-            </a:fld>
-            <a:endParaRPr lang="en-US"/>
           </a:p>
         </p:txBody>
       </p:sp>
@@ -8367,7 +8202,7 @@
           <p:cNvPr id="3" name="Content Placeholder 2">
             <a:extLst>
               <a:ext uri="{FF2B5EF4-FFF2-40B4-BE49-F238E27FC236}">
-                <a16:creationId xmlns:a16="http://schemas.microsoft.com/office/drawing/2014/main" xmlns="" id="{379FBF68-DC88-4C2D-AED4-BD846653AB4B}"/>
+                <a16:creationId xmlns="" xmlns:a16="http://schemas.microsoft.com/office/drawing/2014/main" id="{379FBF68-DC88-4C2D-AED4-BD846653AB4B}"/>
               </a:ext>
             </a:extLst>
           </p:cNvPr>
@@ -8499,29 +8334,6 @@
               <a:buNone/>
             </a:pPr>
             <a:endParaRPr lang="en-US" dirty="0"/>
-          </a:p>
-        </p:txBody>
-      </p:sp>
-      <p:sp>
-        <p:nvSpPr>
-          <p:cNvPr id="2" name="Slide Number Placeholder 1"/>
-          <p:cNvSpPr>
-            <a:spLocks noGrp="1"/>
-          </p:cNvSpPr>
-          <p:nvPr>
-            <p:ph type="sldNum" sz="quarter" idx="12"/>
-          </p:nvPr>
-        </p:nvSpPr>
-        <p:spPr/>
-        <p:txBody>
-          <a:bodyPr/>
-          <a:lstStyle/>
-          <a:p>
-            <a:fld id="{A8D7D4F6-2DF8-4D69-B05D-24304D43B04C}" type="slidenum">
-              <a:rPr lang="en-US" smtClean="0"/>
-              <a:t>15</a:t>
-            </a:fld>
-            <a:endParaRPr lang="en-US"/>
           </a:p>
         </p:txBody>
       </p:sp>
@@ -8567,7 +8379,7 @@
           <p:cNvPr id="2" name="Title 1">
             <a:extLst>
               <a:ext uri="{FF2B5EF4-FFF2-40B4-BE49-F238E27FC236}">
-                <a16:creationId xmlns:a16="http://schemas.microsoft.com/office/drawing/2014/main" xmlns="" id="{572B919B-7970-414F-944C-D7DCE41D5119}"/>
+                <a16:creationId xmlns="" xmlns:a16="http://schemas.microsoft.com/office/drawing/2014/main" id="{572B919B-7970-414F-944C-D7DCE41D5119}"/>
               </a:ext>
             </a:extLst>
           </p:cNvPr>
@@ -8595,7 +8407,7 @@
           <p:cNvPr id="3" name="Content Placeholder 2">
             <a:extLst>
               <a:ext uri="{FF2B5EF4-FFF2-40B4-BE49-F238E27FC236}">
-                <a16:creationId xmlns:a16="http://schemas.microsoft.com/office/drawing/2014/main" xmlns="" id="{57F44D35-13DB-4243-AAB8-F4DD4AA3E478}"/>
+                <a16:creationId xmlns="" xmlns:a16="http://schemas.microsoft.com/office/drawing/2014/main" id="{57F44D35-13DB-4243-AAB8-F4DD4AA3E478}"/>
               </a:ext>
             </a:extLst>
           </p:cNvPr>
@@ -8621,29 +8433,6 @@
               <a:buNone/>
             </a:pPr>
             <a:endParaRPr lang="en-US" dirty="0"/>
-          </a:p>
-        </p:txBody>
-      </p:sp>
-      <p:sp>
-        <p:nvSpPr>
-          <p:cNvPr id="4" name="Slide Number Placeholder 3"/>
-          <p:cNvSpPr>
-            <a:spLocks noGrp="1"/>
-          </p:cNvSpPr>
-          <p:nvPr>
-            <p:ph type="sldNum" sz="quarter" idx="12"/>
-          </p:nvPr>
-        </p:nvSpPr>
-        <p:spPr/>
-        <p:txBody>
-          <a:bodyPr/>
-          <a:lstStyle/>
-          <a:p>
-            <a:fld id="{A8D7D4F6-2DF8-4D69-B05D-24304D43B04C}" type="slidenum">
-              <a:rPr lang="en-US" smtClean="0"/>
-              <a:t>16</a:t>
-            </a:fld>
-            <a:endParaRPr lang="en-US"/>
           </a:p>
         </p:txBody>
       </p:sp>
@@ -8689,7 +8478,7 @@
           <p:cNvPr id="2" name="Title 1">
             <a:extLst>
               <a:ext uri="{FF2B5EF4-FFF2-40B4-BE49-F238E27FC236}">
-                <a16:creationId xmlns:a16="http://schemas.microsoft.com/office/drawing/2014/main" xmlns="" id="{3AE0C9F6-F394-418D-96A4-49626E554771}"/>
+                <a16:creationId xmlns="" xmlns:a16="http://schemas.microsoft.com/office/drawing/2014/main" id="{3AE0C9F6-F394-418D-96A4-49626E554771}"/>
               </a:ext>
             </a:extLst>
           </p:cNvPr>
@@ -8717,7 +8506,7 @@
           <p:cNvPr id="3" name="Content Placeholder 2">
             <a:extLst>
               <a:ext uri="{FF2B5EF4-FFF2-40B4-BE49-F238E27FC236}">
-                <a16:creationId xmlns:a16="http://schemas.microsoft.com/office/drawing/2014/main" xmlns="" id="{60780DC7-6E0C-499C-B432-5D3FAE7733F5}"/>
+                <a16:creationId xmlns="" xmlns:a16="http://schemas.microsoft.com/office/drawing/2014/main" id="{60780DC7-6E0C-499C-B432-5D3FAE7733F5}"/>
               </a:ext>
             </a:extLst>
           </p:cNvPr>
@@ -8751,7 +8540,7 @@
           <p:cNvPr id="4" name="Picture 3">
             <a:extLst>
               <a:ext uri="{FF2B5EF4-FFF2-40B4-BE49-F238E27FC236}">
-                <a16:creationId xmlns:a16="http://schemas.microsoft.com/office/drawing/2014/main" xmlns="" id="{C90B0524-6AAC-4739-8263-BBA3A39E4DA6}"/>
+                <a16:creationId xmlns="" xmlns:a16="http://schemas.microsoft.com/office/drawing/2014/main" id="{C90B0524-6AAC-4739-8263-BBA3A39E4DA6}"/>
               </a:ext>
             </a:extLst>
           </p:cNvPr>
@@ -8788,29 +8577,6 @@
           </a:extLst>
         </p:spPr>
       </p:pic>
-      <p:sp>
-        <p:nvSpPr>
-          <p:cNvPr id="5" name="Slide Number Placeholder 4"/>
-          <p:cNvSpPr>
-            <a:spLocks noGrp="1"/>
-          </p:cNvSpPr>
-          <p:nvPr>
-            <p:ph type="sldNum" sz="quarter" idx="12"/>
-          </p:nvPr>
-        </p:nvSpPr>
-        <p:spPr/>
-        <p:txBody>
-          <a:bodyPr/>
-          <a:lstStyle/>
-          <a:p>
-            <a:fld id="{A8D7D4F6-2DF8-4D69-B05D-24304D43B04C}" type="slidenum">
-              <a:rPr lang="en-US" smtClean="0"/>
-              <a:t>17</a:t>
-            </a:fld>
-            <a:endParaRPr lang="en-US"/>
-          </a:p>
-        </p:txBody>
-      </p:sp>
     </p:spTree>
     <p:extLst>
       <p:ext uri="{BB962C8B-B14F-4D97-AF65-F5344CB8AC3E}">
@@ -8853,7 +8619,7 @@
           <p:cNvPr id="2" name="Title 1">
             <a:extLst>
               <a:ext uri="{FF2B5EF4-FFF2-40B4-BE49-F238E27FC236}">
-                <a16:creationId xmlns:a16="http://schemas.microsoft.com/office/drawing/2014/main" xmlns="" id="{67423FAA-9D78-41BE-BEE2-6621D8D99B08}"/>
+                <a16:creationId xmlns="" xmlns:a16="http://schemas.microsoft.com/office/drawing/2014/main" id="{67423FAA-9D78-41BE-BEE2-6621D8D99B08}"/>
               </a:ext>
             </a:extLst>
           </p:cNvPr>
@@ -8881,7 +8647,7 @@
           <p:cNvPr id="3" name="Content Placeholder 2">
             <a:extLst>
               <a:ext uri="{FF2B5EF4-FFF2-40B4-BE49-F238E27FC236}">
-                <a16:creationId xmlns:a16="http://schemas.microsoft.com/office/drawing/2014/main" xmlns="" id="{914A72A8-87B7-4A3E-8DAF-1E357F80BB47}"/>
+                <a16:creationId xmlns="" xmlns:a16="http://schemas.microsoft.com/office/drawing/2014/main" id="{914A72A8-87B7-4A3E-8DAF-1E357F80BB47}"/>
               </a:ext>
             </a:extLst>
           </p:cNvPr>
@@ -8909,7 +8675,7 @@
           <p:cNvPr id="4" name="Picture 3">
             <a:extLst>
               <a:ext uri="{FF2B5EF4-FFF2-40B4-BE49-F238E27FC236}">
-                <a16:creationId xmlns:a16="http://schemas.microsoft.com/office/drawing/2014/main" xmlns="" id="{672F7595-69B9-4DAB-8322-2BABA7064F8B}"/>
+                <a16:creationId xmlns="" xmlns:a16="http://schemas.microsoft.com/office/drawing/2014/main" id="{672F7595-69B9-4DAB-8322-2BABA7064F8B}"/>
               </a:ext>
             </a:extLst>
           </p:cNvPr>
@@ -8946,29 +8712,6 @@
           </a:extLst>
         </p:spPr>
       </p:pic>
-      <p:sp>
-        <p:nvSpPr>
-          <p:cNvPr id="5" name="Slide Number Placeholder 4"/>
-          <p:cNvSpPr>
-            <a:spLocks noGrp="1"/>
-          </p:cNvSpPr>
-          <p:nvPr>
-            <p:ph type="sldNum" sz="quarter" idx="12"/>
-          </p:nvPr>
-        </p:nvSpPr>
-        <p:spPr/>
-        <p:txBody>
-          <a:bodyPr/>
-          <a:lstStyle/>
-          <a:p>
-            <a:fld id="{A8D7D4F6-2DF8-4D69-B05D-24304D43B04C}" type="slidenum">
-              <a:rPr lang="en-US" smtClean="0"/>
-              <a:t>18</a:t>
-            </a:fld>
-            <a:endParaRPr lang="en-US"/>
-          </a:p>
-        </p:txBody>
-      </p:sp>
     </p:spTree>
     <p:extLst>
       <p:ext uri="{BB962C8B-B14F-4D97-AF65-F5344CB8AC3E}">
@@ -9011,7 +8754,7 @@
           <p:cNvPr id="2" name="Title 1">
             <a:extLst>
               <a:ext uri="{FF2B5EF4-FFF2-40B4-BE49-F238E27FC236}">
-                <a16:creationId xmlns:a16="http://schemas.microsoft.com/office/drawing/2014/main" xmlns="" id="{AA652A55-4BBF-44C0-9483-296DC4886021}"/>
+                <a16:creationId xmlns="" xmlns:a16="http://schemas.microsoft.com/office/drawing/2014/main" id="{AA652A55-4BBF-44C0-9483-296DC4886021}"/>
               </a:ext>
             </a:extLst>
           </p:cNvPr>
@@ -9039,7 +8782,7 @@
           <p:cNvPr id="3" name="Content Placeholder 2">
             <a:extLst>
               <a:ext uri="{FF2B5EF4-FFF2-40B4-BE49-F238E27FC236}">
-                <a16:creationId xmlns:a16="http://schemas.microsoft.com/office/drawing/2014/main" xmlns="" id="{073B9CCF-CD4B-49EE-9419-06671F73F5B8}"/>
+                <a16:creationId xmlns="" xmlns:a16="http://schemas.microsoft.com/office/drawing/2014/main" id="{073B9CCF-CD4B-49EE-9419-06671F73F5B8}"/>
               </a:ext>
             </a:extLst>
           </p:cNvPr>
@@ -9067,7 +8810,7 @@
           <p:cNvPr id="4" name="Picture 3">
             <a:extLst>
               <a:ext uri="{FF2B5EF4-FFF2-40B4-BE49-F238E27FC236}">
-                <a16:creationId xmlns:a16="http://schemas.microsoft.com/office/drawing/2014/main" xmlns="" id="{57E421ED-8741-4E5A-9A62-E61BD04979A8}"/>
+                <a16:creationId xmlns="" xmlns:a16="http://schemas.microsoft.com/office/drawing/2014/main" id="{57E421ED-8741-4E5A-9A62-E61BD04979A8}"/>
               </a:ext>
             </a:extLst>
           </p:cNvPr>
@@ -9104,29 +8847,6 @@
           </a:extLst>
         </p:spPr>
       </p:pic>
-      <p:sp>
-        <p:nvSpPr>
-          <p:cNvPr id="5" name="Slide Number Placeholder 4"/>
-          <p:cNvSpPr>
-            <a:spLocks noGrp="1"/>
-          </p:cNvSpPr>
-          <p:nvPr>
-            <p:ph type="sldNum" sz="quarter" idx="12"/>
-          </p:nvPr>
-        </p:nvSpPr>
-        <p:spPr/>
-        <p:txBody>
-          <a:bodyPr/>
-          <a:lstStyle/>
-          <a:p>
-            <a:fld id="{A8D7D4F6-2DF8-4D69-B05D-24304D43B04C}" type="slidenum">
-              <a:rPr lang="en-US" smtClean="0"/>
-              <a:t>19</a:t>
-            </a:fld>
-            <a:endParaRPr lang="en-US"/>
-          </a:p>
-        </p:txBody>
-      </p:sp>
     </p:spTree>
     <p:extLst>
       <p:ext uri="{BB962C8B-B14F-4D97-AF65-F5344CB8AC3E}">
@@ -9169,7 +8889,7 @@
           <p:cNvPr id="2" name="Title 1">
             <a:extLst>
               <a:ext uri="{FF2B5EF4-FFF2-40B4-BE49-F238E27FC236}">
-                <a16:creationId xmlns:a16="http://schemas.microsoft.com/office/drawing/2014/main" xmlns="" id="{99F1A885-3075-40C9-B832-9F6A5CA4446F}"/>
+                <a16:creationId xmlns="" xmlns:a16="http://schemas.microsoft.com/office/drawing/2014/main" id="{99F1A885-3075-40C9-B832-9F6A5CA4446F}"/>
               </a:ext>
             </a:extLst>
           </p:cNvPr>
@@ -9197,7 +8917,7 @@
           <p:cNvPr id="3" name="Content Placeholder 2">
             <a:extLst>
               <a:ext uri="{FF2B5EF4-FFF2-40B4-BE49-F238E27FC236}">
-                <a16:creationId xmlns:a16="http://schemas.microsoft.com/office/drawing/2014/main" xmlns="" id="{2F2E208E-4B1D-498B-9E74-D5D162EA1EAF}"/>
+                <a16:creationId xmlns="" xmlns:a16="http://schemas.microsoft.com/office/drawing/2014/main" id="{2F2E208E-4B1D-498B-9E74-D5D162EA1EAF}"/>
               </a:ext>
             </a:extLst>
           </p:cNvPr>
@@ -9245,29 +8965,6 @@
           </a:p>
           <a:p>
             <a:endParaRPr lang="en-US" dirty="0"/>
-          </a:p>
-        </p:txBody>
-      </p:sp>
-      <p:sp>
-        <p:nvSpPr>
-          <p:cNvPr id="4" name="Slide Number Placeholder 3"/>
-          <p:cNvSpPr>
-            <a:spLocks noGrp="1"/>
-          </p:cNvSpPr>
-          <p:nvPr>
-            <p:ph type="sldNum" sz="quarter" idx="12"/>
-          </p:nvPr>
-        </p:nvSpPr>
-        <p:spPr/>
-        <p:txBody>
-          <a:bodyPr/>
-          <a:lstStyle/>
-          <a:p>
-            <a:fld id="{A8D7D4F6-2DF8-4D69-B05D-24304D43B04C}" type="slidenum">
-              <a:rPr lang="en-US" smtClean="0"/>
-              <a:t>2</a:t>
-            </a:fld>
-            <a:endParaRPr lang="en-US"/>
           </a:p>
         </p:txBody>
       </p:sp>
@@ -9313,7 +9010,7 @@
           <p:cNvPr id="2" name="Title 1">
             <a:extLst>
               <a:ext uri="{FF2B5EF4-FFF2-40B4-BE49-F238E27FC236}">
-                <a16:creationId xmlns:a16="http://schemas.microsoft.com/office/drawing/2014/main" xmlns="" id="{638922BD-D6C8-4838-A26C-ABDA8AAF1130}"/>
+                <a16:creationId xmlns="" xmlns:a16="http://schemas.microsoft.com/office/drawing/2014/main" id="{638922BD-D6C8-4838-A26C-ABDA8AAF1130}"/>
               </a:ext>
             </a:extLst>
           </p:cNvPr>
@@ -9341,7 +9038,7 @@
           <p:cNvPr id="4" name="Picture 3">
             <a:extLst>
               <a:ext uri="{FF2B5EF4-FFF2-40B4-BE49-F238E27FC236}">
-                <a16:creationId xmlns:a16="http://schemas.microsoft.com/office/drawing/2014/main" xmlns="" id="{28DE14FE-84BF-442E-9367-9DA52183980D}"/>
+                <a16:creationId xmlns="" xmlns:a16="http://schemas.microsoft.com/office/drawing/2014/main" id="{28DE14FE-84BF-442E-9367-9DA52183980D}"/>
               </a:ext>
             </a:extLst>
           </p:cNvPr>
@@ -9378,29 +9075,6 @@
           </a:extLst>
         </p:spPr>
       </p:pic>
-      <p:sp>
-        <p:nvSpPr>
-          <p:cNvPr id="3" name="Slide Number Placeholder 2"/>
-          <p:cNvSpPr>
-            <a:spLocks noGrp="1"/>
-          </p:cNvSpPr>
-          <p:nvPr>
-            <p:ph type="sldNum" sz="quarter" idx="12"/>
-          </p:nvPr>
-        </p:nvSpPr>
-        <p:spPr/>
-        <p:txBody>
-          <a:bodyPr/>
-          <a:lstStyle/>
-          <a:p>
-            <a:fld id="{A8D7D4F6-2DF8-4D69-B05D-24304D43B04C}" type="slidenum">
-              <a:rPr lang="en-US" smtClean="0"/>
-              <a:t>20</a:t>
-            </a:fld>
-            <a:endParaRPr lang="en-US"/>
-          </a:p>
-        </p:txBody>
-      </p:sp>
     </p:spTree>
     <p:extLst>
       <p:ext uri="{BB962C8B-B14F-4D97-AF65-F5344CB8AC3E}">
@@ -9528,29 +9202,6 @@
           </a:p>
         </p:txBody>
       </p:sp>
-      <p:sp>
-        <p:nvSpPr>
-          <p:cNvPr id="4" name="Slide Number Placeholder 3"/>
-          <p:cNvSpPr>
-            <a:spLocks noGrp="1"/>
-          </p:cNvSpPr>
-          <p:nvPr>
-            <p:ph type="sldNum" sz="quarter" idx="12"/>
-          </p:nvPr>
-        </p:nvSpPr>
-        <p:spPr/>
-        <p:txBody>
-          <a:bodyPr/>
-          <a:lstStyle/>
-          <a:p>
-            <a:fld id="{A8D7D4F6-2DF8-4D69-B05D-24304D43B04C}" type="slidenum">
-              <a:rPr lang="en-US" smtClean="0"/>
-              <a:t>21</a:t>
-            </a:fld>
-            <a:endParaRPr lang="en-US"/>
-          </a:p>
-        </p:txBody>
-      </p:sp>
     </p:spTree>
     <p:extLst>
       <p:ext uri="{BB962C8B-B14F-4D97-AF65-F5344CB8AC3E}">
@@ -9593,7 +9244,7 @@
           <p:cNvPr id="2" name="Title 1">
             <a:extLst>
               <a:ext uri="{FF2B5EF4-FFF2-40B4-BE49-F238E27FC236}">
-                <a16:creationId xmlns:a16="http://schemas.microsoft.com/office/drawing/2014/main" xmlns="" id="{10532DA2-DA77-459D-901A-8AFDC5F1C4B0}"/>
+                <a16:creationId xmlns="" xmlns:a16="http://schemas.microsoft.com/office/drawing/2014/main" id="{10532DA2-DA77-459D-901A-8AFDC5F1C4B0}"/>
               </a:ext>
             </a:extLst>
           </p:cNvPr>
@@ -9621,7 +9272,7 @@
           <p:cNvPr id="3" name="Content Placeholder 2">
             <a:extLst>
               <a:ext uri="{FF2B5EF4-FFF2-40B4-BE49-F238E27FC236}">
-                <a16:creationId xmlns:a16="http://schemas.microsoft.com/office/drawing/2014/main" xmlns="" id="{DB586400-FCBB-4F9E-AEC9-79F70B4DCB66}"/>
+                <a16:creationId xmlns="" xmlns:a16="http://schemas.microsoft.com/office/drawing/2014/main" id="{DB586400-FCBB-4F9E-AEC9-79F70B4DCB66}"/>
               </a:ext>
             </a:extLst>
           </p:cNvPr>
@@ -9717,29 +9368,6 @@
           </a:extLst>
         </p:spPr>
       </p:pic>
-      <p:sp>
-        <p:nvSpPr>
-          <p:cNvPr id="4" name="Slide Number Placeholder 3"/>
-          <p:cNvSpPr>
-            <a:spLocks noGrp="1"/>
-          </p:cNvSpPr>
-          <p:nvPr>
-            <p:ph type="sldNum" sz="quarter" idx="12"/>
-          </p:nvPr>
-        </p:nvSpPr>
-        <p:spPr/>
-        <p:txBody>
-          <a:bodyPr/>
-          <a:lstStyle/>
-          <a:p>
-            <a:fld id="{A8D7D4F6-2DF8-4D69-B05D-24304D43B04C}" type="slidenum">
-              <a:rPr lang="en-US" smtClean="0"/>
-              <a:t>22</a:t>
-            </a:fld>
-            <a:endParaRPr lang="en-US"/>
-          </a:p>
-        </p:txBody>
-      </p:sp>
     </p:spTree>
     <p:extLst>
       <p:ext uri="{BB962C8B-B14F-4D97-AF65-F5344CB8AC3E}">
@@ -9782,7 +9410,7 @@
           <p:cNvPr id="2" name="Title 1">
             <a:extLst>
               <a:ext uri="{FF2B5EF4-FFF2-40B4-BE49-F238E27FC236}">
-                <a16:creationId xmlns:a16="http://schemas.microsoft.com/office/drawing/2014/main" xmlns="" id="{D408AD68-9159-44D9-8EC8-48CC16829A49}"/>
+                <a16:creationId xmlns="" xmlns:a16="http://schemas.microsoft.com/office/drawing/2014/main" id="{D408AD68-9159-44D9-8EC8-48CC16829A49}"/>
               </a:ext>
             </a:extLst>
           </p:cNvPr>
@@ -9810,7 +9438,7 @@
           <p:cNvPr id="3" name="Content Placeholder 2">
             <a:extLst>
               <a:ext uri="{FF2B5EF4-FFF2-40B4-BE49-F238E27FC236}">
-                <a16:creationId xmlns:a16="http://schemas.microsoft.com/office/drawing/2014/main" xmlns="" id="{1C557612-1B58-488F-8A2F-8DB37FFC9B63}"/>
+                <a16:creationId xmlns="" xmlns:a16="http://schemas.microsoft.com/office/drawing/2014/main" id="{1C557612-1B58-488F-8A2F-8DB37FFC9B63}"/>
               </a:ext>
             </a:extLst>
           </p:cNvPr>
@@ -9950,29 +9578,6 @@
           </a:p>
           <a:p>
             <a:endParaRPr lang="en-US" dirty="0"/>
-          </a:p>
-        </p:txBody>
-      </p:sp>
-      <p:sp>
-        <p:nvSpPr>
-          <p:cNvPr id="4" name="Slide Number Placeholder 3"/>
-          <p:cNvSpPr>
-            <a:spLocks noGrp="1"/>
-          </p:cNvSpPr>
-          <p:nvPr>
-            <p:ph type="sldNum" sz="quarter" idx="12"/>
-          </p:nvPr>
-        </p:nvSpPr>
-        <p:spPr/>
-        <p:txBody>
-          <a:bodyPr/>
-          <a:lstStyle/>
-          <a:p>
-            <a:fld id="{A8D7D4F6-2DF8-4D69-B05D-24304D43B04C}" type="slidenum">
-              <a:rPr lang="en-US" smtClean="0"/>
-              <a:t>23</a:t>
-            </a:fld>
-            <a:endParaRPr lang="en-US"/>
           </a:p>
         </p:txBody>
       </p:sp>
@@ -10018,7 +9623,7 @@
           <p:cNvPr id="2" name="Title 1">
             <a:extLst>
               <a:ext uri="{FF2B5EF4-FFF2-40B4-BE49-F238E27FC236}">
-                <a16:creationId xmlns:a16="http://schemas.microsoft.com/office/drawing/2014/main" xmlns="" id="{5B27978F-BAD3-46C6-AC41-6D563D981774}"/>
+                <a16:creationId xmlns="" xmlns:a16="http://schemas.microsoft.com/office/drawing/2014/main" id="{5B27978F-BAD3-46C6-AC41-6D563D981774}"/>
               </a:ext>
             </a:extLst>
           </p:cNvPr>
@@ -10046,7 +9651,7 @@
           <p:cNvPr id="3" name="Subtitle 2">
             <a:extLst>
               <a:ext uri="{FF2B5EF4-FFF2-40B4-BE49-F238E27FC236}">
-                <a16:creationId xmlns:a16="http://schemas.microsoft.com/office/drawing/2014/main" xmlns="" id="{5649E251-AA3D-4977-8FA9-7B0ED7D0FA10}"/>
+                <a16:creationId xmlns="" xmlns:a16="http://schemas.microsoft.com/office/drawing/2014/main" id="{5649E251-AA3D-4977-8FA9-7B0ED7D0FA10}"/>
               </a:ext>
             </a:extLst>
           </p:cNvPr>
@@ -10066,29 +9671,6 @@
               <a:rPr lang="en-US" dirty="0"/>
               <a:t>Questions?</a:t>
             </a:r>
-          </a:p>
-        </p:txBody>
-      </p:sp>
-      <p:sp>
-        <p:nvSpPr>
-          <p:cNvPr id="4" name="Slide Number Placeholder 3"/>
-          <p:cNvSpPr>
-            <a:spLocks noGrp="1"/>
-          </p:cNvSpPr>
-          <p:nvPr>
-            <p:ph type="sldNum" sz="quarter" idx="12"/>
-          </p:nvPr>
-        </p:nvSpPr>
-        <p:spPr/>
-        <p:txBody>
-          <a:bodyPr/>
-          <a:lstStyle/>
-          <a:p>
-            <a:fld id="{A8D7D4F6-2DF8-4D69-B05D-24304D43B04C}" type="slidenum">
-              <a:rPr lang="en-US" smtClean="0"/>
-              <a:t>24</a:t>
-            </a:fld>
-            <a:endParaRPr lang="en-US"/>
           </a:p>
         </p:txBody>
       </p:sp>
@@ -10134,7 +9716,7 @@
           <p:cNvPr id="2" name="Title 1">
             <a:extLst>
               <a:ext uri="{FF2B5EF4-FFF2-40B4-BE49-F238E27FC236}">
-                <a16:creationId xmlns:a16="http://schemas.microsoft.com/office/drawing/2014/main" xmlns="" id="{79D9E8BC-E551-427F-B5A3-C9F9F2C1CDA1}"/>
+                <a16:creationId xmlns="" xmlns:a16="http://schemas.microsoft.com/office/drawing/2014/main" id="{79D9E8BC-E551-427F-B5A3-C9F9F2C1CDA1}"/>
               </a:ext>
             </a:extLst>
           </p:cNvPr>
@@ -10162,7 +9744,7 @@
           <p:cNvPr id="3" name="Content Placeholder 2">
             <a:extLst>
               <a:ext uri="{FF2B5EF4-FFF2-40B4-BE49-F238E27FC236}">
-                <a16:creationId xmlns:a16="http://schemas.microsoft.com/office/drawing/2014/main" xmlns="" id="{82980F63-12FE-4913-BB11-CA61837FA0C1}"/>
+                <a16:creationId xmlns="" xmlns:a16="http://schemas.microsoft.com/office/drawing/2014/main" id="{82980F63-12FE-4913-BB11-CA61837FA0C1}"/>
               </a:ext>
             </a:extLst>
           </p:cNvPr>
@@ -10206,29 +9788,6 @@
           </a:p>
           <a:p>
             <a:endParaRPr lang="en-US" dirty="0"/>
-          </a:p>
-        </p:txBody>
-      </p:sp>
-      <p:sp>
-        <p:nvSpPr>
-          <p:cNvPr id="4" name="Slide Number Placeholder 3"/>
-          <p:cNvSpPr>
-            <a:spLocks noGrp="1"/>
-          </p:cNvSpPr>
-          <p:nvPr>
-            <p:ph type="sldNum" sz="quarter" idx="12"/>
-          </p:nvPr>
-        </p:nvSpPr>
-        <p:spPr/>
-        <p:txBody>
-          <a:bodyPr/>
-          <a:lstStyle/>
-          <a:p>
-            <a:fld id="{A8D7D4F6-2DF8-4D69-B05D-24304D43B04C}" type="slidenum">
-              <a:rPr lang="en-US" smtClean="0"/>
-              <a:t>3</a:t>
-            </a:fld>
-            <a:endParaRPr lang="en-US"/>
           </a:p>
         </p:txBody>
       </p:sp>
@@ -10274,7 +9833,7 @@
           <p:cNvPr id="2" name="Title 1">
             <a:extLst>
               <a:ext uri="{FF2B5EF4-FFF2-40B4-BE49-F238E27FC236}">
-                <a16:creationId xmlns:a16="http://schemas.microsoft.com/office/drawing/2014/main" xmlns="" id="{C40FFD64-548A-4A99-A870-CD3191FCE0C7}"/>
+                <a16:creationId xmlns="" xmlns:a16="http://schemas.microsoft.com/office/drawing/2014/main" id="{C40FFD64-548A-4A99-A870-CD3191FCE0C7}"/>
               </a:ext>
             </a:extLst>
           </p:cNvPr>
@@ -10302,7 +9861,7 @@
           <p:cNvPr id="3" name="Content Placeholder 2">
             <a:extLst>
               <a:ext uri="{FF2B5EF4-FFF2-40B4-BE49-F238E27FC236}">
-                <a16:creationId xmlns:a16="http://schemas.microsoft.com/office/drawing/2014/main" xmlns="" id="{08B26BB4-6D06-4536-8124-710012F39B3A}"/>
+                <a16:creationId xmlns="" xmlns:a16="http://schemas.microsoft.com/office/drawing/2014/main" id="{08B26BB4-6D06-4536-8124-710012F39B3A}"/>
               </a:ext>
             </a:extLst>
           </p:cNvPr>
@@ -10351,29 +9910,6 @@
               <a:rPr lang="en-US" sz="2400" dirty="0"/>
               <a:t>Lack of visualization</a:t>
             </a:r>
-          </a:p>
-        </p:txBody>
-      </p:sp>
-      <p:sp>
-        <p:nvSpPr>
-          <p:cNvPr id="4" name="Slide Number Placeholder 3"/>
-          <p:cNvSpPr>
-            <a:spLocks noGrp="1"/>
-          </p:cNvSpPr>
-          <p:nvPr>
-            <p:ph type="sldNum" sz="quarter" idx="12"/>
-          </p:nvPr>
-        </p:nvSpPr>
-        <p:spPr/>
-        <p:txBody>
-          <a:bodyPr/>
-          <a:lstStyle/>
-          <a:p>
-            <a:fld id="{A8D7D4F6-2DF8-4D69-B05D-24304D43B04C}" type="slidenum">
-              <a:rPr lang="en-US" smtClean="0"/>
-              <a:t>4</a:t>
-            </a:fld>
-            <a:endParaRPr lang="en-US"/>
           </a:p>
         </p:txBody>
       </p:sp>
@@ -10419,7 +9955,7 @@
           <p:cNvPr id="2" name="Title 1">
             <a:extLst>
               <a:ext uri="{FF2B5EF4-FFF2-40B4-BE49-F238E27FC236}">
-                <a16:creationId xmlns:a16="http://schemas.microsoft.com/office/drawing/2014/main" xmlns="" id="{8DC0FD8C-96A5-4323-8E47-435C90530937}"/>
+                <a16:creationId xmlns="" xmlns:a16="http://schemas.microsoft.com/office/drawing/2014/main" id="{8DC0FD8C-96A5-4323-8E47-435C90530937}"/>
               </a:ext>
             </a:extLst>
           </p:cNvPr>
@@ -10447,7 +9983,7 @@
           <p:cNvPr id="3" name="Content Placeholder 2">
             <a:extLst>
               <a:ext uri="{FF2B5EF4-FFF2-40B4-BE49-F238E27FC236}">
-                <a16:creationId xmlns:a16="http://schemas.microsoft.com/office/drawing/2014/main" xmlns="" id="{CA5BD5CC-43FB-468C-B3DD-276E31247046}"/>
+                <a16:creationId xmlns="" xmlns:a16="http://schemas.microsoft.com/office/drawing/2014/main" id="{CA5BD5CC-43FB-468C-B3DD-276E31247046}"/>
               </a:ext>
             </a:extLst>
           </p:cNvPr>
@@ -10508,29 +10044,6 @@
           </a:p>
           <a:p>
             <a:endParaRPr lang="en-US" dirty="0"/>
-          </a:p>
-        </p:txBody>
-      </p:sp>
-      <p:sp>
-        <p:nvSpPr>
-          <p:cNvPr id="4" name="Slide Number Placeholder 3"/>
-          <p:cNvSpPr>
-            <a:spLocks noGrp="1"/>
-          </p:cNvSpPr>
-          <p:nvPr>
-            <p:ph type="sldNum" sz="quarter" idx="12"/>
-          </p:nvPr>
-        </p:nvSpPr>
-        <p:spPr/>
-        <p:txBody>
-          <a:bodyPr/>
-          <a:lstStyle/>
-          <a:p>
-            <a:fld id="{A8D7D4F6-2DF8-4D69-B05D-24304D43B04C}" type="slidenum">
-              <a:rPr lang="en-US" smtClean="0"/>
-              <a:t>5</a:t>
-            </a:fld>
-            <a:endParaRPr lang="en-US"/>
           </a:p>
         </p:txBody>
       </p:sp>
@@ -10576,7 +10089,7 @@
           <p:cNvPr id="2" name="Title 1">
             <a:extLst>
               <a:ext uri="{FF2B5EF4-FFF2-40B4-BE49-F238E27FC236}">
-                <a16:creationId xmlns:a16="http://schemas.microsoft.com/office/drawing/2014/main" xmlns="" id="{C6F471E8-F97A-4840-8B15-4EB56FA2E1A4}"/>
+                <a16:creationId xmlns="" xmlns:a16="http://schemas.microsoft.com/office/drawing/2014/main" id="{C6F471E8-F97A-4840-8B15-4EB56FA2E1A4}"/>
               </a:ext>
             </a:extLst>
           </p:cNvPr>
@@ -10604,7 +10117,7 @@
           <p:cNvPr id="3" name="Content Placeholder 2">
             <a:extLst>
               <a:ext uri="{FF2B5EF4-FFF2-40B4-BE49-F238E27FC236}">
-                <a16:creationId xmlns:a16="http://schemas.microsoft.com/office/drawing/2014/main" xmlns="" id="{CF2C1132-D263-4A0D-92DE-9FFEF6BB7789}"/>
+                <a16:creationId xmlns="" xmlns:a16="http://schemas.microsoft.com/office/drawing/2014/main" id="{CF2C1132-D263-4A0D-92DE-9FFEF6BB7789}"/>
               </a:ext>
             </a:extLst>
           </p:cNvPr>
@@ -10636,29 +10149,6 @@
               <a:rPr lang="en-US" dirty="0"/>
               <a:t>The developed application will have a mini game for kids as part of interaction.</a:t>
             </a:r>
-          </a:p>
-        </p:txBody>
-      </p:sp>
-      <p:sp>
-        <p:nvSpPr>
-          <p:cNvPr id="4" name="Slide Number Placeholder 3"/>
-          <p:cNvSpPr>
-            <a:spLocks noGrp="1"/>
-          </p:cNvSpPr>
-          <p:nvPr>
-            <p:ph type="sldNum" sz="quarter" idx="12"/>
-          </p:nvPr>
-        </p:nvSpPr>
-        <p:spPr/>
-        <p:txBody>
-          <a:bodyPr/>
-          <a:lstStyle/>
-          <a:p>
-            <a:fld id="{A8D7D4F6-2DF8-4D69-B05D-24304D43B04C}" type="slidenum">
-              <a:rPr lang="en-US" smtClean="0"/>
-              <a:t>6</a:t>
-            </a:fld>
-            <a:endParaRPr lang="en-US"/>
           </a:p>
         </p:txBody>
       </p:sp>
@@ -10704,7 +10194,7 @@
           <p:cNvPr id="2" name="Title 1">
             <a:extLst>
               <a:ext uri="{FF2B5EF4-FFF2-40B4-BE49-F238E27FC236}">
-                <a16:creationId xmlns:a16="http://schemas.microsoft.com/office/drawing/2014/main" xmlns="" id="{84D7991D-144A-4372-8BD2-616794586C45}"/>
+                <a16:creationId xmlns="" xmlns:a16="http://schemas.microsoft.com/office/drawing/2014/main" id="{84D7991D-144A-4372-8BD2-616794586C45}"/>
               </a:ext>
             </a:extLst>
           </p:cNvPr>
@@ -10732,7 +10222,7 @@
           <p:cNvPr id="4" name="Chart 3" title="Chart">
             <a:extLst>
               <a:ext uri="{FF2B5EF4-FFF2-40B4-BE49-F238E27FC236}">
-                <a16:creationId xmlns:a16="http://schemas.microsoft.com/office/drawing/2014/main" xmlns="" id="{00000000-0008-0000-0100-000002000000}"/>
+                <a16:creationId xmlns="" xmlns:a16="http://schemas.microsoft.com/office/drawing/2014/main" id="{00000000-0008-0000-0100-000002000000}"/>
               </a:ext>
             </a:extLst>
           </p:cNvPr>
@@ -10755,29 +10245,6 @@
           </a:graphicData>
         </a:graphic>
       </p:graphicFrame>
-      <p:sp>
-        <p:nvSpPr>
-          <p:cNvPr id="3" name="Slide Number Placeholder 2"/>
-          <p:cNvSpPr>
-            <a:spLocks noGrp="1"/>
-          </p:cNvSpPr>
-          <p:nvPr>
-            <p:ph type="sldNum" sz="quarter" idx="12"/>
-          </p:nvPr>
-        </p:nvSpPr>
-        <p:spPr/>
-        <p:txBody>
-          <a:bodyPr/>
-          <a:lstStyle/>
-          <a:p>
-            <a:fld id="{A8D7D4F6-2DF8-4D69-B05D-24304D43B04C}" type="slidenum">
-              <a:rPr lang="en-US" smtClean="0"/>
-              <a:t>7</a:t>
-            </a:fld>
-            <a:endParaRPr lang="en-US"/>
-          </a:p>
-        </p:txBody>
-      </p:sp>
     </p:spTree>
     <p:extLst>
       <p:ext uri="{BB962C8B-B14F-4D97-AF65-F5344CB8AC3E}">
@@ -10820,7 +10287,7 @@
           <p:cNvPr id="2" name="Title 1">
             <a:extLst>
               <a:ext uri="{FF2B5EF4-FFF2-40B4-BE49-F238E27FC236}">
-                <a16:creationId xmlns:a16="http://schemas.microsoft.com/office/drawing/2014/main" xmlns="" id="{E5CFE099-4597-4BD2-AC20-2C18228114F3}"/>
+                <a16:creationId xmlns="" xmlns:a16="http://schemas.microsoft.com/office/drawing/2014/main" id="{E5CFE099-4597-4BD2-AC20-2C18228114F3}"/>
               </a:ext>
             </a:extLst>
           </p:cNvPr>
@@ -10853,7 +10320,7 @@
           <p:cNvPr id="3" name="Content Placeholder 2">
             <a:extLst>
               <a:ext uri="{FF2B5EF4-FFF2-40B4-BE49-F238E27FC236}">
-                <a16:creationId xmlns:a16="http://schemas.microsoft.com/office/drawing/2014/main" xmlns="" id="{3161AE2C-2D22-49D7-A572-CCB0753E3B50}"/>
+                <a16:creationId xmlns="" xmlns:a16="http://schemas.microsoft.com/office/drawing/2014/main" id="{3161AE2C-2D22-49D7-A572-CCB0753E3B50}"/>
               </a:ext>
             </a:extLst>
           </p:cNvPr>
@@ -10956,29 +10423,6 @@
           </a:prstGeom>
         </p:spPr>
       </p:pic>
-      <p:sp>
-        <p:nvSpPr>
-          <p:cNvPr id="4" name="Slide Number Placeholder 3"/>
-          <p:cNvSpPr>
-            <a:spLocks noGrp="1"/>
-          </p:cNvSpPr>
-          <p:nvPr>
-            <p:ph type="sldNum" sz="quarter" idx="12"/>
-          </p:nvPr>
-        </p:nvSpPr>
-        <p:spPr/>
-        <p:txBody>
-          <a:bodyPr/>
-          <a:lstStyle/>
-          <a:p>
-            <a:fld id="{A8D7D4F6-2DF8-4D69-B05D-24304D43B04C}" type="slidenum">
-              <a:rPr lang="en-US" smtClean="0"/>
-              <a:t>8</a:t>
-            </a:fld>
-            <a:endParaRPr lang="en-US"/>
-          </a:p>
-        </p:txBody>
-      </p:sp>
     </p:spTree>
     <p:extLst>
       <p:ext uri="{BB962C8B-B14F-4D97-AF65-F5344CB8AC3E}">
@@ -11021,7 +10465,7 @@
           <p:cNvPr id="2" name="Title 1">
             <a:extLst>
               <a:ext uri="{FF2B5EF4-FFF2-40B4-BE49-F238E27FC236}">
-                <a16:creationId xmlns:a16="http://schemas.microsoft.com/office/drawing/2014/main" xmlns="" id="{D4205F1D-BFE7-4BD5-8CD8-366232C62642}"/>
+                <a16:creationId xmlns="" xmlns:a16="http://schemas.microsoft.com/office/drawing/2014/main" id="{D4205F1D-BFE7-4BD5-8CD8-366232C62642}"/>
               </a:ext>
             </a:extLst>
           </p:cNvPr>
@@ -11054,7 +10498,7 @@
           <p:cNvPr id="3" name="Content Placeholder 2">
             <a:extLst>
               <a:ext uri="{FF2B5EF4-FFF2-40B4-BE49-F238E27FC236}">
-                <a16:creationId xmlns:a16="http://schemas.microsoft.com/office/drawing/2014/main" xmlns="" id="{284154B4-27BB-4EA9-99CB-74254299DDA4}"/>
+                <a16:creationId xmlns="" xmlns:a16="http://schemas.microsoft.com/office/drawing/2014/main" id="{284154B4-27BB-4EA9-99CB-74254299DDA4}"/>
               </a:ext>
             </a:extLst>
           </p:cNvPr>
@@ -11286,29 +10730,6 @@
           </a:extLst>
         </p:spPr>
       </p:pic>
-      <p:sp>
-        <p:nvSpPr>
-          <p:cNvPr id="5" name="Slide Number Placeholder 4"/>
-          <p:cNvSpPr>
-            <a:spLocks noGrp="1"/>
-          </p:cNvSpPr>
-          <p:nvPr>
-            <p:ph type="sldNum" sz="quarter" idx="12"/>
-          </p:nvPr>
-        </p:nvSpPr>
-        <p:spPr/>
-        <p:txBody>
-          <a:bodyPr/>
-          <a:lstStyle/>
-          <a:p>
-            <a:fld id="{A8D7D4F6-2DF8-4D69-B05D-24304D43B04C}" type="slidenum">
-              <a:rPr lang="en-US" smtClean="0"/>
-              <a:t>9</a:t>
-            </a:fld>
-            <a:endParaRPr lang="en-US"/>
-          </a:p>
-        </p:txBody>
-      </p:sp>
     </p:spTree>
     <p:extLst>
       <p:ext uri="{BB962C8B-B14F-4D97-AF65-F5344CB8AC3E}">

--- a/Capstone.pptx
+++ b/Capstone.pptx
@@ -1,33 +1,33 @@
 
 <file path=ppt/presentation.xml><?xml version="1.0" encoding="utf-8"?>
-<p:presentation xmlns:a="http://schemas.openxmlformats.org/drawingml/2006/main" xmlns:r="http://schemas.openxmlformats.org/officeDocument/2006/relationships" xmlns:p="http://schemas.openxmlformats.org/presentationml/2006/main" saveSubsetFonts="1" bookmarkIdSeed="8">
+<p:presentation xmlns:a="http://schemas.openxmlformats.org/drawingml/2006/main" xmlns:r="http://schemas.openxmlformats.org/officeDocument/2006/relationships" xmlns:p="http://schemas.openxmlformats.org/presentationml/2006/main" bookmarkIdSeed="8">
   <p:sldMasterIdLst>
-    <p:sldMasterId id="2147483660" r:id="rId1"/>
+    <p:sldMasterId id="2147483648" r:id="rId1"/>
   </p:sldMasterIdLst>
   <p:sldIdLst>
-    <p:sldId id="256" r:id="rId2"/>
-    <p:sldId id="257" r:id="rId3"/>
-    <p:sldId id="258" r:id="rId4"/>
-    <p:sldId id="264" r:id="rId5"/>
-    <p:sldId id="266" r:id="rId6"/>
-    <p:sldId id="265" r:id="rId7"/>
-    <p:sldId id="263" r:id="rId8"/>
-    <p:sldId id="259" r:id="rId9"/>
-    <p:sldId id="267" r:id="rId10"/>
-    <p:sldId id="275" r:id="rId11"/>
-    <p:sldId id="276" r:id="rId12"/>
-    <p:sldId id="277" r:id="rId13"/>
-    <p:sldId id="268" r:id="rId14"/>
-    <p:sldId id="260" r:id="rId15"/>
-    <p:sldId id="272" r:id="rId16"/>
-    <p:sldId id="273" r:id="rId17"/>
-    <p:sldId id="269" r:id="rId18"/>
-    <p:sldId id="271" r:id="rId19"/>
-    <p:sldId id="274" r:id="rId20"/>
-    <p:sldId id="270" r:id="rId21"/>
-    <p:sldId id="261" r:id="rId22"/>
-    <p:sldId id="278" r:id="rId23"/>
-    <p:sldId id="262" r:id="rId24"/>
+    <p:sldId id="256" r:id="rId3"/>
+    <p:sldId id="257" r:id="rId4"/>
+    <p:sldId id="258" r:id="rId5"/>
+    <p:sldId id="264" r:id="rId6"/>
+    <p:sldId id="266" r:id="rId7"/>
+    <p:sldId id="265" r:id="rId8"/>
+    <p:sldId id="263" r:id="rId9"/>
+    <p:sldId id="259" r:id="rId10"/>
+    <p:sldId id="267" r:id="rId11"/>
+    <p:sldId id="275" r:id="rId12"/>
+    <p:sldId id="276" r:id="rId13"/>
+    <p:sldId id="277" r:id="rId14"/>
+    <p:sldId id="268" r:id="rId15"/>
+    <p:sldId id="260" r:id="rId16"/>
+    <p:sldId id="272" r:id="rId17"/>
+    <p:sldId id="273" r:id="rId18"/>
+    <p:sldId id="269" r:id="rId19"/>
+    <p:sldId id="271" r:id="rId20"/>
+    <p:sldId id="274" r:id="rId21"/>
+    <p:sldId id="270" r:id="rId22"/>
+    <p:sldId id="261" r:id="rId23"/>
+    <p:sldId id="278" r:id="rId24"/>
+    <p:sldId id="262" r:id="rId25"/>
   </p:sldIdLst>
   <p:sldSz cx="12192000" cy="6858000"/>
   <p:notesSz cx="6858000" cy="9144000"/>
@@ -126,18 +126,13 @@
       </a:defRPr>
     </a:lvl9pPr>
   </p:defaultTextStyle>
-  <p:extLst>
-    <p:ext uri="{EFAFB233-063F-42B5-8137-9DF3F51BA10A}">
-      <p15:sldGuideLst xmlns:p15="http://schemas.microsoft.com/office/powerpoint/2012/main"/>
-    </p:ext>
-  </p:extLst>
 </p:presentation>
 </file>
 
 <file path=ppt/charts/chart1.xml><?xml version="1.0" encoding="utf-8"?>
-<c:chartSpace xmlns:c="http://schemas.openxmlformats.org/drawingml/2006/chart" xmlns:a="http://schemas.openxmlformats.org/drawingml/2006/main" xmlns:r="http://schemas.openxmlformats.org/officeDocument/2006/relationships" xmlns:c16r2="http://schemas.microsoft.com/office/drawing/2015/06/chart">
+<c:chartSpace xmlns:c="http://schemas.openxmlformats.org/drawingml/2006/chart" xmlns:a="http://schemas.openxmlformats.org/drawingml/2006/main" xmlns:r="http://schemas.openxmlformats.org/officeDocument/2006/relationships">
   <c:date1904 val="0"/>
-  <c:lang val="en-US"/>
+  <c:lang val="zh-CN"/>
   <c:roundedCorners val="1"/>
   <mc:AlternateContent xmlns:mc="http://schemas.openxmlformats.org/markup-compatibility/2006">
     <mc:Choice xmlns:c14="http://schemas.microsoft.com/office/drawing/2007/8/2/chart" Requires="c14">
@@ -164,6 +159,9 @@
             </a:solidFill>
           </c:spPr>
           <c:invertIfNegative val="1"/>
+          <c:dLbls>
+            <c:delete val="1"/>
+          </c:dLbls>
           <c:cat>
             <c:strRef>
               <c:f>'Basic Gantt Chart'!$B$9:$B$23</c:f>
@@ -281,9 +279,6 @@
                 </c14:spPr>
               </c14:invertSolidFillFmt>
             </c:ext>
-            <c:ext xmlns:c16="http://schemas.microsoft.com/office/drawing/2014/chart" uri="{C3380CC4-5D6E-409C-BE32-E72D297353CC}">
-              <c16:uniqueId val="{00000000-B8B6-4ACF-B66C-967991A384A5}"/>
-            </c:ext>
           </c:extLst>
         </c:ser>
         <c:ser>
@@ -295,6 +290,9 @@
             </a:solidFill>
           </c:spPr>
           <c:invertIfNegative val="1"/>
+          <c:dLbls>
+            <c:delete val="1"/>
+          </c:dLbls>
           <c:cat>
             <c:strRef>
               <c:f>'Basic Gantt Chart'!$B$9:$B$23</c:f>
@@ -412,9 +410,6 @@
                 </c14:spPr>
               </c14:invertSolidFillFmt>
             </c:ext>
-            <c:ext xmlns:c16="http://schemas.microsoft.com/office/drawing/2014/chart" uri="{C3380CC4-5D6E-409C-BE32-E72D297353CC}">
-              <c16:uniqueId val="{00000001-B8B6-4ACF-B66C-967991A384A5}"/>
-            </c:ext>
           </c:extLst>
         </c:ser>
         <c:dLbls>
@@ -440,19 +435,28 @@
         <c:title>
           <c:tx>
             <c:rich>
-              <a:bodyPr/>
+              <a:bodyPr rot="-5400000" spcFirstLastPara="0" vertOverflow="ellipsis" vert="horz" wrap="square" anchor="ctr" anchorCtr="1"/>
               <a:lstStyle/>
               <a:p>
                 <a:pPr>
-                  <a:defRPr/>
+                  <a:defRPr lang="en-US" sz="1000" b="1" i="0" u="none" strike="noStrike" kern="1200" baseline="0">
+                    <a:solidFill>
+                      <a:schemeClr val="tx1"/>
+                    </a:solidFill>
+                    <a:latin typeface="+mn-lt"/>
+                    <a:ea typeface="+mn-ea"/>
+                    <a:cs typeface="+mn-cs"/>
+                  </a:defRPr>
                 </a:pPr>
                 <a:r>
                   <a:rPr lang="en-US"/>
                   <a:t>Task</a:t>
                 </a:r>
+                <a:endParaRPr lang="en-US"/>
               </a:p>
             </c:rich>
           </c:tx>
+          <c:layout/>
           <c:overlay val="0"/>
         </c:title>
         <c:numFmt formatCode="General" sourceLinked="1"/>
@@ -460,13 +464,19 @@
         <c:minorTickMark val="cross"/>
         <c:tickLblPos val="nextTo"/>
         <c:txPr>
-          <a:bodyPr/>
+          <a:bodyPr rot="-60000000" spcFirstLastPara="0" vertOverflow="ellipsis" vert="horz" wrap="square" anchor="ctr" anchorCtr="1"/>
           <a:lstStyle/>
           <a:p>
-            <a:pPr lvl="0">
-              <a:defRPr sz="1050" b="1"/>
+            <a:pPr>
+              <a:defRPr lang="en-US" sz="1050" b="1" i="0" u="none" strike="noStrike" kern="1200" baseline="0">
+                <a:solidFill>
+                  <a:schemeClr val="tx1"/>
+                </a:solidFill>
+                <a:latin typeface="+mn-lt"/>
+                <a:ea typeface="+mn-ea"/>
+                <a:cs typeface="+mn-cs"/>
+              </a:defRPr>
             </a:pPr>
-            <a:endParaRPr lang="en-US"/>
           </a:p>
         </c:txPr>
         <c:crossAx val="-280338160"/>
@@ -487,38 +497,51 @@
         <c:axPos val="b"/>
         <c:majorGridlines>
           <c:spPr>
-            <a:ln>
+            <a:ln w="6350" cap="flat" cmpd="sng" algn="in">
               <a:solidFill>
                 <a:srgbClr val="B7B7B7"/>
               </a:solidFill>
+              <a:prstDash val="solid"/>
+              <a:round/>
             </a:ln>
           </c:spPr>
         </c:majorGridlines>
         <c:minorGridlines>
           <c:spPr>
-            <a:ln>
+            <a:ln w="6350" cap="flat" cmpd="sng" algn="in">
               <a:solidFill>
                 <a:srgbClr val="CCCCCC"/>
               </a:solidFill>
+              <a:prstDash val="solid"/>
+              <a:round/>
             </a:ln>
           </c:spPr>
         </c:minorGridlines>
         <c:title>
           <c:tx>
             <c:rich>
-              <a:bodyPr/>
+              <a:bodyPr rot="0" spcFirstLastPara="0" vertOverflow="ellipsis" vert="horz" wrap="square" anchor="ctr" anchorCtr="1"/>
               <a:lstStyle/>
               <a:p>
                 <a:pPr lvl="0">
-                  <a:defRPr b="0"/>
+                  <a:defRPr lang="en-US" sz="1000" b="0" i="0" u="none" strike="noStrike" kern="1200" baseline="0">
+                    <a:solidFill>
+                      <a:schemeClr val="tx1"/>
+                    </a:solidFill>
+                    <a:latin typeface="+mn-lt"/>
+                    <a:ea typeface="+mn-ea"/>
+                    <a:cs typeface="+mn-cs"/>
+                  </a:defRPr>
                 </a:pPr>
                 <a:r>
                   <a:rPr lang="en-US"/>
                   <a:t>Date</a:t>
                 </a:r>
+                <a:endParaRPr lang="en-US"/>
               </a:p>
             </c:rich>
           </c:tx>
+          <c:layout/>
           <c:overlay val="0"/>
         </c:title>
         <c:numFmt formatCode="m&quot;/&quot;d" sourceLinked="1"/>
@@ -526,18 +549,26 @@
         <c:minorTickMark val="cross"/>
         <c:tickLblPos val="nextTo"/>
         <c:spPr>
-          <a:ln w="47625">
+          <a:ln w="47625" cap="flat" cmpd="sng" algn="in">
             <a:noFill/>
+            <a:prstDash val="solid"/>
+            <a:round/>
           </a:ln>
         </c:spPr>
         <c:txPr>
-          <a:bodyPr/>
+          <a:bodyPr rot="-60000000" spcFirstLastPara="0" vertOverflow="ellipsis" vert="horz" wrap="square" anchor="ctr" anchorCtr="1"/>
           <a:lstStyle/>
           <a:p>
-            <a:pPr lvl="0">
-              <a:defRPr b="0"/>
+            <a:pPr>
+              <a:defRPr lang="en-US" sz="1000" b="0" i="0" u="none" strike="noStrike" kern="1200" baseline="0">
+                <a:solidFill>
+                  <a:schemeClr val="tx1"/>
+                </a:solidFill>
+                <a:latin typeface="+mn-lt"/>
+                <a:ea typeface="+mn-ea"/>
+                <a:cs typeface="+mn-cs"/>
+              </a:defRPr>
             </a:pPr>
-            <a:endParaRPr lang="en-US"/>
           </a:p>
         </c:txPr>
         <c:crossAx val="-280336528"/>
@@ -550,6 +581,15 @@
     <c:dispBlanksAs val="zero"/>
     <c:showDLblsOverMax val="1"/>
   </c:chart>
+  <c:txPr>
+    <a:bodyPr/>
+    <a:lstStyle/>
+    <a:p>
+      <a:pPr>
+        <a:defRPr lang="en-US"/>
+      </a:pPr>
+    </a:p>
+  </c:txPr>
   <c:externalData r:id="rId1">
     <c:autoUpdate val="0"/>
   </c:externalData>
@@ -557,7 +597,7 @@
 </file>
 
 <file path=ppt/slideLayouts/slideLayout1.xml><?xml version="1.0" encoding="utf-8"?>
-<p:sldLayout xmlns:a="http://schemas.openxmlformats.org/drawingml/2006/main" xmlns:r="http://schemas.openxmlformats.org/officeDocument/2006/relationships" xmlns:p="http://schemas.openxmlformats.org/presentationml/2006/main" showMasterSp="0" type="title" preserve="1">
+<p:sldLayout xmlns:a="http://schemas.openxmlformats.org/drawingml/2006/main" xmlns:r="http://schemas.openxmlformats.org/officeDocument/2006/relationships" xmlns:p="http://schemas.openxmlformats.org/presentationml/2006/main" type="title" preserve="1" showMasterSp="0">
   <p:cSld name="Title Slide">
     <p:spTree>
       <p:nvGrpSpPr>
@@ -717,7 +757,6 @@
           <a:p>
             <a:fld id="{7ED82E05-B906-46D2-B7F0-95A00293E995}" type="datetimeFigureOut">
               <a:rPr lang="en-US" smtClean="0"/>
-              <a:t>8/28/2019</a:t>
             </a:fld>
             <a:endParaRPr lang="en-US"/>
           </a:p>
@@ -785,7 +824,6 @@
           <a:p>
             <a:fld id="{A8D7D4F6-2DF8-4D69-B05D-24304D43B04C}" type="slidenum">
               <a:rPr lang="en-US" smtClean="0"/>
-              <a:t>‹#›</a:t>
             </a:fld>
             <a:endParaRPr lang="en-US"/>
           </a:p>
@@ -856,8 +894,6 @@
               <a:noFill/>
               <a:prstDash val="solid"/>
               <a:round/>
-              <a:headEnd/>
-              <a:tailEnd/>
             </a:ln>
           </p:spPr>
         </p:sp>
@@ -914,18 +950,11 @@
               <a:noFill/>
               <a:prstDash val="solid"/>
               <a:round/>
-              <a:headEnd/>
-              <a:tailEnd/>
             </a:ln>
           </p:spPr>
         </p:sp>
       </p:grpSp>
     </p:spTree>
-    <p:extLst>
-      <p:ext uri="{BB962C8B-B14F-4D97-AF65-F5344CB8AC3E}">
-        <p14:creationId xmlns:p14="http://schemas.microsoft.com/office/powerpoint/2010/main" val="2639516394"/>
-      </p:ext>
-    </p:extLst>
   </p:cSld>
   <p:clrMapOvr>
     <a:masterClrMapping/>
@@ -998,6 +1027,7 @@
               <a:rPr lang="en-US"/>
               <a:t>Click to edit Master text styles</a:t>
             </a:r>
+            <a:endParaRPr lang="en-US"/>
           </a:p>
           <a:p>
             <a:pPr lvl="1"/>
@@ -1005,6 +1035,7 @@
               <a:rPr lang="en-US"/>
               <a:t>Second level</a:t>
             </a:r>
+            <a:endParaRPr lang="en-US"/>
           </a:p>
           <a:p>
             <a:pPr lvl="2"/>
@@ -1012,6 +1043,7 @@
               <a:rPr lang="en-US"/>
               <a:t>Third level</a:t>
             </a:r>
+            <a:endParaRPr lang="en-US"/>
           </a:p>
           <a:p>
             <a:pPr lvl="3"/>
@@ -1019,6 +1051,7 @@
               <a:rPr lang="en-US"/>
               <a:t>Fourth level</a:t>
             </a:r>
+            <a:endParaRPr lang="en-US"/>
           </a:p>
           <a:p>
             <a:pPr lvl="4"/>
@@ -1047,7 +1080,6 @@
           <a:p>
             <a:fld id="{7ED82E05-B906-46D2-B7F0-95A00293E995}" type="datetimeFigureOut">
               <a:rPr lang="en-US" smtClean="0"/>
-              <a:t>8/28/2019</a:t>
             </a:fld>
             <a:endParaRPr lang="en-US"/>
           </a:p>
@@ -1089,18 +1121,12 @@
           <a:p>
             <a:fld id="{A8D7D4F6-2DF8-4D69-B05D-24304D43B04C}" type="slidenum">
               <a:rPr lang="en-US" smtClean="0"/>
-              <a:t>‹#›</a:t>
             </a:fld>
             <a:endParaRPr lang="en-US"/>
           </a:p>
         </p:txBody>
       </p:sp>
     </p:spTree>
-    <p:extLst>
-      <p:ext uri="{BB962C8B-B14F-4D97-AF65-F5344CB8AC3E}">
-        <p14:creationId xmlns:p14="http://schemas.microsoft.com/office/powerpoint/2010/main" val="127830602"/>
-      </p:ext>
-    </p:extLst>
   </p:cSld>
   <p:clrMapOvr>
     <a:masterClrMapping/>
@@ -1178,6 +1204,7 @@
               <a:rPr lang="en-US"/>
               <a:t>Click to edit Master text styles</a:t>
             </a:r>
+            <a:endParaRPr lang="en-US"/>
           </a:p>
           <a:p>
             <a:pPr lvl="1"/>
@@ -1185,6 +1212,7 @@
               <a:rPr lang="en-US"/>
               <a:t>Second level</a:t>
             </a:r>
+            <a:endParaRPr lang="en-US"/>
           </a:p>
           <a:p>
             <a:pPr lvl="2"/>
@@ -1192,6 +1220,7 @@
               <a:rPr lang="en-US"/>
               <a:t>Third level</a:t>
             </a:r>
+            <a:endParaRPr lang="en-US"/>
           </a:p>
           <a:p>
             <a:pPr lvl="3"/>
@@ -1199,6 +1228,7 @@
               <a:rPr lang="en-US"/>
               <a:t>Fourth level</a:t>
             </a:r>
+            <a:endParaRPr lang="en-US"/>
           </a:p>
           <a:p>
             <a:pPr lvl="4"/>
@@ -1227,7 +1257,6 @@
           <a:p>
             <a:fld id="{7ED82E05-B906-46D2-B7F0-95A00293E995}" type="datetimeFigureOut">
               <a:rPr lang="en-US" smtClean="0"/>
-              <a:t>8/28/2019</a:t>
             </a:fld>
             <a:endParaRPr lang="en-US"/>
           </a:p>
@@ -1269,18 +1298,12 @@
           <a:p>
             <a:fld id="{A8D7D4F6-2DF8-4D69-B05D-24304D43B04C}" type="slidenum">
               <a:rPr lang="en-US" smtClean="0"/>
-              <a:t>‹#›</a:t>
             </a:fld>
             <a:endParaRPr lang="en-US"/>
           </a:p>
         </p:txBody>
       </p:sp>
     </p:spTree>
-    <p:extLst>
-      <p:ext uri="{BB962C8B-B14F-4D97-AF65-F5344CB8AC3E}">
-        <p14:creationId xmlns:p14="http://schemas.microsoft.com/office/powerpoint/2010/main" val="2352141542"/>
-      </p:ext>
-    </p:extLst>
   </p:cSld>
   <p:clrMapOvr>
     <a:masterClrMapping/>
@@ -1348,6 +1371,7 @@
               <a:rPr lang="en-US"/>
               <a:t>Click to edit Master text styles</a:t>
             </a:r>
+            <a:endParaRPr lang="en-US"/>
           </a:p>
           <a:p>
             <a:pPr lvl="1"/>
@@ -1355,6 +1379,7 @@
               <a:rPr lang="en-US"/>
               <a:t>Second level</a:t>
             </a:r>
+            <a:endParaRPr lang="en-US"/>
           </a:p>
           <a:p>
             <a:pPr lvl="2"/>
@@ -1362,6 +1387,7 @@
               <a:rPr lang="en-US"/>
               <a:t>Third level</a:t>
             </a:r>
+            <a:endParaRPr lang="en-US"/>
           </a:p>
           <a:p>
             <a:pPr lvl="3"/>
@@ -1369,6 +1395,7 @@
               <a:rPr lang="en-US"/>
               <a:t>Fourth level</a:t>
             </a:r>
+            <a:endParaRPr lang="en-US"/>
           </a:p>
           <a:p>
             <a:pPr lvl="4"/>
@@ -1397,7 +1424,6 @@
           <a:p>
             <a:fld id="{7ED82E05-B906-46D2-B7F0-95A00293E995}" type="datetimeFigureOut">
               <a:rPr lang="en-US" smtClean="0"/>
-              <a:t>8/28/2019</a:t>
             </a:fld>
             <a:endParaRPr lang="en-US"/>
           </a:p>
@@ -1439,18 +1465,12 @@
           <a:p>
             <a:fld id="{A8D7D4F6-2DF8-4D69-B05D-24304D43B04C}" type="slidenum">
               <a:rPr lang="en-US" smtClean="0"/>
-              <a:t>‹#›</a:t>
             </a:fld>
             <a:endParaRPr lang="en-US"/>
           </a:p>
         </p:txBody>
       </p:sp>
     </p:spTree>
-    <p:extLst>
-      <p:ext uri="{BB962C8B-B14F-4D97-AF65-F5344CB8AC3E}">
-        <p14:creationId xmlns:p14="http://schemas.microsoft.com/office/powerpoint/2010/main" val="1021291224"/>
-      </p:ext>
-    </p:extLst>
   </p:cSld>
   <p:clrMapOvr>
     <a:masterClrMapping/>
@@ -1459,7 +1479,7 @@
 </file>
 
 <file path=ppt/slideLayouts/slideLayout3.xml><?xml version="1.0" encoding="utf-8"?>
-<p:sldLayout xmlns:a="http://schemas.openxmlformats.org/drawingml/2006/main" xmlns:r="http://schemas.openxmlformats.org/officeDocument/2006/relationships" xmlns:p="http://schemas.openxmlformats.org/presentationml/2006/main" showMasterSp="0" type="secHead" preserve="1">
+<p:sldLayout xmlns:a="http://schemas.openxmlformats.org/drawingml/2006/main" xmlns:r="http://schemas.openxmlformats.org/officeDocument/2006/relationships" xmlns:p="http://schemas.openxmlformats.org/presentationml/2006/main" type="secHead" preserve="1" showMasterSp="0">
   <p:cSld name="Section Header">
     <p:spTree>
       <p:nvGrpSpPr>
@@ -1636,6 +1656,7 @@
               <a:rPr lang="en-US"/>
               <a:t>Click to edit Master text styles</a:t>
             </a:r>
+            <a:endParaRPr lang="en-US"/>
           </a:p>
         </p:txBody>
       </p:sp>
@@ -1669,7 +1690,6 @@
           <a:p>
             <a:fld id="{7ED82E05-B906-46D2-B7F0-95A00293E995}" type="datetimeFigureOut">
               <a:rPr lang="en-US" smtClean="0"/>
-              <a:t>8/28/2019</a:t>
             </a:fld>
             <a:endParaRPr lang="en-US"/>
           </a:p>
@@ -1737,7 +1757,6 @@
           <a:p>
             <a:fld id="{A8D7D4F6-2DF8-4D69-B05D-24304D43B04C}" type="slidenum">
               <a:rPr lang="en-US" smtClean="0"/>
-              <a:t>‹#›</a:t>
             </a:fld>
             <a:endParaRPr lang="en-US"/>
           </a:p>
@@ -1794,17 +1813,10 @@
             <a:noFill/>
             <a:prstDash val="solid"/>
             <a:round/>
-            <a:headEnd/>
-            <a:tailEnd/>
           </a:ln>
         </p:spPr>
       </p:sp>
     </p:spTree>
-    <p:extLst>
-      <p:ext uri="{BB962C8B-B14F-4D97-AF65-F5344CB8AC3E}">
-        <p14:creationId xmlns:p14="http://schemas.microsoft.com/office/powerpoint/2010/main" val="167884894"/>
-      </p:ext>
-    </p:extLst>
   </p:cSld>
   <p:clrMapOvr>
     <a:masterClrMapping/>
@@ -1921,6 +1933,7 @@
               <a:rPr lang="en-US"/>
               <a:t>Click to edit Master text styles</a:t>
             </a:r>
+            <a:endParaRPr lang="en-US"/>
           </a:p>
           <a:p>
             <a:pPr lvl="1"/>
@@ -1928,6 +1941,7 @@
               <a:rPr lang="en-US"/>
               <a:t>Second level</a:t>
             </a:r>
+            <a:endParaRPr lang="en-US"/>
           </a:p>
           <a:p>
             <a:pPr lvl="2"/>
@@ -1935,6 +1949,7 @@
               <a:rPr lang="en-US"/>
               <a:t>Third level</a:t>
             </a:r>
+            <a:endParaRPr lang="en-US"/>
           </a:p>
           <a:p>
             <a:pPr lvl="3"/>
@@ -1942,6 +1957,7 @@
               <a:rPr lang="en-US"/>
               <a:t>Fourth level</a:t>
             </a:r>
+            <a:endParaRPr lang="en-US"/>
           </a:p>
           <a:p>
             <a:pPr lvl="4"/>
@@ -2014,6 +2030,7 @@
               <a:rPr lang="en-US"/>
               <a:t>Click to edit Master text styles</a:t>
             </a:r>
+            <a:endParaRPr lang="en-US"/>
           </a:p>
           <a:p>
             <a:pPr lvl="1"/>
@@ -2021,6 +2038,7 @@
               <a:rPr lang="en-US"/>
               <a:t>Second level</a:t>
             </a:r>
+            <a:endParaRPr lang="en-US"/>
           </a:p>
           <a:p>
             <a:pPr lvl="2"/>
@@ -2028,6 +2046,7 @@
               <a:rPr lang="en-US"/>
               <a:t>Third level</a:t>
             </a:r>
+            <a:endParaRPr lang="en-US"/>
           </a:p>
           <a:p>
             <a:pPr lvl="3"/>
@@ -2035,6 +2054,7 @@
               <a:rPr lang="en-US"/>
               <a:t>Fourth level</a:t>
             </a:r>
+            <a:endParaRPr lang="en-US"/>
           </a:p>
           <a:p>
             <a:pPr lvl="4"/>
@@ -2063,7 +2083,6 @@
           <a:p>
             <a:fld id="{7ED82E05-B906-46D2-B7F0-95A00293E995}" type="datetimeFigureOut">
               <a:rPr lang="en-US" smtClean="0"/>
-              <a:t>8/28/2019</a:t>
             </a:fld>
             <a:endParaRPr lang="en-US"/>
           </a:p>
@@ -2105,18 +2124,12 @@
           <a:p>
             <a:fld id="{A8D7D4F6-2DF8-4D69-B05D-24304D43B04C}" type="slidenum">
               <a:rPr lang="en-US" smtClean="0"/>
-              <a:t>‹#›</a:t>
             </a:fld>
             <a:endParaRPr lang="en-US"/>
           </a:p>
         </p:txBody>
       </p:sp>
     </p:spTree>
-    <p:extLst>
-      <p:ext uri="{BB962C8B-B14F-4D97-AF65-F5344CB8AC3E}">
-        <p14:creationId xmlns:p14="http://schemas.microsoft.com/office/powerpoint/2010/main" val="4078601516"/>
-      </p:ext>
-    </p:extLst>
   </p:cSld>
   <p:clrMapOvr>
     <a:masterClrMapping/>
@@ -2254,6 +2267,7 @@
               <a:rPr lang="en-US"/>
               <a:t>Click to edit Master text styles</a:t>
             </a:r>
+            <a:endParaRPr lang="en-US"/>
           </a:p>
         </p:txBody>
       </p:sp>
@@ -2318,6 +2332,7 @@
               <a:rPr lang="en-US"/>
               <a:t>Click to edit Master text styles</a:t>
             </a:r>
+            <a:endParaRPr lang="en-US"/>
           </a:p>
           <a:p>
             <a:pPr lvl="1"/>
@@ -2325,6 +2340,7 @@
               <a:rPr lang="en-US"/>
               <a:t>Second level</a:t>
             </a:r>
+            <a:endParaRPr lang="en-US"/>
           </a:p>
           <a:p>
             <a:pPr lvl="2"/>
@@ -2332,6 +2348,7 @@
               <a:rPr lang="en-US"/>
               <a:t>Third level</a:t>
             </a:r>
+            <a:endParaRPr lang="en-US"/>
           </a:p>
           <a:p>
             <a:pPr lvl="3"/>
@@ -2339,6 +2356,7 @@
               <a:rPr lang="en-US"/>
               <a:t>Fourth level</a:t>
             </a:r>
+            <a:endParaRPr lang="en-US"/>
           </a:p>
           <a:p>
             <a:pPr lvl="4"/>
@@ -2427,6 +2445,7 @@
               <a:rPr lang="en-US"/>
               <a:t>Click to edit Master text styles</a:t>
             </a:r>
+            <a:endParaRPr lang="en-US"/>
           </a:p>
         </p:txBody>
       </p:sp>
@@ -2491,6 +2510,7 @@
               <a:rPr lang="en-US"/>
               <a:t>Click to edit Master text styles</a:t>
             </a:r>
+            <a:endParaRPr lang="en-US"/>
           </a:p>
           <a:p>
             <a:pPr lvl="1"/>
@@ -2498,6 +2518,7 @@
               <a:rPr lang="en-US"/>
               <a:t>Second level</a:t>
             </a:r>
+            <a:endParaRPr lang="en-US"/>
           </a:p>
           <a:p>
             <a:pPr lvl="2"/>
@@ -2505,6 +2526,7 @@
               <a:rPr lang="en-US"/>
               <a:t>Third level</a:t>
             </a:r>
+            <a:endParaRPr lang="en-US"/>
           </a:p>
           <a:p>
             <a:pPr lvl="3"/>
@@ -2512,6 +2534,7 @@
               <a:rPr lang="en-US"/>
               <a:t>Fourth level</a:t>
             </a:r>
+            <a:endParaRPr lang="en-US"/>
           </a:p>
           <a:p>
             <a:pPr lvl="4"/>
@@ -2540,7 +2563,6 @@
           <a:p>
             <a:fld id="{7ED82E05-B906-46D2-B7F0-95A00293E995}" type="datetimeFigureOut">
               <a:rPr lang="en-US" smtClean="0"/>
-              <a:t>8/28/2019</a:t>
             </a:fld>
             <a:endParaRPr lang="en-US"/>
           </a:p>
@@ -2582,18 +2604,12 @@
           <a:p>
             <a:fld id="{A8D7D4F6-2DF8-4D69-B05D-24304D43B04C}" type="slidenum">
               <a:rPr lang="en-US" smtClean="0"/>
-              <a:t>‹#›</a:t>
             </a:fld>
             <a:endParaRPr lang="en-US"/>
           </a:p>
         </p:txBody>
       </p:sp>
     </p:spTree>
-    <p:extLst>
-      <p:ext uri="{BB962C8B-B14F-4D97-AF65-F5344CB8AC3E}">
-        <p14:creationId xmlns:p14="http://schemas.microsoft.com/office/powerpoint/2010/main" val="2514446039"/>
-      </p:ext>
-    </p:extLst>
   </p:cSld>
   <p:clrMapOvr>
     <a:masterClrMapping/>
@@ -2658,7 +2674,6 @@
           <a:p>
             <a:fld id="{7ED82E05-B906-46D2-B7F0-95A00293E995}" type="datetimeFigureOut">
               <a:rPr lang="en-US" smtClean="0"/>
-              <a:t>8/28/2019</a:t>
             </a:fld>
             <a:endParaRPr lang="en-US"/>
           </a:p>
@@ -2700,18 +2715,12 @@
           <a:p>
             <a:fld id="{A8D7D4F6-2DF8-4D69-B05D-24304D43B04C}" type="slidenum">
               <a:rPr lang="en-US" smtClean="0"/>
-              <a:t>‹#›</a:t>
             </a:fld>
             <a:endParaRPr lang="en-US"/>
           </a:p>
         </p:txBody>
       </p:sp>
     </p:spTree>
-    <p:extLst>
-      <p:ext uri="{BB962C8B-B14F-4D97-AF65-F5344CB8AC3E}">
-        <p14:creationId xmlns:p14="http://schemas.microsoft.com/office/powerpoint/2010/main" val="614057892"/>
-      </p:ext>
-    </p:extLst>
   </p:cSld>
   <p:clrMapOvr>
     <a:masterClrMapping/>
@@ -2753,7 +2762,6 @@
           <a:p>
             <a:fld id="{7ED82E05-B906-46D2-B7F0-95A00293E995}" type="datetimeFigureOut">
               <a:rPr lang="en-US" smtClean="0"/>
-              <a:t>8/28/2019</a:t>
             </a:fld>
             <a:endParaRPr lang="en-US"/>
           </a:p>
@@ -2795,18 +2803,12 @@
           <a:p>
             <a:fld id="{A8D7D4F6-2DF8-4D69-B05D-24304D43B04C}" type="slidenum">
               <a:rPr lang="en-US" smtClean="0"/>
-              <a:t>‹#›</a:t>
             </a:fld>
             <a:endParaRPr lang="en-US"/>
           </a:p>
         </p:txBody>
       </p:sp>
     </p:spTree>
-    <p:extLst>
-      <p:ext uri="{BB962C8B-B14F-4D97-AF65-F5344CB8AC3E}">
-        <p14:creationId xmlns:p14="http://schemas.microsoft.com/office/powerpoint/2010/main" val="1600719376"/>
-      </p:ext>
-    </p:extLst>
   </p:cSld>
   <p:clrMapOvr>
     <a:masterClrMapping/>
@@ -2815,7 +2817,7 @@
 </file>
 
 <file path=ppt/slideLayouts/slideLayout8.xml><?xml version="1.0" encoding="utf-8"?>
-<p:sldLayout xmlns:a="http://schemas.openxmlformats.org/drawingml/2006/main" xmlns:r="http://schemas.openxmlformats.org/officeDocument/2006/relationships" xmlns:p="http://schemas.openxmlformats.org/presentationml/2006/main" showMasterSp="0" type="objTx" preserve="1">
+<p:sldLayout xmlns:a="http://schemas.openxmlformats.org/drawingml/2006/main" xmlns:r="http://schemas.openxmlformats.org/officeDocument/2006/relationships" xmlns:p="http://schemas.openxmlformats.org/presentationml/2006/main" type="objTx" preserve="1" showMasterSp="0">
   <p:cSld name="Content with Caption">
     <p:spTree>
       <p:nvGrpSpPr>
@@ -2963,6 +2965,7 @@
               <a:rPr lang="en-US"/>
               <a:t>Click to edit Master text styles</a:t>
             </a:r>
+            <a:endParaRPr lang="en-US"/>
           </a:p>
           <a:p>
             <a:pPr lvl="1"/>
@@ -2970,6 +2973,7 @@
               <a:rPr lang="en-US"/>
               <a:t>Second level</a:t>
             </a:r>
+            <a:endParaRPr lang="en-US"/>
           </a:p>
           <a:p>
             <a:pPr lvl="2"/>
@@ -2977,6 +2981,7 @@
               <a:rPr lang="en-US"/>
               <a:t>Third level</a:t>
             </a:r>
+            <a:endParaRPr lang="en-US"/>
           </a:p>
           <a:p>
             <a:pPr lvl="3"/>
@@ -2984,6 +2989,7 @@
               <a:rPr lang="en-US"/>
               <a:t>Fourth level</a:t>
             </a:r>
+            <a:endParaRPr lang="en-US"/>
           </a:p>
           <a:p>
             <a:pPr lvl="4"/>
@@ -3066,6 +3072,7 @@
               <a:rPr lang="en-US"/>
               <a:t>Click to edit Master text styles</a:t>
             </a:r>
+            <a:endParaRPr lang="en-US"/>
           </a:p>
         </p:txBody>
       </p:sp>
@@ -3099,7 +3106,6 @@
           <a:p>
             <a:fld id="{7ED82E05-B906-46D2-B7F0-95A00293E995}" type="datetimeFigureOut">
               <a:rPr lang="en-US" smtClean="0"/>
-              <a:t>8/28/2019</a:t>
             </a:fld>
             <a:endParaRPr lang="en-US"/>
           </a:p>
@@ -3167,7 +3173,6 @@
           <a:p>
             <a:fld id="{A8D7D4F6-2DF8-4D69-B05D-24304D43B04C}" type="slidenum">
               <a:rPr lang="en-US" smtClean="0"/>
-              <a:t>‹#›</a:t>
             </a:fld>
             <a:endParaRPr lang="en-US"/>
           </a:p>
@@ -3212,11 +3217,6 @@
         </p:style>
       </p:sp>
     </p:spTree>
-    <p:extLst>
-      <p:ext uri="{BB962C8B-B14F-4D97-AF65-F5344CB8AC3E}">
-        <p14:creationId xmlns:p14="http://schemas.microsoft.com/office/powerpoint/2010/main" val="3068865985"/>
-      </p:ext>
-    </p:extLst>
   </p:cSld>
   <p:clrMapOvr>
     <a:masterClrMapping/>
@@ -3225,7 +3225,7 @@
 </file>
 
 <file path=ppt/slideLayouts/slideLayout9.xml><?xml version="1.0" encoding="utf-8"?>
-<p:sldLayout xmlns:a="http://schemas.openxmlformats.org/drawingml/2006/main" xmlns:r="http://schemas.openxmlformats.org/officeDocument/2006/relationships" xmlns:p="http://schemas.openxmlformats.org/presentationml/2006/main" showMasterSp="0" type="picTx" preserve="1">
+<p:sldLayout xmlns:a="http://schemas.openxmlformats.org/drawingml/2006/main" xmlns:r="http://schemas.openxmlformats.org/officeDocument/2006/relationships" xmlns:p="http://schemas.openxmlformats.org/presentationml/2006/main" type="picTx" preserve="1" showMasterSp="0">
   <p:cSld name="Picture with Caption">
     <p:spTree>
       <p:nvGrpSpPr>
@@ -3454,6 +3454,7 @@
               <a:rPr lang="en-US"/>
               <a:t>Click to edit Master text styles</a:t>
             </a:r>
+            <a:endParaRPr lang="en-US"/>
           </a:p>
         </p:txBody>
       </p:sp>
@@ -3487,7 +3488,6 @@
           <a:p>
             <a:fld id="{7ED82E05-B906-46D2-B7F0-95A00293E995}" type="datetimeFigureOut">
               <a:rPr lang="en-US" smtClean="0"/>
-              <a:t>8/28/2019</a:t>
             </a:fld>
             <a:endParaRPr lang="en-US"/>
           </a:p>
@@ -3555,7 +3555,6 @@
           <a:p>
             <a:fld id="{A8D7D4F6-2DF8-4D69-B05D-24304D43B04C}" type="slidenum">
               <a:rPr lang="en-US" smtClean="0"/>
-              <a:t>‹#›</a:t>
             </a:fld>
             <a:endParaRPr lang="en-US"/>
           </a:p>
@@ -3600,11 +3599,6 @@
         </p:style>
       </p:sp>
     </p:spTree>
-    <p:extLst>
-      <p:ext uri="{BB962C8B-B14F-4D97-AF65-F5344CB8AC3E}">
-        <p14:creationId xmlns:p14="http://schemas.microsoft.com/office/powerpoint/2010/main" val="2166592949"/>
-      </p:ext>
-    </p:extLst>
   </p:cSld>
   <p:clrMapOvr>
     <a:masterClrMapping/>
@@ -3697,6 +3691,7 @@
               <a:rPr lang="en-US"/>
               <a:t>Click to edit Master text styles</a:t>
             </a:r>
+            <a:endParaRPr lang="en-US"/>
           </a:p>
           <a:p>
             <a:pPr lvl="1"/>
@@ -3704,6 +3699,7 @@
               <a:rPr lang="en-US"/>
               <a:t>Second level</a:t>
             </a:r>
+            <a:endParaRPr lang="en-US"/>
           </a:p>
           <a:p>
             <a:pPr lvl="2"/>
@@ -3711,6 +3707,7 @@
               <a:rPr lang="en-US"/>
               <a:t>Third level</a:t>
             </a:r>
+            <a:endParaRPr lang="en-US"/>
           </a:p>
           <a:p>
             <a:pPr lvl="3"/>
@@ -3718,6 +3715,7 @@
               <a:rPr lang="en-US"/>
               <a:t>Fourth level</a:t>
             </a:r>
+            <a:endParaRPr lang="en-US"/>
           </a:p>
           <a:p>
             <a:pPr lvl="4"/>
@@ -3762,7 +3760,6 @@
           <a:p>
             <a:fld id="{7ED82E05-B906-46D2-B7F0-95A00293E995}" type="datetimeFigureOut">
               <a:rPr lang="en-US" smtClean="0"/>
-              <a:t>8/28/2019</a:t>
             </a:fld>
             <a:endParaRPr lang="en-US"/>
           </a:p>
@@ -3836,7 +3833,6 @@
           <a:p>
             <a:fld id="{A8D7D4F6-2DF8-4D69-B05D-24304D43B04C}" type="slidenum">
               <a:rPr lang="en-US" smtClean="0"/>
-              <a:t>‹#›</a:t>
             </a:fld>
             <a:endParaRPr lang="en-US"/>
           </a:p>
@@ -3881,25 +3877,20 @@
         </p:style>
       </p:sp>
     </p:spTree>
-    <p:extLst>
-      <p:ext uri="{BB962C8B-B14F-4D97-AF65-F5344CB8AC3E}">
-        <p14:creationId xmlns:p14="http://schemas.microsoft.com/office/powerpoint/2010/main" val="1441809735"/>
-      </p:ext>
-    </p:extLst>
   </p:cSld>
   <p:clrMap bg1="lt1" tx1="dk1" bg2="lt2" tx2="dk2" accent1="accent1" accent2="accent2" accent3="accent3" accent4="accent4" accent5="accent5" accent6="accent6" hlink="hlink" folHlink="folHlink"/>
   <p:sldLayoutIdLst>
-    <p:sldLayoutId id="2147483661" r:id="rId1"/>
-    <p:sldLayoutId id="2147483662" r:id="rId2"/>
-    <p:sldLayoutId id="2147483663" r:id="rId3"/>
-    <p:sldLayoutId id="2147483664" r:id="rId4"/>
-    <p:sldLayoutId id="2147483665" r:id="rId5"/>
-    <p:sldLayoutId id="2147483666" r:id="rId6"/>
-    <p:sldLayoutId id="2147483667" r:id="rId7"/>
-    <p:sldLayoutId id="2147483668" r:id="rId8"/>
-    <p:sldLayoutId id="2147483669" r:id="rId9"/>
-    <p:sldLayoutId id="2147483670" r:id="rId10"/>
-    <p:sldLayoutId id="2147483671" r:id="rId11"/>
+    <p:sldLayoutId id="2147483649" r:id="rId1"/>
+    <p:sldLayoutId id="2147483650" r:id="rId2"/>
+    <p:sldLayoutId id="2147483651" r:id="rId3"/>
+    <p:sldLayoutId id="2147483652" r:id="rId4"/>
+    <p:sldLayoutId id="2147483653" r:id="rId5"/>
+    <p:sldLayoutId id="2147483654" r:id="rId6"/>
+    <p:sldLayoutId id="2147483655" r:id="rId7"/>
+    <p:sldLayoutId id="2147483656" r:id="rId8"/>
+    <p:sldLayoutId id="2147483657" r:id="rId9"/>
+    <p:sldLayoutId id="2147483658" r:id="rId10"/>
+    <p:sldLayoutId id="2147483659" r:id="rId11"/>
   </p:sldLayoutIdLst>
   <p:txStyles>
     <p:titleStyle>
@@ -3922,7 +3913,7 @@
       </a:lvl1pPr>
     </p:titleStyle>
     <p:bodyStyle>
-      <a:lvl1pPr marL="384048" indent="-384048" algn="l" defTabSz="914400" rtl="0" eaLnBrk="1" latinLnBrk="0" hangingPunct="1">
+      <a:lvl1pPr marL="384175" indent="-384175" algn="l" defTabSz="914400" rtl="0" eaLnBrk="1" latinLnBrk="0" hangingPunct="1">
         <a:lnSpc>
           <a:spcPct val="94000"/>
         </a:lnSpc>
@@ -3943,7 +3934,7 @@
           <a:cs typeface="+mn-cs"/>
         </a:defRPr>
       </a:lvl1pPr>
-      <a:lvl2pPr marL="914400" indent="-384048" algn="l" defTabSz="914400" rtl="0" eaLnBrk="1" latinLnBrk="0" hangingPunct="1">
+      <a:lvl2pPr marL="914400" indent="-384175" algn="l" defTabSz="914400" rtl="0" eaLnBrk="1" latinLnBrk="0" hangingPunct="1">
         <a:lnSpc>
           <a:spcPct val="94000"/>
         </a:lnSpc>
@@ -3964,7 +3955,7 @@
           <a:cs typeface="+mn-cs"/>
         </a:defRPr>
       </a:lvl2pPr>
-      <a:lvl3pPr marL="1371600" indent="-384048" algn="l" defTabSz="914400" rtl="0" eaLnBrk="1" latinLnBrk="0" hangingPunct="1">
+      <a:lvl3pPr marL="1371600" indent="-384175" algn="l" defTabSz="914400" rtl="0" eaLnBrk="1" latinLnBrk="0" hangingPunct="1">
         <a:lnSpc>
           <a:spcPct val="94000"/>
         </a:lnSpc>
@@ -3985,7 +3976,7 @@
           <a:cs typeface="+mn-cs"/>
         </a:defRPr>
       </a:lvl3pPr>
-      <a:lvl4pPr marL="1828800" indent="-384048" algn="l" defTabSz="914400" rtl="0" eaLnBrk="1" latinLnBrk="0" hangingPunct="1">
+      <a:lvl4pPr marL="1828800" indent="-384175" algn="l" defTabSz="914400" rtl="0" eaLnBrk="1" latinLnBrk="0" hangingPunct="1">
         <a:lnSpc>
           <a:spcPct val="94000"/>
         </a:lnSpc>
@@ -4006,7 +3997,7 @@
           <a:cs typeface="+mn-cs"/>
         </a:defRPr>
       </a:lvl4pPr>
-      <a:lvl5pPr marL="2286000" indent="-384048" algn="l" defTabSz="914400" rtl="0" eaLnBrk="1" latinLnBrk="0" hangingPunct="1">
+      <a:lvl5pPr marL="2286000" indent="-384175" algn="l" defTabSz="914400" rtl="0" eaLnBrk="1" latinLnBrk="0" hangingPunct="1">
         <a:lnSpc>
           <a:spcPct val="94000"/>
         </a:lnSpc>
@@ -4027,7 +4018,7 @@
           <a:cs typeface="+mn-cs"/>
         </a:defRPr>
       </a:lvl5pPr>
-      <a:lvl6pPr marL="2743200" indent="-384048" algn="l" defTabSz="914400" rtl="0" eaLnBrk="1" latinLnBrk="0" hangingPunct="1">
+      <a:lvl6pPr marL="2743200" indent="-384175" algn="l" defTabSz="914400" rtl="0" eaLnBrk="1" latinLnBrk="0" hangingPunct="1">
         <a:lnSpc>
           <a:spcPct val="94000"/>
         </a:lnSpc>
@@ -4048,7 +4039,7 @@
           <a:cs typeface="+mn-cs"/>
         </a:defRPr>
       </a:lvl6pPr>
-      <a:lvl7pPr marL="3200400" indent="-384048" algn="l" defTabSz="914400" rtl="0" eaLnBrk="1" latinLnBrk="0" hangingPunct="1">
+      <a:lvl7pPr marL="3200400" indent="-384175" algn="l" defTabSz="914400" rtl="0" eaLnBrk="1" latinLnBrk="0" hangingPunct="1">
         <a:lnSpc>
           <a:spcPct val="94000"/>
         </a:lnSpc>
@@ -4069,7 +4060,7 @@
           <a:cs typeface="+mn-cs"/>
         </a:defRPr>
       </a:lvl7pPr>
-      <a:lvl8pPr marL="3657600" indent="-384048" algn="l" defTabSz="914400" rtl="0" eaLnBrk="1" latinLnBrk="0" hangingPunct="1">
+      <a:lvl8pPr marL="3657600" indent="-384175" algn="l" defTabSz="914400" rtl="0" eaLnBrk="1" latinLnBrk="0" hangingPunct="1">
         <a:lnSpc>
           <a:spcPct val="94000"/>
         </a:lnSpc>
@@ -4090,7 +4081,7 @@
           <a:cs typeface="+mn-cs"/>
         </a:defRPr>
       </a:lvl8pPr>
-      <a:lvl9pPr marL="4114800" indent="-384048" algn="l" defTabSz="914400" rtl="0" eaLnBrk="1" latinLnBrk="0" hangingPunct="1">
+      <a:lvl9pPr marL="4114800" indent="-384175" algn="l" defTabSz="914400" rtl="0" eaLnBrk="1" latinLnBrk="0" hangingPunct="1">
         <a:lnSpc>
           <a:spcPct val="94000"/>
         </a:lnSpc>
@@ -4208,52 +4199,6 @@
       </a:lvl9pPr>
     </p:otherStyle>
   </p:txStyles>
-  <p:extLst>
-    <p:ext uri="{27BBF7A9-308A-43DC-89C8-2F10F3537804}">
-      <p15:sldGuideLst xmlns:p15="http://schemas.microsoft.com/office/powerpoint/2012/main">
-        <p15:guide id="3" orient="horz" pos="1368">
-          <p15:clr>
-            <a:srgbClr val="F26B43"/>
-          </p15:clr>
-        </p15:guide>
-        <p15:guide id="4" orient="horz" pos="1440">
-          <p15:clr>
-            <a:srgbClr val="F26B43"/>
-          </p15:clr>
-        </p15:guide>
-        <p15:guide id="6" orient="horz" pos="3696">
-          <p15:clr>
-            <a:srgbClr val="F26B43"/>
-          </p15:clr>
-        </p15:guide>
-        <p15:guide id="7" orient="horz" pos="432">
-          <p15:clr>
-            <a:srgbClr val="F26B43"/>
-          </p15:clr>
-        </p15:guide>
-        <p15:guide id="8" orient="horz" pos="1512">
-          <p15:clr>
-            <a:srgbClr val="F26B43"/>
-          </p15:clr>
-        </p15:guide>
-        <p15:guide id="9" pos="6912">
-          <p15:clr>
-            <a:srgbClr val="F26B43"/>
-          </p15:clr>
-        </p15:guide>
-        <p15:guide id="10" pos="936">
-          <p15:clr>
-            <a:srgbClr val="F26B43"/>
-          </p15:clr>
-        </p15:guide>
-        <p15:guide id="11" pos="864">
-          <p15:clr>
-            <a:srgbClr val="F26B43"/>
-          </p15:clr>
-        </p15:guide>
-      </p15:sldGuideLst>
-    </p:ext>
-  </p:extLst>
 </p:sldMaster>
 </file>
 
@@ -4276,13 +4221,7 @@
       </p:grpSpPr>
       <p:sp>
         <p:nvSpPr>
-          <p:cNvPr id="2" name="Title 1">
-            <a:extLst>
-              <a:ext uri="{FF2B5EF4-FFF2-40B4-BE49-F238E27FC236}">
-                <a16:creationId xmlns:a16="http://schemas.microsoft.com/office/drawing/2014/main" id="{D4B74078-9B3D-42FA-9BDC-48CFB5C23CDF}"/>
-              </a:ext>
-            </a:extLst>
-          </p:cNvPr>
+          <p:cNvPr id="2" name="Title 1"/>
           <p:cNvSpPr>
             <a:spLocks noGrp="1"/>
           </p:cNvSpPr>
@@ -4322,18 +4261,15 @@
               </a:rPr>
               <a:t>               VR GUIDE        </a:t>
             </a:r>
-          </a:p>
-        </p:txBody>
-      </p:sp>
-      <p:sp>
-        <p:nvSpPr>
-          <p:cNvPr id="3" name="Subtitle 2">
-            <a:extLst>
-              <a:ext uri="{FF2B5EF4-FFF2-40B4-BE49-F238E27FC236}">
-                <a16:creationId xmlns:a16="http://schemas.microsoft.com/office/drawing/2014/main" id="{95E8DEB2-5F0A-42C5-AB29-93D3EC351981}"/>
-              </a:ext>
-            </a:extLst>
-          </p:cNvPr>
+            <a:endParaRPr lang="en-US" dirty="0">
+              <a:latin typeface="Stencil" panose="040409050D0802020404" pitchFamily="82" charset="0"/>
+            </a:endParaRPr>
+          </a:p>
+        </p:txBody>
+      </p:sp>
+      <p:sp>
+        <p:nvSpPr>
+          <p:cNvPr id="3" name="Subtitle 2"/>
           <p:cNvSpPr>
             <a:spLocks noGrp="1"/>
           </p:cNvSpPr>
@@ -4357,37 +4293,34 @@
               <a:rPr lang="en-US" dirty="0"/>
               <a:t>Done By </a:t>
             </a:r>
+            <a:endParaRPr lang="en-US" dirty="0"/>
           </a:p>
           <a:p>
             <a:r>
               <a:rPr lang="en-US" dirty="0"/>
               <a:t>Adnan Ali 201520023</a:t>
             </a:r>
+            <a:endParaRPr lang="en-US" dirty="0"/>
           </a:p>
           <a:p>
             <a:r>
               <a:rPr lang="en-US" dirty="0"/>
               <a:t>Zainab Shahid</a:t>
             </a:r>
+            <a:endParaRPr lang="en-US" dirty="0"/>
           </a:p>
         </p:txBody>
       </p:sp>
       <p:pic>
         <p:nvPicPr>
-          <p:cNvPr id="5" name="Picture 4">
-            <a:extLst>
-              <a:ext uri="{FF2B5EF4-FFF2-40B4-BE49-F238E27FC236}">
-                <a16:creationId xmlns:a16="http://schemas.microsoft.com/office/drawing/2014/main" id="{71EE52B0-6832-49F3-B628-65D1CF408DB1}"/>
-              </a:ext>
-            </a:extLst>
-          </p:cNvPr>
+          <p:cNvPr id="5" name="Picture 4"/>
           <p:cNvPicPr>
             <a:picLocks noChangeAspect="1"/>
           </p:cNvPicPr>
           <p:nvPr/>
         </p:nvPicPr>
         <p:blipFill>
-          <a:blip r:embed="rId2" cstate="print">
+          <a:blip r:embed="rId1" cstate="print">
             <a:extLst>
               <a:ext uri="{28A0092B-C50C-407E-A947-70E740481C1C}">
                 <a14:useLocalDpi xmlns:a14="http://schemas.microsoft.com/office/drawing/2010/main" val="0"/>
@@ -4409,11 +4342,6 @@
         </p:spPr>
       </p:pic>
     </p:spTree>
-    <p:extLst>
-      <p:ext uri="{BB962C8B-B14F-4D97-AF65-F5344CB8AC3E}">
-        <p14:creationId xmlns:p14="http://schemas.microsoft.com/office/powerpoint/2010/main" val="410979425"/>
-      </p:ext>
-    </p:extLst>
   </p:cSld>
   <p:clrMapOvr>
     <a:masterClrMapping/>
@@ -4462,6 +4390,7 @@
               <a:rPr lang="en-US" dirty="0"/>
               <a:t>Similar Apps</a:t>
             </a:r>
+            <a:endParaRPr lang="en-US" dirty="0"/>
           </a:p>
         </p:txBody>
       </p:sp>
@@ -4525,6 +4454,11 @@
               </a:rPr>
               <a:t> VR (Water cycle VR) </a:t>
             </a:r>
+            <a:endParaRPr lang="en-US" sz="2600" b="1" dirty="0">
+              <a:solidFill>
+                <a:srgbClr val="0070C0"/>
+              </a:solidFill>
+            </a:endParaRPr>
           </a:p>
           <a:p>
             <a:pPr marL="0" indent="0">
@@ -4540,13 +4474,17 @@
               </a:rPr>
               <a:t>Features:</a:t>
             </a:r>
+            <a:endParaRPr lang="en-US" sz="2200" b="1" dirty="0">
+              <a:latin typeface="Calibri Light" panose="020F0302020204030204" pitchFamily="34" charset="0"/>
+              <a:cs typeface="Calibri Light" panose="020F0302020204030204" pitchFamily="34" charset="0"/>
+            </a:endParaRPr>
           </a:p>
           <a:p>
             <a:pPr>
               <a:lnSpc>
                 <a:spcPct val="104000"/>
               </a:lnSpc>
-              <a:buFont typeface="Arial" panose="020B0604020202020204" pitchFamily="34" charset="0"/>
+              <a:buFont typeface="Arial" panose="02080604020202020204" pitchFamily="34" charset="0"/>
               <a:buChar char="•"/>
             </a:pPr>
             <a:r>
@@ -4556,13 +4494,17 @@
               </a:rPr>
               <a:t>VR app.</a:t>
             </a:r>
+            <a:endParaRPr lang="en-US" sz="1500" dirty="0">
+              <a:latin typeface="Calibri" panose="020F0502020204030204" pitchFamily="34" charset="0"/>
+              <a:cs typeface="Calibri" panose="020F0502020204030204" pitchFamily="34" charset="0"/>
+            </a:endParaRPr>
           </a:p>
           <a:p>
             <a:pPr>
               <a:lnSpc>
                 <a:spcPct val="104000"/>
               </a:lnSpc>
-              <a:buFont typeface="Arial" panose="020B0604020202020204" pitchFamily="34" charset="0"/>
+              <a:buFont typeface="Arial" panose="02080604020202020204" pitchFamily="34" charset="0"/>
               <a:buChar char="•"/>
             </a:pPr>
             <a:r>
@@ -4572,13 +4514,17 @@
               </a:rPr>
               <a:t>An audio voice to explain user the water cycle.</a:t>
             </a:r>
+            <a:endParaRPr lang="en-US" sz="1500" i="0" dirty="0">
+              <a:latin typeface="Calibri" panose="020F0502020204030204" pitchFamily="34" charset="0"/>
+              <a:cs typeface="Calibri" panose="020F0502020204030204" pitchFamily="34" charset="0"/>
+            </a:endParaRPr>
           </a:p>
           <a:p>
             <a:pPr>
               <a:lnSpc>
                 <a:spcPct val="104000"/>
               </a:lnSpc>
-              <a:buFont typeface="Arial" panose="020B0604020202020204" pitchFamily="34" charset="0"/>
+              <a:buFont typeface="Arial" panose="02080604020202020204" pitchFamily="34" charset="0"/>
               <a:buChar char="•"/>
             </a:pPr>
             <a:r>
@@ -4588,13 +4534,17 @@
               </a:rPr>
               <a:t>Audio effect for rain and wind.</a:t>
             </a:r>
+            <a:endParaRPr lang="en-US" sz="1500" i="0" dirty="0">
+              <a:latin typeface="Calibri" panose="020F0502020204030204" pitchFamily="34" charset="0"/>
+              <a:cs typeface="Calibri" panose="020F0502020204030204" pitchFamily="34" charset="0"/>
+            </a:endParaRPr>
           </a:p>
           <a:p>
             <a:pPr>
               <a:lnSpc>
                 <a:spcPct val="104000"/>
               </a:lnSpc>
-              <a:buFont typeface="Arial" panose="020B0604020202020204" pitchFamily="34" charset="0"/>
+              <a:buFont typeface="Arial" panose="02080604020202020204" pitchFamily="34" charset="0"/>
               <a:buChar char="•"/>
             </a:pPr>
             <a:r>
@@ -4604,13 +4554,17 @@
               </a:rPr>
               <a:t>Main menu to allow user to choose the option they would like to go for. </a:t>
             </a:r>
+            <a:endParaRPr lang="en-US" sz="1500" i="0" dirty="0">
+              <a:latin typeface="Calibri" panose="020F0502020204030204" pitchFamily="34" charset="0"/>
+              <a:cs typeface="Calibri" panose="020F0502020204030204" pitchFamily="34" charset="0"/>
+            </a:endParaRPr>
           </a:p>
           <a:p>
             <a:pPr>
               <a:lnSpc>
                 <a:spcPct val="104000"/>
               </a:lnSpc>
-              <a:buFont typeface="Arial" panose="020B0604020202020204" pitchFamily="34" charset="0"/>
+              <a:buFont typeface="Arial" panose="02080604020202020204" pitchFamily="34" charset="0"/>
               <a:buChar char="•"/>
             </a:pPr>
             <a:r>
@@ -4620,6 +4574,10 @@
               </a:rPr>
               <a:t>Bluetooth control.</a:t>
             </a:r>
+            <a:endParaRPr lang="en-US" sz="1500" i="0" dirty="0">
+              <a:latin typeface="Calibri" panose="020F0502020204030204" pitchFamily="34" charset="0"/>
+              <a:cs typeface="Calibri" panose="020F0502020204030204" pitchFamily="34" charset="0"/>
+            </a:endParaRPr>
           </a:p>
           <a:p>
             <a:pPr marL="0" indent="0">
@@ -4635,16 +4593,20 @@
               </a:rPr>
               <a:t>Weaknesses:</a:t>
             </a:r>
-          </a:p>
-          <a:p>
-            <a:pPr marL="384048" lvl="1">
+            <a:endParaRPr lang="en-US" sz="2200" b="1" dirty="0">
+              <a:latin typeface="Calibri Light" panose="020F0302020204030204" pitchFamily="34" charset="0"/>
+              <a:cs typeface="Calibri Light" panose="020F0302020204030204" pitchFamily="34" charset="0"/>
+            </a:endParaRPr>
+          </a:p>
+          <a:p>
+            <a:pPr marL="384175" lvl="1">
               <a:lnSpc>
                 <a:spcPct val="104000"/>
               </a:lnSpc>
               <a:spcBef>
                 <a:spcPts val="1000"/>
               </a:spcBef>
-              <a:buFont typeface="Arial" panose="020B0604020202020204" pitchFamily="34" charset="0"/>
+              <a:buFont typeface="Arial" panose="02080604020202020204" pitchFamily="34" charset="0"/>
               <a:buChar char="•"/>
             </a:pPr>
             <a:r>
@@ -4654,16 +4616,20 @@
               </a:rPr>
               <a:t>Hanging occurs while the scene is viewed from different angles.</a:t>
             </a:r>
-          </a:p>
-          <a:p>
-            <a:pPr marL="384048" lvl="1">
+            <a:endParaRPr lang="en-US" sz="1500" i="0" dirty="0">
+              <a:latin typeface="Calibri" panose="020F0502020204030204" pitchFamily="34" charset="0"/>
+              <a:cs typeface="Calibri" panose="020F0502020204030204" pitchFamily="34" charset="0"/>
+            </a:endParaRPr>
+          </a:p>
+          <a:p>
+            <a:pPr marL="384175" lvl="1">
               <a:lnSpc>
                 <a:spcPct val="104000"/>
               </a:lnSpc>
               <a:spcBef>
                 <a:spcPts val="1000"/>
               </a:spcBef>
-              <a:buFont typeface="Arial" panose="020B0604020202020204" pitchFamily="34" charset="0"/>
+              <a:buFont typeface="Arial" panose="02080604020202020204" pitchFamily="34" charset="0"/>
               <a:buChar char="•"/>
             </a:pPr>
             <a:r>
@@ -4673,6 +4639,10 @@
               </a:rPr>
               <a:t>The app has no other language support other than Catalan language.</a:t>
             </a:r>
+            <a:endParaRPr lang="en-US" sz="1500" i="0" dirty="0">
+              <a:latin typeface="Calibri" panose="020F0502020204030204" pitchFamily="34" charset="0"/>
+              <a:cs typeface="Calibri" panose="020F0502020204030204" pitchFamily="34" charset="0"/>
+            </a:endParaRPr>
           </a:p>
           <a:p>
             <a:pPr marL="0" indent="0" algn="ctr">
@@ -4689,7 +4659,7 @@
           <p:nvPr/>
         </p:nvPicPr>
         <p:blipFill>
-          <a:blip r:embed="rId2" cstate="print">
+          <a:blip r:embed="rId1" cstate="print">
             <a:extLst>
               <a:ext uri="{28A0092B-C50C-407E-A947-70E740481C1C}">
                 <a14:useLocalDpi xmlns:a14="http://schemas.microsoft.com/office/drawing/2010/main" val="0"/>
@@ -4711,11 +4681,6 @@
         </p:spPr>
       </p:pic>
     </p:spTree>
-    <p:extLst>
-      <p:ext uri="{BB962C8B-B14F-4D97-AF65-F5344CB8AC3E}">
-        <p14:creationId xmlns:p14="http://schemas.microsoft.com/office/powerpoint/2010/main" val="1318654801"/>
-      </p:ext>
-    </p:extLst>
   </p:cSld>
   <p:clrMapOvr>
     <a:masterClrMapping/>
@@ -4759,6 +4724,7 @@
               <a:rPr lang="en-US" dirty="0"/>
               <a:t>Similar Apps</a:t>
             </a:r>
+            <a:endParaRPr lang="en-US" dirty="0"/>
           </a:p>
         </p:txBody>
       </p:sp>
@@ -4798,6 +4764,11 @@
               </a:rPr>
               <a:t>TABI the water cycle</a:t>
             </a:r>
+            <a:endParaRPr lang="en-US" sz="2600" b="1" dirty="0">
+              <a:solidFill>
+                <a:srgbClr val="0070C0"/>
+              </a:solidFill>
+            </a:endParaRPr>
           </a:p>
           <a:p>
             <a:pPr marL="0" indent="0">
@@ -4813,13 +4784,17 @@
               </a:rPr>
               <a:t>Features:</a:t>
             </a:r>
+            <a:endParaRPr lang="en-US" sz="2200" b="1" dirty="0">
+              <a:latin typeface="Calibri Light" panose="020F0302020204030204" pitchFamily="34" charset="0"/>
+              <a:cs typeface="Calibri Light" panose="020F0302020204030204" pitchFamily="34" charset="0"/>
+            </a:endParaRPr>
           </a:p>
           <a:p>
             <a:pPr lvl="0">
               <a:lnSpc>
                 <a:spcPct val="114000"/>
               </a:lnSpc>
-              <a:buFont typeface="Arial" panose="020B0604020202020204" pitchFamily="34" charset="0"/>
+              <a:buFont typeface="Arial" panose="02080604020202020204" pitchFamily="34" charset="0"/>
               <a:buChar char="•"/>
             </a:pPr>
             <a:r>
@@ -4829,13 +4804,17 @@
               </a:rPr>
               <a:t>User plays a game to create evaporation, condensation and precipitation.</a:t>
             </a:r>
+            <a:endParaRPr lang="en-US" sz="1600" dirty="0">
+              <a:latin typeface="Calibri" panose="020F0502020204030204" pitchFamily="34" charset="0"/>
+              <a:cs typeface="Calibri" panose="020F0502020204030204" pitchFamily="34" charset="0"/>
+            </a:endParaRPr>
           </a:p>
           <a:p>
             <a:pPr lvl="0">
               <a:lnSpc>
                 <a:spcPct val="114000"/>
               </a:lnSpc>
-              <a:buFont typeface="Arial" panose="020B0604020202020204" pitchFamily="34" charset="0"/>
+              <a:buFont typeface="Arial" panose="02080604020202020204" pitchFamily="34" charset="0"/>
               <a:buChar char="•"/>
             </a:pPr>
             <a:r>
@@ -4845,6 +4824,10 @@
               </a:rPr>
               <a:t>Text shown at the beginning to guide the user to play the game.</a:t>
             </a:r>
+            <a:endParaRPr lang="en-US" sz="1600" dirty="0">
+              <a:latin typeface="Calibri" panose="020F0502020204030204" pitchFamily="34" charset="0"/>
+              <a:cs typeface="Calibri" panose="020F0502020204030204" pitchFamily="34" charset="0"/>
+            </a:endParaRPr>
           </a:p>
           <a:p>
             <a:pPr marL="0" indent="0">
@@ -4860,13 +4843,17 @@
               </a:rPr>
               <a:t>Weaknesses:</a:t>
             </a:r>
+            <a:endParaRPr lang="en-US" sz="2400" b="1" dirty="0">
+              <a:latin typeface="Calibri Light" panose="020F0302020204030204" pitchFamily="34" charset="0"/>
+              <a:cs typeface="Calibri Light" panose="020F0302020204030204" pitchFamily="34" charset="0"/>
+            </a:endParaRPr>
           </a:p>
           <a:p>
             <a:pPr lvl="0">
               <a:lnSpc>
                 <a:spcPct val="114000"/>
               </a:lnSpc>
-              <a:buFont typeface="Arial" panose="020B0604020202020204" pitchFamily="34" charset="0"/>
+              <a:buFont typeface="Arial" panose="02080604020202020204" pitchFamily="34" charset="0"/>
               <a:buChar char="•"/>
             </a:pPr>
             <a:r>
@@ -4876,13 +4863,17 @@
               </a:rPr>
               <a:t>Not a VR app.</a:t>
             </a:r>
+            <a:endParaRPr lang="en-US" sz="1600" dirty="0">
+              <a:latin typeface="Calibri" panose="020F0502020204030204" pitchFamily="34" charset="0"/>
+              <a:cs typeface="Calibri" panose="020F0502020204030204" pitchFamily="34" charset="0"/>
+            </a:endParaRPr>
           </a:p>
           <a:p>
             <a:pPr lvl="0">
               <a:lnSpc>
                 <a:spcPct val="114000"/>
               </a:lnSpc>
-              <a:buFont typeface="Arial" panose="020B0604020202020204" pitchFamily="34" charset="0"/>
+              <a:buFont typeface="Arial" panose="02080604020202020204" pitchFamily="34" charset="0"/>
               <a:buChar char="•"/>
             </a:pPr>
             <a:r>
@@ -4892,13 +4883,17 @@
               </a:rPr>
               <a:t>Not complete water cycle.</a:t>
             </a:r>
+            <a:endParaRPr lang="en-US" sz="1600" dirty="0">
+              <a:latin typeface="Calibri" panose="020F0502020204030204" pitchFamily="34" charset="0"/>
+              <a:cs typeface="Calibri" panose="020F0502020204030204" pitchFamily="34" charset="0"/>
+            </a:endParaRPr>
           </a:p>
           <a:p>
             <a:pPr lvl="0">
               <a:lnSpc>
                 <a:spcPct val="114000"/>
               </a:lnSpc>
-              <a:buFont typeface="Arial" panose="020B0604020202020204" pitchFamily="34" charset="0"/>
+              <a:buFont typeface="Arial" panose="02080604020202020204" pitchFamily="34" charset="0"/>
               <a:buChar char="•"/>
             </a:pPr>
             <a:r>
@@ -4908,6 +4903,10 @@
               </a:rPr>
               <a:t>Lack of phase transformations.</a:t>
             </a:r>
+            <a:endParaRPr lang="en-US" sz="1600" dirty="0">
+              <a:latin typeface="Calibri" panose="020F0502020204030204" pitchFamily="34" charset="0"/>
+              <a:cs typeface="Calibri" panose="020F0502020204030204" pitchFamily="34" charset="0"/>
+            </a:endParaRPr>
           </a:p>
           <a:p>
             <a:pPr marL="0" indent="0">
@@ -4917,6 +4916,7 @@
               <a:rPr lang="en-US" dirty="0"/>
               <a:t> </a:t>
             </a:r>
+            <a:endParaRPr lang="en-US" dirty="0"/>
           </a:p>
         </p:txBody>
       </p:sp>
@@ -4927,7 +4927,7 @@
           <p:nvPr/>
         </p:nvPicPr>
         <p:blipFill rotWithShape="1">
-          <a:blip r:embed="rId2" cstate="print">
+          <a:blip r:embed="rId1" cstate="print">
             <a:extLst>
               <a:ext uri="{28A0092B-C50C-407E-A947-70E740481C1C}">
                 <a14:useLocalDpi xmlns:a14="http://schemas.microsoft.com/office/drawing/2010/main" val="0"/>
@@ -4935,7 +4935,9 @@
             </a:extLst>
           </a:blip>
           <a:srcRect l="22564" t="54929" r="40769" b="8148"/>
-          <a:stretch/>
+          <a:stretch>
+            <a:fillRect/>
+          </a:stretch>
         </p:blipFill>
         <p:spPr bwMode="auto">
           <a:xfrm>
@@ -4948,19 +4950,9 @@
           <a:ln>
             <a:noFill/>
           </a:ln>
-          <a:extLst>
-            <a:ext uri="{53640926-AAD7-44D8-BBD7-CCE9431645EC}">
-              <a14:shadowObscured xmlns:a14="http://schemas.microsoft.com/office/drawing/2010/main"/>
-            </a:ext>
-          </a:extLst>
         </p:spPr>
       </p:pic>
     </p:spTree>
-    <p:extLst>
-      <p:ext uri="{BB962C8B-B14F-4D97-AF65-F5344CB8AC3E}">
-        <p14:creationId xmlns:p14="http://schemas.microsoft.com/office/powerpoint/2010/main" val="3060472043"/>
-      </p:ext>
-    </p:extLst>
   </p:cSld>
   <p:clrMapOvr>
     <a:masterClrMapping/>
@@ -5009,6 +5001,7 @@
               <a:rPr lang="en-US" dirty="0"/>
               <a:t>Similar Apps</a:t>
             </a:r>
+            <a:endParaRPr lang="en-US" dirty="0"/>
           </a:p>
         </p:txBody>
       </p:sp>
@@ -5056,6 +5049,11 @@
               </a:rPr>
               <a:t>Water Cycle)</a:t>
             </a:r>
+            <a:endParaRPr lang="en-US" sz="5100" b="1" dirty="0">
+              <a:solidFill>
+                <a:srgbClr val="0070C0"/>
+              </a:solidFill>
+            </a:endParaRPr>
           </a:p>
           <a:p>
             <a:pPr marL="0" indent="0">
@@ -5071,10 +5069,14 @@
               </a:rPr>
               <a:t>Features:</a:t>
             </a:r>
+            <a:endParaRPr lang="en-US" sz="3600" b="1" dirty="0">
+              <a:latin typeface="Calibri Light" panose="020F0302020204030204" pitchFamily="34" charset="0"/>
+              <a:cs typeface="Calibri Light" panose="020F0302020204030204" pitchFamily="34" charset="0"/>
+            </a:endParaRPr>
           </a:p>
           <a:p>
             <a:pPr lvl="0">
-              <a:buFont typeface="Arial" panose="020B0604020202020204" pitchFamily="34" charset="0"/>
+              <a:buFont typeface="Arial" panose="02080604020202020204" pitchFamily="34" charset="0"/>
               <a:buChar char="•"/>
             </a:pPr>
             <a:r>
@@ -5084,10 +5086,14 @@
               </a:rPr>
               <a:t>Main menu to allow user to choose where they want to go.</a:t>
             </a:r>
+            <a:endParaRPr lang="en-US" sz="2700" dirty="0">
+              <a:latin typeface="Calibri" panose="020F0502020204030204" pitchFamily="34" charset="0"/>
+              <a:cs typeface="Calibri" panose="020F0502020204030204" pitchFamily="34" charset="0"/>
+            </a:endParaRPr>
           </a:p>
           <a:p>
             <a:pPr lvl="0">
-              <a:buFont typeface="Arial" panose="020B0604020202020204" pitchFamily="34" charset="0"/>
+              <a:buFont typeface="Arial" panose="02080604020202020204" pitchFamily="34" charset="0"/>
               <a:buChar char="•"/>
             </a:pPr>
             <a:r>
@@ -5097,10 +5103,14 @@
               </a:rPr>
               <a:t>Lessons about water cycle explaining the phases.</a:t>
             </a:r>
+            <a:endParaRPr lang="en-US" sz="2700" dirty="0">
+              <a:latin typeface="Calibri" panose="020F0502020204030204" pitchFamily="34" charset="0"/>
+              <a:cs typeface="Calibri" panose="020F0502020204030204" pitchFamily="34" charset="0"/>
+            </a:endParaRPr>
           </a:p>
           <a:p>
             <a:pPr lvl="0">
-              <a:buFont typeface="Arial" panose="020B0604020202020204" pitchFamily="34" charset="0"/>
+              <a:buFont typeface="Arial" panose="02080604020202020204" pitchFamily="34" charset="0"/>
               <a:buChar char="•"/>
             </a:pPr>
             <a:r>
@@ -5110,10 +5120,14 @@
               </a:rPr>
               <a:t>Game to educate user more about water and to allow them to understand it more.</a:t>
             </a:r>
+            <a:endParaRPr lang="en-US" sz="2700" dirty="0">
+              <a:latin typeface="Calibri" panose="020F0502020204030204" pitchFamily="34" charset="0"/>
+              <a:cs typeface="Calibri" panose="020F0502020204030204" pitchFamily="34" charset="0"/>
+            </a:endParaRPr>
           </a:p>
           <a:p>
             <a:pPr lvl="0">
-              <a:buFont typeface="Arial" panose="020B0604020202020204" pitchFamily="34" charset="0"/>
+              <a:buFont typeface="Arial" panose="02080604020202020204" pitchFamily="34" charset="0"/>
               <a:buChar char="•"/>
             </a:pPr>
             <a:r>
@@ -5123,6 +5137,10 @@
               </a:rPr>
               <a:t>Audio speech to engage then user more in the app and explain each step clearly.</a:t>
             </a:r>
+            <a:endParaRPr lang="en-US" sz="2700" dirty="0">
+              <a:latin typeface="Calibri" panose="020F0502020204030204" pitchFamily="34" charset="0"/>
+              <a:cs typeface="Calibri" panose="020F0502020204030204" pitchFamily="34" charset="0"/>
+            </a:endParaRPr>
           </a:p>
           <a:p>
             <a:pPr marL="0" indent="0">
@@ -5138,10 +5156,14 @@
               </a:rPr>
               <a:t>Weaknesses:</a:t>
             </a:r>
+            <a:endParaRPr lang="en-US" sz="3600" b="1" dirty="0">
+              <a:latin typeface="Calibri Light" panose="020F0302020204030204" pitchFamily="34" charset="0"/>
+              <a:cs typeface="Calibri Light" panose="020F0302020204030204" pitchFamily="34" charset="0"/>
+            </a:endParaRPr>
           </a:p>
           <a:p>
             <a:pPr lvl="0">
-              <a:buFont typeface="Arial" panose="020B0604020202020204" pitchFamily="34" charset="0"/>
+              <a:buFont typeface="Arial" panose="02080604020202020204" pitchFamily="34" charset="0"/>
               <a:buChar char="•"/>
             </a:pPr>
             <a:r>
@@ -5151,10 +5173,14 @@
               </a:rPr>
               <a:t>No language support other than Thai language.</a:t>
             </a:r>
+            <a:endParaRPr lang="en-US" sz="2700" dirty="0">
+              <a:latin typeface="Calibri" panose="020F0502020204030204" pitchFamily="34" charset="0"/>
+              <a:cs typeface="Calibri" panose="020F0502020204030204" pitchFamily="34" charset="0"/>
+            </a:endParaRPr>
           </a:p>
           <a:p>
             <a:pPr lvl="0">
-              <a:buFont typeface="Arial" panose="020B0604020202020204" pitchFamily="34" charset="0"/>
+              <a:buFont typeface="Arial" panose="02080604020202020204" pitchFamily="34" charset="0"/>
               <a:buChar char="•"/>
             </a:pPr>
             <a:r>
@@ -5164,10 +5190,14 @@
               </a:rPr>
               <a:t>Not a VR app.</a:t>
             </a:r>
+            <a:endParaRPr lang="en-US" sz="2700" dirty="0">
+              <a:latin typeface="Calibri" panose="020F0502020204030204" pitchFamily="34" charset="0"/>
+              <a:cs typeface="Calibri" panose="020F0502020204030204" pitchFamily="34" charset="0"/>
+            </a:endParaRPr>
           </a:p>
           <a:p>
             <a:pPr lvl="0">
-              <a:buFont typeface="Arial" panose="020B0604020202020204" pitchFamily="34" charset="0"/>
+              <a:buFont typeface="Arial" panose="02080604020202020204" pitchFamily="34" charset="0"/>
               <a:buChar char="•"/>
             </a:pPr>
             <a:r>
@@ -5177,6 +5207,10 @@
               </a:rPr>
               <a:t>All phases are not shown continually to explain the transformation between them.</a:t>
             </a:r>
+            <a:endParaRPr lang="en-US" sz="2700" dirty="0">
+              <a:latin typeface="Calibri" panose="020F0502020204030204" pitchFamily="34" charset="0"/>
+              <a:cs typeface="Calibri" panose="020F0502020204030204" pitchFamily="34" charset="0"/>
+            </a:endParaRPr>
           </a:p>
           <a:p>
             <a:pPr marL="0" indent="0">
@@ -5193,6 +5227,11 @@
               </a:rPr>
               <a:t> </a:t>
             </a:r>
+            <a:endParaRPr lang="en-US" sz="2600" b="1" dirty="0">
+              <a:solidFill>
+                <a:srgbClr val="0070C0"/>
+              </a:solidFill>
+            </a:endParaRPr>
           </a:p>
         </p:txBody>
       </p:sp>
@@ -5203,7 +5242,7 @@
           <p:nvPr/>
         </p:nvPicPr>
         <p:blipFill rotWithShape="1">
-          <a:blip r:embed="rId2" cstate="print">
+          <a:blip r:embed="rId1" cstate="print">
             <a:extLst>
               <a:ext uri="{28A0092B-C50C-407E-A947-70E740481C1C}">
                 <a14:useLocalDpi xmlns:a14="http://schemas.microsoft.com/office/drawing/2010/main" val="0"/>
@@ -5211,7 +5250,9 @@
             </a:extLst>
           </a:blip>
           <a:srcRect t="34537" r="576" b="34167"/>
-          <a:stretch/>
+          <a:stretch>
+            <a:fillRect/>
+          </a:stretch>
         </p:blipFill>
         <p:spPr bwMode="auto">
           <a:xfrm>
@@ -5224,19 +5265,9 @@
           <a:ln>
             <a:noFill/>
           </a:ln>
-          <a:extLst>
-            <a:ext uri="{53640926-AAD7-44D8-BBD7-CCE9431645EC}">
-              <a14:shadowObscured xmlns:a14="http://schemas.microsoft.com/office/drawing/2010/main"/>
-            </a:ext>
-          </a:extLst>
         </p:spPr>
       </p:pic>
     </p:spTree>
-    <p:extLst>
-      <p:ext uri="{BB962C8B-B14F-4D97-AF65-F5344CB8AC3E}">
-        <p14:creationId xmlns:p14="http://schemas.microsoft.com/office/powerpoint/2010/main" val="3359917152"/>
-      </p:ext>
-    </p:extLst>
   </p:cSld>
   <p:clrMapOvr>
     <a:masterClrMapping/>
@@ -5263,13 +5294,7 @@
       </p:grpSpPr>
       <p:sp>
         <p:nvSpPr>
-          <p:cNvPr id="2" name="Title 1">
-            <a:extLst>
-              <a:ext uri="{FF2B5EF4-FFF2-40B4-BE49-F238E27FC236}">
-                <a16:creationId xmlns:a16="http://schemas.microsoft.com/office/drawing/2014/main" id="{0B9848FB-072D-4F76-B987-E07018C544D7}"/>
-              </a:ext>
-            </a:extLst>
-          </p:cNvPr>
+          <p:cNvPr id="2" name="Title 1"/>
           <p:cNvSpPr>
             <a:spLocks noGrp="1"/>
           </p:cNvSpPr>
@@ -5286,6 +5311,7 @@
               <a:rPr lang="en-US" dirty="0"/>
               <a:t>Comparison Table</a:t>
             </a:r>
+            <a:endParaRPr lang="en-US" dirty="0"/>
           </a:p>
         </p:txBody>
       </p:sp>
@@ -5297,11 +5323,6 @@
           </p:cNvGraphicFramePr>
           <p:nvPr>
             <p:ph idx="1"/>
-            <p:extLst>
-              <p:ext uri="{D42A27DB-BD31-4B8C-83A1-F6EECF244321}">
-                <p14:modId xmlns:p14="http://schemas.microsoft.com/office/powerpoint/2010/main" val="1261164639"/>
-              </p:ext>
-            </p:extLst>
           </p:nvPr>
         </p:nvGraphicFramePr>
         <p:xfrm>
@@ -5315,48 +5336,12 @@
                 <a:tableStyleId>{69CF1AB2-1976-4502-BF36-3FF5EA218861}</a:tableStyleId>
               </a:tblPr>
               <a:tblGrid>
-                <a:gridCol w="2697430">
-                  <a:extLst>
-                    <a:ext uri="{9D8B030D-6E8A-4147-A177-3AD203B41FA5}">
-                      <a16:colId xmlns:a16="http://schemas.microsoft.com/office/drawing/2014/main" val="20000"/>
-                    </a:ext>
-                  </a:extLst>
-                </a:gridCol>
-                <a:gridCol w="1398667">
-                  <a:extLst>
-                    <a:ext uri="{9D8B030D-6E8A-4147-A177-3AD203B41FA5}">
-                      <a16:colId xmlns:a16="http://schemas.microsoft.com/office/drawing/2014/main" val="20001"/>
-                    </a:ext>
-                  </a:extLst>
-                </a:gridCol>
-                <a:gridCol w="1257690">
-                  <a:extLst>
-                    <a:ext uri="{9D8B030D-6E8A-4147-A177-3AD203B41FA5}">
-                      <a16:colId xmlns:a16="http://schemas.microsoft.com/office/drawing/2014/main" val="20002"/>
-                    </a:ext>
-                  </a:extLst>
-                </a:gridCol>
-                <a:gridCol w="1140025">
-                  <a:extLst>
-                    <a:ext uri="{9D8B030D-6E8A-4147-A177-3AD203B41FA5}">
-                      <a16:colId xmlns:a16="http://schemas.microsoft.com/office/drawing/2014/main" val="20003"/>
-                    </a:ext>
-                  </a:extLst>
-                </a:gridCol>
-                <a:gridCol w="1298763">
-                  <a:extLst>
-                    <a:ext uri="{9D8B030D-6E8A-4147-A177-3AD203B41FA5}">
-                      <a16:colId xmlns:a16="http://schemas.microsoft.com/office/drawing/2014/main" val="20004"/>
-                    </a:ext>
-                  </a:extLst>
-                </a:gridCol>
-                <a:gridCol w="2492070">
-                  <a:extLst>
-                    <a:ext uri="{9D8B030D-6E8A-4147-A177-3AD203B41FA5}">
-                      <a16:colId xmlns:a16="http://schemas.microsoft.com/office/drawing/2014/main" val="20005"/>
-                    </a:ext>
-                  </a:extLst>
-                </a:gridCol>
+                <a:gridCol w="2697430"/>
+                <a:gridCol w="1398667"/>
+                <a:gridCol w="1257690"/>
+                <a:gridCol w="1140025"/>
+                <a:gridCol w="1298763"/>
+                <a:gridCol w="2492070"/>
               </a:tblGrid>
               <a:tr h="1426318">
                 <a:tc>
@@ -5385,7 +5370,7 @@
                         <a:effectLst/>
                         <a:latin typeface="Calibri" panose="020F0502020204030204" pitchFamily="34" charset="0"/>
                         <a:ea typeface="Calibri" panose="020F0502020204030204" pitchFamily="34" charset="0"/>
-                        <a:cs typeface="Arial" panose="020B0604020202020204" pitchFamily="34" charset="0"/>
+                        <a:cs typeface="Arial" panose="02080604020202020204" pitchFamily="34" charset="0"/>
                       </a:endParaRPr>
                     </a:p>
                   </a:txBody>
@@ -5507,6 +5492,9 @@
                         </a:rPr>
                         <a:t>TABI the water cycle</a:t>
                       </a:r>
+                      <a:endParaRPr lang="en-US" sz="1400" kern="1200" dirty="0">
+                        <a:effectLst/>
+                      </a:endParaRPr>
                     </a:p>
                     <a:p>
                       <a:pPr marL="0" marR="0" algn="ctr" defTabSz="914400" rtl="0" eaLnBrk="1" latinLnBrk="0" hangingPunct="1">
@@ -5615,11 +5603,6 @@
                   </a:txBody>
                   <a:tcPr marL="68580" marR="68580" marT="0" marB="0" anchor="ctr"/>
                 </a:tc>
-                <a:extLst>
-                  <a:ext uri="{0D108BD9-81ED-4DB2-BD59-A6C34878D82A}">
-                    <a16:rowId xmlns:a16="http://schemas.microsoft.com/office/drawing/2014/main" val="10000"/>
-                  </a:ext>
-                </a:extLst>
               </a:tr>
               <a:tr h="315522">
                 <a:tc>
@@ -5648,7 +5631,7 @@
                         <a:effectLst/>
                         <a:latin typeface="Calibri" panose="020F0502020204030204" pitchFamily="34" charset="0"/>
                         <a:ea typeface="Calibri" panose="020F0502020204030204" pitchFamily="34" charset="0"/>
-                        <a:cs typeface="Arial" panose="020B0604020202020204" pitchFamily="34" charset="0"/>
+                        <a:cs typeface="Arial" panose="02080604020202020204" pitchFamily="34" charset="0"/>
                       </a:endParaRPr>
                     </a:p>
                   </a:txBody>
@@ -5681,7 +5664,7 @@
                         <a:effectLst/>
                         <a:latin typeface="Calibri" panose="020F0502020204030204" pitchFamily="34" charset="0"/>
                         <a:ea typeface="Calibri" panose="020F0502020204030204" pitchFamily="34" charset="0"/>
-                        <a:cs typeface="Arial" panose="020B0604020202020204" pitchFamily="34" charset="0"/>
+                        <a:cs typeface="Arial" panose="02080604020202020204" pitchFamily="34" charset="0"/>
                       </a:endParaRPr>
                     </a:p>
                   </a:txBody>
@@ -5714,7 +5697,7 @@
                         <a:effectLst/>
                         <a:latin typeface="Calibri" panose="020F0502020204030204" pitchFamily="34" charset="0"/>
                         <a:ea typeface="Calibri" panose="020F0502020204030204" pitchFamily="34" charset="0"/>
-                        <a:cs typeface="Arial" panose="020B0604020202020204" pitchFamily="34" charset="0"/>
+                        <a:cs typeface="Arial" panose="02080604020202020204" pitchFamily="34" charset="0"/>
                       </a:endParaRPr>
                     </a:p>
                   </a:txBody>
@@ -5746,7 +5729,7 @@
                         <a:effectLst/>
                         <a:latin typeface="Calibri" panose="020F0502020204030204" pitchFamily="34" charset="0"/>
                         <a:ea typeface="Calibri" panose="020F0502020204030204" pitchFamily="34" charset="0"/>
-                        <a:cs typeface="Arial" panose="020B0604020202020204" pitchFamily="34" charset="0"/>
+                        <a:cs typeface="Arial" panose="02080604020202020204" pitchFamily="34" charset="0"/>
                       </a:endParaRPr>
                     </a:p>
                   </a:txBody>
@@ -5778,7 +5761,7 @@
                         <a:effectLst/>
                         <a:latin typeface="Calibri" panose="020F0502020204030204" pitchFamily="34" charset="0"/>
                         <a:ea typeface="Calibri" panose="020F0502020204030204" pitchFamily="34" charset="0"/>
-                        <a:cs typeface="Arial" panose="020B0604020202020204" pitchFamily="34" charset="0"/>
+                        <a:cs typeface="Arial" panose="02080604020202020204" pitchFamily="34" charset="0"/>
                       </a:endParaRPr>
                     </a:p>
                   </a:txBody>
@@ -5811,17 +5794,12 @@
                         <a:effectLst/>
                         <a:latin typeface="Calibri" panose="020F0502020204030204" pitchFamily="34" charset="0"/>
                         <a:ea typeface="Calibri" panose="020F0502020204030204" pitchFamily="34" charset="0"/>
-                        <a:cs typeface="Arial" panose="020B0604020202020204" pitchFamily="34" charset="0"/>
+                        <a:cs typeface="Arial" panose="02080604020202020204" pitchFamily="34" charset="0"/>
                       </a:endParaRPr>
                     </a:p>
                   </a:txBody>
                   <a:tcPr marL="68580" marR="68580" marT="0" marB="0" anchor="ctr"/>
                 </a:tc>
-                <a:extLst>
-                  <a:ext uri="{0D108BD9-81ED-4DB2-BD59-A6C34878D82A}">
-                    <a16:rowId xmlns:a16="http://schemas.microsoft.com/office/drawing/2014/main" val="10001"/>
-                  </a:ext>
-                </a:extLst>
               </a:tr>
               <a:tr h="647622">
                 <a:tc>
@@ -5850,7 +5828,7 @@
                         <a:effectLst/>
                         <a:latin typeface="Calibri" panose="020F0502020204030204" pitchFamily="34" charset="0"/>
                         <a:ea typeface="Calibri" panose="020F0502020204030204" pitchFamily="34" charset="0"/>
-                        <a:cs typeface="Arial" panose="020B0604020202020204" pitchFamily="34" charset="0"/>
+                        <a:cs typeface="Arial" panose="02080604020202020204" pitchFamily="34" charset="0"/>
                       </a:endParaRPr>
                     </a:p>
                   </a:txBody>
@@ -5883,7 +5861,7 @@
                         <a:effectLst/>
                         <a:latin typeface="Calibri" panose="020F0502020204030204" pitchFamily="34" charset="0"/>
                         <a:ea typeface="Calibri" panose="020F0502020204030204" pitchFamily="34" charset="0"/>
-                        <a:cs typeface="Arial" panose="020B0604020202020204" pitchFamily="34" charset="0"/>
+                        <a:cs typeface="Arial" panose="02080604020202020204" pitchFamily="34" charset="0"/>
                       </a:endParaRPr>
                     </a:p>
                   </a:txBody>
@@ -5916,7 +5894,7 @@
                         <a:effectLst/>
                         <a:latin typeface="Calibri" panose="020F0502020204030204" pitchFamily="34" charset="0"/>
                         <a:ea typeface="Calibri" panose="020F0502020204030204" pitchFamily="34" charset="0"/>
-                        <a:cs typeface="Arial" panose="020B0604020202020204" pitchFamily="34" charset="0"/>
+                        <a:cs typeface="Arial" panose="02080604020202020204" pitchFamily="34" charset="0"/>
                       </a:endParaRPr>
                     </a:p>
                   </a:txBody>
@@ -5948,7 +5926,7 @@
                         <a:effectLst/>
                         <a:latin typeface="Calibri" panose="020F0502020204030204" pitchFamily="34" charset="0"/>
                         <a:ea typeface="Calibri" panose="020F0502020204030204" pitchFamily="34" charset="0"/>
-                        <a:cs typeface="Arial" panose="020B0604020202020204" pitchFamily="34" charset="0"/>
+                        <a:cs typeface="Arial" panose="02080604020202020204" pitchFamily="34" charset="0"/>
                       </a:endParaRPr>
                     </a:p>
                   </a:txBody>
@@ -5980,7 +5958,7 @@
                         <a:effectLst/>
                         <a:latin typeface="Calibri" panose="020F0502020204030204" pitchFamily="34" charset="0"/>
                         <a:ea typeface="Calibri" panose="020F0502020204030204" pitchFamily="34" charset="0"/>
-                        <a:cs typeface="Arial" panose="020B0604020202020204" pitchFamily="34" charset="0"/>
+                        <a:cs typeface="Arial" panose="02080604020202020204" pitchFamily="34" charset="0"/>
                       </a:endParaRPr>
                     </a:p>
                   </a:txBody>
@@ -6013,17 +5991,12 @@
                         <a:effectLst/>
                         <a:latin typeface="Calibri" panose="020F0502020204030204" pitchFamily="34" charset="0"/>
                         <a:ea typeface="Calibri" panose="020F0502020204030204" pitchFamily="34" charset="0"/>
-                        <a:cs typeface="Arial" panose="020B0604020202020204" pitchFamily="34" charset="0"/>
+                        <a:cs typeface="Arial" panose="02080604020202020204" pitchFamily="34" charset="0"/>
                       </a:endParaRPr>
                     </a:p>
                   </a:txBody>
                   <a:tcPr marL="68580" marR="68580" marT="0" marB="0" anchor="ctr"/>
                 </a:tc>
-                <a:extLst>
-                  <a:ext uri="{0D108BD9-81ED-4DB2-BD59-A6C34878D82A}">
-                    <a16:rowId xmlns:a16="http://schemas.microsoft.com/office/drawing/2014/main" val="10002"/>
-                  </a:ext>
-                </a:extLst>
               </a:tr>
               <a:tr h="315522">
                 <a:tc>
@@ -6052,7 +6025,7 @@
                         <a:effectLst/>
                         <a:latin typeface="Calibri" panose="020F0502020204030204" pitchFamily="34" charset="0"/>
                         <a:ea typeface="Calibri" panose="020F0502020204030204" pitchFamily="34" charset="0"/>
-                        <a:cs typeface="Arial" panose="020B0604020202020204" pitchFamily="34" charset="0"/>
+                        <a:cs typeface="Arial" panose="02080604020202020204" pitchFamily="34" charset="0"/>
                       </a:endParaRPr>
                     </a:p>
                   </a:txBody>
@@ -6084,7 +6057,7 @@
                         <a:effectLst/>
                         <a:latin typeface="Calibri" panose="020F0502020204030204" pitchFamily="34" charset="0"/>
                         <a:ea typeface="Calibri" panose="020F0502020204030204" pitchFamily="34" charset="0"/>
-                        <a:cs typeface="Arial" panose="020B0604020202020204" pitchFamily="34" charset="0"/>
+                        <a:cs typeface="Arial" panose="02080604020202020204" pitchFamily="34" charset="0"/>
                       </a:endParaRPr>
                     </a:p>
                   </a:txBody>
@@ -6117,7 +6090,7 @@
                         <a:effectLst/>
                         <a:latin typeface="Calibri" panose="020F0502020204030204" pitchFamily="34" charset="0"/>
                         <a:ea typeface="Calibri" panose="020F0502020204030204" pitchFamily="34" charset="0"/>
-                        <a:cs typeface="Arial" panose="020B0604020202020204" pitchFamily="34" charset="0"/>
+                        <a:cs typeface="Arial" panose="02080604020202020204" pitchFamily="34" charset="0"/>
                       </a:endParaRPr>
                     </a:p>
                   </a:txBody>
@@ -6150,7 +6123,7 @@
                         <a:effectLst/>
                         <a:latin typeface="Calibri" panose="020F0502020204030204" pitchFamily="34" charset="0"/>
                         <a:ea typeface="Calibri" panose="020F0502020204030204" pitchFamily="34" charset="0"/>
-                        <a:cs typeface="Arial" panose="020B0604020202020204" pitchFamily="34" charset="0"/>
+                        <a:cs typeface="Arial" panose="02080604020202020204" pitchFamily="34" charset="0"/>
                       </a:endParaRPr>
                     </a:p>
                   </a:txBody>
@@ -6183,7 +6156,7 @@
                         <a:effectLst/>
                         <a:latin typeface="Calibri" panose="020F0502020204030204" pitchFamily="34" charset="0"/>
                         <a:ea typeface="Calibri" panose="020F0502020204030204" pitchFamily="34" charset="0"/>
-                        <a:cs typeface="Arial" panose="020B0604020202020204" pitchFamily="34" charset="0"/>
+                        <a:cs typeface="Arial" panose="02080604020202020204" pitchFamily="34" charset="0"/>
                       </a:endParaRPr>
                     </a:p>
                   </a:txBody>
@@ -6216,17 +6189,12 @@
                         <a:effectLst/>
                         <a:latin typeface="Calibri" panose="020F0502020204030204" pitchFamily="34" charset="0"/>
                         <a:ea typeface="Calibri" panose="020F0502020204030204" pitchFamily="34" charset="0"/>
-                        <a:cs typeface="Arial" panose="020B0604020202020204" pitchFamily="34" charset="0"/>
+                        <a:cs typeface="Arial" panose="02080604020202020204" pitchFamily="34" charset="0"/>
                       </a:endParaRPr>
                     </a:p>
                   </a:txBody>
                   <a:tcPr marL="68580" marR="68580" marT="0" marB="0" anchor="ctr"/>
                 </a:tc>
-                <a:extLst>
-                  <a:ext uri="{0D108BD9-81ED-4DB2-BD59-A6C34878D82A}">
-                    <a16:rowId xmlns:a16="http://schemas.microsoft.com/office/drawing/2014/main" val="10003"/>
-                  </a:ext>
-                </a:extLst>
               </a:tr>
               <a:tr h="315522">
                 <a:tc>
@@ -6255,7 +6223,7 @@
                         <a:effectLst/>
                         <a:latin typeface="Calibri" panose="020F0502020204030204" pitchFamily="34" charset="0"/>
                         <a:ea typeface="Calibri" panose="020F0502020204030204" pitchFamily="34" charset="0"/>
-                        <a:cs typeface="Arial" panose="020B0604020202020204" pitchFamily="34" charset="0"/>
+                        <a:cs typeface="Arial" panose="02080604020202020204" pitchFamily="34" charset="0"/>
                       </a:endParaRPr>
                     </a:p>
                   </a:txBody>
@@ -6288,7 +6256,7 @@
                         <a:effectLst/>
                         <a:latin typeface="Calibri" panose="020F0502020204030204" pitchFamily="34" charset="0"/>
                         <a:ea typeface="Calibri" panose="020F0502020204030204" pitchFamily="34" charset="0"/>
-                        <a:cs typeface="Arial" panose="020B0604020202020204" pitchFamily="34" charset="0"/>
+                        <a:cs typeface="Arial" panose="02080604020202020204" pitchFamily="34" charset="0"/>
                       </a:endParaRPr>
                     </a:p>
                   </a:txBody>
@@ -6320,7 +6288,7 @@
                         <a:effectLst/>
                         <a:latin typeface="Calibri" panose="020F0502020204030204" pitchFamily="34" charset="0"/>
                         <a:ea typeface="Calibri" panose="020F0502020204030204" pitchFamily="34" charset="0"/>
-                        <a:cs typeface="Arial" panose="020B0604020202020204" pitchFamily="34" charset="0"/>
+                        <a:cs typeface="Arial" panose="02080604020202020204" pitchFamily="34" charset="0"/>
                       </a:endParaRPr>
                     </a:p>
                   </a:txBody>
@@ -6353,7 +6321,7 @@
                         <a:effectLst/>
                         <a:latin typeface="Calibri" panose="020F0502020204030204" pitchFamily="34" charset="0"/>
                         <a:ea typeface="Calibri" panose="020F0502020204030204" pitchFamily="34" charset="0"/>
-                        <a:cs typeface="Arial" panose="020B0604020202020204" pitchFamily="34" charset="0"/>
+                        <a:cs typeface="Arial" panose="02080604020202020204" pitchFamily="34" charset="0"/>
                       </a:endParaRPr>
                     </a:p>
                   </a:txBody>
@@ -6386,7 +6354,7 @@
                         <a:effectLst/>
                         <a:latin typeface="Calibri" panose="020F0502020204030204" pitchFamily="34" charset="0"/>
                         <a:ea typeface="Calibri" panose="020F0502020204030204" pitchFamily="34" charset="0"/>
-                        <a:cs typeface="Arial" panose="020B0604020202020204" pitchFamily="34" charset="0"/>
+                        <a:cs typeface="Arial" panose="02080604020202020204" pitchFamily="34" charset="0"/>
                       </a:endParaRPr>
                     </a:p>
                   </a:txBody>
@@ -6419,17 +6387,12 @@
                         <a:effectLst/>
                         <a:latin typeface="Calibri" panose="020F0502020204030204" pitchFamily="34" charset="0"/>
                         <a:ea typeface="Calibri" panose="020F0502020204030204" pitchFamily="34" charset="0"/>
-                        <a:cs typeface="Arial" panose="020B0604020202020204" pitchFamily="34" charset="0"/>
+                        <a:cs typeface="Arial" panose="02080604020202020204" pitchFamily="34" charset="0"/>
                       </a:endParaRPr>
                     </a:p>
                   </a:txBody>
                   <a:tcPr marL="68580" marR="68580" marT="0" marB="0" anchor="ctr"/>
                 </a:tc>
-                <a:extLst>
-                  <a:ext uri="{0D108BD9-81ED-4DB2-BD59-A6C34878D82A}">
-                    <a16:rowId xmlns:a16="http://schemas.microsoft.com/office/drawing/2014/main" val="10004"/>
-                  </a:ext>
-                </a:extLst>
               </a:tr>
               <a:tr h="315522">
                 <a:tc>
@@ -6458,7 +6421,7 @@
                         <a:effectLst/>
                         <a:latin typeface="Calibri" panose="020F0502020204030204" pitchFamily="34" charset="0"/>
                         <a:ea typeface="Calibri" panose="020F0502020204030204" pitchFamily="34" charset="0"/>
-                        <a:cs typeface="Arial" panose="020B0604020202020204" pitchFamily="34" charset="0"/>
+                        <a:cs typeface="Arial" panose="02080604020202020204" pitchFamily="34" charset="0"/>
                       </a:endParaRPr>
                     </a:p>
                   </a:txBody>
@@ -6491,7 +6454,7 @@
                         <a:effectLst/>
                         <a:latin typeface="Calibri" panose="020F0502020204030204" pitchFamily="34" charset="0"/>
                         <a:ea typeface="Calibri" panose="020F0502020204030204" pitchFamily="34" charset="0"/>
-                        <a:cs typeface="Arial" panose="020B0604020202020204" pitchFamily="34" charset="0"/>
+                        <a:cs typeface="Arial" panose="02080604020202020204" pitchFamily="34" charset="0"/>
                       </a:endParaRPr>
                     </a:p>
                   </a:txBody>
@@ -6524,7 +6487,7 @@
                         <a:effectLst/>
                         <a:latin typeface="Calibri" panose="020F0502020204030204" pitchFamily="34" charset="0"/>
                         <a:ea typeface="Calibri" panose="020F0502020204030204" pitchFamily="34" charset="0"/>
-                        <a:cs typeface="Arial" panose="020B0604020202020204" pitchFamily="34" charset="0"/>
+                        <a:cs typeface="Arial" panose="02080604020202020204" pitchFamily="34" charset="0"/>
                       </a:endParaRPr>
                     </a:p>
                   </a:txBody>
@@ -6556,7 +6519,7 @@
                         <a:effectLst/>
                         <a:latin typeface="Calibri" panose="020F0502020204030204" pitchFamily="34" charset="0"/>
                         <a:ea typeface="Calibri" panose="020F0502020204030204" pitchFamily="34" charset="0"/>
-                        <a:cs typeface="Arial" panose="020B0604020202020204" pitchFamily="34" charset="0"/>
+                        <a:cs typeface="Arial" panose="02080604020202020204" pitchFamily="34" charset="0"/>
                       </a:endParaRPr>
                     </a:p>
                   </a:txBody>
@@ -6588,7 +6551,7 @@
                         <a:effectLst/>
                         <a:latin typeface="Calibri" panose="020F0502020204030204" pitchFamily="34" charset="0"/>
                         <a:ea typeface="Calibri" panose="020F0502020204030204" pitchFamily="34" charset="0"/>
-                        <a:cs typeface="Arial" panose="020B0604020202020204" pitchFamily="34" charset="0"/>
+                        <a:cs typeface="Arial" panose="02080604020202020204" pitchFamily="34" charset="0"/>
                       </a:endParaRPr>
                     </a:p>
                   </a:txBody>
@@ -6621,17 +6584,12 @@
                         <a:effectLst/>
                         <a:latin typeface="Calibri" panose="020F0502020204030204" pitchFamily="34" charset="0"/>
                         <a:ea typeface="Calibri" panose="020F0502020204030204" pitchFamily="34" charset="0"/>
-                        <a:cs typeface="Arial" panose="020B0604020202020204" pitchFamily="34" charset="0"/>
+                        <a:cs typeface="Arial" panose="02080604020202020204" pitchFamily="34" charset="0"/>
                       </a:endParaRPr>
                     </a:p>
                   </a:txBody>
                   <a:tcPr marL="68580" marR="68580" marT="0" marB="0" anchor="ctr"/>
                 </a:tc>
-                <a:extLst>
-                  <a:ext uri="{0D108BD9-81ED-4DB2-BD59-A6C34878D82A}">
-                    <a16:rowId xmlns:a16="http://schemas.microsoft.com/office/drawing/2014/main" val="10005"/>
-                  </a:ext>
-                </a:extLst>
               </a:tr>
               <a:tr h="315522">
                 <a:tc>
@@ -6660,7 +6618,7 @@
                         <a:effectLst/>
                         <a:latin typeface="Calibri" panose="020F0502020204030204" pitchFamily="34" charset="0"/>
                         <a:ea typeface="Calibri" panose="020F0502020204030204" pitchFamily="34" charset="0"/>
-                        <a:cs typeface="Arial" panose="020B0604020202020204" pitchFamily="34" charset="0"/>
+                        <a:cs typeface="Arial" panose="02080604020202020204" pitchFamily="34" charset="0"/>
                       </a:endParaRPr>
                     </a:p>
                   </a:txBody>
@@ -6692,7 +6650,7 @@
                         <a:effectLst/>
                         <a:latin typeface="Calibri" panose="020F0502020204030204" pitchFamily="34" charset="0"/>
                         <a:ea typeface="Calibri" panose="020F0502020204030204" pitchFamily="34" charset="0"/>
-                        <a:cs typeface="Arial" panose="020B0604020202020204" pitchFamily="34" charset="0"/>
+                        <a:cs typeface="Arial" panose="02080604020202020204" pitchFamily="34" charset="0"/>
                       </a:endParaRPr>
                     </a:p>
                   </a:txBody>
@@ -6724,7 +6682,7 @@
                         <a:effectLst/>
                         <a:latin typeface="Calibri" panose="020F0502020204030204" pitchFamily="34" charset="0"/>
                         <a:ea typeface="Calibri" panose="020F0502020204030204" pitchFamily="34" charset="0"/>
-                        <a:cs typeface="Arial" panose="020B0604020202020204" pitchFamily="34" charset="0"/>
+                        <a:cs typeface="Arial" panose="02080604020202020204" pitchFamily="34" charset="0"/>
                       </a:endParaRPr>
                     </a:p>
                   </a:txBody>
@@ -6757,7 +6715,7 @@
                         <a:effectLst/>
                         <a:latin typeface="Calibri" panose="020F0502020204030204" pitchFamily="34" charset="0"/>
                         <a:ea typeface="Calibri" panose="020F0502020204030204" pitchFamily="34" charset="0"/>
-                        <a:cs typeface="Arial" panose="020B0604020202020204" pitchFamily="34" charset="0"/>
+                        <a:cs typeface="Arial" panose="02080604020202020204" pitchFamily="34" charset="0"/>
                       </a:endParaRPr>
                     </a:p>
                   </a:txBody>
@@ -6790,7 +6748,7 @@
                         <a:effectLst/>
                         <a:latin typeface="Calibri" panose="020F0502020204030204" pitchFamily="34" charset="0"/>
                         <a:ea typeface="Calibri" panose="020F0502020204030204" pitchFamily="34" charset="0"/>
-                        <a:cs typeface="Arial" panose="020B0604020202020204" pitchFamily="34" charset="0"/>
+                        <a:cs typeface="Arial" panose="02080604020202020204" pitchFamily="34" charset="0"/>
                       </a:endParaRPr>
                     </a:p>
                   </a:txBody>
@@ -6823,17 +6781,12 @@
                         <a:effectLst/>
                         <a:latin typeface="Calibri" panose="020F0502020204030204" pitchFamily="34" charset="0"/>
                         <a:ea typeface="Calibri" panose="020F0502020204030204" pitchFamily="34" charset="0"/>
-                        <a:cs typeface="Arial" panose="020B0604020202020204" pitchFamily="34" charset="0"/>
+                        <a:cs typeface="Arial" panose="02080604020202020204" pitchFamily="34" charset="0"/>
                       </a:endParaRPr>
                     </a:p>
                   </a:txBody>
                   <a:tcPr marL="68580" marR="68580" marT="0" marB="0" anchor="ctr"/>
                 </a:tc>
-                <a:extLst>
-                  <a:ext uri="{0D108BD9-81ED-4DB2-BD59-A6C34878D82A}">
-                    <a16:rowId xmlns:a16="http://schemas.microsoft.com/office/drawing/2014/main" val="10006"/>
-                  </a:ext>
-                </a:extLst>
               </a:tr>
               <a:tr h="315522">
                 <a:tc>
@@ -6862,7 +6815,7 @@
                         <a:effectLst/>
                         <a:latin typeface="Calibri" panose="020F0502020204030204" pitchFamily="34" charset="0"/>
                         <a:ea typeface="Calibri" panose="020F0502020204030204" pitchFamily="34" charset="0"/>
-                        <a:cs typeface="Arial" panose="020B0604020202020204" pitchFamily="34" charset="0"/>
+                        <a:cs typeface="Arial" panose="02080604020202020204" pitchFamily="34" charset="0"/>
                       </a:endParaRPr>
                     </a:p>
                   </a:txBody>
@@ -6895,7 +6848,7 @@
                         <a:effectLst/>
                         <a:latin typeface="Calibri" panose="020F0502020204030204" pitchFamily="34" charset="0"/>
                         <a:ea typeface="Calibri" panose="020F0502020204030204" pitchFamily="34" charset="0"/>
-                        <a:cs typeface="Arial" panose="020B0604020202020204" pitchFamily="34" charset="0"/>
+                        <a:cs typeface="Arial" panose="02080604020202020204" pitchFamily="34" charset="0"/>
                       </a:endParaRPr>
                     </a:p>
                   </a:txBody>
@@ -6928,7 +6881,7 @@
                         <a:effectLst/>
                         <a:latin typeface="Calibri" panose="020F0502020204030204" pitchFamily="34" charset="0"/>
                         <a:ea typeface="Calibri" panose="020F0502020204030204" pitchFamily="34" charset="0"/>
-                        <a:cs typeface="Arial" panose="020B0604020202020204" pitchFamily="34" charset="0"/>
+                        <a:cs typeface="Arial" panose="02080604020202020204" pitchFamily="34" charset="0"/>
                       </a:endParaRPr>
                     </a:p>
                   </a:txBody>
@@ -6961,7 +6914,7 @@
                         <a:effectLst/>
                         <a:latin typeface="Calibri" panose="020F0502020204030204" pitchFamily="34" charset="0"/>
                         <a:ea typeface="Calibri" panose="020F0502020204030204" pitchFamily="34" charset="0"/>
-                        <a:cs typeface="Arial" panose="020B0604020202020204" pitchFamily="34" charset="0"/>
+                        <a:cs typeface="Arial" panose="02080604020202020204" pitchFamily="34" charset="0"/>
                       </a:endParaRPr>
                     </a:p>
                   </a:txBody>
@@ -6994,7 +6947,7 @@
                         <a:effectLst/>
                         <a:latin typeface="Calibri" panose="020F0502020204030204" pitchFamily="34" charset="0"/>
                         <a:ea typeface="Calibri" panose="020F0502020204030204" pitchFamily="34" charset="0"/>
-                        <a:cs typeface="Arial" panose="020B0604020202020204" pitchFamily="34" charset="0"/>
+                        <a:cs typeface="Arial" panose="02080604020202020204" pitchFamily="34" charset="0"/>
                       </a:endParaRPr>
                     </a:p>
                   </a:txBody>
@@ -7027,17 +6980,12 @@
                         <a:effectLst/>
                         <a:latin typeface="Calibri" panose="020F0502020204030204" pitchFamily="34" charset="0"/>
                         <a:ea typeface="Calibri" panose="020F0502020204030204" pitchFamily="34" charset="0"/>
-                        <a:cs typeface="Arial" panose="020B0604020202020204" pitchFamily="34" charset="0"/>
+                        <a:cs typeface="Arial" panose="02080604020202020204" pitchFamily="34" charset="0"/>
                       </a:endParaRPr>
                     </a:p>
                   </a:txBody>
                   <a:tcPr marL="68580" marR="68580" marT="0" marB="0" anchor="ctr"/>
                 </a:tc>
-                <a:extLst>
-                  <a:ext uri="{0D108BD9-81ED-4DB2-BD59-A6C34878D82A}">
-                    <a16:rowId xmlns:a16="http://schemas.microsoft.com/office/drawing/2014/main" val="10007"/>
-                  </a:ext>
-                </a:extLst>
               </a:tr>
               <a:tr h="315522">
                 <a:tc>
@@ -7066,7 +7014,7 @@
                         <a:effectLst/>
                         <a:latin typeface="Calibri" panose="020F0502020204030204" pitchFamily="34" charset="0"/>
                         <a:ea typeface="Calibri" panose="020F0502020204030204" pitchFamily="34" charset="0"/>
-                        <a:cs typeface="Arial" panose="020B0604020202020204" pitchFamily="34" charset="0"/>
+                        <a:cs typeface="Arial" panose="02080604020202020204" pitchFamily="34" charset="0"/>
                       </a:endParaRPr>
                     </a:p>
                   </a:txBody>
@@ -7098,7 +7046,7 @@
                         <a:effectLst/>
                         <a:latin typeface="Calibri" panose="020F0502020204030204" pitchFamily="34" charset="0"/>
                         <a:ea typeface="Calibri" panose="020F0502020204030204" pitchFamily="34" charset="0"/>
-                        <a:cs typeface="Arial" panose="020B0604020202020204" pitchFamily="34" charset="0"/>
+                        <a:cs typeface="Arial" panose="02080604020202020204" pitchFamily="34" charset="0"/>
                       </a:endParaRPr>
                     </a:p>
                   </a:txBody>
@@ -7130,7 +7078,7 @@
                         <a:effectLst/>
                         <a:latin typeface="Calibri" panose="020F0502020204030204" pitchFamily="34" charset="0"/>
                         <a:ea typeface="Calibri" panose="020F0502020204030204" pitchFamily="34" charset="0"/>
-                        <a:cs typeface="Arial" panose="020B0604020202020204" pitchFamily="34" charset="0"/>
+                        <a:cs typeface="Arial" panose="02080604020202020204" pitchFamily="34" charset="0"/>
                       </a:endParaRPr>
                     </a:p>
                   </a:txBody>
@@ -7162,7 +7110,7 @@
                         <a:effectLst/>
                         <a:latin typeface="Calibri" panose="020F0502020204030204" pitchFamily="34" charset="0"/>
                         <a:ea typeface="Calibri" panose="020F0502020204030204" pitchFamily="34" charset="0"/>
-                        <a:cs typeface="Arial" panose="020B0604020202020204" pitchFamily="34" charset="0"/>
+                        <a:cs typeface="Arial" panose="02080604020202020204" pitchFamily="34" charset="0"/>
                       </a:endParaRPr>
                     </a:p>
                   </a:txBody>
@@ -7194,7 +7142,7 @@
                         <a:effectLst/>
                         <a:latin typeface="Calibri" panose="020F0502020204030204" pitchFamily="34" charset="0"/>
                         <a:ea typeface="Calibri" panose="020F0502020204030204" pitchFamily="34" charset="0"/>
-                        <a:cs typeface="Arial" panose="020B0604020202020204" pitchFamily="34" charset="0"/>
+                        <a:cs typeface="Arial" panose="02080604020202020204" pitchFamily="34" charset="0"/>
                       </a:endParaRPr>
                     </a:p>
                   </a:txBody>
@@ -7227,17 +7175,12 @@
                         <a:effectLst/>
                         <a:latin typeface="Calibri" panose="020F0502020204030204" pitchFamily="34" charset="0"/>
                         <a:ea typeface="Calibri" panose="020F0502020204030204" pitchFamily="34" charset="0"/>
-                        <a:cs typeface="Arial" panose="020B0604020202020204" pitchFamily="34" charset="0"/>
+                        <a:cs typeface="Arial" panose="02080604020202020204" pitchFamily="34" charset="0"/>
                       </a:endParaRPr>
                     </a:p>
                   </a:txBody>
                   <a:tcPr marL="68580" marR="68580" marT="0" marB="0" anchor="ctr"/>
                 </a:tc>
-                <a:extLst>
-                  <a:ext uri="{0D108BD9-81ED-4DB2-BD59-A6C34878D82A}">
-                    <a16:rowId xmlns:a16="http://schemas.microsoft.com/office/drawing/2014/main" val="10008"/>
-                  </a:ext>
-                </a:extLst>
               </a:tr>
               <a:tr h="647622">
                 <a:tc>
@@ -7266,7 +7209,7 @@
                         <a:effectLst/>
                         <a:latin typeface="Calibri" panose="020F0502020204030204" pitchFamily="34" charset="0"/>
                         <a:ea typeface="Calibri" panose="020F0502020204030204" pitchFamily="34" charset="0"/>
-                        <a:cs typeface="Arial" panose="020B0604020202020204" pitchFamily="34" charset="0"/>
+                        <a:cs typeface="Arial" panose="02080604020202020204" pitchFamily="34" charset="0"/>
                       </a:endParaRPr>
                     </a:p>
                   </a:txBody>
@@ -7298,7 +7241,7 @@
                         <a:effectLst/>
                         <a:latin typeface="Calibri" panose="020F0502020204030204" pitchFamily="34" charset="0"/>
                         <a:ea typeface="Calibri" panose="020F0502020204030204" pitchFamily="34" charset="0"/>
-                        <a:cs typeface="Arial" panose="020B0604020202020204" pitchFamily="34" charset="0"/>
+                        <a:cs typeface="Arial" panose="02080604020202020204" pitchFamily="34" charset="0"/>
                       </a:endParaRPr>
                     </a:p>
                   </a:txBody>
@@ -7331,7 +7274,7 @@
                         <a:effectLst/>
                         <a:latin typeface="Calibri" panose="020F0502020204030204" pitchFamily="34" charset="0"/>
                         <a:ea typeface="Calibri" panose="020F0502020204030204" pitchFamily="34" charset="0"/>
-                        <a:cs typeface="Arial" panose="020B0604020202020204" pitchFamily="34" charset="0"/>
+                        <a:cs typeface="Arial" panose="02080604020202020204" pitchFamily="34" charset="0"/>
                       </a:endParaRPr>
                     </a:p>
                   </a:txBody>
@@ -7363,7 +7306,7 @@
                         <a:effectLst/>
                         <a:latin typeface="Calibri" panose="020F0502020204030204" pitchFamily="34" charset="0"/>
                         <a:ea typeface="Calibri" panose="020F0502020204030204" pitchFamily="34" charset="0"/>
-                        <a:cs typeface="Arial" panose="020B0604020202020204" pitchFamily="34" charset="0"/>
+                        <a:cs typeface="Arial" panose="02080604020202020204" pitchFamily="34" charset="0"/>
                       </a:endParaRPr>
                     </a:p>
                   </a:txBody>
@@ -7396,7 +7339,7 @@
                         <a:effectLst/>
                         <a:latin typeface="Calibri" panose="020F0502020204030204" pitchFamily="34" charset="0"/>
                         <a:ea typeface="Calibri" panose="020F0502020204030204" pitchFamily="34" charset="0"/>
-                        <a:cs typeface="Arial" panose="020B0604020202020204" pitchFamily="34" charset="0"/>
+                        <a:cs typeface="Arial" panose="02080604020202020204" pitchFamily="34" charset="0"/>
                       </a:endParaRPr>
                     </a:p>
                   </a:txBody>
@@ -7428,28 +7371,18 @@
                         <a:effectLst/>
                         <a:latin typeface="Calibri" panose="020F0502020204030204" pitchFamily="34" charset="0"/>
                         <a:ea typeface="Calibri" panose="020F0502020204030204" pitchFamily="34" charset="0"/>
-                        <a:cs typeface="Arial" panose="020B0604020202020204" pitchFamily="34" charset="0"/>
+                        <a:cs typeface="Arial" panose="02080604020202020204" pitchFamily="34" charset="0"/>
                       </a:endParaRPr>
                     </a:p>
                   </a:txBody>
                   <a:tcPr marL="68580" marR="68580" marT="0" marB="0" anchor="ctr"/>
                 </a:tc>
-                <a:extLst>
-                  <a:ext uri="{0D108BD9-81ED-4DB2-BD59-A6C34878D82A}">
-                    <a16:rowId xmlns:a16="http://schemas.microsoft.com/office/drawing/2014/main" val="10009"/>
-                  </a:ext>
-                </a:extLst>
               </a:tr>
             </a:tbl>
           </a:graphicData>
         </a:graphic>
       </p:graphicFrame>
     </p:spTree>
-    <p:extLst>
-      <p:ext uri="{BB962C8B-B14F-4D97-AF65-F5344CB8AC3E}">
-        <p14:creationId xmlns:p14="http://schemas.microsoft.com/office/powerpoint/2010/main" val="4150897009"/>
-      </p:ext>
-    </p:extLst>
   </p:cSld>
   <p:clrMapOvr>
     <a:masterClrMapping/>
@@ -7476,13 +7409,7 @@
       </p:grpSpPr>
       <p:sp>
         <p:nvSpPr>
-          <p:cNvPr id="2" name="Title 1">
-            <a:extLst>
-              <a:ext uri="{FF2B5EF4-FFF2-40B4-BE49-F238E27FC236}">
-                <a16:creationId xmlns:a16="http://schemas.microsoft.com/office/drawing/2014/main" id="{987A2B9E-3B6D-4CDD-AB4C-21E3236C98BA}"/>
-              </a:ext>
-            </a:extLst>
-          </p:cNvPr>
+          <p:cNvPr id="2" name="Title 1"/>
           <p:cNvSpPr>
             <a:spLocks noGrp="1"/>
           </p:cNvSpPr>
@@ -7499,18 +7426,13 @@
               <a:rPr lang="en-US" dirty="0"/>
               <a:t>Requirement Analysis</a:t>
             </a:r>
-          </a:p>
-        </p:txBody>
-      </p:sp>
-      <p:sp>
-        <p:nvSpPr>
-          <p:cNvPr id="3" name="Content Placeholder 2">
-            <a:extLst>
-              <a:ext uri="{FF2B5EF4-FFF2-40B4-BE49-F238E27FC236}">
-                <a16:creationId xmlns:a16="http://schemas.microsoft.com/office/drawing/2014/main" id="{67DBD9DD-B1A5-41B6-8460-CB9575F4E501}"/>
-              </a:ext>
-            </a:extLst>
-          </p:cNvPr>
+            <a:endParaRPr lang="en-US" dirty="0"/>
+          </a:p>
+        </p:txBody>
+      </p:sp>
+      <p:sp>
+        <p:nvSpPr>
+          <p:cNvPr id="3" name="Content Placeholder 2"/>
           <p:cNvSpPr>
             <a:spLocks noGrp="1"/>
           </p:cNvSpPr>
@@ -7529,33 +7451,32 @@
               <a:rPr lang="en-US" dirty="0"/>
               <a:t>Our application includes Three main modules:</a:t>
             </a:r>
+            <a:endParaRPr lang="en-US" dirty="0"/>
           </a:p>
           <a:p>
             <a:r>
               <a:rPr lang="en-US" dirty="0"/>
               <a:t>Main Menu</a:t>
             </a:r>
+            <a:endParaRPr lang="en-US" dirty="0"/>
           </a:p>
           <a:p>
             <a:r>
               <a:rPr lang="en-US" dirty="0"/>
               <a:t>Tour Guide</a:t>
             </a:r>
+            <a:endParaRPr lang="en-US" dirty="0"/>
           </a:p>
           <a:p>
             <a:r>
               <a:rPr lang="en-US" dirty="0"/>
               <a:t>Game Mode</a:t>
             </a:r>
+            <a:endParaRPr lang="en-US" dirty="0"/>
           </a:p>
         </p:txBody>
       </p:sp>
     </p:spTree>
-    <p:extLst>
-      <p:ext uri="{BB962C8B-B14F-4D97-AF65-F5344CB8AC3E}">
-        <p14:creationId xmlns:p14="http://schemas.microsoft.com/office/powerpoint/2010/main" val="897558224"/>
-      </p:ext>
-    </p:extLst>
   </p:cSld>
   <p:clrMapOvr>
     <a:masterClrMapping/>
@@ -7582,13 +7503,7 @@
       </p:grpSpPr>
       <p:sp>
         <p:nvSpPr>
-          <p:cNvPr id="3" name="Content Placeholder 2">
-            <a:extLst>
-              <a:ext uri="{FF2B5EF4-FFF2-40B4-BE49-F238E27FC236}">
-                <a16:creationId xmlns:a16="http://schemas.microsoft.com/office/drawing/2014/main" id="{379FBF68-DC88-4C2D-AED4-BD846653AB4B}"/>
-              </a:ext>
-            </a:extLst>
-          </p:cNvPr>
+          <p:cNvPr id="3" name="Content Placeholder 2"/>
           <p:cNvSpPr>
             <a:spLocks noGrp="1"/>
           </p:cNvSpPr>
@@ -7615,6 +7530,7 @@
               <a:rPr lang="en-US" sz="2400" b="1" dirty="0"/>
               <a:t>Main Menu Module</a:t>
             </a:r>
+            <a:endParaRPr lang="en-US" sz="2400" b="1" dirty="0"/>
           </a:p>
           <a:p>
             <a:pPr marL="0" indent="0">
@@ -7624,6 +7540,7 @@
               <a:rPr lang="en-US" dirty="0"/>
               <a:t>R1: The application shall allow user to select Tour Guide/Game or Exit the application</a:t>
             </a:r>
+            <a:endParaRPr lang="en-US" dirty="0"/>
           </a:p>
           <a:p>
             <a:pPr marL="0" indent="0">
@@ -7639,6 +7556,7 @@
               <a:rPr lang="en-US" sz="2400" b="1" dirty="0"/>
               <a:t>Tour Guide</a:t>
             </a:r>
+            <a:endParaRPr lang="en-US" sz="2400" b="1" dirty="0"/>
           </a:p>
           <a:p>
             <a:pPr marL="0" indent="0">
@@ -7648,6 +7566,7 @@
               <a:rPr lang="en-US" dirty="0"/>
               <a:t>R2: The application shall guide the user with robot companion.</a:t>
             </a:r>
+            <a:endParaRPr lang="en-US" dirty="0"/>
           </a:p>
           <a:p>
             <a:pPr marL="0" indent="0">
@@ -7657,6 +7576,7 @@
               <a:rPr lang="en-US" dirty="0"/>
               <a:t>R3: The application shall pass the user through all the water cycle phases.</a:t>
             </a:r>
+            <a:endParaRPr lang="en-US" dirty="0"/>
           </a:p>
           <a:p>
             <a:pPr marL="0" indent="0">
@@ -7666,6 +7586,7 @@
               <a:rPr lang="en-US" dirty="0"/>
               <a:t>R4: The application shall allow user to look around. </a:t>
             </a:r>
+            <a:endParaRPr lang="en-US" dirty="0"/>
           </a:p>
           <a:p>
             <a:pPr marL="0" indent="0">
@@ -7675,6 +7596,7 @@
               <a:rPr lang="en-US" dirty="0"/>
               <a:t> </a:t>
             </a:r>
+            <a:endParaRPr lang="en-US" dirty="0"/>
           </a:p>
           <a:p>
             <a:pPr marL="0" indent="0">
@@ -7684,6 +7606,7 @@
               <a:rPr lang="en-US" sz="2400" b="1" dirty="0"/>
               <a:t>Mini Game:</a:t>
             </a:r>
+            <a:endParaRPr lang="en-US" sz="2400" b="1" dirty="0"/>
           </a:p>
           <a:p>
             <a:pPr marL="0" indent="0">
@@ -7693,6 +7616,7 @@
               <a:rPr lang="en-US" dirty="0"/>
               <a:t>R5: The application shall allow user to move player as needed.</a:t>
             </a:r>
+            <a:endParaRPr lang="en-US" dirty="0"/>
           </a:p>
           <a:p>
             <a:pPr marL="0" indent="0">
@@ -7702,6 +7626,7 @@
               <a:rPr lang="en-US" dirty="0"/>
               <a:t>R6: The application shall limit user gameplay time.</a:t>
             </a:r>
+            <a:endParaRPr lang="en-US" dirty="0"/>
           </a:p>
           <a:p>
             <a:pPr marL="0" indent="0">
@@ -7711,6 +7636,7 @@
               <a:rPr lang="en-US" dirty="0"/>
               <a:t>R7: The application must record user gameplay time for high score.</a:t>
             </a:r>
+            <a:endParaRPr lang="en-US" dirty="0"/>
           </a:p>
           <a:p>
             <a:pPr marL="0" indent="0">
@@ -7721,11 +7647,6 @@
         </p:txBody>
       </p:sp>
     </p:spTree>
-    <p:extLst>
-      <p:ext uri="{BB962C8B-B14F-4D97-AF65-F5344CB8AC3E}">
-        <p14:creationId xmlns:p14="http://schemas.microsoft.com/office/powerpoint/2010/main" val="2689985128"/>
-      </p:ext>
-    </p:extLst>
   </p:cSld>
   <p:clrMapOvr>
     <a:masterClrMapping/>
@@ -7752,13 +7673,7 @@
       </p:grpSpPr>
       <p:sp>
         <p:nvSpPr>
-          <p:cNvPr id="2" name="Title 1">
-            <a:extLst>
-              <a:ext uri="{FF2B5EF4-FFF2-40B4-BE49-F238E27FC236}">
-                <a16:creationId xmlns:a16="http://schemas.microsoft.com/office/drawing/2014/main" id="{572B919B-7970-414F-944C-D7DCE41D5119}"/>
-              </a:ext>
-            </a:extLst>
-          </p:cNvPr>
+          <p:cNvPr id="2" name="Title 1"/>
           <p:cNvSpPr>
             <a:spLocks noGrp="1"/>
           </p:cNvSpPr>
@@ -7775,18 +7690,13 @@
               <a:rPr lang="en-US" dirty="0"/>
               <a:t>Non-functional Requirements </a:t>
             </a:r>
-          </a:p>
-        </p:txBody>
-      </p:sp>
-      <p:sp>
-        <p:nvSpPr>
-          <p:cNvPr id="3" name="Content Placeholder 2">
-            <a:extLst>
-              <a:ext uri="{FF2B5EF4-FFF2-40B4-BE49-F238E27FC236}">
-                <a16:creationId xmlns:a16="http://schemas.microsoft.com/office/drawing/2014/main" id="{57F44D35-13DB-4243-AAB8-F4DD4AA3E478}"/>
-              </a:ext>
-            </a:extLst>
-          </p:cNvPr>
+            <a:endParaRPr lang="en-US" dirty="0"/>
+          </a:p>
+        </p:txBody>
+      </p:sp>
+      <p:sp>
+        <p:nvSpPr>
+          <p:cNvPr id="3" name="Content Placeholder 2"/>
           <p:cNvSpPr>
             <a:spLocks noGrp="1"/>
           </p:cNvSpPr>
@@ -7803,6 +7713,7 @@
               <a:rPr lang="en-US" dirty="0"/>
               <a:t>The application must not lag for more than 0.002 seconds</a:t>
             </a:r>
+            <a:endParaRPr lang="en-US" dirty="0"/>
           </a:p>
           <a:p>
             <a:pPr marL="0" indent="0">
@@ -7813,11 +7724,6 @@
         </p:txBody>
       </p:sp>
     </p:spTree>
-    <p:extLst>
-      <p:ext uri="{BB962C8B-B14F-4D97-AF65-F5344CB8AC3E}">
-        <p14:creationId xmlns:p14="http://schemas.microsoft.com/office/powerpoint/2010/main" val="110452088"/>
-      </p:ext>
-    </p:extLst>
   </p:cSld>
   <p:clrMapOvr>
     <a:masterClrMapping/>
@@ -7844,13 +7750,7 @@
       </p:grpSpPr>
       <p:sp>
         <p:nvSpPr>
-          <p:cNvPr id="2" name="Title 1">
-            <a:extLst>
-              <a:ext uri="{FF2B5EF4-FFF2-40B4-BE49-F238E27FC236}">
-                <a16:creationId xmlns:a16="http://schemas.microsoft.com/office/drawing/2014/main" id="{3AE0C9F6-F394-418D-96A4-49626E554771}"/>
-              </a:ext>
-            </a:extLst>
-          </p:cNvPr>
+          <p:cNvPr id="2" name="Title 1"/>
           <p:cNvSpPr>
             <a:spLocks noGrp="1"/>
           </p:cNvSpPr>
@@ -7867,18 +7767,13 @@
               <a:rPr lang="en-US" dirty="0"/>
               <a:t>Use case Diagram</a:t>
             </a:r>
-          </a:p>
-        </p:txBody>
-      </p:sp>
-      <p:sp>
-        <p:nvSpPr>
-          <p:cNvPr id="3" name="Content Placeholder 2">
-            <a:extLst>
-              <a:ext uri="{FF2B5EF4-FFF2-40B4-BE49-F238E27FC236}">
-                <a16:creationId xmlns:a16="http://schemas.microsoft.com/office/drawing/2014/main" id="{60780DC7-6E0C-499C-B432-5D3FAE7733F5}"/>
-              </a:ext>
-            </a:extLst>
-          </p:cNvPr>
+            <a:endParaRPr lang="en-US" dirty="0"/>
+          </a:p>
+        </p:txBody>
+      </p:sp>
+      <p:sp>
+        <p:nvSpPr>
+          <p:cNvPr id="3" name="Content Placeholder 2"/>
           <p:cNvSpPr>
             <a:spLocks noGrp="1"/>
           </p:cNvSpPr>
@@ -7895,6 +7790,7 @@
               <a:rPr lang="en-US" dirty="0"/>
               <a:t>Main Menu</a:t>
             </a:r>
+            <a:endParaRPr lang="en-US" dirty="0"/>
           </a:p>
           <a:p>
             <a:pPr marL="0" indent="0">
@@ -7906,18 +7802,12 @@
       </p:sp>
       <p:pic>
         <p:nvPicPr>
-          <p:cNvPr id="4" name="Picture 3">
-            <a:extLst>
-              <a:ext uri="{FF2B5EF4-FFF2-40B4-BE49-F238E27FC236}">
-                <a16:creationId xmlns:a16="http://schemas.microsoft.com/office/drawing/2014/main" id="{C90B0524-6AAC-4739-8263-BBA3A39E4DA6}"/>
-              </a:ext>
-            </a:extLst>
-          </p:cNvPr>
+          <p:cNvPr id="4" name="Picture 3"/>
           <p:cNvPicPr/>
           <p:nvPr/>
         </p:nvPicPr>
         <p:blipFill rotWithShape="1">
-          <a:blip r:embed="rId2">
+          <a:blip r:embed="rId1">
             <a:extLst>
               <a:ext uri="{28A0092B-C50C-407E-A947-70E740481C1C}">
                 <a14:useLocalDpi xmlns:a14="http://schemas.microsoft.com/office/drawing/2010/main" val="0"/>
@@ -7925,7 +7815,9 @@
             </a:extLst>
           </a:blip>
           <a:srcRect l="19743" t="22857" r="24880" b="13429"/>
-          <a:stretch/>
+          <a:stretch>
+            <a:fillRect/>
+          </a:stretch>
         </p:blipFill>
         <p:spPr bwMode="auto">
           <a:xfrm>
@@ -7939,19 +7831,9 @@
           <a:ln>
             <a:noFill/>
           </a:ln>
-          <a:extLst>
-            <a:ext uri="{53640926-AAD7-44D8-BBD7-CCE9431645EC}">
-              <a14:shadowObscured xmlns:a14="http://schemas.microsoft.com/office/drawing/2010/main"/>
-            </a:ext>
-          </a:extLst>
         </p:spPr>
       </p:pic>
     </p:spTree>
-    <p:extLst>
-      <p:ext uri="{BB962C8B-B14F-4D97-AF65-F5344CB8AC3E}">
-        <p14:creationId xmlns:p14="http://schemas.microsoft.com/office/powerpoint/2010/main" val="2053961645"/>
-      </p:ext>
-    </p:extLst>
   </p:cSld>
   <p:clrMapOvr>
     <a:masterClrMapping/>
@@ -7978,13 +7860,7 @@
       </p:grpSpPr>
       <p:sp>
         <p:nvSpPr>
-          <p:cNvPr id="2" name="Title 1">
-            <a:extLst>
-              <a:ext uri="{FF2B5EF4-FFF2-40B4-BE49-F238E27FC236}">
-                <a16:creationId xmlns:a16="http://schemas.microsoft.com/office/drawing/2014/main" id="{67423FAA-9D78-41BE-BEE2-6621D8D99B08}"/>
-              </a:ext>
-            </a:extLst>
-          </p:cNvPr>
+          <p:cNvPr id="2" name="Title 1"/>
           <p:cNvSpPr>
             <a:spLocks noGrp="1"/>
           </p:cNvSpPr>
@@ -8001,18 +7877,13 @@
               <a:rPr lang="en-US" dirty="0"/>
               <a:t>Use Case Diagram</a:t>
             </a:r>
-          </a:p>
-        </p:txBody>
-      </p:sp>
-      <p:sp>
-        <p:nvSpPr>
-          <p:cNvPr id="3" name="Content Placeholder 2">
-            <a:extLst>
-              <a:ext uri="{FF2B5EF4-FFF2-40B4-BE49-F238E27FC236}">
-                <a16:creationId xmlns:a16="http://schemas.microsoft.com/office/drawing/2014/main" id="{914A72A8-87B7-4A3E-8DAF-1E357F80BB47}"/>
-              </a:ext>
-            </a:extLst>
-          </p:cNvPr>
+            <a:endParaRPr lang="en-US" dirty="0"/>
+          </a:p>
+        </p:txBody>
+      </p:sp>
+      <p:sp>
+        <p:nvSpPr>
+          <p:cNvPr id="3" name="Content Placeholder 2"/>
           <p:cNvSpPr>
             <a:spLocks noGrp="1"/>
           </p:cNvSpPr>
@@ -8029,57 +7900,35 @@
               <a:rPr lang="en-US" dirty="0"/>
               <a:t>Game Mode</a:t>
             </a:r>
+            <a:endParaRPr lang="en-US" dirty="0"/>
           </a:p>
         </p:txBody>
       </p:sp>
       <p:pic>
         <p:nvPicPr>
-          <p:cNvPr id="4" name="Picture 3">
-            <a:extLst>
-              <a:ext uri="{FF2B5EF4-FFF2-40B4-BE49-F238E27FC236}">
-                <a16:creationId xmlns:a16="http://schemas.microsoft.com/office/drawing/2014/main" id="{672F7595-69B9-4DAB-8322-2BABA7064F8B}"/>
-              </a:ext>
-            </a:extLst>
-          </p:cNvPr>
-          <p:cNvPicPr/>
+          <p:cNvPr id="5" name="Picture 4" descr="Screenshot from 2019-09-11 20-34-42"/>
+          <p:cNvPicPr>
+            <a:picLocks noChangeAspect="1"/>
+          </p:cNvPicPr>
           <p:nvPr/>
         </p:nvPicPr>
-        <p:blipFill rotWithShape="1">
-          <a:blip r:embed="rId2">
-            <a:extLst>
-              <a:ext uri="{28A0092B-C50C-407E-A947-70E740481C1C}">
-                <a14:useLocalDpi xmlns:a14="http://schemas.microsoft.com/office/drawing/2010/main" val="0"/>
-              </a:ext>
-            </a:extLst>
-          </a:blip>
-          <a:srcRect l="17978" t="23143" r="25682" b="12572"/>
-          <a:stretch/>
+        <p:blipFill>
+          <a:blip r:embed="rId1"/>
+          <a:stretch>
+            <a:fillRect/>
+          </a:stretch>
         </p:blipFill>
-        <p:spPr bwMode="auto">
+        <p:spPr>
           <a:xfrm>
-            <a:off x="4178104" y="2171700"/>
-            <a:ext cx="6794695" cy="4221479"/>
+            <a:off x="4761865" y="1671955"/>
+            <a:ext cx="5610225" cy="4810125"/>
           </a:xfrm>
           <a:prstGeom prst="rect">
             <a:avLst/>
           </a:prstGeom>
-          <a:noFill/>
-          <a:ln>
-            <a:noFill/>
-          </a:ln>
-          <a:extLst>
-            <a:ext uri="{53640926-AAD7-44D8-BBD7-CCE9431645EC}">
-              <a14:shadowObscured xmlns:a14="http://schemas.microsoft.com/office/drawing/2010/main"/>
-            </a:ext>
-          </a:extLst>
         </p:spPr>
       </p:pic>
     </p:spTree>
-    <p:extLst>
-      <p:ext uri="{BB962C8B-B14F-4D97-AF65-F5344CB8AC3E}">
-        <p14:creationId xmlns:p14="http://schemas.microsoft.com/office/powerpoint/2010/main" val="2694925301"/>
-      </p:ext>
-    </p:extLst>
   </p:cSld>
   <p:clrMapOvr>
     <a:masterClrMapping/>
@@ -8106,13 +7955,7 @@
       </p:grpSpPr>
       <p:sp>
         <p:nvSpPr>
-          <p:cNvPr id="2" name="Title 1">
-            <a:extLst>
-              <a:ext uri="{FF2B5EF4-FFF2-40B4-BE49-F238E27FC236}">
-                <a16:creationId xmlns:a16="http://schemas.microsoft.com/office/drawing/2014/main" id="{AA652A55-4BBF-44C0-9483-296DC4886021}"/>
-              </a:ext>
-            </a:extLst>
-          </p:cNvPr>
+          <p:cNvPr id="2" name="Title 1"/>
           <p:cNvSpPr>
             <a:spLocks noGrp="1"/>
           </p:cNvSpPr>
@@ -8129,18 +7972,13 @@
               <a:rPr lang="en-US" dirty="0"/>
               <a:t>Use Case Diagram</a:t>
             </a:r>
-          </a:p>
-        </p:txBody>
-      </p:sp>
-      <p:sp>
-        <p:nvSpPr>
-          <p:cNvPr id="3" name="Content Placeholder 2">
-            <a:extLst>
-              <a:ext uri="{FF2B5EF4-FFF2-40B4-BE49-F238E27FC236}">
-                <a16:creationId xmlns:a16="http://schemas.microsoft.com/office/drawing/2014/main" id="{073B9CCF-CD4B-49EE-9419-06671F73F5B8}"/>
-              </a:ext>
-            </a:extLst>
-          </p:cNvPr>
+            <a:endParaRPr lang="en-US" dirty="0"/>
+          </a:p>
+        </p:txBody>
+      </p:sp>
+      <p:sp>
+        <p:nvSpPr>
+          <p:cNvPr id="3" name="Content Placeholder 2"/>
           <p:cNvSpPr>
             <a:spLocks noGrp="1"/>
           </p:cNvSpPr>
@@ -8157,23 +7995,18 @@
               <a:rPr lang="en-US" dirty="0"/>
               <a:t>Tour Guide</a:t>
             </a:r>
+            <a:endParaRPr lang="en-US" dirty="0"/>
           </a:p>
         </p:txBody>
       </p:sp>
       <p:pic>
         <p:nvPicPr>
-          <p:cNvPr id="4" name="Picture 3">
-            <a:extLst>
-              <a:ext uri="{FF2B5EF4-FFF2-40B4-BE49-F238E27FC236}">
-                <a16:creationId xmlns:a16="http://schemas.microsoft.com/office/drawing/2014/main" id="{57E421ED-8741-4E5A-9A62-E61BD04979A8}"/>
-              </a:ext>
-            </a:extLst>
-          </p:cNvPr>
+          <p:cNvPr id="4" name="Picture 3"/>
           <p:cNvPicPr/>
           <p:nvPr/>
         </p:nvPicPr>
         <p:blipFill rotWithShape="1">
-          <a:blip r:embed="rId2">
+          <a:blip r:embed="rId1">
             <a:extLst>
               <a:ext uri="{28A0092B-C50C-407E-A947-70E740481C1C}">
                 <a14:useLocalDpi xmlns:a14="http://schemas.microsoft.com/office/drawing/2010/main" val="0"/>
@@ -8181,7 +8014,9 @@
             </a:extLst>
           </a:blip>
           <a:srcRect l="23595" t="26000" r="23595" b="17143"/>
-          <a:stretch/>
+          <a:stretch>
+            <a:fillRect/>
+          </a:stretch>
         </p:blipFill>
         <p:spPr bwMode="auto">
           <a:xfrm>
@@ -8195,19 +8030,9 @@
           <a:ln>
             <a:noFill/>
           </a:ln>
-          <a:extLst>
-            <a:ext uri="{53640926-AAD7-44D8-BBD7-CCE9431645EC}">
-              <a14:shadowObscured xmlns:a14="http://schemas.microsoft.com/office/drawing/2010/main"/>
-            </a:ext>
-          </a:extLst>
         </p:spPr>
       </p:pic>
     </p:spTree>
-    <p:extLst>
-      <p:ext uri="{BB962C8B-B14F-4D97-AF65-F5344CB8AC3E}">
-        <p14:creationId xmlns:p14="http://schemas.microsoft.com/office/powerpoint/2010/main" val="2443139829"/>
-      </p:ext>
-    </p:extLst>
   </p:cSld>
   <p:clrMapOvr>
     <a:masterClrMapping/>
@@ -8234,13 +8059,7 @@
       </p:grpSpPr>
       <p:sp>
         <p:nvSpPr>
-          <p:cNvPr id="2" name="Title 1">
-            <a:extLst>
-              <a:ext uri="{FF2B5EF4-FFF2-40B4-BE49-F238E27FC236}">
-                <a16:creationId xmlns:a16="http://schemas.microsoft.com/office/drawing/2014/main" id="{99F1A885-3075-40C9-B832-9F6A5CA4446F}"/>
-              </a:ext>
-            </a:extLst>
-          </p:cNvPr>
+          <p:cNvPr id="2" name="Title 1"/>
           <p:cNvSpPr>
             <a:spLocks noGrp="1"/>
           </p:cNvSpPr>
@@ -8257,18 +8076,13 @@
               <a:rPr lang="en-US" dirty="0"/>
               <a:t>Content</a:t>
             </a:r>
-          </a:p>
-        </p:txBody>
-      </p:sp>
-      <p:sp>
-        <p:nvSpPr>
-          <p:cNvPr id="3" name="Content Placeholder 2">
-            <a:extLst>
-              <a:ext uri="{FF2B5EF4-FFF2-40B4-BE49-F238E27FC236}">
-                <a16:creationId xmlns:a16="http://schemas.microsoft.com/office/drawing/2014/main" id="{2F2E208E-4B1D-498B-9E74-D5D162EA1EAF}"/>
-              </a:ext>
-            </a:extLst>
-          </p:cNvPr>
+            <a:endParaRPr lang="en-US" dirty="0"/>
+          </a:p>
+        </p:txBody>
+      </p:sp>
+      <p:sp>
+        <p:nvSpPr>
+          <p:cNvPr id="3" name="Content Placeholder 2"/>
           <p:cNvSpPr>
             <a:spLocks noGrp="1"/>
           </p:cNvSpPr>
@@ -8285,24 +8099,28 @@
               <a:rPr lang="en-US" dirty="0"/>
               <a:t>Introduction</a:t>
             </a:r>
+            <a:endParaRPr lang="en-US" dirty="0"/>
           </a:p>
           <a:p>
             <a:r>
               <a:rPr lang="en-US" dirty="0"/>
               <a:t>Literature Review</a:t>
             </a:r>
+            <a:endParaRPr lang="en-US" dirty="0"/>
           </a:p>
           <a:p>
             <a:r>
               <a:rPr lang="en-US" dirty="0"/>
               <a:t>Requirement analysis</a:t>
             </a:r>
+            <a:endParaRPr lang="en-US" dirty="0"/>
           </a:p>
           <a:p>
             <a:r>
               <a:rPr lang="en-US" dirty="0"/>
               <a:t>Conclusion</a:t>
             </a:r>
+            <a:endParaRPr lang="en-US" dirty="0"/>
           </a:p>
           <a:p>
             <a:r>
@@ -8317,11 +8135,6 @@
         </p:txBody>
       </p:sp>
     </p:spTree>
-    <p:extLst>
-      <p:ext uri="{BB962C8B-B14F-4D97-AF65-F5344CB8AC3E}">
-        <p14:creationId xmlns:p14="http://schemas.microsoft.com/office/powerpoint/2010/main" val="2816489390"/>
-      </p:ext>
-    </p:extLst>
   </p:cSld>
   <p:clrMapOvr>
     <a:masterClrMapping/>
@@ -8348,13 +8161,7 @@
       </p:grpSpPr>
       <p:sp>
         <p:nvSpPr>
-          <p:cNvPr id="2" name="Title 1">
-            <a:extLst>
-              <a:ext uri="{FF2B5EF4-FFF2-40B4-BE49-F238E27FC236}">
-                <a16:creationId xmlns:a16="http://schemas.microsoft.com/office/drawing/2014/main" id="{638922BD-D6C8-4838-A26C-ABDA8AAF1130}"/>
-              </a:ext>
-            </a:extLst>
-          </p:cNvPr>
+          <p:cNvPr id="2" name="Title 1"/>
           <p:cNvSpPr>
             <a:spLocks noGrp="1"/>
           </p:cNvSpPr>
@@ -8371,23 +8178,18 @@
               <a:rPr lang="en-US" dirty="0"/>
               <a:t>System Sequence Diagram</a:t>
             </a:r>
+            <a:endParaRPr lang="en-US" dirty="0"/>
           </a:p>
         </p:txBody>
       </p:sp>
       <p:pic>
         <p:nvPicPr>
-          <p:cNvPr id="4" name="Picture 3">
-            <a:extLst>
-              <a:ext uri="{FF2B5EF4-FFF2-40B4-BE49-F238E27FC236}">
-                <a16:creationId xmlns:a16="http://schemas.microsoft.com/office/drawing/2014/main" id="{28DE14FE-84BF-442E-9367-9DA52183980D}"/>
-              </a:ext>
-            </a:extLst>
-          </p:cNvPr>
+          <p:cNvPr id="4" name="Picture 3"/>
           <p:cNvPicPr/>
           <p:nvPr/>
         </p:nvPicPr>
         <p:blipFill rotWithShape="1">
-          <a:blip r:embed="rId2">
+          <a:blip r:embed="rId1">
             <a:extLst>
               <a:ext uri="{28A0092B-C50C-407E-A947-70E740481C1C}">
                 <a14:useLocalDpi xmlns:a14="http://schemas.microsoft.com/office/drawing/2010/main" val="0"/>
@@ -8395,7 +8197,9 @@
             </a:extLst>
           </a:blip>
           <a:srcRect r="6139" b="19380"/>
-          <a:stretch/>
+          <a:stretch>
+            <a:fillRect/>
+          </a:stretch>
         </p:blipFill>
         <p:spPr bwMode="auto">
           <a:xfrm>
@@ -8409,19 +8213,9 @@
           <a:ln>
             <a:noFill/>
           </a:ln>
-          <a:extLst>
-            <a:ext uri="{53640926-AAD7-44D8-BBD7-CCE9431645EC}">
-              <a14:shadowObscured xmlns:a14="http://schemas.microsoft.com/office/drawing/2010/main"/>
-            </a:ext>
-          </a:extLst>
         </p:spPr>
       </p:pic>
     </p:spTree>
-    <p:extLst>
-      <p:ext uri="{BB962C8B-B14F-4D97-AF65-F5344CB8AC3E}">
-        <p14:creationId xmlns:p14="http://schemas.microsoft.com/office/powerpoint/2010/main" val="3323198618"/>
-      </p:ext>
-    </p:extLst>
   </p:cSld>
   <p:clrMapOvr>
     <a:masterClrMapping/>
@@ -8448,13 +8242,7 @@
       </p:grpSpPr>
       <p:sp>
         <p:nvSpPr>
-          <p:cNvPr id="2" name="Title 1">
-            <a:extLst>
-              <a:ext uri="{FF2B5EF4-FFF2-40B4-BE49-F238E27FC236}">
-                <a16:creationId xmlns:a16="http://schemas.microsoft.com/office/drawing/2014/main" id="{10532DA2-DA77-459D-901A-8AFDC5F1C4B0}"/>
-              </a:ext>
-            </a:extLst>
-          </p:cNvPr>
+          <p:cNvPr id="2" name="Title 1"/>
           <p:cNvSpPr>
             <a:spLocks noGrp="1"/>
           </p:cNvSpPr>
@@ -8471,18 +8259,13 @@
               <a:rPr lang="en-US" dirty="0"/>
               <a:t>Conclusion</a:t>
             </a:r>
-          </a:p>
-        </p:txBody>
-      </p:sp>
-      <p:sp>
-        <p:nvSpPr>
-          <p:cNvPr id="3" name="Content Placeholder 2">
-            <a:extLst>
-              <a:ext uri="{FF2B5EF4-FFF2-40B4-BE49-F238E27FC236}">
-                <a16:creationId xmlns:a16="http://schemas.microsoft.com/office/drawing/2014/main" id="{DB586400-FCBB-4F9E-AEC9-79F70B4DCB66}"/>
-              </a:ext>
-            </a:extLst>
-          </p:cNvPr>
+            <a:endParaRPr lang="en-US" dirty="0"/>
+          </a:p>
+        </p:txBody>
+      </p:sp>
+      <p:sp>
+        <p:nvSpPr>
+          <p:cNvPr id="3" name="Content Placeholder 2"/>
           <p:cNvSpPr>
             <a:spLocks noGrp="1"/>
           </p:cNvSpPr>
@@ -8504,6 +8287,7 @@
               <a:rPr lang="en-US" dirty="0"/>
               <a:t>This app is being made to benefit students and enhance their knowledge.</a:t>
             </a:r>
+            <a:endParaRPr lang="en-US" dirty="0"/>
           </a:p>
           <a:p>
             <a:pPr marL="0" indent="0">
@@ -8516,6 +8300,7 @@
               <a:rPr lang="en-US" dirty="0"/>
               <a:t>Not many VR apps in this domain are launched yet.</a:t>
             </a:r>
+            <a:endParaRPr lang="en-US" dirty="0"/>
           </a:p>
           <a:p>
             <a:pPr marL="0" indent="0">
@@ -8528,6 +8313,7 @@
               <a:rPr lang="en-US" dirty="0"/>
               <a:t>Most suitable programming language and technology will be used to implement this VR app.</a:t>
             </a:r>
+            <a:endParaRPr lang="en-US" dirty="0"/>
           </a:p>
           <a:p>
             <a:endParaRPr lang="en-US" dirty="0"/>
@@ -8543,7 +8329,7 @@
           <p:nvPr/>
         </p:nvPicPr>
         <p:blipFill>
-          <a:blip r:embed="rId2">
+          <a:blip r:embed="rId1">
             <a:extLst>
               <a:ext uri="{28A0092B-C50C-407E-A947-70E740481C1C}">
                 <a14:useLocalDpi xmlns:a14="http://schemas.microsoft.com/office/drawing/2010/main" val="0"/>
@@ -8576,11 +8362,6 @@
         </p:spPr>
       </p:pic>
     </p:spTree>
-    <p:extLst>
-      <p:ext uri="{BB962C8B-B14F-4D97-AF65-F5344CB8AC3E}">
-        <p14:creationId xmlns:p14="http://schemas.microsoft.com/office/powerpoint/2010/main" val="3296048341"/>
-      </p:ext>
-    </p:extLst>
   </p:cSld>
   <p:clrMapOvr>
     <a:masterClrMapping/>
@@ -8607,13 +8388,7 @@
       </p:grpSpPr>
       <p:sp>
         <p:nvSpPr>
-          <p:cNvPr id="2" name="Title 1">
-            <a:extLst>
-              <a:ext uri="{FF2B5EF4-FFF2-40B4-BE49-F238E27FC236}">
-                <a16:creationId xmlns:a16="http://schemas.microsoft.com/office/drawing/2014/main" id="{D408AD68-9159-44D9-8EC8-48CC16829A49}"/>
-              </a:ext>
-            </a:extLst>
-          </p:cNvPr>
+          <p:cNvPr id="2" name="Title 1"/>
           <p:cNvSpPr>
             <a:spLocks noGrp="1"/>
           </p:cNvSpPr>
@@ -8630,18 +8405,13 @@
               <a:rPr lang="en-US" dirty="0"/>
               <a:t>References</a:t>
             </a:r>
-          </a:p>
-        </p:txBody>
-      </p:sp>
-      <p:sp>
-        <p:nvSpPr>
-          <p:cNvPr id="3" name="Content Placeholder 2">
-            <a:extLst>
-              <a:ext uri="{FF2B5EF4-FFF2-40B4-BE49-F238E27FC236}">
-                <a16:creationId xmlns:a16="http://schemas.microsoft.com/office/drawing/2014/main" id="{1C557612-1B58-488F-8A2F-8DB37FFC9B63}"/>
-              </a:ext>
-            </a:extLst>
-          </p:cNvPr>
+            <a:endParaRPr lang="en-US" dirty="0"/>
+          </a:p>
+        </p:txBody>
+      </p:sp>
+      <p:sp>
+        <p:nvSpPr>
+          <p:cNvPr id="3" name="Content Placeholder 2"/>
           <p:cNvSpPr>
             <a:spLocks noGrp="1"/>
           </p:cNvSpPr>
@@ -8691,6 +8461,9 @@
               </a:rPr>
               <a:t>, "Splash Sim: A VR Experience in the Water Cycle - Apps on Google Play," Google, 10 2017. [Online]. Available: https://play.google.com/store/apps/details?id=com.splashsim.splashsim&amp;hl=en_US. [Accessed 28 7 2019].</a:t>
             </a:r>
+            <a:endParaRPr lang="en-US" sz="2600" dirty="0">
+              <a:cs typeface="Calibri" panose="020F0502020204030204" pitchFamily="34" charset="0"/>
+            </a:endParaRPr>
           </a:p>
           <a:p>
             <a:r>
@@ -8723,6 +8496,9 @@
               </a:rPr>
               <a:t> VR - Apps on Google Play," Google, 1 2016. [Online]. Available: https://play.google.com/store/apps/details?id=com.allvreducation.cicledelaigua&amp;hl=en. [Accessed 28 7 2019].</a:t>
             </a:r>
+            <a:endParaRPr lang="en-US" sz="2600" dirty="0">
+              <a:cs typeface="Calibri" panose="020F0502020204030204" pitchFamily="34" charset="0"/>
+            </a:endParaRPr>
           </a:p>
           <a:p>
             <a:r>
@@ -8731,6 +8507,9 @@
               </a:rPr>
               <a:t>[3] 	EUROCASE, "TABI The Water Cycle - Apps on Google Play," Google, 1 2016. [Online]. Available: https://play.google.com/store/apps/details?id=com.eurocase.hydrologic_cycle&amp;hl=en. [Accessed 28 7 2019].</a:t>
             </a:r>
+            <a:endParaRPr lang="en-US" sz="2600" dirty="0">
+              <a:cs typeface="Calibri" panose="020F0502020204030204" pitchFamily="34" charset="0"/>
+            </a:endParaRPr>
           </a:p>
           <a:p>
             <a:r>
@@ -8763,6 +8542,9 @@
               </a:rPr>
               <a:t>Water Cycle) - Apps on Google Play," Google, 10 2018. [Online]. Available: https://play.google.com/store/apps/details?id=com.studioxpert.watercycle. [Accessed 28 7 2019].</a:t>
             </a:r>
+            <a:endParaRPr lang="en-US" sz="2600" dirty="0">
+              <a:cs typeface="Calibri" panose="020F0502020204030204" pitchFamily="34" charset="0"/>
+            </a:endParaRPr>
           </a:p>
           <a:p>
             <a:endParaRPr lang="en-US" sz="1400" dirty="0">
@@ -8782,11 +8564,6 @@
         </p:txBody>
       </p:sp>
     </p:spTree>
-    <p:extLst>
-      <p:ext uri="{BB962C8B-B14F-4D97-AF65-F5344CB8AC3E}">
-        <p14:creationId xmlns:p14="http://schemas.microsoft.com/office/powerpoint/2010/main" val="1939872356"/>
-      </p:ext>
-    </p:extLst>
   </p:cSld>
   <p:clrMapOvr>
     <a:masterClrMapping/>
@@ -8813,13 +8590,7 @@
       </p:grpSpPr>
       <p:sp>
         <p:nvSpPr>
-          <p:cNvPr id="2" name="Title 1">
-            <a:extLst>
-              <a:ext uri="{FF2B5EF4-FFF2-40B4-BE49-F238E27FC236}">
-                <a16:creationId xmlns:a16="http://schemas.microsoft.com/office/drawing/2014/main" id="{5B27978F-BAD3-46C6-AC41-6D563D981774}"/>
-              </a:ext>
-            </a:extLst>
-          </p:cNvPr>
+          <p:cNvPr id="2" name="Title 1"/>
           <p:cNvSpPr>
             <a:spLocks noGrp="1"/>
           </p:cNvSpPr>
@@ -8836,18 +8607,13 @@
               <a:rPr lang="en-US" dirty="0"/>
               <a:t>Thank you</a:t>
             </a:r>
-          </a:p>
-        </p:txBody>
-      </p:sp>
-      <p:sp>
-        <p:nvSpPr>
-          <p:cNvPr id="3" name="Subtitle 2">
-            <a:extLst>
-              <a:ext uri="{FF2B5EF4-FFF2-40B4-BE49-F238E27FC236}">
-                <a16:creationId xmlns:a16="http://schemas.microsoft.com/office/drawing/2014/main" id="{5649E251-AA3D-4977-8FA9-7B0ED7D0FA10}"/>
-              </a:ext>
-            </a:extLst>
-          </p:cNvPr>
+            <a:endParaRPr lang="en-US" dirty="0"/>
+          </a:p>
+        </p:txBody>
+      </p:sp>
+      <p:sp>
+        <p:nvSpPr>
+          <p:cNvPr id="3" name="Subtitle 2"/>
           <p:cNvSpPr>
             <a:spLocks noGrp="1"/>
           </p:cNvSpPr>
@@ -8864,15 +8630,11 @@
               <a:rPr lang="en-US" dirty="0"/>
               <a:t>Questions?</a:t>
             </a:r>
+            <a:endParaRPr lang="en-US" dirty="0"/>
           </a:p>
         </p:txBody>
       </p:sp>
     </p:spTree>
-    <p:extLst>
-      <p:ext uri="{BB962C8B-B14F-4D97-AF65-F5344CB8AC3E}">
-        <p14:creationId xmlns:p14="http://schemas.microsoft.com/office/powerpoint/2010/main" val="4204291281"/>
-      </p:ext>
-    </p:extLst>
   </p:cSld>
   <p:clrMapOvr>
     <a:masterClrMapping/>
@@ -8899,13 +8661,7 @@
       </p:grpSpPr>
       <p:sp>
         <p:nvSpPr>
-          <p:cNvPr id="2" name="Title 1">
-            <a:extLst>
-              <a:ext uri="{FF2B5EF4-FFF2-40B4-BE49-F238E27FC236}">
-                <a16:creationId xmlns:a16="http://schemas.microsoft.com/office/drawing/2014/main" id="{79D9E8BC-E551-427F-B5A3-C9F9F2C1CDA1}"/>
-              </a:ext>
-            </a:extLst>
-          </p:cNvPr>
+          <p:cNvPr id="2" name="Title 1"/>
           <p:cNvSpPr>
             <a:spLocks noGrp="1"/>
           </p:cNvSpPr>
@@ -8922,18 +8678,13 @@
               <a:rPr lang="en-US" dirty="0"/>
               <a:t>Introduction</a:t>
             </a:r>
-          </a:p>
-        </p:txBody>
-      </p:sp>
-      <p:sp>
-        <p:nvSpPr>
-          <p:cNvPr id="3" name="Content Placeholder 2">
-            <a:extLst>
-              <a:ext uri="{FF2B5EF4-FFF2-40B4-BE49-F238E27FC236}">
-                <a16:creationId xmlns:a16="http://schemas.microsoft.com/office/drawing/2014/main" id="{82980F63-12FE-4913-BB11-CA61837FA0C1}"/>
-              </a:ext>
-            </a:extLst>
-          </p:cNvPr>
+            <a:endParaRPr lang="en-US" dirty="0"/>
+          </a:p>
+        </p:txBody>
+      </p:sp>
+      <p:sp>
+        <p:nvSpPr>
+          <p:cNvPr id="3" name="Content Placeholder 2"/>
           <p:cNvSpPr>
             <a:spLocks noGrp="1"/>
           </p:cNvSpPr>
@@ -8950,24 +8701,28 @@
               <a:rPr lang="en-US" dirty="0"/>
               <a:t>Virtual Reality (VR) allows the user to have a visual view of scenario that might not be easily accessible</a:t>
             </a:r>
+            <a:endParaRPr lang="en-US" dirty="0"/>
           </a:p>
           <a:p>
             <a:r>
               <a:rPr lang="en-US" dirty="0"/>
               <a:t>Being one of the top trending technology it will help evolve the education sector as well</a:t>
             </a:r>
+            <a:endParaRPr lang="en-US" dirty="0"/>
           </a:p>
           <a:p>
             <a:r>
               <a:rPr lang="en-US" dirty="0"/>
               <a:t>Developed application will allows kids to visualize Earths water cycle and easier for them to understand</a:t>
             </a:r>
+            <a:endParaRPr lang="en-US" dirty="0"/>
           </a:p>
           <a:p>
             <a:r>
               <a:rPr lang="en-US" dirty="0"/>
               <a:t>As kids love to play games, we will include a mini game as it will make it easier to pass information to them.</a:t>
             </a:r>
+            <a:endParaRPr lang="en-US" dirty="0"/>
           </a:p>
           <a:p>
             <a:endParaRPr lang="en-US" dirty="0"/>
@@ -8978,11 +8733,6 @@
         </p:txBody>
       </p:sp>
     </p:spTree>
-    <p:extLst>
-      <p:ext uri="{BB962C8B-B14F-4D97-AF65-F5344CB8AC3E}">
-        <p14:creationId xmlns:p14="http://schemas.microsoft.com/office/powerpoint/2010/main" val="397536508"/>
-      </p:ext>
-    </p:extLst>
   </p:cSld>
   <p:clrMapOvr>
     <a:masterClrMapping/>
@@ -9009,13 +8759,7 @@
       </p:grpSpPr>
       <p:sp>
         <p:nvSpPr>
-          <p:cNvPr id="2" name="Title 1">
-            <a:extLst>
-              <a:ext uri="{FF2B5EF4-FFF2-40B4-BE49-F238E27FC236}">
-                <a16:creationId xmlns:a16="http://schemas.microsoft.com/office/drawing/2014/main" id="{C40FFD64-548A-4A99-A870-CD3191FCE0C7}"/>
-              </a:ext>
-            </a:extLst>
-          </p:cNvPr>
+          <p:cNvPr id="2" name="Title 1"/>
           <p:cNvSpPr>
             <a:spLocks noGrp="1"/>
           </p:cNvSpPr>
@@ -9032,18 +8776,13 @@
               <a:rPr lang="en-US" dirty="0"/>
               <a:t>Problem Statement	</a:t>
             </a:r>
-          </a:p>
-        </p:txBody>
-      </p:sp>
-      <p:sp>
-        <p:nvSpPr>
-          <p:cNvPr id="3" name="Content Placeholder 2">
-            <a:extLst>
-              <a:ext uri="{FF2B5EF4-FFF2-40B4-BE49-F238E27FC236}">
-                <a16:creationId xmlns:a16="http://schemas.microsoft.com/office/drawing/2014/main" id="{08B26BB4-6D06-4536-8124-710012F39B3A}"/>
-              </a:ext>
-            </a:extLst>
-          </p:cNvPr>
+            <a:endParaRPr lang="en-US" dirty="0"/>
+          </a:p>
+        </p:txBody>
+      </p:sp>
+      <p:sp>
+        <p:nvSpPr>
+          <p:cNvPr id="3" name="Content Placeholder 2"/>
           <p:cNvSpPr>
             <a:spLocks noGrp="1"/>
           </p:cNvSpPr>
@@ -9060,27 +8799,25 @@
               <a:rPr lang="en-US" dirty="0"/>
               <a:t>Few VR applications</a:t>
             </a:r>
+            <a:endParaRPr lang="en-US" dirty="0"/>
           </a:p>
           <a:p>
             <a:r>
               <a:rPr lang="en-US" dirty="0"/>
               <a:t>Lack of Guidance within the application</a:t>
             </a:r>
+            <a:endParaRPr lang="en-US" dirty="0"/>
           </a:p>
           <a:p>
             <a:r>
               <a:rPr lang="en-US" dirty="0"/>
               <a:t>Lack of visualization</a:t>
             </a:r>
+            <a:endParaRPr lang="en-US" dirty="0"/>
           </a:p>
         </p:txBody>
       </p:sp>
     </p:spTree>
-    <p:extLst>
-      <p:ext uri="{BB962C8B-B14F-4D97-AF65-F5344CB8AC3E}">
-        <p14:creationId xmlns:p14="http://schemas.microsoft.com/office/powerpoint/2010/main" val="2042312141"/>
-      </p:ext>
-    </p:extLst>
   </p:cSld>
   <p:clrMapOvr>
     <a:masterClrMapping/>
@@ -9107,13 +8844,7 @@
       </p:grpSpPr>
       <p:sp>
         <p:nvSpPr>
-          <p:cNvPr id="2" name="Title 1">
-            <a:extLst>
-              <a:ext uri="{FF2B5EF4-FFF2-40B4-BE49-F238E27FC236}">
-                <a16:creationId xmlns:a16="http://schemas.microsoft.com/office/drawing/2014/main" id="{8DC0FD8C-96A5-4323-8E47-435C90530937}"/>
-              </a:ext>
-            </a:extLst>
-          </p:cNvPr>
+          <p:cNvPr id="2" name="Title 1"/>
           <p:cNvSpPr>
             <a:spLocks noGrp="1"/>
           </p:cNvSpPr>
@@ -9130,18 +8861,13 @@
               <a:rPr lang="en-US" dirty="0"/>
               <a:t>Objective</a:t>
             </a:r>
-          </a:p>
-        </p:txBody>
-      </p:sp>
-      <p:sp>
-        <p:nvSpPr>
-          <p:cNvPr id="3" name="Content Placeholder 2">
-            <a:extLst>
-              <a:ext uri="{FF2B5EF4-FFF2-40B4-BE49-F238E27FC236}">
-                <a16:creationId xmlns:a16="http://schemas.microsoft.com/office/drawing/2014/main" id="{CA5BD5CC-43FB-468C-B3DD-276E31247046}"/>
-              </a:ext>
-            </a:extLst>
-          </p:cNvPr>
+            <a:endParaRPr lang="en-US" dirty="0"/>
+          </a:p>
+        </p:txBody>
+      </p:sp>
+      <p:sp>
+        <p:nvSpPr>
+          <p:cNvPr id="3" name="Content Placeholder 2"/>
           <p:cNvSpPr>
             <a:spLocks noGrp="1"/>
           </p:cNvSpPr>
@@ -9158,24 +8884,28 @@
               <a:rPr lang="en-US" dirty="0"/>
               <a:t>to develop a virtual reality application for water cycle education.</a:t>
             </a:r>
+            <a:endParaRPr lang="en-US" dirty="0"/>
           </a:p>
           <a:p>
             <a:r>
               <a:rPr lang="en-US" dirty="0"/>
               <a:t>to provide users with a game to understand water cycle.</a:t>
             </a:r>
+            <a:endParaRPr lang="en-US" dirty="0"/>
           </a:p>
           <a:p>
             <a:r>
               <a:rPr lang="en-US" dirty="0"/>
               <a:t>to provide user with different mode of interaction.</a:t>
             </a:r>
+            <a:endParaRPr lang="en-US" dirty="0"/>
           </a:p>
           <a:p>
             <a:r>
               <a:rPr lang="en-US" dirty="0"/>
               <a:t>to provide user with real model view of water cycle.</a:t>
             </a:r>
+            <a:endParaRPr lang="en-US" dirty="0"/>
           </a:p>
           <a:p>
             <a:endParaRPr lang="en-US" dirty="0"/>
@@ -9183,11 +8913,6 @@
         </p:txBody>
       </p:sp>
     </p:spTree>
-    <p:extLst>
-      <p:ext uri="{BB962C8B-B14F-4D97-AF65-F5344CB8AC3E}">
-        <p14:creationId xmlns:p14="http://schemas.microsoft.com/office/powerpoint/2010/main" val="2984053545"/>
-      </p:ext>
-    </p:extLst>
   </p:cSld>
   <p:clrMapOvr>
     <a:masterClrMapping/>
@@ -9214,13 +8939,7 @@
       </p:grpSpPr>
       <p:sp>
         <p:nvSpPr>
-          <p:cNvPr id="2" name="Title 1">
-            <a:extLst>
-              <a:ext uri="{FF2B5EF4-FFF2-40B4-BE49-F238E27FC236}">
-                <a16:creationId xmlns:a16="http://schemas.microsoft.com/office/drawing/2014/main" id="{C6F471E8-F97A-4840-8B15-4EB56FA2E1A4}"/>
-              </a:ext>
-            </a:extLst>
-          </p:cNvPr>
+          <p:cNvPr id="2" name="Title 1"/>
           <p:cNvSpPr>
             <a:spLocks noGrp="1"/>
           </p:cNvSpPr>
@@ -9237,18 +8956,13 @@
               <a:rPr lang="en-US" dirty="0"/>
               <a:t>Expected outcome</a:t>
             </a:r>
-          </a:p>
-        </p:txBody>
-      </p:sp>
-      <p:sp>
-        <p:nvSpPr>
-          <p:cNvPr id="3" name="Content Placeholder 2">
-            <a:extLst>
-              <a:ext uri="{FF2B5EF4-FFF2-40B4-BE49-F238E27FC236}">
-                <a16:creationId xmlns:a16="http://schemas.microsoft.com/office/drawing/2014/main" id="{CF2C1132-D263-4A0D-92DE-9FFEF6BB7789}"/>
-              </a:ext>
-            </a:extLst>
-          </p:cNvPr>
+            <a:endParaRPr lang="en-US" dirty="0"/>
+          </a:p>
+        </p:txBody>
+      </p:sp>
+      <p:sp>
+        <p:nvSpPr>
+          <p:cNvPr id="3" name="Content Placeholder 2"/>
           <p:cNvSpPr>
             <a:spLocks noGrp="1"/>
           </p:cNvSpPr>
@@ -9265,27 +8979,25 @@
               <a:rPr lang="en-US" dirty="0"/>
               <a:t>The developed application will allow kids to have tour of different phases of water cycle</a:t>
             </a:r>
+            <a:endParaRPr lang="en-US" dirty="0"/>
           </a:p>
           <a:p>
             <a:r>
               <a:rPr lang="en-US" dirty="0"/>
               <a:t>The developed application will guide kids through different phases with help of a robot companion</a:t>
             </a:r>
+            <a:endParaRPr lang="en-US" dirty="0"/>
           </a:p>
           <a:p>
             <a:r>
               <a:rPr lang="en-US" dirty="0"/>
               <a:t>The developed application will have a mini game for kids as part of interaction.</a:t>
             </a:r>
+            <a:endParaRPr lang="en-US" dirty="0"/>
           </a:p>
         </p:txBody>
       </p:sp>
     </p:spTree>
-    <p:extLst>
-      <p:ext uri="{BB962C8B-B14F-4D97-AF65-F5344CB8AC3E}">
-        <p14:creationId xmlns:p14="http://schemas.microsoft.com/office/powerpoint/2010/main" val="1209583798"/>
-      </p:ext>
-    </p:extLst>
   </p:cSld>
   <p:clrMapOvr>
     <a:masterClrMapping/>
@@ -9312,13 +9024,7 @@
       </p:grpSpPr>
       <p:sp>
         <p:nvSpPr>
-          <p:cNvPr id="2" name="Title 1">
-            <a:extLst>
-              <a:ext uri="{FF2B5EF4-FFF2-40B4-BE49-F238E27FC236}">
-                <a16:creationId xmlns:a16="http://schemas.microsoft.com/office/drawing/2014/main" id="{84D7991D-144A-4372-8BD2-616794586C45}"/>
-              </a:ext>
-            </a:extLst>
-          </p:cNvPr>
+          <p:cNvPr id="2" name="Title 1"/>
           <p:cNvSpPr>
             <a:spLocks noGrp="1"/>
           </p:cNvSpPr>
@@ -9335,26 +9041,15 @@
               <a:rPr lang="en-US" dirty="0"/>
               <a:t>Gantt Chart</a:t>
             </a:r>
+            <a:endParaRPr lang="en-US" dirty="0"/>
           </a:p>
         </p:txBody>
       </p:sp>
       <p:graphicFrame>
         <p:nvGraphicFramePr>
-          <p:cNvPr id="4" name="Chart 3" title="Chart">
-            <a:extLst>
-              <a:ext uri="{FF2B5EF4-FFF2-40B4-BE49-F238E27FC236}">
-                <a16:creationId xmlns:a16="http://schemas.microsoft.com/office/drawing/2014/main" id="{00000000-0008-0000-0100-000002000000}"/>
-              </a:ext>
-            </a:extLst>
-          </p:cNvPr>
+          <p:cNvPr id="4" name="Chart 3" title="Chart"/>
           <p:cNvGraphicFramePr/>
-          <p:nvPr>
-            <p:extLst>
-              <p:ext uri="{D42A27DB-BD31-4B8C-83A1-F6EECF244321}">
-                <p14:modId xmlns:p14="http://schemas.microsoft.com/office/powerpoint/2010/main" val="1856524211"/>
-              </p:ext>
-            </p:extLst>
-          </p:nvPr>
+          <p:nvPr/>
         </p:nvGraphicFramePr>
         <p:xfrm>
           <a:off x="2301459" y="1751329"/>
@@ -9362,16 +9057,11 @@
         </p:xfrm>
         <a:graphic>
           <a:graphicData uri="http://schemas.openxmlformats.org/drawingml/2006/chart">
-            <c:chart xmlns:c="http://schemas.openxmlformats.org/drawingml/2006/chart" xmlns:r="http://schemas.openxmlformats.org/officeDocument/2006/relationships" r:id="rId2"/>
+            <c:chart xmlns:c="http://schemas.openxmlformats.org/drawingml/2006/chart" xmlns:r="http://schemas.openxmlformats.org/officeDocument/2006/relationships" r:id="rId1"/>
           </a:graphicData>
         </a:graphic>
       </p:graphicFrame>
     </p:spTree>
-    <p:extLst>
-      <p:ext uri="{BB962C8B-B14F-4D97-AF65-F5344CB8AC3E}">
-        <p14:creationId xmlns:p14="http://schemas.microsoft.com/office/powerpoint/2010/main" val="1542142762"/>
-      </p:ext>
-    </p:extLst>
   </p:cSld>
   <p:clrMapOvr>
     <a:masterClrMapping/>
@@ -9398,13 +9088,7 @@
       </p:grpSpPr>
       <p:sp>
         <p:nvSpPr>
-          <p:cNvPr id="2" name="Title 1">
-            <a:extLst>
-              <a:ext uri="{FF2B5EF4-FFF2-40B4-BE49-F238E27FC236}">
-                <a16:creationId xmlns:a16="http://schemas.microsoft.com/office/drawing/2014/main" id="{E5CFE099-4597-4BD2-AC20-2C18228114F3}"/>
-              </a:ext>
-            </a:extLst>
-          </p:cNvPr>
+          <p:cNvPr id="2" name="Title 1"/>
           <p:cNvSpPr>
             <a:spLocks noGrp="1"/>
           </p:cNvSpPr>
@@ -9426,18 +9110,13 @@
               <a:rPr lang="en-US" dirty="0"/>
               <a:t>Literature Review</a:t>
             </a:r>
-          </a:p>
-        </p:txBody>
-      </p:sp>
-      <p:sp>
-        <p:nvSpPr>
-          <p:cNvPr id="3" name="Content Placeholder 2">
-            <a:extLst>
-              <a:ext uri="{FF2B5EF4-FFF2-40B4-BE49-F238E27FC236}">
-                <a16:creationId xmlns:a16="http://schemas.microsoft.com/office/drawing/2014/main" id="{3161AE2C-2D22-49D7-A572-CCB0753E3B50}"/>
-              </a:ext>
-            </a:extLst>
-          </p:cNvPr>
+            <a:endParaRPr lang="en-US" dirty="0"/>
+          </a:p>
+        </p:txBody>
+      </p:sp>
+      <p:sp>
+        <p:nvSpPr>
+          <p:cNvPr id="3" name="Content Placeholder 2"/>
           <p:cNvSpPr>
             <a:spLocks noGrp="1"/>
           </p:cNvSpPr>
@@ -9459,6 +9138,7 @@
               <a:rPr lang="en-US" sz="2400" dirty="0"/>
               <a:t>Very few apps have been created in this domain.</a:t>
             </a:r>
+            <a:endParaRPr lang="en-US" sz="2400" dirty="0"/>
           </a:p>
           <a:p>
             <a:pPr marL="0" indent="0">
@@ -9471,6 +9151,7 @@
               <a:rPr lang="en-US" sz="2400" dirty="0"/>
               <a:t>Much apps were focused on water cycle lessons rather than visualization of the water cycle.</a:t>
             </a:r>
+            <a:endParaRPr lang="en-US" sz="2400" dirty="0"/>
           </a:p>
           <a:p>
             <a:pPr marL="0" indent="0">
@@ -9483,6 +9164,7 @@
               <a:rPr lang="en-US" sz="2400" dirty="0"/>
               <a:t>Teachers are looking forward to such applications</a:t>
             </a:r>
+            <a:endParaRPr lang="en-US" sz="2400" dirty="0"/>
           </a:p>
           <a:p>
             <a:pPr marL="0" indent="0">
@@ -9492,6 +9174,7 @@
               <a:rPr lang="en-US" sz="2400" dirty="0"/>
               <a:t> to ease the teaching.</a:t>
             </a:r>
+            <a:endParaRPr lang="en-US" sz="2400" dirty="0"/>
           </a:p>
           <a:p>
             <a:endParaRPr lang="en-US" dirty="0"/>
@@ -9507,11 +9190,11 @@
           <p:nvPr/>
         </p:nvPicPr>
         <p:blipFill>
-          <a:blip r:embed="rId2">
+          <a:blip r:embed="rId1">
             <a:extLst>
               <a:ext uri="{BEBA8EAE-BF5A-486C-A8C5-ECC9F3942E4B}">
                 <a14:imgProps xmlns:a14="http://schemas.microsoft.com/office/drawing/2010/main">
-                  <a14:imgLayer r:embed="rId3">
+                  <a14:imgLayer r:embed="rId2">
                     <a14:imgEffect>
                       <a14:backgroundRemoval t="10000" b="90000" l="10000" r="90000"/>
                     </a14:imgEffect>
@@ -9538,11 +9221,6 @@
         </p:spPr>
       </p:pic>
     </p:spTree>
-    <p:extLst>
-      <p:ext uri="{BB962C8B-B14F-4D97-AF65-F5344CB8AC3E}">
-        <p14:creationId xmlns:p14="http://schemas.microsoft.com/office/powerpoint/2010/main" val="2887603988"/>
-      </p:ext>
-    </p:extLst>
   </p:cSld>
   <p:clrMapOvr>
     <a:masterClrMapping/>
@@ -9569,13 +9247,7 @@
       </p:grpSpPr>
       <p:sp>
         <p:nvSpPr>
-          <p:cNvPr id="2" name="Title 1">
-            <a:extLst>
-              <a:ext uri="{FF2B5EF4-FFF2-40B4-BE49-F238E27FC236}">
-                <a16:creationId xmlns:a16="http://schemas.microsoft.com/office/drawing/2014/main" id="{D4205F1D-BFE7-4BD5-8CD8-366232C62642}"/>
-              </a:ext>
-            </a:extLst>
-          </p:cNvPr>
+          <p:cNvPr id="2" name="Title 1"/>
           <p:cNvSpPr>
             <a:spLocks noGrp="1"/>
           </p:cNvSpPr>
@@ -9597,18 +9269,13 @@
               <a:rPr lang="en-US" dirty="0"/>
               <a:t>Similar Apps</a:t>
             </a:r>
-          </a:p>
-        </p:txBody>
-      </p:sp>
-      <p:sp>
-        <p:nvSpPr>
-          <p:cNvPr id="3" name="Content Placeholder 2">
-            <a:extLst>
-              <a:ext uri="{FF2B5EF4-FFF2-40B4-BE49-F238E27FC236}">
-                <a16:creationId xmlns:a16="http://schemas.microsoft.com/office/drawing/2014/main" id="{284154B4-27BB-4EA9-99CB-74254299DDA4}"/>
-              </a:ext>
-            </a:extLst>
-          </p:cNvPr>
+            <a:endParaRPr lang="en-US" dirty="0"/>
+          </a:p>
+        </p:txBody>
+      </p:sp>
+      <p:sp>
+        <p:nvSpPr>
+          <p:cNvPr id="3" name="Content Placeholder 2"/>
           <p:cNvSpPr>
             <a:spLocks noGrp="1"/>
           </p:cNvSpPr>
@@ -9672,10 +9339,14 @@
               </a:rPr>
               <a:t>Features:</a:t>
             </a:r>
+            <a:endParaRPr lang="en-US" b="1" dirty="0">
+              <a:latin typeface="Calibri Light" panose="020F0302020204030204" pitchFamily="34" charset="0"/>
+              <a:cs typeface="Calibri Light" panose="020F0302020204030204" pitchFamily="34" charset="0"/>
+            </a:endParaRPr>
           </a:p>
           <a:p>
             <a:pPr>
-              <a:buFont typeface="Arial" panose="020B0604020202020204" pitchFamily="34" charset="0"/>
+              <a:buFont typeface="Arial" panose="02080604020202020204" pitchFamily="34" charset="0"/>
               <a:buChar char="•"/>
             </a:pPr>
             <a:r>
@@ -9685,10 +9356,14 @@
               </a:rPr>
               <a:t>VR app.</a:t>
             </a:r>
+            <a:endParaRPr lang="en-US" sz="1800" dirty="0">
+              <a:latin typeface="Calibri" panose="020F0502020204030204" pitchFamily="34" charset="0"/>
+              <a:cs typeface="Calibri" panose="020F0502020204030204" pitchFamily="34" charset="0"/>
+            </a:endParaRPr>
           </a:p>
           <a:p>
             <a:pPr>
-              <a:buFont typeface="Arial" panose="020B0604020202020204" pitchFamily="34" charset="0"/>
+              <a:buFont typeface="Arial" panose="02080604020202020204" pitchFamily="34" charset="0"/>
               <a:buChar char="•"/>
             </a:pPr>
             <a:r>
@@ -9698,10 +9373,14 @@
               </a:rPr>
               <a:t>User is taken to a tour to see different phases of water cycle.</a:t>
             </a:r>
+            <a:endParaRPr lang="en-US" sz="1800" dirty="0">
+              <a:latin typeface="Calibri" panose="020F0502020204030204" pitchFamily="34" charset="0"/>
+              <a:cs typeface="Calibri" panose="020F0502020204030204" pitchFamily="34" charset="0"/>
+            </a:endParaRPr>
           </a:p>
           <a:p>
             <a:pPr>
-              <a:buFont typeface="Arial" panose="020B0604020202020204" pitchFamily="34" charset="0"/>
+              <a:buFont typeface="Arial" panose="02080604020202020204" pitchFamily="34" charset="0"/>
               <a:buChar char="•"/>
             </a:pPr>
             <a:r>
@@ -9711,10 +9390,14 @@
               </a:rPr>
               <a:t>Text is appeared to explain user about the phases.</a:t>
             </a:r>
+            <a:endParaRPr lang="en-US" sz="1800" dirty="0">
+              <a:latin typeface="Calibri" panose="020F0502020204030204" pitchFamily="34" charset="0"/>
+              <a:cs typeface="Calibri" panose="020F0502020204030204" pitchFamily="34" charset="0"/>
+            </a:endParaRPr>
           </a:p>
           <a:p>
             <a:pPr>
-              <a:buFont typeface="Arial" panose="020B0604020202020204" pitchFamily="34" charset="0"/>
+              <a:buFont typeface="Arial" panose="02080604020202020204" pitchFamily="34" charset="0"/>
               <a:buChar char="•"/>
             </a:pPr>
             <a:r>
@@ -9724,6 +9407,10 @@
               </a:rPr>
               <a:t>Audio effect of rain, wind and birds.</a:t>
             </a:r>
+            <a:endParaRPr lang="en-US" sz="1800" dirty="0">
+              <a:latin typeface="Calibri" panose="020F0502020204030204" pitchFamily="34" charset="0"/>
+              <a:cs typeface="Calibri" panose="020F0502020204030204" pitchFamily="34" charset="0"/>
+            </a:endParaRPr>
           </a:p>
           <a:p>
             <a:pPr marL="0" indent="0">
@@ -9745,10 +9432,14 @@
               </a:rPr>
               <a:t>Weaknesses:</a:t>
             </a:r>
+            <a:endParaRPr lang="en-US" b="1" dirty="0">
+              <a:latin typeface="Calibri Light" panose="020F0302020204030204" pitchFamily="34" charset="0"/>
+              <a:cs typeface="Calibri Light" panose="020F0302020204030204" pitchFamily="34" charset="0"/>
+            </a:endParaRPr>
           </a:p>
           <a:p>
             <a:pPr>
-              <a:buFont typeface="Arial" panose="020B0604020202020204" pitchFamily="34" charset="0"/>
+              <a:buFont typeface="Arial" panose="02080604020202020204" pitchFamily="34" charset="0"/>
               <a:buChar char="•"/>
             </a:pPr>
             <a:r>
@@ -9758,10 +9449,14 @@
               </a:rPr>
               <a:t>Lack of animation in evaporation stage.</a:t>
             </a:r>
+            <a:endParaRPr lang="en-US" sz="1800" dirty="0">
+              <a:latin typeface="Calibri" panose="020F0502020204030204" pitchFamily="34" charset="0"/>
+              <a:cs typeface="Calibri" panose="020F0502020204030204" pitchFamily="34" charset="0"/>
+            </a:endParaRPr>
           </a:p>
           <a:p>
             <a:pPr>
-              <a:buFont typeface="Arial" panose="020B0604020202020204" pitchFamily="34" charset="0"/>
+              <a:buFont typeface="Arial" panose="02080604020202020204" pitchFamily="34" charset="0"/>
               <a:buChar char="•"/>
             </a:pPr>
             <a:r>
@@ -9771,10 +9466,14 @@
               </a:rPr>
               <a:t>No text to speech implementation.</a:t>
             </a:r>
+            <a:endParaRPr lang="en-US" sz="1800" dirty="0">
+              <a:latin typeface="Calibri" panose="020F0502020204030204" pitchFamily="34" charset="0"/>
+              <a:cs typeface="Calibri" panose="020F0502020204030204" pitchFamily="34" charset="0"/>
+            </a:endParaRPr>
           </a:p>
           <a:p>
             <a:pPr>
-              <a:buFont typeface="Arial" panose="020B0604020202020204" pitchFamily="34" charset="0"/>
+              <a:buFont typeface="Arial" panose="02080604020202020204" pitchFamily="34" charset="0"/>
               <a:buChar char="•"/>
             </a:pPr>
             <a:r>
@@ -9784,6 +9483,10 @@
               </a:rPr>
               <a:t>The tour gets on repeated by itself.</a:t>
             </a:r>
+            <a:endParaRPr lang="en-US" sz="1800" dirty="0">
+              <a:latin typeface="Calibri" panose="020F0502020204030204" pitchFamily="34" charset="0"/>
+              <a:cs typeface="Calibri" panose="020F0502020204030204" pitchFamily="34" charset="0"/>
+            </a:endParaRPr>
           </a:p>
           <a:p>
             <a:pPr marL="0" indent="0">
@@ -9800,11 +9503,11 @@
           <p:nvPr/>
         </p:nvPicPr>
         <p:blipFill rotWithShape="1">
-          <a:blip r:embed="rId2">
+          <a:blip r:embed="rId1">
             <a:extLst>
               <a:ext uri="{BEBA8EAE-BF5A-486C-A8C5-ECC9F3942E4B}">
                 <a14:imgProps xmlns:a14="http://schemas.microsoft.com/office/drawing/2010/main">
-                  <a14:imgLayer r:embed="rId3">
+                  <a14:imgLayer r:embed="rId2">
                     <a14:imgEffect>
                       <a14:brightnessContrast bright="40000"/>
                     </a14:imgEffect>
@@ -9817,7 +9520,9 @@
             </a:extLst>
           </a:blip>
           <a:srcRect l="24358" t="34644" r="39745" b="28661"/>
-          <a:stretch/>
+          <a:stretch>
+            <a:fillRect/>
+          </a:stretch>
         </p:blipFill>
         <p:spPr bwMode="auto">
           <a:xfrm>
@@ -9830,19 +9535,9 @@
           <a:ln>
             <a:noFill/>
           </a:ln>
-          <a:extLst>
-            <a:ext uri="{53640926-AAD7-44D8-BBD7-CCE9431645EC}">
-              <a14:shadowObscured xmlns:a14="http://schemas.microsoft.com/office/drawing/2010/main"/>
-            </a:ext>
-          </a:extLst>
         </p:spPr>
       </p:pic>
     </p:spTree>
-    <p:extLst>
-      <p:ext uri="{BB962C8B-B14F-4D97-AF65-F5344CB8AC3E}">
-        <p14:creationId xmlns:p14="http://schemas.microsoft.com/office/powerpoint/2010/main" val="1711244689"/>
-      </p:ext>
-    </p:extLst>
   </p:cSld>
   <p:clrMapOvr>
     <a:masterClrMapping/>
@@ -9893,7 +9588,7 @@
     </a:clrScheme>
     <a:fontScheme name="Crop">
       <a:majorFont>
-        <a:latin typeface="Franklin Gothic Book" panose="020B0503020102020204"/>
+        <a:latin typeface="Franklin Gothic Book"/>
         <a:ea typeface=""/>
         <a:cs typeface=""/>
         <a:font script="Jpan" typeface="メイリオ"/>
@@ -9928,7 +9623,7 @@
         <a:font script="Geor" typeface="Sylfaen"/>
       </a:majorFont>
       <a:minorFont>
-        <a:latin typeface="Franklin Gothic Book" panose="020B0503020102020204"/>
+        <a:latin typeface="Franklin Gothic Book"/>
         <a:ea typeface=""/>
         <a:cs typeface=""/>
         <a:font script="Jpan" typeface="メイリオ"/>
@@ -10098,11 +9793,9 @@
       </a:bgFillStyleLst>
     </a:fmtScheme>
   </a:themeElements>
-  <a:objectDefaults/>
-  <a:extraClrSchemeLst/>
   <a:extLst>
     <a:ext uri="{05A4C25C-085E-4340-85A3-A5531E510DB2}">
-      <thm15:themeFamily xmlns:thm15="http://schemas.microsoft.com/office/thememl/2012/main" name="Crop" id="{EC9488ED-E761-4D60-9AC4-764D1FE2C171}" vid="{CE19780C-D67D-4C13-9DE9-A52BC3BA51B4}"/>
+      <thm15:themeFamily xmlns:thm15="http://schemas.microsoft.com/office/thememl/2012/main" name="Office Theme" id="{62F939B6-93AF-4DB8-9C6B-D6C7DFDC589F}" vid="{4A3C46E8-61CC-4603-A589-7422A47A8E4A}"/>
     </a:ext>
   </a:extLst>
 </a:theme>

--- a/Capstone.pptx
+++ b/Capstone.pptx
@@ -1,30 +1,34 @@
 
 <file path=ppt/presentation.xml><?xml version="1.0" encoding="utf-8"?>
-<p:presentation xmlns:a="http://schemas.openxmlformats.org/drawingml/2006/main" xmlns:r="http://schemas.openxmlformats.org/officeDocument/2006/relationships" xmlns:p="http://schemas.openxmlformats.org/presentationml/2006/main" bookmarkIdSeed="8">
+<p:presentation xmlns:a="http://schemas.openxmlformats.org/drawingml/2006/main" xmlns:r="http://schemas.openxmlformats.org/officeDocument/2006/relationships" xmlns:p="http://schemas.openxmlformats.org/presentationml/2006/main" saveSubsetFonts="1" bookmarkIdSeed="8">
   <p:sldMasterIdLst>
-    <p:sldMasterId id="2147483648" r:id="rId1"/>
+    <p:sldMasterId id="2147483660" r:id="rId1"/>
   </p:sldMasterIdLst>
+  <p:notesMasterIdLst>
+    <p:notesMasterId r:id="rId26"/>
+  </p:notesMasterIdLst>
   <p:sldIdLst>
-    <p:sldId id="256" r:id="rId3"/>
-    <p:sldId id="257" r:id="rId4"/>
-    <p:sldId id="258" r:id="rId5"/>
-    <p:sldId id="264" r:id="rId6"/>
-    <p:sldId id="266" r:id="rId7"/>
-    <p:sldId id="265" r:id="rId8"/>
-    <p:sldId id="263" r:id="rId9"/>
-    <p:sldId id="259" r:id="rId10"/>
-    <p:sldId id="267" r:id="rId11"/>
-    <p:sldId id="275" r:id="rId12"/>
-    <p:sldId id="276" r:id="rId13"/>
-    <p:sldId id="277" r:id="rId14"/>
-    <p:sldId id="268" r:id="rId15"/>
-    <p:sldId id="260" r:id="rId16"/>
-    <p:sldId id="272" r:id="rId17"/>
-    <p:sldId id="273" r:id="rId18"/>
-    <p:sldId id="269" r:id="rId19"/>
-    <p:sldId id="271" r:id="rId20"/>
-    <p:sldId id="274" r:id="rId21"/>
-    <p:sldId id="270" r:id="rId22"/>
+    <p:sldId id="256" r:id="rId2"/>
+    <p:sldId id="257" r:id="rId3"/>
+    <p:sldId id="258" r:id="rId4"/>
+    <p:sldId id="264" r:id="rId5"/>
+    <p:sldId id="266" r:id="rId6"/>
+    <p:sldId id="265" r:id="rId7"/>
+    <p:sldId id="263" r:id="rId8"/>
+    <p:sldId id="259" r:id="rId9"/>
+    <p:sldId id="267" r:id="rId10"/>
+    <p:sldId id="275" r:id="rId11"/>
+    <p:sldId id="276" r:id="rId12"/>
+    <p:sldId id="277" r:id="rId13"/>
+    <p:sldId id="268" r:id="rId14"/>
+    <p:sldId id="260" r:id="rId15"/>
+    <p:sldId id="272" r:id="rId16"/>
+    <p:sldId id="273" r:id="rId17"/>
+    <p:sldId id="269" r:id="rId18"/>
+    <p:sldId id="271" r:id="rId19"/>
+    <p:sldId id="274" r:id="rId20"/>
+    <p:sldId id="270" r:id="rId21"/>
+    <p:sldId id="279" r:id="rId22"/>
     <p:sldId id="261" r:id="rId23"/>
     <p:sldId id="278" r:id="rId24"/>
     <p:sldId id="262" r:id="rId25"/>
@@ -126,13 +130,18 @@
       </a:defRPr>
     </a:lvl9pPr>
   </p:defaultTextStyle>
+  <p:extLst>
+    <p:ext uri="{EFAFB233-063F-42B5-8137-9DF3F51BA10A}">
+      <p15:sldGuideLst xmlns:p15="http://schemas.microsoft.com/office/powerpoint/2012/main"/>
+    </p:ext>
+  </p:extLst>
 </p:presentation>
 </file>
 
 <file path=ppt/charts/chart1.xml><?xml version="1.0" encoding="utf-8"?>
 <c:chartSpace xmlns:c="http://schemas.openxmlformats.org/drawingml/2006/chart" xmlns:a="http://schemas.openxmlformats.org/drawingml/2006/main" xmlns:r="http://schemas.openxmlformats.org/officeDocument/2006/relationships">
   <c:date1904 val="0"/>
-  <c:lang val="zh-CN"/>
+  <c:lang val="en-US"/>
   <c:roundedCorners val="1"/>
   <mc:AlternateContent xmlns:mc="http://schemas.openxmlformats.org/markup-compatibility/2006">
     <mc:Choice xmlns:c14="http://schemas.microsoft.com/office/drawing/2007/8/2/chart" Requires="c14">
@@ -159,9 +168,6 @@
             </a:solidFill>
           </c:spPr>
           <c:invertIfNegative val="1"/>
-          <c:dLbls>
-            <c:delete val="1"/>
-          </c:dLbls>
           <c:cat>
             <c:strRef>
               <c:f>'Basic Gantt Chart'!$B$9:$B$23</c:f>
@@ -269,7 +275,10 @@
               </c:numCache>
             </c:numRef>
           </c:val>
-          <c:extLst>
+          <c:extLst xmlns:c16r2="http://schemas.microsoft.com/office/drawing/2015/06/chart">
+            <c:ext xmlns:c16="http://schemas.microsoft.com/office/drawing/2014/chart" uri="{C3380CC4-5D6E-409C-BE32-E72D297353CC}">
+              <c16:uniqueId val="{00000000-B8B6-4ACF-B66C-967991A384A5}"/>
+            </c:ext>
             <c:ext xmlns:c14="http://schemas.microsoft.com/office/drawing/2007/8/2/chart" uri="{6F2FDCE9-48DA-4B69-8628-5D25D57E5C99}">
               <c14:invertSolidFillFmt>
                 <c14:spPr xmlns:c14="http://schemas.microsoft.com/office/drawing/2007/8/2/chart">
@@ -290,9 +299,6 @@
             </a:solidFill>
           </c:spPr>
           <c:invertIfNegative val="1"/>
-          <c:dLbls>
-            <c:delete val="1"/>
-          </c:dLbls>
           <c:cat>
             <c:strRef>
               <c:f>'Basic Gantt Chart'!$B$9:$B$23</c:f>
@@ -400,7 +406,10 @@
               </c:numCache>
             </c:numRef>
           </c:val>
-          <c:extLst>
+          <c:extLst xmlns:c16r2="http://schemas.microsoft.com/office/drawing/2015/06/chart">
+            <c:ext xmlns:c16="http://schemas.microsoft.com/office/drawing/2014/chart" uri="{C3380CC4-5D6E-409C-BE32-E72D297353CC}">
+              <c16:uniqueId val="{00000001-B8B6-4ACF-B66C-967991A384A5}"/>
+            </c:ext>
             <c:ext xmlns:c14="http://schemas.microsoft.com/office/drawing/2007/8/2/chart" uri="{6F2FDCE9-48DA-4B69-8628-5D25D57E5C99}">
               <c14:invertSolidFillFmt>
                 <c14:spPr xmlns:c14="http://schemas.microsoft.com/office/drawing/2007/8/2/chart">
@@ -422,11 +431,11 @@
         </c:dLbls>
         <c:gapWidth val="150"/>
         <c:overlap val="100"/>
-        <c:axId val="-280336528"/>
-        <c:axId val="-280338160"/>
+        <c:axId val="-1951477440"/>
+        <c:axId val="-1951484512"/>
       </c:barChart>
       <c:catAx>
-        <c:axId val="-280336528"/>
+        <c:axId val="-1951477440"/>
         <c:scaling>
           <c:orientation val="maxMin"/>
         </c:scaling>
@@ -435,28 +444,19 @@
         <c:title>
           <c:tx>
             <c:rich>
-              <a:bodyPr rot="-5400000" spcFirstLastPara="0" vertOverflow="ellipsis" vert="horz" wrap="square" anchor="ctr" anchorCtr="1"/>
+              <a:bodyPr/>
               <a:lstStyle/>
               <a:p>
                 <a:pPr>
-                  <a:defRPr lang="en-US" sz="1000" b="1" i="0" u="none" strike="noStrike" kern="1200" baseline="0">
-                    <a:solidFill>
-                      <a:schemeClr val="tx1"/>
-                    </a:solidFill>
-                    <a:latin typeface="+mn-lt"/>
-                    <a:ea typeface="+mn-ea"/>
-                    <a:cs typeface="+mn-cs"/>
-                  </a:defRPr>
+                  <a:defRPr/>
                 </a:pPr>
                 <a:r>
                   <a:rPr lang="en-US"/>
                   <a:t>Task</a:t>
                 </a:r>
-                <a:endParaRPr lang="en-US"/>
               </a:p>
             </c:rich>
           </c:tx>
-          <c:layout/>
           <c:overlay val="0"/>
         </c:title>
         <c:numFmt formatCode="General" sourceLinked="1"/>
@@ -464,22 +464,16 @@
         <c:minorTickMark val="cross"/>
         <c:tickLblPos val="nextTo"/>
         <c:txPr>
-          <a:bodyPr rot="-60000000" spcFirstLastPara="0" vertOverflow="ellipsis" vert="horz" wrap="square" anchor="ctr" anchorCtr="1"/>
+          <a:bodyPr/>
           <a:lstStyle/>
           <a:p>
-            <a:pPr>
-              <a:defRPr lang="en-US" sz="1050" b="1" i="0" u="none" strike="noStrike" kern="1200" baseline="0">
-                <a:solidFill>
-                  <a:schemeClr val="tx1"/>
-                </a:solidFill>
-                <a:latin typeface="+mn-lt"/>
-                <a:ea typeface="+mn-ea"/>
-                <a:cs typeface="+mn-cs"/>
-              </a:defRPr>
+            <a:pPr lvl="0">
+              <a:defRPr sz="1050" b="1"/>
             </a:pPr>
+            <a:endParaRPr lang="en-US"/>
           </a:p>
         </c:txPr>
-        <c:crossAx val="-280338160"/>
+        <c:crossAx val="-1951484512"/>
         <c:crosses val="autoZero"/>
         <c:auto val="1"/>
         <c:lblAlgn val="ctr"/>
@@ -487,7 +481,7 @@
         <c:noMultiLvlLbl val="1"/>
       </c:catAx>
       <c:valAx>
-        <c:axId val="-280338160"/>
+        <c:axId val="-1951484512"/>
         <c:scaling>
           <c:orientation val="minMax"/>
           <c:max val="43811"/>
@@ -497,51 +491,38 @@
         <c:axPos val="b"/>
         <c:majorGridlines>
           <c:spPr>
-            <a:ln w="6350" cap="flat" cmpd="sng" algn="in">
+            <a:ln>
               <a:solidFill>
                 <a:srgbClr val="B7B7B7"/>
               </a:solidFill>
-              <a:prstDash val="solid"/>
-              <a:round/>
             </a:ln>
           </c:spPr>
         </c:majorGridlines>
         <c:minorGridlines>
           <c:spPr>
-            <a:ln w="6350" cap="flat" cmpd="sng" algn="in">
+            <a:ln>
               <a:solidFill>
                 <a:srgbClr val="CCCCCC"/>
               </a:solidFill>
-              <a:prstDash val="solid"/>
-              <a:round/>
             </a:ln>
           </c:spPr>
         </c:minorGridlines>
         <c:title>
           <c:tx>
             <c:rich>
-              <a:bodyPr rot="0" spcFirstLastPara="0" vertOverflow="ellipsis" vert="horz" wrap="square" anchor="ctr" anchorCtr="1"/>
+              <a:bodyPr/>
               <a:lstStyle/>
               <a:p>
                 <a:pPr lvl="0">
-                  <a:defRPr lang="en-US" sz="1000" b="0" i="0" u="none" strike="noStrike" kern="1200" baseline="0">
-                    <a:solidFill>
-                      <a:schemeClr val="tx1"/>
-                    </a:solidFill>
-                    <a:latin typeface="+mn-lt"/>
-                    <a:ea typeface="+mn-ea"/>
-                    <a:cs typeface="+mn-cs"/>
-                  </a:defRPr>
+                  <a:defRPr b="0"/>
                 </a:pPr>
                 <a:r>
                   <a:rPr lang="en-US"/>
                   <a:t>Date</a:t>
                 </a:r>
-                <a:endParaRPr lang="en-US"/>
               </a:p>
             </c:rich>
           </c:tx>
-          <c:layout/>
           <c:overlay val="0"/>
         </c:title>
         <c:numFmt formatCode="m&quot;/&quot;d" sourceLinked="1"/>
@@ -549,29 +530,21 @@
         <c:minorTickMark val="cross"/>
         <c:tickLblPos val="nextTo"/>
         <c:spPr>
-          <a:ln w="47625" cap="flat" cmpd="sng" algn="in">
+          <a:ln w="47625">
             <a:noFill/>
-            <a:prstDash val="solid"/>
-            <a:round/>
           </a:ln>
         </c:spPr>
         <c:txPr>
-          <a:bodyPr rot="-60000000" spcFirstLastPara="0" vertOverflow="ellipsis" vert="horz" wrap="square" anchor="ctr" anchorCtr="1"/>
+          <a:bodyPr/>
           <a:lstStyle/>
           <a:p>
-            <a:pPr>
-              <a:defRPr lang="en-US" sz="1000" b="0" i="0" u="none" strike="noStrike" kern="1200" baseline="0">
-                <a:solidFill>
-                  <a:schemeClr val="tx1"/>
-                </a:solidFill>
-                <a:latin typeface="+mn-lt"/>
-                <a:ea typeface="+mn-ea"/>
-                <a:cs typeface="+mn-cs"/>
-              </a:defRPr>
+            <a:pPr lvl="0">
+              <a:defRPr b="0"/>
             </a:pPr>
+            <a:endParaRPr lang="en-US"/>
           </a:p>
         </c:txPr>
-        <c:crossAx val="-280336528"/>
+        <c:crossAx val="-1951477440"/>
         <c:crosses val="max"/>
         <c:crossBetween val="between"/>
         <c:majorUnit val="30"/>
@@ -581,23 +554,448 @@
     <c:dispBlanksAs val="zero"/>
     <c:showDLblsOverMax val="1"/>
   </c:chart>
-  <c:txPr>
-    <a:bodyPr/>
-    <a:lstStyle/>
-    <a:p>
-      <a:pPr>
-        <a:defRPr lang="en-US"/>
-      </a:pPr>
-    </a:p>
-  </c:txPr>
   <c:externalData r:id="rId1">
     <c:autoUpdate val="0"/>
   </c:externalData>
 </c:chartSpace>
 </file>
 
+<file path=ppt/notesMasters/notesMaster1.xml><?xml version="1.0" encoding="utf-8"?>
+<p:notesMaster xmlns:a="http://schemas.openxmlformats.org/drawingml/2006/main" xmlns:r="http://schemas.openxmlformats.org/officeDocument/2006/relationships" xmlns:p="http://schemas.openxmlformats.org/presentationml/2006/main">
+  <p:cSld>
+    <p:bg>
+      <p:bgRef idx="1001">
+        <a:schemeClr val="bg1"/>
+      </p:bgRef>
+    </p:bg>
+    <p:spTree>
+      <p:nvGrpSpPr>
+        <p:cNvPr id="1" name=""/>
+        <p:cNvGrpSpPr/>
+        <p:nvPr/>
+      </p:nvGrpSpPr>
+      <p:grpSpPr>
+        <a:xfrm>
+          <a:off x="0" y="0"/>
+          <a:ext cx="0" cy="0"/>
+          <a:chOff x="0" y="0"/>
+          <a:chExt cx="0" cy="0"/>
+        </a:xfrm>
+      </p:grpSpPr>
+      <p:sp>
+        <p:nvSpPr>
+          <p:cNvPr id="2" name="Header Placeholder 1"/>
+          <p:cNvSpPr>
+            <a:spLocks noGrp="1"/>
+          </p:cNvSpPr>
+          <p:nvPr>
+            <p:ph type="hdr" sz="quarter"/>
+          </p:nvPr>
+        </p:nvSpPr>
+        <p:spPr>
+          <a:xfrm>
+            <a:off x="0" y="0"/>
+            <a:ext cx="2971800" cy="458788"/>
+          </a:xfrm>
+          <a:prstGeom prst="rect">
+            <a:avLst/>
+          </a:prstGeom>
+        </p:spPr>
+        <p:txBody>
+          <a:bodyPr vert="horz" lIns="91440" tIns="45720" rIns="91440" bIns="45720" rtlCol="0"/>
+          <a:lstStyle>
+            <a:lvl1pPr algn="l">
+              <a:defRPr sz="1200"/>
+            </a:lvl1pPr>
+          </a:lstStyle>
+          <a:p>
+            <a:endParaRPr lang="en-US"/>
+          </a:p>
+        </p:txBody>
+      </p:sp>
+      <p:sp>
+        <p:nvSpPr>
+          <p:cNvPr id="3" name="Date Placeholder 2"/>
+          <p:cNvSpPr>
+            <a:spLocks noGrp="1"/>
+          </p:cNvSpPr>
+          <p:nvPr>
+            <p:ph type="dt" idx="1"/>
+          </p:nvPr>
+        </p:nvSpPr>
+        <p:spPr>
+          <a:xfrm>
+            <a:off x="3884613" y="0"/>
+            <a:ext cx="2971800" cy="458788"/>
+          </a:xfrm>
+          <a:prstGeom prst="rect">
+            <a:avLst/>
+          </a:prstGeom>
+        </p:spPr>
+        <p:txBody>
+          <a:bodyPr vert="horz" lIns="91440" tIns="45720" rIns="91440" bIns="45720" rtlCol="0"/>
+          <a:lstStyle>
+            <a:lvl1pPr algn="r">
+              <a:defRPr sz="1200"/>
+            </a:lvl1pPr>
+          </a:lstStyle>
+          <a:p>
+            <a:fld id="{69F75836-DCE1-46D1-902E-93AB39588390}" type="datetimeFigureOut">
+              <a:rPr lang="en-US" smtClean="0"/>
+              <a:t>9/11/2019</a:t>
+            </a:fld>
+            <a:endParaRPr lang="en-US"/>
+          </a:p>
+        </p:txBody>
+      </p:sp>
+      <p:sp>
+        <p:nvSpPr>
+          <p:cNvPr id="4" name="Slide Image Placeholder 3"/>
+          <p:cNvSpPr>
+            <a:spLocks noGrp="1" noRot="1" noChangeAspect="1"/>
+          </p:cNvSpPr>
+          <p:nvPr>
+            <p:ph type="sldImg" idx="2"/>
+          </p:nvPr>
+        </p:nvSpPr>
+        <p:spPr>
+          <a:xfrm>
+            <a:off x="685800" y="1143000"/>
+            <a:ext cx="5486400" cy="3086100"/>
+          </a:xfrm>
+          <a:prstGeom prst="rect">
+            <a:avLst/>
+          </a:prstGeom>
+          <a:noFill/>
+          <a:ln w="12700">
+            <a:solidFill>
+              <a:prstClr val="black"/>
+            </a:solidFill>
+          </a:ln>
+        </p:spPr>
+        <p:txBody>
+          <a:bodyPr vert="horz" lIns="91440" tIns="45720" rIns="91440" bIns="45720" rtlCol="0" anchor="ctr"/>
+          <a:lstStyle/>
+          <a:p>
+            <a:endParaRPr lang="en-US"/>
+          </a:p>
+        </p:txBody>
+      </p:sp>
+      <p:sp>
+        <p:nvSpPr>
+          <p:cNvPr id="5" name="Notes Placeholder 4"/>
+          <p:cNvSpPr>
+            <a:spLocks noGrp="1"/>
+          </p:cNvSpPr>
+          <p:nvPr>
+            <p:ph type="body" sz="quarter" idx="3"/>
+          </p:nvPr>
+        </p:nvSpPr>
+        <p:spPr>
+          <a:xfrm>
+            <a:off x="685800" y="4400550"/>
+            <a:ext cx="5486400" cy="3600450"/>
+          </a:xfrm>
+          <a:prstGeom prst="rect">
+            <a:avLst/>
+          </a:prstGeom>
+        </p:spPr>
+        <p:txBody>
+          <a:bodyPr vert="horz" lIns="91440" tIns="45720" rIns="91440" bIns="45720" rtlCol="0"/>
+          <a:lstStyle/>
+          <a:p>
+            <a:pPr lvl="0"/>
+            <a:r>
+              <a:rPr lang="en-US" smtClean="0"/>
+              <a:t>Click to edit Master text styles</a:t>
+            </a:r>
+          </a:p>
+          <a:p>
+            <a:pPr lvl="1"/>
+            <a:r>
+              <a:rPr lang="en-US" smtClean="0"/>
+              <a:t>Second level</a:t>
+            </a:r>
+          </a:p>
+          <a:p>
+            <a:pPr lvl="2"/>
+            <a:r>
+              <a:rPr lang="en-US" smtClean="0"/>
+              <a:t>Third level</a:t>
+            </a:r>
+          </a:p>
+          <a:p>
+            <a:pPr lvl="3"/>
+            <a:r>
+              <a:rPr lang="en-US" smtClean="0"/>
+              <a:t>Fourth level</a:t>
+            </a:r>
+          </a:p>
+          <a:p>
+            <a:pPr lvl="4"/>
+            <a:r>
+              <a:rPr lang="en-US" smtClean="0"/>
+              <a:t>Fifth level</a:t>
+            </a:r>
+            <a:endParaRPr lang="en-US"/>
+          </a:p>
+        </p:txBody>
+      </p:sp>
+      <p:sp>
+        <p:nvSpPr>
+          <p:cNvPr id="6" name="Footer Placeholder 5"/>
+          <p:cNvSpPr>
+            <a:spLocks noGrp="1"/>
+          </p:cNvSpPr>
+          <p:nvPr>
+            <p:ph type="ftr" sz="quarter" idx="4"/>
+          </p:nvPr>
+        </p:nvSpPr>
+        <p:spPr>
+          <a:xfrm>
+            <a:off x="0" y="8685213"/>
+            <a:ext cx="2971800" cy="458787"/>
+          </a:xfrm>
+          <a:prstGeom prst="rect">
+            <a:avLst/>
+          </a:prstGeom>
+        </p:spPr>
+        <p:txBody>
+          <a:bodyPr vert="horz" lIns="91440" tIns="45720" rIns="91440" bIns="45720" rtlCol="0" anchor="b"/>
+          <a:lstStyle>
+            <a:lvl1pPr algn="l">
+              <a:defRPr sz="1200"/>
+            </a:lvl1pPr>
+          </a:lstStyle>
+          <a:p>
+            <a:endParaRPr lang="en-US"/>
+          </a:p>
+        </p:txBody>
+      </p:sp>
+      <p:sp>
+        <p:nvSpPr>
+          <p:cNvPr id="7" name="Slide Number Placeholder 6"/>
+          <p:cNvSpPr>
+            <a:spLocks noGrp="1"/>
+          </p:cNvSpPr>
+          <p:nvPr>
+            <p:ph type="sldNum" sz="quarter" idx="5"/>
+          </p:nvPr>
+        </p:nvSpPr>
+        <p:spPr>
+          <a:xfrm>
+            <a:off x="3884613" y="8685213"/>
+            <a:ext cx="2971800" cy="458787"/>
+          </a:xfrm>
+          <a:prstGeom prst="rect">
+            <a:avLst/>
+          </a:prstGeom>
+        </p:spPr>
+        <p:txBody>
+          <a:bodyPr vert="horz" lIns="91440" tIns="45720" rIns="91440" bIns="45720" rtlCol="0" anchor="b"/>
+          <a:lstStyle>
+            <a:lvl1pPr algn="r">
+              <a:defRPr sz="1200"/>
+            </a:lvl1pPr>
+          </a:lstStyle>
+          <a:p>
+            <a:fld id="{10130461-C8CE-42B4-8292-7F159EA8E8B8}" type="slidenum">
+              <a:rPr lang="en-US" smtClean="0"/>
+              <a:t>‹#›</a:t>
+            </a:fld>
+            <a:endParaRPr lang="en-US"/>
+          </a:p>
+        </p:txBody>
+      </p:sp>
+    </p:spTree>
+    <p:extLst>
+      <p:ext uri="{BB962C8B-B14F-4D97-AF65-F5344CB8AC3E}">
+        <p14:creationId xmlns:p14="http://schemas.microsoft.com/office/powerpoint/2010/main" val="1032922970"/>
+      </p:ext>
+    </p:extLst>
+  </p:cSld>
+  <p:clrMap bg1="lt1" tx1="dk1" bg2="lt2" tx2="dk2" accent1="accent1" accent2="accent2" accent3="accent3" accent4="accent4" accent5="accent5" accent6="accent6" hlink="hlink" folHlink="folHlink"/>
+  <p:notesStyle>
+    <a:lvl1pPr marL="0" algn="l" defTabSz="914400" rtl="0" eaLnBrk="1" latinLnBrk="0" hangingPunct="1">
+      <a:defRPr sz="1200" kern="1200">
+        <a:solidFill>
+          <a:schemeClr val="tx1"/>
+        </a:solidFill>
+        <a:latin typeface="+mn-lt"/>
+        <a:ea typeface="+mn-ea"/>
+        <a:cs typeface="+mn-cs"/>
+      </a:defRPr>
+    </a:lvl1pPr>
+    <a:lvl2pPr marL="457200" algn="l" defTabSz="914400" rtl="0" eaLnBrk="1" latinLnBrk="0" hangingPunct="1">
+      <a:defRPr sz="1200" kern="1200">
+        <a:solidFill>
+          <a:schemeClr val="tx1"/>
+        </a:solidFill>
+        <a:latin typeface="+mn-lt"/>
+        <a:ea typeface="+mn-ea"/>
+        <a:cs typeface="+mn-cs"/>
+      </a:defRPr>
+    </a:lvl2pPr>
+    <a:lvl3pPr marL="914400" algn="l" defTabSz="914400" rtl="0" eaLnBrk="1" latinLnBrk="0" hangingPunct="1">
+      <a:defRPr sz="1200" kern="1200">
+        <a:solidFill>
+          <a:schemeClr val="tx1"/>
+        </a:solidFill>
+        <a:latin typeface="+mn-lt"/>
+        <a:ea typeface="+mn-ea"/>
+        <a:cs typeface="+mn-cs"/>
+      </a:defRPr>
+    </a:lvl3pPr>
+    <a:lvl4pPr marL="1371600" algn="l" defTabSz="914400" rtl="0" eaLnBrk="1" latinLnBrk="0" hangingPunct="1">
+      <a:defRPr sz="1200" kern="1200">
+        <a:solidFill>
+          <a:schemeClr val="tx1"/>
+        </a:solidFill>
+        <a:latin typeface="+mn-lt"/>
+        <a:ea typeface="+mn-ea"/>
+        <a:cs typeface="+mn-cs"/>
+      </a:defRPr>
+    </a:lvl4pPr>
+    <a:lvl5pPr marL="1828800" algn="l" defTabSz="914400" rtl="0" eaLnBrk="1" latinLnBrk="0" hangingPunct="1">
+      <a:defRPr sz="1200" kern="1200">
+        <a:solidFill>
+          <a:schemeClr val="tx1"/>
+        </a:solidFill>
+        <a:latin typeface="+mn-lt"/>
+        <a:ea typeface="+mn-ea"/>
+        <a:cs typeface="+mn-cs"/>
+      </a:defRPr>
+    </a:lvl5pPr>
+    <a:lvl6pPr marL="2286000" algn="l" defTabSz="914400" rtl="0" eaLnBrk="1" latinLnBrk="0" hangingPunct="1">
+      <a:defRPr sz="1200" kern="1200">
+        <a:solidFill>
+          <a:schemeClr val="tx1"/>
+        </a:solidFill>
+        <a:latin typeface="+mn-lt"/>
+        <a:ea typeface="+mn-ea"/>
+        <a:cs typeface="+mn-cs"/>
+      </a:defRPr>
+    </a:lvl6pPr>
+    <a:lvl7pPr marL="2743200" algn="l" defTabSz="914400" rtl="0" eaLnBrk="1" latinLnBrk="0" hangingPunct="1">
+      <a:defRPr sz="1200" kern="1200">
+        <a:solidFill>
+          <a:schemeClr val="tx1"/>
+        </a:solidFill>
+        <a:latin typeface="+mn-lt"/>
+        <a:ea typeface="+mn-ea"/>
+        <a:cs typeface="+mn-cs"/>
+      </a:defRPr>
+    </a:lvl7pPr>
+    <a:lvl8pPr marL="3200400" algn="l" defTabSz="914400" rtl="0" eaLnBrk="1" latinLnBrk="0" hangingPunct="1">
+      <a:defRPr sz="1200" kern="1200">
+        <a:solidFill>
+          <a:schemeClr val="tx1"/>
+        </a:solidFill>
+        <a:latin typeface="+mn-lt"/>
+        <a:ea typeface="+mn-ea"/>
+        <a:cs typeface="+mn-cs"/>
+      </a:defRPr>
+    </a:lvl8pPr>
+    <a:lvl9pPr marL="3657600" algn="l" defTabSz="914400" rtl="0" eaLnBrk="1" latinLnBrk="0" hangingPunct="1">
+      <a:defRPr sz="1200" kern="1200">
+        <a:solidFill>
+          <a:schemeClr val="tx1"/>
+        </a:solidFill>
+        <a:latin typeface="+mn-lt"/>
+        <a:ea typeface="+mn-ea"/>
+        <a:cs typeface="+mn-cs"/>
+      </a:defRPr>
+    </a:lvl9pPr>
+  </p:notesStyle>
+</p:notesMaster>
+</file>
+
+<file path=ppt/notesSlides/notesSlide1.xml><?xml version="1.0" encoding="utf-8"?>
+<p:notes xmlns:a="http://schemas.openxmlformats.org/drawingml/2006/main" xmlns:r="http://schemas.openxmlformats.org/officeDocument/2006/relationships" xmlns:p="http://schemas.openxmlformats.org/presentationml/2006/main">
+  <p:cSld>
+    <p:spTree>
+      <p:nvGrpSpPr>
+        <p:cNvPr id="1" name=""/>
+        <p:cNvGrpSpPr/>
+        <p:nvPr/>
+      </p:nvGrpSpPr>
+      <p:grpSpPr>
+        <a:xfrm>
+          <a:off x="0" y="0"/>
+          <a:ext cx="0" cy="0"/>
+          <a:chOff x="0" y="0"/>
+          <a:chExt cx="0" cy="0"/>
+        </a:xfrm>
+      </p:grpSpPr>
+      <p:sp>
+        <p:nvSpPr>
+          <p:cNvPr id="2" name="Slide Image Placeholder 1"/>
+          <p:cNvSpPr>
+            <a:spLocks noGrp="1" noRot="1" noChangeAspect="1"/>
+          </p:cNvSpPr>
+          <p:nvPr>
+            <p:ph type="sldImg"/>
+          </p:nvPr>
+        </p:nvSpPr>
+        <p:spPr/>
+      </p:sp>
+      <p:sp>
+        <p:nvSpPr>
+          <p:cNvPr id="3" name="Notes Placeholder 2"/>
+          <p:cNvSpPr>
+            <a:spLocks noGrp="1"/>
+          </p:cNvSpPr>
+          <p:nvPr>
+            <p:ph type="body" idx="1"/>
+          </p:nvPr>
+        </p:nvSpPr>
+        <p:spPr/>
+        <p:txBody>
+          <a:bodyPr/>
+          <a:lstStyle/>
+          <a:p>
+            <a:endParaRPr lang="en-US"/>
+          </a:p>
+        </p:txBody>
+      </p:sp>
+      <p:sp>
+        <p:nvSpPr>
+          <p:cNvPr id="4" name="Slide Number Placeholder 3"/>
+          <p:cNvSpPr>
+            <a:spLocks noGrp="1"/>
+          </p:cNvSpPr>
+          <p:nvPr>
+            <p:ph type="sldNum" sz="quarter" idx="10"/>
+          </p:nvPr>
+        </p:nvSpPr>
+        <p:spPr/>
+        <p:txBody>
+          <a:bodyPr/>
+          <a:lstStyle/>
+          <a:p>
+            <a:fld id="{10130461-C8CE-42B4-8292-7F159EA8E8B8}" type="slidenum">
+              <a:rPr lang="en-US" smtClean="0"/>
+              <a:t>1</a:t>
+            </a:fld>
+            <a:endParaRPr lang="en-US"/>
+          </a:p>
+        </p:txBody>
+      </p:sp>
+    </p:spTree>
+    <p:extLst>
+      <p:ext uri="{BB962C8B-B14F-4D97-AF65-F5344CB8AC3E}">
+        <p14:creationId xmlns:p14="http://schemas.microsoft.com/office/powerpoint/2010/main" val="3477318497"/>
+      </p:ext>
+    </p:extLst>
+  </p:cSld>
+  <p:clrMapOvr>
+    <a:masterClrMapping/>
+  </p:clrMapOvr>
+</p:notes>
+</file>
+
 <file path=ppt/slideLayouts/slideLayout1.xml><?xml version="1.0" encoding="utf-8"?>
-<p:sldLayout xmlns:a="http://schemas.openxmlformats.org/drawingml/2006/main" xmlns:r="http://schemas.openxmlformats.org/officeDocument/2006/relationships" xmlns:p="http://schemas.openxmlformats.org/presentationml/2006/main" type="title" preserve="1" showMasterSp="0">
+<p:sldLayout xmlns:a="http://schemas.openxmlformats.org/drawingml/2006/main" xmlns:r="http://schemas.openxmlformats.org/officeDocument/2006/relationships" xmlns:p="http://schemas.openxmlformats.org/presentationml/2006/main" showMasterSp="0" type="title" preserve="1">
   <p:cSld name="Title Slide">
     <p:spTree>
       <p:nvGrpSpPr>
@@ -755,8 +1153,9 @@
             </a:lvl1pPr>
           </a:lstStyle>
           <a:p>
-            <a:fld id="{7ED82E05-B906-46D2-B7F0-95A00293E995}" type="datetimeFigureOut">
+            <a:fld id="{AB74F416-60AC-47B8-B7A4-8E59A1593C56}" type="datetime1">
               <a:rPr lang="en-US" smtClean="0"/>
+              <a:t>9/11/2019</a:t>
             </a:fld>
             <a:endParaRPr lang="en-US"/>
           </a:p>
@@ -790,41 +1189,6 @@
             </a:lvl1pPr>
           </a:lstStyle>
           <a:p>
-            <a:endParaRPr lang="en-US"/>
-          </a:p>
-        </p:txBody>
-      </p:sp>
-      <p:sp>
-        <p:nvSpPr>
-          <p:cNvPr id="6" name="Slide Number Placeholder 5"/>
-          <p:cNvSpPr>
-            <a:spLocks noGrp="1"/>
-          </p:cNvSpPr>
-          <p:nvPr>
-            <p:ph type="sldNum" sz="quarter" idx="12"/>
-          </p:nvPr>
-        </p:nvSpPr>
-        <p:spPr>
-          <a:xfrm>
-            <a:off x="9830683" y="6453386"/>
-            <a:ext cx="1596292" cy="404614"/>
-          </a:xfrm>
-        </p:spPr>
-        <p:txBody>
-          <a:bodyPr/>
-          <a:lstStyle>
-            <a:lvl1pPr>
-              <a:defRPr baseline="0">
-                <a:solidFill>
-                  <a:schemeClr val="tx2"/>
-                </a:solidFill>
-              </a:defRPr>
-            </a:lvl1pPr>
-          </a:lstStyle>
-          <a:p>
-            <a:fld id="{A8D7D4F6-2DF8-4D69-B05D-24304D43B04C}" type="slidenum">
-              <a:rPr lang="en-US" smtClean="0"/>
-            </a:fld>
             <a:endParaRPr lang="en-US"/>
           </a:p>
         </p:txBody>
@@ -894,6 +1258,8 @@
               <a:noFill/>
               <a:prstDash val="solid"/>
               <a:round/>
+              <a:headEnd/>
+              <a:tailEnd/>
             </a:ln>
           </p:spPr>
         </p:sp>
@@ -950,11 +1316,18 @@
               <a:noFill/>
               <a:prstDash val="solid"/>
               <a:round/>
+              <a:headEnd/>
+              <a:tailEnd/>
             </a:ln>
           </p:spPr>
         </p:sp>
       </p:grpSp>
     </p:spTree>
+    <p:extLst>
+      <p:ext uri="{BB962C8B-B14F-4D97-AF65-F5344CB8AC3E}">
+        <p14:creationId xmlns:p14="http://schemas.microsoft.com/office/powerpoint/2010/main" val="2639516394"/>
+      </p:ext>
+    </p:extLst>
   </p:cSld>
   <p:clrMapOvr>
     <a:masterClrMapping/>
@@ -1027,7 +1400,6 @@
               <a:rPr lang="en-US"/>
               <a:t>Click to edit Master text styles</a:t>
             </a:r>
-            <a:endParaRPr lang="en-US"/>
           </a:p>
           <a:p>
             <a:pPr lvl="1"/>
@@ -1035,7 +1407,6 @@
               <a:rPr lang="en-US"/>
               <a:t>Second level</a:t>
             </a:r>
-            <a:endParaRPr lang="en-US"/>
           </a:p>
           <a:p>
             <a:pPr lvl="2"/>
@@ -1043,7 +1414,6 @@
               <a:rPr lang="en-US"/>
               <a:t>Third level</a:t>
             </a:r>
-            <a:endParaRPr lang="en-US"/>
           </a:p>
           <a:p>
             <a:pPr lvl="3"/>
@@ -1051,7 +1421,6 @@
               <a:rPr lang="en-US"/>
               <a:t>Fourth level</a:t>
             </a:r>
-            <a:endParaRPr lang="en-US"/>
           </a:p>
           <a:p>
             <a:pPr lvl="4"/>
@@ -1078,8 +1447,9 @@
           <a:bodyPr/>
           <a:lstStyle/>
           <a:p>
-            <a:fld id="{7ED82E05-B906-46D2-B7F0-95A00293E995}" type="datetimeFigureOut">
+            <a:fld id="{BB53C6D8-AA99-4DA3-ABE8-6564F3774B9A}" type="datetime1">
               <a:rPr lang="en-US" smtClean="0"/>
+              <a:t>9/11/2019</a:t>
             </a:fld>
             <a:endParaRPr lang="en-US"/>
           </a:p>
@@ -1114,19 +1484,33 @@
             <p:ph type="sldNum" sz="quarter" idx="12"/>
           </p:nvPr>
         </p:nvSpPr>
-        <p:spPr/>
+        <p:spPr>
+          <a:xfrm>
+            <a:off x="9472736" y="6462263"/>
+            <a:ext cx="1596292" cy="404614"/>
+          </a:xfrm>
+          <a:prstGeom prst="rect">
+            <a:avLst/>
+          </a:prstGeom>
+        </p:spPr>
         <p:txBody>
           <a:bodyPr/>
           <a:lstStyle/>
           <a:p>
             <a:fld id="{A8D7D4F6-2DF8-4D69-B05D-24304D43B04C}" type="slidenum">
               <a:rPr lang="en-US" smtClean="0"/>
+              <a:t>‹#›</a:t>
             </a:fld>
             <a:endParaRPr lang="en-US"/>
           </a:p>
         </p:txBody>
       </p:sp>
     </p:spTree>
+    <p:extLst>
+      <p:ext uri="{BB962C8B-B14F-4D97-AF65-F5344CB8AC3E}">
+        <p14:creationId xmlns:p14="http://schemas.microsoft.com/office/powerpoint/2010/main" val="127830602"/>
+      </p:ext>
+    </p:extLst>
   </p:cSld>
   <p:clrMapOvr>
     <a:masterClrMapping/>
@@ -1204,7 +1588,6 @@
               <a:rPr lang="en-US"/>
               <a:t>Click to edit Master text styles</a:t>
             </a:r>
-            <a:endParaRPr lang="en-US"/>
           </a:p>
           <a:p>
             <a:pPr lvl="1"/>
@@ -1212,7 +1595,6 @@
               <a:rPr lang="en-US"/>
               <a:t>Second level</a:t>
             </a:r>
-            <a:endParaRPr lang="en-US"/>
           </a:p>
           <a:p>
             <a:pPr lvl="2"/>
@@ -1220,7 +1602,6 @@
               <a:rPr lang="en-US"/>
               <a:t>Third level</a:t>
             </a:r>
-            <a:endParaRPr lang="en-US"/>
           </a:p>
           <a:p>
             <a:pPr lvl="3"/>
@@ -1228,7 +1609,6 @@
               <a:rPr lang="en-US"/>
               <a:t>Fourth level</a:t>
             </a:r>
-            <a:endParaRPr lang="en-US"/>
           </a:p>
           <a:p>
             <a:pPr lvl="4"/>
@@ -1255,8 +1635,9 @@
           <a:bodyPr/>
           <a:lstStyle/>
           <a:p>
-            <a:fld id="{7ED82E05-B906-46D2-B7F0-95A00293E995}" type="datetimeFigureOut">
+            <a:fld id="{FAFFD409-992B-4396-831E-400331BF155E}" type="datetime1">
               <a:rPr lang="en-US" smtClean="0"/>
+              <a:t>9/11/2019</a:t>
             </a:fld>
             <a:endParaRPr lang="en-US"/>
           </a:p>
@@ -1291,19 +1672,33 @@
             <p:ph type="sldNum" sz="quarter" idx="12"/>
           </p:nvPr>
         </p:nvSpPr>
-        <p:spPr/>
+        <p:spPr>
+          <a:xfrm>
+            <a:off x="9472736" y="6462263"/>
+            <a:ext cx="1596292" cy="404614"/>
+          </a:xfrm>
+          <a:prstGeom prst="rect">
+            <a:avLst/>
+          </a:prstGeom>
+        </p:spPr>
         <p:txBody>
           <a:bodyPr/>
           <a:lstStyle/>
           <a:p>
             <a:fld id="{A8D7D4F6-2DF8-4D69-B05D-24304D43B04C}" type="slidenum">
               <a:rPr lang="en-US" smtClean="0"/>
+              <a:t>‹#›</a:t>
             </a:fld>
             <a:endParaRPr lang="en-US"/>
           </a:p>
         </p:txBody>
       </p:sp>
     </p:spTree>
+    <p:extLst>
+      <p:ext uri="{BB962C8B-B14F-4D97-AF65-F5344CB8AC3E}">
+        <p14:creationId xmlns:p14="http://schemas.microsoft.com/office/powerpoint/2010/main" val="2352141542"/>
+      </p:ext>
+    </p:extLst>
   </p:cSld>
   <p:clrMapOvr>
     <a:masterClrMapping/>
@@ -1371,7 +1766,6 @@
               <a:rPr lang="en-US"/>
               <a:t>Click to edit Master text styles</a:t>
             </a:r>
-            <a:endParaRPr lang="en-US"/>
           </a:p>
           <a:p>
             <a:pPr lvl="1"/>
@@ -1379,7 +1773,6 @@
               <a:rPr lang="en-US"/>
               <a:t>Second level</a:t>
             </a:r>
-            <a:endParaRPr lang="en-US"/>
           </a:p>
           <a:p>
             <a:pPr lvl="2"/>
@@ -1387,7 +1780,6 @@
               <a:rPr lang="en-US"/>
               <a:t>Third level</a:t>
             </a:r>
-            <a:endParaRPr lang="en-US"/>
           </a:p>
           <a:p>
             <a:pPr lvl="3"/>
@@ -1395,7 +1787,6 @@
               <a:rPr lang="en-US"/>
               <a:t>Fourth level</a:t>
             </a:r>
-            <a:endParaRPr lang="en-US"/>
           </a:p>
           <a:p>
             <a:pPr lvl="4"/>
@@ -1422,8 +1813,9 @@
           <a:bodyPr/>
           <a:lstStyle/>
           <a:p>
-            <a:fld id="{7ED82E05-B906-46D2-B7F0-95A00293E995}" type="datetimeFigureOut">
+            <a:fld id="{A58A56B9-9364-44BD-B6D4-BF1545A1D032}" type="datetime1">
               <a:rPr lang="en-US" smtClean="0"/>
+              <a:t>9/11/2019</a:t>
             </a:fld>
             <a:endParaRPr lang="en-US"/>
           </a:p>
@@ -1458,19 +1850,33 @@
             <p:ph type="sldNum" sz="quarter" idx="12"/>
           </p:nvPr>
         </p:nvSpPr>
-        <p:spPr/>
+        <p:spPr>
+          <a:xfrm>
+            <a:off x="9472736" y="6462263"/>
+            <a:ext cx="1596292" cy="404614"/>
+          </a:xfrm>
+          <a:prstGeom prst="rect">
+            <a:avLst/>
+          </a:prstGeom>
+        </p:spPr>
         <p:txBody>
           <a:bodyPr/>
           <a:lstStyle/>
           <a:p>
             <a:fld id="{A8D7D4F6-2DF8-4D69-B05D-24304D43B04C}" type="slidenum">
               <a:rPr lang="en-US" smtClean="0"/>
+              <a:t>‹#›</a:t>
             </a:fld>
             <a:endParaRPr lang="en-US"/>
           </a:p>
         </p:txBody>
       </p:sp>
     </p:spTree>
+    <p:extLst>
+      <p:ext uri="{BB962C8B-B14F-4D97-AF65-F5344CB8AC3E}">
+        <p14:creationId xmlns:p14="http://schemas.microsoft.com/office/powerpoint/2010/main" val="1021291224"/>
+      </p:ext>
+    </p:extLst>
   </p:cSld>
   <p:clrMapOvr>
     <a:masterClrMapping/>
@@ -1479,7 +1885,7 @@
 </file>
 
 <file path=ppt/slideLayouts/slideLayout3.xml><?xml version="1.0" encoding="utf-8"?>
-<p:sldLayout xmlns:a="http://schemas.openxmlformats.org/drawingml/2006/main" xmlns:r="http://schemas.openxmlformats.org/officeDocument/2006/relationships" xmlns:p="http://schemas.openxmlformats.org/presentationml/2006/main" type="secHead" preserve="1" showMasterSp="0">
+<p:sldLayout xmlns:a="http://schemas.openxmlformats.org/drawingml/2006/main" xmlns:r="http://schemas.openxmlformats.org/officeDocument/2006/relationships" xmlns:p="http://schemas.openxmlformats.org/presentationml/2006/main" showMasterSp="0" type="secHead" preserve="1">
   <p:cSld name="Section Header">
     <p:spTree>
       <p:nvGrpSpPr>
@@ -1656,7 +2062,6 @@
               <a:rPr lang="en-US"/>
               <a:t>Click to edit Master text styles</a:t>
             </a:r>
-            <a:endParaRPr lang="en-US"/>
           </a:p>
         </p:txBody>
       </p:sp>
@@ -1688,8 +2093,9 @@
             </a:lvl1pPr>
           </a:lstStyle>
           <a:p>
-            <a:fld id="{7ED82E05-B906-46D2-B7F0-95A00293E995}" type="datetimeFigureOut">
+            <a:fld id="{08107730-E7E0-4034-9139-F86131BC67E9}" type="datetime1">
               <a:rPr lang="en-US" smtClean="0"/>
+              <a:t>9/11/2019</a:t>
             </a:fld>
             <a:endParaRPr lang="en-US"/>
           </a:p>
@@ -1723,41 +2129,6 @@
             </a:lvl1pPr>
           </a:lstStyle>
           <a:p>
-            <a:endParaRPr lang="en-US"/>
-          </a:p>
-        </p:txBody>
-      </p:sp>
-      <p:sp>
-        <p:nvSpPr>
-          <p:cNvPr id="6" name="Slide Number Placeholder 5"/>
-          <p:cNvSpPr>
-            <a:spLocks noGrp="1"/>
-          </p:cNvSpPr>
-          <p:nvPr>
-            <p:ph type="sldNum" sz="quarter" idx="12"/>
-          </p:nvPr>
-        </p:nvSpPr>
-        <p:spPr>
-          <a:xfrm>
-            <a:off x="9830683" y="6453386"/>
-            <a:ext cx="1596292" cy="404614"/>
-          </a:xfrm>
-        </p:spPr>
-        <p:txBody>
-          <a:bodyPr/>
-          <a:lstStyle>
-            <a:lvl1pPr>
-              <a:defRPr>
-                <a:solidFill>
-                  <a:schemeClr val="tx2"/>
-                </a:solidFill>
-              </a:defRPr>
-            </a:lvl1pPr>
-          </a:lstStyle>
-          <a:p>
-            <a:fld id="{A8D7D4F6-2DF8-4D69-B05D-24304D43B04C}" type="slidenum">
-              <a:rPr lang="en-US" smtClean="0"/>
-            </a:fld>
             <a:endParaRPr lang="en-US"/>
           </a:p>
         </p:txBody>
@@ -1813,10 +2184,17 @@
             <a:noFill/>
             <a:prstDash val="solid"/>
             <a:round/>
+            <a:headEnd/>
+            <a:tailEnd/>
           </a:ln>
         </p:spPr>
       </p:sp>
     </p:spTree>
+    <p:extLst>
+      <p:ext uri="{BB962C8B-B14F-4D97-AF65-F5344CB8AC3E}">
+        <p14:creationId xmlns:p14="http://schemas.microsoft.com/office/powerpoint/2010/main" val="167884894"/>
+      </p:ext>
+    </p:extLst>
   </p:cSld>
   <p:clrMapOvr>
     <a:masterClrMapping/>
@@ -1933,7 +2311,6 @@
               <a:rPr lang="en-US"/>
               <a:t>Click to edit Master text styles</a:t>
             </a:r>
-            <a:endParaRPr lang="en-US"/>
           </a:p>
           <a:p>
             <a:pPr lvl="1"/>
@@ -1941,7 +2318,6 @@
               <a:rPr lang="en-US"/>
               <a:t>Second level</a:t>
             </a:r>
-            <a:endParaRPr lang="en-US"/>
           </a:p>
           <a:p>
             <a:pPr lvl="2"/>
@@ -1949,7 +2325,6 @@
               <a:rPr lang="en-US"/>
               <a:t>Third level</a:t>
             </a:r>
-            <a:endParaRPr lang="en-US"/>
           </a:p>
           <a:p>
             <a:pPr lvl="3"/>
@@ -1957,7 +2332,6 @@
               <a:rPr lang="en-US"/>
               <a:t>Fourth level</a:t>
             </a:r>
-            <a:endParaRPr lang="en-US"/>
           </a:p>
           <a:p>
             <a:pPr lvl="4"/>
@@ -2030,7 +2404,6 @@
               <a:rPr lang="en-US"/>
               <a:t>Click to edit Master text styles</a:t>
             </a:r>
-            <a:endParaRPr lang="en-US"/>
           </a:p>
           <a:p>
             <a:pPr lvl="1"/>
@@ -2038,7 +2411,6 @@
               <a:rPr lang="en-US"/>
               <a:t>Second level</a:t>
             </a:r>
-            <a:endParaRPr lang="en-US"/>
           </a:p>
           <a:p>
             <a:pPr lvl="2"/>
@@ -2046,7 +2418,6 @@
               <a:rPr lang="en-US"/>
               <a:t>Third level</a:t>
             </a:r>
-            <a:endParaRPr lang="en-US"/>
           </a:p>
           <a:p>
             <a:pPr lvl="3"/>
@@ -2054,7 +2425,6 @@
               <a:rPr lang="en-US"/>
               <a:t>Fourth level</a:t>
             </a:r>
-            <a:endParaRPr lang="en-US"/>
           </a:p>
           <a:p>
             <a:pPr lvl="4"/>
@@ -2081,8 +2451,9 @@
           <a:bodyPr/>
           <a:lstStyle/>
           <a:p>
-            <a:fld id="{7ED82E05-B906-46D2-B7F0-95A00293E995}" type="datetimeFigureOut">
+            <a:fld id="{2128C74C-6B0A-4BE2-AEB5-ADDA4577555B}" type="datetime1">
               <a:rPr lang="en-US" smtClean="0"/>
+              <a:t>9/11/2019</a:t>
             </a:fld>
             <a:endParaRPr lang="en-US"/>
           </a:p>
@@ -2117,19 +2488,33 @@
             <p:ph type="sldNum" sz="quarter" idx="12"/>
           </p:nvPr>
         </p:nvSpPr>
-        <p:spPr/>
+        <p:spPr>
+          <a:xfrm>
+            <a:off x="9472736" y="6462263"/>
+            <a:ext cx="1596292" cy="404614"/>
+          </a:xfrm>
+          <a:prstGeom prst="rect">
+            <a:avLst/>
+          </a:prstGeom>
+        </p:spPr>
         <p:txBody>
           <a:bodyPr/>
           <a:lstStyle/>
           <a:p>
             <a:fld id="{A8D7D4F6-2DF8-4D69-B05D-24304D43B04C}" type="slidenum">
               <a:rPr lang="en-US" smtClean="0"/>
+              <a:t>‹#›</a:t>
             </a:fld>
             <a:endParaRPr lang="en-US"/>
           </a:p>
         </p:txBody>
       </p:sp>
     </p:spTree>
+    <p:extLst>
+      <p:ext uri="{BB962C8B-B14F-4D97-AF65-F5344CB8AC3E}">
+        <p14:creationId xmlns:p14="http://schemas.microsoft.com/office/powerpoint/2010/main" val="4078601516"/>
+      </p:ext>
+    </p:extLst>
   </p:cSld>
   <p:clrMapOvr>
     <a:masterClrMapping/>
@@ -2267,7 +2652,6 @@
               <a:rPr lang="en-US"/>
               <a:t>Click to edit Master text styles</a:t>
             </a:r>
-            <a:endParaRPr lang="en-US"/>
           </a:p>
         </p:txBody>
       </p:sp>
@@ -2332,7 +2716,6 @@
               <a:rPr lang="en-US"/>
               <a:t>Click to edit Master text styles</a:t>
             </a:r>
-            <a:endParaRPr lang="en-US"/>
           </a:p>
           <a:p>
             <a:pPr lvl="1"/>
@@ -2340,7 +2723,6 @@
               <a:rPr lang="en-US"/>
               <a:t>Second level</a:t>
             </a:r>
-            <a:endParaRPr lang="en-US"/>
           </a:p>
           <a:p>
             <a:pPr lvl="2"/>
@@ -2348,7 +2730,6 @@
               <a:rPr lang="en-US"/>
               <a:t>Third level</a:t>
             </a:r>
-            <a:endParaRPr lang="en-US"/>
           </a:p>
           <a:p>
             <a:pPr lvl="3"/>
@@ -2356,7 +2737,6 @@
               <a:rPr lang="en-US"/>
               <a:t>Fourth level</a:t>
             </a:r>
-            <a:endParaRPr lang="en-US"/>
           </a:p>
           <a:p>
             <a:pPr lvl="4"/>
@@ -2445,7 +2825,6 @@
               <a:rPr lang="en-US"/>
               <a:t>Click to edit Master text styles</a:t>
             </a:r>
-            <a:endParaRPr lang="en-US"/>
           </a:p>
         </p:txBody>
       </p:sp>
@@ -2510,7 +2889,6 @@
               <a:rPr lang="en-US"/>
               <a:t>Click to edit Master text styles</a:t>
             </a:r>
-            <a:endParaRPr lang="en-US"/>
           </a:p>
           <a:p>
             <a:pPr lvl="1"/>
@@ -2518,7 +2896,6 @@
               <a:rPr lang="en-US"/>
               <a:t>Second level</a:t>
             </a:r>
-            <a:endParaRPr lang="en-US"/>
           </a:p>
           <a:p>
             <a:pPr lvl="2"/>
@@ -2526,7 +2903,6 @@
               <a:rPr lang="en-US"/>
               <a:t>Third level</a:t>
             </a:r>
-            <a:endParaRPr lang="en-US"/>
           </a:p>
           <a:p>
             <a:pPr lvl="3"/>
@@ -2534,7 +2910,6 @@
               <a:rPr lang="en-US"/>
               <a:t>Fourth level</a:t>
             </a:r>
-            <a:endParaRPr lang="en-US"/>
           </a:p>
           <a:p>
             <a:pPr lvl="4"/>
@@ -2561,8 +2936,9 @@
           <a:bodyPr/>
           <a:lstStyle/>
           <a:p>
-            <a:fld id="{7ED82E05-B906-46D2-B7F0-95A00293E995}" type="datetimeFigureOut">
+            <a:fld id="{96ED5E1F-5CA0-44A8-9FAF-8E0C8C93E227}" type="datetime1">
               <a:rPr lang="en-US" smtClean="0"/>
+              <a:t>9/11/2019</a:t>
             </a:fld>
             <a:endParaRPr lang="en-US"/>
           </a:p>
@@ -2597,19 +2973,33 @@
             <p:ph type="sldNum" sz="quarter" idx="12"/>
           </p:nvPr>
         </p:nvSpPr>
-        <p:spPr/>
+        <p:spPr>
+          <a:xfrm>
+            <a:off x="9472736" y="6462263"/>
+            <a:ext cx="1596292" cy="404614"/>
+          </a:xfrm>
+          <a:prstGeom prst="rect">
+            <a:avLst/>
+          </a:prstGeom>
+        </p:spPr>
         <p:txBody>
           <a:bodyPr/>
           <a:lstStyle/>
           <a:p>
             <a:fld id="{A8D7D4F6-2DF8-4D69-B05D-24304D43B04C}" type="slidenum">
               <a:rPr lang="en-US" smtClean="0"/>
+              <a:t>‹#›</a:t>
             </a:fld>
             <a:endParaRPr lang="en-US"/>
           </a:p>
         </p:txBody>
       </p:sp>
     </p:spTree>
+    <p:extLst>
+      <p:ext uri="{BB962C8B-B14F-4D97-AF65-F5344CB8AC3E}">
+        <p14:creationId xmlns:p14="http://schemas.microsoft.com/office/powerpoint/2010/main" val="2514446039"/>
+      </p:ext>
+    </p:extLst>
   </p:cSld>
   <p:clrMapOvr>
     <a:masterClrMapping/>
@@ -2672,8 +3062,9 @@
           <a:bodyPr/>
           <a:lstStyle/>
           <a:p>
-            <a:fld id="{7ED82E05-B906-46D2-B7F0-95A00293E995}" type="datetimeFigureOut">
+            <a:fld id="{9F749C11-8001-49CF-9B59-56FDE52B5F69}" type="datetime1">
               <a:rPr lang="en-US" smtClean="0"/>
+              <a:t>9/11/2019</a:t>
             </a:fld>
             <a:endParaRPr lang="en-US"/>
           </a:p>
@@ -2708,19 +3099,33 @@
             <p:ph type="sldNum" sz="quarter" idx="12"/>
           </p:nvPr>
         </p:nvSpPr>
-        <p:spPr/>
+        <p:spPr>
+          <a:xfrm>
+            <a:off x="9472736" y="6462263"/>
+            <a:ext cx="1596292" cy="404614"/>
+          </a:xfrm>
+          <a:prstGeom prst="rect">
+            <a:avLst/>
+          </a:prstGeom>
+        </p:spPr>
         <p:txBody>
           <a:bodyPr/>
           <a:lstStyle/>
           <a:p>
             <a:fld id="{A8D7D4F6-2DF8-4D69-B05D-24304D43B04C}" type="slidenum">
               <a:rPr lang="en-US" smtClean="0"/>
+              <a:t>‹#›</a:t>
             </a:fld>
             <a:endParaRPr lang="en-US"/>
           </a:p>
         </p:txBody>
       </p:sp>
     </p:spTree>
+    <p:extLst>
+      <p:ext uri="{BB962C8B-B14F-4D97-AF65-F5344CB8AC3E}">
+        <p14:creationId xmlns:p14="http://schemas.microsoft.com/office/powerpoint/2010/main" val="614057892"/>
+      </p:ext>
+    </p:extLst>
   </p:cSld>
   <p:clrMapOvr>
     <a:masterClrMapping/>
@@ -2760,8 +3165,9 @@
           <a:bodyPr/>
           <a:lstStyle/>
           <a:p>
-            <a:fld id="{7ED82E05-B906-46D2-B7F0-95A00293E995}" type="datetimeFigureOut">
+            <a:fld id="{5EC0E55E-AF34-4E2E-A4E8-BDA3BCCD8B12}" type="datetime1">
               <a:rPr lang="en-US" smtClean="0"/>
+              <a:t>9/11/2019</a:t>
             </a:fld>
             <a:endParaRPr lang="en-US"/>
           </a:p>
@@ -2796,19 +3202,33 @@
             <p:ph type="sldNum" sz="quarter" idx="12"/>
           </p:nvPr>
         </p:nvSpPr>
-        <p:spPr/>
+        <p:spPr>
+          <a:xfrm>
+            <a:off x="9472736" y="6462263"/>
+            <a:ext cx="1596292" cy="404614"/>
+          </a:xfrm>
+          <a:prstGeom prst="rect">
+            <a:avLst/>
+          </a:prstGeom>
+        </p:spPr>
         <p:txBody>
           <a:bodyPr/>
           <a:lstStyle/>
           <a:p>
             <a:fld id="{A8D7D4F6-2DF8-4D69-B05D-24304D43B04C}" type="slidenum">
               <a:rPr lang="en-US" smtClean="0"/>
+              <a:t>‹#›</a:t>
             </a:fld>
             <a:endParaRPr lang="en-US"/>
           </a:p>
         </p:txBody>
       </p:sp>
     </p:spTree>
+    <p:extLst>
+      <p:ext uri="{BB962C8B-B14F-4D97-AF65-F5344CB8AC3E}">
+        <p14:creationId xmlns:p14="http://schemas.microsoft.com/office/powerpoint/2010/main" val="1600719376"/>
+      </p:ext>
+    </p:extLst>
   </p:cSld>
   <p:clrMapOvr>
     <a:masterClrMapping/>
@@ -2817,7 +3237,7 @@
 </file>
 
 <file path=ppt/slideLayouts/slideLayout8.xml><?xml version="1.0" encoding="utf-8"?>
-<p:sldLayout xmlns:a="http://schemas.openxmlformats.org/drawingml/2006/main" xmlns:r="http://schemas.openxmlformats.org/officeDocument/2006/relationships" xmlns:p="http://schemas.openxmlformats.org/presentationml/2006/main" type="objTx" preserve="1" showMasterSp="0">
+<p:sldLayout xmlns:a="http://schemas.openxmlformats.org/drawingml/2006/main" xmlns:r="http://schemas.openxmlformats.org/officeDocument/2006/relationships" xmlns:p="http://schemas.openxmlformats.org/presentationml/2006/main" showMasterSp="0" type="objTx" preserve="1">
   <p:cSld name="Content with Caption">
     <p:spTree>
       <p:nvGrpSpPr>
@@ -2965,7 +3385,6 @@
               <a:rPr lang="en-US"/>
               <a:t>Click to edit Master text styles</a:t>
             </a:r>
-            <a:endParaRPr lang="en-US"/>
           </a:p>
           <a:p>
             <a:pPr lvl="1"/>
@@ -2973,7 +3392,6 @@
               <a:rPr lang="en-US"/>
               <a:t>Second level</a:t>
             </a:r>
-            <a:endParaRPr lang="en-US"/>
           </a:p>
           <a:p>
             <a:pPr lvl="2"/>
@@ -2981,7 +3399,6 @@
               <a:rPr lang="en-US"/>
               <a:t>Third level</a:t>
             </a:r>
-            <a:endParaRPr lang="en-US"/>
           </a:p>
           <a:p>
             <a:pPr lvl="3"/>
@@ -2989,7 +3406,6 @@
               <a:rPr lang="en-US"/>
               <a:t>Fourth level</a:t>
             </a:r>
-            <a:endParaRPr lang="en-US"/>
           </a:p>
           <a:p>
             <a:pPr lvl="4"/>
@@ -3072,7 +3488,6 @@
               <a:rPr lang="en-US"/>
               <a:t>Click to edit Master text styles</a:t>
             </a:r>
-            <a:endParaRPr lang="en-US"/>
           </a:p>
         </p:txBody>
       </p:sp>
@@ -3104,8 +3519,9 @@
             </a:lvl1pPr>
           </a:lstStyle>
           <a:p>
-            <a:fld id="{7ED82E05-B906-46D2-B7F0-95A00293E995}" type="datetimeFigureOut">
+            <a:fld id="{C85C3791-D12F-464C-8CBC-469E089CC249}" type="datetime1">
               <a:rPr lang="en-US" smtClean="0"/>
+              <a:t>9/11/2019</a:t>
             </a:fld>
             <a:endParaRPr lang="en-US"/>
           </a:p>
@@ -3158,6 +3574,9 @@
             <a:off x="9883140" y="6453386"/>
             <a:ext cx="1596292" cy="404614"/>
           </a:xfrm>
+          <a:prstGeom prst="rect">
+            <a:avLst/>
+          </a:prstGeom>
         </p:spPr>
         <p:txBody>
           <a:bodyPr/>
@@ -3173,6 +3592,7 @@
           <a:p>
             <a:fld id="{A8D7D4F6-2DF8-4D69-B05D-24304D43B04C}" type="slidenum">
               <a:rPr lang="en-US" smtClean="0"/>
+              <a:t>‹#›</a:t>
             </a:fld>
             <a:endParaRPr lang="en-US"/>
           </a:p>
@@ -3217,6 +3637,11 @@
         </p:style>
       </p:sp>
     </p:spTree>
+    <p:extLst>
+      <p:ext uri="{BB962C8B-B14F-4D97-AF65-F5344CB8AC3E}">
+        <p14:creationId xmlns:p14="http://schemas.microsoft.com/office/powerpoint/2010/main" val="3068865985"/>
+      </p:ext>
+    </p:extLst>
   </p:cSld>
   <p:clrMapOvr>
     <a:masterClrMapping/>
@@ -3225,7 +3650,7 @@
 </file>
 
 <file path=ppt/slideLayouts/slideLayout9.xml><?xml version="1.0" encoding="utf-8"?>
-<p:sldLayout xmlns:a="http://schemas.openxmlformats.org/drawingml/2006/main" xmlns:r="http://schemas.openxmlformats.org/officeDocument/2006/relationships" xmlns:p="http://schemas.openxmlformats.org/presentationml/2006/main" type="picTx" preserve="1" showMasterSp="0">
+<p:sldLayout xmlns:a="http://schemas.openxmlformats.org/drawingml/2006/main" xmlns:r="http://schemas.openxmlformats.org/officeDocument/2006/relationships" xmlns:p="http://schemas.openxmlformats.org/presentationml/2006/main" showMasterSp="0" type="picTx" preserve="1">
   <p:cSld name="Picture with Caption">
     <p:spTree>
       <p:nvGrpSpPr>
@@ -3454,7 +3879,6 @@
               <a:rPr lang="en-US"/>
               <a:t>Click to edit Master text styles</a:t>
             </a:r>
-            <a:endParaRPr lang="en-US"/>
           </a:p>
         </p:txBody>
       </p:sp>
@@ -3486,8 +3910,9 @@
             </a:lvl1pPr>
           </a:lstStyle>
           <a:p>
-            <a:fld id="{7ED82E05-B906-46D2-B7F0-95A00293E995}" type="datetimeFigureOut">
+            <a:fld id="{3901A8D7-7DE1-49C0-A859-BA2154FD532A}" type="datetime1">
               <a:rPr lang="en-US" smtClean="0"/>
+              <a:t>9/11/2019</a:t>
             </a:fld>
             <a:endParaRPr lang="en-US"/>
           </a:p>
@@ -3540,6 +3965,9 @@
             <a:off x="9883140" y="6453386"/>
             <a:ext cx="1596292" cy="404614"/>
           </a:xfrm>
+          <a:prstGeom prst="rect">
+            <a:avLst/>
+          </a:prstGeom>
         </p:spPr>
         <p:txBody>
           <a:bodyPr/>
@@ -3555,6 +3983,7 @@
           <a:p>
             <a:fld id="{A8D7D4F6-2DF8-4D69-B05D-24304D43B04C}" type="slidenum">
               <a:rPr lang="en-US" smtClean="0"/>
+              <a:t>‹#›</a:t>
             </a:fld>
             <a:endParaRPr lang="en-US"/>
           </a:p>
@@ -3599,6 +4028,11 @@
         </p:style>
       </p:sp>
     </p:spTree>
+    <p:extLst>
+      <p:ext uri="{BB962C8B-B14F-4D97-AF65-F5344CB8AC3E}">
+        <p14:creationId xmlns:p14="http://schemas.microsoft.com/office/powerpoint/2010/main" val="2166592949"/>
+      </p:ext>
+    </p:extLst>
   </p:cSld>
   <p:clrMapOvr>
     <a:masterClrMapping/>
@@ -3691,7 +4125,6 @@
               <a:rPr lang="en-US"/>
               <a:t>Click to edit Master text styles</a:t>
             </a:r>
-            <a:endParaRPr lang="en-US"/>
           </a:p>
           <a:p>
             <a:pPr lvl="1"/>
@@ -3699,7 +4132,6 @@
               <a:rPr lang="en-US"/>
               <a:t>Second level</a:t>
             </a:r>
-            <a:endParaRPr lang="en-US"/>
           </a:p>
           <a:p>
             <a:pPr lvl="2"/>
@@ -3707,7 +4139,6 @@
               <a:rPr lang="en-US"/>
               <a:t>Third level</a:t>
             </a:r>
-            <a:endParaRPr lang="en-US"/>
           </a:p>
           <a:p>
             <a:pPr lvl="3"/>
@@ -3715,7 +4146,6 @@
               <a:rPr lang="en-US"/>
               <a:t>Fourth level</a:t>
             </a:r>
-            <a:endParaRPr lang="en-US"/>
           </a:p>
           <a:p>
             <a:pPr lvl="4"/>
@@ -3758,8 +4188,9 @@
             </a:lvl1pPr>
           </a:lstStyle>
           <a:p>
-            <a:fld id="{7ED82E05-B906-46D2-B7F0-95A00293E995}" type="datetimeFigureOut">
+            <a:fld id="{C3381DA6-54E6-48A3-B70A-BA200C1D04A7}" type="datetime1">
               <a:rPr lang="en-US" smtClean="0"/>
+              <a:t>9/11/2019</a:t>
             </a:fld>
             <a:endParaRPr lang="en-US"/>
           </a:p>
@@ -3796,44 +4227,6 @@
             </a:lvl1pPr>
           </a:lstStyle>
           <a:p>
-            <a:endParaRPr lang="en-US"/>
-          </a:p>
-        </p:txBody>
-      </p:sp>
-      <p:sp>
-        <p:nvSpPr>
-          <p:cNvPr id="6" name="Slide Number Placeholder 5"/>
-          <p:cNvSpPr>
-            <a:spLocks noGrp="1"/>
-          </p:cNvSpPr>
-          <p:nvPr>
-            <p:ph type="sldNum" sz="quarter" idx="4"/>
-          </p:nvPr>
-        </p:nvSpPr>
-        <p:spPr>
-          <a:xfrm>
-            <a:off x="9472736" y="6453386"/>
-            <a:ext cx="1596292" cy="404614"/>
-          </a:xfrm>
-          <a:prstGeom prst="rect">
-            <a:avLst/>
-          </a:prstGeom>
-        </p:spPr>
-        <p:txBody>
-          <a:bodyPr vert="horz" lIns="91440" tIns="45720" rIns="91440" bIns="45720" rtlCol="0" anchor="ctr"/>
-          <a:lstStyle>
-            <a:lvl1pPr algn="r">
-              <a:defRPr sz="1200" baseline="0">
-                <a:solidFill>
-                  <a:schemeClr val="tx2"/>
-                </a:solidFill>
-              </a:defRPr>
-            </a:lvl1pPr>
-          </a:lstStyle>
-          <a:p>
-            <a:fld id="{A8D7D4F6-2DF8-4D69-B05D-24304D43B04C}" type="slidenum">
-              <a:rPr lang="en-US" smtClean="0"/>
-            </a:fld>
             <a:endParaRPr lang="en-US"/>
           </a:p>
         </p:txBody>
@@ -3876,22 +4269,61 @@
           </a:fontRef>
         </p:style>
       </p:sp>
+      <p:sp>
+        <p:nvSpPr>
+          <p:cNvPr id="7" name="TextBox 6"/>
+          <p:cNvSpPr txBox="1"/>
+          <p:nvPr userDrawn="1"/>
+        </p:nvSpPr>
+        <p:spPr>
+          <a:xfrm>
+            <a:off x="10972800" y="6453386"/>
+            <a:ext cx="878890" cy="338554"/>
+          </a:xfrm>
+          <a:prstGeom prst="rect">
+            <a:avLst/>
+          </a:prstGeom>
+          <a:noFill/>
+        </p:spPr>
+        <p:txBody>
+          <a:bodyPr wrap="square" rtlCol="0">
+            <a:spAutoFit/>
+          </a:bodyPr>
+          <a:lstStyle/>
+          <a:p>
+            <a:fld id="{9B7FE0D9-9F41-481F-A378-F847DF90F3DA}" type="slidenum">
+              <a:rPr lang="en-US" sz="1600" smtClean="0"/>
+              <a:t>‹#›</a:t>
+            </a:fld>
+            <a:r>
+              <a:rPr lang="en-US" sz="1600" dirty="0" smtClean="0"/>
+              <a:t>/24</a:t>
+            </a:r>
+          </a:p>
+        </p:txBody>
+      </p:sp>
     </p:spTree>
+    <p:extLst>
+      <p:ext uri="{BB962C8B-B14F-4D97-AF65-F5344CB8AC3E}">
+        <p14:creationId xmlns:p14="http://schemas.microsoft.com/office/powerpoint/2010/main" val="1441809735"/>
+      </p:ext>
+    </p:extLst>
   </p:cSld>
   <p:clrMap bg1="lt1" tx1="dk1" bg2="lt2" tx2="dk2" accent1="accent1" accent2="accent2" accent3="accent3" accent4="accent4" accent5="accent5" accent6="accent6" hlink="hlink" folHlink="folHlink"/>
   <p:sldLayoutIdLst>
-    <p:sldLayoutId id="2147483649" r:id="rId1"/>
-    <p:sldLayoutId id="2147483650" r:id="rId2"/>
-    <p:sldLayoutId id="2147483651" r:id="rId3"/>
-    <p:sldLayoutId id="2147483652" r:id="rId4"/>
-    <p:sldLayoutId id="2147483653" r:id="rId5"/>
-    <p:sldLayoutId id="2147483654" r:id="rId6"/>
-    <p:sldLayoutId id="2147483655" r:id="rId7"/>
-    <p:sldLayoutId id="2147483656" r:id="rId8"/>
-    <p:sldLayoutId id="2147483657" r:id="rId9"/>
-    <p:sldLayoutId id="2147483658" r:id="rId10"/>
-    <p:sldLayoutId id="2147483659" r:id="rId11"/>
+    <p:sldLayoutId id="2147483661" r:id="rId1"/>
+    <p:sldLayoutId id="2147483662" r:id="rId2"/>
+    <p:sldLayoutId id="2147483663" r:id="rId3"/>
+    <p:sldLayoutId id="2147483664" r:id="rId4"/>
+    <p:sldLayoutId id="2147483665" r:id="rId5"/>
+    <p:sldLayoutId id="2147483666" r:id="rId6"/>
+    <p:sldLayoutId id="2147483667" r:id="rId7"/>
+    <p:sldLayoutId id="2147483668" r:id="rId8"/>
+    <p:sldLayoutId id="2147483669" r:id="rId9"/>
+    <p:sldLayoutId id="2147483670" r:id="rId10"/>
+    <p:sldLayoutId id="2147483671" r:id="rId11"/>
   </p:sldLayoutIdLst>
+  <p:hf sldNum="0" hdr="0" ftr="0" dt="0"/>
   <p:txStyles>
     <p:titleStyle>
       <a:lvl1pPr algn="l" defTabSz="914400" rtl="0" eaLnBrk="1" latinLnBrk="0" hangingPunct="1">
@@ -3913,7 +4345,7 @@
       </a:lvl1pPr>
     </p:titleStyle>
     <p:bodyStyle>
-      <a:lvl1pPr marL="384175" indent="-384175" algn="l" defTabSz="914400" rtl="0" eaLnBrk="1" latinLnBrk="0" hangingPunct="1">
+      <a:lvl1pPr marL="384048" indent="-384048" algn="l" defTabSz="914400" rtl="0" eaLnBrk="1" latinLnBrk="0" hangingPunct="1">
         <a:lnSpc>
           <a:spcPct val="94000"/>
         </a:lnSpc>
@@ -3934,7 +4366,7 @@
           <a:cs typeface="+mn-cs"/>
         </a:defRPr>
       </a:lvl1pPr>
-      <a:lvl2pPr marL="914400" indent="-384175" algn="l" defTabSz="914400" rtl="0" eaLnBrk="1" latinLnBrk="0" hangingPunct="1">
+      <a:lvl2pPr marL="914400" indent="-384048" algn="l" defTabSz="914400" rtl="0" eaLnBrk="1" latinLnBrk="0" hangingPunct="1">
         <a:lnSpc>
           <a:spcPct val="94000"/>
         </a:lnSpc>
@@ -3955,7 +4387,7 @@
           <a:cs typeface="+mn-cs"/>
         </a:defRPr>
       </a:lvl2pPr>
-      <a:lvl3pPr marL="1371600" indent="-384175" algn="l" defTabSz="914400" rtl="0" eaLnBrk="1" latinLnBrk="0" hangingPunct="1">
+      <a:lvl3pPr marL="1371600" indent="-384048" algn="l" defTabSz="914400" rtl="0" eaLnBrk="1" latinLnBrk="0" hangingPunct="1">
         <a:lnSpc>
           <a:spcPct val="94000"/>
         </a:lnSpc>
@@ -3976,7 +4408,7 @@
           <a:cs typeface="+mn-cs"/>
         </a:defRPr>
       </a:lvl3pPr>
-      <a:lvl4pPr marL="1828800" indent="-384175" algn="l" defTabSz="914400" rtl="0" eaLnBrk="1" latinLnBrk="0" hangingPunct="1">
+      <a:lvl4pPr marL="1828800" indent="-384048" algn="l" defTabSz="914400" rtl="0" eaLnBrk="1" latinLnBrk="0" hangingPunct="1">
         <a:lnSpc>
           <a:spcPct val="94000"/>
         </a:lnSpc>
@@ -3997,7 +4429,7 @@
           <a:cs typeface="+mn-cs"/>
         </a:defRPr>
       </a:lvl4pPr>
-      <a:lvl5pPr marL="2286000" indent="-384175" algn="l" defTabSz="914400" rtl="0" eaLnBrk="1" latinLnBrk="0" hangingPunct="1">
+      <a:lvl5pPr marL="2286000" indent="-384048" algn="l" defTabSz="914400" rtl="0" eaLnBrk="1" latinLnBrk="0" hangingPunct="1">
         <a:lnSpc>
           <a:spcPct val="94000"/>
         </a:lnSpc>
@@ -4018,7 +4450,7 @@
           <a:cs typeface="+mn-cs"/>
         </a:defRPr>
       </a:lvl5pPr>
-      <a:lvl6pPr marL="2743200" indent="-384175" algn="l" defTabSz="914400" rtl="0" eaLnBrk="1" latinLnBrk="0" hangingPunct="1">
+      <a:lvl6pPr marL="2743200" indent="-384048" algn="l" defTabSz="914400" rtl="0" eaLnBrk="1" latinLnBrk="0" hangingPunct="1">
         <a:lnSpc>
           <a:spcPct val="94000"/>
         </a:lnSpc>
@@ -4039,7 +4471,7 @@
           <a:cs typeface="+mn-cs"/>
         </a:defRPr>
       </a:lvl6pPr>
-      <a:lvl7pPr marL="3200400" indent="-384175" algn="l" defTabSz="914400" rtl="0" eaLnBrk="1" latinLnBrk="0" hangingPunct="1">
+      <a:lvl7pPr marL="3200400" indent="-384048" algn="l" defTabSz="914400" rtl="0" eaLnBrk="1" latinLnBrk="0" hangingPunct="1">
         <a:lnSpc>
           <a:spcPct val="94000"/>
         </a:lnSpc>
@@ -4060,7 +4492,7 @@
           <a:cs typeface="+mn-cs"/>
         </a:defRPr>
       </a:lvl7pPr>
-      <a:lvl8pPr marL="3657600" indent="-384175" algn="l" defTabSz="914400" rtl="0" eaLnBrk="1" latinLnBrk="0" hangingPunct="1">
+      <a:lvl8pPr marL="3657600" indent="-384048" algn="l" defTabSz="914400" rtl="0" eaLnBrk="1" latinLnBrk="0" hangingPunct="1">
         <a:lnSpc>
           <a:spcPct val="94000"/>
         </a:lnSpc>
@@ -4081,7 +4513,7 @@
           <a:cs typeface="+mn-cs"/>
         </a:defRPr>
       </a:lvl8pPr>
-      <a:lvl9pPr marL="4114800" indent="-384175" algn="l" defTabSz="914400" rtl="0" eaLnBrk="1" latinLnBrk="0" hangingPunct="1">
+      <a:lvl9pPr marL="4114800" indent="-384048" algn="l" defTabSz="914400" rtl="0" eaLnBrk="1" latinLnBrk="0" hangingPunct="1">
         <a:lnSpc>
           <a:spcPct val="94000"/>
         </a:lnSpc>
@@ -4199,6 +4631,52 @@
       </a:lvl9pPr>
     </p:otherStyle>
   </p:txStyles>
+  <p:extLst mod="1">
+    <p:ext uri="{27BBF7A9-308A-43DC-89C8-2F10F3537804}">
+      <p15:sldGuideLst xmlns:p15="http://schemas.microsoft.com/office/powerpoint/2012/main">
+        <p15:guide id="3" orient="horz" pos="1368">
+          <p15:clr>
+            <a:srgbClr val="F26B43"/>
+          </p15:clr>
+        </p15:guide>
+        <p15:guide id="4" orient="horz" pos="1440">
+          <p15:clr>
+            <a:srgbClr val="F26B43"/>
+          </p15:clr>
+        </p15:guide>
+        <p15:guide id="6" orient="horz" pos="3696">
+          <p15:clr>
+            <a:srgbClr val="F26B43"/>
+          </p15:clr>
+        </p15:guide>
+        <p15:guide id="7" orient="horz" pos="432">
+          <p15:clr>
+            <a:srgbClr val="F26B43"/>
+          </p15:clr>
+        </p15:guide>
+        <p15:guide id="8" orient="horz" pos="1512">
+          <p15:clr>
+            <a:srgbClr val="F26B43"/>
+          </p15:clr>
+        </p15:guide>
+        <p15:guide id="9" pos="6912">
+          <p15:clr>
+            <a:srgbClr val="F26B43"/>
+          </p15:clr>
+        </p15:guide>
+        <p15:guide id="10" pos="936">
+          <p15:clr>
+            <a:srgbClr val="F26B43"/>
+          </p15:clr>
+        </p15:guide>
+        <p15:guide id="11" pos="864">
+          <p15:clr>
+            <a:srgbClr val="F26B43"/>
+          </p15:clr>
+        </p15:guide>
+      </p15:sldGuideLst>
+    </p:ext>
+  </p:extLst>
 </p:sldMaster>
 </file>
 
@@ -4221,7 +4699,13 @@
       </p:grpSpPr>
       <p:sp>
         <p:nvSpPr>
-          <p:cNvPr id="2" name="Title 1"/>
+          <p:cNvPr id="2" name="Title 1">
+            <a:extLst>
+              <a:ext uri="{FF2B5EF4-FFF2-40B4-BE49-F238E27FC236}">
+                <a16:creationId xmlns:a16="http://schemas.microsoft.com/office/drawing/2014/main" xmlns="" id="{D4B74078-9B3D-42FA-9BDC-48CFB5C23CDF}"/>
+              </a:ext>
+            </a:extLst>
+          </p:cNvPr>
           <p:cNvSpPr>
             <a:spLocks noGrp="1"/>
           </p:cNvSpPr>
@@ -4231,8 +4715,8 @@
         </p:nvSpPr>
         <p:spPr>
           <a:xfrm rot="20258500">
-            <a:off x="1523998" y="1559814"/>
-            <a:ext cx="9144000" cy="2387600"/>
+            <a:off x="2117709" y="7624980"/>
+            <a:ext cx="9279714" cy="2395205"/>
           </a:xfrm>
         </p:spPr>
         <p:txBody>
@@ -4261,15 +4745,18 @@
               </a:rPr>
               <a:t>               VR GUIDE        </a:t>
             </a:r>
-            <a:endParaRPr lang="en-US" dirty="0">
-              <a:latin typeface="Stencil" panose="040409050D0802020404" pitchFamily="82" charset="0"/>
-            </a:endParaRPr>
-          </a:p>
-        </p:txBody>
-      </p:sp>
-      <p:sp>
-        <p:nvSpPr>
-          <p:cNvPr id="3" name="Subtitle 2"/>
+          </a:p>
+        </p:txBody>
+      </p:sp>
+      <p:sp>
+        <p:nvSpPr>
+          <p:cNvPr id="3" name="Subtitle 2">
+            <a:extLst>
+              <a:ext uri="{FF2B5EF4-FFF2-40B4-BE49-F238E27FC236}">
+                <a16:creationId xmlns:a16="http://schemas.microsoft.com/office/drawing/2014/main" xmlns="" id="{95E8DEB2-5F0A-42C5-AB29-93D3EC351981}"/>
+              </a:ext>
+            </a:extLst>
+          </p:cNvPr>
           <p:cNvSpPr>
             <a:spLocks noGrp="1"/>
           </p:cNvSpPr>
@@ -4279,48 +4766,73 @@
         </p:nvSpPr>
         <p:spPr>
           <a:xfrm>
-            <a:off x="5620054" y="4639175"/>
-            <a:ext cx="6450026" cy="1047291"/>
+            <a:off x="1029201" y="4840103"/>
+            <a:ext cx="4023567" cy="1985194"/>
           </a:xfrm>
         </p:spPr>
         <p:txBody>
           <a:bodyPr>
-            <a:normAutofit fontScale="92500" lnSpcReduction="20000"/>
+            <a:normAutofit/>
           </a:bodyPr>
           <a:lstStyle/>
           <a:p>
             <a:r>
-              <a:rPr lang="en-US" dirty="0"/>
-              <a:t>Done By </a:t>
-            </a:r>
-            <a:endParaRPr lang="en-US" dirty="0"/>
+              <a:rPr lang="en-US" b="1" dirty="0" smtClean="0">
+                <a:solidFill>
+                  <a:schemeClr val="tx1">
+                    <a:lumMod val="95000"/>
+                    <a:lumOff val="5000"/>
+                  </a:schemeClr>
+                </a:solidFill>
+              </a:rPr>
+              <a:t>Presented </a:t>
+            </a:r>
+            <a:r>
+              <a:rPr lang="en-US" b="1" dirty="0">
+                <a:solidFill>
+                  <a:schemeClr val="tx1">
+                    <a:lumMod val="95000"/>
+                    <a:lumOff val="5000"/>
+                  </a:schemeClr>
+                </a:solidFill>
+              </a:rPr>
+              <a:t>By </a:t>
+            </a:r>
           </a:p>
           <a:p>
             <a:r>
               <a:rPr lang="en-US" dirty="0"/>
               <a:t>Adnan Ali 201520023</a:t>
             </a:r>
-            <a:endParaRPr lang="en-US" dirty="0"/>
           </a:p>
           <a:p>
             <a:r>
               <a:rPr lang="en-US" dirty="0"/>
-              <a:t>Zainab Shahid</a:t>
-            </a:r>
-            <a:endParaRPr lang="en-US" dirty="0"/>
+              <a:t>Zainab </a:t>
+            </a:r>
+            <a:r>
+              <a:rPr lang="en-US" dirty="0" smtClean="0"/>
+              <a:t>Shahid 201520629</a:t>
+            </a:r>
           </a:p>
         </p:txBody>
       </p:sp>
       <p:pic>
         <p:nvPicPr>
-          <p:cNvPr id="5" name="Picture 4"/>
+          <p:cNvPr id="5" name="Picture 4">
+            <a:extLst>
+              <a:ext uri="{FF2B5EF4-FFF2-40B4-BE49-F238E27FC236}">
+                <a16:creationId xmlns:a16="http://schemas.microsoft.com/office/drawing/2014/main" xmlns="" id="{71EE52B0-6832-49F3-B628-65D1CF408DB1}"/>
+              </a:ext>
+            </a:extLst>
+          </p:cNvPr>
           <p:cNvPicPr>
             <a:picLocks noChangeAspect="1"/>
           </p:cNvPicPr>
           <p:nvPr/>
         </p:nvPicPr>
         <p:blipFill>
-          <a:blip r:embed="rId1" cstate="print">
+          <a:blip r:embed="rId3" cstate="print">
             <a:extLst>
               <a:ext uri="{28A0092B-C50C-407E-A947-70E740481C1C}">
                 <a14:useLocalDpi xmlns:a14="http://schemas.microsoft.com/office/drawing/2010/main" val="0"/>
@@ -4333,19 +4845,130 @@
         </p:blipFill>
         <p:spPr>
           <a:xfrm>
-            <a:off x="9657036" y="0"/>
-            <a:ext cx="2242746" cy="1627710"/>
+            <a:off x="9647609" y="194064"/>
+            <a:ext cx="1856569" cy="1347436"/>
           </a:xfrm>
           <a:prstGeom prst="rect">
             <a:avLst/>
           </a:prstGeom>
         </p:spPr>
       </p:pic>
+      <p:sp>
+        <p:nvSpPr>
+          <p:cNvPr id="4" name="TextBox 3"/>
+          <p:cNvSpPr txBox="1"/>
+          <p:nvPr/>
+        </p:nvSpPr>
+        <p:spPr>
+          <a:xfrm>
+            <a:off x="496466" y="1792420"/>
+            <a:ext cx="10570602" cy="2308324"/>
+          </a:xfrm>
+          <a:prstGeom prst="rect">
+            <a:avLst/>
+          </a:prstGeom>
+          <a:noFill/>
+        </p:spPr>
+        <p:txBody>
+          <a:bodyPr wrap="square" rtlCol="0">
+            <a:spAutoFit/>
+          </a:bodyPr>
+          <a:lstStyle/>
+          <a:p>
+            <a:pPr algn="ctr"/>
+            <a:r>
+              <a:rPr lang="en-US" sz="7200" dirty="0" smtClean="0">
+                <a:solidFill>
+                  <a:srgbClr val="C00000"/>
+                </a:solidFill>
+                <a:latin typeface="Stencil" panose="040409050D0802020404" pitchFamily="82" charset="0"/>
+              </a:rPr>
+              <a:t>Water Cycle </a:t>
+            </a:r>
+          </a:p>
+          <a:p>
+            <a:pPr algn="ctr"/>
+            <a:r>
+              <a:rPr lang="en-US" sz="7200" dirty="0" smtClean="0">
+                <a:solidFill>
+                  <a:srgbClr val="C00000"/>
+                </a:solidFill>
+                <a:latin typeface="Stencil" panose="040409050D0802020404" pitchFamily="82" charset="0"/>
+              </a:rPr>
+              <a:t>VR Guide</a:t>
+            </a:r>
+            <a:endParaRPr lang="en-US" sz="7200" dirty="0">
+              <a:solidFill>
+                <a:srgbClr val="C00000"/>
+              </a:solidFill>
+              <a:latin typeface="Stencil" panose="040409050D0802020404" pitchFamily="82" charset="0"/>
+            </a:endParaRPr>
+          </a:p>
+        </p:txBody>
+      </p:sp>
+      <p:sp>
+        <p:nvSpPr>
+          <p:cNvPr id="6" name="TextBox 5"/>
+          <p:cNvSpPr txBox="1"/>
+          <p:nvPr/>
+        </p:nvSpPr>
+        <p:spPr>
+          <a:xfrm>
+            <a:off x="5781767" y="4840103"/>
+            <a:ext cx="3469063" cy="1077218"/>
+          </a:xfrm>
+          <a:prstGeom prst="rect">
+            <a:avLst/>
+          </a:prstGeom>
+          <a:noFill/>
+        </p:spPr>
+        <p:txBody>
+          <a:bodyPr wrap="square" rtlCol="0">
+            <a:spAutoFit/>
+          </a:bodyPr>
+          <a:lstStyle/>
+          <a:p>
+            <a:r>
+              <a:rPr lang="en-US" sz="2300" b="1" dirty="0"/>
+              <a:t>Supervised by </a:t>
+            </a:r>
+          </a:p>
+          <a:p>
+            <a:r>
+              <a:rPr lang="en-US" sz="2300" dirty="0"/>
+              <a:t>Dr. </a:t>
+            </a:r>
+            <a:r>
+              <a:rPr lang="en-US" sz="2300" dirty="0" err="1"/>
+              <a:t>Saqib</a:t>
+            </a:r>
+            <a:r>
+              <a:rPr lang="en-US" sz="2300" dirty="0"/>
+              <a:t> Iqbal</a:t>
+            </a:r>
+          </a:p>
+          <a:p>
+            <a:endParaRPr lang="en-US" dirty="0"/>
+          </a:p>
+        </p:txBody>
+      </p:sp>
     </p:spTree>
+    <p:extLst>
+      <p:ext uri="{BB962C8B-B14F-4D97-AF65-F5344CB8AC3E}">
+        <p14:creationId xmlns:p14="http://schemas.microsoft.com/office/powerpoint/2010/main" val="410979425"/>
+      </p:ext>
+    </p:extLst>
   </p:cSld>
   <p:clrMapOvr>
     <a:masterClrMapping/>
   </p:clrMapOvr>
+  <p:timing>
+    <p:tnLst>
+      <p:par>
+        <p:cTn id="1" dur="indefinite" restart="never" nodeType="tmRoot"/>
+      </p:par>
+    </p:tnLst>
+  </p:timing>
 </p:sld>
 </file>
 
@@ -4390,7 +5013,6 @@
               <a:rPr lang="en-US" dirty="0"/>
               <a:t>Similar Apps</a:t>
             </a:r>
-            <a:endParaRPr lang="en-US" dirty="0"/>
           </a:p>
         </p:txBody>
       </p:sp>
@@ -4454,11 +5076,6 @@
               </a:rPr>
               <a:t> VR (Water cycle VR) </a:t>
             </a:r>
-            <a:endParaRPr lang="en-US" sz="2600" b="1" dirty="0">
-              <a:solidFill>
-                <a:srgbClr val="0070C0"/>
-              </a:solidFill>
-            </a:endParaRPr>
           </a:p>
           <a:p>
             <a:pPr marL="0" indent="0">
@@ -4474,17 +5091,13 @@
               </a:rPr>
               <a:t>Features:</a:t>
             </a:r>
-            <a:endParaRPr lang="en-US" sz="2200" b="1" dirty="0">
-              <a:latin typeface="Calibri Light" panose="020F0302020204030204" pitchFamily="34" charset="0"/>
-              <a:cs typeface="Calibri Light" panose="020F0302020204030204" pitchFamily="34" charset="0"/>
-            </a:endParaRPr>
           </a:p>
           <a:p>
             <a:pPr>
               <a:lnSpc>
                 <a:spcPct val="104000"/>
               </a:lnSpc>
-              <a:buFont typeface="Arial" panose="02080604020202020204" pitchFamily="34" charset="0"/>
+              <a:buFont typeface="Arial" panose="020B0604020202020204" pitchFamily="34" charset="0"/>
               <a:buChar char="•"/>
             </a:pPr>
             <a:r>
@@ -4494,17 +5107,13 @@
               </a:rPr>
               <a:t>VR app.</a:t>
             </a:r>
-            <a:endParaRPr lang="en-US" sz="1500" dirty="0">
-              <a:latin typeface="Calibri" panose="020F0502020204030204" pitchFamily="34" charset="0"/>
-              <a:cs typeface="Calibri" panose="020F0502020204030204" pitchFamily="34" charset="0"/>
-            </a:endParaRPr>
           </a:p>
           <a:p>
             <a:pPr>
               <a:lnSpc>
                 <a:spcPct val="104000"/>
               </a:lnSpc>
-              <a:buFont typeface="Arial" panose="02080604020202020204" pitchFamily="34" charset="0"/>
+              <a:buFont typeface="Arial" panose="020B0604020202020204" pitchFamily="34" charset="0"/>
               <a:buChar char="•"/>
             </a:pPr>
             <a:r>
@@ -4514,17 +5123,13 @@
               </a:rPr>
               <a:t>An audio voice to explain user the water cycle.</a:t>
             </a:r>
-            <a:endParaRPr lang="en-US" sz="1500" i="0" dirty="0">
-              <a:latin typeface="Calibri" panose="020F0502020204030204" pitchFamily="34" charset="0"/>
-              <a:cs typeface="Calibri" panose="020F0502020204030204" pitchFamily="34" charset="0"/>
-            </a:endParaRPr>
           </a:p>
           <a:p>
             <a:pPr>
               <a:lnSpc>
                 <a:spcPct val="104000"/>
               </a:lnSpc>
-              <a:buFont typeface="Arial" panose="02080604020202020204" pitchFamily="34" charset="0"/>
+              <a:buFont typeface="Arial" panose="020B0604020202020204" pitchFamily="34" charset="0"/>
               <a:buChar char="•"/>
             </a:pPr>
             <a:r>
@@ -4534,17 +5139,13 @@
               </a:rPr>
               <a:t>Audio effect for rain and wind.</a:t>
             </a:r>
-            <a:endParaRPr lang="en-US" sz="1500" i="0" dirty="0">
-              <a:latin typeface="Calibri" panose="020F0502020204030204" pitchFamily="34" charset="0"/>
-              <a:cs typeface="Calibri" panose="020F0502020204030204" pitchFamily="34" charset="0"/>
-            </a:endParaRPr>
           </a:p>
           <a:p>
             <a:pPr>
               <a:lnSpc>
                 <a:spcPct val="104000"/>
               </a:lnSpc>
-              <a:buFont typeface="Arial" panose="02080604020202020204" pitchFamily="34" charset="0"/>
+              <a:buFont typeface="Arial" panose="020B0604020202020204" pitchFamily="34" charset="0"/>
               <a:buChar char="•"/>
             </a:pPr>
             <a:r>
@@ -4554,17 +5155,13 @@
               </a:rPr>
               <a:t>Main menu to allow user to choose the option they would like to go for. </a:t>
             </a:r>
-            <a:endParaRPr lang="en-US" sz="1500" i="0" dirty="0">
-              <a:latin typeface="Calibri" panose="020F0502020204030204" pitchFamily="34" charset="0"/>
-              <a:cs typeface="Calibri" panose="020F0502020204030204" pitchFamily="34" charset="0"/>
-            </a:endParaRPr>
           </a:p>
           <a:p>
             <a:pPr>
               <a:lnSpc>
                 <a:spcPct val="104000"/>
               </a:lnSpc>
-              <a:buFont typeface="Arial" panose="02080604020202020204" pitchFamily="34" charset="0"/>
+              <a:buFont typeface="Arial" panose="020B0604020202020204" pitchFamily="34" charset="0"/>
               <a:buChar char="•"/>
             </a:pPr>
             <a:r>
@@ -4574,10 +5171,6 @@
               </a:rPr>
               <a:t>Bluetooth control.</a:t>
             </a:r>
-            <a:endParaRPr lang="en-US" sz="1500" i="0" dirty="0">
-              <a:latin typeface="Calibri" panose="020F0502020204030204" pitchFamily="34" charset="0"/>
-              <a:cs typeface="Calibri" panose="020F0502020204030204" pitchFamily="34" charset="0"/>
-            </a:endParaRPr>
           </a:p>
           <a:p>
             <a:pPr marL="0" indent="0">
@@ -4593,20 +5186,16 @@
               </a:rPr>
               <a:t>Weaknesses:</a:t>
             </a:r>
-            <a:endParaRPr lang="en-US" sz="2200" b="1" dirty="0">
-              <a:latin typeface="Calibri Light" panose="020F0302020204030204" pitchFamily="34" charset="0"/>
-              <a:cs typeface="Calibri Light" panose="020F0302020204030204" pitchFamily="34" charset="0"/>
-            </a:endParaRPr>
-          </a:p>
-          <a:p>
-            <a:pPr marL="384175" lvl="1">
+          </a:p>
+          <a:p>
+            <a:pPr marL="384048" lvl="1">
               <a:lnSpc>
                 <a:spcPct val="104000"/>
               </a:lnSpc>
               <a:spcBef>
                 <a:spcPts val="1000"/>
               </a:spcBef>
-              <a:buFont typeface="Arial" panose="02080604020202020204" pitchFamily="34" charset="0"/>
+              <a:buFont typeface="Arial" panose="020B0604020202020204" pitchFamily="34" charset="0"/>
               <a:buChar char="•"/>
             </a:pPr>
             <a:r>
@@ -4616,20 +5205,16 @@
               </a:rPr>
               <a:t>Hanging occurs while the scene is viewed from different angles.</a:t>
             </a:r>
-            <a:endParaRPr lang="en-US" sz="1500" i="0" dirty="0">
-              <a:latin typeface="Calibri" panose="020F0502020204030204" pitchFamily="34" charset="0"/>
-              <a:cs typeface="Calibri" panose="020F0502020204030204" pitchFamily="34" charset="0"/>
-            </a:endParaRPr>
-          </a:p>
-          <a:p>
-            <a:pPr marL="384175" lvl="1">
+          </a:p>
+          <a:p>
+            <a:pPr marL="384048" lvl="1">
               <a:lnSpc>
                 <a:spcPct val="104000"/>
               </a:lnSpc>
               <a:spcBef>
                 <a:spcPts val="1000"/>
               </a:spcBef>
-              <a:buFont typeface="Arial" panose="02080604020202020204" pitchFamily="34" charset="0"/>
+              <a:buFont typeface="Arial" panose="020B0604020202020204" pitchFamily="34" charset="0"/>
               <a:buChar char="•"/>
             </a:pPr>
             <a:r>
@@ -4639,10 +5224,6 @@
               </a:rPr>
               <a:t>The app has no other language support other than Catalan language.</a:t>
             </a:r>
-            <a:endParaRPr lang="en-US" sz="1500" i="0" dirty="0">
-              <a:latin typeface="Calibri" panose="020F0502020204030204" pitchFamily="34" charset="0"/>
-              <a:cs typeface="Calibri" panose="020F0502020204030204" pitchFamily="34" charset="0"/>
-            </a:endParaRPr>
           </a:p>
           <a:p>
             <a:pPr marL="0" indent="0" algn="ctr">
@@ -4659,7 +5240,7 @@
           <p:nvPr/>
         </p:nvPicPr>
         <p:blipFill>
-          <a:blip r:embed="rId1" cstate="print">
+          <a:blip r:embed="rId2" cstate="print">
             <a:extLst>
               <a:ext uri="{28A0092B-C50C-407E-A947-70E740481C1C}">
                 <a14:useLocalDpi xmlns:a14="http://schemas.microsoft.com/office/drawing/2010/main" val="0"/>
@@ -4681,10 +5262,22 @@
         </p:spPr>
       </p:pic>
     </p:spTree>
+    <p:extLst>
+      <p:ext uri="{BB962C8B-B14F-4D97-AF65-F5344CB8AC3E}">
+        <p14:creationId xmlns:p14="http://schemas.microsoft.com/office/powerpoint/2010/main" val="1318654801"/>
+      </p:ext>
+    </p:extLst>
   </p:cSld>
   <p:clrMapOvr>
     <a:masterClrMapping/>
   </p:clrMapOvr>
+  <p:timing>
+    <p:tnLst>
+      <p:par>
+        <p:cTn id="1" dur="indefinite" restart="never" nodeType="tmRoot"/>
+      </p:par>
+    </p:tnLst>
+  </p:timing>
 </p:sld>
 </file>
 
@@ -4724,7 +5317,6 @@
               <a:rPr lang="en-US" dirty="0"/>
               <a:t>Similar Apps</a:t>
             </a:r>
-            <a:endParaRPr lang="en-US" dirty="0"/>
           </a:p>
         </p:txBody>
       </p:sp>
@@ -4764,11 +5356,6 @@
               </a:rPr>
               <a:t>TABI the water cycle</a:t>
             </a:r>
-            <a:endParaRPr lang="en-US" sz="2600" b="1" dirty="0">
-              <a:solidFill>
-                <a:srgbClr val="0070C0"/>
-              </a:solidFill>
-            </a:endParaRPr>
           </a:p>
           <a:p>
             <a:pPr marL="0" indent="0">
@@ -4784,17 +5371,13 @@
               </a:rPr>
               <a:t>Features:</a:t>
             </a:r>
-            <a:endParaRPr lang="en-US" sz="2200" b="1" dirty="0">
-              <a:latin typeface="Calibri Light" panose="020F0302020204030204" pitchFamily="34" charset="0"/>
-              <a:cs typeface="Calibri Light" panose="020F0302020204030204" pitchFamily="34" charset="0"/>
-            </a:endParaRPr>
           </a:p>
           <a:p>
             <a:pPr lvl="0">
               <a:lnSpc>
                 <a:spcPct val="114000"/>
               </a:lnSpc>
-              <a:buFont typeface="Arial" panose="02080604020202020204" pitchFamily="34" charset="0"/>
+              <a:buFont typeface="Arial" panose="020B0604020202020204" pitchFamily="34" charset="0"/>
               <a:buChar char="•"/>
             </a:pPr>
             <a:r>
@@ -4804,17 +5387,13 @@
               </a:rPr>
               <a:t>User plays a game to create evaporation, condensation and precipitation.</a:t>
             </a:r>
-            <a:endParaRPr lang="en-US" sz="1600" dirty="0">
-              <a:latin typeface="Calibri" panose="020F0502020204030204" pitchFamily="34" charset="0"/>
-              <a:cs typeface="Calibri" panose="020F0502020204030204" pitchFamily="34" charset="0"/>
-            </a:endParaRPr>
           </a:p>
           <a:p>
             <a:pPr lvl="0">
               <a:lnSpc>
                 <a:spcPct val="114000"/>
               </a:lnSpc>
-              <a:buFont typeface="Arial" panose="02080604020202020204" pitchFamily="34" charset="0"/>
+              <a:buFont typeface="Arial" panose="020B0604020202020204" pitchFamily="34" charset="0"/>
               <a:buChar char="•"/>
             </a:pPr>
             <a:r>
@@ -4824,10 +5403,6 @@
               </a:rPr>
               <a:t>Text shown at the beginning to guide the user to play the game.</a:t>
             </a:r>
-            <a:endParaRPr lang="en-US" sz="1600" dirty="0">
-              <a:latin typeface="Calibri" panose="020F0502020204030204" pitchFamily="34" charset="0"/>
-              <a:cs typeface="Calibri" panose="020F0502020204030204" pitchFamily="34" charset="0"/>
-            </a:endParaRPr>
           </a:p>
           <a:p>
             <a:pPr marL="0" indent="0">
@@ -4843,17 +5418,13 @@
               </a:rPr>
               <a:t>Weaknesses:</a:t>
             </a:r>
-            <a:endParaRPr lang="en-US" sz="2400" b="1" dirty="0">
-              <a:latin typeface="Calibri Light" panose="020F0302020204030204" pitchFamily="34" charset="0"/>
-              <a:cs typeface="Calibri Light" panose="020F0302020204030204" pitchFamily="34" charset="0"/>
-            </a:endParaRPr>
           </a:p>
           <a:p>
             <a:pPr lvl="0">
               <a:lnSpc>
                 <a:spcPct val="114000"/>
               </a:lnSpc>
-              <a:buFont typeface="Arial" panose="02080604020202020204" pitchFamily="34" charset="0"/>
+              <a:buFont typeface="Arial" panose="020B0604020202020204" pitchFamily="34" charset="0"/>
               <a:buChar char="•"/>
             </a:pPr>
             <a:r>
@@ -4863,17 +5434,13 @@
               </a:rPr>
               <a:t>Not a VR app.</a:t>
             </a:r>
-            <a:endParaRPr lang="en-US" sz="1600" dirty="0">
-              <a:latin typeface="Calibri" panose="020F0502020204030204" pitchFamily="34" charset="0"/>
-              <a:cs typeface="Calibri" panose="020F0502020204030204" pitchFamily="34" charset="0"/>
-            </a:endParaRPr>
           </a:p>
           <a:p>
             <a:pPr lvl="0">
               <a:lnSpc>
                 <a:spcPct val="114000"/>
               </a:lnSpc>
-              <a:buFont typeface="Arial" panose="02080604020202020204" pitchFamily="34" charset="0"/>
+              <a:buFont typeface="Arial" panose="020B0604020202020204" pitchFamily="34" charset="0"/>
               <a:buChar char="•"/>
             </a:pPr>
             <a:r>
@@ -4883,17 +5450,13 @@
               </a:rPr>
               <a:t>Not complete water cycle.</a:t>
             </a:r>
-            <a:endParaRPr lang="en-US" sz="1600" dirty="0">
-              <a:latin typeface="Calibri" panose="020F0502020204030204" pitchFamily="34" charset="0"/>
-              <a:cs typeface="Calibri" panose="020F0502020204030204" pitchFamily="34" charset="0"/>
-            </a:endParaRPr>
           </a:p>
           <a:p>
             <a:pPr lvl="0">
               <a:lnSpc>
                 <a:spcPct val="114000"/>
               </a:lnSpc>
-              <a:buFont typeface="Arial" panose="02080604020202020204" pitchFamily="34" charset="0"/>
+              <a:buFont typeface="Arial" panose="020B0604020202020204" pitchFamily="34" charset="0"/>
               <a:buChar char="•"/>
             </a:pPr>
             <a:r>
@@ -4903,10 +5466,6 @@
               </a:rPr>
               <a:t>Lack of phase transformations.</a:t>
             </a:r>
-            <a:endParaRPr lang="en-US" sz="1600" dirty="0">
-              <a:latin typeface="Calibri" panose="020F0502020204030204" pitchFamily="34" charset="0"/>
-              <a:cs typeface="Calibri" panose="020F0502020204030204" pitchFamily="34" charset="0"/>
-            </a:endParaRPr>
           </a:p>
           <a:p>
             <a:pPr marL="0" indent="0">
@@ -4916,7 +5475,6 @@
               <a:rPr lang="en-US" dirty="0"/>
               <a:t> </a:t>
             </a:r>
-            <a:endParaRPr lang="en-US" dirty="0"/>
           </a:p>
         </p:txBody>
       </p:sp>
@@ -4927,7 +5485,7 @@
           <p:nvPr/>
         </p:nvPicPr>
         <p:blipFill rotWithShape="1">
-          <a:blip r:embed="rId1" cstate="print">
+          <a:blip r:embed="rId2" cstate="print">
             <a:extLst>
               <a:ext uri="{28A0092B-C50C-407E-A947-70E740481C1C}">
                 <a14:useLocalDpi xmlns:a14="http://schemas.microsoft.com/office/drawing/2010/main" val="0"/>
@@ -4935,9 +5493,7 @@
             </a:extLst>
           </a:blip>
           <a:srcRect l="22564" t="54929" r="40769" b="8148"/>
-          <a:stretch>
-            <a:fillRect/>
-          </a:stretch>
+          <a:stretch/>
         </p:blipFill>
         <p:spPr bwMode="auto">
           <a:xfrm>
@@ -4950,13 +5506,30 @@
           <a:ln>
             <a:noFill/>
           </a:ln>
+          <a:extLst>
+            <a:ext uri="{53640926-AAD7-44D8-BBD7-CCE9431645EC}">
+              <a14:shadowObscured xmlns:a14="http://schemas.microsoft.com/office/drawing/2010/main"/>
+            </a:ext>
+          </a:extLst>
         </p:spPr>
       </p:pic>
     </p:spTree>
+    <p:extLst>
+      <p:ext uri="{BB962C8B-B14F-4D97-AF65-F5344CB8AC3E}">
+        <p14:creationId xmlns:p14="http://schemas.microsoft.com/office/powerpoint/2010/main" val="3060472043"/>
+      </p:ext>
+    </p:extLst>
   </p:cSld>
   <p:clrMapOvr>
     <a:masterClrMapping/>
   </p:clrMapOvr>
+  <p:timing>
+    <p:tnLst>
+      <p:par>
+        <p:cTn id="1" dur="indefinite" restart="never" nodeType="tmRoot"/>
+      </p:par>
+    </p:tnLst>
+  </p:timing>
 </p:sld>
 </file>
 
@@ -5001,7 +5574,6 @@
               <a:rPr lang="en-US" dirty="0"/>
               <a:t>Similar Apps</a:t>
             </a:r>
-            <a:endParaRPr lang="en-US" dirty="0"/>
           </a:p>
         </p:txBody>
       </p:sp>
@@ -5049,11 +5621,6 @@
               </a:rPr>
               <a:t>Water Cycle)</a:t>
             </a:r>
-            <a:endParaRPr lang="en-US" sz="5100" b="1" dirty="0">
-              <a:solidFill>
-                <a:srgbClr val="0070C0"/>
-              </a:solidFill>
-            </a:endParaRPr>
           </a:p>
           <a:p>
             <a:pPr marL="0" indent="0">
@@ -5069,14 +5636,10 @@
               </a:rPr>
               <a:t>Features:</a:t>
             </a:r>
-            <a:endParaRPr lang="en-US" sz="3600" b="1" dirty="0">
-              <a:latin typeface="Calibri Light" panose="020F0302020204030204" pitchFamily="34" charset="0"/>
-              <a:cs typeface="Calibri Light" panose="020F0302020204030204" pitchFamily="34" charset="0"/>
-            </a:endParaRPr>
           </a:p>
           <a:p>
             <a:pPr lvl="0">
-              <a:buFont typeface="Arial" panose="02080604020202020204" pitchFamily="34" charset="0"/>
+              <a:buFont typeface="Arial" panose="020B0604020202020204" pitchFamily="34" charset="0"/>
               <a:buChar char="•"/>
             </a:pPr>
             <a:r>
@@ -5086,14 +5649,10 @@
               </a:rPr>
               <a:t>Main menu to allow user to choose where they want to go.</a:t>
             </a:r>
-            <a:endParaRPr lang="en-US" sz="2700" dirty="0">
-              <a:latin typeface="Calibri" panose="020F0502020204030204" pitchFamily="34" charset="0"/>
-              <a:cs typeface="Calibri" panose="020F0502020204030204" pitchFamily="34" charset="0"/>
-            </a:endParaRPr>
           </a:p>
           <a:p>
             <a:pPr lvl="0">
-              <a:buFont typeface="Arial" panose="02080604020202020204" pitchFamily="34" charset="0"/>
+              <a:buFont typeface="Arial" panose="020B0604020202020204" pitchFamily="34" charset="0"/>
               <a:buChar char="•"/>
             </a:pPr>
             <a:r>
@@ -5103,14 +5662,10 @@
               </a:rPr>
               <a:t>Lessons about water cycle explaining the phases.</a:t>
             </a:r>
-            <a:endParaRPr lang="en-US" sz="2700" dirty="0">
-              <a:latin typeface="Calibri" panose="020F0502020204030204" pitchFamily="34" charset="0"/>
-              <a:cs typeface="Calibri" panose="020F0502020204030204" pitchFamily="34" charset="0"/>
-            </a:endParaRPr>
           </a:p>
           <a:p>
             <a:pPr lvl="0">
-              <a:buFont typeface="Arial" panose="02080604020202020204" pitchFamily="34" charset="0"/>
+              <a:buFont typeface="Arial" panose="020B0604020202020204" pitchFamily="34" charset="0"/>
               <a:buChar char="•"/>
             </a:pPr>
             <a:r>
@@ -5120,14 +5675,10 @@
               </a:rPr>
               <a:t>Game to educate user more about water and to allow them to understand it more.</a:t>
             </a:r>
-            <a:endParaRPr lang="en-US" sz="2700" dirty="0">
-              <a:latin typeface="Calibri" panose="020F0502020204030204" pitchFamily="34" charset="0"/>
-              <a:cs typeface="Calibri" panose="020F0502020204030204" pitchFamily="34" charset="0"/>
-            </a:endParaRPr>
           </a:p>
           <a:p>
             <a:pPr lvl="0">
-              <a:buFont typeface="Arial" panose="02080604020202020204" pitchFamily="34" charset="0"/>
+              <a:buFont typeface="Arial" panose="020B0604020202020204" pitchFamily="34" charset="0"/>
               <a:buChar char="•"/>
             </a:pPr>
             <a:r>
@@ -5137,10 +5688,6 @@
               </a:rPr>
               <a:t>Audio speech to engage then user more in the app and explain each step clearly.</a:t>
             </a:r>
-            <a:endParaRPr lang="en-US" sz="2700" dirty="0">
-              <a:latin typeface="Calibri" panose="020F0502020204030204" pitchFamily="34" charset="0"/>
-              <a:cs typeface="Calibri" panose="020F0502020204030204" pitchFamily="34" charset="0"/>
-            </a:endParaRPr>
           </a:p>
           <a:p>
             <a:pPr marL="0" indent="0">
@@ -5156,14 +5703,10 @@
               </a:rPr>
               <a:t>Weaknesses:</a:t>
             </a:r>
-            <a:endParaRPr lang="en-US" sz="3600" b="1" dirty="0">
-              <a:latin typeface="Calibri Light" panose="020F0302020204030204" pitchFamily="34" charset="0"/>
-              <a:cs typeface="Calibri Light" panose="020F0302020204030204" pitchFamily="34" charset="0"/>
-            </a:endParaRPr>
           </a:p>
           <a:p>
             <a:pPr lvl="0">
-              <a:buFont typeface="Arial" panose="02080604020202020204" pitchFamily="34" charset="0"/>
+              <a:buFont typeface="Arial" panose="020B0604020202020204" pitchFamily="34" charset="0"/>
               <a:buChar char="•"/>
             </a:pPr>
             <a:r>
@@ -5173,14 +5716,10 @@
               </a:rPr>
               <a:t>No language support other than Thai language.</a:t>
             </a:r>
-            <a:endParaRPr lang="en-US" sz="2700" dirty="0">
-              <a:latin typeface="Calibri" panose="020F0502020204030204" pitchFamily="34" charset="0"/>
-              <a:cs typeface="Calibri" panose="020F0502020204030204" pitchFamily="34" charset="0"/>
-            </a:endParaRPr>
           </a:p>
           <a:p>
             <a:pPr lvl="0">
-              <a:buFont typeface="Arial" panose="02080604020202020204" pitchFamily="34" charset="0"/>
+              <a:buFont typeface="Arial" panose="020B0604020202020204" pitchFamily="34" charset="0"/>
               <a:buChar char="•"/>
             </a:pPr>
             <a:r>
@@ -5190,14 +5729,10 @@
               </a:rPr>
               <a:t>Not a VR app.</a:t>
             </a:r>
-            <a:endParaRPr lang="en-US" sz="2700" dirty="0">
-              <a:latin typeface="Calibri" panose="020F0502020204030204" pitchFamily="34" charset="0"/>
-              <a:cs typeface="Calibri" panose="020F0502020204030204" pitchFamily="34" charset="0"/>
-            </a:endParaRPr>
           </a:p>
           <a:p>
             <a:pPr lvl="0">
-              <a:buFont typeface="Arial" panose="02080604020202020204" pitchFamily="34" charset="0"/>
+              <a:buFont typeface="Arial" panose="020B0604020202020204" pitchFamily="34" charset="0"/>
               <a:buChar char="•"/>
             </a:pPr>
             <a:r>
@@ -5207,10 +5742,6 @@
               </a:rPr>
               <a:t>All phases are not shown continually to explain the transformation between them.</a:t>
             </a:r>
-            <a:endParaRPr lang="en-US" sz="2700" dirty="0">
-              <a:latin typeface="Calibri" panose="020F0502020204030204" pitchFamily="34" charset="0"/>
-              <a:cs typeface="Calibri" panose="020F0502020204030204" pitchFamily="34" charset="0"/>
-            </a:endParaRPr>
           </a:p>
           <a:p>
             <a:pPr marL="0" indent="0">
@@ -5227,11 +5758,6 @@
               </a:rPr>
               <a:t> </a:t>
             </a:r>
-            <a:endParaRPr lang="en-US" sz="2600" b="1" dirty="0">
-              <a:solidFill>
-                <a:srgbClr val="0070C0"/>
-              </a:solidFill>
-            </a:endParaRPr>
           </a:p>
         </p:txBody>
       </p:sp>
@@ -5242,7 +5768,7 @@
           <p:nvPr/>
         </p:nvPicPr>
         <p:blipFill rotWithShape="1">
-          <a:blip r:embed="rId1" cstate="print">
+          <a:blip r:embed="rId2" cstate="print">
             <a:extLst>
               <a:ext uri="{28A0092B-C50C-407E-A947-70E740481C1C}">
                 <a14:useLocalDpi xmlns:a14="http://schemas.microsoft.com/office/drawing/2010/main" val="0"/>
@@ -5250,9 +5776,7 @@
             </a:extLst>
           </a:blip>
           <a:srcRect t="34537" r="576" b="34167"/>
-          <a:stretch>
-            <a:fillRect/>
-          </a:stretch>
+          <a:stretch/>
         </p:blipFill>
         <p:spPr bwMode="auto">
           <a:xfrm>
@@ -5265,13 +5789,30 @@
           <a:ln>
             <a:noFill/>
           </a:ln>
+          <a:extLst>
+            <a:ext uri="{53640926-AAD7-44D8-BBD7-CCE9431645EC}">
+              <a14:shadowObscured xmlns:a14="http://schemas.microsoft.com/office/drawing/2010/main"/>
+            </a:ext>
+          </a:extLst>
         </p:spPr>
       </p:pic>
     </p:spTree>
+    <p:extLst>
+      <p:ext uri="{BB962C8B-B14F-4D97-AF65-F5344CB8AC3E}">
+        <p14:creationId xmlns:p14="http://schemas.microsoft.com/office/powerpoint/2010/main" val="3359917152"/>
+      </p:ext>
+    </p:extLst>
   </p:cSld>
   <p:clrMapOvr>
     <a:masterClrMapping/>
   </p:clrMapOvr>
+  <p:timing>
+    <p:tnLst>
+      <p:par>
+        <p:cTn id="1" dur="indefinite" restart="never" nodeType="tmRoot"/>
+      </p:par>
+    </p:tnLst>
+  </p:timing>
 </p:sld>
 </file>
 
@@ -5294,7 +5835,13 @@
       </p:grpSpPr>
       <p:sp>
         <p:nvSpPr>
-          <p:cNvPr id="2" name="Title 1"/>
+          <p:cNvPr id="2" name="Title 1">
+            <a:extLst>
+              <a:ext uri="{FF2B5EF4-FFF2-40B4-BE49-F238E27FC236}">
+                <a16:creationId xmlns:a16="http://schemas.microsoft.com/office/drawing/2014/main" xmlns="" id="{0B9848FB-072D-4F76-B987-E07018C544D7}"/>
+              </a:ext>
+            </a:extLst>
+          </p:cNvPr>
           <p:cNvSpPr>
             <a:spLocks noGrp="1"/>
           </p:cNvSpPr>
@@ -5311,7 +5858,6 @@
               <a:rPr lang="en-US" dirty="0"/>
               <a:t>Comparison Table</a:t>
             </a:r>
-            <a:endParaRPr lang="en-US" dirty="0"/>
           </a:p>
         </p:txBody>
       </p:sp>
@@ -5323,6 +5869,11 @@
           </p:cNvGraphicFramePr>
           <p:nvPr>
             <p:ph idx="1"/>
+            <p:extLst>
+              <p:ext uri="{D42A27DB-BD31-4B8C-83A1-F6EECF244321}">
+                <p14:modId xmlns:p14="http://schemas.microsoft.com/office/powerpoint/2010/main" val="1261164639"/>
+              </p:ext>
+            </p:extLst>
           </p:nvPr>
         </p:nvGraphicFramePr>
         <p:xfrm>
@@ -5336,12 +5887,48 @@
                 <a:tableStyleId>{69CF1AB2-1976-4502-BF36-3FF5EA218861}</a:tableStyleId>
               </a:tblPr>
               <a:tblGrid>
-                <a:gridCol w="2697430"/>
-                <a:gridCol w="1398667"/>
-                <a:gridCol w="1257690"/>
-                <a:gridCol w="1140025"/>
-                <a:gridCol w="1298763"/>
-                <a:gridCol w="2492070"/>
+                <a:gridCol w="2697430">
+                  <a:extLst>
+                    <a:ext uri="{9D8B030D-6E8A-4147-A177-3AD203B41FA5}">
+                      <a16:colId xmlns:a16="http://schemas.microsoft.com/office/drawing/2014/main" xmlns="" val="20000"/>
+                    </a:ext>
+                  </a:extLst>
+                </a:gridCol>
+                <a:gridCol w="1398667">
+                  <a:extLst>
+                    <a:ext uri="{9D8B030D-6E8A-4147-A177-3AD203B41FA5}">
+                      <a16:colId xmlns:a16="http://schemas.microsoft.com/office/drawing/2014/main" xmlns="" val="20001"/>
+                    </a:ext>
+                  </a:extLst>
+                </a:gridCol>
+                <a:gridCol w="1257690">
+                  <a:extLst>
+                    <a:ext uri="{9D8B030D-6E8A-4147-A177-3AD203B41FA5}">
+                      <a16:colId xmlns:a16="http://schemas.microsoft.com/office/drawing/2014/main" xmlns="" val="20002"/>
+                    </a:ext>
+                  </a:extLst>
+                </a:gridCol>
+                <a:gridCol w="1140025">
+                  <a:extLst>
+                    <a:ext uri="{9D8B030D-6E8A-4147-A177-3AD203B41FA5}">
+                      <a16:colId xmlns:a16="http://schemas.microsoft.com/office/drawing/2014/main" xmlns="" val="20003"/>
+                    </a:ext>
+                  </a:extLst>
+                </a:gridCol>
+                <a:gridCol w="1298763">
+                  <a:extLst>
+                    <a:ext uri="{9D8B030D-6E8A-4147-A177-3AD203B41FA5}">
+                      <a16:colId xmlns:a16="http://schemas.microsoft.com/office/drawing/2014/main" xmlns="" val="20004"/>
+                    </a:ext>
+                  </a:extLst>
+                </a:gridCol>
+                <a:gridCol w="2492070">
+                  <a:extLst>
+                    <a:ext uri="{9D8B030D-6E8A-4147-A177-3AD203B41FA5}">
+                      <a16:colId xmlns:a16="http://schemas.microsoft.com/office/drawing/2014/main" xmlns="" val="20005"/>
+                    </a:ext>
+                  </a:extLst>
+                </a:gridCol>
               </a:tblGrid>
               <a:tr h="1426318">
                 <a:tc>
@@ -5370,7 +5957,7 @@
                         <a:effectLst/>
                         <a:latin typeface="Calibri" panose="020F0502020204030204" pitchFamily="34" charset="0"/>
                         <a:ea typeface="Calibri" panose="020F0502020204030204" pitchFamily="34" charset="0"/>
-                        <a:cs typeface="Arial" panose="02080604020202020204" pitchFamily="34" charset="0"/>
+                        <a:cs typeface="Arial" panose="020B0604020202020204" pitchFamily="34" charset="0"/>
                       </a:endParaRPr>
                     </a:p>
                   </a:txBody>
@@ -5492,9 +6079,6 @@
                         </a:rPr>
                         <a:t>TABI the water cycle</a:t>
                       </a:r>
-                      <a:endParaRPr lang="en-US" sz="1400" kern="1200" dirty="0">
-                        <a:effectLst/>
-                      </a:endParaRPr>
                     </a:p>
                     <a:p>
                       <a:pPr marL="0" marR="0" algn="ctr" defTabSz="914400" rtl="0" eaLnBrk="1" latinLnBrk="0" hangingPunct="1">
@@ -5603,6 +6187,11 @@
                   </a:txBody>
                   <a:tcPr marL="68580" marR="68580" marT="0" marB="0" anchor="ctr"/>
                 </a:tc>
+                <a:extLst>
+                  <a:ext uri="{0D108BD9-81ED-4DB2-BD59-A6C34878D82A}">
+                    <a16:rowId xmlns:a16="http://schemas.microsoft.com/office/drawing/2014/main" xmlns="" val="10000"/>
+                  </a:ext>
+                </a:extLst>
               </a:tr>
               <a:tr h="315522">
                 <a:tc>
@@ -5631,7 +6220,7 @@
                         <a:effectLst/>
                         <a:latin typeface="Calibri" panose="020F0502020204030204" pitchFamily="34" charset="0"/>
                         <a:ea typeface="Calibri" panose="020F0502020204030204" pitchFamily="34" charset="0"/>
-                        <a:cs typeface="Arial" panose="02080604020202020204" pitchFamily="34" charset="0"/>
+                        <a:cs typeface="Arial" panose="020B0604020202020204" pitchFamily="34" charset="0"/>
                       </a:endParaRPr>
                     </a:p>
                   </a:txBody>
@@ -5664,7 +6253,7 @@
                         <a:effectLst/>
                         <a:latin typeface="Calibri" panose="020F0502020204030204" pitchFamily="34" charset="0"/>
                         <a:ea typeface="Calibri" panose="020F0502020204030204" pitchFamily="34" charset="0"/>
-                        <a:cs typeface="Arial" panose="02080604020202020204" pitchFamily="34" charset="0"/>
+                        <a:cs typeface="Arial" panose="020B0604020202020204" pitchFamily="34" charset="0"/>
                       </a:endParaRPr>
                     </a:p>
                   </a:txBody>
@@ -5697,7 +6286,7 @@
                         <a:effectLst/>
                         <a:latin typeface="Calibri" panose="020F0502020204030204" pitchFamily="34" charset="0"/>
                         <a:ea typeface="Calibri" panose="020F0502020204030204" pitchFamily="34" charset="0"/>
-                        <a:cs typeface="Arial" panose="02080604020202020204" pitchFamily="34" charset="0"/>
+                        <a:cs typeface="Arial" panose="020B0604020202020204" pitchFamily="34" charset="0"/>
                       </a:endParaRPr>
                     </a:p>
                   </a:txBody>
@@ -5729,7 +6318,7 @@
                         <a:effectLst/>
                         <a:latin typeface="Calibri" panose="020F0502020204030204" pitchFamily="34" charset="0"/>
                         <a:ea typeface="Calibri" panose="020F0502020204030204" pitchFamily="34" charset="0"/>
-                        <a:cs typeface="Arial" panose="02080604020202020204" pitchFamily="34" charset="0"/>
+                        <a:cs typeface="Arial" panose="020B0604020202020204" pitchFamily="34" charset="0"/>
                       </a:endParaRPr>
                     </a:p>
                   </a:txBody>
@@ -5761,7 +6350,7 @@
                         <a:effectLst/>
                         <a:latin typeface="Calibri" panose="020F0502020204030204" pitchFamily="34" charset="0"/>
                         <a:ea typeface="Calibri" panose="020F0502020204030204" pitchFamily="34" charset="0"/>
-                        <a:cs typeface="Arial" panose="02080604020202020204" pitchFamily="34" charset="0"/>
+                        <a:cs typeface="Arial" panose="020B0604020202020204" pitchFamily="34" charset="0"/>
                       </a:endParaRPr>
                     </a:p>
                   </a:txBody>
@@ -5794,12 +6383,17 @@
                         <a:effectLst/>
                         <a:latin typeface="Calibri" panose="020F0502020204030204" pitchFamily="34" charset="0"/>
                         <a:ea typeface="Calibri" panose="020F0502020204030204" pitchFamily="34" charset="0"/>
-                        <a:cs typeface="Arial" panose="02080604020202020204" pitchFamily="34" charset="0"/>
+                        <a:cs typeface="Arial" panose="020B0604020202020204" pitchFamily="34" charset="0"/>
                       </a:endParaRPr>
                     </a:p>
                   </a:txBody>
                   <a:tcPr marL="68580" marR="68580" marT="0" marB="0" anchor="ctr"/>
                 </a:tc>
+                <a:extLst>
+                  <a:ext uri="{0D108BD9-81ED-4DB2-BD59-A6C34878D82A}">
+                    <a16:rowId xmlns:a16="http://schemas.microsoft.com/office/drawing/2014/main" xmlns="" val="10001"/>
+                  </a:ext>
+                </a:extLst>
               </a:tr>
               <a:tr h="647622">
                 <a:tc>
@@ -5828,7 +6422,7 @@
                         <a:effectLst/>
                         <a:latin typeface="Calibri" panose="020F0502020204030204" pitchFamily="34" charset="0"/>
                         <a:ea typeface="Calibri" panose="020F0502020204030204" pitchFamily="34" charset="0"/>
-                        <a:cs typeface="Arial" panose="02080604020202020204" pitchFamily="34" charset="0"/>
+                        <a:cs typeface="Arial" panose="020B0604020202020204" pitchFamily="34" charset="0"/>
                       </a:endParaRPr>
                     </a:p>
                   </a:txBody>
@@ -5861,7 +6455,7 @@
                         <a:effectLst/>
                         <a:latin typeface="Calibri" panose="020F0502020204030204" pitchFamily="34" charset="0"/>
                         <a:ea typeface="Calibri" panose="020F0502020204030204" pitchFamily="34" charset="0"/>
-                        <a:cs typeface="Arial" panose="02080604020202020204" pitchFamily="34" charset="0"/>
+                        <a:cs typeface="Arial" panose="020B0604020202020204" pitchFamily="34" charset="0"/>
                       </a:endParaRPr>
                     </a:p>
                   </a:txBody>
@@ -5894,7 +6488,7 @@
                         <a:effectLst/>
                         <a:latin typeface="Calibri" panose="020F0502020204030204" pitchFamily="34" charset="0"/>
                         <a:ea typeface="Calibri" panose="020F0502020204030204" pitchFamily="34" charset="0"/>
-                        <a:cs typeface="Arial" panose="02080604020202020204" pitchFamily="34" charset="0"/>
+                        <a:cs typeface="Arial" panose="020B0604020202020204" pitchFamily="34" charset="0"/>
                       </a:endParaRPr>
                     </a:p>
                   </a:txBody>
@@ -5926,7 +6520,7 @@
                         <a:effectLst/>
                         <a:latin typeface="Calibri" panose="020F0502020204030204" pitchFamily="34" charset="0"/>
                         <a:ea typeface="Calibri" panose="020F0502020204030204" pitchFamily="34" charset="0"/>
-                        <a:cs typeface="Arial" panose="02080604020202020204" pitchFamily="34" charset="0"/>
+                        <a:cs typeface="Arial" panose="020B0604020202020204" pitchFamily="34" charset="0"/>
                       </a:endParaRPr>
                     </a:p>
                   </a:txBody>
@@ -5958,7 +6552,7 @@
                         <a:effectLst/>
                         <a:latin typeface="Calibri" panose="020F0502020204030204" pitchFamily="34" charset="0"/>
                         <a:ea typeface="Calibri" panose="020F0502020204030204" pitchFamily="34" charset="0"/>
-                        <a:cs typeface="Arial" panose="02080604020202020204" pitchFamily="34" charset="0"/>
+                        <a:cs typeface="Arial" panose="020B0604020202020204" pitchFamily="34" charset="0"/>
                       </a:endParaRPr>
                     </a:p>
                   </a:txBody>
@@ -5991,12 +6585,17 @@
                         <a:effectLst/>
                         <a:latin typeface="Calibri" panose="020F0502020204030204" pitchFamily="34" charset="0"/>
                         <a:ea typeface="Calibri" panose="020F0502020204030204" pitchFamily="34" charset="0"/>
-                        <a:cs typeface="Arial" panose="02080604020202020204" pitchFamily="34" charset="0"/>
+                        <a:cs typeface="Arial" panose="020B0604020202020204" pitchFamily="34" charset="0"/>
                       </a:endParaRPr>
                     </a:p>
                   </a:txBody>
                   <a:tcPr marL="68580" marR="68580" marT="0" marB="0" anchor="ctr"/>
                 </a:tc>
+                <a:extLst>
+                  <a:ext uri="{0D108BD9-81ED-4DB2-BD59-A6C34878D82A}">
+                    <a16:rowId xmlns:a16="http://schemas.microsoft.com/office/drawing/2014/main" xmlns="" val="10002"/>
+                  </a:ext>
+                </a:extLst>
               </a:tr>
               <a:tr h="315522">
                 <a:tc>
@@ -6025,7 +6624,7 @@
                         <a:effectLst/>
                         <a:latin typeface="Calibri" panose="020F0502020204030204" pitchFamily="34" charset="0"/>
                         <a:ea typeface="Calibri" panose="020F0502020204030204" pitchFamily="34" charset="0"/>
-                        <a:cs typeface="Arial" panose="02080604020202020204" pitchFamily="34" charset="0"/>
+                        <a:cs typeface="Arial" panose="020B0604020202020204" pitchFamily="34" charset="0"/>
                       </a:endParaRPr>
                     </a:p>
                   </a:txBody>
@@ -6057,7 +6656,7 @@
                         <a:effectLst/>
                         <a:latin typeface="Calibri" panose="020F0502020204030204" pitchFamily="34" charset="0"/>
                         <a:ea typeface="Calibri" panose="020F0502020204030204" pitchFamily="34" charset="0"/>
-                        <a:cs typeface="Arial" panose="02080604020202020204" pitchFamily="34" charset="0"/>
+                        <a:cs typeface="Arial" panose="020B0604020202020204" pitchFamily="34" charset="0"/>
                       </a:endParaRPr>
                     </a:p>
                   </a:txBody>
@@ -6090,7 +6689,7 @@
                         <a:effectLst/>
                         <a:latin typeface="Calibri" panose="020F0502020204030204" pitchFamily="34" charset="0"/>
                         <a:ea typeface="Calibri" panose="020F0502020204030204" pitchFamily="34" charset="0"/>
-                        <a:cs typeface="Arial" panose="02080604020202020204" pitchFamily="34" charset="0"/>
+                        <a:cs typeface="Arial" panose="020B0604020202020204" pitchFamily="34" charset="0"/>
                       </a:endParaRPr>
                     </a:p>
                   </a:txBody>
@@ -6123,7 +6722,7 @@
                         <a:effectLst/>
                         <a:latin typeface="Calibri" panose="020F0502020204030204" pitchFamily="34" charset="0"/>
                         <a:ea typeface="Calibri" panose="020F0502020204030204" pitchFamily="34" charset="0"/>
-                        <a:cs typeface="Arial" panose="02080604020202020204" pitchFamily="34" charset="0"/>
+                        <a:cs typeface="Arial" panose="020B0604020202020204" pitchFamily="34" charset="0"/>
                       </a:endParaRPr>
                     </a:p>
                   </a:txBody>
@@ -6156,7 +6755,7 @@
                         <a:effectLst/>
                         <a:latin typeface="Calibri" panose="020F0502020204030204" pitchFamily="34" charset="0"/>
                         <a:ea typeface="Calibri" panose="020F0502020204030204" pitchFamily="34" charset="0"/>
-                        <a:cs typeface="Arial" panose="02080604020202020204" pitchFamily="34" charset="0"/>
+                        <a:cs typeface="Arial" panose="020B0604020202020204" pitchFamily="34" charset="0"/>
                       </a:endParaRPr>
                     </a:p>
                   </a:txBody>
@@ -6189,12 +6788,17 @@
                         <a:effectLst/>
                         <a:latin typeface="Calibri" panose="020F0502020204030204" pitchFamily="34" charset="0"/>
                         <a:ea typeface="Calibri" panose="020F0502020204030204" pitchFamily="34" charset="0"/>
-                        <a:cs typeface="Arial" panose="02080604020202020204" pitchFamily="34" charset="0"/>
+                        <a:cs typeface="Arial" panose="020B0604020202020204" pitchFamily="34" charset="0"/>
                       </a:endParaRPr>
                     </a:p>
                   </a:txBody>
                   <a:tcPr marL="68580" marR="68580" marT="0" marB="0" anchor="ctr"/>
                 </a:tc>
+                <a:extLst>
+                  <a:ext uri="{0D108BD9-81ED-4DB2-BD59-A6C34878D82A}">
+                    <a16:rowId xmlns:a16="http://schemas.microsoft.com/office/drawing/2014/main" xmlns="" val="10003"/>
+                  </a:ext>
+                </a:extLst>
               </a:tr>
               <a:tr h="315522">
                 <a:tc>
@@ -6223,7 +6827,7 @@
                         <a:effectLst/>
                         <a:latin typeface="Calibri" panose="020F0502020204030204" pitchFamily="34" charset="0"/>
                         <a:ea typeface="Calibri" panose="020F0502020204030204" pitchFamily="34" charset="0"/>
-                        <a:cs typeface="Arial" panose="02080604020202020204" pitchFamily="34" charset="0"/>
+                        <a:cs typeface="Arial" panose="020B0604020202020204" pitchFamily="34" charset="0"/>
                       </a:endParaRPr>
                     </a:p>
                   </a:txBody>
@@ -6256,7 +6860,7 @@
                         <a:effectLst/>
                         <a:latin typeface="Calibri" panose="020F0502020204030204" pitchFamily="34" charset="0"/>
                         <a:ea typeface="Calibri" panose="020F0502020204030204" pitchFamily="34" charset="0"/>
-                        <a:cs typeface="Arial" panose="02080604020202020204" pitchFamily="34" charset="0"/>
+                        <a:cs typeface="Arial" panose="020B0604020202020204" pitchFamily="34" charset="0"/>
                       </a:endParaRPr>
                     </a:p>
                   </a:txBody>
@@ -6288,7 +6892,7 @@
                         <a:effectLst/>
                         <a:latin typeface="Calibri" panose="020F0502020204030204" pitchFamily="34" charset="0"/>
                         <a:ea typeface="Calibri" panose="020F0502020204030204" pitchFamily="34" charset="0"/>
-                        <a:cs typeface="Arial" panose="02080604020202020204" pitchFamily="34" charset="0"/>
+                        <a:cs typeface="Arial" panose="020B0604020202020204" pitchFamily="34" charset="0"/>
                       </a:endParaRPr>
                     </a:p>
                   </a:txBody>
@@ -6321,7 +6925,7 @@
                         <a:effectLst/>
                         <a:latin typeface="Calibri" panose="020F0502020204030204" pitchFamily="34" charset="0"/>
                         <a:ea typeface="Calibri" panose="020F0502020204030204" pitchFamily="34" charset="0"/>
-                        <a:cs typeface="Arial" panose="02080604020202020204" pitchFamily="34" charset="0"/>
+                        <a:cs typeface="Arial" panose="020B0604020202020204" pitchFamily="34" charset="0"/>
                       </a:endParaRPr>
                     </a:p>
                   </a:txBody>
@@ -6354,7 +6958,7 @@
                         <a:effectLst/>
                         <a:latin typeface="Calibri" panose="020F0502020204030204" pitchFamily="34" charset="0"/>
                         <a:ea typeface="Calibri" panose="020F0502020204030204" pitchFamily="34" charset="0"/>
-                        <a:cs typeface="Arial" panose="02080604020202020204" pitchFamily="34" charset="0"/>
+                        <a:cs typeface="Arial" panose="020B0604020202020204" pitchFamily="34" charset="0"/>
                       </a:endParaRPr>
                     </a:p>
                   </a:txBody>
@@ -6387,12 +6991,17 @@
                         <a:effectLst/>
                         <a:latin typeface="Calibri" panose="020F0502020204030204" pitchFamily="34" charset="0"/>
                         <a:ea typeface="Calibri" panose="020F0502020204030204" pitchFamily="34" charset="0"/>
-                        <a:cs typeface="Arial" panose="02080604020202020204" pitchFamily="34" charset="0"/>
+                        <a:cs typeface="Arial" panose="020B0604020202020204" pitchFamily="34" charset="0"/>
                       </a:endParaRPr>
                     </a:p>
                   </a:txBody>
                   <a:tcPr marL="68580" marR="68580" marT="0" marB="0" anchor="ctr"/>
                 </a:tc>
+                <a:extLst>
+                  <a:ext uri="{0D108BD9-81ED-4DB2-BD59-A6C34878D82A}">
+                    <a16:rowId xmlns:a16="http://schemas.microsoft.com/office/drawing/2014/main" xmlns="" val="10004"/>
+                  </a:ext>
+                </a:extLst>
               </a:tr>
               <a:tr h="315522">
                 <a:tc>
@@ -6421,7 +7030,7 @@
                         <a:effectLst/>
                         <a:latin typeface="Calibri" panose="020F0502020204030204" pitchFamily="34" charset="0"/>
                         <a:ea typeface="Calibri" panose="020F0502020204030204" pitchFamily="34" charset="0"/>
-                        <a:cs typeface="Arial" panose="02080604020202020204" pitchFamily="34" charset="0"/>
+                        <a:cs typeface="Arial" panose="020B0604020202020204" pitchFamily="34" charset="0"/>
                       </a:endParaRPr>
                     </a:p>
                   </a:txBody>
@@ -6454,7 +7063,7 @@
                         <a:effectLst/>
                         <a:latin typeface="Calibri" panose="020F0502020204030204" pitchFamily="34" charset="0"/>
                         <a:ea typeface="Calibri" panose="020F0502020204030204" pitchFamily="34" charset="0"/>
-                        <a:cs typeface="Arial" panose="02080604020202020204" pitchFamily="34" charset="0"/>
+                        <a:cs typeface="Arial" panose="020B0604020202020204" pitchFamily="34" charset="0"/>
                       </a:endParaRPr>
                     </a:p>
                   </a:txBody>
@@ -6487,7 +7096,7 @@
                         <a:effectLst/>
                         <a:latin typeface="Calibri" panose="020F0502020204030204" pitchFamily="34" charset="0"/>
                         <a:ea typeface="Calibri" panose="020F0502020204030204" pitchFamily="34" charset="0"/>
-                        <a:cs typeface="Arial" panose="02080604020202020204" pitchFamily="34" charset="0"/>
+                        <a:cs typeface="Arial" panose="020B0604020202020204" pitchFamily="34" charset="0"/>
                       </a:endParaRPr>
                     </a:p>
                   </a:txBody>
@@ -6519,7 +7128,7 @@
                         <a:effectLst/>
                         <a:latin typeface="Calibri" panose="020F0502020204030204" pitchFamily="34" charset="0"/>
                         <a:ea typeface="Calibri" panose="020F0502020204030204" pitchFamily="34" charset="0"/>
-                        <a:cs typeface="Arial" panose="02080604020202020204" pitchFamily="34" charset="0"/>
+                        <a:cs typeface="Arial" panose="020B0604020202020204" pitchFamily="34" charset="0"/>
                       </a:endParaRPr>
                     </a:p>
                   </a:txBody>
@@ -6551,7 +7160,7 @@
                         <a:effectLst/>
                         <a:latin typeface="Calibri" panose="020F0502020204030204" pitchFamily="34" charset="0"/>
                         <a:ea typeface="Calibri" panose="020F0502020204030204" pitchFamily="34" charset="0"/>
-                        <a:cs typeface="Arial" panose="02080604020202020204" pitchFamily="34" charset="0"/>
+                        <a:cs typeface="Arial" panose="020B0604020202020204" pitchFamily="34" charset="0"/>
                       </a:endParaRPr>
                     </a:p>
                   </a:txBody>
@@ -6584,12 +7193,17 @@
                         <a:effectLst/>
                         <a:latin typeface="Calibri" panose="020F0502020204030204" pitchFamily="34" charset="0"/>
                         <a:ea typeface="Calibri" panose="020F0502020204030204" pitchFamily="34" charset="0"/>
-                        <a:cs typeface="Arial" panose="02080604020202020204" pitchFamily="34" charset="0"/>
+                        <a:cs typeface="Arial" panose="020B0604020202020204" pitchFamily="34" charset="0"/>
                       </a:endParaRPr>
                     </a:p>
                   </a:txBody>
                   <a:tcPr marL="68580" marR="68580" marT="0" marB="0" anchor="ctr"/>
                 </a:tc>
+                <a:extLst>
+                  <a:ext uri="{0D108BD9-81ED-4DB2-BD59-A6C34878D82A}">
+                    <a16:rowId xmlns:a16="http://schemas.microsoft.com/office/drawing/2014/main" xmlns="" val="10005"/>
+                  </a:ext>
+                </a:extLst>
               </a:tr>
               <a:tr h="315522">
                 <a:tc>
@@ -6618,7 +7232,7 @@
                         <a:effectLst/>
                         <a:latin typeface="Calibri" panose="020F0502020204030204" pitchFamily="34" charset="0"/>
                         <a:ea typeface="Calibri" panose="020F0502020204030204" pitchFamily="34" charset="0"/>
-                        <a:cs typeface="Arial" panose="02080604020202020204" pitchFamily="34" charset="0"/>
+                        <a:cs typeface="Arial" panose="020B0604020202020204" pitchFamily="34" charset="0"/>
                       </a:endParaRPr>
                     </a:p>
                   </a:txBody>
@@ -6650,7 +7264,7 @@
                         <a:effectLst/>
                         <a:latin typeface="Calibri" panose="020F0502020204030204" pitchFamily="34" charset="0"/>
                         <a:ea typeface="Calibri" panose="020F0502020204030204" pitchFamily="34" charset="0"/>
-                        <a:cs typeface="Arial" panose="02080604020202020204" pitchFamily="34" charset="0"/>
+                        <a:cs typeface="Arial" panose="020B0604020202020204" pitchFamily="34" charset="0"/>
                       </a:endParaRPr>
                     </a:p>
                   </a:txBody>
@@ -6682,7 +7296,7 @@
                         <a:effectLst/>
                         <a:latin typeface="Calibri" panose="020F0502020204030204" pitchFamily="34" charset="0"/>
                         <a:ea typeface="Calibri" panose="020F0502020204030204" pitchFamily="34" charset="0"/>
-                        <a:cs typeface="Arial" panose="02080604020202020204" pitchFamily="34" charset="0"/>
+                        <a:cs typeface="Arial" panose="020B0604020202020204" pitchFamily="34" charset="0"/>
                       </a:endParaRPr>
                     </a:p>
                   </a:txBody>
@@ -6715,7 +7329,7 @@
                         <a:effectLst/>
                         <a:latin typeface="Calibri" panose="020F0502020204030204" pitchFamily="34" charset="0"/>
                         <a:ea typeface="Calibri" panose="020F0502020204030204" pitchFamily="34" charset="0"/>
-                        <a:cs typeface="Arial" panose="02080604020202020204" pitchFamily="34" charset="0"/>
+                        <a:cs typeface="Arial" panose="020B0604020202020204" pitchFamily="34" charset="0"/>
                       </a:endParaRPr>
                     </a:p>
                   </a:txBody>
@@ -6748,7 +7362,7 @@
                         <a:effectLst/>
                         <a:latin typeface="Calibri" panose="020F0502020204030204" pitchFamily="34" charset="0"/>
                         <a:ea typeface="Calibri" panose="020F0502020204030204" pitchFamily="34" charset="0"/>
-                        <a:cs typeface="Arial" panose="02080604020202020204" pitchFamily="34" charset="0"/>
+                        <a:cs typeface="Arial" panose="020B0604020202020204" pitchFamily="34" charset="0"/>
                       </a:endParaRPr>
                     </a:p>
                   </a:txBody>
@@ -6781,12 +7395,17 @@
                         <a:effectLst/>
                         <a:latin typeface="Calibri" panose="020F0502020204030204" pitchFamily="34" charset="0"/>
                         <a:ea typeface="Calibri" panose="020F0502020204030204" pitchFamily="34" charset="0"/>
-                        <a:cs typeface="Arial" panose="02080604020202020204" pitchFamily="34" charset="0"/>
+                        <a:cs typeface="Arial" panose="020B0604020202020204" pitchFamily="34" charset="0"/>
                       </a:endParaRPr>
                     </a:p>
                   </a:txBody>
                   <a:tcPr marL="68580" marR="68580" marT="0" marB="0" anchor="ctr"/>
                 </a:tc>
+                <a:extLst>
+                  <a:ext uri="{0D108BD9-81ED-4DB2-BD59-A6C34878D82A}">
+                    <a16:rowId xmlns:a16="http://schemas.microsoft.com/office/drawing/2014/main" xmlns="" val="10006"/>
+                  </a:ext>
+                </a:extLst>
               </a:tr>
               <a:tr h="315522">
                 <a:tc>
@@ -6815,7 +7434,7 @@
                         <a:effectLst/>
                         <a:latin typeface="Calibri" panose="020F0502020204030204" pitchFamily="34" charset="0"/>
                         <a:ea typeface="Calibri" panose="020F0502020204030204" pitchFamily="34" charset="0"/>
-                        <a:cs typeface="Arial" panose="02080604020202020204" pitchFamily="34" charset="0"/>
+                        <a:cs typeface="Arial" panose="020B0604020202020204" pitchFamily="34" charset="0"/>
                       </a:endParaRPr>
                     </a:p>
                   </a:txBody>
@@ -6848,7 +7467,7 @@
                         <a:effectLst/>
                         <a:latin typeface="Calibri" panose="020F0502020204030204" pitchFamily="34" charset="0"/>
                         <a:ea typeface="Calibri" panose="020F0502020204030204" pitchFamily="34" charset="0"/>
-                        <a:cs typeface="Arial" panose="02080604020202020204" pitchFamily="34" charset="0"/>
+                        <a:cs typeface="Arial" panose="020B0604020202020204" pitchFamily="34" charset="0"/>
                       </a:endParaRPr>
                     </a:p>
                   </a:txBody>
@@ -6881,7 +7500,7 @@
                         <a:effectLst/>
                         <a:latin typeface="Calibri" panose="020F0502020204030204" pitchFamily="34" charset="0"/>
                         <a:ea typeface="Calibri" panose="020F0502020204030204" pitchFamily="34" charset="0"/>
-                        <a:cs typeface="Arial" panose="02080604020202020204" pitchFamily="34" charset="0"/>
+                        <a:cs typeface="Arial" panose="020B0604020202020204" pitchFamily="34" charset="0"/>
                       </a:endParaRPr>
                     </a:p>
                   </a:txBody>
@@ -6914,7 +7533,7 @@
                         <a:effectLst/>
                         <a:latin typeface="Calibri" panose="020F0502020204030204" pitchFamily="34" charset="0"/>
                         <a:ea typeface="Calibri" panose="020F0502020204030204" pitchFamily="34" charset="0"/>
-                        <a:cs typeface="Arial" panose="02080604020202020204" pitchFamily="34" charset="0"/>
+                        <a:cs typeface="Arial" panose="020B0604020202020204" pitchFamily="34" charset="0"/>
                       </a:endParaRPr>
                     </a:p>
                   </a:txBody>
@@ -6947,7 +7566,7 @@
                         <a:effectLst/>
                         <a:latin typeface="Calibri" panose="020F0502020204030204" pitchFamily="34" charset="0"/>
                         <a:ea typeface="Calibri" panose="020F0502020204030204" pitchFamily="34" charset="0"/>
-                        <a:cs typeface="Arial" panose="02080604020202020204" pitchFamily="34" charset="0"/>
+                        <a:cs typeface="Arial" panose="020B0604020202020204" pitchFamily="34" charset="0"/>
                       </a:endParaRPr>
                     </a:p>
                   </a:txBody>
@@ -6980,12 +7599,17 @@
                         <a:effectLst/>
                         <a:latin typeface="Calibri" panose="020F0502020204030204" pitchFamily="34" charset="0"/>
                         <a:ea typeface="Calibri" panose="020F0502020204030204" pitchFamily="34" charset="0"/>
-                        <a:cs typeface="Arial" panose="02080604020202020204" pitchFamily="34" charset="0"/>
+                        <a:cs typeface="Arial" panose="020B0604020202020204" pitchFamily="34" charset="0"/>
                       </a:endParaRPr>
                     </a:p>
                   </a:txBody>
                   <a:tcPr marL="68580" marR="68580" marT="0" marB="0" anchor="ctr"/>
                 </a:tc>
+                <a:extLst>
+                  <a:ext uri="{0D108BD9-81ED-4DB2-BD59-A6C34878D82A}">
+                    <a16:rowId xmlns:a16="http://schemas.microsoft.com/office/drawing/2014/main" xmlns="" val="10007"/>
+                  </a:ext>
+                </a:extLst>
               </a:tr>
               <a:tr h="315522">
                 <a:tc>
@@ -7014,7 +7638,7 @@
                         <a:effectLst/>
                         <a:latin typeface="Calibri" panose="020F0502020204030204" pitchFamily="34" charset="0"/>
                         <a:ea typeface="Calibri" panose="020F0502020204030204" pitchFamily="34" charset="0"/>
-                        <a:cs typeface="Arial" panose="02080604020202020204" pitchFamily="34" charset="0"/>
+                        <a:cs typeface="Arial" panose="020B0604020202020204" pitchFamily="34" charset="0"/>
                       </a:endParaRPr>
                     </a:p>
                   </a:txBody>
@@ -7046,7 +7670,7 @@
                         <a:effectLst/>
                         <a:latin typeface="Calibri" panose="020F0502020204030204" pitchFamily="34" charset="0"/>
                         <a:ea typeface="Calibri" panose="020F0502020204030204" pitchFamily="34" charset="0"/>
-                        <a:cs typeface="Arial" panose="02080604020202020204" pitchFamily="34" charset="0"/>
+                        <a:cs typeface="Arial" panose="020B0604020202020204" pitchFamily="34" charset="0"/>
                       </a:endParaRPr>
                     </a:p>
                   </a:txBody>
@@ -7078,7 +7702,7 @@
                         <a:effectLst/>
                         <a:latin typeface="Calibri" panose="020F0502020204030204" pitchFamily="34" charset="0"/>
                         <a:ea typeface="Calibri" panose="020F0502020204030204" pitchFamily="34" charset="0"/>
-                        <a:cs typeface="Arial" panose="02080604020202020204" pitchFamily="34" charset="0"/>
+                        <a:cs typeface="Arial" panose="020B0604020202020204" pitchFamily="34" charset="0"/>
                       </a:endParaRPr>
                     </a:p>
                   </a:txBody>
@@ -7110,7 +7734,7 @@
                         <a:effectLst/>
                         <a:latin typeface="Calibri" panose="020F0502020204030204" pitchFamily="34" charset="0"/>
                         <a:ea typeface="Calibri" panose="020F0502020204030204" pitchFamily="34" charset="0"/>
-                        <a:cs typeface="Arial" panose="02080604020202020204" pitchFamily="34" charset="0"/>
+                        <a:cs typeface="Arial" panose="020B0604020202020204" pitchFamily="34" charset="0"/>
                       </a:endParaRPr>
                     </a:p>
                   </a:txBody>
@@ -7142,7 +7766,7 @@
                         <a:effectLst/>
                         <a:latin typeface="Calibri" panose="020F0502020204030204" pitchFamily="34" charset="0"/>
                         <a:ea typeface="Calibri" panose="020F0502020204030204" pitchFamily="34" charset="0"/>
-                        <a:cs typeface="Arial" panose="02080604020202020204" pitchFamily="34" charset="0"/>
+                        <a:cs typeface="Arial" panose="020B0604020202020204" pitchFamily="34" charset="0"/>
                       </a:endParaRPr>
                     </a:p>
                   </a:txBody>
@@ -7175,12 +7799,17 @@
                         <a:effectLst/>
                         <a:latin typeface="Calibri" panose="020F0502020204030204" pitchFamily="34" charset="0"/>
                         <a:ea typeface="Calibri" panose="020F0502020204030204" pitchFamily="34" charset="0"/>
-                        <a:cs typeface="Arial" panose="02080604020202020204" pitchFamily="34" charset="0"/>
+                        <a:cs typeface="Arial" panose="020B0604020202020204" pitchFamily="34" charset="0"/>
                       </a:endParaRPr>
                     </a:p>
                   </a:txBody>
                   <a:tcPr marL="68580" marR="68580" marT="0" marB="0" anchor="ctr"/>
                 </a:tc>
+                <a:extLst>
+                  <a:ext uri="{0D108BD9-81ED-4DB2-BD59-A6C34878D82A}">
+                    <a16:rowId xmlns:a16="http://schemas.microsoft.com/office/drawing/2014/main" xmlns="" val="10008"/>
+                  </a:ext>
+                </a:extLst>
               </a:tr>
               <a:tr h="647622">
                 <a:tc>
@@ -7209,7 +7838,7 @@
                         <a:effectLst/>
                         <a:latin typeface="Calibri" panose="020F0502020204030204" pitchFamily="34" charset="0"/>
                         <a:ea typeface="Calibri" panose="020F0502020204030204" pitchFamily="34" charset="0"/>
-                        <a:cs typeface="Arial" panose="02080604020202020204" pitchFamily="34" charset="0"/>
+                        <a:cs typeface="Arial" panose="020B0604020202020204" pitchFamily="34" charset="0"/>
                       </a:endParaRPr>
                     </a:p>
                   </a:txBody>
@@ -7241,7 +7870,7 @@
                         <a:effectLst/>
                         <a:latin typeface="Calibri" panose="020F0502020204030204" pitchFamily="34" charset="0"/>
                         <a:ea typeface="Calibri" panose="020F0502020204030204" pitchFamily="34" charset="0"/>
-                        <a:cs typeface="Arial" panose="02080604020202020204" pitchFamily="34" charset="0"/>
+                        <a:cs typeface="Arial" panose="020B0604020202020204" pitchFamily="34" charset="0"/>
                       </a:endParaRPr>
                     </a:p>
                   </a:txBody>
@@ -7274,7 +7903,7 @@
                         <a:effectLst/>
                         <a:latin typeface="Calibri" panose="020F0502020204030204" pitchFamily="34" charset="0"/>
                         <a:ea typeface="Calibri" panose="020F0502020204030204" pitchFamily="34" charset="0"/>
-                        <a:cs typeface="Arial" panose="02080604020202020204" pitchFamily="34" charset="0"/>
+                        <a:cs typeface="Arial" panose="020B0604020202020204" pitchFamily="34" charset="0"/>
                       </a:endParaRPr>
                     </a:p>
                   </a:txBody>
@@ -7306,7 +7935,7 @@
                         <a:effectLst/>
                         <a:latin typeface="Calibri" panose="020F0502020204030204" pitchFamily="34" charset="0"/>
                         <a:ea typeface="Calibri" panose="020F0502020204030204" pitchFamily="34" charset="0"/>
-                        <a:cs typeface="Arial" panose="02080604020202020204" pitchFamily="34" charset="0"/>
+                        <a:cs typeface="Arial" panose="020B0604020202020204" pitchFamily="34" charset="0"/>
                       </a:endParaRPr>
                     </a:p>
                   </a:txBody>
@@ -7339,7 +7968,7 @@
                         <a:effectLst/>
                         <a:latin typeface="Calibri" panose="020F0502020204030204" pitchFamily="34" charset="0"/>
                         <a:ea typeface="Calibri" panose="020F0502020204030204" pitchFamily="34" charset="0"/>
-                        <a:cs typeface="Arial" panose="02080604020202020204" pitchFamily="34" charset="0"/>
+                        <a:cs typeface="Arial" panose="020B0604020202020204" pitchFamily="34" charset="0"/>
                       </a:endParaRPr>
                     </a:p>
                   </a:txBody>
@@ -7371,22 +8000,39 @@
                         <a:effectLst/>
                         <a:latin typeface="Calibri" panose="020F0502020204030204" pitchFamily="34" charset="0"/>
                         <a:ea typeface="Calibri" panose="020F0502020204030204" pitchFamily="34" charset="0"/>
-                        <a:cs typeface="Arial" panose="02080604020202020204" pitchFamily="34" charset="0"/>
+                        <a:cs typeface="Arial" panose="020B0604020202020204" pitchFamily="34" charset="0"/>
                       </a:endParaRPr>
                     </a:p>
                   </a:txBody>
                   <a:tcPr marL="68580" marR="68580" marT="0" marB="0" anchor="ctr"/>
                 </a:tc>
+                <a:extLst>
+                  <a:ext uri="{0D108BD9-81ED-4DB2-BD59-A6C34878D82A}">
+                    <a16:rowId xmlns:a16="http://schemas.microsoft.com/office/drawing/2014/main" xmlns="" val="10009"/>
+                  </a:ext>
+                </a:extLst>
               </a:tr>
             </a:tbl>
           </a:graphicData>
         </a:graphic>
       </p:graphicFrame>
     </p:spTree>
+    <p:extLst>
+      <p:ext uri="{BB962C8B-B14F-4D97-AF65-F5344CB8AC3E}">
+        <p14:creationId xmlns:p14="http://schemas.microsoft.com/office/powerpoint/2010/main" val="4150897009"/>
+      </p:ext>
+    </p:extLst>
   </p:cSld>
   <p:clrMapOvr>
     <a:masterClrMapping/>
   </p:clrMapOvr>
+  <p:timing>
+    <p:tnLst>
+      <p:par>
+        <p:cTn id="1" dur="indefinite" restart="never" nodeType="tmRoot"/>
+      </p:par>
+    </p:tnLst>
+  </p:timing>
 </p:sld>
 </file>
 
@@ -7409,7 +8055,13 @@
       </p:grpSpPr>
       <p:sp>
         <p:nvSpPr>
-          <p:cNvPr id="2" name="Title 1"/>
+          <p:cNvPr id="2" name="Title 1">
+            <a:extLst>
+              <a:ext uri="{FF2B5EF4-FFF2-40B4-BE49-F238E27FC236}">
+                <a16:creationId xmlns:a16="http://schemas.microsoft.com/office/drawing/2014/main" xmlns="" id="{987A2B9E-3B6D-4CDD-AB4C-21E3236C98BA}"/>
+              </a:ext>
+            </a:extLst>
+          </p:cNvPr>
           <p:cNvSpPr>
             <a:spLocks noGrp="1"/>
           </p:cNvSpPr>
@@ -7426,13 +8078,18 @@
               <a:rPr lang="en-US" dirty="0"/>
               <a:t>Requirement Analysis</a:t>
             </a:r>
-            <a:endParaRPr lang="en-US" dirty="0"/>
-          </a:p>
-        </p:txBody>
-      </p:sp>
-      <p:sp>
-        <p:nvSpPr>
-          <p:cNvPr id="3" name="Content Placeholder 2"/>
+          </a:p>
+        </p:txBody>
+      </p:sp>
+      <p:sp>
+        <p:nvSpPr>
+          <p:cNvPr id="3" name="Content Placeholder 2">
+            <a:extLst>
+              <a:ext uri="{FF2B5EF4-FFF2-40B4-BE49-F238E27FC236}">
+                <a16:creationId xmlns:a16="http://schemas.microsoft.com/office/drawing/2014/main" xmlns="" id="{67DBD9DD-B1A5-41B6-8460-CB9575F4E501}"/>
+              </a:ext>
+            </a:extLst>
+          </p:cNvPr>
           <p:cNvSpPr>
             <a:spLocks noGrp="1"/>
           </p:cNvSpPr>
@@ -7447,40 +8104,77 @@
           </a:bodyPr>
           <a:lstStyle/>
           <a:p>
-            <a:r>
-              <a:rPr lang="en-US" dirty="0"/>
-              <a:t>Our application includes Three main modules:</a:t>
-            </a:r>
-            <a:endParaRPr lang="en-US" dirty="0"/>
-          </a:p>
-          <a:p>
-            <a:r>
-              <a:rPr lang="en-US" dirty="0"/>
+            <a:pPr marL="0" indent="0">
+              <a:lnSpc>
+                <a:spcPct val="150000"/>
+              </a:lnSpc>
+              <a:buNone/>
+            </a:pPr>
+            <a:r>
+              <a:rPr lang="en-US" sz="2400" dirty="0"/>
+              <a:t>Our application includes </a:t>
+            </a:r>
+            <a:r>
+              <a:rPr lang="en-US" sz="2400" dirty="0" smtClean="0"/>
+              <a:t>three </a:t>
+            </a:r>
+            <a:r>
+              <a:rPr lang="en-US" sz="2400" dirty="0"/>
+              <a:t>main modules:</a:t>
+            </a:r>
+          </a:p>
+          <a:p>
+            <a:pPr>
+              <a:lnSpc>
+                <a:spcPct val="150000"/>
+              </a:lnSpc>
+            </a:pPr>
+            <a:r>
+              <a:rPr lang="en-US" sz="2400" dirty="0"/>
               <a:t>Main Menu</a:t>
             </a:r>
-            <a:endParaRPr lang="en-US" dirty="0"/>
-          </a:p>
-          <a:p>
-            <a:r>
-              <a:rPr lang="en-US" dirty="0"/>
+          </a:p>
+          <a:p>
+            <a:pPr>
+              <a:lnSpc>
+                <a:spcPct val="150000"/>
+              </a:lnSpc>
+            </a:pPr>
+            <a:r>
+              <a:rPr lang="en-US" sz="2400" dirty="0"/>
               <a:t>Tour Guide</a:t>
             </a:r>
-            <a:endParaRPr lang="en-US" dirty="0"/>
-          </a:p>
-          <a:p>
-            <a:r>
-              <a:rPr lang="en-US" dirty="0"/>
+          </a:p>
+          <a:p>
+            <a:pPr>
+              <a:lnSpc>
+                <a:spcPct val="150000"/>
+              </a:lnSpc>
+            </a:pPr>
+            <a:r>
+              <a:rPr lang="en-US" sz="2400" dirty="0"/>
               <a:t>Game Mode</a:t>
             </a:r>
-            <a:endParaRPr lang="en-US" dirty="0"/>
           </a:p>
         </p:txBody>
       </p:sp>
     </p:spTree>
+    <p:extLst>
+      <p:ext uri="{BB962C8B-B14F-4D97-AF65-F5344CB8AC3E}">
+        <p14:creationId xmlns:p14="http://schemas.microsoft.com/office/powerpoint/2010/main" val="897558224"/>
+      </p:ext>
+    </p:extLst>
   </p:cSld>
   <p:clrMapOvr>
     <a:masterClrMapping/>
   </p:clrMapOvr>
+  <p:timing>
+    <p:tnLst>
+      <p:par>
+        <p:cTn id="1" dur="indefinite" restart="never" nodeType="tmRoot"/>
+      </p:par>
+    </p:tnLst>
+  </p:timing>
 </p:sld>
 </file>
 
@@ -7503,7 +8197,13 @@
       </p:grpSpPr>
       <p:sp>
         <p:nvSpPr>
-          <p:cNvPr id="3" name="Content Placeholder 2"/>
+          <p:cNvPr id="3" name="Content Placeholder 2">
+            <a:extLst>
+              <a:ext uri="{FF2B5EF4-FFF2-40B4-BE49-F238E27FC236}">
+                <a16:creationId xmlns:a16="http://schemas.microsoft.com/office/drawing/2014/main" xmlns="" id="{379FBF68-DC88-4C2D-AED4-BD846653AB4B}"/>
+              </a:ext>
+            </a:extLst>
+          </p:cNvPr>
           <p:cNvSpPr>
             <a:spLocks noGrp="1"/>
           </p:cNvSpPr>
@@ -7530,7 +8230,6 @@
               <a:rPr lang="en-US" sz="2400" b="1" dirty="0"/>
               <a:t>Main Menu Module</a:t>
             </a:r>
-            <a:endParaRPr lang="en-US" sz="2400" b="1" dirty="0"/>
           </a:p>
           <a:p>
             <a:pPr marL="0" indent="0">
@@ -7540,7 +8239,6 @@
               <a:rPr lang="en-US" dirty="0"/>
               <a:t>R1: The application shall allow user to select Tour Guide/Game or Exit the application</a:t>
             </a:r>
-            <a:endParaRPr lang="en-US" dirty="0"/>
           </a:p>
           <a:p>
             <a:pPr marL="0" indent="0">
@@ -7556,7 +8254,6 @@
               <a:rPr lang="en-US" sz="2400" b="1" dirty="0"/>
               <a:t>Tour Guide</a:t>
             </a:r>
-            <a:endParaRPr lang="en-US" sz="2400" b="1" dirty="0"/>
           </a:p>
           <a:p>
             <a:pPr marL="0" indent="0">
@@ -7566,7 +8263,6 @@
               <a:rPr lang="en-US" dirty="0"/>
               <a:t>R2: The application shall guide the user with robot companion.</a:t>
             </a:r>
-            <a:endParaRPr lang="en-US" dirty="0"/>
           </a:p>
           <a:p>
             <a:pPr marL="0" indent="0">
@@ -7576,7 +8272,6 @@
               <a:rPr lang="en-US" dirty="0"/>
               <a:t>R3: The application shall pass the user through all the water cycle phases.</a:t>
             </a:r>
-            <a:endParaRPr lang="en-US" dirty="0"/>
           </a:p>
           <a:p>
             <a:pPr marL="0" indent="0">
@@ -7586,7 +8281,6 @@
               <a:rPr lang="en-US" dirty="0"/>
               <a:t>R4: The application shall allow user to look around. </a:t>
             </a:r>
-            <a:endParaRPr lang="en-US" dirty="0"/>
           </a:p>
           <a:p>
             <a:pPr marL="0" indent="0">
@@ -7596,7 +8290,6 @@
               <a:rPr lang="en-US" dirty="0"/>
               <a:t> </a:t>
             </a:r>
-            <a:endParaRPr lang="en-US" dirty="0"/>
           </a:p>
           <a:p>
             <a:pPr marL="0" indent="0">
@@ -7606,7 +8299,6 @@
               <a:rPr lang="en-US" sz="2400" b="1" dirty="0"/>
               <a:t>Mini Game:</a:t>
             </a:r>
-            <a:endParaRPr lang="en-US" sz="2400" b="1" dirty="0"/>
           </a:p>
           <a:p>
             <a:pPr marL="0" indent="0">
@@ -7616,7 +8308,6 @@
               <a:rPr lang="en-US" dirty="0"/>
               <a:t>R5: The application shall allow user to move player as needed.</a:t>
             </a:r>
-            <a:endParaRPr lang="en-US" dirty="0"/>
           </a:p>
           <a:p>
             <a:pPr marL="0" indent="0">
@@ -7626,7 +8317,6 @@
               <a:rPr lang="en-US" dirty="0"/>
               <a:t>R6: The application shall limit user gameplay time.</a:t>
             </a:r>
-            <a:endParaRPr lang="en-US" dirty="0"/>
           </a:p>
           <a:p>
             <a:pPr marL="0" indent="0">
@@ -7636,7 +8326,6 @@
               <a:rPr lang="en-US" dirty="0"/>
               <a:t>R7: The application must record user gameplay time for high score.</a:t>
             </a:r>
-            <a:endParaRPr lang="en-US" dirty="0"/>
           </a:p>
           <a:p>
             <a:pPr marL="0" indent="0">
@@ -7647,10 +8336,22 @@
         </p:txBody>
       </p:sp>
     </p:spTree>
+    <p:extLst>
+      <p:ext uri="{BB962C8B-B14F-4D97-AF65-F5344CB8AC3E}">
+        <p14:creationId xmlns:p14="http://schemas.microsoft.com/office/powerpoint/2010/main" val="2689985128"/>
+      </p:ext>
+    </p:extLst>
   </p:cSld>
   <p:clrMapOvr>
     <a:masterClrMapping/>
   </p:clrMapOvr>
+  <p:timing>
+    <p:tnLst>
+      <p:par>
+        <p:cTn id="1" dur="indefinite" restart="never" nodeType="tmRoot"/>
+      </p:par>
+    </p:tnLst>
+  </p:timing>
 </p:sld>
 </file>
 
@@ -7673,7 +8374,13 @@
       </p:grpSpPr>
       <p:sp>
         <p:nvSpPr>
-          <p:cNvPr id="2" name="Title 1"/>
+          <p:cNvPr id="2" name="Title 1">
+            <a:extLst>
+              <a:ext uri="{FF2B5EF4-FFF2-40B4-BE49-F238E27FC236}">
+                <a16:creationId xmlns:a16="http://schemas.microsoft.com/office/drawing/2014/main" xmlns="" id="{572B919B-7970-414F-944C-D7DCE41D5119}"/>
+              </a:ext>
+            </a:extLst>
+          </p:cNvPr>
           <p:cNvSpPr>
             <a:spLocks noGrp="1"/>
           </p:cNvSpPr>
@@ -7690,13 +8397,18 @@
               <a:rPr lang="en-US" dirty="0"/>
               <a:t>Non-functional Requirements </a:t>
             </a:r>
-            <a:endParaRPr lang="en-US" dirty="0"/>
-          </a:p>
-        </p:txBody>
-      </p:sp>
-      <p:sp>
-        <p:nvSpPr>
-          <p:cNvPr id="3" name="Content Placeholder 2"/>
+          </a:p>
+        </p:txBody>
+      </p:sp>
+      <p:sp>
+        <p:nvSpPr>
+          <p:cNvPr id="3" name="Content Placeholder 2">
+            <a:extLst>
+              <a:ext uri="{FF2B5EF4-FFF2-40B4-BE49-F238E27FC236}">
+                <a16:creationId xmlns:a16="http://schemas.microsoft.com/office/drawing/2014/main" xmlns="" id="{57F44D35-13DB-4243-AAB8-F4DD4AA3E478}"/>
+              </a:ext>
+            </a:extLst>
+          </p:cNvPr>
           <p:cNvSpPr>
             <a:spLocks noGrp="1"/>
           </p:cNvSpPr>
@@ -7713,7 +8425,6 @@
               <a:rPr lang="en-US" dirty="0"/>
               <a:t>The application must not lag for more than 0.002 seconds</a:t>
             </a:r>
-            <a:endParaRPr lang="en-US" dirty="0"/>
           </a:p>
           <a:p>
             <a:pPr marL="0" indent="0">
@@ -7724,10 +8435,22 @@
         </p:txBody>
       </p:sp>
     </p:spTree>
+    <p:extLst>
+      <p:ext uri="{BB962C8B-B14F-4D97-AF65-F5344CB8AC3E}">
+        <p14:creationId xmlns:p14="http://schemas.microsoft.com/office/powerpoint/2010/main" val="110452088"/>
+      </p:ext>
+    </p:extLst>
   </p:cSld>
   <p:clrMapOvr>
     <a:masterClrMapping/>
   </p:clrMapOvr>
+  <p:timing>
+    <p:tnLst>
+      <p:par>
+        <p:cTn id="1" dur="indefinite" restart="never" nodeType="tmRoot"/>
+      </p:par>
+    </p:tnLst>
+  </p:timing>
 </p:sld>
 </file>
 
@@ -7750,7 +8473,13 @@
       </p:grpSpPr>
       <p:sp>
         <p:nvSpPr>
-          <p:cNvPr id="2" name="Title 1"/>
+          <p:cNvPr id="2" name="Title 1">
+            <a:extLst>
+              <a:ext uri="{FF2B5EF4-FFF2-40B4-BE49-F238E27FC236}">
+                <a16:creationId xmlns:a16="http://schemas.microsoft.com/office/drawing/2014/main" xmlns="" id="{3AE0C9F6-F394-418D-96A4-49626E554771}"/>
+              </a:ext>
+            </a:extLst>
+          </p:cNvPr>
           <p:cNvSpPr>
             <a:spLocks noGrp="1"/>
           </p:cNvSpPr>
@@ -7767,13 +8496,18 @@
               <a:rPr lang="en-US" dirty="0"/>
               <a:t>Use case Diagram</a:t>
             </a:r>
-            <a:endParaRPr lang="en-US" dirty="0"/>
-          </a:p>
-        </p:txBody>
-      </p:sp>
-      <p:sp>
-        <p:nvSpPr>
-          <p:cNvPr id="3" name="Content Placeholder 2"/>
+          </a:p>
+        </p:txBody>
+      </p:sp>
+      <p:sp>
+        <p:nvSpPr>
+          <p:cNvPr id="3" name="Content Placeholder 2">
+            <a:extLst>
+              <a:ext uri="{FF2B5EF4-FFF2-40B4-BE49-F238E27FC236}">
+                <a16:creationId xmlns:a16="http://schemas.microsoft.com/office/drawing/2014/main" xmlns="" id="{60780DC7-6E0C-499C-B432-5D3FAE7733F5}"/>
+              </a:ext>
+            </a:extLst>
+          </p:cNvPr>
           <p:cNvSpPr>
             <a:spLocks noGrp="1"/>
           </p:cNvSpPr>
@@ -7790,7 +8524,6 @@
               <a:rPr lang="en-US" dirty="0"/>
               <a:t>Main Menu</a:t>
             </a:r>
-            <a:endParaRPr lang="en-US" dirty="0"/>
           </a:p>
           <a:p>
             <a:pPr marL="0" indent="0">
@@ -7802,12 +8535,18 @@
       </p:sp>
       <p:pic>
         <p:nvPicPr>
-          <p:cNvPr id="4" name="Picture 3"/>
+          <p:cNvPr id="4" name="Picture 3">
+            <a:extLst>
+              <a:ext uri="{FF2B5EF4-FFF2-40B4-BE49-F238E27FC236}">
+                <a16:creationId xmlns:a16="http://schemas.microsoft.com/office/drawing/2014/main" xmlns="" id="{C90B0524-6AAC-4739-8263-BBA3A39E4DA6}"/>
+              </a:ext>
+            </a:extLst>
+          </p:cNvPr>
           <p:cNvPicPr/>
           <p:nvPr/>
         </p:nvPicPr>
         <p:blipFill rotWithShape="1">
-          <a:blip r:embed="rId1">
+          <a:blip r:embed="rId2">
             <a:extLst>
               <a:ext uri="{28A0092B-C50C-407E-A947-70E740481C1C}">
                 <a14:useLocalDpi xmlns:a14="http://schemas.microsoft.com/office/drawing/2010/main" val="0"/>
@@ -7815,9 +8554,7 @@
             </a:extLst>
           </a:blip>
           <a:srcRect l="19743" t="22857" r="24880" b="13429"/>
-          <a:stretch>
-            <a:fillRect/>
-          </a:stretch>
+          <a:stretch/>
         </p:blipFill>
         <p:spPr bwMode="auto">
           <a:xfrm>
@@ -7831,13 +8568,30 @@
           <a:ln>
             <a:noFill/>
           </a:ln>
+          <a:extLst>
+            <a:ext uri="{53640926-AAD7-44D8-BBD7-CCE9431645EC}">
+              <a14:shadowObscured xmlns:a14="http://schemas.microsoft.com/office/drawing/2010/main"/>
+            </a:ext>
+          </a:extLst>
         </p:spPr>
       </p:pic>
     </p:spTree>
+    <p:extLst>
+      <p:ext uri="{BB962C8B-B14F-4D97-AF65-F5344CB8AC3E}">
+        <p14:creationId xmlns:p14="http://schemas.microsoft.com/office/powerpoint/2010/main" val="2053961645"/>
+      </p:ext>
+    </p:extLst>
   </p:cSld>
   <p:clrMapOvr>
     <a:masterClrMapping/>
   </p:clrMapOvr>
+  <p:timing>
+    <p:tnLst>
+      <p:par>
+        <p:cTn id="1" dur="indefinite" restart="never" nodeType="tmRoot"/>
+      </p:par>
+    </p:tnLst>
+  </p:timing>
 </p:sld>
 </file>
 
@@ -7860,7 +8614,13 @@
       </p:grpSpPr>
       <p:sp>
         <p:nvSpPr>
-          <p:cNvPr id="2" name="Title 1"/>
+          <p:cNvPr id="2" name="Title 1">
+            <a:extLst>
+              <a:ext uri="{FF2B5EF4-FFF2-40B4-BE49-F238E27FC236}">
+                <a16:creationId xmlns:a16="http://schemas.microsoft.com/office/drawing/2014/main" xmlns="" id="{67423FAA-9D78-41BE-BEE2-6621D8D99B08}"/>
+              </a:ext>
+            </a:extLst>
+          </p:cNvPr>
           <p:cNvSpPr>
             <a:spLocks noGrp="1"/>
           </p:cNvSpPr>
@@ -7877,13 +8637,18 @@
               <a:rPr lang="en-US" dirty="0"/>
               <a:t>Use Case Diagram</a:t>
             </a:r>
-            <a:endParaRPr lang="en-US" dirty="0"/>
-          </a:p>
-        </p:txBody>
-      </p:sp>
-      <p:sp>
-        <p:nvSpPr>
-          <p:cNvPr id="3" name="Content Placeholder 2"/>
+          </a:p>
+        </p:txBody>
+      </p:sp>
+      <p:sp>
+        <p:nvSpPr>
+          <p:cNvPr id="3" name="Content Placeholder 2">
+            <a:extLst>
+              <a:ext uri="{FF2B5EF4-FFF2-40B4-BE49-F238E27FC236}">
+                <a16:creationId xmlns:a16="http://schemas.microsoft.com/office/drawing/2014/main" xmlns="" id="{914A72A8-87B7-4A3E-8DAF-1E357F80BB47}"/>
+              </a:ext>
+            </a:extLst>
+          </p:cNvPr>
           <p:cNvSpPr>
             <a:spLocks noGrp="1"/>
           </p:cNvSpPr>
@@ -7900,7 +8665,6 @@
               <a:rPr lang="en-US" dirty="0"/>
               <a:t>Game Mode</a:t>
             </a:r>
-            <a:endParaRPr lang="en-US" dirty="0"/>
           </a:p>
         </p:txBody>
       </p:sp>
@@ -7913,15 +8677,15 @@
           <p:nvPr/>
         </p:nvPicPr>
         <p:blipFill>
-          <a:blip r:embed="rId1"/>
+          <a:blip r:embed="rId2"/>
           <a:stretch>
             <a:fillRect/>
           </a:stretch>
         </p:blipFill>
         <p:spPr>
           <a:xfrm>
-            <a:off x="4761865" y="1671955"/>
-            <a:ext cx="5610225" cy="4810125"/>
+            <a:off x="4411745" y="1671637"/>
+            <a:ext cx="6271430" cy="4810125"/>
           </a:xfrm>
           <a:prstGeom prst="rect">
             <a:avLst/>
@@ -7929,10 +8693,22 @@
         </p:spPr>
       </p:pic>
     </p:spTree>
+    <p:extLst>
+      <p:ext uri="{BB962C8B-B14F-4D97-AF65-F5344CB8AC3E}">
+        <p14:creationId xmlns:p14="http://schemas.microsoft.com/office/powerpoint/2010/main" val="2694925301"/>
+      </p:ext>
+    </p:extLst>
   </p:cSld>
   <p:clrMapOvr>
     <a:masterClrMapping/>
   </p:clrMapOvr>
+  <p:timing>
+    <p:tnLst>
+      <p:par>
+        <p:cTn id="1" dur="indefinite" restart="never" nodeType="tmRoot"/>
+      </p:par>
+    </p:tnLst>
+  </p:timing>
 </p:sld>
 </file>
 
@@ -7955,7 +8731,13 @@
       </p:grpSpPr>
       <p:sp>
         <p:nvSpPr>
-          <p:cNvPr id="2" name="Title 1"/>
+          <p:cNvPr id="2" name="Title 1">
+            <a:extLst>
+              <a:ext uri="{FF2B5EF4-FFF2-40B4-BE49-F238E27FC236}">
+                <a16:creationId xmlns:a16="http://schemas.microsoft.com/office/drawing/2014/main" xmlns="" id="{AA652A55-4BBF-44C0-9483-296DC4886021}"/>
+              </a:ext>
+            </a:extLst>
+          </p:cNvPr>
           <p:cNvSpPr>
             <a:spLocks noGrp="1"/>
           </p:cNvSpPr>
@@ -7972,13 +8754,18 @@
               <a:rPr lang="en-US" dirty="0"/>
               <a:t>Use Case Diagram</a:t>
             </a:r>
-            <a:endParaRPr lang="en-US" dirty="0"/>
-          </a:p>
-        </p:txBody>
-      </p:sp>
-      <p:sp>
-        <p:nvSpPr>
-          <p:cNvPr id="3" name="Content Placeholder 2"/>
+          </a:p>
+        </p:txBody>
+      </p:sp>
+      <p:sp>
+        <p:nvSpPr>
+          <p:cNvPr id="3" name="Content Placeholder 2">
+            <a:extLst>
+              <a:ext uri="{FF2B5EF4-FFF2-40B4-BE49-F238E27FC236}">
+                <a16:creationId xmlns:a16="http://schemas.microsoft.com/office/drawing/2014/main" xmlns="" id="{073B9CCF-CD4B-49EE-9419-06671F73F5B8}"/>
+              </a:ext>
+            </a:extLst>
+          </p:cNvPr>
           <p:cNvSpPr>
             <a:spLocks noGrp="1"/>
           </p:cNvSpPr>
@@ -7995,18 +8782,23 @@
               <a:rPr lang="en-US" dirty="0"/>
               <a:t>Tour Guide</a:t>
             </a:r>
-            <a:endParaRPr lang="en-US" dirty="0"/>
           </a:p>
         </p:txBody>
       </p:sp>
       <p:pic>
         <p:nvPicPr>
-          <p:cNvPr id="4" name="Picture 3"/>
+          <p:cNvPr id="4" name="Picture 3">
+            <a:extLst>
+              <a:ext uri="{FF2B5EF4-FFF2-40B4-BE49-F238E27FC236}">
+                <a16:creationId xmlns:a16="http://schemas.microsoft.com/office/drawing/2014/main" xmlns="" id="{57E421ED-8741-4E5A-9A62-E61BD04979A8}"/>
+              </a:ext>
+            </a:extLst>
+          </p:cNvPr>
           <p:cNvPicPr/>
           <p:nvPr/>
         </p:nvPicPr>
         <p:blipFill rotWithShape="1">
-          <a:blip r:embed="rId1">
+          <a:blip r:embed="rId2">
             <a:extLst>
               <a:ext uri="{28A0092B-C50C-407E-A947-70E740481C1C}">
                 <a14:useLocalDpi xmlns:a14="http://schemas.microsoft.com/office/drawing/2010/main" val="0"/>
@@ -8014,9 +8806,7 @@
             </a:extLst>
           </a:blip>
           <a:srcRect l="23595" t="26000" r="23595" b="17143"/>
-          <a:stretch>
-            <a:fillRect/>
-          </a:stretch>
+          <a:stretch/>
         </p:blipFill>
         <p:spPr bwMode="auto">
           <a:xfrm>
@@ -8030,13 +8820,30 @@
           <a:ln>
             <a:noFill/>
           </a:ln>
+          <a:extLst>
+            <a:ext uri="{53640926-AAD7-44D8-BBD7-CCE9431645EC}">
+              <a14:shadowObscured xmlns:a14="http://schemas.microsoft.com/office/drawing/2010/main"/>
+            </a:ext>
+          </a:extLst>
         </p:spPr>
       </p:pic>
     </p:spTree>
+    <p:extLst>
+      <p:ext uri="{BB962C8B-B14F-4D97-AF65-F5344CB8AC3E}">
+        <p14:creationId xmlns:p14="http://schemas.microsoft.com/office/powerpoint/2010/main" val="2443139829"/>
+      </p:ext>
+    </p:extLst>
   </p:cSld>
   <p:clrMapOvr>
     <a:masterClrMapping/>
   </p:clrMapOvr>
+  <p:timing>
+    <p:tnLst>
+      <p:par>
+        <p:cTn id="1" dur="indefinite" restart="never" nodeType="tmRoot"/>
+      </p:par>
+    </p:tnLst>
+  </p:timing>
 </p:sld>
 </file>
 
@@ -8059,7 +8866,13 @@
       </p:grpSpPr>
       <p:sp>
         <p:nvSpPr>
-          <p:cNvPr id="2" name="Title 1"/>
+          <p:cNvPr id="2" name="Title 1">
+            <a:extLst>
+              <a:ext uri="{FF2B5EF4-FFF2-40B4-BE49-F238E27FC236}">
+                <a16:creationId xmlns:a16="http://schemas.microsoft.com/office/drawing/2014/main" xmlns="" id="{99F1A885-3075-40C9-B832-9F6A5CA4446F}"/>
+              </a:ext>
+            </a:extLst>
+          </p:cNvPr>
           <p:cNvSpPr>
             <a:spLocks noGrp="1"/>
           </p:cNvSpPr>
@@ -8076,13 +8889,18 @@
               <a:rPr lang="en-US" dirty="0"/>
               <a:t>Content</a:t>
             </a:r>
-            <a:endParaRPr lang="en-US" dirty="0"/>
-          </a:p>
-        </p:txBody>
-      </p:sp>
-      <p:sp>
-        <p:nvSpPr>
-          <p:cNvPr id="3" name="Content Placeholder 2"/>
+          </a:p>
+        </p:txBody>
+      </p:sp>
+      <p:sp>
+        <p:nvSpPr>
+          <p:cNvPr id="3" name="Content Placeholder 2">
+            <a:extLst>
+              <a:ext uri="{FF2B5EF4-FFF2-40B4-BE49-F238E27FC236}">
+                <a16:creationId xmlns:a16="http://schemas.microsoft.com/office/drawing/2014/main" xmlns="" id="{2F2E208E-4B1D-498B-9E74-D5D162EA1EAF}"/>
+              </a:ext>
+            </a:extLst>
+          </p:cNvPr>
           <p:cNvSpPr>
             <a:spLocks noGrp="1"/>
           </p:cNvSpPr>
@@ -8099,28 +8917,24 @@
               <a:rPr lang="en-US" dirty="0"/>
               <a:t>Introduction</a:t>
             </a:r>
-            <a:endParaRPr lang="en-US" dirty="0"/>
           </a:p>
           <a:p>
             <a:r>
               <a:rPr lang="en-US" dirty="0"/>
               <a:t>Literature Review</a:t>
             </a:r>
-            <a:endParaRPr lang="en-US" dirty="0"/>
           </a:p>
           <a:p>
             <a:r>
               <a:rPr lang="en-US" dirty="0"/>
               <a:t>Requirement analysis</a:t>
             </a:r>
-            <a:endParaRPr lang="en-US" dirty="0"/>
           </a:p>
           <a:p>
             <a:r>
               <a:rPr lang="en-US" dirty="0"/>
               <a:t>Conclusion</a:t>
             </a:r>
-            <a:endParaRPr lang="en-US" dirty="0"/>
           </a:p>
           <a:p>
             <a:r>
@@ -8135,10 +8949,22 @@
         </p:txBody>
       </p:sp>
     </p:spTree>
+    <p:extLst>
+      <p:ext uri="{BB962C8B-B14F-4D97-AF65-F5344CB8AC3E}">
+        <p14:creationId xmlns:p14="http://schemas.microsoft.com/office/powerpoint/2010/main" val="2816489390"/>
+      </p:ext>
+    </p:extLst>
   </p:cSld>
   <p:clrMapOvr>
     <a:masterClrMapping/>
   </p:clrMapOvr>
+  <p:timing>
+    <p:tnLst>
+      <p:par>
+        <p:cTn id="1" dur="indefinite" restart="never" nodeType="tmRoot"/>
+      </p:par>
+    </p:tnLst>
+  </p:timing>
 </p:sld>
 </file>
 
@@ -8161,7 +8987,13 @@
       </p:grpSpPr>
       <p:sp>
         <p:nvSpPr>
-          <p:cNvPr id="2" name="Title 1"/>
+          <p:cNvPr id="2" name="Title 1">
+            <a:extLst>
+              <a:ext uri="{FF2B5EF4-FFF2-40B4-BE49-F238E27FC236}">
+                <a16:creationId xmlns:a16="http://schemas.microsoft.com/office/drawing/2014/main" xmlns="" id="{638922BD-D6C8-4838-A26C-ABDA8AAF1130}"/>
+              </a:ext>
+            </a:extLst>
+          </p:cNvPr>
           <p:cNvSpPr>
             <a:spLocks noGrp="1"/>
           </p:cNvSpPr>
@@ -8178,18 +9010,23 @@
               <a:rPr lang="en-US" dirty="0"/>
               <a:t>System Sequence Diagram</a:t>
             </a:r>
-            <a:endParaRPr lang="en-US" dirty="0"/>
           </a:p>
         </p:txBody>
       </p:sp>
       <p:pic>
         <p:nvPicPr>
-          <p:cNvPr id="4" name="Picture 3"/>
+          <p:cNvPr id="4" name="Picture 3">
+            <a:extLst>
+              <a:ext uri="{FF2B5EF4-FFF2-40B4-BE49-F238E27FC236}">
+                <a16:creationId xmlns:a16="http://schemas.microsoft.com/office/drawing/2014/main" xmlns="" id="{28DE14FE-84BF-442E-9367-9DA52183980D}"/>
+              </a:ext>
+            </a:extLst>
+          </p:cNvPr>
           <p:cNvPicPr/>
           <p:nvPr/>
         </p:nvPicPr>
         <p:blipFill rotWithShape="1">
-          <a:blip r:embed="rId1">
+          <a:blip r:embed="rId2">
             <a:extLst>
               <a:ext uri="{28A0092B-C50C-407E-A947-70E740481C1C}">
                 <a14:useLocalDpi xmlns:a14="http://schemas.microsoft.com/office/drawing/2010/main" val="0"/>
@@ -8197,9 +9034,7 @@
             </a:extLst>
           </a:blip>
           <a:srcRect r="6139" b="19380"/>
-          <a:stretch>
-            <a:fillRect/>
-          </a:stretch>
+          <a:stretch/>
         </p:blipFill>
         <p:spPr bwMode="auto">
           <a:xfrm>
@@ -8213,13 +9048,30 @@
           <a:ln>
             <a:noFill/>
           </a:ln>
+          <a:extLst>
+            <a:ext uri="{53640926-AAD7-44D8-BBD7-CCE9431645EC}">
+              <a14:shadowObscured xmlns:a14="http://schemas.microsoft.com/office/drawing/2010/main"/>
+            </a:ext>
+          </a:extLst>
         </p:spPr>
       </p:pic>
     </p:spTree>
+    <p:extLst>
+      <p:ext uri="{BB962C8B-B14F-4D97-AF65-F5344CB8AC3E}">
+        <p14:creationId xmlns:p14="http://schemas.microsoft.com/office/powerpoint/2010/main" val="3323198618"/>
+      </p:ext>
+    </p:extLst>
   </p:cSld>
   <p:clrMapOvr>
     <a:masterClrMapping/>
   </p:clrMapOvr>
+  <p:timing>
+    <p:tnLst>
+      <p:par>
+        <p:cTn id="1" dur="indefinite" restart="never" nodeType="tmRoot"/>
+      </p:par>
+    </p:tnLst>
+  </p:timing>
 </p:sld>
 </file>
 
@@ -8256,16 +9108,154 @@
           <a:lstStyle/>
           <a:p>
             <a:r>
+              <a:rPr lang="en-US" dirty="0" smtClean="0"/>
+              <a:t>Future Work</a:t>
+            </a:r>
+            <a:endParaRPr lang="en-US" dirty="0"/>
+          </a:p>
+        </p:txBody>
+      </p:sp>
+      <p:sp>
+        <p:nvSpPr>
+          <p:cNvPr id="3" name="Content Placeholder 2"/>
+          <p:cNvSpPr>
+            <a:spLocks noGrp="1"/>
+          </p:cNvSpPr>
+          <p:nvPr>
+            <p:ph idx="1"/>
+          </p:nvPr>
+        </p:nvSpPr>
+        <p:spPr>
+          <a:xfrm>
+            <a:off x="1371600" y="1960775"/>
+            <a:ext cx="9601200" cy="3906625"/>
+          </a:xfrm>
+        </p:spPr>
+        <p:txBody>
+          <a:bodyPr>
+            <a:normAutofit/>
+          </a:bodyPr>
+          <a:lstStyle/>
+          <a:p>
+            <a:pPr algn="just">
+              <a:lnSpc>
+                <a:spcPct val="150000"/>
+              </a:lnSpc>
+            </a:pPr>
+            <a:r>
+              <a:rPr lang="en-US" sz="2800" dirty="0" smtClean="0"/>
+              <a:t>Designing of the system.</a:t>
+            </a:r>
+          </a:p>
+          <a:p>
+            <a:pPr algn="just">
+              <a:lnSpc>
+                <a:spcPct val="150000"/>
+              </a:lnSpc>
+            </a:pPr>
+            <a:r>
+              <a:rPr lang="en-US" sz="2800" dirty="0" smtClean="0"/>
+              <a:t>Implementation of the system.</a:t>
+            </a:r>
+          </a:p>
+          <a:p>
+            <a:pPr algn="just">
+              <a:lnSpc>
+                <a:spcPct val="150000"/>
+              </a:lnSpc>
+            </a:pPr>
+            <a:r>
+              <a:rPr lang="en-US" sz="2800" dirty="0" smtClean="0"/>
+              <a:t>Testing of the system.</a:t>
+            </a:r>
+          </a:p>
+          <a:p>
+            <a:pPr algn="just">
+              <a:lnSpc>
+                <a:spcPct val="150000"/>
+              </a:lnSpc>
+            </a:pPr>
+            <a:r>
+              <a:rPr lang="en-US" sz="2800" dirty="0" smtClean="0"/>
+              <a:t>Final report.</a:t>
+            </a:r>
+          </a:p>
+        </p:txBody>
+      </p:sp>
+    </p:spTree>
+    <p:extLst>
+      <p:ext uri="{BB962C8B-B14F-4D97-AF65-F5344CB8AC3E}">
+        <p14:creationId xmlns:p14="http://schemas.microsoft.com/office/powerpoint/2010/main" val="1964029065"/>
+      </p:ext>
+    </p:extLst>
+  </p:cSld>
+  <p:clrMapOvr>
+    <a:masterClrMapping/>
+  </p:clrMapOvr>
+  <p:timing>
+    <p:tnLst>
+      <p:par>
+        <p:cTn id="1" dur="indefinite" restart="never" nodeType="tmRoot"/>
+      </p:par>
+    </p:tnLst>
+  </p:timing>
+</p:sld>
+</file>
+
+<file path=ppt/slides/slide22.xml><?xml version="1.0" encoding="utf-8"?>
+<p:sld xmlns:a="http://schemas.openxmlformats.org/drawingml/2006/main" xmlns:r="http://schemas.openxmlformats.org/officeDocument/2006/relationships" xmlns:p="http://schemas.openxmlformats.org/presentationml/2006/main">
+  <p:cSld>
+    <p:spTree>
+      <p:nvGrpSpPr>
+        <p:cNvPr id="1" name=""/>
+        <p:cNvGrpSpPr/>
+        <p:nvPr/>
+      </p:nvGrpSpPr>
+      <p:grpSpPr>
+        <a:xfrm>
+          <a:off x="0" y="0"/>
+          <a:ext cx="0" cy="0"/>
+          <a:chOff x="0" y="0"/>
+          <a:chExt cx="0" cy="0"/>
+        </a:xfrm>
+      </p:grpSpPr>
+      <p:sp>
+        <p:nvSpPr>
+          <p:cNvPr id="2" name="Title 1">
+            <a:extLst>
+              <a:ext uri="{FF2B5EF4-FFF2-40B4-BE49-F238E27FC236}">
+                <a16:creationId xmlns:a16="http://schemas.microsoft.com/office/drawing/2014/main" xmlns="" id="{10532DA2-DA77-459D-901A-8AFDC5F1C4B0}"/>
+              </a:ext>
+            </a:extLst>
+          </p:cNvPr>
+          <p:cNvSpPr>
+            <a:spLocks noGrp="1"/>
+          </p:cNvSpPr>
+          <p:nvPr>
+            <p:ph type="title"/>
+          </p:nvPr>
+        </p:nvSpPr>
+        <p:spPr/>
+        <p:txBody>
+          <a:bodyPr/>
+          <a:lstStyle/>
+          <a:p>
+            <a:r>
               <a:rPr lang="en-US" dirty="0"/>
               <a:t>Conclusion</a:t>
             </a:r>
-            <a:endParaRPr lang="en-US" dirty="0"/>
-          </a:p>
-        </p:txBody>
-      </p:sp>
-      <p:sp>
-        <p:nvSpPr>
-          <p:cNvPr id="3" name="Content Placeholder 2"/>
+          </a:p>
+        </p:txBody>
+      </p:sp>
+      <p:sp>
+        <p:nvSpPr>
+          <p:cNvPr id="3" name="Content Placeholder 2">
+            <a:extLst>
+              <a:ext uri="{FF2B5EF4-FFF2-40B4-BE49-F238E27FC236}">
+                <a16:creationId xmlns:a16="http://schemas.microsoft.com/office/drawing/2014/main" xmlns="" id="{DB586400-FCBB-4F9E-AEC9-79F70B4DCB66}"/>
+              </a:ext>
+            </a:extLst>
+          </p:cNvPr>
           <p:cNvSpPr>
             <a:spLocks noGrp="1"/>
           </p:cNvSpPr>
@@ -8287,7 +9277,6 @@
               <a:rPr lang="en-US" dirty="0"/>
               <a:t>This app is being made to benefit students and enhance their knowledge.</a:t>
             </a:r>
-            <a:endParaRPr lang="en-US" dirty="0"/>
           </a:p>
           <a:p>
             <a:pPr marL="0" indent="0">
@@ -8300,7 +9289,6 @@
               <a:rPr lang="en-US" dirty="0"/>
               <a:t>Not many VR apps in this domain are launched yet.</a:t>
             </a:r>
-            <a:endParaRPr lang="en-US" dirty="0"/>
           </a:p>
           <a:p>
             <a:pPr marL="0" indent="0">
@@ -8313,7 +9301,6 @@
               <a:rPr lang="en-US" dirty="0"/>
               <a:t>Most suitable programming language and technology will be used to implement this VR app.</a:t>
             </a:r>
-            <a:endParaRPr lang="en-US" dirty="0"/>
           </a:p>
           <a:p>
             <a:endParaRPr lang="en-US" dirty="0"/>
@@ -8329,7 +9316,7 @@
           <p:nvPr/>
         </p:nvPicPr>
         <p:blipFill>
-          <a:blip r:embed="rId1">
+          <a:blip r:embed="rId2">
             <a:extLst>
               <a:ext uri="{28A0092B-C50C-407E-A947-70E740481C1C}">
                 <a14:useLocalDpi xmlns:a14="http://schemas.microsoft.com/office/drawing/2010/main" val="0"/>
@@ -8362,212 +9349,22 @@
         </p:spPr>
       </p:pic>
     </p:spTree>
+    <p:extLst>
+      <p:ext uri="{BB962C8B-B14F-4D97-AF65-F5344CB8AC3E}">
+        <p14:creationId xmlns:p14="http://schemas.microsoft.com/office/powerpoint/2010/main" val="3296048341"/>
+      </p:ext>
+    </p:extLst>
   </p:cSld>
   <p:clrMapOvr>
     <a:masterClrMapping/>
   </p:clrMapOvr>
-</p:sld>
-</file>
-
-<file path=ppt/slides/slide22.xml><?xml version="1.0" encoding="utf-8"?>
-<p:sld xmlns:a="http://schemas.openxmlformats.org/drawingml/2006/main" xmlns:r="http://schemas.openxmlformats.org/officeDocument/2006/relationships" xmlns:p="http://schemas.openxmlformats.org/presentationml/2006/main">
-  <p:cSld>
-    <p:spTree>
-      <p:nvGrpSpPr>
-        <p:cNvPr id="1" name=""/>
-        <p:cNvGrpSpPr/>
-        <p:nvPr/>
-      </p:nvGrpSpPr>
-      <p:grpSpPr>
-        <a:xfrm>
-          <a:off x="0" y="0"/>
-          <a:ext cx="0" cy="0"/>
-          <a:chOff x="0" y="0"/>
-          <a:chExt cx="0" cy="0"/>
-        </a:xfrm>
-      </p:grpSpPr>
-      <p:sp>
-        <p:nvSpPr>
-          <p:cNvPr id="2" name="Title 1"/>
-          <p:cNvSpPr>
-            <a:spLocks noGrp="1"/>
-          </p:cNvSpPr>
-          <p:nvPr>
-            <p:ph type="title"/>
-          </p:nvPr>
-        </p:nvSpPr>
-        <p:spPr/>
-        <p:txBody>
-          <a:bodyPr/>
-          <a:lstStyle/>
-          <a:p>
-            <a:r>
-              <a:rPr lang="en-US" dirty="0"/>
-              <a:t>References</a:t>
-            </a:r>
-            <a:endParaRPr lang="en-US" dirty="0"/>
-          </a:p>
-        </p:txBody>
-      </p:sp>
-      <p:sp>
-        <p:nvSpPr>
-          <p:cNvPr id="3" name="Content Placeholder 2"/>
-          <p:cNvSpPr>
-            <a:spLocks noGrp="1"/>
-          </p:cNvSpPr>
-          <p:nvPr>
-            <p:ph idx="1"/>
-          </p:nvPr>
-        </p:nvSpPr>
-        <p:spPr>
-          <a:xfrm>
-            <a:off x="1371600" y="1575582"/>
-            <a:ext cx="9601200" cy="4596618"/>
-          </a:xfrm>
-        </p:spPr>
-        <p:txBody>
-          <a:bodyPr>
-            <a:normAutofit fontScale="70000" lnSpcReduction="20000"/>
-          </a:bodyPr>
-          <a:lstStyle/>
-          <a:p>
-            <a:endParaRPr lang="en-US" dirty="0"/>
-          </a:p>
-          <a:p>
-            <a:pPr marL="0" indent="0">
-              <a:buNone/>
-            </a:pPr>
-            <a:endParaRPr lang="en-US" sz="1400" dirty="0">
-              <a:latin typeface="Calibri" panose="020F0502020204030204" pitchFamily="34" charset="0"/>
-              <a:cs typeface="Calibri" panose="020F0502020204030204" pitchFamily="34" charset="0"/>
-            </a:endParaRPr>
-          </a:p>
-          <a:p>
-            <a:r>
-              <a:rPr lang="en-US" sz="2600" dirty="0">
-                <a:cs typeface="Calibri" panose="020F0502020204030204" pitchFamily="34" charset="0"/>
-              </a:rPr>
-              <a:t>[1] 	S. </a:t>
-            </a:r>
-            <a:r>
-              <a:rPr lang="en-US" sz="2600" dirty="0" err="1">
-                <a:cs typeface="Calibri" panose="020F0502020204030204" pitchFamily="34" charset="0"/>
-              </a:rPr>
-              <a:t>Sukhin</a:t>
-            </a:r>
-            <a:r>
-              <a:rPr lang="en-US" sz="2600" dirty="0">
-                <a:cs typeface="Calibri" panose="020F0502020204030204" pitchFamily="34" charset="0"/>
-              </a:rPr>
-              <a:t>, "Splash Sim: A VR Experience in the Water Cycle - Apps on Google Play," Google, 10 2017. [Online]. Available: https://play.google.com/store/apps/details?id=com.splashsim.splashsim&amp;hl=en_US. [Accessed 28 7 2019].</a:t>
-            </a:r>
-            <a:endParaRPr lang="en-US" sz="2600" dirty="0">
-              <a:cs typeface="Calibri" panose="020F0502020204030204" pitchFamily="34" charset="0"/>
-            </a:endParaRPr>
-          </a:p>
-          <a:p>
-            <a:r>
-              <a:rPr lang="en-US" sz="2600" dirty="0">
-                <a:cs typeface="Calibri" panose="020F0502020204030204" pitchFamily="34" charset="0"/>
-              </a:rPr>
-              <a:t>[2] 	A. V. Education, "</a:t>
-            </a:r>
-            <a:r>
-              <a:rPr lang="en-US" sz="2600" dirty="0" err="1">
-                <a:cs typeface="Calibri" panose="020F0502020204030204" pitchFamily="34" charset="0"/>
-              </a:rPr>
-              <a:t>Cicle</a:t>
-            </a:r>
-            <a:r>
-              <a:rPr lang="en-US" sz="2600" dirty="0">
-                <a:cs typeface="Calibri" panose="020F0502020204030204" pitchFamily="34" charset="0"/>
-              </a:rPr>
-              <a:t> de </a:t>
-            </a:r>
-            <a:r>
-              <a:rPr lang="en-US" sz="2600" dirty="0" err="1">
-                <a:cs typeface="Calibri" panose="020F0502020204030204" pitchFamily="34" charset="0"/>
-              </a:rPr>
-              <a:t>l'Aigua</a:t>
-            </a:r>
-            <a:r>
-              <a:rPr lang="en-US" sz="2600" dirty="0">
-                <a:cs typeface="Calibri" panose="020F0502020204030204" pitchFamily="34" charset="0"/>
-              </a:rPr>
-              <a:t> VR - Apps on Google Play," Google, 1 2016. [Online]. Available: https://play.google.com/store/apps/details?id=com.allvreducation.cicledelaigua&amp;hl=en. [Accessed 28 7 2019].</a:t>
-            </a:r>
-            <a:endParaRPr lang="en-US" sz="2600" dirty="0">
-              <a:cs typeface="Calibri" panose="020F0502020204030204" pitchFamily="34" charset="0"/>
-            </a:endParaRPr>
-          </a:p>
-          <a:p>
-            <a:r>
-              <a:rPr lang="en-US" sz="2600" dirty="0">
-                <a:cs typeface="Calibri" panose="020F0502020204030204" pitchFamily="34" charset="0"/>
-              </a:rPr>
-              <a:t>[3] 	EUROCASE, "TABI The Water Cycle - Apps on Google Play," Google, 1 2016. [Online]. Available: https://play.google.com/store/apps/details?id=com.eurocase.hydrologic_cycle&amp;hl=en. [Accessed 28 7 2019].</a:t>
-            </a:r>
-            <a:endParaRPr lang="en-US" sz="2600" dirty="0">
-              <a:cs typeface="Calibri" panose="020F0502020204030204" pitchFamily="34" charset="0"/>
-            </a:endParaRPr>
-          </a:p>
-          <a:p>
-            <a:r>
-              <a:rPr lang="en-US" sz="2600" dirty="0">
-                <a:cs typeface="Calibri" panose="020F0502020204030204" pitchFamily="34" charset="0"/>
-              </a:rPr>
-              <a:t>[4] 	S. </a:t>
-            </a:r>
-            <a:r>
-              <a:rPr lang="en-US" sz="2600" dirty="0" err="1">
-                <a:cs typeface="Calibri" panose="020F0502020204030204" pitchFamily="34" charset="0"/>
-              </a:rPr>
-              <a:t>Xpert</a:t>
-            </a:r>
-            <a:r>
-              <a:rPr lang="en-US" sz="2600" dirty="0">
-                <a:cs typeface="Calibri" panose="020F0502020204030204" pitchFamily="34" charset="0"/>
-              </a:rPr>
-              <a:t>, "</a:t>
-            </a:r>
-            <a:r>
-              <a:rPr lang="th-TH" sz="2600" dirty="0">
-                <a:cs typeface="Calibri" panose="020F0502020204030204" pitchFamily="34" charset="0"/>
-              </a:rPr>
-              <a:t>วัฏจักรน้ำ (</a:t>
-            </a:r>
-            <a:r>
-              <a:rPr lang="en-US" sz="2600" dirty="0">
-                <a:cs typeface="Calibri" panose="020F0502020204030204" pitchFamily="34" charset="0"/>
-              </a:rPr>
-              <a:t>Water Cycle) - Apps on Google Play," Google, 10 2018. [Online]. Available: https://play.google.com/store/apps/details?id=com.studioxpert.watercycle. [Accessed 28 7 2019].</a:t>
-            </a:r>
-            <a:endParaRPr lang="en-US" sz="2600" dirty="0">
-              <a:cs typeface="Calibri" panose="020F0502020204030204" pitchFamily="34" charset="0"/>
-            </a:endParaRPr>
-          </a:p>
-          <a:p>
-            <a:endParaRPr lang="en-US" sz="1400" dirty="0">
-              <a:latin typeface="Calibri" panose="020F0502020204030204" pitchFamily="34" charset="0"/>
-              <a:cs typeface="Calibri" panose="020F0502020204030204" pitchFamily="34" charset="0"/>
-            </a:endParaRPr>
-          </a:p>
-          <a:p>
-            <a:endParaRPr lang="en-US" dirty="0"/>
-          </a:p>
-          <a:p>
-            <a:endParaRPr lang="en-US" dirty="0"/>
-          </a:p>
-          <a:p>
-            <a:endParaRPr lang="en-US" dirty="0"/>
-          </a:p>
-        </p:txBody>
-      </p:sp>
-    </p:spTree>
-  </p:cSld>
-  <p:clrMapOvr>
-    <a:masterClrMapping/>
-  </p:clrMapOvr>
+  <p:timing>
+    <p:tnLst>
+      <p:par>
+        <p:cTn id="1" dur="indefinite" restart="never" nodeType="tmRoot"/>
+      </p:par>
+    </p:tnLst>
+  </p:timing>
 </p:sld>
 </file>
 
@@ -8590,12 +9387,18 @@
       </p:grpSpPr>
       <p:sp>
         <p:nvSpPr>
-          <p:cNvPr id="2" name="Title 1"/>
+          <p:cNvPr id="2" name="Title 1">
+            <a:extLst>
+              <a:ext uri="{FF2B5EF4-FFF2-40B4-BE49-F238E27FC236}">
+                <a16:creationId xmlns:a16="http://schemas.microsoft.com/office/drawing/2014/main" xmlns="" id="{D408AD68-9159-44D9-8EC8-48CC16829A49}"/>
+              </a:ext>
+            </a:extLst>
+          </p:cNvPr>
           <p:cNvSpPr>
             <a:spLocks noGrp="1"/>
           </p:cNvSpPr>
           <p:nvPr>
-            <p:ph type="ctrTitle"/>
+            <p:ph type="title"/>
           </p:nvPr>
         </p:nvSpPr>
         <p:spPr/>
@@ -8605,40 +9408,269 @@
           <a:p>
             <a:r>
               <a:rPr lang="en-US" dirty="0"/>
-              <a:t>Thank you</a:t>
-            </a:r>
-            <a:endParaRPr lang="en-US" dirty="0"/>
-          </a:p>
-        </p:txBody>
-      </p:sp>
-      <p:sp>
-        <p:nvSpPr>
-          <p:cNvPr id="3" name="Subtitle 2"/>
+              <a:t>References</a:t>
+            </a:r>
+          </a:p>
+        </p:txBody>
+      </p:sp>
+      <p:sp>
+        <p:nvSpPr>
+          <p:cNvPr id="3" name="Content Placeholder 2">
+            <a:extLst>
+              <a:ext uri="{FF2B5EF4-FFF2-40B4-BE49-F238E27FC236}">
+                <a16:creationId xmlns:a16="http://schemas.microsoft.com/office/drawing/2014/main" xmlns="" id="{1C557612-1B58-488F-8A2F-8DB37FFC9B63}"/>
+              </a:ext>
+            </a:extLst>
+          </p:cNvPr>
           <p:cNvSpPr>
             <a:spLocks noGrp="1"/>
           </p:cNvSpPr>
           <p:nvPr>
-            <p:ph type="subTitle" idx="1"/>
-          </p:nvPr>
-        </p:nvSpPr>
-        <p:spPr/>
-        <p:txBody>
-          <a:bodyPr/>
+            <p:ph idx="1"/>
+          </p:nvPr>
+        </p:nvSpPr>
+        <p:spPr>
+          <a:xfrm>
+            <a:off x="1371600" y="1575582"/>
+            <a:ext cx="9601200" cy="4596618"/>
+          </a:xfrm>
+        </p:spPr>
+        <p:txBody>
+          <a:bodyPr>
+            <a:normAutofit fontScale="70000" lnSpcReduction="20000"/>
+          </a:bodyPr>
           <a:lstStyle/>
           <a:p>
-            <a:r>
-              <a:rPr lang="en-US" dirty="0"/>
-              <a:t>Questions?</a:t>
-            </a:r>
             <a:endParaRPr lang="en-US" dirty="0"/>
           </a:p>
+          <a:p>
+            <a:pPr marL="0" indent="0">
+              <a:buNone/>
+            </a:pPr>
+            <a:endParaRPr lang="en-US" sz="1400" dirty="0">
+              <a:latin typeface="Calibri" panose="020F0502020204030204" pitchFamily="34" charset="0"/>
+              <a:cs typeface="Calibri" panose="020F0502020204030204" pitchFamily="34" charset="0"/>
+            </a:endParaRPr>
+          </a:p>
+          <a:p>
+            <a:r>
+              <a:rPr lang="en-US" sz="2600" dirty="0">
+                <a:cs typeface="Calibri" panose="020F0502020204030204" pitchFamily="34" charset="0"/>
+              </a:rPr>
+              <a:t>[1] 	S. </a:t>
+            </a:r>
+            <a:r>
+              <a:rPr lang="en-US" sz="2600" dirty="0" err="1">
+                <a:cs typeface="Calibri" panose="020F0502020204030204" pitchFamily="34" charset="0"/>
+              </a:rPr>
+              <a:t>Sukhin</a:t>
+            </a:r>
+            <a:r>
+              <a:rPr lang="en-US" sz="2600" dirty="0">
+                <a:cs typeface="Calibri" panose="020F0502020204030204" pitchFamily="34" charset="0"/>
+              </a:rPr>
+              <a:t>, "Splash Sim: A VR Experience in the Water Cycle - Apps on Google Play," Google, 10 2017. [Online]. Available: https://play.google.com/store/apps/details?id=com.splashsim.splashsim&amp;hl=en_US. [Accessed 28 7 2019].</a:t>
+            </a:r>
+          </a:p>
+          <a:p>
+            <a:r>
+              <a:rPr lang="en-US" sz="2600" dirty="0">
+                <a:cs typeface="Calibri" panose="020F0502020204030204" pitchFamily="34" charset="0"/>
+              </a:rPr>
+              <a:t>[2] 	A. V. Education, "</a:t>
+            </a:r>
+            <a:r>
+              <a:rPr lang="en-US" sz="2600" dirty="0" err="1">
+                <a:cs typeface="Calibri" panose="020F0502020204030204" pitchFamily="34" charset="0"/>
+              </a:rPr>
+              <a:t>Cicle</a:t>
+            </a:r>
+            <a:r>
+              <a:rPr lang="en-US" sz="2600" dirty="0">
+                <a:cs typeface="Calibri" panose="020F0502020204030204" pitchFamily="34" charset="0"/>
+              </a:rPr>
+              <a:t> de </a:t>
+            </a:r>
+            <a:r>
+              <a:rPr lang="en-US" sz="2600" dirty="0" err="1">
+                <a:cs typeface="Calibri" panose="020F0502020204030204" pitchFamily="34" charset="0"/>
+              </a:rPr>
+              <a:t>l'Aigua</a:t>
+            </a:r>
+            <a:r>
+              <a:rPr lang="en-US" sz="2600" dirty="0">
+                <a:cs typeface="Calibri" panose="020F0502020204030204" pitchFamily="34" charset="0"/>
+              </a:rPr>
+              <a:t> VR - Apps on Google Play," Google, 1 2016. [Online]. Available: https://play.google.com/store/apps/details?id=com.allvreducation.cicledelaigua&amp;hl=en. [Accessed 28 7 2019].</a:t>
+            </a:r>
+          </a:p>
+          <a:p>
+            <a:r>
+              <a:rPr lang="en-US" sz="2600" dirty="0">
+                <a:cs typeface="Calibri" panose="020F0502020204030204" pitchFamily="34" charset="0"/>
+              </a:rPr>
+              <a:t>[3] 	EUROCASE, "TABI The Water Cycle - Apps on Google Play," Google, 1 2016. [Online]. Available: https://play.google.com/store/apps/details?id=com.eurocase.hydrologic_cycle&amp;hl=en. [Accessed 28 7 2019].</a:t>
+            </a:r>
+          </a:p>
+          <a:p>
+            <a:r>
+              <a:rPr lang="en-US" sz="2600" dirty="0">
+                <a:cs typeface="Calibri" panose="020F0502020204030204" pitchFamily="34" charset="0"/>
+              </a:rPr>
+              <a:t>[4] 	S. </a:t>
+            </a:r>
+            <a:r>
+              <a:rPr lang="en-US" sz="2600" dirty="0" err="1">
+                <a:cs typeface="Calibri" panose="020F0502020204030204" pitchFamily="34" charset="0"/>
+              </a:rPr>
+              <a:t>Xpert</a:t>
+            </a:r>
+            <a:r>
+              <a:rPr lang="en-US" sz="2600" dirty="0">
+                <a:cs typeface="Calibri" panose="020F0502020204030204" pitchFamily="34" charset="0"/>
+              </a:rPr>
+              <a:t>, "</a:t>
+            </a:r>
+            <a:r>
+              <a:rPr lang="th-TH" sz="2600" dirty="0">
+                <a:cs typeface="Calibri" panose="020F0502020204030204" pitchFamily="34" charset="0"/>
+              </a:rPr>
+              <a:t>วัฏจักรน้ำ (</a:t>
+            </a:r>
+            <a:r>
+              <a:rPr lang="en-US" sz="2600" dirty="0">
+                <a:cs typeface="Calibri" panose="020F0502020204030204" pitchFamily="34" charset="0"/>
+              </a:rPr>
+              <a:t>Water Cycle) - Apps on Google Play," Google, 10 2018. [Online]. Available: https://play.google.com/store/apps/details?id=com.studioxpert.watercycle. [Accessed 28 7 2019].</a:t>
+            </a:r>
+          </a:p>
+          <a:p>
+            <a:endParaRPr lang="en-US" sz="1400" dirty="0">
+              <a:latin typeface="Calibri" panose="020F0502020204030204" pitchFamily="34" charset="0"/>
+              <a:cs typeface="Calibri" panose="020F0502020204030204" pitchFamily="34" charset="0"/>
+            </a:endParaRPr>
+          </a:p>
+          <a:p>
+            <a:endParaRPr lang="en-US" dirty="0"/>
+          </a:p>
+          <a:p>
+            <a:endParaRPr lang="en-US" dirty="0"/>
+          </a:p>
+          <a:p>
+            <a:endParaRPr lang="en-US" dirty="0"/>
+          </a:p>
         </p:txBody>
       </p:sp>
     </p:spTree>
+    <p:extLst>
+      <p:ext uri="{BB962C8B-B14F-4D97-AF65-F5344CB8AC3E}">
+        <p14:creationId xmlns:p14="http://schemas.microsoft.com/office/powerpoint/2010/main" val="1939872356"/>
+      </p:ext>
+    </p:extLst>
   </p:cSld>
   <p:clrMapOvr>
     <a:masterClrMapping/>
   </p:clrMapOvr>
+  <p:timing>
+    <p:tnLst>
+      <p:par>
+        <p:cTn id="1" dur="indefinite" restart="never" nodeType="tmRoot"/>
+      </p:par>
+    </p:tnLst>
+  </p:timing>
+</p:sld>
+</file>
+
+<file path=ppt/slides/slide24.xml><?xml version="1.0" encoding="utf-8"?>
+<p:sld xmlns:a="http://schemas.openxmlformats.org/drawingml/2006/main" xmlns:r="http://schemas.openxmlformats.org/officeDocument/2006/relationships" xmlns:p="http://schemas.openxmlformats.org/presentationml/2006/main">
+  <p:cSld>
+    <p:spTree>
+      <p:nvGrpSpPr>
+        <p:cNvPr id="1" name=""/>
+        <p:cNvGrpSpPr/>
+        <p:nvPr/>
+      </p:nvGrpSpPr>
+      <p:grpSpPr>
+        <a:xfrm>
+          <a:off x="0" y="0"/>
+          <a:ext cx="0" cy="0"/>
+          <a:chOff x="0" y="0"/>
+          <a:chExt cx="0" cy="0"/>
+        </a:xfrm>
+      </p:grpSpPr>
+      <p:sp>
+        <p:nvSpPr>
+          <p:cNvPr id="2" name="Title 1">
+            <a:extLst>
+              <a:ext uri="{FF2B5EF4-FFF2-40B4-BE49-F238E27FC236}">
+                <a16:creationId xmlns:a16="http://schemas.microsoft.com/office/drawing/2014/main" xmlns="" id="{5B27978F-BAD3-46C6-AC41-6D563D981774}"/>
+              </a:ext>
+            </a:extLst>
+          </p:cNvPr>
+          <p:cNvSpPr>
+            <a:spLocks noGrp="1"/>
+          </p:cNvSpPr>
+          <p:nvPr>
+            <p:ph type="ctrTitle"/>
+          </p:nvPr>
+        </p:nvSpPr>
+        <p:spPr/>
+        <p:txBody>
+          <a:bodyPr/>
+          <a:lstStyle/>
+          <a:p>
+            <a:r>
+              <a:rPr lang="en-US" dirty="0"/>
+              <a:t>Thank you</a:t>
+            </a:r>
+          </a:p>
+        </p:txBody>
+      </p:sp>
+      <p:sp>
+        <p:nvSpPr>
+          <p:cNvPr id="3" name="Subtitle 2">
+            <a:extLst>
+              <a:ext uri="{FF2B5EF4-FFF2-40B4-BE49-F238E27FC236}">
+                <a16:creationId xmlns:a16="http://schemas.microsoft.com/office/drawing/2014/main" xmlns="" id="{5649E251-AA3D-4977-8FA9-7B0ED7D0FA10}"/>
+              </a:ext>
+            </a:extLst>
+          </p:cNvPr>
+          <p:cNvSpPr>
+            <a:spLocks noGrp="1"/>
+          </p:cNvSpPr>
+          <p:nvPr>
+            <p:ph type="subTitle" idx="1"/>
+          </p:nvPr>
+        </p:nvSpPr>
+        <p:spPr/>
+        <p:txBody>
+          <a:bodyPr/>
+          <a:lstStyle/>
+          <a:p>
+            <a:r>
+              <a:rPr lang="en-US" dirty="0"/>
+              <a:t>Questions?</a:t>
+            </a:r>
+          </a:p>
+        </p:txBody>
+      </p:sp>
+    </p:spTree>
+    <p:extLst>
+      <p:ext uri="{BB962C8B-B14F-4D97-AF65-F5344CB8AC3E}">
+        <p14:creationId xmlns:p14="http://schemas.microsoft.com/office/powerpoint/2010/main" val="4204291281"/>
+      </p:ext>
+    </p:extLst>
+  </p:cSld>
+  <p:clrMapOvr>
+    <a:masterClrMapping/>
+  </p:clrMapOvr>
+  <p:timing>
+    <p:tnLst>
+      <p:par>
+        <p:cTn id="1" dur="indefinite" restart="never" nodeType="tmRoot"/>
+      </p:par>
+    </p:tnLst>
+  </p:timing>
 </p:sld>
 </file>
 
@@ -8661,7 +9693,13 @@
       </p:grpSpPr>
       <p:sp>
         <p:nvSpPr>
-          <p:cNvPr id="2" name="Title 1"/>
+          <p:cNvPr id="2" name="Title 1">
+            <a:extLst>
+              <a:ext uri="{FF2B5EF4-FFF2-40B4-BE49-F238E27FC236}">
+                <a16:creationId xmlns:a16="http://schemas.microsoft.com/office/drawing/2014/main" xmlns="" id="{79D9E8BC-E551-427F-B5A3-C9F9F2C1CDA1}"/>
+              </a:ext>
+            </a:extLst>
+          </p:cNvPr>
           <p:cNvSpPr>
             <a:spLocks noGrp="1"/>
           </p:cNvSpPr>
@@ -8678,13 +9716,18 @@
               <a:rPr lang="en-US" dirty="0"/>
               <a:t>Introduction</a:t>
             </a:r>
-            <a:endParaRPr lang="en-US" dirty="0"/>
-          </a:p>
-        </p:txBody>
-      </p:sp>
-      <p:sp>
-        <p:nvSpPr>
-          <p:cNvPr id="3" name="Content Placeholder 2"/>
+          </a:p>
+        </p:txBody>
+      </p:sp>
+      <p:sp>
+        <p:nvSpPr>
+          <p:cNvPr id="3" name="Content Placeholder 2">
+            <a:extLst>
+              <a:ext uri="{FF2B5EF4-FFF2-40B4-BE49-F238E27FC236}">
+                <a16:creationId xmlns:a16="http://schemas.microsoft.com/office/drawing/2014/main" xmlns="" id="{82980F63-12FE-4913-BB11-CA61837FA0C1}"/>
+              </a:ext>
+            </a:extLst>
+          </p:cNvPr>
           <p:cNvSpPr>
             <a:spLocks noGrp="1"/>
           </p:cNvSpPr>
@@ -8701,42 +9744,50 @@
               <a:rPr lang="en-US" dirty="0"/>
               <a:t>Virtual Reality (VR) allows the user to have a visual view of scenario that might not be easily accessible</a:t>
             </a:r>
-            <a:endParaRPr lang="en-US" dirty="0"/>
           </a:p>
           <a:p>
             <a:r>
               <a:rPr lang="en-US" dirty="0"/>
               <a:t>Being one of the top trending technology it will help evolve the education sector as well</a:t>
             </a:r>
-            <a:endParaRPr lang="en-US" dirty="0"/>
           </a:p>
           <a:p>
             <a:r>
               <a:rPr lang="en-US" dirty="0"/>
               <a:t>Developed application will allows kids to visualize Earths water cycle and easier for them to understand</a:t>
             </a:r>
-            <a:endParaRPr lang="en-US" dirty="0"/>
           </a:p>
           <a:p>
             <a:r>
               <a:rPr lang="en-US" dirty="0"/>
               <a:t>As kids love to play games, we will include a mini game as it will make it easier to pass information to them.</a:t>
             </a:r>
+          </a:p>
+          <a:p>
             <a:endParaRPr lang="en-US" dirty="0"/>
           </a:p>
           <a:p>
             <a:endParaRPr lang="en-US" dirty="0"/>
           </a:p>
-          <a:p>
-            <a:endParaRPr lang="en-US" dirty="0"/>
-          </a:p>
         </p:txBody>
       </p:sp>
     </p:spTree>
+    <p:extLst>
+      <p:ext uri="{BB962C8B-B14F-4D97-AF65-F5344CB8AC3E}">
+        <p14:creationId xmlns:p14="http://schemas.microsoft.com/office/powerpoint/2010/main" val="397536508"/>
+      </p:ext>
+    </p:extLst>
   </p:cSld>
   <p:clrMapOvr>
     <a:masterClrMapping/>
   </p:clrMapOvr>
+  <p:timing>
+    <p:tnLst>
+      <p:par>
+        <p:cTn id="1" dur="indefinite" restart="never" nodeType="tmRoot"/>
+      </p:par>
+    </p:tnLst>
+  </p:timing>
 </p:sld>
 </file>
 
@@ -8759,7 +9810,13 @@
       </p:grpSpPr>
       <p:sp>
         <p:nvSpPr>
-          <p:cNvPr id="2" name="Title 1"/>
+          <p:cNvPr id="2" name="Title 1">
+            <a:extLst>
+              <a:ext uri="{FF2B5EF4-FFF2-40B4-BE49-F238E27FC236}">
+                <a16:creationId xmlns:a16="http://schemas.microsoft.com/office/drawing/2014/main" xmlns="" id="{C40FFD64-548A-4A99-A870-CD3191FCE0C7}"/>
+              </a:ext>
+            </a:extLst>
+          </p:cNvPr>
           <p:cNvSpPr>
             <a:spLocks noGrp="1"/>
           </p:cNvSpPr>
@@ -8776,13 +9833,18 @@
               <a:rPr lang="en-US" dirty="0"/>
               <a:t>Problem Statement	</a:t>
             </a:r>
-            <a:endParaRPr lang="en-US" dirty="0"/>
-          </a:p>
-        </p:txBody>
-      </p:sp>
-      <p:sp>
-        <p:nvSpPr>
-          <p:cNvPr id="3" name="Content Placeholder 2"/>
+          </a:p>
+        </p:txBody>
+      </p:sp>
+      <p:sp>
+        <p:nvSpPr>
+          <p:cNvPr id="3" name="Content Placeholder 2">
+            <a:extLst>
+              <a:ext uri="{FF2B5EF4-FFF2-40B4-BE49-F238E27FC236}">
+                <a16:creationId xmlns:a16="http://schemas.microsoft.com/office/drawing/2014/main" xmlns="" id="{08B26BB4-6D06-4536-8124-710012F39B3A}"/>
+              </a:ext>
+            </a:extLst>
+          </p:cNvPr>
           <p:cNvSpPr>
             <a:spLocks noGrp="1"/>
           </p:cNvSpPr>
@@ -8792,36 +9854,62 @@
         </p:nvSpPr>
         <p:spPr/>
         <p:txBody>
-          <a:bodyPr/>
+          <a:bodyPr>
+            <a:normAutofit/>
+          </a:bodyPr>
           <a:lstStyle/>
           <a:p>
-            <a:r>
-              <a:rPr lang="en-US" dirty="0"/>
+            <a:pPr>
+              <a:lnSpc>
+                <a:spcPct val="150000"/>
+              </a:lnSpc>
+            </a:pPr>
+            <a:r>
+              <a:rPr lang="en-US" sz="2400" dirty="0"/>
               <a:t>Few VR applications</a:t>
             </a:r>
-            <a:endParaRPr lang="en-US" dirty="0"/>
-          </a:p>
-          <a:p>
-            <a:r>
-              <a:rPr lang="en-US" dirty="0"/>
+          </a:p>
+          <a:p>
+            <a:pPr>
+              <a:lnSpc>
+                <a:spcPct val="150000"/>
+              </a:lnSpc>
+            </a:pPr>
+            <a:r>
+              <a:rPr lang="en-US" sz="2400" dirty="0"/>
               <a:t>Lack of Guidance within the application</a:t>
             </a:r>
-            <a:endParaRPr lang="en-US" dirty="0"/>
-          </a:p>
-          <a:p>
-            <a:r>
-              <a:rPr lang="en-US" dirty="0"/>
+          </a:p>
+          <a:p>
+            <a:pPr>
+              <a:lnSpc>
+                <a:spcPct val="150000"/>
+              </a:lnSpc>
+            </a:pPr>
+            <a:r>
+              <a:rPr lang="en-US" sz="2400" dirty="0"/>
               <a:t>Lack of visualization</a:t>
             </a:r>
-            <a:endParaRPr lang="en-US" dirty="0"/>
           </a:p>
         </p:txBody>
       </p:sp>
     </p:spTree>
+    <p:extLst>
+      <p:ext uri="{BB962C8B-B14F-4D97-AF65-F5344CB8AC3E}">
+        <p14:creationId xmlns:p14="http://schemas.microsoft.com/office/powerpoint/2010/main" val="2042312141"/>
+      </p:ext>
+    </p:extLst>
   </p:cSld>
   <p:clrMapOvr>
     <a:masterClrMapping/>
   </p:clrMapOvr>
+  <p:timing>
+    <p:tnLst>
+      <p:par>
+        <p:cTn id="1" dur="indefinite" restart="never" nodeType="tmRoot"/>
+      </p:par>
+    </p:tnLst>
+  </p:timing>
 </p:sld>
 </file>
 
@@ -8844,7 +9932,13 @@
       </p:grpSpPr>
       <p:sp>
         <p:nvSpPr>
-          <p:cNvPr id="2" name="Title 1"/>
+          <p:cNvPr id="2" name="Title 1">
+            <a:extLst>
+              <a:ext uri="{FF2B5EF4-FFF2-40B4-BE49-F238E27FC236}">
+                <a16:creationId xmlns:a16="http://schemas.microsoft.com/office/drawing/2014/main" xmlns="" id="{8DC0FD8C-96A5-4323-8E47-435C90530937}"/>
+              </a:ext>
+            </a:extLst>
+          </p:cNvPr>
           <p:cNvSpPr>
             <a:spLocks noGrp="1"/>
           </p:cNvSpPr>
@@ -8861,13 +9955,18 @@
               <a:rPr lang="en-US" dirty="0"/>
               <a:t>Objective</a:t>
             </a:r>
-            <a:endParaRPr lang="en-US" dirty="0"/>
-          </a:p>
-        </p:txBody>
-      </p:sp>
-      <p:sp>
-        <p:nvSpPr>
-          <p:cNvPr id="3" name="Content Placeholder 2"/>
+          </a:p>
+        </p:txBody>
+      </p:sp>
+      <p:sp>
+        <p:nvSpPr>
+          <p:cNvPr id="3" name="Content Placeholder 2">
+            <a:extLst>
+              <a:ext uri="{FF2B5EF4-FFF2-40B4-BE49-F238E27FC236}">
+                <a16:creationId xmlns:a16="http://schemas.microsoft.com/office/drawing/2014/main" xmlns="" id="{CA5BD5CC-43FB-468C-B3DD-276E31247046}"/>
+              </a:ext>
+            </a:extLst>
+          </p:cNvPr>
           <p:cNvSpPr>
             <a:spLocks noGrp="1"/>
           </p:cNvSpPr>
@@ -8880,43 +9979,71 @@
           <a:bodyPr/>
           <a:lstStyle/>
           <a:p>
-            <a:r>
-              <a:rPr lang="en-US" dirty="0"/>
+            <a:pPr>
+              <a:lnSpc>
+                <a:spcPct val="150000"/>
+              </a:lnSpc>
+            </a:pPr>
+            <a:r>
+              <a:rPr lang="en-US" sz="2400" dirty="0"/>
               <a:t>to develop a virtual reality application for water cycle education.</a:t>
             </a:r>
+          </a:p>
+          <a:p>
+            <a:pPr>
+              <a:lnSpc>
+                <a:spcPct val="150000"/>
+              </a:lnSpc>
+            </a:pPr>
+            <a:r>
+              <a:rPr lang="en-US" sz="2400" dirty="0"/>
+              <a:t>to provide users with a game to understand water cycle.</a:t>
+            </a:r>
+          </a:p>
+          <a:p>
+            <a:pPr>
+              <a:lnSpc>
+                <a:spcPct val="150000"/>
+              </a:lnSpc>
+            </a:pPr>
+            <a:r>
+              <a:rPr lang="en-US" sz="2400" dirty="0"/>
+              <a:t>to provide user with different mode of interaction.</a:t>
+            </a:r>
+          </a:p>
+          <a:p>
+            <a:pPr>
+              <a:lnSpc>
+                <a:spcPct val="150000"/>
+              </a:lnSpc>
+            </a:pPr>
+            <a:r>
+              <a:rPr lang="en-US" sz="2400" dirty="0"/>
+              <a:t>to provide user with real model view of water cycle.</a:t>
+            </a:r>
+          </a:p>
+          <a:p>
             <a:endParaRPr lang="en-US" dirty="0"/>
           </a:p>
-          <a:p>
-            <a:r>
-              <a:rPr lang="en-US" dirty="0"/>
-              <a:t>to provide users with a game to understand water cycle.</a:t>
-            </a:r>
-            <a:endParaRPr lang="en-US" dirty="0"/>
-          </a:p>
-          <a:p>
-            <a:r>
-              <a:rPr lang="en-US" dirty="0"/>
-              <a:t>to provide user with different mode of interaction.</a:t>
-            </a:r>
-            <a:endParaRPr lang="en-US" dirty="0"/>
-          </a:p>
-          <a:p>
-            <a:r>
-              <a:rPr lang="en-US" dirty="0"/>
-              <a:t>to provide user with real model view of water cycle.</a:t>
-            </a:r>
-            <a:endParaRPr lang="en-US" dirty="0"/>
-          </a:p>
-          <a:p>
-            <a:endParaRPr lang="en-US" dirty="0"/>
-          </a:p>
         </p:txBody>
       </p:sp>
     </p:spTree>
+    <p:extLst>
+      <p:ext uri="{BB962C8B-B14F-4D97-AF65-F5344CB8AC3E}">
+        <p14:creationId xmlns:p14="http://schemas.microsoft.com/office/powerpoint/2010/main" val="2984053545"/>
+      </p:ext>
+    </p:extLst>
   </p:cSld>
   <p:clrMapOvr>
     <a:masterClrMapping/>
   </p:clrMapOvr>
+  <p:timing>
+    <p:tnLst>
+      <p:par>
+        <p:cTn id="1" dur="indefinite" restart="never" nodeType="tmRoot"/>
+      </p:par>
+    </p:tnLst>
+  </p:timing>
 </p:sld>
 </file>
 
@@ -8939,7 +10066,13 @@
       </p:grpSpPr>
       <p:sp>
         <p:nvSpPr>
-          <p:cNvPr id="2" name="Title 1"/>
+          <p:cNvPr id="2" name="Title 1">
+            <a:extLst>
+              <a:ext uri="{FF2B5EF4-FFF2-40B4-BE49-F238E27FC236}">
+                <a16:creationId xmlns:a16="http://schemas.microsoft.com/office/drawing/2014/main" xmlns="" id="{C6F471E8-F97A-4840-8B15-4EB56FA2E1A4}"/>
+              </a:ext>
+            </a:extLst>
+          </p:cNvPr>
           <p:cNvSpPr>
             <a:spLocks noGrp="1"/>
           </p:cNvSpPr>
@@ -8956,13 +10089,18 @@
               <a:rPr lang="en-US" dirty="0"/>
               <a:t>Expected outcome</a:t>
             </a:r>
-            <a:endParaRPr lang="en-US" dirty="0"/>
-          </a:p>
-        </p:txBody>
-      </p:sp>
-      <p:sp>
-        <p:nvSpPr>
-          <p:cNvPr id="3" name="Content Placeholder 2"/>
+          </a:p>
+        </p:txBody>
+      </p:sp>
+      <p:sp>
+        <p:nvSpPr>
+          <p:cNvPr id="3" name="Content Placeholder 2">
+            <a:extLst>
+              <a:ext uri="{FF2B5EF4-FFF2-40B4-BE49-F238E27FC236}">
+                <a16:creationId xmlns:a16="http://schemas.microsoft.com/office/drawing/2014/main" xmlns="" id="{CF2C1132-D263-4A0D-92DE-9FFEF6BB7789}"/>
+              </a:ext>
+            </a:extLst>
+          </p:cNvPr>
           <p:cNvSpPr>
             <a:spLocks noGrp="1"/>
           </p:cNvSpPr>
@@ -8979,29 +10117,38 @@
               <a:rPr lang="en-US" dirty="0"/>
               <a:t>The developed application will allow kids to have tour of different phases of water cycle</a:t>
             </a:r>
-            <a:endParaRPr lang="en-US" dirty="0"/>
           </a:p>
           <a:p>
             <a:r>
               <a:rPr lang="en-US" dirty="0"/>
               <a:t>The developed application will guide kids through different phases with help of a robot companion</a:t>
             </a:r>
-            <a:endParaRPr lang="en-US" dirty="0"/>
           </a:p>
           <a:p>
             <a:r>
               <a:rPr lang="en-US" dirty="0"/>
               <a:t>The developed application will have a mini game for kids as part of interaction.</a:t>
             </a:r>
-            <a:endParaRPr lang="en-US" dirty="0"/>
           </a:p>
         </p:txBody>
       </p:sp>
     </p:spTree>
+    <p:extLst>
+      <p:ext uri="{BB962C8B-B14F-4D97-AF65-F5344CB8AC3E}">
+        <p14:creationId xmlns:p14="http://schemas.microsoft.com/office/powerpoint/2010/main" val="1209583798"/>
+      </p:ext>
+    </p:extLst>
   </p:cSld>
   <p:clrMapOvr>
     <a:masterClrMapping/>
   </p:clrMapOvr>
+  <p:timing>
+    <p:tnLst>
+      <p:par>
+        <p:cTn id="1" dur="indefinite" restart="never" nodeType="tmRoot"/>
+      </p:par>
+    </p:tnLst>
+  </p:timing>
 </p:sld>
 </file>
 
@@ -9024,7 +10171,13 @@
       </p:grpSpPr>
       <p:sp>
         <p:nvSpPr>
-          <p:cNvPr id="2" name="Title 1"/>
+          <p:cNvPr id="2" name="Title 1">
+            <a:extLst>
+              <a:ext uri="{FF2B5EF4-FFF2-40B4-BE49-F238E27FC236}">
+                <a16:creationId xmlns:a16="http://schemas.microsoft.com/office/drawing/2014/main" xmlns="" id="{84D7991D-144A-4372-8BD2-616794586C45}"/>
+              </a:ext>
+            </a:extLst>
+          </p:cNvPr>
           <p:cNvSpPr>
             <a:spLocks noGrp="1"/>
           </p:cNvSpPr>
@@ -9041,15 +10194,26 @@
               <a:rPr lang="en-US" dirty="0"/>
               <a:t>Gantt Chart</a:t>
             </a:r>
-            <a:endParaRPr lang="en-US" dirty="0"/>
           </a:p>
         </p:txBody>
       </p:sp>
       <p:graphicFrame>
         <p:nvGraphicFramePr>
-          <p:cNvPr id="4" name="Chart 3" title="Chart"/>
+          <p:cNvPr id="4" name="Chart 3" title="Chart">
+            <a:extLst>
+              <a:ext uri="{FF2B5EF4-FFF2-40B4-BE49-F238E27FC236}">
+                <a16:creationId xmlns:a16="http://schemas.microsoft.com/office/drawing/2014/main" xmlns="" id="{00000000-0008-0000-0100-000002000000}"/>
+              </a:ext>
+            </a:extLst>
+          </p:cNvPr>
           <p:cNvGraphicFramePr/>
-          <p:nvPr/>
+          <p:nvPr>
+            <p:extLst>
+              <p:ext uri="{D42A27DB-BD31-4B8C-83A1-F6EECF244321}">
+                <p14:modId xmlns:p14="http://schemas.microsoft.com/office/powerpoint/2010/main" val="1856524211"/>
+              </p:ext>
+            </p:extLst>
+          </p:nvPr>
         </p:nvGraphicFramePr>
         <p:xfrm>
           <a:off x="2301459" y="1751329"/>
@@ -9057,15 +10221,27 @@
         </p:xfrm>
         <a:graphic>
           <a:graphicData uri="http://schemas.openxmlformats.org/drawingml/2006/chart">
-            <c:chart xmlns:c="http://schemas.openxmlformats.org/drawingml/2006/chart" xmlns:r="http://schemas.openxmlformats.org/officeDocument/2006/relationships" r:id="rId1"/>
+            <c:chart xmlns:c="http://schemas.openxmlformats.org/drawingml/2006/chart" xmlns:r="http://schemas.openxmlformats.org/officeDocument/2006/relationships" r:id="rId2"/>
           </a:graphicData>
         </a:graphic>
       </p:graphicFrame>
     </p:spTree>
+    <p:extLst>
+      <p:ext uri="{BB962C8B-B14F-4D97-AF65-F5344CB8AC3E}">
+        <p14:creationId xmlns:p14="http://schemas.microsoft.com/office/powerpoint/2010/main" val="1542142762"/>
+      </p:ext>
+    </p:extLst>
   </p:cSld>
   <p:clrMapOvr>
     <a:masterClrMapping/>
   </p:clrMapOvr>
+  <p:timing>
+    <p:tnLst>
+      <p:par>
+        <p:cTn id="1" dur="indefinite" restart="never" nodeType="tmRoot"/>
+      </p:par>
+    </p:tnLst>
+  </p:timing>
 </p:sld>
 </file>
 
@@ -9088,7 +10264,13 @@
       </p:grpSpPr>
       <p:sp>
         <p:nvSpPr>
-          <p:cNvPr id="2" name="Title 1"/>
+          <p:cNvPr id="2" name="Title 1">
+            <a:extLst>
+              <a:ext uri="{FF2B5EF4-FFF2-40B4-BE49-F238E27FC236}">
+                <a16:creationId xmlns:a16="http://schemas.microsoft.com/office/drawing/2014/main" xmlns="" id="{E5CFE099-4597-4BD2-AC20-2C18228114F3}"/>
+              </a:ext>
+            </a:extLst>
+          </p:cNvPr>
           <p:cNvSpPr>
             <a:spLocks noGrp="1"/>
           </p:cNvSpPr>
@@ -9110,13 +10292,18 @@
               <a:rPr lang="en-US" dirty="0"/>
               <a:t>Literature Review</a:t>
             </a:r>
-            <a:endParaRPr lang="en-US" dirty="0"/>
-          </a:p>
-        </p:txBody>
-      </p:sp>
-      <p:sp>
-        <p:nvSpPr>
-          <p:cNvPr id="3" name="Content Placeholder 2"/>
+          </a:p>
+        </p:txBody>
+      </p:sp>
+      <p:sp>
+        <p:nvSpPr>
+          <p:cNvPr id="3" name="Content Placeholder 2">
+            <a:extLst>
+              <a:ext uri="{FF2B5EF4-FFF2-40B4-BE49-F238E27FC236}">
+                <a16:creationId xmlns:a16="http://schemas.microsoft.com/office/drawing/2014/main" xmlns="" id="{3161AE2C-2D22-49D7-A572-CCB0753E3B50}"/>
+              </a:ext>
+            </a:extLst>
+          </p:cNvPr>
           <p:cNvSpPr>
             <a:spLocks noGrp="1"/>
           </p:cNvSpPr>
@@ -9138,7 +10325,6 @@
               <a:rPr lang="en-US" sz="2400" dirty="0"/>
               <a:t>Very few apps have been created in this domain.</a:t>
             </a:r>
-            <a:endParaRPr lang="en-US" sz="2400" dirty="0"/>
           </a:p>
           <a:p>
             <a:pPr marL="0" indent="0">
@@ -9151,7 +10337,6 @@
               <a:rPr lang="en-US" sz="2400" dirty="0"/>
               <a:t>Much apps were focused on water cycle lessons rather than visualization of the water cycle.</a:t>
             </a:r>
-            <a:endParaRPr lang="en-US" sz="2400" dirty="0"/>
           </a:p>
           <a:p>
             <a:pPr marL="0" indent="0">
@@ -9164,7 +10349,6 @@
               <a:rPr lang="en-US" sz="2400" dirty="0"/>
               <a:t>Teachers are looking forward to such applications</a:t>
             </a:r>
-            <a:endParaRPr lang="en-US" sz="2400" dirty="0"/>
           </a:p>
           <a:p>
             <a:pPr marL="0" indent="0">
@@ -9174,7 +10358,6 @@
               <a:rPr lang="en-US" sz="2400" dirty="0"/>
               <a:t> to ease the teaching.</a:t>
             </a:r>
-            <a:endParaRPr lang="en-US" sz="2400" dirty="0"/>
           </a:p>
           <a:p>
             <a:endParaRPr lang="en-US" dirty="0"/>
@@ -9190,11 +10373,11 @@
           <p:nvPr/>
         </p:nvPicPr>
         <p:blipFill>
-          <a:blip r:embed="rId1">
+          <a:blip r:embed="rId2">
             <a:extLst>
               <a:ext uri="{BEBA8EAE-BF5A-486C-A8C5-ECC9F3942E4B}">
                 <a14:imgProps xmlns:a14="http://schemas.microsoft.com/office/drawing/2010/main">
-                  <a14:imgLayer r:embed="rId2">
+                  <a14:imgLayer r:embed="rId3">
                     <a14:imgEffect>
                       <a14:backgroundRemoval t="10000" b="90000" l="10000" r="90000"/>
                     </a14:imgEffect>
@@ -9221,10 +10404,22 @@
         </p:spPr>
       </p:pic>
     </p:spTree>
+    <p:extLst>
+      <p:ext uri="{BB962C8B-B14F-4D97-AF65-F5344CB8AC3E}">
+        <p14:creationId xmlns:p14="http://schemas.microsoft.com/office/powerpoint/2010/main" val="2887603988"/>
+      </p:ext>
+    </p:extLst>
   </p:cSld>
   <p:clrMapOvr>
     <a:masterClrMapping/>
   </p:clrMapOvr>
+  <p:timing>
+    <p:tnLst>
+      <p:par>
+        <p:cTn id="1" dur="indefinite" restart="never" nodeType="tmRoot"/>
+      </p:par>
+    </p:tnLst>
+  </p:timing>
 </p:sld>
 </file>
 
@@ -9247,7 +10442,13 @@
       </p:grpSpPr>
       <p:sp>
         <p:nvSpPr>
-          <p:cNvPr id="2" name="Title 1"/>
+          <p:cNvPr id="2" name="Title 1">
+            <a:extLst>
+              <a:ext uri="{FF2B5EF4-FFF2-40B4-BE49-F238E27FC236}">
+                <a16:creationId xmlns:a16="http://schemas.microsoft.com/office/drawing/2014/main" xmlns="" id="{D4205F1D-BFE7-4BD5-8CD8-366232C62642}"/>
+              </a:ext>
+            </a:extLst>
+          </p:cNvPr>
           <p:cNvSpPr>
             <a:spLocks noGrp="1"/>
           </p:cNvSpPr>
@@ -9269,13 +10470,18 @@
               <a:rPr lang="en-US" dirty="0"/>
               <a:t>Similar Apps</a:t>
             </a:r>
-            <a:endParaRPr lang="en-US" dirty="0"/>
-          </a:p>
-        </p:txBody>
-      </p:sp>
-      <p:sp>
-        <p:nvSpPr>
-          <p:cNvPr id="3" name="Content Placeholder 2"/>
+          </a:p>
+        </p:txBody>
+      </p:sp>
+      <p:sp>
+        <p:nvSpPr>
+          <p:cNvPr id="3" name="Content Placeholder 2">
+            <a:extLst>
+              <a:ext uri="{FF2B5EF4-FFF2-40B4-BE49-F238E27FC236}">
+                <a16:creationId xmlns:a16="http://schemas.microsoft.com/office/drawing/2014/main" xmlns="" id="{284154B4-27BB-4EA9-99CB-74254299DDA4}"/>
+              </a:ext>
+            </a:extLst>
+          </p:cNvPr>
           <p:cNvSpPr>
             <a:spLocks noGrp="1"/>
           </p:cNvSpPr>
@@ -9339,14 +10545,10 @@
               </a:rPr>
               <a:t>Features:</a:t>
             </a:r>
-            <a:endParaRPr lang="en-US" b="1" dirty="0">
-              <a:latin typeface="Calibri Light" panose="020F0302020204030204" pitchFamily="34" charset="0"/>
-              <a:cs typeface="Calibri Light" panose="020F0302020204030204" pitchFamily="34" charset="0"/>
-            </a:endParaRPr>
           </a:p>
           <a:p>
             <a:pPr>
-              <a:buFont typeface="Arial" panose="02080604020202020204" pitchFamily="34" charset="0"/>
+              <a:buFont typeface="Arial" panose="020B0604020202020204" pitchFamily="34" charset="0"/>
               <a:buChar char="•"/>
             </a:pPr>
             <a:r>
@@ -9356,14 +10558,10 @@
               </a:rPr>
               <a:t>VR app.</a:t>
             </a:r>
-            <a:endParaRPr lang="en-US" sz="1800" dirty="0">
-              <a:latin typeface="Calibri" panose="020F0502020204030204" pitchFamily="34" charset="0"/>
-              <a:cs typeface="Calibri" panose="020F0502020204030204" pitchFamily="34" charset="0"/>
-            </a:endParaRPr>
           </a:p>
           <a:p>
             <a:pPr>
-              <a:buFont typeface="Arial" panose="02080604020202020204" pitchFamily="34" charset="0"/>
+              <a:buFont typeface="Arial" panose="020B0604020202020204" pitchFamily="34" charset="0"/>
               <a:buChar char="•"/>
             </a:pPr>
             <a:r>
@@ -9373,14 +10571,10 @@
               </a:rPr>
               <a:t>User is taken to a tour to see different phases of water cycle.</a:t>
             </a:r>
-            <a:endParaRPr lang="en-US" sz="1800" dirty="0">
-              <a:latin typeface="Calibri" panose="020F0502020204030204" pitchFamily="34" charset="0"/>
-              <a:cs typeface="Calibri" panose="020F0502020204030204" pitchFamily="34" charset="0"/>
-            </a:endParaRPr>
           </a:p>
           <a:p>
             <a:pPr>
-              <a:buFont typeface="Arial" panose="02080604020202020204" pitchFamily="34" charset="0"/>
+              <a:buFont typeface="Arial" panose="020B0604020202020204" pitchFamily="34" charset="0"/>
               <a:buChar char="•"/>
             </a:pPr>
             <a:r>
@@ -9390,14 +10584,10 @@
               </a:rPr>
               <a:t>Text is appeared to explain user about the phases.</a:t>
             </a:r>
-            <a:endParaRPr lang="en-US" sz="1800" dirty="0">
-              <a:latin typeface="Calibri" panose="020F0502020204030204" pitchFamily="34" charset="0"/>
-              <a:cs typeface="Calibri" panose="020F0502020204030204" pitchFamily="34" charset="0"/>
-            </a:endParaRPr>
           </a:p>
           <a:p>
             <a:pPr>
-              <a:buFont typeface="Arial" panose="02080604020202020204" pitchFamily="34" charset="0"/>
+              <a:buFont typeface="Arial" panose="020B0604020202020204" pitchFamily="34" charset="0"/>
               <a:buChar char="•"/>
             </a:pPr>
             <a:r>
@@ -9407,10 +10597,6 @@
               </a:rPr>
               <a:t>Audio effect of rain, wind and birds.</a:t>
             </a:r>
-            <a:endParaRPr lang="en-US" sz="1800" dirty="0">
-              <a:latin typeface="Calibri" panose="020F0502020204030204" pitchFamily="34" charset="0"/>
-              <a:cs typeface="Calibri" panose="020F0502020204030204" pitchFamily="34" charset="0"/>
-            </a:endParaRPr>
           </a:p>
           <a:p>
             <a:pPr marL="0" indent="0">
@@ -9432,14 +10618,10 @@
               </a:rPr>
               <a:t>Weaknesses:</a:t>
             </a:r>
-            <a:endParaRPr lang="en-US" b="1" dirty="0">
-              <a:latin typeface="Calibri Light" panose="020F0302020204030204" pitchFamily="34" charset="0"/>
-              <a:cs typeface="Calibri Light" panose="020F0302020204030204" pitchFamily="34" charset="0"/>
-            </a:endParaRPr>
           </a:p>
           <a:p>
             <a:pPr>
-              <a:buFont typeface="Arial" panose="02080604020202020204" pitchFamily="34" charset="0"/>
+              <a:buFont typeface="Arial" panose="020B0604020202020204" pitchFamily="34" charset="0"/>
               <a:buChar char="•"/>
             </a:pPr>
             <a:r>
@@ -9449,14 +10631,10 @@
               </a:rPr>
               <a:t>Lack of animation in evaporation stage.</a:t>
             </a:r>
-            <a:endParaRPr lang="en-US" sz="1800" dirty="0">
-              <a:latin typeface="Calibri" panose="020F0502020204030204" pitchFamily="34" charset="0"/>
-              <a:cs typeface="Calibri" panose="020F0502020204030204" pitchFamily="34" charset="0"/>
-            </a:endParaRPr>
           </a:p>
           <a:p>
             <a:pPr>
-              <a:buFont typeface="Arial" panose="02080604020202020204" pitchFamily="34" charset="0"/>
+              <a:buFont typeface="Arial" panose="020B0604020202020204" pitchFamily="34" charset="0"/>
               <a:buChar char="•"/>
             </a:pPr>
             <a:r>
@@ -9466,14 +10644,10 @@
               </a:rPr>
               <a:t>No text to speech implementation.</a:t>
             </a:r>
-            <a:endParaRPr lang="en-US" sz="1800" dirty="0">
-              <a:latin typeface="Calibri" panose="020F0502020204030204" pitchFamily="34" charset="0"/>
-              <a:cs typeface="Calibri" panose="020F0502020204030204" pitchFamily="34" charset="0"/>
-            </a:endParaRPr>
           </a:p>
           <a:p>
             <a:pPr>
-              <a:buFont typeface="Arial" panose="02080604020202020204" pitchFamily="34" charset="0"/>
+              <a:buFont typeface="Arial" panose="020B0604020202020204" pitchFamily="34" charset="0"/>
               <a:buChar char="•"/>
             </a:pPr>
             <a:r>
@@ -9483,10 +10657,6 @@
               </a:rPr>
               <a:t>The tour gets on repeated by itself.</a:t>
             </a:r>
-            <a:endParaRPr lang="en-US" sz="1800" dirty="0">
-              <a:latin typeface="Calibri" panose="020F0502020204030204" pitchFamily="34" charset="0"/>
-              <a:cs typeface="Calibri" panose="020F0502020204030204" pitchFamily="34" charset="0"/>
-            </a:endParaRPr>
           </a:p>
           <a:p>
             <a:pPr marL="0" indent="0">
@@ -9503,11 +10673,11 @@
           <p:nvPr/>
         </p:nvPicPr>
         <p:blipFill rotWithShape="1">
-          <a:blip r:embed="rId1">
+          <a:blip r:embed="rId2">
             <a:extLst>
               <a:ext uri="{BEBA8EAE-BF5A-486C-A8C5-ECC9F3942E4B}">
                 <a14:imgProps xmlns:a14="http://schemas.microsoft.com/office/drawing/2010/main">
-                  <a14:imgLayer r:embed="rId2">
+                  <a14:imgLayer r:embed="rId3">
                     <a14:imgEffect>
                       <a14:brightnessContrast bright="40000"/>
                     </a14:imgEffect>
@@ -9520,9 +10690,7 @@
             </a:extLst>
           </a:blip>
           <a:srcRect l="24358" t="34644" r="39745" b="28661"/>
-          <a:stretch>
-            <a:fillRect/>
-          </a:stretch>
+          <a:stretch/>
         </p:blipFill>
         <p:spPr bwMode="auto">
           <a:xfrm>
@@ -9535,13 +10703,30 @@
           <a:ln>
             <a:noFill/>
           </a:ln>
+          <a:extLst>
+            <a:ext uri="{53640926-AAD7-44D8-BBD7-CCE9431645EC}">
+              <a14:shadowObscured xmlns:a14="http://schemas.microsoft.com/office/drawing/2010/main"/>
+            </a:ext>
+          </a:extLst>
         </p:spPr>
       </p:pic>
     </p:spTree>
+    <p:extLst>
+      <p:ext uri="{BB962C8B-B14F-4D97-AF65-F5344CB8AC3E}">
+        <p14:creationId xmlns:p14="http://schemas.microsoft.com/office/powerpoint/2010/main" val="1711244689"/>
+      </p:ext>
+    </p:extLst>
   </p:cSld>
   <p:clrMapOvr>
     <a:masterClrMapping/>
   </p:clrMapOvr>
+  <p:timing>
+    <p:tnLst>
+      <p:par>
+        <p:cTn id="1" dur="indefinite" restart="never" nodeType="tmRoot"/>
+      </p:par>
+    </p:tnLst>
+  </p:timing>
 </p:sld>
 </file>
 
@@ -9588,7 +10773,7 @@
     </a:clrScheme>
     <a:fontScheme name="Crop">
       <a:majorFont>
-        <a:latin typeface="Franklin Gothic Book"/>
+        <a:latin typeface="Franklin Gothic Book" panose="020B0503020102020204"/>
         <a:ea typeface=""/>
         <a:cs typeface=""/>
         <a:font script="Jpan" typeface="メイリオ"/>
@@ -9623,7 +10808,7 @@
         <a:font script="Geor" typeface="Sylfaen"/>
       </a:majorFont>
       <a:minorFont>
-        <a:latin typeface="Franklin Gothic Book"/>
+        <a:latin typeface="Franklin Gothic Book" panose="020B0503020102020204"/>
         <a:ea typeface=""/>
         <a:cs typeface=""/>
         <a:font script="Jpan" typeface="メイリオ"/>
@@ -9793,6 +10978,269 @@
       </a:bgFillStyleLst>
     </a:fmtScheme>
   </a:themeElements>
+  <a:objectDefaults/>
+  <a:extraClrSchemeLst/>
+  <a:extLst>
+    <a:ext uri="{05A4C25C-085E-4340-85A3-A5531E510DB2}">
+      <thm15:themeFamily xmlns:thm15="http://schemas.microsoft.com/office/thememl/2012/main" name="Crop" id="{EC9488ED-E761-4D60-9AC4-764D1FE2C171}" vid="{CE19780C-D67D-4C13-9DE9-A52BC3BA51B4}"/>
+    </a:ext>
+  </a:extLst>
+</a:theme>
+</file>
+
+<file path=ppt/theme/theme2.xml><?xml version="1.0" encoding="utf-8"?>
+<a:theme xmlns:a="http://schemas.openxmlformats.org/drawingml/2006/main" name="Office Theme">
+  <a:themeElements>
+    <a:clrScheme name="Office">
+      <a:dk1>
+        <a:sysClr val="windowText" lastClr="000000"/>
+      </a:dk1>
+      <a:lt1>
+        <a:sysClr val="window" lastClr="FFFFFF"/>
+      </a:lt1>
+      <a:dk2>
+        <a:srgbClr val="44546A"/>
+      </a:dk2>
+      <a:lt2>
+        <a:srgbClr val="E7E6E6"/>
+      </a:lt2>
+      <a:accent1>
+        <a:srgbClr val="5B9BD5"/>
+      </a:accent1>
+      <a:accent2>
+        <a:srgbClr val="ED7D31"/>
+      </a:accent2>
+      <a:accent3>
+        <a:srgbClr val="A5A5A5"/>
+      </a:accent3>
+      <a:accent4>
+        <a:srgbClr val="FFC000"/>
+      </a:accent4>
+      <a:accent5>
+        <a:srgbClr val="4472C4"/>
+      </a:accent5>
+      <a:accent6>
+        <a:srgbClr val="70AD47"/>
+      </a:accent6>
+      <a:hlink>
+        <a:srgbClr val="0563C1"/>
+      </a:hlink>
+      <a:folHlink>
+        <a:srgbClr val="954F72"/>
+      </a:folHlink>
+    </a:clrScheme>
+    <a:fontScheme name="Office">
+      <a:majorFont>
+        <a:latin typeface="Calibri Light" panose="020F0302020204030204"/>
+        <a:ea typeface=""/>
+        <a:cs typeface=""/>
+        <a:font script="Jpan" typeface="ＭＳ Ｐゴシック"/>
+        <a:font script="Hang" typeface="맑은 고딕"/>
+        <a:font script="Hans" typeface="宋体"/>
+        <a:font script="Hant" typeface="新細明體"/>
+        <a:font script="Arab" typeface="Times New Roman"/>
+        <a:font script="Hebr" typeface="Times New Roman"/>
+        <a:font script="Thai" typeface="Angsana New"/>
+        <a:font script="Ethi" typeface="Nyala"/>
+        <a:font script="Beng" typeface="Vrinda"/>
+        <a:font script="Gujr" typeface="Shruti"/>
+        <a:font script="Khmr" typeface="MoolBoran"/>
+        <a:font script="Knda" typeface="Tunga"/>
+        <a:font script="Guru" typeface="Raavi"/>
+        <a:font script="Cans" typeface="Euphemia"/>
+        <a:font script="Cher" typeface="Plantagenet Cherokee"/>
+        <a:font script="Yiii" typeface="Microsoft Yi Baiti"/>
+        <a:font script="Tibt" typeface="Microsoft Himalaya"/>
+        <a:font script="Thaa" typeface="MV Boli"/>
+        <a:font script="Deva" typeface="Mangal"/>
+        <a:font script="Telu" typeface="Gautami"/>
+        <a:font script="Taml" typeface="Latha"/>
+        <a:font script="Syrc" typeface="Estrangelo Edessa"/>
+        <a:font script="Orya" typeface="Kalinga"/>
+        <a:font script="Mlym" typeface="Kartika"/>
+        <a:font script="Laoo" typeface="DokChampa"/>
+        <a:font script="Sinh" typeface="Iskoola Pota"/>
+        <a:font script="Mong" typeface="Mongolian Baiti"/>
+        <a:font script="Viet" typeface="Times New Roman"/>
+        <a:font script="Uigh" typeface="Microsoft Uighur"/>
+        <a:font script="Geor" typeface="Sylfaen"/>
+      </a:majorFont>
+      <a:minorFont>
+        <a:latin typeface="Calibri" panose="020F0502020204030204"/>
+        <a:ea typeface=""/>
+        <a:cs typeface=""/>
+        <a:font script="Jpan" typeface="ＭＳ Ｐゴシック"/>
+        <a:font script="Hang" typeface="맑은 고딕"/>
+        <a:font script="Hans" typeface="宋体"/>
+        <a:font script="Hant" typeface="新細明體"/>
+        <a:font script="Arab" typeface="Arial"/>
+        <a:font script="Hebr" typeface="Arial"/>
+        <a:font script="Thai" typeface="Cordia New"/>
+        <a:font script="Ethi" typeface="Nyala"/>
+        <a:font script="Beng" typeface="Vrinda"/>
+        <a:font script="Gujr" typeface="Shruti"/>
+        <a:font script="Khmr" typeface="DaunPenh"/>
+        <a:font script="Knda" typeface="Tunga"/>
+        <a:font script="Guru" typeface="Raavi"/>
+        <a:font script="Cans" typeface="Euphemia"/>
+        <a:font script="Cher" typeface="Plantagenet Cherokee"/>
+        <a:font script="Yiii" typeface="Microsoft Yi Baiti"/>
+        <a:font script="Tibt" typeface="Microsoft Himalaya"/>
+        <a:font script="Thaa" typeface="MV Boli"/>
+        <a:font script="Deva" typeface="Mangal"/>
+        <a:font script="Telu" typeface="Gautami"/>
+        <a:font script="Taml" typeface="Latha"/>
+        <a:font script="Syrc" typeface="Estrangelo Edessa"/>
+        <a:font script="Orya" typeface="Kalinga"/>
+        <a:font script="Mlym" typeface="Kartika"/>
+        <a:font script="Laoo" typeface="DokChampa"/>
+        <a:font script="Sinh" typeface="Iskoola Pota"/>
+        <a:font script="Mong" typeface="Mongolian Baiti"/>
+        <a:font script="Viet" typeface="Arial"/>
+        <a:font script="Uigh" typeface="Microsoft Uighur"/>
+        <a:font script="Geor" typeface="Sylfaen"/>
+      </a:minorFont>
+    </a:fontScheme>
+    <a:fmtScheme name="Office">
+      <a:fillStyleLst>
+        <a:solidFill>
+          <a:schemeClr val="phClr"/>
+        </a:solidFill>
+        <a:gradFill rotWithShape="1">
+          <a:gsLst>
+            <a:gs pos="0">
+              <a:schemeClr val="phClr">
+                <a:lumMod val="110000"/>
+                <a:satMod val="105000"/>
+                <a:tint val="67000"/>
+              </a:schemeClr>
+            </a:gs>
+            <a:gs pos="50000">
+              <a:schemeClr val="phClr">
+                <a:lumMod val="105000"/>
+                <a:satMod val="103000"/>
+                <a:tint val="73000"/>
+              </a:schemeClr>
+            </a:gs>
+            <a:gs pos="100000">
+              <a:schemeClr val="phClr">
+                <a:lumMod val="105000"/>
+                <a:satMod val="109000"/>
+                <a:tint val="81000"/>
+              </a:schemeClr>
+            </a:gs>
+          </a:gsLst>
+          <a:lin ang="5400000" scaled="0"/>
+        </a:gradFill>
+        <a:gradFill rotWithShape="1">
+          <a:gsLst>
+            <a:gs pos="0">
+              <a:schemeClr val="phClr">
+                <a:satMod val="103000"/>
+                <a:lumMod val="102000"/>
+                <a:tint val="94000"/>
+              </a:schemeClr>
+            </a:gs>
+            <a:gs pos="50000">
+              <a:schemeClr val="phClr">
+                <a:satMod val="110000"/>
+                <a:lumMod val="100000"/>
+                <a:shade val="100000"/>
+              </a:schemeClr>
+            </a:gs>
+            <a:gs pos="100000">
+              <a:schemeClr val="phClr">
+                <a:lumMod val="99000"/>
+                <a:satMod val="120000"/>
+                <a:shade val="78000"/>
+              </a:schemeClr>
+            </a:gs>
+          </a:gsLst>
+          <a:lin ang="5400000" scaled="0"/>
+        </a:gradFill>
+      </a:fillStyleLst>
+      <a:lnStyleLst>
+        <a:ln w="6350" cap="flat" cmpd="sng" algn="ctr">
+          <a:solidFill>
+            <a:schemeClr val="phClr"/>
+          </a:solidFill>
+          <a:prstDash val="solid"/>
+          <a:miter lim="800000"/>
+        </a:ln>
+        <a:ln w="12700" cap="flat" cmpd="sng" algn="ctr">
+          <a:solidFill>
+            <a:schemeClr val="phClr"/>
+          </a:solidFill>
+          <a:prstDash val="solid"/>
+          <a:miter lim="800000"/>
+        </a:ln>
+        <a:ln w="19050" cap="flat" cmpd="sng" algn="ctr">
+          <a:solidFill>
+            <a:schemeClr val="phClr"/>
+          </a:solidFill>
+          <a:prstDash val="solid"/>
+          <a:miter lim="800000"/>
+        </a:ln>
+      </a:lnStyleLst>
+      <a:effectStyleLst>
+        <a:effectStyle>
+          <a:effectLst/>
+        </a:effectStyle>
+        <a:effectStyle>
+          <a:effectLst/>
+        </a:effectStyle>
+        <a:effectStyle>
+          <a:effectLst>
+            <a:outerShdw blurRad="57150" dist="19050" dir="5400000" algn="ctr" rotWithShape="0">
+              <a:srgbClr val="000000">
+                <a:alpha val="63000"/>
+              </a:srgbClr>
+            </a:outerShdw>
+          </a:effectLst>
+        </a:effectStyle>
+      </a:effectStyleLst>
+      <a:bgFillStyleLst>
+        <a:solidFill>
+          <a:schemeClr val="phClr"/>
+        </a:solidFill>
+        <a:solidFill>
+          <a:schemeClr val="phClr">
+            <a:tint val="95000"/>
+            <a:satMod val="170000"/>
+          </a:schemeClr>
+        </a:solidFill>
+        <a:gradFill rotWithShape="1">
+          <a:gsLst>
+            <a:gs pos="0">
+              <a:schemeClr val="phClr">
+                <a:tint val="93000"/>
+                <a:satMod val="150000"/>
+                <a:shade val="98000"/>
+                <a:lumMod val="102000"/>
+              </a:schemeClr>
+            </a:gs>
+            <a:gs pos="50000">
+              <a:schemeClr val="phClr">
+                <a:tint val="98000"/>
+                <a:satMod val="130000"/>
+                <a:shade val="90000"/>
+                <a:lumMod val="103000"/>
+              </a:schemeClr>
+            </a:gs>
+            <a:gs pos="100000">
+              <a:schemeClr val="phClr">
+                <a:shade val="63000"/>
+                <a:satMod val="120000"/>
+              </a:schemeClr>
+            </a:gs>
+          </a:gsLst>
+          <a:lin ang="5400000" scaled="0"/>
+        </a:gradFill>
+      </a:bgFillStyleLst>
+    </a:fmtScheme>
+  </a:themeElements>
+  <a:objectDefaults/>
+  <a:extraClrSchemeLst/>
   <a:extLst>
     <a:ext uri="{05A4C25C-085E-4340-85A3-A5531E510DB2}">
       <thm15:themeFamily xmlns:thm15="http://schemas.microsoft.com/office/thememl/2012/main" name="Office Theme" id="{62F939B6-93AF-4DB8-9C6B-D6C7DFDC589F}" vid="{4A3C46E8-61CC-4603-A589-7422A47A8E4A}"/>

--- a/Capstone.pptx
+++ b/Capstone.pptx
@@ -431,11 +431,11 @@
         </c:dLbls>
         <c:gapWidth val="150"/>
         <c:overlap val="100"/>
-        <c:axId val="-1951477440"/>
-        <c:axId val="-1951484512"/>
+        <c:axId val="-13127344"/>
+        <c:axId val="-13126800"/>
       </c:barChart>
       <c:catAx>
-        <c:axId val="-1951477440"/>
+        <c:axId val="-13127344"/>
         <c:scaling>
           <c:orientation val="maxMin"/>
         </c:scaling>
@@ -457,6 +457,7 @@
               </a:p>
             </c:rich>
           </c:tx>
+          <c:layout/>
           <c:overlay val="0"/>
         </c:title>
         <c:numFmt formatCode="General" sourceLinked="1"/>
@@ -473,7 +474,7 @@
             <a:endParaRPr lang="en-US"/>
           </a:p>
         </c:txPr>
-        <c:crossAx val="-1951484512"/>
+        <c:crossAx val="-13126800"/>
         <c:crosses val="autoZero"/>
         <c:auto val="1"/>
         <c:lblAlgn val="ctr"/>
@@ -481,7 +482,7 @@
         <c:noMultiLvlLbl val="1"/>
       </c:catAx>
       <c:valAx>
-        <c:axId val="-1951484512"/>
+        <c:axId val="-13126800"/>
         <c:scaling>
           <c:orientation val="minMax"/>
           <c:max val="43811"/>
@@ -523,6 +524,7 @@
               </a:p>
             </c:rich>
           </c:tx>
+          <c:layout/>
           <c:overlay val="0"/>
         </c:title>
         <c:numFmt formatCode="m&quot;/&quot;d" sourceLinked="1"/>
@@ -544,7 +546,7 @@
             <a:endParaRPr lang="en-US"/>
           </a:p>
         </c:txPr>
-        <c:crossAx val="-1951477440"/>
+        <c:crossAx val="-13127344"/>
         <c:crosses val="max"/>
         <c:crossBetween val="between"/>
         <c:majorUnit val="30"/>
@@ -4702,7 +4704,7 @@
           <p:cNvPr id="2" name="Title 1">
             <a:extLst>
               <a:ext uri="{FF2B5EF4-FFF2-40B4-BE49-F238E27FC236}">
-                <a16:creationId xmlns:a16="http://schemas.microsoft.com/office/drawing/2014/main" xmlns="" id="{D4B74078-9B3D-42FA-9BDC-48CFB5C23CDF}"/>
+                <a16:creationId xmlns="" xmlns:a16="http://schemas.microsoft.com/office/drawing/2014/main" id="{D4B74078-9B3D-42FA-9BDC-48CFB5C23CDF}"/>
               </a:ext>
             </a:extLst>
           </p:cNvPr>
@@ -4753,7 +4755,7 @@
           <p:cNvPr id="3" name="Subtitle 2">
             <a:extLst>
               <a:ext uri="{FF2B5EF4-FFF2-40B4-BE49-F238E27FC236}">
-                <a16:creationId xmlns:a16="http://schemas.microsoft.com/office/drawing/2014/main" xmlns="" id="{95E8DEB2-5F0A-42C5-AB29-93D3EC351981}"/>
+                <a16:creationId xmlns="" xmlns:a16="http://schemas.microsoft.com/office/drawing/2014/main" id="{95E8DEB2-5F0A-42C5-AB29-93D3EC351981}"/>
               </a:ext>
             </a:extLst>
           </p:cNvPr>
@@ -4822,7 +4824,7 @@
           <p:cNvPr id="5" name="Picture 4">
             <a:extLst>
               <a:ext uri="{FF2B5EF4-FFF2-40B4-BE49-F238E27FC236}">
-                <a16:creationId xmlns:a16="http://schemas.microsoft.com/office/drawing/2014/main" xmlns="" id="{71EE52B0-6832-49F3-B628-65D1CF408DB1}"/>
+                <a16:creationId xmlns="" xmlns:a16="http://schemas.microsoft.com/office/drawing/2014/main" id="{71EE52B0-6832-49F3-B628-65D1CF408DB1}"/>
               </a:ext>
             </a:extLst>
           </p:cNvPr>
@@ -5838,7 +5840,7 @@
           <p:cNvPr id="2" name="Title 1">
             <a:extLst>
               <a:ext uri="{FF2B5EF4-FFF2-40B4-BE49-F238E27FC236}">
-                <a16:creationId xmlns:a16="http://schemas.microsoft.com/office/drawing/2014/main" xmlns="" id="{0B9848FB-072D-4F76-B987-E07018C544D7}"/>
+                <a16:creationId xmlns="" xmlns:a16="http://schemas.microsoft.com/office/drawing/2014/main" id="{0B9848FB-072D-4F76-B987-E07018C544D7}"/>
               </a:ext>
             </a:extLst>
           </p:cNvPr>
@@ -5863,74 +5865,37 @@
       </p:sp>
       <p:graphicFrame>
         <p:nvGraphicFramePr>
-          <p:cNvPr id="4" name="Content Placeholder 3"/>
+          <p:cNvPr id="3" name="Table 2"/>
           <p:cNvGraphicFramePr>
             <a:graphicFrameLocks noGrp="1"/>
           </p:cNvGraphicFramePr>
           <p:nvPr>
-            <p:ph idx="1"/>
             <p:extLst>
               <p:ext uri="{D42A27DB-BD31-4B8C-83A1-F6EECF244321}">
-                <p14:modId xmlns:p14="http://schemas.microsoft.com/office/powerpoint/2010/main" val="1261164639"/>
+                <p14:modId xmlns:p14="http://schemas.microsoft.com/office/powerpoint/2010/main" val="3364952752"/>
               </p:ext>
             </p:extLst>
           </p:nvPr>
         </p:nvGraphicFramePr>
         <p:xfrm>
-          <a:off x="1093509" y="1574278"/>
-          <a:ext cx="10284645" cy="4930216"/>
+          <a:off x="1371600" y="1524661"/>
+          <a:ext cx="9601198" cy="4913849"/>
         </p:xfrm>
         <a:graphic>
           <a:graphicData uri="http://schemas.openxmlformats.org/drawingml/2006/table">
             <a:tbl>
               <a:tblPr firstRow="1" firstCol="1" bandRow="1">
-                <a:tableStyleId>{69CF1AB2-1976-4502-BF36-3FF5EA218861}</a:tableStyleId>
+                <a:tableStyleId>{BC89EF96-8CEA-46FF-86C4-4CE0E7609802}</a:tableStyleId>
               </a:tblPr>
               <a:tblGrid>
-                <a:gridCol w="2697430">
-                  <a:extLst>
-                    <a:ext uri="{9D8B030D-6E8A-4147-A177-3AD203B41FA5}">
-                      <a16:colId xmlns:a16="http://schemas.microsoft.com/office/drawing/2014/main" xmlns="" val="20000"/>
-                    </a:ext>
-                  </a:extLst>
-                </a:gridCol>
-                <a:gridCol w="1398667">
-                  <a:extLst>
-                    <a:ext uri="{9D8B030D-6E8A-4147-A177-3AD203B41FA5}">
-                      <a16:colId xmlns:a16="http://schemas.microsoft.com/office/drawing/2014/main" xmlns="" val="20001"/>
-                    </a:ext>
-                  </a:extLst>
-                </a:gridCol>
-                <a:gridCol w="1257690">
-                  <a:extLst>
-                    <a:ext uri="{9D8B030D-6E8A-4147-A177-3AD203B41FA5}">
-                      <a16:colId xmlns:a16="http://schemas.microsoft.com/office/drawing/2014/main" xmlns="" val="20002"/>
-                    </a:ext>
-                  </a:extLst>
-                </a:gridCol>
-                <a:gridCol w="1140025">
-                  <a:extLst>
-                    <a:ext uri="{9D8B030D-6E8A-4147-A177-3AD203B41FA5}">
-                      <a16:colId xmlns:a16="http://schemas.microsoft.com/office/drawing/2014/main" xmlns="" val="20003"/>
-                    </a:ext>
-                  </a:extLst>
-                </a:gridCol>
-                <a:gridCol w="1298763">
-                  <a:extLst>
-                    <a:ext uri="{9D8B030D-6E8A-4147-A177-3AD203B41FA5}">
-                      <a16:colId xmlns:a16="http://schemas.microsoft.com/office/drawing/2014/main" xmlns="" val="20004"/>
-                    </a:ext>
-                  </a:extLst>
-                </a:gridCol>
-                <a:gridCol w="2492070">
-                  <a:extLst>
-                    <a:ext uri="{9D8B030D-6E8A-4147-A177-3AD203B41FA5}">
-                      <a16:colId xmlns:a16="http://schemas.microsoft.com/office/drawing/2014/main" xmlns="" val="20005"/>
-                    </a:ext>
-                  </a:extLst>
-                </a:gridCol>
+                <a:gridCol w="2518177"/>
+                <a:gridCol w="1305722"/>
+                <a:gridCol w="1174113"/>
+                <a:gridCol w="1064267"/>
+                <a:gridCol w="1212455"/>
+                <a:gridCol w="2326464"/>
               </a:tblGrid>
-              <a:tr h="1426318">
+              <a:tr h="1421582">
                 <a:tc>
                   <a:txBody>
                     <a:bodyPr/>
@@ -5948,12 +5913,12 @@
                         </a:spcAft>
                       </a:pPr>
                       <a:r>
-                        <a:rPr lang="en-US" sz="1400" dirty="0">
+                        <a:rPr lang="en-US" sz="1600" dirty="0">
                           <a:effectLst/>
                         </a:rPr>
                         <a:t>Features\ Apps</a:t>
                       </a:r>
-                      <a:endParaRPr lang="en-US" sz="1400" b="1" dirty="0">
+                      <a:endParaRPr lang="en-US" sz="1600" dirty="0">
                         <a:effectLst/>
                         <a:latin typeface="Calibri" panose="020F0502020204030204" pitchFamily="34" charset="0"/>
                         <a:ea typeface="Calibri" panose="020F0502020204030204" pitchFamily="34" charset="0"/>
@@ -5961,14 +5926,64 @@
                       </a:endParaRPr>
                     </a:p>
                   </a:txBody>
-                  <a:tcPr marL="68580" marR="68580" marT="0" marB="0" anchor="ctr"/>
+                  <a:tcPr marL="68580" marR="68580" marT="0" marB="0" anchor="ctr">
+                    <a:lnL w="12700" cap="flat" cmpd="sng" algn="ctr">
+                      <a:solidFill>
+                        <a:schemeClr val="tx1"/>
+                      </a:solidFill>
+                      <a:prstDash val="solid"/>
+                      <a:round/>
+                      <a:headEnd type="none" w="med" len="med"/>
+                      <a:tailEnd type="none" w="med" len="med"/>
+                    </a:lnL>
+                    <a:lnR w="12700" cap="flat" cmpd="sng" algn="ctr">
+                      <a:solidFill>
+                        <a:schemeClr val="tx1"/>
+                      </a:solidFill>
+                      <a:prstDash val="solid"/>
+                      <a:round/>
+                      <a:headEnd type="none" w="med" len="med"/>
+                      <a:tailEnd type="none" w="med" len="med"/>
+                    </a:lnR>
+                    <a:lnT w="12700" cap="flat" cmpd="sng" algn="ctr">
+                      <a:solidFill>
+                        <a:schemeClr val="tx1"/>
+                      </a:solidFill>
+                      <a:prstDash val="solid"/>
+                      <a:round/>
+                      <a:headEnd type="none" w="med" len="med"/>
+                      <a:tailEnd type="none" w="med" len="med"/>
+                    </a:lnT>
+                    <a:lnB w="12700" cap="flat" cmpd="sng" algn="ctr">
+                      <a:solidFill>
+                        <a:schemeClr val="tx1"/>
+                      </a:solidFill>
+                      <a:prstDash val="solid"/>
+                      <a:round/>
+                      <a:headEnd type="none" w="med" len="med"/>
+                      <a:tailEnd type="none" w="med" len="med"/>
+                    </a:lnB>
+                    <a:lnTlToBr w="12700" cmpd="sng">
+                      <a:noFill/>
+                      <a:prstDash val="solid"/>
+                    </a:lnTlToBr>
+                    <a:lnBlToTr w="12700" cmpd="sng">
+                      <a:noFill/>
+                      <a:prstDash val="solid"/>
+                    </a:lnBlToTr>
+                    <a:solidFill>
+                      <a:schemeClr val="bg1">
+                        <a:lumMod val="85000"/>
+                      </a:schemeClr>
+                    </a:solidFill>
+                  </a:tcPr>
                 </a:tc>
                 <a:tc>
                   <a:txBody>
                     <a:bodyPr/>
                     <a:lstStyle/>
                     <a:p>
-                      <a:pPr marL="0" marR="0" algn="ctr" defTabSz="914400" rtl="0" eaLnBrk="1" latinLnBrk="0" hangingPunct="1">
+                      <a:pPr marL="0" marR="0" algn="ctr">
                         <a:lnSpc>
                           <a:spcPct val="107000"/>
                         </a:lnSpc>
@@ -5980,36 +5995,83 @@
                         </a:spcAft>
                       </a:pPr>
                       <a:r>
-                        <a:rPr lang="en-US" sz="1400" kern="1200" dirty="0">
+                        <a:rPr lang="en-US" sz="1600" dirty="0">
                           <a:effectLst/>
                         </a:rPr>
                         <a:t>Splash </a:t>
                       </a:r>
                       <a:r>
-                        <a:rPr lang="en-US" sz="1400" kern="1200" dirty="0" err="1">
+                        <a:rPr lang="en-US" sz="1600" dirty="0" err="1">
                           <a:effectLst/>
                         </a:rPr>
                         <a:t>Sim</a:t>
                       </a:r>
-                      <a:endParaRPr lang="en-US" sz="1400" kern="1200" dirty="0">
-                        <a:solidFill>
-                          <a:schemeClr val="tx1"/>
-                        </a:solidFill>
+                      <a:endParaRPr lang="en-US" sz="1600" dirty="0">
                         <a:effectLst/>
-                        <a:latin typeface="+mn-lt"/>
-                        <a:ea typeface="+mn-ea"/>
-                        <a:cs typeface="+mn-cs"/>
+                        <a:latin typeface="Calibri" panose="020F0502020204030204" pitchFamily="34" charset="0"/>
+                        <a:ea typeface="Calibri" panose="020F0502020204030204" pitchFamily="34" charset="0"/>
+                        <a:cs typeface="Arial" panose="020B0604020202020204" pitchFamily="34" charset="0"/>
                       </a:endParaRPr>
                     </a:p>
                   </a:txBody>
-                  <a:tcPr marL="68580" marR="68580" marT="0" marB="0" anchor="ctr"/>
+                  <a:tcPr marL="68580" marR="68580" marT="0" marB="0" anchor="ctr">
+                    <a:lnL w="12700" cap="flat" cmpd="sng" algn="ctr">
+                      <a:solidFill>
+                        <a:schemeClr val="tx1"/>
+                      </a:solidFill>
+                      <a:prstDash val="solid"/>
+                      <a:round/>
+                      <a:headEnd type="none" w="med" len="med"/>
+                      <a:tailEnd type="none" w="med" len="med"/>
+                    </a:lnL>
+                    <a:lnR w="12700" cap="flat" cmpd="sng" algn="ctr">
+                      <a:solidFill>
+                        <a:schemeClr val="tx1"/>
+                      </a:solidFill>
+                      <a:prstDash val="solid"/>
+                      <a:round/>
+                      <a:headEnd type="none" w="med" len="med"/>
+                      <a:tailEnd type="none" w="med" len="med"/>
+                    </a:lnR>
+                    <a:lnT w="12700" cap="flat" cmpd="sng" algn="ctr">
+                      <a:solidFill>
+                        <a:schemeClr val="tx1"/>
+                      </a:solidFill>
+                      <a:prstDash val="solid"/>
+                      <a:round/>
+                      <a:headEnd type="none" w="med" len="med"/>
+                      <a:tailEnd type="none" w="med" len="med"/>
+                    </a:lnT>
+                    <a:lnB w="12700" cap="flat" cmpd="sng" algn="ctr">
+                      <a:solidFill>
+                        <a:schemeClr val="tx1"/>
+                      </a:solidFill>
+                      <a:prstDash val="solid"/>
+                      <a:round/>
+                      <a:headEnd type="none" w="med" len="med"/>
+                      <a:tailEnd type="none" w="med" len="med"/>
+                    </a:lnB>
+                    <a:lnTlToBr w="12700" cmpd="sng">
+                      <a:noFill/>
+                      <a:prstDash val="solid"/>
+                    </a:lnTlToBr>
+                    <a:lnBlToTr w="12700" cmpd="sng">
+                      <a:noFill/>
+                      <a:prstDash val="solid"/>
+                    </a:lnBlToTr>
+                    <a:solidFill>
+                      <a:schemeClr val="bg1">
+                        <a:lumMod val="85000"/>
+                      </a:schemeClr>
+                    </a:solidFill>
+                  </a:tcPr>
                 </a:tc>
                 <a:tc>
                   <a:txBody>
                     <a:bodyPr/>
                     <a:lstStyle/>
                     <a:p>
-                      <a:pPr marL="0" marR="0" algn="ctr" defTabSz="914400" rtl="0" eaLnBrk="1" latinLnBrk="0" hangingPunct="1">
+                      <a:pPr marL="0" marR="0" algn="ctr">
                         <a:lnSpc>
                           <a:spcPct val="107000"/>
                         </a:lnSpc>
@@ -6021,48 +6083,95 @@
                         </a:spcAft>
                       </a:pPr>
                       <a:r>
-                        <a:rPr lang="en-US" sz="1400" kern="1200" dirty="0" err="1">
+                        <a:rPr lang="en-US" sz="1800" dirty="0" err="1">
                           <a:effectLst/>
                         </a:rPr>
                         <a:t>Cicle</a:t>
                       </a:r>
                       <a:r>
-                        <a:rPr lang="en-US" sz="1400" kern="1200" dirty="0">
+                        <a:rPr lang="en-US" sz="1800" dirty="0">
                           <a:effectLst/>
                         </a:rPr>
                         <a:t> de </a:t>
                       </a:r>
                       <a:r>
-                        <a:rPr lang="en-US" sz="1400" kern="1200" dirty="0" err="1">
+                        <a:rPr lang="en-US" sz="1800" dirty="0" err="1">
                           <a:effectLst/>
                         </a:rPr>
                         <a:t>l’Aigue</a:t>
                       </a:r>
                       <a:r>
-                        <a:rPr lang="en-US" sz="1400" kern="1200" dirty="0">
+                        <a:rPr lang="en-US" sz="1800" dirty="0">
                           <a:effectLst/>
                         </a:rPr>
                         <a:t> VR</a:t>
                       </a:r>
-                      <a:endParaRPr lang="en-US" sz="1400" kern="1200" dirty="0">
-                        <a:solidFill>
-                          <a:schemeClr val="tx1"/>
-                        </a:solidFill>
+                      <a:endParaRPr lang="en-US" sz="1600" dirty="0">
                         <a:effectLst/>
-                        <a:latin typeface="+mn-lt"/>
-                        <a:ea typeface="+mn-ea"/>
-                        <a:cs typeface="+mn-cs"/>
+                        <a:latin typeface="Calibri" panose="020F0502020204030204" pitchFamily="34" charset="0"/>
+                        <a:ea typeface="Calibri" panose="020F0502020204030204" pitchFamily="34" charset="0"/>
+                        <a:cs typeface="Arial" panose="020B0604020202020204" pitchFamily="34" charset="0"/>
                       </a:endParaRPr>
                     </a:p>
                   </a:txBody>
-                  <a:tcPr marL="68580" marR="68580" marT="0" marB="0" anchor="ctr"/>
+                  <a:tcPr marL="68580" marR="68580" marT="0" marB="0" anchor="ctr">
+                    <a:lnL w="12700" cap="flat" cmpd="sng" algn="ctr">
+                      <a:solidFill>
+                        <a:schemeClr val="tx1"/>
+                      </a:solidFill>
+                      <a:prstDash val="solid"/>
+                      <a:round/>
+                      <a:headEnd type="none" w="med" len="med"/>
+                      <a:tailEnd type="none" w="med" len="med"/>
+                    </a:lnL>
+                    <a:lnR w="12700" cap="flat" cmpd="sng" algn="ctr">
+                      <a:solidFill>
+                        <a:schemeClr val="tx1"/>
+                      </a:solidFill>
+                      <a:prstDash val="solid"/>
+                      <a:round/>
+                      <a:headEnd type="none" w="med" len="med"/>
+                      <a:tailEnd type="none" w="med" len="med"/>
+                    </a:lnR>
+                    <a:lnT w="12700" cap="flat" cmpd="sng" algn="ctr">
+                      <a:solidFill>
+                        <a:schemeClr val="tx1"/>
+                      </a:solidFill>
+                      <a:prstDash val="solid"/>
+                      <a:round/>
+                      <a:headEnd type="none" w="med" len="med"/>
+                      <a:tailEnd type="none" w="med" len="med"/>
+                    </a:lnT>
+                    <a:lnB w="12700" cap="flat" cmpd="sng" algn="ctr">
+                      <a:solidFill>
+                        <a:schemeClr val="tx1"/>
+                      </a:solidFill>
+                      <a:prstDash val="solid"/>
+                      <a:round/>
+                      <a:headEnd type="none" w="med" len="med"/>
+                      <a:tailEnd type="none" w="med" len="med"/>
+                    </a:lnB>
+                    <a:lnTlToBr w="12700" cmpd="sng">
+                      <a:noFill/>
+                      <a:prstDash val="solid"/>
+                    </a:lnTlToBr>
+                    <a:lnBlToTr w="12700" cmpd="sng">
+                      <a:noFill/>
+                      <a:prstDash val="solid"/>
+                    </a:lnBlToTr>
+                    <a:solidFill>
+                      <a:schemeClr val="bg1">
+                        <a:lumMod val="85000"/>
+                      </a:schemeClr>
+                    </a:solidFill>
+                  </a:tcPr>
                 </a:tc>
                 <a:tc>
                   <a:txBody>
                     <a:bodyPr/>
                     <a:lstStyle/>
                     <a:p>
-                      <a:pPr marL="0" marR="0" algn="ctr" defTabSz="914400" rtl="0" eaLnBrk="1" latinLnBrk="0" hangingPunct="1">
+                      <a:pPr marL="0" marR="0" algn="ctr">
                         <a:lnSpc>
                           <a:spcPct val="107000"/>
                         </a:lnSpc>
@@ -6074,14 +6183,14 @@
                         </a:spcAft>
                       </a:pPr>
                       <a:r>
-                        <a:rPr lang="en-US" sz="1400" kern="1200" dirty="0">
+                        <a:rPr lang="en-US" sz="1600" dirty="0">
                           <a:effectLst/>
                         </a:rPr>
                         <a:t>TABI the water cycle</a:t>
                       </a:r>
                     </a:p>
                     <a:p>
-                      <a:pPr marL="0" marR="0" algn="ctr" defTabSz="914400" rtl="0" eaLnBrk="1" latinLnBrk="0" hangingPunct="1">
+                      <a:pPr marL="0" marR="0" algn="ctr">
                         <a:lnSpc>
                           <a:spcPct val="107000"/>
                         </a:lnSpc>
@@ -6093,30 +6202,77 @@
                         </a:spcAft>
                       </a:pPr>
                       <a:r>
-                        <a:rPr lang="en-US" sz="1400" kern="1200" dirty="0">
+                        <a:rPr lang="en-US" sz="1600" dirty="0">
                           <a:effectLst/>
                         </a:rPr>
                         <a:t> </a:t>
                       </a:r>
-                      <a:endParaRPr lang="en-US" sz="1400" kern="1200" dirty="0">
-                        <a:solidFill>
-                          <a:schemeClr val="tx1"/>
-                        </a:solidFill>
+                      <a:endParaRPr lang="en-US" sz="1600" dirty="0">
                         <a:effectLst/>
-                        <a:latin typeface="+mn-lt"/>
-                        <a:ea typeface="+mn-ea"/>
-                        <a:cs typeface="+mn-cs"/>
+                        <a:latin typeface="Calibri" panose="020F0502020204030204" pitchFamily="34" charset="0"/>
+                        <a:ea typeface="Calibri" panose="020F0502020204030204" pitchFamily="34" charset="0"/>
+                        <a:cs typeface="Arial" panose="020B0604020202020204" pitchFamily="34" charset="0"/>
                       </a:endParaRPr>
                     </a:p>
                   </a:txBody>
-                  <a:tcPr marL="68580" marR="68580" marT="0" marB="0" anchor="ctr"/>
+                  <a:tcPr marL="68580" marR="68580" marT="0" marB="0" anchor="ctr">
+                    <a:lnL w="12700" cap="flat" cmpd="sng" algn="ctr">
+                      <a:solidFill>
+                        <a:schemeClr val="tx1"/>
+                      </a:solidFill>
+                      <a:prstDash val="solid"/>
+                      <a:round/>
+                      <a:headEnd type="none" w="med" len="med"/>
+                      <a:tailEnd type="none" w="med" len="med"/>
+                    </a:lnL>
+                    <a:lnR w="12700" cap="flat" cmpd="sng" algn="ctr">
+                      <a:solidFill>
+                        <a:schemeClr val="tx1"/>
+                      </a:solidFill>
+                      <a:prstDash val="solid"/>
+                      <a:round/>
+                      <a:headEnd type="none" w="med" len="med"/>
+                      <a:tailEnd type="none" w="med" len="med"/>
+                    </a:lnR>
+                    <a:lnT w="12700" cap="flat" cmpd="sng" algn="ctr">
+                      <a:solidFill>
+                        <a:schemeClr val="tx1"/>
+                      </a:solidFill>
+                      <a:prstDash val="solid"/>
+                      <a:round/>
+                      <a:headEnd type="none" w="med" len="med"/>
+                      <a:tailEnd type="none" w="med" len="med"/>
+                    </a:lnT>
+                    <a:lnB w="12700" cap="flat" cmpd="sng" algn="ctr">
+                      <a:solidFill>
+                        <a:schemeClr val="tx1"/>
+                      </a:solidFill>
+                      <a:prstDash val="solid"/>
+                      <a:round/>
+                      <a:headEnd type="none" w="med" len="med"/>
+                      <a:tailEnd type="none" w="med" len="med"/>
+                    </a:lnB>
+                    <a:lnTlToBr w="12700" cmpd="sng">
+                      <a:noFill/>
+                      <a:prstDash val="solid"/>
+                    </a:lnTlToBr>
+                    <a:lnBlToTr w="12700" cmpd="sng">
+                      <a:noFill/>
+                      <a:prstDash val="solid"/>
+                    </a:lnBlToTr>
+                    <a:solidFill>
+                      <a:schemeClr val="bg1">
+                        <a:lumMod val="85000"/>
+                      </a:schemeClr>
+                    </a:solidFill>
+                  </a:tcPr>
                 </a:tc>
                 <a:tc>
                   <a:txBody>
                     <a:bodyPr/>
                     <a:lstStyle/>
                     <a:p>
-                      <a:pPr marL="0" marR="0" algn="ctr" defTabSz="914400" rtl="0" eaLnBrk="1" latinLnBrk="0" hangingPunct="1">
+                      <a:pPr marL="0" marR="0" algn="ctr">
                         <a:lnSpc>
                           <a:spcPct val="107000"/>
                         </a:lnSpc>
@@ -6128,36 +6284,89 @@
                         </a:spcAft>
                       </a:pPr>
                       <a:r>
-                        <a:rPr lang="th-TH" sz="1400" kern="1200" dirty="0">
+                        <a:rPr lang="th-TH" sz="1800" dirty="0">
                           <a:effectLst/>
                         </a:rPr>
                         <a:t>วัฏจักรน้ำ (</a:t>
                       </a:r>
                       <a:r>
-                        <a:rPr lang="en-US" sz="1400" kern="1200" dirty="0">
+                        <a:rPr lang="en-US" sz="1800" dirty="0">
                           <a:effectLst/>
                         </a:rPr>
-                        <a:t>Water Cycle )</a:t>
+                        <a:t>Water Cycle</a:t>
                       </a:r>
-                      <a:endParaRPr lang="en-US" sz="1400" kern="1200" dirty="0">
-                        <a:solidFill>
-                          <a:schemeClr val="tx1"/>
-                        </a:solidFill>
+                      <a:r>
+                        <a:rPr lang="en-US" sz="1600" dirty="0">
+                          <a:effectLst/>
+                        </a:rPr>
+                        <a:t> )</a:t>
+                      </a:r>
+                      <a:endParaRPr lang="en-US" sz="1600" dirty="0">
                         <a:effectLst/>
-                        <a:latin typeface="+mn-lt"/>
-                        <a:ea typeface="+mn-ea"/>
-                        <a:cs typeface="+mn-cs"/>
+                        <a:latin typeface="Calibri" panose="020F0502020204030204" pitchFamily="34" charset="0"/>
+                        <a:ea typeface="Calibri" panose="020F0502020204030204" pitchFamily="34" charset="0"/>
+                        <a:cs typeface="Arial" panose="020B0604020202020204" pitchFamily="34" charset="0"/>
                       </a:endParaRPr>
                     </a:p>
                   </a:txBody>
-                  <a:tcPr marL="68580" marR="68580" marT="0" marB="0" anchor="ctr"/>
+                  <a:tcPr marL="68580" marR="68580" marT="0" marB="0" anchor="ctr">
+                    <a:lnL w="12700" cap="flat" cmpd="sng" algn="ctr">
+                      <a:solidFill>
+                        <a:schemeClr val="tx1"/>
+                      </a:solidFill>
+                      <a:prstDash val="solid"/>
+                      <a:round/>
+                      <a:headEnd type="none" w="med" len="med"/>
+                      <a:tailEnd type="none" w="med" len="med"/>
+                    </a:lnL>
+                    <a:lnR w="12700" cap="flat" cmpd="sng" algn="ctr">
+                      <a:solidFill>
+                        <a:schemeClr val="tx1"/>
+                      </a:solidFill>
+                      <a:prstDash val="solid"/>
+                      <a:round/>
+                      <a:headEnd type="none" w="med" len="med"/>
+                      <a:tailEnd type="none" w="med" len="med"/>
+                    </a:lnR>
+                    <a:lnT w="12700" cap="flat" cmpd="sng" algn="ctr">
+                      <a:solidFill>
+                        <a:schemeClr val="tx1"/>
+                      </a:solidFill>
+                      <a:prstDash val="solid"/>
+                      <a:round/>
+                      <a:headEnd type="none" w="med" len="med"/>
+                      <a:tailEnd type="none" w="med" len="med"/>
+                    </a:lnT>
+                    <a:lnB w="12700" cap="flat" cmpd="sng" algn="ctr">
+                      <a:solidFill>
+                        <a:schemeClr val="tx1"/>
+                      </a:solidFill>
+                      <a:prstDash val="solid"/>
+                      <a:round/>
+                      <a:headEnd type="none" w="med" len="med"/>
+                      <a:tailEnd type="none" w="med" len="med"/>
+                    </a:lnB>
+                    <a:lnTlToBr w="12700" cmpd="sng">
+                      <a:noFill/>
+                      <a:prstDash val="solid"/>
+                    </a:lnTlToBr>
+                    <a:lnBlToTr w="12700" cmpd="sng">
+                      <a:noFill/>
+                      <a:prstDash val="solid"/>
+                    </a:lnBlToTr>
+                    <a:solidFill>
+                      <a:schemeClr val="bg1">
+                        <a:lumMod val="85000"/>
+                      </a:schemeClr>
+                    </a:solidFill>
+                  </a:tcPr>
                 </a:tc>
                 <a:tc>
                   <a:txBody>
                     <a:bodyPr/>
                     <a:lstStyle/>
                     <a:p>
-                      <a:pPr marL="0" marR="0" algn="ctr" defTabSz="914400" rtl="0" eaLnBrk="1" latinLnBrk="0" hangingPunct="1">
+                      <a:pPr marL="0" marR="0" algn="ctr">
                         <a:lnSpc>
                           <a:spcPct val="107000"/>
                         </a:lnSpc>
@@ -6169,31 +6378,73 @@
                         </a:spcAft>
                       </a:pPr>
                       <a:r>
-                        <a:rPr lang="en-US" sz="1400" kern="1200" dirty="0">
+                        <a:rPr lang="en-US" sz="1600" dirty="0">
                           <a:effectLst/>
                         </a:rPr>
                         <a:t>VR Water Cycle tour and game (Our app)</a:t>
                       </a:r>
-                      <a:endParaRPr lang="en-US" sz="1400" kern="1200" dirty="0">
-                        <a:solidFill>
-                          <a:schemeClr val="tx1"/>
-                        </a:solidFill>
+                      <a:endParaRPr lang="en-US" sz="1600" dirty="0">
                         <a:effectLst/>
-                        <a:latin typeface="+mn-lt"/>
-                        <a:ea typeface="+mn-ea"/>
-                        <a:cs typeface="+mn-cs"/>
+                        <a:latin typeface="Calibri" panose="020F0502020204030204" pitchFamily="34" charset="0"/>
+                        <a:ea typeface="Calibri" panose="020F0502020204030204" pitchFamily="34" charset="0"/>
+                        <a:cs typeface="Arial" panose="020B0604020202020204" pitchFamily="34" charset="0"/>
                       </a:endParaRPr>
                     </a:p>
                   </a:txBody>
-                  <a:tcPr marL="68580" marR="68580" marT="0" marB="0" anchor="ctr"/>
+                  <a:tcPr marL="68580" marR="68580" marT="0" marB="0" anchor="ctr">
+                    <a:lnL w="12700" cap="flat" cmpd="sng" algn="ctr">
+                      <a:solidFill>
+                        <a:schemeClr val="tx1"/>
+                      </a:solidFill>
+                      <a:prstDash val="solid"/>
+                      <a:round/>
+                      <a:headEnd type="none" w="med" len="med"/>
+                      <a:tailEnd type="none" w="med" len="med"/>
+                    </a:lnL>
+                    <a:lnR w="12700" cap="flat" cmpd="sng" algn="ctr">
+                      <a:solidFill>
+                        <a:schemeClr val="tx1"/>
+                      </a:solidFill>
+                      <a:prstDash val="solid"/>
+                      <a:round/>
+                      <a:headEnd type="none" w="med" len="med"/>
+                      <a:tailEnd type="none" w="med" len="med"/>
+                    </a:lnR>
+                    <a:lnT w="12700" cap="flat" cmpd="sng" algn="ctr">
+                      <a:solidFill>
+                        <a:schemeClr val="tx1"/>
+                      </a:solidFill>
+                      <a:prstDash val="solid"/>
+                      <a:round/>
+                      <a:headEnd type="none" w="med" len="med"/>
+                      <a:tailEnd type="none" w="med" len="med"/>
+                    </a:lnT>
+                    <a:lnB w="12700" cap="flat" cmpd="sng" algn="ctr">
+                      <a:solidFill>
+                        <a:schemeClr val="tx1"/>
+                      </a:solidFill>
+                      <a:prstDash val="solid"/>
+                      <a:round/>
+                      <a:headEnd type="none" w="med" len="med"/>
+                      <a:tailEnd type="none" w="med" len="med"/>
+                    </a:lnB>
+                    <a:lnTlToBr w="12700" cmpd="sng">
+                      <a:noFill/>
+                      <a:prstDash val="solid"/>
+                    </a:lnTlToBr>
+                    <a:lnBlToTr w="12700" cmpd="sng">
+                      <a:noFill/>
+                      <a:prstDash val="solid"/>
+                    </a:lnBlToTr>
+                    <a:solidFill>
+                      <a:schemeClr val="bg1">
+                        <a:lumMod val="85000"/>
+                      </a:schemeClr>
+                    </a:solidFill>
+                  </a:tcPr>
                 </a:tc>
-                <a:extLst>
-                  <a:ext uri="{0D108BD9-81ED-4DB2-BD59-A6C34878D82A}">
-                    <a16:rowId xmlns:a16="http://schemas.microsoft.com/office/drawing/2014/main" xmlns="" val="10000"/>
-                  </a:ext>
-                </a:extLst>
               </a:tr>
-              <a:tr h="315522">
+              <a:tr h="314475">
                 <a:tc>
                   <a:txBody>
                     <a:bodyPr/>
@@ -6224,40 +6475,52 @@
                       </a:endParaRPr>
                     </a:p>
                   </a:txBody>
-                  <a:tcPr marL="68580" marR="68580" marT="0" marB="0" anchor="ctr"/>
-                </a:tc>
-                <a:tc>
-                  <a:txBody>
-                    <a:bodyPr/>
-                    <a:lstStyle/>
-                    <a:p>
-                      <a:pPr marL="0" marR="0" algn="ctr">
-                        <a:lnSpc>
-                          <a:spcPct val="107000"/>
-                        </a:lnSpc>
-                        <a:spcBef>
-                          <a:spcPts val="0"/>
-                        </a:spcBef>
-                        <a:spcAft>
-                          <a:spcPts val="0"/>
-                        </a:spcAft>
-                      </a:pPr>
-                      <a:r>
-                        <a:rPr lang="en-US" sz="1100" dirty="0">
-                          <a:effectLst/>
-                          <a:sym typeface="Wingdings" panose="05000000000000000000" pitchFamily="2" charset="2"/>
-                        </a:rPr>
-                        <a:t></a:t>
-                      </a:r>
-                      <a:endParaRPr lang="en-US" sz="1100" b="1" dirty="0">
-                        <a:effectLst/>
-                        <a:latin typeface="Calibri" panose="020F0502020204030204" pitchFamily="34" charset="0"/>
-                        <a:ea typeface="Calibri" panose="020F0502020204030204" pitchFamily="34" charset="0"/>
-                        <a:cs typeface="Arial" panose="020B0604020202020204" pitchFamily="34" charset="0"/>
-                      </a:endParaRPr>
-                    </a:p>
-                  </a:txBody>
-                  <a:tcPr marL="68580" marR="68580" marT="0" marB="0" anchor="ctr"/>
+                  <a:tcPr marL="68580" marR="68580" marT="0" marB="0" anchor="ctr">
+                    <a:lnL w="12700" cap="flat" cmpd="sng" algn="ctr">
+                      <a:solidFill>
+                        <a:schemeClr val="tx1"/>
+                      </a:solidFill>
+                      <a:prstDash val="solid"/>
+                      <a:round/>
+                      <a:headEnd type="none" w="med" len="med"/>
+                      <a:tailEnd type="none" w="med" len="med"/>
+                    </a:lnL>
+                    <a:lnR w="12700" cap="flat" cmpd="sng" algn="ctr">
+                      <a:solidFill>
+                        <a:schemeClr val="tx1"/>
+                      </a:solidFill>
+                      <a:prstDash val="solid"/>
+                      <a:round/>
+                      <a:headEnd type="none" w="med" len="med"/>
+                      <a:tailEnd type="none" w="med" len="med"/>
+                    </a:lnR>
+                    <a:lnT w="12700" cap="flat" cmpd="sng" algn="ctr">
+                      <a:solidFill>
+                        <a:schemeClr val="tx1"/>
+                      </a:solidFill>
+                      <a:prstDash val="solid"/>
+                      <a:round/>
+                      <a:headEnd type="none" w="med" len="med"/>
+                      <a:tailEnd type="none" w="med" len="med"/>
+                    </a:lnT>
+                    <a:lnB w="12700" cap="flat" cmpd="sng" algn="ctr">
+                      <a:solidFill>
+                        <a:schemeClr val="tx1"/>
+                      </a:solidFill>
+                      <a:prstDash val="solid"/>
+                      <a:round/>
+                      <a:headEnd type="none" w="med" len="med"/>
+                      <a:tailEnd type="none" w="med" len="med"/>
+                    </a:lnB>
+                    <a:lnTlToBr w="12700" cmpd="sng">
+                      <a:noFill/>
+                      <a:prstDash val="solid"/>
+                    </a:lnTlToBr>
+                    <a:lnBlToTr w="12700" cmpd="sng">
+                      <a:noFill/>
+                      <a:prstDash val="solid"/>
+                    </a:lnBlToTr>
+                  </a:tcPr>
                 </a:tc>
                 <a:tc>
                   <a:txBody>
@@ -6282,7 +6545,7 @@
                         </a:rPr>
                         <a:t></a:t>
                       </a:r>
-                      <a:endParaRPr lang="en-US" sz="1100" b="1">
+                      <a:endParaRPr lang="en-US" sz="1100">
                         <a:effectLst/>
                         <a:latin typeface="Calibri" panose="020F0502020204030204" pitchFamily="34" charset="0"/>
                         <a:ea typeface="Calibri" panose="020F0502020204030204" pitchFamily="34" charset="0"/>
@@ -6290,71 +6553,52 @@
                       </a:endParaRPr>
                     </a:p>
                   </a:txBody>
-                  <a:tcPr marL="68580" marR="68580" marT="0" marB="0" anchor="ctr"/>
-                </a:tc>
-                <a:tc>
-                  <a:txBody>
-                    <a:bodyPr/>
-                    <a:lstStyle/>
-                    <a:p>
-                      <a:pPr marL="0" marR="0" algn="ctr">
-                        <a:lnSpc>
-                          <a:spcPct val="107000"/>
-                        </a:lnSpc>
-                        <a:spcBef>
-                          <a:spcPts val="0"/>
-                        </a:spcBef>
-                        <a:spcAft>
-                          <a:spcPts val="0"/>
-                        </a:spcAft>
-                      </a:pPr>
-                      <a:r>
-                        <a:rPr lang="en-US" sz="1100">
-                          <a:effectLst/>
-                        </a:rPr>
-                        <a:t> </a:t>
-                      </a:r>
-                      <a:endParaRPr lang="en-US" sz="1100" b="1">
-                        <a:effectLst/>
-                        <a:latin typeface="Calibri" panose="020F0502020204030204" pitchFamily="34" charset="0"/>
-                        <a:ea typeface="Calibri" panose="020F0502020204030204" pitchFamily="34" charset="0"/>
-                        <a:cs typeface="Arial" panose="020B0604020202020204" pitchFamily="34" charset="0"/>
-                      </a:endParaRPr>
-                    </a:p>
-                  </a:txBody>
-                  <a:tcPr marL="68580" marR="68580" marT="0" marB="0" anchor="ctr"/>
-                </a:tc>
-                <a:tc>
-                  <a:txBody>
-                    <a:bodyPr/>
-                    <a:lstStyle/>
-                    <a:p>
-                      <a:pPr marL="0" marR="0" algn="ctr">
-                        <a:lnSpc>
-                          <a:spcPct val="107000"/>
-                        </a:lnSpc>
-                        <a:spcBef>
-                          <a:spcPts val="0"/>
-                        </a:spcBef>
-                        <a:spcAft>
-                          <a:spcPts val="0"/>
-                        </a:spcAft>
-                      </a:pPr>
-                      <a:r>
-                        <a:rPr lang="en-US" sz="1100">
-                          <a:effectLst/>
-                        </a:rPr>
-                        <a:t> </a:t>
-                      </a:r>
-                      <a:endParaRPr lang="en-US" sz="1100" b="1">
-                        <a:effectLst/>
-                        <a:latin typeface="Calibri" panose="020F0502020204030204" pitchFamily="34" charset="0"/>
-                        <a:ea typeface="Calibri" panose="020F0502020204030204" pitchFamily="34" charset="0"/>
-                        <a:cs typeface="Arial" panose="020B0604020202020204" pitchFamily="34" charset="0"/>
-                      </a:endParaRPr>
-                    </a:p>
-                  </a:txBody>
-                  <a:tcPr marL="68580" marR="68580" marT="0" marB="0" anchor="ctr"/>
+                  <a:tcPr marL="68580" marR="68580" marT="0" marB="0" anchor="ctr">
+                    <a:lnL w="12700" cap="flat" cmpd="sng" algn="ctr">
+                      <a:solidFill>
+                        <a:schemeClr val="tx1"/>
+                      </a:solidFill>
+                      <a:prstDash val="solid"/>
+                      <a:round/>
+                      <a:headEnd type="none" w="med" len="med"/>
+                      <a:tailEnd type="none" w="med" len="med"/>
+                    </a:lnL>
+                    <a:lnR w="12700" cap="flat" cmpd="sng" algn="ctr">
+                      <a:solidFill>
+                        <a:schemeClr val="tx1"/>
+                      </a:solidFill>
+                      <a:prstDash val="solid"/>
+                      <a:round/>
+                      <a:headEnd type="none" w="med" len="med"/>
+                      <a:tailEnd type="none" w="med" len="med"/>
+                    </a:lnR>
+                    <a:lnT w="12700" cap="flat" cmpd="sng" algn="ctr">
+                      <a:solidFill>
+                        <a:schemeClr val="tx1"/>
+                      </a:solidFill>
+                      <a:prstDash val="solid"/>
+                      <a:round/>
+                      <a:headEnd type="none" w="med" len="med"/>
+                      <a:tailEnd type="none" w="med" len="med"/>
+                    </a:lnT>
+                    <a:lnB w="12700" cap="flat" cmpd="sng" algn="ctr">
+                      <a:solidFill>
+                        <a:schemeClr val="tx1"/>
+                      </a:solidFill>
+                      <a:prstDash val="solid"/>
+                      <a:round/>
+                      <a:headEnd type="none" w="med" len="med"/>
+                      <a:tailEnd type="none" w="med" len="med"/>
+                    </a:lnB>
+                    <a:lnTlToBr w="12700" cmpd="sng">
+                      <a:noFill/>
+                      <a:prstDash val="solid"/>
+                    </a:lnTlToBr>
+                    <a:lnBlToTr w="12700" cmpd="sng">
+                      <a:noFill/>
+                      <a:prstDash val="solid"/>
+                    </a:lnBlToTr>
+                  </a:tcPr>
                 </a:tc>
                 <a:tc>
                   <a:txBody>
@@ -6379,7 +6623,7 @@
                         </a:rPr>
                         <a:t></a:t>
                       </a:r>
-                      <a:endParaRPr lang="en-US" sz="1100" b="1">
+                      <a:endParaRPr lang="en-US" sz="1100">
                         <a:effectLst/>
                         <a:latin typeface="Calibri" panose="020F0502020204030204" pitchFamily="34" charset="0"/>
                         <a:ea typeface="Calibri" panose="020F0502020204030204" pitchFamily="34" charset="0"/>
@@ -6387,15 +6631,53 @@
                       </a:endParaRPr>
                     </a:p>
                   </a:txBody>
-                  <a:tcPr marL="68580" marR="68580" marT="0" marB="0" anchor="ctr"/>
+                  <a:tcPr marL="68580" marR="68580" marT="0" marB="0" anchor="ctr">
+                    <a:lnL w="12700" cap="flat" cmpd="sng" algn="ctr">
+                      <a:solidFill>
+                        <a:schemeClr val="tx1"/>
+                      </a:solidFill>
+                      <a:prstDash val="solid"/>
+                      <a:round/>
+                      <a:headEnd type="none" w="med" len="med"/>
+                      <a:tailEnd type="none" w="med" len="med"/>
+                    </a:lnL>
+                    <a:lnR w="12700" cap="flat" cmpd="sng" algn="ctr">
+                      <a:solidFill>
+                        <a:schemeClr val="tx1"/>
+                      </a:solidFill>
+                      <a:prstDash val="solid"/>
+                      <a:round/>
+                      <a:headEnd type="none" w="med" len="med"/>
+                      <a:tailEnd type="none" w="med" len="med"/>
+                    </a:lnR>
+                    <a:lnT w="12700" cap="flat" cmpd="sng" algn="ctr">
+                      <a:solidFill>
+                        <a:schemeClr val="tx1"/>
+                      </a:solidFill>
+                      <a:prstDash val="solid"/>
+                      <a:round/>
+                      <a:headEnd type="none" w="med" len="med"/>
+                      <a:tailEnd type="none" w="med" len="med"/>
+                    </a:lnT>
+                    <a:lnB w="12700" cap="flat" cmpd="sng" algn="ctr">
+                      <a:solidFill>
+                        <a:schemeClr val="tx1"/>
+                      </a:solidFill>
+                      <a:prstDash val="solid"/>
+                      <a:round/>
+                      <a:headEnd type="none" w="med" len="med"/>
+                      <a:tailEnd type="none" w="med" len="med"/>
+                    </a:lnB>
+                    <a:lnTlToBr w="12700" cmpd="sng">
+                      <a:noFill/>
+                      <a:prstDash val="solid"/>
+                    </a:lnTlToBr>
+                    <a:lnBlToTr w="12700" cmpd="sng">
+                      <a:noFill/>
+                      <a:prstDash val="solid"/>
+                    </a:lnBlToTr>
+                  </a:tcPr>
                 </a:tc>
-                <a:extLst>
-                  <a:ext uri="{0D108BD9-81ED-4DB2-BD59-A6C34878D82A}">
-                    <a16:rowId xmlns:a16="http://schemas.microsoft.com/office/drawing/2014/main" xmlns="" val="10001"/>
-                  </a:ext>
-                </a:extLst>
-              </a:tr>
-              <a:tr h="647622">
                 <a:tc>
                   <a:txBody>
                     <a:bodyPr/>
@@ -6413,12 +6695,12 @@
                         </a:spcAft>
                       </a:pPr>
                       <a:r>
-                        <a:rPr lang="en-US" sz="1400" dirty="0">
+                        <a:rPr lang="en-US" sz="1100">
                           <a:effectLst/>
                         </a:rPr>
-                        <a:t>Interactivity implementation</a:t>
+                        <a:t>x</a:t>
                       </a:r>
-                      <a:endParaRPr lang="en-US" sz="1400" dirty="0">
+                      <a:endParaRPr lang="en-US" sz="1100">
                         <a:effectLst/>
                         <a:latin typeface="Calibri" panose="020F0502020204030204" pitchFamily="34" charset="0"/>
                         <a:ea typeface="Calibri" panose="020F0502020204030204" pitchFamily="34" charset="0"/>
@@ -6426,7 +6708,129 @@
                       </a:endParaRPr>
                     </a:p>
                   </a:txBody>
-                  <a:tcPr marL="68580" marR="68580" marT="0" marB="0" anchor="ctr"/>
+                  <a:tcPr marL="68580" marR="68580" marT="0" marB="0" anchor="ctr">
+                    <a:lnL w="12700" cap="flat" cmpd="sng" algn="ctr">
+                      <a:solidFill>
+                        <a:schemeClr val="tx1"/>
+                      </a:solidFill>
+                      <a:prstDash val="solid"/>
+                      <a:round/>
+                      <a:headEnd type="none" w="med" len="med"/>
+                      <a:tailEnd type="none" w="med" len="med"/>
+                    </a:lnL>
+                    <a:lnR w="12700" cap="flat" cmpd="sng" algn="ctr">
+                      <a:solidFill>
+                        <a:schemeClr val="tx1"/>
+                      </a:solidFill>
+                      <a:prstDash val="solid"/>
+                      <a:round/>
+                      <a:headEnd type="none" w="med" len="med"/>
+                      <a:tailEnd type="none" w="med" len="med"/>
+                    </a:lnR>
+                    <a:lnT w="12700" cap="flat" cmpd="sng" algn="ctr">
+                      <a:solidFill>
+                        <a:schemeClr val="tx1"/>
+                      </a:solidFill>
+                      <a:prstDash val="solid"/>
+                      <a:round/>
+                      <a:headEnd type="none" w="med" len="med"/>
+                      <a:tailEnd type="none" w="med" len="med"/>
+                    </a:lnT>
+                    <a:lnB w="12700" cap="flat" cmpd="sng" algn="ctr">
+                      <a:solidFill>
+                        <a:schemeClr val="tx1"/>
+                      </a:solidFill>
+                      <a:prstDash val="solid"/>
+                      <a:round/>
+                      <a:headEnd type="none" w="med" len="med"/>
+                      <a:tailEnd type="none" w="med" len="med"/>
+                    </a:lnB>
+                    <a:lnTlToBr w="12700" cmpd="sng">
+                      <a:noFill/>
+                      <a:prstDash val="solid"/>
+                    </a:lnTlToBr>
+                    <a:lnBlToTr w="12700" cmpd="sng">
+                      <a:noFill/>
+                      <a:prstDash val="solid"/>
+                    </a:lnBlToTr>
+                  </a:tcPr>
+                </a:tc>
+                <a:tc>
+                  <a:txBody>
+                    <a:bodyPr/>
+                    <a:lstStyle/>
+                    <a:p>
+                      <a:pPr marL="0" marR="0" algn="ctr">
+                        <a:lnSpc>
+                          <a:spcPct val="107000"/>
+                        </a:lnSpc>
+                        <a:spcBef>
+                          <a:spcPts val="0"/>
+                        </a:spcBef>
+                        <a:spcAft>
+                          <a:spcPts val="0"/>
+                        </a:spcAft>
+                      </a:pPr>
+                      <a:r>
+                        <a:rPr lang="en-US" sz="1100">
+                          <a:effectLst/>
+                        </a:rPr>
+                        <a:t>x</a:t>
+                      </a:r>
+                      <a:endParaRPr lang="en-US" sz="1100">
+                        <a:effectLst/>
+                        <a:latin typeface="Calibri" panose="020F0502020204030204" pitchFamily="34" charset="0"/>
+                        <a:ea typeface="Calibri" panose="020F0502020204030204" pitchFamily="34" charset="0"/>
+                        <a:cs typeface="Arial" panose="020B0604020202020204" pitchFamily="34" charset="0"/>
+                      </a:endParaRPr>
+                    </a:p>
+                  </a:txBody>
+                  <a:tcPr marL="68580" marR="68580" marT="0" marB="0" anchor="ctr">
+                    <a:lnL w="12700" cap="flat" cmpd="sng" algn="ctr">
+                      <a:solidFill>
+                        <a:schemeClr val="tx1"/>
+                      </a:solidFill>
+                      <a:prstDash val="solid"/>
+                      <a:round/>
+                      <a:headEnd type="none" w="med" len="med"/>
+                      <a:tailEnd type="none" w="med" len="med"/>
+                    </a:lnL>
+                    <a:lnR w="12700" cap="flat" cmpd="sng" algn="ctr">
+                      <a:solidFill>
+                        <a:schemeClr val="tx1"/>
+                      </a:solidFill>
+                      <a:prstDash val="solid"/>
+                      <a:round/>
+                      <a:headEnd type="none" w="med" len="med"/>
+                      <a:tailEnd type="none" w="med" len="med"/>
+                    </a:lnR>
+                    <a:lnT w="12700" cap="flat" cmpd="sng" algn="ctr">
+                      <a:solidFill>
+                        <a:schemeClr val="tx1"/>
+                      </a:solidFill>
+                      <a:prstDash val="solid"/>
+                      <a:round/>
+                      <a:headEnd type="none" w="med" len="med"/>
+                      <a:tailEnd type="none" w="med" len="med"/>
+                    </a:lnT>
+                    <a:lnB w="12700" cap="flat" cmpd="sng" algn="ctr">
+                      <a:solidFill>
+                        <a:schemeClr val="tx1"/>
+                      </a:solidFill>
+                      <a:prstDash val="solid"/>
+                      <a:round/>
+                      <a:headEnd type="none" w="med" len="med"/>
+                      <a:tailEnd type="none" w="med" len="med"/>
+                    </a:lnB>
+                    <a:lnTlToBr w="12700" cmpd="sng">
+                      <a:noFill/>
+                      <a:prstDash val="solid"/>
+                    </a:lnTlToBr>
+                    <a:lnBlToTr w="12700" cmpd="sng">
+                      <a:noFill/>
+                      <a:prstDash val="solid"/>
+                    </a:lnBlToTr>
+                  </a:tcPr>
                 </a:tc>
                 <a:tc>
                   <a:txBody>
@@ -6451,7 +6855,7 @@
                         </a:rPr>
                         <a:t></a:t>
                       </a:r>
-                      <a:endParaRPr lang="en-US" sz="1100" b="1">
+                      <a:endParaRPr lang="en-US" sz="1100">
                         <a:effectLst/>
                         <a:latin typeface="Calibri" panose="020F0502020204030204" pitchFamily="34" charset="0"/>
                         <a:ea typeface="Calibri" panose="020F0502020204030204" pitchFamily="34" charset="0"/>
@@ -6459,7 +6863,131 @@
                       </a:endParaRPr>
                     </a:p>
                   </a:txBody>
-                  <a:tcPr marL="68580" marR="68580" marT="0" marB="0" anchor="ctr"/>
+                  <a:tcPr marL="68580" marR="68580" marT="0" marB="0" anchor="ctr">
+                    <a:lnL w="12700" cap="flat" cmpd="sng" algn="ctr">
+                      <a:solidFill>
+                        <a:schemeClr val="tx1"/>
+                      </a:solidFill>
+                      <a:prstDash val="solid"/>
+                      <a:round/>
+                      <a:headEnd type="none" w="med" len="med"/>
+                      <a:tailEnd type="none" w="med" len="med"/>
+                    </a:lnL>
+                    <a:lnR w="12700" cap="flat" cmpd="sng" algn="ctr">
+                      <a:solidFill>
+                        <a:schemeClr val="tx1"/>
+                      </a:solidFill>
+                      <a:prstDash val="solid"/>
+                      <a:round/>
+                      <a:headEnd type="none" w="med" len="med"/>
+                      <a:tailEnd type="none" w="med" len="med"/>
+                    </a:lnR>
+                    <a:lnT w="12700" cap="flat" cmpd="sng" algn="ctr">
+                      <a:solidFill>
+                        <a:schemeClr val="tx1"/>
+                      </a:solidFill>
+                      <a:prstDash val="solid"/>
+                      <a:round/>
+                      <a:headEnd type="none" w="med" len="med"/>
+                      <a:tailEnd type="none" w="med" len="med"/>
+                    </a:lnT>
+                    <a:lnB w="12700" cap="flat" cmpd="sng" algn="ctr">
+                      <a:solidFill>
+                        <a:schemeClr val="tx1"/>
+                      </a:solidFill>
+                      <a:prstDash val="solid"/>
+                      <a:round/>
+                      <a:headEnd type="none" w="med" len="med"/>
+                      <a:tailEnd type="none" w="med" len="med"/>
+                    </a:lnB>
+                    <a:lnTlToBr w="12700" cmpd="sng">
+                      <a:noFill/>
+                      <a:prstDash val="solid"/>
+                    </a:lnTlToBr>
+                    <a:lnBlToTr w="12700" cmpd="sng">
+                      <a:noFill/>
+                      <a:prstDash val="solid"/>
+                    </a:lnBlToTr>
+                  </a:tcPr>
+                </a:tc>
+              </a:tr>
+              <a:tr h="645471">
+                <a:tc>
+                  <a:txBody>
+                    <a:bodyPr/>
+                    <a:lstStyle/>
+                    <a:p>
+                      <a:pPr marL="0" marR="0" algn="ctr">
+                        <a:lnSpc>
+                          <a:spcPct val="107000"/>
+                        </a:lnSpc>
+                        <a:spcBef>
+                          <a:spcPts val="0"/>
+                        </a:spcBef>
+                        <a:spcAft>
+                          <a:spcPts val="0"/>
+                        </a:spcAft>
+                      </a:pPr>
+                      <a:r>
+                        <a:rPr lang="en-US" sz="1400">
+                          <a:effectLst/>
+                        </a:rPr>
+                        <a:t>Interactivity implementation</a:t>
+                      </a:r>
+                      <a:endParaRPr lang="en-US" sz="1400">
+                        <a:effectLst/>
+                        <a:latin typeface="Calibri" panose="020F0502020204030204" pitchFamily="34" charset="0"/>
+                        <a:ea typeface="Calibri" panose="020F0502020204030204" pitchFamily="34" charset="0"/>
+                        <a:cs typeface="Arial" panose="020B0604020202020204" pitchFamily="34" charset="0"/>
+                      </a:endParaRPr>
+                    </a:p>
+                  </a:txBody>
+                  <a:tcPr marL="68580" marR="68580" marT="0" marB="0" anchor="ctr">
+                    <a:lnL w="12700" cap="flat" cmpd="sng" algn="ctr">
+                      <a:solidFill>
+                        <a:schemeClr val="tx1"/>
+                      </a:solidFill>
+                      <a:prstDash val="solid"/>
+                      <a:round/>
+                      <a:headEnd type="none" w="med" len="med"/>
+                      <a:tailEnd type="none" w="med" len="med"/>
+                    </a:lnL>
+                    <a:lnR w="12700" cap="flat" cmpd="sng" algn="ctr">
+                      <a:solidFill>
+                        <a:schemeClr val="tx1"/>
+                      </a:solidFill>
+                      <a:prstDash val="solid"/>
+                      <a:round/>
+                      <a:headEnd type="none" w="med" len="med"/>
+                      <a:tailEnd type="none" w="med" len="med"/>
+                    </a:lnR>
+                    <a:lnT w="12700" cap="flat" cmpd="sng" algn="ctr">
+                      <a:solidFill>
+                        <a:schemeClr val="tx1"/>
+                      </a:solidFill>
+                      <a:prstDash val="solid"/>
+                      <a:round/>
+                      <a:headEnd type="none" w="med" len="med"/>
+                      <a:tailEnd type="none" w="med" len="med"/>
+                    </a:lnT>
+                    <a:lnB w="12700" cap="flat" cmpd="sng" algn="ctr">
+                      <a:solidFill>
+                        <a:schemeClr val="tx1"/>
+                      </a:solidFill>
+                      <a:prstDash val="solid"/>
+                      <a:round/>
+                      <a:headEnd type="none" w="med" len="med"/>
+                      <a:tailEnd type="none" w="med" len="med"/>
+                    </a:lnB>
+                    <a:lnTlToBr w="12700" cmpd="sng">
+                      <a:noFill/>
+                      <a:prstDash val="solid"/>
+                    </a:lnTlToBr>
+                    <a:lnBlToTr w="12700" cmpd="sng">
+                      <a:noFill/>
+                      <a:prstDash val="solid"/>
+                    </a:lnBlToTr>
+                  </a:tcPr>
                 </a:tc>
                 <a:tc>
                   <a:txBody>
@@ -6484,7 +7012,7 @@
                         </a:rPr>
                         <a:t></a:t>
                       </a:r>
-                      <a:endParaRPr lang="en-US" sz="1100" b="1">
+                      <a:endParaRPr lang="en-US" sz="1100">
                         <a:effectLst/>
                         <a:latin typeface="Calibri" panose="020F0502020204030204" pitchFamily="34" charset="0"/>
                         <a:ea typeface="Calibri" panose="020F0502020204030204" pitchFamily="34" charset="0"/>
@@ -6492,71 +7020,52 @@
                       </a:endParaRPr>
                     </a:p>
                   </a:txBody>
-                  <a:tcPr marL="68580" marR="68580" marT="0" marB="0" anchor="ctr"/>
-                </a:tc>
-                <a:tc>
-                  <a:txBody>
-                    <a:bodyPr/>
-                    <a:lstStyle/>
-                    <a:p>
-                      <a:pPr marL="0" marR="0" algn="ctr">
-                        <a:lnSpc>
-                          <a:spcPct val="107000"/>
-                        </a:lnSpc>
-                        <a:spcBef>
-                          <a:spcPts val="0"/>
-                        </a:spcBef>
-                        <a:spcAft>
-                          <a:spcPts val="0"/>
-                        </a:spcAft>
-                      </a:pPr>
-                      <a:r>
-                        <a:rPr lang="en-US" sz="1100">
-                          <a:effectLst/>
-                        </a:rPr>
-                        <a:t> </a:t>
-                      </a:r>
-                      <a:endParaRPr lang="en-US" sz="1100" b="1">
-                        <a:effectLst/>
-                        <a:latin typeface="Calibri" panose="020F0502020204030204" pitchFamily="34" charset="0"/>
-                        <a:ea typeface="Calibri" panose="020F0502020204030204" pitchFamily="34" charset="0"/>
-                        <a:cs typeface="Arial" panose="020B0604020202020204" pitchFamily="34" charset="0"/>
-                      </a:endParaRPr>
-                    </a:p>
-                  </a:txBody>
-                  <a:tcPr marL="68580" marR="68580" marT="0" marB="0" anchor="ctr"/>
-                </a:tc>
-                <a:tc>
-                  <a:txBody>
-                    <a:bodyPr/>
-                    <a:lstStyle/>
-                    <a:p>
-                      <a:pPr marL="0" marR="0" algn="ctr">
-                        <a:lnSpc>
-                          <a:spcPct val="107000"/>
-                        </a:lnSpc>
-                        <a:spcBef>
-                          <a:spcPts val="0"/>
-                        </a:spcBef>
-                        <a:spcAft>
-                          <a:spcPts val="0"/>
-                        </a:spcAft>
-                      </a:pPr>
-                      <a:r>
-                        <a:rPr lang="en-US" sz="1100">
-                          <a:effectLst/>
-                        </a:rPr>
-                        <a:t> </a:t>
-                      </a:r>
-                      <a:endParaRPr lang="en-US" sz="1100" b="1">
-                        <a:effectLst/>
-                        <a:latin typeface="Calibri" panose="020F0502020204030204" pitchFamily="34" charset="0"/>
-                        <a:ea typeface="Calibri" panose="020F0502020204030204" pitchFamily="34" charset="0"/>
-                        <a:cs typeface="Arial" panose="020B0604020202020204" pitchFamily="34" charset="0"/>
-                      </a:endParaRPr>
-                    </a:p>
-                  </a:txBody>
-                  <a:tcPr marL="68580" marR="68580" marT="0" marB="0" anchor="ctr"/>
+                  <a:tcPr marL="68580" marR="68580" marT="0" marB="0" anchor="ctr">
+                    <a:lnL w="12700" cap="flat" cmpd="sng" algn="ctr">
+                      <a:solidFill>
+                        <a:schemeClr val="tx1"/>
+                      </a:solidFill>
+                      <a:prstDash val="solid"/>
+                      <a:round/>
+                      <a:headEnd type="none" w="med" len="med"/>
+                      <a:tailEnd type="none" w="med" len="med"/>
+                    </a:lnL>
+                    <a:lnR w="12700" cap="flat" cmpd="sng" algn="ctr">
+                      <a:solidFill>
+                        <a:schemeClr val="tx1"/>
+                      </a:solidFill>
+                      <a:prstDash val="solid"/>
+                      <a:round/>
+                      <a:headEnd type="none" w="med" len="med"/>
+                      <a:tailEnd type="none" w="med" len="med"/>
+                    </a:lnR>
+                    <a:lnT w="12700" cap="flat" cmpd="sng" algn="ctr">
+                      <a:solidFill>
+                        <a:schemeClr val="tx1"/>
+                      </a:solidFill>
+                      <a:prstDash val="solid"/>
+                      <a:round/>
+                      <a:headEnd type="none" w="med" len="med"/>
+                      <a:tailEnd type="none" w="med" len="med"/>
+                    </a:lnT>
+                    <a:lnB w="12700" cap="flat" cmpd="sng" algn="ctr">
+                      <a:solidFill>
+                        <a:schemeClr val="tx1"/>
+                      </a:solidFill>
+                      <a:prstDash val="solid"/>
+                      <a:round/>
+                      <a:headEnd type="none" w="med" len="med"/>
+                      <a:tailEnd type="none" w="med" len="med"/>
+                    </a:lnB>
+                    <a:lnTlToBr w="12700" cmpd="sng">
+                      <a:noFill/>
+                      <a:prstDash val="solid"/>
+                    </a:lnTlToBr>
+                    <a:lnBlToTr w="12700" cmpd="sng">
+                      <a:noFill/>
+                      <a:prstDash val="solid"/>
+                    </a:lnBlToTr>
+                  </a:tcPr>
                 </a:tc>
                 <a:tc>
                   <a:txBody>
@@ -6581,7 +7090,7 @@
                         </a:rPr>
                         <a:t></a:t>
                       </a:r>
-                      <a:endParaRPr lang="en-US" sz="1100" b="1">
+                      <a:endParaRPr lang="en-US" sz="1100">
                         <a:effectLst/>
                         <a:latin typeface="Calibri" panose="020F0502020204030204" pitchFamily="34" charset="0"/>
                         <a:ea typeface="Calibri" panose="020F0502020204030204" pitchFamily="34" charset="0"/>
@@ -6589,15 +7098,287 @@
                       </a:endParaRPr>
                     </a:p>
                   </a:txBody>
-                  <a:tcPr marL="68580" marR="68580" marT="0" marB="0" anchor="ctr"/>
+                  <a:tcPr marL="68580" marR="68580" marT="0" marB="0" anchor="ctr">
+                    <a:lnL w="12700" cap="flat" cmpd="sng" algn="ctr">
+                      <a:solidFill>
+                        <a:schemeClr val="tx1"/>
+                      </a:solidFill>
+                      <a:prstDash val="solid"/>
+                      <a:round/>
+                      <a:headEnd type="none" w="med" len="med"/>
+                      <a:tailEnd type="none" w="med" len="med"/>
+                    </a:lnL>
+                    <a:lnR w="12700" cap="flat" cmpd="sng" algn="ctr">
+                      <a:solidFill>
+                        <a:schemeClr val="tx1"/>
+                      </a:solidFill>
+                      <a:prstDash val="solid"/>
+                      <a:round/>
+                      <a:headEnd type="none" w="med" len="med"/>
+                      <a:tailEnd type="none" w="med" len="med"/>
+                    </a:lnR>
+                    <a:lnT w="12700" cap="flat" cmpd="sng" algn="ctr">
+                      <a:solidFill>
+                        <a:schemeClr val="tx1"/>
+                      </a:solidFill>
+                      <a:prstDash val="solid"/>
+                      <a:round/>
+                      <a:headEnd type="none" w="med" len="med"/>
+                      <a:tailEnd type="none" w="med" len="med"/>
+                    </a:lnT>
+                    <a:lnB w="12700" cap="flat" cmpd="sng" algn="ctr">
+                      <a:solidFill>
+                        <a:schemeClr val="tx1"/>
+                      </a:solidFill>
+                      <a:prstDash val="solid"/>
+                      <a:round/>
+                      <a:headEnd type="none" w="med" len="med"/>
+                      <a:tailEnd type="none" w="med" len="med"/>
+                    </a:lnB>
+                    <a:lnTlToBr w="12700" cmpd="sng">
+                      <a:noFill/>
+                      <a:prstDash val="solid"/>
+                    </a:lnTlToBr>
+                    <a:lnBlToTr w="12700" cmpd="sng">
+                      <a:noFill/>
+                      <a:prstDash val="solid"/>
+                    </a:lnBlToTr>
+                  </a:tcPr>
                 </a:tc>
-                <a:extLst>
-                  <a:ext uri="{0D108BD9-81ED-4DB2-BD59-A6C34878D82A}">
-                    <a16:rowId xmlns:a16="http://schemas.microsoft.com/office/drawing/2014/main" xmlns="" val="10002"/>
-                  </a:ext>
-                </a:extLst>
+                <a:tc>
+                  <a:txBody>
+                    <a:bodyPr/>
+                    <a:lstStyle/>
+                    <a:p>
+                      <a:pPr marL="0" marR="0" algn="ctr">
+                        <a:lnSpc>
+                          <a:spcPct val="107000"/>
+                        </a:lnSpc>
+                        <a:spcBef>
+                          <a:spcPts val="0"/>
+                        </a:spcBef>
+                        <a:spcAft>
+                          <a:spcPts val="0"/>
+                        </a:spcAft>
+                      </a:pPr>
+                      <a:r>
+                        <a:rPr lang="en-US" sz="1100">
+                          <a:effectLst/>
+                        </a:rPr>
+                        <a:t>x</a:t>
+                      </a:r>
+                      <a:endParaRPr lang="en-US" sz="1100">
+                        <a:effectLst/>
+                        <a:latin typeface="Calibri" panose="020F0502020204030204" pitchFamily="34" charset="0"/>
+                        <a:ea typeface="Calibri" panose="020F0502020204030204" pitchFamily="34" charset="0"/>
+                        <a:cs typeface="Arial" panose="020B0604020202020204" pitchFamily="34" charset="0"/>
+                      </a:endParaRPr>
+                    </a:p>
+                  </a:txBody>
+                  <a:tcPr marL="68580" marR="68580" marT="0" marB="0" anchor="ctr">
+                    <a:lnL w="12700" cap="flat" cmpd="sng" algn="ctr">
+                      <a:solidFill>
+                        <a:schemeClr val="tx1"/>
+                      </a:solidFill>
+                      <a:prstDash val="solid"/>
+                      <a:round/>
+                      <a:headEnd type="none" w="med" len="med"/>
+                      <a:tailEnd type="none" w="med" len="med"/>
+                    </a:lnL>
+                    <a:lnR w="12700" cap="flat" cmpd="sng" algn="ctr">
+                      <a:solidFill>
+                        <a:schemeClr val="tx1"/>
+                      </a:solidFill>
+                      <a:prstDash val="solid"/>
+                      <a:round/>
+                      <a:headEnd type="none" w="med" len="med"/>
+                      <a:tailEnd type="none" w="med" len="med"/>
+                    </a:lnR>
+                    <a:lnT w="12700" cap="flat" cmpd="sng" algn="ctr">
+                      <a:solidFill>
+                        <a:schemeClr val="tx1"/>
+                      </a:solidFill>
+                      <a:prstDash val="solid"/>
+                      <a:round/>
+                      <a:headEnd type="none" w="med" len="med"/>
+                      <a:tailEnd type="none" w="med" len="med"/>
+                    </a:lnT>
+                    <a:lnB w="12700" cap="flat" cmpd="sng" algn="ctr">
+                      <a:solidFill>
+                        <a:schemeClr val="tx1"/>
+                      </a:solidFill>
+                      <a:prstDash val="solid"/>
+                      <a:round/>
+                      <a:headEnd type="none" w="med" len="med"/>
+                      <a:tailEnd type="none" w="med" len="med"/>
+                    </a:lnB>
+                    <a:lnTlToBr w="12700" cmpd="sng">
+                      <a:noFill/>
+                      <a:prstDash val="solid"/>
+                    </a:lnTlToBr>
+                    <a:lnBlToTr w="12700" cmpd="sng">
+                      <a:noFill/>
+                      <a:prstDash val="solid"/>
+                    </a:lnBlToTr>
+                  </a:tcPr>
+                </a:tc>
+                <a:tc>
+                  <a:txBody>
+                    <a:bodyPr/>
+                    <a:lstStyle/>
+                    <a:p>
+                      <a:pPr marL="0" marR="0" algn="ctr">
+                        <a:lnSpc>
+                          <a:spcPct val="107000"/>
+                        </a:lnSpc>
+                        <a:spcBef>
+                          <a:spcPts val="0"/>
+                        </a:spcBef>
+                        <a:spcAft>
+                          <a:spcPts val="0"/>
+                        </a:spcAft>
+                      </a:pPr>
+                      <a:r>
+                        <a:rPr lang="en-US" sz="1100">
+                          <a:effectLst/>
+                        </a:rPr>
+                        <a:t>x</a:t>
+                      </a:r>
+                      <a:endParaRPr lang="en-US" sz="1100">
+                        <a:effectLst/>
+                        <a:latin typeface="Calibri" panose="020F0502020204030204" pitchFamily="34" charset="0"/>
+                        <a:ea typeface="Calibri" panose="020F0502020204030204" pitchFamily="34" charset="0"/>
+                        <a:cs typeface="Arial" panose="020B0604020202020204" pitchFamily="34" charset="0"/>
+                      </a:endParaRPr>
+                    </a:p>
+                  </a:txBody>
+                  <a:tcPr marL="68580" marR="68580" marT="0" marB="0" anchor="ctr">
+                    <a:lnL w="12700" cap="flat" cmpd="sng" algn="ctr">
+                      <a:solidFill>
+                        <a:schemeClr val="tx1"/>
+                      </a:solidFill>
+                      <a:prstDash val="solid"/>
+                      <a:round/>
+                      <a:headEnd type="none" w="med" len="med"/>
+                      <a:tailEnd type="none" w="med" len="med"/>
+                    </a:lnL>
+                    <a:lnR w="12700" cap="flat" cmpd="sng" algn="ctr">
+                      <a:solidFill>
+                        <a:schemeClr val="tx1"/>
+                      </a:solidFill>
+                      <a:prstDash val="solid"/>
+                      <a:round/>
+                      <a:headEnd type="none" w="med" len="med"/>
+                      <a:tailEnd type="none" w="med" len="med"/>
+                    </a:lnR>
+                    <a:lnT w="12700" cap="flat" cmpd="sng" algn="ctr">
+                      <a:solidFill>
+                        <a:schemeClr val="tx1"/>
+                      </a:solidFill>
+                      <a:prstDash val="solid"/>
+                      <a:round/>
+                      <a:headEnd type="none" w="med" len="med"/>
+                      <a:tailEnd type="none" w="med" len="med"/>
+                    </a:lnT>
+                    <a:lnB w="12700" cap="flat" cmpd="sng" algn="ctr">
+                      <a:solidFill>
+                        <a:schemeClr val="tx1"/>
+                      </a:solidFill>
+                      <a:prstDash val="solid"/>
+                      <a:round/>
+                      <a:headEnd type="none" w="med" len="med"/>
+                      <a:tailEnd type="none" w="med" len="med"/>
+                    </a:lnB>
+                    <a:lnTlToBr w="12700" cmpd="sng">
+                      <a:noFill/>
+                      <a:prstDash val="solid"/>
+                    </a:lnTlToBr>
+                    <a:lnBlToTr w="12700" cmpd="sng">
+                      <a:noFill/>
+                      <a:prstDash val="solid"/>
+                    </a:lnBlToTr>
+                  </a:tcPr>
+                </a:tc>
+                <a:tc>
+                  <a:txBody>
+                    <a:bodyPr/>
+                    <a:lstStyle/>
+                    <a:p>
+                      <a:pPr marL="0" marR="0" algn="ctr">
+                        <a:lnSpc>
+                          <a:spcPct val="107000"/>
+                        </a:lnSpc>
+                        <a:spcBef>
+                          <a:spcPts val="0"/>
+                        </a:spcBef>
+                        <a:spcAft>
+                          <a:spcPts val="0"/>
+                        </a:spcAft>
+                      </a:pPr>
+                      <a:r>
+                        <a:rPr lang="en-US" sz="1100">
+                          <a:effectLst/>
+                          <a:sym typeface="Wingdings" panose="05000000000000000000" pitchFamily="2" charset="2"/>
+                        </a:rPr>
+                        <a:t></a:t>
+                      </a:r>
+                      <a:endParaRPr lang="en-US" sz="1100">
+                        <a:effectLst/>
+                        <a:latin typeface="Calibri" panose="020F0502020204030204" pitchFamily="34" charset="0"/>
+                        <a:ea typeface="Calibri" panose="020F0502020204030204" pitchFamily="34" charset="0"/>
+                        <a:cs typeface="Arial" panose="020B0604020202020204" pitchFamily="34" charset="0"/>
+                      </a:endParaRPr>
+                    </a:p>
+                  </a:txBody>
+                  <a:tcPr marL="68580" marR="68580" marT="0" marB="0" anchor="ctr">
+                    <a:lnL w="12700" cap="flat" cmpd="sng" algn="ctr">
+                      <a:solidFill>
+                        <a:schemeClr val="tx1"/>
+                      </a:solidFill>
+                      <a:prstDash val="solid"/>
+                      <a:round/>
+                      <a:headEnd type="none" w="med" len="med"/>
+                      <a:tailEnd type="none" w="med" len="med"/>
+                    </a:lnL>
+                    <a:lnR w="12700" cap="flat" cmpd="sng" algn="ctr">
+                      <a:solidFill>
+                        <a:schemeClr val="tx1"/>
+                      </a:solidFill>
+                      <a:prstDash val="solid"/>
+                      <a:round/>
+                      <a:headEnd type="none" w="med" len="med"/>
+                      <a:tailEnd type="none" w="med" len="med"/>
+                    </a:lnR>
+                    <a:lnT w="12700" cap="flat" cmpd="sng" algn="ctr">
+                      <a:solidFill>
+                        <a:schemeClr val="tx1"/>
+                      </a:solidFill>
+                      <a:prstDash val="solid"/>
+                      <a:round/>
+                      <a:headEnd type="none" w="med" len="med"/>
+                      <a:tailEnd type="none" w="med" len="med"/>
+                    </a:lnT>
+                    <a:lnB w="12700" cap="flat" cmpd="sng" algn="ctr">
+                      <a:solidFill>
+                        <a:schemeClr val="tx1"/>
+                      </a:solidFill>
+                      <a:prstDash val="solid"/>
+                      <a:round/>
+                      <a:headEnd type="none" w="med" len="med"/>
+                      <a:tailEnd type="none" w="med" len="med"/>
+                    </a:lnB>
+                    <a:lnTlToBr w="12700" cmpd="sng">
+                      <a:noFill/>
+                      <a:prstDash val="solid"/>
+                    </a:lnTlToBr>
+                    <a:lnBlToTr w="12700" cmpd="sng">
+                      <a:noFill/>
+                      <a:prstDash val="solid"/>
+                    </a:lnBlToTr>
+                  </a:tcPr>
+                </a:tc>
               </a:tr>
-              <a:tr h="315522">
+              <a:tr h="314475">
                 <a:tc>
                   <a:txBody>
                     <a:bodyPr/>
@@ -6628,7 +7409,52 @@
                       </a:endParaRPr>
                     </a:p>
                   </a:txBody>
-                  <a:tcPr marL="68580" marR="68580" marT="0" marB="0" anchor="ctr"/>
+                  <a:tcPr marL="68580" marR="68580" marT="0" marB="0" anchor="ctr">
+                    <a:lnL w="12700" cap="flat" cmpd="sng" algn="ctr">
+                      <a:solidFill>
+                        <a:schemeClr val="tx1"/>
+                      </a:solidFill>
+                      <a:prstDash val="solid"/>
+                      <a:round/>
+                      <a:headEnd type="none" w="med" len="med"/>
+                      <a:tailEnd type="none" w="med" len="med"/>
+                    </a:lnL>
+                    <a:lnR w="12700" cap="flat" cmpd="sng" algn="ctr">
+                      <a:solidFill>
+                        <a:schemeClr val="tx1"/>
+                      </a:solidFill>
+                      <a:prstDash val="solid"/>
+                      <a:round/>
+                      <a:headEnd type="none" w="med" len="med"/>
+                      <a:tailEnd type="none" w="med" len="med"/>
+                    </a:lnR>
+                    <a:lnT w="12700" cap="flat" cmpd="sng" algn="ctr">
+                      <a:solidFill>
+                        <a:schemeClr val="tx1"/>
+                      </a:solidFill>
+                      <a:prstDash val="solid"/>
+                      <a:round/>
+                      <a:headEnd type="none" w="med" len="med"/>
+                      <a:tailEnd type="none" w="med" len="med"/>
+                    </a:lnT>
+                    <a:lnB w="12700" cap="flat" cmpd="sng" algn="ctr">
+                      <a:solidFill>
+                        <a:schemeClr val="tx1"/>
+                      </a:solidFill>
+                      <a:prstDash val="solid"/>
+                      <a:round/>
+                      <a:headEnd type="none" w="med" len="med"/>
+                      <a:tailEnd type="none" w="med" len="med"/>
+                    </a:lnB>
+                    <a:lnTlToBr w="12700" cmpd="sng">
+                      <a:noFill/>
+                      <a:prstDash val="solid"/>
+                    </a:lnTlToBr>
+                    <a:lnBlToTr w="12700" cmpd="sng">
+                      <a:noFill/>
+                      <a:prstDash val="solid"/>
+                    </a:lnBlToTr>
+                  </a:tcPr>
                 </a:tc>
                 <a:tc>
                   <a:txBody>
@@ -6650,9 +7476,9 @@
                         <a:rPr lang="en-US" sz="1100">
                           <a:effectLst/>
                         </a:rPr>
-                        <a:t> </a:t>
+                        <a:t>x</a:t>
                       </a:r>
-                      <a:endParaRPr lang="en-US" sz="1100" b="1">
+                      <a:endParaRPr lang="en-US" sz="1100">
                         <a:effectLst/>
                         <a:latin typeface="Calibri" panose="020F0502020204030204" pitchFamily="34" charset="0"/>
                         <a:ea typeface="Calibri" panose="020F0502020204030204" pitchFamily="34" charset="0"/>
@@ -6660,7 +7486,52 @@
                       </a:endParaRPr>
                     </a:p>
                   </a:txBody>
-                  <a:tcPr marL="68580" marR="68580" marT="0" marB="0" anchor="ctr"/>
+                  <a:tcPr marL="68580" marR="68580" marT="0" marB="0" anchor="ctr">
+                    <a:lnL w="12700" cap="flat" cmpd="sng" algn="ctr">
+                      <a:solidFill>
+                        <a:schemeClr val="tx1"/>
+                      </a:solidFill>
+                      <a:prstDash val="solid"/>
+                      <a:round/>
+                      <a:headEnd type="none" w="med" len="med"/>
+                      <a:tailEnd type="none" w="med" len="med"/>
+                    </a:lnL>
+                    <a:lnR w="12700" cap="flat" cmpd="sng" algn="ctr">
+                      <a:solidFill>
+                        <a:schemeClr val="tx1"/>
+                      </a:solidFill>
+                      <a:prstDash val="solid"/>
+                      <a:round/>
+                      <a:headEnd type="none" w="med" len="med"/>
+                      <a:tailEnd type="none" w="med" len="med"/>
+                    </a:lnR>
+                    <a:lnT w="12700" cap="flat" cmpd="sng" algn="ctr">
+                      <a:solidFill>
+                        <a:schemeClr val="tx1"/>
+                      </a:solidFill>
+                      <a:prstDash val="solid"/>
+                      <a:round/>
+                      <a:headEnd type="none" w="med" len="med"/>
+                      <a:tailEnd type="none" w="med" len="med"/>
+                    </a:lnT>
+                    <a:lnB w="12700" cap="flat" cmpd="sng" algn="ctr">
+                      <a:solidFill>
+                        <a:schemeClr val="tx1"/>
+                      </a:solidFill>
+                      <a:prstDash val="solid"/>
+                      <a:round/>
+                      <a:headEnd type="none" w="med" len="med"/>
+                      <a:tailEnd type="none" w="med" len="med"/>
+                    </a:lnB>
+                    <a:lnTlToBr w="12700" cmpd="sng">
+                      <a:noFill/>
+                      <a:prstDash val="solid"/>
+                    </a:lnTlToBr>
+                    <a:lnBlToTr w="12700" cmpd="sng">
+                      <a:noFill/>
+                      <a:prstDash val="solid"/>
+                    </a:lnBlToTr>
+                  </a:tcPr>
                 </a:tc>
                 <a:tc>
                   <a:txBody>
@@ -6685,7 +7556,7 @@
                         </a:rPr>
                         <a:t></a:t>
                       </a:r>
-                      <a:endParaRPr lang="en-US" sz="1100" b="1">
+                      <a:endParaRPr lang="en-US" sz="1100">
                         <a:effectLst/>
                         <a:latin typeface="Calibri" panose="020F0502020204030204" pitchFamily="34" charset="0"/>
                         <a:ea typeface="Calibri" panose="020F0502020204030204" pitchFamily="34" charset="0"/>
@@ -6693,7 +7564,52 @@
                       </a:endParaRPr>
                     </a:p>
                   </a:txBody>
-                  <a:tcPr marL="68580" marR="68580" marT="0" marB="0" anchor="ctr"/>
+                  <a:tcPr marL="68580" marR="68580" marT="0" marB="0" anchor="ctr">
+                    <a:lnL w="12700" cap="flat" cmpd="sng" algn="ctr">
+                      <a:solidFill>
+                        <a:schemeClr val="tx1"/>
+                      </a:solidFill>
+                      <a:prstDash val="solid"/>
+                      <a:round/>
+                      <a:headEnd type="none" w="med" len="med"/>
+                      <a:tailEnd type="none" w="med" len="med"/>
+                    </a:lnL>
+                    <a:lnR w="12700" cap="flat" cmpd="sng" algn="ctr">
+                      <a:solidFill>
+                        <a:schemeClr val="tx1"/>
+                      </a:solidFill>
+                      <a:prstDash val="solid"/>
+                      <a:round/>
+                      <a:headEnd type="none" w="med" len="med"/>
+                      <a:tailEnd type="none" w="med" len="med"/>
+                    </a:lnR>
+                    <a:lnT w="12700" cap="flat" cmpd="sng" algn="ctr">
+                      <a:solidFill>
+                        <a:schemeClr val="tx1"/>
+                      </a:solidFill>
+                      <a:prstDash val="solid"/>
+                      <a:round/>
+                      <a:headEnd type="none" w="med" len="med"/>
+                      <a:tailEnd type="none" w="med" len="med"/>
+                    </a:lnT>
+                    <a:lnB w="12700" cap="flat" cmpd="sng" algn="ctr">
+                      <a:solidFill>
+                        <a:schemeClr val="tx1"/>
+                      </a:solidFill>
+                      <a:prstDash val="solid"/>
+                      <a:round/>
+                      <a:headEnd type="none" w="med" len="med"/>
+                      <a:tailEnd type="none" w="med" len="med"/>
+                    </a:lnB>
+                    <a:lnTlToBr w="12700" cmpd="sng">
+                      <a:noFill/>
+                      <a:prstDash val="solid"/>
+                    </a:lnTlToBr>
+                    <a:lnBlToTr w="12700" cmpd="sng">
+                      <a:noFill/>
+                      <a:prstDash val="solid"/>
+                    </a:lnBlToTr>
+                  </a:tcPr>
                 </a:tc>
                 <a:tc>
                   <a:txBody>
@@ -6718,7 +7634,7 @@
                         </a:rPr>
                         <a:t></a:t>
                       </a:r>
-                      <a:endParaRPr lang="en-US" sz="1100" b="1">
+                      <a:endParaRPr lang="en-US" sz="1100">
                         <a:effectLst/>
                         <a:latin typeface="Calibri" panose="020F0502020204030204" pitchFamily="34" charset="0"/>
                         <a:ea typeface="Calibri" panose="020F0502020204030204" pitchFamily="34" charset="0"/>
@@ -6726,7 +7642,52 @@
                       </a:endParaRPr>
                     </a:p>
                   </a:txBody>
-                  <a:tcPr marL="68580" marR="68580" marT="0" marB="0" anchor="ctr"/>
+                  <a:tcPr marL="68580" marR="68580" marT="0" marB="0" anchor="ctr">
+                    <a:lnL w="12700" cap="flat" cmpd="sng" algn="ctr">
+                      <a:solidFill>
+                        <a:schemeClr val="tx1"/>
+                      </a:solidFill>
+                      <a:prstDash val="solid"/>
+                      <a:round/>
+                      <a:headEnd type="none" w="med" len="med"/>
+                      <a:tailEnd type="none" w="med" len="med"/>
+                    </a:lnL>
+                    <a:lnR w="12700" cap="flat" cmpd="sng" algn="ctr">
+                      <a:solidFill>
+                        <a:schemeClr val="tx1"/>
+                      </a:solidFill>
+                      <a:prstDash val="solid"/>
+                      <a:round/>
+                      <a:headEnd type="none" w="med" len="med"/>
+                      <a:tailEnd type="none" w="med" len="med"/>
+                    </a:lnR>
+                    <a:lnT w="12700" cap="flat" cmpd="sng" algn="ctr">
+                      <a:solidFill>
+                        <a:schemeClr val="tx1"/>
+                      </a:solidFill>
+                      <a:prstDash val="solid"/>
+                      <a:round/>
+                      <a:headEnd type="none" w="med" len="med"/>
+                      <a:tailEnd type="none" w="med" len="med"/>
+                    </a:lnT>
+                    <a:lnB w="12700" cap="flat" cmpd="sng" algn="ctr">
+                      <a:solidFill>
+                        <a:schemeClr val="tx1"/>
+                      </a:solidFill>
+                      <a:prstDash val="solid"/>
+                      <a:round/>
+                      <a:headEnd type="none" w="med" len="med"/>
+                      <a:tailEnd type="none" w="med" len="med"/>
+                    </a:lnB>
+                    <a:lnTlToBr w="12700" cmpd="sng">
+                      <a:noFill/>
+                      <a:prstDash val="solid"/>
+                    </a:lnTlToBr>
+                    <a:lnBlToTr w="12700" cmpd="sng">
+                      <a:noFill/>
+                      <a:prstDash val="solid"/>
+                    </a:lnBlToTr>
+                  </a:tcPr>
                 </a:tc>
                 <a:tc>
                   <a:txBody>
@@ -6751,7 +7712,7 @@
                         </a:rPr>
                         <a:t></a:t>
                       </a:r>
-                      <a:endParaRPr lang="en-US" sz="1100" b="1">
+                      <a:endParaRPr lang="en-US" sz="1100">
                         <a:effectLst/>
                         <a:latin typeface="Calibri" panose="020F0502020204030204" pitchFamily="34" charset="0"/>
                         <a:ea typeface="Calibri" panose="020F0502020204030204" pitchFamily="34" charset="0"/>
@@ -6759,7 +7720,52 @@
                       </a:endParaRPr>
                     </a:p>
                   </a:txBody>
-                  <a:tcPr marL="68580" marR="68580" marT="0" marB="0" anchor="ctr"/>
+                  <a:tcPr marL="68580" marR="68580" marT="0" marB="0" anchor="ctr">
+                    <a:lnL w="12700" cap="flat" cmpd="sng" algn="ctr">
+                      <a:solidFill>
+                        <a:schemeClr val="tx1"/>
+                      </a:solidFill>
+                      <a:prstDash val="solid"/>
+                      <a:round/>
+                      <a:headEnd type="none" w="med" len="med"/>
+                      <a:tailEnd type="none" w="med" len="med"/>
+                    </a:lnL>
+                    <a:lnR w="12700" cap="flat" cmpd="sng" algn="ctr">
+                      <a:solidFill>
+                        <a:schemeClr val="tx1"/>
+                      </a:solidFill>
+                      <a:prstDash val="solid"/>
+                      <a:round/>
+                      <a:headEnd type="none" w="med" len="med"/>
+                      <a:tailEnd type="none" w="med" len="med"/>
+                    </a:lnR>
+                    <a:lnT w="12700" cap="flat" cmpd="sng" algn="ctr">
+                      <a:solidFill>
+                        <a:schemeClr val="tx1"/>
+                      </a:solidFill>
+                      <a:prstDash val="solid"/>
+                      <a:round/>
+                      <a:headEnd type="none" w="med" len="med"/>
+                      <a:tailEnd type="none" w="med" len="med"/>
+                    </a:lnT>
+                    <a:lnB w="12700" cap="flat" cmpd="sng" algn="ctr">
+                      <a:solidFill>
+                        <a:schemeClr val="tx1"/>
+                      </a:solidFill>
+                      <a:prstDash val="solid"/>
+                      <a:round/>
+                      <a:headEnd type="none" w="med" len="med"/>
+                      <a:tailEnd type="none" w="med" len="med"/>
+                    </a:lnB>
+                    <a:lnTlToBr w="12700" cmpd="sng">
+                      <a:noFill/>
+                      <a:prstDash val="solid"/>
+                    </a:lnTlToBr>
+                    <a:lnBlToTr w="12700" cmpd="sng">
+                      <a:noFill/>
+                      <a:prstDash val="solid"/>
+                    </a:lnBlToTr>
+                  </a:tcPr>
                 </a:tc>
                 <a:tc>
                   <a:txBody>
@@ -6784,7 +7790,7 @@
                         </a:rPr>
                         <a:t></a:t>
                       </a:r>
-                      <a:endParaRPr lang="en-US" sz="1100" b="1">
+                      <a:endParaRPr lang="en-US" sz="1100">
                         <a:effectLst/>
                         <a:latin typeface="Calibri" panose="020F0502020204030204" pitchFamily="34" charset="0"/>
                         <a:ea typeface="Calibri" panose="020F0502020204030204" pitchFamily="34" charset="0"/>
@@ -6792,15 +7798,55 @@
                       </a:endParaRPr>
                     </a:p>
                   </a:txBody>
-                  <a:tcPr marL="68580" marR="68580" marT="0" marB="0" anchor="ctr"/>
+                  <a:tcPr marL="68580" marR="68580" marT="0" marB="0" anchor="ctr">
+                    <a:lnL w="12700" cap="flat" cmpd="sng" algn="ctr">
+                      <a:solidFill>
+                        <a:schemeClr val="tx1"/>
+                      </a:solidFill>
+                      <a:prstDash val="solid"/>
+                      <a:round/>
+                      <a:headEnd type="none" w="med" len="med"/>
+                      <a:tailEnd type="none" w="med" len="med"/>
+                    </a:lnL>
+                    <a:lnR w="12700" cap="flat" cmpd="sng" algn="ctr">
+                      <a:solidFill>
+                        <a:schemeClr val="tx1"/>
+                      </a:solidFill>
+                      <a:prstDash val="solid"/>
+                      <a:round/>
+                      <a:headEnd type="none" w="med" len="med"/>
+                      <a:tailEnd type="none" w="med" len="med"/>
+                    </a:lnR>
+                    <a:lnT w="12700" cap="flat" cmpd="sng" algn="ctr">
+                      <a:solidFill>
+                        <a:schemeClr val="tx1"/>
+                      </a:solidFill>
+                      <a:prstDash val="solid"/>
+                      <a:round/>
+                      <a:headEnd type="none" w="med" len="med"/>
+                      <a:tailEnd type="none" w="med" len="med"/>
+                    </a:lnT>
+                    <a:lnB w="12700" cap="flat" cmpd="sng" algn="ctr">
+                      <a:solidFill>
+                        <a:schemeClr val="tx1"/>
+                      </a:solidFill>
+                      <a:prstDash val="solid"/>
+                      <a:round/>
+                      <a:headEnd type="none" w="med" len="med"/>
+                      <a:tailEnd type="none" w="med" len="med"/>
+                    </a:lnB>
+                    <a:lnTlToBr w="12700" cmpd="sng">
+                      <a:noFill/>
+                      <a:prstDash val="solid"/>
+                    </a:lnTlToBr>
+                    <a:lnBlToTr w="12700" cmpd="sng">
+                      <a:noFill/>
+                      <a:prstDash val="solid"/>
+                    </a:lnBlToTr>
+                  </a:tcPr>
                 </a:tc>
-                <a:extLst>
-                  <a:ext uri="{0D108BD9-81ED-4DB2-BD59-A6C34878D82A}">
-                    <a16:rowId xmlns:a16="http://schemas.microsoft.com/office/drawing/2014/main" xmlns="" val="10003"/>
-                  </a:ext>
-                </a:extLst>
               </a:tr>
-              <a:tr h="315522">
+              <a:tr h="314475">
                 <a:tc>
                   <a:txBody>
                     <a:bodyPr/>
@@ -6831,7 +7877,52 @@
                       </a:endParaRPr>
                     </a:p>
                   </a:txBody>
-                  <a:tcPr marL="68580" marR="68580" marT="0" marB="0" anchor="ctr"/>
+                  <a:tcPr marL="68580" marR="68580" marT="0" marB="0" anchor="ctr">
+                    <a:lnL w="12700" cap="flat" cmpd="sng" algn="ctr">
+                      <a:solidFill>
+                        <a:schemeClr val="tx1"/>
+                      </a:solidFill>
+                      <a:prstDash val="solid"/>
+                      <a:round/>
+                      <a:headEnd type="none" w="med" len="med"/>
+                      <a:tailEnd type="none" w="med" len="med"/>
+                    </a:lnL>
+                    <a:lnR w="12700" cap="flat" cmpd="sng" algn="ctr">
+                      <a:solidFill>
+                        <a:schemeClr val="tx1"/>
+                      </a:solidFill>
+                      <a:prstDash val="solid"/>
+                      <a:round/>
+                      <a:headEnd type="none" w="med" len="med"/>
+                      <a:tailEnd type="none" w="med" len="med"/>
+                    </a:lnR>
+                    <a:lnT w="12700" cap="flat" cmpd="sng" algn="ctr">
+                      <a:solidFill>
+                        <a:schemeClr val="tx1"/>
+                      </a:solidFill>
+                      <a:prstDash val="solid"/>
+                      <a:round/>
+                      <a:headEnd type="none" w="med" len="med"/>
+                      <a:tailEnd type="none" w="med" len="med"/>
+                    </a:lnT>
+                    <a:lnB w="12700" cap="flat" cmpd="sng" algn="ctr">
+                      <a:solidFill>
+                        <a:schemeClr val="tx1"/>
+                      </a:solidFill>
+                      <a:prstDash val="solid"/>
+                      <a:round/>
+                      <a:headEnd type="none" w="med" len="med"/>
+                      <a:tailEnd type="none" w="med" len="med"/>
+                    </a:lnB>
+                    <a:lnTlToBr w="12700" cmpd="sng">
+                      <a:noFill/>
+                      <a:prstDash val="solid"/>
+                    </a:lnTlToBr>
+                    <a:lnBlToTr w="12700" cmpd="sng">
+                      <a:noFill/>
+                      <a:prstDash val="solid"/>
+                    </a:lnBlToTr>
+                  </a:tcPr>
                 </a:tc>
                 <a:tc>
                   <a:txBody>
@@ -6856,7 +7947,7 @@
                         </a:rPr>
                         <a:t></a:t>
                       </a:r>
-                      <a:endParaRPr lang="en-US" sz="1100" b="1">
+                      <a:endParaRPr lang="en-US" sz="1100">
                         <a:effectLst/>
                         <a:latin typeface="Calibri" panose="020F0502020204030204" pitchFamily="34" charset="0"/>
                         <a:ea typeface="Calibri" panose="020F0502020204030204" pitchFamily="34" charset="0"/>
@@ -6864,7 +7955,52 @@
                       </a:endParaRPr>
                     </a:p>
                   </a:txBody>
-                  <a:tcPr marL="68580" marR="68580" marT="0" marB="0" anchor="ctr"/>
+                  <a:tcPr marL="68580" marR="68580" marT="0" marB="0" anchor="ctr">
+                    <a:lnL w="12700" cap="flat" cmpd="sng" algn="ctr">
+                      <a:solidFill>
+                        <a:schemeClr val="tx1"/>
+                      </a:solidFill>
+                      <a:prstDash val="solid"/>
+                      <a:round/>
+                      <a:headEnd type="none" w="med" len="med"/>
+                      <a:tailEnd type="none" w="med" len="med"/>
+                    </a:lnL>
+                    <a:lnR w="12700" cap="flat" cmpd="sng" algn="ctr">
+                      <a:solidFill>
+                        <a:schemeClr val="tx1"/>
+                      </a:solidFill>
+                      <a:prstDash val="solid"/>
+                      <a:round/>
+                      <a:headEnd type="none" w="med" len="med"/>
+                      <a:tailEnd type="none" w="med" len="med"/>
+                    </a:lnR>
+                    <a:lnT w="12700" cap="flat" cmpd="sng" algn="ctr">
+                      <a:solidFill>
+                        <a:schemeClr val="tx1"/>
+                      </a:solidFill>
+                      <a:prstDash val="solid"/>
+                      <a:round/>
+                      <a:headEnd type="none" w="med" len="med"/>
+                      <a:tailEnd type="none" w="med" len="med"/>
+                    </a:lnT>
+                    <a:lnB w="12700" cap="flat" cmpd="sng" algn="ctr">
+                      <a:solidFill>
+                        <a:schemeClr val="tx1"/>
+                      </a:solidFill>
+                      <a:prstDash val="solid"/>
+                      <a:round/>
+                      <a:headEnd type="none" w="med" len="med"/>
+                      <a:tailEnd type="none" w="med" len="med"/>
+                    </a:lnB>
+                    <a:lnTlToBr w="12700" cmpd="sng">
+                      <a:noFill/>
+                      <a:prstDash val="solid"/>
+                    </a:lnTlToBr>
+                    <a:lnBlToTr w="12700" cmpd="sng">
+                      <a:noFill/>
+                      <a:prstDash val="solid"/>
+                    </a:lnBlToTr>
+                  </a:tcPr>
                 </a:tc>
                 <a:tc>
                   <a:txBody>
@@ -6888,7 +8024,7 @@
                         </a:rPr>
                         <a:t> </a:t>
                       </a:r>
-                      <a:endParaRPr lang="en-US" sz="1100" b="1">
+                      <a:endParaRPr lang="en-US" sz="1100">
                         <a:effectLst/>
                         <a:latin typeface="Calibri" panose="020F0502020204030204" pitchFamily="34" charset="0"/>
                         <a:ea typeface="Calibri" panose="020F0502020204030204" pitchFamily="34" charset="0"/>
@@ -6896,7 +8032,52 @@
                       </a:endParaRPr>
                     </a:p>
                   </a:txBody>
-                  <a:tcPr marL="68580" marR="68580" marT="0" marB="0" anchor="ctr"/>
+                  <a:tcPr marL="68580" marR="68580" marT="0" marB="0" anchor="ctr">
+                    <a:lnL w="12700" cap="flat" cmpd="sng" algn="ctr">
+                      <a:solidFill>
+                        <a:schemeClr val="tx1"/>
+                      </a:solidFill>
+                      <a:prstDash val="solid"/>
+                      <a:round/>
+                      <a:headEnd type="none" w="med" len="med"/>
+                      <a:tailEnd type="none" w="med" len="med"/>
+                    </a:lnL>
+                    <a:lnR w="12700" cap="flat" cmpd="sng" algn="ctr">
+                      <a:solidFill>
+                        <a:schemeClr val="tx1"/>
+                      </a:solidFill>
+                      <a:prstDash val="solid"/>
+                      <a:round/>
+                      <a:headEnd type="none" w="med" len="med"/>
+                      <a:tailEnd type="none" w="med" len="med"/>
+                    </a:lnR>
+                    <a:lnT w="12700" cap="flat" cmpd="sng" algn="ctr">
+                      <a:solidFill>
+                        <a:schemeClr val="tx1"/>
+                      </a:solidFill>
+                      <a:prstDash val="solid"/>
+                      <a:round/>
+                      <a:headEnd type="none" w="med" len="med"/>
+                      <a:tailEnd type="none" w="med" len="med"/>
+                    </a:lnT>
+                    <a:lnB w="12700" cap="flat" cmpd="sng" algn="ctr">
+                      <a:solidFill>
+                        <a:schemeClr val="tx1"/>
+                      </a:solidFill>
+                      <a:prstDash val="solid"/>
+                      <a:round/>
+                      <a:headEnd type="none" w="med" len="med"/>
+                      <a:tailEnd type="none" w="med" len="med"/>
+                    </a:lnB>
+                    <a:lnTlToBr w="12700" cmpd="sng">
+                      <a:noFill/>
+                      <a:prstDash val="solid"/>
+                    </a:lnTlToBr>
+                    <a:lnBlToTr w="12700" cmpd="sng">
+                      <a:noFill/>
+                      <a:prstDash val="solid"/>
+                    </a:lnBlToTr>
+                  </a:tcPr>
                 </a:tc>
                 <a:tc>
                   <a:txBody>
@@ -6921,7 +8102,7 @@
                         </a:rPr>
                         <a:t></a:t>
                       </a:r>
-                      <a:endParaRPr lang="en-US" sz="1100" b="1">
+                      <a:endParaRPr lang="en-US" sz="1100">
                         <a:effectLst/>
                         <a:latin typeface="Calibri" panose="020F0502020204030204" pitchFamily="34" charset="0"/>
                         <a:ea typeface="Calibri" panose="020F0502020204030204" pitchFamily="34" charset="0"/>
@@ -6929,7 +8110,52 @@
                       </a:endParaRPr>
                     </a:p>
                   </a:txBody>
-                  <a:tcPr marL="68580" marR="68580" marT="0" marB="0" anchor="ctr"/>
+                  <a:tcPr marL="68580" marR="68580" marT="0" marB="0" anchor="ctr">
+                    <a:lnL w="12700" cap="flat" cmpd="sng" algn="ctr">
+                      <a:solidFill>
+                        <a:schemeClr val="tx1"/>
+                      </a:solidFill>
+                      <a:prstDash val="solid"/>
+                      <a:round/>
+                      <a:headEnd type="none" w="med" len="med"/>
+                      <a:tailEnd type="none" w="med" len="med"/>
+                    </a:lnL>
+                    <a:lnR w="12700" cap="flat" cmpd="sng" algn="ctr">
+                      <a:solidFill>
+                        <a:schemeClr val="tx1"/>
+                      </a:solidFill>
+                      <a:prstDash val="solid"/>
+                      <a:round/>
+                      <a:headEnd type="none" w="med" len="med"/>
+                      <a:tailEnd type="none" w="med" len="med"/>
+                    </a:lnR>
+                    <a:lnT w="12700" cap="flat" cmpd="sng" algn="ctr">
+                      <a:solidFill>
+                        <a:schemeClr val="tx1"/>
+                      </a:solidFill>
+                      <a:prstDash val="solid"/>
+                      <a:round/>
+                      <a:headEnd type="none" w="med" len="med"/>
+                      <a:tailEnd type="none" w="med" len="med"/>
+                    </a:lnT>
+                    <a:lnB w="12700" cap="flat" cmpd="sng" algn="ctr">
+                      <a:solidFill>
+                        <a:schemeClr val="tx1"/>
+                      </a:solidFill>
+                      <a:prstDash val="solid"/>
+                      <a:round/>
+                      <a:headEnd type="none" w="med" len="med"/>
+                      <a:tailEnd type="none" w="med" len="med"/>
+                    </a:lnB>
+                    <a:lnTlToBr w="12700" cmpd="sng">
+                      <a:noFill/>
+                      <a:prstDash val="solid"/>
+                    </a:lnTlToBr>
+                    <a:lnBlToTr w="12700" cmpd="sng">
+                      <a:noFill/>
+                      <a:prstDash val="solid"/>
+                    </a:lnBlToTr>
+                  </a:tcPr>
                 </a:tc>
                 <a:tc>
                   <a:txBody>
@@ -6954,7 +8180,7 @@
                         </a:rPr>
                         <a:t></a:t>
                       </a:r>
-                      <a:endParaRPr lang="en-US" sz="1100" b="1">
+                      <a:endParaRPr lang="en-US" sz="1100">
                         <a:effectLst/>
                         <a:latin typeface="Calibri" panose="020F0502020204030204" pitchFamily="34" charset="0"/>
                         <a:ea typeface="Calibri" panose="020F0502020204030204" pitchFamily="34" charset="0"/>
@@ -6962,7 +8188,52 @@
                       </a:endParaRPr>
                     </a:p>
                   </a:txBody>
-                  <a:tcPr marL="68580" marR="68580" marT="0" marB="0" anchor="ctr"/>
+                  <a:tcPr marL="68580" marR="68580" marT="0" marB="0" anchor="ctr">
+                    <a:lnL w="12700" cap="flat" cmpd="sng" algn="ctr">
+                      <a:solidFill>
+                        <a:schemeClr val="tx1"/>
+                      </a:solidFill>
+                      <a:prstDash val="solid"/>
+                      <a:round/>
+                      <a:headEnd type="none" w="med" len="med"/>
+                      <a:tailEnd type="none" w="med" len="med"/>
+                    </a:lnL>
+                    <a:lnR w="12700" cap="flat" cmpd="sng" algn="ctr">
+                      <a:solidFill>
+                        <a:schemeClr val="tx1"/>
+                      </a:solidFill>
+                      <a:prstDash val="solid"/>
+                      <a:round/>
+                      <a:headEnd type="none" w="med" len="med"/>
+                      <a:tailEnd type="none" w="med" len="med"/>
+                    </a:lnR>
+                    <a:lnT w="12700" cap="flat" cmpd="sng" algn="ctr">
+                      <a:solidFill>
+                        <a:schemeClr val="tx1"/>
+                      </a:solidFill>
+                      <a:prstDash val="solid"/>
+                      <a:round/>
+                      <a:headEnd type="none" w="med" len="med"/>
+                      <a:tailEnd type="none" w="med" len="med"/>
+                    </a:lnT>
+                    <a:lnB w="12700" cap="flat" cmpd="sng" algn="ctr">
+                      <a:solidFill>
+                        <a:schemeClr val="tx1"/>
+                      </a:solidFill>
+                      <a:prstDash val="solid"/>
+                      <a:round/>
+                      <a:headEnd type="none" w="med" len="med"/>
+                      <a:tailEnd type="none" w="med" len="med"/>
+                    </a:lnB>
+                    <a:lnTlToBr w="12700" cmpd="sng">
+                      <a:noFill/>
+                      <a:prstDash val="solid"/>
+                    </a:lnTlToBr>
+                    <a:lnBlToTr w="12700" cmpd="sng">
+                      <a:noFill/>
+                      <a:prstDash val="solid"/>
+                    </a:lnBlToTr>
+                  </a:tcPr>
                 </a:tc>
                 <a:tc>
                   <a:txBody>
@@ -6987,7 +8258,7 @@
                         </a:rPr>
                         <a:t></a:t>
                       </a:r>
-                      <a:endParaRPr lang="en-US" sz="1100" b="1">
+                      <a:endParaRPr lang="en-US" sz="1100">
                         <a:effectLst/>
                         <a:latin typeface="Calibri" panose="020F0502020204030204" pitchFamily="34" charset="0"/>
                         <a:ea typeface="Calibri" panose="020F0502020204030204" pitchFamily="34" charset="0"/>
@@ -6995,15 +8266,55 @@
                       </a:endParaRPr>
                     </a:p>
                   </a:txBody>
-                  <a:tcPr marL="68580" marR="68580" marT="0" marB="0" anchor="ctr"/>
+                  <a:tcPr marL="68580" marR="68580" marT="0" marB="0" anchor="ctr">
+                    <a:lnL w="12700" cap="flat" cmpd="sng" algn="ctr">
+                      <a:solidFill>
+                        <a:schemeClr val="tx1"/>
+                      </a:solidFill>
+                      <a:prstDash val="solid"/>
+                      <a:round/>
+                      <a:headEnd type="none" w="med" len="med"/>
+                      <a:tailEnd type="none" w="med" len="med"/>
+                    </a:lnL>
+                    <a:lnR w="12700" cap="flat" cmpd="sng" algn="ctr">
+                      <a:solidFill>
+                        <a:schemeClr val="tx1"/>
+                      </a:solidFill>
+                      <a:prstDash val="solid"/>
+                      <a:round/>
+                      <a:headEnd type="none" w="med" len="med"/>
+                      <a:tailEnd type="none" w="med" len="med"/>
+                    </a:lnR>
+                    <a:lnT w="12700" cap="flat" cmpd="sng" algn="ctr">
+                      <a:solidFill>
+                        <a:schemeClr val="tx1"/>
+                      </a:solidFill>
+                      <a:prstDash val="solid"/>
+                      <a:round/>
+                      <a:headEnd type="none" w="med" len="med"/>
+                      <a:tailEnd type="none" w="med" len="med"/>
+                    </a:lnT>
+                    <a:lnB w="12700" cap="flat" cmpd="sng" algn="ctr">
+                      <a:solidFill>
+                        <a:schemeClr val="tx1"/>
+                      </a:solidFill>
+                      <a:prstDash val="solid"/>
+                      <a:round/>
+                      <a:headEnd type="none" w="med" len="med"/>
+                      <a:tailEnd type="none" w="med" len="med"/>
+                    </a:lnB>
+                    <a:lnTlToBr w="12700" cmpd="sng">
+                      <a:noFill/>
+                      <a:prstDash val="solid"/>
+                    </a:lnTlToBr>
+                    <a:lnBlToTr w="12700" cmpd="sng">
+                      <a:noFill/>
+                      <a:prstDash val="solid"/>
+                    </a:lnBlToTr>
+                  </a:tcPr>
                 </a:tc>
-                <a:extLst>
-                  <a:ext uri="{0D108BD9-81ED-4DB2-BD59-A6C34878D82A}">
-                    <a16:rowId xmlns:a16="http://schemas.microsoft.com/office/drawing/2014/main" xmlns="" val="10004"/>
-                  </a:ext>
-                </a:extLst>
               </a:tr>
-              <a:tr h="315522">
+              <a:tr h="314475">
                 <a:tc>
                   <a:txBody>
                     <a:bodyPr/>
@@ -7021,12 +8332,12 @@
                         </a:spcAft>
                       </a:pPr>
                       <a:r>
-                        <a:rPr lang="en-US" sz="1400">
+                        <a:rPr lang="en-US" sz="1400" dirty="0">
                           <a:effectLst/>
                         </a:rPr>
                         <a:t>Guided tour</a:t>
                       </a:r>
-                      <a:endParaRPr lang="en-US" sz="1400">
+                      <a:endParaRPr lang="en-US" sz="1400" dirty="0">
                         <a:effectLst/>
                         <a:latin typeface="Calibri" panose="020F0502020204030204" pitchFamily="34" charset="0"/>
                         <a:ea typeface="Calibri" panose="020F0502020204030204" pitchFamily="34" charset="0"/>
@@ -7034,7 +8345,52 @@
                       </a:endParaRPr>
                     </a:p>
                   </a:txBody>
-                  <a:tcPr marL="68580" marR="68580" marT="0" marB="0" anchor="ctr"/>
+                  <a:tcPr marL="68580" marR="68580" marT="0" marB="0" anchor="ctr">
+                    <a:lnL w="12700" cap="flat" cmpd="sng" algn="ctr">
+                      <a:solidFill>
+                        <a:schemeClr val="tx1"/>
+                      </a:solidFill>
+                      <a:prstDash val="solid"/>
+                      <a:round/>
+                      <a:headEnd type="none" w="med" len="med"/>
+                      <a:tailEnd type="none" w="med" len="med"/>
+                    </a:lnL>
+                    <a:lnR w="12700" cap="flat" cmpd="sng" algn="ctr">
+                      <a:solidFill>
+                        <a:schemeClr val="tx1"/>
+                      </a:solidFill>
+                      <a:prstDash val="solid"/>
+                      <a:round/>
+                      <a:headEnd type="none" w="med" len="med"/>
+                      <a:tailEnd type="none" w="med" len="med"/>
+                    </a:lnR>
+                    <a:lnT w="12700" cap="flat" cmpd="sng" algn="ctr">
+                      <a:solidFill>
+                        <a:schemeClr val="tx1"/>
+                      </a:solidFill>
+                      <a:prstDash val="solid"/>
+                      <a:round/>
+                      <a:headEnd type="none" w="med" len="med"/>
+                      <a:tailEnd type="none" w="med" len="med"/>
+                    </a:lnT>
+                    <a:lnB w="12700" cap="flat" cmpd="sng" algn="ctr">
+                      <a:solidFill>
+                        <a:schemeClr val="tx1"/>
+                      </a:solidFill>
+                      <a:prstDash val="solid"/>
+                      <a:round/>
+                      <a:headEnd type="none" w="med" len="med"/>
+                      <a:tailEnd type="none" w="med" len="med"/>
+                    </a:lnB>
+                    <a:lnTlToBr w="12700" cmpd="sng">
+                      <a:noFill/>
+                      <a:prstDash val="solid"/>
+                    </a:lnTlToBr>
+                    <a:lnBlToTr w="12700" cmpd="sng">
+                      <a:noFill/>
+                      <a:prstDash val="solid"/>
+                    </a:lnBlToTr>
+                  </a:tcPr>
                 </a:tc>
                 <a:tc>
                   <a:txBody>
@@ -7059,7 +8415,7 @@
                         </a:rPr>
                         <a:t></a:t>
                       </a:r>
-                      <a:endParaRPr lang="en-US" sz="1100" b="1">
+                      <a:endParaRPr lang="en-US" sz="1100">
                         <a:effectLst/>
                         <a:latin typeface="Calibri" panose="020F0502020204030204" pitchFamily="34" charset="0"/>
                         <a:ea typeface="Calibri" panose="020F0502020204030204" pitchFamily="34" charset="0"/>
@@ -7067,7 +8423,52 @@
                       </a:endParaRPr>
                     </a:p>
                   </a:txBody>
-                  <a:tcPr marL="68580" marR="68580" marT="0" marB="0" anchor="ctr"/>
+                  <a:tcPr marL="68580" marR="68580" marT="0" marB="0" anchor="ctr">
+                    <a:lnL w="12700" cap="flat" cmpd="sng" algn="ctr">
+                      <a:solidFill>
+                        <a:schemeClr val="tx1"/>
+                      </a:solidFill>
+                      <a:prstDash val="solid"/>
+                      <a:round/>
+                      <a:headEnd type="none" w="med" len="med"/>
+                      <a:tailEnd type="none" w="med" len="med"/>
+                    </a:lnL>
+                    <a:lnR w="12700" cap="flat" cmpd="sng" algn="ctr">
+                      <a:solidFill>
+                        <a:schemeClr val="tx1"/>
+                      </a:solidFill>
+                      <a:prstDash val="solid"/>
+                      <a:round/>
+                      <a:headEnd type="none" w="med" len="med"/>
+                      <a:tailEnd type="none" w="med" len="med"/>
+                    </a:lnR>
+                    <a:lnT w="12700" cap="flat" cmpd="sng" algn="ctr">
+                      <a:solidFill>
+                        <a:schemeClr val="tx1"/>
+                      </a:solidFill>
+                      <a:prstDash val="solid"/>
+                      <a:round/>
+                      <a:headEnd type="none" w="med" len="med"/>
+                      <a:tailEnd type="none" w="med" len="med"/>
+                    </a:lnT>
+                    <a:lnB w="12700" cap="flat" cmpd="sng" algn="ctr">
+                      <a:solidFill>
+                        <a:schemeClr val="tx1"/>
+                      </a:solidFill>
+                      <a:prstDash val="solid"/>
+                      <a:round/>
+                      <a:headEnd type="none" w="med" len="med"/>
+                      <a:tailEnd type="none" w="med" len="med"/>
+                    </a:lnB>
+                    <a:lnTlToBr w="12700" cmpd="sng">
+                      <a:noFill/>
+                      <a:prstDash val="solid"/>
+                    </a:lnTlToBr>
+                    <a:lnBlToTr w="12700" cmpd="sng">
+                      <a:noFill/>
+                      <a:prstDash val="solid"/>
+                    </a:lnBlToTr>
+                  </a:tcPr>
                 </a:tc>
                 <a:tc>
                   <a:txBody>
@@ -7092,7 +8493,7 @@
                         </a:rPr>
                         <a:t></a:t>
                       </a:r>
-                      <a:endParaRPr lang="en-US" sz="1100" b="1">
+                      <a:endParaRPr lang="en-US" sz="1100">
                         <a:effectLst/>
                         <a:latin typeface="Calibri" panose="020F0502020204030204" pitchFamily="34" charset="0"/>
                         <a:ea typeface="Calibri" panose="020F0502020204030204" pitchFamily="34" charset="0"/>
@@ -7100,7 +8501,52 @@
                       </a:endParaRPr>
                     </a:p>
                   </a:txBody>
-                  <a:tcPr marL="68580" marR="68580" marT="0" marB="0" anchor="ctr"/>
+                  <a:tcPr marL="68580" marR="68580" marT="0" marB="0" anchor="ctr">
+                    <a:lnL w="12700" cap="flat" cmpd="sng" algn="ctr">
+                      <a:solidFill>
+                        <a:schemeClr val="tx1"/>
+                      </a:solidFill>
+                      <a:prstDash val="solid"/>
+                      <a:round/>
+                      <a:headEnd type="none" w="med" len="med"/>
+                      <a:tailEnd type="none" w="med" len="med"/>
+                    </a:lnL>
+                    <a:lnR w="12700" cap="flat" cmpd="sng" algn="ctr">
+                      <a:solidFill>
+                        <a:schemeClr val="tx1"/>
+                      </a:solidFill>
+                      <a:prstDash val="solid"/>
+                      <a:round/>
+                      <a:headEnd type="none" w="med" len="med"/>
+                      <a:tailEnd type="none" w="med" len="med"/>
+                    </a:lnR>
+                    <a:lnT w="12700" cap="flat" cmpd="sng" algn="ctr">
+                      <a:solidFill>
+                        <a:schemeClr val="tx1"/>
+                      </a:solidFill>
+                      <a:prstDash val="solid"/>
+                      <a:round/>
+                      <a:headEnd type="none" w="med" len="med"/>
+                      <a:tailEnd type="none" w="med" len="med"/>
+                    </a:lnT>
+                    <a:lnB w="12700" cap="flat" cmpd="sng" algn="ctr">
+                      <a:solidFill>
+                        <a:schemeClr val="tx1"/>
+                      </a:solidFill>
+                      <a:prstDash val="solid"/>
+                      <a:round/>
+                      <a:headEnd type="none" w="med" len="med"/>
+                      <a:tailEnd type="none" w="med" len="med"/>
+                    </a:lnB>
+                    <a:lnTlToBr w="12700" cmpd="sng">
+                      <a:noFill/>
+                      <a:prstDash val="solid"/>
+                    </a:lnTlToBr>
+                    <a:lnBlToTr w="12700" cmpd="sng">
+                      <a:noFill/>
+                      <a:prstDash val="solid"/>
+                    </a:lnBlToTr>
+                  </a:tcPr>
                 </a:tc>
                 <a:tc>
                   <a:txBody>
@@ -7122,9 +8568,9 @@
                         <a:rPr lang="en-US" sz="1100">
                           <a:effectLst/>
                         </a:rPr>
-                        <a:t> </a:t>
+                        <a:t>x</a:t>
                       </a:r>
-                      <a:endParaRPr lang="en-US" sz="1100" b="1">
+                      <a:endParaRPr lang="en-US" sz="1100">
                         <a:effectLst/>
                         <a:latin typeface="Calibri" panose="020F0502020204030204" pitchFamily="34" charset="0"/>
                         <a:ea typeface="Calibri" panose="020F0502020204030204" pitchFamily="34" charset="0"/>
@@ -7132,7 +8578,52 @@
                       </a:endParaRPr>
                     </a:p>
                   </a:txBody>
-                  <a:tcPr marL="68580" marR="68580" marT="0" marB="0" anchor="ctr"/>
+                  <a:tcPr marL="68580" marR="68580" marT="0" marB="0" anchor="ctr">
+                    <a:lnL w="12700" cap="flat" cmpd="sng" algn="ctr">
+                      <a:solidFill>
+                        <a:schemeClr val="tx1"/>
+                      </a:solidFill>
+                      <a:prstDash val="solid"/>
+                      <a:round/>
+                      <a:headEnd type="none" w="med" len="med"/>
+                      <a:tailEnd type="none" w="med" len="med"/>
+                    </a:lnL>
+                    <a:lnR w="12700" cap="flat" cmpd="sng" algn="ctr">
+                      <a:solidFill>
+                        <a:schemeClr val="tx1"/>
+                      </a:solidFill>
+                      <a:prstDash val="solid"/>
+                      <a:round/>
+                      <a:headEnd type="none" w="med" len="med"/>
+                      <a:tailEnd type="none" w="med" len="med"/>
+                    </a:lnR>
+                    <a:lnT w="12700" cap="flat" cmpd="sng" algn="ctr">
+                      <a:solidFill>
+                        <a:schemeClr val="tx1"/>
+                      </a:solidFill>
+                      <a:prstDash val="solid"/>
+                      <a:round/>
+                      <a:headEnd type="none" w="med" len="med"/>
+                      <a:tailEnd type="none" w="med" len="med"/>
+                    </a:lnT>
+                    <a:lnB w="12700" cap="flat" cmpd="sng" algn="ctr">
+                      <a:solidFill>
+                        <a:schemeClr val="tx1"/>
+                      </a:solidFill>
+                      <a:prstDash val="solid"/>
+                      <a:round/>
+                      <a:headEnd type="none" w="med" len="med"/>
+                      <a:tailEnd type="none" w="med" len="med"/>
+                    </a:lnB>
+                    <a:lnTlToBr w="12700" cmpd="sng">
+                      <a:noFill/>
+                      <a:prstDash val="solid"/>
+                    </a:lnTlToBr>
+                    <a:lnBlToTr w="12700" cmpd="sng">
+                      <a:noFill/>
+                      <a:prstDash val="solid"/>
+                    </a:lnBlToTr>
+                  </a:tcPr>
                 </a:tc>
                 <a:tc>
                   <a:txBody>
@@ -7154,9 +8645,9 @@
                         <a:rPr lang="en-US" sz="1100">
                           <a:effectLst/>
                         </a:rPr>
-                        <a:t> </a:t>
+                        <a:t>x</a:t>
                       </a:r>
-                      <a:endParaRPr lang="en-US" sz="1100" b="1">
+                      <a:endParaRPr lang="en-US" sz="1100">
                         <a:effectLst/>
                         <a:latin typeface="Calibri" panose="020F0502020204030204" pitchFamily="34" charset="0"/>
                         <a:ea typeface="Calibri" panose="020F0502020204030204" pitchFamily="34" charset="0"/>
@@ -7164,7 +8655,52 @@
                       </a:endParaRPr>
                     </a:p>
                   </a:txBody>
-                  <a:tcPr marL="68580" marR="68580" marT="0" marB="0" anchor="ctr"/>
+                  <a:tcPr marL="68580" marR="68580" marT="0" marB="0" anchor="ctr">
+                    <a:lnL w="12700" cap="flat" cmpd="sng" algn="ctr">
+                      <a:solidFill>
+                        <a:schemeClr val="tx1"/>
+                      </a:solidFill>
+                      <a:prstDash val="solid"/>
+                      <a:round/>
+                      <a:headEnd type="none" w="med" len="med"/>
+                      <a:tailEnd type="none" w="med" len="med"/>
+                    </a:lnL>
+                    <a:lnR w="12700" cap="flat" cmpd="sng" algn="ctr">
+                      <a:solidFill>
+                        <a:schemeClr val="tx1"/>
+                      </a:solidFill>
+                      <a:prstDash val="solid"/>
+                      <a:round/>
+                      <a:headEnd type="none" w="med" len="med"/>
+                      <a:tailEnd type="none" w="med" len="med"/>
+                    </a:lnR>
+                    <a:lnT w="12700" cap="flat" cmpd="sng" algn="ctr">
+                      <a:solidFill>
+                        <a:schemeClr val="tx1"/>
+                      </a:solidFill>
+                      <a:prstDash val="solid"/>
+                      <a:round/>
+                      <a:headEnd type="none" w="med" len="med"/>
+                      <a:tailEnd type="none" w="med" len="med"/>
+                    </a:lnT>
+                    <a:lnB w="12700" cap="flat" cmpd="sng" algn="ctr">
+                      <a:solidFill>
+                        <a:schemeClr val="tx1"/>
+                      </a:solidFill>
+                      <a:prstDash val="solid"/>
+                      <a:round/>
+                      <a:headEnd type="none" w="med" len="med"/>
+                      <a:tailEnd type="none" w="med" len="med"/>
+                    </a:lnB>
+                    <a:lnTlToBr w="12700" cmpd="sng">
+                      <a:noFill/>
+                      <a:prstDash val="solid"/>
+                    </a:lnTlToBr>
+                    <a:lnBlToTr w="12700" cmpd="sng">
+                      <a:noFill/>
+                      <a:prstDash val="solid"/>
+                    </a:lnBlToTr>
+                  </a:tcPr>
                 </a:tc>
                 <a:tc>
                   <a:txBody>
@@ -7189,7 +8725,7 @@
                         </a:rPr>
                         <a:t></a:t>
                       </a:r>
-                      <a:endParaRPr lang="en-US" sz="1100" b="1">
+                      <a:endParaRPr lang="en-US" sz="1100">
                         <a:effectLst/>
                         <a:latin typeface="Calibri" panose="020F0502020204030204" pitchFamily="34" charset="0"/>
                         <a:ea typeface="Calibri" panose="020F0502020204030204" pitchFamily="34" charset="0"/>
@@ -7197,15 +8733,55 @@
                       </a:endParaRPr>
                     </a:p>
                   </a:txBody>
-                  <a:tcPr marL="68580" marR="68580" marT="0" marB="0" anchor="ctr"/>
+                  <a:tcPr marL="68580" marR="68580" marT="0" marB="0" anchor="ctr">
+                    <a:lnL w="12700" cap="flat" cmpd="sng" algn="ctr">
+                      <a:solidFill>
+                        <a:schemeClr val="tx1"/>
+                      </a:solidFill>
+                      <a:prstDash val="solid"/>
+                      <a:round/>
+                      <a:headEnd type="none" w="med" len="med"/>
+                      <a:tailEnd type="none" w="med" len="med"/>
+                    </a:lnL>
+                    <a:lnR w="12700" cap="flat" cmpd="sng" algn="ctr">
+                      <a:solidFill>
+                        <a:schemeClr val="tx1"/>
+                      </a:solidFill>
+                      <a:prstDash val="solid"/>
+                      <a:round/>
+                      <a:headEnd type="none" w="med" len="med"/>
+                      <a:tailEnd type="none" w="med" len="med"/>
+                    </a:lnR>
+                    <a:lnT w="12700" cap="flat" cmpd="sng" algn="ctr">
+                      <a:solidFill>
+                        <a:schemeClr val="tx1"/>
+                      </a:solidFill>
+                      <a:prstDash val="solid"/>
+                      <a:round/>
+                      <a:headEnd type="none" w="med" len="med"/>
+                      <a:tailEnd type="none" w="med" len="med"/>
+                    </a:lnT>
+                    <a:lnB w="12700" cap="flat" cmpd="sng" algn="ctr">
+                      <a:solidFill>
+                        <a:schemeClr val="tx1"/>
+                      </a:solidFill>
+                      <a:prstDash val="solid"/>
+                      <a:round/>
+                      <a:headEnd type="none" w="med" len="med"/>
+                      <a:tailEnd type="none" w="med" len="med"/>
+                    </a:lnB>
+                    <a:lnTlToBr w="12700" cmpd="sng">
+                      <a:noFill/>
+                      <a:prstDash val="solid"/>
+                    </a:lnTlToBr>
+                    <a:lnBlToTr w="12700" cmpd="sng">
+                      <a:noFill/>
+                      <a:prstDash val="solid"/>
+                    </a:lnBlToTr>
+                  </a:tcPr>
                 </a:tc>
-                <a:extLst>
-                  <a:ext uri="{0D108BD9-81ED-4DB2-BD59-A6C34878D82A}">
-                    <a16:rowId xmlns:a16="http://schemas.microsoft.com/office/drawing/2014/main" xmlns="" val="10005"/>
-                  </a:ext>
-                </a:extLst>
               </a:tr>
-              <a:tr h="315522">
+              <a:tr h="314475">
                 <a:tc>
                   <a:txBody>
                     <a:bodyPr/>
@@ -7236,7 +8812,129 @@
                       </a:endParaRPr>
                     </a:p>
                   </a:txBody>
-                  <a:tcPr marL="68580" marR="68580" marT="0" marB="0" anchor="ctr"/>
+                  <a:tcPr marL="68580" marR="68580" marT="0" marB="0" anchor="ctr">
+                    <a:lnL w="12700" cap="flat" cmpd="sng" algn="ctr">
+                      <a:solidFill>
+                        <a:schemeClr val="tx1"/>
+                      </a:solidFill>
+                      <a:prstDash val="solid"/>
+                      <a:round/>
+                      <a:headEnd type="none" w="med" len="med"/>
+                      <a:tailEnd type="none" w="med" len="med"/>
+                    </a:lnL>
+                    <a:lnR w="12700" cap="flat" cmpd="sng" algn="ctr">
+                      <a:solidFill>
+                        <a:schemeClr val="tx1"/>
+                      </a:solidFill>
+                      <a:prstDash val="solid"/>
+                      <a:round/>
+                      <a:headEnd type="none" w="med" len="med"/>
+                      <a:tailEnd type="none" w="med" len="med"/>
+                    </a:lnR>
+                    <a:lnT w="12700" cap="flat" cmpd="sng" algn="ctr">
+                      <a:solidFill>
+                        <a:schemeClr val="tx1"/>
+                      </a:solidFill>
+                      <a:prstDash val="solid"/>
+                      <a:round/>
+                      <a:headEnd type="none" w="med" len="med"/>
+                      <a:tailEnd type="none" w="med" len="med"/>
+                    </a:lnT>
+                    <a:lnB w="12700" cap="flat" cmpd="sng" algn="ctr">
+                      <a:solidFill>
+                        <a:schemeClr val="tx1"/>
+                      </a:solidFill>
+                      <a:prstDash val="solid"/>
+                      <a:round/>
+                      <a:headEnd type="none" w="med" len="med"/>
+                      <a:tailEnd type="none" w="med" len="med"/>
+                    </a:lnB>
+                    <a:lnTlToBr w="12700" cmpd="sng">
+                      <a:noFill/>
+                      <a:prstDash val="solid"/>
+                    </a:lnTlToBr>
+                    <a:lnBlToTr w="12700" cmpd="sng">
+                      <a:noFill/>
+                      <a:prstDash val="solid"/>
+                    </a:lnBlToTr>
+                  </a:tcPr>
+                </a:tc>
+                <a:tc>
+                  <a:txBody>
+                    <a:bodyPr/>
+                    <a:lstStyle/>
+                    <a:p>
+                      <a:pPr marL="0" marR="0" algn="ctr">
+                        <a:lnSpc>
+                          <a:spcPct val="107000"/>
+                        </a:lnSpc>
+                        <a:spcBef>
+                          <a:spcPts val="0"/>
+                        </a:spcBef>
+                        <a:spcAft>
+                          <a:spcPts val="0"/>
+                        </a:spcAft>
+                      </a:pPr>
+                      <a:r>
+                        <a:rPr lang="en-US" sz="1100">
+                          <a:effectLst/>
+                        </a:rPr>
+                        <a:t>x</a:t>
+                      </a:r>
+                      <a:endParaRPr lang="en-US" sz="1100">
+                        <a:effectLst/>
+                        <a:latin typeface="Calibri" panose="020F0502020204030204" pitchFamily="34" charset="0"/>
+                        <a:ea typeface="Calibri" panose="020F0502020204030204" pitchFamily="34" charset="0"/>
+                        <a:cs typeface="Arial" panose="020B0604020202020204" pitchFamily="34" charset="0"/>
+                      </a:endParaRPr>
+                    </a:p>
+                  </a:txBody>
+                  <a:tcPr marL="68580" marR="68580" marT="0" marB="0" anchor="ctr">
+                    <a:lnL w="12700" cap="flat" cmpd="sng" algn="ctr">
+                      <a:solidFill>
+                        <a:schemeClr val="tx1"/>
+                      </a:solidFill>
+                      <a:prstDash val="solid"/>
+                      <a:round/>
+                      <a:headEnd type="none" w="med" len="med"/>
+                      <a:tailEnd type="none" w="med" len="med"/>
+                    </a:lnL>
+                    <a:lnR w="12700" cap="flat" cmpd="sng" algn="ctr">
+                      <a:solidFill>
+                        <a:schemeClr val="tx1"/>
+                      </a:solidFill>
+                      <a:prstDash val="solid"/>
+                      <a:round/>
+                      <a:headEnd type="none" w="med" len="med"/>
+                      <a:tailEnd type="none" w="med" len="med"/>
+                    </a:lnR>
+                    <a:lnT w="12700" cap="flat" cmpd="sng" algn="ctr">
+                      <a:solidFill>
+                        <a:schemeClr val="tx1"/>
+                      </a:solidFill>
+                      <a:prstDash val="solid"/>
+                      <a:round/>
+                      <a:headEnd type="none" w="med" len="med"/>
+                      <a:tailEnd type="none" w="med" len="med"/>
+                    </a:lnT>
+                    <a:lnB w="12700" cap="flat" cmpd="sng" algn="ctr">
+                      <a:solidFill>
+                        <a:schemeClr val="tx1"/>
+                      </a:solidFill>
+                      <a:prstDash val="solid"/>
+                      <a:round/>
+                      <a:headEnd type="none" w="med" len="med"/>
+                      <a:tailEnd type="none" w="med" len="med"/>
+                    </a:lnB>
+                    <a:lnTlToBr w="12700" cmpd="sng">
+                      <a:noFill/>
+                      <a:prstDash val="solid"/>
+                    </a:lnTlToBr>
+                    <a:lnBlToTr w="12700" cmpd="sng">
+                      <a:noFill/>
+                      <a:prstDash val="solid"/>
+                    </a:lnBlToTr>
+                  </a:tcPr>
                 </a:tc>
                 <a:tc>
                   <a:txBody>
@@ -7260,7 +8958,7 @@
                         </a:rPr>
                         <a:t> </a:t>
                       </a:r>
-                      <a:endParaRPr lang="en-US" sz="1100" b="1">
+                      <a:endParaRPr lang="en-US" sz="1100">
                         <a:effectLst/>
                         <a:latin typeface="Calibri" panose="020F0502020204030204" pitchFamily="34" charset="0"/>
                         <a:ea typeface="Calibri" panose="020F0502020204030204" pitchFamily="34" charset="0"/>
@@ -7268,39 +8966,52 @@
                       </a:endParaRPr>
                     </a:p>
                   </a:txBody>
-                  <a:tcPr marL="68580" marR="68580" marT="0" marB="0" anchor="ctr"/>
-                </a:tc>
-                <a:tc>
-                  <a:txBody>
-                    <a:bodyPr/>
-                    <a:lstStyle/>
-                    <a:p>
-                      <a:pPr marL="0" marR="0" algn="ctr">
-                        <a:lnSpc>
-                          <a:spcPct val="107000"/>
-                        </a:lnSpc>
-                        <a:spcBef>
-                          <a:spcPts val="0"/>
-                        </a:spcBef>
-                        <a:spcAft>
-                          <a:spcPts val="0"/>
-                        </a:spcAft>
-                      </a:pPr>
-                      <a:r>
-                        <a:rPr lang="en-US" sz="1100">
-                          <a:effectLst/>
-                        </a:rPr>
-                        <a:t> </a:t>
-                      </a:r>
-                      <a:endParaRPr lang="en-US" sz="1100" b="1">
-                        <a:effectLst/>
-                        <a:latin typeface="Calibri" panose="020F0502020204030204" pitchFamily="34" charset="0"/>
-                        <a:ea typeface="Calibri" panose="020F0502020204030204" pitchFamily="34" charset="0"/>
-                        <a:cs typeface="Arial" panose="020B0604020202020204" pitchFamily="34" charset="0"/>
-                      </a:endParaRPr>
-                    </a:p>
-                  </a:txBody>
-                  <a:tcPr marL="68580" marR="68580" marT="0" marB="0" anchor="ctr"/>
+                  <a:tcPr marL="68580" marR="68580" marT="0" marB="0" anchor="ctr">
+                    <a:lnL w="12700" cap="flat" cmpd="sng" algn="ctr">
+                      <a:solidFill>
+                        <a:schemeClr val="tx1"/>
+                      </a:solidFill>
+                      <a:prstDash val="solid"/>
+                      <a:round/>
+                      <a:headEnd type="none" w="med" len="med"/>
+                      <a:tailEnd type="none" w="med" len="med"/>
+                    </a:lnL>
+                    <a:lnR w="12700" cap="flat" cmpd="sng" algn="ctr">
+                      <a:solidFill>
+                        <a:schemeClr val="tx1"/>
+                      </a:solidFill>
+                      <a:prstDash val="solid"/>
+                      <a:round/>
+                      <a:headEnd type="none" w="med" len="med"/>
+                      <a:tailEnd type="none" w="med" len="med"/>
+                    </a:lnR>
+                    <a:lnT w="12700" cap="flat" cmpd="sng" algn="ctr">
+                      <a:solidFill>
+                        <a:schemeClr val="tx1"/>
+                      </a:solidFill>
+                      <a:prstDash val="solid"/>
+                      <a:round/>
+                      <a:headEnd type="none" w="med" len="med"/>
+                      <a:tailEnd type="none" w="med" len="med"/>
+                    </a:lnT>
+                    <a:lnB w="12700" cap="flat" cmpd="sng" algn="ctr">
+                      <a:solidFill>
+                        <a:schemeClr val="tx1"/>
+                      </a:solidFill>
+                      <a:prstDash val="solid"/>
+                      <a:round/>
+                      <a:headEnd type="none" w="med" len="med"/>
+                      <a:tailEnd type="none" w="med" len="med"/>
+                    </a:lnB>
+                    <a:lnTlToBr w="12700" cmpd="sng">
+                      <a:noFill/>
+                      <a:prstDash val="solid"/>
+                    </a:lnTlToBr>
+                    <a:lnBlToTr w="12700" cmpd="sng">
+                      <a:noFill/>
+                      <a:prstDash val="solid"/>
+                    </a:lnBlToTr>
+                  </a:tcPr>
                 </a:tc>
                 <a:tc>
                   <a:txBody>
@@ -7325,7 +9036,7 @@
                         </a:rPr>
                         <a:t></a:t>
                       </a:r>
-                      <a:endParaRPr lang="en-US" sz="1100" b="1">
+                      <a:endParaRPr lang="en-US" sz="1100">
                         <a:effectLst/>
                         <a:latin typeface="Calibri" panose="020F0502020204030204" pitchFamily="34" charset="0"/>
                         <a:ea typeface="Calibri" panose="020F0502020204030204" pitchFamily="34" charset="0"/>
@@ -7333,7 +9044,52 @@
                       </a:endParaRPr>
                     </a:p>
                   </a:txBody>
-                  <a:tcPr marL="68580" marR="68580" marT="0" marB="0" anchor="ctr"/>
+                  <a:tcPr marL="68580" marR="68580" marT="0" marB="0" anchor="ctr">
+                    <a:lnL w="12700" cap="flat" cmpd="sng" algn="ctr">
+                      <a:solidFill>
+                        <a:schemeClr val="tx1"/>
+                      </a:solidFill>
+                      <a:prstDash val="solid"/>
+                      <a:round/>
+                      <a:headEnd type="none" w="med" len="med"/>
+                      <a:tailEnd type="none" w="med" len="med"/>
+                    </a:lnL>
+                    <a:lnR w="12700" cap="flat" cmpd="sng" algn="ctr">
+                      <a:solidFill>
+                        <a:schemeClr val="tx1"/>
+                      </a:solidFill>
+                      <a:prstDash val="solid"/>
+                      <a:round/>
+                      <a:headEnd type="none" w="med" len="med"/>
+                      <a:tailEnd type="none" w="med" len="med"/>
+                    </a:lnR>
+                    <a:lnT w="12700" cap="flat" cmpd="sng" algn="ctr">
+                      <a:solidFill>
+                        <a:schemeClr val="tx1"/>
+                      </a:solidFill>
+                      <a:prstDash val="solid"/>
+                      <a:round/>
+                      <a:headEnd type="none" w="med" len="med"/>
+                      <a:tailEnd type="none" w="med" len="med"/>
+                    </a:lnT>
+                    <a:lnB w="12700" cap="flat" cmpd="sng" algn="ctr">
+                      <a:solidFill>
+                        <a:schemeClr val="tx1"/>
+                      </a:solidFill>
+                      <a:prstDash val="solid"/>
+                      <a:round/>
+                      <a:headEnd type="none" w="med" len="med"/>
+                      <a:tailEnd type="none" w="med" len="med"/>
+                    </a:lnB>
+                    <a:lnTlToBr w="12700" cmpd="sng">
+                      <a:noFill/>
+                      <a:prstDash val="solid"/>
+                    </a:lnTlToBr>
+                    <a:lnBlToTr w="12700" cmpd="sng">
+                      <a:noFill/>
+                      <a:prstDash val="solid"/>
+                    </a:lnBlToTr>
+                  </a:tcPr>
                 </a:tc>
                 <a:tc>
                   <a:txBody>
@@ -7358,7 +9114,7 @@
                         </a:rPr>
                         <a:t></a:t>
                       </a:r>
-                      <a:endParaRPr lang="en-US" sz="1100" b="1">
+                      <a:endParaRPr lang="en-US" sz="1100">
                         <a:effectLst/>
                         <a:latin typeface="Calibri" panose="020F0502020204030204" pitchFamily="34" charset="0"/>
                         <a:ea typeface="Calibri" panose="020F0502020204030204" pitchFamily="34" charset="0"/>
@@ -7366,7 +9122,52 @@
                       </a:endParaRPr>
                     </a:p>
                   </a:txBody>
-                  <a:tcPr marL="68580" marR="68580" marT="0" marB="0" anchor="ctr"/>
+                  <a:tcPr marL="68580" marR="68580" marT="0" marB="0" anchor="ctr">
+                    <a:lnL w="12700" cap="flat" cmpd="sng" algn="ctr">
+                      <a:solidFill>
+                        <a:schemeClr val="tx1"/>
+                      </a:solidFill>
+                      <a:prstDash val="solid"/>
+                      <a:round/>
+                      <a:headEnd type="none" w="med" len="med"/>
+                      <a:tailEnd type="none" w="med" len="med"/>
+                    </a:lnL>
+                    <a:lnR w="12700" cap="flat" cmpd="sng" algn="ctr">
+                      <a:solidFill>
+                        <a:schemeClr val="tx1"/>
+                      </a:solidFill>
+                      <a:prstDash val="solid"/>
+                      <a:round/>
+                      <a:headEnd type="none" w="med" len="med"/>
+                      <a:tailEnd type="none" w="med" len="med"/>
+                    </a:lnR>
+                    <a:lnT w="12700" cap="flat" cmpd="sng" algn="ctr">
+                      <a:solidFill>
+                        <a:schemeClr val="tx1"/>
+                      </a:solidFill>
+                      <a:prstDash val="solid"/>
+                      <a:round/>
+                      <a:headEnd type="none" w="med" len="med"/>
+                      <a:tailEnd type="none" w="med" len="med"/>
+                    </a:lnT>
+                    <a:lnB w="12700" cap="flat" cmpd="sng" algn="ctr">
+                      <a:solidFill>
+                        <a:schemeClr val="tx1"/>
+                      </a:solidFill>
+                      <a:prstDash val="solid"/>
+                      <a:round/>
+                      <a:headEnd type="none" w="med" len="med"/>
+                      <a:tailEnd type="none" w="med" len="med"/>
+                    </a:lnB>
+                    <a:lnTlToBr w="12700" cmpd="sng">
+                      <a:noFill/>
+                      <a:prstDash val="solid"/>
+                    </a:lnTlToBr>
+                    <a:lnBlToTr w="12700" cmpd="sng">
+                      <a:noFill/>
+                      <a:prstDash val="solid"/>
+                    </a:lnBlToTr>
+                  </a:tcPr>
                 </a:tc>
                 <a:tc>
                   <a:txBody>
@@ -7391,7 +9192,7 @@
                         </a:rPr>
                         <a:t></a:t>
                       </a:r>
-                      <a:endParaRPr lang="en-US" sz="1100" b="1">
+                      <a:endParaRPr lang="en-US" sz="1100">
                         <a:effectLst/>
                         <a:latin typeface="Calibri" panose="020F0502020204030204" pitchFamily="34" charset="0"/>
                         <a:ea typeface="Calibri" panose="020F0502020204030204" pitchFamily="34" charset="0"/>
@@ -7399,15 +9200,55 @@
                       </a:endParaRPr>
                     </a:p>
                   </a:txBody>
-                  <a:tcPr marL="68580" marR="68580" marT="0" marB="0" anchor="ctr"/>
+                  <a:tcPr marL="68580" marR="68580" marT="0" marB="0" anchor="ctr">
+                    <a:lnL w="12700" cap="flat" cmpd="sng" algn="ctr">
+                      <a:solidFill>
+                        <a:schemeClr val="tx1"/>
+                      </a:solidFill>
+                      <a:prstDash val="solid"/>
+                      <a:round/>
+                      <a:headEnd type="none" w="med" len="med"/>
+                      <a:tailEnd type="none" w="med" len="med"/>
+                    </a:lnL>
+                    <a:lnR w="12700" cap="flat" cmpd="sng" algn="ctr">
+                      <a:solidFill>
+                        <a:schemeClr val="tx1"/>
+                      </a:solidFill>
+                      <a:prstDash val="solid"/>
+                      <a:round/>
+                      <a:headEnd type="none" w="med" len="med"/>
+                      <a:tailEnd type="none" w="med" len="med"/>
+                    </a:lnR>
+                    <a:lnT w="12700" cap="flat" cmpd="sng" algn="ctr">
+                      <a:solidFill>
+                        <a:schemeClr val="tx1"/>
+                      </a:solidFill>
+                      <a:prstDash val="solid"/>
+                      <a:round/>
+                      <a:headEnd type="none" w="med" len="med"/>
+                      <a:tailEnd type="none" w="med" len="med"/>
+                    </a:lnT>
+                    <a:lnB w="12700" cap="flat" cmpd="sng" algn="ctr">
+                      <a:solidFill>
+                        <a:schemeClr val="tx1"/>
+                      </a:solidFill>
+                      <a:prstDash val="solid"/>
+                      <a:round/>
+                      <a:headEnd type="none" w="med" len="med"/>
+                      <a:tailEnd type="none" w="med" len="med"/>
+                    </a:lnB>
+                    <a:lnTlToBr w="12700" cmpd="sng">
+                      <a:noFill/>
+                      <a:prstDash val="solid"/>
+                    </a:lnTlToBr>
+                    <a:lnBlToTr w="12700" cmpd="sng">
+                      <a:noFill/>
+                      <a:prstDash val="solid"/>
+                    </a:lnBlToTr>
+                  </a:tcPr>
                 </a:tc>
-                <a:extLst>
-                  <a:ext uri="{0D108BD9-81ED-4DB2-BD59-A6C34878D82A}">
-                    <a16:rowId xmlns:a16="http://schemas.microsoft.com/office/drawing/2014/main" xmlns="" val="10006"/>
-                  </a:ext>
-                </a:extLst>
               </a:tr>
-              <a:tr h="315522">
+              <a:tr h="314475">
                 <a:tc>
                   <a:txBody>
                     <a:bodyPr/>
@@ -7438,7 +9279,52 @@
                       </a:endParaRPr>
                     </a:p>
                   </a:txBody>
-                  <a:tcPr marL="68580" marR="68580" marT="0" marB="0" anchor="ctr"/>
+                  <a:tcPr marL="68580" marR="68580" marT="0" marB="0" anchor="ctr">
+                    <a:lnL w="12700" cap="flat" cmpd="sng" algn="ctr">
+                      <a:solidFill>
+                        <a:schemeClr val="tx1"/>
+                      </a:solidFill>
+                      <a:prstDash val="solid"/>
+                      <a:round/>
+                      <a:headEnd type="none" w="med" len="med"/>
+                      <a:tailEnd type="none" w="med" len="med"/>
+                    </a:lnL>
+                    <a:lnR w="12700" cap="flat" cmpd="sng" algn="ctr">
+                      <a:solidFill>
+                        <a:schemeClr val="tx1"/>
+                      </a:solidFill>
+                      <a:prstDash val="solid"/>
+                      <a:round/>
+                      <a:headEnd type="none" w="med" len="med"/>
+                      <a:tailEnd type="none" w="med" len="med"/>
+                    </a:lnR>
+                    <a:lnT w="12700" cap="flat" cmpd="sng" algn="ctr">
+                      <a:solidFill>
+                        <a:schemeClr val="tx1"/>
+                      </a:solidFill>
+                      <a:prstDash val="solid"/>
+                      <a:round/>
+                      <a:headEnd type="none" w="med" len="med"/>
+                      <a:tailEnd type="none" w="med" len="med"/>
+                    </a:lnT>
+                    <a:lnB w="12700" cap="flat" cmpd="sng" algn="ctr">
+                      <a:solidFill>
+                        <a:schemeClr val="tx1"/>
+                      </a:solidFill>
+                      <a:prstDash val="solid"/>
+                      <a:round/>
+                      <a:headEnd type="none" w="med" len="med"/>
+                      <a:tailEnd type="none" w="med" len="med"/>
+                    </a:lnB>
+                    <a:lnTlToBr w="12700" cmpd="sng">
+                      <a:noFill/>
+                      <a:prstDash val="solid"/>
+                    </a:lnTlToBr>
+                    <a:lnBlToTr w="12700" cmpd="sng">
+                      <a:noFill/>
+                      <a:prstDash val="solid"/>
+                    </a:lnBlToTr>
+                  </a:tcPr>
                 </a:tc>
                 <a:tc>
                   <a:txBody>
@@ -7463,7 +9349,7 @@
                         </a:rPr>
                         <a:t></a:t>
                       </a:r>
-                      <a:endParaRPr lang="en-US" sz="1100" b="1">
+                      <a:endParaRPr lang="en-US" sz="1100">
                         <a:effectLst/>
                         <a:latin typeface="Calibri" panose="020F0502020204030204" pitchFamily="34" charset="0"/>
                         <a:ea typeface="Calibri" panose="020F0502020204030204" pitchFamily="34" charset="0"/>
@@ -7471,7 +9357,52 @@
                       </a:endParaRPr>
                     </a:p>
                   </a:txBody>
-                  <a:tcPr marL="68580" marR="68580" marT="0" marB="0" anchor="ctr"/>
+                  <a:tcPr marL="68580" marR="68580" marT="0" marB="0" anchor="ctr">
+                    <a:lnL w="12700" cap="flat" cmpd="sng" algn="ctr">
+                      <a:solidFill>
+                        <a:schemeClr val="tx1"/>
+                      </a:solidFill>
+                      <a:prstDash val="solid"/>
+                      <a:round/>
+                      <a:headEnd type="none" w="med" len="med"/>
+                      <a:tailEnd type="none" w="med" len="med"/>
+                    </a:lnL>
+                    <a:lnR w="12700" cap="flat" cmpd="sng" algn="ctr">
+                      <a:solidFill>
+                        <a:schemeClr val="tx1"/>
+                      </a:solidFill>
+                      <a:prstDash val="solid"/>
+                      <a:round/>
+                      <a:headEnd type="none" w="med" len="med"/>
+                      <a:tailEnd type="none" w="med" len="med"/>
+                    </a:lnR>
+                    <a:lnT w="12700" cap="flat" cmpd="sng" algn="ctr">
+                      <a:solidFill>
+                        <a:schemeClr val="tx1"/>
+                      </a:solidFill>
+                      <a:prstDash val="solid"/>
+                      <a:round/>
+                      <a:headEnd type="none" w="med" len="med"/>
+                      <a:tailEnd type="none" w="med" len="med"/>
+                    </a:lnT>
+                    <a:lnB w="12700" cap="flat" cmpd="sng" algn="ctr">
+                      <a:solidFill>
+                        <a:schemeClr val="tx1"/>
+                      </a:solidFill>
+                      <a:prstDash val="solid"/>
+                      <a:round/>
+                      <a:headEnd type="none" w="med" len="med"/>
+                      <a:tailEnd type="none" w="med" len="med"/>
+                    </a:lnB>
+                    <a:lnTlToBr w="12700" cmpd="sng">
+                      <a:noFill/>
+                      <a:prstDash val="solid"/>
+                    </a:lnTlToBr>
+                    <a:lnBlToTr w="12700" cmpd="sng">
+                      <a:noFill/>
+                      <a:prstDash val="solid"/>
+                    </a:lnBlToTr>
+                  </a:tcPr>
                 </a:tc>
                 <a:tc>
                   <a:txBody>
@@ -7496,7 +9427,7 @@
                         </a:rPr>
                         <a:t></a:t>
                       </a:r>
-                      <a:endParaRPr lang="en-US" sz="1100" b="1">
+                      <a:endParaRPr lang="en-US" sz="1100">
                         <a:effectLst/>
                         <a:latin typeface="Calibri" panose="020F0502020204030204" pitchFamily="34" charset="0"/>
                         <a:ea typeface="Calibri" panose="020F0502020204030204" pitchFamily="34" charset="0"/>
@@ -7504,7 +9435,52 @@
                       </a:endParaRPr>
                     </a:p>
                   </a:txBody>
-                  <a:tcPr marL="68580" marR="68580" marT="0" marB="0" anchor="ctr"/>
+                  <a:tcPr marL="68580" marR="68580" marT="0" marB="0" anchor="ctr">
+                    <a:lnL w="12700" cap="flat" cmpd="sng" algn="ctr">
+                      <a:solidFill>
+                        <a:schemeClr val="tx1"/>
+                      </a:solidFill>
+                      <a:prstDash val="solid"/>
+                      <a:round/>
+                      <a:headEnd type="none" w="med" len="med"/>
+                      <a:tailEnd type="none" w="med" len="med"/>
+                    </a:lnL>
+                    <a:lnR w="12700" cap="flat" cmpd="sng" algn="ctr">
+                      <a:solidFill>
+                        <a:schemeClr val="tx1"/>
+                      </a:solidFill>
+                      <a:prstDash val="solid"/>
+                      <a:round/>
+                      <a:headEnd type="none" w="med" len="med"/>
+                      <a:tailEnd type="none" w="med" len="med"/>
+                    </a:lnR>
+                    <a:lnT w="12700" cap="flat" cmpd="sng" algn="ctr">
+                      <a:solidFill>
+                        <a:schemeClr val="tx1"/>
+                      </a:solidFill>
+                      <a:prstDash val="solid"/>
+                      <a:round/>
+                      <a:headEnd type="none" w="med" len="med"/>
+                      <a:tailEnd type="none" w="med" len="med"/>
+                    </a:lnT>
+                    <a:lnB w="12700" cap="flat" cmpd="sng" algn="ctr">
+                      <a:solidFill>
+                        <a:schemeClr val="tx1"/>
+                      </a:solidFill>
+                      <a:prstDash val="solid"/>
+                      <a:round/>
+                      <a:headEnd type="none" w="med" len="med"/>
+                      <a:tailEnd type="none" w="med" len="med"/>
+                    </a:lnB>
+                    <a:lnTlToBr w="12700" cmpd="sng">
+                      <a:noFill/>
+                      <a:prstDash val="solid"/>
+                    </a:lnTlToBr>
+                    <a:lnBlToTr w="12700" cmpd="sng">
+                      <a:noFill/>
+                      <a:prstDash val="solid"/>
+                    </a:lnBlToTr>
+                  </a:tcPr>
                 </a:tc>
                 <a:tc>
                   <a:txBody>
@@ -7529,7 +9505,7 @@
                         </a:rPr>
                         <a:t></a:t>
                       </a:r>
-                      <a:endParaRPr lang="en-US" sz="1100" b="1">
+                      <a:endParaRPr lang="en-US" sz="1100">
                         <a:effectLst/>
                         <a:latin typeface="Calibri" panose="020F0502020204030204" pitchFamily="34" charset="0"/>
                         <a:ea typeface="Calibri" panose="020F0502020204030204" pitchFamily="34" charset="0"/>
@@ -7537,7 +9513,52 @@
                       </a:endParaRPr>
                     </a:p>
                   </a:txBody>
-                  <a:tcPr marL="68580" marR="68580" marT="0" marB="0" anchor="ctr"/>
+                  <a:tcPr marL="68580" marR="68580" marT="0" marB="0" anchor="ctr">
+                    <a:lnL w="12700" cap="flat" cmpd="sng" algn="ctr">
+                      <a:solidFill>
+                        <a:schemeClr val="tx1"/>
+                      </a:solidFill>
+                      <a:prstDash val="solid"/>
+                      <a:round/>
+                      <a:headEnd type="none" w="med" len="med"/>
+                      <a:tailEnd type="none" w="med" len="med"/>
+                    </a:lnL>
+                    <a:lnR w="12700" cap="flat" cmpd="sng" algn="ctr">
+                      <a:solidFill>
+                        <a:schemeClr val="tx1"/>
+                      </a:solidFill>
+                      <a:prstDash val="solid"/>
+                      <a:round/>
+                      <a:headEnd type="none" w="med" len="med"/>
+                      <a:tailEnd type="none" w="med" len="med"/>
+                    </a:lnR>
+                    <a:lnT w="12700" cap="flat" cmpd="sng" algn="ctr">
+                      <a:solidFill>
+                        <a:schemeClr val="tx1"/>
+                      </a:solidFill>
+                      <a:prstDash val="solid"/>
+                      <a:round/>
+                      <a:headEnd type="none" w="med" len="med"/>
+                      <a:tailEnd type="none" w="med" len="med"/>
+                    </a:lnT>
+                    <a:lnB w="12700" cap="flat" cmpd="sng" algn="ctr">
+                      <a:solidFill>
+                        <a:schemeClr val="tx1"/>
+                      </a:solidFill>
+                      <a:prstDash val="solid"/>
+                      <a:round/>
+                      <a:headEnd type="none" w="med" len="med"/>
+                      <a:tailEnd type="none" w="med" len="med"/>
+                    </a:lnB>
+                    <a:lnTlToBr w="12700" cmpd="sng">
+                      <a:noFill/>
+                      <a:prstDash val="solid"/>
+                    </a:lnTlToBr>
+                    <a:lnBlToTr w="12700" cmpd="sng">
+                      <a:noFill/>
+                      <a:prstDash val="solid"/>
+                    </a:lnBlToTr>
+                  </a:tcPr>
                 </a:tc>
                 <a:tc>
                   <a:txBody>
@@ -7562,7 +9583,7 @@
                         </a:rPr>
                         <a:t></a:t>
                       </a:r>
-                      <a:endParaRPr lang="en-US" sz="1100" b="1">
+                      <a:endParaRPr lang="en-US" sz="1100">
                         <a:effectLst/>
                         <a:latin typeface="Calibri" panose="020F0502020204030204" pitchFamily="34" charset="0"/>
                         <a:ea typeface="Calibri" panose="020F0502020204030204" pitchFamily="34" charset="0"/>
@@ -7570,7 +9591,52 @@
                       </a:endParaRPr>
                     </a:p>
                   </a:txBody>
-                  <a:tcPr marL="68580" marR="68580" marT="0" marB="0" anchor="ctr"/>
+                  <a:tcPr marL="68580" marR="68580" marT="0" marB="0" anchor="ctr">
+                    <a:lnL w="12700" cap="flat" cmpd="sng" algn="ctr">
+                      <a:solidFill>
+                        <a:schemeClr val="tx1"/>
+                      </a:solidFill>
+                      <a:prstDash val="solid"/>
+                      <a:round/>
+                      <a:headEnd type="none" w="med" len="med"/>
+                      <a:tailEnd type="none" w="med" len="med"/>
+                    </a:lnL>
+                    <a:lnR w="12700" cap="flat" cmpd="sng" algn="ctr">
+                      <a:solidFill>
+                        <a:schemeClr val="tx1"/>
+                      </a:solidFill>
+                      <a:prstDash val="solid"/>
+                      <a:round/>
+                      <a:headEnd type="none" w="med" len="med"/>
+                      <a:tailEnd type="none" w="med" len="med"/>
+                    </a:lnR>
+                    <a:lnT w="12700" cap="flat" cmpd="sng" algn="ctr">
+                      <a:solidFill>
+                        <a:schemeClr val="tx1"/>
+                      </a:solidFill>
+                      <a:prstDash val="solid"/>
+                      <a:round/>
+                      <a:headEnd type="none" w="med" len="med"/>
+                      <a:tailEnd type="none" w="med" len="med"/>
+                    </a:lnT>
+                    <a:lnB w="12700" cap="flat" cmpd="sng" algn="ctr">
+                      <a:solidFill>
+                        <a:schemeClr val="tx1"/>
+                      </a:solidFill>
+                      <a:prstDash val="solid"/>
+                      <a:round/>
+                      <a:headEnd type="none" w="med" len="med"/>
+                      <a:tailEnd type="none" w="med" len="med"/>
+                    </a:lnB>
+                    <a:lnTlToBr w="12700" cmpd="sng">
+                      <a:noFill/>
+                      <a:prstDash val="solid"/>
+                    </a:lnTlToBr>
+                    <a:lnBlToTr w="12700" cmpd="sng">
+                      <a:noFill/>
+                      <a:prstDash val="solid"/>
+                    </a:lnBlToTr>
+                  </a:tcPr>
                 </a:tc>
                 <a:tc>
                   <a:txBody>
@@ -7595,7 +9661,7 @@
                         </a:rPr>
                         <a:t></a:t>
                       </a:r>
-                      <a:endParaRPr lang="en-US" sz="1100" b="1">
+                      <a:endParaRPr lang="en-US" sz="1100">
                         <a:effectLst/>
                         <a:latin typeface="Calibri" panose="020F0502020204030204" pitchFamily="34" charset="0"/>
                         <a:ea typeface="Calibri" panose="020F0502020204030204" pitchFamily="34" charset="0"/>
@@ -7603,15 +9669,55 @@
                       </a:endParaRPr>
                     </a:p>
                   </a:txBody>
-                  <a:tcPr marL="68580" marR="68580" marT="0" marB="0" anchor="ctr"/>
+                  <a:tcPr marL="68580" marR="68580" marT="0" marB="0" anchor="ctr">
+                    <a:lnL w="12700" cap="flat" cmpd="sng" algn="ctr">
+                      <a:solidFill>
+                        <a:schemeClr val="tx1"/>
+                      </a:solidFill>
+                      <a:prstDash val="solid"/>
+                      <a:round/>
+                      <a:headEnd type="none" w="med" len="med"/>
+                      <a:tailEnd type="none" w="med" len="med"/>
+                    </a:lnL>
+                    <a:lnR w="12700" cap="flat" cmpd="sng" algn="ctr">
+                      <a:solidFill>
+                        <a:schemeClr val="tx1"/>
+                      </a:solidFill>
+                      <a:prstDash val="solid"/>
+                      <a:round/>
+                      <a:headEnd type="none" w="med" len="med"/>
+                      <a:tailEnd type="none" w="med" len="med"/>
+                    </a:lnR>
+                    <a:lnT w="12700" cap="flat" cmpd="sng" algn="ctr">
+                      <a:solidFill>
+                        <a:schemeClr val="tx1"/>
+                      </a:solidFill>
+                      <a:prstDash val="solid"/>
+                      <a:round/>
+                      <a:headEnd type="none" w="med" len="med"/>
+                      <a:tailEnd type="none" w="med" len="med"/>
+                    </a:lnT>
+                    <a:lnB w="12700" cap="flat" cmpd="sng" algn="ctr">
+                      <a:solidFill>
+                        <a:schemeClr val="tx1"/>
+                      </a:solidFill>
+                      <a:prstDash val="solid"/>
+                      <a:round/>
+                      <a:headEnd type="none" w="med" len="med"/>
+                      <a:tailEnd type="none" w="med" len="med"/>
+                    </a:lnB>
+                    <a:lnTlToBr w="12700" cmpd="sng">
+                      <a:noFill/>
+                      <a:prstDash val="solid"/>
+                    </a:lnTlToBr>
+                    <a:lnBlToTr w="12700" cmpd="sng">
+                      <a:noFill/>
+                      <a:prstDash val="solid"/>
+                    </a:lnBlToTr>
+                  </a:tcPr>
                 </a:tc>
-                <a:extLst>
-                  <a:ext uri="{0D108BD9-81ED-4DB2-BD59-A6C34878D82A}">
-                    <a16:rowId xmlns:a16="http://schemas.microsoft.com/office/drawing/2014/main" xmlns="" val="10007"/>
-                  </a:ext>
-                </a:extLst>
               </a:tr>
-              <a:tr h="315522">
+              <a:tr h="314475">
                 <a:tc>
                   <a:txBody>
                     <a:bodyPr/>
@@ -7642,7 +9748,52 @@
                       </a:endParaRPr>
                     </a:p>
                   </a:txBody>
-                  <a:tcPr marL="68580" marR="68580" marT="0" marB="0" anchor="ctr"/>
+                  <a:tcPr marL="68580" marR="68580" marT="0" marB="0" anchor="ctr">
+                    <a:lnL w="12700" cap="flat" cmpd="sng" algn="ctr">
+                      <a:solidFill>
+                        <a:schemeClr val="tx1"/>
+                      </a:solidFill>
+                      <a:prstDash val="solid"/>
+                      <a:round/>
+                      <a:headEnd type="none" w="med" len="med"/>
+                      <a:tailEnd type="none" w="med" len="med"/>
+                    </a:lnL>
+                    <a:lnR w="12700" cap="flat" cmpd="sng" algn="ctr">
+                      <a:solidFill>
+                        <a:schemeClr val="tx1"/>
+                      </a:solidFill>
+                      <a:prstDash val="solid"/>
+                      <a:round/>
+                      <a:headEnd type="none" w="med" len="med"/>
+                      <a:tailEnd type="none" w="med" len="med"/>
+                    </a:lnR>
+                    <a:lnT w="12700" cap="flat" cmpd="sng" algn="ctr">
+                      <a:solidFill>
+                        <a:schemeClr val="tx1"/>
+                      </a:solidFill>
+                      <a:prstDash val="solid"/>
+                      <a:round/>
+                      <a:headEnd type="none" w="med" len="med"/>
+                      <a:tailEnd type="none" w="med" len="med"/>
+                    </a:lnT>
+                    <a:lnB w="12700" cap="flat" cmpd="sng" algn="ctr">
+                      <a:solidFill>
+                        <a:schemeClr val="tx1"/>
+                      </a:solidFill>
+                      <a:prstDash val="solid"/>
+                      <a:round/>
+                      <a:headEnd type="none" w="med" len="med"/>
+                      <a:tailEnd type="none" w="med" len="med"/>
+                    </a:lnB>
+                    <a:lnTlToBr w="12700" cmpd="sng">
+                      <a:noFill/>
+                      <a:prstDash val="solid"/>
+                    </a:lnTlToBr>
+                    <a:lnBlToTr w="12700" cmpd="sng">
+                      <a:noFill/>
+                      <a:prstDash val="solid"/>
+                    </a:lnBlToTr>
+                  </a:tcPr>
                 </a:tc>
                 <a:tc>
                   <a:txBody>
@@ -7664,9 +9815,9 @@
                         <a:rPr lang="en-US" sz="1100">
                           <a:effectLst/>
                         </a:rPr>
-                        <a:t> </a:t>
+                        <a:t>x</a:t>
                       </a:r>
-                      <a:endParaRPr lang="en-US" sz="1100" b="1">
+                      <a:endParaRPr lang="en-US" sz="1100">
                         <a:effectLst/>
                         <a:latin typeface="Calibri" panose="020F0502020204030204" pitchFamily="34" charset="0"/>
                         <a:ea typeface="Calibri" panose="020F0502020204030204" pitchFamily="34" charset="0"/>
@@ -7674,7 +9825,52 @@
                       </a:endParaRPr>
                     </a:p>
                   </a:txBody>
-                  <a:tcPr marL="68580" marR="68580" marT="0" marB="0" anchor="ctr"/>
+                  <a:tcPr marL="68580" marR="68580" marT="0" marB="0" anchor="ctr">
+                    <a:lnL w="12700" cap="flat" cmpd="sng" algn="ctr">
+                      <a:solidFill>
+                        <a:schemeClr val="tx1"/>
+                      </a:solidFill>
+                      <a:prstDash val="solid"/>
+                      <a:round/>
+                      <a:headEnd type="none" w="med" len="med"/>
+                      <a:tailEnd type="none" w="med" len="med"/>
+                    </a:lnL>
+                    <a:lnR w="12700" cap="flat" cmpd="sng" algn="ctr">
+                      <a:solidFill>
+                        <a:schemeClr val="tx1"/>
+                      </a:solidFill>
+                      <a:prstDash val="solid"/>
+                      <a:round/>
+                      <a:headEnd type="none" w="med" len="med"/>
+                      <a:tailEnd type="none" w="med" len="med"/>
+                    </a:lnR>
+                    <a:lnT w="12700" cap="flat" cmpd="sng" algn="ctr">
+                      <a:solidFill>
+                        <a:schemeClr val="tx1"/>
+                      </a:solidFill>
+                      <a:prstDash val="solid"/>
+                      <a:round/>
+                      <a:headEnd type="none" w="med" len="med"/>
+                      <a:tailEnd type="none" w="med" len="med"/>
+                    </a:lnT>
+                    <a:lnB w="12700" cap="flat" cmpd="sng" algn="ctr">
+                      <a:solidFill>
+                        <a:schemeClr val="tx1"/>
+                      </a:solidFill>
+                      <a:prstDash val="solid"/>
+                      <a:round/>
+                      <a:headEnd type="none" w="med" len="med"/>
+                      <a:tailEnd type="none" w="med" len="med"/>
+                    </a:lnB>
+                    <a:lnTlToBr w="12700" cmpd="sng">
+                      <a:noFill/>
+                      <a:prstDash val="solid"/>
+                    </a:lnTlToBr>
+                    <a:lnBlToTr w="12700" cmpd="sng">
+                      <a:noFill/>
+                      <a:prstDash val="solid"/>
+                    </a:lnBlToTr>
+                  </a:tcPr>
                 </a:tc>
                 <a:tc>
                   <a:txBody>
@@ -7696,9 +9892,9 @@
                         <a:rPr lang="en-US" sz="1100">
                           <a:effectLst/>
                         </a:rPr>
-                        <a:t> </a:t>
+                        <a:t>x</a:t>
                       </a:r>
-                      <a:endParaRPr lang="en-US" sz="1100" b="1">
+                      <a:endParaRPr lang="en-US" sz="1100">
                         <a:effectLst/>
                         <a:latin typeface="Calibri" panose="020F0502020204030204" pitchFamily="34" charset="0"/>
                         <a:ea typeface="Calibri" panose="020F0502020204030204" pitchFamily="34" charset="0"/>
@@ -7706,7 +9902,52 @@
                       </a:endParaRPr>
                     </a:p>
                   </a:txBody>
-                  <a:tcPr marL="68580" marR="68580" marT="0" marB="0" anchor="ctr"/>
+                  <a:tcPr marL="68580" marR="68580" marT="0" marB="0" anchor="ctr">
+                    <a:lnL w="12700" cap="flat" cmpd="sng" algn="ctr">
+                      <a:solidFill>
+                        <a:schemeClr val="tx1"/>
+                      </a:solidFill>
+                      <a:prstDash val="solid"/>
+                      <a:round/>
+                      <a:headEnd type="none" w="med" len="med"/>
+                      <a:tailEnd type="none" w="med" len="med"/>
+                    </a:lnL>
+                    <a:lnR w="12700" cap="flat" cmpd="sng" algn="ctr">
+                      <a:solidFill>
+                        <a:schemeClr val="tx1"/>
+                      </a:solidFill>
+                      <a:prstDash val="solid"/>
+                      <a:round/>
+                      <a:headEnd type="none" w="med" len="med"/>
+                      <a:tailEnd type="none" w="med" len="med"/>
+                    </a:lnR>
+                    <a:lnT w="12700" cap="flat" cmpd="sng" algn="ctr">
+                      <a:solidFill>
+                        <a:schemeClr val="tx1"/>
+                      </a:solidFill>
+                      <a:prstDash val="solid"/>
+                      <a:round/>
+                      <a:headEnd type="none" w="med" len="med"/>
+                      <a:tailEnd type="none" w="med" len="med"/>
+                    </a:lnT>
+                    <a:lnB w="12700" cap="flat" cmpd="sng" algn="ctr">
+                      <a:solidFill>
+                        <a:schemeClr val="tx1"/>
+                      </a:solidFill>
+                      <a:prstDash val="solid"/>
+                      <a:round/>
+                      <a:headEnd type="none" w="med" len="med"/>
+                      <a:tailEnd type="none" w="med" len="med"/>
+                    </a:lnB>
+                    <a:lnTlToBr w="12700" cmpd="sng">
+                      <a:noFill/>
+                      <a:prstDash val="solid"/>
+                    </a:lnTlToBr>
+                    <a:lnBlToTr w="12700" cmpd="sng">
+                      <a:noFill/>
+                      <a:prstDash val="solid"/>
+                    </a:lnBlToTr>
+                  </a:tcPr>
                 </a:tc>
                 <a:tc>
                   <a:txBody>
@@ -7728,9 +9969,9 @@
                         <a:rPr lang="en-US" sz="1100">
                           <a:effectLst/>
                         </a:rPr>
-                        <a:t> </a:t>
+                        <a:t>x</a:t>
                       </a:r>
-                      <a:endParaRPr lang="en-US" sz="1100" b="1">
+                      <a:endParaRPr lang="en-US" sz="1100">
                         <a:effectLst/>
                         <a:latin typeface="Calibri" panose="020F0502020204030204" pitchFamily="34" charset="0"/>
                         <a:ea typeface="Calibri" panose="020F0502020204030204" pitchFamily="34" charset="0"/>
@@ -7738,7 +9979,52 @@
                       </a:endParaRPr>
                     </a:p>
                   </a:txBody>
-                  <a:tcPr marL="68580" marR="68580" marT="0" marB="0" anchor="ctr"/>
+                  <a:tcPr marL="68580" marR="68580" marT="0" marB="0" anchor="ctr">
+                    <a:lnL w="12700" cap="flat" cmpd="sng" algn="ctr">
+                      <a:solidFill>
+                        <a:schemeClr val="tx1"/>
+                      </a:solidFill>
+                      <a:prstDash val="solid"/>
+                      <a:round/>
+                      <a:headEnd type="none" w="med" len="med"/>
+                      <a:tailEnd type="none" w="med" len="med"/>
+                    </a:lnL>
+                    <a:lnR w="12700" cap="flat" cmpd="sng" algn="ctr">
+                      <a:solidFill>
+                        <a:schemeClr val="tx1"/>
+                      </a:solidFill>
+                      <a:prstDash val="solid"/>
+                      <a:round/>
+                      <a:headEnd type="none" w="med" len="med"/>
+                      <a:tailEnd type="none" w="med" len="med"/>
+                    </a:lnR>
+                    <a:lnT w="12700" cap="flat" cmpd="sng" algn="ctr">
+                      <a:solidFill>
+                        <a:schemeClr val="tx1"/>
+                      </a:solidFill>
+                      <a:prstDash val="solid"/>
+                      <a:round/>
+                      <a:headEnd type="none" w="med" len="med"/>
+                      <a:tailEnd type="none" w="med" len="med"/>
+                    </a:lnT>
+                    <a:lnB w="12700" cap="flat" cmpd="sng" algn="ctr">
+                      <a:solidFill>
+                        <a:schemeClr val="tx1"/>
+                      </a:solidFill>
+                      <a:prstDash val="solid"/>
+                      <a:round/>
+                      <a:headEnd type="none" w="med" len="med"/>
+                      <a:tailEnd type="none" w="med" len="med"/>
+                    </a:lnB>
+                    <a:lnTlToBr w="12700" cmpd="sng">
+                      <a:noFill/>
+                      <a:prstDash val="solid"/>
+                    </a:lnTlToBr>
+                    <a:lnBlToTr w="12700" cmpd="sng">
+                      <a:noFill/>
+                      <a:prstDash val="solid"/>
+                    </a:lnBlToTr>
+                  </a:tcPr>
                 </a:tc>
                 <a:tc>
                   <a:txBody>
@@ -7760,9 +10046,9 @@
                         <a:rPr lang="en-US" sz="1100">
                           <a:effectLst/>
                         </a:rPr>
-                        <a:t> </a:t>
+                        <a:t>x</a:t>
                       </a:r>
-                      <a:endParaRPr lang="en-US" sz="1100" b="1">
+                      <a:endParaRPr lang="en-US" sz="1100">
                         <a:effectLst/>
                         <a:latin typeface="Calibri" panose="020F0502020204030204" pitchFamily="34" charset="0"/>
                         <a:ea typeface="Calibri" panose="020F0502020204030204" pitchFamily="34" charset="0"/>
@@ -7770,7 +10056,52 @@
                       </a:endParaRPr>
                     </a:p>
                   </a:txBody>
-                  <a:tcPr marL="68580" marR="68580" marT="0" marB="0" anchor="ctr"/>
+                  <a:tcPr marL="68580" marR="68580" marT="0" marB="0" anchor="ctr">
+                    <a:lnL w="12700" cap="flat" cmpd="sng" algn="ctr">
+                      <a:solidFill>
+                        <a:schemeClr val="tx1"/>
+                      </a:solidFill>
+                      <a:prstDash val="solid"/>
+                      <a:round/>
+                      <a:headEnd type="none" w="med" len="med"/>
+                      <a:tailEnd type="none" w="med" len="med"/>
+                    </a:lnL>
+                    <a:lnR w="12700" cap="flat" cmpd="sng" algn="ctr">
+                      <a:solidFill>
+                        <a:schemeClr val="tx1"/>
+                      </a:solidFill>
+                      <a:prstDash val="solid"/>
+                      <a:round/>
+                      <a:headEnd type="none" w="med" len="med"/>
+                      <a:tailEnd type="none" w="med" len="med"/>
+                    </a:lnR>
+                    <a:lnT w="12700" cap="flat" cmpd="sng" algn="ctr">
+                      <a:solidFill>
+                        <a:schemeClr val="tx1"/>
+                      </a:solidFill>
+                      <a:prstDash val="solid"/>
+                      <a:round/>
+                      <a:headEnd type="none" w="med" len="med"/>
+                      <a:tailEnd type="none" w="med" len="med"/>
+                    </a:lnT>
+                    <a:lnB w="12700" cap="flat" cmpd="sng" algn="ctr">
+                      <a:solidFill>
+                        <a:schemeClr val="tx1"/>
+                      </a:solidFill>
+                      <a:prstDash val="solid"/>
+                      <a:round/>
+                      <a:headEnd type="none" w="med" len="med"/>
+                      <a:tailEnd type="none" w="med" len="med"/>
+                    </a:lnB>
+                    <a:lnTlToBr w="12700" cmpd="sng">
+                      <a:noFill/>
+                      <a:prstDash val="solid"/>
+                    </a:lnTlToBr>
+                    <a:lnBlToTr w="12700" cmpd="sng">
+                      <a:noFill/>
+                      <a:prstDash val="solid"/>
+                    </a:lnBlToTr>
+                  </a:tcPr>
                 </a:tc>
                 <a:tc>
                   <a:txBody>
@@ -7795,7 +10126,7 @@
                         </a:rPr>
                         <a:t></a:t>
                       </a:r>
-                      <a:endParaRPr lang="en-US" sz="1100" b="1">
+                      <a:endParaRPr lang="en-US" sz="1100">
                         <a:effectLst/>
                         <a:latin typeface="Calibri" panose="020F0502020204030204" pitchFamily="34" charset="0"/>
                         <a:ea typeface="Calibri" panose="020F0502020204030204" pitchFamily="34" charset="0"/>
@@ -7803,15 +10134,55 @@
                       </a:endParaRPr>
                     </a:p>
                   </a:txBody>
-                  <a:tcPr marL="68580" marR="68580" marT="0" marB="0" anchor="ctr"/>
+                  <a:tcPr marL="68580" marR="68580" marT="0" marB="0" anchor="ctr">
+                    <a:lnL w="12700" cap="flat" cmpd="sng" algn="ctr">
+                      <a:solidFill>
+                        <a:schemeClr val="tx1"/>
+                      </a:solidFill>
+                      <a:prstDash val="solid"/>
+                      <a:round/>
+                      <a:headEnd type="none" w="med" len="med"/>
+                      <a:tailEnd type="none" w="med" len="med"/>
+                    </a:lnL>
+                    <a:lnR w="12700" cap="flat" cmpd="sng" algn="ctr">
+                      <a:solidFill>
+                        <a:schemeClr val="tx1"/>
+                      </a:solidFill>
+                      <a:prstDash val="solid"/>
+                      <a:round/>
+                      <a:headEnd type="none" w="med" len="med"/>
+                      <a:tailEnd type="none" w="med" len="med"/>
+                    </a:lnR>
+                    <a:lnT w="12700" cap="flat" cmpd="sng" algn="ctr">
+                      <a:solidFill>
+                        <a:schemeClr val="tx1"/>
+                      </a:solidFill>
+                      <a:prstDash val="solid"/>
+                      <a:round/>
+                      <a:headEnd type="none" w="med" len="med"/>
+                      <a:tailEnd type="none" w="med" len="med"/>
+                    </a:lnT>
+                    <a:lnB w="12700" cap="flat" cmpd="sng" algn="ctr">
+                      <a:solidFill>
+                        <a:schemeClr val="tx1"/>
+                      </a:solidFill>
+                      <a:prstDash val="solid"/>
+                      <a:round/>
+                      <a:headEnd type="none" w="med" len="med"/>
+                      <a:tailEnd type="none" w="med" len="med"/>
+                    </a:lnB>
+                    <a:lnTlToBr w="12700" cmpd="sng">
+                      <a:noFill/>
+                      <a:prstDash val="solid"/>
+                    </a:lnTlToBr>
+                    <a:lnBlToTr w="12700" cmpd="sng">
+                      <a:noFill/>
+                      <a:prstDash val="solid"/>
+                    </a:lnBlToTr>
+                  </a:tcPr>
                 </a:tc>
-                <a:extLst>
-                  <a:ext uri="{0D108BD9-81ED-4DB2-BD59-A6C34878D82A}">
-                    <a16:rowId xmlns:a16="http://schemas.microsoft.com/office/drawing/2014/main" xmlns="" val="10008"/>
-                  </a:ext>
-                </a:extLst>
               </a:tr>
-              <a:tr h="647622">
+              <a:tr h="645471">
                 <a:tc>
                   <a:txBody>
                     <a:bodyPr/>
@@ -7842,7 +10213,52 @@
                       </a:endParaRPr>
                     </a:p>
                   </a:txBody>
-                  <a:tcPr marL="68580" marR="68580" marT="0" marB="0" anchor="ctr"/>
+                  <a:tcPr marL="68580" marR="68580" marT="0" marB="0" anchor="ctr">
+                    <a:lnL w="12700" cap="flat" cmpd="sng" algn="ctr">
+                      <a:solidFill>
+                        <a:schemeClr val="tx1"/>
+                      </a:solidFill>
+                      <a:prstDash val="solid"/>
+                      <a:round/>
+                      <a:headEnd type="none" w="med" len="med"/>
+                      <a:tailEnd type="none" w="med" len="med"/>
+                    </a:lnL>
+                    <a:lnR w="12700" cap="flat" cmpd="sng" algn="ctr">
+                      <a:solidFill>
+                        <a:schemeClr val="tx1"/>
+                      </a:solidFill>
+                      <a:prstDash val="solid"/>
+                      <a:round/>
+                      <a:headEnd type="none" w="med" len="med"/>
+                      <a:tailEnd type="none" w="med" len="med"/>
+                    </a:lnR>
+                    <a:lnT w="12700" cap="flat" cmpd="sng" algn="ctr">
+                      <a:solidFill>
+                        <a:schemeClr val="tx1"/>
+                      </a:solidFill>
+                      <a:prstDash val="solid"/>
+                      <a:round/>
+                      <a:headEnd type="none" w="med" len="med"/>
+                      <a:tailEnd type="none" w="med" len="med"/>
+                    </a:lnT>
+                    <a:lnB w="12700" cap="flat" cmpd="sng" algn="ctr">
+                      <a:solidFill>
+                        <a:schemeClr val="tx1"/>
+                      </a:solidFill>
+                      <a:prstDash val="solid"/>
+                      <a:round/>
+                      <a:headEnd type="none" w="med" len="med"/>
+                      <a:tailEnd type="none" w="med" len="med"/>
+                    </a:lnB>
+                    <a:lnTlToBr w="12700" cmpd="sng">
+                      <a:noFill/>
+                      <a:prstDash val="solid"/>
+                    </a:lnTlToBr>
+                    <a:lnBlToTr w="12700" cmpd="sng">
+                      <a:noFill/>
+                      <a:prstDash val="solid"/>
+                    </a:lnBlToTr>
+                  </a:tcPr>
                 </a:tc>
                 <a:tc>
                   <a:txBody>
@@ -7864,9 +10280,9 @@
                         <a:rPr lang="en-US" sz="1100">
                           <a:effectLst/>
                         </a:rPr>
-                        <a:t> </a:t>
+                        <a:t>x</a:t>
                       </a:r>
-                      <a:endParaRPr lang="en-US" sz="1100" b="1">
+                      <a:endParaRPr lang="en-US" sz="1100">
                         <a:effectLst/>
                         <a:latin typeface="Calibri" panose="020F0502020204030204" pitchFamily="34" charset="0"/>
                         <a:ea typeface="Calibri" panose="020F0502020204030204" pitchFamily="34" charset="0"/>
@@ -7874,7 +10290,52 @@
                       </a:endParaRPr>
                     </a:p>
                   </a:txBody>
-                  <a:tcPr marL="68580" marR="68580" marT="0" marB="0" anchor="ctr"/>
+                  <a:tcPr marL="68580" marR="68580" marT="0" marB="0" anchor="ctr">
+                    <a:lnL w="12700" cap="flat" cmpd="sng" algn="ctr">
+                      <a:solidFill>
+                        <a:schemeClr val="tx1"/>
+                      </a:solidFill>
+                      <a:prstDash val="solid"/>
+                      <a:round/>
+                      <a:headEnd type="none" w="med" len="med"/>
+                      <a:tailEnd type="none" w="med" len="med"/>
+                    </a:lnL>
+                    <a:lnR w="12700" cap="flat" cmpd="sng" algn="ctr">
+                      <a:solidFill>
+                        <a:schemeClr val="tx1"/>
+                      </a:solidFill>
+                      <a:prstDash val="solid"/>
+                      <a:round/>
+                      <a:headEnd type="none" w="med" len="med"/>
+                      <a:tailEnd type="none" w="med" len="med"/>
+                    </a:lnR>
+                    <a:lnT w="12700" cap="flat" cmpd="sng" algn="ctr">
+                      <a:solidFill>
+                        <a:schemeClr val="tx1"/>
+                      </a:solidFill>
+                      <a:prstDash val="solid"/>
+                      <a:round/>
+                      <a:headEnd type="none" w="med" len="med"/>
+                      <a:tailEnd type="none" w="med" len="med"/>
+                    </a:lnT>
+                    <a:lnB w="12700" cap="flat" cmpd="sng" algn="ctr">
+                      <a:solidFill>
+                        <a:schemeClr val="tx1"/>
+                      </a:solidFill>
+                      <a:prstDash val="solid"/>
+                      <a:round/>
+                      <a:headEnd type="none" w="med" len="med"/>
+                      <a:tailEnd type="none" w="med" len="med"/>
+                    </a:lnB>
+                    <a:lnTlToBr w="12700" cmpd="sng">
+                      <a:noFill/>
+                      <a:prstDash val="solid"/>
+                    </a:lnTlToBr>
+                    <a:lnBlToTr w="12700" cmpd="sng">
+                      <a:noFill/>
+                      <a:prstDash val="solid"/>
+                    </a:lnBlToTr>
+                  </a:tcPr>
                 </a:tc>
                 <a:tc>
                   <a:txBody>
@@ -7899,7 +10360,7 @@
                         </a:rPr>
                         <a:t></a:t>
                       </a:r>
-                      <a:endParaRPr lang="en-US" sz="1100" b="1">
+                      <a:endParaRPr lang="en-US" sz="1100">
                         <a:effectLst/>
                         <a:latin typeface="Calibri" panose="020F0502020204030204" pitchFamily="34" charset="0"/>
                         <a:ea typeface="Calibri" panose="020F0502020204030204" pitchFamily="34" charset="0"/>
@@ -7907,7 +10368,52 @@
                       </a:endParaRPr>
                     </a:p>
                   </a:txBody>
-                  <a:tcPr marL="68580" marR="68580" marT="0" marB="0" anchor="ctr"/>
+                  <a:tcPr marL="68580" marR="68580" marT="0" marB="0" anchor="ctr">
+                    <a:lnL w="12700" cap="flat" cmpd="sng" algn="ctr">
+                      <a:solidFill>
+                        <a:schemeClr val="tx1"/>
+                      </a:solidFill>
+                      <a:prstDash val="solid"/>
+                      <a:round/>
+                      <a:headEnd type="none" w="med" len="med"/>
+                      <a:tailEnd type="none" w="med" len="med"/>
+                    </a:lnL>
+                    <a:lnR w="12700" cap="flat" cmpd="sng" algn="ctr">
+                      <a:solidFill>
+                        <a:schemeClr val="tx1"/>
+                      </a:solidFill>
+                      <a:prstDash val="solid"/>
+                      <a:round/>
+                      <a:headEnd type="none" w="med" len="med"/>
+                      <a:tailEnd type="none" w="med" len="med"/>
+                    </a:lnR>
+                    <a:lnT w="12700" cap="flat" cmpd="sng" algn="ctr">
+                      <a:solidFill>
+                        <a:schemeClr val="tx1"/>
+                      </a:solidFill>
+                      <a:prstDash val="solid"/>
+                      <a:round/>
+                      <a:headEnd type="none" w="med" len="med"/>
+                      <a:tailEnd type="none" w="med" len="med"/>
+                    </a:lnT>
+                    <a:lnB w="12700" cap="flat" cmpd="sng" algn="ctr">
+                      <a:solidFill>
+                        <a:schemeClr val="tx1"/>
+                      </a:solidFill>
+                      <a:prstDash val="solid"/>
+                      <a:round/>
+                      <a:headEnd type="none" w="med" len="med"/>
+                      <a:tailEnd type="none" w="med" len="med"/>
+                    </a:lnB>
+                    <a:lnTlToBr w="12700" cmpd="sng">
+                      <a:noFill/>
+                      <a:prstDash val="solid"/>
+                    </a:lnTlToBr>
+                    <a:lnBlToTr w="12700" cmpd="sng">
+                      <a:noFill/>
+                      <a:prstDash val="solid"/>
+                    </a:lnBlToTr>
+                  </a:tcPr>
                 </a:tc>
                 <a:tc>
                   <a:txBody>
@@ -7929,9 +10435,9 @@
                         <a:rPr lang="en-US" sz="1100">
                           <a:effectLst/>
                         </a:rPr>
-                        <a:t> </a:t>
+                        <a:t>x</a:t>
                       </a:r>
-                      <a:endParaRPr lang="en-US" sz="1100" b="1">
+                      <a:endParaRPr lang="en-US" sz="1100">
                         <a:effectLst/>
                         <a:latin typeface="Calibri" panose="020F0502020204030204" pitchFamily="34" charset="0"/>
                         <a:ea typeface="Calibri" panose="020F0502020204030204" pitchFamily="34" charset="0"/>
@@ -7939,7 +10445,52 @@
                       </a:endParaRPr>
                     </a:p>
                   </a:txBody>
-                  <a:tcPr marL="68580" marR="68580" marT="0" marB="0" anchor="ctr"/>
+                  <a:tcPr marL="68580" marR="68580" marT="0" marB="0" anchor="ctr">
+                    <a:lnL w="12700" cap="flat" cmpd="sng" algn="ctr">
+                      <a:solidFill>
+                        <a:schemeClr val="tx1"/>
+                      </a:solidFill>
+                      <a:prstDash val="solid"/>
+                      <a:round/>
+                      <a:headEnd type="none" w="med" len="med"/>
+                      <a:tailEnd type="none" w="med" len="med"/>
+                    </a:lnL>
+                    <a:lnR w="12700" cap="flat" cmpd="sng" algn="ctr">
+                      <a:solidFill>
+                        <a:schemeClr val="tx1"/>
+                      </a:solidFill>
+                      <a:prstDash val="solid"/>
+                      <a:round/>
+                      <a:headEnd type="none" w="med" len="med"/>
+                      <a:tailEnd type="none" w="med" len="med"/>
+                    </a:lnR>
+                    <a:lnT w="12700" cap="flat" cmpd="sng" algn="ctr">
+                      <a:solidFill>
+                        <a:schemeClr val="tx1"/>
+                      </a:solidFill>
+                      <a:prstDash val="solid"/>
+                      <a:round/>
+                      <a:headEnd type="none" w="med" len="med"/>
+                      <a:tailEnd type="none" w="med" len="med"/>
+                    </a:lnT>
+                    <a:lnB w="12700" cap="flat" cmpd="sng" algn="ctr">
+                      <a:solidFill>
+                        <a:schemeClr val="tx1"/>
+                      </a:solidFill>
+                      <a:prstDash val="solid"/>
+                      <a:round/>
+                      <a:headEnd type="none" w="med" len="med"/>
+                      <a:tailEnd type="none" w="med" len="med"/>
+                    </a:lnB>
+                    <a:lnTlToBr w="12700" cmpd="sng">
+                      <a:noFill/>
+                      <a:prstDash val="solid"/>
+                    </a:lnTlToBr>
+                    <a:lnBlToTr w="12700" cmpd="sng">
+                      <a:noFill/>
+                      <a:prstDash val="solid"/>
+                    </a:lnBlToTr>
+                  </a:tcPr>
                 </a:tc>
                 <a:tc>
                   <a:txBody>
@@ -7964,7 +10515,7 @@
                         </a:rPr>
                         <a:t></a:t>
                       </a:r>
-                      <a:endParaRPr lang="en-US" sz="1100" b="1">
+                      <a:endParaRPr lang="en-US" sz="1100">
                         <a:effectLst/>
                         <a:latin typeface="Calibri" panose="020F0502020204030204" pitchFamily="34" charset="0"/>
                         <a:ea typeface="Calibri" panose="020F0502020204030204" pitchFamily="34" charset="0"/>
@@ -7972,7 +10523,52 @@
                       </a:endParaRPr>
                     </a:p>
                   </a:txBody>
-                  <a:tcPr marL="68580" marR="68580" marT="0" marB="0" anchor="ctr"/>
+                  <a:tcPr marL="68580" marR="68580" marT="0" marB="0" anchor="ctr">
+                    <a:lnL w="12700" cap="flat" cmpd="sng" algn="ctr">
+                      <a:solidFill>
+                        <a:schemeClr val="tx1"/>
+                      </a:solidFill>
+                      <a:prstDash val="solid"/>
+                      <a:round/>
+                      <a:headEnd type="none" w="med" len="med"/>
+                      <a:tailEnd type="none" w="med" len="med"/>
+                    </a:lnL>
+                    <a:lnR w="12700" cap="flat" cmpd="sng" algn="ctr">
+                      <a:solidFill>
+                        <a:schemeClr val="tx1"/>
+                      </a:solidFill>
+                      <a:prstDash val="solid"/>
+                      <a:round/>
+                      <a:headEnd type="none" w="med" len="med"/>
+                      <a:tailEnd type="none" w="med" len="med"/>
+                    </a:lnR>
+                    <a:lnT w="12700" cap="flat" cmpd="sng" algn="ctr">
+                      <a:solidFill>
+                        <a:schemeClr val="tx1"/>
+                      </a:solidFill>
+                      <a:prstDash val="solid"/>
+                      <a:round/>
+                      <a:headEnd type="none" w="med" len="med"/>
+                      <a:tailEnd type="none" w="med" len="med"/>
+                    </a:lnT>
+                    <a:lnB w="12700" cap="flat" cmpd="sng" algn="ctr">
+                      <a:solidFill>
+                        <a:schemeClr val="tx1"/>
+                      </a:solidFill>
+                      <a:prstDash val="solid"/>
+                      <a:round/>
+                      <a:headEnd type="none" w="med" len="med"/>
+                      <a:tailEnd type="none" w="med" len="med"/>
+                    </a:lnB>
+                    <a:lnTlToBr w="12700" cmpd="sng">
+                      <a:noFill/>
+                      <a:prstDash val="solid"/>
+                    </a:lnTlToBr>
+                    <a:lnBlToTr w="12700" cmpd="sng">
+                      <a:noFill/>
+                      <a:prstDash val="solid"/>
+                    </a:lnBlToTr>
+                  </a:tcPr>
                 </a:tc>
                 <a:tc>
                   <a:txBody>
@@ -7994,9 +10590,9 @@
                         <a:rPr lang="en-US" sz="1100" dirty="0">
                           <a:effectLst/>
                         </a:rPr>
-                        <a:t> </a:t>
+                        <a:t>x</a:t>
                       </a:r>
-                      <a:endParaRPr lang="en-US" sz="1100" b="1" dirty="0">
+                      <a:endParaRPr lang="en-US" sz="1100" dirty="0">
                         <a:effectLst/>
                         <a:latin typeface="Calibri" panose="020F0502020204030204" pitchFamily="34" charset="0"/>
                         <a:ea typeface="Calibri" panose="020F0502020204030204" pitchFamily="34" charset="0"/>
@@ -8004,13 +10600,53 @@
                       </a:endParaRPr>
                     </a:p>
                   </a:txBody>
-                  <a:tcPr marL="68580" marR="68580" marT="0" marB="0" anchor="ctr"/>
+                  <a:tcPr marL="68580" marR="68580" marT="0" marB="0" anchor="ctr">
+                    <a:lnL w="12700" cap="flat" cmpd="sng" algn="ctr">
+                      <a:solidFill>
+                        <a:schemeClr val="tx1"/>
+                      </a:solidFill>
+                      <a:prstDash val="solid"/>
+                      <a:round/>
+                      <a:headEnd type="none" w="med" len="med"/>
+                      <a:tailEnd type="none" w="med" len="med"/>
+                    </a:lnL>
+                    <a:lnR w="12700" cap="flat" cmpd="sng" algn="ctr">
+                      <a:solidFill>
+                        <a:schemeClr val="tx1"/>
+                      </a:solidFill>
+                      <a:prstDash val="solid"/>
+                      <a:round/>
+                      <a:headEnd type="none" w="med" len="med"/>
+                      <a:tailEnd type="none" w="med" len="med"/>
+                    </a:lnR>
+                    <a:lnT w="12700" cap="flat" cmpd="sng" algn="ctr">
+                      <a:solidFill>
+                        <a:schemeClr val="tx1"/>
+                      </a:solidFill>
+                      <a:prstDash val="solid"/>
+                      <a:round/>
+                      <a:headEnd type="none" w="med" len="med"/>
+                      <a:tailEnd type="none" w="med" len="med"/>
+                    </a:lnT>
+                    <a:lnB w="12700" cap="flat" cmpd="sng" algn="ctr">
+                      <a:solidFill>
+                        <a:schemeClr val="tx1"/>
+                      </a:solidFill>
+                      <a:prstDash val="solid"/>
+                      <a:round/>
+                      <a:headEnd type="none" w="med" len="med"/>
+                      <a:tailEnd type="none" w="med" len="med"/>
+                    </a:lnB>
+                    <a:lnTlToBr w="12700" cmpd="sng">
+                      <a:noFill/>
+                      <a:prstDash val="solid"/>
+                    </a:lnTlToBr>
+                    <a:lnBlToTr w="12700" cmpd="sng">
+                      <a:noFill/>
+                      <a:prstDash val="solid"/>
+                    </a:lnBlToTr>
+                  </a:tcPr>
                 </a:tc>
-                <a:extLst>
-                  <a:ext uri="{0D108BD9-81ED-4DB2-BD59-A6C34878D82A}">
-                    <a16:rowId xmlns:a16="http://schemas.microsoft.com/office/drawing/2014/main" xmlns="" val="10009"/>
-                  </a:ext>
-                </a:extLst>
               </a:tr>
             </a:tbl>
           </a:graphicData>
@@ -8058,7 +10694,7 @@
           <p:cNvPr id="2" name="Title 1">
             <a:extLst>
               <a:ext uri="{FF2B5EF4-FFF2-40B4-BE49-F238E27FC236}">
-                <a16:creationId xmlns:a16="http://schemas.microsoft.com/office/drawing/2014/main" xmlns="" id="{987A2B9E-3B6D-4CDD-AB4C-21E3236C98BA}"/>
+                <a16:creationId xmlns="" xmlns:a16="http://schemas.microsoft.com/office/drawing/2014/main" id="{987A2B9E-3B6D-4CDD-AB4C-21E3236C98BA}"/>
               </a:ext>
             </a:extLst>
           </p:cNvPr>
@@ -8086,7 +10722,7 @@
           <p:cNvPr id="3" name="Content Placeholder 2">
             <a:extLst>
               <a:ext uri="{FF2B5EF4-FFF2-40B4-BE49-F238E27FC236}">
-                <a16:creationId xmlns:a16="http://schemas.microsoft.com/office/drawing/2014/main" xmlns="" id="{67DBD9DD-B1A5-41B6-8460-CB9575F4E501}"/>
+                <a16:creationId xmlns="" xmlns:a16="http://schemas.microsoft.com/office/drawing/2014/main" id="{67DBD9DD-B1A5-41B6-8460-CB9575F4E501}"/>
               </a:ext>
             </a:extLst>
           </p:cNvPr>
@@ -8200,7 +10836,7 @@
           <p:cNvPr id="3" name="Content Placeholder 2">
             <a:extLst>
               <a:ext uri="{FF2B5EF4-FFF2-40B4-BE49-F238E27FC236}">
-                <a16:creationId xmlns:a16="http://schemas.microsoft.com/office/drawing/2014/main" xmlns="" id="{379FBF68-DC88-4C2D-AED4-BD846653AB4B}"/>
+                <a16:creationId xmlns="" xmlns:a16="http://schemas.microsoft.com/office/drawing/2014/main" id="{379FBF68-DC88-4C2D-AED4-BD846653AB4B}"/>
               </a:ext>
             </a:extLst>
           </p:cNvPr>
@@ -8377,7 +11013,7 @@
           <p:cNvPr id="2" name="Title 1">
             <a:extLst>
               <a:ext uri="{FF2B5EF4-FFF2-40B4-BE49-F238E27FC236}">
-                <a16:creationId xmlns:a16="http://schemas.microsoft.com/office/drawing/2014/main" xmlns="" id="{572B919B-7970-414F-944C-D7DCE41D5119}"/>
+                <a16:creationId xmlns="" xmlns:a16="http://schemas.microsoft.com/office/drawing/2014/main" id="{572B919B-7970-414F-944C-D7DCE41D5119}"/>
               </a:ext>
             </a:extLst>
           </p:cNvPr>
@@ -8405,7 +11041,7 @@
           <p:cNvPr id="3" name="Content Placeholder 2">
             <a:extLst>
               <a:ext uri="{FF2B5EF4-FFF2-40B4-BE49-F238E27FC236}">
-                <a16:creationId xmlns:a16="http://schemas.microsoft.com/office/drawing/2014/main" xmlns="" id="{57F44D35-13DB-4243-AAB8-F4DD4AA3E478}"/>
+                <a16:creationId xmlns="" xmlns:a16="http://schemas.microsoft.com/office/drawing/2014/main" id="{57F44D35-13DB-4243-AAB8-F4DD4AA3E478}"/>
               </a:ext>
             </a:extLst>
           </p:cNvPr>
@@ -8476,7 +11112,7 @@
           <p:cNvPr id="2" name="Title 1">
             <a:extLst>
               <a:ext uri="{FF2B5EF4-FFF2-40B4-BE49-F238E27FC236}">
-                <a16:creationId xmlns:a16="http://schemas.microsoft.com/office/drawing/2014/main" xmlns="" id="{3AE0C9F6-F394-418D-96A4-49626E554771}"/>
+                <a16:creationId xmlns="" xmlns:a16="http://schemas.microsoft.com/office/drawing/2014/main" id="{3AE0C9F6-F394-418D-96A4-49626E554771}"/>
               </a:ext>
             </a:extLst>
           </p:cNvPr>
@@ -8504,7 +11140,7 @@
           <p:cNvPr id="3" name="Content Placeholder 2">
             <a:extLst>
               <a:ext uri="{FF2B5EF4-FFF2-40B4-BE49-F238E27FC236}">
-                <a16:creationId xmlns:a16="http://schemas.microsoft.com/office/drawing/2014/main" xmlns="" id="{60780DC7-6E0C-499C-B432-5D3FAE7733F5}"/>
+                <a16:creationId xmlns="" xmlns:a16="http://schemas.microsoft.com/office/drawing/2014/main" id="{60780DC7-6E0C-499C-B432-5D3FAE7733F5}"/>
               </a:ext>
             </a:extLst>
           </p:cNvPr>
@@ -8538,7 +11174,7 @@
           <p:cNvPr id="4" name="Picture 3">
             <a:extLst>
               <a:ext uri="{FF2B5EF4-FFF2-40B4-BE49-F238E27FC236}">
-                <a16:creationId xmlns:a16="http://schemas.microsoft.com/office/drawing/2014/main" xmlns="" id="{C90B0524-6AAC-4739-8263-BBA3A39E4DA6}"/>
+                <a16:creationId xmlns="" xmlns:a16="http://schemas.microsoft.com/office/drawing/2014/main" id="{C90B0524-6AAC-4739-8263-BBA3A39E4DA6}"/>
               </a:ext>
             </a:extLst>
           </p:cNvPr>
@@ -8617,7 +11253,7 @@
           <p:cNvPr id="2" name="Title 1">
             <a:extLst>
               <a:ext uri="{FF2B5EF4-FFF2-40B4-BE49-F238E27FC236}">
-                <a16:creationId xmlns:a16="http://schemas.microsoft.com/office/drawing/2014/main" xmlns="" id="{67423FAA-9D78-41BE-BEE2-6621D8D99B08}"/>
+                <a16:creationId xmlns="" xmlns:a16="http://schemas.microsoft.com/office/drawing/2014/main" id="{67423FAA-9D78-41BE-BEE2-6621D8D99B08}"/>
               </a:ext>
             </a:extLst>
           </p:cNvPr>
@@ -8645,7 +11281,7 @@
           <p:cNvPr id="3" name="Content Placeholder 2">
             <a:extLst>
               <a:ext uri="{FF2B5EF4-FFF2-40B4-BE49-F238E27FC236}">
-                <a16:creationId xmlns:a16="http://schemas.microsoft.com/office/drawing/2014/main" xmlns="" id="{914A72A8-87B7-4A3E-8DAF-1E357F80BB47}"/>
+                <a16:creationId xmlns="" xmlns:a16="http://schemas.microsoft.com/office/drawing/2014/main" id="{914A72A8-87B7-4A3E-8DAF-1E357F80BB47}"/>
               </a:ext>
             </a:extLst>
           </p:cNvPr>
@@ -8734,7 +11370,7 @@
           <p:cNvPr id="2" name="Title 1">
             <a:extLst>
               <a:ext uri="{FF2B5EF4-FFF2-40B4-BE49-F238E27FC236}">
-                <a16:creationId xmlns:a16="http://schemas.microsoft.com/office/drawing/2014/main" xmlns="" id="{AA652A55-4BBF-44C0-9483-296DC4886021}"/>
+                <a16:creationId xmlns="" xmlns:a16="http://schemas.microsoft.com/office/drawing/2014/main" id="{AA652A55-4BBF-44C0-9483-296DC4886021}"/>
               </a:ext>
             </a:extLst>
           </p:cNvPr>
@@ -8762,7 +11398,7 @@
           <p:cNvPr id="3" name="Content Placeholder 2">
             <a:extLst>
               <a:ext uri="{FF2B5EF4-FFF2-40B4-BE49-F238E27FC236}">
-                <a16:creationId xmlns:a16="http://schemas.microsoft.com/office/drawing/2014/main" xmlns="" id="{073B9CCF-CD4B-49EE-9419-06671F73F5B8}"/>
+                <a16:creationId xmlns="" xmlns:a16="http://schemas.microsoft.com/office/drawing/2014/main" id="{073B9CCF-CD4B-49EE-9419-06671F73F5B8}"/>
               </a:ext>
             </a:extLst>
           </p:cNvPr>
@@ -8790,7 +11426,7 @@
           <p:cNvPr id="4" name="Picture 3">
             <a:extLst>
               <a:ext uri="{FF2B5EF4-FFF2-40B4-BE49-F238E27FC236}">
-                <a16:creationId xmlns:a16="http://schemas.microsoft.com/office/drawing/2014/main" xmlns="" id="{57E421ED-8741-4E5A-9A62-E61BD04979A8}"/>
+                <a16:creationId xmlns="" xmlns:a16="http://schemas.microsoft.com/office/drawing/2014/main" id="{57E421ED-8741-4E5A-9A62-E61BD04979A8}"/>
               </a:ext>
             </a:extLst>
           </p:cNvPr>
@@ -8869,7 +11505,7 @@
           <p:cNvPr id="2" name="Title 1">
             <a:extLst>
               <a:ext uri="{FF2B5EF4-FFF2-40B4-BE49-F238E27FC236}">
-                <a16:creationId xmlns:a16="http://schemas.microsoft.com/office/drawing/2014/main" xmlns="" id="{99F1A885-3075-40C9-B832-9F6A5CA4446F}"/>
+                <a16:creationId xmlns="" xmlns:a16="http://schemas.microsoft.com/office/drawing/2014/main" id="{99F1A885-3075-40C9-B832-9F6A5CA4446F}"/>
               </a:ext>
             </a:extLst>
           </p:cNvPr>
@@ -8897,7 +11533,7 @@
           <p:cNvPr id="3" name="Content Placeholder 2">
             <a:extLst>
               <a:ext uri="{FF2B5EF4-FFF2-40B4-BE49-F238E27FC236}">
-                <a16:creationId xmlns:a16="http://schemas.microsoft.com/office/drawing/2014/main" xmlns="" id="{2F2E208E-4B1D-498B-9E74-D5D162EA1EAF}"/>
+                <a16:creationId xmlns="" xmlns:a16="http://schemas.microsoft.com/office/drawing/2014/main" id="{2F2E208E-4B1D-498B-9E74-D5D162EA1EAF}"/>
               </a:ext>
             </a:extLst>
           </p:cNvPr>
@@ -8990,7 +11626,7 @@
           <p:cNvPr id="2" name="Title 1">
             <a:extLst>
               <a:ext uri="{FF2B5EF4-FFF2-40B4-BE49-F238E27FC236}">
-                <a16:creationId xmlns:a16="http://schemas.microsoft.com/office/drawing/2014/main" xmlns="" id="{638922BD-D6C8-4838-A26C-ABDA8AAF1130}"/>
+                <a16:creationId xmlns="" xmlns:a16="http://schemas.microsoft.com/office/drawing/2014/main" id="{638922BD-D6C8-4838-A26C-ABDA8AAF1130}"/>
               </a:ext>
             </a:extLst>
           </p:cNvPr>
@@ -9018,7 +11654,7 @@
           <p:cNvPr id="4" name="Picture 3">
             <a:extLst>
               <a:ext uri="{FF2B5EF4-FFF2-40B4-BE49-F238E27FC236}">
-                <a16:creationId xmlns:a16="http://schemas.microsoft.com/office/drawing/2014/main" xmlns="" id="{28DE14FE-84BF-442E-9367-9DA52183980D}"/>
+                <a16:creationId xmlns="" xmlns:a16="http://schemas.microsoft.com/office/drawing/2014/main" id="{28DE14FE-84BF-442E-9367-9DA52183980D}"/>
               </a:ext>
             </a:extLst>
           </p:cNvPr>
@@ -9224,7 +11860,7 @@
           <p:cNvPr id="2" name="Title 1">
             <a:extLst>
               <a:ext uri="{FF2B5EF4-FFF2-40B4-BE49-F238E27FC236}">
-                <a16:creationId xmlns:a16="http://schemas.microsoft.com/office/drawing/2014/main" xmlns="" id="{10532DA2-DA77-459D-901A-8AFDC5F1C4B0}"/>
+                <a16:creationId xmlns="" xmlns:a16="http://schemas.microsoft.com/office/drawing/2014/main" id="{10532DA2-DA77-459D-901A-8AFDC5F1C4B0}"/>
               </a:ext>
             </a:extLst>
           </p:cNvPr>
@@ -9252,7 +11888,7 @@
           <p:cNvPr id="3" name="Content Placeholder 2">
             <a:extLst>
               <a:ext uri="{FF2B5EF4-FFF2-40B4-BE49-F238E27FC236}">
-                <a16:creationId xmlns:a16="http://schemas.microsoft.com/office/drawing/2014/main" xmlns="" id="{DB586400-FCBB-4F9E-AEC9-79F70B4DCB66}"/>
+                <a16:creationId xmlns="" xmlns:a16="http://schemas.microsoft.com/office/drawing/2014/main" id="{DB586400-FCBB-4F9E-AEC9-79F70B4DCB66}"/>
               </a:ext>
             </a:extLst>
           </p:cNvPr>
@@ -9390,7 +12026,7 @@
           <p:cNvPr id="2" name="Title 1">
             <a:extLst>
               <a:ext uri="{FF2B5EF4-FFF2-40B4-BE49-F238E27FC236}">
-                <a16:creationId xmlns:a16="http://schemas.microsoft.com/office/drawing/2014/main" xmlns="" id="{D408AD68-9159-44D9-8EC8-48CC16829A49}"/>
+                <a16:creationId xmlns="" xmlns:a16="http://schemas.microsoft.com/office/drawing/2014/main" id="{D408AD68-9159-44D9-8EC8-48CC16829A49}"/>
               </a:ext>
             </a:extLst>
           </p:cNvPr>
@@ -9418,7 +12054,7 @@
           <p:cNvPr id="3" name="Content Placeholder 2">
             <a:extLst>
               <a:ext uri="{FF2B5EF4-FFF2-40B4-BE49-F238E27FC236}">
-                <a16:creationId xmlns:a16="http://schemas.microsoft.com/office/drawing/2014/main" xmlns="" id="{1C557612-1B58-488F-8A2F-8DB37FFC9B63}"/>
+                <a16:creationId xmlns="" xmlns:a16="http://schemas.microsoft.com/office/drawing/2014/main" id="{1C557612-1B58-488F-8A2F-8DB37FFC9B63}"/>
               </a:ext>
             </a:extLst>
           </p:cNvPr>
@@ -9603,7 +12239,7 @@
           <p:cNvPr id="2" name="Title 1">
             <a:extLst>
               <a:ext uri="{FF2B5EF4-FFF2-40B4-BE49-F238E27FC236}">
-                <a16:creationId xmlns:a16="http://schemas.microsoft.com/office/drawing/2014/main" xmlns="" id="{5B27978F-BAD3-46C6-AC41-6D563D981774}"/>
+                <a16:creationId xmlns="" xmlns:a16="http://schemas.microsoft.com/office/drawing/2014/main" id="{5B27978F-BAD3-46C6-AC41-6D563D981774}"/>
               </a:ext>
             </a:extLst>
           </p:cNvPr>
@@ -9631,7 +12267,7 @@
           <p:cNvPr id="3" name="Subtitle 2">
             <a:extLst>
               <a:ext uri="{FF2B5EF4-FFF2-40B4-BE49-F238E27FC236}">
-                <a16:creationId xmlns:a16="http://schemas.microsoft.com/office/drawing/2014/main" xmlns="" id="{5649E251-AA3D-4977-8FA9-7B0ED7D0FA10}"/>
+                <a16:creationId xmlns="" xmlns:a16="http://schemas.microsoft.com/office/drawing/2014/main" id="{5649E251-AA3D-4977-8FA9-7B0ED7D0FA10}"/>
               </a:ext>
             </a:extLst>
           </p:cNvPr>
@@ -9696,7 +12332,7 @@
           <p:cNvPr id="2" name="Title 1">
             <a:extLst>
               <a:ext uri="{FF2B5EF4-FFF2-40B4-BE49-F238E27FC236}">
-                <a16:creationId xmlns:a16="http://schemas.microsoft.com/office/drawing/2014/main" xmlns="" id="{79D9E8BC-E551-427F-B5A3-C9F9F2C1CDA1}"/>
+                <a16:creationId xmlns="" xmlns:a16="http://schemas.microsoft.com/office/drawing/2014/main" id="{79D9E8BC-E551-427F-B5A3-C9F9F2C1CDA1}"/>
               </a:ext>
             </a:extLst>
           </p:cNvPr>
@@ -9724,7 +12360,7 @@
           <p:cNvPr id="3" name="Content Placeholder 2">
             <a:extLst>
               <a:ext uri="{FF2B5EF4-FFF2-40B4-BE49-F238E27FC236}">
-                <a16:creationId xmlns:a16="http://schemas.microsoft.com/office/drawing/2014/main" xmlns="" id="{82980F63-12FE-4913-BB11-CA61837FA0C1}"/>
+                <a16:creationId xmlns="" xmlns:a16="http://schemas.microsoft.com/office/drawing/2014/main" id="{82980F63-12FE-4913-BB11-CA61837FA0C1}"/>
               </a:ext>
             </a:extLst>
           </p:cNvPr>
@@ -9813,7 +12449,7 @@
           <p:cNvPr id="2" name="Title 1">
             <a:extLst>
               <a:ext uri="{FF2B5EF4-FFF2-40B4-BE49-F238E27FC236}">
-                <a16:creationId xmlns:a16="http://schemas.microsoft.com/office/drawing/2014/main" xmlns="" id="{C40FFD64-548A-4A99-A870-CD3191FCE0C7}"/>
+                <a16:creationId xmlns="" xmlns:a16="http://schemas.microsoft.com/office/drawing/2014/main" id="{C40FFD64-548A-4A99-A870-CD3191FCE0C7}"/>
               </a:ext>
             </a:extLst>
           </p:cNvPr>
@@ -9841,7 +12477,7 @@
           <p:cNvPr id="3" name="Content Placeholder 2">
             <a:extLst>
               <a:ext uri="{FF2B5EF4-FFF2-40B4-BE49-F238E27FC236}">
-                <a16:creationId xmlns:a16="http://schemas.microsoft.com/office/drawing/2014/main" xmlns="" id="{08B26BB4-6D06-4536-8124-710012F39B3A}"/>
+                <a16:creationId xmlns="" xmlns:a16="http://schemas.microsoft.com/office/drawing/2014/main" id="{08B26BB4-6D06-4536-8124-710012F39B3A}"/>
               </a:ext>
             </a:extLst>
           </p:cNvPr>
@@ -9935,7 +12571,7 @@
           <p:cNvPr id="2" name="Title 1">
             <a:extLst>
               <a:ext uri="{FF2B5EF4-FFF2-40B4-BE49-F238E27FC236}">
-                <a16:creationId xmlns:a16="http://schemas.microsoft.com/office/drawing/2014/main" xmlns="" id="{8DC0FD8C-96A5-4323-8E47-435C90530937}"/>
+                <a16:creationId xmlns="" xmlns:a16="http://schemas.microsoft.com/office/drawing/2014/main" id="{8DC0FD8C-96A5-4323-8E47-435C90530937}"/>
               </a:ext>
             </a:extLst>
           </p:cNvPr>
@@ -9963,7 +12599,7 @@
           <p:cNvPr id="3" name="Content Placeholder 2">
             <a:extLst>
               <a:ext uri="{FF2B5EF4-FFF2-40B4-BE49-F238E27FC236}">
-                <a16:creationId xmlns:a16="http://schemas.microsoft.com/office/drawing/2014/main" xmlns="" id="{CA5BD5CC-43FB-468C-B3DD-276E31247046}"/>
+                <a16:creationId xmlns="" xmlns:a16="http://schemas.microsoft.com/office/drawing/2014/main" id="{CA5BD5CC-43FB-468C-B3DD-276E31247046}"/>
               </a:ext>
             </a:extLst>
           </p:cNvPr>
@@ -10069,7 +12705,7 @@
           <p:cNvPr id="2" name="Title 1">
             <a:extLst>
               <a:ext uri="{FF2B5EF4-FFF2-40B4-BE49-F238E27FC236}">
-                <a16:creationId xmlns:a16="http://schemas.microsoft.com/office/drawing/2014/main" xmlns="" id="{C6F471E8-F97A-4840-8B15-4EB56FA2E1A4}"/>
+                <a16:creationId xmlns="" xmlns:a16="http://schemas.microsoft.com/office/drawing/2014/main" id="{C6F471E8-F97A-4840-8B15-4EB56FA2E1A4}"/>
               </a:ext>
             </a:extLst>
           </p:cNvPr>
@@ -10097,7 +12733,7 @@
           <p:cNvPr id="3" name="Content Placeholder 2">
             <a:extLst>
               <a:ext uri="{FF2B5EF4-FFF2-40B4-BE49-F238E27FC236}">
-                <a16:creationId xmlns:a16="http://schemas.microsoft.com/office/drawing/2014/main" xmlns="" id="{CF2C1132-D263-4A0D-92DE-9FFEF6BB7789}"/>
+                <a16:creationId xmlns="" xmlns:a16="http://schemas.microsoft.com/office/drawing/2014/main" id="{CF2C1132-D263-4A0D-92DE-9FFEF6BB7789}"/>
               </a:ext>
             </a:extLst>
           </p:cNvPr>
@@ -10174,7 +12810,7 @@
           <p:cNvPr id="2" name="Title 1">
             <a:extLst>
               <a:ext uri="{FF2B5EF4-FFF2-40B4-BE49-F238E27FC236}">
-                <a16:creationId xmlns:a16="http://schemas.microsoft.com/office/drawing/2014/main" xmlns="" id="{84D7991D-144A-4372-8BD2-616794586C45}"/>
+                <a16:creationId xmlns="" xmlns:a16="http://schemas.microsoft.com/office/drawing/2014/main" id="{84D7991D-144A-4372-8BD2-616794586C45}"/>
               </a:ext>
             </a:extLst>
           </p:cNvPr>
@@ -10202,7 +12838,7 @@
           <p:cNvPr id="4" name="Chart 3" title="Chart">
             <a:extLst>
               <a:ext uri="{FF2B5EF4-FFF2-40B4-BE49-F238E27FC236}">
-                <a16:creationId xmlns:a16="http://schemas.microsoft.com/office/drawing/2014/main" xmlns="" id="{00000000-0008-0000-0100-000002000000}"/>
+                <a16:creationId xmlns="" xmlns:a16="http://schemas.microsoft.com/office/drawing/2014/main" id="{00000000-0008-0000-0100-000002000000}"/>
               </a:ext>
             </a:extLst>
           </p:cNvPr>
@@ -10267,7 +12903,7 @@
           <p:cNvPr id="2" name="Title 1">
             <a:extLst>
               <a:ext uri="{FF2B5EF4-FFF2-40B4-BE49-F238E27FC236}">
-                <a16:creationId xmlns:a16="http://schemas.microsoft.com/office/drawing/2014/main" xmlns="" id="{E5CFE099-4597-4BD2-AC20-2C18228114F3}"/>
+                <a16:creationId xmlns="" xmlns:a16="http://schemas.microsoft.com/office/drawing/2014/main" id="{E5CFE099-4597-4BD2-AC20-2C18228114F3}"/>
               </a:ext>
             </a:extLst>
           </p:cNvPr>
@@ -10300,7 +12936,7 @@
           <p:cNvPr id="3" name="Content Placeholder 2">
             <a:extLst>
               <a:ext uri="{FF2B5EF4-FFF2-40B4-BE49-F238E27FC236}">
-                <a16:creationId xmlns:a16="http://schemas.microsoft.com/office/drawing/2014/main" xmlns="" id="{3161AE2C-2D22-49D7-A572-CCB0753E3B50}"/>
+                <a16:creationId xmlns="" xmlns:a16="http://schemas.microsoft.com/office/drawing/2014/main" id="{3161AE2C-2D22-49D7-A572-CCB0753E3B50}"/>
               </a:ext>
             </a:extLst>
           </p:cNvPr>
@@ -10445,7 +13081,7 @@
           <p:cNvPr id="2" name="Title 1">
             <a:extLst>
               <a:ext uri="{FF2B5EF4-FFF2-40B4-BE49-F238E27FC236}">
-                <a16:creationId xmlns:a16="http://schemas.microsoft.com/office/drawing/2014/main" xmlns="" id="{D4205F1D-BFE7-4BD5-8CD8-366232C62642}"/>
+                <a16:creationId xmlns="" xmlns:a16="http://schemas.microsoft.com/office/drawing/2014/main" id="{D4205F1D-BFE7-4BD5-8CD8-366232C62642}"/>
               </a:ext>
             </a:extLst>
           </p:cNvPr>
@@ -10478,7 +13114,7 @@
           <p:cNvPr id="3" name="Content Placeholder 2">
             <a:extLst>
               <a:ext uri="{FF2B5EF4-FFF2-40B4-BE49-F238E27FC236}">
-                <a16:creationId xmlns:a16="http://schemas.microsoft.com/office/drawing/2014/main" xmlns="" id="{284154B4-27BB-4EA9-99CB-74254299DDA4}"/>
+                <a16:creationId xmlns="" xmlns:a16="http://schemas.microsoft.com/office/drawing/2014/main" id="{284154B4-27BB-4EA9-99CB-74254299DDA4}"/>
               </a:ext>
             </a:extLst>
           </p:cNvPr>

--- a/Capstone.pptx
+++ b/Capstone.pptx
@@ -431,11 +431,11 @@
         </c:dLbls>
         <c:gapWidth val="150"/>
         <c:overlap val="100"/>
-        <c:axId val="-13127344"/>
-        <c:axId val="-13126800"/>
+        <c:axId val="-648414768"/>
+        <c:axId val="-648406064"/>
       </c:barChart>
       <c:catAx>
-        <c:axId val="-13127344"/>
+        <c:axId val="-648414768"/>
         <c:scaling>
           <c:orientation val="maxMin"/>
         </c:scaling>
@@ -474,7 +474,7 @@
             <a:endParaRPr lang="en-US"/>
           </a:p>
         </c:txPr>
-        <c:crossAx val="-13126800"/>
+        <c:crossAx val="-648406064"/>
         <c:crosses val="autoZero"/>
         <c:auto val="1"/>
         <c:lblAlgn val="ctr"/>
@@ -482,7 +482,7 @@
         <c:noMultiLvlLbl val="1"/>
       </c:catAx>
       <c:valAx>
-        <c:axId val="-13126800"/>
+        <c:axId val="-648406064"/>
         <c:scaling>
           <c:orientation val="minMax"/>
           <c:max val="43811"/>
@@ -546,7 +546,7 @@
             <a:endParaRPr lang="en-US"/>
           </a:p>
         </c:txPr>
-        <c:crossAx val="-13127344"/>
+        <c:crossAx val="-648414768"/>
         <c:crosses val="max"/>
         <c:crossBetween val="between"/>
         <c:majorUnit val="30"/>
@@ -644,7 +644,7 @@
           <a:p>
             <a:fld id="{69F75836-DCE1-46D1-902E-93AB39588390}" type="datetimeFigureOut">
               <a:rPr lang="en-US" smtClean="0"/>
-              <a:t>9/11/2019</a:t>
+              <a:t>9/12/2019</a:t>
             </a:fld>
             <a:endParaRPr lang="en-US"/>
           </a:p>
@@ -1157,7 +1157,7 @@
           <a:p>
             <a:fld id="{AB74F416-60AC-47B8-B7A4-8E59A1593C56}" type="datetime1">
               <a:rPr lang="en-US" smtClean="0"/>
-              <a:t>9/11/2019</a:t>
+              <a:t>9/12/2019</a:t>
             </a:fld>
             <a:endParaRPr lang="en-US"/>
           </a:p>
@@ -1451,7 +1451,7 @@
           <a:p>
             <a:fld id="{BB53C6D8-AA99-4DA3-ABE8-6564F3774B9A}" type="datetime1">
               <a:rPr lang="en-US" smtClean="0"/>
-              <a:t>9/11/2019</a:t>
+              <a:t>9/12/2019</a:t>
             </a:fld>
             <a:endParaRPr lang="en-US"/>
           </a:p>
@@ -1639,7 +1639,7 @@
           <a:p>
             <a:fld id="{FAFFD409-992B-4396-831E-400331BF155E}" type="datetime1">
               <a:rPr lang="en-US" smtClean="0"/>
-              <a:t>9/11/2019</a:t>
+              <a:t>9/12/2019</a:t>
             </a:fld>
             <a:endParaRPr lang="en-US"/>
           </a:p>
@@ -1817,7 +1817,7 @@
           <a:p>
             <a:fld id="{A58A56B9-9364-44BD-B6D4-BF1545A1D032}" type="datetime1">
               <a:rPr lang="en-US" smtClean="0"/>
-              <a:t>9/11/2019</a:t>
+              <a:t>9/12/2019</a:t>
             </a:fld>
             <a:endParaRPr lang="en-US"/>
           </a:p>
@@ -2097,7 +2097,7 @@
           <a:p>
             <a:fld id="{08107730-E7E0-4034-9139-F86131BC67E9}" type="datetime1">
               <a:rPr lang="en-US" smtClean="0"/>
-              <a:t>9/11/2019</a:t>
+              <a:t>9/12/2019</a:t>
             </a:fld>
             <a:endParaRPr lang="en-US"/>
           </a:p>
@@ -2455,7 +2455,7 @@
           <a:p>
             <a:fld id="{2128C74C-6B0A-4BE2-AEB5-ADDA4577555B}" type="datetime1">
               <a:rPr lang="en-US" smtClean="0"/>
-              <a:t>9/11/2019</a:t>
+              <a:t>9/12/2019</a:t>
             </a:fld>
             <a:endParaRPr lang="en-US"/>
           </a:p>
@@ -2940,7 +2940,7 @@
           <a:p>
             <a:fld id="{96ED5E1F-5CA0-44A8-9FAF-8E0C8C93E227}" type="datetime1">
               <a:rPr lang="en-US" smtClean="0"/>
-              <a:t>9/11/2019</a:t>
+              <a:t>9/12/2019</a:t>
             </a:fld>
             <a:endParaRPr lang="en-US"/>
           </a:p>
@@ -3066,7 +3066,7 @@
           <a:p>
             <a:fld id="{9F749C11-8001-49CF-9B59-56FDE52B5F69}" type="datetime1">
               <a:rPr lang="en-US" smtClean="0"/>
-              <a:t>9/11/2019</a:t>
+              <a:t>9/12/2019</a:t>
             </a:fld>
             <a:endParaRPr lang="en-US"/>
           </a:p>
@@ -3169,7 +3169,7 @@
           <a:p>
             <a:fld id="{5EC0E55E-AF34-4E2E-A4E8-BDA3BCCD8B12}" type="datetime1">
               <a:rPr lang="en-US" smtClean="0"/>
-              <a:t>9/11/2019</a:t>
+              <a:t>9/12/2019</a:t>
             </a:fld>
             <a:endParaRPr lang="en-US"/>
           </a:p>
@@ -3523,7 +3523,7 @@
           <a:p>
             <a:fld id="{C85C3791-D12F-464C-8CBC-469E089CC249}" type="datetime1">
               <a:rPr lang="en-US" smtClean="0"/>
-              <a:t>9/11/2019</a:t>
+              <a:t>9/12/2019</a:t>
             </a:fld>
             <a:endParaRPr lang="en-US"/>
           </a:p>
@@ -3914,7 +3914,7 @@
           <a:p>
             <a:fld id="{3901A8D7-7DE1-49C0-A859-BA2154FD532A}" type="datetime1">
               <a:rPr lang="en-US" smtClean="0"/>
-              <a:t>9/11/2019</a:t>
+              <a:t>9/12/2019</a:t>
             </a:fld>
             <a:endParaRPr lang="en-US"/>
           </a:p>
@@ -4192,7 +4192,7 @@
           <a:p>
             <a:fld id="{C3381DA6-54E6-48A3-B70A-BA200C1D04A7}" type="datetime1">
               <a:rPr lang="en-US" smtClean="0"/>
-              <a:t>9/11/2019</a:t>
+              <a:t>9/12/2019</a:t>
             </a:fld>
             <a:endParaRPr lang="en-US"/>
           </a:p>
@@ -4704,7 +4704,7 @@
           <p:cNvPr id="2" name="Title 1">
             <a:extLst>
               <a:ext uri="{FF2B5EF4-FFF2-40B4-BE49-F238E27FC236}">
-                <a16:creationId xmlns="" xmlns:a16="http://schemas.microsoft.com/office/drawing/2014/main" id="{D4B74078-9B3D-42FA-9BDC-48CFB5C23CDF}"/>
+                <a16:creationId xmlns:a16="http://schemas.microsoft.com/office/drawing/2014/main" xmlns="" id="{D4B74078-9B3D-42FA-9BDC-48CFB5C23CDF}"/>
               </a:ext>
             </a:extLst>
           </p:cNvPr>
@@ -4755,7 +4755,7 @@
           <p:cNvPr id="3" name="Subtitle 2">
             <a:extLst>
               <a:ext uri="{FF2B5EF4-FFF2-40B4-BE49-F238E27FC236}">
-                <a16:creationId xmlns="" xmlns:a16="http://schemas.microsoft.com/office/drawing/2014/main" id="{95E8DEB2-5F0A-42C5-AB29-93D3EC351981}"/>
+                <a16:creationId xmlns:a16="http://schemas.microsoft.com/office/drawing/2014/main" xmlns="" id="{95E8DEB2-5F0A-42C5-AB29-93D3EC351981}"/>
               </a:ext>
             </a:extLst>
           </p:cNvPr>
@@ -4824,7 +4824,7 @@
           <p:cNvPr id="5" name="Picture 4">
             <a:extLst>
               <a:ext uri="{FF2B5EF4-FFF2-40B4-BE49-F238E27FC236}">
-                <a16:creationId xmlns="" xmlns:a16="http://schemas.microsoft.com/office/drawing/2014/main" id="{71EE52B0-6832-49F3-B628-65D1CF408DB1}"/>
+                <a16:creationId xmlns:a16="http://schemas.microsoft.com/office/drawing/2014/main" xmlns="" id="{71EE52B0-6832-49F3-B628-65D1CF408DB1}"/>
               </a:ext>
             </a:extLst>
           </p:cNvPr>
@@ -5840,7 +5840,7 @@
           <p:cNvPr id="2" name="Title 1">
             <a:extLst>
               <a:ext uri="{FF2B5EF4-FFF2-40B4-BE49-F238E27FC236}">
-                <a16:creationId xmlns="" xmlns:a16="http://schemas.microsoft.com/office/drawing/2014/main" id="{0B9848FB-072D-4F76-B987-E07018C544D7}"/>
+                <a16:creationId xmlns:a16="http://schemas.microsoft.com/office/drawing/2014/main" xmlns="" id="{0B9848FB-072D-4F76-B987-E07018C544D7}"/>
               </a:ext>
             </a:extLst>
           </p:cNvPr>
@@ -10694,7 +10694,7 @@
           <p:cNvPr id="2" name="Title 1">
             <a:extLst>
               <a:ext uri="{FF2B5EF4-FFF2-40B4-BE49-F238E27FC236}">
-                <a16:creationId xmlns="" xmlns:a16="http://schemas.microsoft.com/office/drawing/2014/main" id="{987A2B9E-3B6D-4CDD-AB4C-21E3236C98BA}"/>
+                <a16:creationId xmlns:a16="http://schemas.microsoft.com/office/drawing/2014/main" xmlns="" id="{987A2B9E-3B6D-4CDD-AB4C-21E3236C98BA}"/>
               </a:ext>
             </a:extLst>
           </p:cNvPr>
@@ -10722,7 +10722,7 @@
           <p:cNvPr id="3" name="Content Placeholder 2">
             <a:extLst>
               <a:ext uri="{FF2B5EF4-FFF2-40B4-BE49-F238E27FC236}">
-                <a16:creationId xmlns="" xmlns:a16="http://schemas.microsoft.com/office/drawing/2014/main" id="{67DBD9DD-B1A5-41B6-8460-CB9575F4E501}"/>
+                <a16:creationId xmlns:a16="http://schemas.microsoft.com/office/drawing/2014/main" xmlns="" id="{67DBD9DD-B1A5-41B6-8460-CB9575F4E501}"/>
               </a:ext>
             </a:extLst>
           </p:cNvPr>
@@ -10836,7 +10836,7 @@
           <p:cNvPr id="3" name="Content Placeholder 2">
             <a:extLst>
               <a:ext uri="{FF2B5EF4-FFF2-40B4-BE49-F238E27FC236}">
-                <a16:creationId xmlns="" xmlns:a16="http://schemas.microsoft.com/office/drawing/2014/main" id="{379FBF68-DC88-4C2D-AED4-BD846653AB4B}"/>
+                <a16:creationId xmlns:a16="http://schemas.microsoft.com/office/drawing/2014/main" xmlns="" id="{379FBF68-DC88-4C2D-AED4-BD846653AB4B}"/>
               </a:ext>
             </a:extLst>
           </p:cNvPr>
@@ -11013,7 +11013,7 @@
           <p:cNvPr id="2" name="Title 1">
             <a:extLst>
               <a:ext uri="{FF2B5EF4-FFF2-40B4-BE49-F238E27FC236}">
-                <a16:creationId xmlns="" xmlns:a16="http://schemas.microsoft.com/office/drawing/2014/main" id="{572B919B-7970-414F-944C-D7DCE41D5119}"/>
+                <a16:creationId xmlns:a16="http://schemas.microsoft.com/office/drawing/2014/main" xmlns="" id="{572B919B-7970-414F-944C-D7DCE41D5119}"/>
               </a:ext>
             </a:extLst>
           </p:cNvPr>
@@ -11041,7 +11041,7 @@
           <p:cNvPr id="3" name="Content Placeholder 2">
             <a:extLst>
               <a:ext uri="{FF2B5EF4-FFF2-40B4-BE49-F238E27FC236}">
-                <a16:creationId xmlns="" xmlns:a16="http://schemas.microsoft.com/office/drawing/2014/main" id="{57F44D35-13DB-4243-AAB8-F4DD4AA3E478}"/>
+                <a16:creationId xmlns:a16="http://schemas.microsoft.com/office/drawing/2014/main" xmlns="" id="{57F44D35-13DB-4243-AAB8-F4DD4AA3E478}"/>
               </a:ext>
             </a:extLst>
           </p:cNvPr>
@@ -11112,7 +11112,7 @@
           <p:cNvPr id="2" name="Title 1">
             <a:extLst>
               <a:ext uri="{FF2B5EF4-FFF2-40B4-BE49-F238E27FC236}">
-                <a16:creationId xmlns="" xmlns:a16="http://schemas.microsoft.com/office/drawing/2014/main" id="{3AE0C9F6-F394-418D-96A4-49626E554771}"/>
+                <a16:creationId xmlns:a16="http://schemas.microsoft.com/office/drawing/2014/main" xmlns="" id="{3AE0C9F6-F394-418D-96A4-49626E554771}"/>
               </a:ext>
             </a:extLst>
           </p:cNvPr>
@@ -11140,7 +11140,7 @@
           <p:cNvPr id="3" name="Content Placeholder 2">
             <a:extLst>
               <a:ext uri="{FF2B5EF4-FFF2-40B4-BE49-F238E27FC236}">
-                <a16:creationId xmlns="" xmlns:a16="http://schemas.microsoft.com/office/drawing/2014/main" id="{60780DC7-6E0C-499C-B432-5D3FAE7733F5}"/>
+                <a16:creationId xmlns:a16="http://schemas.microsoft.com/office/drawing/2014/main" xmlns="" id="{60780DC7-6E0C-499C-B432-5D3FAE7733F5}"/>
               </a:ext>
             </a:extLst>
           </p:cNvPr>
@@ -11174,7 +11174,7 @@
           <p:cNvPr id="4" name="Picture 3">
             <a:extLst>
               <a:ext uri="{FF2B5EF4-FFF2-40B4-BE49-F238E27FC236}">
-                <a16:creationId xmlns="" xmlns:a16="http://schemas.microsoft.com/office/drawing/2014/main" id="{C90B0524-6AAC-4739-8263-BBA3A39E4DA6}"/>
+                <a16:creationId xmlns:a16="http://schemas.microsoft.com/office/drawing/2014/main" xmlns="" id="{C90B0524-6AAC-4739-8263-BBA3A39E4DA6}"/>
               </a:ext>
             </a:extLst>
           </p:cNvPr>
@@ -11253,7 +11253,7 @@
           <p:cNvPr id="2" name="Title 1">
             <a:extLst>
               <a:ext uri="{FF2B5EF4-FFF2-40B4-BE49-F238E27FC236}">
-                <a16:creationId xmlns="" xmlns:a16="http://schemas.microsoft.com/office/drawing/2014/main" id="{67423FAA-9D78-41BE-BEE2-6621D8D99B08}"/>
+                <a16:creationId xmlns:a16="http://schemas.microsoft.com/office/drawing/2014/main" xmlns="" id="{67423FAA-9D78-41BE-BEE2-6621D8D99B08}"/>
               </a:ext>
             </a:extLst>
           </p:cNvPr>
@@ -11281,7 +11281,7 @@
           <p:cNvPr id="3" name="Content Placeholder 2">
             <a:extLst>
               <a:ext uri="{FF2B5EF4-FFF2-40B4-BE49-F238E27FC236}">
-                <a16:creationId xmlns="" xmlns:a16="http://schemas.microsoft.com/office/drawing/2014/main" id="{914A72A8-87B7-4A3E-8DAF-1E357F80BB47}"/>
+                <a16:creationId xmlns:a16="http://schemas.microsoft.com/office/drawing/2014/main" xmlns="" id="{914A72A8-87B7-4A3E-8DAF-1E357F80BB47}"/>
               </a:ext>
             </a:extLst>
           </p:cNvPr>
@@ -11370,7 +11370,7 @@
           <p:cNvPr id="2" name="Title 1">
             <a:extLst>
               <a:ext uri="{FF2B5EF4-FFF2-40B4-BE49-F238E27FC236}">
-                <a16:creationId xmlns="" xmlns:a16="http://schemas.microsoft.com/office/drawing/2014/main" id="{AA652A55-4BBF-44C0-9483-296DC4886021}"/>
+                <a16:creationId xmlns:a16="http://schemas.microsoft.com/office/drawing/2014/main" xmlns="" id="{AA652A55-4BBF-44C0-9483-296DC4886021}"/>
               </a:ext>
             </a:extLst>
           </p:cNvPr>
@@ -11398,7 +11398,7 @@
           <p:cNvPr id="3" name="Content Placeholder 2">
             <a:extLst>
               <a:ext uri="{FF2B5EF4-FFF2-40B4-BE49-F238E27FC236}">
-                <a16:creationId xmlns="" xmlns:a16="http://schemas.microsoft.com/office/drawing/2014/main" id="{073B9CCF-CD4B-49EE-9419-06671F73F5B8}"/>
+                <a16:creationId xmlns:a16="http://schemas.microsoft.com/office/drawing/2014/main" xmlns="" id="{073B9CCF-CD4B-49EE-9419-06671F73F5B8}"/>
               </a:ext>
             </a:extLst>
           </p:cNvPr>
@@ -11426,7 +11426,7 @@
           <p:cNvPr id="4" name="Picture 3">
             <a:extLst>
               <a:ext uri="{FF2B5EF4-FFF2-40B4-BE49-F238E27FC236}">
-                <a16:creationId xmlns="" xmlns:a16="http://schemas.microsoft.com/office/drawing/2014/main" id="{57E421ED-8741-4E5A-9A62-E61BD04979A8}"/>
+                <a16:creationId xmlns:a16="http://schemas.microsoft.com/office/drawing/2014/main" xmlns="" id="{57E421ED-8741-4E5A-9A62-E61BD04979A8}"/>
               </a:ext>
             </a:extLst>
           </p:cNvPr>
@@ -11505,7 +11505,7 @@
           <p:cNvPr id="2" name="Title 1">
             <a:extLst>
               <a:ext uri="{FF2B5EF4-FFF2-40B4-BE49-F238E27FC236}">
-                <a16:creationId xmlns="" xmlns:a16="http://schemas.microsoft.com/office/drawing/2014/main" id="{99F1A885-3075-40C9-B832-9F6A5CA4446F}"/>
+                <a16:creationId xmlns:a16="http://schemas.microsoft.com/office/drawing/2014/main" xmlns="" id="{99F1A885-3075-40C9-B832-9F6A5CA4446F}"/>
               </a:ext>
             </a:extLst>
           </p:cNvPr>
@@ -11533,7 +11533,7 @@
           <p:cNvPr id="3" name="Content Placeholder 2">
             <a:extLst>
               <a:ext uri="{FF2B5EF4-FFF2-40B4-BE49-F238E27FC236}">
-                <a16:creationId xmlns="" xmlns:a16="http://schemas.microsoft.com/office/drawing/2014/main" id="{2F2E208E-4B1D-498B-9E74-D5D162EA1EAF}"/>
+                <a16:creationId xmlns:a16="http://schemas.microsoft.com/office/drawing/2014/main" xmlns="" id="{2F2E208E-4B1D-498B-9E74-D5D162EA1EAF}"/>
               </a:ext>
             </a:extLst>
           </p:cNvPr>
@@ -11626,7 +11626,7 @@
           <p:cNvPr id="2" name="Title 1">
             <a:extLst>
               <a:ext uri="{FF2B5EF4-FFF2-40B4-BE49-F238E27FC236}">
-                <a16:creationId xmlns="" xmlns:a16="http://schemas.microsoft.com/office/drawing/2014/main" id="{638922BD-D6C8-4838-A26C-ABDA8AAF1130}"/>
+                <a16:creationId xmlns:a16="http://schemas.microsoft.com/office/drawing/2014/main" xmlns="" id="{638922BD-D6C8-4838-A26C-ABDA8AAF1130}"/>
               </a:ext>
             </a:extLst>
           </p:cNvPr>
@@ -11654,7 +11654,7 @@
           <p:cNvPr id="4" name="Picture 3">
             <a:extLst>
               <a:ext uri="{FF2B5EF4-FFF2-40B4-BE49-F238E27FC236}">
-                <a16:creationId xmlns="" xmlns:a16="http://schemas.microsoft.com/office/drawing/2014/main" id="{28DE14FE-84BF-442E-9367-9DA52183980D}"/>
+                <a16:creationId xmlns:a16="http://schemas.microsoft.com/office/drawing/2014/main" xmlns="" id="{28DE14FE-84BF-442E-9367-9DA52183980D}"/>
               </a:ext>
             </a:extLst>
           </p:cNvPr>
@@ -11860,7 +11860,7 @@
           <p:cNvPr id="2" name="Title 1">
             <a:extLst>
               <a:ext uri="{FF2B5EF4-FFF2-40B4-BE49-F238E27FC236}">
-                <a16:creationId xmlns="" xmlns:a16="http://schemas.microsoft.com/office/drawing/2014/main" id="{10532DA2-DA77-459D-901A-8AFDC5F1C4B0}"/>
+                <a16:creationId xmlns:a16="http://schemas.microsoft.com/office/drawing/2014/main" xmlns="" id="{10532DA2-DA77-459D-901A-8AFDC5F1C4B0}"/>
               </a:ext>
             </a:extLst>
           </p:cNvPr>
@@ -11888,7 +11888,7 @@
           <p:cNvPr id="3" name="Content Placeholder 2">
             <a:extLst>
               <a:ext uri="{FF2B5EF4-FFF2-40B4-BE49-F238E27FC236}">
-                <a16:creationId xmlns="" xmlns:a16="http://schemas.microsoft.com/office/drawing/2014/main" id="{DB586400-FCBB-4F9E-AEC9-79F70B4DCB66}"/>
+                <a16:creationId xmlns:a16="http://schemas.microsoft.com/office/drawing/2014/main" xmlns="" id="{DB586400-FCBB-4F9E-AEC9-79F70B4DCB66}"/>
               </a:ext>
             </a:extLst>
           </p:cNvPr>
@@ -12026,7 +12026,7 @@
           <p:cNvPr id="2" name="Title 1">
             <a:extLst>
               <a:ext uri="{FF2B5EF4-FFF2-40B4-BE49-F238E27FC236}">
-                <a16:creationId xmlns="" xmlns:a16="http://schemas.microsoft.com/office/drawing/2014/main" id="{D408AD68-9159-44D9-8EC8-48CC16829A49}"/>
+                <a16:creationId xmlns:a16="http://schemas.microsoft.com/office/drawing/2014/main" xmlns="" id="{D408AD68-9159-44D9-8EC8-48CC16829A49}"/>
               </a:ext>
             </a:extLst>
           </p:cNvPr>
@@ -12054,7 +12054,7 @@
           <p:cNvPr id="3" name="Content Placeholder 2">
             <a:extLst>
               <a:ext uri="{FF2B5EF4-FFF2-40B4-BE49-F238E27FC236}">
-                <a16:creationId xmlns="" xmlns:a16="http://schemas.microsoft.com/office/drawing/2014/main" id="{1C557612-1B58-488F-8A2F-8DB37FFC9B63}"/>
+                <a16:creationId xmlns:a16="http://schemas.microsoft.com/office/drawing/2014/main" xmlns="" id="{1C557612-1B58-488F-8A2F-8DB37FFC9B63}"/>
               </a:ext>
             </a:extLst>
           </p:cNvPr>
@@ -12239,7 +12239,7 @@
           <p:cNvPr id="2" name="Title 1">
             <a:extLst>
               <a:ext uri="{FF2B5EF4-FFF2-40B4-BE49-F238E27FC236}">
-                <a16:creationId xmlns="" xmlns:a16="http://schemas.microsoft.com/office/drawing/2014/main" id="{5B27978F-BAD3-46C6-AC41-6D563D981774}"/>
+                <a16:creationId xmlns:a16="http://schemas.microsoft.com/office/drawing/2014/main" xmlns="" id="{5B27978F-BAD3-46C6-AC41-6D563D981774}"/>
               </a:ext>
             </a:extLst>
           </p:cNvPr>
@@ -12267,7 +12267,7 @@
           <p:cNvPr id="3" name="Subtitle 2">
             <a:extLst>
               <a:ext uri="{FF2B5EF4-FFF2-40B4-BE49-F238E27FC236}">
-                <a16:creationId xmlns="" xmlns:a16="http://schemas.microsoft.com/office/drawing/2014/main" id="{5649E251-AA3D-4977-8FA9-7B0ED7D0FA10}"/>
+                <a16:creationId xmlns:a16="http://schemas.microsoft.com/office/drawing/2014/main" xmlns="" id="{5649E251-AA3D-4977-8FA9-7B0ED7D0FA10}"/>
               </a:ext>
             </a:extLst>
           </p:cNvPr>
@@ -12332,7 +12332,7 @@
           <p:cNvPr id="2" name="Title 1">
             <a:extLst>
               <a:ext uri="{FF2B5EF4-FFF2-40B4-BE49-F238E27FC236}">
-                <a16:creationId xmlns="" xmlns:a16="http://schemas.microsoft.com/office/drawing/2014/main" id="{79D9E8BC-E551-427F-B5A3-C9F9F2C1CDA1}"/>
+                <a16:creationId xmlns:a16="http://schemas.microsoft.com/office/drawing/2014/main" xmlns="" id="{79D9E8BC-E551-427F-B5A3-C9F9F2C1CDA1}"/>
               </a:ext>
             </a:extLst>
           </p:cNvPr>
@@ -12360,7 +12360,7 @@
           <p:cNvPr id="3" name="Content Placeholder 2">
             <a:extLst>
               <a:ext uri="{FF2B5EF4-FFF2-40B4-BE49-F238E27FC236}">
-                <a16:creationId xmlns="" xmlns:a16="http://schemas.microsoft.com/office/drawing/2014/main" id="{82980F63-12FE-4913-BB11-CA61837FA0C1}"/>
+                <a16:creationId xmlns:a16="http://schemas.microsoft.com/office/drawing/2014/main" xmlns="" id="{82980F63-12FE-4913-BB11-CA61837FA0C1}"/>
               </a:ext>
             </a:extLst>
           </p:cNvPr>
@@ -12449,7 +12449,7 @@
           <p:cNvPr id="2" name="Title 1">
             <a:extLst>
               <a:ext uri="{FF2B5EF4-FFF2-40B4-BE49-F238E27FC236}">
-                <a16:creationId xmlns="" xmlns:a16="http://schemas.microsoft.com/office/drawing/2014/main" id="{C40FFD64-548A-4A99-A870-CD3191FCE0C7}"/>
+                <a16:creationId xmlns:a16="http://schemas.microsoft.com/office/drawing/2014/main" xmlns="" id="{C40FFD64-548A-4A99-A870-CD3191FCE0C7}"/>
               </a:ext>
             </a:extLst>
           </p:cNvPr>
@@ -12477,7 +12477,7 @@
           <p:cNvPr id="3" name="Content Placeholder 2">
             <a:extLst>
               <a:ext uri="{FF2B5EF4-FFF2-40B4-BE49-F238E27FC236}">
-                <a16:creationId xmlns="" xmlns:a16="http://schemas.microsoft.com/office/drawing/2014/main" id="{08B26BB4-6D06-4536-8124-710012F39B3A}"/>
+                <a16:creationId xmlns:a16="http://schemas.microsoft.com/office/drawing/2014/main" xmlns="" id="{08B26BB4-6D06-4536-8124-710012F39B3A}"/>
               </a:ext>
             </a:extLst>
           </p:cNvPr>
@@ -12571,7 +12571,7 @@
           <p:cNvPr id="2" name="Title 1">
             <a:extLst>
               <a:ext uri="{FF2B5EF4-FFF2-40B4-BE49-F238E27FC236}">
-                <a16:creationId xmlns="" xmlns:a16="http://schemas.microsoft.com/office/drawing/2014/main" id="{8DC0FD8C-96A5-4323-8E47-435C90530937}"/>
+                <a16:creationId xmlns:a16="http://schemas.microsoft.com/office/drawing/2014/main" xmlns="" id="{8DC0FD8C-96A5-4323-8E47-435C90530937}"/>
               </a:ext>
             </a:extLst>
           </p:cNvPr>
@@ -12599,7 +12599,7 @@
           <p:cNvPr id="3" name="Content Placeholder 2">
             <a:extLst>
               <a:ext uri="{FF2B5EF4-FFF2-40B4-BE49-F238E27FC236}">
-                <a16:creationId xmlns="" xmlns:a16="http://schemas.microsoft.com/office/drawing/2014/main" id="{CA5BD5CC-43FB-468C-B3DD-276E31247046}"/>
+                <a16:creationId xmlns:a16="http://schemas.microsoft.com/office/drawing/2014/main" xmlns="" id="{CA5BD5CC-43FB-468C-B3DD-276E31247046}"/>
               </a:ext>
             </a:extLst>
           </p:cNvPr>
@@ -12705,7 +12705,7 @@
           <p:cNvPr id="2" name="Title 1">
             <a:extLst>
               <a:ext uri="{FF2B5EF4-FFF2-40B4-BE49-F238E27FC236}">
-                <a16:creationId xmlns="" xmlns:a16="http://schemas.microsoft.com/office/drawing/2014/main" id="{C6F471E8-F97A-4840-8B15-4EB56FA2E1A4}"/>
+                <a16:creationId xmlns:a16="http://schemas.microsoft.com/office/drawing/2014/main" xmlns="" id="{C6F471E8-F97A-4840-8B15-4EB56FA2E1A4}"/>
               </a:ext>
             </a:extLst>
           </p:cNvPr>
@@ -12733,7 +12733,7 @@
           <p:cNvPr id="3" name="Content Placeholder 2">
             <a:extLst>
               <a:ext uri="{FF2B5EF4-FFF2-40B4-BE49-F238E27FC236}">
-                <a16:creationId xmlns="" xmlns:a16="http://schemas.microsoft.com/office/drawing/2014/main" id="{CF2C1132-D263-4A0D-92DE-9FFEF6BB7789}"/>
+                <a16:creationId xmlns:a16="http://schemas.microsoft.com/office/drawing/2014/main" xmlns="" id="{CF2C1132-D263-4A0D-92DE-9FFEF6BB7789}"/>
               </a:ext>
             </a:extLst>
           </p:cNvPr>
@@ -12810,7 +12810,7 @@
           <p:cNvPr id="2" name="Title 1">
             <a:extLst>
               <a:ext uri="{FF2B5EF4-FFF2-40B4-BE49-F238E27FC236}">
-                <a16:creationId xmlns="" xmlns:a16="http://schemas.microsoft.com/office/drawing/2014/main" id="{84D7991D-144A-4372-8BD2-616794586C45}"/>
+                <a16:creationId xmlns:a16="http://schemas.microsoft.com/office/drawing/2014/main" xmlns="" id="{84D7991D-144A-4372-8BD2-616794586C45}"/>
               </a:ext>
             </a:extLst>
           </p:cNvPr>
@@ -12838,7 +12838,7 @@
           <p:cNvPr id="4" name="Chart 3" title="Chart">
             <a:extLst>
               <a:ext uri="{FF2B5EF4-FFF2-40B4-BE49-F238E27FC236}">
-                <a16:creationId xmlns="" xmlns:a16="http://schemas.microsoft.com/office/drawing/2014/main" id="{00000000-0008-0000-0100-000002000000}"/>
+                <a16:creationId xmlns:a16="http://schemas.microsoft.com/office/drawing/2014/main" xmlns="" id="{00000000-0008-0000-0100-000002000000}"/>
               </a:ext>
             </a:extLst>
           </p:cNvPr>
@@ -12903,7 +12903,7 @@
           <p:cNvPr id="2" name="Title 1">
             <a:extLst>
               <a:ext uri="{FF2B5EF4-FFF2-40B4-BE49-F238E27FC236}">
-                <a16:creationId xmlns="" xmlns:a16="http://schemas.microsoft.com/office/drawing/2014/main" id="{E5CFE099-4597-4BD2-AC20-2C18228114F3}"/>
+                <a16:creationId xmlns:a16="http://schemas.microsoft.com/office/drawing/2014/main" xmlns="" id="{E5CFE099-4597-4BD2-AC20-2C18228114F3}"/>
               </a:ext>
             </a:extLst>
           </p:cNvPr>
@@ -12936,7 +12936,7 @@
           <p:cNvPr id="3" name="Content Placeholder 2">
             <a:extLst>
               <a:ext uri="{FF2B5EF4-FFF2-40B4-BE49-F238E27FC236}">
-                <a16:creationId xmlns="" xmlns:a16="http://schemas.microsoft.com/office/drawing/2014/main" id="{3161AE2C-2D22-49D7-A572-CCB0753E3B50}"/>
+                <a16:creationId xmlns:a16="http://schemas.microsoft.com/office/drawing/2014/main" xmlns="" id="{3161AE2C-2D22-49D7-A572-CCB0753E3B50}"/>
               </a:ext>
             </a:extLst>
           </p:cNvPr>
@@ -12949,7 +12949,7 @@
         </p:nvSpPr>
         <p:spPr>
           <a:xfrm>
-            <a:off x="1371600" y="1611984"/>
+            <a:off x="1371600" y="1838227"/>
             <a:ext cx="7678132" cy="4255416"/>
           </a:xfrm>
         </p:spPr>
@@ -13081,7 +13081,7 @@
           <p:cNvPr id="2" name="Title 1">
             <a:extLst>
               <a:ext uri="{FF2B5EF4-FFF2-40B4-BE49-F238E27FC236}">
-                <a16:creationId xmlns="" xmlns:a16="http://schemas.microsoft.com/office/drawing/2014/main" id="{D4205F1D-BFE7-4BD5-8CD8-366232C62642}"/>
+                <a16:creationId xmlns:a16="http://schemas.microsoft.com/office/drawing/2014/main" xmlns="" id="{D4205F1D-BFE7-4BD5-8CD8-366232C62642}"/>
               </a:ext>
             </a:extLst>
           </p:cNvPr>
@@ -13114,7 +13114,7 @@
           <p:cNvPr id="3" name="Content Placeholder 2">
             <a:extLst>
               <a:ext uri="{FF2B5EF4-FFF2-40B4-BE49-F238E27FC236}">
-                <a16:creationId xmlns="" xmlns:a16="http://schemas.microsoft.com/office/drawing/2014/main" id="{284154B4-27BB-4EA9-99CB-74254299DDA4}"/>
+                <a16:creationId xmlns:a16="http://schemas.microsoft.com/office/drawing/2014/main" xmlns="" id="{284154B4-27BB-4EA9-99CB-74254299DDA4}"/>
               </a:ext>
             </a:extLst>
           </p:cNvPr>

--- a/Capstone.pptx
+++ b/Capstone.pptx
@@ -1,37 +1,37 @@
 
 <file path=ppt/presentation.xml><?xml version="1.0" encoding="utf-8"?>
-<p:presentation xmlns:a="http://schemas.openxmlformats.org/drawingml/2006/main" xmlns:r="http://schemas.openxmlformats.org/officeDocument/2006/relationships" xmlns:p="http://schemas.openxmlformats.org/presentationml/2006/main" saveSubsetFonts="1" bookmarkIdSeed="8">
+<p:presentation xmlns:a="http://schemas.openxmlformats.org/drawingml/2006/main" xmlns:r="http://schemas.openxmlformats.org/officeDocument/2006/relationships" xmlns:p="http://schemas.openxmlformats.org/presentationml/2006/main" bookmarkIdSeed="8">
   <p:sldMasterIdLst>
-    <p:sldMasterId id="2147483660" r:id="rId1"/>
+    <p:sldMasterId id="2147483648" r:id="rId1"/>
   </p:sldMasterIdLst>
   <p:notesMasterIdLst>
-    <p:notesMasterId r:id="rId26"/>
+    <p:notesMasterId r:id="rId4"/>
   </p:notesMasterIdLst>
   <p:sldIdLst>
-    <p:sldId id="256" r:id="rId2"/>
-    <p:sldId id="257" r:id="rId3"/>
-    <p:sldId id="258" r:id="rId4"/>
-    <p:sldId id="264" r:id="rId5"/>
-    <p:sldId id="266" r:id="rId6"/>
-    <p:sldId id="265" r:id="rId7"/>
-    <p:sldId id="263" r:id="rId8"/>
-    <p:sldId id="259" r:id="rId9"/>
-    <p:sldId id="267" r:id="rId10"/>
-    <p:sldId id="275" r:id="rId11"/>
-    <p:sldId id="276" r:id="rId12"/>
-    <p:sldId id="277" r:id="rId13"/>
-    <p:sldId id="268" r:id="rId14"/>
-    <p:sldId id="260" r:id="rId15"/>
-    <p:sldId id="272" r:id="rId16"/>
-    <p:sldId id="273" r:id="rId17"/>
-    <p:sldId id="269" r:id="rId18"/>
-    <p:sldId id="271" r:id="rId19"/>
-    <p:sldId id="274" r:id="rId20"/>
-    <p:sldId id="270" r:id="rId21"/>
-    <p:sldId id="279" r:id="rId22"/>
-    <p:sldId id="261" r:id="rId23"/>
-    <p:sldId id="278" r:id="rId24"/>
-    <p:sldId id="262" r:id="rId25"/>
+    <p:sldId id="256" r:id="rId3"/>
+    <p:sldId id="257" r:id="rId5"/>
+    <p:sldId id="258" r:id="rId6"/>
+    <p:sldId id="264" r:id="rId7"/>
+    <p:sldId id="266" r:id="rId8"/>
+    <p:sldId id="265" r:id="rId9"/>
+    <p:sldId id="263" r:id="rId10"/>
+    <p:sldId id="259" r:id="rId11"/>
+    <p:sldId id="267" r:id="rId12"/>
+    <p:sldId id="275" r:id="rId13"/>
+    <p:sldId id="276" r:id="rId14"/>
+    <p:sldId id="277" r:id="rId15"/>
+    <p:sldId id="268" r:id="rId16"/>
+    <p:sldId id="260" r:id="rId17"/>
+    <p:sldId id="272" r:id="rId18"/>
+    <p:sldId id="273" r:id="rId19"/>
+    <p:sldId id="269" r:id="rId20"/>
+    <p:sldId id="271" r:id="rId21"/>
+    <p:sldId id="274" r:id="rId22"/>
+    <p:sldId id="270" r:id="rId23"/>
+    <p:sldId id="279" r:id="rId24"/>
+    <p:sldId id="261" r:id="rId25"/>
+    <p:sldId id="278" r:id="rId26"/>
+    <p:sldId id="262" r:id="rId27"/>
   </p:sldIdLst>
   <p:sldSz cx="12192000" cy="6858000"/>
   <p:notesSz cx="6858000" cy="9144000"/>
@@ -130,18 +130,13 @@
       </a:defRPr>
     </a:lvl9pPr>
   </p:defaultTextStyle>
-  <p:extLst>
-    <p:ext uri="{EFAFB233-063F-42B5-8137-9DF3F51BA10A}">
-      <p15:sldGuideLst xmlns:p15="http://schemas.microsoft.com/office/powerpoint/2012/main"/>
-    </p:ext>
-  </p:extLst>
 </p:presentation>
 </file>
 
 <file path=ppt/charts/chart1.xml><?xml version="1.0" encoding="utf-8"?>
 <c:chartSpace xmlns:c="http://schemas.openxmlformats.org/drawingml/2006/chart" xmlns:a="http://schemas.openxmlformats.org/drawingml/2006/main" xmlns:r="http://schemas.openxmlformats.org/officeDocument/2006/relationships">
   <c:date1904 val="0"/>
-  <c:lang val="en-US"/>
+  <c:lang val="zh-CN"/>
   <c:roundedCorners val="1"/>
   <mc:AlternateContent xmlns:mc="http://schemas.openxmlformats.org/markup-compatibility/2006">
     <mc:Choice xmlns:c14="http://schemas.microsoft.com/office/drawing/2007/8/2/chart" Requires="c14">
@@ -168,6 +163,9 @@
             </a:solidFill>
           </c:spPr>
           <c:invertIfNegative val="1"/>
+          <c:dLbls>
+            <c:delete val="1"/>
+          </c:dLbls>
           <c:cat>
             <c:strRef>
               <c:f>'Basic Gantt Chart'!$B$9:$B$23</c:f>
@@ -275,10 +273,7 @@
               </c:numCache>
             </c:numRef>
           </c:val>
-          <c:extLst xmlns:c16r2="http://schemas.microsoft.com/office/drawing/2015/06/chart">
-            <c:ext xmlns:c16="http://schemas.microsoft.com/office/drawing/2014/chart" uri="{C3380CC4-5D6E-409C-BE32-E72D297353CC}">
-              <c16:uniqueId val="{00000000-B8B6-4ACF-B66C-967991A384A5}"/>
-            </c:ext>
+          <c:extLst>
             <c:ext xmlns:c14="http://schemas.microsoft.com/office/drawing/2007/8/2/chart" uri="{6F2FDCE9-48DA-4B69-8628-5D25D57E5C99}">
               <c14:invertSolidFillFmt>
                 <c14:spPr xmlns:c14="http://schemas.microsoft.com/office/drawing/2007/8/2/chart">
@@ -299,6 +294,9 @@
             </a:solidFill>
           </c:spPr>
           <c:invertIfNegative val="1"/>
+          <c:dLbls>
+            <c:delete val="1"/>
+          </c:dLbls>
           <c:cat>
             <c:strRef>
               <c:f>'Basic Gantt Chart'!$B$9:$B$23</c:f>
@@ -406,10 +404,7 @@
               </c:numCache>
             </c:numRef>
           </c:val>
-          <c:extLst xmlns:c16r2="http://schemas.microsoft.com/office/drawing/2015/06/chart">
-            <c:ext xmlns:c16="http://schemas.microsoft.com/office/drawing/2014/chart" uri="{C3380CC4-5D6E-409C-BE32-E72D297353CC}">
-              <c16:uniqueId val="{00000001-B8B6-4ACF-B66C-967991A384A5}"/>
-            </c:ext>
+          <c:extLst>
             <c:ext xmlns:c14="http://schemas.microsoft.com/office/drawing/2007/8/2/chart" uri="{6F2FDCE9-48DA-4B69-8628-5D25D57E5C99}">
               <c14:invertSolidFillFmt>
                 <c14:spPr xmlns:c14="http://schemas.microsoft.com/office/drawing/2007/8/2/chart">
@@ -444,16 +439,24 @@
         <c:title>
           <c:tx>
             <c:rich>
-              <a:bodyPr/>
+              <a:bodyPr rot="-5400000" spcFirstLastPara="0" vertOverflow="ellipsis" vert="horz" wrap="square" anchor="ctr" anchorCtr="1"/>
               <a:lstStyle/>
               <a:p>
                 <a:pPr>
-                  <a:defRPr/>
+                  <a:defRPr lang="en-US" sz="1000" b="1" i="0" u="none" strike="noStrike" kern="1200" baseline="0">
+                    <a:solidFill>
+                      <a:schemeClr val="tx1"/>
+                    </a:solidFill>
+                    <a:latin typeface="+mn-lt"/>
+                    <a:ea typeface="+mn-ea"/>
+                    <a:cs typeface="+mn-cs"/>
+                  </a:defRPr>
                 </a:pPr>
                 <a:r>
                   <a:rPr lang="en-US"/>
                   <a:t>Task</a:t>
                 </a:r>
+                <a:endParaRPr lang="en-US"/>
               </a:p>
             </c:rich>
           </c:tx>
@@ -465,13 +468,19 @@
         <c:minorTickMark val="cross"/>
         <c:tickLblPos val="nextTo"/>
         <c:txPr>
-          <a:bodyPr/>
+          <a:bodyPr rot="-60000000" spcFirstLastPara="0" vertOverflow="ellipsis" vert="horz" wrap="square" anchor="ctr" anchorCtr="1"/>
           <a:lstStyle/>
           <a:p>
-            <a:pPr lvl="0">
-              <a:defRPr sz="1050" b="1"/>
+            <a:pPr>
+              <a:defRPr lang="en-US" sz="1050" b="1" i="0" u="none" strike="noStrike" kern="1200" baseline="0">
+                <a:solidFill>
+                  <a:schemeClr val="tx1"/>
+                </a:solidFill>
+                <a:latin typeface="+mn-lt"/>
+                <a:ea typeface="+mn-ea"/>
+                <a:cs typeface="+mn-cs"/>
+              </a:defRPr>
             </a:pPr>
-            <a:endParaRPr lang="en-US"/>
           </a:p>
         </c:txPr>
         <c:crossAx val="-648406064"/>
@@ -492,35 +501,47 @@
         <c:axPos val="b"/>
         <c:majorGridlines>
           <c:spPr>
-            <a:ln>
+            <a:ln w="6350" cap="flat" cmpd="sng" algn="in">
               <a:solidFill>
                 <a:srgbClr val="B7B7B7"/>
               </a:solidFill>
+              <a:prstDash val="solid"/>
+              <a:round/>
             </a:ln>
           </c:spPr>
         </c:majorGridlines>
         <c:minorGridlines>
           <c:spPr>
-            <a:ln>
+            <a:ln w="6350" cap="flat" cmpd="sng" algn="in">
               <a:solidFill>
                 <a:srgbClr val="CCCCCC"/>
               </a:solidFill>
+              <a:prstDash val="solid"/>
+              <a:round/>
             </a:ln>
           </c:spPr>
         </c:minorGridlines>
         <c:title>
           <c:tx>
             <c:rich>
-              <a:bodyPr/>
+              <a:bodyPr rot="0" spcFirstLastPara="0" vertOverflow="ellipsis" vert="horz" wrap="square" anchor="ctr" anchorCtr="1"/>
               <a:lstStyle/>
               <a:p>
                 <a:pPr lvl="0">
-                  <a:defRPr b="0"/>
+                  <a:defRPr lang="en-US" sz="1000" b="0" i="0" u="none" strike="noStrike" kern="1200" baseline="0">
+                    <a:solidFill>
+                      <a:schemeClr val="tx1"/>
+                    </a:solidFill>
+                    <a:latin typeface="+mn-lt"/>
+                    <a:ea typeface="+mn-ea"/>
+                    <a:cs typeface="+mn-cs"/>
+                  </a:defRPr>
                 </a:pPr>
                 <a:r>
                   <a:rPr lang="en-US"/>
                   <a:t>Date</a:t>
                 </a:r>
+                <a:endParaRPr lang="en-US"/>
               </a:p>
             </c:rich>
           </c:tx>
@@ -532,18 +553,26 @@
         <c:minorTickMark val="cross"/>
         <c:tickLblPos val="nextTo"/>
         <c:spPr>
-          <a:ln w="47625">
+          <a:ln w="47625" cap="flat" cmpd="sng" algn="in">
             <a:noFill/>
+            <a:prstDash val="solid"/>
+            <a:round/>
           </a:ln>
         </c:spPr>
         <c:txPr>
-          <a:bodyPr/>
+          <a:bodyPr rot="-60000000" spcFirstLastPara="0" vertOverflow="ellipsis" vert="horz" wrap="square" anchor="ctr" anchorCtr="1"/>
           <a:lstStyle/>
           <a:p>
-            <a:pPr lvl="0">
-              <a:defRPr b="0"/>
+            <a:pPr>
+              <a:defRPr lang="en-US" sz="1000" b="0" i="0" u="none" strike="noStrike" kern="1200" baseline="0">
+                <a:solidFill>
+                  <a:schemeClr val="tx1"/>
+                </a:solidFill>
+                <a:latin typeface="+mn-lt"/>
+                <a:ea typeface="+mn-ea"/>
+                <a:cs typeface="+mn-cs"/>
+              </a:defRPr>
             </a:pPr>
-            <a:endParaRPr lang="en-US"/>
           </a:p>
         </c:txPr>
         <c:crossAx val="-648414768"/>
@@ -556,6 +585,15 @@
     <c:dispBlanksAs val="zero"/>
     <c:showDLblsOverMax val="1"/>
   </c:chart>
+  <c:txPr>
+    <a:bodyPr/>
+    <a:lstStyle/>
+    <a:p>
+      <a:pPr>
+        <a:defRPr lang="en-US"/>
+      </a:pPr>
+    </a:p>
+  </c:txPr>
   <c:externalData r:id="rId1">
     <c:autoUpdate val="0"/>
   </c:externalData>
@@ -644,7 +682,6 @@
           <a:p>
             <a:fld id="{69F75836-DCE1-46D1-902E-93AB39588390}" type="datetimeFigureOut">
               <a:rPr lang="en-US" smtClean="0"/>
-              <a:t>9/12/2019</a:t>
             </a:fld>
             <a:endParaRPr lang="en-US"/>
           </a:p>
@@ -711,6 +748,7 @@
               <a:rPr lang="en-US" smtClean="0"/>
               <a:t>Click to edit Master text styles</a:t>
             </a:r>
+            <a:endParaRPr lang="en-US" smtClean="0"/>
           </a:p>
           <a:p>
             <a:pPr lvl="1"/>
@@ -718,6 +756,7 @@
               <a:rPr lang="en-US" smtClean="0"/>
               <a:t>Second level</a:t>
             </a:r>
+            <a:endParaRPr lang="en-US" smtClean="0"/>
           </a:p>
           <a:p>
             <a:pPr lvl="2"/>
@@ -725,6 +764,7 @@
               <a:rPr lang="en-US" smtClean="0"/>
               <a:t>Third level</a:t>
             </a:r>
+            <a:endParaRPr lang="en-US" smtClean="0"/>
           </a:p>
           <a:p>
             <a:pPr lvl="3"/>
@@ -732,6 +772,7 @@
               <a:rPr lang="en-US" smtClean="0"/>
               <a:t>Fourth level</a:t>
             </a:r>
+            <a:endParaRPr lang="en-US" smtClean="0"/>
           </a:p>
           <a:p>
             <a:pPr lvl="4"/>
@@ -803,18 +844,12 @@
           <a:p>
             <a:fld id="{10130461-C8CE-42B4-8292-7F159EA8E8B8}" type="slidenum">
               <a:rPr lang="en-US" smtClean="0"/>
-              <a:t>‹#›</a:t>
             </a:fld>
             <a:endParaRPr lang="en-US"/>
           </a:p>
         </p:txBody>
       </p:sp>
     </p:spTree>
-    <p:extLst>
-      <p:ext uri="{BB962C8B-B14F-4D97-AF65-F5344CB8AC3E}">
-        <p14:creationId xmlns:p14="http://schemas.microsoft.com/office/powerpoint/2010/main" val="1032922970"/>
-      </p:ext>
-    </p:extLst>
   </p:cSld>
   <p:clrMap bg1="lt1" tx1="dk1" bg2="lt2" tx2="dk2" accent1="accent1" accent2="accent2" accent3="accent3" accent4="accent4" accent5="accent5" accent6="accent6" hlink="hlink" folHlink="folHlink"/>
   <p:notesStyle>
@@ -977,18 +1012,12 @@
           <a:p>
             <a:fld id="{10130461-C8CE-42B4-8292-7F159EA8E8B8}" type="slidenum">
               <a:rPr lang="en-US" smtClean="0"/>
-              <a:t>1</a:t>
             </a:fld>
             <a:endParaRPr lang="en-US"/>
           </a:p>
         </p:txBody>
       </p:sp>
     </p:spTree>
-    <p:extLst>
-      <p:ext uri="{BB962C8B-B14F-4D97-AF65-F5344CB8AC3E}">
-        <p14:creationId xmlns:p14="http://schemas.microsoft.com/office/powerpoint/2010/main" val="3477318497"/>
-      </p:ext>
-    </p:extLst>
   </p:cSld>
   <p:clrMapOvr>
     <a:masterClrMapping/>
@@ -997,7 +1026,7 @@
 </file>
 
 <file path=ppt/slideLayouts/slideLayout1.xml><?xml version="1.0" encoding="utf-8"?>
-<p:sldLayout xmlns:a="http://schemas.openxmlformats.org/drawingml/2006/main" xmlns:r="http://schemas.openxmlformats.org/officeDocument/2006/relationships" xmlns:p="http://schemas.openxmlformats.org/presentationml/2006/main" showMasterSp="0" type="title" preserve="1">
+<p:sldLayout xmlns:a="http://schemas.openxmlformats.org/drawingml/2006/main" xmlns:r="http://schemas.openxmlformats.org/officeDocument/2006/relationships" xmlns:p="http://schemas.openxmlformats.org/presentationml/2006/main" type="title" preserve="1" showMasterSp="0">
   <p:cSld name="Title Slide">
     <p:spTree>
       <p:nvGrpSpPr>
@@ -1157,7 +1186,6 @@
           <a:p>
             <a:fld id="{AB74F416-60AC-47B8-B7A4-8E59A1593C56}" type="datetime1">
               <a:rPr lang="en-US" smtClean="0"/>
-              <a:t>9/12/2019</a:t>
             </a:fld>
             <a:endParaRPr lang="en-US"/>
           </a:p>
@@ -1260,8 +1288,6 @@
               <a:noFill/>
               <a:prstDash val="solid"/>
               <a:round/>
-              <a:headEnd/>
-              <a:tailEnd/>
             </a:ln>
           </p:spPr>
         </p:sp>
@@ -1318,18 +1344,11 @@
               <a:noFill/>
               <a:prstDash val="solid"/>
               <a:round/>
-              <a:headEnd/>
-              <a:tailEnd/>
             </a:ln>
           </p:spPr>
         </p:sp>
       </p:grpSp>
     </p:spTree>
-    <p:extLst>
-      <p:ext uri="{BB962C8B-B14F-4D97-AF65-F5344CB8AC3E}">
-        <p14:creationId xmlns:p14="http://schemas.microsoft.com/office/powerpoint/2010/main" val="2639516394"/>
-      </p:ext>
-    </p:extLst>
   </p:cSld>
   <p:clrMapOvr>
     <a:masterClrMapping/>
@@ -1402,6 +1421,7 @@
               <a:rPr lang="en-US"/>
               <a:t>Click to edit Master text styles</a:t>
             </a:r>
+            <a:endParaRPr lang="en-US"/>
           </a:p>
           <a:p>
             <a:pPr lvl="1"/>
@@ -1409,6 +1429,7 @@
               <a:rPr lang="en-US"/>
               <a:t>Second level</a:t>
             </a:r>
+            <a:endParaRPr lang="en-US"/>
           </a:p>
           <a:p>
             <a:pPr lvl="2"/>
@@ -1416,6 +1437,7 @@
               <a:rPr lang="en-US"/>
               <a:t>Third level</a:t>
             </a:r>
+            <a:endParaRPr lang="en-US"/>
           </a:p>
           <a:p>
             <a:pPr lvl="3"/>
@@ -1423,6 +1445,7 @@
               <a:rPr lang="en-US"/>
               <a:t>Fourth level</a:t>
             </a:r>
+            <a:endParaRPr lang="en-US"/>
           </a:p>
           <a:p>
             <a:pPr lvl="4"/>
@@ -1451,7 +1474,6 @@
           <a:p>
             <a:fld id="{BB53C6D8-AA99-4DA3-ABE8-6564F3774B9A}" type="datetime1">
               <a:rPr lang="en-US" smtClean="0"/>
-              <a:t>9/12/2019</a:t>
             </a:fld>
             <a:endParaRPr lang="en-US"/>
           </a:p>
@@ -1501,18 +1523,12 @@
           <a:p>
             <a:fld id="{A8D7D4F6-2DF8-4D69-B05D-24304D43B04C}" type="slidenum">
               <a:rPr lang="en-US" smtClean="0"/>
-              <a:t>‹#›</a:t>
             </a:fld>
             <a:endParaRPr lang="en-US"/>
           </a:p>
         </p:txBody>
       </p:sp>
     </p:spTree>
-    <p:extLst>
-      <p:ext uri="{BB962C8B-B14F-4D97-AF65-F5344CB8AC3E}">
-        <p14:creationId xmlns:p14="http://schemas.microsoft.com/office/powerpoint/2010/main" val="127830602"/>
-      </p:ext>
-    </p:extLst>
   </p:cSld>
   <p:clrMapOvr>
     <a:masterClrMapping/>
@@ -1590,6 +1606,7 @@
               <a:rPr lang="en-US"/>
               <a:t>Click to edit Master text styles</a:t>
             </a:r>
+            <a:endParaRPr lang="en-US"/>
           </a:p>
           <a:p>
             <a:pPr lvl="1"/>
@@ -1597,6 +1614,7 @@
               <a:rPr lang="en-US"/>
               <a:t>Second level</a:t>
             </a:r>
+            <a:endParaRPr lang="en-US"/>
           </a:p>
           <a:p>
             <a:pPr lvl="2"/>
@@ -1604,6 +1622,7 @@
               <a:rPr lang="en-US"/>
               <a:t>Third level</a:t>
             </a:r>
+            <a:endParaRPr lang="en-US"/>
           </a:p>
           <a:p>
             <a:pPr lvl="3"/>
@@ -1611,6 +1630,7 @@
               <a:rPr lang="en-US"/>
               <a:t>Fourth level</a:t>
             </a:r>
+            <a:endParaRPr lang="en-US"/>
           </a:p>
           <a:p>
             <a:pPr lvl="4"/>
@@ -1639,7 +1659,6 @@
           <a:p>
             <a:fld id="{FAFFD409-992B-4396-831E-400331BF155E}" type="datetime1">
               <a:rPr lang="en-US" smtClean="0"/>
-              <a:t>9/12/2019</a:t>
             </a:fld>
             <a:endParaRPr lang="en-US"/>
           </a:p>
@@ -1689,18 +1708,12 @@
           <a:p>
             <a:fld id="{A8D7D4F6-2DF8-4D69-B05D-24304D43B04C}" type="slidenum">
               <a:rPr lang="en-US" smtClean="0"/>
-              <a:t>‹#›</a:t>
             </a:fld>
             <a:endParaRPr lang="en-US"/>
           </a:p>
         </p:txBody>
       </p:sp>
     </p:spTree>
-    <p:extLst>
-      <p:ext uri="{BB962C8B-B14F-4D97-AF65-F5344CB8AC3E}">
-        <p14:creationId xmlns:p14="http://schemas.microsoft.com/office/powerpoint/2010/main" val="2352141542"/>
-      </p:ext>
-    </p:extLst>
   </p:cSld>
   <p:clrMapOvr>
     <a:masterClrMapping/>
@@ -1768,6 +1781,7 @@
               <a:rPr lang="en-US"/>
               <a:t>Click to edit Master text styles</a:t>
             </a:r>
+            <a:endParaRPr lang="en-US"/>
           </a:p>
           <a:p>
             <a:pPr lvl="1"/>
@@ -1775,6 +1789,7 @@
               <a:rPr lang="en-US"/>
               <a:t>Second level</a:t>
             </a:r>
+            <a:endParaRPr lang="en-US"/>
           </a:p>
           <a:p>
             <a:pPr lvl="2"/>
@@ -1782,6 +1797,7 @@
               <a:rPr lang="en-US"/>
               <a:t>Third level</a:t>
             </a:r>
+            <a:endParaRPr lang="en-US"/>
           </a:p>
           <a:p>
             <a:pPr lvl="3"/>
@@ -1789,6 +1805,7 @@
               <a:rPr lang="en-US"/>
               <a:t>Fourth level</a:t>
             </a:r>
+            <a:endParaRPr lang="en-US"/>
           </a:p>
           <a:p>
             <a:pPr lvl="4"/>
@@ -1817,7 +1834,6 @@
           <a:p>
             <a:fld id="{A58A56B9-9364-44BD-B6D4-BF1545A1D032}" type="datetime1">
               <a:rPr lang="en-US" smtClean="0"/>
-              <a:t>9/12/2019</a:t>
             </a:fld>
             <a:endParaRPr lang="en-US"/>
           </a:p>
@@ -1867,18 +1883,12 @@
           <a:p>
             <a:fld id="{A8D7D4F6-2DF8-4D69-B05D-24304D43B04C}" type="slidenum">
               <a:rPr lang="en-US" smtClean="0"/>
-              <a:t>‹#›</a:t>
             </a:fld>
             <a:endParaRPr lang="en-US"/>
           </a:p>
         </p:txBody>
       </p:sp>
     </p:spTree>
-    <p:extLst>
-      <p:ext uri="{BB962C8B-B14F-4D97-AF65-F5344CB8AC3E}">
-        <p14:creationId xmlns:p14="http://schemas.microsoft.com/office/powerpoint/2010/main" val="1021291224"/>
-      </p:ext>
-    </p:extLst>
   </p:cSld>
   <p:clrMapOvr>
     <a:masterClrMapping/>
@@ -1887,7 +1897,7 @@
 </file>
 
 <file path=ppt/slideLayouts/slideLayout3.xml><?xml version="1.0" encoding="utf-8"?>
-<p:sldLayout xmlns:a="http://schemas.openxmlformats.org/drawingml/2006/main" xmlns:r="http://schemas.openxmlformats.org/officeDocument/2006/relationships" xmlns:p="http://schemas.openxmlformats.org/presentationml/2006/main" showMasterSp="0" type="secHead" preserve="1">
+<p:sldLayout xmlns:a="http://schemas.openxmlformats.org/drawingml/2006/main" xmlns:r="http://schemas.openxmlformats.org/officeDocument/2006/relationships" xmlns:p="http://schemas.openxmlformats.org/presentationml/2006/main" type="secHead" preserve="1" showMasterSp="0">
   <p:cSld name="Section Header">
     <p:spTree>
       <p:nvGrpSpPr>
@@ -2064,6 +2074,7 @@
               <a:rPr lang="en-US"/>
               <a:t>Click to edit Master text styles</a:t>
             </a:r>
+            <a:endParaRPr lang="en-US"/>
           </a:p>
         </p:txBody>
       </p:sp>
@@ -2097,7 +2108,6 @@
           <a:p>
             <a:fld id="{08107730-E7E0-4034-9139-F86131BC67E9}" type="datetime1">
               <a:rPr lang="en-US" smtClean="0"/>
-              <a:t>9/12/2019</a:t>
             </a:fld>
             <a:endParaRPr lang="en-US"/>
           </a:p>
@@ -2186,17 +2196,10 @@
             <a:noFill/>
             <a:prstDash val="solid"/>
             <a:round/>
-            <a:headEnd/>
-            <a:tailEnd/>
           </a:ln>
         </p:spPr>
       </p:sp>
     </p:spTree>
-    <p:extLst>
-      <p:ext uri="{BB962C8B-B14F-4D97-AF65-F5344CB8AC3E}">
-        <p14:creationId xmlns:p14="http://schemas.microsoft.com/office/powerpoint/2010/main" val="167884894"/>
-      </p:ext>
-    </p:extLst>
   </p:cSld>
   <p:clrMapOvr>
     <a:masterClrMapping/>
@@ -2313,6 +2316,7 @@
               <a:rPr lang="en-US"/>
               <a:t>Click to edit Master text styles</a:t>
             </a:r>
+            <a:endParaRPr lang="en-US"/>
           </a:p>
           <a:p>
             <a:pPr lvl="1"/>
@@ -2320,6 +2324,7 @@
               <a:rPr lang="en-US"/>
               <a:t>Second level</a:t>
             </a:r>
+            <a:endParaRPr lang="en-US"/>
           </a:p>
           <a:p>
             <a:pPr lvl="2"/>
@@ -2327,6 +2332,7 @@
               <a:rPr lang="en-US"/>
               <a:t>Third level</a:t>
             </a:r>
+            <a:endParaRPr lang="en-US"/>
           </a:p>
           <a:p>
             <a:pPr lvl="3"/>
@@ -2334,6 +2340,7 @@
               <a:rPr lang="en-US"/>
               <a:t>Fourth level</a:t>
             </a:r>
+            <a:endParaRPr lang="en-US"/>
           </a:p>
           <a:p>
             <a:pPr lvl="4"/>
@@ -2406,6 +2413,7 @@
               <a:rPr lang="en-US"/>
               <a:t>Click to edit Master text styles</a:t>
             </a:r>
+            <a:endParaRPr lang="en-US"/>
           </a:p>
           <a:p>
             <a:pPr lvl="1"/>
@@ -2413,6 +2421,7 @@
               <a:rPr lang="en-US"/>
               <a:t>Second level</a:t>
             </a:r>
+            <a:endParaRPr lang="en-US"/>
           </a:p>
           <a:p>
             <a:pPr lvl="2"/>
@@ -2420,6 +2429,7 @@
               <a:rPr lang="en-US"/>
               <a:t>Third level</a:t>
             </a:r>
+            <a:endParaRPr lang="en-US"/>
           </a:p>
           <a:p>
             <a:pPr lvl="3"/>
@@ -2427,6 +2437,7 @@
               <a:rPr lang="en-US"/>
               <a:t>Fourth level</a:t>
             </a:r>
+            <a:endParaRPr lang="en-US"/>
           </a:p>
           <a:p>
             <a:pPr lvl="4"/>
@@ -2455,7 +2466,6 @@
           <a:p>
             <a:fld id="{2128C74C-6B0A-4BE2-AEB5-ADDA4577555B}" type="datetime1">
               <a:rPr lang="en-US" smtClean="0"/>
-              <a:t>9/12/2019</a:t>
             </a:fld>
             <a:endParaRPr lang="en-US"/>
           </a:p>
@@ -2505,18 +2515,12 @@
           <a:p>
             <a:fld id="{A8D7D4F6-2DF8-4D69-B05D-24304D43B04C}" type="slidenum">
               <a:rPr lang="en-US" smtClean="0"/>
-              <a:t>‹#›</a:t>
             </a:fld>
             <a:endParaRPr lang="en-US"/>
           </a:p>
         </p:txBody>
       </p:sp>
     </p:spTree>
-    <p:extLst>
-      <p:ext uri="{BB962C8B-B14F-4D97-AF65-F5344CB8AC3E}">
-        <p14:creationId xmlns:p14="http://schemas.microsoft.com/office/powerpoint/2010/main" val="4078601516"/>
-      </p:ext>
-    </p:extLst>
   </p:cSld>
   <p:clrMapOvr>
     <a:masterClrMapping/>
@@ -2654,6 +2658,7 @@
               <a:rPr lang="en-US"/>
               <a:t>Click to edit Master text styles</a:t>
             </a:r>
+            <a:endParaRPr lang="en-US"/>
           </a:p>
         </p:txBody>
       </p:sp>
@@ -2718,6 +2723,7 @@
               <a:rPr lang="en-US"/>
               <a:t>Click to edit Master text styles</a:t>
             </a:r>
+            <a:endParaRPr lang="en-US"/>
           </a:p>
           <a:p>
             <a:pPr lvl="1"/>
@@ -2725,6 +2731,7 @@
               <a:rPr lang="en-US"/>
               <a:t>Second level</a:t>
             </a:r>
+            <a:endParaRPr lang="en-US"/>
           </a:p>
           <a:p>
             <a:pPr lvl="2"/>
@@ -2732,6 +2739,7 @@
               <a:rPr lang="en-US"/>
               <a:t>Third level</a:t>
             </a:r>
+            <a:endParaRPr lang="en-US"/>
           </a:p>
           <a:p>
             <a:pPr lvl="3"/>
@@ -2739,6 +2747,7 @@
               <a:rPr lang="en-US"/>
               <a:t>Fourth level</a:t>
             </a:r>
+            <a:endParaRPr lang="en-US"/>
           </a:p>
           <a:p>
             <a:pPr lvl="4"/>
@@ -2827,6 +2836,7 @@
               <a:rPr lang="en-US"/>
               <a:t>Click to edit Master text styles</a:t>
             </a:r>
+            <a:endParaRPr lang="en-US"/>
           </a:p>
         </p:txBody>
       </p:sp>
@@ -2891,6 +2901,7 @@
               <a:rPr lang="en-US"/>
               <a:t>Click to edit Master text styles</a:t>
             </a:r>
+            <a:endParaRPr lang="en-US"/>
           </a:p>
           <a:p>
             <a:pPr lvl="1"/>
@@ -2898,6 +2909,7 @@
               <a:rPr lang="en-US"/>
               <a:t>Second level</a:t>
             </a:r>
+            <a:endParaRPr lang="en-US"/>
           </a:p>
           <a:p>
             <a:pPr lvl="2"/>
@@ -2905,6 +2917,7 @@
               <a:rPr lang="en-US"/>
               <a:t>Third level</a:t>
             </a:r>
+            <a:endParaRPr lang="en-US"/>
           </a:p>
           <a:p>
             <a:pPr lvl="3"/>
@@ -2912,6 +2925,7 @@
               <a:rPr lang="en-US"/>
               <a:t>Fourth level</a:t>
             </a:r>
+            <a:endParaRPr lang="en-US"/>
           </a:p>
           <a:p>
             <a:pPr lvl="4"/>
@@ -2940,7 +2954,6 @@
           <a:p>
             <a:fld id="{96ED5E1F-5CA0-44A8-9FAF-8E0C8C93E227}" type="datetime1">
               <a:rPr lang="en-US" smtClean="0"/>
-              <a:t>9/12/2019</a:t>
             </a:fld>
             <a:endParaRPr lang="en-US"/>
           </a:p>
@@ -2990,18 +3003,12 @@
           <a:p>
             <a:fld id="{A8D7D4F6-2DF8-4D69-B05D-24304D43B04C}" type="slidenum">
               <a:rPr lang="en-US" smtClean="0"/>
-              <a:t>‹#›</a:t>
             </a:fld>
             <a:endParaRPr lang="en-US"/>
           </a:p>
         </p:txBody>
       </p:sp>
     </p:spTree>
-    <p:extLst>
-      <p:ext uri="{BB962C8B-B14F-4D97-AF65-F5344CB8AC3E}">
-        <p14:creationId xmlns:p14="http://schemas.microsoft.com/office/powerpoint/2010/main" val="2514446039"/>
-      </p:ext>
-    </p:extLst>
   </p:cSld>
   <p:clrMapOvr>
     <a:masterClrMapping/>
@@ -3066,7 +3073,6 @@
           <a:p>
             <a:fld id="{9F749C11-8001-49CF-9B59-56FDE52B5F69}" type="datetime1">
               <a:rPr lang="en-US" smtClean="0"/>
-              <a:t>9/12/2019</a:t>
             </a:fld>
             <a:endParaRPr lang="en-US"/>
           </a:p>
@@ -3116,18 +3122,12 @@
           <a:p>
             <a:fld id="{A8D7D4F6-2DF8-4D69-B05D-24304D43B04C}" type="slidenum">
               <a:rPr lang="en-US" smtClean="0"/>
-              <a:t>‹#›</a:t>
             </a:fld>
             <a:endParaRPr lang="en-US"/>
           </a:p>
         </p:txBody>
       </p:sp>
     </p:spTree>
-    <p:extLst>
-      <p:ext uri="{BB962C8B-B14F-4D97-AF65-F5344CB8AC3E}">
-        <p14:creationId xmlns:p14="http://schemas.microsoft.com/office/powerpoint/2010/main" val="614057892"/>
-      </p:ext>
-    </p:extLst>
   </p:cSld>
   <p:clrMapOvr>
     <a:masterClrMapping/>
@@ -3169,7 +3169,6 @@
           <a:p>
             <a:fld id="{5EC0E55E-AF34-4E2E-A4E8-BDA3BCCD8B12}" type="datetime1">
               <a:rPr lang="en-US" smtClean="0"/>
-              <a:t>9/12/2019</a:t>
             </a:fld>
             <a:endParaRPr lang="en-US"/>
           </a:p>
@@ -3219,18 +3218,12 @@
           <a:p>
             <a:fld id="{A8D7D4F6-2DF8-4D69-B05D-24304D43B04C}" type="slidenum">
               <a:rPr lang="en-US" smtClean="0"/>
-              <a:t>‹#›</a:t>
             </a:fld>
             <a:endParaRPr lang="en-US"/>
           </a:p>
         </p:txBody>
       </p:sp>
     </p:spTree>
-    <p:extLst>
-      <p:ext uri="{BB962C8B-B14F-4D97-AF65-F5344CB8AC3E}">
-        <p14:creationId xmlns:p14="http://schemas.microsoft.com/office/powerpoint/2010/main" val="1600719376"/>
-      </p:ext>
-    </p:extLst>
   </p:cSld>
   <p:clrMapOvr>
     <a:masterClrMapping/>
@@ -3239,7 +3232,7 @@
 </file>
 
 <file path=ppt/slideLayouts/slideLayout8.xml><?xml version="1.0" encoding="utf-8"?>
-<p:sldLayout xmlns:a="http://schemas.openxmlformats.org/drawingml/2006/main" xmlns:r="http://schemas.openxmlformats.org/officeDocument/2006/relationships" xmlns:p="http://schemas.openxmlformats.org/presentationml/2006/main" showMasterSp="0" type="objTx" preserve="1">
+<p:sldLayout xmlns:a="http://schemas.openxmlformats.org/drawingml/2006/main" xmlns:r="http://schemas.openxmlformats.org/officeDocument/2006/relationships" xmlns:p="http://schemas.openxmlformats.org/presentationml/2006/main" type="objTx" preserve="1" showMasterSp="0">
   <p:cSld name="Content with Caption">
     <p:spTree>
       <p:nvGrpSpPr>
@@ -3387,6 +3380,7 @@
               <a:rPr lang="en-US"/>
               <a:t>Click to edit Master text styles</a:t>
             </a:r>
+            <a:endParaRPr lang="en-US"/>
           </a:p>
           <a:p>
             <a:pPr lvl="1"/>
@@ -3394,6 +3388,7 @@
               <a:rPr lang="en-US"/>
               <a:t>Second level</a:t>
             </a:r>
+            <a:endParaRPr lang="en-US"/>
           </a:p>
           <a:p>
             <a:pPr lvl="2"/>
@@ -3401,6 +3396,7 @@
               <a:rPr lang="en-US"/>
               <a:t>Third level</a:t>
             </a:r>
+            <a:endParaRPr lang="en-US"/>
           </a:p>
           <a:p>
             <a:pPr lvl="3"/>
@@ -3408,6 +3404,7 @@
               <a:rPr lang="en-US"/>
               <a:t>Fourth level</a:t>
             </a:r>
+            <a:endParaRPr lang="en-US"/>
           </a:p>
           <a:p>
             <a:pPr lvl="4"/>
@@ -3490,6 +3487,7 @@
               <a:rPr lang="en-US"/>
               <a:t>Click to edit Master text styles</a:t>
             </a:r>
+            <a:endParaRPr lang="en-US"/>
           </a:p>
         </p:txBody>
       </p:sp>
@@ -3523,7 +3521,6 @@
           <a:p>
             <a:fld id="{C85C3791-D12F-464C-8CBC-469E089CC249}" type="datetime1">
               <a:rPr lang="en-US" smtClean="0"/>
-              <a:t>9/12/2019</a:t>
             </a:fld>
             <a:endParaRPr lang="en-US"/>
           </a:p>
@@ -3594,7 +3591,6 @@
           <a:p>
             <a:fld id="{A8D7D4F6-2DF8-4D69-B05D-24304D43B04C}" type="slidenum">
               <a:rPr lang="en-US" smtClean="0"/>
-              <a:t>‹#›</a:t>
             </a:fld>
             <a:endParaRPr lang="en-US"/>
           </a:p>
@@ -3639,11 +3635,6 @@
         </p:style>
       </p:sp>
     </p:spTree>
-    <p:extLst>
-      <p:ext uri="{BB962C8B-B14F-4D97-AF65-F5344CB8AC3E}">
-        <p14:creationId xmlns:p14="http://schemas.microsoft.com/office/powerpoint/2010/main" val="3068865985"/>
-      </p:ext>
-    </p:extLst>
   </p:cSld>
   <p:clrMapOvr>
     <a:masterClrMapping/>
@@ -3652,7 +3643,7 @@
 </file>
 
 <file path=ppt/slideLayouts/slideLayout9.xml><?xml version="1.0" encoding="utf-8"?>
-<p:sldLayout xmlns:a="http://schemas.openxmlformats.org/drawingml/2006/main" xmlns:r="http://schemas.openxmlformats.org/officeDocument/2006/relationships" xmlns:p="http://schemas.openxmlformats.org/presentationml/2006/main" showMasterSp="0" type="picTx" preserve="1">
+<p:sldLayout xmlns:a="http://schemas.openxmlformats.org/drawingml/2006/main" xmlns:r="http://schemas.openxmlformats.org/officeDocument/2006/relationships" xmlns:p="http://schemas.openxmlformats.org/presentationml/2006/main" type="picTx" preserve="1" showMasterSp="0">
   <p:cSld name="Picture with Caption">
     <p:spTree>
       <p:nvGrpSpPr>
@@ -3881,6 +3872,7 @@
               <a:rPr lang="en-US"/>
               <a:t>Click to edit Master text styles</a:t>
             </a:r>
+            <a:endParaRPr lang="en-US"/>
           </a:p>
         </p:txBody>
       </p:sp>
@@ -3914,7 +3906,6 @@
           <a:p>
             <a:fld id="{3901A8D7-7DE1-49C0-A859-BA2154FD532A}" type="datetime1">
               <a:rPr lang="en-US" smtClean="0"/>
-              <a:t>9/12/2019</a:t>
             </a:fld>
             <a:endParaRPr lang="en-US"/>
           </a:p>
@@ -3985,7 +3976,6 @@
           <a:p>
             <a:fld id="{A8D7D4F6-2DF8-4D69-B05D-24304D43B04C}" type="slidenum">
               <a:rPr lang="en-US" smtClean="0"/>
-              <a:t>‹#›</a:t>
             </a:fld>
             <a:endParaRPr lang="en-US"/>
           </a:p>
@@ -4030,11 +4020,6 @@
         </p:style>
       </p:sp>
     </p:spTree>
-    <p:extLst>
-      <p:ext uri="{BB962C8B-B14F-4D97-AF65-F5344CB8AC3E}">
-        <p14:creationId xmlns:p14="http://schemas.microsoft.com/office/powerpoint/2010/main" val="2166592949"/>
-      </p:ext>
-    </p:extLst>
   </p:cSld>
   <p:clrMapOvr>
     <a:masterClrMapping/>
@@ -4127,6 +4112,7 @@
               <a:rPr lang="en-US"/>
               <a:t>Click to edit Master text styles</a:t>
             </a:r>
+            <a:endParaRPr lang="en-US"/>
           </a:p>
           <a:p>
             <a:pPr lvl="1"/>
@@ -4134,6 +4120,7 @@
               <a:rPr lang="en-US"/>
               <a:t>Second level</a:t>
             </a:r>
+            <a:endParaRPr lang="en-US"/>
           </a:p>
           <a:p>
             <a:pPr lvl="2"/>
@@ -4141,6 +4128,7 @@
               <a:rPr lang="en-US"/>
               <a:t>Third level</a:t>
             </a:r>
+            <a:endParaRPr lang="en-US"/>
           </a:p>
           <a:p>
             <a:pPr lvl="3"/>
@@ -4148,6 +4136,7 @@
               <a:rPr lang="en-US"/>
               <a:t>Fourth level</a:t>
             </a:r>
+            <a:endParaRPr lang="en-US"/>
           </a:p>
           <a:p>
             <a:pPr lvl="4"/>
@@ -4192,7 +4181,6 @@
           <a:p>
             <a:fld id="{C3381DA6-54E6-48A3-B70A-BA200C1D04A7}" type="datetime1">
               <a:rPr lang="en-US" smtClean="0"/>
-              <a:t>9/12/2019</a:t>
             </a:fld>
             <a:endParaRPr lang="en-US"/>
           </a:p>
@@ -4295,35 +4283,30 @@
           <a:p>
             <a:fld id="{9B7FE0D9-9F41-481F-A378-F847DF90F3DA}" type="slidenum">
               <a:rPr lang="en-US" sz="1600" smtClean="0"/>
-              <a:t>‹#›</a:t>
             </a:fld>
             <a:r>
               <a:rPr lang="en-US" sz="1600" dirty="0" smtClean="0"/>
               <a:t>/24</a:t>
             </a:r>
+            <a:endParaRPr lang="en-US" sz="1600" dirty="0" smtClean="0"/>
           </a:p>
         </p:txBody>
       </p:sp>
     </p:spTree>
-    <p:extLst>
-      <p:ext uri="{BB962C8B-B14F-4D97-AF65-F5344CB8AC3E}">
-        <p14:creationId xmlns:p14="http://schemas.microsoft.com/office/powerpoint/2010/main" val="1441809735"/>
-      </p:ext>
-    </p:extLst>
   </p:cSld>
   <p:clrMap bg1="lt1" tx1="dk1" bg2="lt2" tx2="dk2" accent1="accent1" accent2="accent2" accent3="accent3" accent4="accent4" accent5="accent5" accent6="accent6" hlink="hlink" folHlink="folHlink"/>
   <p:sldLayoutIdLst>
-    <p:sldLayoutId id="2147483661" r:id="rId1"/>
-    <p:sldLayoutId id="2147483662" r:id="rId2"/>
-    <p:sldLayoutId id="2147483663" r:id="rId3"/>
-    <p:sldLayoutId id="2147483664" r:id="rId4"/>
-    <p:sldLayoutId id="2147483665" r:id="rId5"/>
-    <p:sldLayoutId id="2147483666" r:id="rId6"/>
-    <p:sldLayoutId id="2147483667" r:id="rId7"/>
-    <p:sldLayoutId id="2147483668" r:id="rId8"/>
-    <p:sldLayoutId id="2147483669" r:id="rId9"/>
-    <p:sldLayoutId id="2147483670" r:id="rId10"/>
-    <p:sldLayoutId id="2147483671" r:id="rId11"/>
+    <p:sldLayoutId id="2147483649" r:id="rId1"/>
+    <p:sldLayoutId id="2147483650" r:id="rId2"/>
+    <p:sldLayoutId id="2147483651" r:id="rId3"/>
+    <p:sldLayoutId id="2147483652" r:id="rId4"/>
+    <p:sldLayoutId id="2147483653" r:id="rId5"/>
+    <p:sldLayoutId id="2147483654" r:id="rId6"/>
+    <p:sldLayoutId id="2147483655" r:id="rId7"/>
+    <p:sldLayoutId id="2147483656" r:id="rId8"/>
+    <p:sldLayoutId id="2147483657" r:id="rId9"/>
+    <p:sldLayoutId id="2147483658" r:id="rId10"/>
+    <p:sldLayoutId id="2147483659" r:id="rId11"/>
   </p:sldLayoutIdLst>
   <p:hf sldNum="0" hdr="0" ftr="0" dt="0"/>
   <p:txStyles>
@@ -4347,7 +4330,7 @@
       </a:lvl1pPr>
     </p:titleStyle>
     <p:bodyStyle>
-      <a:lvl1pPr marL="384048" indent="-384048" algn="l" defTabSz="914400" rtl="0" eaLnBrk="1" latinLnBrk="0" hangingPunct="1">
+      <a:lvl1pPr marL="384175" indent="-384175" algn="l" defTabSz="914400" rtl="0" eaLnBrk="1" latinLnBrk="0" hangingPunct="1">
         <a:lnSpc>
           <a:spcPct val="94000"/>
         </a:lnSpc>
@@ -4368,7 +4351,7 @@
           <a:cs typeface="+mn-cs"/>
         </a:defRPr>
       </a:lvl1pPr>
-      <a:lvl2pPr marL="914400" indent="-384048" algn="l" defTabSz="914400" rtl="0" eaLnBrk="1" latinLnBrk="0" hangingPunct="1">
+      <a:lvl2pPr marL="914400" indent="-384175" algn="l" defTabSz="914400" rtl="0" eaLnBrk="1" latinLnBrk="0" hangingPunct="1">
         <a:lnSpc>
           <a:spcPct val="94000"/>
         </a:lnSpc>
@@ -4389,7 +4372,7 @@
           <a:cs typeface="+mn-cs"/>
         </a:defRPr>
       </a:lvl2pPr>
-      <a:lvl3pPr marL="1371600" indent="-384048" algn="l" defTabSz="914400" rtl="0" eaLnBrk="1" latinLnBrk="0" hangingPunct="1">
+      <a:lvl3pPr marL="1371600" indent="-384175" algn="l" defTabSz="914400" rtl="0" eaLnBrk="1" latinLnBrk="0" hangingPunct="1">
         <a:lnSpc>
           <a:spcPct val="94000"/>
         </a:lnSpc>
@@ -4410,7 +4393,7 @@
           <a:cs typeface="+mn-cs"/>
         </a:defRPr>
       </a:lvl3pPr>
-      <a:lvl4pPr marL="1828800" indent="-384048" algn="l" defTabSz="914400" rtl="0" eaLnBrk="1" latinLnBrk="0" hangingPunct="1">
+      <a:lvl4pPr marL="1828800" indent="-384175" algn="l" defTabSz="914400" rtl="0" eaLnBrk="1" latinLnBrk="0" hangingPunct="1">
         <a:lnSpc>
           <a:spcPct val="94000"/>
         </a:lnSpc>
@@ -4431,7 +4414,7 @@
           <a:cs typeface="+mn-cs"/>
         </a:defRPr>
       </a:lvl4pPr>
-      <a:lvl5pPr marL="2286000" indent="-384048" algn="l" defTabSz="914400" rtl="0" eaLnBrk="1" latinLnBrk="0" hangingPunct="1">
+      <a:lvl5pPr marL="2286000" indent="-384175" algn="l" defTabSz="914400" rtl="0" eaLnBrk="1" latinLnBrk="0" hangingPunct="1">
         <a:lnSpc>
           <a:spcPct val="94000"/>
         </a:lnSpc>
@@ -4452,7 +4435,7 @@
           <a:cs typeface="+mn-cs"/>
         </a:defRPr>
       </a:lvl5pPr>
-      <a:lvl6pPr marL="2743200" indent="-384048" algn="l" defTabSz="914400" rtl="0" eaLnBrk="1" latinLnBrk="0" hangingPunct="1">
+      <a:lvl6pPr marL="2743200" indent="-384175" algn="l" defTabSz="914400" rtl="0" eaLnBrk="1" latinLnBrk="0" hangingPunct="1">
         <a:lnSpc>
           <a:spcPct val="94000"/>
         </a:lnSpc>
@@ -4473,7 +4456,7 @@
           <a:cs typeface="+mn-cs"/>
         </a:defRPr>
       </a:lvl6pPr>
-      <a:lvl7pPr marL="3200400" indent="-384048" algn="l" defTabSz="914400" rtl="0" eaLnBrk="1" latinLnBrk="0" hangingPunct="1">
+      <a:lvl7pPr marL="3200400" indent="-384175" algn="l" defTabSz="914400" rtl="0" eaLnBrk="1" latinLnBrk="0" hangingPunct="1">
         <a:lnSpc>
           <a:spcPct val="94000"/>
         </a:lnSpc>
@@ -4494,7 +4477,7 @@
           <a:cs typeface="+mn-cs"/>
         </a:defRPr>
       </a:lvl7pPr>
-      <a:lvl8pPr marL="3657600" indent="-384048" algn="l" defTabSz="914400" rtl="0" eaLnBrk="1" latinLnBrk="0" hangingPunct="1">
+      <a:lvl8pPr marL="3657600" indent="-384175" algn="l" defTabSz="914400" rtl="0" eaLnBrk="1" latinLnBrk="0" hangingPunct="1">
         <a:lnSpc>
           <a:spcPct val="94000"/>
         </a:lnSpc>
@@ -4515,7 +4498,7 @@
           <a:cs typeface="+mn-cs"/>
         </a:defRPr>
       </a:lvl8pPr>
-      <a:lvl9pPr marL="4114800" indent="-384048" algn="l" defTabSz="914400" rtl="0" eaLnBrk="1" latinLnBrk="0" hangingPunct="1">
+      <a:lvl9pPr marL="4114800" indent="-384175" algn="l" defTabSz="914400" rtl="0" eaLnBrk="1" latinLnBrk="0" hangingPunct="1">
         <a:lnSpc>
           <a:spcPct val="94000"/>
         </a:lnSpc>
@@ -4633,52 +4616,6 @@
       </a:lvl9pPr>
     </p:otherStyle>
   </p:txStyles>
-  <p:extLst mod="1">
-    <p:ext uri="{27BBF7A9-308A-43DC-89C8-2F10F3537804}">
-      <p15:sldGuideLst xmlns:p15="http://schemas.microsoft.com/office/powerpoint/2012/main">
-        <p15:guide id="3" orient="horz" pos="1368">
-          <p15:clr>
-            <a:srgbClr val="F26B43"/>
-          </p15:clr>
-        </p15:guide>
-        <p15:guide id="4" orient="horz" pos="1440">
-          <p15:clr>
-            <a:srgbClr val="F26B43"/>
-          </p15:clr>
-        </p15:guide>
-        <p15:guide id="6" orient="horz" pos="3696">
-          <p15:clr>
-            <a:srgbClr val="F26B43"/>
-          </p15:clr>
-        </p15:guide>
-        <p15:guide id="7" orient="horz" pos="432">
-          <p15:clr>
-            <a:srgbClr val="F26B43"/>
-          </p15:clr>
-        </p15:guide>
-        <p15:guide id="8" orient="horz" pos="1512">
-          <p15:clr>
-            <a:srgbClr val="F26B43"/>
-          </p15:clr>
-        </p15:guide>
-        <p15:guide id="9" pos="6912">
-          <p15:clr>
-            <a:srgbClr val="F26B43"/>
-          </p15:clr>
-        </p15:guide>
-        <p15:guide id="10" pos="936">
-          <p15:clr>
-            <a:srgbClr val="F26B43"/>
-          </p15:clr>
-        </p15:guide>
-        <p15:guide id="11" pos="864">
-          <p15:clr>
-            <a:srgbClr val="F26B43"/>
-          </p15:clr>
-        </p15:guide>
-      </p15:sldGuideLst>
-    </p:ext>
-  </p:extLst>
 </p:sldMaster>
 </file>
 
@@ -4701,13 +4638,7 @@
       </p:grpSpPr>
       <p:sp>
         <p:nvSpPr>
-          <p:cNvPr id="2" name="Title 1">
-            <a:extLst>
-              <a:ext uri="{FF2B5EF4-FFF2-40B4-BE49-F238E27FC236}">
-                <a16:creationId xmlns:a16="http://schemas.microsoft.com/office/drawing/2014/main" xmlns="" id="{D4B74078-9B3D-42FA-9BDC-48CFB5C23CDF}"/>
-              </a:ext>
-            </a:extLst>
-          </p:cNvPr>
+          <p:cNvPr id="2" name="Title 1"/>
           <p:cNvSpPr>
             <a:spLocks noGrp="1"/>
           </p:cNvSpPr>
@@ -4747,18 +4678,15 @@
               </a:rPr>
               <a:t>               VR GUIDE        </a:t>
             </a:r>
+            <a:endParaRPr lang="en-US" dirty="0">
+              <a:latin typeface="Stencil" panose="040409050D0802020404" pitchFamily="82" charset="0"/>
+            </a:endParaRPr>
           </a:p>
         </p:txBody>
       </p:sp>
       <p:sp>
         <p:nvSpPr>
-          <p:cNvPr id="3" name="Subtitle 2">
-            <a:extLst>
-              <a:ext uri="{FF2B5EF4-FFF2-40B4-BE49-F238E27FC236}">
-                <a16:creationId xmlns:a16="http://schemas.microsoft.com/office/drawing/2014/main" xmlns="" id="{95E8DEB2-5F0A-42C5-AB29-93D3EC351981}"/>
-              </a:ext>
-            </a:extLst>
-          </p:cNvPr>
+          <p:cNvPr id="3" name="Subtitle 2"/>
           <p:cNvSpPr>
             <a:spLocks noGrp="1"/>
           </p:cNvSpPr>
@@ -4800,12 +4728,21 @@
               </a:rPr>
               <a:t>By </a:t>
             </a:r>
+            <a:endParaRPr lang="en-US" b="1" dirty="0">
+              <a:solidFill>
+                <a:schemeClr val="tx1">
+                  <a:lumMod val="95000"/>
+                  <a:lumOff val="5000"/>
+                </a:schemeClr>
+              </a:solidFill>
+            </a:endParaRPr>
           </a:p>
           <a:p>
             <a:r>
               <a:rPr lang="en-US" dirty="0"/>
               <a:t>Adnan Ali 201520023</a:t>
             </a:r>
+            <a:endParaRPr lang="en-US" dirty="0"/>
           </a:p>
           <a:p>
             <a:r>
@@ -4816,25 +4753,20 @@
               <a:rPr lang="en-US" dirty="0" smtClean="0"/>
               <a:t>Shahid 201520629</a:t>
             </a:r>
+            <a:endParaRPr lang="en-US" dirty="0" smtClean="0"/>
           </a:p>
         </p:txBody>
       </p:sp>
       <p:pic>
         <p:nvPicPr>
-          <p:cNvPr id="5" name="Picture 4">
-            <a:extLst>
-              <a:ext uri="{FF2B5EF4-FFF2-40B4-BE49-F238E27FC236}">
-                <a16:creationId xmlns:a16="http://schemas.microsoft.com/office/drawing/2014/main" xmlns="" id="{71EE52B0-6832-49F3-B628-65D1CF408DB1}"/>
-              </a:ext>
-            </a:extLst>
-          </p:cNvPr>
+          <p:cNvPr id="5" name="Picture 4"/>
           <p:cNvPicPr>
             <a:picLocks noChangeAspect="1"/>
           </p:cNvPicPr>
           <p:nvPr/>
         </p:nvPicPr>
         <p:blipFill>
-          <a:blip r:embed="rId3" cstate="print">
+          <a:blip r:embed="rId1" cstate="print">
             <a:extLst>
               <a:ext uri="{28A0092B-C50C-407E-A947-70E740481C1C}">
                 <a14:useLocalDpi xmlns:a14="http://schemas.microsoft.com/office/drawing/2010/main" val="0"/>
@@ -4887,6 +4819,12 @@
               </a:rPr>
               <a:t>Water Cycle </a:t>
             </a:r>
+            <a:endParaRPr lang="en-US" sz="7200" dirty="0" smtClean="0">
+              <a:solidFill>
+                <a:srgbClr val="C00000"/>
+              </a:solidFill>
+              <a:latin typeface="Stencil" panose="040409050D0802020404" pitchFamily="82" charset="0"/>
+            </a:endParaRPr>
           </a:p>
           <a:p>
             <a:pPr algn="ctr"/>
@@ -4934,6 +4872,7 @@
               <a:rPr lang="en-US" sz="2300" b="1" dirty="0"/>
               <a:t>Supervised by </a:t>
             </a:r>
+            <a:endParaRPr lang="en-US" sz="2300" b="1" dirty="0"/>
           </a:p>
           <a:p>
             <a:r>
@@ -4948,6 +4887,7 @@
               <a:rPr lang="en-US" sz="2300" dirty="0"/>
               <a:t> Iqbal</a:t>
             </a:r>
+            <a:endParaRPr lang="en-US" sz="2300" dirty="0"/>
           </a:p>
           <a:p>
             <a:endParaRPr lang="en-US" dirty="0"/>
@@ -4955,11 +4895,6 @@
         </p:txBody>
       </p:sp>
     </p:spTree>
-    <p:extLst>
-      <p:ext uri="{BB962C8B-B14F-4D97-AF65-F5344CB8AC3E}">
-        <p14:creationId xmlns:p14="http://schemas.microsoft.com/office/powerpoint/2010/main" val="410979425"/>
-      </p:ext>
-    </p:extLst>
   </p:cSld>
   <p:clrMapOvr>
     <a:masterClrMapping/>
@@ -5015,6 +4950,7 @@
               <a:rPr lang="en-US" dirty="0"/>
               <a:t>Similar Apps</a:t>
             </a:r>
+            <a:endParaRPr lang="en-US" dirty="0"/>
           </a:p>
         </p:txBody>
       </p:sp>
@@ -5078,6 +5014,11 @@
               </a:rPr>
               <a:t> VR (Water cycle VR) </a:t>
             </a:r>
+            <a:endParaRPr lang="en-US" sz="2600" b="1" dirty="0">
+              <a:solidFill>
+                <a:srgbClr val="0070C0"/>
+              </a:solidFill>
+            </a:endParaRPr>
           </a:p>
           <a:p>
             <a:pPr marL="0" indent="0">
@@ -5093,13 +5034,17 @@
               </a:rPr>
               <a:t>Features:</a:t>
             </a:r>
+            <a:endParaRPr lang="en-US" sz="2200" b="1" dirty="0">
+              <a:latin typeface="Calibri Light" panose="020F0302020204030204" pitchFamily="34" charset="0"/>
+              <a:cs typeface="Calibri Light" panose="020F0302020204030204" pitchFamily="34" charset="0"/>
+            </a:endParaRPr>
           </a:p>
           <a:p>
             <a:pPr>
               <a:lnSpc>
                 <a:spcPct val="104000"/>
               </a:lnSpc>
-              <a:buFont typeface="Arial" panose="020B0604020202020204" pitchFamily="34" charset="0"/>
+              <a:buFont typeface="Arial" panose="02080604020202020204" pitchFamily="34" charset="0"/>
               <a:buChar char="•"/>
             </a:pPr>
             <a:r>
@@ -5109,13 +5054,17 @@
               </a:rPr>
               <a:t>VR app.</a:t>
             </a:r>
+            <a:endParaRPr lang="en-US" sz="1500" dirty="0">
+              <a:latin typeface="Calibri" panose="020F0502020204030204" pitchFamily="34" charset="0"/>
+              <a:cs typeface="Calibri" panose="020F0502020204030204" pitchFamily="34" charset="0"/>
+            </a:endParaRPr>
           </a:p>
           <a:p>
             <a:pPr>
               <a:lnSpc>
                 <a:spcPct val="104000"/>
               </a:lnSpc>
-              <a:buFont typeface="Arial" panose="020B0604020202020204" pitchFamily="34" charset="0"/>
+              <a:buFont typeface="Arial" panose="02080604020202020204" pitchFamily="34" charset="0"/>
               <a:buChar char="•"/>
             </a:pPr>
             <a:r>
@@ -5125,13 +5074,17 @@
               </a:rPr>
               <a:t>An audio voice to explain user the water cycle.</a:t>
             </a:r>
+            <a:endParaRPr lang="en-US" sz="1500" i="0" dirty="0">
+              <a:latin typeface="Calibri" panose="020F0502020204030204" pitchFamily="34" charset="0"/>
+              <a:cs typeface="Calibri" panose="020F0502020204030204" pitchFamily="34" charset="0"/>
+            </a:endParaRPr>
           </a:p>
           <a:p>
             <a:pPr>
               <a:lnSpc>
                 <a:spcPct val="104000"/>
               </a:lnSpc>
-              <a:buFont typeface="Arial" panose="020B0604020202020204" pitchFamily="34" charset="0"/>
+              <a:buFont typeface="Arial" panose="02080604020202020204" pitchFamily="34" charset="0"/>
               <a:buChar char="•"/>
             </a:pPr>
             <a:r>
@@ -5141,13 +5094,17 @@
               </a:rPr>
               <a:t>Audio effect for rain and wind.</a:t>
             </a:r>
+            <a:endParaRPr lang="en-US" sz="1500" i="0" dirty="0">
+              <a:latin typeface="Calibri" panose="020F0502020204030204" pitchFamily="34" charset="0"/>
+              <a:cs typeface="Calibri" panose="020F0502020204030204" pitchFamily="34" charset="0"/>
+            </a:endParaRPr>
           </a:p>
           <a:p>
             <a:pPr>
               <a:lnSpc>
                 <a:spcPct val="104000"/>
               </a:lnSpc>
-              <a:buFont typeface="Arial" panose="020B0604020202020204" pitchFamily="34" charset="0"/>
+              <a:buFont typeface="Arial" panose="02080604020202020204" pitchFamily="34" charset="0"/>
               <a:buChar char="•"/>
             </a:pPr>
             <a:r>
@@ -5157,13 +5114,17 @@
               </a:rPr>
               <a:t>Main menu to allow user to choose the option they would like to go for. </a:t>
             </a:r>
+            <a:endParaRPr lang="en-US" sz="1500" i="0" dirty="0">
+              <a:latin typeface="Calibri" panose="020F0502020204030204" pitchFamily="34" charset="0"/>
+              <a:cs typeface="Calibri" panose="020F0502020204030204" pitchFamily="34" charset="0"/>
+            </a:endParaRPr>
           </a:p>
           <a:p>
             <a:pPr>
               <a:lnSpc>
                 <a:spcPct val="104000"/>
               </a:lnSpc>
-              <a:buFont typeface="Arial" panose="020B0604020202020204" pitchFamily="34" charset="0"/>
+              <a:buFont typeface="Arial" panose="02080604020202020204" pitchFamily="34" charset="0"/>
               <a:buChar char="•"/>
             </a:pPr>
             <a:r>
@@ -5173,6 +5134,10 @@
               </a:rPr>
               <a:t>Bluetooth control.</a:t>
             </a:r>
+            <a:endParaRPr lang="en-US" sz="1500" i="0" dirty="0">
+              <a:latin typeface="Calibri" panose="020F0502020204030204" pitchFamily="34" charset="0"/>
+              <a:cs typeface="Calibri" panose="020F0502020204030204" pitchFamily="34" charset="0"/>
+            </a:endParaRPr>
           </a:p>
           <a:p>
             <a:pPr marL="0" indent="0">
@@ -5188,16 +5153,20 @@
               </a:rPr>
               <a:t>Weaknesses:</a:t>
             </a:r>
-          </a:p>
-          <a:p>
-            <a:pPr marL="384048" lvl="1">
+            <a:endParaRPr lang="en-US" sz="2200" b="1" dirty="0">
+              <a:latin typeface="Calibri Light" panose="020F0302020204030204" pitchFamily="34" charset="0"/>
+              <a:cs typeface="Calibri Light" panose="020F0302020204030204" pitchFamily="34" charset="0"/>
+            </a:endParaRPr>
+          </a:p>
+          <a:p>
+            <a:pPr marL="384175" lvl="1">
               <a:lnSpc>
                 <a:spcPct val="104000"/>
               </a:lnSpc>
               <a:spcBef>
                 <a:spcPts val="1000"/>
               </a:spcBef>
-              <a:buFont typeface="Arial" panose="020B0604020202020204" pitchFamily="34" charset="0"/>
+              <a:buFont typeface="Arial" panose="02080604020202020204" pitchFamily="34" charset="0"/>
               <a:buChar char="•"/>
             </a:pPr>
             <a:r>
@@ -5207,16 +5176,20 @@
               </a:rPr>
               <a:t>Hanging occurs while the scene is viewed from different angles.</a:t>
             </a:r>
-          </a:p>
-          <a:p>
-            <a:pPr marL="384048" lvl="1">
+            <a:endParaRPr lang="en-US" sz="1500" i="0" dirty="0">
+              <a:latin typeface="Calibri" panose="020F0502020204030204" pitchFamily="34" charset="0"/>
+              <a:cs typeface="Calibri" panose="020F0502020204030204" pitchFamily="34" charset="0"/>
+            </a:endParaRPr>
+          </a:p>
+          <a:p>
+            <a:pPr marL="384175" lvl="1">
               <a:lnSpc>
                 <a:spcPct val="104000"/>
               </a:lnSpc>
               <a:spcBef>
                 <a:spcPts val="1000"/>
               </a:spcBef>
-              <a:buFont typeface="Arial" panose="020B0604020202020204" pitchFamily="34" charset="0"/>
+              <a:buFont typeface="Arial" panose="02080604020202020204" pitchFamily="34" charset="0"/>
               <a:buChar char="•"/>
             </a:pPr>
             <a:r>
@@ -5226,6 +5199,10 @@
               </a:rPr>
               <a:t>The app has no other language support other than Catalan language.</a:t>
             </a:r>
+            <a:endParaRPr lang="en-US" sz="1500" i="0" dirty="0">
+              <a:latin typeface="Calibri" panose="020F0502020204030204" pitchFamily="34" charset="0"/>
+              <a:cs typeface="Calibri" panose="020F0502020204030204" pitchFamily="34" charset="0"/>
+            </a:endParaRPr>
           </a:p>
           <a:p>
             <a:pPr marL="0" indent="0" algn="ctr">
@@ -5242,7 +5219,7 @@
           <p:nvPr/>
         </p:nvPicPr>
         <p:blipFill>
-          <a:blip r:embed="rId2" cstate="print">
+          <a:blip r:embed="rId1" cstate="print">
             <a:extLst>
               <a:ext uri="{28A0092B-C50C-407E-A947-70E740481C1C}">
                 <a14:useLocalDpi xmlns:a14="http://schemas.microsoft.com/office/drawing/2010/main" val="0"/>
@@ -5264,11 +5241,6 @@
         </p:spPr>
       </p:pic>
     </p:spTree>
-    <p:extLst>
-      <p:ext uri="{BB962C8B-B14F-4D97-AF65-F5344CB8AC3E}">
-        <p14:creationId xmlns:p14="http://schemas.microsoft.com/office/powerpoint/2010/main" val="1318654801"/>
-      </p:ext>
-    </p:extLst>
   </p:cSld>
   <p:clrMapOvr>
     <a:masterClrMapping/>
@@ -5319,6 +5291,7 @@
               <a:rPr lang="en-US" dirty="0"/>
               <a:t>Similar Apps</a:t>
             </a:r>
+            <a:endParaRPr lang="en-US" dirty="0"/>
           </a:p>
         </p:txBody>
       </p:sp>
@@ -5358,6 +5331,11 @@
               </a:rPr>
               <a:t>TABI the water cycle</a:t>
             </a:r>
+            <a:endParaRPr lang="en-US" sz="2600" b="1" dirty="0">
+              <a:solidFill>
+                <a:srgbClr val="0070C0"/>
+              </a:solidFill>
+            </a:endParaRPr>
           </a:p>
           <a:p>
             <a:pPr marL="0" indent="0">
@@ -5373,13 +5351,17 @@
               </a:rPr>
               <a:t>Features:</a:t>
             </a:r>
+            <a:endParaRPr lang="en-US" sz="2200" b="1" dirty="0">
+              <a:latin typeface="Calibri Light" panose="020F0302020204030204" pitchFamily="34" charset="0"/>
+              <a:cs typeface="Calibri Light" panose="020F0302020204030204" pitchFamily="34" charset="0"/>
+            </a:endParaRPr>
           </a:p>
           <a:p>
             <a:pPr lvl="0">
               <a:lnSpc>
                 <a:spcPct val="114000"/>
               </a:lnSpc>
-              <a:buFont typeface="Arial" panose="020B0604020202020204" pitchFamily="34" charset="0"/>
+              <a:buFont typeface="Arial" panose="02080604020202020204" pitchFamily="34" charset="0"/>
               <a:buChar char="•"/>
             </a:pPr>
             <a:r>
@@ -5389,13 +5371,17 @@
               </a:rPr>
               <a:t>User plays a game to create evaporation, condensation and precipitation.</a:t>
             </a:r>
+            <a:endParaRPr lang="en-US" sz="1600" dirty="0">
+              <a:latin typeface="Calibri" panose="020F0502020204030204" pitchFamily="34" charset="0"/>
+              <a:cs typeface="Calibri" panose="020F0502020204030204" pitchFamily="34" charset="0"/>
+            </a:endParaRPr>
           </a:p>
           <a:p>
             <a:pPr lvl="0">
               <a:lnSpc>
                 <a:spcPct val="114000"/>
               </a:lnSpc>
-              <a:buFont typeface="Arial" panose="020B0604020202020204" pitchFamily="34" charset="0"/>
+              <a:buFont typeface="Arial" panose="02080604020202020204" pitchFamily="34" charset="0"/>
               <a:buChar char="•"/>
             </a:pPr>
             <a:r>
@@ -5405,6 +5391,10 @@
               </a:rPr>
               <a:t>Text shown at the beginning to guide the user to play the game.</a:t>
             </a:r>
+            <a:endParaRPr lang="en-US" sz="1600" dirty="0">
+              <a:latin typeface="Calibri" panose="020F0502020204030204" pitchFamily="34" charset="0"/>
+              <a:cs typeface="Calibri" panose="020F0502020204030204" pitchFamily="34" charset="0"/>
+            </a:endParaRPr>
           </a:p>
           <a:p>
             <a:pPr marL="0" indent="0">
@@ -5420,13 +5410,17 @@
               </a:rPr>
               <a:t>Weaknesses:</a:t>
             </a:r>
+            <a:endParaRPr lang="en-US" sz="2400" b="1" dirty="0">
+              <a:latin typeface="Calibri Light" panose="020F0302020204030204" pitchFamily="34" charset="0"/>
+              <a:cs typeface="Calibri Light" panose="020F0302020204030204" pitchFamily="34" charset="0"/>
+            </a:endParaRPr>
           </a:p>
           <a:p>
             <a:pPr lvl="0">
               <a:lnSpc>
                 <a:spcPct val="114000"/>
               </a:lnSpc>
-              <a:buFont typeface="Arial" panose="020B0604020202020204" pitchFamily="34" charset="0"/>
+              <a:buFont typeface="Arial" panose="02080604020202020204" pitchFamily="34" charset="0"/>
               <a:buChar char="•"/>
             </a:pPr>
             <a:r>
@@ -5436,13 +5430,17 @@
               </a:rPr>
               <a:t>Not a VR app.</a:t>
             </a:r>
+            <a:endParaRPr lang="en-US" sz="1600" dirty="0">
+              <a:latin typeface="Calibri" panose="020F0502020204030204" pitchFamily="34" charset="0"/>
+              <a:cs typeface="Calibri" panose="020F0502020204030204" pitchFamily="34" charset="0"/>
+            </a:endParaRPr>
           </a:p>
           <a:p>
             <a:pPr lvl="0">
               <a:lnSpc>
                 <a:spcPct val="114000"/>
               </a:lnSpc>
-              <a:buFont typeface="Arial" panose="020B0604020202020204" pitchFamily="34" charset="0"/>
+              <a:buFont typeface="Arial" panose="02080604020202020204" pitchFamily="34" charset="0"/>
               <a:buChar char="•"/>
             </a:pPr>
             <a:r>
@@ -5452,13 +5450,17 @@
               </a:rPr>
               <a:t>Not complete water cycle.</a:t>
             </a:r>
+            <a:endParaRPr lang="en-US" sz="1600" dirty="0">
+              <a:latin typeface="Calibri" panose="020F0502020204030204" pitchFamily="34" charset="0"/>
+              <a:cs typeface="Calibri" panose="020F0502020204030204" pitchFamily="34" charset="0"/>
+            </a:endParaRPr>
           </a:p>
           <a:p>
             <a:pPr lvl="0">
               <a:lnSpc>
                 <a:spcPct val="114000"/>
               </a:lnSpc>
-              <a:buFont typeface="Arial" panose="020B0604020202020204" pitchFamily="34" charset="0"/>
+              <a:buFont typeface="Arial" panose="02080604020202020204" pitchFamily="34" charset="0"/>
               <a:buChar char="•"/>
             </a:pPr>
             <a:r>
@@ -5468,6 +5470,10 @@
               </a:rPr>
               <a:t>Lack of phase transformations.</a:t>
             </a:r>
+            <a:endParaRPr lang="en-US" sz="1600" dirty="0">
+              <a:latin typeface="Calibri" panose="020F0502020204030204" pitchFamily="34" charset="0"/>
+              <a:cs typeface="Calibri" panose="020F0502020204030204" pitchFamily="34" charset="0"/>
+            </a:endParaRPr>
           </a:p>
           <a:p>
             <a:pPr marL="0" indent="0">
@@ -5477,6 +5483,7 @@
               <a:rPr lang="en-US" dirty="0"/>
               <a:t> </a:t>
             </a:r>
+            <a:endParaRPr lang="en-US" dirty="0"/>
           </a:p>
         </p:txBody>
       </p:sp>
@@ -5487,7 +5494,7 @@
           <p:nvPr/>
         </p:nvPicPr>
         <p:blipFill rotWithShape="1">
-          <a:blip r:embed="rId2" cstate="print">
+          <a:blip r:embed="rId1" cstate="print">
             <a:extLst>
               <a:ext uri="{28A0092B-C50C-407E-A947-70E740481C1C}">
                 <a14:useLocalDpi xmlns:a14="http://schemas.microsoft.com/office/drawing/2010/main" val="0"/>
@@ -5495,7 +5502,9 @@
             </a:extLst>
           </a:blip>
           <a:srcRect l="22564" t="54929" r="40769" b="8148"/>
-          <a:stretch/>
+          <a:stretch>
+            <a:fillRect/>
+          </a:stretch>
         </p:blipFill>
         <p:spPr bwMode="auto">
           <a:xfrm>
@@ -5508,19 +5517,9 @@
           <a:ln>
             <a:noFill/>
           </a:ln>
-          <a:extLst>
-            <a:ext uri="{53640926-AAD7-44D8-BBD7-CCE9431645EC}">
-              <a14:shadowObscured xmlns:a14="http://schemas.microsoft.com/office/drawing/2010/main"/>
-            </a:ext>
-          </a:extLst>
         </p:spPr>
       </p:pic>
     </p:spTree>
-    <p:extLst>
-      <p:ext uri="{BB962C8B-B14F-4D97-AF65-F5344CB8AC3E}">
-        <p14:creationId xmlns:p14="http://schemas.microsoft.com/office/powerpoint/2010/main" val="3060472043"/>
-      </p:ext>
-    </p:extLst>
   </p:cSld>
   <p:clrMapOvr>
     <a:masterClrMapping/>
@@ -5576,6 +5575,7 @@
               <a:rPr lang="en-US" dirty="0"/>
               <a:t>Similar Apps</a:t>
             </a:r>
+            <a:endParaRPr lang="en-US" dirty="0"/>
           </a:p>
         </p:txBody>
       </p:sp>
@@ -5623,6 +5623,11 @@
               </a:rPr>
               <a:t>Water Cycle)</a:t>
             </a:r>
+            <a:endParaRPr lang="en-US" sz="5100" b="1" dirty="0">
+              <a:solidFill>
+                <a:srgbClr val="0070C0"/>
+              </a:solidFill>
+            </a:endParaRPr>
           </a:p>
           <a:p>
             <a:pPr marL="0" indent="0">
@@ -5638,10 +5643,14 @@
               </a:rPr>
               <a:t>Features:</a:t>
             </a:r>
+            <a:endParaRPr lang="en-US" sz="3600" b="1" dirty="0">
+              <a:latin typeface="Calibri Light" panose="020F0302020204030204" pitchFamily="34" charset="0"/>
+              <a:cs typeface="Calibri Light" panose="020F0302020204030204" pitchFamily="34" charset="0"/>
+            </a:endParaRPr>
           </a:p>
           <a:p>
             <a:pPr lvl="0">
-              <a:buFont typeface="Arial" panose="020B0604020202020204" pitchFamily="34" charset="0"/>
+              <a:buFont typeface="Arial" panose="02080604020202020204" pitchFamily="34" charset="0"/>
               <a:buChar char="•"/>
             </a:pPr>
             <a:r>
@@ -5651,10 +5660,14 @@
               </a:rPr>
               <a:t>Main menu to allow user to choose where they want to go.</a:t>
             </a:r>
+            <a:endParaRPr lang="en-US" sz="2700" dirty="0">
+              <a:latin typeface="Calibri" panose="020F0502020204030204" pitchFamily="34" charset="0"/>
+              <a:cs typeface="Calibri" panose="020F0502020204030204" pitchFamily="34" charset="0"/>
+            </a:endParaRPr>
           </a:p>
           <a:p>
             <a:pPr lvl="0">
-              <a:buFont typeface="Arial" panose="020B0604020202020204" pitchFamily="34" charset="0"/>
+              <a:buFont typeface="Arial" panose="02080604020202020204" pitchFamily="34" charset="0"/>
               <a:buChar char="•"/>
             </a:pPr>
             <a:r>
@@ -5664,10 +5677,14 @@
               </a:rPr>
               <a:t>Lessons about water cycle explaining the phases.</a:t>
             </a:r>
+            <a:endParaRPr lang="en-US" sz="2700" dirty="0">
+              <a:latin typeface="Calibri" panose="020F0502020204030204" pitchFamily="34" charset="0"/>
+              <a:cs typeface="Calibri" panose="020F0502020204030204" pitchFamily="34" charset="0"/>
+            </a:endParaRPr>
           </a:p>
           <a:p>
             <a:pPr lvl="0">
-              <a:buFont typeface="Arial" panose="020B0604020202020204" pitchFamily="34" charset="0"/>
+              <a:buFont typeface="Arial" panose="02080604020202020204" pitchFamily="34" charset="0"/>
               <a:buChar char="•"/>
             </a:pPr>
             <a:r>
@@ -5677,10 +5694,14 @@
               </a:rPr>
               <a:t>Game to educate user more about water and to allow them to understand it more.</a:t>
             </a:r>
+            <a:endParaRPr lang="en-US" sz="2700" dirty="0">
+              <a:latin typeface="Calibri" panose="020F0502020204030204" pitchFamily="34" charset="0"/>
+              <a:cs typeface="Calibri" panose="020F0502020204030204" pitchFamily="34" charset="0"/>
+            </a:endParaRPr>
           </a:p>
           <a:p>
             <a:pPr lvl="0">
-              <a:buFont typeface="Arial" panose="020B0604020202020204" pitchFamily="34" charset="0"/>
+              <a:buFont typeface="Arial" panose="02080604020202020204" pitchFamily="34" charset="0"/>
               <a:buChar char="•"/>
             </a:pPr>
             <a:r>
@@ -5690,6 +5711,10 @@
               </a:rPr>
               <a:t>Audio speech to engage then user more in the app and explain each step clearly.</a:t>
             </a:r>
+            <a:endParaRPr lang="en-US" sz="2700" dirty="0">
+              <a:latin typeface="Calibri" panose="020F0502020204030204" pitchFamily="34" charset="0"/>
+              <a:cs typeface="Calibri" panose="020F0502020204030204" pitchFamily="34" charset="0"/>
+            </a:endParaRPr>
           </a:p>
           <a:p>
             <a:pPr marL="0" indent="0">
@@ -5705,10 +5730,14 @@
               </a:rPr>
               <a:t>Weaknesses:</a:t>
             </a:r>
+            <a:endParaRPr lang="en-US" sz="3600" b="1" dirty="0">
+              <a:latin typeface="Calibri Light" panose="020F0302020204030204" pitchFamily="34" charset="0"/>
+              <a:cs typeface="Calibri Light" panose="020F0302020204030204" pitchFamily="34" charset="0"/>
+            </a:endParaRPr>
           </a:p>
           <a:p>
             <a:pPr lvl="0">
-              <a:buFont typeface="Arial" panose="020B0604020202020204" pitchFamily="34" charset="0"/>
+              <a:buFont typeface="Arial" panose="02080604020202020204" pitchFamily="34" charset="0"/>
               <a:buChar char="•"/>
             </a:pPr>
             <a:r>
@@ -5718,10 +5747,14 @@
               </a:rPr>
               <a:t>No language support other than Thai language.</a:t>
             </a:r>
+            <a:endParaRPr lang="en-US" sz="2700" dirty="0">
+              <a:latin typeface="Calibri" panose="020F0502020204030204" pitchFamily="34" charset="0"/>
+              <a:cs typeface="Calibri" panose="020F0502020204030204" pitchFamily="34" charset="0"/>
+            </a:endParaRPr>
           </a:p>
           <a:p>
             <a:pPr lvl="0">
-              <a:buFont typeface="Arial" panose="020B0604020202020204" pitchFamily="34" charset="0"/>
+              <a:buFont typeface="Arial" panose="02080604020202020204" pitchFamily="34" charset="0"/>
               <a:buChar char="•"/>
             </a:pPr>
             <a:r>
@@ -5731,10 +5764,14 @@
               </a:rPr>
               <a:t>Not a VR app.</a:t>
             </a:r>
+            <a:endParaRPr lang="en-US" sz="2700" dirty="0">
+              <a:latin typeface="Calibri" panose="020F0502020204030204" pitchFamily="34" charset="0"/>
+              <a:cs typeface="Calibri" panose="020F0502020204030204" pitchFamily="34" charset="0"/>
+            </a:endParaRPr>
           </a:p>
           <a:p>
             <a:pPr lvl="0">
-              <a:buFont typeface="Arial" panose="020B0604020202020204" pitchFamily="34" charset="0"/>
+              <a:buFont typeface="Arial" panose="02080604020202020204" pitchFamily="34" charset="0"/>
               <a:buChar char="•"/>
             </a:pPr>
             <a:r>
@@ -5744,6 +5781,10 @@
               </a:rPr>
               <a:t>All phases are not shown continually to explain the transformation between them.</a:t>
             </a:r>
+            <a:endParaRPr lang="en-US" sz="2700" dirty="0">
+              <a:latin typeface="Calibri" panose="020F0502020204030204" pitchFamily="34" charset="0"/>
+              <a:cs typeface="Calibri" panose="020F0502020204030204" pitchFamily="34" charset="0"/>
+            </a:endParaRPr>
           </a:p>
           <a:p>
             <a:pPr marL="0" indent="0">
@@ -5760,6 +5801,11 @@
               </a:rPr>
               <a:t> </a:t>
             </a:r>
+            <a:endParaRPr lang="en-US" sz="2600" b="1" dirty="0">
+              <a:solidFill>
+                <a:srgbClr val="0070C0"/>
+              </a:solidFill>
+            </a:endParaRPr>
           </a:p>
         </p:txBody>
       </p:sp>
@@ -5770,7 +5816,7 @@
           <p:nvPr/>
         </p:nvPicPr>
         <p:blipFill rotWithShape="1">
-          <a:blip r:embed="rId2" cstate="print">
+          <a:blip r:embed="rId1" cstate="print">
             <a:extLst>
               <a:ext uri="{28A0092B-C50C-407E-A947-70E740481C1C}">
                 <a14:useLocalDpi xmlns:a14="http://schemas.microsoft.com/office/drawing/2010/main" val="0"/>
@@ -5778,7 +5824,9 @@
             </a:extLst>
           </a:blip>
           <a:srcRect t="34537" r="576" b="34167"/>
-          <a:stretch/>
+          <a:stretch>
+            <a:fillRect/>
+          </a:stretch>
         </p:blipFill>
         <p:spPr bwMode="auto">
           <a:xfrm>
@@ -5791,19 +5839,9 @@
           <a:ln>
             <a:noFill/>
           </a:ln>
-          <a:extLst>
-            <a:ext uri="{53640926-AAD7-44D8-BBD7-CCE9431645EC}">
-              <a14:shadowObscured xmlns:a14="http://schemas.microsoft.com/office/drawing/2010/main"/>
-            </a:ext>
-          </a:extLst>
         </p:spPr>
       </p:pic>
     </p:spTree>
-    <p:extLst>
-      <p:ext uri="{BB962C8B-B14F-4D97-AF65-F5344CB8AC3E}">
-        <p14:creationId xmlns:p14="http://schemas.microsoft.com/office/powerpoint/2010/main" val="3359917152"/>
-      </p:ext>
-    </p:extLst>
   </p:cSld>
   <p:clrMapOvr>
     <a:masterClrMapping/>
@@ -5837,13 +5875,7 @@
       </p:grpSpPr>
       <p:sp>
         <p:nvSpPr>
-          <p:cNvPr id="2" name="Title 1">
-            <a:extLst>
-              <a:ext uri="{FF2B5EF4-FFF2-40B4-BE49-F238E27FC236}">
-                <a16:creationId xmlns:a16="http://schemas.microsoft.com/office/drawing/2014/main" xmlns="" id="{0B9848FB-072D-4F76-B987-E07018C544D7}"/>
-              </a:ext>
-            </a:extLst>
-          </p:cNvPr>
+          <p:cNvPr id="2" name="Title 1"/>
           <p:cNvSpPr>
             <a:spLocks noGrp="1"/>
           </p:cNvSpPr>
@@ -5860,6 +5892,7 @@
               <a:rPr lang="en-US" dirty="0"/>
               <a:t>Comparison Table</a:t>
             </a:r>
+            <a:endParaRPr lang="en-US" dirty="0"/>
           </a:p>
         </p:txBody>
       </p:sp>
@@ -5869,13 +5902,7 @@
           <p:cNvGraphicFramePr>
             <a:graphicFrameLocks noGrp="1"/>
           </p:cNvGraphicFramePr>
-          <p:nvPr>
-            <p:extLst>
-              <p:ext uri="{D42A27DB-BD31-4B8C-83A1-F6EECF244321}">
-                <p14:modId xmlns:p14="http://schemas.microsoft.com/office/powerpoint/2010/main" val="3364952752"/>
-              </p:ext>
-            </p:extLst>
-          </p:nvPr>
+          <p:nvPr/>
         </p:nvGraphicFramePr>
         <p:xfrm>
           <a:off x="1371600" y="1524661"/>
@@ -5922,7 +5949,7 @@
                         <a:effectLst/>
                         <a:latin typeface="Calibri" panose="020F0502020204030204" pitchFamily="34" charset="0"/>
                         <a:ea typeface="Calibri" panose="020F0502020204030204" pitchFamily="34" charset="0"/>
-                        <a:cs typeface="Arial" panose="020B0604020202020204" pitchFamily="34" charset="0"/>
+                        <a:cs typeface="Arial" panose="02080604020202020204" pitchFamily="34" charset="0"/>
                       </a:endParaRPr>
                     </a:p>
                   </a:txBody>
@@ -6010,7 +6037,7 @@
                         <a:effectLst/>
                         <a:latin typeface="Calibri" panose="020F0502020204030204" pitchFamily="34" charset="0"/>
                         <a:ea typeface="Calibri" panose="020F0502020204030204" pitchFamily="34" charset="0"/>
-                        <a:cs typeface="Arial" panose="020B0604020202020204" pitchFamily="34" charset="0"/>
+                        <a:cs typeface="Arial" panose="02080604020202020204" pitchFamily="34" charset="0"/>
                       </a:endParaRPr>
                     </a:p>
                   </a:txBody>
@@ -6110,7 +6137,7 @@
                         <a:effectLst/>
                         <a:latin typeface="Calibri" panose="020F0502020204030204" pitchFamily="34" charset="0"/>
                         <a:ea typeface="Calibri" panose="020F0502020204030204" pitchFamily="34" charset="0"/>
-                        <a:cs typeface="Arial" panose="020B0604020202020204" pitchFamily="34" charset="0"/>
+                        <a:cs typeface="Arial" panose="02080604020202020204" pitchFamily="34" charset="0"/>
                       </a:endParaRPr>
                     </a:p>
                   </a:txBody>
@@ -6188,6 +6215,9 @@
                         </a:rPr>
                         <a:t>TABI the water cycle</a:t>
                       </a:r>
+                      <a:endParaRPr lang="en-US" sz="1600" dirty="0">
+                        <a:effectLst/>
+                      </a:endParaRPr>
                     </a:p>
                     <a:p>
                       <a:pPr marL="0" marR="0" algn="ctr">
@@ -6211,7 +6241,7 @@
                         <a:effectLst/>
                         <a:latin typeface="Calibri" panose="020F0502020204030204" pitchFamily="34" charset="0"/>
                         <a:ea typeface="Calibri" panose="020F0502020204030204" pitchFamily="34" charset="0"/>
-                        <a:cs typeface="Arial" panose="020B0604020202020204" pitchFamily="34" charset="0"/>
+                        <a:cs typeface="Arial" panose="02080604020202020204" pitchFamily="34" charset="0"/>
                       </a:endParaRPr>
                     </a:p>
                   </a:txBody>
@@ -6305,7 +6335,7 @@
                         <a:effectLst/>
                         <a:latin typeface="Calibri" panose="020F0502020204030204" pitchFamily="34" charset="0"/>
                         <a:ea typeface="Calibri" panose="020F0502020204030204" pitchFamily="34" charset="0"/>
-                        <a:cs typeface="Arial" panose="020B0604020202020204" pitchFamily="34" charset="0"/>
+                        <a:cs typeface="Arial" panose="02080604020202020204" pitchFamily="34" charset="0"/>
                       </a:endParaRPr>
                     </a:p>
                   </a:txBody>
@@ -6387,7 +6417,7 @@
                         <a:effectLst/>
                         <a:latin typeface="Calibri" panose="020F0502020204030204" pitchFamily="34" charset="0"/>
                         <a:ea typeface="Calibri" panose="020F0502020204030204" pitchFamily="34" charset="0"/>
-                        <a:cs typeface="Arial" panose="020B0604020202020204" pitchFamily="34" charset="0"/>
+                        <a:cs typeface="Arial" panose="02080604020202020204" pitchFamily="34" charset="0"/>
                       </a:endParaRPr>
                     </a:p>
                   </a:txBody>
@@ -6471,7 +6501,7 @@
                         <a:effectLst/>
                         <a:latin typeface="Calibri" panose="020F0502020204030204" pitchFamily="34" charset="0"/>
                         <a:ea typeface="Calibri" panose="020F0502020204030204" pitchFamily="34" charset="0"/>
-                        <a:cs typeface="Arial" panose="020B0604020202020204" pitchFamily="34" charset="0"/>
+                        <a:cs typeface="Arial" panose="02080604020202020204" pitchFamily="34" charset="0"/>
                       </a:endParaRPr>
                     </a:p>
                   </a:txBody>
@@ -6549,7 +6579,7 @@
                         <a:effectLst/>
                         <a:latin typeface="Calibri" panose="020F0502020204030204" pitchFamily="34" charset="0"/>
                         <a:ea typeface="Calibri" panose="020F0502020204030204" pitchFamily="34" charset="0"/>
-                        <a:cs typeface="Arial" panose="020B0604020202020204" pitchFamily="34" charset="0"/>
+                        <a:cs typeface="Arial" panose="02080604020202020204" pitchFamily="34" charset="0"/>
                       </a:endParaRPr>
                     </a:p>
                   </a:txBody>
@@ -6627,7 +6657,7 @@
                         <a:effectLst/>
                         <a:latin typeface="Calibri" panose="020F0502020204030204" pitchFamily="34" charset="0"/>
                         <a:ea typeface="Calibri" panose="020F0502020204030204" pitchFamily="34" charset="0"/>
-                        <a:cs typeface="Arial" panose="020B0604020202020204" pitchFamily="34" charset="0"/>
+                        <a:cs typeface="Arial" panose="02080604020202020204" pitchFamily="34" charset="0"/>
                       </a:endParaRPr>
                     </a:p>
                   </a:txBody>
@@ -6704,7 +6734,7 @@
                         <a:effectLst/>
                         <a:latin typeface="Calibri" panose="020F0502020204030204" pitchFamily="34" charset="0"/>
                         <a:ea typeface="Calibri" panose="020F0502020204030204" pitchFamily="34" charset="0"/>
-                        <a:cs typeface="Arial" panose="020B0604020202020204" pitchFamily="34" charset="0"/>
+                        <a:cs typeface="Arial" panose="02080604020202020204" pitchFamily="34" charset="0"/>
                       </a:endParaRPr>
                     </a:p>
                   </a:txBody>
@@ -6781,7 +6811,7 @@
                         <a:effectLst/>
                         <a:latin typeface="Calibri" panose="020F0502020204030204" pitchFamily="34" charset="0"/>
                         <a:ea typeface="Calibri" panose="020F0502020204030204" pitchFamily="34" charset="0"/>
-                        <a:cs typeface="Arial" panose="020B0604020202020204" pitchFamily="34" charset="0"/>
+                        <a:cs typeface="Arial" panose="02080604020202020204" pitchFamily="34" charset="0"/>
                       </a:endParaRPr>
                     </a:p>
                   </a:txBody>
@@ -6859,7 +6889,7 @@
                         <a:effectLst/>
                         <a:latin typeface="Calibri" panose="020F0502020204030204" pitchFamily="34" charset="0"/>
                         <a:ea typeface="Calibri" panose="020F0502020204030204" pitchFamily="34" charset="0"/>
-                        <a:cs typeface="Arial" panose="020B0604020202020204" pitchFamily="34" charset="0"/>
+                        <a:cs typeface="Arial" panose="02080604020202020204" pitchFamily="34" charset="0"/>
                       </a:endParaRPr>
                     </a:p>
                   </a:txBody>
@@ -6938,7 +6968,7 @@
                         <a:effectLst/>
                         <a:latin typeface="Calibri" panose="020F0502020204030204" pitchFamily="34" charset="0"/>
                         <a:ea typeface="Calibri" panose="020F0502020204030204" pitchFamily="34" charset="0"/>
-                        <a:cs typeface="Arial" panose="020B0604020202020204" pitchFamily="34" charset="0"/>
+                        <a:cs typeface="Arial" panose="02080604020202020204" pitchFamily="34" charset="0"/>
                       </a:endParaRPr>
                     </a:p>
                   </a:txBody>
@@ -7016,7 +7046,7 @@
                         <a:effectLst/>
                         <a:latin typeface="Calibri" panose="020F0502020204030204" pitchFamily="34" charset="0"/>
                         <a:ea typeface="Calibri" panose="020F0502020204030204" pitchFamily="34" charset="0"/>
-                        <a:cs typeface="Arial" panose="020B0604020202020204" pitchFamily="34" charset="0"/>
+                        <a:cs typeface="Arial" panose="02080604020202020204" pitchFamily="34" charset="0"/>
                       </a:endParaRPr>
                     </a:p>
                   </a:txBody>
@@ -7094,7 +7124,7 @@
                         <a:effectLst/>
                         <a:latin typeface="Calibri" panose="020F0502020204030204" pitchFamily="34" charset="0"/>
                         <a:ea typeface="Calibri" panose="020F0502020204030204" pitchFamily="34" charset="0"/>
-                        <a:cs typeface="Arial" panose="020B0604020202020204" pitchFamily="34" charset="0"/>
+                        <a:cs typeface="Arial" panose="02080604020202020204" pitchFamily="34" charset="0"/>
                       </a:endParaRPr>
                     </a:p>
                   </a:txBody>
@@ -7171,7 +7201,7 @@
                         <a:effectLst/>
                         <a:latin typeface="Calibri" panose="020F0502020204030204" pitchFamily="34" charset="0"/>
                         <a:ea typeface="Calibri" panose="020F0502020204030204" pitchFamily="34" charset="0"/>
-                        <a:cs typeface="Arial" panose="020B0604020202020204" pitchFamily="34" charset="0"/>
+                        <a:cs typeface="Arial" panose="02080604020202020204" pitchFamily="34" charset="0"/>
                       </a:endParaRPr>
                     </a:p>
                   </a:txBody>
@@ -7248,7 +7278,7 @@
                         <a:effectLst/>
                         <a:latin typeface="Calibri" panose="020F0502020204030204" pitchFamily="34" charset="0"/>
                         <a:ea typeface="Calibri" panose="020F0502020204030204" pitchFamily="34" charset="0"/>
-                        <a:cs typeface="Arial" panose="020B0604020202020204" pitchFamily="34" charset="0"/>
+                        <a:cs typeface="Arial" panose="02080604020202020204" pitchFamily="34" charset="0"/>
                       </a:endParaRPr>
                     </a:p>
                   </a:txBody>
@@ -7326,7 +7356,7 @@
                         <a:effectLst/>
                         <a:latin typeface="Calibri" panose="020F0502020204030204" pitchFamily="34" charset="0"/>
                         <a:ea typeface="Calibri" panose="020F0502020204030204" pitchFamily="34" charset="0"/>
-                        <a:cs typeface="Arial" panose="020B0604020202020204" pitchFamily="34" charset="0"/>
+                        <a:cs typeface="Arial" panose="02080604020202020204" pitchFamily="34" charset="0"/>
                       </a:endParaRPr>
                     </a:p>
                   </a:txBody>
@@ -7405,7 +7435,7 @@
                         <a:effectLst/>
                         <a:latin typeface="Calibri" panose="020F0502020204030204" pitchFamily="34" charset="0"/>
                         <a:ea typeface="Calibri" panose="020F0502020204030204" pitchFamily="34" charset="0"/>
-                        <a:cs typeface="Arial" panose="020B0604020202020204" pitchFamily="34" charset="0"/>
+                        <a:cs typeface="Arial" panose="02080604020202020204" pitchFamily="34" charset="0"/>
                       </a:endParaRPr>
                     </a:p>
                   </a:txBody>
@@ -7482,7 +7512,7 @@
                         <a:effectLst/>
                         <a:latin typeface="Calibri" panose="020F0502020204030204" pitchFamily="34" charset="0"/>
                         <a:ea typeface="Calibri" panose="020F0502020204030204" pitchFamily="34" charset="0"/>
-                        <a:cs typeface="Arial" panose="020B0604020202020204" pitchFamily="34" charset="0"/>
+                        <a:cs typeface="Arial" panose="02080604020202020204" pitchFamily="34" charset="0"/>
                       </a:endParaRPr>
                     </a:p>
                   </a:txBody>
@@ -7560,7 +7590,7 @@
                         <a:effectLst/>
                         <a:latin typeface="Calibri" panose="020F0502020204030204" pitchFamily="34" charset="0"/>
                         <a:ea typeface="Calibri" panose="020F0502020204030204" pitchFamily="34" charset="0"/>
-                        <a:cs typeface="Arial" panose="020B0604020202020204" pitchFamily="34" charset="0"/>
+                        <a:cs typeface="Arial" panose="02080604020202020204" pitchFamily="34" charset="0"/>
                       </a:endParaRPr>
                     </a:p>
                   </a:txBody>
@@ -7638,7 +7668,7 @@
                         <a:effectLst/>
                         <a:latin typeface="Calibri" panose="020F0502020204030204" pitchFamily="34" charset="0"/>
                         <a:ea typeface="Calibri" panose="020F0502020204030204" pitchFamily="34" charset="0"/>
-                        <a:cs typeface="Arial" panose="020B0604020202020204" pitchFamily="34" charset="0"/>
+                        <a:cs typeface="Arial" panose="02080604020202020204" pitchFamily="34" charset="0"/>
                       </a:endParaRPr>
                     </a:p>
                   </a:txBody>
@@ -7716,7 +7746,7 @@
                         <a:effectLst/>
                         <a:latin typeface="Calibri" panose="020F0502020204030204" pitchFamily="34" charset="0"/>
                         <a:ea typeface="Calibri" panose="020F0502020204030204" pitchFamily="34" charset="0"/>
-                        <a:cs typeface="Arial" panose="020B0604020202020204" pitchFamily="34" charset="0"/>
+                        <a:cs typeface="Arial" panose="02080604020202020204" pitchFamily="34" charset="0"/>
                       </a:endParaRPr>
                     </a:p>
                   </a:txBody>
@@ -7794,7 +7824,7 @@
                         <a:effectLst/>
                         <a:latin typeface="Calibri" panose="020F0502020204030204" pitchFamily="34" charset="0"/>
                         <a:ea typeface="Calibri" panose="020F0502020204030204" pitchFamily="34" charset="0"/>
-                        <a:cs typeface="Arial" panose="020B0604020202020204" pitchFamily="34" charset="0"/>
+                        <a:cs typeface="Arial" panose="02080604020202020204" pitchFamily="34" charset="0"/>
                       </a:endParaRPr>
                     </a:p>
                   </a:txBody>
@@ -7873,7 +7903,7 @@
                         <a:effectLst/>
                         <a:latin typeface="Calibri" panose="020F0502020204030204" pitchFamily="34" charset="0"/>
                         <a:ea typeface="Calibri" panose="020F0502020204030204" pitchFamily="34" charset="0"/>
-                        <a:cs typeface="Arial" panose="020B0604020202020204" pitchFamily="34" charset="0"/>
+                        <a:cs typeface="Arial" panose="02080604020202020204" pitchFamily="34" charset="0"/>
                       </a:endParaRPr>
                     </a:p>
                   </a:txBody>
@@ -7951,7 +7981,7 @@
                         <a:effectLst/>
                         <a:latin typeface="Calibri" panose="020F0502020204030204" pitchFamily="34" charset="0"/>
                         <a:ea typeface="Calibri" panose="020F0502020204030204" pitchFamily="34" charset="0"/>
-                        <a:cs typeface="Arial" panose="020B0604020202020204" pitchFamily="34" charset="0"/>
+                        <a:cs typeface="Arial" panose="02080604020202020204" pitchFamily="34" charset="0"/>
                       </a:endParaRPr>
                     </a:p>
                   </a:txBody>
@@ -8028,7 +8058,7 @@
                         <a:effectLst/>
                         <a:latin typeface="Calibri" panose="020F0502020204030204" pitchFamily="34" charset="0"/>
                         <a:ea typeface="Calibri" panose="020F0502020204030204" pitchFamily="34" charset="0"/>
-                        <a:cs typeface="Arial" panose="020B0604020202020204" pitchFamily="34" charset="0"/>
+                        <a:cs typeface="Arial" panose="02080604020202020204" pitchFamily="34" charset="0"/>
                       </a:endParaRPr>
                     </a:p>
                   </a:txBody>
@@ -8106,7 +8136,7 @@
                         <a:effectLst/>
                         <a:latin typeface="Calibri" panose="020F0502020204030204" pitchFamily="34" charset="0"/>
                         <a:ea typeface="Calibri" panose="020F0502020204030204" pitchFamily="34" charset="0"/>
-                        <a:cs typeface="Arial" panose="020B0604020202020204" pitchFamily="34" charset="0"/>
+                        <a:cs typeface="Arial" panose="02080604020202020204" pitchFamily="34" charset="0"/>
                       </a:endParaRPr>
                     </a:p>
                   </a:txBody>
@@ -8184,7 +8214,7 @@
                         <a:effectLst/>
                         <a:latin typeface="Calibri" panose="020F0502020204030204" pitchFamily="34" charset="0"/>
                         <a:ea typeface="Calibri" panose="020F0502020204030204" pitchFamily="34" charset="0"/>
-                        <a:cs typeface="Arial" panose="020B0604020202020204" pitchFamily="34" charset="0"/>
+                        <a:cs typeface="Arial" panose="02080604020202020204" pitchFamily="34" charset="0"/>
                       </a:endParaRPr>
                     </a:p>
                   </a:txBody>
@@ -8262,7 +8292,7 @@
                         <a:effectLst/>
                         <a:latin typeface="Calibri" panose="020F0502020204030204" pitchFamily="34" charset="0"/>
                         <a:ea typeface="Calibri" panose="020F0502020204030204" pitchFamily="34" charset="0"/>
-                        <a:cs typeface="Arial" panose="020B0604020202020204" pitchFamily="34" charset="0"/>
+                        <a:cs typeface="Arial" panose="02080604020202020204" pitchFamily="34" charset="0"/>
                       </a:endParaRPr>
                     </a:p>
                   </a:txBody>
@@ -8341,7 +8371,7 @@
                         <a:effectLst/>
                         <a:latin typeface="Calibri" panose="020F0502020204030204" pitchFamily="34" charset="0"/>
                         <a:ea typeface="Calibri" panose="020F0502020204030204" pitchFamily="34" charset="0"/>
-                        <a:cs typeface="Arial" panose="020B0604020202020204" pitchFamily="34" charset="0"/>
+                        <a:cs typeface="Arial" panose="02080604020202020204" pitchFamily="34" charset="0"/>
                       </a:endParaRPr>
                     </a:p>
                   </a:txBody>
@@ -8419,7 +8449,7 @@
                         <a:effectLst/>
                         <a:latin typeface="Calibri" panose="020F0502020204030204" pitchFamily="34" charset="0"/>
                         <a:ea typeface="Calibri" panose="020F0502020204030204" pitchFamily="34" charset="0"/>
-                        <a:cs typeface="Arial" panose="020B0604020202020204" pitchFamily="34" charset="0"/>
+                        <a:cs typeface="Arial" panose="02080604020202020204" pitchFamily="34" charset="0"/>
                       </a:endParaRPr>
                     </a:p>
                   </a:txBody>
@@ -8497,7 +8527,7 @@
                         <a:effectLst/>
                         <a:latin typeface="Calibri" panose="020F0502020204030204" pitchFamily="34" charset="0"/>
                         <a:ea typeface="Calibri" panose="020F0502020204030204" pitchFamily="34" charset="0"/>
-                        <a:cs typeface="Arial" panose="020B0604020202020204" pitchFamily="34" charset="0"/>
+                        <a:cs typeface="Arial" panose="02080604020202020204" pitchFamily="34" charset="0"/>
                       </a:endParaRPr>
                     </a:p>
                   </a:txBody>
@@ -8574,7 +8604,7 @@
                         <a:effectLst/>
                         <a:latin typeface="Calibri" panose="020F0502020204030204" pitchFamily="34" charset="0"/>
                         <a:ea typeface="Calibri" panose="020F0502020204030204" pitchFamily="34" charset="0"/>
-                        <a:cs typeface="Arial" panose="020B0604020202020204" pitchFamily="34" charset="0"/>
+                        <a:cs typeface="Arial" panose="02080604020202020204" pitchFamily="34" charset="0"/>
                       </a:endParaRPr>
                     </a:p>
                   </a:txBody>
@@ -8651,7 +8681,7 @@
                         <a:effectLst/>
                         <a:latin typeface="Calibri" panose="020F0502020204030204" pitchFamily="34" charset="0"/>
                         <a:ea typeface="Calibri" panose="020F0502020204030204" pitchFamily="34" charset="0"/>
-                        <a:cs typeface="Arial" panose="020B0604020202020204" pitchFamily="34" charset="0"/>
+                        <a:cs typeface="Arial" panose="02080604020202020204" pitchFamily="34" charset="0"/>
                       </a:endParaRPr>
                     </a:p>
                   </a:txBody>
@@ -8729,7 +8759,7 @@
                         <a:effectLst/>
                         <a:latin typeface="Calibri" panose="020F0502020204030204" pitchFamily="34" charset="0"/>
                         <a:ea typeface="Calibri" panose="020F0502020204030204" pitchFamily="34" charset="0"/>
-                        <a:cs typeface="Arial" panose="020B0604020202020204" pitchFamily="34" charset="0"/>
+                        <a:cs typeface="Arial" panose="02080604020202020204" pitchFamily="34" charset="0"/>
                       </a:endParaRPr>
                     </a:p>
                   </a:txBody>
@@ -8808,7 +8838,7 @@
                         <a:effectLst/>
                         <a:latin typeface="Calibri" panose="020F0502020204030204" pitchFamily="34" charset="0"/>
                         <a:ea typeface="Calibri" panose="020F0502020204030204" pitchFamily="34" charset="0"/>
-                        <a:cs typeface="Arial" panose="020B0604020202020204" pitchFamily="34" charset="0"/>
+                        <a:cs typeface="Arial" panose="02080604020202020204" pitchFamily="34" charset="0"/>
                       </a:endParaRPr>
                     </a:p>
                   </a:txBody>
@@ -8885,7 +8915,7 @@
                         <a:effectLst/>
                         <a:latin typeface="Calibri" panose="020F0502020204030204" pitchFamily="34" charset="0"/>
                         <a:ea typeface="Calibri" panose="020F0502020204030204" pitchFamily="34" charset="0"/>
-                        <a:cs typeface="Arial" panose="020B0604020202020204" pitchFamily="34" charset="0"/>
+                        <a:cs typeface="Arial" panose="02080604020202020204" pitchFamily="34" charset="0"/>
                       </a:endParaRPr>
                     </a:p>
                   </a:txBody>
@@ -8962,7 +8992,7 @@
                         <a:effectLst/>
                         <a:latin typeface="Calibri" panose="020F0502020204030204" pitchFamily="34" charset="0"/>
                         <a:ea typeface="Calibri" panose="020F0502020204030204" pitchFamily="34" charset="0"/>
-                        <a:cs typeface="Arial" panose="020B0604020202020204" pitchFamily="34" charset="0"/>
+                        <a:cs typeface="Arial" panose="02080604020202020204" pitchFamily="34" charset="0"/>
                       </a:endParaRPr>
                     </a:p>
                   </a:txBody>
@@ -9040,7 +9070,7 @@
                         <a:effectLst/>
                         <a:latin typeface="Calibri" panose="020F0502020204030204" pitchFamily="34" charset="0"/>
                         <a:ea typeface="Calibri" panose="020F0502020204030204" pitchFamily="34" charset="0"/>
-                        <a:cs typeface="Arial" panose="020B0604020202020204" pitchFamily="34" charset="0"/>
+                        <a:cs typeface="Arial" panose="02080604020202020204" pitchFamily="34" charset="0"/>
                       </a:endParaRPr>
                     </a:p>
                   </a:txBody>
@@ -9118,7 +9148,7 @@
                         <a:effectLst/>
                         <a:latin typeface="Calibri" panose="020F0502020204030204" pitchFamily="34" charset="0"/>
                         <a:ea typeface="Calibri" panose="020F0502020204030204" pitchFamily="34" charset="0"/>
-                        <a:cs typeface="Arial" panose="020B0604020202020204" pitchFamily="34" charset="0"/>
+                        <a:cs typeface="Arial" panose="02080604020202020204" pitchFamily="34" charset="0"/>
                       </a:endParaRPr>
                     </a:p>
                   </a:txBody>
@@ -9196,7 +9226,7 @@
                         <a:effectLst/>
                         <a:latin typeface="Calibri" panose="020F0502020204030204" pitchFamily="34" charset="0"/>
                         <a:ea typeface="Calibri" panose="020F0502020204030204" pitchFamily="34" charset="0"/>
-                        <a:cs typeface="Arial" panose="020B0604020202020204" pitchFamily="34" charset="0"/>
+                        <a:cs typeface="Arial" panose="02080604020202020204" pitchFamily="34" charset="0"/>
                       </a:endParaRPr>
                     </a:p>
                   </a:txBody>
@@ -9275,7 +9305,7 @@
                         <a:effectLst/>
                         <a:latin typeface="Calibri" panose="020F0502020204030204" pitchFamily="34" charset="0"/>
                         <a:ea typeface="Calibri" panose="020F0502020204030204" pitchFamily="34" charset="0"/>
-                        <a:cs typeface="Arial" panose="020B0604020202020204" pitchFamily="34" charset="0"/>
+                        <a:cs typeface="Arial" panose="02080604020202020204" pitchFamily="34" charset="0"/>
                       </a:endParaRPr>
                     </a:p>
                   </a:txBody>
@@ -9353,7 +9383,7 @@
                         <a:effectLst/>
                         <a:latin typeface="Calibri" panose="020F0502020204030204" pitchFamily="34" charset="0"/>
                         <a:ea typeface="Calibri" panose="020F0502020204030204" pitchFamily="34" charset="0"/>
-                        <a:cs typeface="Arial" panose="020B0604020202020204" pitchFamily="34" charset="0"/>
+                        <a:cs typeface="Arial" panose="02080604020202020204" pitchFamily="34" charset="0"/>
                       </a:endParaRPr>
                     </a:p>
                   </a:txBody>
@@ -9431,7 +9461,7 @@
                         <a:effectLst/>
                         <a:latin typeface="Calibri" panose="020F0502020204030204" pitchFamily="34" charset="0"/>
                         <a:ea typeface="Calibri" panose="020F0502020204030204" pitchFamily="34" charset="0"/>
-                        <a:cs typeface="Arial" panose="020B0604020202020204" pitchFamily="34" charset="0"/>
+                        <a:cs typeface="Arial" panose="02080604020202020204" pitchFamily="34" charset="0"/>
                       </a:endParaRPr>
                     </a:p>
                   </a:txBody>
@@ -9509,7 +9539,7 @@
                         <a:effectLst/>
                         <a:latin typeface="Calibri" panose="020F0502020204030204" pitchFamily="34" charset="0"/>
                         <a:ea typeface="Calibri" panose="020F0502020204030204" pitchFamily="34" charset="0"/>
-                        <a:cs typeface="Arial" panose="020B0604020202020204" pitchFamily="34" charset="0"/>
+                        <a:cs typeface="Arial" panose="02080604020202020204" pitchFamily="34" charset="0"/>
                       </a:endParaRPr>
                     </a:p>
                   </a:txBody>
@@ -9587,7 +9617,7 @@
                         <a:effectLst/>
                         <a:latin typeface="Calibri" panose="020F0502020204030204" pitchFamily="34" charset="0"/>
                         <a:ea typeface="Calibri" panose="020F0502020204030204" pitchFamily="34" charset="0"/>
-                        <a:cs typeface="Arial" panose="020B0604020202020204" pitchFamily="34" charset="0"/>
+                        <a:cs typeface="Arial" panose="02080604020202020204" pitchFamily="34" charset="0"/>
                       </a:endParaRPr>
                     </a:p>
                   </a:txBody>
@@ -9665,7 +9695,7 @@
                         <a:effectLst/>
                         <a:latin typeface="Calibri" panose="020F0502020204030204" pitchFamily="34" charset="0"/>
                         <a:ea typeface="Calibri" panose="020F0502020204030204" pitchFamily="34" charset="0"/>
-                        <a:cs typeface="Arial" panose="020B0604020202020204" pitchFamily="34" charset="0"/>
+                        <a:cs typeface="Arial" panose="02080604020202020204" pitchFamily="34" charset="0"/>
                       </a:endParaRPr>
                     </a:p>
                   </a:txBody>
@@ -9744,7 +9774,7 @@
                         <a:effectLst/>
                         <a:latin typeface="Calibri" panose="020F0502020204030204" pitchFamily="34" charset="0"/>
                         <a:ea typeface="Calibri" panose="020F0502020204030204" pitchFamily="34" charset="0"/>
-                        <a:cs typeface="Arial" panose="020B0604020202020204" pitchFamily="34" charset="0"/>
+                        <a:cs typeface="Arial" panose="02080604020202020204" pitchFamily="34" charset="0"/>
                       </a:endParaRPr>
                     </a:p>
                   </a:txBody>
@@ -9821,7 +9851,7 @@
                         <a:effectLst/>
                         <a:latin typeface="Calibri" panose="020F0502020204030204" pitchFamily="34" charset="0"/>
                         <a:ea typeface="Calibri" panose="020F0502020204030204" pitchFamily="34" charset="0"/>
-                        <a:cs typeface="Arial" panose="020B0604020202020204" pitchFamily="34" charset="0"/>
+                        <a:cs typeface="Arial" panose="02080604020202020204" pitchFamily="34" charset="0"/>
                       </a:endParaRPr>
                     </a:p>
                   </a:txBody>
@@ -9898,7 +9928,7 @@
                         <a:effectLst/>
                         <a:latin typeface="Calibri" panose="020F0502020204030204" pitchFamily="34" charset="0"/>
                         <a:ea typeface="Calibri" panose="020F0502020204030204" pitchFamily="34" charset="0"/>
-                        <a:cs typeface="Arial" panose="020B0604020202020204" pitchFamily="34" charset="0"/>
+                        <a:cs typeface="Arial" panose="02080604020202020204" pitchFamily="34" charset="0"/>
                       </a:endParaRPr>
                     </a:p>
                   </a:txBody>
@@ -9975,7 +10005,7 @@
                         <a:effectLst/>
                         <a:latin typeface="Calibri" panose="020F0502020204030204" pitchFamily="34" charset="0"/>
                         <a:ea typeface="Calibri" panose="020F0502020204030204" pitchFamily="34" charset="0"/>
-                        <a:cs typeface="Arial" panose="020B0604020202020204" pitchFamily="34" charset="0"/>
+                        <a:cs typeface="Arial" panose="02080604020202020204" pitchFamily="34" charset="0"/>
                       </a:endParaRPr>
                     </a:p>
                   </a:txBody>
@@ -10052,7 +10082,7 @@
                         <a:effectLst/>
                         <a:latin typeface="Calibri" panose="020F0502020204030204" pitchFamily="34" charset="0"/>
                         <a:ea typeface="Calibri" panose="020F0502020204030204" pitchFamily="34" charset="0"/>
-                        <a:cs typeface="Arial" panose="020B0604020202020204" pitchFamily="34" charset="0"/>
+                        <a:cs typeface="Arial" panose="02080604020202020204" pitchFamily="34" charset="0"/>
                       </a:endParaRPr>
                     </a:p>
                   </a:txBody>
@@ -10130,7 +10160,7 @@
                         <a:effectLst/>
                         <a:latin typeface="Calibri" panose="020F0502020204030204" pitchFamily="34" charset="0"/>
                         <a:ea typeface="Calibri" panose="020F0502020204030204" pitchFamily="34" charset="0"/>
-                        <a:cs typeface="Arial" panose="020B0604020202020204" pitchFamily="34" charset="0"/>
+                        <a:cs typeface="Arial" panose="02080604020202020204" pitchFamily="34" charset="0"/>
                       </a:endParaRPr>
                     </a:p>
                   </a:txBody>
@@ -10209,7 +10239,7 @@
                         <a:effectLst/>
                         <a:latin typeface="Calibri" panose="020F0502020204030204" pitchFamily="34" charset="0"/>
                         <a:ea typeface="Calibri" panose="020F0502020204030204" pitchFamily="34" charset="0"/>
-                        <a:cs typeface="Arial" panose="020B0604020202020204" pitchFamily="34" charset="0"/>
+                        <a:cs typeface="Arial" panose="02080604020202020204" pitchFamily="34" charset="0"/>
                       </a:endParaRPr>
                     </a:p>
                   </a:txBody>
@@ -10286,7 +10316,7 @@
                         <a:effectLst/>
                         <a:latin typeface="Calibri" panose="020F0502020204030204" pitchFamily="34" charset="0"/>
                         <a:ea typeface="Calibri" panose="020F0502020204030204" pitchFamily="34" charset="0"/>
-                        <a:cs typeface="Arial" panose="020B0604020202020204" pitchFamily="34" charset="0"/>
+                        <a:cs typeface="Arial" panose="02080604020202020204" pitchFamily="34" charset="0"/>
                       </a:endParaRPr>
                     </a:p>
                   </a:txBody>
@@ -10364,7 +10394,7 @@
                         <a:effectLst/>
                         <a:latin typeface="Calibri" panose="020F0502020204030204" pitchFamily="34" charset="0"/>
                         <a:ea typeface="Calibri" panose="020F0502020204030204" pitchFamily="34" charset="0"/>
-                        <a:cs typeface="Arial" panose="020B0604020202020204" pitchFamily="34" charset="0"/>
+                        <a:cs typeface="Arial" panose="02080604020202020204" pitchFamily="34" charset="0"/>
                       </a:endParaRPr>
                     </a:p>
                   </a:txBody>
@@ -10441,7 +10471,7 @@
                         <a:effectLst/>
                         <a:latin typeface="Calibri" panose="020F0502020204030204" pitchFamily="34" charset="0"/>
                         <a:ea typeface="Calibri" panose="020F0502020204030204" pitchFamily="34" charset="0"/>
-                        <a:cs typeface="Arial" panose="020B0604020202020204" pitchFamily="34" charset="0"/>
+                        <a:cs typeface="Arial" panose="02080604020202020204" pitchFamily="34" charset="0"/>
                       </a:endParaRPr>
                     </a:p>
                   </a:txBody>
@@ -10519,7 +10549,7 @@
                         <a:effectLst/>
                         <a:latin typeface="Calibri" panose="020F0502020204030204" pitchFamily="34" charset="0"/>
                         <a:ea typeface="Calibri" panose="020F0502020204030204" pitchFamily="34" charset="0"/>
-                        <a:cs typeface="Arial" panose="020B0604020202020204" pitchFamily="34" charset="0"/>
+                        <a:cs typeface="Arial" panose="02080604020202020204" pitchFamily="34" charset="0"/>
                       </a:endParaRPr>
                     </a:p>
                   </a:txBody>
@@ -10596,7 +10626,7 @@
                         <a:effectLst/>
                         <a:latin typeface="Calibri" panose="020F0502020204030204" pitchFamily="34" charset="0"/>
                         <a:ea typeface="Calibri" panose="020F0502020204030204" pitchFamily="34" charset="0"/>
-                        <a:cs typeface="Arial" panose="020B0604020202020204" pitchFamily="34" charset="0"/>
+                        <a:cs typeface="Arial" panose="02080604020202020204" pitchFamily="34" charset="0"/>
                       </a:endParaRPr>
                     </a:p>
                   </a:txBody>
@@ -10653,11 +10683,6 @@
         </a:graphic>
       </p:graphicFrame>
     </p:spTree>
-    <p:extLst>
-      <p:ext uri="{BB962C8B-B14F-4D97-AF65-F5344CB8AC3E}">
-        <p14:creationId xmlns:p14="http://schemas.microsoft.com/office/powerpoint/2010/main" val="4150897009"/>
-      </p:ext>
-    </p:extLst>
   </p:cSld>
   <p:clrMapOvr>
     <a:masterClrMapping/>
@@ -10691,13 +10716,7 @@
       </p:grpSpPr>
       <p:sp>
         <p:nvSpPr>
-          <p:cNvPr id="2" name="Title 1">
-            <a:extLst>
-              <a:ext uri="{FF2B5EF4-FFF2-40B4-BE49-F238E27FC236}">
-                <a16:creationId xmlns:a16="http://schemas.microsoft.com/office/drawing/2014/main" xmlns="" id="{987A2B9E-3B6D-4CDD-AB4C-21E3236C98BA}"/>
-              </a:ext>
-            </a:extLst>
-          </p:cNvPr>
+          <p:cNvPr id="2" name="Title 1"/>
           <p:cNvSpPr>
             <a:spLocks noGrp="1"/>
           </p:cNvSpPr>
@@ -10714,18 +10733,13 @@
               <a:rPr lang="en-US" dirty="0"/>
               <a:t>Requirement Analysis</a:t>
             </a:r>
+            <a:endParaRPr lang="en-US" dirty="0"/>
           </a:p>
         </p:txBody>
       </p:sp>
       <p:sp>
         <p:nvSpPr>
-          <p:cNvPr id="3" name="Content Placeholder 2">
-            <a:extLst>
-              <a:ext uri="{FF2B5EF4-FFF2-40B4-BE49-F238E27FC236}">
-                <a16:creationId xmlns:a16="http://schemas.microsoft.com/office/drawing/2014/main" xmlns="" id="{67DBD9DD-B1A5-41B6-8460-CB9575F4E501}"/>
-              </a:ext>
-            </a:extLst>
-          </p:cNvPr>
+          <p:cNvPr id="3" name="Content Placeholder 2"/>
           <p:cNvSpPr>
             <a:spLocks noGrp="1"/>
           </p:cNvSpPr>
@@ -10758,6 +10772,7 @@
               <a:rPr lang="en-US" sz="2400" dirty="0"/>
               <a:t>main modules:</a:t>
             </a:r>
+            <a:endParaRPr lang="en-US" sz="2400" dirty="0"/>
           </a:p>
           <a:p>
             <a:pPr>
@@ -10769,6 +10784,7 @@
               <a:rPr lang="en-US" sz="2400" dirty="0"/>
               <a:t>Main Menu</a:t>
             </a:r>
+            <a:endParaRPr lang="en-US" sz="2400" dirty="0"/>
           </a:p>
           <a:p>
             <a:pPr>
@@ -10780,6 +10796,7 @@
               <a:rPr lang="en-US" sz="2400" dirty="0"/>
               <a:t>Tour Guide</a:t>
             </a:r>
+            <a:endParaRPr lang="en-US" sz="2400" dirty="0"/>
           </a:p>
           <a:p>
             <a:pPr>
@@ -10791,15 +10808,11 @@
               <a:rPr lang="en-US" sz="2400" dirty="0"/>
               <a:t>Game Mode</a:t>
             </a:r>
+            <a:endParaRPr lang="en-US" sz="2400" dirty="0"/>
           </a:p>
         </p:txBody>
       </p:sp>
     </p:spTree>
-    <p:extLst>
-      <p:ext uri="{BB962C8B-B14F-4D97-AF65-F5344CB8AC3E}">
-        <p14:creationId xmlns:p14="http://schemas.microsoft.com/office/powerpoint/2010/main" val="897558224"/>
-      </p:ext>
-    </p:extLst>
   </p:cSld>
   <p:clrMapOvr>
     <a:masterClrMapping/>
@@ -10833,13 +10846,7 @@
       </p:grpSpPr>
       <p:sp>
         <p:nvSpPr>
-          <p:cNvPr id="3" name="Content Placeholder 2">
-            <a:extLst>
-              <a:ext uri="{FF2B5EF4-FFF2-40B4-BE49-F238E27FC236}">
-                <a16:creationId xmlns:a16="http://schemas.microsoft.com/office/drawing/2014/main" xmlns="" id="{379FBF68-DC88-4C2D-AED4-BD846653AB4B}"/>
-              </a:ext>
-            </a:extLst>
-          </p:cNvPr>
+          <p:cNvPr id="3" name="Content Placeholder 2"/>
           <p:cNvSpPr>
             <a:spLocks noGrp="1"/>
           </p:cNvSpPr>
@@ -10866,6 +10873,7 @@
               <a:rPr lang="en-US" sz="2400" b="1" dirty="0"/>
               <a:t>Main Menu Module</a:t>
             </a:r>
+            <a:endParaRPr lang="en-US" sz="2400" b="1" dirty="0"/>
           </a:p>
           <a:p>
             <a:pPr marL="0" indent="0">
@@ -10875,6 +10883,7 @@
               <a:rPr lang="en-US" dirty="0"/>
               <a:t>R1: The application shall allow user to select Tour Guide/Game or Exit the application</a:t>
             </a:r>
+            <a:endParaRPr lang="en-US" dirty="0"/>
           </a:p>
           <a:p>
             <a:pPr marL="0" indent="0">
@@ -10890,6 +10899,7 @@
               <a:rPr lang="en-US" sz="2400" b="1" dirty="0"/>
               <a:t>Tour Guide</a:t>
             </a:r>
+            <a:endParaRPr lang="en-US" sz="2400" b="1" dirty="0"/>
           </a:p>
           <a:p>
             <a:pPr marL="0" indent="0">
@@ -10899,6 +10909,7 @@
               <a:rPr lang="en-US" dirty="0"/>
               <a:t>R2: The application shall guide the user with robot companion.</a:t>
             </a:r>
+            <a:endParaRPr lang="en-US" dirty="0"/>
           </a:p>
           <a:p>
             <a:pPr marL="0" indent="0">
@@ -10908,6 +10919,7 @@
               <a:rPr lang="en-US" dirty="0"/>
               <a:t>R3: The application shall pass the user through all the water cycle phases.</a:t>
             </a:r>
+            <a:endParaRPr lang="en-US" dirty="0"/>
           </a:p>
           <a:p>
             <a:pPr marL="0" indent="0">
@@ -10917,6 +10929,7 @@
               <a:rPr lang="en-US" dirty="0"/>
               <a:t>R4: The application shall allow user to look around. </a:t>
             </a:r>
+            <a:endParaRPr lang="en-US" dirty="0"/>
           </a:p>
           <a:p>
             <a:pPr marL="0" indent="0">
@@ -10926,6 +10939,7 @@
               <a:rPr lang="en-US" dirty="0"/>
               <a:t> </a:t>
             </a:r>
+            <a:endParaRPr lang="en-US" dirty="0"/>
           </a:p>
           <a:p>
             <a:pPr marL="0" indent="0">
@@ -10935,6 +10949,7 @@
               <a:rPr lang="en-US" sz="2400" b="1" dirty="0"/>
               <a:t>Mini Game:</a:t>
             </a:r>
+            <a:endParaRPr lang="en-US" sz="2400" b="1" dirty="0"/>
           </a:p>
           <a:p>
             <a:pPr marL="0" indent="0">
@@ -10944,6 +10959,7 @@
               <a:rPr lang="en-US" dirty="0"/>
               <a:t>R5: The application shall allow user to move player as needed.</a:t>
             </a:r>
+            <a:endParaRPr lang="en-US" dirty="0"/>
           </a:p>
           <a:p>
             <a:pPr marL="0" indent="0">
@@ -10953,6 +10969,7 @@
               <a:rPr lang="en-US" dirty="0"/>
               <a:t>R6: The application shall limit user gameplay time.</a:t>
             </a:r>
+            <a:endParaRPr lang="en-US" dirty="0"/>
           </a:p>
           <a:p>
             <a:pPr marL="0" indent="0">
@@ -10962,6 +10979,7 @@
               <a:rPr lang="en-US" dirty="0"/>
               <a:t>R7: The application must record user gameplay time for high score.</a:t>
             </a:r>
+            <a:endParaRPr lang="en-US" dirty="0"/>
           </a:p>
           <a:p>
             <a:pPr marL="0" indent="0">
@@ -10972,11 +10990,6 @@
         </p:txBody>
       </p:sp>
     </p:spTree>
-    <p:extLst>
-      <p:ext uri="{BB962C8B-B14F-4D97-AF65-F5344CB8AC3E}">
-        <p14:creationId xmlns:p14="http://schemas.microsoft.com/office/powerpoint/2010/main" val="2689985128"/>
-      </p:ext>
-    </p:extLst>
   </p:cSld>
   <p:clrMapOvr>
     <a:masterClrMapping/>
@@ -11010,13 +11023,7 @@
       </p:grpSpPr>
       <p:sp>
         <p:nvSpPr>
-          <p:cNvPr id="2" name="Title 1">
-            <a:extLst>
-              <a:ext uri="{FF2B5EF4-FFF2-40B4-BE49-F238E27FC236}">
-                <a16:creationId xmlns:a16="http://schemas.microsoft.com/office/drawing/2014/main" xmlns="" id="{572B919B-7970-414F-944C-D7DCE41D5119}"/>
-              </a:ext>
-            </a:extLst>
-          </p:cNvPr>
+          <p:cNvPr id="2" name="Title 1"/>
           <p:cNvSpPr>
             <a:spLocks noGrp="1"/>
           </p:cNvSpPr>
@@ -11033,18 +11040,13 @@
               <a:rPr lang="en-US" dirty="0"/>
               <a:t>Non-functional Requirements </a:t>
             </a:r>
+            <a:endParaRPr lang="en-US" dirty="0"/>
           </a:p>
         </p:txBody>
       </p:sp>
       <p:sp>
         <p:nvSpPr>
-          <p:cNvPr id="3" name="Content Placeholder 2">
-            <a:extLst>
-              <a:ext uri="{FF2B5EF4-FFF2-40B4-BE49-F238E27FC236}">
-                <a16:creationId xmlns:a16="http://schemas.microsoft.com/office/drawing/2014/main" xmlns="" id="{57F44D35-13DB-4243-AAB8-F4DD4AA3E478}"/>
-              </a:ext>
-            </a:extLst>
-          </p:cNvPr>
+          <p:cNvPr id="3" name="Content Placeholder 2"/>
           <p:cNvSpPr>
             <a:spLocks noGrp="1"/>
           </p:cNvSpPr>
@@ -11061,6 +11063,7 @@
               <a:rPr lang="en-US" dirty="0"/>
               <a:t>The application must not lag for more than 0.002 seconds</a:t>
             </a:r>
+            <a:endParaRPr lang="en-US" dirty="0"/>
           </a:p>
           <a:p>
             <a:pPr marL="0" indent="0">
@@ -11071,11 +11074,6 @@
         </p:txBody>
       </p:sp>
     </p:spTree>
-    <p:extLst>
-      <p:ext uri="{BB962C8B-B14F-4D97-AF65-F5344CB8AC3E}">
-        <p14:creationId xmlns:p14="http://schemas.microsoft.com/office/powerpoint/2010/main" val="110452088"/>
-      </p:ext>
-    </p:extLst>
   </p:cSld>
   <p:clrMapOvr>
     <a:masterClrMapping/>
@@ -11109,13 +11107,7 @@
       </p:grpSpPr>
       <p:sp>
         <p:nvSpPr>
-          <p:cNvPr id="2" name="Title 1">
-            <a:extLst>
-              <a:ext uri="{FF2B5EF4-FFF2-40B4-BE49-F238E27FC236}">
-                <a16:creationId xmlns:a16="http://schemas.microsoft.com/office/drawing/2014/main" xmlns="" id="{3AE0C9F6-F394-418D-96A4-49626E554771}"/>
-              </a:ext>
-            </a:extLst>
-          </p:cNvPr>
+          <p:cNvPr id="2" name="Title 1"/>
           <p:cNvSpPr>
             <a:spLocks noGrp="1"/>
           </p:cNvSpPr>
@@ -11132,18 +11124,13 @@
               <a:rPr lang="en-US" dirty="0"/>
               <a:t>Use case Diagram</a:t>
             </a:r>
+            <a:endParaRPr lang="en-US" dirty="0"/>
           </a:p>
         </p:txBody>
       </p:sp>
       <p:sp>
         <p:nvSpPr>
-          <p:cNvPr id="3" name="Content Placeholder 2">
-            <a:extLst>
-              <a:ext uri="{FF2B5EF4-FFF2-40B4-BE49-F238E27FC236}">
-                <a16:creationId xmlns:a16="http://schemas.microsoft.com/office/drawing/2014/main" xmlns="" id="{60780DC7-6E0C-499C-B432-5D3FAE7733F5}"/>
-              </a:ext>
-            </a:extLst>
-          </p:cNvPr>
+          <p:cNvPr id="3" name="Content Placeholder 2"/>
           <p:cNvSpPr>
             <a:spLocks noGrp="1"/>
           </p:cNvSpPr>
@@ -11160,6 +11147,7 @@
               <a:rPr lang="en-US" dirty="0"/>
               <a:t>Main Menu</a:t>
             </a:r>
+            <a:endParaRPr lang="en-US" dirty="0"/>
           </a:p>
           <a:p>
             <a:pPr marL="0" indent="0">
@@ -11171,18 +11159,12 @@
       </p:sp>
       <p:pic>
         <p:nvPicPr>
-          <p:cNvPr id="4" name="Picture 3">
-            <a:extLst>
-              <a:ext uri="{FF2B5EF4-FFF2-40B4-BE49-F238E27FC236}">
-                <a16:creationId xmlns:a16="http://schemas.microsoft.com/office/drawing/2014/main" xmlns="" id="{C90B0524-6AAC-4739-8263-BBA3A39E4DA6}"/>
-              </a:ext>
-            </a:extLst>
-          </p:cNvPr>
+          <p:cNvPr id="4" name="Picture 3"/>
           <p:cNvPicPr/>
           <p:nvPr/>
         </p:nvPicPr>
         <p:blipFill rotWithShape="1">
-          <a:blip r:embed="rId2">
+          <a:blip r:embed="rId1">
             <a:extLst>
               <a:ext uri="{28A0092B-C50C-407E-A947-70E740481C1C}">
                 <a14:useLocalDpi xmlns:a14="http://schemas.microsoft.com/office/drawing/2010/main" val="0"/>
@@ -11190,7 +11172,9 @@
             </a:extLst>
           </a:blip>
           <a:srcRect l="19743" t="22857" r="24880" b="13429"/>
-          <a:stretch/>
+          <a:stretch>
+            <a:fillRect/>
+          </a:stretch>
         </p:blipFill>
         <p:spPr bwMode="auto">
           <a:xfrm>
@@ -11204,19 +11188,9 @@
           <a:ln>
             <a:noFill/>
           </a:ln>
-          <a:extLst>
-            <a:ext uri="{53640926-AAD7-44D8-BBD7-CCE9431645EC}">
-              <a14:shadowObscured xmlns:a14="http://schemas.microsoft.com/office/drawing/2010/main"/>
-            </a:ext>
-          </a:extLst>
         </p:spPr>
       </p:pic>
     </p:spTree>
-    <p:extLst>
-      <p:ext uri="{BB962C8B-B14F-4D97-AF65-F5344CB8AC3E}">
-        <p14:creationId xmlns:p14="http://schemas.microsoft.com/office/powerpoint/2010/main" val="2053961645"/>
-      </p:ext>
-    </p:extLst>
   </p:cSld>
   <p:clrMapOvr>
     <a:masterClrMapping/>
@@ -11250,13 +11224,7 @@
       </p:grpSpPr>
       <p:sp>
         <p:nvSpPr>
-          <p:cNvPr id="2" name="Title 1">
-            <a:extLst>
-              <a:ext uri="{FF2B5EF4-FFF2-40B4-BE49-F238E27FC236}">
-                <a16:creationId xmlns:a16="http://schemas.microsoft.com/office/drawing/2014/main" xmlns="" id="{67423FAA-9D78-41BE-BEE2-6621D8D99B08}"/>
-              </a:ext>
-            </a:extLst>
-          </p:cNvPr>
+          <p:cNvPr id="2" name="Title 1"/>
           <p:cNvSpPr>
             <a:spLocks noGrp="1"/>
           </p:cNvSpPr>
@@ -11273,18 +11241,13 @@
               <a:rPr lang="en-US" dirty="0"/>
               <a:t>Use Case Diagram</a:t>
             </a:r>
+            <a:endParaRPr lang="en-US" dirty="0"/>
           </a:p>
         </p:txBody>
       </p:sp>
       <p:sp>
         <p:nvSpPr>
-          <p:cNvPr id="3" name="Content Placeholder 2">
-            <a:extLst>
-              <a:ext uri="{FF2B5EF4-FFF2-40B4-BE49-F238E27FC236}">
-                <a16:creationId xmlns:a16="http://schemas.microsoft.com/office/drawing/2014/main" xmlns="" id="{914A72A8-87B7-4A3E-8DAF-1E357F80BB47}"/>
-              </a:ext>
-            </a:extLst>
-          </p:cNvPr>
+          <p:cNvPr id="3" name="Content Placeholder 2"/>
           <p:cNvSpPr>
             <a:spLocks noGrp="1"/>
           </p:cNvSpPr>
@@ -11301,27 +11264,28 @@
               <a:rPr lang="en-US" dirty="0"/>
               <a:t>Game Mode</a:t>
             </a:r>
+            <a:endParaRPr lang="en-US" dirty="0"/>
           </a:p>
         </p:txBody>
       </p:sp>
       <p:pic>
         <p:nvPicPr>
-          <p:cNvPr id="5" name="Picture 4" descr="Screenshot from 2019-09-11 20-34-42"/>
+          <p:cNvPr id="4" name="Picture 3" descr="Screenshot from 2019-09-12 14-12-46"/>
           <p:cNvPicPr>
             <a:picLocks noChangeAspect="1"/>
           </p:cNvPicPr>
           <p:nvPr/>
         </p:nvPicPr>
         <p:blipFill>
-          <a:blip r:embed="rId2"/>
+          <a:blip r:embed="rId1"/>
           <a:stretch>
             <a:fillRect/>
           </a:stretch>
         </p:blipFill>
         <p:spPr>
           <a:xfrm>
-            <a:off x="4411745" y="1671637"/>
-            <a:ext cx="6271430" cy="4810125"/>
+            <a:off x="4660265" y="1583690"/>
+            <a:ext cx="5524500" cy="4695825"/>
           </a:xfrm>
           <a:prstGeom prst="rect">
             <a:avLst/>
@@ -11329,11 +11293,6 @@
         </p:spPr>
       </p:pic>
     </p:spTree>
-    <p:extLst>
-      <p:ext uri="{BB962C8B-B14F-4D97-AF65-F5344CB8AC3E}">
-        <p14:creationId xmlns:p14="http://schemas.microsoft.com/office/powerpoint/2010/main" val="2694925301"/>
-      </p:ext>
-    </p:extLst>
   </p:cSld>
   <p:clrMapOvr>
     <a:masterClrMapping/>
@@ -11367,13 +11326,7 @@
       </p:grpSpPr>
       <p:sp>
         <p:nvSpPr>
-          <p:cNvPr id="2" name="Title 1">
-            <a:extLst>
-              <a:ext uri="{FF2B5EF4-FFF2-40B4-BE49-F238E27FC236}">
-                <a16:creationId xmlns:a16="http://schemas.microsoft.com/office/drawing/2014/main" xmlns="" id="{AA652A55-4BBF-44C0-9483-296DC4886021}"/>
-              </a:ext>
-            </a:extLst>
-          </p:cNvPr>
+          <p:cNvPr id="2" name="Title 1"/>
           <p:cNvSpPr>
             <a:spLocks noGrp="1"/>
           </p:cNvSpPr>
@@ -11390,18 +11343,13 @@
               <a:rPr lang="en-US" dirty="0"/>
               <a:t>Use Case Diagram</a:t>
             </a:r>
+            <a:endParaRPr lang="en-US" dirty="0"/>
           </a:p>
         </p:txBody>
       </p:sp>
       <p:sp>
         <p:nvSpPr>
-          <p:cNvPr id="3" name="Content Placeholder 2">
-            <a:extLst>
-              <a:ext uri="{FF2B5EF4-FFF2-40B4-BE49-F238E27FC236}">
-                <a16:creationId xmlns:a16="http://schemas.microsoft.com/office/drawing/2014/main" xmlns="" id="{073B9CCF-CD4B-49EE-9419-06671F73F5B8}"/>
-              </a:ext>
-            </a:extLst>
-          </p:cNvPr>
+          <p:cNvPr id="3" name="Content Placeholder 2"/>
           <p:cNvSpPr>
             <a:spLocks noGrp="1"/>
           </p:cNvSpPr>
@@ -11418,23 +11366,18 @@
               <a:rPr lang="en-US" dirty="0"/>
               <a:t>Tour Guide</a:t>
             </a:r>
+            <a:endParaRPr lang="en-US" dirty="0"/>
           </a:p>
         </p:txBody>
       </p:sp>
       <p:pic>
         <p:nvPicPr>
-          <p:cNvPr id="4" name="Picture 3">
-            <a:extLst>
-              <a:ext uri="{FF2B5EF4-FFF2-40B4-BE49-F238E27FC236}">
-                <a16:creationId xmlns:a16="http://schemas.microsoft.com/office/drawing/2014/main" xmlns="" id="{57E421ED-8741-4E5A-9A62-E61BD04979A8}"/>
-              </a:ext>
-            </a:extLst>
-          </p:cNvPr>
+          <p:cNvPr id="4" name="Picture 3"/>
           <p:cNvPicPr/>
           <p:nvPr/>
         </p:nvPicPr>
         <p:blipFill rotWithShape="1">
-          <a:blip r:embed="rId2">
+          <a:blip r:embed="rId1">
             <a:extLst>
               <a:ext uri="{28A0092B-C50C-407E-A947-70E740481C1C}">
                 <a14:useLocalDpi xmlns:a14="http://schemas.microsoft.com/office/drawing/2010/main" val="0"/>
@@ -11442,7 +11385,9 @@
             </a:extLst>
           </a:blip>
           <a:srcRect l="23595" t="26000" r="23595" b="17143"/>
-          <a:stretch/>
+          <a:stretch>
+            <a:fillRect/>
+          </a:stretch>
         </p:blipFill>
         <p:spPr bwMode="auto">
           <a:xfrm>
@@ -11456,19 +11401,9 @@
           <a:ln>
             <a:noFill/>
           </a:ln>
-          <a:extLst>
-            <a:ext uri="{53640926-AAD7-44D8-BBD7-CCE9431645EC}">
-              <a14:shadowObscured xmlns:a14="http://schemas.microsoft.com/office/drawing/2010/main"/>
-            </a:ext>
-          </a:extLst>
         </p:spPr>
       </p:pic>
     </p:spTree>
-    <p:extLst>
-      <p:ext uri="{BB962C8B-B14F-4D97-AF65-F5344CB8AC3E}">
-        <p14:creationId xmlns:p14="http://schemas.microsoft.com/office/powerpoint/2010/main" val="2443139829"/>
-      </p:ext>
-    </p:extLst>
   </p:cSld>
   <p:clrMapOvr>
     <a:masterClrMapping/>
@@ -11502,13 +11437,7 @@
       </p:grpSpPr>
       <p:sp>
         <p:nvSpPr>
-          <p:cNvPr id="2" name="Title 1">
-            <a:extLst>
-              <a:ext uri="{FF2B5EF4-FFF2-40B4-BE49-F238E27FC236}">
-                <a16:creationId xmlns:a16="http://schemas.microsoft.com/office/drawing/2014/main" xmlns="" id="{99F1A885-3075-40C9-B832-9F6A5CA4446F}"/>
-              </a:ext>
-            </a:extLst>
-          </p:cNvPr>
+          <p:cNvPr id="2" name="Title 1"/>
           <p:cNvSpPr>
             <a:spLocks noGrp="1"/>
           </p:cNvSpPr>
@@ -11525,18 +11454,13 @@
               <a:rPr lang="en-US" dirty="0"/>
               <a:t>Content</a:t>
             </a:r>
+            <a:endParaRPr lang="en-US" dirty="0"/>
           </a:p>
         </p:txBody>
       </p:sp>
       <p:sp>
         <p:nvSpPr>
-          <p:cNvPr id="3" name="Content Placeholder 2">
-            <a:extLst>
-              <a:ext uri="{FF2B5EF4-FFF2-40B4-BE49-F238E27FC236}">
-                <a16:creationId xmlns:a16="http://schemas.microsoft.com/office/drawing/2014/main" xmlns="" id="{2F2E208E-4B1D-498B-9E74-D5D162EA1EAF}"/>
-              </a:ext>
-            </a:extLst>
-          </p:cNvPr>
+          <p:cNvPr id="3" name="Content Placeholder 2"/>
           <p:cNvSpPr>
             <a:spLocks noGrp="1"/>
           </p:cNvSpPr>
@@ -11553,24 +11477,28 @@
               <a:rPr lang="en-US" dirty="0"/>
               <a:t>Introduction</a:t>
             </a:r>
+            <a:endParaRPr lang="en-US" dirty="0"/>
           </a:p>
           <a:p>
             <a:r>
               <a:rPr lang="en-US" dirty="0"/>
               <a:t>Literature Review</a:t>
             </a:r>
+            <a:endParaRPr lang="en-US" dirty="0"/>
           </a:p>
           <a:p>
             <a:r>
               <a:rPr lang="en-US" dirty="0"/>
               <a:t>Requirement analysis</a:t>
             </a:r>
+            <a:endParaRPr lang="en-US" dirty="0"/>
           </a:p>
           <a:p>
             <a:r>
               <a:rPr lang="en-US" dirty="0"/>
               <a:t>Conclusion</a:t>
             </a:r>
+            <a:endParaRPr lang="en-US" dirty="0"/>
           </a:p>
           <a:p>
             <a:r>
@@ -11585,11 +11513,6 @@
         </p:txBody>
       </p:sp>
     </p:spTree>
-    <p:extLst>
-      <p:ext uri="{BB962C8B-B14F-4D97-AF65-F5344CB8AC3E}">
-        <p14:creationId xmlns:p14="http://schemas.microsoft.com/office/powerpoint/2010/main" val="2816489390"/>
-      </p:ext>
-    </p:extLst>
   </p:cSld>
   <p:clrMapOvr>
     <a:masterClrMapping/>
@@ -11623,13 +11546,7 @@
       </p:grpSpPr>
       <p:sp>
         <p:nvSpPr>
-          <p:cNvPr id="2" name="Title 1">
-            <a:extLst>
-              <a:ext uri="{FF2B5EF4-FFF2-40B4-BE49-F238E27FC236}">
-                <a16:creationId xmlns:a16="http://schemas.microsoft.com/office/drawing/2014/main" xmlns="" id="{638922BD-D6C8-4838-A26C-ABDA8AAF1130}"/>
-              </a:ext>
-            </a:extLst>
-          </p:cNvPr>
+          <p:cNvPr id="2" name="Title 1"/>
           <p:cNvSpPr>
             <a:spLocks noGrp="1"/>
           </p:cNvSpPr>
@@ -11646,23 +11563,18 @@
               <a:rPr lang="en-US" dirty="0"/>
               <a:t>System Sequence Diagram</a:t>
             </a:r>
+            <a:endParaRPr lang="en-US" dirty="0"/>
           </a:p>
         </p:txBody>
       </p:sp>
       <p:pic>
         <p:nvPicPr>
-          <p:cNvPr id="4" name="Picture 3">
-            <a:extLst>
-              <a:ext uri="{FF2B5EF4-FFF2-40B4-BE49-F238E27FC236}">
-                <a16:creationId xmlns:a16="http://schemas.microsoft.com/office/drawing/2014/main" xmlns="" id="{28DE14FE-84BF-442E-9367-9DA52183980D}"/>
-              </a:ext>
-            </a:extLst>
-          </p:cNvPr>
+          <p:cNvPr id="4" name="Picture 3"/>
           <p:cNvPicPr/>
           <p:nvPr/>
         </p:nvPicPr>
         <p:blipFill rotWithShape="1">
-          <a:blip r:embed="rId2">
+          <a:blip r:embed="rId1">
             <a:extLst>
               <a:ext uri="{28A0092B-C50C-407E-A947-70E740481C1C}">
                 <a14:useLocalDpi xmlns:a14="http://schemas.microsoft.com/office/drawing/2010/main" val="0"/>
@@ -11670,7 +11582,9 @@
             </a:extLst>
           </a:blip>
           <a:srcRect r="6139" b="19380"/>
-          <a:stretch/>
+          <a:stretch>
+            <a:fillRect/>
+          </a:stretch>
         </p:blipFill>
         <p:spPr bwMode="auto">
           <a:xfrm>
@@ -11684,19 +11598,9 @@
           <a:ln>
             <a:noFill/>
           </a:ln>
-          <a:extLst>
-            <a:ext uri="{53640926-AAD7-44D8-BBD7-CCE9431645EC}">
-              <a14:shadowObscured xmlns:a14="http://schemas.microsoft.com/office/drawing/2010/main"/>
-            </a:ext>
-          </a:extLst>
         </p:spPr>
       </p:pic>
     </p:spTree>
-    <p:extLst>
-      <p:ext uri="{BB962C8B-B14F-4D97-AF65-F5344CB8AC3E}">
-        <p14:creationId xmlns:p14="http://schemas.microsoft.com/office/powerpoint/2010/main" val="3323198618"/>
-      </p:ext>
-    </p:extLst>
   </p:cSld>
   <p:clrMapOvr>
     <a:masterClrMapping/>
@@ -11782,6 +11686,7 @@
               <a:rPr lang="en-US" sz="2800" dirty="0" smtClean="0"/>
               <a:t>Designing of the system.</a:t>
             </a:r>
+            <a:endParaRPr lang="en-US" sz="2800" dirty="0" smtClean="0"/>
           </a:p>
           <a:p>
             <a:pPr algn="just">
@@ -11793,6 +11698,7 @@
               <a:rPr lang="en-US" sz="2800" dirty="0" smtClean="0"/>
               <a:t>Implementation of the system.</a:t>
             </a:r>
+            <a:endParaRPr lang="en-US" sz="2800" dirty="0" smtClean="0"/>
           </a:p>
           <a:p>
             <a:pPr algn="just">
@@ -11804,6 +11710,7 @@
               <a:rPr lang="en-US" sz="2800" dirty="0" smtClean="0"/>
               <a:t>Testing of the system.</a:t>
             </a:r>
+            <a:endParaRPr lang="en-US" sz="2800" dirty="0" smtClean="0"/>
           </a:p>
           <a:p>
             <a:pPr algn="just">
@@ -11815,15 +11722,11 @@
               <a:rPr lang="en-US" sz="2800" dirty="0" smtClean="0"/>
               <a:t>Final report.</a:t>
             </a:r>
+            <a:endParaRPr lang="en-US" sz="2800" dirty="0" smtClean="0"/>
           </a:p>
         </p:txBody>
       </p:sp>
     </p:spTree>
-    <p:extLst>
-      <p:ext uri="{BB962C8B-B14F-4D97-AF65-F5344CB8AC3E}">
-        <p14:creationId xmlns:p14="http://schemas.microsoft.com/office/powerpoint/2010/main" val="1964029065"/>
-      </p:ext>
-    </p:extLst>
   </p:cSld>
   <p:clrMapOvr>
     <a:masterClrMapping/>
@@ -11857,13 +11760,7 @@
       </p:grpSpPr>
       <p:sp>
         <p:nvSpPr>
-          <p:cNvPr id="2" name="Title 1">
-            <a:extLst>
-              <a:ext uri="{FF2B5EF4-FFF2-40B4-BE49-F238E27FC236}">
-                <a16:creationId xmlns:a16="http://schemas.microsoft.com/office/drawing/2014/main" xmlns="" id="{10532DA2-DA77-459D-901A-8AFDC5F1C4B0}"/>
-              </a:ext>
-            </a:extLst>
-          </p:cNvPr>
+          <p:cNvPr id="2" name="Title 1"/>
           <p:cNvSpPr>
             <a:spLocks noGrp="1"/>
           </p:cNvSpPr>
@@ -11880,18 +11777,13 @@
               <a:rPr lang="en-US" dirty="0"/>
               <a:t>Conclusion</a:t>
             </a:r>
+            <a:endParaRPr lang="en-US" dirty="0"/>
           </a:p>
         </p:txBody>
       </p:sp>
       <p:sp>
         <p:nvSpPr>
-          <p:cNvPr id="3" name="Content Placeholder 2">
-            <a:extLst>
-              <a:ext uri="{FF2B5EF4-FFF2-40B4-BE49-F238E27FC236}">
-                <a16:creationId xmlns:a16="http://schemas.microsoft.com/office/drawing/2014/main" xmlns="" id="{DB586400-FCBB-4F9E-AEC9-79F70B4DCB66}"/>
-              </a:ext>
-            </a:extLst>
-          </p:cNvPr>
+          <p:cNvPr id="3" name="Content Placeholder 2"/>
           <p:cNvSpPr>
             <a:spLocks noGrp="1"/>
           </p:cNvSpPr>
@@ -11913,6 +11805,7 @@
               <a:rPr lang="en-US" dirty="0"/>
               <a:t>This app is being made to benefit students and enhance their knowledge.</a:t>
             </a:r>
+            <a:endParaRPr lang="en-US" dirty="0"/>
           </a:p>
           <a:p>
             <a:pPr marL="0" indent="0">
@@ -11925,6 +11818,7 @@
               <a:rPr lang="en-US" dirty="0"/>
               <a:t>Not many VR apps in this domain are launched yet.</a:t>
             </a:r>
+            <a:endParaRPr lang="en-US" dirty="0"/>
           </a:p>
           <a:p>
             <a:pPr marL="0" indent="0">
@@ -11937,6 +11831,7 @@
               <a:rPr lang="en-US" dirty="0"/>
               <a:t>Most suitable programming language and technology will be used to implement this VR app.</a:t>
             </a:r>
+            <a:endParaRPr lang="en-US" dirty="0"/>
           </a:p>
           <a:p>
             <a:endParaRPr lang="en-US" dirty="0"/>
@@ -11952,7 +11847,7 @@
           <p:nvPr/>
         </p:nvPicPr>
         <p:blipFill>
-          <a:blip r:embed="rId2">
+          <a:blip r:embed="rId1">
             <a:extLst>
               <a:ext uri="{28A0092B-C50C-407E-A947-70E740481C1C}">
                 <a14:useLocalDpi xmlns:a14="http://schemas.microsoft.com/office/drawing/2010/main" val="0"/>
@@ -11985,11 +11880,6 @@
         </p:spPr>
       </p:pic>
     </p:spTree>
-    <p:extLst>
-      <p:ext uri="{BB962C8B-B14F-4D97-AF65-F5344CB8AC3E}">
-        <p14:creationId xmlns:p14="http://schemas.microsoft.com/office/powerpoint/2010/main" val="3296048341"/>
-      </p:ext>
-    </p:extLst>
   </p:cSld>
   <p:clrMapOvr>
     <a:masterClrMapping/>
@@ -12023,13 +11913,7 @@
       </p:grpSpPr>
       <p:sp>
         <p:nvSpPr>
-          <p:cNvPr id="2" name="Title 1">
-            <a:extLst>
-              <a:ext uri="{FF2B5EF4-FFF2-40B4-BE49-F238E27FC236}">
-                <a16:creationId xmlns:a16="http://schemas.microsoft.com/office/drawing/2014/main" xmlns="" id="{D408AD68-9159-44D9-8EC8-48CC16829A49}"/>
-              </a:ext>
-            </a:extLst>
-          </p:cNvPr>
+          <p:cNvPr id="2" name="Title 1"/>
           <p:cNvSpPr>
             <a:spLocks noGrp="1"/>
           </p:cNvSpPr>
@@ -12046,18 +11930,13 @@
               <a:rPr lang="en-US" dirty="0"/>
               <a:t>References</a:t>
             </a:r>
+            <a:endParaRPr lang="en-US" dirty="0"/>
           </a:p>
         </p:txBody>
       </p:sp>
       <p:sp>
         <p:nvSpPr>
-          <p:cNvPr id="3" name="Content Placeholder 2">
-            <a:extLst>
-              <a:ext uri="{FF2B5EF4-FFF2-40B4-BE49-F238E27FC236}">
-                <a16:creationId xmlns:a16="http://schemas.microsoft.com/office/drawing/2014/main" xmlns="" id="{1C557612-1B58-488F-8A2F-8DB37FFC9B63}"/>
-              </a:ext>
-            </a:extLst>
-          </p:cNvPr>
+          <p:cNvPr id="3" name="Content Placeholder 2"/>
           <p:cNvSpPr>
             <a:spLocks noGrp="1"/>
           </p:cNvSpPr>
@@ -12107,6 +11986,9 @@
               </a:rPr>
               <a:t>, "Splash Sim: A VR Experience in the Water Cycle - Apps on Google Play," Google, 10 2017. [Online]. Available: https://play.google.com/store/apps/details?id=com.splashsim.splashsim&amp;hl=en_US. [Accessed 28 7 2019].</a:t>
             </a:r>
+            <a:endParaRPr lang="en-US" sz="2600" dirty="0">
+              <a:cs typeface="Calibri" panose="020F0502020204030204" pitchFamily="34" charset="0"/>
+            </a:endParaRPr>
           </a:p>
           <a:p>
             <a:r>
@@ -12139,6 +12021,9 @@
               </a:rPr>
               <a:t> VR - Apps on Google Play," Google, 1 2016. [Online]. Available: https://play.google.com/store/apps/details?id=com.allvreducation.cicledelaigua&amp;hl=en. [Accessed 28 7 2019].</a:t>
             </a:r>
+            <a:endParaRPr lang="en-US" sz="2600" dirty="0">
+              <a:cs typeface="Calibri" panose="020F0502020204030204" pitchFamily="34" charset="0"/>
+            </a:endParaRPr>
           </a:p>
           <a:p>
             <a:r>
@@ -12147,6 +12032,9 @@
               </a:rPr>
               <a:t>[3] 	EUROCASE, "TABI The Water Cycle - Apps on Google Play," Google, 1 2016. [Online]. Available: https://play.google.com/store/apps/details?id=com.eurocase.hydrologic_cycle&amp;hl=en. [Accessed 28 7 2019].</a:t>
             </a:r>
+            <a:endParaRPr lang="en-US" sz="2600" dirty="0">
+              <a:cs typeface="Calibri" panose="020F0502020204030204" pitchFamily="34" charset="0"/>
+            </a:endParaRPr>
           </a:p>
           <a:p>
             <a:r>
@@ -12179,6 +12067,9 @@
               </a:rPr>
               <a:t>Water Cycle) - Apps on Google Play," Google, 10 2018. [Online]. Available: https://play.google.com/store/apps/details?id=com.studioxpert.watercycle. [Accessed 28 7 2019].</a:t>
             </a:r>
+            <a:endParaRPr lang="en-US" sz="2600" dirty="0">
+              <a:cs typeface="Calibri" panose="020F0502020204030204" pitchFamily="34" charset="0"/>
+            </a:endParaRPr>
           </a:p>
           <a:p>
             <a:endParaRPr lang="en-US" sz="1400" dirty="0">
@@ -12198,11 +12089,6 @@
         </p:txBody>
       </p:sp>
     </p:spTree>
-    <p:extLst>
-      <p:ext uri="{BB962C8B-B14F-4D97-AF65-F5344CB8AC3E}">
-        <p14:creationId xmlns:p14="http://schemas.microsoft.com/office/powerpoint/2010/main" val="1939872356"/>
-      </p:ext>
-    </p:extLst>
   </p:cSld>
   <p:clrMapOvr>
     <a:masterClrMapping/>
@@ -12236,13 +12122,7 @@
       </p:grpSpPr>
       <p:sp>
         <p:nvSpPr>
-          <p:cNvPr id="2" name="Title 1">
-            <a:extLst>
-              <a:ext uri="{FF2B5EF4-FFF2-40B4-BE49-F238E27FC236}">
-                <a16:creationId xmlns:a16="http://schemas.microsoft.com/office/drawing/2014/main" xmlns="" id="{5B27978F-BAD3-46C6-AC41-6D563D981774}"/>
-              </a:ext>
-            </a:extLst>
-          </p:cNvPr>
+          <p:cNvPr id="2" name="Title 1"/>
           <p:cNvSpPr>
             <a:spLocks noGrp="1"/>
           </p:cNvSpPr>
@@ -12259,18 +12139,13 @@
               <a:rPr lang="en-US" dirty="0"/>
               <a:t>Thank you</a:t>
             </a:r>
+            <a:endParaRPr lang="en-US" dirty="0"/>
           </a:p>
         </p:txBody>
       </p:sp>
       <p:sp>
         <p:nvSpPr>
-          <p:cNvPr id="3" name="Subtitle 2">
-            <a:extLst>
-              <a:ext uri="{FF2B5EF4-FFF2-40B4-BE49-F238E27FC236}">
-                <a16:creationId xmlns:a16="http://schemas.microsoft.com/office/drawing/2014/main" xmlns="" id="{5649E251-AA3D-4977-8FA9-7B0ED7D0FA10}"/>
-              </a:ext>
-            </a:extLst>
-          </p:cNvPr>
+          <p:cNvPr id="3" name="Subtitle 2"/>
           <p:cNvSpPr>
             <a:spLocks noGrp="1"/>
           </p:cNvSpPr>
@@ -12287,15 +12162,11 @@
               <a:rPr lang="en-US" dirty="0"/>
               <a:t>Questions?</a:t>
             </a:r>
+            <a:endParaRPr lang="en-US" dirty="0"/>
           </a:p>
         </p:txBody>
       </p:sp>
     </p:spTree>
-    <p:extLst>
-      <p:ext uri="{BB962C8B-B14F-4D97-AF65-F5344CB8AC3E}">
-        <p14:creationId xmlns:p14="http://schemas.microsoft.com/office/powerpoint/2010/main" val="4204291281"/>
-      </p:ext>
-    </p:extLst>
   </p:cSld>
   <p:clrMapOvr>
     <a:masterClrMapping/>
@@ -12329,13 +12200,7 @@
       </p:grpSpPr>
       <p:sp>
         <p:nvSpPr>
-          <p:cNvPr id="2" name="Title 1">
-            <a:extLst>
-              <a:ext uri="{FF2B5EF4-FFF2-40B4-BE49-F238E27FC236}">
-                <a16:creationId xmlns:a16="http://schemas.microsoft.com/office/drawing/2014/main" xmlns="" id="{79D9E8BC-E551-427F-B5A3-C9F9F2C1CDA1}"/>
-              </a:ext>
-            </a:extLst>
-          </p:cNvPr>
+          <p:cNvPr id="2" name="Title 1"/>
           <p:cNvSpPr>
             <a:spLocks noGrp="1"/>
           </p:cNvSpPr>
@@ -12352,18 +12217,13 @@
               <a:rPr lang="en-US" dirty="0"/>
               <a:t>Introduction</a:t>
             </a:r>
+            <a:endParaRPr lang="en-US" dirty="0"/>
           </a:p>
         </p:txBody>
       </p:sp>
       <p:sp>
         <p:nvSpPr>
-          <p:cNvPr id="3" name="Content Placeholder 2">
-            <a:extLst>
-              <a:ext uri="{FF2B5EF4-FFF2-40B4-BE49-F238E27FC236}">
-                <a16:creationId xmlns:a16="http://schemas.microsoft.com/office/drawing/2014/main" xmlns="" id="{82980F63-12FE-4913-BB11-CA61837FA0C1}"/>
-              </a:ext>
-            </a:extLst>
-          </p:cNvPr>
+          <p:cNvPr id="3" name="Content Placeholder 2"/>
           <p:cNvSpPr>
             <a:spLocks noGrp="1"/>
           </p:cNvSpPr>
@@ -12380,24 +12240,28 @@
               <a:rPr lang="en-US" dirty="0"/>
               <a:t>Virtual Reality (VR) allows the user to have a visual view of scenario that might not be easily accessible</a:t>
             </a:r>
+            <a:endParaRPr lang="en-US" dirty="0"/>
           </a:p>
           <a:p>
             <a:r>
               <a:rPr lang="en-US" dirty="0"/>
               <a:t>Being one of the top trending technology it will help evolve the education sector as well</a:t>
             </a:r>
+            <a:endParaRPr lang="en-US" dirty="0"/>
           </a:p>
           <a:p>
             <a:r>
               <a:rPr lang="en-US" dirty="0"/>
               <a:t>Developed application will allows kids to visualize Earths water cycle and easier for them to understand</a:t>
             </a:r>
+            <a:endParaRPr lang="en-US" dirty="0"/>
           </a:p>
           <a:p>
             <a:r>
               <a:rPr lang="en-US" dirty="0"/>
               <a:t>As kids love to play games, we will include a mini game as it will make it easier to pass information to them.</a:t>
             </a:r>
+            <a:endParaRPr lang="en-US" dirty="0"/>
           </a:p>
           <a:p>
             <a:endParaRPr lang="en-US" dirty="0"/>
@@ -12408,11 +12272,6 @@
         </p:txBody>
       </p:sp>
     </p:spTree>
-    <p:extLst>
-      <p:ext uri="{BB962C8B-B14F-4D97-AF65-F5344CB8AC3E}">
-        <p14:creationId xmlns:p14="http://schemas.microsoft.com/office/powerpoint/2010/main" val="397536508"/>
-      </p:ext>
-    </p:extLst>
   </p:cSld>
   <p:clrMapOvr>
     <a:masterClrMapping/>
@@ -12446,13 +12305,7 @@
       </p:grpSpPr>
       <p:sp>
         <p:nvSpPr>
-          <p:cNvPr id="2" name="Title 1">
-            <a:extLst>
-              <a:ext uri="{FF2B5EF4-FFF2-40B4-BE49-F238E27FC236}">
-                <a16:creationId xmlns:a16="http://schemas.microsoft.com/office/drawing/2014/main" xmlns="" id="{C40FFD64-548A-4A99-A870-CD3191FCE0C7}"/>
-              </a:ext>
-            </a:extLst>
-          </p:cNvPr>
+          <p:cNvPr id="2" name="Title 1"/>
           <p:cNvSpPr>
             <a:spLocks noGrp="1"/>
           </p:cNvSpPr>
@@ -12469,18 +12322,13 @@
               <a:rPr lang="en-US" dirty="0"/>
               <a:t>Problem Statement	</a:t>
             </a:r>
+            <a:endParaRPr lang="en-US" dirty="0"/>
           </a:p>
         </p:txBody>
       </p:sp>
       <p:sp>
         <p:nvSpPr>
-          <p:cNvPr id="3" name="Content Placeholder 2">
-            <a:extLst>
-              <a:ext uri="{FF2B5EF4-FFF2-40B4-BE49-F238E27FC236}">
-                <a16:creationId xmlns:a16="http://schemas.microsoft.com/office/drawing/2014/main" xmlns="" id="{08B26BB4-6D06-4536-8124-710012F39B3A}"/>
-              </a:ext>
-            </a:extLst>
-          </p:cNvPr>
+          <p:cNvPr id="3" name="Content Placeholder 2"/>
           <p:cNvSpPr>
             <a:spLocks noGrp="1"/>
           </p:cNvSpPr>
@@ -12504,6 +12352,7 @@
               <a:rPr lang="en-US" sz="2400" dirty="0"/>
               <a:t>Few VR applications</a:t>
             </a:r>
+            <a:endParaRPr lang="en-US" sz="2400" dirty="0"/>
           </a:p>
           <a:p>
             <a:pPr>
@@ -12515,6 +12364,7 @@
               <a:rPr lang="en-US" sz="2400" dirty="0"/>
               <a:t>Lack of Guidance within the application</a:t>
             </a:r>
+            <a:endParaRPr lang="en-US" sz="2400" dirty="0"/>
           </a:p>
           <a:p>
             <a:pPr>
@@ -12526,15 +12376,11 @@
               <a:rPr lang="en-US" sz="2400" dirty="0"/>
               <a:t>Lack of visualization</a:t>
             </a:r>
+            <a:endParaRPr lang="en-US" sz="2400" dirty="0"/>
           </a:p>
         </p:txBody>
       </p:sp>
     </p:spTree>
-    <p:extLst>
-      <p:ext uri="{BB962C8B-B14F-4D97-AF65-F5344CB8AC3E}">
-        <p14:creationId xmlns:p14="http://schemas.microsoft.com/office/powerpoint/2010/main" val="2042312141"/>
-      </p:ext>
-    </p:extLst>
   </p:cSld>
   <p:clrMapOvr>
     <a:masterClrMapping/>
@@ -12568,13 +12414,7 @@
       </p:grpSpPr>
       <p:sp>
         <p:nvSpPr>
-          <p:cNvPr id="2" name="Title 1">
-            <a:extLst>
-              <a:ext uri="{FF2B5EF4-FFF2-40B4-BE49-F238E27FC236}">
-                <a16:creationId xmlns:a16="http://schemas.microsoft.com/office/drawing/2014/main" xmlns="" id="{8DC0FD8C-96A5-4323-8E47-435C90530937}"/>
-              </a:ext>
-            </a:extLst>
-          </p:cNvPr>
+          <p:cNvPr id="2" name="Title 1"/>
           <p:cNvSpPr>
             <a:spLocks noGrp="1"/>
           </p:cNvSpPr>
@@ -12591,18 +12431,13 @@
               <a:rPr lang="en-US" dirty="0"/>
               <a:t>Objective</a:t>
             </a:r>
+            <a:endParaRPr lang="en-US" dirty="0"/>
           </a:p>
         </p:txBody>
       </p:sp>
       <p:sp>
         <p:nvSpPr>
-          <p:cNvPr id="3" name="Content Placeholder 2">
-            <a:extLst>
-              <a:ext uri="{FF2B5EF4-FFF2-40B4-BE49-F238E27FC236}">
-                <a16:creationId xmlns:a16="http://schemas.microsoft.com/office/drawing/2014/main" xmlns="" id="{CA5BD5CC-43FB-468C-B3DD-276E31247046}"/>
-              </a:ext>
-            </a:extLst>
-          </p:cNvPr>
+          <p:cNvPr id="3" name="Content Placeholder 2"/>
           <p:cNvSpPr>
             <a:spLocks noGrp="1"/>
           </p:cNvSpPr>
@@ -12624,6 +12459,7 @@
               <a:rPr lang="en-US" sz="2400" dirty="0"/>
               <a:t>to develop a virtual reality application for water cycle education.</a:t>
             </a:r>
+            <a:endParaRPr lang="en-US" sz="2400" dirty="0"/>
           </a:p>
           <a:p>
             <a:pPr>
@@ -12635,6 +12471,7 @@
               <a:rPr lang="en-US" sz="2400" dirty="0"/>
               <a:t>to provide users with a game to understand water cycle.</a:t>
             </a:r>
+            <a:endParaRPr lang="en-US" sz="2400" dirty="0"/>
           </a:p>
           <a:p>
             <a:pPr>
@@ -12646,6 +12483,7 @@
               <a:rPr lang="en-US" sz="2400" dirty="0"/>
               <a:t>to provide user with different mode of interaction.</a:t>
             </a:r>
+            <a:endParaRPr lang="en-US" sz="2400" dirty="0"/>
           </a:p>
           <a:p>
             <a:pPr>
@@ -12657,6 +12495,7 @@
               <a:rPr lang="en-US" sz="2400" dirty="0"/>
               <a:t>to provide user with real model view of water cycle.</a:t>
             </a:r>
+            <a:endParaRPr lang="en-US" sz="2400" dirty="0"/>
           </a:p>
           <a:p>
             <a:endParaRPr lang="en-US" dirty="0"/>
@@ -12664,11 +12503,6 @@
         </p:txBody>
       </p:sp>
     </p:spTree>
-    <p:extLst>
-      <p:ext uri="{BB962C8B-B14F-4D97-AF65-F5344CB8AC3E}">
-        <p14:creationId xmlns:p14="http://schemas.microsoft.com/office/powerpoint/2010/main" val="2984053545"/>
-      </p:ext>
-    </p:extLst>
   </p:cSld>
   <p:clrMapOvr>
     <a:masterClrMapping/>
@@ -12702,13 +12536,7 @@
       </p:grpSpPr>
       <p:sp>
         <p:nvSpPr>
-          <p:cNvPr id="2" name="Title 1">
-            <a:extLst>
-              <a:ext uri="{FF2B5EF4-FFF2-40B4-BE49-F238E27FC236}">
-                <a16:creationId xmlns:a16="http://schemas.microsoft.com/office/drawing/2014/main" xmlns="" id="{C6F471E8-F97A-4840-8B15-4EB56FA2E1A4}"/>
-              </a:ext>
-            </a:extLst>
-          </p:cNvPr>
+          <p:cNvPr id="2" name="Title 1"/>
           <p:cNvSpPr>
             <a:spLocks noGrp="1"/>
           </p:cNvSpPr>
@@ -12725,18 +12553,13 @@
               <a:rPr lang="en-US" dirty="0"/>
               <a:t>Expected outcome</a:t>
             </a:r>
+            <a:endParaRPr lang="en-US" dirty="0"/>
           </a:p>
         </p:txBody>
       </p:sp>
       <p:sp>
         <p:nvSpPr>
-          <p:cNvPr id="3" name="Content Placeholder 2">
-            <a:extLst>
-              <a:ext uri="{FF2B5EF4-FFF2-40B4-BE49-F238E27FC236}">
-                <a16:creationId xmlns:a16="http://schemas.microsoft.com/office/drawing/2014/main" xmlns="" id="{CF2C1132-D263-4A0D-92DE-9FFEF6BB7789}"/>
-              </a:ext>
-            </a:extLst>
-          </p:cNvPr>
+          <p:cNvPr id="3" name="Content Placeholder 2"/>
           <p:cNvSpPr>
             <a:spLocks noGrp="1"/>
           </p:cNvSpPr>
@@ -12753,27 +12576,25 @@
               <a:rPr lang="en-US" dirty="0"/>
               <a:t>The developed application will allow kids to have tour of different phases of water cycle</a:t>
             </a:r>
+            <a:endParaRPr lang="en-US" dirty="0"/>
           </a:p>
           <a:p>
             <a:r>
               <a:rPr lang="en-US" dirty="0"/>
               <a:t>The developed application will guide kids through different phases with help of a robot companion</a:t>
             </a:r>
+            <a:endParaRPr lang="en-US" dirty="0"/>
           </a:p>
           <a:p>
             <a:r>
               <a:rPr lang="en-US" dirty="0"/>
               <a:t>The developed application will have a mini game for kids as part of interaction.</a:t>
             </a:r>
+            <a:endParaRPr lang="en-US" dirty="0"/>
           </a:p>
         </p:txBody>
       </p:sp>
     </p:spTree>
-    <p:extLst>
-      <p:ext uri="{BB962C8B-B14F-4D97-AF65-F5344CB8AC3E}">
-        <p14:creationId xmlns:p14="http://schemas.microsoft.com/office/powerpoint/2010/main" val="1209583798"/>
-      </p:ext>
-    </p:extLst>
   </p:cSld>
   <p:clrMapOvr>
     <a:masterClrMapping/>
@@ -12807,13 +12628,7 @@
       </p:grpSpPr>
       <p:sp>
         <p:nvSpPr>
-          <p:cNvPr id="2" name="Title 1">
-            <a:extLst>
-              <a:ext uri="{FF2B5EF4-FFF2-40B4-BE49-F238E27FC236}">
-                <a16:creationId xmlns:a16="http://schemas.microsoft.com/office/drawing/2014/main" xmlns="" id="{84D7991D-144A-4372-8BD2-616794586C45}"/>
-              </a:ext>
-            </a:extLst>
-          </p:cNvPr>
+          <p:cNvPr id="2" name="Title 1"/>
           <p:cNvSpPr>
             <a:spLocks noGrp="1"/>
           </p:cNvSpPr>
@@ -12830,26 +12645,15 @@
               <a:rPr lang="en-US" dirty="0"/>
               <a:t>Gantt Chart</a:t>
             </a:r>
+            <a:endParaRPr lang="en-US" dirty="0"/>
           </a:p>
         </p:txBody>
       </p:sp>
       <p:graphicFrame>
         <p:nvGraphicFramePr>
-          <p:cNvPr id="4" name="Chart 3" title="Chart">
-            <a:extLst>
-              <a:ext uri="{FF2B5EF4-FFF2-40B4-BE49-F238E27FC236}">
-                <a16:creationId xmlns:a16="http://schemas.microsoft.com/office/drawing/2014/main" xmlns="" id="{00000000-0008-0000-0100-000002000000}"/>
-              </a:ext>
-            </a:extLst>
-          </p:cNvPr>
+          <p:cNvPr id="4" name="Chart 3" title="Chart"/>
           <p:cNvGraphicFramePr/>
-          <p:nvPr>
-            <p:extLst>
-              <p:ext uri="{D42A27DB-BD31-4B8C-83A1-F6EECF244321}">
-                <p14:modId xmlns:p14="http://schemas.microsoft.com/office/powerpoint/2010/main" val="1856524211"/>
-              </p:ext>
-            </p:extLst>
-          </p:nvPr>
+          <p:nvPr/>
         </p:nvGraphicFramePr>
         <p:xfrm>
           <a:off x="2301459" y="1751329"/>
@@ -12857,16 +12661,11 @@
         </p:xfrm>
         <a:graphic>
           <a:graphicData uri="http://schemas.openxmlformats.org/drawingml/2006/chart">
-            <c:chart xmlns:c="http://schemas.openxmlformats.org/drawingml/2006/chart" xmlns:r="http://schemas.openxmlformats.org/officeDocument/2006/relationships" r:id="rId2"/>
+            <c:chart xmlns:c="http://schemas.openxmlformats.org/drawingml/2006/chart" xmlns:r="http://schemas.openxmlformats.org/officeDocument/2006/relationships" r:id="rId1"/>
           </a:graphicData>
         </a:graphic>
       </p:graphicFrame>
     </p:spTree>
-    <p:extLst>
-      <p:ext uri="{BB962C8B-B14F-4D97-AF65-F5344CB8AC3E}">
-        <p14:creationId xmlns:p14="http://schemas.microsoft.com/office/powerpoint/2010/main" val="1542142762"/>
-      </p:ext>
-    </p:extLst>
   </p:cSld>
   <p:clrMapOvr>
     <a:masterClrMapping/>
@@ -12900,13 +12699,7 @@
       </p:grpSpPr>
       <p:sp>
         <p:nvSpPr>
-          <p:cNvPr id="2" name="Title 1">
-            <a:extLst>
-              <a:ext uri="{FF2B5EF4-FFF2-40B4-BE49-F238E27FC236}">
-                <a16:creationId xmlns:a16="http://schemas.microsoft.com/office/drawing/2014/main" xmlns="" id="{E5CFE099-4597-4BD2-AC20-2C18228114F3}"/>
-              </a:ext>
-            </a:extLst>
-          </p:cNvPr>
+          <p:cNvPr id="2" name="Title 1"/>
           <p:cNvSpPr>
             <a:spLocks noGrp="1"/>
           </p:cNvSpPr>
@@ -12928,18 +12721,13 @@
               <a:rPr lang="en-US" dirty="0"/>
               <a:t>Literature Review</a:t>
             </a:r>
+            <a:endParaRPr lang="en-US" dirty="0"/>
           </a:p>
         </p:txBody>
       </p:sp>
       <p:sp>
         <p:nvSpPr>
-          <p:cNvPr id="3" name="Content Placeholder 2">
-            <a:extLst>
-              <a:ext uri="{FF2B5EF4-FFF2-40B4-BE49-F238E27FC236}">
-                <a16:creationId xmlns:a16="http://schemas.microsoft.com/office/drawing/2014/main" xmlns="" id="{3161AE2C-2D22-49D7-A572-CCB0753E3B50}"/>
-              </a:ext>
-            </a:extLst>
-          </p:cNvPr>
+          <p:cNvPr id="3" name="Content Placeholder 2"/>
           <p:cNvSpPr>
             <a:spLocks noGrp="1"/>
           </p:cNvSpPr>
@@ -12961,6 +12749,7 @@
               <a:rPr lang="en-US" sz="2400" dirty="0"/>
               <a:t>Very few apps have been created in this domain.</a:t>
             </a:r>
+            <a:endParaRPr lang="en-US" sz="2400" dirty="0"/>
           </a:p>
           <a:p>
             <a:pPr marL="0" indent="0">
@@ -12973,6 +12762,7 @@
               <a:rPr lang="en-US" sz="2400" dirty="0"/>
               <a:t>Much apps were focused on water cycle lessons rather than visualization of the water cycle.</a:t>
             </a:r>
+            <a:endParaRPr lang="en-US" sz="2400" dirty="0"/>
           </a:p>
           <a:p>
             <a:pPr marL="0" indent="0">
@@ -12985,6 +12775,7 @@
               <a:rPr lang="en-US" sz="2400" dirty="0"/>
               <a:t>Teachers are looking forward to such applications</a:t>
             </a:r>
+            <a:endParaRPr lang="en-US" sz="2400" dirty="0"/>
           </a:p>
           <a:p>
             <a:pPr marL="0" indent="0">
@@ -12994,6 +12785,7 @@
               <a:rPr lang="en-US" sz="2400" dirty="0"/>
               <a:t> to ease the teaching.</a:t>
             </a:r>
+            <a:endParaRPr lang="en-US" sz="2400" dirty="0"/>
           </a:p>
           <a:p>
             <a:endParaRPr lang="en-US" dirty="0"/>
@@ -13009,11 +12801,11 @@
           <p:nvPr/>
         </p:nvPicPr>
         <p:blipFill>
-          <a:blip r:embed="rId2">
+          <a:blip r:embed="rId1">
             <a:extLst>
               <a:ext uri="{BEBA8EAE-BF5A-486C-A8C5-ECC9F3942E4B}">
                 <a14:imgProps xmlns:a14="http://schemas.microsoft.com/office/drawing/2010/main">
-                  <a14:imgLayer r:embed="rId3">
+                  <a14:imgLayer r:embed="rId2">
                     <a14:imgEffect>
                       <a14:backgroundRemoval t="10000" b="90000" l="10000" r="90000"/>
                     </a14:imgEffect>
@@ -13040,11 +12832,6 @@
         </p:spPr>
       </p:pic>
     </p:spTree>
-    <p:extLst>
-      <p:ext uri="{BB962C8B-B14F-4D97-AF65-F5344CB8AC3E}">
-        <p14:creationId xmlns:p14="http://schemas.microsoft.com/office/powerpoint/2010/main" val="2887603988"/>
-      </p:ext>
-    </p:extLst>
   </p:cSld>
   <p:clrMapOvr>
     <a:masterClrMapping/>
@@ -13078,13 +12865,7 @@
       </p:grpSpPr>
       <p:sp>
         <p:nvSpPr>
-          <p:cNvPr id="2" name="Title 1">
-            <a:extLst>
-              <a:ext uri="{FF2B5EF4-FFF2-40B4-BE49-F238E27FC236}">
-                <a16:creationId xmlns:a16="http://schemas.microsoft.com/office/drawing/2014/main" xmlns="" id="{D4205F1D-BFE7-4BD5-8CD8-366232C62642}"/>
-              </a:ext>
-            </a:extLst>
-          </p:cNvPr>
+          <p:cNvPr id="2" name="Title 1"/>
           <p:cNvSpPr>
             <a:spLocks noGrp="1"/>
           </p:cNvSpPr>
@@ -13106,18 +12887,13 @@
               <a:rPr lang="en-US" dirty="0"/>
               <a:t>Similar Apps</a:t>
             </a:r>
+            <a:endParaRPr lang="en-US" dirty="0"/>
           </a:p>
         </p:txBody>
       </p:sp>
       <p:sp>
         <p:nvSpPr>
-          <p:cNvPr id="3" name="Content Placeholder 2">
-            <a:extLst>
-              <a:ext uri="{FF2B5EF4-FFF2-40B4-BE49-F238E27FC236}">
-                <a16:creationId xmlns:a16="http://schemas.microsoft.com/office/drawing/2014/main" xmlns="" id="{284154B4-27BB-4EA9-99CB-74254299DDA4}"/>
-              </a:ext>
-            </a:extLst>
-          </p:cNvPr>
+          <p:cNvPr id="3" name="Content Placeholder 2"/>
           <p:cNvSpPr>
             <a:spLocks noGrp="1"/>
           </p:cNvSpPr>
@@ -13181,10 +12957,14 @@
               </a:rPr>
               <a:t>Features:</a:t>
             </a:r>
+            <a:endParaRPr lang="en-US" b="1" dirty="0">
+              <a:latin typeface="Calibri Light" panose="020F0302020204030204" pitchFamily="34" charset="0"/>
+              <a:cs typeface="Calibri Light" panose="020F0302020204030204" pitchFamily="34" charset="0"/>
+            </a:endParaRPr>
           </a:p>
           <a:p>
             <a:pPr>
-              <a:buFont typeface="Arial" panose="020B0604020202020204" pitchFamily="34" charset="0"/>
+              <a:buFont typeface="Arial" panose="02080604020202020204" pitchFamily="34" charset="0"/>
               <a:buChar char="•"/>
             </a:pPr>
             <a:r>
@@ -13194,10 +12974,14 @@
               </a:rPr>
               <a:t>VR app.</a:t>
             </a:r>
+            <a:endParaRPr lang="en-US" sz="1800" dirty="0">
+              <a:latin typeface="Calibri" panose="020F0502020204030204" pitchFamily="34" charset="0"/>
+              <a:cs typeface="Calibri" panose="020F0502020204030204" pitchFamily="34" charset="0"/>
+            </a:endParaRPr>
           </a:p>
           <a:p>
             <a:pPr>
-              <a:buFont typeface="Arial" panose="020B0604020202020204" pitchFamily="34" charset="0"/>
+              <a:buFont typeface="Arial" panose="02080604020202020204" pitchFamily="34" charset="0"/>
               <a:buChar char="•"/>
             </a:pPr>
             <a:r>
@@ -13207,10 +12991,14 @@
               </a:rPr>
               <a:t>User is taken to a tour to see different phases of water cycle.</a:t>
             </a:r>
+            <a:endParaRPr lang="en-US" sz="1800" dirty="0">
+              <a:latin typeface="Calibri" panose="020F0502020204030204" pitchFamily="34" charset="0"/>
+              <a:cs typeface="Calibri" panose="020F0502020204030204" pitchFamily="34" charset="0"/>
+            </a:endParaRPr>
           </a:p>
           <a:p>
             <a:pPr>
-              <a:buFont typeface="Arial" panose="020B0604020202020204" pitchFamily="34" charset="0"/>
+              <a:buFont typeface="Arial" panose="02080604020202020204" pitchFamily="34" charset="0"/>
               <a:buChar char="•"/>
             </a:pPr>
             <a:r>
@@ -13220,10 +13008,14 @@
               </a:rPr>
               <a:t>Text is appeared to explain user about the phases.</a:t>
             </a:r>
+            <a:endParaRPr lang="en-US" sz="1800" dirty="0">
+              <a:latin typeface="Calibri" panose="020F0502020204030204" pitchFamily="34" charset="0"/>
+              <a:cs typeface="Calibri" panose="020F0502020204030204" pitchFamily="34" charset="0"/>
+            </a:endParaRPr>
           </a:p>
           <a:p>
             <a:pPr>
-              <a:buFont typeface="Arial" panose="020B0604020202020204" pitchFamily="34" charset="0"/>
+              <a:buFont typeface="Arial" panose="02080604020202020204" pitchFamily="34" charset="0"/>
               <a:buChar char="•"/>
             </a:pPr>
             <a:r>
@@ -13233,6 +13025,10 @@
               </a:rPr>
               <a:t>Audio effect of rain, wind and birds.</a:t>
             </a:r>
+            <a:endParaRPr lang="en-US" sz="1800" dirty="0">
+              <a:latin typeface="Calibri" panose="020F0502020204030204" pitchFamily="34" charset="0"/>
+              <a:cs typeface="Calibri" panose="020F0502020204030204" pitchFamily="34" charset="0"/>
+            </a:endParaRPr>
           </a:p>
           <a:p>
             <a:pPr marL="0" indent="0">
@@ -13254,10 +13050,14 @@
               </a:rPr>
               <a:t>Weaknesses:</a:t>
             </a:r>
+            <a:endParaRPr lang="en-US" b="1" dirty="0">
+              <a:latin typeface="Calibri Light" panose="020F0302020204030204" pitchFamily="34" charset="0"/>
+              <a:cs typeface="Calibri Light" panose="020F0302020204030204" pitchFamily="34" charset="0"/>
+            </a:endParaRPr>
           </a:p>
           <a:p>
             <a:pPr>
-              <a:buFont typeface="Arial" panose="020B0604020202020204" pitchFamily="34" charset="0"/>
+              <a:buFont typeface="Arial" panose="02080604020202020204" pitchFamily="34" charset="0"/>
               <a:buChar char="•"/>
             </a:pPr>
             <a:r>
@@ -13267,10 +13067,14 @@
               </a:rPr>
               <a:t>Lack of animation in evaporation stage.</a:t>
             </a:r>
+            <a:endParaRPr lang="en-US" sz="1800" dirty="0">
+              <a:latin typeface="Calibri" panose="020F0502020204030204" pitchFamily="34" charset="0"/>
+              <a:cs typeface="Calibri" panose="020F0502020204030204" pitchFamily="34" charset="0"/>
+            </a:endParaRPr>
           </a:p>
           <a:p>
             <a:pPr>
-              <a:buFont typeface="Arial" panose="020B0604020202020204" pitchFamily="34" charset="0"/>
+              <a:buFont typeface="Arial" panose="02080604020202020204" pitchFamily="34" charset="0"/>
               <a:buChar char="•"/>
             </a:pPr>
             <a:r>
@@ -13280,10 +13084,14 @@
               </a:rPr>
               <a:t>No text to speech implementation.</a:t>
             </a:r>
+            <a:endParaRPr lang="en-US" sz="1800" dirty="0">
+              <a:latin typeface="Calibri" panose="020F0502020204030204" pitchFamily="34" charset="0"/>
+              <a:cs typeface="Calibri" panose="020F0502020204030204" pitchFamily="34" charset="0"/>
+            </a:endParaRPr>
           </a:p>
           <a:p>
             <a:pPr>
-              <a:buFont typeface="Arial" panose="020B0604020202020204" pitchFamily="34" charset="0"/>
+              <a:buFont typeface="Arial" panose="02080604020202020204" pitchFamily="34" charset="0"/>
               <a:buChar char="•"/>
             </a:pPr>
             <a:r>
@@ -13293,6 +13101,10 @@
               </a:rPr>
               <a:t>The tour gets on repeated by itself.</a:t>
             </a:r>
+            <a:endParaRPr lang="en-US" sz="1800" dirty="0">
+              <a:latin typeface="Calibri" panose="020F0502020204030204" pitchFamily="34" charset="0"/>
+              <a:cs typeface="Calibri" panose="020F0502020204030204" pitchFamily="34" charset="0"/>
+            </a:endParaRPr>
           </a:p>
           <a:p>
             <a:pPr marL="0" indent="0">
@@ -13309,11 +13121,11 @@
           <p:nvPr/>
         </p:nvPicPr>
         <p:blipFill rotWithShape="1">
-          <a:blip r:embed="rId2">
+          <a:blip r:embed="rId1">
             <a:extLst>
               <a:ext uri="{BEBA8EAE-BF5A-486C-A8C5-ECC9F3942E4B}">
                 <a14:imgProps xmlns:a14="http://schemas.microsoft.com/office/drawing/2010/main">
-                  <a14:imgLayer r:embed="rId3">
+                  <a14:imgLayer r:embed="rId2">
                     <a14:imgEffect>
                       <a14:brightnessContrast bright="40000"/>
                     </a14:imgEffect>
@@ -13326,7 +13138,9 @@
             </a:extLst>
           </a:blip>
           <a:srcRect l="24358" t="34644" r="39745" b="28661"/>
-          <a:stretch/>
+          <a:stretch>
+            <a:fillRect/>
+          </a:stretch>
         </p:blipFill>
         <p:spPr bwMode="auto">
           <a:xfrm>
@@ -13339,19 +13153,9 @@
           <a:ln>
             <a:noFill/>
           </a:ln>
-          <a:extLst>
-            <a:ext uri="{53640926-AAD7-44D8-BBD7-CCE9431645EC}">
-              <a14:shadowObscured xmlns:a14="http://schemas.microsoft.com/office/drawing/2010/main"/>
-            </a:ext>
-          </a:extLst>
         </p:spPr>
       </p:pic>
     </p:spTree>
-    <p:extLst>
-      <p:ext uri="{BB962C8B-B14F-4D97-AF65-F5344CB8AC3E}">
-        <p14:creationId xmlns:p14="http://schemas.microsoft.com/office/powerpoint/2010/main" val="1711244689"/>
-      </p:ext>
-    </p:extLst>
   </p:cSld>
   <p:clrMapOvr>
     <a:masterClrMapping/>
@@ -13409,7 +13213,7 @@
     </a:clrScheme>
     <a:fontScheme name="Crop">
       <a:majorFont>
-        <a:latin typeface="Franklin Gothic Book" panose="020B0503020102020204"/>
+        <a:latin typeface="Franklin Gothic Book"/>
         <a:ea typeface=""/>
         <a:cs typeface=""/>
         <a:font script="Jpan" typeface="メイリオ"/>
@@ -13444,7 +13248,7 @@
         <a:font script="Geor" typeface="Sylfaen"/>
       </a:majorFont>
       <a:minorFont>
-        <a:latin typeface="Franklin Gothic Book" panose="020B0503020102020204"/>
+        <a:latin typeface="Franklin Gothic Book"/>
         <a:ea typeface=""/>
         <a:cs typeface=""/>
         <a:font script="Jpan" typeface="メイリオ"/>
@@ -13614,11 +13418,9 @@
       </a:bgFillStyleLst>
     </a:fmtScheme>
   </a:themeElements>
-  <a:objectDefaults/>
-  <a:extraClrSchemeLst/>
   <a:extLst>
     <a:ext uri="{05A4C25C-085E-4340-85A3-A5531E510DB2}">
-      <thm15:themeFamily xmlns:thm15="http://schemas.microsoft.com/office/thememl/2012/main" name="Crop" id="{EC9488ED-E761-4D60-9AC4-764D1FE2C171}" vid="{CE19780C-D67D-4C13-9DE9-A52BC3BA51B4}"/>
+      <thm15:themeFamily xmlns:thm15="http://schemas.microsoft.com/office/thememl/2012/main" name="Office Theme" id="{62F939B6-93AF-4DB8-9C6B-D6C7DFDC589F}" vid="{4A3C46E8-61CC-4603-A589-7422A47A8E4A}"/>
     </a:ext>
   </a:extLst>
 </a:theme>
@@ -13667,7 +13469,7 @@
     </a:clrScheme>
     <a:fontScheme name="Office">
       <a:majorFont>
-        <a:latin typeface="Calibri Light" panose="020F0302020204030204"/>
+        <a:latin typeface="Calibri Light"/>
         <a:ea typeface=""/>
         <a:cs typeface=""/>
         <a:font script="Jpan" typeface="ＭＳ Ｐゴシック"/>
@@ -13702,7 +13504,7 @@
         <a:font script="Geor" typeface="Sylfaen"/>
       </a:majorFont>
       <a:minorFont>
-        <a:latin typeface="Calibri" panose="020F0502020204030204"/>
+        <a:latin typeface="Calibri"/>
         <a:ea typeface=""/>
         <a:cs typeface=""/>
         <a:font script="Jpan" typeface="ＭＳ Ｐゴシック"/>
@@ -13875,8 +13677,6 @@
       </a:bgFillStyleLst>
     </a:fmtScheme>
   </a:themeElements>
-  <a:objectDefaults/>
-  <a:extraClrSchemeLst/>
   <a:extLst>
     <a:ext uri="{05A4C25C-085E-4340-85A3-A5531E510DB2}">
       <thm15:themeFamily xmlns:thm15="http://schemas.microsoft.com/office/thememl/2012/main" name="Office Theme" id="{62F939B6-93AF-4DB8-9C6B-D6C7DFDC589F}" vid="{4A3C46E8-61CC-4603-A589-7422A47A8E4A}"/>

--- a/Capstone.pptx
+++ b/Capstone.pptx
@@ -5,33 +5,33 @@
     <p:sldMasterId id="2147483648" r:id="rId1"/>
   </p:sldMasterIdLst>
   <p:notesMasterIdLst>
-    <p:notesMasterId r:id="rId4"/>
+    <p:notesMasterId r:id="rId26"/>
   </p:notesMasterIdLst>
   <p:sldIdLst>
-    <p:sldId id="256" r:id="rId3"/>
-    <p:sldId id="257" r:id="rId5"/>
-    <p:sldId id="258" r:id="rId6"/>
-    <p:sldId id="264" r:id="rId7"/>
-    <p:sldId id="266" r:id="rId8"/>
-    <p:sldId id="265" r:id="rId9"/>
-    <p:sldId id="263" r:id="rId10"/>
-    <p:sldId id="259" r:id="rId11"/>
-    <p:sldId id="267" r:id="rId12"/>
-    <p:sldId id="275" r:id="rId13"/>
-    <p:sldId id="276" r:id="rId14"/>
-    <p:sldId id="277" r:id="rId15"/>
-    <p:sldId id="268" r:id="rId16"/>
-    <p:sldId id="260" r:id="rId17"/>
-    <p:sldId id="272" r:id="rId18"/>
-    <p:sldId id="273" r:id="rId19"/>
-    <p:sldId id="269" r:id="rId20"/>
-    <p:sldId id="271" r:id="rId21"/>
-    <p:sldId id="274" r:id="rId22"/>
-    <p:sldId id="270" r:id="rId23"/>
-    <p:sldId id="279" r:id="rId24"/>
-    <p:sldId id="261" r:id="rId25"/>
-    <p:sldId id="278" r:id="rId26"/>
-    <p:sldId id="262" r:id="rId27"/>
+    <p:sldId id="256" r:id="rId2"/>
+    <p:sldId id="257" r:id="rId3"/>
+    <p:sldId id="258" r:id="rId4"/>
+    <p:sldId id="264" r:id="rId5"/>
+    <p:sldId id="266" r:id="rId6"/>
+    <p:sldId id="265" r:id="rId7"/>
+    <p:sldId id="263" r:id="rId8"/>
+    <p:sldId id="259" r:id="rId9"/>
+    <p:sldId id="267" r:id="rId10"/>
+    <p:sldId id="275" r:id="rId11"/>
+    <p:sldId id="276" r:id="rId12"/>
+    <p:sldId id="277" r:id="rId13"/>
+    <p:sldId id="268" r:id="rId14"/>
+    <p:sldId id="260" r:id="rId15"/>
+    <p:sldId id="272" r:id="rId16"/>
+    <p:sldId id="273" r:id="rId17"/>
+    <p:sldId id="269" r:id="rId18"/>
+    <p:sldId id="271" r:id="rId19"/>
+    <p:sldId id="274" r:id="rId20"/>
+    <p:sldId id="270" r:id="rId21"/>
+    <p:sldId id="279" r:id="rId22"/>
+    <p:sldId id="261" r:id="rId23"/>
+    <p:sldId id="278" r:id="rId24"/>
+    <p:sldId id="262" r:id="rId25"/>
   </p:sldIdLst>
   <p:sldSz cx="12192000" cy="6858000"/>
   <p:notesSz cx="6858000" cy="9144000"/>
@@ -130,13 +130,18 @@
       </a:defRPr>
     </a:lvl9pPr>
   </p:defaultTextStyle>
+  <p:extLst>
+    <p:ext uri="{EFAFB233-063F-42B5-8137-9DF3F51BA10A}">
+      <p15:sldGuideLst xmlns:p15="http://schemas.microsoft.com/office/powerpoint/2012/main"/>
+    </p:ext>
+  </p:extLst>
 </p:presentation>
 </file>
 
 <file path=ppt/charts/chart1.xml><?xml version="1.0" encoding="utf-8"?>
 <c:chartSpace xmlns:c="http://schemas.openxmlformats.org/drawingml/2006/chart" xmlns:a="http://schemas.openxmlformats.org/drawingml/2006/main" xmlns:r="http://schemas.openxmlformats.org/officeDocument/2006/relationships">
   <c:date1904 val="0"/>
-  <c:lang val="zh-CN"/>
+  <c:lang val="en-US"/>
   <c:roundedCorners val="1"/>
   <mc:AlternateContent xmlns:mc="http://schemas.openxmlformats.org/markup-compatibility/2006">
     <mc:Choice xmlns:c14="http://schemas.microsoft.com/office/drawing/2007/8/2/chart" Requires="c14">
@@ -163,9 +168,6 @@
             </a:solidFill>
           </c:spPr>
           <c:invertIfNegative val="1"/>
-          <c:dLbls>
-            <c:delete val="1"/>
-          </c:dLbls>
           <c:cat>
             <c:strRef>
               <c:f>'Basic Gantt Chart'!$B$9:$B$23</c:f>
@@ -294,9 +296,6 @@
             </a:solidFill>
           </c:spPr>
           <c:invertIfNegative val="1"/>
-          <c:dLbls>
-            <c:delete val="1"/>
-          </c:dLbls>
           <c:cat>
             <c:strRef>
               <c:f>'Basic Gantt Chart'!$B$9:$B$23</c:f>
@@ -426,11 +425,11 @@
         </c:dLbls>
         <c:gapWidth val="150"/>
         <c:overlap val="100"/>
-        <c:axId val="-648414768"/>
-        <c:axId val="-648406064"/>
+        <c:axId val="88681584"/>
+        <c:axId val="88683760"/>
       </c:barChart>
       <c:catAx>
-        <c:axId val="-648414768"/>
+        <c:axId val="88681584"/>
         <c:scaling>
           <c:orientation val="maxMin"/>
         </c:scaling>
@@ -456,7 +455,6 @@
                   <a:rPr lang="en-US"/>
                   <a:t>Task</a:t>
                 </a:r>
-                <a:endParaRPr lang="en-US"/>
               </a:p>
             </c:rich>
           </c:tx>
@@ -481,9 +479,10 @@
                 <a:cs typeface="+mn-cs"/>
               </a:defRPr>
             </a:pPr>
+            <a:endParaRPr lang="en-US"/>
           </a:p>
         </c:txPr>
-        <c:crossAx val="-648406064"/>
+        <c:crossAx val="88683760"/>
         <c:crosses val="autoZero"/>
         <c:auto val="1"/>
         <c:lblAlgn val="ctr"/>
@@ -491,7 +490,7 @@
         <c:noMultiLvlLbl val="1"/>
       </c:catAx>
       <c:valAx>
-        <c:axId val="-648406064"/>
+        <c:axId val="88683760"/>
         <c:scaling>
           <c:orientation val="minMax"/>
           <c:max val="43811"/>
@@ -541,7 +540,6 @@
                   <a:rPr lang="en-US"/>
                   <a:t>Date</a:t>
                 </a:r>
-                <a:endParaRPr lang="en-US"/>
               </a:p>
             </c:rich>
           </c:tx>
@@ -573,9 +571,10 @@
                 <a:cs typeface="+mn-cs"/>
               </a:defRPr>
             </a:pPr>
+            <a:endParaRPr lang="en-US"/>
           </a:p>
         </c:txPr>
-        <c:crossAx val="-648414768"/>
+        <c:crossAx val="88681584"/>
         <c:crosses val="max"/>
         <c:crossBetween val="between"/>
         <c:majorUnit val="30"/>
@@ -592,6 +591,7 @@
       <a:pPr>
         <a:defRPr lang="en-US"/>
       </a:pPr>
+      <a:endParaRPr lang="en-US"/>
     </a:p>
   </c:txPr>
   <c:externalData r:id="rId1">
@@ -682,6 +682,7 @@
           <a:p>
             <a:fld id="{69F75836-DCE1-46D1-902E-93AB39588390}" type="datetimeFigureOut">
               <a:rPr lang="en-US" smtClean="0"/>
+              <a:t>9/15/2019</a:t>
             </a:fld>
             <a:endParaRPr lang="en-US"/>
           </a:p>
@@ -748,7 +749,6 @@
               <a:rPr lang="en-US" smtClean="0"/>
               <a:t>Click to edit Master text styles</a:t>
             </a:r>
-            <a:endParaRPr lang="en-US" smtClean="0"/>
           </a:p>
           <a:p>
             <a:pPr lvl="1"/>
@@ -756,7 +756,6 @@
               <a:rPr lang="en-US" smtClean="0"/>
               <a:t>Second level</a:t>
             </a:r>
-            <a:endParaRPr lang="en-US" smtClean="0"/>
           </a:p>
           <a:p>
             <a:pPr lvl="2"/>
@@ -764,7 +763,6 @@
               <a:rPr lang="en-US" smtClean="0"/>
               <a:t>Third level</a:t>
             </a:r>
-            <a:endParaRPr lang="en-US" smtClean="0"/>
           </a:p>
           <a:p>
             <a:pPr lvl="3"/>
@@ -772,7 +770,6 @@
               <a:rPr lang="en-US" smtClean="0"/>
               <a:t>Fourth level</a:t>
             </a:r>
-            <a:endParaRPr lang="en-US" smtClean="0"/>
           </a:p>
           <a:p>
             <a:pPr lvl="4"/>
@@ -844,12 +841,18 @@
           <a:p>
             <a:fld id="{10130461-C8CE-42B4-8292-7F159EA8E8B8}" type="slidenum">
               <a:rPr lang="en-US" smtClean="0"/>
+              <a:t>‹#›</a:t>
             </a:fld>
             <a:endParaRPr lang="en-US"/>
           </a:p>
         </p:txBody>
       </p:sp>
     </p:spTree>
+    <p:extLst>
+      <p:ext uri="{BB962C8B-B14F-4D97-AF65-F5344CB8AC3E}">
+        <p14:creationId xmlns:p14="http://schemas.microsoft.com/office/powerpoint/2010/main" val="3068237957"/>
+      </p:ext>
+    </p:extLst>
   </p:cSld>
   <p:clrMap bg1="lt1" tx1="dk1" bg2="lt2" tx2="dk2" accent1="accent1" accent2="accent2" accent3="accent3" accent4="accent4" accent5="accent5" accent6="accent6" hlink="hlink" folHlink="folHlink"/>
   <p:notesStyle>
@@ -1012,12 +1015,18 @@
           <a:p>
             <a:fld id="{10130461-C8CE-42B4-8292-7F159EA8E8B8}" type="slidenum">
               <a:rPr lang="en-US" smtClean="0"/>
+              <a:t>1</a:t>
             </a:fld>
             <a:endParaRPr lang="en-US"/>
           </a:p>
         </p:txBody>
       </p:sp>
     </p:spTree>
+    <p:extLst>
+      <p:ext uri="{BB962C8B-B14F-4D97-AF65-F5344CB8AC3E}">
+        <p14:creationId xmlns:p14="http://schemas.microsoft.com/office/powerpoint/2010/main" val="1674645332"/>
+      </p:ext>
+    </p:extLst>
   </p:cSld>
   <p:clrMapOvr>
     <a:masterClrMapping/>
@@ -1026,7 +1035,7 @@
 </file>
 
 <file path=ppt/slideLayouts/slideLayout1.xml><?xml version="1.0" encoding="utf-8"?>
-<p:sldLayout xmlns:a="http://schemas.openxmlformats.org/drawingml/2006/main" xmlns:r="http://schemas.openxmlformats.org/officeDocument/2006/relationships" xmlns:p="http://schemas.openxmlformats.org/presentationml/2006/main" type="title" preserve="1" showMasterSp="0">
+<p:sldLayout xmlns:a="http://schemas.openxmlformats.org/drawingml/2006/main" xmlns:r="http://schemas.openxmlformats.org/officeDocument/2006/relationships" xmlns:p="http://schemas.openxmlformats.org/presentationml/2006/main" showMasterSp="0" type="title" preserve="1">
   <p:cSld name="Title Slide">
     <p:spTree>
       <p:nvGrpSpPr>
@@ -1186,6 +1195,7 @@
           <a:p>
             <a:fld id="{AB74F416-60AC-47B8-B7A4-8E59A1593C56}" type="datetime1">
               <a:rPr lang="en-US" smtClean="0"/>
+              <a:t>9/15/2019</a:t>
             </a:fld>
             <a:endParaRPr lang="en-US"/>
           </a:p>
@@ -1421,7 +1431,6 @@
               <a:rPr lang="en-US"/>
               <a:t>Click to edit Master text styles</a:t>
             </a:r>
-            <a:endParaRPr lang="en-US"/>
           </a:p>
           <a:p>
             <a:pPr lvl="1"/>
@@ -1429,7 +1438,6 @@
               <a:rPr lang="en-US"/>
               <a:t>Second level</a:t>
             </a:r>
-            <a:endParaRPr lang="en-US"/>
           </a:p>
           <a:p>
             <a:pPr lvl="2"/>
@@ -1437,7 +1445,6 @@
               <a:rPr lang="en-US"/>
               <a:t>Third level</a:t>
             </a:r>
-            <a:endParaRPr lang="en-US"/>
           </a:p>
           <a:p>
             <a:pPr lvl="3"/>
@@ -1445,7 +1452,6 @@
               <a:rPr lang="en-US"/>
               <a:t>Fourth level</a:t>
             </a:r>
-            <a:endParaRPr lang="en-US"/>
           </a:p>
           <a:p>
             <a:pPr lvl="4"/>
@@ -1474,6 +1480,7 @@
           <a:p>
             <a:fld id="{BB53C6D8-AA99-4DA3-ABE8-6564F3774B9A}" type="datetime1">
               <a:rPr lang="en-US" smtClean="0"/>
+              <a:t>9/15/2019</a:t>
             </a:fld>
             <a:endParaRPr lang="en-US"/>
           </a:p>
@@ -1523,6 +1530,7 @@
           <a:p>
             <a:fld id="{A8D7D4F6-2DF8-4D69-B05D-24304D43B04C}" type="slidenum">
               <a:rPr lang="en-US" smtClean="0"/>
+              <a:t>‹#›</a:t>
             </a:fld>
             <a:endParaRPr lang="en-US"/>
           </a:p>
@@ -1606,7 +1614,6 @@
               <a:rPr lang="en-US"/>
               <a:t>Click to edit Master text styles</a:t>
             </a:r>
-            <a:endParaRPr lang="en-US"/>
           </a:p>
           <a:p>
             <a:pPr lvl="1"/>
@@ -1614,7 +1621,6 @@
               <a:rPr lang="en-US"/>
               <a:t>Second level</a:t>
             </a:r>
-            <a:endParaRPr lang="en-US"/>
           </a:p>
           <a:p>
             <a:pPr lvl="2"/>
@@ -1622,7 +1628,6 @@
               <a:rPr lang="en-US"/>
               <a:t>Third level</a:t>
             </a:r>
-            <a:endParaRPr lang="en-US"/>
           </a:p>
           <a:p>
             <a:pPr lvl="3"/>
@@ -1630,7 +1635,6 @@
               <a:rPr lang="en-US"/>
               <a:t>Fourth level</a:t>
             </a:r>
-            <a:endParaRPr lang="en-US"/>
           </a:p>
           <a:p>
             <a:pPr lvl="4"/>
@@ -1659,6 +1663,7 @@
           <a:p>
             <a:fld id="{FAFFD409-992B-4396-831E-400331BF155E}" type="datetime1">
               <a:rPr lang="en-US" smtClean="0"/>
+              <a:t>9/15/2019</a:t>
             </a:fld>
             <a:endParaRPr lang="en-US"/>
           </a:p>
@@ -1708,6 +1713,7 @@
           <a:p>
             <a:fld id="{A8D7D4F6-2DF8-4D69-B05D-24304D43B04C}" type="slidenum">
               <a:rPr lang="en-US" smtClean="0"/>
+              <a:t>‹#›</a:t>
             </a:fld>
             <a:endParaRPr lang="en-US"/>
           </a:p>
@@ -1781,7 +1787,6 @@
               <a:rPr lang="en-US"/>
               <a:t>Click to edit Master text styles</a:t>
             </a:r>
-            <a:endParaRPr lang="en-US"/>
           </a:p>
           <a:p>
             <a:pPr lvl="1"/>
@@ -1789,7 +1794,6 @@
               <a:rPr lang="en-US"/>
               <a:t>Second level</a:t>
             </a:r>
-            <a:endParaRPr lang="en-US"/>
           </a:p>
           <a:p>
             <a:pPr lvl="2"/>
@@ -1797,7 +1801,6 @@
               <a:rPr lang="en-US"/>
               <a:t>Third level</a:t>
             </a:r>
-            <a:endParaRPr lang="en-US"/>
           </a:p>
           <a:p>
             <a:pPr lvl="3"/>
@@ -1805,7 +1808,6 @@
               <a:rPr lang="en-US"/>
               <a:t>Fourth level</a:t>
             </a:r>
-            <a:endParaRPr lang="en-US"/>
           </a:p>
           <a:p>
             <a:pPr lvl="4"/>
@@ -1834,6 +1836,7 @@
           <a:p>
             <a:fld id="{A58A56B9-9364-44BD-B6D4-BF1545A1D032}" type="datetime1">
               <a:rPr lang="en-US" smtClean="0"/>
+              <a:t>9/15/2019</a:t>
             </a:fld>
             <a:endParaRPr lang="en-US"/>
           </a:p>
@@ -1883,6 +1886,7 @@
           <a:p>
             <a:fld id="{A8D7D4F6-2DF8-4D69-B05D-24304D43B04C}" type="slidenum">
               <a:rPr lang="en-US" smtClean="0"/>
+              <a:t>‹#›</a:t>
             </a:fld>
             <a:endParaRPr lang="en-US"/>
           </a:p>
@@ -1897,7 +1901,7 @@
 </file>
 
 <file path=ppt/slideLayouts/slideLayout3.xml><?xml version="1.0" encoding="utf-8"?>
-<p:sldLayout xmlns:a="http://schemas.openxmlformats.org/drawingml/2006/main" xmlns:r="http://schemas.openxmlformats.org/officeDocument/2006/relationships" xmlns:p="http://schemas.openxmlformats.org/presentationml/2006/main" type="secHead" preserve="1" showMasterSp="0">
+<p:sldLayout xmlns:a="http://schemas.openxmlformats.org/drawingml/2006/main" xmlns:r="http://schemas.openxmlformats.org/officeDocument/2006/relationships" xmlns:p="http://schemas.openxmlformats.org/presentationml/2006/main" showMasterSp="0" type="secHead" preserve="1">
   <p:cSld name="Section Header">
     <p:spTree>
       <p:nvGrpSpPr>
@@ -2074,7 +2078,6 @@
               <a:rPr lang="en-US"/>
               <a:t>Click to edit Master text styles</a:t>
             </a:r>
-            <a:endParaRPr lang="en-US"/>
           </a:p>
         </p:txBody>
       </p:sp>
@@ -2108,6 +2111,7 @@
           <a:p>
             <a:fld id="{08107730-E7E0-4034-9139-F86131BC67E9}" type="datetime1">
               <a:rPr lang="en-US" smtClean="0"/>
+              <a:t>9/15/2019</a:t>
             </a:fld>
             <a:endParaRPr lang="en-US"/>
           </a:p>
@@ -2316,7 +2320,6 @@
               <a:rPr lang="en-US"/>
               <a:t>Click to edit Master text styles</a:t>
             </a:r>
-            <a:endParaRPr lang="en-US"/>
           </a:p>
           <a:p>
             <a:pPr lvl="1"/>
@@ -2324,7 +2327,6 @@
               <a:rPr lang="en-US"/>
               <a:t>Second level</a:t>
             </a:r>
-            <a:endParaRPr lang="en-US"/>
           </a:p>
           <a:p>
             <a:pPr lvl="2"/>
@@ -2332,7 +2334,6 @@
               <a:rPr lang="en-US"/>
               <a:t>Third level</a:t>
             </a:r>
-            <a:endParaRPr lang="en-US"/>
           </a:p>
           <a:p>
             <a:pPr lvl="3"/>
@@ -2340,7 +2341,6 @@
               <a:rPr lang="en-US"/>
               <a:t>Fourth level</a:t>
             </a:r>
-            <a:endParaRPr lang="en-US"/>
           </a:p>
           <a:p>
             <a:pPr lvl="4"/>
@@ -2413,7 +2413,6 @@
               <a:rPr lang="en-US"/>
               <a:t>Click to edit Master text styles</a:t>
             </a:r>
-            <a:endParaRPr lang="en-US"/>
           </a:p>
           <a:p>
             <a:pPr lvl="1"/>
@@ -2421,7 +2420,6 @@
               <a:rPr lang="en-US"/>
               <a:t>Second level</a:t>
             </a:r>
-            <a:endParaRPr lang="en-US"/>
           </a:p>
           <a:p>
             <a:pPr lvl="2"/>
@@ -2429,7 +2427,6 @@
               <a:rPr lang="en-US"/>
               <a:t>Third level</a:t>
             </a:r>
-            <a:endParaRPr lang="en-US"/>
           </a:p>
           <a:p>
             <a:pPr lvl="3"/>
@@ -2437,7 +2434,6 @@
               <a:rPr lang="en-US"/>
               <a:t>Fourth level</a:t>
             </a:r>
-            <a:endParaRPr lang="en-US"/>
           </a:p>
           <a:p>
             <a:pPr lvl="4"/>
@@ -2466,6 +2462,7 @@
           <a:p>
             <a:fld id="{2128C74C-6B0A-4BE2-AEB5-ADDA4577555B}" type="datetime1">
               <a:rPr lang="en-US" smtClean="0"/>
+              <a:t>9/15/2019</a:t>
             </a:fld>
             <a:endParaRPr lang="en-US"/>
           </a:p>
@@ -2515,6 +2512,7 @@
           <a:p>
             <a:fld id="{A8D7D4F6-2DF8-4D69-B05D-24304D43B04C}" type="slidenum">
               <a:rPr lang="en-US" smtClean="0"/>
+              <a:t>‹#›</a:t>
             </a:fld>
             <a:endParaRPr lang="en-US"/>
           </a:p>
@@ -2658,7 +2656,6 @@
               <a:rPr lang="en-US"/>
               <a:t>Click to edit Master text styles</a:t>
             </a:r>
-            <a:endParaRPr lang="en-US"/>
           </a:p>
         </p:txBody>
       </p:sp>
@@ -2723,7 +2720,6 @@
               <a:rPr lang="en-US"/>
               <a:t>Click to edit Master text styles</a:t>
             </a:r>
-            <a:endParaRPr lang="en-US"/>
           </a:p>
           <a:p>
             <a:pPr lvl="1"/>
@@ -2731,7 +2727,6 @@
               <a:rPr lang="en-US"/>
               <a:t>Second level</a:t>
             </a:r>
-            <a:endParaRPr lang="en-US"/>
           </a:p>
           <a:p>
             <a:pPr lvl="2"/>
@@ -2739,7 +2734,6 @@
               <a:rPr lang="en-US"/>
               <a:t>Third level</a:t>
             </a:r>
-            <a:endParaRPr lang="en-US"/>
           </a:p>
           <a:p>
             <a:pPr lvl="3"/>
@@ -2747,7 +2741,6 @@
               <a:rPr lang="en-US"/>
               <a:t>Fourth level</a:t>
             </a:r>
-            <a:endParaRPr lang="en-US"/>
           </a:p>
           <a:p>
             <a:pPr lvl="4"/>
@@ -2836,7 +2829,6 @@
               <a:rPr lang="en-US"/>
               <a:t>Click to edit Master text styles</a:t>
             </a:r>
-            <a:endParaRPr lang="en-US"/>
           </a:p>
         </p:txBody>
       </p:sp>
@@ -2901,7 +2893,6 @@
               <a:rPr lang="en-US"/>
               <a:t>Click to edit Master text styles</a:t>
             </a:r>
-            <a:endParaRPr lang="en-US"/>
           </a:p>
           <a:p>
             <a:pPr lvl="1"/>
@@ -2909,7 +2900,6 @@
               <a:rPr lang="en-US"/>
               <a:t>Second level</a:t>
             </a:r>
-            <a:endParaRPr lang="en-US"/>
           </a:p>
           <a:p>
             <a:pPr lvl="2"/>
@@ -2917,7 +2907,6 @@
               <a:rPr lang="en-US"/>
               <a:t>Third level</a:t>
             </a:r>
-            <a:endParaRPr lang="en-US"/>
           </a:p>
           <a:p>
             <a:pPr lvl="3"/>
@@ -2925,7 +2914,6 @@
               <a:rPr lang="en-US"/>
               <a:t>Fourth level</a:t>
             </a:r>
-            <a:endParaRPr lang="en-US"/>
           </a:p>
           <a:p>
             <a:pPr lvl="4"/>
@@ -2954,6 +2942,7 @@
           <a:p>
             <a:fld id="{96ED5E1F-5CA0-44A8-9FAF-8E0C8C93E227}" type="datetime1">
               <a:rPr lang="en-US" smtClean="0"/>
+              <a:t>9/15/2019</a:t>
             </a:fld>
             <a:endParaRPr lang="en-US"/>
           </a:p>
@@ -3003,6 +2992,7 @@
           <a:p>
             <a:fld id="{A8D7D4F6-2DF8-4D69-B05D-24304D43B04C}" type="slidenum">
               <a:rPr lang="en-US" smtClean="0"/>
+              <a:t>‹#›</a:t>
             </a:fld>
             <a:endParaRPr lang="en-US"/>
           </a:p>
@@ -3073,6 +3063,7 @@
           <a:p>
             <a:fld id="{9F749C11-8001-49CF-9B59-56FDE52B5F69}" type="datetime1">
               <a:rPr lang="en-US" smtClean="0"/>
+              <a:t>9/15/2019</a:t>
             </a:fld>
             <a:endParaRPr lang="en-US"/>
           </a:p>
@@ -3122,6 +3113,7 @@
           <a:p>
             <a:fld id="{A8D7D4F6-2DF8-4D69-B05D-24304D43B04C}" type="slidenum">
               <a:rPr lang="en-US" smtClean="0"/>
+              <a:t>‹#›</a:t>
             </a:fld>
             <a:endParaRPr lang="en-US"/>
           </a:p>
@@ -3169,6 +3161,7 @@
           <a:p>
             <a:fld id="{5EC0E55E-AF34-4E2E-A4E8-BDA3BCCD8B12}" type="datetime1">
               <a:rPr lang="en-US" smtClean="0"/>
+              <a:t>9/15/2019</a:t>
             </a:fld>
             <a:endParaRPr lang="en-US"/>
           </a:p>
@@ -3218,6 +3211,7 @@
           <a:p>
             <a:fld id="{A8D7D4F6-2DF8-4D69-B05D-24304D43B04C}" type="slidenum">
               <a:rPr lang="en-US" smtClean="0"/>
+              <a:t>‹#›</a:t>
             </a:fld>
             <a:endParaRPr lang="en-US"/>
           </a:p>
@@ -3232,7 +3226,7 @@
 </file>
 
 <file path=ppt/slideLayouts/slideLayout8.xml><?xml version="1.0" encoding="utf-8"?>
-<p:sldLayout xmlns:a="http://schemas.openxmlformats.org/drawingml/2006/main" xmlns:r="http://schemas.openxmlformats.org/officeDocument/2006/relationships" xmlns:p="http://schemas.openxmlformats.org/presentationml/2006/main" type="objTx" preserve="1" showMasterSp="0">
+<p:sldLayout xmlns:a="http://schemas.openxmlformats.org/drawingml/2006/main" xmlns:r="http://schemas.openxmlformats.org/officeDocument/2006/relationships" xmlns:p="http://schemas.openxmlformats.org/presentationml/2006/main" showMasterSp="0" type="objTx" preserve="1">
   <p:cSld name="Content with Caption">
     <p:spTree>
       <p:nvGrpSpPr>
@@ -3380,7 +3374,6 @@
               <a:rPr lang="en-US"/>
               <a:t>Click to edit Master text styles</a:t>
             </a:r>
-            <a:endParaRPr lang="en-US"/>
           </a:p>
           <a:p>
             <a:pPr lvl="1"/>
@@ -3388,7 +3381,6 @@
               <a:rPr lang="en-US"/>
               <a:t>Second level</a:t>
             </a:r>
-            <a:endParaRPr lang="en-US"/>
           </a:p>
           <a:p>
             <a:pPr lvl="2"/>
@@ -3396,7 +3388,6 @@
               <a:rPr lang="en-US"/>
               <a:t>Third level</a:t>
             </a:r>
-            <a:endParaRPr lang="en-US"/>
           </a:p>
           <a:p>
             <a:pPr lvl="3"/>
@@ -3404,7 +3395,6 @@
               <a:rPr lang="en-US"/>
               <a:t>Fourth level</a:t>
             </a:r>
-            <a:endParaRPr lang="en-US"/>
           </a:p>
           <a:p>
             <a:pPr lvl="4"/>
@@ -3487,7 +3477,6 @@
               <a:rPr lang="en-US"/>
               <a:t>Click to edit Master text styles</a:t>
             </a:r>
-            <a:endParaRPr lang="en-US"/>
           </a:p>
         </p:txBody>
       </p:sp>
@@ -3521,6 +3510,7 @@
           <a:p>
             <a:fld id="{C85C3791-D12F-464C-8CBC-469E089CC249}" type="datetime1">
               <a:rPr lang="en-US" smtClean="0"/>
+              <a:t>9/15/2019</a:t>
             </a:fld>
             <a:endParaRPr lang="en-US"/>
           </a:p>
@@ -3591,6 +3581,7 @@
           <a:p>
             <a:fld id="{A8D7D4F6-2DF8-4D69-B05D-24304D43B04C}" type="slidenum">
               <a:rPr lang="en-US" smtClean="0"/>
+              <a:t>‹#›</a:t>
             </a:fld>
             <a:endParaRPr lang="en-US"/>
           </a:p>
@@ -3643,7 +3634,7 @@
 </file>
 
 <file path=ppt/slideLayouts/slideLayout9.xml><?xml version="1.0" encoding="utf-8"?>
-<p:sldLayout xmlns:a="http://schemas.openxmlformats.org/drawingml/2006/main" xmlns:r="http://schemas.openxmlformats.org/officeDocument/2006/relationships" xmlns:p="http://schemas.openxmlformats.org/presentationml/2006/main" type="picTx" preserve="1" showMasterSp="0">
+<p:sldLayout xmlns:a="http://schemas.openxmlformats.org/drawingml/2006/main" xmlns:r="http://schemas.openxmlformats.org/officeDocument/2006/relationships" xmlns:p="http://schemas.openxmlformats.org/presentationml/2006/main" showMasterSp="0" type="picTx" preserve="1">
   <p:cSld name="Picture with Caption">
     <p:spTree>
       <p:nvGrpSpPr>
@@ -3872,7 +3863,6 @@
               <a:rPr lang="en-US"/>
               <a:t>Click to edit Master text styles</a:t>
             </a:r>
-            <a:endParaRPr lang="en-US"/>
           </a:p>
         </p:txBody>
       </p:sp>
@@ -3906,6 +3896,7 @@
           <a:p>
             <a:fld id="{3901A8D7-7DE1-49C0-A859-BA2154FD532A}" type="datetime1">
               <a:rPr lang="en-US" smtClean="0"/>
+              <a:t>9/15/2019</a:t>
             </a:fld>
             <a:endParaRPr lang="en-US"/>
           </a:p>
@@ -3976,6 +3967,7 @@
           <a:p>
             <a:fld id="{A8D7D4F6-2DF8-4D69-B05D-24304D43B04C}" type="slidenum">
               <a:rPr lang="en-US" smtClean="0"/>
+              <a:t>‹#›</a:t>
             </a:fld>
             <a:endParaRPr lang="en-US"/>
           </a:p>
@@ -4112,7 +4104,6 @@
               <a:rPr lang="en-US"/>
               <a:t>Click to edit Master text styles</a:t>
             </a:r>
-            <a:endParaRPr lang="en-US"/>
           </a:p>
           <a:p>
             <a:pPr lvl="1"/>
@@ -4120,7 +4111,6 @@
               <a:rPr lang="en-US"/>
               <a:t>Second level</a:t>
             </a:r>
-            <a:endParaRPr lang="en-US"/>
           </a:p>
           <a:p>
             <a:pPr lvl="2"/>
@@ -4128,7 +4118,6 @@
               <a:rPr lang="en-US"/>
               <a:t>Third level</a:t>
             </a:r>
-            <a:endParaRPr lang="en-US"/>
           </a:p>
           <a:p>
             <a:pPr lvl="3"/>
@@ -4136,7 +4125,6 @@
               <a:rPr lang="en-US"/>
               <a:t>Fourth level</a:t>
             </a:r>
-            <a:endParaRPr lang="en-US"/>
           </a:p>
           <a:p>
             <a:pPr lvl="4"/>
@@ -4181,6 +4169,7 @@
           <a:p>
             <a:fld id="{C3381DA6-54E6-48A3-B70A-BA200C1D04A7}" type="datetime1">
               <a:rPr lang="en-US" smtClean="0"/>
+              <a:t>9/15/2019</a:t>
             </a:fld>
             <a:endParaRPr lang="en-US"/>
           </a:p>
@@ -4283,12 +4272,12 @@
           <a:p>
             <a:fld id="{9B7FE0D9-9F41-481F-A378-F847DF90F3DA}" type="slidenum">
               <a:rPr lang="en-US" sz="1600" smtClean="0"/>
+              <a:t>‹#›</a:t>
             </a:fld>
             <a:r>
               <a:rPr lang="en-US" sz="1600" dirty="0" smtClean="0"/>
               <a:t>/24</a:t>
             </a:r>
-            <a:endParaRPr lang="en-US" sz="1600" dirty="0" smtClean="0"/>
           </a:p>
         </p:txBody>
       </p:sp>
@@ -4678,9 +4667,6 @@
               </a:rPr>
               <a:t>               VR GUIDE        </a:t>
             </a:r>
-            <a:endParaRPr lang="en-US" dirty="0">
-              <a:latin typeface="Stencil" panose="040409050D0802020404" pitchFamily="82" charset="0"/>
-            </a:endParaRPr>
           </a:p>
         </p:txBody>
       </p:sp>
@@ -4728,21 +4714,12 @@
               </a:rPr>
               <a:t>By </a:t>
             </a:r>
-            <a:endParaRPr lang="en-US" b="1" dirty="0">
-              <a:solidFill>
-                <a:schemeClr val="tx1">
-                  <a:lumMod val="95000"/>
-                  <a:lumOff val="5000"/>
-                </a:schemeClr>
-              </a:solidFill>
-            </a:endParaRPr>
           </a:p>
           <a:p>
             <a:r>
               <a:rPr lang="en-US" dirty="0"/>
               <a:t>Adnan Ali 201520023</a:t>
             </a:r>
-            <a:endParaRPr lang="en-US" dirty="0"/>
           </a:p>
           <a:p>
             <a:r>
@@ -4753,7 +4730,6 @@
               <a:rPr lang="en-US" dirty="0" smtClean="0"/>
               <a:t>Shahid 201520629</a:t>
             </a:r>
-            <a:endParaRPr lang="en-US" dirty="0" smtClean="0"/>
           </a:p>
         </p:txBody>
       </p:sp>
@@ -4766,7 +4742,7 @@
           <p:nvPr/>
         </p:nvPicPr>
         <p:blipFill>
-          <a:blip r:embed="rId1" cstate="print">
+          <a:blip r:embed="rId3" cstate="print">
             <a:extLst>
               <a:ext uri="{28A0092B-C50C-407E-A947-70E740481C1C}">
                 <a14:useLocalDpi xmlns:a14="http://schemas.microsoft.com/office/drawing/2010/main" val="0"/>
@@ -4819,12 +4795,6 @@
               </a:rPr>
               <a:t>Water Cycle </a:t>
             </a:r>
-            <a:endParaRPr lang="en-US" sz="7200" dirty="0" smtClean="0">
-              <a:solidFill>
-                <a:srgbClr val="C00000"/>
-              </a:solidFill>
-              <a:latin typeface="Stencil" panose="040409050D0802020404" pitchFamily="82" charset="0"/>
-            </a:endParaRPr>
           </a:p>
           <a:p>
             <a:pPr algn="ctr"/>
@@ -4872,7 +4842,6 @@
               <a:rPr lang="en-US" sz="2300" b="1" dirty="0"/>
               <a:t>Supervised by </a:t>
             </a:r>
-            <a:endParaRPr lang="en-US" sz="2300" b="1" dirty="0"/>
           </a:p>
           <a:p>
             <a:r>
@@ -4887,7 +4856,6 @@
               <a:rPr lang="en-US" sz="2300" dirty="0"/>
               <a:t> Iqbal</a:t>
             </a:r>
-            <a:endParaRPr lang="en-US" sz="2300" dirty="0"/>
           </a:p>
           <a:p>
             <a:endParaRPr lang="en-US" dirty="0"/>
@@ -4950,7 +4918,6 @@
               <a:rPr lang="en-US" dirty="0"/>
               <a:t>Similar Apps</a:t>
             </a:r>
-            <a:endParaRPr lang="en-US" dirty="0"/>
           </a:p>
         </p:txBody>
       </p:sp>
@@ -5014,11 +4981,6 @@
               </a:rPr>
               <a:t> VR (Water cycle VR) </a:t>
             </a:r>
-            <a:endParaRPr lang="en-US" sz="2600" b="1" dirty="0">
-              <a:solidFill>
-                <a:srgbClr val="0070C0"/>
-              </a:solidFill>
-            </a:endParaRPr>
           </a:p>
           <a:p>
             <a:pPr marL="0" indent="0">
@@ -5034,10 +4996,6 @@
               </a:rPr>
               <a:t>Features:</a:t>
             </a:r>
-            <a:endParaRPr lang="en-US" sz="2200" b="1" dirty="0">
-              <a:latin typeface="Calibri Light" panose="020F0302020204030204" pitchFamily="34" charset="0"/>
-              <a:cs typeface="Calibri Light" panose="020F0302020204030204" pitchFamily="34" charset="0"/>
-            </a:endParaRPr>
           </a:p>
           <a:p>
             <a:pPr>
@@ -5054,10 +5012,6 @@
               </a:rPr>
               <a:t>VR app.</a:t>
             </a:r>
-            <a:endParaRPr lang="en-US" sz="1500" dirty="0">
-              <a:latin typeface="Calibri" panose="020F0502020204030204" pitchFamily="34" charset="0"/>
-              <a:cs typeface="Calibri" panose="020F0502020204030204" pitchFamily="34" charset="0"/>
-            </a:endParaRPr>
           </a:p>
           <a:p>
             <a:pPr>
@@ -5074,10 +5028,6 @@
               </a:rPr>
               <a:t>An audio voice to explain user the water cycle.</a:t>
             </a:r>
-            <a:endParaRPr lang="en-US" sz="1500" i="0" dirty="0">
-              <a:latin typeface="Calibri" panose="020F0502020204030204" pitchFamily="34" charset="0"/>
-              <a:cs typeface="Calibri" panose="020F0502020204030204" pitchFamily="34" charset="0"/>
-            </a:endParaRPr>
           </a:p>
           <a:p>
             <a:pPr>
@@ -5094,10 +5044,6 @@
               </a:rPr>
               <a:t>Audio effect for rain and wind.</a:t>
             </a:r>
-            <a:endParaRPr lang="en-US" sz="1500" i="0" dirty="0">
-              <a:latin typeface="Calibri" panose="020F0502020204030204" pitchFamily="34" charset="0"/>
-              <a:cs typeface="Calibri" panose="020F0502020204030204" pitchFamily="34" charset="0"/>
-            </a:endParaRPr>
           </a:p>
           <a:p>
             <a:pPr>
@@ -5114,10 +5060,6 @@
               </a:rPr>
               <a:t>Main menu to allow user to choose the option they would like to go for. </a:t>
             </a:r>
-            <a:endParaRPr lang="en-US" sz="1500" i="0" dirty="0">
-              <a:latin typeface="Calibri" panose="020F0502020204030204" pitchFamily="34" charset="0"/>
-              <a:cs typeface="Calibri" panose="020F0502020204030204" pitchFamily="34" charset="0"/>
-            </a:endParaRPr>
           </a:p>
           <a:p>
             <a:pPr>
@@ -5134,10 +5076,6 @@
               </a:rPr>
               <a:t>Bluetooth control.</a:t>
             </a:r>
-            <a:endParaRPr lang="en-US" sz="1500" i="0" dirty="0">
-              <a:latin typeface="Calibri" panose="020F0502020204030204" pitchFamily="34" charset="0"/>
-              <a:cs typeface="Calibri" panose="020F0502020204030204" pitchFamily="34" charset="0"/>
-            </a:endParaRPr>
           </a:p>
           <a:p>
             <a:pPr marL="0" indent="0">
@@ -5153,10 +5091,6 @@
               </a:rPr>
               <a:t>Weaknesses:</a:t>
             </a:r>
-            <a:endParaRPr lang="en-US" sz="2200" b="1" dirty="0">
-              <a:latin typeface="Calibri Light" panose="020F0302020204030204" pitchFamily="34" charset="0"/>
-              <a:cs typeface="Calibri Light" panose="020F0302020204030204" pitchFamily="34" charset="0"/>
-            </a:endParaRPr>
           </a:p>
           <a:p>
             <a:pPr marL="384175" lvl="1">
@@ -5176,10 +5110,6 @@
               </a:rPr>
               <a:t>Hanging occurs while the scene is viewed from different angles.</a:t>
             </a:r>
-            <a:endParaRPr lang="en-US" sz="1500" i="0" dirty="0">
-              <a:latin typeface="Calibri" panose="020F0502020204030204" pitchFamily="34" charset="0"/>
-              <a:cs typeface="Calibri" panose="020F0502020204030204" pitchFamily="34" charset="0"/>
-            </a:endParaRPr>
           </a:p>
           <a:p>
             <a:pPr marL="384175" lvl="1">
@@ -5199,10 +5129,6 @@
               </a:rPr>
               <a:t>The app has no other language support other than Catalan language.</a:t>
             </a:r>
-            <a:endParaRPr lang="en-US" sz="1500" i="0" dirty="0">
-              <a:latin typeface="Calibri" panose="020F0502020204030204" pitchFamily="34" charset="0"/>
-              <a:cs typeface="Calibri" panose="020F0502020204030204" pitchFamily="34" charset="0"/>
-            </a:endParaRPr>
           </a:p>
           <a:p>
             <a:pPr marL="0" indent="0" algn="ctr">
@@ -5219,7 +5145,7 @@
           <p:nvPr/>
         </p:nvPicPr>
         <p:blipFill>
-          <a:blip r:embed="rId1" cstate="print">
+          <a:blip r:embed="rId2" cstate="print">
             <a:extLst>
               <a:ext uri="{28A0092B-C50C-407E-A947-70E740481C1C}">
                 <a14:useLocalDpi xmlns:a14="http://schemas.microsoft.com/office/drawing/2010/main" val="0"/>
@@ -5291,7 +5217,6 @@
               <a:rPr lang="en-US" dirty="0"/>
               <a:t>Similar Apps</a:t>
             </a:r>
-            <a:endParaRPr lang="en-US" dirty="0"/>
           </a:p>
         </p:txBody>
       </p:sp>
@@ -5331,11 +5256,6 @@
               </a:rPr>
               <a:t>TABI the water cycle</a:t>
             </a:r>
-            <a:endParaRPr lang="en-US" sz="2600" b="1" dirty="0">
-              <a:solidFill>
-                <a:srgbClr val="0070C0"/>
-              </a:solidFill>
-            </a:endParaRPr>
           </a:p>
           <a:p>
             <a:pPr marL="0" indent="0">
@@ -5351,10 +5271,6 @@
               </a:rPr>
               <a:t>Features:</a:t>
             </a:r>
-            <a:endParaRPr lang="en-US" sz="2200" b="1" dirty="0">
-              <a:latin typeface="Calibri Light" panose="020F0302020204030204" pitchFamily="34" charset="0"/>
-              <a:cs typeface="Calibri Light" panose="020F0302020204030204" pitchFamily="34" charset="0"/>
-            </a:endParaRPr>
           </a:p>
           <a:p>
             <a:pPr lvl="0">
@@ -5371,10 +5287,6 @@
               </a:rPr>
               <a:t>User plays a game to create evaporation, condensation and precipitation.</a:t>
             </a:r>
-            <a:endParaRPr lang="en-US" sz="1600" dirty="0">
-              <a:latin typeface="Calibri" panose="020F0502020204030204" pitchFamily="34" charset="0"/>
-              <a:cs typeface="Calibri" panose="020F0502020204030204" pitchFamily="34" charset="0"/>
-            </a:endParaRPr>
           </a:p>
           <a:p>
             <a:pPr lvl="0">
@@ -5391,10 +5303,6 @@
               </a:rPr>
               <a:t>Text shown at the beginning to guide the user to play the game.</a:t>
             </a:r>
-            <a:endParaRPr lang="en-US" sz="1600" dirty="0">
-              <a:latin typeface="Calibri" panose="020F0502020204030204" pitchFamily="34" charset="0"/>
-              <a:cs typeface="Calibri" panose="020F0502020204030204" pitchFamily="34" charset="0"/>
-            </a:endParaRPr>
           </a:p>
           <a:p>
             <a:pPr marL="0" indent="0">
@@ -5410,10 +5318,6 @@
               </a:rPr>
               <a:t>Weaknesses:</a:t>
             </a:r>
-            <a:endParaRPr lang="en-US" sz="2400" b="1" dirty="0">
-              <a:latin typeface="Calibri Light" panose="020F0302020204030204" pitchFamily="34" charset="0"/>
-              <a:cs typeface="Calibri Light" panose="020F0302020204030204" pitchFamily="34" charset="0"/>
-            </a:endParaRPr>
           </a:p>
           <a:p>
             <a:pPr lvl="0">
@@ -5430,10 +5334,6 @@
               </a:rPr>
               <a:t>Not a VR app.</a:t>
             </a:r>
-            <a:endParaRPr lang="en-US" sz="1600" dirty="0">
-              <a:latin typeface="Calibri" panose="020F0502020204030204" pitchFamily="34" charset="0"/>
-              <a:cs typeface="Calibri" panose="020F0502020204030204" pitchFamily="34" charset="0"/>
-            </a:endParaRPr>
           </a:p>
           <a:p>
             <a:pPr lvl="0">
@@ -5450,10 +5350,6 @@
               </a:rPr>
               <a:t>Not complete water cycle.</a:t>
             </a:r>
-            <a:endParaRPr lang="en-US" sz="1600" dirty="0">
-              <a:latin typeface="Calibri" panose="020F0502020204030204" pitchFamily="34" charset="0"/>
-              <a:cs typeface="Calibri" panose="020F0502020204030204" pitchFamily="34" charset="0"/>
-            </a:endParaRPr>
           </a:p>
           <a:p>
             <a:pPr lvl="0">
@@ -5470,10 +5366,6 @@
               </a:rPr>
               <a:t>Lack of phase transformations.</a:t>
             </a:r>
-            <a:endParaRPr lang="en-US" sz="1600" dirty="0">
-              <a:latin typeface="Calibri" panose="020F0502020204030204" pitchFamily="34" charset="0"/>
-              <a:cs typeface="Calibri" panose="020F0502020204030204" pitchFamily="34" charset="0"/>
-            </a:endParaRPr>
           </a:p>
           <a:p>
             <a:pPr marL="0" indent="0">
@@ -5483,7 +5375,6 @@
               <a:rPr lang="en-US" dirty="0"/>
               <a:t> </a:t>
             </a:r>
-            <a:endParaRPr lang="en-US" dirty="0"/>
           </a:p>
         </p:txBody>
       </p:sp>
@@ -5494,7 +5385,7 @@
           <p:nvPr/>
         </p:nvPicPr>
         <p:blipFill rotWithShape="1">
-          <a:blip r:embed="rId1" cstate="print">
+          <a:blip r:embed="rId2" cstate="print">
             <a:extLst>
               <a:ext uri="{28A0092B-C50C-407E-A947-70E740481C1C}">
                 <a14:useLocalDpi xmlns:a14="http://schemas.microsoft.com/office/drawing/2010/main" val="0"/>
@@ -5575,7 +5466,6 @@
               <a:rPr lang="en-US" dirty="0"/>
               <a:t>Similar Apps</a:t>
             </a:r>
-            <a:endParaRPr lang="en-US" dirty="0"/>
           </a:p>
         </p:txBody>
       </p:sp>
@@ -5623,11 +5513,6 @@
               </a:rPr>
               <a:t>Water Cycle)</a:t>
             </a:r>
-            <a:endParaRPr lang="en-US" sz="5100" b="1" dirty="0">
-              <a:solidFill>
-                <a:srgbClr val="0070C0"/>
-              </a:solidFill>
-            </a:endParaRPr>
           </a:p>
           <a:p>
             <a:pPr marL="0" indent="0">
@@ -5643,10 +5528,6 @@
               </a:rPr>
               <a:t>Features:</a:t>
             </a:r>
-            <a:endParaRPr lang="en-US" sz="3600" b="1" dirty="0">
-              <a:latin typeface="Calibri Light" panose="020F0302020204030204" pitchFamily="34" charset="0"/>
-              <a:cs typeface="Calibri Light" panose="020F0302020204030204" pitchFamily="34" charset="0"/>
-            </a:endParaRPr>
           </a:p>
           <a:p>
             <a:pPr lvl="0">
@@ -5660,10 +5541,6 @@
               </a:rPr>
               <a:t>Main menu to allow user to choose where they want to go.</a:t>
             </a:r>
-            <a:endParaRPr lang="en-US" sz="2700" dirty="0">
-              <a:latin typeface="Calibri" panose="020F0502020204030204" pitchFamily="34" charset="0"/>
-              <a:cs typeface="Calibri" panose="020F0502020204030204" pitchFamily="34" charset="0"/>
-            </a:endParaRPr>
           </a:p>
           <a:p>
             <a:pPr lvl="0">
@@ -5677,10 +5554,6 @@
               </a:rPr>
               <a:t>Lessons about water cycle explaining the phases.</a:t>
             </a:r>
-            <a:endParaRPr lang="en-US" sz="2700" dirty="0">
-              <a:latin typeface="Calibri" panose="020F0502020204030204" pitchFamily="34" charset="0"/>
-              <a:cs typeface="Calibri" panose="020F0502020204030204" pitchFamily="34" charset="0"/>
-            </a:endParaRPr>
           </a:p>
           <a:p>
             <a:pPr lvl="0">
@@ -5694,10 +5567,6 @@
               </a:rPr>
               <a:t>Game to educate user more about water and to allow them to understand it more.</a:t>
             </a:r>
-            <a:endParaRPr lang="en-US" sz="2700" dirty="0">
-              <a:latin typeface="Calibri" panose="020F0502020204030204" pitchFamily="34" charset="0"/>
-              <a:cs typeface="Calibri" panose="020F0502020204030204" pitchFamily="34" charset="0"/>
-            </a:endParaRPr>
           </a:p>
           <a:p>
             <a:pPr lvl="0">
@@ -5711,10 +5580,6 @@
               </a:rPr>
               <a:t>Audio speech to engage then user more in the app and explain each step clearly.</a:t>
             </a:r>
-            <a:endParaRPr lang="en-US" sz="2700" dirty="0">
-              <a:latin typeface="Calibri" panose="020F0502020204030204" pitchFamily="34" charset="0"/>
-              <a:cs typeface="Calibri" panose="020F0502020204030204" pitchFamily="34" charset="0"/>
-            </a:endParaRPr>
           </a:p>
           <a:p>
             <a:pPr marL="0" indent="0">
@@ -5730,10 +5595,6 @@
               </a:rPr>
               <a:t>Weaknesses:</a:t>
             </a:r>
-            <a:endParaRPr lang="en-US" sz="3600" b="1" dirty="0">
-              <a:latin typeface="Calibri Light" panose="020F0302020204030204" pitchFamily="34" charset="0"/>
-              <a:cs typeface="Calibri Light" panose="020F0302020204030204" pitchFamily="34" charset="0"/>
-            </a:endParaRPr>
           </a:p>
           <a:p>
             <a:pPr lvl="0">
@@ -5747,10 +5608,6 @@
               </a:rPr>
               <a:t>No language support other than Thai language.</a:t>
             </a:r>
-            <a:endParaRPr lang="en-US" sz="2700" dirty="0">
-              <a:latin typeface="Calibri" panose="020F0502020204030204" pitchFamily="34" charset="0"/>
-              <a:cs typeface="Calibri" panose="020F0502020204030204" pitchFamily="34" charset="0"/>
-            </a:endParaRPr>
           </a:p>
           <a:p>
             <a:pPr lvl="0">
@@ -5764,10 +5621,6 @@
               </a:rPr>
               <a:t>Not a VR app.</a:t>
             </a:r>
-            <a:endParaRPr lang="en-US" sz="2700" dirty="0">
-              <a:latin typeface="Calibri" panose="020F0502020204030204" pitchFamily="34" charset="0"/>
-              <a:cs typeface="Calibri" panose="020F0502020204030204" pitchFamily="34" charset="0"/>
-            </a:endParaRPr>
           </a:p>
           <a:p>
             <a:pPr lvl="0">
@@ -5781,10 +5634,6 @@
               </a:rPr>
               <a:t>All phases are not shown continually to explain the transformation between them.</a:t>
             </a:r>
-            <a:endParaRPr lang="en-US" sz="2700" dirty="0">
-              <a:latin typeface="Calibri" panose="020F0502020204030204" pitchFamily="34" charset="0"/>
-              <a:cs typeface="Calibri" panose="020F0502020204030204" pitchFamily="34" charset="0"/>
-            </a:endParaRPr>
           </a:p>
           <a:p>
             <a:pPr marL="0" indent="0">
@@ -5801,11 +5650,6 @@
               </a:rPr>
               <a:t> </a:t>
             </a:r>
-            <a:endParaRPr lang="en-US" sz="2600" b="1" dirty="0">
-              <a:solidFill>
-                <a:srgbClr val="0070C0"/>
-              </a:solidFill>
-            </a:endParaRPr>
           </a:p>
         </p:txBody>
       </p:sp>
@@ -5816,7 +5660,7 @@
           <p:nvPr/>
         </p:nvPicPr>
         <p:blipFill rotWithShape="1">
-          <a:blip r:embed="rId1" cstate="print">
+          <a:blip r:embed="rId2" cstate="print">
             <a:extLst>
               <a:ext uri="{28A0092B-C50C-407E-A947-70E740481C1C}">
                 <a14:useLocalDpi xmlns:a14="http://schemas.microsoft.com/office/drawing/2010/main" val="0"/>
@@ -5892,7 +5736,6 @@
               <a:rPr lang="en-US" dirty="0"/>
               <a:t>Comparison Table</a:t>
             </a:r>
-            <a:endParaRPr lang="en-US" dirty="0"/>
           </a:p>
         </p:txBody>
       </p:sp>
@@ -5902,7 +5745,13 @@
           <p:cNvGraphicFramePr>
             <a:graphicFrameLocks noGrp="1"/>
           </p:cNvGraphicFramePr>
-          <p:nvPr/>
+          <p:nvPr>
+            <p:extLst>
+              <p:ext uri="{D42A27DB-BD31-4B8C-83A1-F6EECF244321}">
+                <p14:modId xmlns:p14="http://schemas.microsoft.com/office/powerpoint/2010/main" val="2555011832"/>
+              </p:ext>
+            </p:extLst>
+          </p:nvPr>
         </p:nvGraphicFramePr>
         <p:xfrm>
           <a:off x="1371600" y="1524661"/>
@@ -6215,9 +6064,6 @@
                         </a:rPr>
                         <a:t>TABI the water cycle</a:t>
                       </a:r>
-                      <a:endParaRPr lang="en-US" sz="1600" dirty="0">
-                        <a:effectLst/>
-                      </a:endParaRPr>
                     </a:p>
                     <a:p>
                       <a:pPr marL="0" marR="0" algn="ctr">
@@ -6569,13 +6415,13 @@
                         </a:spcAft>
                       </a:pPr>
                       <a:r>
-                        <a:rPr lang="en-US" sz="1100">
+                        <a:rPr lang="en-US" sz="1400" b="1" dirty="0">
                           <a:effectLst/>
                           <a:sym typeface="Wingdings" panose="05000000000000000000" pitchFamily="2" charset="2"/>
                         </a:rPr>
                         <a:t></a:t>
                       </a:r>
-                      <a:endParaRPr lang="en-US" sz="1100">
+                      <a:endParaRPr lang="en-US" sz="1400" b="1" dirty="0">
                         <a:effectLst/>
                         <a:latin typeface="Calibri" panose="020F0502020204030204" pitchFamily="34" charset="0"/>
                         <a:ea typeface="Calibri" panose="020F0502020204030204" pitchFamily="34" charset="0"/>
@@ -6647,13 +6493,13 @@
                         </a:spcAft>
                       </a:pPr>
                       <a:r>
-                        <a:rPr lang="en-US" sz="1100">
+                        <a:rPr lang="en-US" sz="1400" b="1" dirty="0">
                           <a:effectLst/>
                           <a:sym typeface="Wingdings" panose="05000000000000000000" pitchFamily="2" charset="2"/>
                         </a:rPr>
                         <a:t></a:t>
                       </a:r>
-                      <a:endParaRPr lang="en-US" sz="1100">
+                      <a:endParaRPr lang="en-US" sz="1400" b="1" dirty="0">
                         <a:effectLst/>
                         <a:latin typeface="Calibri" panose="020F0502020204030204" pitchFamily="34" charset="0"/>
                         <a:ea typeface="Calibri" panose="020F0502020204030204" pitchFamily="34" charset="0"/>
@@ -6725,12 +6571,12 @@
                         </a:spcAft>
                       </a:pPr>
                       <a:r>
-                        <a:rPr lang="en-US" sz="1100">
+                        <a:rPr lang="en-US" sz="1400" b="1">
                           <a:effectLst/>
                         </a:rPr>
                         <a:t>x</a:t>
                       </a:r>
-                      <a:endParaRPr lang="en-US" sz="1100">
+                      <a:endParaRPr lang="en-US" sz="1400" b="1">
                         <a:effectLst/>
                         <a:latin typeface="Calibri" panose="020F0502020204030204" pitchFamily="34" charset="0"/>
                         <a:ea typeface="Calibri" panose="020F0502020204030204" pitchFamily="34" charset="0"/>
@@ -6802,12 +6648,12 @@
                         </a:spcAft>
                       </a:pPr>
                       <a:r>
-                        <a:rPr lang="en-US" sz="1100">
+                        <a:rPr lang="en-US" sz="1400" b="1">
                           <a:effectLst/>
                         </a:rPr>
                         <a:t>x</a:t>
                       </a:r>
-                      <a:endParaRPr lang="en-US" sz="1100">
+                      <a:endParaRPr lang="en-US" sz="1400" b="1">
                         <a:effectLst/>
                         <a:latin typeface="Calibri" panose="020F0502020204030204" pitchFamily="34" charset="0"/>
                         <a:ea typeface="Calibri" panose="020F0502020204030204" pitchFamily="34" charset="0"/>
@@ -6879,13 +6725,13 @@
                         </a:spcAft>
                       </a:pPr>
                       <a:r>
-                        <a:rPr lang="en-US" sz="1100">
+                        <a:rPr lang="en-US" sz="1400" b="1">
                           <a:effectLst/>
                           <a:sym typeface="Wingdings" panose="05000000000000000000" pitchFamily="2" charset="2"/>
                         </a:rPr>
                         <a:t></a:t>
                       </a:r>
-                      <a:endParaRPr lang="en-US" sz="1100">
+                      <a:endParaRPr lang="en-US" sz="1400" b="1">
                         <a:effectLst/>
                         <a:latin typeface="Calibri" panose="020F0502020204030204" pitchFamily="34" charset="0"/>
                         <a:ea typeface="Calibri" panose="020F0502020204030204" pitchFamily="34" charset="0"/>
@@ -7036,13 +6882,13 @@
                         </a:spcAft>
                       </a:pPr>
                       <a:r>
-                        <a:rPr lang="en-US" sz="1100">
+                        <a:rPr lang="en-US" sz="1400" b="1">
                           <a:effectLst/>
                           <a:sym typeface="Wingdings" panose="05000000000000000000" pitchFamily="2" charset="2"/>
                         </a:rPr>
                         <a:t></a:t>
                       </a:r>
-                      <a:endParaRPr lang="en-US" sz="1100">
+                      <a:endParaRPr lang="en-US" sz="1400" b="1">
                         <a:effectLst/>
                         <a:latin typeface="Calibri" panose="020F0502020204030204" pitchFamily="34" charset="0"/>
                         <a:ea typeface="Calibri" panose="020F0502020204030204" pitchFamily="34" charset="0"/>
@@ -7114,13 +6960,13 @@
                         </a:spcAft>
                       </a:pPr>
                       <a:r>
-                        <a:rPr lang="en-US" sz="1100">
+                        <a:rPr lang="en-US" sz="1400" b="1">
                           <a:effectLst/>
                           <a:sym typeface="Wingdings" panose="05000000000000000000" pitchFamily="2" charset="2"/>
                         </a:rPr>
                         <a:t></a:t>
                       </a:r>
-                      <a:endParaRPr lang="en-US" sz="1100">
+                      <a:endParaRPr lang="en-US" sz="1400" b="1">
                         <a:effectLst/>
                         <a:latin typeface="Calibri" panose="020F0502020204030204" pitchFamily="34" charset="0"/>
                         <a:ea typeface="Calibri" panose="020F0502020204030204" pitchFamily="34" charset="0"/>
@@ -7192,12 +7038,12 @@
                         </a:spcAft>
                       </a:pPr>
                       <a:r>
-                        <a:rPr lang="en-US" sz="1100">
+                        <a:rPr lang="en-US" sz="1400" b="1" dirty="0" smtClean="0">
                           <a:effectLst/>
                         </a:rPr>
                         <a:t>x</a:t>
                       </a:r>
-                      <a:endParaRPr lang="en-US" sz="1100">
+                      <a:endParaRPr lang="en-US" sz="1400" b="1" dirty="0">
                         <a:effectLst/>
                         <a:latin typeface="Calibri" panose="020F0502020204030204" pitchFamily="34" charset="0"/>
                         <a:ea typeface="Calibri" panose="020F0502020204030204" pitchFamily="34" charset="0"/>
@@ -7269,12 +7115,12 @@
                         </a:spcAft>
                       </a:pPr>
                       <a:r>
-                        <a:rPr lang="en-US" sz="1100">
+                        <a:rPr lang="en-US" sz="1400" b="1">
                           <a:effectLst/>
                         </a:rPr>
                         <a:t>x</a:t>
                       </a:r>
-                      <a:endParaRPr lang="en-US" sz="1100">
+                      <a:endParaRPr lang="en-US" sz="1400" b="1">
                         <a:effectLst/>
                         <a:latin typeface="Calibri" panose="020F0502020204030204" pitchFamily="34" charset="0"/>
                         <a:ea typeface="Calibri" panose="020F0502020204030204" pitchFamily="34" charset="0"/>
@@ -7346,13 +7192,13 @@
                         </a:spcAft>
                       </a:pPr>
                       <a:r>
-                        <a:rPr lang="en-US" sz="1100">
+                        <a:rPr lang="en-US" sz="1400" b="1">
                           <a:effectLst/>
                           <a:sym typeface="Wingdings" panose="05000000000000000000" pitchFamily="2" charset="2"/>
                         </a:rPr>
                         <a:t></a:t>
                       </a:r>
-                      <a:endParaRPr lang="en-US" sz="1100">
+                      <a:endParaRPr lang="en-US" sz="1400" b="1">
                         <a:effectLst/>
                         <a:latin typeface="Calibri" panose="020F0502020204030204" pitchFamily="34" charset="0"/>
                         <a:ea typeface="Calibri" panose="020F0502020204030204" pitchFamily="34" charset="0"/>
@@ -7503,12 +7349,12 @@
                         </a:spcAft>
                       </a:pPr>
                       <a:r>
-                        <a:rPr lang="en-US" sz="1100">
+                        <a:rPr lang="en-US" sz="1400" b="1">
                           <a:effectLst/>
                         </a:rPr>
                         <a:t>x</a:t>
                       </a:r>
-                      <a:endParaRPr lang="en-US" sz="1100">
+                      <a:endParaRPr lang="en-US" sz="1400" b="1">
                         <a:effectLst/>
                         <a:latin typeface="Calibri" panose="020F0502020204030204" pitchFamily="34" charset="0"/>
                         <a:ea typeface="Calibri" panose="020F0502020204030204" pitchFamily="34" charset="0"/>
@@ -7580,13 +7426,13 @@
                         </a:spcAft>
                       </a:pPr>
                       <a:r>
-                        <a:rPr lang="en-US" sz="1100">
+                        <a:rPr lang="en-US" sz="1400" b="1">
                           <a:effectLst/>
                           <a:sym typeface="Wingdings" panose="05000000000000000000" pitchFamily="2" charset="2"/>
                         </a:rPr>
                         <a:t></a:t>
                       </a:r>
-                      <a:endParaRPr lang="en-US" sz="1100">
+                      <a:endParaRPr lang="en-US" sz="1400" b="1">
                         <a:effectLst/>
                         <a:latin typeface="Calibri" panose="020F0502020204030204" pitchFamily="34" charset="0"/>
                         <a:ea typeface="Calibri" panose="020F0502020204030204" pitchFamily="34" charset="0"/>
@@ -7658,13 +7504,13 @@
                         </a:spcAft>
                       </a:pPr>
                       <a:r>
-                        <a:rPr lang="en-US" sz="1100">
+                        <a:rPr lang="en-US" sz="1400" b="1">
                           <a:effectLst/>
                           <a:sym typeface="Wingdings" panose="05000000000000000000" pitchFamily="2" charset="2"/>
                         </a:rPr>
                         <a:t></a:t>
                       </a:r>
-                      <a:endParaRPr lang="en-US" sz="1100">
+                      <a:endParaRPr lang="en-US" sz="1400" b="1">
                         <a:effectLst/>
                         <a:latin typeface="Calibri" panose="020F0502020204030204" pitchFamily="34" charset="0"/>
                         <a:ea typeface="Calibri" panose="020F0502020204030204" pitchFamily="34" charset="0"/>
@@ -7736,13 +7582,13 @@
                         </a:spcAft>
                       </a:pPr>
                       <a:r>
-                        <a:rPr lang="en-US" sz="1100">
+                        <a:rPr lang="en-US" sz="1400" b="1">
                           <a:effectLst/>
                           <a:sym typeface="Wingdings" panose="05000000000000000000" pitchFamily="2" charset="2"/>
                         </a:rPr>
                         <a:t></a:t>
                       </a:r>
-                      <a:endParaRPr lang="en-US" sz="1100">
+                      <a:endParaRPr lang="en-US" sz="1400" b="1">
                         <a:effectLst/>
                         <a:latin typeface="Calibri" panose="020F0502020204030204" pitchFamily="34" charset="0"/>
                         <a:ea typeface="Calibri" panose="020F0502020204030204" pitchFamily="34" charset="0"/>
@@ -7814,13 +7660,13 @@
                         </a:spcAft>
                       </a:pPr>
                       <a:r>
-                        <a:rPr lang="en-US" sz="1100">
+                        <a:rPr lang="en-US" sz="1400" b="1">
                           <a:effectLst/>
                           <a:sym typeface="Wingdings" panose="05000000000000000000" pitchFamily="2" charset="2"/>
                         </a:rPr>
                         <a:t></a:t>
                       </a:r>
-                      <a:endParaRPr lang="en-US" sz="1100">
+                      <a:endParaRPr lang="en-US" sz="1400" b="1">
                         <a:effectLst/>
                         <a:latin typeface="Calibri" panose="020F0502020204030204" pitchFamily="34" charset="0"/>
                         <a:ea typeface="Calibri" panose="020F0502020204030204" pitchFamily="34" charset="0"/>
@@ -7971,13 +7817,13 @@
                         </a:spcAft>
                       </a:pPr>
                       <a:r>
-                        <a:rPr lang="en-US" sz="1100">
+                        <a:rPr lang="en-US" sz="1400" b="1">
                           <a:effectLst/>
                           <a:sym typeface="Wingdings" panose="05000000000000000000" pitchFamily="2" charset="2"/>
                         </a:rPr>
                         <a:t></a:t>
                       </a:r>
-                      <a:endParaRPr lang="en-US" sz="1100">
+                      <a:endParaRPr lang="en-US" sz="1400" b="1">
                         <a:effectLst/>
                         <a:latin typeface="Calibri" panose="020F0502020204030204" pitchFamily="34" charset="0"/>
                         <a:ea typeface="Calibri" panose="020F0502020204030204" pitchFamily="34" charset="0"/>
@@ -8049,12 +7895,18 @@
                         </a:spcAft>
                       </a:pPr>
                       <a:r>
-                        <a:rPr lang="en-US" sz="1100">
+                        <a:rPr lang="en-US" sz="1400" b="1" dirty="0">
                           <a:effectLst/>
                         </a:rPr>
                         <a:t> </a:t>
                       </a:r>
-                      <a:endParaRPr lang="en-US" sz="1100">
+                      <a:r>
+                        <a:rPr lang="en-US" sz="1400" b="1" dirty="0" smtClean="0">
+                          <a:effectLst/>
+                        </a:rPr>
+                        <a:t>x</a:t>
+                      </a:r>
+                      <a:endParaRPr lang="en-US" sz="1400" b="1" dirty="0">
                         <a:effectLst/>
                         <a:latin typeface="Calibri" panose="020F0502020204030204" pitchFamily="34" charset="0"/>
                         <a:ea typeface="Calibri" panose="020F0502020204030204" pitchFamily="34" charset="0"/>
@@ -8126,13 +7978,13 @@
                         </a:spcAft>
                       </a:pPr>
                       <a:r>
-                        <a:rPr lang="en-US" sz="1100">
+                        <a:rPr lang="en-US" sz="1400" b="1">
                           <a:effectLst/>
                           <a:sym typeface="Wingdings" panose="05000000000000000000" pitchFamily="2" charset="2"/>
                         </a:rPr>
                         <a:t></a:t>
                       </a:r>
-                      <a:endParaRPr lang="en-US" sz="1100">
+                      <a:endParaRPr lang="en-US" sz="1400" b="1">
                         <a:effectLst/>
                         <a:latin typeface="Calibri" panose="020F0502020204030204" pitchFamily="34" charset="0"/>
                         <a:ea typeface="Calibri" panose="020F0502020204030204" pitchFamily="34" charset="0"/>
@@ -8204,13 +8056,13 @@
                         </a:spcAft>
                       </a:pPr>
                       <a:r>
-                        <a:rPr lang="en-US" sz="1100">
+                        <a:rPr lang="en-US" sz="1400" b="1">
                           <a:effectLst/>
                           <a:sym typeface="Wingdings" panose="05000000000000000000" pitchFamily="2" charset="2"/>
                         </a:rPr>
                         <a:t></a:t>
                       </a:r>
-                      <a:endParaRPr lang="en-US" sz="1100">
+                      <a:endParaRPr lang="en-US" sz="1400" b="1">
                         <a:effectLst/>
                         <a:latin typeface="Calibri" panose="020F0502020204030204" pitchFamily="34" charset="0"/>
                         <a:ea typeface="Calibri" panose="020F0502020204030204" pitchFamily="34" charset="0"/>
@@ -8282,13 +8134,13 @@
                         </a:spcAft>
                       </a:pPr>
                       <a:r>
-                        <a:rPr lang="en-US" sz="1100">
+                        <a:rPr lang="en-US" sz="1400" b="1">
                           <a:effectLst/>
                           <a:sym typeface="Wingdings" panose="05000000000000000000" pitchFamily="2" charset="2"/>
                         </a:rPr>
                         <a:t></a:t>
                       </a:r>
-                      <a:endParaRPr lang="en-US" sz="1100">
+                      <a:endParaRPr lang="en-US" sz="1400" b="1">
                         <a:effectLst/>
                         <a:latin typeface="Calibri" panose="020F0502020204030204" pitchFamily="34" charset="0"/>
                         <a:ea typeface="Calibri" panose="020F0502020204030204" pitchFamily="34" charset="0"/>
@@ -8439,13 +8291,13 @@
                         </a:spcAft>
                       </a:pPr>
                       <a:r>
-                        <a:rPr lang="en-US" sz="1100">
+                        <a:rPr lang="en-US" sz="1400" b="1">
                           <a:effectLst/>
                           <a:sym typeface="Wingdings" panose="05000000000000000000" pitchFamily="2" charset="2"/>
                         </a:rPr>
                         <a:t></a:t>
                       </a:r>
-                      <a:endParaRPr lang="en-US" sz="1100">
+                      <a:endParaRPr lang="en-US" sz="1400" b="1">
                         <a:effectLst/>
                         <a:latin typeface="Calibri" panose="020F0502020204030204" pitchFamily="34" charset="0"/>
                         <a:ea typeface="Calibri" panose="020F0502020204030204" pitchFamily="34" charset="0"/>
@@ -8517,13 +8369,13 @@
                         </a:spcAft>
                       </a:pPr>
                       <a:r>
-                        <a:rPr lang="en-US" sz="1100">
+                        <a:rPr lang="en-US" sz="1400" b="1">
                           <a:effectLst/>
                           <a:sym typeface="Wingdings" panose="05000000000000000000" pitchFamily="2" charset="2"/>
                         </a:rPr>
                         <a:t></a:t>
                       </a:r>
-                      <a:endParaRPr lang="en-US" sz="1100">
+                      <a:endParaRPr lang="en-US" sz="1400" b="1">
                         <a:effectLst/>
                         <a:latin typeface="Calibri" panose="020F0502020204030204" pitchFamily="34" charset="0"/>
                         <a:ea typeface="Calibri" panose="020F0502020204030204" pitchFamily="34" charset="0"/>
@@ -8595,12 +8447,12 @@
                         </a:spcAft>
                       </a:pPr>
                       <a:r>
-                        <a:rPr lang="en-US" sz="1100">
+                        <a:rPr lang="en-US" sz="1400" b="1">
                           <a:effectLst/>
                         </a:rPr>
                         <a:t>x</a:t>
                       </a:r>
-                      <a:endParaRPr lang="en-US" sz="1100">
+                      <a:endParaRPr lang="en-US" sz="1400" b="1">
                         <a:effectLst/>
                         <a:latin typeface="Calibri" panose="020F0502020204030204" pitchFamily="34" charset="0"/>
                         <a:ea typeface="Calibri" panose="020F0502020204030204" pitchFamily="34" charset="0"/>
@@ -8672,12 +8524,12 @@
                         </a:spcAft>
                       </a:pPr>
                       <a:r>
-                        <a:rPr lang="en-US" sz="1100">
+                        <a:rPr lang="en-US" sz="1400" b="1">
                           <a:effectLst/>
                         </a:rPr>
                         <a:t>x</a:t>
                       </a:r>
-                      <a:endParaRPr lang="en-US" sz="1100">
+                      <a:endParaRPr lang="en-US" sz="1400" b="1">
                         <a:effectLst/>
                         <a:latin typeface="Calibri" panose="020F0502020204030204" pitchFamily="34" charset="0"/>
                         <a:ea typeface="Calibri" panose="020F0502020204030204" pitchFamily="34" charset="0"/>
@@ -8749,13 +8601,13 @@
                         </a:spcAft>
                       </a:pPr>
                       <a:r>
-                        <a:rPr lang="en-US" sz="1100">
+                        <a:rPr lang="en-US" sz="1400" b="1">
                           <a:effectLst/>
                           <a:sym typeface="Wingdings" panose="05000000000000000000" pitchFamily="2" charset="2"/>
                         </a:rPr>
                         <a:t></a:t>
                       </a:r>
-                      <a:endParaRPr lang="en-US" sz="1100">
+                      <a:endParaRPr lang="en-US" sz="1400" b="1">
                         <a:effectLst/>
                         <a:latin typeface="Calibri" panose="020F0502020204030204" pitchFamily="34" charset="0"/>
                         <a:ea typeface="Calibri" panose="020F0502020204030204" pitchFamily="34" charset="0"/>
@@ -8906,12 +8758,101 @@
                         </a:spcAft>
                       </a:pPr>
                       <a:r>
-                        <a:rPr lang="en-US" sz="1100">
+                        <a:rPr lang="en-US" sz="1400" b="1">
                           <a:effectLst/>
                         </a:rPr>
                         <a:t>x</a:t>
                       </a:r>
-                      <a:endParaRPr lang="en-US" sz="1100">
+                      <a:endParaRPr lang="en-US" sz="1400" b="1">
+                        <a:effectLst/>
+                        <a:latin typeface="Calibri" panose="020F0502020204030204" pitchFamily="34" charset="0"/>
+                        <a:ea typeface="Calibri" panose="020F0502020204030204" pitchFamily="34" charset="0"/>
+                        <a:cs typeface="Arial" panose="02080604020202020204" pitchFamily="34" charset="0"/>
+                      </a:endParaRPr>
+                    </a:p>
+                  </a:txBody>
+                  <a:tcPr marL="68580" marR="68580" marT="0" marB="0" anchor="ctr">
+                    <a:lnL w="12700" cap="flat" cmpd="sng" algn="ctr">
+                      <a:solidFill>
+                        <a:schemeClr val="tx1"/>
+                      </a:solidFill>
+                      <a:prstDash val="solid"/>
+                      <a:round/>
+                      <a:headEnd type="none" w="med" len="med"/>
+                      <a:tailEnd type="none" w="med" len="med"/>
+                    </a:lnL>
+                    <a:lnR w="12700" cap="flat" cmpd="sng" algn="ctr">
+                      <a:solidFill>
+                        <a:schemeClr val="tx1"/>
+                      </a:solidFill>
+                      <a:prstDash val="solid"/>
+                      <a:round/>
+                      <a:headEnd type="none" w="med" len="med"/>
+                      <a:tailEnd type="none" w="med" len="med"/>
+                    </a:lnR>
+                    <a:lnT w="12700" cap="flat" cmpd="sng" algn="ctr">
+                      <a:solidFill>
+                        <a:schemeClr val="tx1"/>
+                      </a:solidFill>
+                      <a:prstDash val="solid"/>
+                      <a:round/>
+                      <a:headEnd type="none" w="med" len="med"/>
+                      <a:tailEnd type="none" w="med" len="med"/>
+                    </a:lnT>
+                    <a:lnB w="12700" cap="flat" cmpd="sng" algn="ctr">
+                      <a:solidFill>
+                        <a:schemeClr val="tx1"/>
+                      </a:solidFill>
+                      <a:prstDash val="solid"/>
+                      <a:round/>
+                      <a:headEnd type="none" w="med" len="med"/>
+                      <a:tailEnd type="none" w="med" len="med"/>
+                    </a:lnB>
+                    <a:lnTlToBr w="12700" cmpd="sng">
+                      <a:noFill/>
+                      <a:prstDash val="solid"/>
+                    </a:lnTlToBr>
+                    <a:lnBlToTr w="12700" cmpd="sng">
+                      <a:noFill/>
+                      <a:prstDash val="solid"/>
+                    </a:lnBlToTr>
+                  </a:tcPr>
+                </a:tc>
+                <a:tc>
+                  <a:txBody>
+                    <a:bodyPr/>
+                    <a:lstStyle/>
+                    <a:p>
+                      <a:pPr marL="0" marR="0" indent="0" algn="ctr" defTabSz="914400" rtl="0" eaLnBrk="1" fontAlgn="auto" latinLnBrk="0" hangingPunct="1">
+                        <a:lnSpc>
+                          <a:spcPct val="107000"/>
+                        </a:lnSpc>
+                        <a:spcBef>
+                          <a:spcPts val="0"/>
+                        </a:spcBef>
+                        <a:spcAft>
+                          <a:spcPts val="0"/>
+                        </a:spcAft>
+                        <a:buClrTx/>
+                        <a:buSzTx/>
+                        <a:buFontTx/>
+                        <a:buNone/>
+                        <a:tabLst/>
+                        <a:defRPr/>
+                      </a:pPr>
+                      <a:r>
+                        <a:rPr lang="en-US" sz="1400" b="1" smtClean="0">
+                          <a:effectLst/>
+                        </a:rPr>
+                        <a:t>x</a:t>
+                      </a:r>
+                      <a:r>
+                        <a:rPr lang="en-US" sz="1400" b="1">
+                          <a:effectLst/>
+                        </a:rPr>
+                        <a:t> </a:t>
+                      </a:r>
+                      <a:endParaRPr lang="en-US" sz="1400" b="1">
                         <a:effectLst/>
                         <a:latin typeface="Calibri" panose="020F0502020204030204" pitchFamily="34" charset="0"/>
                         <a:ea typeface="Calibri" panose="020F0502020204030204" pitchFamily="34" charset="0"/>
@@ -8983,12 +8924,13 @@
                         </a:spcAft>
                       </a:pPr>
                       <a:r>
-                        <a:rPr lang="en-US" sz="1100">
+                        <a:rPr lang="en-US" sz="1400" b="1">
                           <a:effectLst/>
+                          <a:sym typeface="Wingdings" panose="05000000000000000000" pitchFamily="2" charset="2"/>
                         </a:rPr>
-                        <a:t> </a:t>
+                        <a:t></a:t>
                       </a:r>
-                      <a:endParaRPr lang="en-US" sz="1100">
+                      <a:endParaRPr lang="en-US" sz="1400" b="1">
                         <a:effectLst/>
                         <a:latin typeface="Calibri" panose="020F0502020204030204" pitchFamily="34" charset="0"/>
                         <a:ea typeface="Calibri" panose="020F0502020204030204" pitchFamily="34" charset="0"/>
@@ -9060,13 +9002,13 @@
                         </a:spcAft>
                       </a:pPr>
                       <a:r>
-                        <a:rPr lang="en-US" sz="1100">
+                        <a:rPr lang="en-US" sz="1400" b="1">
                           <a:effectLst/>
                           <a:sym typeface="Wingdings" panose="05000000000000000000" pitchFamily="2" charset="2"/>
                         </a:rPr>
                         <a:t></a:t>
                       </a:r>
-                      <a:endParaRPr lang="en-US" sz="1100">
+                      <a:endParaRPr lang="en-US" sz="1400" b="1">
                         <a:effectLst/>
                         <a:latin typeface="Calibri" panose="020F0502020204030204" pitchFamily="34" charset="0"/>
                         <a:ea typeface="Calibri" panose="020F0502020204030204" pitchFamily="34" charset="0"/>
@@ -9138,91 +9080,13 @@
                         </a:spcAft>
                       </a:pPr>
                       <a:r>
-                        <a:rPr lang="en-US" sz="1100">
+                        <a:rPr lang="en-US" sz="1400" b="1">
                           <a:effectLst/>
                           <a:sym typeface="Wingdings" panose="05000000000000000000" pitchFamily="2" charset="2"/>
                         </a:rPr>
                         <a:t></a:t>
                       </a:r>
-                      <a:endParaRPr lang="en-US" sz="1100">
-                        <a:effectLst/>
-                        <a:latin typeface="Calibri" panose="020F0502020204030204" pitchFamily="34" charset="0"/>
-                        <a:ea typeface="Calibri" panose="020F0502020204030204" pitchFamily="34" charset="0"/>
-                        <a:cs typeface="Arial" panose="02080604020202020204" pitchFamily="34" charset="0"/>
-                      </a:endParaRPr>
-                    </a:p>
-                  </a:txBody>
-                  <a:tcPr marL="68580" marR="68580" marT="0" marB="0" anchor="ctr">
-                    <a:lnL w="12700" cap="flat" cmpd="sng" algn="ctr">
-                      <a:solidFill>
-                        <a:schemeClr val="tx1"/>
-                      </a:solidFill>
-                      <a:prstDash val="solid"/>
-                      <a:round/>
-                      <a:headEnd type="none" w="med" len="med"/>
-                      <a:tailEnd type="none" w="med" len="med"/>
-                    </a:lnL>
-                    <a:lnR w="12700" cap="flat" cmpd="sng" algn="ctr">
-                      <a:solidFill>
-                        <a:schemeClr val="tx1"/>
-                      </a:solidFill>
-                      <a:prstDash val="solid"/>
-                      <a:round/>
-                      <a:headEnd type="none" w="med" len="med"/>
-                      <a:tailEnd type="none" w="med" len="med"/>
-                    </a:lnR>
-                    <a:lnT w="12700" cap="flat" cmpd="sng" algn="ctr">
-                      <a:solidFill>
-                        <a:schemeClr val="tx1"/>
-                      </a:solidFill>
-                      <a:prstDash val="solid"/>
-                      <a:round/>
-                      <a:headEnd type="none" w="med" len="med"/>
-                      <a:tailEnd type="none" w="med" len="med"/>
-                    </a:lnT>
-                    <a:lnB w="12700" cap="flat" cmpd="sng" algn="ctr">
-                      <a:solidFill>
-                        <a:schemeClr val="tx1"/>
-                      </a:solidFill>
-                      <a:prstDash val="solid"/>
-                      <a:round/>
-                      <a:headEnd type="none" w="med" len="med"/>
-                      <a:tailEnd type="none" w="med" len="med"/>
-                    </a:lnB>
-                    <a:lnTlToBr w="12700" cmpd="sng">
-                      <a:noFill/>
-                      <a:prstDash val="solid"/>
-                    </a:lnTlToBr>
-                    <a:lnBlToTr w="12700" cmpd="sng">
-                      <a:noFill/>
-                      <a:prstDash val="solid"/>
-                    </a:lnBlToTr>
-                  </a:tcPr>
-                </a:tc>
-                <a:tc>
-                  <a:txBody>
-                    <a:bodyPr/>
-                    <a:lstStyle/>
-                    <a:p>
-                      <a:pPr marL="0" marR="0" algn="ctr">
-                        <a:lnSpc>
-                          <a:spcPct val="107000"/>
-                        </a:lnSpc>
-                        <a:spcBef>
-                          <a:spcPts val="0"/>
-                        </a:spcBef>
-                        <a:spcAft>
-                          <a:spcPts val="0"/>
-                        </a:spcAft>
-                      </a:pPr>
-                      <a:r>
-                        <a:rPr lang="en-US" sz="1100">
-                          <a:effectLst/>
-                          <a:sym typeface="Wingdings" panose="05000000000000000000" pitchFamily="2" charset="2"/>
-                        </a:rPr>
-                        <a:t></a:t>
-                      </a:r>
-                      <a:endParaRPr lang="en-US" sz="1100">
+                      <a:endParaRPr lang="en-US" sz="1400" b="1">
                         <a:effectLst/>
                         <a:latin typeface="Calibri" panose="020F0502020204030204" pitchFamily="34" charset="0"/>
                         <a:ea typeface="Calibri" panose="020F0502020204030204" pitchFamily="34" charset="0"/>
@@ -9373,13 +9237,13 @@
                         </a:spcAft>
                       </a:pPr>
                       <a:r>
-                        <a:rPr lang="en-US" sz="1100">
+                        <a:rPr lang="en-US" sz="1400" b="1" dirty="0">
                           <a:effectLst/>
                           <a:sym typeface="Wingdings" panose="05000000000000000000" pitchFamily="2" charset="2"/>
                         </a:rPr>
                         <a:t></a:t>
                       </a:r>
-                      <a:endParaRPr lang="en-US" sz="1100">
+                      <a:endParaRPr lang="en-US" sz="1400" b="1" dirty="0">
                         <a:effectLst/>
                         <a:latin typeface="Calibri" panose="020F0502020204030204" pitchFamily="34" charset="0"/>
                         <a:ea typeface="Calibri" panose="020F0502020204030204" pitchFamily="34" charset="0"/>
@@ -9451,13 +9315,13 @@
                         </a:spcAft>
                       </a:pPr>
                       <a:r>
-                        <a:rPr lang="en-US" sz="1100">
+                        <a:rPr lang="en-US" sz="1400" b="1">
                           <a:effectLst/>
                           <a:sym typeface="Wingdings" panose="05000000000000000000" pitchFamily="2" charset="2"/>
                         </a:rPr>
                         <a:t></a:t>
                       </a:r>
-                      <a:endParaRPr lang="en-US" sz="1100">
+                      <a:endParaRPr lang="en-US" sz="1400" b="1">
                         <a:effectLst/>
                         <a:latin typeface="Calibri" panose="020F0502020204030204" pitchFamily="34" charset="0"/>
                         <a:ea typeface="Calibri" panose="020F0502020204030204" pitchFamily="34" charset="0"/>
@@ -9529,13 +9393,13 @@
                         </a:spcAft>
                       </a:pPr>
                       <a:r>
-                        <a:rPr lang="en-US" sz="1100">
+                        <a:rPr lang="en-US" sz="1400" b="1">
                           <a:effectLst/>
                           <a:sym typeface="Wingdings" panose="05000000000000000000" pitchFamily="2" charset="2"/>
                         </a:rPr>
                         <a:t></a:t>
                       </a:r>
-                      <a:endParaRPr lang="en-US" sz="1100">
+                      <a:endParaRPr lang="en-US" sz="1400" b="1">
                         <a:effectLst/>
                         <a:latin typeface="Calibri" panose="020F0502020204030204" pitchFamily="34" charset="0"/>
                         <a:ea typeface="Calibri" panose="020F0502020204030204" pitchFamily="34" charset="0"/>
@@ -9607,13 +9471,13 @@
                         </a:spcAft>
                       </a:pPr>
                       <a:r>
-                        <a:rPr lang="en-US" sz="1100">
+                        <a:rPr lang="en-US" sz="1400" b="1">
                           <a:effectLst/>
                           <a:sym typeface="Wingdings" panose="05000000000000000000" pitchFamily="2" charset="2"/>
                         </a:rPr>
                         <a:t></a:t>
                       </a:r>
-                      <a:endParaRPr lang="en-US" sz="1100">
+                      <a:endParaRPr lang="en-US" sz="1400" b="1">
                         <a:effectLst/>
                         <a:latin typeface="Calibri" panose="020F0502020204030204" pitchFamily="34" charset="0"/>
                         <a:ea typeface="Calibri" panose="020F0502020204030204" pitchFamily="34" charset="0"/>
@@ -9685,13 +9549,13 @@
                         </a:spcAft>
                       </a:pPr>
                       <a:r>
-                        <a:rPr lang="en-US" sz="1100">
+                        <a:rPr lang="en-US" sz="1400" b="1">
                           <a:effectLst/>
                           <a:sym typeface="Wingdings" panose="05000000000000000000" pitchFamily="2" charset="2"/>
                         </a:rPr>
                         <a:t></a:t>
                       </a:r>
-                      <a:endParaRPr lang="en-US" sz="1100">
+                      <a:endParaRPr lang="en-US" sz="1400" b="1">
                         <a:effectLst/>
                         <a:latin typeface="Calibri" panose="020F0502020204030204" pitchFamily="34" charset="0"/>
                         <a:ea typeface="Calibri" panose="020F0502020204030204" pitchFamily="34" charset="0"/>
@@ -9842,12 +9706,12 @@
                         </a:spcAft>
                       </a:pPr>
                       <a:r>
-                        <a:rPr lang="en-US" sz="1100">
+                        <a:rPr lang="en-US" sz="1400" b="1">
                           <a:effectLst/>
                         </a:rPr>
                         <a:t>x</a:t>
                       </a:r>
-                      <a:endParaRPr lang="en-US" sz="1100">
+                      <a:endParaRPr lang="en-US" sz="1400" b="1">
                         <a:effectLst/>
                         <a:latin typeface="Calibri" panose="020F0502020204030204" pitchFamily="34" charset="0"/>
                         <a:ea typeface="Calibri" panose="020F0502020204030204" pitchFamily="34" charset="0"/>
@@ -9919,12 +9783,12 @@
                         </a:spcAft>
                       </a:pPr>
                       <a:r>
-                        <a:rPr lang="en-US" sz="1100">
+                        <a:rPr lang="en-US" sz="1400" b="1">
                           <a:effectLst/>
                         </a:rPr>
                         <a:t>x</a:t>
                       </a:r>
-                      <a:endParaRPr lang="en-US" sz="1100">
+                      <a:endParaRPr lang="en-US" sz="1400" b="1">
                         <a:effectLst/>
                         <a:latin typeface="Calibri" panose="020F0502020204030204" pitchFamily="34" charset="0"/>
                         <a:ea typeface="Calibri" panose="020F0502020204030204" pitchFamily="34" charset="0"/>
@@ -9996,12 +9860,12 @@
                         </a:spcAft>
                       </a:pPr>
                       <a:r>
-                        <a:rPr lang="en-US" sz="1100">
+                        <a:rPr lang="en-US" sz="1400" b="1">
                           <a:effectLst/>
                         </a:rPr>
                         <a:t>x</a:t>
                       </a:r>
-                      <a:endParaRPr lang="en-US" sz="1100">
+                      <a:endParaRPr lang="en-US" sz="1400" b="1">
                         <a:effectLst/>
                         <a:latin typeface="Calibri" panose="020F0502020204030204" pitchFamily="34" charset="0"/>
                         <a:ea typeface="Calibri" panose="020F0502020204030204" pitchFamily="34" charset="0"/>
@@ -10073,12 +9937,12 @@
                         </a:spcAft>
                       </a:pPr>
                       <a:r>
-                        <a:rPr lang="en-US" sz="1100">
+                        <a:rPr lang="en-US" sz="1400" b="1">
                           <a:effectLst/>
                         </a:rPr>
                         <a:t>x</a:t>
                       </a:r>
-                      <a:endParaRPr lang="en-US" sz="1100">
+                      <a:endParaRPr lang="en-US" sz="1400" b="1">
                         <a:effectLst/>
                         <a:latin typeface="Calibri" panose="020F0502020204030204" pitchFamily="34" charset="0"/>
                         <a:ea typeface="Calibri" panose="020F0502020204030204" pitchFamily="34" charset="0"/>
@@ -10150,13 +10014,13 @@
                         </a:spcAft>
                       </a:pPr>
                       <a:r>
-                        <a:rPr lang="en-US" sz="1100">
+                        <a:rPr lang="en-US" sz="1400" b="1">
                           <a:effectLst/>
                           <a:sym typeface="Wingdings" panose="05000000000000000000" pitchFamily="2" charset="2"/>
                         </a:rPr>
                         <a:t></a:t>
                       </a:r>
-                      <a:endParaRPr lang="en-US" sz="1100">
+                      <a:endParaRPr lang="en-US" sz="1400" b="1">
                         <a:effectLst/>
                         <a:latin typeface="Calibri" panose="020F0502020204030204" pitchFamily="34" charset="0"/>
                         <a:ea typeface="Calibri" panose="020F0502020204030204" pitchFamily="34" charset="0"/>
@@ -10307,12 +10171,12 @@
                         </a:spcAft>
                       </a:pPr>
                       <a:r>
-                        <a:rPr lang="en-US" sz="1100">
+                        <a:rPr lang="en-US" sz="1400" b="1">
                           <a:effectLst/>
                         </a:rPr>
                         <a:t>x</a:t>
                       </a:r>
-                      <a:endParaRPr lang="en-US" sz="1100">
+                      <a:endParaRPr lang="en-US" sz="1400" b="1">
                         <a:effectLst/>
                         <a:latin typeface="Calibri" panose="020F0502020204030204" pitchFamily="34" charset="0"/>
                         <a:ea typeface="Calibri" panose="020F0502020204030204" pitchFamily="34" charset="0"/>
@@ -10384,13 +10248,13 @@
                         </a:spcAft>
                       </a:pPr>
                       <a:r>
-                        <a:rPr lang="en-US" sz="1100">
+                        <a:rPr lang="en-US" sz="1400" b="1">
                           <a:effectLst/>
                           <a:sym typeface="Wingdings" panose="05000000000000000000" pitchFamily="2" charset="2"/>
                         </a:rPr>
                         <a:t></a:t>
                       </a:r>
-                      <a:endParaRPr lang="en-US" sz="1100">
+                      <a:endParaRPr lang="en-US" sz="1400" b="1">
                         <a:effectLst/>
                         <a:latin typeface="Calibri" panose="020F0502020204030204" pitchFamily="34" charset="0"/>
                         <a:ea typeface="Calibri" panose="020F0502020204030204" pitchFamily="34" charset="0"/>
@@ -10462,12 +10326,12 @@
                         </a:spcAft>
                       </a:pPr>
                       <a:r>
-                        <a:rPr lang="en-US" sz="1100">
+                        <a:rPr lang="en-US" sz="1400" b="1">
                           <a:effectLst/>
                         </a:rPr>
                         <a:t>x</a:t>
                       </a:r>
-                      <a:endParaRPr lang="en-US" sz="1100">
+                      <a:endParaRPr lang="en-US" sz="1400" b="1">
                         <a:effectLst/>
                         <a:latin typeface="Calibri" panose="020F0502020204030204" pitchFamily="34" charset="0"/>
                         <a:ea typeface="Calibri" panose="020F0502020204030204" pitchFamily="34" charset="0"/>
@@ -10539,13 +10403,13 @@
                         </a:spcAft>
                       </a:pPr>
                       <a:r>
-                        <a:rPr lang="en-US" sz="1100">
+                        <a:rPr lang="en-US" sz="1400" b="1">
                           <a:effectLst/>
                           <a:sym typeface="Wingdings" panose="05000000000000000000" pitchFamily="2" charset="2"/>
                         </a:rPr>
                         <a:t></a:t>
                       </a:r>
-                      <a:endParaRPr lang="en-US" sz="1100">
+                      <a:endParaRPr lang="en-US" sz="1400" b="1">
                         <a:effectLst/>
                         <a:latin typeface="Calibri" panose="020F0502020204030204" pitchFamily="34" charset="0"/>
                         <a:ea typeface="Calibri" panose="020F0502020204030204" pitchFamily="34" charset="0"/>
@@ -10617,12 +10481,12 @@
                         </a:spcAft>
                       </a:pPr>
                       <a:r>
-                        <a:rPr lang="en-US" sz="1100" dirty="0">
+                        <a:rPr lang="en-US" sz="1400" b="1" dirty="0">
                           <a:effectLst/>
                         </a:rPr>
                         <a:t>x</a:t>
                       </a:r>
-                      <a:endParaRPr lang="en-US" sz="1100" dirty="0">
+                      <a:endParaRPr lang="en-US" sz="1400" b="1" dirty="0">
                         <a:effectLst/>
                         <a:latin typeface="Calibri" panose="020F0502020204030204" pitchFamily="34" charset="0"/>
                         <a:ea typeface="Calibri" panose="020F0502020204030204" pitchFamily="34" charset="0"/>
@@ -10733,7 +10597,6 @@
               <a:rPr lang="en-US" dirty="0"/>
               <a:t>Requirement Analysis</a:t>
             </a:r>
-            <a:endParaRPr lang="en-US" dirty="0"/>
           </a:p>
         </p:txBody>
       </p:sp>
@@ -10772,7 +10635,6 @@
               <a:rPr lang="en-US" sz="2400" dirty="0"/>
               <a:t>main modules:</a:t>
             </a:r>
-            <a:endParaRPr lang="en-US" sz="2400" dirty="0"/>
           </a:p>
           <a:p>
             <a:pPr>
@@ -10784,7 +10646,6 @@
               <a:rPr lang="en-US" sz="2400" dirty="0"/>
               <a:t>Main Menu</a:t>
             </a:r>
-            <a:endParaRPr lang="en-US" sz="2400" dirty="0"/>
           </a:p>
           <a:p>
             <a:pPr>
@@ -10796,7 +10657,6 @@
               <a:rPr lang="en-US" sz="2400" dirty="0"/>
               <a:t>Tour Guide</a:t>
             </a:r>
-            <a:endParaRPr lang="en-US" sz="2400" dirty="0"/>
           </a:p>
           <a:p>
             <a:pPr>
@@ -10808,7 +10668,6 @@
               <a:rPr lang="en-US" sz="2400" dirty="0"/>
               <a:t>Game Mode</a:t>
             </a:r>
-            <a:endParaRPr lang="en-US" sz="2400" dirty="0"/>
           </a:p>
         </p:txBody>
       </p:sp>
@@ -10873,7 +10732,6 @@
               <a:rPr lang="en-US" sz="2400" b="1" dirty="0"/>
               <a:t>Main Menu Module</a:t>
             </a:r>
-            <a:endParaRPr lang="en-US" sz="2400" b="1" dirty="0"/>
           </a:p>
           <a:p>
             <a:pPr marL="0" indent="0">
@@ -10883,7 +10741,6 @@
               <a:rPr lang="en-US" dirty="0"/>
               <a:t>R1: The application shall allow user to select Tour Guide/Game or Exit the application</a:t>
             </a:r>
-            <a:endParaRPr lang="en-US" dirty="0"/>
           </a:p>
           <a:p>
             <a:pPr marL="0" indent="0">
@@ -10899,7 +10756,6 @@
               <a:rPr lang="en-US" sz="2400" b="1" dirty="0"/>
               <a:t>Tour Guide</a:t>
             </a:r>
-            <a:endParaRPr lang="en-US" sz="2400" b="1" dirty="0"/>
           </a:p>
           <a:p>
             <a:pPr marL="0" indent="0">
@@ -10909,7 +10765,6 @@
               <a:rPr lang="en-US" dirty="0"/>
               <a:t>R2: The application shall guide the user with robot companion.</a:t>
             </a:r>
-            <a:endParaRPr lang="en-US" dirty="0"/>
           </a:p>
           <a:p>
             <a:pPr marL="0" indent="0">
@@ -10919,7 +10774,6 @@
               <a:rPr lang="en-US" dirty="0"/>
               <a:t>R3: The application shall pass the user through all the water cycle phases.</a:t>
             </a:r>
-            <a:endParaRPr lang="en-US" dirty="0"/>
           </a:p>
           <a:p>
             <a:pPr marL="0" indent="0">
@@ -10929,7 +10783,6 @@
               <a:rPr lang="en-US" dirty="0"/>
               <a:t>R4: The application shall allow user to look around. </a:t>
             </a:r>
-            <a:endParaRPr lang="en-US" dirty="0"/>
           </a:p>
           <a:p>
             <a:pPr marL="0" indent="0">
@@ -10939,7 +10792,6 @@
               <a:rPr lang="en-US" dirty="0"/>
               <a:t> </a:t>
             </a:r>
-            <a:endParaRPr lang="en-US" dirty="0"/>
           </a:p>
           <a:p>
             <a:pPr marL="0" indent="0">
@@ -10949,7 +10801,6 @@
               <a:rPr lang="en-US" sz="2400" b="1" dirty="0"/>
               <a:t>Mini Game:</a:t>
             </a:r>
-            <a:endParaRPr lang="en-US" sz="2400" b="1" dirty="0"/>
           </a:p>
           <a:p>
             <a:pPr marL="0" indent="0">
@@ -10959,7 +10810,6 @@
               <a:rPr lang="en-US" dirty="0"/>
               <a:t>R5: The application shall allow user to move player as needed.</a:t>
             </a:r>
-            <a:endParaRPr lang="en-US" dirty="0"/>
           </a:p>
           <a:p>
             <a:pPr marL="0" indent="0">
@@ -10969,7 +10819,6 @@
               <a:rPr lang="en-US" dirty="0"/>
               <a:t>R6: The application shall limit user gameplay time.</a:t>
             </a:r>
-            <a:endParaRPr lang="en-US" dirty="0"/>
           </a:p>
           <a:p>
             <a:pPr marL="0" indent="0">
@@ -10979,7 +10828,6 @@
               <a:rPr lang="en-US" dirty="0"/>
               <a:t>R7: The application must record user gameplay time for high score.</a:t>
             </a:r>
-            <a:endParaRPr lang="en-US" dirty="0"/>
           </a:p>
           <a:p>
             <a:pPr marL="0" indent="0">
@@ -11040,7 +10888,6 @@
               <a:rPr lang="en-US" dirty="0"/>
               <a:t>Non-functional Requirements </a:t>
             </a:r>
-            <a:endParaRPr lang="en-US" dirty="0"/>
           </a:p>
         </p:txBody>
       </p:sp>
@@ -11063,7 +10910,6 @@
               <a:rPr lang="en-US" dirty="0"/>
               <a:t>The application must not lag for more than 0.002 seconds</a:t>
             </a:r>
-            <a:endParaRPr lang="en-US" dirty="0"/>
           </a:p>
           <a:p>
             <a:pPr marL="0" indent="0">
@@ -11124,7 +10970,6 @@
               <a:rPr lang="en-US" dirty="0"/>
               <a:t>Use case Diagram</a:t>
             </a:r>
-            <a:endParaRPr lang="en-US" dirty="0"/>
           </a:p>
         </p:txBody>
       </p:sp>
@@ -11147,7 +10992,6 @@
               <a:rPr lang="en-US" dirty="0"/>
               <a:t>Main Menu</a:t>
             </a:r>
-            <a:endParaRPr lang="en-US" dirty="0"/>
           </a:p>
           <a:p>
             <a:pPr marL="0" indent="0">
@@ -11164,7 +11008,7 @@
           <p:nvPr/>
         </p:nvPicPr>
         <p:blipFill rotWithShape="1">
-          <a:blip r:embed="rId1">
+          <a:blip r:embed="rId2">
             <a:extLst>
               <a:ext uri="{28A0092B-C50C-407E-A947-70E740481C1C}">
                 <a14:useLocalDpi xmlns:a14="http://schemas.microsoft.com/office/drawing/2010/main" val="0"/>
@@ -11241,7 +11085,6 @@
               <a:rPr lang="en-US" dirty="0"/>
               <a:t>Use Case Diagram</a:t>
             </a:r>
-            <a:endParaRPr lang="en-US" dirty="0"/>
           </a:p>
         </p:txBody>
       </p:sp>
@@ -11264,7 +11107,6 @@
               <a:rPr lang="en-US" dirty="0"/>
               <a:t>Game Mode</a:t>
             </a:r>
-            <a:endParaRPr lang="en-US" dirty="0"/>
           </a:p>
         </p:txBody>
       </p:sp>
@@ -11277,7 +11119,7 @@
           <p:nvPr/>
         </p:nvPicPr>
         <p:blipFill>
-          <a:blip r:embed="rId1"/>
+          <a:blip r:embed="rId2"/>
           <a:stretch>
             <a:fillRect/>
           </a:stretch>
@@ -11343,7 +11185,6 @@
               <a:rPr lang="en-US" dirty="0"/>
               <a:t>Use Case Diagram</a:t>
             </a:r>
-            <a:endParaRPr lang="en-US" dirty="0"/>
           </a:p>
         </p:txBody>
       </p:sp>
@@ -11366,7 +11207,6 @@
               <a:rPr lang="en-US" dirty="0"/>
               <a:t>Tour Guide</a:t>
             </a:r>
-            <a:endParaRPr lang="en-US" dirty="0"/>
           </a:p>
         </p:txBody>
       </p:sp>
@@ -11377,7 +11217,7 @@
           <p:nvPr/>
         </p:nvPicPr>
         <p:blipFill rotWithShape="1">
-          <a:blip r:embed="rId1">
+          <a:blip r:embed="rId2">
             <a:extLst>
               <a:ext uri="{28A0092B-C50C-407E-A947-70E740481C1C}">
                 <a14:useLocalDpi xmlns:a14="http://schemas.microsoft.com/office/drawing/2010/main" val="0"/>
@@ -11454,7 +11294,6 @@
               <a:rPr lang="en-US" dirty="0"/>
               <a:t>Content</a:t>
             </a:r>
-            <a:endParaRPr lang="en-US" dirty="0"/>
           </a:p>
         </p:txBody>
       </p:sp>
@@ -11477,28 +11316,24 @@
               <a:rPr lang="en-US" dirty="0"/>
               <a:t>Introduction</a:t>
             </a:r>
-            <a:endParaRPr lang="en-US" dirty="0"/>
           </a:p>
           <a:p>
             <a:r>
               <a:rPr lang="en-US" dirty="0"/>
               <a:t>Literature Review</a:t>
             </a:r>
-            <a:endParaRPr lang="en-US" dirty="0"/>
           </a:p>
           <a:p>
             <a:r>
               <a:rPr lang="en-US" dirty="0"/>
               <a:t>Requirement analysis</a:t>
             </a:r>
-            <a:endParaRPr lang="en-US" dirty="0"/>
           </a:p>
           <a:p>
             <a:r>
               <a:rPr lang="en-US" dirty="0"/>
               <a:t>Conclusion</a:t>
             </a:r>
-            <a:endParaRPr lang="en-US" dirty="0"/>
           </a:p>
           <a:p>
             <a:r>
@@ -11563,7 +11398,6 @@
               <a:rPr lang="en-US" dirty="0"/>
               <a:t>System Sequence Diagram</a:t>
             </a:r>
-            <a:endParaRPr lang="en-US" dirty="0"/>
           </a:p>
         </p:txBody>
       </p:sp>
@@ -11574,7 +11408,7 @@
           <p:nvPr/>
         </p:nvPicPr>
         <p:blipFill rotWithShape="1">
-          <a:blip r:embed="rId1">
+          <a:blip r:embed="rId2">
             <a:extLst>
               <a:ext uri="{28A0092B-C50C-407E-A947-70E740481C1C}">
                 <a14:useLocalDpi xmlns:a14="http://schemas.microsoft.com/office/drawing/2010/main" val="0"/>
@@ -11686,7 +11520,6 @@
               <a:rPr lang="en-US" sz="2800" dirty="0" smtClean="0"/>
               <a:t>Designing of the system.</a:t>
             </a:r>
-            <a:endParaRPr lang="en-US" sz="2800" dirty="0" smtClean="0"/>
           </a:p>
           <a:p>
             <a:pPr algn="just">
@@ -11698,7 +11531,6 @@
               <a:rPr lang="en-US" sz="2800" dirty="0" smtClean="0"/>
               <a:t>Implementation of the system.</a:t>
             </a:r>
-            <a:endParaRPr lang="en-US" sz="2800" dirty="0" smtClean="0"/>
           </a:p>
           <a:p>
             <a:pPr algn="just">
@@ -11710,7 +11542,6 @@
               <a:rPr lang="en-US" sz="2800" dirty="0" smtClean="0"/>
               <a:t>Testing of the system.</a:t>
             </a:r>
-            <a:endParaRPr lang="en-US" sz="2800" dirty="0" smtClean="0"/>
           </a:p>
           <a:p>
             <a:pPr algn="just">
@@ -11722,7 +11553,6 @@
               <a:rPr lang="en-US" sz="2800" dirty="0" smtClean="0"/>
               <a:t>Final report.</a:t>
             </a:r>
-            <a:endParaRPr lang="en-US" sz="2800" dirty="0" smtClean="0"/>
           </a:p>
         </p:txBody>
       </p:sp>
@@ -11777,7 +11607,6 @@
               <a:rPr lang="en-US" dirty="0"/>
               <a:t>Conclusion</a:t>
             </a:r>
-            <a:endParaRPr lang="en-US" dirty="0"/>
           </a:p>
         </p:txBody>
       </p:sp>
@@ -11805,7 +11634,6 @@
               <a:rPr lang="en-US" dirty="0"/>
               <a:t>This app is being made to benefit students and enhance their knowledge.</a:t>
             </a:r>
-            <a:endParaRPr lang="en-US" dirty="0"/>
           </a:p>
           <a:p>
             <a:pPr marL="0" indent="0">
@@ -11818,7 +11646,6 @@
               <a:rPr lang="en-US" dirty="0"/>
               <a:t>Not many VR apps in this domain are launched yet.</a:t>
             </a:r>
-            <a:endParaRPr lang="en-US" dirty="0"/>
           </a:p>
           <a:p>
             <a:pPr marL="0" indent="0">
@@ -11831,7 +11658,6 @@
               <a:rPr lang="en-US" dirty="0"/>
               <a:t>Most suitable programming language and technology will be used to implement this VR app.</a:t>
             </a:r>
-            <a:endParaRPr lang="en-US" dirty="0"/>
           </a:p>
           <a:p>
             <a:endParaRPr lang="en-US" dirty="0"/>
@@ -11847,7 +11673,7 @@
           <p:nvPr/>
         </p:nvPicPr>
         <p:blipFill>
-          <a:blip r:embed="rId1">
+          <a:blip r:embed="rId2">
             <a:extLst>
               <a:ext uri="{28A0092B-C50C-407E-A947-70E740481C1C}">
                 <a14:useLocalDpi xmlns:a14="http://schemas.microsoft.com/office/drawing/2010/main" val="0"/>
@@ -11930,7 +11756,6 @@
               <a:rPr lang="en-US" dirty="0"/>
               <a:t>References</a:t>
             </a:r>
-            <a:endParaRPr lang="en-US" dirty="0"/>
           </a:p>
         </p:txBody>
       </p:sp>
@@ -11986,9 +11811,6 @@
               </a:rPr>
               <a:t>, "Splash Sim: A VR Experience in the Water Cycle - Apps on Google Play," Google, 10 2017. [Online]. Available: https://play.google.com/store/apps/details?id=com.splashsim.splashsim&amp;hl=en_US. [Accessed 28 7 2019].</a:t>
             </a:r>
-            <a:endParaRPr lang="en-US" sz="2600" dirty="0">
-              <a:cs typeface="Calibri" panose="020F0502020204030204" pitchFamily="34" charset="0"/>
-            </a:endParaRPr>
           </a:p>
           <a:p>
             <a:r>
@@ -12021,9 +11843,6 @@
               </a:rPr>
               <a:t> VR - Apps on Google Play," Google, 1 2016. [Online]. Available: https://play.google.com/store/apps/details?id=com.allvreducation.cicledelaigua&amp;hl=en. [Accessed 28 7 2019].</a:t>
             </a:r>
-            <a:endParaRPr lang="en-US" sz="2600" dirty="0">
-              <a:cs typeface="Calibri" panose="020F0502020204030204" pitchFamily="34" charset="0"/>
-            </a:endParaRPr>
           </a:p>
           <a:p>
             <a:r>
@@ -12032,9 +11851,6 @@
               </a:rPr>
               <a:t>[3] 	EUROCASE, "TABI The Water Cycle - Apps on Google Play," Google, 1 2016. [Online]. Available: https://play.google.com/store/apps/details?id=com.eurocase.hydrologic_cycle&amp;hl=en. [Accessed 28 7 2019].</a:t>
             </a:r>
-            <a:endParaRPr lang="en-US" sz="2600" dirty="0">
-              <a:cs typeface="Calibri" panose="020F0502020204030204" pitchFamily="34" charset="0"/>
-            </a:endParaRPr>
           </a:p>
           <a:p>
             <a:r>
@@ -12067,9 +11883,6 @@
               </a:rPr>
               <a:t>Water Cycle) - Apps on Google Play," Google, 10 2018. [Online]. Available: https://play.google.com/store/apps/details?id=com.studioxpert.watercycle. [Accessed 28 7 2019].</a:t>
             </a:r>
-            <a:endParaRPr lang="en-US" sz="2600" dirty="0">
-              <a:cs typeface="Calibri" panose="020F0502020204030204" pitchFamily="34" charset="0"/>
-            </a:endParaRPr>
           </a:p>
           <a:p>
             <a:endParaRPr lang="en-US" sz="1400" dirty="0">
@@ -12139,7 +11952,6 @@
               <a:rPr lang="en-US" dirty="0"/>
               <a:t>Thank you</a:t>
             </a:r>
-            <a:endParaRPr lang="en-US" dirty="0"/>
           </a:p>
         </p:txBody>
       </p:sp>
@@ -12162,7 +11974,6 @@
               <a:rPr lang="en-US" dirty="0"/>
               <a:t>Questions?</a:t>
             </a:r>
-            <a:endParaRPr lang="en-US" dirty="0"/>
           </a:p>
         </p:txBody>
       </p:sp>
@@ -12217,7 +12028,6 @@
               <a:rPr lang="en-US" dirty="0"/>
               <a:t>Introduction</a:t>
             </a:r>
-            <a:endParaRPr lang="en-US" dirty="0"/>
           </a:p>
         </p:txBody>
       </p:sp>
@@ -12240,28 +12050,24 @@
               <a:rPr lang="en-US" dirty="0"/>
               <a:t>Virtual Reality (VR) allows the user to have a visual view of scenario that might not be easily accessible</a:t>
             </a:r>
-            <a:endParaRPr lang="en-US" dirty="0"/>
           </a:p>
           <a:p>
             <a:r>
               <a:rPr lang="en-US" dirty="0"/>
               <a:t>Being one of the top trending technology it will help evolve the education sector as well</a:t>
             </a:r>
-            <a:endParaRPr lang="en-US" dirty="0"/>
           </a:p>
           <a:p>
             <a:r>
               <a:rPr lang="en-US" dirty="0"/>
               <a:t>Developed application will allows kids to visualize Earths water cycle and easier for them to understand</a:t>
             </a:r>
-            <a:endParaRPr lang="en-US" dirty="0"/>
           </a:p>
           <a:p>
             <a:r>
               <a:rPr lang="en-US" dirty="0"/>
               <a:t>As kids love to play games, we will include a mini game as it will make it easier to pass information to them.</a:t>
             </a:r>
-            <a:endParaRPr lang="en-US" dirty="0"/>
           </a:p>
           <a:p>
             <a:endParaRPr lang="en-US" dirty="0"/>
@@ -12322,7 +12128,6 @@
               <a:rPr lang="en-US" dirty="0"/>
               <a:t>Problem Statement	</a:t>
             </a:r>
-            <a:endParaRPr lang="en-US" dirty="0"/>
           </a:p>
         </p:txBody>
       </p:sp>
@@ -12352,7 +12157,6 @@
               <a:rPr lang="en-US" sz="2400" dirty="0"/>
               <a:t>Few VR applications</a:t>
             </a:r>
-            <a:endParaRPr lang="en-US" sz="2400" dirty="0"/>
           </a:p>
           <a:p>
             <a:pPr>
@@ -12364,7 +12168,6 @@
               <a:rPr lang="en-US" sz="2400" dirty="0"/>
               <a:t>Lack of Guidance within the application</a:t>
             </a:r>
-            <a:endParaRPr lang="en-US" sz="2400" dirty="0"/>
           </a:p>
           <a:p>
             <a:pPr>
@@ -12376,7 +12179,6 @@
               <a:rPr lang="en-US" sz="2400" dirty="0"/>
               <a:t>Lack of visualization</a:t>
             </a:r>
-            <a:endParaRPr lang="en-US" sz="2400" dirty="0"/>
           </a:p>
         </p:txBody>
       </p:sp>
@@ -12431,7 +12233,6 @@
               <a:rPr lang="en-US" dirty="0"/>
               <a:t>Objective</a:t>
             </a:r>
-            <a:endParaRPr lang="en-US" dirty="0"/>
           </a:p>
         </p:txBody>
       </p:sp>
@@ -12459,7 +12260,6 @@
               <a:rPr lang="en-US" sz="2400" dirty="0"/>
               <a:t>to develop a virtual reality application for water cycle education.</a:t>
             </a:r>
-            <a:endParaRPr lang="en-US" sz="2400" dirty="0"/>
           </a:p>
           <a:p>
             <a:pPr>
@@ -12471,7 +12271,6 @@
               <a:rPr lang="en-US" sz="2400" dirty="0"/>
               <a:t>to provide users with a game to understand water cycle.</a:t>
             </a:r>
-            <a:endParaRPr lang="en-US" sz="2400" dirty="0"/>
           </a:p>
           <a:p>
             <a:pPr>
@@ -12483,7 +12282,6 @@
               <a:rPr lang="en-US" sz="2400" dirty="0"/>
               <a:t>to provide user with different mode of interaction.</a:t>
             </a:r>
-            <a:endParaRPr lang="en-US" sz="2400" dirty="0"/>
           </a:p>
           <a:p>
             <a:pPr>
@@ -12495,7 +12293,6 @@
               <a:rPr lang="en-US" sz="2400" dirty="0"/>
               <a:t>to provide user with real model view of water cycle.</a:t>
             </a:r>
-            <a:endParaRPr lang="en-US" sz="2400" dirty="0"/>
           </a:p>
           <a:p>
             <a:endParaRPr lang="en-US" dirty="0"/>
@@ -12553,7 +12350,6 @@
               <a:rPr lang="en-US" dirty="0"/>
               <a:t>Expected outcome</a:t>
             </a:r>
-            <a:endParaRPr lang="en-US" dirty="0"/>
           </a:p>
         </p:txBody>
       </p:sp>
@@ -12576,21 +12372,18 @@
               <a:rPr lang="en-US" dirty="0"/>
               <a:t>The developed application will allow kids to have tour of different phases of water cycle</a:t>
             </a:r>
-            <a:endParaRPr lang="en-US" dirty="0"/>
           </a:p>
           <a:p>
             <a:r>
               <a:rPr lang="en-US" dirty="0"/>
               <a:t>The developed application will guide kids through different phases with help of a robot companion</a:t>
             </a:r>
-            <a:endParaRPr lang="en-US" dirty="0"/>
           </a:p>
           <a:p>
             <a:r>
               <a:rPr lang="en-US" dirty="0"/>
               <a:t>The developed application will have a mini game for kids as part of interaction.</a:t>
             </a:r>
-            <a:endParaRPr lang="en-US" dirty="0"/>
           </a:p>
         </p:txBody>
       </p:sp>
@@ -12645,7 +12438,6 @@
               <a:rPr lang="en-US" dirty="0"/>
               <a:t>Gantt Chart</a:t>
             </a:r>
-            <a:endParaRPr lang="en-US" dirty="0"/>
           </a:p>
         </p:txBody>
       </p:sp>
@@ -12661,7 +12453,7 @@
         </p:xfrm>
         <a:graphic>
           <a:graphicData uri="http://schemas.openxmlformats.org/drawingml/2006/chart">
-            <c:chart xmlns:c="http://schemas.openxmlformats.org/drawingml/2006/chart" xmlns:r="http://schemas.openxmlformats.org/officeDocument/2006/relationships" r:id="rId1"/>
+            <c:chart xmlns:c="http://schemas.openxmlformats.org/drawingml/2006/chart" xmlns:r="http://schemas.openxmlformats.org/officeDocument/2006/relationships" r:id="rId2"/>
           </a:graphicData>
         </a:graphic>
       </p:graphicFrame>
@@ -12721,7 +12513,6 @@
               <a:rPr lang="en-US" dirty="0"/>
               <a:t>Literature Review</a:t>
             </a:r>
-            <a:endParaRPr lang="en-US" dirty="0"/>
           </a:p>
         </p:txBody>
       </p:sp>
@@ -12749,7 +12540,6 @@
               <a:rPr lang="en-US" sz="2400" dirty="0"/>
               <a:t>Very few apps have been created in this domain.</a:t>
             </a:r>
-            <a:endParaRPr lang="en-US" sz="2400" dirty="0"/>
           </a:p>
           <a:p>
             <a:pPr marL="0" indent="0">
@@ -12762,7 +12552,6 @@
               <a:rPr lang="en-US" sz="2400" dirty="0"/>
               <a:t>Much apps were focused on water cycle lessons rather than visualization of the water cycle.</a:t>
             </a:r>
-            <a:endParaRPr lang="en-US" sz="2400" dirty="0"/>
           </a:p>
           <a:p>
             <a:pPr marL="0" indent="0">
@@ -12775,7 +12564,6 @@
               <a:rPr lang="en-US" sz="2400" dirty="0"/>
               <a:t>Teachers are looking forward to such applications</a:t>
             </a:r>
-            <a:endParaRPr lang="en-US" sz="2400" dirty="0"/>
           </a:p>
           <a:p>
             <a:pPr marL="0" indent="0">
@@ -12785,7 +12573,6 @@
               <a:rPr lang="en-US" sz="2400" dirty="0"/>
               <a:t> to ease the teaching.</a:t>
             </a:r>
-            <a:endParaRPr lang="en-US" sz="2400" dirty="0"/>
           </a:p>
           <a:p>
             <a:endParaRPr lang="en-US" dirty="0"/>
@@ -12801,11 +12588,11 @@
           <p:nvPr/>
         </p:nvPicPr>
         <p:blipFill>
-          <a:blip r:embed="rId1">
+          <a:blip r:embed="rId2">
             <a:extLst>
               <a:ext uri="{BEBA8EAE-BF5A-486C-A8C5-ECC9F3942E4B}">
                 <a14:imgProps xmlns:a14="http://schemas.microsoft.com/office/drawing/2010/main">
-                  <a14:imgLayer r:embed="rId2">
+                  <a14:imgLayer r:embed="rId3">
                     <a14:imgEffect>
                       <a14:backgroundRemoval t="10000" b="90000" l="10000" r="90000"/>
                     </a14:imgEffect>
@@ -12887,7 +12674,6 @@
               <a:rPr lang="en-US" dirty="0"/>
               <a:t>Similar Apps</a:t>
             </a:r>
-            <a:endParaRPr lang="en-US" dirty="0"/>
           </a:p>
         </p:txBody>
       </p:sp>
@@ -12957,10 +12743,6 @@
               </a:rPr>
               <a:t>Features:</a:t>
             </a:r>
-            <a:endParaRPr lang="en-US" b="1" dirty="0">
-              <a:latin typeface="Calibri Light" panose="020F0302020204030204" pitchFamily="34" charset="0"/>
-              <a:cs typeface="Calibri Light" panose="020F0302020204030204" pitchFamily="34" charset="0"/>
-            </a:endParaRPr>
           </a:p>
           <a:p>
             <a:pPr>
@@ -12974,10 +12756,6 @@
               </a:rPr>
               <a:t>VR app.</a:t>
             </a:r>
-            <a:endParaRPr lang="en-US" sz="1800" dirty="0">
-              <a:latin typeface="Calibri" panose="020F0502020204030204" pitchFamily="34" charset="0"/>
-              <a:cs typeface="Calibri" panose="020F0502020204030204" pitchFamily="34" charset="0"/>
-            </a:endParaRPr>
           </a:p>
           <a:p>
             <a:pPr>
@@ -12991,10 +12769,6 @@
               </a:rPr>
               <a:t>User is taken to a tour to see different phases of water cycle.</a:t>
             </a:r>
-            <a:endParaRPr lang="en-US" sz="1800" dirty="0">
-              <a:latin typeface="Calibri" panose="020F0502020204030204" pitchFamily="34" charset="0"/>
-              <a:cs typeface="Calibri" panose="020F0502020204030204" pitchFamily="34" charset="0"/>
-            </a:endParaRPr>
           </a:p>
           <a:p>
             <a:pPr>
@@ -13008,10 +12782,6 @@
               </a:rPr>
               <a:t>Text is appeared to explain user about the phases.</a:t>
             </a:r>
-            <a:endParaRPr lang="en-US" sz="1800" dirty="0">
-              <a:latin typeface="Calibri" panose="020F0502020204030204" pitchFamily="34" charset="0"/>
-              <a:cs typeface="Calibri" panose="020F0502020204030204" pitchFamily="34" charset="0"/>
-            </a:endParaRPr>
           </a:p>
           <a:p>
             <a:pPr>
@@ -13025,10 +12795,6 @@
               </a:rPr>
               <a:t>Audio effect of rain, wind and birds.</a:t>
             </a:r>
-            <a:endParaRPr lang="en-US" sz="1800" dirty="0">
-              <a:latin typeface="Calibri" panose="020F0502020204030204" pitchFamily="34" charset="0"/>
-              <a:cs typeface="Calibri" panose="020F0502020204030204" pitchFamily="34" charset="0"/>
-            </a:endParaRPr>
           </a:p>
           <a:p>
             <a:pPr marL="0" indent="0">
@@ -13050,10 +12816,6 @@
               </a:rPr>
               <a:t>Weaknesses:</a:t>
             </a:r>
-            <a:endParaRPr lang="en-US" b="1" dirty="0">
-              <a:latin typeface="Calibri Light" panose="020F0302020204030204" pitchFamily="34" charset="0"/>
-              <a:cs typeface="Calibri Light" panose="020F0302020204030204" pitchFamily="34" charset="0"/>
-            </a:endParaRPr>
           </a:p>
           <a:p>
             <a:pPr>
@@ -13067,10 +12829,6 @@
               </a:rPr>
               <a:t>Lack of animation in evaporation stage.</a:t>
             </a:r>
-            <a:endParaRPr lang="en-US" sz="1800" dirty="0">
-              <a:latin typeface="Calibri" panose="020F0502020204030204" pitchFamily="34" charset="0"/>
-              <a:cs typeface="Calibri" panose="020F0502020204030204" pitchFamily="34" charset="0"/>
-            </a:endParaRPr>
           </a:p>
           <a:p>
             <a:pPr>
@@ -13084,10 +12842,6 @@
               </a:rPr>
               <a:t>No text to speech implementation.</a:t>
             </a:r>
-            <a:endParaRPr lang="en-US" sz="1800" dirty="0">
-              <a:latin typeface="Calibri" panose="020F0502020204030204" pitchFamily="34" charset="0"/>
-              <a:cs typeface="Calibri" panose="020F0502020204030204" pitchFamily="34" charset="0"/>
-            </a:endParaRPr>
           </a:p>
           <a:p>
             <a:pPr>
@@ -13101,10 +12855,6 @@
               </a:rPr>
               <a:t>The tour gets on repeated by itself.</a:t>
             </a:r>
-            <a:endParaRPr lang="en-US" sz="1800" dirty="0">
-              <a:latin typeface="Calibri" panose="020F0502020204030204" pitchFamily="34" charset="0"/>
-              <a:cs typeface="Calibri" panose="020F0502020204030204" pitchFamily="34" charset="0"/>
-            </a:endParaRPr>
           </a:p>
           <a:p>
             <a:pPr marL="0" indent="0">
@@ -13121,11 +12871,11 @@
           <p:nvPr/>
         </p:nvPicPr>
         <p:blipFill rotWithShape="1">
-          <a:blip r:embed="rId1">
+          <a:blip r:embed="rId2">
             <a:extLst>
               <a:ext uri="{BEBA8EAE-BF5A-486C-A8C5-ECC9F3942E4B}">
                 <a14:imgProps xmlns:a14="http://schemas.microsoft.com/office/drawing/2010/main">
-                  <a14:imgLayer r:embed="rId2">
+                  <a14:imgLayer r:embed="rId3">
                     <a14:imgEffect>
                       <a14:brightnessContrast bright="40000"/>
                     </a14:imgEffect>
@@ -13418,6 +13168,8 @@
       </a:bgFillStyleLst>
     </a:fmtScheme>
   </a:themeElements>
+  <a:objectDefaults/>
+  <a:extraClrSchemeLst/>
   <a:extLst>
     <a:ext uri="{05A4C25C-085E-4340-85A3-A5531E510DB2}">
       <thm15:themeFamily xmlns:thm15="http://schemas.microsoft.com/office/thememl/2012/main" name="Office Theme" id="{62F939B6-93AF-4DB8-9C6B-D6C7DFDC589F}" vid="{4A3C46E8-61CC-4603-A589-7422A47A8E4A}"/>
@@ -13677,6 +13429,8 @@
       </a:bgFillStyleLst>
     </a:fmtScheme>
   </a:themeElements>
+  <a:objectDefaults/>
+  <a:extraClrSchemeLst/>
   <a:extLst>
     <a:ext uri="{05A4C25C-085E-4340-85A3-A5531E510DB2}">
       <thm15:themeFamily xmlns:thm15="http://schemas.microsoft.com/office/thememl/2012/main" name="Office Theme" id="{62F939B6-93AF-4DB8-9C6B-D6C7DFDC589F}" vid="{4A3C46E8-61CC-4603-A589-7422A47A8E4A}"/>
